--- a/static_control_flow/slides.pptx
+++ b/static_control_flow/slides.pptx
@@ -4,10 +4,21 @@
   <p:sldMasterIdLst>
     <p:sldMasterId id="2147483648" r:id="rId1"/>
   </p:sldMasterIdLst>
+  <p:notesMasterIdLst>
+    <p:notesMasterId r:id="rId13"/>
+  </p:notesMasterIdLst>
   <p:sldIdLst>
-    <p:sldId id="256" r:id="rId2"/>
-    <p:sldId id="257" r:id="rId3"/>
-    <p:sldId id="258" r:id="rId4"/>
+    <p:sldId id="259" r:id="rId2"/>
+    <p:sldId id="260" r:id="rId3"/>
+    <p:sldId id="261" r:id="rId4"/>
+    <p:sldId id="262" r:id="rId5"/>
+    <p:sldId id="263" r:id="rId6"/>
+    <p:sldId id="264" r:id="rId7"/>
+    <p:sldId id="265" r:id="rId8"/>
+    <p:sldId id="266" r:id="rId9"/>
+    <p:sldId id="256" r:id="rId10"/>
+    <p:sldId id="257" r:id="rId11"/>
+    <p:sldId id="258" r:id="rId12"/>
   </p:sldIdLst>
   <p:sldSz cx="12192000" cy="6858000"/>
   <p:notesSz cx="6858000" cy="9144000"/>
@@ -106,6 +117,11 @@
       </a:defRPr>
     </a:lvl9pPr>
   </p:defaultTextStyle>
+  <p:extLst>
+    <p:ext uri="{EFAFB233-063F-42B5-8137-9DF3F51BA10A}">
+      <p15:sldGuideLst xmlns:p15="http://schemas.microsoft.com/office/powerpoint/2012/main"/>
+    </p:ext>
+  </p:extLst>
 </p:presentation>
 </file>
 
@@ -279,7 +295,7 @@
   </inkml:definitions>
   <inkml:trace contextRef="#ctx0" brushRef="#br0">-4041 5733 23 0,'-23'-4'11'0,"5"-8"2"0,13 12 12 16,1 0-20-16,4 0 1 15,0 0 6-15,0 0 0 16,4 0-13-16,10-5 1 15,4 1 10-15,23 0 1 0,10 0-2 16,13-4 1-16,18-4-3 16,28-4 0-16,18-1-1 15,14 1 1-15,18 4-3 16,4 4 1-16,1 0-2 16,-5 0 1-16,-9-1-1 15,0-3 1 1,-10 4-2-16,-13 4 0 0,-4 8 0 15,-24 0 1-15,-8 0-1 16,-19 0 0-16,-5 4 0 16,1 1 0-16,4-5-1 15,5-4 0-15,-5 0 0 16,-4 0 0-16,-10 4-1 16,-9-4 1-16,-4 8-1 0,0 0 0 15,0 0 0-15,-1-4 0 16,-4 0 0-16,1-4 1 15,-1-4-1-15,-5 8 0 16,-4 0 0-16,0-4 0 16,-4 4 0-16,-5-4 0 15,-1 4 0-15,-3 1 0 0,-1-1-1 16,5 0 1-16,0 0 0 16,0 0 1-16,-1 0-1 15,-3-4 0-15,-1 0-1 16,-4 0 1-16,-5 0-1 15,0 0 1-15,-9 0-1 16,0 0 0 0,5-8-1-16,-5 8 0 0,0-8 0 15,0-5 0-15,0 1-1 16,0-4 0-16,-5-8 0 16,-4-5 0-16,-5 1-1 15,-9-13 1-15,-4-8-1 16,-10 0 1-16,5 5 1 15,-4 7 0-15,-1 1 0 0,1-1 1 16,4 5 1-16,0 7 1 16,9 5-1-16,4 4 1 15,6-5-1-15,8 21 1 16,14 0 0-16,14 17 0 16,0-1 0-16,18 8 0 15,14 9 1 1,18 7 0-16,5-3-1 15,0-1 1-15,8 1-1 16,-3-9 1-16,-10 5-2 16,-4-1 0-16,-1 1 0 15,-13 4 0-15,-14-9 0 16,-9 0 0-16,-14-3 0 0,-18-5 0 16,-18 1 0-16,-28 7 1 0,-18 0 0 15,-22 5 0-15,-10 3 0 16,-1-3 1-16,11 4-3 15,3-5 1-15,10-8-9 16,14-3 1-16,18-5-14 16,22-4 1-16,15 0-4 15,22-20 0-15</inkml:trace>
   <inkml:trace contextRef="#ctx0" brushRef="#br0" timeOffset="0.5017">362 5156 40 0,'0'4'20'0,"18"28"-9"0,0-28 33 0,5 9-39 15,5-1 1-15,8 4 5 16,19-4 0-16,23 0-13 16,13 1 0-16,28-5 9 15,-4-8 0-15,8-4-4 16,-4 4 1-16,-14 4-3 16,-18 4 0-16,-19 4-6 0,-13 0 1 15,-14 4-10-15,-13-3 1 16,-10-1-8-16,-13-4 0 31</inkml:trace>
-  <inkml:trace contextRef="#ctx0" brushRef="#br0" timeOffset="1.5017">906 4721 29 0,'-9'-25'14'0,"4"13"0"0,5 12 14 15,-4 0-25-15,-1 4 0 16,5 13 4-16,0 19 1 0,-4 17-8 15,-1 16 1-15,0 8 7 16,-4 29 0-16,0 20-2 0,0-4 1 16,0-4-3-16,4-13 1 15,1-15-5-15,-1-29 1 16,1-12-8-16,-6-17 0 16,1-24-5-1,5-16 0-15,-1-8-7 16,1-9 0-16</inkml:trace>
+  <inkml:trace contextRef="#ctx0" brushRef="#br0" timeOffset="1.5015">906 4721 29 0,'-9'-25'14'0,"4"13"0"0,5 12 14 15,-4 0-25-15,-1 4 0 16,5 13 4-16,0 19 1 0,-4 17-8 15,-1 16 1-15,0 8 7 16,-4 29 0-16,0 20-2 0,0-4 1 16,0-4-3-16,4-13 1 15,1-15-5-15,-1-29 1 16,1-12-8-16,-6-17 0 16,1-24-5-1,5-16 0-15,-1-8-7 16,1-9 0-16</inkml:trace>
   <inkml:trace contextRef="#ctx0" brushRef="#br0" timeOffset="2.5017">1624 5920 24 0,'0'0'12'0,"4"-4"9"16,-4 4 7-16,5-13-23 16,-1 5 1-16,-4-4 3 15,-4-4 0-15,-5-4-11 0,0-9 0 16,-1 1 8-16,-3-1 0 0,-1-3-3 15,5-5 1-15,0 1-2 16,4 3 0-16,1 1 0 16,4 3 0-16,4 5 0 15,10-1 0-15,4 5 1 16,10 8 1-16,-1 0-2 0,10 12 1 16,13-9-1-16,0 9 1 15,-4 5-2-15,-9-1 0 16,-1 4-1-16,1 4 1 15,-5 0-5-15,0-4 1 16,0 0-7-16,-5-8 1 31,1 0-11-31,-6-8 0 0</inkml:trace>
   <inkml:trace contextRef="#ctx0" brushRef="#br0" timeOffset="3.5017">2250 5436 20 0,'0'8'10'0,"0"4"12"16,0-8-2-16,-4 9-17 16,-1 3 1-16,-4 8 4 15,0 9 0-15,0-1-9 31,-1 9 1-31,6 4 6 0,4-1 1 16,4-3-1-16,6-8 0 16,8-5-1-16,5-4 0 15,4-3-1-15,1-13 0 16,4 0-2-16,-5-16 1 16,5-12-1-16,0-5 0 15,5-11-2 1,-10 3 1-16,-9 5-1 15,-4 3 1-15,0-3-2 16,-10-1 0-16,5 1-1 16,1-9 1-16,-1 1 0 15,0-1 1-15,-9 9 0 16,0 3 0 0,0 5 1-16,0 4 0 0,-5 4-1 15,1-1 1-15,-1 5-3 16,1 4 1-16,-1 4-6 15,0 4 0-15,5 4-11 16,5 5 0-16</inkml:trace>
   <inkml:trace contextRef="#ctx0" brushRef="#br0" timeOffset="4.5017">2790 5558 25 0,'-5'-4'12'0,"5"12"2"0,0-8 4 15,0 0-14-15,5 4 1 0,4 4 3 16,4-4 1-16,1 4-10 16,9-3 1-16,4-1 6 15,5 0 1-15,0-8-3 32,5-5 1-32,4-7-3 0,-9-4 1 15,-4-9-2-15,-5 9 0 16,-5-4-1-16,-4-1 1 15,-5 1-1-15,-5-4 1 16,-8-1-1-16,-1 1 0 16,-9 3 0-16,-4 5 0 15,-5 8 0-15,-9 8 1 0,-4 12-1 16,-10 8 0-16,0 8 0 16,5 5 1-16,4 7-1 15,10 5 0-15,4 0 1 16,9-5 0-16,5 5 2 15,9-9 0-15,5 1 1 16,4 4 1 0,5-1 0-16,4 5 0 15,5-5-1-15,4-7 1 0,5-5-2 16,5-8 1-16,9-3-1 16,4-1 0-16,5-8-2 15,4-4 0-15,1-12-3 16,-10 0 1-16,0-1-8 15,-9-3 1-15,-4 0-14 0,-5 0 1 16,0 3-1-16,-9 1 0 16</inkml:trace>
@@ -938,6 +954,1004 @@
 </inkml:ink>
 </file>
 
+<file path=ppt/notesMasters/notesMaster1.xml><?xml version="1.0" encoding="utf-8"?>
+<p:notesMaster xmlns:a="http://schemas.openxmlformats.org/drawingml/2006/main" xmlns:r="http://schemas.openxmlformats.org/officeDocument/2006/relationships" xmlns:p="http://schemas.openxmlformats.org/presentationml/2006/main">
+  <p:cSld>
+    <p:bg>
+      <p:bgRef idx="1001">
+        <a:schemeClr val="bg1"/>
+      </p:bgRef>
+    </p:bg>
+    <p:spTree>
+      <p:nvGrpSpPr>
+        <p:cNvPr id="1" name=""/>
+        <p:cNvGrpSpPr/>
+        <p:nvPr/>
+      </p:nvGrpSpPr>
+      <p:grpSpPr>
+        <a:xfrm>
+          <a:off x="0" y="0"/>
+          <a:ext cx="0" cy="0"/>
+          <a:chOff x="0" y="0"/>
+          <a:chExt cx="0" cy="0"/>
+        </a:xfrm>
+      </p:grpSpPr>
+      <p:sp>
+        <p:nvSpPr>
+          <p:cNvPr id="2" name="Header Placeholder 1"/>
+          <p:cNvSpPr>
+            <a:spLocks noGrp="1"/>
+          </p:cNvSpPr>
+          <p:nvPr>
+            <p:ph type="hdr" sz="quarter"/>
+          </p:nvPr>
+        </p:nvSpPr>
+        <p:spPr>
+          <a:xfrm>
+            <a:off x="0" y="0"/>
+            <a:ext cx="2971800" cy="458788"/>
+          </a:xfrm>
+          <a:prstGeom prst="rect">
+            <a:avLst/>
+          </a:prstGeom>
+        </p:spPr>
+        <p:txBody>
+          <a:bodyPr vert="horz" lIns="91440" tIns="45720" rIns="91440" bIns="45720" rtlCol="0"/>
+          <a:lstStyle>
+            <a:lvl1pPr algn="l">
+              <a:defRPr sz="1200"/>
+            </a:lvl1pPr>
+          </a:lstStyle>
+          <a:p>
+            <a:endParaRPr lang="it-IT"/>
+          </a:p>
+        </p:txBody>
+      </p:sp>
+      <p:sp>
+        <p:nvSpPr>
+          <p:cNvPr id="3" name="Date Placeholder 2"/>
+          <p:cNvSpPr>
+            <a:spLocks noGrp="1"/>
+          </p:cNvSpPr>
+          <p:nvPr>
+            <p:ph type="dt" idx="1"/>
+          </p:nvPr>
+        </p:nvSpPr>
+        <p:spPr>
+          <a:xfrm>
+            <a:off x="3884613" y="0"/>
+            <a:ext cx="2971800" cy="458788"/>
+          </a:xfrm>
+          <a:prstGeom prst="rect">
+            <a:avLst/>
+          </a:prstGeom>
+        </p:spPr>
+        <p:txBody>
+          <a:bodyPr vert="horz" lIns="91440" tIns="45720" rIns="91440" bIns="45720" rtlCol="0"/>
+          <a:lstStyle>
+            <a:lvl1pPr algn="r">
+              <a:defRPr sz="1200"/>
+            </a:lvl1pPr>
+          </a:lstStyle>
+          <a:p>
+            <a:fld id="{CDBABB74-F18E-4162-82D3-4FF62E96D8D2}" type="datetimeFigureOut">
+              <a:rPr lang="it-IT" smtClean="0"/>
+              <a:t>22/08/2016</a:t>
+            </a:fld>
+            <a:endParaRPr lang="it-IT"/>
+          </a:p>
+        </p:txBody>
+      </p:sp>
+      <p:sp>
+        <p:nvSpPr>
+          <p:cNvPr id="4" name="Slide Image Placeholder 3"/>
+          <p:cNvSpPr>
+            <a:spLocks noGrp="1" noRot="1" noChangeAspect="1"/>
+          </p:cNvSpPr>
+          <p:nvPr>
+            <p:ph type="sldImg" idx="2"/>
+          </p:nvPr>
+        </p:nvSpPr>
+        <p:spPr>
+          <a:xfrm>
+            <a:off x="685800" y="1143000"/>
+            <a:ext cx="5486400" cy="3086100"/>
+          </a:xfrm>
+          <a:prstGeom prst="rect">
+            <a:avLst/>
+          </a:prstGeom>
+          <a:noFill/>
+          <a:ln w="12700">
+            <a:solidFill>
+              <a:prstClr val="black"/>
+            </a:solidFill>
+          </a:ln>
+        </p:spPr>
+        <p:txBody>
+          <a:bodyPr vert="horz" lIns="91440" tIns="45720" rIns="91440" bIns="45720" rtlCol="0" anchor="ctr"/>
+          <a:lstStyle/>
+          <a:p>
+            <a:endParaRPr lang="it-IT"/>
+          </a:p>
+        </p:txBody>
+      </p:sp>
+      <p:sp>
+        <p:nvSpPr>
+          <p:cNvPr id="5" name="Notes Placeholder 4"/>
+          <p:cNvSpPr>
+            <a:spLocks noGrp="1"/>
+          </p:cNvSpPr>
+          <p:nvPr>
+            <p:ph type="body" sz="quarter" idx="3"/>
+          </p:nvPr>
+        </p:nvSpPr>
+        <p:spPr>
+          <a:xfrm>
+            <a:off x="685800" y="4400550"/>
+            <a:ext cx="5486400" cy="3600450"/>
+          </a:xfrm>
+          <a:prstGeom prst="rect">
+            <a:avLst/>
+          </a:prstGeom>
+        </p:spPr>
+        <p:txBody>
+          <a:bodyPr vert="horz" lIns="91440" tIns="45720" rIns="91440" bIns="45720" rtlCol="0"/>
+          <a:lstStyle/>
+          <a:p>
+            <a:pPr lvl="0"/>
+            <a:r>
+              <a:rPr lang="en-US"/>
+              <a:t>Edit Master text styles</a:t>
+            </a:r>
+          </a:p>
+          <a:p>
+            <a:pPr lvl="1"/>
+            <a:r>
+              <a:rPr lang="en-US"/>
+              <a:t>Second level</a:t>
+            </a:r>
+          </a:p>
+          <a:p>
+            <a:pPr lvl="2"/>
+            <a:r>
+              <a:rPr lang="en-US"/>
+              <a:t>Third level</a:t>
+            </a:r>
+          </a:p>
+          <a:p>
+            <a:pPr lvl="3"/>
+            <a:r>
+              <a:rPr lang="en-US"/>
+              <a:t>Fourth level</a:t>
+            </a:r>
+          </a:p>
+          <a:p>
+            <a:pPr lvl="4"/>
+            <a:r>
+              <a:rPr lang="en-US"/>
+              <a:t>Fifth level</a:t>
+            </a:r>
+            <a:endParaRPr lang="it-IT"/>
+          </a:p>
+        </p:txBody>
+      </p:sp>
+      <p:sp>
+        <p:nvSpPr>
+          <p:cNvPr id="6" name="Footer Placeholder 5"/>
+          <p:cNvSpPr>
+            <a:spLocks noGrp="1"/>
+          </p:cNvSpPr>
+          <p:nvPr>
+            <p:ph type="ftr" sz="quarter" idx="4"/>
+          </p:nvPr>
+        </p:nvSpPr>
+        <p:spPr>
+          <a:xfrm>
+            <a:off x="0" y="8685213"/>
+            <a:ext cx="2971800" cy="458787"/>
+          </a:xfrm>
+          <a:prstGeom prst="rect">
+            <a:avLst/>
+          </a:prstGeom>
+        </p:spPr>
+        <p:txBody>
+          <a:bodyPr vert="horz" lIns="91440" tIns="45720" rIns="91440" bIns="45720" rtlCol="0" anchor="b"/>
+          <a:lstStyle>
+            <a:lvl1pPr algn="l">
+              <a:defRPr sz="1200"/>
+            </a:lvl1pPr>
+          </a:lstStyle>
+          <a:p>
+            <a:endParaRPr lang="it-IT"/>
+          </a:p>
+        </p:txBody>
+      </p:sp>
+      <p:sp>
+        <p:nvSpPr>
+          <p:cNvPr id="7" name="Slide Number Placeholder 6"/>
+          <p:cNvSpPr>
+            <a:spLocks noGrp="1"/>
+          </p:cNvSpPr>
+          <p:nvPr>
+            <p:ph type="sldNum" sz="quarter" idx="5"/>
+          </p:nvPr>
+        </p:nvSpPr>
+        <p:spPr>
+          <a:xfrm>
+            <a:off x="3884613" y="8685213"/>
+            <a:ext cx="2971800" cy="458787"/>
+          </a:xfrm>
+          <a:prstGeom prst="rect">
+            <a:avLst/>
+          </a:prstGeom>
+        </p:spPr>
+        <p:txBody>
+          <a:bodyPr vert="horz" lIns="91440" tIns="45720" rIns="91440" bIns="45720" rtlCol="0" anchor="b"/>
+          <a:lstStyle>
+            <a:lvl1pPr algn="r">
+              <a:defRPr sz="1200"/>
+            </a:lvl1pPr>
+          </a:lstStyle>
+          <a:p>
+            <a:fld id="{FCA4862E-9507-4BEC-B7E3-B3B5E302CC7C}" type="slidenum">
+              <a:rPr lang="it-IT" smtClean="0"/>
+              <a:t>‹#›</a:t>
+            </a:fld>
+            <a:endParaRPr lang="it-IT"/>
+          </a:p>
+        </p:txBody>
+      </p:sp>
+    </p:spTree>
+    <p:extLst>
+      <p:ext uri="{BB962C8B-B14F-4D97-AF65-F5344CB8AC3E}">
+        <p14:creationId xmlns:p14="http://schemas.microsoft.com/office/powerpoint/2010/main" val="1617207503"/>
+      </p:ext>
+    </p:extLst>
+  </p:cSld>
+  <p:clrMap bg1="lt1" tx1="dk1" bg2="lt2" tx2="dk2" accent1="accent1" accent2="accent2" accent3="accent3" accent4="accent4" accent5="accent5" accent6="accent6" hlink="hlink" folHlink="folHlink"/>
+  <p:notesStyle>
+    <a:lvl1pPr marL="0" algn="l" defTabSz="914400" rtl="0" eaLnBrk="1" latinLnBrk="0" hangingPunct="1">
+      <a:defRPr sz="1200" kern="1200">
+        <a:solidFill>
+          <a:schemeClr val="tx1"/>
+        </a:solidFill>
+        <a:latin typeface="+mn-lt"/>
+        <a:ea typeface="+mn-ea"/>
+        <a:cs typeface="+mn-cs"/>
+      </a:defRPr>
+    </a:lvl1pPr>
+    <a:lvl2pPr marL="457200" algn="l" defTabSz="914400" rtl="0" eaLnBrk="1" latinLnBrk="0" hangingPunct="1">
+      <a:defRPr sz="1200" kern="1200">
+        <a:solidFill>
+          <a:schemeClr val="tx1"/>
+        </a:solidFill>
+        <a:latin typeface="+mn-lt"/>
+        <a:ea typeface="+mn-ea"/>
+        <a:cs typeface="+mn-cs"/>
+      </a:defRPr>
+    </a:lvl2pPr>
+    <a:lvl3pPr marL="914400" algn="l" defTabSz="914400" rtl="0" eaLnBrk="1" latinLnBrk="0" hangingPunct="1">
+      <a:defRPr sz="1200" kern="1200">
+        <a:solidFill>
+          <a:schemeClr val="tx1"/>
+        </a:solidFill>
+        <a:latin typeface="+mn-lt"/>
+        <a:ea typeface="+mn-ea"/>
+        <a:cs typeface="+mn-cs"/>
+      </a:defRPr>
+    </a:lvl3pPr>
+    <a:lvl4pPr marL="1371600" algn="l" defTabSz="914400" rtl="0" eaLnBrk="1" latinLnBrk="0" hangingPunct="1">
+      <a:defRPr sz="1200" kern="1200">
+        <a:solidFill>
+          <a:schemeClr val="tx1"/>
+        </a:solidFill>
+        <a:latin typeface="+mn-lt"/>
+        <a:ea typeface="+mn-ea"/>
+        <a:cs typeface="+mn-cs"/>
+      </a:defRPr>
+    </a:lvl4pPr>
+    <a:lvl5pPr marL="1828800" algn="l" defTabSz="914400" rtl="0" eaLnBrk="1" latinLnBrk="0" hangingPunct="1">
+      <a:defRPr sz="1200" kern="1200">
+        <a:solidFill>
+          <a:schemeClr val="tx1"/>
+        </a:solidFill>
+        <a:latin typeface="+mn-lt"/>
+        <a:ea typeface="+mn-ea"/>
+        <a:cs typeface="+mn-cs"/>
+      </a:defRPr>
+    </a:lvl5pPr>
+    <a:lvl6pPr marL="2286000" algn="l" defTabSz="914400" rtl="0" eaLnBrk="1" latinLnBrk="0" hangingPunct="1">
+      <a:defRPr sz="1200" kern="1200">
+        <a:solidFill>
+          <a:schemeClr val="tx1"/>
+        </a:solidFill>
+        <a:latin typeface="+mn-lt"/>
+        <a:ea typeface="+mn-ea"/>
+        <a:cs typeface="+mn-cs"/>
+      </a:defRPr>
+    </a:lvl6pPr>
+    <a:lvl7pPr marL="2743200" algn="l" defTabSz="914400" rtl="0" eaLnBrk="1" latinLnBrk="0" hangingPunct="1">
+      <a:defRPr sz="1200" kern="1200">
+        <a:solidFill>
+          <a:schemeClr val="tx1"/>
+        </a:solidFill>
+        <a:latin typeface="+mn-lt"/>
+        <a:ea typeface="+mn-ea"/>
+        <a:cs typeface="+mn-cs"/>
+      </a:defRPr>
+    </a:lvl7pPr>
+    <a:lvl8pPr marL="3200400" algn="l" defTabSz="914400" rtl="0" eaLnBrk="1" latinLnBrk="0" hangingPunct="1">
+      <a:defRPr sz="1200" kern="1200">
+        <a:solidFill>
+          <a:schemeClr val="tx1"/>
+        </a:solidFill>
+        <a:latin typeface="+mn-lt"/>
+        <a:ea typeface="+mn-ea"/>
+        <a:cs typeface="+mn-cs"/>
+      </a:defRPr>
+    </a:lvl8pPr>
+    <a:lvl9pPr marL="3657600" algn="l" defTabSz="914400" rtl="0" eaLnBrk="1" latinLnBrk="0" hangingPunct="1">
+      <a:defRPr sz="1200" kern="1200">
+        <a:solidFill>
+          <a:schemeClr val="tx1"/>
+        </a:solidFill>
+        <a:latin typeface="+mn-lt"/>
+        <a:ea typeface="+mn-ea"/>
+        <a:cs typeface="+mn-cs"/>
+      </a:defRPr>
+    </a:lvl9pPr>
+  </p:notesStyle>
+</p:notesMaster>
+</file>
+
+<file path=ppt/notesSlides/notesSlide1.xml><?xml version="1.0" encoding="utf-8"?>
+<p:notes xmlns:a="http://schemas.openxmlformats.org/drawingml/2006/main" xmlns:r="http://schemas.openxmlformats.org/officeDocument/2006/relationships" xmlns:p="http://schemas.openxmlformats.org/presentationml/2006/main">
+  <p:cSld>
+    <p:spTree>
+      <p:nvGrpSpPr>
+        <p:cNvPr id="1" name=""/>
+        <p:cNvGrpSpPr/>
+        <p:nvPr/>
+      </p:nvGrpSpPr>
+      <p:grpSpPr>
+        <a:xfrm>
+          <a:off x="0" y="0"/>
+          <a:ext cx="0" cy="0"/>
+          <a:chOff x="0" y="0"/>
+          <a:chExt cx="0" cy="0"/>
+        </a:xfrm>
+      </p:grpSpPr>
+      <p:sp>
+        <p:nvSpPr>
+          <p:cNvPr id="2" name="Slide Image Placeholder 1"/>
+          <p:cNvSpPr>
+            <a:spLocks noGrp="1" noRot="1" noChangeAspect="1"/>
+          </p:cNvSpPr>
+          <p:nvPr>
+            <p:ph type="sldImg"/>
+          </p:nvPr>
+        </p:nvSpPr>
+        <p:spPr/>
+      </p:sp>
+      <p:sp>
+        <p:nvSpPr>
+          <p:cNvPr id="3" name="Notes Placeholder 2"/>
+          <p:cNvSpPr>
+            <a:spLocks noGrp="1"/>
+          </p:cNvSpPr>
+          <p:nvPr>
+            <p:ph type="body" idx="1"/>
+          </p:nvPr>
+        </p:nvSpPr>
+        <p:spPr/>
+        <p:txBody>
+          <a:bodyPr/>
+          <a:lstStyle/>
+          <a:p>
+            <a:r>
+              <a:rPr lang="en-US" dirty="0"/>
+              <a:t>// "static if" is a name given to the compile-time counterpart of the `if` statement - its inclusion in the C++ language has been controversially proposed multiple times, but it has found a home in other languages. (C++17 will finally introduce a compile-time branching construct that we're going to analyze in this talk.)</a:t>
+            </a:r>
+          </a:p>
+          <a:p>
+            <a:endParaRPr lang="en-US" dirty="0"/>
+          </a:p>
+          <a:p>
+            <a:r>
+              <a:rPr lang="en-US" dirty="0"/>
+              <a:t>// C++ developers often feel that the functional purity of template metaprogramming and its lack of explicit control flow options make compile-time code harder to implement and to reason about.</a:t>
+            </a:r>
+          </a:p>
+          <a:p>
+            <a:endParaRPr lang="en-US" dirty="0"/>
+          </a:p>
+          <a:p>
+            <a:r>
+              <a:rPr lang="en-US" dirty="0"/>
+              <a:t>// In this talk, we'll analyze and implement two powerful compile-time</a:t>
+            </a:r>
+            <a:r>
+              <a:rPr lang="en-US" baseline="0" dirty="0"/>
+              <a:t> </a:t>
+            </a:r>
+            <a:r>
+              <a:rPr lang="en-US" dirty="0"/>
+              <a:t>C++14 control flow constructs: `</a:t>
+            </a:r>
+            <a:r>
+              <a:rPr lang="en-US" dirty="0" err="1"/>
+              <a:t>static_if</a:t>
+            </a:r>
+            <a:r>
+              <a:rPr lang="en-US" dirty="0"/>
+              <a:t>` and `</a:t>
+            </a:r>
+            <a:r>
+              <a:rPr lang="en-US" dirty="0" err="1"/>
+              <a:t>static_for</a:t>
+            </a:r>
+            <a:r>
+              <a:rPr lang="en-US" dirty="0"/>
+              <a:t>`.</a:t>
+            </a:r>
+          </a:p>
+          <a:p>
+            <a:endParaRPr lang="en-US" dirty="0"/>
+          </a:p>
+          <a:p>
+            <a:r>
+              <a:rPr lang="en-US" dirty="0"/>
+              <a:t>// Before doing that, we'll look at some examples of `static if` in action in other languages, and at the new `if </a:t>
+            </a:r>
+            <a:r>
+              <a:rPr lang="en-US" dirty="0" err="1"/>
+              <a:t>constexpr</a:t>
+            </a:r>
+            <a:r>
+              <a:rPr lang="en-US" dirty="0"/>
+              <a:t>` construct.</a:t>
+            </a:r>
+            <a:endParaRPr lang="it-IT" dirty="0"/>
+          </a:p>
+        </p:txBody>
+      </p:sp>
+      <p:sp>
+        <p:nvSpPr>
+          <p:cNvPr id="4" name="Slide Number Placeholder 3"/>
+          <p:cNvSpPr>
+            <a:spLocks noGrp="1"/>
+          </p:cNvSpPr>
+          <p:nvPr>
+            <p:ph type="sldNum" sz="quarter" idx="10"/>
+          </p:nvPr>
+        </p:nvSpPr>
+        <p:spPr/>
+        <p:txBody>
+          <a:bodyPr/>
+          <a:lstStyle/>
+          <a:p>
+            <a:fld id="{FCA4862E-9507-4BEC-B7E3-B3B5E302CC7C}" type="slidenum">
+              <a:rPr lang="it-IT" smtClean="0"/>
+              <a:t>2</a:t>
+            </a:fld>
+            <a:endParaRPr lang="it-IT"/>
+          </a:p>
+        </p:txBody>
+      </p:sp>
+    </p:spTree>
+    <p:extLst>
+      <p:ext uri="{BB962C8B-B14F-4D97-AF65-F5344CB8AC3E}">
+        <p14:creationId xmlns:p14="http://schemas.microsoft.com/office/powerpoint/2010/main" val="466301532"/>
+      </p:ext>
+    </p:extLst>
+  </p:cSld>
+  <p:clrMapOvr>
+    <a:masterClrMapping/>
+  </p:clrMapOvr>
+</p:notes>
+</file>
+
+<file path=ppt/notesSlides/notesSlide2.xml><?xml version="1.0" encoding="utf-8"?>
+<p:notes xmlns:a="http://schemas.openxmlformats.org/drawingml/2006/main" xmlns:r="http://schemas.openxmlformats.org/officeDocument/2006/relationships" xmlns:p="http://schemas.openxmlformats.org/presentationml/2006/main">
+  <p:cSld>
+    <p:spTree>
+      <p:nvGrpSpPr>
+        <p:cNvPr id="1" name=""/>
+        <p:cNvGrpSpPr/>
+        <p:nvPr/>
+      </p:nvGrpSpPr>
+      <p:grpSpPr>
+        <a:xfrm>
+          <a:off x="0" y="0"/>
+          <a:ext cx="0" cy="0"/>
+          <a:chOff x="0" y="0"/>
+          <a:chExt cx="0" cy="0"/>
+        </a:xfrm>
+      </p:grpSpPr>
+      <p:sp>
+        <p:nvSpPr>
+          <p:cNvPr id="2" name="Slide Image Placeholder 1"/>
+          <p:cNvSpPr>
+            <a:spLocks noGrp="1" noRot="1" noChangeAspect="1"/>
+          </p:cNvSpPr>
+          <p:nvPr>
+            <p:ph type="sldImg"/>
+          </p:nvPr>
+        </p:nvSpPr>
+        <p:spPr/>
+      </p:sp>
+      <p:sp>
+        <p:nvSpPr>
+          <p:cNvPr id="3" name="Notes Placeholder 2"/>
+          <p:cNvSpPr>
+            <a:spLocks noGrp="1"/>
+          </p:cNvSpPr>
+          <p:nvPr>
+            <p:ph type="body" idx="1"/>
+          </p:nvPr>
+        </p:nvSpPr>
+        <p:spPr/>
+        <p:txBody>
+          <a:bodyPr/>
+          <a:lstStyle/>
+          <a:p>
+            <a:r>
+              <a:rPr lang="en-US" dirty="0"/>
+              <a:t>// The above D code snippet shows a working compile-time `static if`, where every branch does not introduce a new scope.</a:t>
+            </a:r>
+          </a:p>
+          <a:p>
+            <a:endParaRPr lang="en-US" dirty="0"/>
+          </a:p>
+          <a:p>
+            <a:r>
+              <a:rPr lang="en-US" dirty="0"/>
+              <a:t>// To achieve the same result in C++, a solution based on "explicit template specialization" can be used:</a:t>
+            </a:r>
+          </a:p>
+          <a:p>
+            <a:endParaRPr lang="it-IT" dirty="0"/>
+          </a:p>
+        </p:txBody>
+      </p:sp>
+      <p:sp>
+        <p:nvSpPr>
+          <p:cNvPr id="4" name="Slide Number Placeholder 3"/>
+          <p:cNvSpPr>
+            <a:spLocks noGrp="1"/>
+          </p:cNvSpPr>
+          <p:nvPr>
+            <p:ph type="sldNum" sz="quarter" idx="10"/>
+          </p:nvPr>
+        </p:nvSpPr>
+        <p:spPr/>
+        <p:txBody>
+          <a:bodyPr/>
+          <a:lstStyle/>
+          <a:p>
+            <a:fld id="{FCA4862E-9507-4BEC-B7E3-B3B5E302CC7C}" type="slidenum">
+              <a:rPr lang="it-IT" smtClean="0"/>
+              <a:t>3</a:t>
+            </a:fld>
+            <a:endParaRPr lang="it-IT"/>
+          </a:p>
+        </p:txBody>
+      </p:sp>
+    </p:spTree>
+    <p:extLst>
+      <p:ext uri="{BB962C8B-B14F-4D97-AF65-F5344CB8AC3E}">
+        <p14:creationId xmlns:p14="http://schemas.microsoft.com/office/powerpoint/2010/main" val="2838806843"/>
+      </p:ext>
+    </p:extLst>
+  </p:cSld>
+  <p:clrMapOvr>
+    <a:masterClrMapping/>
+  </p:clrMapOvr>
+</p:notes>
+</file>
+
+<file path=ppt/notesSlides/notesSlide3.xml><?xml version="1.0" encoding="utf-8"?>
+<p:notes xmlns:a="http://schemas.openxmlformats.org/drawingml/2006/main" xmlns:r="http://schemas.openxmlformats.org/officeDocument/2006/relationships" xmlns:p="http://schemas.openxmlformats.org/presentationml/2006/main">
+  <p:cSld>
+    <p:spTree>
+      <p:nvGrpSpPr>
+        <p:cNvPr id="1" name=""/>
+        <p:cNvGrpSpPr/>
+        <p:nvPr/>
+      </p:nvGrpSpPr>
+      <p:grpSpPr>
+        <a:xfrm>
+          <a:off x="0" y="0"/>
+          <a:ext cx="0" cy="0"/>
+          <a:chOff x="0" y="0"/>
+          <a:chExt cx="0" cy="0"/>
+        </a:xfrm>
+      </p:grpSpPr>
+      <p:sp>
+        <p:nvSpPr>
+          <p:cNvPr id="2" name="Slide Image Placeholder 1"/>
+          <p:cNvSpPr>
+            <a:spLocks noGrp="1" noRot="1" noChangeAspect="1"/>
+          </p:cNvSpPr>
+          <p:nvPr>
+            <p:ph type="sldImg"/>
+          </p:nvPr>
+        </p:nvSpPr>
+        <p:spPr/>
+      </p:sp>
+      <p:sp>
+        <p:nvSpPr>
+          <p:cNvPr id="3" name="Notes Placeholder 2"/>
+          <p:cNvSpPr>
+            <a:spLocks noGrp="1"/>
+          </p:cNvSpPr>
+          <p:nvPr>
+            <p:ph type="body" idx="1"/>
+          </p:nvPr>
+        </p:nvSpPr>
+        <p:spPr/>
+        <p:txBody>
+          <a:bodyPr/>
+          <a:lstStyle/>
+          <a:p>
+            <a:r>
+              <a:rPr lang="en-US" dirty="0"/>
+              <a:t>// "static if" is not only useful when defining type aliases, but it's very convenient (and considered superior to specialization) in contexts where a small piece of code needs to be conditionally executed depending on a compile-time condition.</a:t>
+            </a:r>
+          </a:p>
+          <a:p>
+            <a:endParaRPr lang="en-US" dirty="0"/>
+          </a:p>
+          <a:p>
+            <a:r>
+              <a:rPr lang="en-US" dirty="0"/>
+              <a:t>Traditional:</a:t>
+            </a:r>
+            <a:r>
+              <a:rPr lang="en-US" baseline="0" dirty="0"/>
+              <a:t> two overloads, repetition</a:t>
+            </a:r>
+            <a:endParaRPr lang="it-IT" dirty="0"/>
+          </a:p>
+        </p:txBody>
+      </p:sp>
+      <p:sp>
+        <p:nvSpPr>
+          <p:cNvPr id="4" name="Slide Number Placeholder 3"/>
+          <p:cNvSpPr>
+            <a:spLocks noGrp="1"/>
+          </p:cNvSpPr>
+          <p:nvPr>
+            <p:ph type="sldNum" sz="quarter" idx="10"/>
+          </p:nvPr>
+        </p:nvSpPr>
+        <p:spPr/>
+        <p:txBody>
+          <a:bodyPr/>
+          <a:lstStyle/>
+          <a:p>
+            <a:fld id="{FCA4862E-9507-4BEC-B7E3-B3B5E302CC7C}" type="slidenum">
+              <a:rPr lang="it-IT" smtClean="0"/>
+              <a:t>4</a:t>
+            </a:fld>
+            <a:endParaRPr lang="it-IT"/>
+          </a:p>
+        </p:txBody>
+      </p:sp>
+    </p:spTree>
+    <p:extLst>
+      <p:ext uri="{BB962C8B-B14F-4D97-AF65-F5344CB8AC3E}">
+        <p14:creationId xmlns:p14="http://schemas.microsoft.com/office/powerpoint/2010/main" val="3535369173"/>
+      </p:ext>
+    </p:extLst>
+  </p:cSld>
+  <p:clrMapOvr>
+    <a:masterClrMapping/>
+  </p:clrMapOvr>
+</p:notes>
+</file>
+
+<file path=ppt/notesSlides/notesSlide4.xml><?xml version="1.0" encoding="utf-8"?>
+<p:notes xmlns:a="http://schemas.openxmlformats.org/drawingml/2006/main" xmlns:r="http://schemas.openxmlformats.org/officeDocument/2006/relationships" xmlns:p="http://schemas.openxmlformats.org/presentationml/2006/main">
+  <p:cSld>
+    <p:spTree>
+      <p:nvGrpSpPr>
+        <p:cNvPr id="1" name=""/>
+        <p:cNvGrpSpPr/>
+        <p:nvPr/>
+      </p:nvGrpSpPr>
+      <p:grpSpPr>
+        <a:xfrm>
+          <a:off x="0" y="0"/>
+          <a:ext cx="0" cy="0"/>
+          <a:chOff x="0" y="0"/>
+          <a:chExt cx="0" cy="0"/>
+        </a:xfrm>
+      </p:grpSpPr>
+      <p:sp>
+        <p:nvSpPr>
+          <p:cNvPr id="2" name="Slide Image Placeholder 1"/>
+          <p:cNvSpPr>
+            <a:spLocks noGrp="1" noRot="1" noChangeAspect="1"/>
+          </p:cNvSpPr>
+          <p:nvPr>
+            <p:ph type="sldImg"/>
+          </p:nvPr>
+        </p:nvSpPr>
+        <p:spPr/>
+      </p:sp>
+      <p:sp>
+        <p:nvSpPr>
+          <p:cNvPr id="3" name="Notes Placeholder 2"/>
+          <p:cNvSpPr>
+            <a:spLocks noGrp="1"/>
+          </p:cNvSpPr>
+          <p:nvPr>
+            <p:ph type="body" idx="1"/>
+          </p:nvPr>
+        </p:nvSpPr>
+        <p:spPr/>
+        <p:txBody>
+          <a:bodyPr/>
+          <a:lstStyle/>
+          <a:p>
+            <a:r>
+              <a:rPr lang="en-US" dirty="0"/>
+              <a:t>Static if: a</a:t>
+            </a:r>
+            <a:r>
+              <a:rPr lang="en-US" baseline="0" dirty="0"/>
+              <a:t> single overload, no repetition, “more local” code</a:t>
+            </a:r>
+            <a:endParaRPr lang="it-IT" dirty="0"/>
+          </a:p>
+        </p:txBody>
+      </p:sp>
+      <p:sp>
+        <p:nvSpPr>
+          <p:cNvPr id="4" name="Slide Number Placeholder 3"/>
+          <p:cNvSpPr>
+            <a:spLocks noGrp="1"/>
+          </p:cNvSpPr>
+          <p:nvPr>
+            <p:ph type="sldNum" sz="quarter" idx="10"/>
+          </p:nvPr>
+        </p:nvSpPr>
+        <p:spPr/>
+        <p:txBody>
+          <a:bodyPr/>
+          <a:lstStyle/>
+          <a:p>
+            <a:fld id="{FCA4862E-9507-4BEC-B7E3-B3B5E302CC7C}" type="slidenum">
+              <a:rPr lang="it-IT" smtClean="0"/>
+              <a:t>5</a:t>
+            </a:fld>
+            <a:endParaRPr lang="it-IT"/>
+          </a:p>
+        </p:txBody>
+      </p:sp>
+    </p:spTree>
+    <p:extLst>
+      <p:ext uri="{BB962C8B-B14F-4D97-AF65-F5344CB8AC3E}">
+        <p14:creationId xmlns:p14="http://schemas.microsoft.com/office/powerpoint/2010/main" val="2169759471"/>
+      </p:ext>
+    </p:extLst>
+  </p:cSld>
+  <p:clrMapOvr>
+    <a:masterClrMapping/>
+  </p:clrMapOvr>
+</p:notes>
+</file>
+
+<file path=ppt/notesSlides/notesSlide5.xml><?xml version="1.0" encoding="utf-8"?>
+<p:notes xmlns:a="http://schemas.openxmlformats.org/drawingml/2006/main" xmlns:r="http://schemas.openxmlformats.org/officeDocument/2006/relationships" xmlns:p="http://schemas.openxmlformats.org/presentationml/2006/main">
+  <p:cSld>
+    <p:spTree>
+      <p:nvGrpSpPr>
+        <p:cNvPr id="1" name=""/>
+        <p:cNvGrpSpPr/>
+        <p:nvPr/>
+      </p:nvGrpSpPr>
+      <p:grpSpPr>
+        <a:xfrm>
+          <a:off x="0" y="0"/>
+          <a:ext cx="0" cy="0"/>
+          <a:chOff x="0" y="0"/>
+          <a:chExt cx="0" cy="0"/>
+        </a:xfrm>
+      </p:grpSpPr>
+      <p:sp>
+        <p:nvSpPr>
+          <p:cNvPr id="2" name="Slide Image Placeholder 1"/>
+          <p:cNvSpPr>
+            <a:spLocks noGrp="1" noRot="1" noChangeAspect="1"/>
+          </p:cNvSpPr>
+          <p:nvPr>
+            <p:ph type="sldImg"/>
+          </p:nvPr>
+        </p:nvSpPr>
+        <p:spPr/>
+      </p:sp>
+      <p:sp>
+        <p:nvSpPr>
+          <p:cNvPr id="3" name="Notes Placeholder 2"/>
+          <p:cNvSpPr>
+            <a:spLocks noGrp="1"/>
+          </p:cNvSpPr>
+          <p:nvPr>
+            <p:ph type="body" idx="1"/>
+          </p:nvPr>
+        </p:nvSpPr>
+        <p:spPr/>
+        <p:txBody>
+          <a:bodyPr/>
+          <a:lstStyle/>
+          <a:p>
+            <a:r>
+              <a:rPr lang="en-US" dirty="0"/>
+              <a:t>Traditional:</a:t>
+            </a:r>
+            <a:r>
+              <a:rPr lang="en-US" baseline="0" dirty="0"/>
+              <a:t> explicit specialization, </a:t>
+            </a:r>
+            <a:r>
+              <a:rPr lang="en-US" baseline="0" dirty="0" err="1"/>
+              <a:t>enable_if</a:t>
+            </a:r>
+            <a:r>
+              <a:rPr lang="en-US" baseline="0" dirty="0"/>
+              <a:t>, two functions, repetition</a:t>
+            </a:r>
+            <a:endParaRPr lang="it-IT" dirty="0"/>
+          </a:p>
+        </p:txBody>
+      </p:sp>
+      <p:sp>
+        <p:nvSpPr>
+          <p:cNvPr id="4" name="Slide Number Placeholder 3"/>
+          <p:cNvSpPr>
+            <a:spLocks noGrp="1"/>
+          </p:cNvSpPr>
+          <p:nvPr>
+            <p:ph type="sldNum" sz="quarter" idx="10"/>
+          </p:nvPr>
+        </p:nvSpPr>
+        <p:spPr/>
+        <p:txBody>
+          <a:bodyPr/>
+          <a:lstStyle/>
+          <a:p>
+            <a:fld id="{FCA4862E-9507-4BEC-B7E3-B3B5E302CC7C}" type="slidenum">
+              <a:rPr lang="it-IT" smtClean="0"/>
+              <a:t>6</a:t>
+            </a:fld>
+            <a:endParaRPr lang="it-IT"/>
+          </a:p>
+        </p:txBody>
+      </p:sp>
+    </p:spTree>
+    <p:extLst>
+      <p:ext uri="{BB962C8B-B14F-4D97-AF65-F5344CB8AC3E}">
+        <p14:creationId xmlns:p14="http://schemas.microsoft.com/office/powerpoint/2010/main" val="2051265502"/>
+      </p:ext>
+    </p:extLst>
+  </p:cSld>
+  <p:clrMapOvr>
+    <a:masterClrMapping/>
+  </p:clrMapOvr>
+</p:notes>
+</file>
+
+<file path=ppt/notesSlides/notesSlide6.xml><?xml version="1.0" encoding="utf-8"?>
+<p:notes xmlns:a="http://schemas.openxmlformats.org/drawingml/2006/main" xmlns:r="http://schemas.openxmlformats.org/officeDocument/2006/relationships" xmlns:p="http://schemas.openxmlformats.org/presentationml/2006/main">
+  <p:cSld>
+    <p:spTree>
+      <p:nvGrpSpPr>
+        <p:cNvPr id="1" name=""/>
+        <p:cNvGrpSpPr/>
+        <p:nvPr/>
+      </p:nvGrpSpPr>
+      <p:grpSpPr>
+        <a:xfrm>
+          <a:off x="0" y="0"/>
+          <a:ext cx="0" cy="0"/>
+          <a:chOff x="0" y="0"/>
+          <a:chExt cx="0" cy="0"/>
+        </a:xfrm>
+      </p:grpSpPr>
+      <p:sp>
+        <p:nvSpPr>
+          <p:cNvPr id="2" name="Slide Image Placeholder 1"/>
+          <p:cNvSpPr>
+            <a:spLocks noGrp="1" noRot="1" noChangeAspect="1"/>
+          </p:cNvSpPr>
+          <p:nvPr>
+            <p:ph type="sldImg"/>
+          </p:nvPr>
+        </p:nvSpPr>
+        <p:spPr/>
+      </p:sp>
+      <p:sp>
+        <p:nvSpPr>
+          <p:cNvPr id="3" name="Notes Placeholder 2"/>
+          <p:cNvSpPr>
+            <a:spLocks noGrp="1"/>
+          </p:cNvSpPr>
+          <p:nvPr>
+            <p:ph type="body" idx="1"/>
+          </p:nvPr>
+        </p:nvSpPr>
+        <p:spPr/>
+        <p:txBody>
+          <a:bodyPr/>
+          <a:lstStyle/>
+          <a:p>
+            <a:r>
+              <a:rPr lang="en-US" dirty="0"/>
+              <a:t>Static if: one function,</a:t>
+            </a:r>
+            <a:r>
+              <a:rPr lang="en-US" baseline="0" dirty="0"/>
+              <a:t> no enable if, no repetition, “cleanliness” and “locality”</a:t>
+            </a:r>
+          </a:p>
+          <a:p>
+            <a:endParaRPr lang="en-US" baseline="0" dirty="0"/>
+          </a:p>
+          <a:p>
+            <a:r>
+              <a:rPr lang="en-US" dirty="0"/>
+              <a:t>// The above examples were not created by me: they are part of a series of proposals that led to the inclusion of `if </a:t>
+            </a:r>
+            <a:r>
+              <a:rPr lang="en-US" dirty="0" err="1"/>
+              <a:t>constexpr</a:t>
+            </a:r>
+            <a:r>
+              <a:rPr lang="en-US" dirty="0"/>
+              <a:t>` in the upcoming C++17 standard.</a:t>
+            </a:r>
+            <a:endParaRPr lang="it-IT" dirty="0"/>
+          </a:p>
+        </p:txBody>
+      </p:sp>
+      <p:sp>
+        <p:nvSpPr>
+          <p:cNvPr id="4" name="Slide Number Placeholder 3"/>
+          <p:cNvSpPr>
+            <a:spLocks noGrp="1"/>
+          </p:cNvSpPr>
+          <p:nvPr>
+            <p:ph type="sldNum" sz="quarter" idx="10"/>
+          </p:nvPr>
+        </p:nvSpPr>
+        <p:spPr/>
+        <p:txBody>
+          <a:bodyPr/>
+          <a:lstStyle/>
+          <a:p>
+            <a:fld id="{FCA4862E-9507-4BEC-B7E3-B3B5E302CC7C}" type="slidenum">
+              <a:rPr lang="it-IT" smtClean="0"/>
+              <a:t>7</a:t>
+            </a:fld>
+            <a:endParaRPr lang="it-IT"/>
+          </a:p>
+        </p:txBody>
+      </p:sp>
+    </p:spTree>
+    <p:extLst>
+      <p:ext uri="{BB962C8B-B14F-4D97-AF65-F5344CB8AC3E}">
+        <p14:creationId xmlns:p14="http://schemas.microsoft.com/office/powerpoint/2010/main" val="3223549252"/>
+      </p:ext>
+    </p:extLst>
+  </p:cSld>
+  <p:clrMapOvr>
+    <a:masterClrMapping/>
+  </p:clrMapOvr>
+</p:notes>
+</file>
+
 <file path=ppt/slideLayouts/slideLayout1.xml><?xml version="1.0" encoding="utf-8"?>
 <p:sldLayout xmlns:a="http://schemas.openxmlformats.org/drawingml/2006/main" xmlns:r="http://schemas.openxmlformats.org/officeDocument/2006/relationships" xmlns:p="http://schemas.openxmlformats.org/presentationml/2006/main" type="title" preserve="1">
   <p:cSld name="Diapositiva titolo">
@@ -983,7 +1997,6 @@
               <a:rPr lang="it-IT"/>
               <a:t>Fare clic per modificare lo stile del titolo</a:t>
             </a:r>
-            <a:endParaRPr lang="it-IT"/>
           </a:p>
         </p:txBody>
       </p:sp>
@@ -1048,7 +2061,6 @@
               <a:rPr lang="it-IT"/>
               <a:t>Fare clic per modificare lo stile del sottotitolo dello schema</a:t>
             </a:r>
-            <a:endParaRPr lang="it-IT"/>
           </a:p>
         </p:txBody>
       </p:sp>
@@ -1069,7 +2081,7 @@
           <a:p>
             <a:fld id="{0E21B2B3-E214-4FE3-82D2-1382B0B5A0C3}" type="datetimeFigureOut">
               <a:rPr lang="it-IT" smtClean="0"/>
-              <a:t>21/08/2016</a:t>
+              <a:t>22/08/2016</a:t>
             </a:fld>
             <a:endParaRPr lang="it-IT"/>
           </a:p>
@@ -1111,7 +2123,7 @@
           <a:p>
             <a:fld id="{DA00CEBC-9AC0-446C-9417-17B7E0F2B36C}" type="slidenum">
               <a:rPr lang="it-IT" smtClean="0"/>
-              <a:t>‹N›</a:t>
+              <a:t>‹#›</a:t>
             </a:fld>
             <a:endParaRPr lang="it-IT"/>
           </a:p>
@@ -1166,7 +2178,6 @@
               <a:rPr lang="it-IT"/>
               <a:t>Fare clic per modificare lo stile del titolo</a:t>
             </a:r>
-            <a:endParaRPr lang="it-IT"/>
           </a:p>
         </p:txBody>
       </p:sp>
@@ -1218,7 +2229,6 @@
               <a:rPr lang="it-IT"/>
               <a:t>Quinto livello</a:t>
             </a:r>
-            <a:endParaRPr lang="it-IT"/>
           </a:p>
         </p:txBody>
       </p:sp>
@@ -1239,7 +2249,7 @@
           <a:p>
             <a:fld id="{0E21B2B3-E214-4FE3-82D2-1382B0B5A0C3}" type="datetimeFigureOut">
               <a:rPr lang="it-IT" smtClean="0"/>
-              <a:t>21/08/2016</a:t>
+              <a:t>22/08/2016</a:t>
             </a:fld>
             <a:endParaRPr lang="it-IT"/>
           </a:p>
@@ -1281,7 +2291,7 @@
           <a:p>
             <a:fld id="{DA00CEBC-9AC0-446C-9417-17B7E0F2B36C}" type="slidenum">
               <a:rPr lang="it-IT" smtClean="0"/>
-              <a:t>‹N›</a:t>
+              <a:t>‹#›</a:t>
             </a:fld>
             <a:endParaRPr lang="it-IT"/>
           </a:p>
@@ -1341,7 +2351,6 @@
               <a:rPr lang="it-IT"/>
               <a:t>Fare clic per modificare lo stile del titolo</a:t>
             </a:r>
-            <a:endParaRPr lang="it-IT"/>
           </a:p>
         </p:txBody>
       </p:sp>
@@ -1398,7 +2407,6 @@
               <a:rPr lang="it-IT"/>
               <a:t>Quinto livello</a:t>
             </a:r>
-            <a:endParaRPr lang="it-IT"/>
           </a:p>
         </p:txBody>
       </p:sp>
@@ -1419,7 +2427,7 @@
           <a:p>
             <a:fld id="{0E21B2B3-E214-4FE3-82D2-1382B0B5A0C3}" type="datetimeFigureOut">
               <a:rPr lang="it-IT" smtClean="0"/>
-              <a:t>21/08/2016</a:t>
+              <a:t>22/08/2016</a:t>
             </a:fld>
             <a:endParaRPr lang="it-IT"/>
           </a:p>
@@ -1461,7 +2469,7 @@
           <a:p>
             <a:fld id="{DA00CEBC-9AC0-446C-9417-17B7E0F2B36C}" type="slidenum">
               <a:rPr lang="it-IT" smtClean="0"/>
-              <a:t>‹N›</a:t>
+              <a:t>‹#›</a:t>
             </a:fld>
             <a:endParaRPr lang="it-IT"/>
           </a:p>
@@ -1516,7 +2524,6 @@
               <a:rPr lang="it-IT"/>
               <a:t>Fare clic per modificare lo stile del titolo</a:t>
             </a:r>
-            <a:endParaRPr lang="it-IT"/>
           </a:p>
         </p:txBody>
       </p:sp>
@@ -1568,7 +2575,6 @@
               <a:rPr lang="it-IT"/>
               <a:t>Quinto livello</a:t>
             </a:r>
-            <a:endParaRPr lang="it-IT"/>
           </a:p>
         </p:txBody>
       </p:sp>
@@ -1589,7 +2595,7 @@
           <a:p>
             <a:fld id="{0E21B2B3-E214-4FE3-82D2-1382B0B5A0C3}" type="datetimeFigureOut">
               <a:rPr lang="it-IT" smtClean="0"/>
-              <a:t>21/08/2016</a:t>
+              <a:t>22/08/2016</a:t>
             </a:fld>
             <a:endParaRPr lang="it-IT"/>
           </a:p>
@@ -1631,7 +2637,7 @@
           <a:p>
             <a:fld id="{DA00CEBC-9AC0-446C-9417-17B7E0F2B36C}" type="slidenum">
               <a:rPr lang="it-IT" smtClean="0"/>
-              <a:t>‹N›</a:t>
+              <a:t>‹#›</a:t>
             </a:fld>
             <a:endParaRPr lang="it-IT"/>
           </a:p>
@@ -1695,7 +2701,6 @@
               <a:rPr lang="it-IT"/>
               <a:t>Fare clic per modificare lo stile del titolo</a:t>
             </a:r>
-            <a:endParaRPr lang="it-IT"/>
           </a:p>
         </p:txBody>
       </p:sp>
@@ -1835,7 +2840,7 @@
           <a:p>
             <a:fld id="{0E21B2B3-E214-4FE3-82D2-1382B0B5A0C3}" type="datetimeFigureOut">
               <a:rPr lang="it-IT" smtClean="0"/>
-              <a:t>21/08/2016</a:t>
+              <a:t>22/08/2016</a:t>
             </a:fld>
             <a:endParaRPr lang="it-IT"/>
           </a:p>
@@ -1877,7 +2882,7 @@
           <a:p>
             <a:fld id="{DA00CEBC-9AC0-446C-9417-17B7E0F2B36C}" type="slidenum">
               <a:rPr lang="it-IT" smtClean="0"/>
-              <a:t>‹N›</a:t>
+              <a:t>‹#›</a:t>
             </a:fld>
             <a:endParaRPr lang="it-IT"/>
           </a:p>
@@ -1932,7 +2937,6 @@
               <a:rPr lang="it-IT"/>
               <a:t>Fare clic per modificare lo stile del titolo</a:t>
             </a:r>
-            <a:endParaRPr lang="it-IT"/>
           </a:p>
         </p:txBody>
       </p:sp>
@@ -1989,7 +2993,6 @@
               <a:rPr lang="it-IT"/>
               <a:t>Quinto livello</a:t>
             </a:r>
-            <a:endParaRPr lang="it-IT"/>
           </a:p>
         </p:txBody>
       </p:sp>
@@ -2046,7 +3049,6 @@
               <a:rPr lang="it-IT"/>
               <a:t>Quinto livello</a:t>
             </a:r>
-            <a:endParaRPr lang="it-IT"/>
           </a:p>
         </p:txBody>
       </p:sp>
@@ -2067,7 +3069,7 @@
           <a:p>
             <a:fld id="{0E21B2B3-E214-4FE3-82D2-1382B0B5A0C3}" type="datetimeFigureOut">
               <a:rPr lang="it-IT" smtClean="0"/>
-              <a:t>21/08/2016</a:t>
+              <a:t>22/08/2016</a:t>
             </a:fld>
             <a:endParaRPr lang="it-IT"/>
           </a:p>
@@ -2109,7 +3111,7 @@
           <a:p>
             <a:fld id="{DA00CEBC-9AC0-446C-9417-17B7E0F2B36C}" type="slidenum">
               <a:rPr lang="it-IT" smtClean="0"/>
-              <a:t>‹N›</a:t>
+              <a:t>‹#›</a:t>
             </a:fld>
             <a:endParaRPr lang="it-IT"/>
           </a:p>
@@ -2169,7 +3171,6 @@
               <a:rPr lang="it-IT"/>
               <a:t>Fare clic per modificare lo stile del titolo</a:t>
             </a:r>
-            <a:endParaRPr lang="it-IT"/>
           </a:p>
         </p:txBody>
       </p:sp>
@@ -2291,7 +3292,6 @@
               <a:rPr lang="it-IT"/>
               <a:t>Quinto livello</a:t>
             </a:r>
-            <a:endParaRPr lang="it-IT"/>
           </a:p>
         </p:txBody>
       </p:sp>
@@ -2413,7 +3413,6 @@
               <a:rPr lang="it-IT"/>
               <a:t>Quinto livello</a:t>
             </a:r>
-            <a:endParaRPr lang="it-IT"/>
           </a:p>
         </p:txBody>
       </p:sp>
@@ -2434,7 +3433,7 @@
           <a:p>
             <a:fld id="{0E21B2B3-E214-4FE3-82D2-1382B0B5A0C3}" type="datetimeFigureOut">
               <a:rPr lang="it-IT" smtClean="0"/>
-              <a:t>21/08/2016</a:t>
+              <a:t>22/08/2016</a:t>
             </a:fld>
             <a:endParaRPr lang="it-IT"/>
           </a:p>
@@ -2476,7 +3475,7 @@
           <a:p>
             <a:fld id="{DA00CEBC-9AC0-446C-9417-17B7E0F2B36C}" type="slidenum">
               <a:rPr lang="it-IT" smtClean="0"/>
-              <a:t>‹N›</a:t>
+              <a:t>‹#›</a:t>
             </a:fld>
             <a:endParaRPr lang="it-IT"/>
           </a:p>
@@ -2531,7 +3530,6 @@
               <a:rPr lang="it-IT"/>
               <a:t>Fare clic per modificare lo stile del titolo</a:t>
             </a:r>
-            <a:endParaRPr lang="it-IT"/>
           </a:p>
         </p:txBody>
       </p:sp>
@@ -2552,7 +3550,7 @@
           <a:p>
             <a:fld id="{0E21B2B3-E214-4FE3-82D2-1382B0B5A0C3}" type="datetimeFigureOut">
               <a:rPr lang="it-IT" smtClean="0"/>
-              <a:t>21/08/2016</a:t>
+              <a:t>22/08/2016</a:t>
             </a:fld>
             <a:endParaRPr lang="it-IT"/>
           </a:p>
@@ -2594,7 +3592,7 @@
           <a:p>
             <a:fld id="{DA00CEBC-9AC0-446C-9417-17B7E0F2B36C}" type="slidenum">
               <a:rPr lang="it-IT" smtClean="0"/>
-              <a:t>‹N›</a:t>
+              <a:t>‹#›</a:t>
             </a:fld>
             <a:endParaRPr lang="it-IT"/>
           </a:p>
@@ -2647,7 +3645,7 @@
           <a:p>
             <a:fld id="{0E21B2B3-E214-4FE3-82D2-1382B0B5A0C3}" type="datetimeFigureOut">
               <a:rPr lang="it-IT" smtClean="0"/>
-              <a:t>21/08/2016</a:t>
+              <a:t>22/08/2016</a:t>
             </a:fld>
             <a:endParaRPr lang="it-IT"/>
           </a:p>
@@ -2689,7 +3687,7 @@
           <a:p>
             <a:fld id="{DA00CEBC-9AC0-446C-9417-17B7E0F2B36C}" type="slidenum">
               <a:rPr lang="it-IT" smtClean="0"/>
-              <a:t>‹N›</a:t>
+              <a:t>‹#›</a:t>
             </a:fld>
             <a:endParaRPr lang="it-IT"/>
           </a:p>
@@ -2753,7 +3751,6 @@
               <a:rPr lang="it-IT"/>
               <a:t>Fare clic per modificare lo stile del titolo</a:t>
             </a:r>
-            <a:endParaRPr lang="it-IT"/>
           </a:p>
         </p:txBody>
       </p:sp>
@@ -2838,7 +3835,6 @@
               <a:rPr lang="it-IT"/>
               <a:t>Quinto livello</a:t>
             </a:r>
-            <a:endParaRPr lang="it-IT"/>
           </a:p>
         </p:txBody>
       </p:sp>
@@ -2924,7 +3920,7 @@
           <a:p>
             <a:fld id="{0E21B2B3-E214-4FE3-82D2-1382B0B5A0C3}" type="datetimeFigureOut">
               <a:rPr lang="it-IT" smtClean="0"/>
-              <a:t>21/08/2016</a:t>
+              <a:t>22/08/2016</a:t>
             </a:fld>
             <a:endParaRPr lang="it-IT"/>
           </a:p>
@@ -2966,7 +3962,7 @@
           <a:p>
             <a:fld id="{DA00CEBC-9AC0-446C-9417-17B7E0F2B36C}" type="slidenum">
               <a:rPr lang="it-IT" smtClean="0"/>
-              <a:t>‹N›</a:t>
+              <a:t>‹#›</a:t>
             </a:fld>
             <a:endParaRPr lang="it-IT"/>
           </a:p>
@@ -3030,7 +4026,6 @@
               <a:rPr lang="it-IT"/>
               <a:t>Fare clic per modificare lo stile del titolo</a:t>
             </a:r>
-            <a:endParaRPr lang="it-IT"/>
           </a:p>
         </p:txBody>
       </p:sp>
@@ -3177,7 +4172,7 @@
           <a:p>
             <a:fld id="{0E21B2B3-E214-4FE3-82D2-1382B0B5A0C3}" type="datetimeFigureOut">
               <a:rPr lang="it-IT" smtClean="0"/>
-              <a:t>21/08/2016</a:t>
+              <a:t>22/08/2016</a:t>
             </a:fld>
             <a:endParaRPr lang="it-IT"/>
           </a:p>
@@ -3219,7 +4214,7 @@
           <a:p>
             <a:fld id="{DA00CEBC-9AC0-446C-9417-17B7E0F2B36C}" type="slidenum">
               <a:rPr lang="it-IT" smtClean="0"/>
-              <a:t>‹N›</a:t>
+              <a:t>‹#›</a:t>
             </a:fld>
             <a:endParaRPr lang="it-IT"/>
           </a:p>
@@ -3289,7 +4284,6 @@
               <a:rPr lang="it-IT"/>
               <a:t>Fare clic per modificare lo stile del titolo</a:t>
             </a:r>
-            <a:endParaRPr lang="it-IT"/>
           </a:p>
         </p:txBody>
       </p:sp>
@@ -3351,7 +4345,6 @@
               <a:rPr lang="it-IT"/>
               <a:t>Quinto livello</a:t>
             </a:r>
-            <a:endParaRPr lang="it-IT"/>
           </a:p>
         </p:txBody>
       </p:sp>
@@ -3390,7 +4383,7 @@
           <a:p>
             <a:fld id="{0E21B2B3-E214-4FE3-82D2-1382B0B5A0C3}" type="datetimeFigureOut">
               <a:rPr lang="it-IT" smtClean="0"/>
-              <a:t>21/08/2016</a:t>
+              <a:t>22/08/2016</a:t>
             </a:fld>
             <a:endParaRPr lang="it-IT"/>
           </a:p>
@@ -3468,7 +4461,7 @@
           <a:p>
             <a:fld id="{DA00CEBC-9AC0-446C-9417-17B7E0F2B36C}" type="slidenum">
               <a:rPr lang="it-IT" smtClean="0"/>
-              <a:t>‹N›</a:t>
+              <a:t>‹#›</a:t>
             </a:fld>
             <a:endParaRPr lang="it-IT"/>
           </a:p>
@@ -3802,7 +4795,32 @@
             <a:spLocks noGrp="1"/>
           </p:cNvSpPr>
           <p:nvPr>
-            <p:ph type="title"/>
+            <p:ph type="ctrTitle"/>
+          </p:nvPr>
+        </p:nvSpPr>
+        <p:spPr/>
+        <p:txBody>
+          <a:bodyPr>
+            <a:normAutofit/>
+          </a:bodyPr>
+          <a:lstStyle/>
+          <a:p>
+            <a:r>
+              <a:rPr lang="en-US" dirty="0"/>
+              <a:t>Implementing “static” control flow in C++14</a:t>
+            </a:r>
+            <a:endParaRPr lang="it-IT" dirty="0"/>
+          </a:p>
+        </p:txBody>
+      </p:sp>
+      <p:sp>
+        <p:nvSpPr>
+          <p:cNvPr id="5" name="Sottotitolo 4"/>
+          <p:cNvSpPr>
+            <a:spLocks noGrp="1"/>
+          </p:cNvSpPr>
+          <p:nvPr>
+            <p:ph type="subTitle" idx="1"/>
           </p:nvPr>
         </p:nvSpPr>
         <p:spPr/>
@@ -3811,401 +4829,55 @@
           <a:lstStyle/>
           <a:p>
             <a:r>
+              <a:rPr lang="en-US" dirty="0" err="1"/>
+              <a:t>Todo</a:t>
+            </a:r>
+            <a:r>
               <a:rPr lang="en-US" dirty="0"/>
-              <a:t>Step 0: call </a:t>
-            </a:r>
-            <a:r>
-              <a:rPr lang="en-US" dirty="0">
-                <a:latin typeface="Consolas" panose="020B0609020204030204" pitchFamily="49" charset="0"/>
-              </a:rPr>
-              <a:t>consume</a:t>
-            </a:r>
-            <a:endParaRPr lang="it-IT" dirty="0">
-              <a:latin typeface="Consolas" panose="020B0609020204030204" pitchFamily="49" charset="0"/>
-            </a:endParaRPr>
-          </a:p>
-        </p:txBody>
-      </p:sp>
-      <p:pic>
-        <p:nvPicPr>
-          <p:cNvPr id="6" name="Immagine 5"/>
-          <p:cNvPicPr>
-            <a:picLocks noChangeAspect="1"/>
-          </p:cNvPicPr>
-          <p:nvPr/>
-        </p:nvPicPr>
-        <p:blipFill>
-          <a:blip r:embed="rId2">
-            <a:extLst>
-              <a:ext uri="{28A0092B-C50C-407E-A947-70E740481C1C}">
-                <a14:useLocalDpi xmlns:a14="http://schemas.microsoft.com/office/drawing/2010/main" val="0"/>
-              </a:ext>
-            </a:extLst>
-          </a:blip>
-          <a:stretch>
-            <a:fillRect/>
-          </a:stretch>
-        </p:blipFill>
-        <p:spPr>
-          <a:xfrm>
-            <a:off x="1099314" y="3722701"/>
-            <a:ext cx="3675279" cy="451351"/>
-          </a:xfrm>
-          <a:prstGeom prst="rect">
-            <a:avLst/>
-          </a:prstGeom>
-        </p:spPr>
-      </p:pic>
-      <p:pic>
-        <p:nvPicPr>
-          <p:cNvPr id="7" name="Immagine 6"/>
-          <p:cNvPicPr>
-            <a:picLocks noChangeAspect="1"/>
-          </p:cNvPicPr>
-          <p:nvPr/>
-        </p:nvPicPr>
-        <p:blipFill>
-          <a:blip r:embed="rId3">
-            <a:extLst>
-              <a:ext uri="{28A0092B-C50C-407E-A947-70E740481C1C}">
-                <a14:useLocalDpi xmlns:a14="http://schemas.microsoft.com/office/drawing/2010/main" val="0"/>
-              </a:ext>
-            </a:extLst>
-          </a:blip>
-          <a:stretch>
-            <a:fillRect/>
-          </a:stretch>
-        </p:blipFill>
-        <p:spPr>
-          <a:xfrm>
-            <a:off x="6145040" y="1521355"/>
-            <a:ext cx="5415909" cy="4854045"/>
-          </a:xfrm>
-          <a:prstGeom prst="rect">
-            <a:avLst/>
-          </a:prstGeom>
-        </p:spPr>
-      </p:pic>
-      <mc:AlternateContent xmlns:mc="http://schemas.openxmlformats.org/markup-compatibility/2006">
-        <mc:Choice xmlns:p14="http://schemas.microsoft.com/office/powerpoint/2010/main" Requires="p14">
-          <p:contentPart p14:bwMode="auto" r:id="rId4">
-            <p14:nvContentPartPr>
-              <p14:cNvPr id="16" name="Input penna 15"/>
-              <p14:cNvContentPartPr/>
-              <p14:nvPr/>
-            </p14:nvContentPartPr>
-            <p14:xfrm>
-              <a:off x="2447573" y="3415333"/>
-              <a:ext cx="2217240" cy="970920"/>
-            </p14:xfrm>
-          </p:contentPart>
-        </mc:Choice>
-        <mc:Fallback>
-          <p:pic>
-            <p:nvPicPr>
-              <p:cNvPr id="16" name="Input penna 15"/>
-              <p:cNvPicPr/>
-              <p:nvPr/>
-            </p:nvPicPr>
-            <p:blipFill>
-              <a:blip r:embed="rId5"/>
-              <a:stretch>
-                <a:fillRect/>
-              </a:stretch>
-            </p:blipFill>
-            <p:spPr>
-              <a:xfrm>
-                <a:off x="2437493" y="3404173"/>
-                <a:ext cx="2239200" cy="993240"/>
-              </a:xfrm>
-              <a:prstGeom prst="rect">
-                <a:avLst/>
-              </a:prstGeom>
-            </p:spPr>
-          </p:pic>
-        </mc:Fallback>
-      </mc:AlternateContent>
-      <mc:AlternateContent xmlns:mc="http://schemas.openxmlformats.org/markup-compatibility/2006">
-        <mc:Choice xmlns:p14="http://schemas.microsoft.com/office/powerpoint/2010/main" Requires="p14">
-          <p:contentPart p14:bwMode="auto" r:id="rId6">
-            <p14:nvContentPartPr>
-              <p14:cNvPr id="19" name="Input penna 18"/>
-              <p14:cNvContentPartPr/>
-              <p14:nvPr/>
-            </p14:nvContentPartPr>
-            <p14:xfrm>
-              <a:off x="3666173" y="1774453"/>
-              <a:ext cx="4178160" cy="1654200"/>
-            </p14:xfrm>
-          </p:contentPart>
-        </mc:Choice>
-        <mc:Fallback>
-          <p:pic>
-            <p:nvPicPr>
-              <p:cNvPr id="19" name="Input penna 18"/>
-              <p:cNvPicPr/>
-              <p:nvPr/>
-            </p:nvPicPr>
-            <p:blipFill>
-              <a:blip r:embed="rId7"/>
-              <a:stretch>
-                <a:fillRect/>
-              </a:stretch>
-            </p:blipFill>
-            <p:spPr>
-              <a:xfrm>
-                <a:off x="3659693" y="1765093"/>
-                <a:ext cx="4194000" cy="1668600"/>
-              </a:xfrm>
-              <a:prstGeom prst="rect">
-                <a:avLst/>
-              </a:prstGeom>
-            </p:spPr>
-          </p:pic>
-        </mc:Fallback>
-      </mc:AlternateContent>
-      <mc:AlternateContent xmlns:mc="http://schemas.openxmlformats.org/markup-compatibility/2006">
-        <mc:Choice xmlns:p14="http://schemas.microsoft.com/office/powerpoint/2010/main" Requires="p14">
-          <p:contentPart p14:bwMode="auto" r:id="rId8">
-            <p14:nvContentPartPr>
-              <p14:cNvPr id="20" name="Input penna 19"/>
-              <p14:cNvContentPartPr/>
-              <p14:nvPr/>
-            </p14:nvContentPartPr>
-            <p14:xfrm>
-              <a:off x="7786733" y="1770133"/>
-              <a:ext cx="678960" cy="449280"/>
-            </p14:xfrm>
-          </p:contentPart>
-        </mc:Choice>
-        <mc:Fallback>
-          <p:pic>
-            <p:nvPicPr>
-              <p:cNvPr id="20" name="Input penna 19"/>
-              <p:cNvPicPr/>
-              <p:nvPr/>
-            </p:nvPicPr>
-            <p:blipFill>
-              <a:blip r:embed="rId9"/>
-              <a:stretch>
-                <a:fillRect/>
-              </a:stretch>
-            </p:blipFill>
-            <p:spPr>
-              <a:xfrm>
-                <a:off x="7777373" y="1761853"/>
-                <a:ext cx="696600" cy="466200"/>
-              </a:xfrm>
-              <a:prstGeom prst="rect">
-                <a:avLst/>
-              </a:prstGeom>
-            </p:spPr>
-          </p:pic>
-        </mc:Fallback>
-      </mc:AlternateContent>
+              <a:t>: Vittorio Romeo, Bloomberg, </a:t>
+            </a:r>
+            <a:r>
+              <a:rPr lang="en-US" dirty="0" err="1"/>
+              <a:t>CppCon</a:t>
+            </a:r>
+            <a:r>
+              <a:rPr lang="en-US" dirty="0"/>
+              <a:t> (check </a:t>
+            </a:r>
+            <a:r>
+              <a:rPr lang="en-US" dirty="0" err="1"/>
+              <a:t>c++</a:t>
+            </a:r>
+            <a:r>
+              <a:rPr lang="en-US" dirty="0"/>
+              <a:t>now </a:t>
+            </a:r>
+            <a:r>
+              <a:rPr lang="en-US" dirty="0" err="1"/>
+              <a:t>ecst</a:t>
+            </a:r>
+            <a:r>
+              <a:rPr lang="en-US" dirty="0"/>
+              <a:t>)</a:t>
+            </a:r>
+            <a:endParaRPr lang="it-IT" dirty="0"/>
+          </a:p>
+        </p:txBody>
+      </p:sp>
     </p:spTree>
     <p:extLst>
       <p:ext uri="{BB962C8B-B14F-4D97-AF65-F5344CB8AC3E}">
-        <p14:creationId xmlns:p14="http://schemas.microsoft.com/office/powerpoint/2010/main" val="4135501317"/>
+        <p14:creationId xmlns:p14="http://schemas.microsoft.com/office/powerpoint/2010/main" val="886384642"/>
       </p:ext>
     </p:extLst>
   </p:cSld>
   <p:clrMapOvr>
     <a:masterClrMapping/>
   </p:clrMapOvr>
-  <p:timing>
-    <p:tnLst>
-      <p:par>
-        <p:cTn id="1" dur="indefinite" restart="never" nodeType="tmRoot">
-          <p:childTnLst>
-            <p:seq concurrent="1" nextAc="seek">
-              <p:cTn id="2" dur="indefinite" nodeType="mainSeq">
-                <p:childTnLst>
-                  <p:par>
-                    <p:cTn id="3" fill="hold">
-                      <p:stCondLst>
-                        <p:cond delay="indefinite"/>
-                      </p:stCondLst>
-                      <p:childTnLst>
-                        <p:par>
-                          <p:cTn id="4" fill="hold">
-                            <p:stCondLst>
-                              <p:cond delay="0"/>
-                            </p:stCondLst>
-                            <p:childTnLst>
-                              <p:par>
-                                <p:cTn id="5" presetID="10" presetClass="entr" presetSubtype="0" fill="hold" nodeType="clickEffect">
-                                  <p:stCondLst>
-                                    <p:cond delay="0"/>
-                                  </p:stCondLst>
-                                  <p:childTnLst>
-                                    <p:set>
-                                      <p:cBhvr>
-                                        <p:cTn id="6" dur="1" fill="hold">
-                                          <p:stCondLst>
-                                            <p:cond delay="0"/>
-                                          </p:stCondLst>
-                                        </p:cTn>
-                                        <p:tgtEl>
-                                          <p:spTgt spid="16"/>
-                                        </p:tgtEl>
-                                        <p:attrNameLst>
-                                          <p:attrName>style.visibility</p:attrName>
-                                        </p:attrNameLst>
-                                      </p:cBhvr>
-                                      <p:to>
-                                        <p:strVal val="visible"/>
-                                      </p:to>
-                                    </p:set>
-                                    <p:animEffect transition="in" filter="fade">
-                                      <p:cBhvr>
-                                        <p:cTn id="7" dur="500"/>
-                                        <p:tgtEl>
-                                          <p:spTgt spid="16"/>
-                                        </p:tgtEl>
-                                      </p:cBhvr>
-                                    </p:animEffect>
-                                  </p:childTnLst>
-                                </p:cTn>
-                              </p:par>
-                            </p:childTnLst>
-                          </p:cTn>
-                        </p:par>
-                      </p:childTnLst>
-                    </p:cTn>
-                  </p:par>
-                  <p:par>
-                    <p:cTn id="8" fill="hold">
-                      <p:stCondLst>
-                        <p:cond delay="indefinite"/>
-                      </p:stCondLst>
-                      <p:childTnLst>
-                        <p:par>
-                          <p:cTn id="9" fill="hold">
-                            <p:stCondLst>
-                              <p:cond delay="0"/>
-                            </p:stCondLst>
-                            <p:childTnLst>
-                              <p:par>
-                                <p:cTn id="10" presetID="10" presetClass="entr" presetSubtype="0" fill="hold" nodeType="clickEffect">
-                                  <p:stCondLst>
-                                    <p:cond delay="0"/>
-                                  </p:stCondLst>
-                                  <p:childTnLst>
-                                    <p:set>
-                                      <p:cBhvr>
-                                        <p:cTn id="11" dur="1" fill="hold">
-                                          <p:stCondLst>
-                                            <p:cond delay="0"/>
-                                          </p:stCondLst>
-                                        </p:cTn>
-                                        <p:tgtEl>
-                                          <p:spTgt spid="19"/>
-                                        </p:tgtEl>
-                                        <p:attrNameLst>
-                                          <p:attrName>style.visibility</p:attrName>
-                                        </p:attrNameLst>
-                                      </p:cBhvr>
-                                      <p:to>
-                                        <p:strVal val="visible"/>
-                                      </p:to>
-                                    </p:set>
-                                    <p:animEffect transition="in" filter="fade">
-                                      <p:cBhvr>
-                                        <p:cTn id="12" dur="500"/>
-                                        <p:tgtEl>
-                                          <p:spTgt spid="19"/>
-                                        </p:tgtEl>
-                                      </p:cBhvr>
-                                    </p:animEffect>
-                                  </p:childTnLst>
-                                </p:cTn>
-                              </p:par>
-                            </p:childTnLst>
-                          </p:cTn>
-                        </p:par>
-                      </p:childTnLst>
-                    </p:cTn>
-                  </p:par>
-                  <p:par>
-                    <p:cTn id="13" fill="hold">
-                      <p:stCondLst>
-                        <p:cond delay="indefinite"/>
-                      </p:stCondLst>
-                      <p:childTnLst>
-                        <p:par>
-                          <p:cTn id="14" fill="hold">
-                            <p:stCondLst>
-                              <p:cond delay="0"/>
-                            </p:stCondLst>
-                            <p:childTnLst>
-                              <p:par>
-                                <p:cTn id="15" presetID="10" presetClass="entr" presetSubtype="0" fill="hold" nodeType="clickEffect">
-                                  <p:stCondLst>
-                                    <p:cond delay="0"/>
-                                  </p:stCondLst>
-                                  <p:childTnLst>
-                                    <p:set>
-                                      <p:cBhvr>
-                                        <p:cTn id="16" dur="1" fill="hold">
-                                          <p:stCondLst>
-                                            <p:cond delay="0"/>
-                                          </p:stCondLst>
-                                        </p:cTn>
-                                        <p:tgtEl>
-                                          <p:spTgt spid="20"/>
-                                        </p:tgtEl>
-                                        <p:attrNameLst>
-                                          <p:attrName>style.visibility</p:attrName>
-                                        </p:attrNameLst>
-                                      </p:cBhvr>
-                                      <p:to>
-                                        <p:strVal val="visible"/>
-                                      </p:to>
-                                    </p:set>
-                                    <p:animEffect transition="in" filter="fade">
-                                      <p:cBhvr>
-                                        <p:cTn id="17" dur="500"/>
-                                        <p:tgtEl>
-                                          <p:spTgt spid="20"/>
-                                        </p:tgtEl>
-                                      </p:cBhvr>
-                                    </p:animEffect>
-                                  </p:childTnLst>
-                                </p:cTn>
-                              </p:par>
-                            </p:childTnLst>
-                          </p:cTn>
-                        </p:par>
-                      </p:childTnLst>
-                    </p:cTn>
-                  </p:par>
-                </p:childTnLst>
-              </p:cTn>
-              <p:prevCondLst>
-                <p:cond evt="onPrev" delay="0">
-                  <p:tgtEl>
-                    <p:sldTgt/>
-                  </p:tgtEl>
-                </p:cond>
-              </p:prevCondLst>
-              <p:nextCondLst>
-                <p:cond evt="onNext" delay="0">
-                  <p:tgtEl>
-                    <p:sldTgt/>
-                  </p:tgtEl>
-                </p:cond>
-              </p:nextCondLst>
-            </p:seq>
-          </p:childTnLst>
-        </p:cTn>
-      </p:par>
-    </p:tnLst>
-  </p:timing>
 </p:sld>
 </file>
 
-<file path=ppt/slides/slide2.xml><?xml version="1.0" encoding="utf-8"?>
+<file path=ppt/slides/slide10.xml><?xml version="1.0" encoding="utf-8"?>
 <p:sld xmlns:a="http://schemas.openxmlformats.org/drawingml/2006/main" xmlns:r="http://schemas.openxmlformats.org/officeDocument/2006/relationships" xmlns:p="http://schemas.openxmlformats.org/presentationml/2006/main">
   <p:cSld>
     <p:spTree>
@@ -4277,8 +4949,8 @@
           </a:prstGeom>
         </p:spPr>
       </p:pic>
-      <mc:AlternateContent xmlns:mc="http://schemas.openxmlformats.org/markup-compatibility/2006">
-        <mc:Choice xmlns:p14="http://schemas.microsoft.com/office/powerpoint/2010/main" Requires="p14">
+      <mc:AlternateContent xmlns:mc="http://schemas.openxmlformats.org/markup-compatibility/2006" xmlns:p14="http://schemas.microsoft.com/office/powerpoint/2010/main">
+        <mc:Choice Requires="p14">
           <p:contentPart p14:bwMode="auto" r:id="rId3">
             <p14:nvContentPartPr>
               <p14:cNvPr id="20" name="Input penna 19"/>
@@ -4291,7 +4963,7 @@
             </p14:xfrm>
           </p:contentPart>
         </mc:Choice>
-        <mc:Fallback>
+        <mc:Fallback xmlns="">
           <p:pic>
             <p:nvPicPr>
               <p:cNvPr id="20" name="Input penna 19"/>
@@ -4316,8 +4988,8 @@
           </p:pic>
         </mc:Fallback>
       </mc:AlternateContent>
-      <mc:AlternateContent xmlns:mc="http://schemas.openxmlformats.org/markup-compatibility/2006">
-        <mc:Choice xmlns:p14="http://schemas.microsoft.com/office/powerpoint/2010/main" Requires="p14">
+      <mc:AlternateContent xmlns:mc="http://schemas.openxmlformats.org/markup-compatibility/2006" xmlns:p14="http://schemas.microsoft.com/office/powerpoint/2010/main">
+        <mc:Choice Requires="p14">
           <p:contentPart p14:bwMode="auto" r:id="rId5">
             <p14:nvContentPartPr>
               <p14:cNvPr id="35" name="Input penna 34"/>
@@ -4330,7 +5002,7 @@
             </p14:xfrm>
           </p:contentPart>
         </mc:Choice>
-        <mc:Fallback>
+        <mc:Fallback xmlns="">
           <p:pic>
             <p:nvPicPr>
               <p:cNvPr id="35" name="Input penna 34"/>
@@ -4355,8 +5027,8 @@
           </p:pic>
         </mc:Fallback>
       </mc:AlternateContent>
-      <mc:AlternateContent xmlns:mc="http://schemas.openxmlformats.org/markup-compatibility/2006">
-        <mc:Choice xmlns:p14="http://schemas.microsoft.com/office/powerpoint/2010/main" Requires="p14">
+      <mc:AlternateContent xmlns:mc="http://schemas.openxmlformats.org/markup-compatibility/2006" xmlns:p14="http://schemas.microsoft.com/office/powerpoint/2010/main">
+        <mc:Choice Requires="p14">
           <p:contentPart p14:bwMode="auto" r:id="rId7">
             <p14:nvContentPartPr>
               <p14:cNvPr id="48" name="Input penna 47"/>
@@ -4369,7 +5041,7 @@
             </p14:xfrm>
           </p:contentPart>
         </mc:Choice>
-        <mc:Fallback>
+        <mc:Fallback xmlns="">
           <p:pic>
             <p:nvPicPr>
               <p:cNvPr id="48" name="Input penna 47"/>
@@ -4394,8 +5066,8 @@
           </p:pic>
         </mc:Fallback>
       </mc:AlternateContent>
-      <mc:AlternateContent xmlns:mc="http://schemas.openxmlformats.org/markup-compatibility/2006">
-        <mc:Choice xmlns:p14="http://schemas.microsoft.com/office/powerpoint/2010/main" Requires="p14">
+      <mc:AlternateContent xmlns:mc="http://schemas.openxmlformats.org/markup-compatibility/2006" xmlns:p14="http://schemas.microsoft.com/office/powerpoint/2010/main">
+        <mc:Choice Requires="p14">
           <p:contentPart p14:bwMode="auto" r:id="rId9">
             <p14:nvContentPartPr>
               <p14:cNvPr id="50" name="Input penna 49"/>
@@ -4408,7 +5080,7 @@
             </p14:xfrm>
           </p:contentPart>
         </mc:Choice>
-        <mc:Fallback>
+        <mc:Fallback xmlns="">
           <p:pic>
             <p:nvPicPr>
               <p:cNvPr id="50" name="Input penna 49"/>
@@ -4433,8 +5105,8 @@
           </p:pic>
         </mc:Fallback>
       </mc:AlternateContent>
-      <mc:AlternateContent xmlns:mc="http://schemas.openxmlformats.org/markup-compatibility/2006">
-        <mc:Choice xmlns:p14="http://schemas.microsoft.com/office/powerpoint/2010/main" Requires="p14">
+      <mc:AlternateContent xmlns:mc="http://schemas.openxmlformats.org/markup-compatibility/2006" xmlns:p14="http://schemas.microsoft.com/office/powerpoint/2010/main">
+        <mc:Choice Requires="p14">
           <p:contentPart p14:bwMode="auto" r:id="rId11">
             <p14:nvContentPartPr>
               <p14:cNvPr id="55" name="Input penna 54"/>
@@ -4447,7 +5119,7 @@
             </p14:xfrm>
           </p:contentPart>
         </mc:Choice>
-        <mc:Fallback>
+        <mc:Fallback xmlns="">
           <p:pic>
             <p:nvPicPr>
               <p:cNvPr id="55" name="Input penna 54"/>
@@ -4472,8 +5144,8 @@
           </p:pic>
         </mc:Fallback>
       </mc:AlternateContent>
-      <mc:AlternateContent xmlns:mc="http://schemas.openxmlformats.org/markup-compatibility/2006">
-        <mc:Choice xmlns:p14="http://schemas.microsoft.com/office/powerpoint/2010/main" Requires="p14">
+      <mc:AlternateContent xmlns:mc="http://schemas.openxmlformats.org/markup-compatibility/2006" xmlns:p14="http://schemas.microsoft.com/office/powerpoint/2010/main">
+        <mc:Choice Requires="p14">
           <p:contentPart p14:bwMode="auto" r:id="rId13">
             <p14:nvContentPartPr>
               <p14:cNvPr id="87" name="Input penna 86"/>
@@ -4486,7 +5158,7 @@
             </p14:xfrm>
           </p:contentPart>
         </mc:Choice>
-        <mc:Fallback>
+        <mc:Fallback xmlns="">
           <p:pic>
             <p:nvPicPr>
               <p:cNvPr id="87" name="Input penna 86"/>
@@ -4511,8 +5183,8 @@
           </p:pic>
         </mc:Fallback>
       </mc:AlternateContent>
-      <mc:AlternateContent xmlns:mc="http://schemas.openxmlformats.org/markup-compatibility/2006">
-        <mc:Choice xmlns:p14="http://schemas.microsoft.com/office/powerpoint/2010/main" Requires="p14">
+      <mc:AlternateContent xmlns:mc="http://schemas.openxmlformats.org/markup-compatibility/2006" xmlns:p14="http://schemas.microsoft.com/office/powerpoint/2010/main">
+        <mc:Choice Requires="p14">
           <p:contentPart p14:bwMode="auto" r:id="rId15">
             <p14:nvContentPartPr>
               <p14:cNvPr id="88" name="Input penna 87"/>
@@ -4525,7 +5197,7 @@
             </p14:xfrm>
           </p:contentPart>
         </mc:Choice>
-        <mc:Fallback>
+        <mc:Fallback xmlns="">
           <p:pic>
             <p:nvPicPr>
               <p:cNvPr id="88" name="Input penna 87"/>
@@ -4550,8 +5222,8 @@
           </p:pic>
         </mc:Fallback>
       </mc:AlternateContent>
-      <mc:AlternateContent xmlns:mc="http://schemas.openxmlformats.org/markup-compatibility/2006">
-        <mc:Choice xmlns:p14="http://schemas.microsoft.com/office/powerpoint/2010/main" Requires="p14">
+      <mc:AlternateContent xmlns:mc="http://schemas.openxmlformats.org/markup-compatibility/2006" xmlns:p14="http://schemas.microsoft.com/office/powerpoint/2010/main">
+        <mc:Choice Requires="p14">
           <p:contentPart p14:bwMode="auto" r:id="rId17">
             <p14:nvContentPartPr>
               <p14:cNvPr id="89" name="Input penna 88"/>
@@ -4564,7 +5236,7 @@
             </p14:xfrm>
           </p:contentPart>
         </mc:Choice>
-        <mc:Fallback>
+        <mc:Fallback xmlns="">
           <p:pic>
             <p:nvPicPr>
               <p:cNvPr id="89" name="Input penna 88"/>
@@ -4589,8 +5261,8 @@
           </p:pic>
         </mc:Fallback>
       </mc:AlternateContent>
-      <mc:AlternateContent xmlns:mc="http://schemas.openxmlformats.org/markup-compatibility/2006">
-        <mc:Choice xmlns:p14="http://schemas.microsoft.com/office/powerpoint/2010/main" Requires="p14">
+      <mc:AlternateContent xmlns:mc="http://schemas.openxmlformats.org/markup-compatibility/2006" xmlns:p14="http://schemas.microsoft.com/office/powerpoint/2010/main">
+        <mc:Choice Requires="p14">
           <p:contentPart p14:bwMode="auto" r:id="rId19">
             <p14:nvContentPartPr>
               <p14:cNvPr id="90" name="Input penna 89"/>
@@ -4603,7 +5275,7 @@
             </p14:xfrm>
           </p:contentPart>
         </mc:Choice>
-        <mc:Fallback>
+        <mc:Fallback xmlns="">
           <p:pic>
             <p:nvPicPr>
               <p:cNvPr id="90" name="Input penna 89"/>
@@ -4628,8 +5300,8 @@
           </p:pic>
         </mc:Fallback>
       </mc:AlternateContent>
-      <mc:AlternateContent xmlns:mc="http://schemas.openxmlformats.org/markup-compatibility/2006">
-        <mc:Choice xmlns:p14="http://schemas.microsoft.com/office/powerpoint/2010/main" Requires="p14">
+      <mc:AlternateContent xmlns:mc="http://schemas.openxmlformats.org/markup-compatibility/2006" xmlns:p14="http://schemas.microsoft.com/office/powerpoint/2010/main">
+        <mc:Choice Requires="p14">
           <p:contentPart p14:bwMode="auto" r:id="rId21">
             <p14:nvContentPartPr>
               <p14:cNvPr id="91" name="Input penna 90"/>
@@ -4642,7 +5314,7 @@
             </p14:xfrm>
           </p:contentPart>
         </mc:Choice>
-        <mc:Fallback>
+        <mc:Fallback xmlns="">
           <p:pic>
             <p:nvPicPr>
               <p:cNvPr id="91" name="Input penna 90"/>
@@ -4667,8 +5339,8 @@
           </p:pic>
         </mc:Fallback>
       </mc:AlternateContent>
-      <mc:AlternateContent xmlns:mc="http://schemas.openxmlformats.org/markup-compatibility/2006">
-        <mc:Choice xmlns:p14="http://schemas.microsoft.com/office/powerpoint/2010/main" Requires="p14">
+      <mc:AlternateContent xmlns:mc="http://schemas.openxmlformats.org/markup-compatibility/2006" xmlns:p14="http://schemas.microsoft.com/office/powerpoint/2010/main">
+        <mc:Choice Requires="p14">
           <p:contentPart p14:bwMode="auto" r:id="rId23">
             <p14:nvContentPartPr>
               <p14:cNvPr id="92" name="Input penna 91"/>
@@ -4681,7 +5353,7 @@
             </p14:xfrm>
           </p:contentPart>
         </mc:Choice>
-        <mc:Fallback>
+        <mc:Fallback xmlns="">
           <p:pic>
             <p:nvPicPr>
               <p:cNvPr id="92" name="Input penna 91"/>
@@ -4706,8 +5378,8 @@
           </p:pic>
         </mc:Fallback>
       </mc:AlternateContent>
-      <mc:AlternateContent xmlns:mc="http://schemas.openxmlformats.org/markup-compatibility/2006">
-        <mc:Choice xmlns:p14="http://schemas.microsoft.com/office/powerpoint/2010/main" Requires="p14">
+      <mc:AlternateContent xmlns:mc="http://schemas.openxmlformats.org/markup-compatibility/2006" xmlns:p14="http://schemas.microsoft.com/office/powerpoint/2010/main">
+        <mc:Choice Requires="p14">
           <p:contentPart p14:bwMode="auto" r:id="rId25">
             <p14:nvContentPartPr>
               <p14:cNvPr id="93" name="Input penna 92"/>
@@ -4720,7 +5392,7 @@
             </p14:xfrm>
           </p:contentPart>
         </mc:Choice>
-        <mc:Fallback>
+        <mc:Fallback xmlns="">
           <p:pic>
             <p:nvPicPr>
               <p:cNvPr id="93" name="Input penna 92"/>
@@ -5509,7 +6181,7 @@
 </p:sld>
 </file>
 
-<file path=ppt/slides/slide3.xml><?xml version="1.0" encoding="utf-8"?>
+<file path=ppt/slides/slide11.xml><?xml version="1.0" encoding="utf-8"?>
 <p:sld xmlns:a="http://schemas.openxmlformats.org/drawingml/2006/main" xmlns:r="http://schemas.openxmlformats.org/officeDocument/2006/relationships" xmlns:p="http://schemas.openxmlformats.org/presentationml/2006/main">
   <p:cSld>
     <p:spTree>
@@ -5691,8 +6363,8 @@
           </a:p>
         </p:txBody>
       </p:sp>
-      <mc:AlternateContent xmlns:mc="http://schemas.openxmlformats.org/markup-compatibility/2006">
-        <mc:Choice xmlns:p14="http://schemas.microsoft.com/office/powerpoint/2010/main" Requires="p14">
+      <mc:AlternateContent xmlns:mc="http://schemas.openxmlformats.org/markup-compatibility/2006" xmlns:p14="http://schemas.microsoft.com/office/powerpoint/2010/main">
+        <mc:Choice Requires="p14">
           <p:contentPart p14:bwMode="auto" r:id="rId3">
             <p14:nvContentPartPr>
               <p14:cNvPr id="6" name="Input penna 5"/>
@@ -5705,7 +6377,7 @@
             </p14:xfrm>
           </p:contentPart>
         </mc:Choice>
-        <mc:Fallback>
+        <mc:Fallback xmlns="">
           <p:pic>
             <p:nvPicPr>
               <p:cNvPr id="6" name="Input penna 5"/>
@@ -5730,8 +6402,8 @@
           </p:pic>
         </mc:Fallback>
       </mc:AlternateContent>
-      <mc:AlternateContent xmlns:mc="http://schemas.openxmlformats.org/markup-compatibility/2006">
-        <mc:Choice xmlns:p14="http://schemas.microsoft.com/office/powerpoint/2010/main" Requires="p14">
+      <mc:AlternateContent xmlns:mc="http://schemas.openxmlformats.org/markup-compatibility/2006" xmlns:p14="http://schemas.microsoft.com/office/powerpoint/2010/main">
+        <mc:Choice Requires="p14">
           <p:contentPart p14:bwMode="auto" r:id="rId5">
             <p14:nvContentPartPr>
               <p14:cNvPr id="21" name="Input penna 20"/>
@@ -5744,7 +6416,7 @@
             </p14:xfrm>
           </p:contentPart>
         </mc:Choice>
-        <mc:Fallback>
+        <mc:Fallback xmlns="">
           <p:pic>
             <p:nvPicPr>
               <p:cNvPr id="21" name="Input penna 20"/>
@@ -5769,8 +6441,8 @@
           </p:pic>
         </mc:Fallback>
       </mc:AlternateContent>
-      <mc:AlternateContent xmlns:mc="http://schemas.openxmlformats.org/markup-compatibility/2006">
-        <mc:Choice xmlns:p14="http://schemas.microsoft.com/office/powerpoint/2010/main" Requires="p14">
+      <mc:AlternateContent xmlns:mc="http://schemas.openxmlformats.org/markup-compatibility/2006" xmlns:p14="http://schemas.microsoft.com/office/powerpoint/2010/main">
+        <mc:Choice Requires="p14">
           <p:contentPart p14:bwMode="auto" r:id="rId7">
             <p14:nvContentPartPr>
               <p14:cNvPr id="13" name="Input penna 12"/>
@@ -5783,7 +6455,7 @@
             </p14:xfrm>
           </p:contentPart>
         </mc:Choice>
-        <mc:Fallback>
+        <mc:Fallback xmlns="">
           <p:pic>
             <p:nvPicPr>
               <p:cNvPr id="13" name="Input penna 12"/>
@@ -5808,8 +6480,8 @@
           </p:pic>
         </mc:Fallback>
       </mc:AlternateContent>
-      <mc:AlternateContent xmlns:mc="http://schemas.openxmlformats.org/markup-compatibility/2006">
-        <mc:Choice xmlns:p14="http://schemas.microsoft.com/office/powerpoint/2010/main" Requires="p14">
+      <mc:AlternateContent xmlns:mc="http://schemas.openxmlformats.org/markup-compatibility/2006" xmlns:p14="http://schemas.microsoft.com/office/powerpoint/2010/main">
+        <mc:Choice Requires="p14">
           <p:contentPart p14:bwMode="auto" r:id="rId9">
             <p14:nvContentPartPr>
               <p14:cNvPr id="15" name="Input penna 14"/>
@@ -5822,7 +6494,7 @@
             </p14:xfrm>
           </p:contentPart>
         </mc:Choice>
-        <mc:Fallback>
+        <mc:Fallback xmlns="">
           <p:pic>
             <p:nvPicPr>
               <p:cNvPr id="15" name="Input penna 14"/>
@@ -5847,8 +6519,8 @@
           </p:pic>
         </mc:Fallback>
       </mc:AlternateContent>
-      <mc:AlternateContent xmlns:mc="http://schemas.openxmlformats.org/markup-compatibility/2006">
-        <mc:Choice xmlns:p14="http://schemas.microsoft.com/office/powerpoint/2010/main" Requires="p14">
+      <mc:AlternateContent xmlns:mc="http://schemas.openxmlformats.org/markup-compatibility/2006" xmlns:p14="http://schemas.microsoft.com/office/powerpoint/2010/main">
+        <mc:Choice Requires="p14">
           <p:contentPart p14:bwMode="auto" r:id="rId11">
             <p14:nvContentPartPr>
               <p14:cNvPr id="17" name="Input penna 16"/>
@@ -5861,7 +6533,7 @@
             </p14:xfrm>
           </p:contentPart>
         </mc:Choice>
-        <mc:Fallback>
+        <mc:Fallback xmlns="">
           <p:pic>
             <p:nvPicPr>
               <p:cNvPr id="17" name="Input penna 16"/>
@@ -5886,8 +6558,8 @@
           </p:pic>
         </mc:Fallback>
       </mc:AlternateContent>
-      <mc:AlternateContent xmlns:mc="http://schemas.openxmlformats.org/markup-compatibility/2006">
-        <mc:Choice xmlns:p14="http://schemas.microsoft.com/office/powerpoint/2010/main" Requires="p14">
+      <mc:AlternateContent xmlns:mc="http://schemas.openxmlformats.org/markup-compatibility/2006" xmlns:p14="http://schemas.microsoft.com/office/powerpoint/2010/main">
+        <mc:Choice Requires="p14">
           <p:contentPart p14:bwMode="auto" r:id="rId13">
             <p14:nvContentPartPr>
               <p14:cNvPr id="18" name="Input penna 17"/>
@@ -5900,7 +6572,7 @@
             </p14:xfrm>
           </p:contentPart>
         </mc:Choice>
-        <mc:Fallback>
+        <mc:Fallback xmlns="">
           <p:pic>
             <p:nvPicPr>
               <p:cNvPr id="18" name="Input penna 17"/>
@@ -6143,6 +6815,1290 @@
                                         <p:cTn id="22" dur="500"/>
                                         <p:tgtEl>
                                           <p:spTgt spid="18"/>
+                                        </p:tgtEl>
+                                      </p:cBhvr>
+                                    </p:animEffect>
+                                  </p:childTnLst>
+                                </p:cTn>
+                              </p:par>
+                            </p:childTnLst>
+                          </p:cTn>
+                        </p:par>
+                      </p:childTnLst>
+                    </p:cTn>
+                  </p:par>
+                </p:childTnLst>
+              </p:cTn>
+              <p:prevCondLst>
+                <p:cond evt="onPrev" delay="0">
+                  <p:tgtEl>
+                    <p:sldTgt/>
+                  </p:tgtEl>
+                </p:cond>
+              </p:prevCondLst>
+              <p:nextCondLst>
+                <p:cond evt="onNext" delay="0">
+                  <p:tgtEl>
+                    <p:sldTgt/>
+                  </p:tgtEl>
+                </p:cond>
+              </p:nextCondLst>
+            </p:seq>
+          </p:childTnLst>
+        </p:cTn>
+      </p:par>
+    </p:tnLst>
+  </p:timing>
+</p:sld>
+</file>
+
+<file path=ppt/slides/slide2.xml><?xml version="1.0" encoding="utf-8"?>
+<p:sld xmlns:a="http://schemas.openxmlformats.org/drawingml/2006/main" xmlns:r="http://schemas.openxmlformats.org/officeDocument/2006/relationships" xmlns:p="http://schemas.openxmlformats.org/presentationml/2006/main">
+  <p:cSld>
+    <p:spTree>
+      <p:nvGrpSpPr>
+        <p:cNvPr id="1" name=""/>
+        <p:cNvGrpSpPr/>
+        <p:nvPr/>
+      </p:nvGrpSpPr>
+      <p:grpSpPr>
+        <a:xfrm>
+          <a:off x="0" y="0"/>
+          <a:ext cx="0" cy="0"/>
+          <a:chOff x="0" y="0"/>
+          <a:chExt cx="0" cy="0"/>
+        </a:xfrm>
+      </p:grpSpPr>
+      <p:sp>
+        <p:nvSpPr>
+          <p:cNvPr id="2" name="Title 1"/>
+          <p:cNvSpPr>
+            <a:spLocks noGrp="1"/>
+          </p:cNvSpPr>
+          <p:nvPr>
+            <p:ph type="title"/>
+          </p:nvPr>
+        </p:nvSpPr>
+        <p:spPr/>
+        <p:txBody>
+          <a:bodyPr/>
+          <a:lstStyle/>
+          <a:p>
+            <a:r>
+              <a:rPr lang="en-US" dirty="0"/>
+              <a:t>What is </a:t>
+            </a:r>
+            <a:r>
+              <a:rPr lang="en-US" b="1" dirty="0"/>
+              <a:t>“static”</a:t>
+            </a:r>
+            <a:r>
+              <a:rPr lang="en-US" dirty="0"/>
+              <a:t> control flow?</a:t>
+            </a:r>
+            <a:endParaRPr lang="it-IT" dirty="0"/>
+          </a:p>
+        </p:txBody>
+      </p:sp>
+      <p:sp>
+        <p:nvSpPr>
+          <p:cNvPr id="3" name="Content Placeholder 2"/>
+          <p:cNvSpPr>
+            <a:spLocks noGrp="1"/>
+          </p:cNvSpPr>
+          <p:nvPr>
+            <p:ph idx="1"/>
+          </p:nvPr>
+        </p:nvSpPr>
+        <p:spPr/>
+        <p:txBody>
+          <a:bodyPr/>
+          <a:lstStyle/>
+          <a:p>
+            <a:r>
+              <a:rPr lang="en-US" dirty="0">
+                <a:latin typeface="Consolas" panose="020B0609020204030204" pitchFamily="49" charset="0"/>
+              </a:rPr>
+              <a:t>static</a:t>
+            </a:r>
+            <a:r>
+              <a:rPr lang="en-US" dirty="0"/>
+              <a:t> is a specifier with multiple meanings in C++.</a:t>
+            </a:r>
+          </a:p>
+          <a:p>
+            <a:r>
+              <a:rPr lang="en-US" dirty="0"/>
+              <a:t>It’s also a word commonly used by developers to refer to </a:t>
+            </a:r>
+            <a:r>
+              <a:rPr lang="en-US" b="1" dirty="0"/>
+              <a:t>compile-time control flow</a:t>
+            </a:r>
+            <a:r>
+              <a:rPr lang="en-US" dirty="0"/>
+              <a:t>.</a:t>
+            </a:r>
+          </a:p>
+          <a:p>
+            <a:r>
+              <a:rPr lang="en-US" dirty="0"/>
+              <a:t>Existing languages, such as D, have powerful compile-time constructs like </a:t>
+            </a:r>
+            <a:r>
+              <a:rPr lang="en-US" dirty="0">
+                <a:latin typeface="Consolas" panose="020B0609020204030204" pitchFamily="49" charset="0"/>
+              </a:rPr>
+              <a:t>static if</a:t>
+            </a:r>
+            <a:r>
+              <a:rPr lang="en-US" dirty="0"/>
+              <a:t>.</a:t>
+            </a:r>
+          </a:p>
+          <a:p>
+            <a:r>
+              <a:rPr lang="en-US" dirty="0"/>
+              <a:t>Goals of this talk:</a:t>
+            </a:r>
+          </a:p>
+          <a:p>
+            <a:pPr lvl="1"/>
+            <a:r>
+              <a:rPr lang="en-US" dirty="0"/>
+              <a:t>Understand the benefits of static control flow.</a:t>
+            </a:r>
+          </a:p>
+          <a:p>
+            <a:pPr lvl="1"/>
+            <a:r>
+              <a:rPr lang="en-US" dirty="0"/>
+              <a:t>Look at the history of </a:t>
+            </a:r>
+            <a:r>
+              <a:rPr lang="en-US" dirty="0" err="1">
+                <a:latin typeface="Consolas" panose="020B0609020204030204" pitchFamily="49" charset="0"/>
+              </a:rPr>
+              <a:t>static_if</a:t>
+            </a:r>
+            <a:r>
+              <a:rPr lang="en-US" dirty="0"/>
+              <a:t> proposals in C++, analyze </a:t>
+            </a:r>
+            <a:r>
+              <a:rPr lang="en-US" dirty="0">
+                <a:latin typeface="Consolas" panose="020B0609020204030204" pitchFamily="49" charset="0"/>
+              </a:rPr>
+              <a:t>if </a:t>
+            </a:r>
+            <a:r>
+              <a:rPr lang="en-US" dirty="0" err="1">
+                <a:latin typeface="Consolas" panose="020B0609020204030204" pitchFamily="49" charset="0"/>
+              </a:rPr>
+              <a:t>constexpr</a:t>
+            </a:r>
+            <a:r>
+              <a:rPr lang="en-US" dirty="0"/>
+              <a:t>.</a:t>
+            </a:r>
+          </a:p>
+          <a:p>
+            <a:pPr lvl="1"/>
+            <a:r>
+              <a:rPr lang="en-US" dirty="0"/>
+              <a:t>Implement two C++14 constructs: </a:t>
+            </a:r>
+            <a:r>
+              <a:rPr lang="en-US" dirty="0" err="1">
+                <a:latin typeface="Consolas" panose="020B0609020204030204" pitchFamily="49" charset="0"/>
+              </a:rPr>
+              <a:t>static_if</a:t>
+            </a:r>
+            <a:r>
+              <a:rPr lang="en-US" dirty="0">
+                <a:latin typeface="Consolas" panose="020B0609020204030204" pitchFamily="49" charset="0"/>
+              </a:rPr>
+              <a:t> </a:t>
+            </a:r>
+            <a:r>
+              <a:rPr lang="en-US" dirty="0"/>
+              <a:t>and</a:t>
+            </a:r>
+            <a:r>
+              <a:rPr lang="en-US" dirty="0">
+                <a:latin typeface="Consolas" panose="020B0609020204030204" pitchFamily="49" charset="0"/>
+              </a:rPr>
+              <a:t> </a:t>
+            </a:r>
+            <a:r>
+              <a:rPr lang="en-US" dirty="0" err="1">
+                <a:latin typeface="Consolas" panose="020B0609020204030204" pitchFamily="49" charset="0"/>
+              </a:rPr>
+              <a:t>static_for</a:t>
+            </a:r>
+            <a:r>
+              <a:rPr lang="en-US" dirty="0">
+                <a:latin typeface="Consolas" panose="020B0609020204030204" pitchFamily="49" charset="0"/>
+              </a:rPr>
+              <a:t>.</a:t>
+            </a:r>
+            <a:endParaRPr lang="en-US" dirty="0"/>
+          </a:p>
+          <a:p>
+            <a:pPr lvl="1"/>
+            <a:endParaRPr lang="en-US" dirty="0">
+              <a:latin typeface="Consolas" panose="020B0609020204030204" pitchFamily="49" charset="0"/>
+            </a:endParaRPr>
+          </a:p>
+          <a:p>
+            <a:pPr lvl="1"/>
+            <a:endParaRPr lang="en-US" dirty="0">
+              <a:latin typeface="Consolas" panose="020B0609020204030204" pitchFamily="49" charset="0"/>
+            </a:endParaRPr>
+          </a:p>
+          <a:p>
+            <a:endParaRPr lang="it-IT" dirty="0"/>
+          </a:p>
+        </p:txBody>
+      </p:sp>
+    </p:spTree>
+    <p:extLst>
+      <p:ext uri="{BB962C8B-B14F-4D97-AF65-F5344CB8AC3E}">
+        <p14:creationId xmlns:p14="http://schemas.microsoft.com/office/powerpoint/2010/main" val="3240195144"/>
+      </p:ext>
+    </p:extLst>
+  </p:cSld>
+  <p:clrMapOvr>
+    <a:masterClrMapping/>
+  </p:clrMapOvr>
+</p:sld>
+</file>
+
+<file path=ppt/slides/slide3.xml><?xml version="1.0" encoding="utf-8"?>
+<p:sld xmlns:a="http://schemas.openxmlformats.org/drawingml/2006/main" xmlns:r="http://schemas.openxmlformats.org/officeDocument/2006/relationships" xmlns:p="http://schemas.openxmlformats.org/presentationml/2006/main">
+  <p:cSld>
+    <p:spTree>
+      <p:nvGrpSpPr>
+        <p:cNvPr id="1" name=""/>
+        <p:cNvGrpSpPr/>
+        <p:nvPr/>
+      </p:nvGrpSpPr>
+      <p:grpSpPr>
+        <a:xfrm>
+          <a:off x="0" y="0"/>
+          <a:ext cx="0" cy="0"/>
+          <a:chOff x="0" y="0"/>
+          <a:chExt cx="0" cy="0"/>
+        </a:xfrm>
+      </p:grpSpPr>
+      <p:sp>
+        <p:nvSpPr>
+          <p:cNvPr id="2" name="Title 1"/>
+          <p:cNvSpPr>
+            <a:spLocks noGrp="1"/>
+          </p:cNvSpPr>
+          <p:nvPr>
+            <p:ph type="title"/>
+          </p:nvPr>
+        </p:nvSpPr>
+        <p:spPr/>
+        <p:txBody>
+          <a:bodyPr/>
+          <a:lstStyle/>
+          <a:p>
+            <a:r>
+              <a:rPr lang="en-US" dirty="0"/>
+              <a:t>Example: </a:t>
+            </a:r>
+            <a:r>
+              <a:rPr lang="en-US" dirty="0">
+                <a:latin typeface="Consolas" panose="020B0609020204030204" pitchFamily="49" charset="0"/>
+              </a:rPr>
+              <a:t>static if</a:t>
+            </a:r>
+            <a:r>
+              <a:rPr lang="en-US" dirty="0"/>
+              <a:t> in D</a:t>
+            </a:r>
+            <a:endParaRPr lang="it-IT" dirty="0"/>
+          </a:p>
+        </p:txBody>
+      </p:sp>
+      <p:pic>
+        <p:nvPicPr>
+          <p:cNvPr id="10" name="Content Placeholder 9"/>
+          <p:cNvPicPr>
+            <a:picLocks noGrp="1" noChangeAspect="1"/>
+          </p:cNvPicPr>
+          <p:nvPr>
+            <p:ph sz="half" idx="1"/>
+          </p:nvPr>
+        </p:nvPicPr>
+        <p:blipFill>
+          <a:blip r:embed="rId3">
+            <a:extLst>
+              <a:ext uri="{28A0092B-C50C-407E-A947-70E740481C1C}">
+                <a14:useLocalDpi xmlns:a14="http://schemas.microsoft.com/office/drawing/2010/main" val="0"/>
+              </a:ext>
+            </a:extLst>
+          </a:blip>
+          <a:stretch>
+            <a:fillRect/>
+          </a:stretch>
+        </p:blipFill>
+        <p:spPr>
+          <a:xfrm>
+            <a:off x="956533" y="1668545"/>
+            <a:ext cx="4293630" cy="3115303"/>
+          </a:xfrm>
+        </p:spPr>
+      </p:pic>
+      <p:pic>
+        <p:nvPicPr>
+          <p:cNvPr id="11" name="Content Placeholder 10"/>
+          <p:cNvPicPr>
+            <a:picLocks noGrp="1" noChangeAspect="1"/>
+          </p:cNvPicPr>
+          <p:nvPr>
+            <p:ph sz="half" idx="2"/>
+          </p:nvPr>
+        </p:nvPicPr>
+        <p:blipFill>
+          <a:blip r:embed="rId4">
+            <a:extLst>
+              <a:ext uri="{28A0092B-C50C-407E-A947-70E740481C1C}">
+                <a14:useLocalDpi xmlns:a14="http://schemas.microsoft.com/office/drawing/2010/main" val="0"/>
+              </a:ext>
+            </a:extLst>
+          </a:blip>
+          <a:stretch>
+            <a:fillRect/>
+          </a:stretch>
+        </p:blipFill>
+        <p:spPr>
+          <a:xfrm>
+            <a:off x="7572787" y="1668545"/>
+            <a:ext cx="3781013" cy="4797160"/>
+          </a:xfrm>
+        </p:spPr>
+      </p:pic>
+    </p:spTree>
+    <p:extLst>
+      <p:ext uri="{BB962C8B-B14F-4D97-AF65-F5344CB8AC3E}">
+        <p14:creationId xmlns:p14="http://schemas.microsoft.com/office/powerpoint/2010/main" val="4056684322"/>
+      </p:ext>
+    </p:extLst>
+  </p:cSld>
+  <p:clrMapOvr>
+    <a:masterClrMapping/>
+  </p:clrMapOvr>
+</p:sld>
+</file>
+
+<file path=ppt/slides/slide4.xml><?xml version="1.0" encoding="utf-8"?>
+<p:sld xmlns:a="http://schemas.openxmlformats.org/drawingml/2006/main" xmlns:r="http://schemas.openxmlformats.org/officeDocument/2006/relationships" xmlns:p="http://schemas.openxmlformats.org/presentationml/2006/main">
+  <p:cSld>
+    <p:spTree>
+      <p:nvGrpSpPr>
+        <p:cNvPr id="1" name=""/>
+        <p:cNvGrpSpPr/>
+        <p:nvPr/>
+      </p:nvGrpSpPr>
+      <p:grpSpPr>
+        <a:xfrm>
+          <a:off x="0" y="0"/>
+          <a:ext cx="0" cy="0"/>
+          <a:chOff x="0" y="0"/>
+          <a:chExt cx="0" cy="0"/>
+        </a:xfrm>
+      </p:grpSpPr>
+      <p:sp>
+        <p:nvSpPr>
+          <p:cNvPr id="2" name="Title 1"/>
+          <p:cNvSpPr>
+            <a:spLocks noGrp="1"/>
+          </p:cNvSpPr>
+          <p:nvPr>
+            <p:ph type="title"/>
+          </p:nvPr>
+        </p:nvSpPr>
+        <p:spPr/>
+        <p:txBody>
+          <a:bodyPr>
+            <a:normAutofit/>
+          </a:bodyPr>
+          <a:lstStyle/>
+          <a:p>
+            <a:r>
+              <a:rPr lang="en-US" dirty="0"/>
+              <a:t>Example: handling </a:t>
+            </a:r>
+            <a:r>
+              <a:rPr lang="en-US" dirty="0" err="1"/>
+              <a:t>variadic</a:t>
+            </a:r>
+            <a:r>
+              <a:rPr lang="en-US" dirty="0"/>
+              <a:t> argument packs </a:t>
+            </a:r>
+            <a:r>
+              <a:rPr lang="en-US" i="1" dirty="0"/>
+              <a:t>(traditional)</a:t>
+            </a:r>
+            <a:endParaRPr lang="it-IT" i="1" dirty="0"/>
+          </a:p>
+        </p:txBody>
+      </p:sp>
+      <p:pic>
+        <p:nvPicPr>
+          <p:cNvPr id="6" name="Content Placeholder 5"/>
+          <p:cNvPicPr>
+            <a:picLocks noGrp="1" noChangeAspect="1"/>
+          </p:cNvPicPr>
+          <p:nvPr>
+            <p:ph idx="1"/>
+          </p:nvPr>
+        </p:nvPicPr>
+        <p:blipFill>
+          <a:blip r:embed="rId3">
+            <a:extLst>
+              <a:ext uri="{28A0092B-C50C-407E-A947-70E740481C1C}">
+                <a14:useLocalDpi xmlns:a14="http://schemas.microsoft.com/office/drawing/2010/main" val="0"/>
+              </a:ext>
+            </a:extLst>
+          </a:blip>
+          <a:stretch>
+            <a:fillRect/>
+          </a:stretch>
+        </p:blipFill>
+        <p:spPr>
+          <a:xfrm>
+            <a:off x="838200" y="1486461"/>
+            <a:ext cx="3672701" cy="2048591"/>
+          </a:xfrm>
+        </p:spPr>
+      </p:pic>
+      <p:pic>
+        <p:nvPicPr>
+          <p:cNvPr id="7" name="Picture 6"/>
+          <p:cNvPicPr>
+            <a:picLocks noChangeAspect="1"/>
+          </p:cNvPicPr>
+          <p:nvPr/>
+        </p:nvPicPr>
+        <p:blipFill>
+          <a:blip r:embed="rId4">
+            <a:extLst>
+              <a:ext uri="{28A0092B-C50C-407E-A947-70E740481C1C}">
+                <a14:useLocalDpi xmlns:a14="http://schemas.microsoft.com/office/drawing/2010/main" val="0"/>
+              </a:ext>
+            </a:extLst>
+          </a:blip>
+          <a:stretch>
+            <a:fillRect/>
+          </a:stretch>
+        </p:blipFill>
+        <p:spPr>
+          <a:xfrm>
+            <a:off x="5370244" y="3314114"/>
+            <a:ext cx="5983556" cy="2935857"/>
+          </a:xfrm>
+          <a:prstGeom prst="rect">
+            <a:avLst/>
+          </a:prstGeom>
+        </p:spPr>
+      </p:pic>
+    </p:spTree>
+    <p:extLst>
+      <p:ext uri="{BB962C8B-B14F-4D97-AF65-F5344CB8AC3E}">
+        <p14:creationId xmlns:p14="http://schemas.microsoft.com/office/powerpoint/2010/main" val="3981184700"/>
+      </p:ext>
+    </p:extLst>
+  </p:cSld>
+  <p:clrMapOvr>
+    <a:masterClrMapping/>
+  </p:clrMapOvr>
+</p:sld>
+</file>
+
+<file path=ppt/slides/slide5.xml><?xml version="1.0" encoding="utf-8"?>
+<p:sld xmlns:a="http://schemas.openxmlformats.org/drawingml/2006/main" xmlns:r="http://schemas.openxmlformats.org/officeDocument/2006/relationships" xmlns:p="http://schemas.openxmlformats.org/presentationml/2006/main">
+  <p:cSld>
+    <p:spTree>
+      <p:nvGrpSpPr>
+        <p:cNvPr id="1" name=""/>
+        <p:cNvGrpSpPr/>
+        <p:nvPr/>
+      </p:nvGrpSpPr>
+      <p:grpSpPr>
+        <a:xfrm>
+          <a:off x="0" y="0"/>
+          <a:ext cx="0" cy="0"/>
+          <a:chOff x="0" y="0"/>
+          <a:chExt cx="0" cy="0"/>
+        </a:xfrm>
+      </p:grpSpPr>
+      <p:sp>
+        <p:nvSpPr>
+          <p:cNvPr id="2" name="Title 1"/>
+          <p:cNvSpPr>
+            <a:spLocks noGrp="1"/>
+          </p:cNvSpPr>
+          <p:nvPr>
+            <p:ph type="title"/>
+          </p:nvPr>
+        </p:nvSpPr>
+        <p:spPr/>
+        <p:txBody>
+          <a:bodyPr/>
+          <a:lstStyle/>
+          <a:p>
+            <a:r>
+              <a:rPr lang="en-US" dirty="0"/>
+              <a:t>Example: handling </a:t>
+            </a:r>
+            <a:r>
+              <a:rPr lang="en-US" dirty="0" err="1"/>
+              <a:t>variadic</a:t>
+            </a:r>
+            <a:r>
+              <a:rPr lang="en-US" dirty="0"/>
+              <a:t> argument packs </a:t>
+            </a:r>
+            <a:r>
+              <a:rPr lang="en-US" i="1" dirty="0"/>
+              <a:t>(static if)</a:t>
+            </a:r>
+            <a:endParaRPr lang="it-IT" dirty="0"/>
+          </a:p>
+        </p:txBody>
+      </p:sp>
+      <p:pic>
+        <p:nvPicPr>
+          <p:cNvPr id="4" name="Content Placeholder 3"/>
+          <p:cNvPicPr>
+            <a:picLocks noGrp="1" noChangeAspect="1"/>
+          </p:cNvPicPr>
+          <p:nvPr>
+            <p:ph idx="1"/>
+          </p:nvPr>
+        </p:nvPicPr>
+        <p:blipFill>
+          <a:blip r:embed="rId3">
+            <a:extLst>
+              <a:ext uri="{28A0092B-C50C-407E-A947-70E740481C1C}">
+                <a14:useLocalDpi xmlns:a14="http://schemas.microsoft.com/office/drawing/2010/main" val="0"/>
+              </a:ext>
+            </a:extLst>
+          </a:blip>
+          <a:stretch>
+            <a:fillRect/>
+          </a:stretch>
+        </p:blipFill>
+        <p:spPr>
+          <a:xfrm>
+            <a:off x="2996852" y="1582359"/>
+            <a:ext cx="6198295" cy="4469649"/>
+          </a:xfrm>
+        </p:spPr>
+      </p:pic>
+    </p:spTree>
+    <p:extLst>
+      <p:ext uri="{BB962C8B-B14F-4D97-AF65-F5344CB8AC3E}">
+        <p14:creationId xmlns:p14="http://schemas.microsoft.com/office/powerpoint/2010/main" val="205955127"/>
+      </p:ext>
+    </p:extLst>
+  </p:cSld>
+  <p:clrMapOvr>
+    <a:masterClrMapping/>
+  </p:clrMapOvr>
+</p:sld>
+</file>
+
+<file path=ppt/slides/slide6.xml><?xml version="1.0" encoding="utf-8"?>
+<p:sld xmlns:a="http://schemas.openxmlformats.org/drawingml/2006/main" xmlns:r="http://schemas.openxmlformats.org/officeDocument/2006/relationships" xmlns:p="http://schemas.openxmlformats.org/presentationml/2006/main">
+  <p:cSld>
+    <p:spTree>
+      <p:nvGrpSpPr>
+        <p:cNvPr id="1" name=""/>
+        <p:cNvGrpSpPr/>
+        <p:nvPr/>
+      </p:nvGrpSpPr>
+      <p:grpSpPr>
+        <a:xfrm>
+          <a:off x="0" y="0"/>
+          <a:ext cx="0" cy="0"/>
+          <a:chOff x="0" y="0"/>
+          <a:chExt cx="0" cy="0"/>
+        </a:xfrm>
+      </p:grpSpPr>
+      <p:sp>
+        <p:nvSpPr>
+          <p:cNvPr id="2" name="Title 1"/>
+          <p:cNvSpPr>
+            <a:spLocks noGrp="1"/>
+          </p:cNvSpPr>
+          <p:nvPr>
+            <p:ph type="title"/>
+          </p:nvPr>
+        </p:nvSpPr>
+        <p:spPr/>
+        <p:txBody>
+          <a:bodyPr/>
+          <a:lstStyle/>
+          <a:p>
+            <a:r>
+              <a:rPr lang="en-US" dirty="0"/>
+              <a:t>Example: </a:t>
+            </a:r>
+            <a:r>
+              <a:rPr lang="en-US" dirty="0">
+                <a:latin typeface="Consolas" panose="020B0609020204030204" pitchFamily="49" charset="0"/>
+              </a:rPr>
+              <a:t>{}</a:t>
+            </a:r>
+            <a:r>
+              <a:rPr lang="en-US" dirty="0"/>
+              <a:t> vs </a:t>
+            </a:r>
+            <a:r>
+              <a:rPr lang="en-US" dirty="0">
+                <a:latin typeface="Consolas" panose="020B0609020204030204" pitchFamily="49" charset="0"/>
+              </a:rPr>
+              <a:t>()</a:t>
+            </a:r>
+            <a:r>
+              <a:rPr lang="en-US" dirty="0"/>
+              <a:t> object construction </a:t>
+            </a:r>
+            <a:r>
+              <a:rPr lang="en-US" i="1" dirty="0"/>
+              <a:t>(traditional)</a:t>
+            </a:r>
+            <a:endParaRPr lang="it-IT" dirty="0"/>
+          </a:p>
+        </p:txBody>
+      </p:sp>
+      <p:pic>
+        <p:nvPicPr>
+          <p:cNvPr id="4" name="Content Placeholder 3"/>
+          <p:cNvPicPr>
+            <a:picLocks noGrp="1" noChangeAspect="1"/>
+          </p:cNvPicPr>
+          <p:nvPr>
+            <p:ph idx="1"/>
+          </p:nvPr>
+        </p:nvPicPr>
+        <p:blipFill>
+          <a:blip r:embed="rId3">
+            <a:extLst>
+              <a:ext uri="{28A0092B-C50C-407E-A947-70E740481C1C}">
+                <a14:useLocalDpi xmlns:a14="http://schemas.microsoft.com/office/drawing/2010/main" val="0"/>
+              </a:ext>
+            </a:extLst>
+          </a:blip>
+          <a:stretch>
+            <a:fillRect/>
+          </a:stretch>
+        </p:blipFill>
+        <p:spPr>
+          <a:xfrm>
+            <a:off x="1202493" y="1630104"/>
+            <a:ext cx="10028758" cy="4723563"/>
+          </a:xfrm>
+        </p:spPr>
+      </p:pic>
+    </p:spTree>
+    <p:extLst>
+      <p:ext uri="{BB962C8B-B14F-4D97-AF65-F5344CB8AC3E}">
+        <p14:creationId xmlns:p14="http://schemas.microsoft.com/office/powerpoint/2010/main" val="1163159367"/>
+      </p:ext>
+    </p:extLst>
+  </p:cSld>
+  <p:clrMapOvr>
+    <a:masterClrMapping/>
+  </p:clrMapOvr>
+</p:sld>
+</file>
+
+<file path=ppt/slides/slide7.xml><?xml version="1.0" encoding="utf-8"?>
+<p:sld xmlns:a="http://schemas.openxmlformats.org/drawingml/2006/main" xmlns:r="http://schemas.openxmlformats.org/officeDocument/2006/relationships" xmlns:p="http://schemas.openxmlformats.org/presentationml/2006/main">
+  <p:cSld>
+    <p:spTree>
+      <p:nvGrpSpPr>
+        <p:cNvPr id="1" name=""/>
+        <p:cNvGrpSpPr/>
+        <p:nvPr/>
+      </p:nvGrpSpPr>
+      <p:grpSpPr>
+        <a:xfrm>
+          <a:off x="0" y="0"/>
+          <a:ext cx="0" cy="0"/>
+          <a:chOff x="0" y="0"/>
+          <a:chExt cx="0" cy="0"/>
+        </a:xfrm>
+      </p:grpSpPr>
+      <p:sp>
+        <p:nvSpPr>
+          <p:cNvPr id="2" name="Title 1"/>
+          <p:cNvSpPr>
+            <a:spLocks noGrp="1"/>
+          </p:cNvSpPr>
+          <p:nvPr>
+            <p:ph type="title"/>
+          </p:nvPr>
+        </p:nvSpPr>
+        <p:spPr/>
+        <p:txBody>
+          <a:bodyPr/>
+          <a:lstStyle/>
+          <a:p>
+            <a:r>
+              <a:rPr lang="en-US" dirty="0"/>
+              <a:t>Example: </a:t>
+            </a:r>
+            <a:r>
+              <a:rPr lang="en-US" dirty="0">
+                <a:latin typeface="Consolas" panose="020B0609020204030204" pitchFamily="49" charset="0"/>
+              </a:rPr>
+              <a:t>{}</a:t>
+            </a:r>
+            <a:r>
+              <a:rPr lang="en-US" dirty="0"/>
+              <a:t> vs </a:t>
+            </a:r>
+            <a:r>
+              <a:rPr lang="en-US" dirty="0">
+                <a:latin typeface="Consolas" panose="020B0609020204030204" pitchFamily="49" charset="0"/>
+              </a:rPr>
+              <a:t>()</a:t>
+            </a:r>
+            <a:r>
+              <a:rPr lang="en-US" dirty="0"/>
+              <a:t> object construction </a:t>
+            </a:r>
+            <a:r>
+              <a:rPr lang="en-US" i="1" dirty="0"/>
+              <a:t>(static if)</a:t>
+            </a:r>
+            <a:endParaRPr lang="it-IT" dirty="0"/>
+          </a:p>
+        </p:txBody>
+      </p:sp>
+      <p:pic>
+        <p:nvPicPr>
+          <p:cNvPr id="4" name="Content Placeholder 3"/>
+          <p:cNvPicPr>
+            <a:picLocks noGrp="1" noChangeAspect="1"/>
+          </p:cNvPicPr>
+          <p:nvPr>
+            <p:ph idx="1"/>
+          </p:nvPr>
+        </p:nvPicPr>
+        <p:blipFill>
+          <a:blip r:embed="rId3">
+            <a:extLst>
+              <a:ext uri="{28A0092B-C50C-407E-A947-70E740481C1C}">
+                <a14:useLocalDpi xmlns:a14="http://schemas.microsoft.com/office/drawing/2010/main" val="0"/>
+              </a:ext>
+            </a:extLst>
+          </a:blip>
+          <a:stretch>
+            <a:fillRect/>
+          </a:stretch>
+        </p:blipFill>
+        <p:spPr>
+          <a:xfrm>
+            <a:off x="923041" y="1545953"/>
+            <a:ext cx="10702870" cy="4788860"/>
+          </a:xfrm>
+        </p:spPr>
+      </p:pic>
+    </p:spTree>
+    <p:extLst>
+      <p:ext uri="{BB962C8B-B14F-4D97-AF65-F5344CB8AC3E}">
+        <p14:creationId xmlns:p14="http://schemas.microsoft.com/office/powerpoint/2010/main" val="1593520068"/>
+      </p:ext>
+    </p:extLst>
+  </p:cSld>
+  <p:clrMapOvr>
+    <a:masterClrMapping/>
+  </p:clrMapOvr>
+</p:sld>
+</file>
+
+<file path=ppt/slides/slide8.xml><?xml version="1.0" encoding="utf-8"?>
+<p:sld xmlns:a="http://schemas.openxmlformats.org/drawingml/2006/main" xmlns:r="http://schemas.openxmlformats.org/officeDocument/2006/relationships" xmlns:p="http://schemas.openxmlformats.org/presentationml/2006/main">
+  <p:cSld>
+    <p:spTree>
+      <p:nvGrpSpPr>
+        <p:cNvPr id="1" name=""/>
+        <p:cNvGrpSpPr/>
+        <p:nvPr/>
+      </p:nvGrpSpPr>
+      <p:grpSpPr>
+        <a:xfrm>
+          <a:off x="0" y="0"/>
+          <a:ext cx="0" cy="0"/>
+          <a:chOff x="0" y="0"/>
+          <a:chExt cx="0" cy="0"/>
+        </a:xfrm>
+      </p:grpSpPr>
+      <p:sp>
+        <p:nvSpPr>
+          <p:cNvPr id="2" name="Title 1"/>
+          <p:cNvSpPr>
+            <a:spLocks noGrp="1"/>
+          </p:cNvSpPr>
+          <p:nvPr>
+            <p:ph type="title"/>
+          </p:nvPr>
+        </p:nvSpPr>
+        <p:spPr/>
+        <p:txBody>
+          <a:bodyPr/>
+          <a:lstStyle/>
+          <a:p>
+            <a:r>
+              <a:rPr lang="en-US" dirty="0"/>
+              <a:t>History of </a:t>
+            </a:r>
+            <a:r>
+              <a:rPr lang="en-US" dirty="0">
+                <a:latin typeface="Consolas" panose="020B0609020204030204" pitchFamily="49" charset="0"/>
+              </a:rPr>
+              <a:t>static if</a:t>
+            </a:r>
+            <a:r>
+              <a:rPr lang="en-US" dirty="0"/>
+              <a:t> proposals - 1</a:t>
+            </a:r>
+            <a:endParaRPr lang="it-IT" dirty="0"/>
+          </a:p>
+        </p:txBody>
+      </p:sp>
+      <p:sp>
+        <p:nvSpPr>
+          <p:cNvPr id="3" name="Content Placeholder 2"/>
+          <p:cNvSpPr>
+            <a:spLocks noGrp="1"/>
+          </p:cNvSpPr>
+          <p:nvPr>
+            <p:ph idx="1"/>
+          </p:nvPr>
+        </p:nvSpPr>
+        <p:spPr/>
+        <p:txBody>
+          <a:bodyPr/>
+          <a:lstStyle/>
+          <a:p>
+            <a:endParaRPr lang="it-IT"/>
+          </a:p>
+        </p:txBody>
+      </p:sp>
+    </p:spTree>
+    <p:extLst>
+      <p:ext uri="{BB962C8B-B14F-4D97-AF65-F5344CB8AC3E}">
+        <p14:creationId xmlns:p14="http://schemas.microsoft.com/office/powerpoint/2010/main" val="4253260680"/>
+      </p:ext>
+    </p:extLst>
+  </p:cSld>
+  <p:clrMapOvr>
+    <a:masterClrMapping/>
+  </p:clrMapOvr>
+</p:sld>
+</file>
+
+<file path=ppt/slides/slide9.xml><?xml version="1.0" encoding="utf-8"?>
+<p:sld xmlns:a="http://schemas.openxmlformats.org/drawingml/2006/main" xmlns:r="http://schemas.openxmlformats.org/officeDocument/2006/relationships" xmlns:p="http://schemas.openxmlformats.org/presentationml/2006/main">
+  <p:cSld>
+    <p:spTree>
+      <p:nvGrpSpPr>
+        <p:cNvPr id="1" name=""/>
+        <p:cNvGrpSpPr/>
+        <p:nvPr/>
+      </p:nvGrpSpPr>
+      <p:grpSpPr>
+        <a:xfrm>
+          <a:off x="0" y="0"/>
+          <a:ext cx="0" cy="0"/>
+          <a:chOff x="0" y="0"/>
+          <a:chExt cx="0" cy="0"/>
+        </a:xfrm>
+      </p:grpSpPr>
+      <p:sp>
+        <p:nvSpPr>
+          <p:cNvPr id="4" name="Titolo 3"/>
+          <p:cNvSpPr>
+            <a:spLocks noGrp="1"/>
+          </p:cNvSpPr>
+          <p:nvPr>
+            <p:ph type="title"/>
+          </p:nvPr>
+        </p:nvSpPr>
+        <p:spPr/>
+        <p:txBody>
+          <a:bodyPr/>
+          <a:lstStyle/>
+          <a:p>
+            <a:r>
+              <a:rPr lang="en-US" dirty="0"/>
+              <a:t>Step 0: call </a:t>
+            </a:r>
+            <a:r>
+              <a:rPr lang="en-US" dirty="0">
+                <a:latin typeface="Consolas" panose="020B0609020204030204" pitchFamily="49" charset="0"/>
+              </a:rPr>
+              <a:t>consume</a:t>
+            </a:r>
+            <a:endParaRPr lang="it-IT" dirty="0">
+              <a:latin typeface="Consolas" panose="020B0609020204030204" pitchFamily="49" charset="0"/>
+            </a:endParaRPr>
+          </a:p>
+        </p:txBody>
+      </p:sp>
+      <p:pic>
+        <p:nvPicPr>
+          <p:cNvPr id="6" name="Immagine 5"/>
+          <p:cNvPicPr>
+            <a:picLocks noChangeAspect="1"/>
+          </p:cNvPicPr>
+          <p:nvPr/>
+        </p:nvPicPr>
+        <p:blipFill>
+          <a:blip r:embed="rId2">
+            <a:extLst>
+              <a:ext uri="{28A0092B-C50C-407E-A947-70E740481C1C}">
+                <a14:useLocalDpi xmlns:a14="http://schemas.microsoft.com/office/drawing/2010/main" val="0"/>
+              </a:ext>
+            </a:extLst>
+          </a:blip>
+          <a:stretch>
+            <a:fillRect/>
+          </a:stretch>
+        </p:blipFill>
+        <p:spPr>
+          <a:xfrm>
+            <a:off x="1099314" y="3722701"/>
+            <a:ext cx="3675279" cy="451351"/>
+          </a:xfrm>
+          <a:prstGeom prst="rect">
+            <a:avLst/>
+          </a:prstGeom>
+        </p:spPr>
+      </p:pic>
+      <p:pic>
+        <p:nvPicPr>
+          <p:cNvPr id="7" name="Immagine 6"/>
+          <p:cNvPicPr>
+            <a:picLocks noChangeAspect="1"/>
+          </p:cNvPicPr>
+          <p:nvPr/>
+        </p:nvPicPr>
+        <p:blipFill>
+          <a:blip r:embed="rId3">
+            <a:extLst>
+              <a:ext uri="{28A0092B-C50C-407E-A947-70E740481C1C}">
+                <a14:useLocalDpi xmlns:a14="http://schemas.microsoft.com/office/drawing/2010/main" val="0"/>
+              </a:ext>
+            </a:extLst>
+          </a:blip>
+          <a:stretch>
+            <a:fillRect/>
+          </a:stretch>
+        </p:blipFill>
+        <p:spPr>
+          <a:xfrm>
+            <a:off x="6145040" y="1521355"/>
+            <a:ext cx="5415909" cy="4854045"/>
+          </a:xfrm>
+          <a:prstGeom prst="rect">
+            <a:avLst/>
+          </a:prstGeom>
+        </p:spPr>
+      </p:pic>
+      <mc:AlternateContent xmlns:mc="http://schemas.openxmlformats.org/markup-compatibility/2006" xmlns:p14="http://schemas.microsoft.com/office/powerpoint/2010/main">
+        <mc:Choice Requires="p14">
+          <p:contentPart p14:bwMode="auto" r:id="rId4">
+            <p14:nvContentPartPr>
+              <p14:cNvPr id="16" name="Input penna 15"/>
+              <p14:cNvContentPartPr/>
+              <p14:nvPr/>
+            </p14:nvContentPartPr>
+            <p14:xfrm>
+              <a:off x="2447573" y="3415333"/>
+              <a:ext cx="2217240" cy="970920"/>
+            </p14:xfrm>
+          </p:contentPart>
+        </mc:Choice>
+        <mc:Fallback xmlns="">
+          <p:pic>
+            <p:nvPicPr>
+              <p:cNvPr id="16" name="Input penna 15"/>
+              <p:cNvPicPr/>
+              <p:nvPr/>
+            </p:nvPicPr>
+            <p:blipFill>
+              <a:blip r:embed="rId5"/>
+              <a:stretch>
+                <a:fillRect/>
+              </a:stretch>
+            </p:blipFill>
+            <p:spPr>
+              <a:xfrm>
+                <a:off x="2437493" y="3404173"/>
+                <a:ext cx="2239200" cy="993240"/>
+              </a:xfrm>
+              <a:prstGeom prst="rect">
+                <a:avLst/>
+              </a:prstGeom>
+            </p:spPr>
+          </p:pic>
+        </mc:Fallback>
+      </mc:AlternateContent>
+      <mc:AlternateContent xmlns:mc="http://schemas.openxmlformats.org/markup-compatibility/2006" xmlns:p14="http://schemas.microsoft.com/office/powerpoint/2010/main">
+        <mc:Choice Requires="p14">
+          <p:contentPart p14:bwMode="auto" r:id="rId6">
+            <p14:nvContentPartPr>
+              <p14:cNvPr id="19" name="Input penna 18"/>
+              <p14:cNvContentPartPr/>
+              <p14:nvPr/>
+            </p14:nvContentPartPr>
+            <p14:xfrm>
+              <a:off x="3666173" y="1774453"/>
+              <a:ext cx="4178160" cy="1654200"/>
+            </p14:xfrm>
+          </p:contentPart>
+        </mc:Choice>
+        <mc:Fallback xmlns="">
+          <p:pic>
+            <p:nvPicPr>
+              <p:cNvPr id="19" name="Input penna 18"/>
+              <p:cNvPicPr/>
+              <p:nvPr/>
+            </p:nvPicPr>
+            <p:blipFill>
+              <a:blip r:embed="rId7"/>
+              <a:stretch>
+                <a:fillRect/>
+              </a:stretch>
+            </p:blipFill>
+            <p:spPr>
+              <a:xfrm>
+                <a:off x="3659693" y="1765093"/>
+                <a:ext cx="4194000" cy="1668600"/>
+              </a:xfrm>
+              <a:prstGeom prst="rect">
+                <a:avLst/>
+              </a:prstGeom>
+            </p:spPr>
+          </p:pic>
+        </mc:Fallback>
+      </mc:AlternateContent>
+      <mc:AlternateContent xmlns:mc="http://schemas.openxmlformats.org/markup-compatibility/2006" xmlns:p14="http://schemas.microsoft.com/office/powerpoint/2010/main">
+        <mc:Choice Requires="p14">
+          <p:contentPart p14:bwMode="auto" r:id="rId8">
+            <p14:nvContentPartPr>
+              <p14:cNvPr id="20" name="Input penna 19"/>
+              <p14:cNvContentPartPr/>
+              <p14:nvPr/>
+            </p14:nvContentPartPr>
+            <p14:xfrm>
+              <a:off x="7786733" y="1770133"/>
+              <a:ext cx="678960" cy="449280"/>
+            </p14:xfrm>
+          </p:contentPart>
+        </mc:Choice>
+        <mc:Fallback xmlns="">
+          <p:pic>
+            <p:nvPicPr>
+              <p:cNvPr id="20" name="Input penna 19"/>
+              <p:cNvPicPr/>
+              <p:nvPr/>
+            </p:nvPicPr>
+            <p:blipFill>
+              <a:blip r:embed="rId9"/>
+              <a:stretch>
+                <a:fillRect/>
+              </a:stretch>
+            </p:blipFill>
+            <p:spPr>
+              <a:xfrm>
+                <a:off x="7777373" y="1761853"/>
+                <a:ext cx="696600" cy="466200"/>
+              </a:xfrm>
+              <a:prstGeom prst="rect">
+                <a:avLst/>
+              </a:prstGeom>
+            </p:spPr>
+          </p:pic>
+        </mc:Fallback>
+      </mc:AlternateContent>
+    </p:spTree>
+    <p:extLst>
+      <p:ext uri="{BB962C8B-B14F-4D97-AF65-F5344CB8AC3E}">
+        <p14:creationId xmlns:p14="http://schemas.microsoft.com/office/powerpoint/2010/main" val="4135501317"/>
+      </p:ext>
+    </p:extLst>
+  </p:cSld>
+  <p:clrMapOvr>
+    <a:masterClrMapping/>
+  </p:clrMapOvr>
+  <p:timing>
+    <p:tnLst>
+      <p:par>
+        <p:cTn id="1" dur="indefinite" restart="never" nodeType="tmRoot">
+          <p:childTnLst>
+            <p:seq concurrent="1" nextAc="seek">
+              <p:cTn id="2" dur="indefinite" nodeType="mainSeq">
+                <p:childTnLst>
+                  <p:par>
+                    <p:cTn id="3" fill="hold">
+                      <p:stCondLst>
+                        <p:cond delay="indefinite"/>
+                      </p:stCondLst>
+                      <p:childTnLst>
+                        <p:par>
+                          <p:cTn id="4" fill="hold">
+                            <p:stCondLst>
+                              <p:cond delay="0"/>
+                            </p:stCondLst>
+                            <p:childTnLst>
+                              <p:par>
+                                <p:cTn id="5" presetID="10" presetClass="entr" presetSubtype="0" fill="hold" nodeType="clickEffect">
+                                  <p:stCondLst>
+                                    <p:cond delay="0"/>
+                                  </p:stCondLst>
+                                  <p:childTnLst>
+                                    <p:set>
+                                      <p:cBhvr>
+                                        <p:cTn id="6" dur="1" fill="hold">
+                                          <p:stCondLst>
+                                            <p:cond delay="0"/>
+                                          </p:stCondLst>
+                                        </p:cTn>
+                                        <p:tgtEl>
+                                          <p:spTgt spid="16"/>
+                                        </p:tgtEl>
+                                        <p:attrNameLst>
+                                          <p:attrName>style.visibility</p:attrName>
+                                        </p:attrNameLst>
+                                      </p:cBhvr>
+                                      <p:to>
+                                        <p:strVal val="visible"/>
+                                      </p:to>
+                                    </p:set>
+                                    <p:animEffect transition="in" filter="fade">
+                                      <p:cBhvr>
+                                        <p:cTn id="7" dur="500"/>
+                                        <p:tgtEl>
+                                          <p:spTgt spid="16"/>
+                                        </p:tgtEl>
+                                      </p:cBhvr>
+                                    </p:animEffect>
+                                  </p:childTnLst>
+                                </p:cTn>
+                              </p:par>
+                            </p:childTnLst>
+                          </p:cTn>
+                        </p:par>
+                      </p:childTnLst>
+                    </p:cTn>
+                  </p:par>
+                  <p:par>
+                    <p:cTn id="8" fill="hold">
+                      <p:stCondLst>
+                        <p:cond delay="indefinite"/>
+                      </p:stCondLst>
+                      <p:childTnLst>
+                        <p:par>
+                          <p:cTn id="9" fill="hold">
+                            <p:stCondLst>
+                              <p:cond delay="0"/>
+                            </p:stCondLst>
+                            <p:childTnLst>
+                              <p:par>
+                                <p:cTn id="10" presetID="10" presetClass="entr" presetSubtype="0" fill="hold" nodeType="clickEffect">
+                                  <p:stCondLst>
+                                    <p:cond delay="0"/>
+                                  </p:stCondLst>
+                                  <p:childTnLst>
+                                    <p:set>
+                                      <p:cBhvr>
+                                        <p:cTn id="11" dur="1" fill="hold">
+                                          <p:stCondLst>
+                                            <p:cond delay="0"/>
+                                          </p:stCondLst>
+                                        </p:cTn>
+                                        <p:tgtEl>
+                                          <p:spTgt spid="19"/>
+                                        </p:tgtEl>
+                                        <p:attrNameLst>
+                                          <p:attrName>style.visibility</p:attrName>
+                                        </p:attrNameLst>
+                                      </p:cBhvr>
+                                      <p:to>
+                                        <p:strVal val="visible"/>
+                                      </p:to>
+                                    </p:set>
+                                    <p:animEffect transition="in" filter="fade">
+                                      <p:cBhvr>
+                                        <p:cTn id="12" dur="500"/>
+                                        <p:tgtEl>
+                                          <p:spTgt spid="19"/>
+                                        </p:tgtEl>
+                                      </p:cBhvr>
+                                    </p:animEffect>
+                                  </p:childTnLst>
+                                </p:cTn>
+                              </p:par>
+                            </p:childTnLst>
+                          </p:cTn>
+                        </p:par>
+                      </p:childTnLst>
+                    </p:cTn>
+                  </p:par>
+                  <p:par>
+                    <p:cTn id="13" fill="hold">
+                      <p:stCondLst>
+                        <p:cond delay="indefinite"/>
+                      </p:stCondLst>
+                      <p:childTnLst>
+                        <p:par>
+                          <p:cTn id="14" fill="hold">
+                            <p:stCondLst>
+                              <p:cond delay="0"/>
+                            </p:stCondLst>
+                            <p:childTnLst>
+                              <p:par>
+                                <p:cTn id="15" presetID="10" presetClass="entr" presetSubtype="0" fill="hold" nodeType="clickEffect">
+                                  <p:stCondLst>
+                                    <p:cond delay="0"/>
+                                  </p:stCondLst>
+                                  <p:childTnLst>
+                                    <p:set>
+                                      <p:cBhvr>
+                                        <p:cTn id="16" dur="1" fill="hold">
+                                          <p:stCondLst>
+                                            <p:cond delay="0"/>
+                                          </p:stCondLst>
+                                        </p:cTn>
+                                        <p:tgtEl>
+                                          <p:spTgt spid="20"/>
+                                        </p:tgtEl>
+                                        <p:attrNameLst>
+                                          <p:attrName>style.visibility</p:attrName>
+                                        </p:attrNameLst>
+                                      </p:cBhvr>
+                                      <p:to>
+                                        <p:strVal val="visible"/>
+                                      </p:to>
+                                    </p:set>
+                                    <p:animEffect transition="in" filter="fade">
+                                      <p:cBhvr>
+                                        <p:cTn id="17" dur="500"/>
+                                        <p:tgtEl>
+                                          <p:spTgt spid="20"/>
                                         </p:tgtEl>
                                       </p:cBhvr>
                                     </p:animEffect>
@@ -6473,4 +8429,299 @@
     </a:ext>
   </a:extLst>
 </a:theme>
+</file>
+
+<file path=ppt/theme/theme2.xml><?xml version="1.0" encoding="utf-8"?>
+<a:theme xmlns:a="http://schemas.openxmlformats.org/drawingml/2006/main" name="Office Theme">
+  <a:themeElements>
+    <a:clrScheme name="Office">
+      <a:dk1>
+        <a:sysClr val="windowText" lastClr="000000"/>
+      </a:dk1>
+      <a:lt1>
+        <a:sysClr val="window" lastClr="FFFFFF"/>
+      </a:lt1>
+      <a:dk2>
+        <a:srgbClr val="44546A"/>
+      </a:dk2>
+      <a:lt2>
+        <a:srgbClr val="E7E6E6"/>
+      </a:lt2>
+      <a:accent1>
+        <a:srgbClr val="5B9BD5"/>
+      </a:accent1>
+      <a:accent2>
+        <a:srgbClr val="ED7D31"/>
+      </a:accent2>
+      <a:accent3>
+        <a:srgbClr val="A5A5A5"/>
+      </a:accent3>
+      <a:accent4>
+        <a:srgbClr val="FFC000"/>
+      </a:accent4>
+      <a:accent5>
+        <a:srgbClr val="4472C4"/>
+      </a:accent5>
+      <a:accent6>
+        <a:srgbClr val="70AD47"/>
+      </a:accent6>
+      <a:hlink>
+        <a:srgbClr val="0563C1"/>
+      </a:hlink>
+      <a:folHlink>
+        <a:srgbClr val="954F72"/>
+      </a:folHlink>
+    </a:clrScheme>
+    <a:fontScheme name="Office">
+      <a:majorFont>
+        <a:latin typeface="Calibri Light" panose="020F0302020204030204"/>
+        <a:ea typeface=""/>
+        <a:cs typeface=""/>
+        <a:font script="Jpan" typeface="游ゴシック Light"/>
+        <a:font script="Hang" typeface="맑은 고딕"/>
+        <a:font script="Hans" typeface="等线 Light"/>
+        <a:font script="Hant" typeface="新細明體"/>
+        <a:font script="Arab" typeface="Times New Roman"/>
+        <a:font script="Hebr" typeface="Times New Roman"/>
+        <a:font script="Thai" typeface="Angsana New"/>
+        <a:font script="Ethi" typeface="Nyala"/>
+        <a:font script="Beng" typeface="Vrinda"/>
+        <a:font script="Gujr" typeface="Shruti"/>
+        <a:font script="Khmr" typeface="MoolBoran"/>
+        <a:font script="Knda" typeface="Tunga"/>
+        <a:font script="Guru" typeface="Raavi"/>
+        <a:font script="Cans" typeface="Euphemia"/>
+        <a:font script="Cher" typeface="Plantagenet Cherokee"/>
+        <a:font script="Yiii" typeface="Microsoft Yi Baiti"/>
+        <a:font script="Tibt" typeface="Microsoft Himalaya"/>
+        <a:font script="Thaa" typeface="MV Boli"/>
+        <a:font script="Deva" typeface="Mangal"/>
+        <a:font script="Telu" typeface="Gautami"/>
+        <a:font script="Taml" typeface="Latha"/>
+        <a:font script="Syrc" typeface="Estrangelo Edessa"/>
+        <a:font script="Orya" typeface="Kalinga"/>
+        <a:font script="Mlym" typeface="Kartika"/>
+        <a:font script="Laoo" typeface="DokChampa"/>
+        <a:font script="Sinh" typeface="Iskoola Pota"/>
+        <a:font script="Mong" typeface="Mongolian Baiti"/>
+        <a:font script="Viet" typeface="Times New Roman"/>
+        <a:font script="Uigh" typeface="Microsoft Uighur"/>
+        <a:font script="Geor" typeface="Sylfaen"/>
+        <a:font script="Armn" typeface="Arial"/>
+        <a:font script="Bugi" typeface="Leelawadee UI"/>
+        <a:font script="Bopo" typeface="Microsoft JhengHei"/>
+        <a:font script="Java" typeface="Javanese Text"/>
+        <a:font script="Lisu" typeface="Segoe UI"/>
+        <a:font script="Mymr" typeface="Myanmar Text"/>
+        <a:font script="Nkoo" typeface="Ebrima"/>
+        <a:font script="Olck" typeface="Nirmala UI"/>
+        <a:font script="Osma" typeface="Ebrima"/>
+        <a:font script="Phag" typeface="Phagspa"/>
+        <a:font script="Syrn" typeface="Estrangelo Edessa"/>
+        <a:font script="Syrj" typeface="Estrangelo Edessa"/>
+        <a:font script="Syre" typeface="Estrangelo Edessa"/>
+        <a:font script="Sora" typeface="Nirmala UI"/>
+        <a:font script="Tale" typeface="Microsoft Tai Le"/>
+        <a:font script="Talu" typeface="Microsoft New Tai Lue"/>
+        <a:font script="Tfng" typeface="Ebrima"/>
+      </a:majorFont>
+      <a:minorFont>
+        <a:latin typeface="Calibri" panose="020F0502020204030204"/>
+        <a:ea typeface=""/>
+        <a:cs typeface=""/>
+        <a:font script="Jpan" typeface="游ゴシック"/>
+        <a:font script="Hang" typeface="맑은 고딕"/>
+        <a:font script="Hans" typeface="等线"/>
+        <a:font script="Hant" typeface="新細明體"/>
+        <a:font script="Arab" typeface="Arial"/>
+        <a:font script="Hebr" typeface="Arial"/>
+        <a:font script="Thai" typeface="Cordia New"/>
+        <a:font script="Ethi" typeface="Nyala"/>
+        <a:font script="Beng" typeface="Vrinda"/>
+        <a:font script="Gujr" typeface="Shruti"/>
+        <a:font script="Khmr" typeface="DaunPenh"/>
+        <a:font script="Knda" typeface="Tunga"/>
+        <a:font script="Guru" typeface="Raavi"/>
+        <a:font script="Cans" typeface="Euphemia"/>
+        <a:font script="Cher" typeface="Plantagenet Cherokee"/>
+        <a:font script="Yiii" typeface="Microsoft Yi Baiti"/>
+        <a:font script="Tibt" typeface="Microsoft Himalaya"/>
+        <a:font script="Thaa" typeface="MV Boli"/>
+        <a:font script="Deva" typeface="Mangal"/>
+        <a:font script="Telu" typeface="Gautami"/>
+        <a:font script="Taml" typeface="Latha"/>
+        <a:font script="Syrc" typeface="Estrangelo Edessa"/>
+        <a:font script="Orya" typeface="Kalinga"/>
+        <a:font script="Mlym" typeface="Kartika"/>
+        <a:font script="Laoo" typeface="DokChampa"/>
+        <a:font script="Sinh" typeface="Iskoola Pota"/>
+        <a:font script="Mong" typeface="Mongolian Baiti"/>
+        <a:font script="Viet" typeface="Arial"/>
+        <a:font script="Uigh" typeface="Microsoft Uighur"/>
+        <a:font script="Geor" typeface="Sylfaen"/>
+        <a:font script="Armn" typeface="Arial"/>
+        <a:font script="Bugi" typeface="Leelawadee UI"/>
+        <a:font script="Bopo" typeface="Microsoft JhengHei"/>
+        <a:font script="Java" typeface="Javanese Text"/>
+        <a:font script="Lisu" typeface="Segoe UI"/>
+        <a:font script="Mymr" typeface="Myanmar Text"/>
+        <a:font script="Nkoo" typeface="Ebrima"/>
+        <a:font script="Olck" typeface="Nirmala UI"/>
+        <a:font script="Osma" typeface="Ebrima"/>
+        <a:font script="Phag" typeface="Phagspa"/>
+        <a:font script="Syrn" typeface="Estrangelo Edessa"/>
+        <a:font script="Syrj" typeface="Estrangelo Edessa"/>
+        <a:font script="Syre" typeface="Estrangelo Edessa"/>
+        <a:font script="Sora" typeface="Nirmala UI"/>
+        <a:font script="Tale" typeface="Microsoft Tai Le"/>
+        <a:font script="Talu" typeface="Microsoft New Tai Lue"/>
+        <a:font script="Tfng" typeface="Ebrima"/>
+      </a:minorFont>
+    </a:fontScheme>
+    <a:fmtScheme name="Office">
+      <a:fillStyleLst>
+        <a:solidFill>
+          <a:schemeClr val="phClr"/>
+        </a:solidFill>
+        <a:gradFill rotWithShape="1">
+          <a:gsLst>
+            <a:gs pos="0">
+              <a:schemeClr val="phClr">
+                <a:lumMod val="110000"/>
+                <a:satMod val="105000"/>
+                <a:tint val="67000"/>
+              </a:schemeClr>
+            </a:gs>
+            <a:gs pos="50000">
+              <a:schemeClr val="phClr">
+                <a:lumMod val="105000"/>
+                <a:satMod val="103000"/>
+                <a:tint val="73000"/>
+              </a:schemeClr>
+            </a:gs>
+            <a:gs pos="100000">
+              <a:schemeClr val="phClr">
+                <a:lumMod val="105000"/>
+                <a:satMod val="109000"/>
+                <a:tint val="81000"/>
+              </a:schemeClr>
+            </a:gs>
+          </a:gsLst>
+          <a:lin ang="5400000" scaled="0"/>
+        </a:gradFill>
+        <a:gradFill rotWithShape="1">
+          <a:gsLst>
+            <a:gs pos="0">
+              <a:schemeClr val="phClr">
+                <a:satMod val="103000"/>
+                <a:lumMod val="102000"/>
+                <a:tint val="94000"/>
+              </a:schemeClr>
+            </a:gs>
+            <a:gs pos="50000">
+              <a:schemeClr val="phClr">
+                <a:satMod val="110000"/>
+                <a:lumMod val="100000"/>
+                <a:shade val="100000"/>
+              </a:schemeClr>
+            </a:gs>
+            <a:gs pos="100000">
+              <a:schemeClr val="phClr">
+                <a:lumMod val="99000"/>
+                <a:satMod val="120000"/>
+                <a:shade val="78000"/>
+              </a:schemeClr>
+            </a:gs>
+          </a:gsLst>
+          <a:lin ang="5400000" scaled="0"/>
+        </a:gradFill>
+      </a:fillStyleLst>
+      <a:lnStyleLst>
+        <a:ln w="6350" cap="flat" cmpd="sng" algn="ctr">
+          <a:solidFill>
+            <a:schemeClr val="phClr"/>
+          </a:solidFill>
+          <a:prstDash val="solid"/>
+          <a:miter lim="800000"/>
+        </a:ln>
+        <a:ln w="12700" cap="flat" cmpd="sng" algn="ctr">
+          <a:solidFill>
+            <a:schemeClr val="phClr"/>
+          </a:solidFill>
+          <a:prstDash val="solid"/>
+          <a:miter lim="800000"/>
+        </a:ln>
+        <a:ln w="19050" cap="flat" cmpd="sng" algn="ctr">
+          <a:solidFill>
+            <a:schemeClr val="phClr"/>
+          </a:solidFill>
+          <a:prstDash val="solid"/>
+          <a:miter lim="800000"/>
+        </a:ln>
+      </a:lnStyleLst>
+      <a:effectStyleLst>
+        <a:effectStyle>
+          <a:effectLst/>
+        </a:effectStyle>
+        <a:effectStyle>
+          <a:effectLst/>
+        </a:effectStyle>
+        <a:effectStyle>
+          <a:effectLst>
+            <a:outerShdw blurRad="57150" dist="19050" dir="5400000" algn="ctr" rotWithShape="0">
+              <a:srgbClr val="000000">
+                <a:alpha val="63000"/>
+              </a:srgbClr>
+            </a:outerShdw>
+          </a:effectLst>
+        </a:effectStyle>
+      </a:effectStyleLst>
+      <a:bgFillStyleLst>
+        <a:solidFill>
+          <a:schemeClr val="phClr"/>
+        </a:solidFill>
+        <a:solidFill>
+          <a:schemeClr val="phClr">
+            <a:tint val="95000"/>
+            <a:satMod val="170000"/>
+          </a:schemeClr>
+        </a:solidFill>
+        <a:gradFill rotWithShape="1">
+          <a:gsLst>
+            <a:gs pos="0">
+              <a:schemeClr val="phClr">
+                <a:tint val="93000"/>
+                <a:satMod val="150000"/>
+                <a:shade val="98000"/>
+                <a:lumMod val="102000"/>
+              </a:schemeClr>
+            </a:gs>
+            <a:gs pos="50000">
+              <a:schemeClr val="phClr">
+                <a:tint val="98000"/>
+                <a:satMod val="130000"/>
+                <a:shade val="90000"/>
+                <a:lumMod val="103000"/>
+              </a:schemeClr>
+            </a:gs>
+            <a:gs pos="100000">
+              <a:schemeClr val="phClr">
+                <a:shade val="63000"/>
+                <a:satMod val="120000"/>
+              </a:schemeClr>
+            </a:gs>
+          </a:gsLst>
+          <a:lin ang="5400000" scaled="0"/>
+        </a:gradFill>
+      </a:bgFillStyleLst>
+    </a:fmtScheme>
+  </a:themeElements>
+  <a:objectDefaults/>
+  <a:extraClrSchemeLst/>
+  <a:extLst>
+    <a:ext uri="{05A4C25C-085E-4340-85A3-A5531E510DB2}">
+      <thm15:themeFamily xmlns:thm15="http://schemas.microsoft.com/office/thememl/2012/main" name="Office Theme" id="{62F939B6-93AF-4DB8-9C6B-D6C7DFDC589F}" vid="{4A3C46E8-61CC-4603-A589-7422A47A8E4A}"/>
+    </a:ext>
+  </a:extLst>
+</a:theme>
 </file>
--- a/static_control_flow/slides.pptx
+++ b/static_control_flow/slides.pptx
@@ -5,7 +5,7 @@
     <p:sldMasterId id="2147483648" r:id="rId1"/>
   </p:sldMasterIdLst>
   <p:notesMasterIdLst>
-    <p:notesMasterId r:id="rId13"/>
+    <p:notesMasterId r:id="rId22"/>
   </p:notesMasterIdLst>
   <p:sldIdLst>
     <p:sldId id="259" r:id="rId2"/>
@@ -16,9 +16,18 @@
     <p:sldId id="264" r:id="rId7"/>
     <p:sldId id="265" r:id="rId8"/>
     <p:sldId id="266" r:id="rId9"/>
-    <p:sldId id="256" r:id="rId10"/>
-    <p:sldId id="257" r:id="rId11"/>
-    <p:sldId id="258" r:id="rId12"/>
+    <p:sldId id="267" r:id="rId10"/>
+    <p:sldId id="268" r:id="rId11"/>
+    <p:sldId id="269" r:id="rId12"/>
+    <p:sldId id="270" r:id="rId13"/>
+    <p:sldId id="271" r:id="rId14"/>
+    <p:sldId id="272" r:id="rId15"/>
+    <p:sldId id="273" r:id="rId16"/>
+    <p:sldId id="274" r:id="rId17"/>
+    <p:sldId id="275" r:id="rId18"/>
+    <p:sldId id="256" r:id="rId19"/>
+    <p:sldId id="257" r:id="rId20"/>
+    <p:sldId id="258" r:id="rId21"/>
   </p:sldIdLst>
   <p:sldSz cx="12192000" cy="6858000"/>
   <p:notesSz cx="6858000" cy="9144000"/>
@@ -143,6 +152,695 @@
           <inkml:channelProperty channel="T" name="resolution" value="1" units="1/dev"/>
         </inkml:channelProperties>
       </inkml:inkSource>
+      <inkml:timestamp xml:id="ts0" timeString="2016-08-22T10:58:40.367"/>
+    </inkml:context>
+    <inkml:brush xml:id="br0">
+      <inkml:brushProperty name="width" value="0.05" units="cm"/>
+      <inkml:brushProperty name="height" value="0.05" units="cm"/>
+      <inkml:brushProperty name="color" value="#ED1C24"/>
+      <inkml:brushProperty name="fitToCurve" value="1"/>
+    </inkml:brush>
+  </inkml:definitions>
+  <inkml:traceGroup>
+    <inkml:annotationXML>
+      <emma:emma xmlns:emma="http://www.w3.org/2003/04/emma" version="1.0">
+        <emma:interpretation id="{DC6283D3-D4B0-40B7-9932-25EBB23AEE51}" emma:medium="tactile" emma:mode="ink">
+          <msink:context xmlns:msink="http://schemas.microsoft.com/ink/2010/main" type="writingRegion" rotatedBoundingBox="19396,6813 21909,5681 22611,7239 20098,8371"/>
+        </emma:interpretation>
+      </emma:emma>
+    </inkml:annotationXML>
+    <inkml:traceGroup>
+      <inkml:annotationXML>
+        <emma:emma xmlns:emma="http://www.w3.org/2003/04/emma" version="1.0">
+          <emma:interpretation id="{DCFCBEF0-CDD6-486C-B87E-22873E99AB20}" emma:medium="tactile" emma:mode="ink">
+            <msink:context xmlns:msink="http://schemas.microsoft.com/ink/2010/main" type="paragraph" rotatedBoundingBox="19396,6813 21909,5681 22611,7239 20098,8371" alignmentLevel="1"/>
+          </emma:interpretation>
+        </emma:emma>
+      </inkml:annotationXML>
+      <inkml:traceGroup>
+        <inkml:annotationXML>
+          <emma:emma xmlns:emma="http://www.w3.org/2003/04/emma" version="1.0">
+            <emma:interpretation id="{F9D94976-7F2F-4832-8585-B40AD17355F5}" emma:medium="tactile" emma:mode="ink">
+              <msink:context xmlns:msink="http://schemas.microsoft.com/ink/2010/main" type="line" rotatedBoundingBox="19396,6813 21909,5681 22611,7239 20098,8371"/>
+            </emma:interpretation>
+          </emma:emma>
+        </inkml:annotationXML>
+        <inkml:traceGroup>
+          <inkml:annotationXML>
+            <emma:emma xmlns:emma="http://www.w3.org/2003/04/emma" version="1.0">
+              <emma:interpretation id="{8E233F10-9849-4021-BC1C-4353DBA3B1A6}" emma:medium="tactile" emma:mode="ink">
+                <msink:context xmlns:msink="http://schemas.microsoft.com/ink/2010/main" type="inkWord" rotatedBoundingBox="19396,6813 21909,5681 22611,7239 20098,8371">
+                  <msink:destinationLink direction="with" ref="{4DC23801-F43F-408E-B5FE-3F2A208AFF71}"/>
+                </msink:context>
+              </emma:interpretation>
+            </emma:emma>
+          </inkml:annotationXML>
+          <inkml:trace contextRef="#ctx0" brushRef="#br0">4169-1467 18 0,'-30'10'9'0,"12"-20"-1"16,18 4 7-16,-5 1-10 16,-1 0 0-16,0 0 3 15,6-6 0-15,0 1-10 16,0-6 1-16,6 0 7 16,5 1 0-16,13-1-1 15,11 0 0-15,13 0-1 0,-1 1 1 16,-6 4-2-16,-6 1 1 15,1 4-1-15,-1-4 1 16,-11 10-2-16,-7 10 0 16,-11 17-1-16,-6 9 1 15,-18 11 0-15,-11 11 0 16,-18 10 0-16,-6 0 1 16,0 0-1-16,6-5 1 15,5 0-1-15,13-5 1 16,5-16 0-16,13 5 0 15,5-11-2-15,6-4 1 16,17-11-1-16,7-11 0 0,17-5-4 16,12-5 0-16,-6 0-6 15,0-5 0-15,6 0-11 16,24-6 1-16</inkml:trace>
+          <inkml:trace contextRef="#ctx0" brushRef="#br0" timeOffset="330.452">4899-1467 29 0,'-35'15'14'0,"-30"38"0"15,47-27 9-15,-5 21-21 16,-1 16 1-16,1-6 5 16,-1 11 0-16,1 1-8 15,5-17 0-15,24 6 5 0,17-17 0 16,19-9-1-16,11-27 1 15,17-15-5-15,7-17 1 16,-1-14-2-16,-5-22 1 16,0-5-1-16,-18-6 1 15,-12 6-1-15,-11 0 1 16,-19 11 1-16,-22 4 0 16,-31 11-1-16,1 11 1 15,-6 10-1-15,-12 10 0 16,0 17-1-16,6 9 1 0,0 1-5 15,12 0 0-15,5 20-10 16,19 1 0-16</inkml:trace>
+          <inkml:trace contextRef="#ctx0" brushRef="#br0" timeOffset="1111.9309">5583-1368 14 0,'-30'5'7'0,"12"11"14"0,18-16-7 16,0 10-8-16,0-4 0 15,0 9 4-15,0-4 0 16,0-1-12-16,6 6 0 0,6-16 9 16,12-16 0-16,11-10-3 15,6-5 0-15,6-16-2 16,1-6 0-16,-7 6-1 16,-6 5 0-16,-5-5 0 15,-13 21 1-15,-5 5-2 16,0 0 1-16,-12 11 0 15,0 10 0-15,-6 0-1 16,0 20 1-16,0 12-1 16,0 15 1-16,0 16-1 15,1 5 1-15,-1 5 0 16,0-10 0-16,-6 5 0 16,0-15 0-16,-5-6 0 15,-1 0 0-15,-12-10 0 16,-5-6 0-16,0-5-1 0,-1-5 1 15,7-5-1-15,-1-6 1 16,7 1-1-16,-1-6 0 16,7-5 0-16,5 0 0 15,6 0 1-15,6 0 0 16,12 0 1-16,11 5 1 16,7-5 1-16,11 5 0 15,6-10 1-15,6 0 0 16,6-5-1-16,6-1 0 15,0 1-4-15,-1-6 1 16,-5 0-9-16,0 6 1 0,-12-6-12 16,-11 0 1-16,11 11-3 15,-6-5 0-15</inkml:trace>
+          <inkml:trace contextRef="#ctx0" brushRef="#br0" timeOffset="2388.3236">5371-902 25 0,'0'-10'12'0,"11"-22"7"0,1 32 1 0,6-5-16 16,5 0 1-16,13 0 6 15,11-1 0-15,6 1-13 16,0 5 1-16,0 5 8 16,0 1 0-16,0-1-4 15,0 0 0-15,0 0-12 16,0-10 1-16,18-11-8 16,-6-5 1-16</inkml:trace>
+          <inkml:trace contextRef="#ctx0" brushRef="#br0" timeOffset="1817.2217">6307-1326 43 0,'6'-26'21'0,"12"31"-16"0,-6-10 38 16,-1 5-41-16,7-11 0 16,6-4 0-16,5-6 1 15,1-6-4-15,5-4 0 16,0-6 2-16,-5 1 1 16,-1 4-2-16,-5 11 0 15,-1 6 0-15,-5-1 1 16,-6 5-1-16,-6 1 0 15,-6 10 0-15,-6 10 0 16,0 6 0-16,0 5 0 0,0 0 0 16,0 10 0-16,6 1 0 15,0 10 1 1,0 36 0 0,0-10 0-16,0 1-1 15,6-12 1-15,0-10 0 16,0-5 0-16,-6-5-1 15,0-6 0-15,0-10 1 16,-6 0 0-16,-6-10-1 16,-5 4 0-16,-7-4 0 15,0-1 1-15,-5 1-1 16,0 4 1-16,-1-9-1 16,1 4 0-16,5-5 0 15,0 1 0-15,1-12 1 16,5 6 1-16,6-5 0 15,7 0 0-15,-1-6 1 0,6 11 0 16,11-10 0-16,13 5 1 16,5 5-1-16,13-5 1 15,11-1 0-15,6 1 0 16,0 0-1-16,11-6 1 16,1 6-1-16,-6 0 1 15,-6 0-7-15,0-1 1 16,-12 1-10-16,-12-5 0 15,0-1-11-15,-5-5 1 16</inkml:trace>
+        </inkml:traceGroup>
+      </inkml:traceGroup>
+    </inkml:traceGroup>
+  </inkml:traceGroup>
+</inkml:ink>
+</file>
+
+<file path=ppt/ink/ink10.xml><?xml version="1.0" encoding="utf-8"?>
+<inkml:ink xmlns:inkml="http://www.w3.org/2003/InkML">
+  <inkml:definitions>
+    <inkml:context xml:id="ctx0">
+      <inkml:inkSource xml:id="inkSrc0">
+        <inkml:traceFormat>
+          <inkml:channel name="X" type="integer" max="9600" units="cm"/>
+          <inkml:channel name="Y" type="integer" max="7200" units="cm"/>
+          <inkml:channel name="F" type="integer" max="256" units="dev"/>
+          <inkml:channel name="T" type="integer" max="2.14748E9" units="dev"/>
+        </inkml:traceFormat>
+        <inkml:channelProperties>
+          <inkml:channelProperty channel="X" name="resolution" value="377.95276" units="1/cm"/>
+          <inkml:channelProperty channel="Y" name="resolution" value="425.28058" units="1/cm"/>
+          <inkml:channelProperty channel="F" name="resolution" value="0" units="1/dev"/>
+          <inkml:channelProperty channel="T" name="resolution" value="1" units="1/dev"/>
+        </inkml:channelProperties>
+      </inkml:inkSource>
+      <inkml:timestamp xml:id="ts0" timeString="2016-08-22T11:08:04.480"/>
+    </inkml:context>
+    <inkml:brush xml:id="br0">
+      <inkml:brushProperty name="width" value="0.05" units="cm"/>
+      <inkml:brushProperty name="height" value="0.05" units="cm"/>
+      <inkml:brushProperty name="color" value="#177D36"/>
+      <inkml:brushProperty name="fitToCurve" value="1"/>
+    </inkml:brush>
+  </inkml:definitions>
+  <inkml:traceGroup>
+    <inkml:annotationXML>
+      <emma:emma xmlns:emma="http://www.w3.org/2003/04/emma" version="1.0">
+        <emma:interpretation id="{C1946536-E49B-43C8-90DA-C450603C7A12}" emma:medium="tactile" emma:mode="ink">
+          <msink:context xmlns:msink="http://schemas.microsoft.com/ink/2010/main" type="inkDrawing" rotatedBoundingBox="13572,9052 28632,9266 28597,11725 13537,11511" hotPoints="30529,10451 21482,11598 12426,10533 21472,9387" semanticType="enclosure" shapeName="Ellipse"/>
+        </emma:interpretation>
+      </emma:emma>
+    </inkml:annotationXML>
+    <inkml:trace contextRef="#ctx0" brushRef="#br0">2654 196 44 0,'12'-5'22'0,"-1"-5"-17"0,-11 10 23 15,0-6-25-15,-6 6 0 16,1-5 3-16,-7 5 1 16,-12 5-6-16,-5-5 0 0,-7 6 6 15,1-1 1-15,-12 5 0 16,-6 1 0-16,-12 5 0 16,-6 5 1-16,-5 10-2 15,-7-5 0-15,1 6-2 16,-12-1 0-16,-1 11-1 15,1-5 0-15,-6-1-3 16,0 1 0-16,-6 0 0 16,5-6 1-16,1 11-1 15,6-11 0-15,0 1 1 16,-12 4 0-16,6 1-1 16,11 0 1-16,1-6-1 15,5 6 1-15,1-6-1 16,-1 1 0-16,13 4-1 15,5-10 0-15,6 11 0 16,6 0 0-16,12 10 0 16,5 0 1-16,1 0 0 15,11 0 0-15,1 16-1 0,11-10 1 16,0 4-1-16,6 6 1 16,6 0-1-16,6 0 1 15,0 5-1-15,0 0 1 16,12-5-1-16,11-16 0 15,12 5 0-15,18-5 1 16,12 0-1-16,6-5 1 16,11-5 0-16,24-6 0 15,-12-4 0-15,6-6 0 0,18-6 0 16,11-4 1-16,7-6-1 16,11-5 0-16,-6-10-1 15,12-6 1-15,18 0-1 16,0 0 0-16,6 1 0 15,-7-6 0-15,7 5 0 16,5 0 1-16,1 11-1 16,0 0 0-16,-7 0 0 15,18 5 1-15,-5 5-1 16,17 5 1-16,-12-4-1 16,12 4 1-16,1 0-1 15,16 1 0-15,-17-1 0 16,6-4 1-16,6 4-1 15,0 1 0-15,-18-1 0 16,7 1 0-16,10-1 0 16,1 1 1-16,-12-1-1 15,0 0 0-15,6 1 0 0,-5 5 0 16,-1-1 0-16,-18 12 0 16,12-17 0-16,12 0 0 15,-11 17 0-15,-13-12 0 16,0 1 0-16,19 0 0 15,-13 0 0-15,6-1 0 16,-17 1 0-16,-1-6 1 16,18 1-2-16,-11-1 1 15,-1-4 0-15,-17-12 0 0,11 6 0 16,7-5 0-16,-7 0 0 16,13-11 0-16,-13 6 0 15,7-6 0-15,-1 0 0 16,-5 1 0-16,-1 4 0 15,-11 1 1-15,6-6-1 16,5-5 0-16,-5-5-1 16,5-6 1-16,-29 1-1 15,-5-6 1-15,5 1-1 16,-12 9 0-16,-12 1 0 16,-5-5 0-16,-12-11 0 15,0-5 0-15,-12-6 0 16,-6 1 1-16,0-6-1 15,0-10 0-15,0 6 0 16,-17 4 0-16,-12 6-1 16,-12-1 1-16,-12-4-1 15,-18-6 1-15,-11 0 0 16,-6 10 1-16,-18-9-1 0,-6-1 0 16,-12 0 0-16,-11 0 1 15,-12 5 0-15,-6-4 0 16,-24 4-1-16,-23 0 1 15,0-10-1-15,-24 11 1 16,-11-1 0-16,5 1 0 16,-23-1-1-16,0-5 1 15,-24 5-1-15,-17 11 1 16,5 5 0-16,-5-5 0 0,-30 5 0 16,0 11 0-16,6 0-1 15,-6 10 1-15,-29-6 0 16,17 6 0-16,-17 1 0 15,-7 4 0-15,1 0 0 16,-6 11 0-16,0-6-1 16,-6 11 1-16,12 6 0 15,-7-1 0-15,-5 0 0 16,0 6 0-16,-6-6 0 16,12 11 0-16,-12 4-1 15,12 1 1-15,-6 0 0 16,-6-5 0-16,18-5 0 15,-6-1 0-15,0 1 0 16,-6 4 0-16,6 11 0 16,5 6 0-16,-16 10 0 15,5-6 0-15,5 1 0 16,-5-11 0-16,0 6 0 0,36-11 0 16,5-11 0-16,12-5 1 15,-6-5-1-15,24 6 1 16,17-1-1-16,-5 5 1 15,5 1-1-15,-6 15 0 16,7 16-1-16,17 5 0 16,12 5-8-16,5 1 1 15,42 4-14-15,30 1 0 16</inkml:trace>
+  </inkml:traceGroup>
+</inkml:ink>
+</file>
+
+<file path=ppt/ink/ink11.xml><?xml version="1.0" encoding="utf-8"?>
+<inkml:ink xmlns:inkml="http://www.w3.org/2003/InkML">
+  <inkml:definitions>
+    <inkml:context xml:id="ctx0">
+      <inkml:inkSource xml:id="inkSrc0">
+        <inkml:traceFormat>
+          <inkml:channel name="X" type="integer" max="9600" units="cm"/>
+          <inkml:channel name="Y" type="integer" max="7200" units="cm"/>
+          <inkml:channel name="F" type="integer" max="256" units="dev"/>
+          <inkml:channel name="T" type="integer" max="2.14748E9" units="dev"/>
+        </inkml:traceFormat>
+        <inkml:channelProperties>
+          <inkml:channelProperty channel="X" name="resolution" value="377.95276" units="1/cm"/>
+          <inkml:channelProperty channel="Y" name="resolution" value="425.28058" units="1/cm"/>
+          <inkml:channelProperty channel="F" name="resolution" value="0" units="1/dev"/>
+          <inkml:channelProperty channel="T" name="resolution" value="1" units="1/dev"/>
+        </inkml:channelProperties>
+      </inkml:inkSource>
+      <inkml:timestamp xml:id="ts0" timeString="2016-08-22T11:08:05.951"/>
+    </inkml:context>
+    <inkml:brush xml:id="br0">
+      <inkml:brushProperty name="width" value="0.05" units="cm"/>
+      <inkml:brushProperty name="height" value="0.05" units="cm"/>
+      <inkml:brushProperty name="color" value="#177D36"/>
+      <inkml:brushProperty name="fitToCurve" value="1"/>
+    </inkml:brush>
+  </inkml:definitions>
+  <inkml:traceGroup>
+    <inkml:annotationXML>
+      <emma:emma xmlns:emma="http://www.w3.org/2003/04/emma" version="1.0">
+        <emma:interpretation id="{58FF07FE-1AD0-4017-BD74-2951116435C2}" emma:medium="tactile" emma:mode="ink">
+          <msink:context xmlns:msink="http://schemas.microsoft.com/ink/2010/main" type="writingRegion" rotatedBoundingBox="27849,10894 31691,11783 31217,13832 27374,12943"/>
+        </emma:interpretation>
+      </emma:emma>
+    </inkml:annotationXML>
+    <inkml:traceGroup>
+      <inkml:annotationXML>
+        <emma:emma xmlns:emma="http://www.w3.org/2003/04/emma" version="1.0">
+          <emma:interpretation id="{CE355EDF-AAB6-41F7-ADC5-2A63098FA18E}" emma:medium="tactile" emma:mode="ink">
+            <msink:context xmlns:msink="http://schemas.microsoft.com/ink/2010/main" type="paragraph" rotatedBoundingBox="27849,10894 31691,11783 31217,13832 27374,12943" alignmentLevel="1"/>
+          </emma:interpretation>
+        </emma:emma>
+      </inkml:annotationXML>
+      <inkml:traceGroup>
+        <inkml:annotationXML>
+          <emma:emma xmlns:emma="http://www.w3.org/2003/04/emma" version="1.0">
+            <emma:interpretation id="{AB4B57FC-6C97-4430-AEBA-9EAFA05600A7}" emma:medium="tactile" emma:mode="ink">
+              <msink:context xmlns:msink="http://schemas.microsoft.com/ink/2010/main" type="line" rotatedBoundingBox="27849,10894 31691,11783 31217,13832 27374,12943"/>
+            </emma:interpretation>
+          </emma:emma>
+        </inkml:annotationXML>
+        <inkml:traceGroup>
+          <inkml:annotationXML>
+            <emma:emma xmlns:emma="http://www.w3.org/2003/04/emma" version="1.0">
+              <emma:interpretation id="{5172ECF7-9D2B-4C59-B478-4AD8CB42A3E7}" emma:medium="tactile" emma:mode="ink">
+                <msink:context xmlns:msink="http://schemas.microsoft.com/ink/2010/main" type="inkWord" rotatedBoundingBox="27849,10894 31691,11783 31217,13832 27374,12943"/>
+              </emma:interpretation>
+            </emma:emma>
+          </inkml:annotationXML>
+          <inkml:trace contextRef="#ctx0" brushRef="#br0">0 69 26 0,'24'-21'13'0,"5"11"-11"16,-23-1 14-16,12 1-17 16,-7 4 1-16,7 1 4 15,-6 5 0-15,12-5-2 16,-13 5 1-16,7 0 4 15,0 5 0-15,-1-5 2 16,-5 0 0-16,0 11-1 16,0-6 0-16,-6 16-1 15,5 0 0-15,1 10-2 16,6 1 0-16,5 9-1 16,13 7 1-16,23 9-2 0,-12-10 1 15,53 16-2-15,-6 0 0 16,-17 5-3-16,-7-10 0 15,-5-16-9-15,-12-6 0 16,-11-10-10-16,-7-20 0 16</inkml:trace>
+          <inkml:trace contextRef="#ctx0" brushRef="#br0" timeOffset="1621.6793">130 1535 44 0,'-24'0'22'0,"18"-36"-6"0,12 20 22 16,-6-5-31-16,6-5 0 15,6-6 3-15,6 6 0 0,-1 0-13 16,1 0 0-16,5 5 9 16,13 5 1-16,-1 0-4 15,0 1 1-15,13 4-2 16,11 6 0-16,11 5-1 16,1-5 1-16,-6 10-1 15,-12 11 1-15,-6 5 0 16,-18 15 0-16,-11 6 0 15,-12-5 0-15,-18 10 0 16,-11 5 0-16,-13 17-1 16,-11-7 1-16,0 1-2 15,-6-5 1-15,-12-11-1 16,-17 0 1-16,11 0-1 16,0-15 1-16,12 4-1 15,6-4 0-15,6-6 0 16,12 5 1-16,5-4 0 0,13-17 0 15,17 6 0-15,11-1 1 16,13-4 0-16,23 5 1 16,18-6 0-16,0-5 1 15,5 1-2-15,13-1 1 16,5 0-1-16,-5-10 1 16,-7 5-3-16,-5-11 0 15,-6-10-5-15,-6-5 1 16,-6 0-8-16,-18 0 0 15,1-11-13-15,-1 21 0 0,-17 1-2 16,5-6 0-16</inkml:trace>
+          <inkml:trace contextRef="#ctx0" brushRef="#br0" timeOffset="2042.2872">1344 1420 53 0,'12'-47'26'0,"-6"16"-26"16,-6 31 47-16,-6 10-45 15,0 11 1-15,-5 10 5 16,-7 17 0-16,-6 20-8 16,13 10 0-16,5-4 7 15,6-1 0-15,6-5-1 16,-1 5 1-16,19-15-2 0,5-16 0 15,19-11-2-15,16-10 0 16,7-26-1-16,0-21 0 16,-1-16-2-16,-5-16 1 15,0-15-1-15,-18 5 0 16,-6-11 0-16,-17 1 1 16,-12-1-1-16,-12 11 0 15,-18 0 0-15,-11 0 0 16,-13 15 0-16,-11 17 0 15,-11 15-1-15,-1 26 1 16,0 11-1-16,12 15 0 0,6 11-5 16,6 5 1-16,11-10-10 15,12 0 1-15,18 10-10 16,18-26 1-16</inkml:trace>
+          <inkml:trace contextRef="#ctx0" brushRef="#br0" timeOffset="2732.6771">2104 1672 49 0,'6'15'24'0,"36"1"-12"0,-19-21 33 16,-5-6-44-16,0-10 0 15,5-10 2-15,1 5 1 0,5-16-5 16,1-16 1 0,5-5 2-16,-6 6 0 0,-5-1-1 15,0 0 1-15,-1 6-2 16,-5 10 0-16,-6 11 0 16,-7 20 0-16,-5 27 1 15,6 10 0-15,-6 32 0 16,6 15 0-16,0 27 0 15,6-1 0-15,0 11 0 16,-6-10 0-16,-1-11 0 16,-10-16 0-16,-7-21-1 15,-12-10 1-15,-11-5-2 16,-6 0 1-16,11-27 0 16,-5-5 0-16,-6-5-1 15,5-10 0-15,1-11 0 16,5-5 0-16,7 15 2 15,5 1 1-15,6-1 1 0,12 11 0 16,12 0 3-16,6 0 0 16,11 0 1-16,13 0 0 15,22 0-1-15,13-5 1 16,5-5-2-16,-5 4 0 16,-6 1-5-16,-1 0 0 15,-5 0-8-15,-6-6 0 16,-6 1-16-16,0 4 1 15,-23-9-4-15,5-6 1 16</inkml:trace>
+          <inkml:trace contextRef="#ctx0" brushRef="#br0" timeOffset="3182.2569">3200 1808 56 0,'6'-27'28'0,"47"-72"-31"16,-29 68 48-16,11 4-40 15,6 6 0-15,1 11 2 16,5-1 1-16,-6 22-10 15,0 10 0-15,-11 16 6 0,-7 10 1 16,-5 0-3-16,0 0 1 16,-12 5-1-16,-6 1 0 15,-12-1-1-15,-18-15 1 16,7-6 0-16,-19-5 0 16,1-26 1-16,0-15 0 15,0-27 0-15,5-11 0 16,-5-15 0-16,23-5 0 15,7-11 0-15,11-15 1 16,11-1-2-16,19 6 1 16,11-6-2-16,0 1 1 15,7 15-3-15,-7 6 0 0,18-1-13 16,-6 16 0-16,17 16-12 16,1 5 1-16</inkml:trace>
+        </inkml:traceGroup>
+      </inkml:traceGroup>
+    </inkml:traceGroup>
+  </inkml:traceGroup>
+</inkml:ink>
+</file>
+
+<file path=ppt/ink/ink12.xml><?xml version="1.0" encoding="utf-8"?>
+<inkml:ink xmlns:inkml="http://www.w3.org/2003/InkML">
+  <inkml:definitions>
+    <inkml:context xml:id="ctx0">
+      <inkml:inkSource xml:id="inkSrc0">
+        <inkml:traceFormat>
+          <inkml:channel name="X" type="integer" max="9600" units="cm"/>
+          <inkml:channel name="Y" type="integer" max="7200" units="cm"/>
+          <inkml:channel name="F" type="integer" max="256" units="dev"/>
+          <inkml:channel name="T" type="integer" max="2.14748E9" units="dev"/>
+        </inkml:traceFormat>
+        <inkml:channelProperties>
+          <inkml:channelProperty channel="X" name="resolution" value="377.95276" units="1/cm"/>
+          <inkml:channelProperty channel="Y" name="resolution" value="425.28058" units="1/cm"/>
+          <inkml:channelProperty channel="F" name="resolution" value="0" units="1/dev"/>
+          <inkml:channelProperty channel="T" name="resolution" value="1" units="1/dev"/>
+        </inkml:channelProperties>
+      </inkml:inkSource>
+      <inkml:timestamp xml:id="ts0" timeString="2016-08-22T11:10:43.967"/>
+    </inkml:context>
+    <inkml:brush xml:id="br0">
+      <inkml:brushProperty name="width" value="0.05" units="cm"/>
+      <inkml:brushProperty name="height" value="0.05" units="cm"/>
+      <inkml:brushProperty name="color" value="#ED1C24"/>
+      <inkml:brushProperty name="fitToCurve" value="1"/>
+    </inkml:brush>
+  </inkml:definitions>
+  <inkml:traceGroup>
+    <inkml:annotationXML>
+      <emma:emma xmlns:emma="http://www.w3.org/2003/04/emma" version="1.0">
+        <emma:interpretation id="{5600FF79-9BAC-4C33-90A8-20DFC02FDD21}" emma:medium="tactile" emma:mode="ink">
+          <msink:context xmlns:msink="http://schemas.microsoft.com/ink/2010/main" type="writingRegion" rotatedBoundingBox="7902,12013 20297,8693 22446,16719 10051,20038"/>
+        </emma:interpretation>
+      </emma:emma>
+    </inkml:annotationXML>
+    <inkml:traceGroup>
+      <inkml:annotationXML>
+        <emma:emma xmlns:emma="http://www.w3.org/2003/04/emma" version="1.0">
+          <emma:interpretation id="{0D9ED1DC-92E4-4AAE-98DD-C66037FD288B}" emma:medium="tactile" emma:mode="ink">
+            <msink:context xmlns:msink="http://schemas.microsoft.com/ink/2010/main" type="paragraph" rotatedBoundingBox="7902,12013 15971,9852 17323,14902 9255,17063" alignmentLevel="1"/>
+          </emma:interpretation>
+        </emma:emma>
+      </inkml:annotationXML>
+      <inkml:traceGroup>
+        <inkml:annotationXML>
+          <emma:emma xmlns:emma="http://www.w3.org/2003/04/emma" version="1.0">
+            <emma:interpretation id="{28B4585E-4FF4-4378-94DF-474052BB120B}" emma:medium="tactile" emma:mode="ink">
+              <msink:context xmlns:msink="http://schemas.microsoft.com/ink/2010/main" type="line" rotatedBoundingBox="7902,12013 15971,9852 17323,14902 9255,17063"/>
+            </emma:interpretation>
+          </emma:emma>
+        </inkml:annotationXML>
+        <inkml:traceGroup>
+          <inkml:annotationXML>
+            <emma:emma xmlns:emma="http://www.w3.org/2003/04/emma" version="1.0">
+              <emma:interpretation id="{A6C5DAFD-22B7-4878-B9FD-B848E8F63B34}" emma:medium="tactile" emma:mode="ink">
+                <msink:context xmlns:msink="http://schemas.microsoft.com/ink/2010/main" type="inkWord" rotatedBoundingBox="7902,12013 15971,9852 17323,14902 9255,17063"/>
+              </emma:interpretation>
+            </emma:emma>
+          </inkml:annotationXML>
+          <inkml:trace contextRef="#ctx0" brushRef="#br0">-4 522 60 0,'-41'100'30'0,"224"188"-31"0,-101-183 30 16,36 83-30-16,41 79 1 15,53 74-1-15,0 41 0 0,-6-31 1 16,-11-26 1-16,-30-48-1 15,-18-46 1-15,-35-38 0 16,-29-36 1-16,-30-41 0 16,-24-38 1-16,-41-52-1 15,-41-52 0-15,-29-68-1 16,-60-63 0-16,-58-89-1 16,-18-74 1-16,-24-52-1 15,30-26 0-15,41 27 1 16,54 20 1-16,52 16 1 15,53 20 0-15,47 48-1 16,36 21 1-16,53 63-1 16,53 41 1-16,5 59-3 15,13 51 0-15,-19 43 0 16,-28 36 0-16,-36 52 1 16,-59 43 0-16,-59 41 1 0,-41 32 1 15,-59-1 0-15,-24-9 0 16,-11-43-3-16,11-36 1 15,0-43-10-15,18-30 1 16,24-27-11-16,41-21 0 16,47-5-3-16,41 0 1 15</inkml:trace>
+          <inkml:trace contextRef="#ctx0" brushRef="#br0" timeOffset="810.4123">3019 1591 54 0,'-171'-152'27'0,"-53"-157"-37"16,165 225 54-16,-23-31-42 16,5-16 1-16,6 10 1 15,30-4 0-15,35 4-5 16,36 27 1-16,40 16 3 15,30 25 0-15,36 43-1 16,17 25 1-16,-23 33-1 16,-24 20 1-16,-24 42-1 15,-23 21 0 1,-106 115 0 0,-18-42 1-16,-11-31-5 15,-1-53 1-15,-5-47-7 16,5-57 1-16,0-37-3 0,18-31 1 15,12-27-1-15,30-4 1 16,28-6 3-16,37 15 0 16,28 17 5-16,36 15 1 15,12 15 2-15,-6 12 1 16,-1 4 1-16,1 6 1 16,-6 10 0-16,0-5 0 15,0 6 0-15,0-12 1 16,-12-4-2-16,-11-1 0 15,-19-4-1-15,-17-12 1 16,-17-20-1-16,-25 0 0 0,-34-16 0 16,-7-20 0-16,-5 9 0 15,-6 1 0-15,0-6-2 16,5 17 0-16,7 4-1 16,11 0 0-16,12 1-1 15,18 10 0-15,12-6 0 16,29 6 0-16,23 10 0 15,7-5 0-15,11 1-1 16,6 4 1-16,6 11-1 16,-6 5 1-16,-17 10 0 15,-18 11 0-15,-18 16-1 16,-18 26 0-16,-17 21 1 16,-18 21 0-16,0 20 2 15,0 6 0-15,6 16 0 0,6 0 1 16,12-11 0-16,5-10 0 15,25-32-2-15,16-26 0 16,19-26-4-16,-1-42 0 16,19-31-4-16,16-48 0 15,1-10-4-15,0-15 1 16,-24-6 1-16,-23-16 1 16,-30-21-3-16,-29-20 1 15,-41-22 1-15,-36-57 0 16</inkml:trace>
+          <inkml:trace contextRef="#ctx0" brushRef="#br0" timeOffset="1155.6481">4939-577 44 0,'-117'-79'22'0,"75"69"-14"15,36 10 46-15,12 5-49 0,6 0 0 16,12-5 2-16,29-5 0 15,29-21-10-15,36-32 1 16,41-31 2-16,47-37 0 16,-5-5-8-16,22 11 0 15,-16 31-4-15,-1 21 0 16,-29 31-7-16,11 37 0 16</inkml:trace>
+          <inkml:trace contextRef="#ctx0" brushRef="#br0" timeOffset="998.6157">4827-2238 40 0,'-64'6'20'0,"52"114"-14"0,18-68 42 0,17 38-42 15,36 61 0-15,35 54 6 16,13 51 0-16,28 27-14 16,6 31 0-16,13-10 3 15,-7-21 0-15,-12-53-7 16,-23-41 0-16,-23-53-7 15,-24-47 0-15,-24-52-6 16,-24-32 1-16,-28-47 2 16,-54-37 1-16</inkml:trace>
+          <inkml:trace contextRef="#ctx0" brushRef="#br0" timeOffset="1606.2576">6589-195 49 0,'-18'31'24'0,"66"32"-27"16,-31-37 44-16,13 16-40 15,23 16 0-15,17 5 1 16,-5 5 0-16,12-21-3 15,-18-10 1-15,59-43 2 16,-7-51 0-16,-4-38-2 16,-13-25 1-16,-24-21 0 15,-22-1 0-15,-25-10-1 16,-23 11 1-16,-23 15-2 16,-7 32 1-16,-5 31-1 15,-1 47 1-15,7 48-1 16,5 25 0-16,36 38 0 15,18 25 0-15,34 32 1 0,43 37 1 16,10 4 0-16,48 17 1 16,18-11-1-16,11-5 1 15,-34-1 0-15,-25-25 1 16,-23-11 1-16,-30-5 0 16,-34-16 0-16,-43-5 0 15,-58-16-3-15,-53 0 0 16,-35-31-6-16,-42-26 0 15,-17-16-9-15,6-6 1 16,23-20-7-16,47-5 1 0</inkml:trace>
+        </inkml:traceGroup>
+      </inkml:traceGroup>
+    </inkml:traceGroup>
+    <inkml:traceGroup>
+      <inkml:annotationXML>
+        <emma:emma xmlns:emma="http://www.w3.org/2003/04/emma" version="1.0">
+          <emma:interpretation id="{668B074D-5F42-4596-AB00-4570BC531250}" emma:medium="tactile" emma:mode="ink">
+            <msink:context xmlns:msink="http://schemas.microsoft.com/ink/2010/main" type="paragraph" rotatedBoundingBox="13739,16497 21491,13652 22357,16011 14605,18857" alignmentLevel="2"/>
+          </emma:interpretation>
+        </emma:emma>
+      </inkml:annotationXML>
+      <inkml:traceGroup>
+        <inkml:annotationXML>
+          <emma:emma xmlns:emma="http://www.w3.org/2003/04/emma" version="1.0">
+            <emma:interpretation id="{A84382EE-575C-427A-967E-6F4E063FD4FF}" emma:medium="tactile" emma:mode="ink">
+              <msink:context xmlns:msink="http://schemas.microsoft.com/ink/2010/main" type="line" rotatedBoundingBox="13739,16497 21491,13652 22357,16011 14605,18857"/>
+            </emma:interpretation>
+          </emma:emma>
+        </inkml:annotationXML>
+        <inkml:traceGroup>
+          <inkml:annotationXML>
+            <emma:emma xmlns:emma="http://www.w3.org/2003/04/emma" version="1.0">
+              <emma:interpretation id="{FA660A77-62F8-4190-8521-04B7AC492D4D}" emma:medium="tactile" emma:mode="ink">
+                <msink:context xmlns:msink="http://schemas.microsoft.com/ink/2010/main" type="inkWord" rotatedBoundingBox="15005,16315 15150,18710 14162,18769 14017,16375"/>
+              </emma:interpretation>
+            </emma:emma>
+          </inkml:annotationXML>
+          <inkml:trace contextRef="#ctx0" brushRef="#br0" timeOffset="2191.8687">5811 4173 27 0,'53'120'13'0,"136"252"-6"0,-124-241 15 16,29 31-22-16,12 32 0 15,-6-16 1-15,-17-21 0 16,-13-21 0-16,-28-31 0 15,-25-26 0-15,1-22 1 16,-53-52 0-16,-36-25 0 16,-12-54 0-16,-23-51 0 15,-29-38-1-15,-12-52 0 0,11-10 2 16,30-10 0-16,35-1 1 16,42 21 1-16,47 16-1 15,40 16 1-15,31 26-1 16,40 26 1-16,19 26-2 15,-1 37 1-15,-17 26 0 16,-30 37 0-16,-18 47 1 16,-40 26 0-16,-37 21-1 15,1-21 1-15,-47 58-2 16,-12 10 0-16,-6 5-8 16,6 11 1-16,12-21-10 15,11-16 1-15,25-15-7 16,16-43 0-16</inkml:trace>
+        </inkml:traceGroup>
+        <inkml:traceGroup>
+          <inkml:annotationXML>
+            <emma:emma xmlns:emma="http://www.w3.org/2003/04/emma" version="1.0">
+              <emma:interpretation id="{6EE86672-DF33-45A0-82DF-F5DD7558B79B}" emma:medium="tactile" emma:mode="ink">
+                <msink:context xmlns:msink="http://schemas.microsoft.com/ink/2010/main" type="inkWord" rotatedBoundingBox="15519,15844 21491,13652 22081,15259 16109,17451"/>
+              </emma:interpretation>
+            </emma:emma>
+          </inkml:annotationXML>
+          <inkml:trace contextRef="#ctx0" brushRef="#br0" timeOffset="2342.3657">7355 3466 67 0,'100'15'33'0,"18"90"-37"0,-89-42 62 15,7 10-58-15,-1 22 0 16,0-1-19-16,-5-16 0 15,-6-10 9-15,5-20 1 16</inkml:trace>
+          <inkml:trace contextRef="#ctx0" brushRef="#br0" timeOffset="2462.1849">7797 3424 27 0,'-6'-74'13'0,"-18"22"-7"15,24 42 4-15,0-1-16 16,12 11 0-16,12 5-8 15,17 16 1-15</inkml:trace>
+          <inkml:trace contextRef="#ctx0" brushRef="#br0" timeOffset="2866.7469">8692 3361 62 0,'-17'-21'31'0,"-66"-26"-50"15,54 47 67-15,-18 10-48 16,-18 6 0-16,-6 31 2 0,6 21 1 16,6 21-1-16,6 16 0 15,30 10 1-15,17 0 1 16,24-31-1-16,35-5 1 16,11-27-9-16,25-15 1 15,17-42-10-15,6-37 0 16,23-42-4-16,1-26 0 15,-12-11 4-15,-18-20 0 16,-18-16 7-16,-35-11 0 16,-18-10 4-16,-29-5 1 15,-29 0 5-15,-19 5 1 0,1 36 2 16,12 48 1-16,5 42 1 16,18 62 0-16,18 42 4 15,23 48 0-15,18 36-1 16,6 42 0-16,18 5-9 15,5-10 0-15,1-26-15 16,-12-6 1-16,-18-31-2 16,-18-26 0-16</inkml:trace>
+          <inkml:trace contextRef="#ctx0" brushRef="#br0" timeOffset="3001.4238">9069 2994 62 0,'0'-110'31'0,"124"11"-34"15,-71 67 65-15,36-20-62 16,17-16 1-16,35-37-16 16,30-5 0-16,29-26 3 0,6-11 1 15</inkml:trace>
+          <inkml:trace contextRef="#ctx0" brushRef="#br0" timeOffset="3333.6974">10566 2926 36 0,'41'94'18'0,"30"43"-12"0,-53-95 15 0,17-11-19 15,24-5 1-15,17 0 1 16,7-15 1-16,-6-27-5 16,-1-26 0-16,-17-5 3 15,-18-26 1-15,-23-22-2 16,-12 6 0-16,-18-10-5 16,-11 10 1-16,5 21-8 15,6 15 0-15,12 6-4 16,24 16 0-1</inkml:trace>
+          <inkml:trace contextRef="#ctx0" brushRef="#br0" timeOffset="3513.3141">11680 3015 54 0,'-18'5'27'0,"-12"1"-39"0,13-22 55 16,-25-21-43-16,-11-15 0 15,-5-27 0-15,5-4 0 16,11 9 2-16,19-4 0 15,11-6 0-15,12 5 1 16,29 6-4-16,24 5 1 16,0 0-9-16,12 16 1 15,24 10-8-15,-1 21 0 16</inkml:trace>
+          <inkml:trace contextRef="#ctx0" brushRef="#br0" timeOffset="3768.2265">12169 2334 38 0,'-6'74'19'0,"17"-11"-13"0,-5-37 28 0,0 0-28 15,12 0 0-15,5-5 0 16,7-16 0-16,5-26-10 16,12-15 0-16,1-27 6 15,5-10 0-15,-6-27-3 16,-6-5 1-16,-17 6 0 16,-24 15 0-16,-18 11 0 15,-23 5 1-15,-18 31 0 16,-6 26 0-16,6 22-1 15,12 31 1-15,11 15-1 16,25 27 1-16,11 5 0 16,17 16 1-16,25-11-5 15,11-10 0-15,11-11-12 16,19-36 0-16</inkml:trace>
+          <inkml:trace contextRef="#ctx0" brushRef="#br0" timeOffset="4053.5662">13194 1460 41 0,'-83'-21'20'0,"-35"37"-16"0,89-6 24 15,-6 21-29-15,5 17 1 16,12 9 3-16,18 1 0 16,18 5-3-16,29 5 1 0,6-16 2 15,24 0 1-15,11-10 1 16,12-15 1-16,1-1 0 15,-1 0 0-15,-18 5 0 16,-17 11 0-16,-30 16-2 16,-35-1 1-16,-29-9-2 15,-18 20 1-15,-24 0-3 16,-6-5 0-16,-5-6-8 16,0 1 1-16,-7-11-14 15,18-16 1-15</inkml:trace>
+        </inkml:traceGroup>
+      </inkml:traceGroup>
+    </inkml:traceGroup>
+  </inkml:traceGroup>
+</inkml:ink>
+</file>
+
+<file path=ppt/ink/ink13.xml><?xml version="1.0" encoding="utf-8"?>
+<inkml:ink xmlns:inkml="http://www.w3.org/2003/InkML">
+  <inkml:definitions>
+    <inkml:context xml:id="ctx0">
+      <inkml:inkSource xml:id="inkSrc0">
+        <inkml:traceFormat>
+          <inkml:channel name="X" type="integer" max="9600" units="cm"/>
+          <inkml:channel name="Y" type="integer" max="7200" units="cm"/>
+          <inkml:channel name="F" type="integer" max="256" units="dev"/>
+          <inkml:channel name="T" type="integer" max="2.14748E9" units="dev"/>
+        </inkml:traceFormat>
+        <inkml:channelProperties>
+          <inkml:channelProperty channel="X" name="resolution" value="377.95276" units="1/cm"/>
+          <inkml:channelProperty channel="Y" name="resolution" value="425.28058" units="1/cm"/>
+          <inkml:channelProperty channel="F" name="resolution" value="0" units="1/dev"/>
+          <inkml:channelProperty channel="T" name="resolution" value="1" units="1/dev"/>
+        </inkml:channelProperties>
+      </inkml:inkSource>
+      <inkml:timestamp xml:id="ts0" timeString="2016-08-22T11:10:48.366"/>
+    </inkml:context>
+    <inkml:brush xml:id="br0">
+      <inkml:brushProperty name="width" value="0.05" units="cm"/>
+      <inkml:brushProperty name="height" value="0.05" units="cm"/>
+      <inkml:brushProperty name="color" value="#ED1C24"/>
+      <inkml:brushProperty name="fitToCurve" value="1"/>
+    </inkml:brush>
+  </inkml:definitions>
+  <inkml:traceGroup>
+    <inkml:annotationXML>
+      <emma:emma xmlns:emma="http://www.w3.org/2003/04/emma" version="1.0">
+        <emma:interpretation id="{BB803678-31C7-4D3A-BE07-148F21F26A8E}" emma:medium="tactile" emma:mode="ink">
+          <msink:context xmlns:msink="http://schemas.microsoft.com/ink/2010/main" type="writingRegion" rotatedBoundingBox="35243,5300 35284,5300 35284,5331 35243,5331"/>
+        </emma:interpretation>
+      </emma:emma>
+    </inkml:annotationXML>
+    <inkml:traceGroup>
+      <inkml:annotationXML>
+        <emma:emma xmlns:emma="http://www.w3.org/2003/04/emma" version="1.0">
+          <emma:interpretation id="{FED4DAAB-DCB1-43CF-B7EF-A3821F75C5F5}" emma:medium="tactile" emma:mode="ink">
+            <msink:context xmlns:msink="http://schemas.microsoft.com/ink/2010/main" type="paragraph" rotatedBoundingBox="35243,5300 35284,5300 35284,5331 35243,5331" alignmentLevel="1"/>
+          </emma:interpretation>
+        </emma:emma>
+      </inkml:annotationXML>
+      <inkml:traceGroup>
+        <inkml:annotationXML>
+          <emma:emma xmlns:emma="http://www.w3.org/2003/04/emma" version="1.0">
+            <emma:interpretation id="{98EF3D96-DB67-4A34-B291-7AEB50F021AA}" emma:medium="tactile" emma:mode="ink">
+              <msink:context xmlns:msink="http://schemas.microsoft.com/ink/2010/main" type="line" rotatedBoundingBox="35243,5300 35284,5300 35284,5331 35243,5331"/>
+            </emma:interpretation>
+          </emma:emma>
+        </inkml:annotationXML>
+        <inkml:traceGroup>
+          <inkml:annotationXML>
+            <emma:emma xmlns:emma="http://www.w3.org/2003/04/emma" version="1.0">
+              <emma:interpretation id="{17625A7E-D7B5-4645-BA25-D7AD4C728E77}" emma:medium="tactile" emma:mode="ink">
+                <msink:context xmlns:msink="http://schemas.microsoft.com/ink/2010/main" type="inkWord" rotatedBoundingBox="35243,5300 35284,5300 35284,5331 35243,5331"/>
+              </emma:interpretation>
+            </emma:emma>
+          </inkml:annotationXML>
+          <inkml:trace contextRef="#ctx0" brushRef="#br0">0 29 36 0,'-17'-31'18'0,"58"57"-53"16,-59-31 19-16</inkml:trace>
+        </inkml:traceGroup>
+      </inkml:traceGroup>
+    </inkml:traceGroup>
+  </inkml:traceGroup>
+</inkml:ink>
+</file>
+
+<file path=ppt/ink/ink14.xml><?xml version="1.0" encoding="utf-8"?>
+<inkml:ink xmlns:inkml="http://www.w3.org/2003/InkML">
+  <inkml:definitions>
+    <inkml:context xml:id="ctx0">
+      <inkml:inkSource xml:id="inkSrc0">
+        <inkml:traceFormat>
+          <inkml:channel name="X" type="integer" max="9600" units="cm"/>
+          <inkml:channel name="Y" type="integer" max="7200" units="cm"/>
+          <inkml:channel name="F" type="integer" max="256" units="dev"/>
+          <inkml:channel name="T" type="integer" max="2.14748E9" units="dev"/>
+        </inkml:traceFormat>
+        <inkml:channelProperties>
+          <inkml:channelProperty channel="X" name="resolution" value="377.95276" units="1/cm"/>
+          <inkml:channelProperty channel="Y" name="resolution" value="425.28058" units="1/cm"/>
+          <inkml:channelProperty channel="F" name="resolution" value="0" units="1/dev"/>
+          <inkml:channelProperty channel="T" name="resolution" value="1" units="1/dev"/>
+        </inkml:channelProperties>
+      </inkml:inkSource>
+      <inkml:timestamp xml:id="ts0" timeString="2016-08-22T11:14:45.788"/>
+    </inkml:context>
+    <inkml:brush xml:id="br0">
+      <inkml:brushProperty name="width" value="0.1" units="cm"/>
+      <inkml:brushProperty name="height" value="0.1" units="cm"/>
+      <inkml:brushProperty name="color" value="#ED1C24"/>
+      <inkml:brushProperty name="fitToCurve" value="1"/>
+    </inkml:brush>
+  </inkml:definitions>
+  <inkml:traceGroup>
+    <inkml:annotationXML>
+      <emma:emma xmlns:emma="http://www.w3.org/2003/04/emma" version="1.0">
+        <emma:interpretation id="{75E20DFA-A6B1-4E98-A2CF-03D2EA6B2ECD}" emma:medium="tactile" emma:mode="ink">
+          <msink:context xmlns:msink="http://schemas.microsoft.com/ink/2010/main" type="inkDrawing" rotatedBoundingBox="16992,2447 27982,13923 27190,14682 16200,3206" semanticType="callout" shapeName="Other"/>
+        </emma:interpretation>
+      </emma:emma>
+    </inkml:annotationXML>
+    <inkml:trace contextRef="#ctx0" brushRef="#br0">224 399 65 0,'-82'-10'32'0,"70"5"-36"0,24 10 33 15,5 21-30-15,19 16 1 16,23 10-1-16,23 22 1 16,24 15 1-16,47 36 0 15,42 22 2-15,34 26 0 0,43 42 1 16,40 41 1-16,59 69 1 15,41 41 0-15,66 38 1 16,64 78 0-16,17 62-3 16,36 22 1-16,-11 20-1 15,-30 27 0-15,5-5 1 16,-23-17 0-16,-29-25-2 16,-12-11 1-16,-6-21 0 15,-24-20 0-15,-17-43-2 16,-35-21 1-16,-54-41-4 15,-35-64 1-15,-76-36-2 16,-66-62 0-16,-46-48-1 16,-54-53 1-16,-64-57-2 15,-65-57 1-15,-77-74 0 16,-94-94 0-16,-65-95 1 16,-76-73 0-16,-54-83 0 15,-70-90 0-15,-47-52 0 16,-53-68 0-16,-18-15 0 0,0-17 0 15,12 22 0-15,11 4 0 16,-5 6 0-16,64 27 0 16,60 72 2-16,41 27 0 15,52 36 0-15,30 11 1 16,36 41-1-16,47 33 1 16,52 56 0-16,36 38 0 15,42 62-2-15,34 52 1 16,36 43-2-16,36 78 0 0,46 68 0 15,65 68 0-15,83 100 0 16,106 89 1-16,112 78 0 16,111 95 1-16,101 88 0 15,65 22 0-15,17 10 0 16,6 26 0-16,-17 6 1 16,-18-27 0-16,-59-26 0 15,-53-10 1 1,194 219 1-1,-194-214 1-15,-147-142 0 16,-113-130 1-16,-105-74-4 16,-83-78 1-16,-82-79-1 15,-77-79 0-15,-100-78-2 16,-100-99 0-16,-113-111-1 16,-105-125 0-16,-118-105 0 15,-65-73 1-15,-17-16 1 16,-42-11 0-16,-18-9-2 0,-11-12 1 15,-18-10 0-15,30 6 0 16,23-1-1-16,53 0 1 16,94 27 0-16,77 88 0 15,89 27 1-15,111 68 1 16,65 63-1-16,71 83 0 16,59 74-1-16,64 99 1 15,83 95-2-15,77 94 1 16,111 141-4-16,125 142 1 0,117 141 0 15,118 105 0-15,59 57 2 16,58 74 0-16,42 15 1 16,-5 11 1-16,-31 21 3 15,1 0 0-15,-30 10 0 16,-58-36 1-16,-42-16-1 16,-71-68 0-16,-53-42 0 15,-76-95 1-15,-94-83-1 16,-78-110 1-16,-69-89-2 15,-48-63 1-15,-65-84-1 16,-53-78 1-16,-82-84-3 16,-53-89 1-16,-66-68 0 15,-46-74 0-15,-71-83-1 16,-70-79 1-16,-66-63-2 16,-64-78 0-16,-53-84-2 15,-42-42 1-15,-41-37-3 16,36 16 1-16,41 48 2 15,82 62 1-15,36 42 0 0,94 78 0 16,47 69 2-16,47 36 0 16,41 68 1-16,42 85 0 15,53 62-3-15,47 52 0 16,52 84-1-16,54 89 0 16,65 105-1-16,76 131 1 15,101 115 0-15,94 84 0 16,117 99 2-16,83 48 1 15,36-22 1-15,11-25 0 0,-12 4 2 16,18-15 1-16,-17 0 1 16,-36-42 0-16,-53-21-1 15,-59-42 0-15,-41-41-2 16,-89-48 1-16,-58-68-12 16,-77-63 1-16,-59-63-15 15,-83-67 1-15,-82-64-4 16,-70-26 0-16</inkml:trace>
+  </inkml:traceGroup>
+</inkml:ink>
+</file>
+
+<file path=ppt/ink/ink15.xml><?xml version="1.0" encoding="utf-8"?>
+<inkml:ink xmlns:inkml="http://www.w3.org/2003/InkML">
+  <inkml:definitions>
+    <inkml:context xml:id="ctx0">
+      <inkml:inkSource xml:id="inkSrc0">
+        <inkml:traceFormat>
+          <inkml:channel name="X" type="integer" max="9600" units="cm"/>
+          <inkml:channel name="Y" type="integer" max="7200" units="cm"/>
+          <inkml:channel name="F" type="integer" max="256" units="dev"/>
+          <inkml:channel name="T" type="integer" max="2.14748E9" units="dev"/>
+        </inkml:traceFormat>
+        <inkml:channelProperties>
+          <inkml:channelProperty channel="X" name="resolution" value="377.95276" units="1/cm"/>
+          <inkml:channelProperty channel="Y" name="resolution" value="425.28058" units="1/cm"/>
+          <inkml:channelProperty channel="F" name="resolution" value="0" units="1/dev"/>
+          <inkml:channelProperty channel="T" name="resolution" value="1" units="1/dev"/>
+        </inkml:channelProperties>
+      </inkml:inkSource>
+      <inkml:timestamp xml:id="ts0" timeString="2016-08-22T11:14:47.289"/>
+    </inkml:context>
+    <inkml:brush xml:id="br0">
+      <inkml:brushProperty name="width" value="0.1" units="cm"/>
+      <inkml:brushProperty name="height" value="0.1" units="cm"/>
+      <inkml:brushProperty name="color" value="#ED1C24"/>
+      <inkml:brushProperty name="fitToCurve" value="1"/>
+    </inkml:brush>
+  </inkml:definitions>
+  <inkml:traceGroup>
+    <inkml:annotationXML>
+      <emma:emma xmlns:emma="http://www.w3.org/2003/04/emma" version="1.0">
+        <emma:interpretation id="{7AEED21F-6785-41A2-99F7-86D25E33F230}" emma:medium="tactile" emma:mode="ink">
+          <msink:context xmlns:msink="http://schemas.microsoft.com/ink/2010/main" type="inkDrawing" rotatedBoundingBox="14976,16894 28733,1616 29809,2585 16052,17862" semanticType="callout" shapeName="Other"/>
+        </emma:interpretation>
+      </emma:emma>
+    </inkml:annotationXML>
+    <inkml:trace contextRef="#ctx0" brushRef="#br0">277 13721 39 0,'-47'26'19'0,"71"-83"-16"0,-12 30 19 0,17-25-16 16,36-21 0-16,41-58 5 15,65-79 0-15,64-72-11 16,90-106 0-16,111-136 10 16,70-99 0-16,77-110-2 15,89-84 0-15,82-94 0 16,65-37 1-16,47-26-3 15,42-11 0-15,11 21-1 16,-18 58 0-16,-35 58-1 16,-29 52 0-16,-83 115-3 15,-106 95 0-15,-94 140-2 16,-94 101 1-16,-125 104-2 16,-93 94 1-16,-130 95-2 15,-112 109 1-15,-124 111-2 16,-170 172 0-16,-184 168 1 15,-193 194 1-15,-142 99-1 16,-107 142 1-16,-63 89 1 0,-19 47 1 16,42-27 0-16,58-36 0 15,71-52-2-15,83-63 1 16,88-110 0-16,89-95 0 16,82-99-1-16,94-126 1 15,106-135 1-15,89-122 0 16,100-125 2-16,94-125 1 15,88-153 0-15,160-172 1 16,123-179 0-16,160-188 1 0,123-136-1 16,118-110 0-16,76-57-2 15,60-33 1-15,29-4-2 16,-18 68 1-16,-35 94-2 16,-71 110 0-16,-112 120 0 15,-118 137 0-15,-141 162-1 16,-141 125 1-16,-124 95-1 15,-130 136 0-15,-117 121-1 16,-178 162 1-16,-211 193-1 16,-201 195 1-16,-177 182 0 15,-135 137 1-15,-23 110-3 16,-54 89 1-16,12 15-1 16,65-15 0-16,95-89-1 15,87-89 1-15,136-126-1 16,112-141 1-16,124-147 1 15,124-162 0-15,93-132 2 16,78-145 1-16,99-116 3 16,95-137 0-16,118-203 1 0,153-194 0 15,188-231 0-15,165-209 1 16,160-157-1-16,146-121 0 16,72-16-4-16,-460 540 1 15,807-796-1-15,-666 718 0 16,613-504-2-16,-277 300 1 15,-212 219-1-15,-206 188 0 16,-177 174-1-16,-177 141 1 16,-141 131-1-16,-153 125 1 0,-142 121-3 15,-188 189 1-15,-236 198 0 16,-218 215 0-16,-159 194-1 16,-118 137 0-16,-47 98-2 15,-41 85 0-15,5 26-1 16,60 36 1-16,82-78-1 15,71-48 1-15,141-130 1 16,124-131 1-16,100-137 3 16,112-135 0-16,100-158 4 15,112-151 1-15,95-142 1 16,87-142 0-16,84-146 2 16,99-183 0-16,130-231 0 15,189-251 1-15,176-225-3 16,148-168 1-16,111-78-2 15,113-48 0-15,35 32-2 16,35 31 1-16,-35 121-3 16,-48 84 1-16,-58 130-1 0,-65 142 0 15,-124 110-1-15,-135 157 1 16,-153 115-1-16,-130 126 1 16,-113 109-1-16,-105 96 1 15,-117 109-1-15,-131 125 1 16,-194 158-1-16,-188 178 1 15,-172 168 0-15,-140 130 0 16,-107 100-1-16,-29 74 1 16,5-1-4-16,36-16 1 15,59-46-7-15,88-64 0 0,60-72-12 16,81-64 0-16,72-125-2 16,64-121 1-16</inkml:trace>
+  </inkml:traceGroup>
+</inkml:ink>
+</file>
+
+<file path=ppt/ink/ink16.xml><?xml version="1.0" encoding="utf-8"?>
+<inkml:ink xmlns:inkml="http://www.w3.org/2003/InkML">
+  <inkml:definitions>
+    <inkml:context xml:id="ctx0">
+      <inkml:inkSource xml:id="inkSrc0">
+        <inkml:traceFormat>
+          <inkml:channel name="X" type="integer" max="9600" units="cm"/>
+          <inkml:channel name="Y" type="integer" max="7200" units="cm"/>
+          <inkml:channel name="F" type="integer" max="256" units="dev"/>
+          <inkml:channel name="T" type="integer" max="2.14748E9" units="dev"/>
+        </inkml:traceFormat>
+        <inkml:channelProperties>
+          <inkml:channelProperty channel="X" name="resolution" value="377.95276" units="1/cm"/>
+          <inkml:channelProperty channel="Y" name="resolution" value="425.28058" units="1/cm"/>
+          <inkml:channelProperty channel="F" name="resolution" value="0" units="1/dev"/>
+          <inkml:channelProperty channel="T" name="resolution" value="1" units="1/dev"/>
+        </inkml:channelProperties>
+      </inkml:inkSource>
+      <inkml:timestamp xml:id="ts0" timeString="2016-08-22T11:36:01.353"/>
+    </inkml:context>
+    <inkml:brush xml:id="br0">
+      <inkml:brushProperty name="width" value="0.05" units="cm"/>
+      <inkml:brushProperty name="height" value="0.05" units="cm"/>
+      <inkml:brushProperty name="color" value="#ED1C24"/>
+      <inkml:brushProperty name="fitToCurve" value="1"/>
+    </inkml:brush>
+  </inkml:definitions>
+  <inkml:traceGroup>
+    <inkml:annotationXML>
+      <emma:emma xmlns:emma="http://www.w3.org/2003/04/emma" version="1.0">
+        <emma:interpretation id="{ED641B95-2D65-4FCA-9F4D-819A39B41B13}" emma:medium="tactile" emma:mode="ink">
+          <msink:context xmlns:msink="http://schemas.microsoft.com/ink/2010/main" type="inkDrawing" rotatedBoundingBox="18164,3106 21394,2607 21667,4371 18436,4870" hotPoints="21547,3738 19866,4649 18115,3884 19795,2973" semanticType="enclosure" shapeName="Ellipse"/>
+        </emma:interpretation>
+      </emma:emma>
+    </inkml:annotationXML>
+    <inkml:trace contextRef="#ctx0" brushRef="#br0">2496 288 55 0,'18'-10'27'0,"47"-6"-22"16,-48 6 27-16,-11-6-32 16,0-5 1-16,-12-5 0 0,-6 5 0 15,-5-10 0-15,-13 15 1 16,-11-10 2-16,-6 5 1 16,-18 0 0-16,-11 16 1 15,-13-6 0-15,1 11 1 16,-12 5-2-1,-6 6 0-15,-1-6-2 16,1-5 1-16,-5 5-1 16,-7 0 0-16,0 6 0 15,6 10 0-15,12 0 0 16,0 0 0-16,5 5-1 16,1 0 1-16,17 11-2 15,1-11 0-15,-1 5 0 0,7 11 0 16,-1 0 0-16,-12 0 0 0,13 11 0 15,5-1 0-15,6 5 0 16,6 1 0-16,12-6-1 16,5 22 1-16,7-22-1 15,5-5 1-15,7 6-1 16,5-1 0-16,0 0 0 0,6 6 0 31,24 31 0-31,5-5 0 16,13-11 0-16,11-20 0 15,6-1 0-15,6-5 0 16,0-10 0-16,11 5 0 16,7-6 0-1,11-10 1-15,-11 6-1 16,0 10 1-16,5-6-1 16,6-15 0-16,7 0 0 15,-1 0 1-15,0-5-1 16,6 5 0-16,6-11 0 15,-5-4 0-15,-13-6 0 16,0-6 0-16,7 1 0 0,5-5 1 16,0-11-1-16,0-5 0 0,0 10 0 15,6-10 1-15,-5-1-1 16,-13-4 0-16,0 5 0 16,-5-11 1-16,5 1-1 15,1-17 0-15,-1 6 0 31,-6 5 1-31,-5-5-1 16,-18 0 1-16,-12-6-1 0,-6-4 1 16,-5-6 0-16,-13 0 0 15,-5-10 0-15,0 5 0 16,-13 5-1-16,1 0 1 16,-6-5-1-16,-11-16 1 15,-13 11-1-15,-17 0 0 0,-18-1 0 16,-18 6 0-16,-17 5-2 15,-24 16 1-15,-6-10-6 16,-11-1 1-16,-7 11-10 16,13 0 1-16,5 10-10 15,0 0 0-15</inkml:trace>
+  </inkml:traceGroup>
+</inkml:ink>
+</file>
+
+<file path=ppt/ink/ink17.xml><?xml version="1.0" encoding="utf-8"?>
+<inkml:ink xmlns:inkml="http://www.w3.org/2003/InkML">
+  <inkml:definitions>
+    <inkml:context xml:id="ctx0">
+      <inkml:inkSource xml:id="inkSrc0">
+        <inkml:traceFormat>
+          <inkml:channel name="X" type="integer" max="9600" units="cm"/>
+          <inkml:channel name="Y" type="integer" max="7200" units="cm"/>
+          <inkml:channel name="F" type="integer" max="256" units="dev"/>
+          <inkml:channel name="T" type="integer" max="2.14748E9" units="dev"/>
+        </inkml:traceFormat>
+        <inkml:channelProperties>
+          <inkml:channelProperty channel="X" name="resolution" value="377.95276" units="1/cm"/>
+          <inkml:channelProperty channel="Y" name="resolution" value="425.28058" units="1/cm"/>
+          <inkml:channelProperty channel="F" name="resolution" value="0" units="1/dev"/>
+          <inkml:channelProperty channel="T" name="resolution" value="1" units="1/dev"/>
+        </inkml:channelProperties>
+      </inkml:inkSource>
+      <inkml:timestamp xml:id="ts0" timeString="2016-08-22T11:36:02.836"/>
+    </inkml:context>
+    <inkml:brush xml:id="br0">
+      <inkml:brushProperty name="width" value="0.05" units="cm"/>
+      <inkml:brushProperty name="height" value="0.05" units="cm"/>
+      <inkml:brushProperty name="color" value="#ED1C24"/>
+      <inkml:brushProperty name="fitToCurve" value="1"/>
+    </inkml:brush>
+  </inkml:definitions>
+  <inkml:traceGroup>
+    <inkml:annotationXML>
+      <emma:emma xmlns:emma="http://www.w3.org/2003/04/emma" version="1.0">
+        <emma:interpretation id="{DFA06D8C-434C-4142-91E4-29AE7B70F942}" emma:medium="tactile" emma:mode="ink">
+          <msink:context xmlns:msink="http://schemas.microsoft.com/ink/2010/main" type="inkDrawing" rotatedBoundingBox="19274,8472 22291,7942 22564,9498 19547,10027" hotPoints="22481,8800 20950,9783 19207,9260 20738,8278" semanticType="enclosure" shapeName="Ellipse"/>
+        </emma:interpretation>
+      </emma:emma>
+    </inkml:annotationXML>
+    <inkml:trace contextRef="#ctx0" brushRef="#br0">2415 321 48 0,'-12'0'24'0,"12"-6"-20"0,0-9 25 16,-6-1-31-16,0-10 0 15,-12 0 0-15,-5 0 0 16,-13-1 5-16,1 1 0 15,-6 5 0 1,-12 0 0-16,-6 0 3 16,-12 6 0-16,-5 4 1 15,-7 1 1-15,-11 10-3 16,-12 5 1-16,-6 11-2 16,-18 10 0-16,-5 0-1 15,5 5 0-15,18-4-1 0,-6-1 0 16,0-5 0-16,12-6 0 0,6 12-1 15,0 4 1-15,6 16-1 16,5 0 0-16,7 0-1 16,11 11 1-16,6 5-1 15,18 5 0-15,6 0 0 16,12-10 1-16,11 4-1 16,12 7 1-1,12-1 1-15,12-11 0 16,11-4-2-16,6 4 1 15,7 6 0-15,5 0 1 16,6-5-1-16,0-1 1 0,6 1-2 16,11-11 1-16,-5-5 0 15,12-6 1-15,5 1-1 16,13-5 0-16,5-6-1 16,0-5 1-16,0-6-1 15,6-9 0-15,0-6 0 0,-6-6 1 0,1-9-1 16,10-12 1-16,1 1-1 15,0 5 1-15,-6 0-1 32,0 0 0-32,-5-5 0 0,-7 0 0 0,-12-5 0 15,1-6 0-15,-1-5 0 16,1 11 1-16,-1-16-1 16,1 5 1-16,-1-11-1 15,-11 11 0-15,-12-5 0 16,-6 0 1-16,-6 0 0 31,-6 10 0-31,-17-10-1 0,-6 0 1 16,-13-16 0-16,-5-5 1 15,-11-5-2-15,-7-6 1 16,-6 1-1-16,-5-6 1 0,-12-5-1 16,-12 0 0-16,-6 16 0 15,-6 10 0-15,-35 10-2 16,-12 11 0-16,-30 16-7 15,-34 10 1-15,-31 16-11 16,-11 6 1-16,12 15-8 16,18 15 1-16</inkml:trace>
+  </inkml:traceGroup>
+</inkml:ink>
+</file>
+
+<file path=ppt/ink/ink18.xml><?xml version="1.0" encoding="utf-8"?>
+<inkml:ink xmlns:inkml="http://www.w3.org/2003/InkML">
+  <inkml:definitions>
+    <inkml:context xml:id="ctx0">
+      <inkml:inkSource xml:id="inkSrc0">
+        <inkml:traceFormat>
+          <inkml:channel name="X" type="integer" max="9600" units="cm"/>
+          <inkml:channel name="Y" type="integer" max="7200" units="cm"/>
+          <inkml:channel name="F" type="integer" max="256" units="dev"/>
+          <inkml:channel name="T" type="integer" max="2.14748E9" units="dev"/>
+        </inkml:traceFormat>
+        <inkml:channelProperties>
+          <inkml:channelProperty channel="X" name="resolution" value="377.95276" units="1/cm"/>
+          <inkml:channelProperty channel="Y" name="resolution" value="425.28058" units="1/cm"/>
+          <inkml:channelProperty channel="F" name="resolution" value="0" units="1/dev"/>
+          <inkml:channelProperty channel="T" name="resolution" value="1" units="1/dev"/>
+        </inkml:channelProperties>
+      </inkml:inkSource>
+      <inkml:timestamp xml:id="ts0" timeString="2016-08-22T11:36:15.534"/>
+    </inkml:context>
+    <inkml:brush xml:id="br0">
+      <inkml:brushProperty name="width" value="0.05" units="cm"/>
+      <inkml:brushProperty name="height" value="0.05" units="cm"/>
+      <inkml:brushProperty name="color" value="#ED1C24"/>
+      <inkml:brushProperty name="fitToCurve" value="1"/>
+    </inkml:brush>
+  </inkml:definitions>
+  <inkml:traceGroup>
+    <inkml:annotationXML>
+      <emma:emma xmlns:emma="http://www.w3.org/2003/04/emma" version="1.0">
+        <emma:interpretation id="{7EF1BA09-D384-437E-8331-AC36D748A5F0}" emma:medium="tactile" emma:mode="ink">
+          <msink:context xmlns:msink="http://schemas.microsoft.com/ink/2010/main" type="inkDrawing" rotatedBoundingBox="13954,7347 18795,3914 19298,4625 14457,8058" semanticType="callout" shapeName="Other"/>
+        </emma:interpretation>
+      </emma:emma>
+    </inkml:annotationXML>
+    <inkml:trace contextRef="#ctx0" brushRef="#br0">4873 0 36 0,'-6'0'18'0,"18"0"-17"16,-12 5 19-16,-6 0-20 16,0 11 0-16,-6 5 0 15,0 0 0-15,-5 5 1 0,-1 0 0 16,-5 16 2-16,-13 0 0 31,-17 5 1-31,-6 0 1 0,-11 21 0 16,-7 0 1-16,-17 11-2 15,-18 10 1-15,-12 11-2 16,-17 15 0-16,-13 10-1 16,-11-4 0-16,-17-1-1 15,-24 17 0-15,-7 4 0 16,-5 11 1-16,6-6 0 0,0 1 0 16,6-6-1-16,12-20 1 15,11-6-1-15,6-5 1 16,12 0-2-16,-6-5 1 15,18 5-1-15,18-21 0 0,11-5 0 16,18-1 0-16,12-20 0 16,17 0 0-16,6-21 0 15,18-5 1-15,6-6-1 16,18-5 1-16,5 1-2 16,7-1 1-16,5-11 0 15,6 1 0-15,6 0-1 16,0-6 1-16,0 1 0 0,6-6 1 31,0-5 0-31,5-5 0 0,1-6 0 16,6-10 0-16,5-5 0 15,1 5 0 1,17-36-1 0,6-22 1-16,12 0-1 15,12-10 0-15,6-10 0 16,11 15 1-16,0-10-1 0,7 10 0 15,-7 0-1-15,-11 11 1 16,-7 5 0-16,-5 16 0 16,-12 10-1-16,-12 10 1 0,-11 11 0 15,-13 6 0-15,-17 15 0 16,-5 10 0-16,-25 11 0 31,-23 10 0-31,-23 11 0 16,-7-5 0-16,-11 10 0 15,-12 21 1-15,0 0-1 16,6 16 0-16,-7 10-1 16,1-5 1-16,0-5 0 0,0 0 0 15,18-6 0-15,0-4 0 16,11-17 0-16,12-4 0 0,12-11-1 16,12-11 0-16,17-5 0 15,18-5 0-15,12 0 0 16,18-5 0-16,11 5 1 15,24-11 0-15,18-4 1 16,5-12 0-16,18-9 0 16,24-12 0-1,6 1 1-15,11 0 0 16,-11 10-1-16,-1-5 0 16,-17 6-4-16,-12 4 1 15,-17 1-13-15,-1 15 1 0,-29-15-5 16,-29-17 1-16</inkml:trace>
+  </inkml:traceGroup>
+</inkml:ink>
+</file>
+
+<file path=ppt/ink/ink19.xml><?xml version="1.0" encoding="utf-8"?>
+<inkml:ink xmlns:inkml="http://www.w3.org/2003/InkML">
+  <inkml:definitions>
+    <inkml:context xml:id="ctx0">
+      <inkml:inkSource xml:id="inkSrc0">
+        <inkml:traceFormat>
+          <inkml:channel name="X" type="integer" max="9600" units="cm"/>
+          <inkml:channel name="Y" type="integer" max="7200" units="cm"/>
+          <inkml:channel name="F" type="integer" max="256" units="dev"/>
+          <inkml:channel name="T" type="integer" max="2.14748E9" units="dev"/>
+        </inkml:traceFormat>
+        <inkml:channelProperties>
+          <inkml:channelProperty channel="X" name="resolution" value="377.95276" units="1/cm"/>
+          <inkml:channelProperty channel="Y" name="resolution" value="425.28058" units="1/cm"/>
+          <inkml:channelProperty channel="F" name="resolution" value="0" units="1/dev"/>
+          <inkml:channelProperty channel="T" name="resolution" value="1" units="1/dev"/>
+        </inkml:channelProperties>
+      </inkml:inkSource>
+      <inkml:timestamp xml:id="ts0" timeString="2016-08-22T11:36:16.834"/>
+    </inkml:context>
+    <inkml:brush xml:id="br0">
+      <inkml:brushProperty name="width" value="0.05" units="cm"/>
+      <inkml:brushProperty name="height" value="0.05" units="cm"/>
+      <inkml:brushProperty name="color" value="#ED1C24"/>
+      <inkml:brushProperty name="fitToCurve" value="1"/>
+    </inkml:brush>
+  </inkml:definitions>
+  <inkml:traceGroup>
+    <inkml:annotationXML>
+      <emma:emma xmlns:emma="http://www.w3.org/2003/04/emma" version="1.0">
+        <emma:interpretation id="{4BEDFFA1-2249-4205-953F-E1119083C086}" emma:medium="tactile" emma:mode="ink">
+          <msink:context xmlns:msink="http://schemas.microsoft.com/ink/2010/main" type="inkDrawing" rotatedBoundingBox="14294,8193 19505,8630 19400,9886 14189,9450" semanticType="callout" shapeName="Other"/>
+        </emma:interpretation>
+      </emma:emma>
+    </inkml:annotationXML>
+    <inkml:trace contextRef="#ctx0" brushRef="#br0">5215 911 40 0,'-18'11'20'0,"12"9"-23"16,-6-20 30-16,0-5-28 15,-11 5 0-15,-7-5 1 16,-5-5 0-16,-6 4 1 0,-18 6 1 16,-12 0 1-16,-23 0 0 15,-24 6 1-15,-23-1 1 16,-24 0-1-16,-12 5 1 0,-29 6-2 16,-6-11 1-16,-18-5-2 15,6-5 0-15,-12-11-2 16,12 1 1-16,-11-6-1 15,5 5 1-15,12-5-1 16,12-5 1-16,6 5-1 16,17 0 0-16,12-5 0 15,12 5 1-15,0 0-1 0,23-5 1 16,13 0 0-16,17-1 0 31,23 1 0-31,6 5 0 0,13 6 0 16,11 4 0-16,11-5-1 15,7 6 0-15,6 5-1 16,11 5 1-16,-6 5-1 16,1-5 0-16,11 16 0 15,0-6 1-15,6 6-1 16,6-6 0-16,0-4 1 0,0 4 0 16,0 0 0-16,6 6 0 15,-6-5 0-15,0-6 1 16,0 0-1-16,6 0 1 0,-12 1 0 15,0-1 0-15,0 0-1 16,6-5 1-16,0 0-1 31,12 0 0-31,-6-10 0 16,6-6 0-16,11-10 0 16,1 5 0-16,11-5 0 15,13-11 0-15,16 0 0 16,13-10 1-16,0 0-1 0,17 0 1 15,12 0-1-15,-6 0 0 16,0 5 0-16,12-5 0 0,-6-6 0 16,-6 17 0-16,-17 4 0 15,-7 6 0-15,-23 5 0 16,-11 0 1-16,-19 16-1 16,-23 5 1-16,-29 0-1 15,-30 10 0-15,-18 11 0 16,-29 0 1-16,-12 5-1 0,-29 11 0 15,0 15 0-15,5-4 0 16,1-1 0-16,5 0 0 16,13-5 0-16,11-6 0 15,18-9 0-15,17-7 0 0,18 1-1 16,18 0 1-16,17 0-1 31,12 0 1-31,30 11 0 16,23 4 0-16,18 11 0 15,12 22 0-15,23 4 0 16,18 16 1-16,0 5-7 16,6-10 1-16,6 0-12 15,-18-11 1-15</inkml:trace>
+  </inkml:traceGroup>
+</inkml:ink>
+</file>
+
+<file path=ppt/ink/ink2.xml><?xml version="1.0" encoding="utf-8"?>
+<inkml:ink xmlns:inkml="http://www.w3.org/2003/InkML">
+  <inkml:definitions>
+    <inkml:context xml:id="ctx0">
+      <inkml:inkSource xml:id="inkSrc0">
+        <inkml:traceFormat>
+          <inkml:channel name="X" type="integer" max="9600" units="cm"/>
+          <inkml:channel name="Y" type="integer" max="7200" units="cm"/>
+          <inkml:channel name="F" type="integer" max="256" units="dev"/>
+          <inkml:channel name="T" type="integer" max="2.14748E9" units="dev"/>
+        </inkml:traceFormat>
+        <inkml:channelProperties>
+          <inkml:channelProperty channel="X" name="resolution" value="377.95276" units="1/cm"/>
+          <inkml:channelProperty channel="Y" name="resolution" value="425.28058" units="1/cm"/>
+          <inkml:channelProperty channel="F" name="resolution" value="0" units="1/dev"/>
+          <inkml:channelProperty channel="T" name="resolution" value="1" units="1/dev"/>
+        </inkml:channelProperties>
+      </inkml:inkSource>
+      <inkml:timestamp xml:id="ts0" timeString="2016-08-22T10:58:38.551"/>
+    </inkml:context>
+    <inkml:brush xml:id="br0">
+      <inkml:brushProperty name="width" value="0.05" units="cm"/>
+      <inkml:brushProperty name="height" value="0.05" units="cm"/>
+      <inkml:brushProperty name="color" value="#ED1C24"/>
+      <inkml:brushProperty name="fitToCurve" value="1"/>
+    </inkml:brush>
+  </inkml:definitions>
+  <inkml:traceGroup>
+    <inkml:annotationXML>
+      <emma:emma xmlns:emma="http://www.w3.org/2003/04/emma" version="1.0">
+        <emma:interpretation id="{02228860-67EB-4C99-BD70-78154B12D0C8}" emma:medium="tactile" emma:mode="ink">
+          <msink:context xmlns:msink="http://schemas.microsoft.com/ink/2010/main" type="inkDrawing" rotatedBoundingBox="15477,8387 19426,8181 19541,10372 15591,10578" hotPoints="19767,9015 17980,10358 15872,9612 17659,8269" semanticType="enclosure" shapeName="Ellipse">
+            <msink:destinationLink direction="with" ref="{4DC23801-F43F-408E-B5FE-3F2A208AFF71}"/>
+          </msink:context>
+        </emma:interpretation>
+      </emma:emma>
+    </inkml:annotationXML>
+    <inkml:trace contextRef="#ctx0" brushRef="#br0">533 1287 28 0,'-29'-5'14'0,"-24"21"-1"0,41-16 14 16,-6 0-21-16,-5 0 0 15,-7-5 4-15,1-6 0 16,-1-5-11-16,7-5 0 16,-1-5 9-16,7 0 1 15,5-11-3-15,6-5 0 16,12-10-1-16,0 15 1 16,17-20-3-16,13-1 1 0,11-10-2 15,12-10 1-15,6 4-2 16,5 6 1-16,-5 0-1 15,6 0 0-15,17 0-1 16,12 16 1-16,6-1 0 16,24 6 0-16,0 0 0 15,-13 0 1-15,1 5-1 16,6 10 0-16,0 6 0 16,-6 0 0-16,17 5-1 15,1 11 1-15,-13-1 0 16,1 6 1-16,12 10-1 15,-1 6 1-15,12 4 0 16,1 12 0-16,-13-1 0 16,-23 5 0-16,-6 6-1 15,-6 10 0-15,0 16-1 0,1 0 1 16,-13 10-1-16,-11 11 1 16,-13 0-1-16,-5-1 1 15,-12 12-1-15,-11-17 1 16,-19-5-1-16,-11 6 0 15,-17 5 0-15,-19-6 1 16,-11 11-1-16,-18-5 1 16,0 5-1-16,-6-5 1 15,-23-5-1-15,-24-1 1 16,-12 11-1-16,-23-21 0 16,6 6 0-16,-30-1 1 0,-6 0-2 15,-23-5 1-15,11-15 0 16,6-11 0-16,-5-6 0 15,-24-25 0-15,0-27 0 16,5-31 0-16,-16-32 0 16,-1-15 0-16,17-21 0 15,25-16 0-15,35-10-1 16,29-1 0-16,12 1 0 16,29-1 0-16,36-10-5 15,17 11 1-15,36 0-17 16,53 15 0-16,35 0-3 15,30 6 0-15</inkml:trace>
+  </inkml:traceGroup>
+</inkml:ink>
+</file>
+
+<file path=ppt/ink/ink20.xml><?xml version="1.0" encoding="utf-8"?>
+<inkml:ink xmlns:inkml="http://www.w3.org/2003/InkML">
+  <inkml:definitions>
+    <inkml:context xml:id="ctx0">
+      <inkml:inkSource xml:id="inkSrc0">
+        <inkml:traceFormat>
+          <inkml:channel name="X" type="integer" max="9600" units="cm"/>
+          <inkml:channel name="Y" type="integer" max="7200" units="cm"/>
+          <inkml:channel name="F" type="integer" max="256" units="dev"/>
+          <inkml:channel name="T" type="integer" max="2.14748E9" units="dev"/>
+        </inkml:traceFormat>
+        <inkml:channelProperties>
+          <inkml:channelProperty channel="X" name="resolution" value="377.95276" units="1/cm"/>
+          <inkml:channelProperty channel="Y" name="resolution" value="425.28058" units="1/cm"/>
+          <inkml:channelProperty channel="F" name="resolution" value="0" units="1/dev"/>
+          <inkml:channelProperty channel="T" name="resolution" value="1" units="1/dev"/>
+        </inkml:channelProperties>
+      </inkml:inkSource>
+      <inkml:timestamp xml:id="ts0" timeString="2016-08-22T11:37:02.789"/>
+    </inkml:context>
+    <inkml:brush xml:id="br0">
+      <inkml:brushProperty name="width" value="0.05" units="cm"/>
+      <inkml:brushProperty name="height" value="0.05" units="cm"/>
+      <inkml:brushProperty name="color" value="#ED1C24"/>
+      <inkml:brushProperty name="fitToCurve" value="1"/>
+    </inkml:brush>
+  </inkml:definitions>
+  <inkml:traceGroup>
+    <inkml:annotationXML>
+      <emma:emma xmlns:emma="http://www.w3.org/2003/04/emma" version="1.0">
+        <emma:interpretation id="{B63D070D-18C8-4306-BF49-8CC0D9A202E9}" emma:medium="tactile" emma:mode="ink">
+          <msink:context xmlns:msink="http://schemas.microsoft.com/ink/2010/main" type="inkDrawing"/>
+        </emma:interpretation>
+      </emma:emma>
+    </inkml:annotationXML>
+    <inkml:trace contextRef="#ctx0" brushRef="#br0">40 8 11 0,'-41'-5'5'0,"94"0"-14"16,-12 15 5-16</inkml:trace>
+  </inkml:traceGroup>
+</inkml:ink>
+</file>
+
+<file path=ppt/ink/ink21.xml><?xml version="1.0" encoding="utf-8"?>
+<inkml:ink xmlns:inkml="http://www.w3.org/2003/InkML">
+  <inkml:definitions>
+    <inkml:context xml:id="ctx0">
+      <inkml:inkSource xml:id="inkSrc0">
+        <inkml:traceFormat>
+          <inkml:channel name="X" type="integer" max="9600" units="cm"/>
+          <inkml:channel name="Y" type="integer" max="7200" units="cm"/>
+          <inkml:channel name="F" type="integer" max="256" units="dev"/>
+          <inkml:channel name="T" type="integer" max="2.14748E9" units="dev"/>
+        </inkml:traceFormat>
+        <inkml:channelProperties>
+          <inkml:channelProperty channel="X" name="resolution" value="377.95276" units="1/cm"/>
+          <inkml:channelProperty channel="Y" name="resolution" value="425.28058" units="1/cm"/>
+          <inkml:channelProperty channel="F" name="resolution" value="0" units="1/dev"/>
+          <inkml:channelProperty channel="T" name="resolution" value="1" units="1/dev"/>
+        </inkml:channelProperties>
+      </inkml:inkSource>
       <inkml:timestamp xml:id="ts0" timeString="2016-08-21T12:50:09.548"/>
     </inkml:context>
     <inkml:brush xml:id="br0">
@@ -167,7 +865,369 @@
 </inkml:ink>
 </file>
 
-<file path=ppt/ink/ink10.xml><?xml version="1.0" encoding="utf-8"?>
+<file path=ppt/ink/ink22.xml><?xml version="1.0" encoding="utf-8"?>
+<inkml:ink xmlns:inkml="http://www.w3.org/2003/InkML">
+  <inkml:definitions>
+    <inkml:context xml:id="ctx0">
+      <inkml:inkSource xml:id="inkSrc0">
+        <inkml:traceFormat>
+          <inkml:channel name="X" type="integer" max="9600" units="cm"/>
+          <inkml:channel name="Y" type="integer" max="7200" units="cm"/>
+          <inkml:channel name="F" type="integer" max="256" units="dev"/>
+          <inkml:channel name="T" type="integer" max="2.14748E9" units="dev"/>
+        </inkml:traceFormat>
+        <inkml:channelProperties>
+          <inkml:channelProperty channel="X" name="resolution" value="377.95276" units="1/cm"/>
+          <inkml:channelProperty channel="Y" name="resolution" value="425.28058" units="1/cm"/>
+          <inkml:channelProperty channel="F" name="resolution" value="0" units="1/dev"/>
+          <inkml:channelProperty channel="T" name="resolution" value="1" units="1/dev"/>
+        </inkml:channelProperties>
+      </inkml:inkSource>
+      <inkml:timestamp xml:id="ts0" timeString="2016-08-21T12:50:11.580"/>
+    </inkml:context>
+    <inkml:brush xml:id="br0">
+      <inkml:brushProperty name="width" value="0.05" units="cm"/>
+      <inkml:brushProperty name="height" value="0.05" units="cm"/>
+      <inkml:brushProperty name="color" value="#ED1C24"/>
+      <inkml:brushProperty name="fitToCurve" value="1"/>
+    </inkml:brush>
+  </inkml:definitions>
+  <inkml:traceGroup>
+    <inkml:annotationXML>
+      <emma:emma xmlns:emma="http://www.w3.org/2003/04/emma" version="1.0">
+        <emma:interpretation id="{2095B460-6416-4932-A84C-951DCD82C4C6}" emma:medium="tactile" emma:mode="ink">
+          <msink:context xmlns:msink="http://schemas.microsoft.com/ink/2010/main" type="inkDrawing" rotatedBoundingBox="9524,7238 21263,3855 21926,6158 10187,9540" semanticType="callout" shapeName="Other">
+            <msink:sourceLink direction="from" ref="{E6F5DA82-573B-4A9C-AD44-470EB7FA0A09}"/>
+            <msink:sourceLink direction="to" ref="{E0DBBF5A-C035-4260-BB33-E09E10CCD0BD}"/>
+          </msink:context>
+        </emma:interpretation>
+      </emma:emma>
+    </inkml:annotationXML>
+    <inkml:trace contextRef="#ctx0" brushRef="#br0">43 4596 37 0,'-32'14'18'0,"21"-28"-17"0,11 9 19 0,0-4-20 16,0-10 1-16,0 5 0 15,0-5 0-15,0-4-1 16,6-6 1-16,-1-4 1 15,-5-4 1-15,5-15 1 16,6 0 0-16,-1-4 0 0,6-10 0 16,5-9 0-16,11 9 0 15,0-5-1-15,10-4 0 16,1-5-2-16,4-9 1 31,6-19-2-31,-5 4 0 0,10-4 0 16,5 9 1-16,12-4 0 15,4 4 0-15,11 0 0 16,5 5 1-16,11-9 0 0,-11 8 0 16,6 1-1-16,15-4 1 15,6 13-1-15,10 0 0 16,11-13-1-16,-5 8 0 0,-1-4 0 16,11 0 1-16,-10 9 0 15,15-4 1-15,-15 4-1 16,10 5 1-16,11 0-1 15,0 0 1-15,10-4-1 16,0 4 1-16,11 0-2 31,5 0 0-31,-5 5 0 0,0 4 1 16,-10 0 0-16,10 6 0 16,-6 3-1-16,17 6 1 15,-11 4 0-15,15 10 0 0,6 0-1 16,11-1 0-16,-16-4-1 15,5 10 1-15,-5 8 0 16,-6 6 0-16,-5-1 0 16,1 1 0-16,4 4 0 15,-15 5 0-15,5-5 0 16,0 5 0-16,0 0 0 16,5 0 0-16,-11 14 0 0,1 0 0 15,-11 0-1-15,0 0 1 16,-5 0-1-1,-6 4 1-15,1 1 0 16,-6 0 0-16,-5 0 0 16,-6 9 0-16,1 0 0 15,-11 9 1-15,-11-4-1 16,-10 5 0-16,5-1 0 16,-15-4 0-16,-17-10-1 15,-5 6 1-15,-10-11 0 0,-6 1 0 16,0 0 0-16,-5-1 0 15,-5 1 0-15,-1 0 0 16,-5-1-1-16,-4 1 1 16,-1 0-2-16,-11 0 1 0,-5-5-1 15,-5 4 1-15,-5-4 0 16,-11 0 0-16,0 0 1 16,0 0 0-16,5-4 0 15,6-6 0-15,-1 10 0 16,1 0 0-16,-1 0 0 15,1 0 0-15,5 0-1 0,0 0 0 16,-6 0 0-16,6 0 1 31,0 5 0-31,0-5 0 0,0 0 0 16,0 0 0-16,-6 0 0 16,1 0 0-16,-6 0 0 15,6 0 0-15,-6 5 1 16,-5-5 0-16,0 0 0 15,0 0 0-15,0-10 0 16,-5 1 0-16,-6-10-1 0,-5-9 1 16,-5-10-1-16,-11 0 0 15,-15 1 0-15,-1-1 0 16,0 1 0-16,1-1 0 16,-6 5-1-16,10-5 1 0,6 5-1 15,0-4 0-15,6 13 0 31,-1 1 0-31,5-1 0 16,6 15 0-16,5-1 0 16,11 20 1-16,10 9 0 15,11 9 0-15,5 5-1 16,16 9 1-16,22-4 0 16,15 4 0-16,10 15-1 0,6-6 1 15,11-4-1-15,-6 5 1 0,11 5 0 16,5-6 0-16,-5 6 0 15,-11-15 1-15,-10-4-1 16,-16-10 0-16,-16 0 0 16,-22-9 1-16,-20-10-1 15,-27-4 0-15,-32 0 1 16,-15-5 1-16,-6 0-1 0,-21 0 1 16,0 0-2-16,-10 4 0 15,-22 1-2-15,0 9 0 16,1 10-5-16,4 4 0 15,6 10-8-15,10 4 0 0,12 5-2 16,46-9 0-16</inkml:trace>
+  </inkml:traceGroup>
+</inkml:ink>
+</file>
+
+<file path=ppt/ink/ink23.xml><?xml version="1.0" encoding="utf-8"?>
+<inkml:ink xmlns:inkml="http://www.w3.org/2003/InkML">
+  <inkml:definitions>
+    <inkml:context xml:id="ctx0">
+      <inkml:inkSource xml:id="inkSrc0">
+        <inkml:traceFormat>
+          <inkml:channel name="X" type="integer" max="9600" units="cm"/>
+          <inkml:channel name="Y" type="integer" max="7200" units="cm"/>
+          <inkml:channel name="F" type="integer" max="256" units="dev"/>
+          <inkml:channel name="T" type="integer" max="2.14748E9" units="dev"/>
+        </inkml:traceFormat>
+        <inkml:channelProperties>
+          <inkml:channelProperty channel="X" name="resolution" value="377.95276" units="1/cm"/>
+          <inkml:channelProperty channel="Y" name="resolution" value="425.28058" units="1/cm"/>
+          <inkml:channelProperty channel="F" name="resolution" value="0" units="1/dev"/>
+          <inkml:channelProperty channel="T" name="resolution" value="1" units="1/dev"/>
+        </inkml:channelProperties>
+      </inkml:inkSource>
+      <inkml:timestamp xml:id="ts0" timeString="2016-08-21T12:50:12.375"/>
+    </inkml:context>
+    <inkml:brush xml:id="br0">
+      <inkml:brushProperty name="width" value="0.05" units="cm"/>
+      <inkml:brushProperty name="height" value="0.05" units="cm"/>
+      <inkml:brushProperty name="color" value="#ED1C24"/>
+      <inkml:brushProperty name="fitToCurve" value="1"/>
+    </inkml:brush>
+  </inkml:definitions>
+  <inkml:traceGroup>
+    <inkml:annotationXML>
+      <emma:emma xmlns:emma="http://www.w3.org/2003/04/emma" version="1.0">
+        <emma:interpretation id="{E0DBBF5A-C035-4260-BB33-E09E10CCD0BD}" emma:medium="tactile" emma:mode="ink">
+          <msink:context xmlns:msink="http://schemas.microsoft.com/ink/2010/main" type="inkDrawing" rotatedBoundingBox="21590,4987 23459,4856 23546,6101 21677,6232" hotPoints="23535,5530 22597,6143 21667,5518 22605,4906" semanticType="enclosure" shapeName="Ellipse">
+            <msink:destinationLink direction="to" ref="{2095B460-6416-4932-A84C-951DCD82C4C6}"/>
+          </msink:context>
+        </emma:interpretation>
+      </emma:emma>
+    </inkml:annotationXML>
+    <inkml:trace contextRef="#ctx0" brushRef="#br0">418 934 37 0,'-21'-23'18'0,"0"-43"-22"0,21 47 32 0,-5-4-28 15,-6-10 0-15,0-14 2 16,6 0 0-16,0-14-1 16,5-15 0-16,10 6 3 15,1-10 0-15,15 0 0 0,17 5 0 16,10 9 0-16,21 9 0 15,21 5-2-15,16 20 1 16,6 13-3-16,4 9 1 16,1 20-2-16,10 18 1 15,1 14 0-15,-12 15 0 0,-20 18 0 16,-11 5 1-16,-11 14-1 16,-21 10 1-16,-21 8-1 15,-26-3 1-15,-22-6-1 16,-31 1 0-1,-37-6 0-15,-22-18 0 0,-26-14 1 16,-42-24 0 0,-11-9 0-16,-16-18 1 15,16-30 0-15,6-22 0 0,15-15-1 16,11-28 0-16,31-14 0 16,22 0 1-16,32 5-2 15,25-6 1-15,33 1-1 16,37-9 0-16,26 9-1 15,43 0 1-15,15 9-1 16,27 10 0-16,5 14 0 0,21 23 0 16,-10 15-3-16,-11 27 1 15,-10 34-12-15,-16 42 1 16,-38 0-2-16,-25-24 1 16</inkml:trace>
+  </inkml:traceGroup>
+</inkml:ink>
+</file>
+
+<file path=ppt/ink/ink24.xml><?xml version="1.0" encoding="utf-8"?>
+<inkml:ink xmlns:inkml="http://www.w3.org/2003/InkML">
+  <inkml:definitions>
+    <inkml:context xml:id="ctx0">
+      <inkml:inkSource xml:id="inkSrc0">
+        <inkml:traceFormat>
+          <inkml:channel name="X" type="integer" max="9600" units="cm"/>
+          <inkml:channel name="Y" type="integer" max="7200" units="cm"/>
+          <inkml:channel name="F" type="integer" max="256" units="dev"/>
+          <inkml:channel name="T" type="integer" max="2.14748E9" units="dev"/>
+        </inkml:traceFormat>
+        <inkml:channelProperties>
+          <inkml:channelProperty channel="X" name="resolution" value="377.95276" units="1/cm"/>
+          <inkml:channelProperty channel="Y" name="resolution" value="425.28058" units="1/cm"/>
+          <inkml:channelProperty channel="F" name="resolution" value="0" units="1/dev"/>
+          <inkml:channelProperty channel="T" name="resolution" value="1" units="1/dev"/>
+        </inkml:channelProperties>
+      </inkml:inkSource>
+      <inkml:timestamp xml:id="ts0" timeString="2016-08-21T12:37:00.857"/>
+    </inkml:context>
+    <inkml:brush xml:id="br0">
+      <inkml:brushProperty name="width" value="0.05" units="cm"/>
+      <inkml:brushProperty name="height" value="0.05" units="cm"/>
+      <inkml:brushProperty name="color" value="#ED1C24"/>
+      <inkml:brushProperty name="fitToCurve" value="1"/>
+    </inkml:brush>
+  </inkml:definitions>
+  <inkml:traceGroup>
+    <inkml:annotationXML>
+      <emma:emma xmlns:emma="http://www.w3.org/2003/04/emma" version="1.0">
+        <emma:interpretation id="{D40AE99F-9509-451D-AB86-C998B89273E2}" emma:medium="tactile" emma:mode="ink">
+          <msink:context xmlns:msink="http://schemas.microsoft.com/ink/2010/main" type="inkDrawing" rotatedBoundingBox="6455,5593 14243,5982 14171,7403 6384,7014" hotPoints="14479,6674 10180,7207 5926,6381 10226,5849" semanticType="enclosure" shapeName="Ellipse"/>
+        </emma:interpretation>
+      </emma:emma>
+    </inkml:annotationXML>
+    <inkml:trace contextRef="#ctx0" brushRef="#br0">2419 81 30 0,'54'-4'15'0,"6"4"-11"0,-46 4 15 0,4-4-18 15,0 0 0-15,0-8 2 16,-4 4 1-16,-5 0-3 15,-4-8 1-15,-14 4 3 16,-14-4 0 15,-82-1 2-15,-23 5 1-16,0 4-1 16,-9 0 0-16,4 4-2 0,-9 4 1 15,-18 4-1-15,-4 13 1 16,4 7-2-16,-5 9 0 15,0 3 0-15,10-3 0 16,9 8 0-16,13 3 1 0,19 1-1 16,13 0 1-16,14 0-2 15,14 8 1-15,14-5 0 16,8 1 0-16,15 4-1 16,4 4 0-16,14 4-1 15,13-8 1-15,10-4-1 16,13-4 1-16,14-5-1 0,18 1 0 15,14-4 0-15,9-1 0 0,14 9 0 16,9-12 0-16,0-1-1 16,9-3 1-16,14-1-1 15,5-3 1-15,4-5 0 16,4-4 1-16,15-3-2 31,3-1 1-31,10-4 0 16,0-4 0-16,14-4 0 0,-5 0 0 15,5 4-1-15,-5-8 1 16,10 5-1-16,-6-1 0 16,1 4-1-16,-5 0 1 15,5-4-1-15,0 8 1 16,-1-8-2-16,1 4 0 0,-9-4 1 16,4-4 0-16,-4 0 0 15,4 0 0-15,-18-4 0 16,4 0 1-16,-4 0-1 15,-5 8 0-15,-4-8 0 16,-9 4 0-16,-5-4 0 16,4-4 1-1,1 0-1-15,-5 0 0 16,-5 0 0-16,-9-1 0 0,5-7 0 16,9 4 0-16,-9 0 0 15,-14 4 0-15,5-13 0 16,0-3 0-16,-5 0 0 15,9-5 1-15,-9 1-1 16,-4-1 0-16,-14-3-1 16,-5 3 1-16,-4 5 0 0,-5 0 0 15,-13-13-1-15,-6 9 0 16,-8-5 0-16,-14 0 0 16,-9 1 0-16,-5-1 0 15,-9 5 0-15,-13 0 1 16,-10 3-2-16,-13-7 1 0,-19-5-1 15,-27-8 1-15,-14 1-1 16,-5 3 1-16,-8 0-1 16,-5 1 1-16,-19-1 1 15,-17 5 0-15,-1 3-1 16,-4-4 1-16,-24 13-1 31,-3 8 1-31,-19-9-1 0,13 1 1 16,-4 8 0-16,1-5 0 0,8 5 0 15,5-8 0-15,-5-1 0 16,5 9 0-16,4 0-1 16,-4 4 1-16,-5 0-1 15,-9 3 1-15,10 5-1 16,3 0 1-16,6-4-1 16,13 0 0-16,14 0 0 15,4 4 1-15,1-4-1 0,-1 0 1 16,0 8-1-16,-4 0 1 15,5 4-2-15,4 8 0 16,0-4-7-16,13 16 1 16,10 1-14-1,14 3 1-15,22-7-6 16,37-17 1-16</inkml:trace>
+  </inkml:traceGroup>
+</inkml:ink>
+</file>
+
+<file path=ppt/ink/ink25.xml><?xml version="1.0" encoding="utf-8"?>
+<inkml:ink xmlns:inkml="http://www.w3.org/2003/InkML">
+  <inkml:definitions>
+    <inkml:context xml:id="ctx0">
+      <inkml:inkSource xml:id="inkSrc0">
+        <inkml:traceFormat>
+          <inkml:channel name="X" type="integer" max="9600" units="cm"/>
+          <inkml:channel name="Y" type="integer" max="7200" units="cm"/>
+          <inkml:channel name="F" type="integer" max="256" units="dev"/>
+          <inkml:channel name="T" type="integer" max="2.14748E9" units="dev"/>
+        </inkml:traceFormat>
+        <inkml:channelProperties>
+          <inkml:channelProperty channel="X" name="resolution" value="377.95276" units="1/cm"/>
+          <inkml:channelProperty channel="Y" name="resolution" value="425.28058" units="1/cm"/>
+          <inkml:channelProperty channel="F" name="resolution" value="0" units="1/dev"/>
+          <inkml:channelProperty channel="T" name="resolution" value="1" units="1/dev"/>
+        </inkml:channelProperties>
+      </inkml:inkSource>
+      <inkml:timestamp xml:id="ts0" timeString="2016-08-21T12:37:18.359"/>
+    </inkml:context>
+    <inkml:brush xml:id="br0">
+      <inkml:brushProperty name="width" value="0.05" units="cm"/>
+      <inkml:brushProperty name="height" value="0.05" units="cm"/>
+      <inkml:brushProperty name="color" value="#ED1C24"/>
+      <inkml:brushProperty name="fitToCurve" value="1"/>
+    </inkml:brush>
+  </inkml:definitions>
+  <inkml:traceGroup>
+    <inkml:annotationXML>
+      <emma:emma xmlns:emma="http://www.w3.org/2003/04/emma" version="1.0">
+        <emma:interpretation id="{B788EBA7-D8D4-4916-8BC8-1CAB561D7D91}" emma:medium="tactile" emma:mode="ink">
+          <msink:context xmlns:msink="http://schemas.microsoft.com/ink/2010/main" type="inkDrawing" rotatedBoundingBox="7492,9886 15480,10402 15412,11469 7423,10953" semanticType="enclosure" shapeName="None"/>
+        </emma:interpretation>
+      </emma:emma>
+    </inkml:annotationXML>
+    <inkml:trace contextRef="#ctx0" brushRef="#br0">2316 171 22 0,'18'-12'11'0,"23"3"-10"0,-18 1 11 16,-4 0-11-16,3 0 0 16,-3-4 6-16,-1 4 0 15,-9 4-5-15,-9 4 0 16,-4-4 6-16,-10-1 0 15,-9 1 0-15,-9-4 1 0,-9 0-3 16,-5-4 1-16,-4 4-2 16,-10-4 0-16,-4 4-2 15,-4-1 0-15,-15 5 0 16,-3 0 1-16,-1 0-1 16,-9 4 0-16,-5 0-1 15,5 4 1-15,-4 4-1 0,-6 1 0 0,6-1-1 16,4 4 0-16,-5-4 0 15,5 0 1-15,5 4 0 16,8 5 0-16,1-1 0 16,9 4 0-16,4-4-1 15,-4 1 1-15,9-1-1 32,9 0 1-32,1 0-1 0,3-3 1 15,6-1-1-15,-1 0 1 16,9 8-1-16,1 1 0 15,8 3 0-15,5-4 0 16,5 1 0-16,9 3 0 16,4-4 0-16,5 1 1 15,5-1-1-15,4 0 0 0,0 9 0 16,5-5 1-16,4 5-1 16,1-1 0-16,3-4 0 15,6 5 0-15,4-5-1 16,4 1 1-16,1-9 0 15,4 4 0-15,0-4 0 16,0 1 0 0,1-1 0-16,-1 4 0 0,4-3-1 15,6-5 1-15,4 0-1 16,-1 0 1-16,1 0-1 16,0 1 1-16,5-5-1 15,-6 0 1-15,1-4-1 16,0 0 1-16,0 0-1 15,5 0 1-15,4 0-1 0,4 0 1 16,-4 0-1-16,0 4 1 16,5 0-1-16,-10 1 1 15,5-1-1-15,0 0 0 16,-4-4 0-16,-6 0 0 16,1 0 0-16,0 4 1 15,5-4-1 1,4 0 1-16,-5 0-1 15,5 0 1-15,-9-4-1 16,4 5 0-16,1-1 0 16,4 0 1-16,-5-4-1 15,1 0 0-15,4 0 0 16,4 8 1-16,1-4-1 16,9 0 0-16,-10 4 0 0,-4 0 1 0,0 4-1 15,5 1 0-15,-1-5 0 16,-4 0 0-16,9 0 0 15,5 0 0-15,5 0 0 16,8 0 0-16,-9 0 0 16,1 1 0-16,-1-1 0 15,-9 0 1-15,0 0-1 0,5 0 0 16,4 0 0-16,5 0 0 16,-5 0 0-16,-4-3 0 15,9-1 0-15,0 0 0 16,-5 0 0-16,0 0 0 15,10 0 0-15,-5 0 0 16,0 0 0 0,-5 0 0-16,5 0-1 15,4 0 1-15,-4 0 0 16,0 0 0-16,9 0 0 16,0 0 0-16,-5 5 0 15,5-1 1-15,0-4-1 16,-4-8 1-16,4 4-1 15,14 0 0-15,-5 0 0 0,-5 0 1 0,5 0-1 16,1 4 0-16,-10-8 0 16,0 0 0-16,0 0 0 15,4 4 1-15,-4-9-1 16,-9 5 0-16,0-4 0 16,0 0 1-16,0-4-1 31,-10-4 0-31,1-1 0 0,0-3 0 15,0 0 0-15,-5-1 0 16,-5 1 0-16,-8-4 0 0,-14 7 0 16,-5-3 0-16,-5-4 0 15,-8-9 1-15,-10 5-2 16,-4-5 1-16,-10 1 0 16,-4-1 0-16,-9-3-1 15,-14-5 0-15,-13 0 0 0,-19 1 0 16,0 3 0-16,-9-3 1 15,-14 3-1-15,0 0 1 16,-8 1 0-16,-10-1 0 16,-10 5-1-16,-3-1 1 15,-6 9 0 1,1 4 0-16,-14-1-1 16,-9 1 1-16,-5 4-1 0,-4-5 1 15,0 1 0-15,-19 8 0 16,-4 0 0-16,4-9 0 15,-8 9-1-15,-6 0 1 16,1 4 0-16,0-8 0 16,8 3 0-16,-3 5 0 0,-1-4 0 15,5 8 0-15,0-8 0 16,-1 0 0-16,6-1 0 16,13 5 0-16,0 4 0 15,14-8 0-15,-5 0 0 16,5 0 0-16,14 3 0 15,4 5 0 1,4-4-2-16,-3 4 0 0,3 0-4 16,1 8 0-16,4 4-8 15,14 9 1-15,19 19-11 16,8-7 1-16</inkml:trace>
+  </inkml:traceGroup>
+</inkml:ink>
+</file>
+
+<file path=ppt/ink/ink26.xml><?xml version="1.0" encoding="utf-8"?>
+<inkml:ink xmlns:inkml="http://www.w3.org/2003/InkML">
+  <inkml:definitions>
+    <inkml:context xml:id="ctx0">
+      <inkml:inkSource xml:id="inkSrc0">
+        <inkml:traceFormat>
+          <inkml:channel name="X" type="integer" max="9600" units="cm"/>
+          <inkml:channel name="Y" type="integer" max="7200" units="cm"/>
+          <inkml:channel name="T" type="integer" max="2.14748E9" units="dev"/>
+        </inkml:traceFormat>
+        <inkml:channelProperties>
+          <inkml:channelProperty channel="X" name="resolution" value="377.95276" units="1/cm"/>
+          <inkml:channelProperty channel="Y" name="resolution" value="425.28058" units="1/cm"/>
+          <inkml:channelProperty channel="T" name="resolution" value="1" units="1/dev"/>
+        </inkml:channelProperties>
+      </inkml:inkSource>
+      <inkml:timestamp xml:id="ts0" timeString="2016-08-21T12:37:40.492"/>
+    </inkml:context>
+    <inkml:brush xml:id="br0">
+      <inkml:brushProperty name="width" value="0.05" units="cm"/>
+      <inkml:brushProperty name="height" value="0.05" units="cm"/>
+      <inkml:brushProperty name="color" value="#ED1C24"/>
+      <inkml:brushProperty name="fitToCurve" value="1"/>
+    </inkml:brush>
+  </inkml:definitions>
+  <inkml:traceGroup>
+    <inkml:annotationXML>
+      <emma:emma xmlns:emma="http://www.w3.org/2003/04/emma" version="1.0">
+        <emma:interpretation id="{F21434F4-23F2-4814-A3D9-08EAD4C971F4}" emma:medium="tactile" emma:mode="ink">
+          <msink:context xmlns:msink="http://schemas.microsoft.com/ink/2010/main" type="inkDrawing" rotatedBoundingBox="10226,16580 10231,16596 10217,16601 10212,16585" shapeName="None"/>
+        </emma:interpretation>
+      </emma:emma>
+    </inkml:annotationXML>
+    <inkml:trace contextRef="#ctx0" brushRef="#br0">15 8 0,'0'0'0,"0"0"15,0 0-15,0 0 16,0 0-16,0 0 16,0 0-16,0 0 15,0 0-15,0 0 16,0 0-16,0 0 16,-5-16-16,5 16 0,0 0 15</inkml:trace>
+  </inkml:traceGroup>
+</inkml:ink>
+</file>
+
+<file path=ppt/ink/ink27.xml><?xml version="1.0" encoding="utf-8"?>
+<inkml:ink xmlns:inkml="http://www.w3.org/2003/InkML">
+  <inkml:definitions>
+    <inkml:context xml:id="ctx0">
+      <inkml:inkSource xml:id="inkSrc0">
+        <inkml:traceFormat>
+          <inkml:channel name="X" type="integer" max="9600" units="cm"/>
+          <inkml:channel name="Y" type="integer" max="7200" units="cm"/>
+          <inkml:channel name="F" type="integer" max="256" units="dev"/>
+          <inkml:channel name="T" type="integer" max="2.14748E9" units="dev"/>
+        </inkml:traceFormat>
+        <inkml:channelProperties>
+          <inkml:channelProperty channel="X" name="resolution" value="377.95276" units="1/cm"/>
+          <inkml:channelProperty channel="Y" name="resolution" value="425.28058" units="1/cm"/>
+          <inkml:channelProperty channel="F" name="resolution" value="0" units="1/dev"/>
+          <inkml:channelProperty channel="T" name="resolution" value="1" units="1/dev"/>
+        </inkml:channelProperties>
+      </inkml:inkSource>
+      <inkml:timestamp xml:id="ts0" timeString="2016-08-21T12:37:43.293"/>
+    </inkml:context>
+    <inkml:brush xml:id="br0">
+      <inkml:brushProperty name="width" value="0.05" units="cm"/>
+      <inkml:brushProperty name="height" value="0.05" units="cm"/>
+      <inkml:brushProperty name="color" value="#ED1C24"/>
+      <inkml:brushProperty name="fitToCurve" value="1"/>
+    </inkml:brush>
+  </inkml:definitions>
+  <inkml:traceGroup>
+    <inkml:annotationXML>
+      <emma:emma xmlns:emma="http://www.w3.org/2003/04/emma" version="1.0">
+        <emma:interpretation id="{5D86FE92-7F0E-4320-8CE6-EA92BC382FB7}" emma:medium="tactile" emma:mode="ink">
+          <msink:context xmlns:msink="http://schemas.microsoft.com/ink/2010/main" type="inkDrawing" rotatedBoundingBox="4720,11013 19255,12650 18851,16236 4316,14599" semanticType="callout" shapeName="None">
+            <msink:sourceLink direction="to" ref="{C4E5EAEB-D6A0-469E-9D3A-B473C727B735}"/>
+          </msink:context>
+        </emma:interpretation>
+      </emma:emma>
+    </inkml:annotationXML>
+    <inkml:trace contextRef="#ctx0" brushRef="#br0">270 98 25 0,'-18'-45'12'0,"14"16"5"0,4 21 13 15,0 0-23-15,0 4 1 16,0-4 1-16,0 8 0 16,0 4-12-16,0 8 0 15,0 25 12-15,0 7 0 16,-5 30-4-16,5 19 1 15,0 13-2-15,0 32 1 0,0 4-1 16,0 9 1-16,-5-1-5 16,1-16 1-16,-1-8-1 15,1-16 1-15,-1-21 0 16,1-12 0-16,-1-8 0 16,0-12 0-16,1-12-1 15,-1-8 1 1,1-17 0-16,-5-16 0 0,-1-12-1 15,-3-29 0-15,-1-20 0 16,0-28 0-16,5-21-1 16,0-28 1-16,4-16-1 15,10 8 0-15,4-9 0 16,5 5 1-16,0 16-1 16,-1 12 0-16,-4 25 0 0,1 24 1 15,-6 16 0-15,1 4 0 16,-1 8 0-16,1 17 0 15,-1 8 0-15,-4 16 0 16,0 24 0-16,0 21 0 16,0 20 0-16,0 24 1 15,0 13-1 1,5 16 0-16,-5 4 0 16,5 16 1-16,-5 8-1 15,4 8 0-15,-4 13 0 16,0-21 1-16,0-20-1 15,0 17 0-15,-4-21 0 16,-1-5 0-16,-4-7 0 16,-5-8 1-16,0 3-1 0,-4-7 0 0,-5 4 0 15,0-1 1-15,1-20-1 16,3 5 0-16,1-1 0 16,4-8 1-16,1-8-1 15,3 0 0-15,6-8 0 16,-1-4 1-16,5-4-1 15,0 0 0-15,0-12 0 0,0-5 0 16,-4-3 0-16,4-5 0 16,0-3 0-16,0-1 0 15,0-8 0-15,0 5 0 16,0-1 0-16,0 0 0 16,0 0 0-16,0-7 0 31,0-1 0-31,4-8 0 0,-4-4 0 15,5 8 0-15,-1 0 0 16,-4-8 0-16,5 8-1 16,0 0 1-16,-1 1 0 15,1-5 0-15,-1-4 0 16,1 4 0-16,-1 0 0 16,6-4 0-16,-1 0 0 0,-5 0 0 0,1-8 0 15,-5 8 0-15,0 0 0 16,0 0 0-16,0 0 0 15,0 0 0-15,0 0 0 16,0 0 1-16,4-8-1 16,6-1 0-16,-1 1 0 31,0 0 1-31,0-4 0 0,5 4 0 16,-5 0 3-16,5 0 0 15,-1-1 0-15,6 5 0 16,-1 4 0-16,5-12 0 15,0 4-1-15,-1 0 1 16,6 4-4-16,-5-4 0 16,4 4 0-16,-4 4 1 0,0 0-1 15,0 8 1-15,0-4 0 16,4 4 0-16,-4-4-1 16,0 0 1-16,4-4-1 15,10-4 1-15,8 8-1 16,6-4 1-16,4 0-1 15,-5 0 1 1,5 4-1-16,0 8 0 0,-5 1 0 16,0 3 0-16,-4 0 0 15,4-4 1-15,-4 0-1 16,-5-3 0-16,0-1 0 16,0-4 0-16,5-4 0 15,4 0 0-15,1 4 0 16,4 0 0-16,-5 0 0 0,5 0 1 15,-5 4-1-15,5 0 0 16,0 0 0-16,4-4 1 16,-9 1-2-16,5-5 1 15,5 4 0-15,4-4 0 16,4 4 0-16,1 0 0 16,0 0 0-16,4 4 0 15,18 0 0 1,-4 0 1-16,-5-4-1 15,5 0 0-15,0 0 0 16,0 0 0-16,-5-4 0 16,5 5 0-16,-5-5 0 15,-9 0 0 1,1-5 0-16,3 1 0 0,6 0 0 16,-1 4 0-16,-4 0 0 15,-5 0 0-15,5 4 0 16,4 0 0-16,-9 1 0 15,-4-1 0-15,4-4 0 16,0 0 0-16,5 0 0 16,4 0 0-16,-9 0 0 0,5 0 0 15,0 0 0-15,4 0 0 16,-9-4 0-16,5-1 0 16,-1-3 0-16,15 0 0 15,-5 0 0-15,9 0 0 16,-9 4 0-16,4-4 0 15,-9 0 0 1,-4-1 0-16,9 5 0 16,0 0 0-16,0 0 0 15,4 0 1-15,1 4-1 16,-6-4 0-16,-3 4 0 16,-1 0 0-16,0 0 0 15,5-4 1-15,5 4-1 16,-10 0 0-16,0 4 0 0,0-4 0 0,1 4-1 15,-10-4 1-15,5 0 0 16,4-4 0-16,9-4 0 16,-4 4 0-16,-4 4 0 15,3 0 0-15,-3 0 0 16,-1 0 0-16,0 0 0 16,5 0 0-16,5 0 0 0,-1 0 0 15,-4 0 0-15,4-4 0 16,-4 0 0-16,0 8 0 15,0-4 0-15,9 4 1 16,0-4-1-16,-5 4 0 16,-4-4 0-16,-4 0 0 15,3 0 0 1,-3 0 0-16,-1 0 0 16,14 0 0-16,0-4 0 15,0 8 0-15,-4-12 0 16,-6 8 0-16,1 0 0 15,-4 4 0-15,3-8 0 16,-3 4 0 0,45-4-1-16,-9 4 1 15,-14 0-1-15,-9-4 1 0,-5 8-1 16,-13 0 1-16,0-4 0 16,4 0 0-16,0 4-1 15,5-4 1-15,-5 8 0 16,5 0 1-16,9 0-1 31,-13 0 0-31,3 5 0 0,10-5 0 16,1 0 0-16,-1 0 1 15,4 0-1-15,10-4 0 16,-19 0 0-16,1 0 0 16,8-4 0-16,1 0 0 15,-5 0 0-15,-9 0 0 16,4 4 0-16,-4-4 1 0,-9 0-1 15,-5-4 0-15,-4 0 0 16,-1 0 1-16,1 4-1 16,-1 0 0-16,1-4 0 15,-10 4 0-15,-4 0 0 16,-9 0 0-16,-5 0 0 16,5 0 1-16,-1 0-1 0,6 0 0 15,8 0 0 1,-4 0 0-16,0 0 0 15,4-4 0-15,1 4 0 16,8 0 0-16,-4 0 0 16,-9-4 0-16,9 0 0 31,5 0 0-31,-1 0 0 16,-13-4 0-16,0 0 0 0,-5-1 0 15,1 9 0-15,-1-8 0 16,5 8 0-16,-5-4 0 15,0 4 0-15,1-4 0 16,-6 4 0-16,-3-4 0 16,-6 4 0-16,-8 0 0 0,-6 0 0 15,-3 4 0-15,-6 0-2 16,-3 0 1-16,-1 0-6 16,-5 0 0-16,-4 1-11 15,-9 7 0-15,-18-4-6 16,-10-8 0-16</inkml:trace>
+  </inkml:traceGroup>
+</inkml:ink>
+</file>
+
+<file path=ppt/ink/ink28.xml><?xml version="1.0" encoding="utf-8"?>
+<inkml:ink xmlns:inkml="http://www.w3.org/2003/InkML">
+  <inkml:definitions>
+    <inkml:context xml:id="ctx0">
+      <inkml:inkSource xml:id="inkSrc0">
+        <inkml:traceFormat>
+          <inkml:channel name="X" type="integer" max="9600" units="cm"/>
+          <inkml:channel name="Y" type="integer" max="7200" units="cm"/>
+          <inkml:channel name="F" type="integer" max="256" units="dev"/>
+          <inkml:channel name="T" type="integer" max="2.14748E9" units="dev"/>
+        </inkml:traceFormat>
+        <inkml:channelProperties>
+          <inkml:channelProperty channel="X" name="resolution" value="377.95276" units="1/cm"/>
+          <inkml:channelProperty channel="Y" name="resolution" value="425.28058" units="1/cm"/>
+          <inkml:channelProperty channel="F" name="resolution" value="0" units="1/dev"/>
+          <inkml:channelProperty channel="T" name="resolution" value="1" units="1/dev"/>
+        </inkml:channelProperties>
+      </inkml:inkSource>
+      <inkml:timestamp xml:id="ts0" timeString="2016-08-21T12:37:45.610"/>
+    </inkml:context>
+    <inkml:brush xml:id="br0">
+      <inkml:brushProperty name="width" value="0.05" units="cm"/>
+      <inkml:brushProperty name="height" value="0.05" units="cm"/>
+      <inkml:brushProperty name="color" value="#ED1C24"/>
+      <inkml:brushProperty name="fitToCurve" value="1"/>
+    </inkml:brush>
+  </inkml:definitions>
+  <inkml:traceGroup>
+    <inkml:annotationXML>
+      <emma:emma xmlns:emma="http://www.w3.org/2003/04/emma" version="1.0">
+        <emma:interpretation id="{C4E5EAEB-D6A0-469E-9D3A-B473C727B735}" emma:medium="tactile" emma:mode="ink">
+          <msink:context xmlns:msink="http://schemas.microsoft.com/ink/2010/main" type="inkDrawing" rotatedBoundingBox="4726,10947 19521,11004 19520,11219 4725,11162" shapeName="None">
+            <msink:destinationLink direction="to" ref="{5D86FE92-7F0E-4320-8CE6-EA92BC382FB7}"/>
+          </msink:context>
+        </emma:interpretation>
+      </emma:emma>
+    </inkml:annotationXML>
+    <inkml:trace contextRef="#ctx0" brushRef="#br0">206 199 21 0,'9'-4'10'0,"-4"-8"-7"0,-1 4 10 16,-4 0-12-16,0-1 0 15,0 1 5-15,5 0 0 16,-5 0-7-16,9 0 1 16,-5-4 4-16,-4 4 1 15,0 0-1-15,-4-1 1 0,-10 1-3 16,0 8 1-16,-4 0-1 15,-14 0 1-15,5 0-1 16,-1 0 0-16,5 0 0 16,0 8 0-16,5-4 0 15,4 1 1-15,1-1-1 0,4 0 1 32,4-4 0-32,5 0 0 0,5 4 0 15,4 0 0-15,9 0 0 16,9 0 0-16,6 0-1 15,12 0 0-15,1-8-1 16,9-4 0-16,0 0 0 16,9 0 0-16,9-1 1 15,-5 9 1-15,10 0-1 0,0 0 1 16,4-4 0-16,-9 4 0 16,10-8-1-16,-1 4 0 15,0 8-1-15,0-4 0 0,1-4 0 16,-1 4 0-16,0 0 0 15,1 0 0-15,-6 4-1 32,-17-4 1-32,18-4 0 15,-5 4 0-15,0 0-1 16,-5 0 1-16,-4 0-1 16,-4 0 1-16,4 4-1 0,0-4 1 15,4 0-1-15,-8-4 1 16,4 8-1-16,5-8 1 15,4 4-1-15,0 0 1 0,-5 0-1 16,-4 0 1-16,5 0-1 16,0 4 1-16,8 4 0 15,-8-8 0-15,4-8-1 16,9 8 1-16,5 0-1 16,-5 0 1-16,1-4-1 15,4 4 0-15,-5-4 0 0,-4-4 0 16,-5 4 0-16,5 4 1 15,4-8-1-15,0 4 1 16,0-4-1-16,5 4 1 0,0-5-1 16,5 1 1-1,-6 0-1-15,1 8 0 0,0-4 0 32,5 4 1-32,-5 0-1 15,-1 4 0-15,-3-4 0 16,-1 0 0-16,-4-4 0 15,-5 4 0-15,0-4 0 16,5 4 0-16,-1 0 0 0,6 4 0 16,-10 0 0-16,0 4 0 15,5-4 0-15,-1 0 0 0,-3-4 0 16,-1 0 1-16,9 0-1 16,5 0 0-16,0 0 0 15,0 0 0-15,0 4 0 16,4-4 0-16,-4 0 2 15,0 0 0-15,9 0-2 16,9 0 1 0,-9 0-1-16,9-4 0 15,0 4 0-15,0 4 0 16,10-4-2-16,8 0 1 16,-9 5 1-16,10-1 0 0,-5-4 0 15,0 4 0-15,13 0 0 16,-4 4 0-16,-9-4 0 15,0 0 0-15,-9 0 0 16,-1-8 0-16,6 8 0 16,-6-4 1-16,-3 0-1 15,-10 4 0-15,0 0 0 0,-5-4 0 16,-9 0 0-16,1 0 0 16,-6 0-1-16,6 0 1 15,-1 0 0-15,0 0 1 0,-9 4-2 16,5 4 1-16,0-8 0 15,4 0 1-15,-9-8-1 16,5 8 0-16,9 0 0 16,0 0 0-16,-5 8 0 15,0-4 0-15,5 1 0 32,5-5 0-32,-15 0 1 0,-3 0 0 15,3 0-1-15,1 0 0 16,0 4 0-16,-1-4 1 15,-3 4-1-15,3 0 0 0,1-4-1 16,-5 0 1-16,-4 0 0 16,-5-4 0-16,0 0-1 15,4 4 0-15,6 0 1 16,-1 0 0-16,-5 4 0 16,-4 0 0-16,5 0 0 15,9 0 0-15,-10-4 0 0,1 0 0 16,4 0 0-16,5 0 0 15,4 0 0-15,0 0 0 16,-9 4 0 0,5-4 0-16,4 0 0 15,-4-4 0-15,4 0 0 16,5 4 0-16,0 0 0 16,5 0 0-16,-15 4 0 15,1 0 0-15,0 0 0 16,-1-4 0-16,-8 0 0 15,0 0 0-15,-1 0 0 0,1 0 0 16,4 0 0-16,-9 0 0 16,-5 4 1-16,-4 0 0 15,-4 0-1-15,-15 0 0 0,1 4-1 16,-1 0 1-16,-4 1 0 16,5-1 0-16,-1 4-1 15,6-4 1-15,-6 0 0 16,1 0 0-16,8-4 0 15,1 0 0-15,4 0 0 16,1 1 1-16,-6 3-4 16,-8-4 1-16,-14 0-12 0,-14 0 0 15,-18 0-7-15,-5-12 1 32</inkml:trace>
+  </inkml:traceGroup>
+</inkml:ink>
+</file>
+
+<file path=ppt/ink/ink29.xml><?xml version="1.0" encoding="utf-8"?>
+<inkml:ink xmlns:inkml="http://www.w3.org/2003/InkML">
+  <inkml:definitions>
+    <inkml:context xml:id="ctx0">
+      <inkml:inkSource xml:id="inkSrc0">
+        <inkml:traceFormat>
+          <inkml:channel name="X" type="integer" max="9600" units="cm"/>
+          <inkml:channel name="Y" type="integer" max="7200" units="cm"/>
+          <inkml:channel name="F" type="integer" max="256" units="dev"/>
+          <inkml:channel name="T" type="integer" max="2.14748E9" units="dev"/>
+        </inkml:traceFormat>
+        <inkml:channelProperties>
+          <inkml:channelProperty channel="X" name="resolution" value="377.95276" units="1/cm"/>
+          <inkml:channelProperty channel="Y" name="resolution" value="425.28058" units="1/cm"/>
+          <inkml:channelProperty channel="F" name="resolution" value="0" units="1/dev"/>
+          <inkml:channelProperty channel="T" name="resolution" value="1" units="1/dev"/>
+        </inkml:channelProperties>
+      </inkml:inkSource>
+      <inkml:timestamp xml:id="ts0" timeString="2016-08-21T12:40:01.396"/>
+    </inkml:context>
+    <inkml:brush xml:id="br0">
+      <inkml:brushProperty name="width" value="0.05" units="cm"/>
+      <inkml:brushProperty name="height" value="0.05" units="cm"/>
+      <inkml:brushProperty name="color" value="#ED1C24"/>
+      <inkml:brushProperty name="fitToCurve" value="1"/>
+    </inkml:brush>
+  </inkml:definitions>
+  <inkml:trace contextRef="#ctx0" brushRef="#br0">5703 280 41 0,'-42'-53'20'0,"10"-4"-5"0,23 37 21 15,0-5-32-15,0 1 0 0,4 8 3 16,-4 8 0-16,5 8-8 31,4 12 0-31,18 37 6 16,14 20 1-16,23 28-2 0,18 29 0 15,9 29-2-15,10 19 0 16,-1 21-4-16,5-20 0 16,5-16 0-16,-5-42 0 15,-14-23 0-15,-9-25 1 16,-18-16 0-16,-14-21 0 0,-13-19 3 16,-19-34 0-16,-23-19-2 15,-27-25 0-15,-18-33-2 16,-24-32 0-16,-13-37-1 15,-13-15 0-15,-1-10 1 16,9 10 0-16,19 23 2 16,18 45 0-1,14 33 2-15,13 40 0 16,10 29 1-16,8 28 0 0,19 33-1 16,23 28 0-16,23 33-1 15,9 24 1-15,27 17-2 16,10 3 0-16,-1 13 0 15,-4-25 1-15,-5-8-1 16,-18-24 1-16,-14-25 0 0,-13-16 1 16,-19-24-1-16,-18-25 1 15,-18-28-2-15,-9-28 0 16,-24-38-1-16,-17-39 1 16,-24-46-2-16,-13-32 1 15,0-12-1-15,14 28 1 16,22 25 1-1,19 32 1 17,50 110 0-32,18 24 0 15,23 37 0-15,19 36 0 16,22 13 1-16,0 4-1 16,0-5 0-16,-4 5 1 15,-9-17 0-15,-19-12 0 0,-18-12 0 0,-14-16 0 16,-9-16 1-16,-13-25-2 15,-14-20 0-15,-10-37-3 16,-18-24 1-16,-18-33-2 16,5-24 0-16,4-4-2 15,5 20 1-15,13 25-2 16,10 24 0-16,9 24-4 0,4 21 1 16,9 32-8-16,5 20 1 15,-4 9-1-15,22 16 0 16</inkml:trace>
+  <inkml:trace contextRef="#ctx0" brushRef="#br0" timeOffset="1">5529 1560 44 0,'-32'-12'22'0,"64"-21"-17"0,-18 17 43 0,8-17-44 16,24-15 1-16,18-21 4 15,14-21 1-15,27-11-12 31,9-21 1-31,14-29 6 0,10-3 1 16,3 3-3-16,1 9 1 16,-23 20-3-16,-19 21 0 15,-17 24-1-15,-24 20 1 16,-18 32-1-16,-27 29 0 16,-37 25-1-16,-32 36 0 15,-36 40-1-15,-23 38 1 0,-33 27-1 16,-8 17 1-16,-14 12 1 15,18-24 1-15,23-12 1 16,13-37 1-16,19-25 1 16,23-32 0-16,14-16 1 15,36-28 0-15,28-46-2 16,27-44 0-16,41-40-1 0,18-38 0 0,33-39-2 16,4-5 1-16,13-4-2 15,-3 28 1-15,-24 21-1 16,-27 36 1-16,-23 29-2 15,-28 36 1-15,-31 33 0 16,-42 32 0-16,-22 54 0 31,-33 36 0-31,-4 20 2 0,-4-4 0 16,8 0 1-16,6-4 1 16,8-17-1-16,14-15 1 15,18-25-1-15,19-12 1 16,22-41-3-16,28-28 0 15,18-37-3-15,14-32 1 16,18-25-6-16,-4-20 0 0,-5-12-8 16,4 0 0-16,10 24-9 15,-9 13 0-15</inkml:trace>
+</inkml:ink>
+</file>
+
+<file path=ppt/ink/ink3.xml><?xml version="1.0" encoding="utf-8"?>
+<inkml:ink xmlns:inkml="http://www.w3.org/2003/InkML">
+  <inkml:definitions>
+    <inkml:context xml:id="ctx0">
+      <inkml:inkSource xml:id="inkSrc0">
+        <inkml:traceFormat>
+          <inkml:channel name="X" type="integer" max="9600" units="cm"/>
+          <inkml:channel name="Y" type="integer" max="7200" units="cm"/>
+          <inkml:channel name="F" type="integer" max="256" units="dev"/>
+          <inkml:channel name="T" type="integer" max="2.14748E9" units="dev"/>
+        </inkml:traceFormat>
+        <inkml:channelProperties>
+          <inkml:channelProperty channel="X" name="resolution" value="377.95276" units="1/cm"/>
+          <inkml:channelProperty channel="Y" name="resolution" value="425.28058" units="1/cm"/>
+          <inkml:channelProperty channel="F" name="resolution" value="0" units="1/dev"/>
+          <inkml:channelProperty channel="T" name="resolution" value="1" units="1/dev"/>
+        </inkml:channelProperties>
+      </inkml:inkSource>
+      <inkml:timestamp xml:id="ts0" timeString="2016-08-22T10:58:39.616"/>
+    </inkml:context>
+    <inkml:brush xml:id="br0">
+      <inkml:brushProperty name="width" value="0.05" units="cm"/>
+      <inkml:brushProperty name="height" value="0.05" units="cm"/>
+      <inkml:brushProperty name="color" value="#ED1C24"/>
+      <inkml:brushProperty name="fitToCurve" value="1"/>
+    </inkml:brush>
+  </inkml:definitions>
+  <inkml:traceGroup>
+    <inkml:annotationXML>
+      <emma:emma xmlns:emma="http://www.w3.org/2003/04/emma" version="1.0">
+        <emma:interpretation id="{4DC23801-F43F-408E-B5FE-3F2A208AFF71}" emma:medium="tactile" emma:mode="ink">
+          <msink:context xmlns:msink="http://schemas.microsoft.com/ink/2010/main" type="inkDrawing" rotatedBoundingBox="18389,8440 19231,6992 19300,7032 18458,8480" semanticType="callout" shapeName="Other">
+            <msink:sourceLink direction="with" ref="{02228860-67EB-4C99-BD70-78154B12D0C8}"/>
+            <msink:sourceLink direction="with" ref="{8E233F10-9849-4021-BC1C-4353DBA3B1A6}"/>
+          </msink:context>
+        </emma:interpretation>
+      </emma:emma>
+    </inkml:annotationXML>
+    <inkml:trace contextRef="#ctx0" brushRef="#br0">2920 187 17 0,'-12'11'8'0,"12"-27"4"0,0 16 8 16,0 0-15-16,0 0 1 15,0 0 3-15,0 0 0 16,-6-5-9-16,6-5 0 15,6-6 8-15,6-10 0 16,11-16-1-16,7-16 0 16,11-15-1-16,12-11 1 15,12-10-2-15,5-16 1 16,1 10-2-16,-12 1 1 16,0 4-1-16,-12 12 1 15,-6 4-3-15,-5 11 1 0,-13 10-2 16,-5 6 0-16,5 10 0 15,-11 6 0-15,0 4-5 16,6-5 1-16,-1 11-6 16,7-5 1-16,5 10-10 15,1 0 0-15,5 5-3 16,-11 16 1-16</inkml:trace>
+  </inkml:traceGroup>
+</inkml:ink>
+</file>
+
+<file path=ppt/ink/ink30.xml><?xml version="1.0" encoding="utf-8"?>
 <inkml:ink xmlns:inkml="http://www.w3.org/2003/InkML">
   <inkml:definitions>
     <inkml:context xml:id="ctx0">
@@ -204,7 +1264,7 @@
 </inkml:ink>
 </file>
 
-<file path=ppt/ink/ink11.xml><?xml version="1.0" encoding="utf-8"?>
+<file path=ppt/ink/ink31.xml><?xml version="1.0" encoding="utf-8"?>
 <inkml:ink xmlns:inkml="http://www.w3.org/2003/InkML">
   <inkml:definitions>
     <inkml:context xml:id="ctx0">
@@ -235,7 +1295,7 @@
 </inkml:ink>
 </file>
 
-<file path=ppt/ink/ink12.xml><?xml version="1.0" encoding="utf-8"?>
+<file path=ppt/ink/ink32.xml><?xml version="1.0" encoding="utf-8"?>
 <inkml:ink xmlns:inkml="http://www.w3.org/2003/InkML">
   <inkml:definitions>
     <inkml:context xml:id="ctx0">
@@ -266,7 +1326,7 @@
 </inkml:ink>
 </file>
 
-<file path=ppt/ink/ink13.xml><?xml version="1.0" encoding="utf-8"?>
+<file path=ppt/ink/ink33.xml><?xml version="1.0" encoding="utf-8"?>
 <inkml:ink xmlns:inkml="http://www.w3.org/2003/InkML">
   <inkml:definitions>
     <inkml:context xml:id="ctx0">
@@ -303,7 +1363,7 @@
 </inkml:ink>
 </file>
 
-<file path=ppt/ink/ink14.xml><?xml version="1.0" encoding="utf-8"?>
+<file path=ppt/ink/ink34.xml><?xml version="1.0" encoding="utf-8"?>
 <inkml:ink xmlns:inkml="http://www.w3.org/2003/InkML">
   <inkml:definitions>
     <inkml:context xml:id="ctx0">
@@ -343,7 +1403,7 @@
 </inkml:ink>
 </file>
 
-<file path=ppt/ink/ink15.xml><?xml version="1.0" encoding="utf-8"?>
+<file path=ppt/ink/ink35.xml><?xml version="1.0" encoding="utf-8"?>
 <inkml:ink xmlns:inkml="http://www.w3.org/2003/InkML">
   <inkml:definitions>
     <inkml:context xml:id="ctx0">
@@ -381,7 +1441,7 @@
 </inkml:ink>
 </file>
 
-<file path=ppt/ink/ink16.xml><?xml version="1.0" encoding="utf-8"?>
+<file path=ppt/ink/ink36.xml><?xml version="1.0" encoding="utf-8"?>
 <inkml:ink xmlns:inkml="http://www.w3.org/2003/InkML">
   <inkml:definitions>
     <inkml:context xml:id="ctx0">
@@ -448,7 +1508,7 @@
 </inkml:ink>
 </file>
 
-<file path=ppt/ink/ink17.xml><?xml version="1.0" encoding="utf-8"?>
+<file path=ppt/ink/ink37.xml><?xml version="1.0" encoding="utf-8"?>
 <inkml:ink xmlns:inkml="http://www.w3.org/2003/InkML">
   <inkml:definitions>
     <inkml:context xml:id="ctx0">
@@ -479,7 +1539,7 @@
 </inkml:ink>
 </file>
 
-<file path=ppt/ink/ink18.xml><?xml version="1.0" encoding="utf-8"?>
+<file path=ppt/ink/ink38.xml><?xml version="1.0" encoding="utf-8"?>
 <inkml:ink xmlns:inkml="http://www.w3.org/2003/InkML">
   <inkml:definitions>
     <inkml:context xml:id="ctx0">
@@ -519,7 +1579,7 @@
 </inkml:ink>
 </file>
 
-<file path=ppt/ink/ink19.xml><?xml version="1.0" encoding="utf-8"?>
+<file path=ppt/ink/ink39.xml><?xml version="1.0" encoding="utf-8"?>
 <inkml:ink xmlns:inkml="http://www.w3.org/2003/InkML">
   <inkml:definitions>
     <inkml:context xml:id="ctx0">
@@ -557,7 +1617,7 @@
 </inkml:ink>
 </file>
 
-<file path=ppt/ink/ink2.xml><?xml version="1.0" encoding="utf-8"?>
+<file path=ppt/ink/ink4.xml><?xml version="1.0" encoding="utf-8"?>
 <inkml:ink xmlns:inkml="http://www.w3.org/2003/InkML">
   <inkml:definitions>
     <inkml:context xml:id="ctx0">
@@ -575,7 +1635,7 @@
           <inkml:channelProperty channel="T" name="resolution" value="1" units="1/dev"/>
         </inkml:channelProperties>
       </inkml:inkSource>
-      <inkml:timestamp xml:id="ts0" timeString="2016-08-21T12:50:11.580"/>
+      <inkml:timestamp xml:id="ts0" timeString="2016-08-22T10:59:02.392"/>
     </inkml:context>
     <inkml:brush xml:id="br0">
       <inkml:brushProperty name="width" value="0.05" units="cm"/>
@@ -587,20 +1647,58 @@
   <inkml:traceGroup>
     <inkml:annotationXML>
       <emma:emma xmlns:emma="http://www.w3.org/2003/04/emma" version="1.0">
-        <emma:interpretation id="{2095B460-6416-4932-A84C-951DCD82C4C6}" emma:medium="tactile" emma:mode="ink">
-          <msink:context xmlns:msink="http://schemas.microsoft.com/ink/2010/main" type="inkDrawing" rotatedBoundingBox="9524,7238 21263,3855 21926,6158 10187,9540" semanticType="callout" shapeName="Other">
-            <msink:sourceLink direction="from" ref="{E6F5DA82-573B-4A9C-AD44-470EB7FA0A09}"/>
-            <msink:sourceLink direction="to" ref="{E0DBBF5A-C035-4260-BB33-E09E10CCD0BD}"/>
-          </msink:context>
+        <emma:interpretation id="{6982149F-D03E-45A0-8965-431EBADDBA45}" emma:medium="tactile" emma:mode="ink">
+          <msink:context xmlns:msink="http://schemas.microsoft.com/ink/2010/main" type="writingRegion" rotatedBoundingBox="20756,7698 29677,10399 29101,12301 20180,9600"/>
         </emma:interpretation>
       </emma:emma>
     </inkml:annotationXML>
-    <inkml:trace contextRef="#ctx0" brushRef="#br0">43 4596 37 0,'-32'14'18'0,"21"-28"-17"0,11 9 19 0,0-4-20 16,0-10 1-16,0 5 0 15,0-5 0-15,0-4-1 16,6-6 1-16,-1-4 1 15,-5-4 1-15,5-15 1 16,6 0 0-16,-1-4 0 0,6-10 0 16,5-9 0-16,11 9 0 15,0-5-1-15,10-4 0 16,1-5-2-16,4-9 1 31,6-19-2-31,-5 4 0 0,10-4 0 16,5 9 1-16,12-4 0 15,4 4 0-15,11 0 0 16,5 5 1-16,11-9 0 0,-11 8 0 16,6 1-1-16,15-4 1 15,6 13-1-15,10 0 0 16,11-13-1-16,-5 8 0 0,-1-4 0 16,11 0 1-16,-10 9 0 15,15-4 1-15,-15 4-1 16,10 5 1-16,11 0-1 15,0 0 1-15,10-4-1 16,0 4 1-16,11 0-2 31,5 0 0-31,-5 5 0 0,0 4 1 16,-10 0 0-16,10 6 0 16,-6 3-1-16,17 6 1 15,-11 4 0-15,15 10 0 0,6 0-1 16,11-1 0-16,-16-4-1 15,5 10 1-15,-5 8 0 16,-6 6 0-16,-5-1 0 16,1 1 0-16,4 4 0 15,-15 5 0-15,5-5 0 16,0 5 0-16,0 0 0 16,5 0 0-16,-11 14 0 0,1 0 0 15,-11 0-1-15,0 0 1 16,-5 0-1-1,-6 4 1-15,1 1 0 16,-6 0 0-16,-5 0 0 16,-6 9 0-16,1 0 0 15,-11 9 1-15,-11-4-1 16,-10 5 0-16,5-1 0 16,-15-4 0-16,-17-10-1 15,-5 6 1-15,-10-11 0 0,-6 1 0 16,0 0 0-16,-5-1 0 15,-5 1 0-15,-1 0 0 16,-5-1-1-16,-4 1 1 16,-1 0-2-16,-11 0 1 0,-5-5-1 15,-5 4 1-15,-5-4 0 16,-11 0 0-16,0 0 1 16,0 0 0-16,5-4 0 15,6-6 0-15,-1 10 0 16,1 0 0-16,-1 0 0 15,1 0 0-15,5 0-1 0,0 0 0 16,-6 0 0-16,6 0 1 31,0 5 0-31,0-5 0 0,0 0 0 16,0 0 0-16,-6 0 0 16,1 0 0-16,-6 0 0 15,6 0 0-15,-6 5 1 16,-5-5 0-16,0 0 0 15,0 0 0-15,0-10 0 16,-5 1 0-16,-6-10-1 0,-5-9 1 16,-5-10-1-16,-11 0 0 15,-15 1 0-15,-1-1 0 16,0 1 0-16,1-1 0 16,-6 5-1-16,10-5 1 0,6 5-1 15,0-4 0-15,6 13 0 31,-1 1 0-31,5-1 0 16,6 15 0-16,5-1 0 16,11 20 1-16,10 9 0 15,11 9 0-15,5 5-1 16,16 9 1-16,22-4 0 16,15 4 0-16,10 15-1 0,6-6 1 15,11-4-1-15,-6 5 1 0,11 5 0 16,5-6 0-16,-5 6 0 15,-11-15 1-15,-10-4-1 16,-16-10 0-16,-16 0 0 16,-22-9 1-16,-20-10-1 15,-27-4 0-15,-32 0 1 16,-15-5 1-16,-6 0-1 0,-21 0 1 16,0 0-2-16,-10 4 0 15,-22 1-2-15,0 9 0 16,1 10-5-16,4 4 0 15,6 10-8-15,10 4 0 0,12 5-2 16,46-9 0-16</inkml:trace>
+    <inkml:traceGroup>
+      <inkml:annotationXML>
+        <emma:emma xmlns:emma="http://www.w3.org/2003/04/emma" version="1.0">
+          <emma:interpretation id="{2B73FD0A-751B-4F2D-9003-45355A7323C3}" emma:medium="tactile" emma:mode="ink">
+            <msink:context xmlns:msink="http://schemas.microsoft.com/ink/2010/main" type="paragraph" rotatedBoundingBox="20756,7698 29677,10399 29101,12301 20180,9600" alignmentLevel="1"/>
+          </emma:interpretation>
+        </emma:emma>
+      </inkml:annotationXML>
+      <inkml:traceGroup>
+        <inkml:annotationXML>
+          <emma:emma xmlns:emma="http://www.w3.org/2003/04/emma" version="1.0">
+            <emma:interpretation id="{2A5174FC-D977-4DA4-B19E-1052C490801C}" emma:medium="tactile" emma:mode="ink">
+              <msink:context xmlns:msink="http://schemas.microsoft.com/ink/2010/main" type="line" rotatedBoundingBox="20756,7698 29677,10399 29101,12301 20180,9600"/>
+            </emma:interpretation>
+          </emma:emma>
+        </inkml:annotationXML>
+        <inkml:traceGroup>
+          <inkml:annotationXML>
+            <emma:emma xmlns:emma="http://www.w3.org/2003/04/emma" version="1.0">
+              <emma:interpretation id="{1BBC1048-03AB-45A2-9A92-6C0B02414AF9}" emma:medium="tactile" emma:mode="ink">
+                <msink:context xmlns:msink="http://schemas.microsoft.com/ink/2010/main" type="inkWord" rotatedBoundingBox="20756,7698 26064,9305 25497,11178 20189,9571"/>
+              </emma:interpretation>
+            </emma:emma>
+          </inkml:annotationXML>
+          <inkml:trace contextRef="#ctx0" brushRef="#br0">2296 299 36 0,'6'0'18'0,"6"-5"-15"0,-12 0 19 0,-12-11-22 15,-5-5 0-15,-7-5 3 16,-5 0 1-16,-7 0-1 16,-5-6 0-16,-18 1 3 15,-12 5 0-15,-11-6 0 16,-6 6 1-16,-7 5-2 16,-5 16 1-16,0 5-2 15,-6 16 0-15,-12 4-2 16,-17 12 1-16,11 15-1 15,-6 16 1-15,-5 5 0 16,-1 10 0-16,12 6-1 16,1-5 1-16,11 5-1 15,12 5 1-15,17-11-1 16,18-15 0-16,18 0-2 16,24 5 1-16,23 0-2 15,23 0 1-15,18-15 0 16,18 15 0-16,24 0 0 0,11-5 1 15,12-6-1-15,30-4 1 16,-1-6 0-16,18 0 0 16,6-11 0-16,-5-4 0 15,5-6 0-15,12 5 0 16,-12-15 0-16,6-5 0 16,-12-6 1-16,-6-5 0 15,12-11 0-15,-6 1 0 16,-11-11-1-16,-1 0 1 0,1-5-1 15,-19-11 1-15,1 6-2 16,-12-6 1-16,0-10-1 16,-6-5 0-16,-12-11 0 15,-5 0 1-15,-13 0-1 16,-5-15 1-16,-12 4-1 16,-6 1 1-16,-18 0-1 15,-17-16 1-15,-24 5-1 16,-23-11 1-16,-36 6-1 15,-18 0 1-15,-11 16-2 16,-24 15 1-16,-6-4 0 16,-23 9 0-16,-12 6-4 15,-12 10 0-15,-11 6-7 16,-7 31 0-16,-5 11-13 16,-1 25 1-16,7 27-1 15,29 16 1-15</inkml:trace>
+          <inkml:trace contextRef="#ctx0" brushRef="#br0" timeOffset="870.4927">3428 1373 36 0,'-18'-47'18'0,"6"21"-10"16,6 20 19-16,6 6-26 16,-6 0 1-16,6 6 3 15,0 4 1-15,6 16-6 16,12 6 1-16,23 15 5 16,24 5 1-16,18 11 0 15,23 5 1-15,29 11-1 16,1-16 0-16,29 5-1 15,0 0 1-15,0 5-3 0,-1-5 1 16,-22-10-2-16,-18-11 0 16,-12 5-3-16,-12-15 1 15,-18-11-8-15,-17-5 1 16,-18-16-16-16,-12 0 1 16,-11 11-1-16,-12 5 1 15</inkml:trace>
+        </inkml:traceGroup>
+        <inkml:traceGroup>
+          <inkml:annotationXML>
+            <emma:emma xmlns:emma="http://www.w3.org/2003/04/emma" version="1.0">
+              <emma:interpretation id="{26508B1B-B8C2-4DCE-A5CB-1C1AFBF17174}" emma:medium="tactile" emma:mode="ink">
+                <msink:context xmlns:msink="http://schemas.microsoft.com/ink/2010/main" type="inkWord" rotatedBoundingBox="26328,9789 29564,10769 29101,12301 25864,11321"/>
+              </emma:interpretation>
+            </emma:emma>
+          </inkml:annotationXML>
+          <inkml:trace contextRef="#ctx0" brushRef="#br0" timeOffset="1681.8751">5784 2357 31 0,'6'-26'15'0,"-6"-5"-7"15,0 31 22-15,12-11-27 16,6 1 0-16,5-6 4 15,7 1 1-15,5-1-9 16,12 0 1-16,-6 6 5 16,12 4 0-16,6 12-1 15,0 4 0-15,-6 6-3 16,-6 0 1-16,-11 20-2 16,-13 1 1-16,-5 10-1 15,-18 5 1-15,-18 1-1 16,1 10 0-16,-13 5 0 15,-5 5 1-15,5-10-1 16,-11 0 1-16,-6-1-1 0,6-4 0 16,11-6 0-16,7-10 1 15,11 0 1-15,18-16 1 16,12 1 0-16,-1-12 0 16,7 6 0-16,11-10 1 15,18-11-2-15,12 0 0 16,0-5-6-16,11-1 0 15,-5-9-10-15,-6 4 0 16,6-5-6-16,-1 1 1 0</inkml:trace>
+          <inkml:trace contextRef="#ctx0" brushRef="#br0" timeOffset="2162.0851">6880 2515 36 0,'-12'-21'18'0,"1"15"-18"15,5 12 26-15,-6 4-24 16,0 1 1-16,-5 10 1 15,-1 5 1-15,0 10-5 0,1 22 0 16,-1-6 4-16,6 16 1 16,6 6-1-16,6-6 1 15,6 0-1-15,18-10 0 16,11-11-2-16,18-16 1 16,-6-10-1-16,12-10 0 15,6-22-2-15,6-26 1 16,-7-10 0-16,7-5 0 15,-18-16-1-15,-18 0 1 16,-17-11-1-16,-12-10 0 16,-18 0 0-16,-11 16 1 0,-13 5-1 15,-5 10 1-15,6 16-1 16,-18 11 0-16,-6 15-2 16,0 6 1-16,0 20-6 15,6 11 0-15,6 10-9 16,6 6 1-16,17 15-2 15,24 1 1-15</inkml:trace>
+          <inkml:trace contextRef="#ctx0" brushRef="#br0" timeOffset="2792.4451">7440 2598 35 0,'0'21'17'0,"0"-5"-14"0,6-16 33 16,6 11-32-16,11-1 1 15,1-10 0-15,5-5 1 16,12-11-9-16,7-5 1 16,-1-10 5-16,6-22 0 0,-6 1-3 15,-6-6 1-15,-6 1-1 16,-11-1 0-16,-6 6 0 16,-6 5 1-16,-1 10-1 15,-11 6 1-15,-6 20-1 16,-5 16 0-16,-13 21 0 15,6 6 1-15,1 26-1 16,5 15 1-16,0-5 0 16,6 10 0-16,6 1-1 15,0-6 1-15,0-10-1 16,-12-5 1-16,1-11-1 16,-7-10 1-16,0-6-1 15,1-10 1-15,-7-5-1 16,-5-1 0-16,-1 1 0 15,1-5 1-15,5 4-2 16,1 1 1-16,5-6 0 0,6 1 0 16,12-11-1-16,18-5 1 15,5-1 0-15,13-4 1 16,29 0 2-16,-7-6 0 16,7 5 0-16,6 6 1 15,0 5-5-15,5-5 1 16,-11-6-9-16,-6-4 0 15,0-12-9-15,-6-9 0 16</inkml:trace>
+          <inkml:trace contextRef="#ctx0" brushRef="#br0" timeOffset="3632.7559">8524 2441 19 0,'6'-31'9'0,"6"-27"11"15,-6 43 2-15,-1 4-18 16,-5 1 0-16,6-1 3 15,0 1 0-15,6-1-9 16,6 1 0-16,5 4 5 16,1 1 1-16,5 5-2 15,1 5 0-15,-1 6 0 16,1-1 0-16,-1 6-1 16,-5 5 1-16,-1 5 0 15,7 6 0-15,-7 4-1 16,-5 1 1-16,-12 5-1 15,-6 5 0-15,-6 0 0 16,-12-10 0-16,-11 5 1 16,-12-6 0-16,-7 6-1 0,7-10 1 15,0-11-1-15,0 0 1 16,5-6-1-16,1 1 1 16,6 0-1-16,5-1 0 15,0 1-1-15,7 5 1 16,11 0 0-16,6-5 1 15,6-1 0-15,11 1 1 16,1-5 1-16,17-1 0 16,19-5 0-16,4-5 1 15,-5-5-2-15,6 0 1 16,12-6-5-16,-12 6 0 0,0 0-11 16,-6-6 1-16,0 11-10 15,-6 0 0-15</inkml:trace>
+        </inkml:traceGroup>
+      </inkml:traceGroup>
+    </inkml:traceGroup>
   </inkml:traceGroup>
 </inkml:ink>
 </file>
 
-<file path=ppt/ink/ink20.xml><?xml version="1.0" encoding="utf-8"?>
+<file path=ppt/ink/ink40.xml><?xml version="1.0" encoding="utf-8"?>
 <inkml:ink xmlns:inkml="http://www.w3.org/2003/InkML">
   <inkml:definitions>
     <inkml:context xml:id="ctx0">
@@ -638,7 +1736,7 @@
 </inkml:ink>
 </file>
 
-<file path=ppt/ink/ink21.xml><?xml version="1.0" encoding="utf-8"?>
+<file path=ppt/ink/ink41.xml><?xml version="1.0" encoding="utf-8"?>
 <inkml:ink xmlns:inkml="http://www.w3.org/2003/InkML">
   <inkml:definitions>
     <inkml:context xml:id="ctx0">
@@ -678,7 +1776,107 @@
 </inkml:ink>
 </file>
 
-<file path=ppt/ink/ink3.xml><?xml version="1.0" encoding="utf-8"?>
+<file path=ppt/ink/ink5.xml><?xml version="1.0" encoding="utf-8"?>
+<inkml:ink xmlns:inkml="http://www.w3.org/2003/InkML">
+  <inkml:definitions>
+    <inkml:context xml:id="ctx0">
+      <inkml:inkSource xml:id="inkSrc0">
+        <inkml:traceFormat>
+          <inkml:channel name="X" type="integer" max="9600" units="cm"/>
+          <inkml:channel name="Y" type="integer" max="7200" units="cm"/>
+          <inkml:channel name="T" type="integer" max="2.14748E9" units="dev"/>
+        </inkml:traceFormat>
+        <inkml:channelProperties>
+          <inkml:channelProperty channel="X" name="resolution" value="377.95276" units="1/cm"/>
+          <inkml:channelProperty channel="Y" name="resolution" value="425.28058" units="1/cm"/>
+          <inkml:channelProperty channel="T" name="resolution" value="1" units="1/dev"/>
+        </inkml:channelProperties>
+      </inkml:inkSource>
+      <inkml:timestamp xml:id="ts0" timeString="2016-08-22T10:59:36.851"/>
+    </inkml:context>
+    <inkml:brush xml:id="br0">
+      <inkml:brushProperty name="width" value="0.05" units="cm"/>
+      <inkml:brushProperty name="height" value="0.05" units="cm"/>
+      <inkml:brushProperty name="color" value="#ED1C24"/>
+      <inkml:brushProperty name="fitToCurve" value="1"/>
+    </inkml:brush>
+    <inkml:context xml:id="ctx1">
+      <inkml:inkSource xml:id="inkSrc1">
+        <inkml:traceFormat>
+          <inkml:channel name="X" type="integer" max="9600" units="cm"/>
+          <inkml:channel name="Y" type="integer" max="7200" units="cm"/>
+          <inkml:channel name="F" type="integer" max="256" units="dev"/>
+          <inkml:channel name="T" type="integer" max="2.14748E9" units="dev"/>
+        </inkml:traceFormat>
+        <inkml:channelProperties>
+          <inkml:channelProperty channel="X" name="resolution" value="377.95276" units="1/cm"/>
+          <inkml:channelProperty channel="Y" name="resolution" value="425.28058" units="1/cm"/>
+          <inkml:channelProperty channel="F" name="resolution" value="0" units="1/dev"/>
+          <inkml:channelProperty channel="T" name="resolution" value="1" units="1/dev"/>
+        </inkml:channelProperties>
+      </inkml:inkSource>
+      <inkml:timestamp xml:id="ts1" timeString="2016-08-22T11:01:05.907"/>
+    </inkml:context>
+  </inkml:definitions>
+  <inkml:traceGroup>
+    <inkml:annotationXML>
+      <emma:emma xmlns:emma="http://www.w3.org/2003/04/emma" version="1.0">
+        <emma:interpretation id="{DD159C15-9E67-4877-940A-AA46A17FC66C}" emma:medium="tactile" emma:mode="ink">
+          <msink:context xmlns:msink="http://schemas.microsoft.com/ink/2010/main" type="writingRegion" rotatedBoundingBox="26234,9122 33353,14038 30665,17929 23547,13014"/>
+        </emma:interpretation>
+      </emma:emma>
+    </inkml:annotationXML>
+    <inkml:traceGroup>
+      <inkml:annotationXML>
+        <emma:emma xmlns:emma="http://www.w3.org/2003/04/emma" version="1.0">
+          <emma:interpretation id="{72C5644C-C7A9-496C-9A7D-D8FD6E4B8330}" emma:medium="tactile" emma:mode="ink">
+            <msink:context xmlns:msink="http://schemas.microsoft.com/ink/2010/main" type="paragraph" rotatedBoundingBox="26234,9122 33353,14038 30665,17929 23547,13014" alignmentLevel="1"/>
+          </emma:interpretation>
+        </emma:emma>
+      </inkml:annotationXML>
+      <inkml:traceGroup>
+        <inkml:annotationXML>
+          <emma:emma xmlns:emma="http://www.w3.org/2003/04/emma" version="1.0">
+            <emma:interpretation id="{794807C5-2808-4A65-B154-789199650714}" emma:medium="tactile" emma:mode="ink">
+              <msink:context xmlns:msink="http://schemas.microsoft.com/ink/2010/main" type="line" rotatedBoundingBox="26234,9122 33353,14038 30665,17929 23547,13014"/>
+            </emma:interpretation>
+          </emma:emma>
+        </inkml:annotationXML>
+        <inkml:traceGroup>
+          <inkml:annotationXML>
+            <emma:emma xmlns:emma="http://www.w3.org/2003/04/emma" version="1.0">
+              <emma:interpretation id="{321827DC-9D9C-41BB-9D7B-9278387DE784}" emma:medium="tactile" emma:mode="ink">
+                <msink:context xmlns:msink="http://schemas.microsoft.com/ink/2010/main" type="inkWord" rotatedBoundingBox="26234,9122 30986,12403 28371,16191 23619,12909"/>
+              </emma:interpretation>
+            </emma:emma>
+          </inkml:annotationXML>
+          <inkml:trace contextRef="#ctx0" brushRef="#br0">0 0 0,'0'0'0,"0"0"16,0 0-16,0 0 15,0 0 1,0 0-16</inkml:trace>
+          <inkml:trace contextRef="#ctx1" brushRef="#br0">2056 791 41 0,'30'-32'20'0,"11"-4"-19"15,-35 25 21-15,0-4-22 16,-6 4 1-16,-6 1 2 16,-12-1 0-16,-11 1-2 15,-7-1 1-15,-5 11 3 16,-6 0 0-16,-6-5 1 16,-12 10 0-16,-5-5-1 15,-7 11 1-15,-11-6-2 16,-13 11 0-16,-11 5-1 15,1 10 0-15,4 0-1 0,-10 6 0 16,5 0 0-16,6-6 1 16,5 1-1-16,1-1 1 15,6 6-1-15,0 5 1 16,11-1-1-16,1 7 0 16,11-6-1-16,12-1 0 15,6 7-1-15,0-1 1 0,6-5 0 16,12 5 0-16,-1 0 0 15,7 0 1-15,5 0-1 16,12-5 0-16,7 0 0 16,5 0 0-16,5 0-1 15,13 0 0-15,0-1 0 16,-6-4 1-16,11 0-1 16,1-1 1-16,11 1 0 15,6-5 0-15,12-1 0 16,6 6 1-16,0-11-1 15,6-5 0-15,6-6 0 16,5 1 1-16,1-11-1 16,5 1 0-16,-11-1-1 15,0-5 1-15,-1-5 0 16,13-1 0-16,-1 1-1 16,1 0 0-16,-1-6 0 15,1 6 1-15,-1 0-1 16,7 0 1-16,-1 0-1 0,-17-6 0 15,0 1 0-15,5-6 1 16,7 5-1-16,-1-10 1 16,6 11-1-16,1 0 0 15,-13-1 0-15,-5-5 1 16,12 1-1-16,-13-1 1 16,1 0-1-16,-6-5 1 15,-12 0-1-15,0-10 1 16,0-1-1-16,-6 1 1 0,0 5-1 15,0 5 1-15,-5-5-1 16,-1 0 1-16,-6-11 0 16,-5 0 0-16,-7-10-1 15,-5 0 1-15,-6 5-1 16,-6-10 1-16,-6 5 0 16,-12-1 0-16,-6 1-1 15,-11 5 0-15,-7 0 0 16,7 11 1-16,-12-6 0 15,-7 1 0-15,-5-1-1 16,-6 0 1-16,1 6-1 16,-7 5 1-16,-18 5-1 15,-17 10 0-15,-18 11-2 16,-5 16 1-16,-37 5-6 16,-16 10 1-16,-7 17-10 15,18-1 0-15,24-5-10 16,-1 5 0-16</inkml:trace>
+          <inkml:trace contextRef="#ctx0" brushRef="#br0" timeOffset="-545.3762">30 587 0,'0'0'0,"0"0"16,0 0-1,0 0-15,0 0 16,0 0-16</inkml:trace>
+          <inkml:trace contextRef="#ctx0" brushRef="#br0" timeOffset="-59178.7993">1632 3189 0,'0'0'16,"0"0"-16,6-10 16,-6 10-1,-12 10 1,-11 11-1,11-5 1</inkml:trace>
+          <inkml:trace contextRef="#ctx1" brushRef="#br0" timeOffset="885.7889">2263 2053 30 0,'-18'-21'15'0,"6"-47"-15"0,6 58 15 0,0-1-15 16,-11 1 0-16,-1-6 0 16,0 0 1-16,1 0 0 15,-1 1 1-15,0 4 2 16,6 6 0-16,1 5 2 15,5 5 1-15,6 6 0 16,6 4 0-16,5 1-1 16,13 5 0-16,5 5-2 15,13 21 1-15,11 6-1 16,6 10 0-16,17 15-1 16,-5 6 1-16,11 21 0 15,19 10 0-15,11 16-1 16,5 10 0-16,1 11 0 15,0 5 0-15,-6 0-1 0,-12-5 0 16,-6-5 0-16,-5-11 1 16,-1-10-1-16,6-6 1 15,-17-10-1-15,-12-26 0 16,-12-11-3-16,-12-10 1 16,-6-16-6-16,-11-10 1 15,-6-11-15-15,-18 0 1 16,-12-15-3-16,-6-32 0 15</inkml:trace>
+          <inkml:trace contextRef="#ctx0" brushRef="#br0" timeOffset="-1169.3005">5580 398 0,'0'0'15,"0"0"-15,0 0 16,0 0-1,0 0-15,0 0 16,0 0-16</inkml:trace>
+        </inkml:traceGroup>
+        <inkml:traceGroup>
+          <inkml:annotationXML>
+            <emma:emma xmlns:emma="http://www.w3.org/2003/04/emma" version="1.0">
+              <emma:interpretation id="{D44520DF-C685-4175-8946-07608097453C}" emma:medium="tactile" emma:mode="ink">
+                <msink:context xmlns:msink="http://schemas.microsoft.com/ink/2010/main" type="inkWord" rotatedBoundingBox="30002,14580 32017,15972 30665,17929 28650,16538"/>
+              </emma:interpretation>
+            </emma:emma>
+          </inkml:annotationXML>
+          <inkml:trace contextRef="#ctx1" brushRef="#br0" timeOffset="2252.2168">4389 4609 38 0,'-17'0'19'0,"5"-6"-8"15,12 6 20-15,0 0-27 16,0 0 1-16,0 0 3 16,0 0 0-16,6-10-10 15,0 0 1-15,6-6 7 16,5 0 0-16,13-5-2 15,-7-5 1-15,7 5-2 16,11-5 1-16,0 10-1 16,6 0 0-16,6 6-1 0,0 5 0 15,0-1 0-15,-5-4 0 16,-13 10 0-16,0 5 0 16,-11 11 0-16,-12 10 0 15,-12 16 0-15,-12 5 0 16,-12-5-1-16,-17 0 1 15,-6 21-2-15,0 0 1 16,0-6-1-16,-1 6 0 0,1-11-1 16,0 1 1-16,0-1-1 15,0-10 1-15,12-5 0 16,11-6 0-16,0 11-1 16,7-10 1-16,11-1 0 15,6 0 1-15,12 1 1 16,11-6 0-16,7-10 0 15,5-11 1-15,24-5 0 16,18-5 1-16,17-11-2 16,0-5 1-16,6-16-2 15,0 11 0-15,-5-5-5 16,-19-6 1-16,-11 0-10 16,-18 11 0-16,0 0-12 15,-11 10 1-15,-19 1-1 16,-17 15 0-16</inkml:trace>
+          <inkml:trace contextRef="#ctx1" brushRef="#br0" timeOffset="2701.8553">5532 4661 49 0,'-5'-26'24'0,"-13"15"-23"0,6 11 48 0,12 6-47 15,-6 9 0-15,0 6 2 16,0 16 0-16,6 21-5 16,0 10 1-16,-5 0 3 15,5 16 1-15,0-16-1 16,0-11 0-16,11-10-1 15,19-15 1-15,17-22 0 16,18-20 0-16,11-22-2 16,1-20 1-16,-6-21-1 15,-7-6 1-15,-5-10-1 16,-12 0 0-16,-17 11 0 16,-18 4 0-16,-18 1 0 15,-12 21 0-15,-17 4-1 16,-18 22 1-16,-6 10-1 15,-12 16 0-15,6 6-3 16,6 15 1-16,12 10-7 0,0 16 0 16,6-5-11-16,11-5 0 15,13-1-1-15,23 1 0 16</inkml:trace>
+          <inkml:trace contextRef="#ctx1" brushRef="#br0" timeOffset="3003.245">6340 4331 47 0,'-12'-10'23'0,"30"-22"-16"16,-18 43 45-16,0 4-47 15,0 12 0-15,-6 15 5 16,-6 20 0-16,0 17-12 16,0 10 1-16,0 5 7 15,-5-5 1-15,-1-5-5 16,0 0 0-16,7-11-8 16,5-26 1-16,6-10-10 15,12-21 0-15,11-16-8 16,1-21 1-16</inkml:trace>
+          <inkml:trace contextRef="#ctx1" brushRef="#br0" timeOffset="3602.022">6746 4389 47 0,'-12'-32'23'0,"18"-10"-18"0,0 32 37 0,12-6-37 16,0 1 0-16,5-6 4 15,7 0 1-15,5 10-12 16,6 6 0-16,6 10 7 15,-11 11 0-15,11 0-3 16,-12 15 1-16,0-5-2 16,-11 6 0-16,-12 10-1 15,-18 5 0-15,-12 5 0 16,-11-5 1 0,-24-10-2-1,0-6 0-15,11-10 0 16,7-10 0-16,17-6-1 15,18-10 1-15,0-6-1 16,12 1 0-16,6-1 1 16,5 1 1-16,7 10 0 0,5 5 0 15,12 11 0-15,-11-1 1 16,5 6 0-16,-12 11 1 16,-17 4 0-16,0 6 0 15,-12 5 1-15,-24 1 0 16,-17-6 0-16,-12 5 0 15,-23 10 1-15,-7 6 1 16,-5-11-3-16,5-4 0 16,13-17-3-16,5-10 0 15,18-16-7-15,11-10 1 0,19-21-16 16,28-6 0-16,13-20 1 16,11-11 0-16</inkml:trace>
+        </inkml:traceGroup>
+      </inkml:traceGroup>
+    </inkml:traceGroup>
+  </inkml:traceGroup>
+</inkml:ink>
+</file>
+
+<file path=ppt/ink/ink6.xml><?xml version="1.0" encoding="utf-8"?>
 <inkml:ink xmlns:inkml="http://www.w3.org/2003/InkML">
   <inkml:definitions>
     <inkml:context xml:id="ctx0">
@@ -696,7 +1894,7 @@
           <inkml:channelProperty channel="T" name="resolution" value="1" units="1/dev"/>
         </inkml:channelProperties>
       </inkml:inkSource>
-      <inkml:timestamp xml:id="ts0" timeString="2016-08-21T12:50:12.375"/>
+      <inkml:timestamp xml:id="ts0" timeString="2016-08-22T11:01:22.346"/>
     </inkml:context>
     <inkml:brush xml:id="br0">
       <inkml:brushProperty name="width" value="0.05" units="cm"/>
@@ -708,132 +1906,12 @@
   <inkml:traceGroup>
     <inkml:annotationXML>
       <emma:emma xmlns:emma="http://www.w3.org/2003/04/emma" version="1.0">
-        <emma:interpretation id="{E0DBBF5A-C035-4260-BB33-E09E10CCD0BD}" emma:medium="tactile" emma:mode="ink">
-          <msink:context xmlns:msink="http://schemas.microsoft.com/ink/2010/main" type="inkDrawing" rotatedBoundingBox="21590,4987 23459,4856 23546,6101 21677,6232" hotPoints="23535,5530 22597,6143 21667,5518 22605,4906" semanticType="enclosure" shapeName="Ellipse">
-            <msink:destinationLink direction="to" ref="{2095B460-6416-4932-A84C-951DCD82C4C6}"/>
-          </msink:context>
+        <emma:interpretation id="{7F4D8B83-9E4A-422C-B4D7-83C57EA8F2F9}" emma:medium="tactile" emma:mode="ink">
+          <msink:context xmlns:msink="http://schemas.microsoft.com/ink/2010/main" type="inkDrawing" rotatedBoundingBox="22814,4449 27273,4739 27150,6639 22691,6349" hotPoints="27230,5715 24818,6421 22528,5388 24939,4681" semanticType="enclosure" shapeName="Ellipse"/>
         </emma:interpretation>
       </emma:emma>
     </inkml:annotationXML>
-    <inkml:trace contextRef="#ctx0" brushRef="#br0">418 934 37 0,'-21'-23'18'0,"0"-43"-22"0,21 47 32 0,-5-4-28 15,-6-10 0-15,0-14 2 16,6 0 0-16,0-14-1 16,5-15 0-16,10 6 3 15,1-10 0-15,15 0 0 0,17 5 0 16,10 9 0-16,21 9 0 15,21 5-2-15,16 20 1 16,6 13-3-16,4 9 1 16,1 20-2-16,10 18 1 15,1 14 0-15,-12 15 0 0,-20 18 0 16,-11 5 1-16,-11 14-1 16,-21 10 1-16,-21 8-1 15,-26-3 1-15,-22-6-1 16,-31 1 0-1,-37-6 0-15,-22-18 0 0,-26-14 1 16,-42-24 0 0,-11-9 0-16,-16-18 1 15,16-30 0-15,6-22 0 0,15-15-1 16,11-28 0-16,31-14 0 16,22 0 1-16,32 5-2 15,25-6 1-15,33 1-1 16,37-9 0-16,26 9-1 15,43 0 1-15,15 9-1 16,27 10 0-16,5 14 0 0,21 23 0 16,-10 15-3-16,-11 27 1 15,-10 34-12-15,-16 42 1 16,-38 0-2-16,-25-24 1 16</inkml:trace>
-  </inkml:traceGroup>
-</inkml:ink>
-</file>
-
-<file path=ppt/ink/ink4.xml><?xml version="1.0" encoding="utf-8"?>
-<inkml:ink xmlns:inkml="http://www.w3.org/2003/InkML">
-  <inkml:definitions>
-    <inkml:context xml:id="ctx0">
-      <inkml:inkSource xml:id="inkSrc0">
-        <inkml:traceFormat>
-          <inkml:channel name="X" type="integer" max="9600" units="cm"/>
-          <inkml:channel name="Y" type="integer" max="7200" units="cm"/>
-          <inkml:channel name="F" type="integer" max="256" units="dev"/>
-          <inkml:channel name="T" type="integer" max="2.14748E9" units="dev"/>
-        </inkml:traceFormat>
-        <inkml:channelProperties>
-          <inkml:channelProperty channel="X" name="resolution" value="377.95276" units="1/cm"/>
-          <inkml:channelProperty channel="Y" name="resolution" value="425.28058" units="1/cm"/>
-          <inkml:channelProperty channel="F" name="resolution" value="0" units="1/dev"/>
-          <inkml:channelProperty channel="T" name="resolution" value="1" units="1/dev"/>
-        </inkml:channelProperties>
-      </inkml:inkSource>
-      <inkml:timestamp xml:id="ts0" timeString="2016-08-21T12:37:00.857"/>
-    </inkml:context>
-    <inkml:brush xml:id="br0">
-      <inkml:brushProperty name="width" value="0.05" units="cm"/>
-      <inkml:brushProperty name="height" value="0.05" units="cm"/>
-      <inkml:brushProperty name="color" value="#ED1C24"/>
-      <inkml:brushProperty name="fitToCurve" value="1"/>
-    </inkml:brush>
-  </inkml:definitions>
-  <inkml:traceGroup>
-    <inkml:annotationXML>
-      <emma:emma xmlns:emma="http://www.w3.org/2003/04/emma" version="1.0">
-        <emma:interpretation id="{D40AE99F-9509-451D-AB86-C998B89273E2}" emma:medium="tactile" emma:mode="ink">
-          <msink:context xmlns:msink="http://schemas.microsoft.com/ink/2010/main" type="inkDrawing" rotatedBoundingBox="6455,5593 14243,5982 14171,7403 6384,7014" hotPoints="14479,6674 10180,7207 5926,6381 10226,5849" semanticType="enclosure" shapeName="Ellipse"/>
-        </emma:interpretation>
-      </emma:emma>
-    </inkml:annotationXML>
-    <inkml:trace contextRef="#ctx0" brushRef="#br0">2419 81 30 0,'54'-4'15'0,"6"4"-11"0,-46 4 15 0,4-4-18 15,0 0 0-15,0-8 2 16,-4 4 1-16,-5 0-3 15,-4-8 1-15,-14 4 3 16,-14-4 0 15,-82-1 2-15,-23 5 1-16,0 4-1 16,-9 0 0-16,4 4-2 0,-9 4 1 15,-18 4-1-15,-4 13 1 16,4 7-2-16,-5 9 0 15,0 3 0-15,10-3 0 16,9 8 0-16,13 3 1 0,19 1-1 16,13 0 1-16,14 0-2 15,14 8 1-15,14-5 0 16,8 1 0-16,15 4-1 16,4 4 0-16,14 4-1 15,13-8 1-15,10-4-1 16,13-4 1-16,14-5-1 0,18 1 0 15,14-4 0-15,9-1 0 0,14 9 0 16,9-12 0-16,0-1-1 16,9-3 1-16,14-1-1 15,5-3 1-15,4-5 0 16,4-4 1-16,15-3-2 31,3-1 1-31,10-4 0 16,0-4 0-16,14-4 0 0,-5 0 0 15,5 4-1-15,-5-8 1 16,10 5-1-16,-6-1 0 16,1 4-1-16,-5 0 1 15,5-4-1-15,0 8 1 16,-1-8-2-16,1 4 0 0,-9-4 1 16,4-4 0-16,-4 0 0 15,4 0 0-15,-18-4 0 16,4 0 1-16,-4 0-1 15,-5 8 0-15,-4-8 0 16,-9 4 0-16,-5-4 0 16,4-4 1-1,1 0-1-15,-5 0 0 16,-5 0 0-16,-9-1 0 0,5-7 0 16,9 4 0-16,-9 0 0 15,-14 4 0-15,5-13 0 16,0-3 0-16,-5 0 0 15,9-5 1-15,-9 1-1 16,-4-1 0-16,-14-3-1 16,-5 3 1-16,-4 5 0 0,-5 0 0 15,-13-13-1-15,-6 9 0 16,-8-5 0-16,-14 0 0 16,-9 1 0-16,-5-1 0 15,-9 5 0-15,-13 0 1 16,-10 3-2-16,-13-7 1 0,-19-5-1 15,-27-8 1-15,-14 1-1 16,-5 3 1-16,-8 0-1 16,-5 1 1-16,-19-1 1 15,-17 5 0-15,-1 3-1 16,-4-4 1-16,-24 13-1 31,-3 8 1-31,-19-9-1 0,13 1 1 16,-4 8 0-16,1-5 0 0,8 5 0 15,5-8 0-15,-5-1 0 16,5 9 0-16,4 0-1 16,-4 4 1-16,-5 0-1 15,-9 3 1-15,10 5-1 16,3 0 1-16,6-4-1 16,13 0 0-16,14 0 0 15,4 4 1-15,1-4-1 0,-1 0 1 16,0 8-1-16,-4 0 1 15,5 4-2-15,4 8 0 16,0-4-7-16,13 16 1 16,10 1-14-1,14 3 1-15,22-7-6 16,37-17 1-16</inkml:trace>
-  </inkml:traceGroup>
-</inkml:ink>
-</file>
-
-<file path=ppt/ink/ink5.xml><?xml version="1.0" encoding="utf-8"?>
-<inkml:ink xmlns:inkml="http://www.w3.org/2003/InkML">
-  <inkml:definitions>
-    <inkml:context xml:id="ctx0">
-      <inkml:inkSource xml:id="inkSrc0">
-        <inkml:traceFormat>
-          <inkml:channel name="X" type="integer" max="9600" units="cm"/>
-          <inkml:channel name="Y" type="integer" max="7200" units="cm"/>
-          <inkml:channel name="F" type="integer" max="256" units="dev"/>
-          <inkml:channel name="T" type="integer" max="2.14748E9" units="dev"/>
-        </inkml:traceFormat>
-        <inkml:channelProperties>
-          <inkml:channelProperty channel="X" name="resolution" value="377.95276" units="1/cm"/>
-          <inkml:channelProperty channel="Y" name="resolution" value="425.28058" units="1/cm"/>
-          <inkml:channelProperty channel="F" name="resolution" value="0" units="1/dev"/>
-          <inkml:channelProperty channel="T" name="resolution" value="1" units="1/dev"/>
-        </inkml:channelProperties>
-      </inkml:inkSource>
-      <inkml:timestamp xml:id="ts0" timeString="2016-08-21T12:37:18.359"/>
-    </inkml:context>
-    <inkml:brush xml:id="br0">
-      <inkml:brushProperty name="width" value="0.05" units="cm"/>
-      <inkml:brushProperty name="height" value="0.05" units="cm"/>
-      <inkml:brushProperty name="color" value="#ED1C24"/>
-      <inkml:brushProperty name="fitToCurve" value="1"/>
-    </inkml:brush>
-  </inkml:definitions>
-  <inkml:traceGroup>
-    <inkml:annotationXML>
-      <emma:emma xmlns:emma="http://www.w3.org/2003/04/emma" version="1.0">
-        <emma:interpretation id="{B788EBA7-D8D4-4916-8BC8-1CAB561D7D91}" emma:medium="tactile" emma:mode="ink">
-          <msink:context xmlns:msink="http://schemas.microsoft.com/ink/2010/main" type="inkDrawing" rotatedBoundingBox="7492,9886 15480,10402 15412,11469 7423,10953" semanticType="enclosure" shapeName="None"/>
-        </emma:interpretation>
-      </emma:emma>
-    </inkml:annotationXML>
-    <inkml:trace contextRef="#ctx0" brushRef="#br0">2316 171 22 0,'18'-12'11'0,"23"3"-10"0,-18 1 11 16,-4 0-11-16,3 0 0 16,-3-4 6-16,-1 4 0 15,-9 4-5-15,-9 4 0 16,-4-4 6-16,-10-1 0 15,-9 1 0-15,-9-4 1 0,-9 0-3 16,-5-4 1-16,-4 4-2 16,-10-4 0-16,-4 4-2 15,-4-1 0-15,-15 5 0 16,-3 0 1-16,-1 0-1 16,-9 4 0-16,-5 0-1 15,5 4 1-15,-4 4-1 0,-6 1 0 0,6-1-1 16,4 4 0-16,-5-4 0 15,5 0 1-15,5 4 0 16,8 5 0-16,1-1 0 16,9 4 0-16,4-4-1 15,-4 1 1-15,9-1-1 32,9 0 1-32,1 0-1 0,3-3 1 15,6-1-1-15,-1 0 1 16,9 8-1-16,1 1 0 15,8 3 0-15,5-4 0 16,5 1 0-16,9 3 0 16,4-4 0-16,5 1 1 15,5-1-1-15,4 0 0 0,0 9 0 16,5-5 1-16,4 5-1 16,1-1 0-16,3-4 0 15,6 5 0-15,4-5-1 16,4 1 1-16,1-9 0 15,4 4 0-15,0-4 0 16,0 1 0 0,1-1 0-16,-1 4 0 0,4-3-1 15,6-5 1-15,4 0-1 16,-1 0 1-16,1 0-1 16,0 1 1-16,5-5-1 15,-6 0 1-15,1-4-1 16,0 0 1-16,0 0-1 15,5 0 1-15,4 0-1 0,4 0 1 16,-4 0-1-16,0 4 1 16,5 0-1-16,-10 1 1 15,5-1-1-15,0 0 0 16,-4-4 0-16,-6 0 0 16,1 0 0-16,0 4 1 15,5-4-1 1,4 0 1-16,-5 0-1 15,5 0 1-15,-9-4-1 16,4 5 0-16,1-1 0 16,4 0 1-16,-5-4-1 15,1 0 0-15,4 0 0 16,4 8 1-16,1-4-1 16,9 0 0-16,-10 4 0 0,-4 0 1 0,0 4-1 15,5 1 0-15,-1-5 0 16,-4 0 0-16,9 0 0 15,5 0 0-15,5 0 0 16,8 0 0-16,-9 0 0 16,1 1 0-16,-1-1 0 15,-9 0 1-15,0 0-1 0,5 0 0 16,4 0 0-16,5 0 0 16,-5 0 0-16,-4-3 0 15,9-1 0-15,0 0 0 16,-5 0 0-16,0 0 0 15,10 0 0-15,-5 0 0 16,0 0 0 0,-5 0 0-16,5 0-1 15,4 0 1-15,-4 0 0 16,0 0 0-16,9 0 0 16,0 0 0-16,-5 5 0 15,5-1 1-15,0-4-1 16,-4-8 1-16,4 4-1 15,14 0 0-15,-5 0 0 0,-5 0 1 0,5 0-1 16,1 4 0-16,-10-8 0 16,0 0 0-16,0 0 0 15,4 4 1-15,-4-9-1 16,-9 5 0-16,0-4 0 16,0 0 1-16,0-4-1 31,-10-4 0-31,1-1 0 0,0-3 0 15,0 0 0-15,-5-1 0 16,-5 1 0-16,-8-4 0 0,-14 7 0 16,-5-3 0-16,-5-4 0 15,-8-9 1-15,-10 5-2 16,-4-5 1-16,-10 1 0 16,-4-1 0-16,-9-3-1 15,-14-5 0-15,-13 0 0 0,-19 1 0 16,0 3 0-16,-9-3 1 15,-14 3-1-15,0 0 1 16,-8 1 0-16,-10-1 0 16,-10 5-1-16,-3-1 1 15,-6 9 0 1,1 4 0-16,-14-1-1 16,-9 1 1-16,-5 4-1 0,-4-5 1 15,0 1 0-15,-19 8 0 16,-4 0 0-16,4-9 0 15,-8 9-1-15,-6 0 1 16,1 4 0-16,0-8 0 16,8 3 0-16,-3 5 0 0,-1-4 0 15,5 8 0-15,0-8 0 16,-1 0 0-16,6-1 0 16,13 5 0-16,0 4 0 15,14-8 0-15,-5 0 0 16,5 0 0-16,14 3 0 15,4 5 0 1,4-4-2-16,-3 4 0 0,3 0-4 16,1 8 0-16,4 4-8 15,14 9 1-15,19 19-11 16,8-7 1-16</inkml:trace>
-  </inkml:traceGroup>
-</inkml:ink>
-</file>
-
-<file path=ppt/ink/ink6.xml><?xml version="1.0" encoding="utf-8"?>
-<inkml:ink xmlns:inkml="http://www.w3.org/2003/InkML">
-  <inkml:definitions>
-    <inkml:context xml:id="ctx0">
-      <inkml:inkSource xml:id="inkSrc0">
-        <inkml:traceFormat>
-          <inkml:channel name="X" type="integer" max="9600" units="cm"/>
-          <inkml:channel name="Y" type="integer" max="7200" units="cm"/>
-          <inkml:channel name="T" type="integer" max="2.14748E9" units="dev"/>
-        </inkml:traceFormat>
-        <inkml:channelProperties>
-          <inkml:channelProperty channel="X" name="resolution" value="377.95276" units="1/cm"/>
-          <inkml:channelProperty channel="Y" name="resolution" value="425.28058" units="1/cm"/>
-          <inkml:channelProperty channel="T" name="resolution" value="1" units="1/dev"/>
-        </inkml:channelProperties>
-      </inkml:inkSource>
-      <inkml:timestamp xml:id="ts0" timeString="2016-08-21T12:37:40.492"/>
-    </inkml:context>
-    <inkml:brush xml:id="br0">
-      <inkml:brushProperty name="width" value="0.05" units="cm"/>
-      <inkml:brushProperty name="height" value="0.05" units="cm"/>
-      <inkml:brushProperty name="color" value="#ED1C24"/>
-      <inkml:brushProperty name="fitToCurve" value="1"/>
-    </inkml:brush>
-  </inkml:definitions>
-  <inkml:traceGroup>
-    <inkml:annotationXML>
-      <emma:emma xmlns:emma="http://www.w3.org/2003/04/emma" version="1.0">
-        <emma:interpretation id="{F21434F4-23F2-4814-A3D9-08EAD4C971F4}" emma:medium="tactile" emma:mode="ink">
-          <msink:context xmlns:msink="http://schemas.microsoft.com/ink/2010/main" type="inkDrawing" rotatedBoundingBox="10226,16580 10231,16596 10217,16601 10212,16585" shapeName="None"/>
-        </emma:interpretation>
-      </emma:emma>
-    </inkml:annotationXML>
-    <inkml:trace contextRef="#ctx0" brushRef="#br0">15 8 0,'0'0'0,"0"0"15,0 0-15,0 0 16,0 0-16,0 0 16,0 0-16,0 0 15,0 0-15,0 0 16,0 0-16,0 0 16,-5-16-16,5 16 0,0 0 15</inkml:trace>
+    <inkml:trace contextRef="#ctx0" brushRef="#br0">1769 399 31 0,'23'-5'15'0,"24"-58"-10"16,-23 37 16-16,5-5-21 16,1 10 0-16,-1-5 0 15,1-1 0-15,-7-4 2 16,-5 10 0-16,-6-5 3 15,-12 5 1-15,-6 5 1 16,-12 0 0-16,-11 1 2 16,-7-1 0-16,-11 0-1 15,-12 6 0-15,-17-1-2 16,-7 11 1-16,-17 6-2 16,-18 9 0-16,0 6-2 0,1 0 1 15,-7 5-2-15,0-5 1 16,6 5-1-16,0 6 0 15,7 5 0-15,4 4 1 16,7 7-1-16,18-12 0 16,5 6 0-16,18-5 1 15,6 20-1-15,12-9 0 16,6-7-1-16,5 1 0 16,7 0-1-16,11 0 1 15,6 0-1-15,-6 0 0 0,12 0 0 16,12 10 1-16,6-5-1 15,11 6 0-15,12 4 1 16,6 6 0-16,7 5 0 16,4-10 1-16,7 5-1 15,0 5 1-15,6-5-1 16,11-1 1-16,-11-4-1 16,0-6 0-16,5-10-1 15,7 0 1-15,11-5-1 16,12 0 1-16,0-1 0 15,12-4 0-15,6-1-1 16,-24 0 1-16,6-10-1 16,6-5 1-16,12 0 0 15,-1-11 0-15,1-10-1 16,11 5 1-16,-11-11-1 16,-6-10 1-16,6 6-1 15,5-6 0-15,-5 0 0 0,-6 0 0 16,17 0 0-16,-17 0 0 31,35-16 0-31,-5 1 1 16,-13-11-1-16,-5-1 0 15,-12 1 0-15,-12 0 0 16,-12 0 0-16,-6-5 1 16,-11-1-1-16,-12 1 1 15,-12 5-1-15,-12 0 1 0,-17-6-1 16,-7 1 0-16,-11-6 0 15,-12-10 1-15,-11 0-1 16,-13-5 0-16,-5 5 0 16,0 5 0-16,-18-5 0 15,-18 0 0-15,-18 5 0 16,-17 0 0-16,0 5 0 16,-23 11 0-16,-13-5 0 15,-11 10 0-15,0 11 0 16,12-1 0-16,-24 6 0 15,-12 10 0-15,-12 21-2 16,-5 6 1-16,-12 26-8 16,-12 15 0-16,-12 0-15 15,12 11 1-15</inkml:trace>
   </inkml:traceGroup>
 </inkml:ink>
 </file>
@@ -856,7 +1934,7 @@
           <inkml:channelProperty channel="T" name="resolution" value="1" units="1/dev"/>
         </inkml:channelProperties>
       </inkml:inkSource>
-      <inkml:timestamp xml:id="ts0" timeString="2016-08-21T12:37:43.293"/>
+      <inkml:timestamp xml:id="ts0" timeString="2016-08-22T11:01:23.428"/>
     </inkml:context>
     <inkml:brush xml:id="br0">
       <inkml:brushProperty name="width" value="0.05" units="cm"/>
@@ -868,14 +1946,43 @@
   <inkml:traceGroup>
     <inkml:annotationXML>
       <emma:emma xmlns:emma="http://www.w3.org/2003/04/emma" version="1.0">
-        <emma:interpretation id="{5D86FE92-7F0E-4320-8CE6-EA92BC382FB7}" emma:medium="tactile" emma:mode="ink">
-          <msink:context xmlns:msink="http://schemas.microsoft.com/ink/2010/main" type="inkDrawing" rotatedBoundingBox="4720,11013 19255,12650 18851,16236 4316,14599" semanticType="callout" shapeName="None">
-            <msink:sourceLink direction="to" ref="{C4E5EAEB-D6A0-469E-9D3A-B473C727B735}"/>
-          </msink:context>
+        <emma:interpretation id="{1DC96DE7-8074-470D-A7DE-C325AAD645BC}" emma:medium="tactile" emma:mode="ink">
+          <msink:context xmlns:msink="http://schemas.microsoft.com/ink/2010/main" type="writingRegion" rotatedBoundingBox="26504,3720 32144,2277 32537,3816 26897,5259"/>
         </emma:interpretation>
       </emma:emma>
     </inkml:annotationXML>
-    <inkml:trace contextRef="#ctx0" brushRef="#br0">270 98 25 0,'-18'-45'12'0,"14"16"5"0,4 21 13 15,0 0-23-15,0 4 1 16,0-4 1-16,0 8 0 16,0 4-12-16,0 8 0 15,0 25 12-15,0 7 0 16,-5 30-4-16,5 19 1 15,0 13-2-15,0 32 1 0,0 4-1 16,0 9 1-16,-5-1-5 16,1-16 1-16,-1-8-1 15,1-16 1-15,-1-21 0 16,1-12 0-16,-1-8 0 16,0-12 0-16,1-12-1 15,-1-8 1 1,1-17 0-16,-5-16 0 0,-1-12-1 15,-3-29 0-15,-1-20 0 16,0-28 0-16,5-21-1 16,0-28 1-16,4-16-1 15,10 8 0-15,4-9 0 16,5 5 1-16,0 16-1 16,-1 12 0-16,-4 25 0 0,1 24 1 15,-6 16 0-15,1 4 0 16,-1 8 0-16,1 17 0 15,-1 8 0-15,-4 16 0 16,0 24 0-16,0 21 0 16,0 20 0-16,0 24 1 15,0 13-1 1,5 16 0-16,-5 4 0 16,5 16 1-16,-5 8-1 15,4 8 0-15,-4 13 0 16,0-21 1-16,0-20-1 15,0 17 0-15,-4-21 0 16,-1-5 0-16,-4-7 0 16,-5-8 1-16,0 3-1 0,-4-7 0 0,-5 4 0 15,0-1 1-15,1-20-1 16,3 5 0-16,1-1 0 16,4-8 1-16,1-8-1 15,3 0 0-15,6-8 0 16,-1-4 1-16,5-4-1 15,0 0 0-15,0-12 0 0,0-5 0 16,-4-3 0-16,4-5 0 16,0-3 0-16,0-1 0 15,0-8 0-15,0 5 0 16,0-1 0-16,0 0 0 16,0 0 0-16,0-7 0 31,0-1 0-31,4-8 0 0,-4-4 0 15,5 8 0-15,-1 0 0 16,-4-8 0-16,5 8-1 16,0 0 1-16,-1 1 0 15,1-5 0-15,-1-4 0 16,1 4 0-16,-1 0 0 16,6-4 0-16,-1 0 0 0,-5 0 0 0,1-8 0 15,-5 8 0-15,0 0 0 16,0 0 0-16,0 0 0 15,0 0 0-15,0 0 0 16,0 0 1-16,4-8-1 16,6-1 0-16,-1 1 0 31,0 0 1-31,0-4 0 0,5 4 0 16,-5 0 3-16,5 0 0 15,-1-1 0-15,6 5 0 16,-1 4 0-16,5-12 0 15,0 4-1-15,-1 0 1 16,6 4-4-16,-5-4 0 16,4 4 0-16,-4 4 1 0,0 0-1 15,0 8 1-15,0-4 0 16,4 4 0-16,-4-4-1 16,0 0 1-16,4-4-1 15,10-4 1-15,8 8-1 16,6-4 1-16,4 0-1 15,-5 0 1 1,5 4-1-16,0 8 0 0,-5 1 0 16,0 3 0-16,-4 0 0 15,4-4 1-15,-4 0-1 16,-5-3 0-16,0-1 0 16,0-4 0-16,5-4 0 15,4 0 0-15,1 4 0 16,4 0 0-16,-5 0 0 0,5 0 1 15,-5 4-1-15,5 0 0 16,0 0 0-16,4-4 1 16,-9 1-2-16,5-5 1 15,5 4 0-15,4-4 0 16,4 4 0-16,1 0 0 16,0 0 0-16,4 4 0 15,18 0 0 1,-4 0 1-16,-5-4-1 15,5 0 0-15,0 0 0 16,0 0 0-16,-5-4 0 16,5 5 0-16,-5-5 0 15,-9 0 0 1,1-5 0-16,3 1 0 0,6 0 0 16,-1 4 0-16,-4 0 0 15,-5 0 0-15,5 4 0 16,4 0 0-16,-9 1 0 15,-4-1 0-15,4-4 0 16,0 0 0-16,5 0 0 16,4 0 0-16,-9 0 0 0,5 0 0 15,0 0 0-15,4 0 0 16,-9-4 0-16,5-1 0 16,-1-3 0-16,15 0 0 15,-5 0 0-15,9 0 0 16,-9 4 0-16,4-4 0 15,-9 0 0 1,-4-1 0-16,9 5 0 16,0 0 0-16,0 0 0 15,4 0 1-15,1 4-1 16,-6-4 0-16,-3 4 0 16,-1 0 0-16,0 0 0 15,5-4 1-15,5 4-1 16,-10 0 0-16,0 4 0 0,0-4 0 0,1 4-1 15,-10-4 1-15,5 0 0 16,4-4 0-16,9-4 0 16,-4 4 0-16,-4 4 0 15,3 0 0-15,-3 0 0 16,-1 0 0-16,0 0 0 16,5 0 0-16,5 0 0 0,-1 0 0 15,-4 0 0-15,4-4 0 16,-4 0 0-16,0 8 0 15,0-4 0-15,9 4 1 16,0-4-1-16,-5 4 0 16,-4-4 0-16,-4 0 0 15,3 0 0 1,-3 0 0-16,-1 0 0 16,14 0 0-16,0-4 0 15,0 8 0-15,-4-12 0 16,-6 8 0-16,1 0 0 15,-4 4 0-15,3-8 0 16,-3 4 0 0,45-4-1-16,-9 4 1 15,-14 0-1-15,-9-4 1 0,-5 8-1 16,-13 0 1-16,0-4 0 16,4 0 0-16,0 4-1 15,5-4 1-15,-5 8 0 16,5 0 1-16,9 0-1 31,-13 0 0-31,3 5 0 0,10-5 0 16,1 0 0-16,-1 0 1 15,4 0-1-15,10-4 0 16,-19 0 0-16,1 0 0 16,8-4 0-16,1 0 0 15,-5 0 0-15,-9 0 0 16,4 4 0-16,-4-4 1 0,-9 0-1 15,-5-4 0-15,-4 0 0 16,-1 0 1-16,1 4-1 16,-1 0 0-16,1-4 0 15,-10 4 0-15,-4 0 0 16,-9 0 0-16,-5 0 0 16,5 0 1-16,-1 0-1 0,6 0 0 15,8 0 0 1,-4 0 0-16,0 0 0 15,4-4 0-15,1 4 0 16,8 0 0-16,-4 0 0 16,-9-4 0-16,9 0 0 31,5 0 0-31,-1 0 0 16,-13-4 0-16,0 0 0 0,-5-1 0 15,1 9 0-15,-1-8 0 16,5 8 0-16,-5-4 0 15,0 4 0-15,1-4 0 16,-6 4 0-16,-3-4 0 16,-6 4 0-16,-8 0 0 0,-6 0 0 15,-3 4 0-15,-6 0-2 16,-3 0 1-16,-1 0-6 16,-5 0 0-16,-4 1-11 15,-9 7 0-15,-18-4-6 16,-10-8 0-16</inkml:trace>
+    <inkml:traceGroup>
+      <inkml:annotationXML>
+        <emma:emma xmlns:emma="http://www.w3.org/2003/04/emma" version="1.0">
+          <emma:interpretation id="{72B249E9-C923-4C72-A272-DA368CB116C5}" emma:medium="tactile" emma:mode="ink">
+            <msink:context xmlns:msink="http://schemas.microsoft.com/ink/2010/main" type="paragraph" rotatedBoundingBox="26504,3720 32144,2277 32537,3816 26897,5259" alignmentLevel="1"/>
+          </emma:interpretation>
+        </emma:emma>
+      </inkml:annotationXML>
+      <inkml:traceGroup>
+        <inkml:annotationXML>
+          <emma:emma xmlns:emma="http://www.w3.org/2003/04/emma" version="1.0">
+            <emma:interpretation id="{073B046B-B641-47CA-B14C-A3ED396CD0A8}" emma:medium="tactile" emma:mode="ink">
+              <msink:context xmlns:msink="http://schemas.microsoft.com/ink/2010/main" type="line" rotatedBoundingBox="26504,3720 32144,2277 32537,3816 26897,5259"/>
+            </emma:interpretation>
+          </emma:emma>
+        </inkml:annotationXML>
+        <inkml:traceGroup>
+          <inkml:annotationXML>
+            <emma:emma xmlns:emma="http://www.w3.org/2003/04/emma" version="1.0">
+              <emma:interpretation id="{F4838949-E02D-424A-8A86-58496F75A320}" emma:medium="tactile" emma:mode="ink">
+                <msink:context xmlns:msink="http://schemas.microsoft.com/ink/2010/main" type="inkWord" rotatedBoundingBox="26504,3720 32144,2277 32537,3816 26897,5259"/>
+              </emma:interpretation>
+            </emma:emma>
+          </inkml:annotationXML>
+          <inkml:trace contextRef="#ctx0" brushRef="#br0">436 678 40 0,'-11'0'20'0,"11"0"-20"16,-6 5 21-16,-12 6-24 15,-6 4 0-15,-5 6-4 16,5 0 0-16,-5 0 8 15,5 0 0-15,-5 5-2 0,5-5 1 16,1 5 3-16,-1 6 1 16,1 10 4-16,-1-6 0 15,-5 6 0-15,-1-5 1 16,7 0-3-16,-1-11 1 16,12-5-3-16,6-11 1 15,6-10 0-15,24-21 0 16,17-10 0-16,-11 5 1 0,46-42 0 15,24-1 0-15,30-30-1 16,23-6 1-16,18 0-3 16,-24-5 1-16,-11-5-1 15,-7 26 0-15,-17 11-1 16,-17 15 1-16,-13 10-2 16,-23 12 0-16,-12 9-1 15,-11 11 0-15,-13 5-11 16,-17 6 1-16,-6 5-14 15,-18 10 1-15</inkml:trace>
+          <inkml:trace contextRef="#ctx0" brushRef="#br0" timeOffset="1336.0207">2139-673 30 0,'-18'15'15'0,"-23"-62"-4"0,29 32 15 15,6 9-24-15,1-9 0 16,5-22 3-16,11 6 1 15,7-6-6-15,17 0 1 16,-5 1 3-16,5-1 1 0,6 0-1 16,12 6 1-16,-5 10-3 15,-1 10 1-15,-6 11-2 16,-6 11 1-16,1 5-1 16,-7 4 0-16,-5 1-1 15,-13 11 1-15,-11 15 0 16,-11 11 1-16,-19-1-2 15,-5 1 1-15,-6-6 0 16,-7 16 0-16,-5 0 0 16,-5-10 0-16,-7-6-1 15,12-10 1-15,11 0-1 16,7-5 0-16,12-1 0 16,5 1 0-16,12-5 1 15,18-6 0-15,17 0 0 16,12 0 1-16,1 0 1 15,5-5 0-15,18 0 0 0,-1-5 1 16,7-6-2-16,-6 1 1 16,0-6-2-16,-6-5 1 15,-6-10-6-15,-6-6 1 16,-12-5-10-16,-5-5 0 16,-19 15-8-16,-16 6 1 15</inkml:trace>
+          <inkml:trace contextRef="#ctx0" brushRef="#br0" timeOffset="1786.1284">3170-815 31 0,'0'-68'15'0,"12"47"-4"15,-12 11 15-15,0 10-23 16,0 0 0-16,-6 10 2 16,-6 1 1-16,-11 15-7 15,-1 21 0-15,-5 11 5 16,-7 10 1-16,7 5-2 16,-1 11 1-16,19-11-1 15,5 0 0-15,17-4-1 16,25-12 0-16,-1-20 0 15,12-16 0-15,6-21-1 16,12-11 1-16,18-15-1 0,-7-16 1 16,-11-10 0-16,-6-1 0 31,-24-57 0-31,-23 16 1 16,-24 10-1-16,-11 11 0 15,-19 10 0-15,-11 16 0 16,6 10-2-16,0 17 1 15,-12 9-4-15,-6 11 1 16,12 11-6-16,12 9 1 16,12 22-12-16,11 6 1 15</inkml:trace>
+          <inkml:trace contextRef="#ctx0" brushRef="#br0" timeOffset="2536.8672">3583-574 30 0,'-12'0'15'0,"29"21"-3"0,-5-21 9 15,12-5-19-15,11-6 0 16,18-10 0-16,12-15 1 15,0-17-4-15,-12 6 0 16,0 0 3-16,-18 5 0 16,-5 0-1-16,-7 0 0 15,-5 6 1-15,-6 4 1 0,-6 6-1 16,5 5 0-16,1 11-1 16,-6 20 1-16,-6 6 0 15,0 21 0-15,0 15-1 16,0 16 0-16,-6 5-1 15,6 6 1-15,0 0 0 16,-6-1 0-16,-11-10-1 16,-1-5 1-16,0-5 0 15,-11-6 0-15,-7-10-1 16,1-11 1-16,-6-10-1 16,0-5 1-16,-1-11-1 15,1-5 1-15,6-10-1 16,5-1 0-16,7-4 0 15,5-1 0-15,6 0 0 16,12 16 1-16,6-5 1 16,12 0 0-16,5-1 2 0,19 1 1 15,5 5 1-15,23 0 0 16,-5 0-1-16,-18 0 1 16,24 0-1-16,-12-5 1 15,6 0-4-15,0 5 0 16,-1-6-4-16,-5-4 1 15,0 0-7-15,-6-6 1 16,-11 5-14-16,-13 11 1 16,18-10-1-16,-12-11 0 15</inkml:trace>
+          <inkml:trace contextRef="#ctx0" brushRef="#br0" timeOffset="3418.3803">5503-830 19 0,'-17'-6'9'0,"-1"22"-1"0,0-16 9 16,12 5-15-16,-11 1 0 15,-1-12 5-15,-6-4 0 16,18-6-7-16,-5 6 1 16,-1-1 4-16,0 1 1 15,0-1 0-15,-5 1 0 16,-13 10-1-16,7-6 0 0,-13 1-2 16,-5 0 1-16,12 0-1 15,-7 0 1-15,1-6-2 16,-6 1 1-16,-1-1-2 15,13 1 1-15,-1-1-1 16,7 11 1-16,-1 0-2 16,7 5 1-16,5 6-1 15,6-1 0-15,6 17 0 16,0-7 0-16,0 12 0 16,0 10 0-16,6 0 0 15,-6 5 0-15,0 0-1 16,0 0 1-16,6-5 0 15,0 0 1-15,0-16-1 16,-6-5 0-16,0-11 0 16,5-4 1-16,-5-12 0 15,0 6 0-15,0-10-1 0,6 5 0 16,0-6-1-16,12 11 1 16,11-10-1-16,-5 10 1 15,5 5-1-15,7 0 1 16,5 6-1-16,0 10 1 15,0 5 0-15,1 11 0 16,-7-6 0-16,-11-5 1 16,-18 6 1-16,-6 4 1 15,-12 1 1-15,-18 5 0 16,-11-6 0-16,17-4 0 16,-23-1-1-16,-17-4 1 0,-7-12-2 15,-6-10 0-15,12-10-2 16,-5-10 1-16,-1-1-6 15,12-5 1-15,30 0-15 16,17 5 1-16,0-20-3 16,47-22 1-16</inkml:trace>
+        </inkml:traceGroup>
+      </inkml:traceGroup>
+    </inkml:traceGroup>
   </inkml:traceGroup>
 </inkml:ink>
 </file>
@@ -898,7 +2005,7 @@
           <inkml:channelProperty channel="T" name="resolution" value="1" units="1/dev"/>
         </inkml:channelProperties>
       </inkml:inkSource>
-      <inkml:timestamp xml:id="ts0" timeString="2016-08-21T12:37:45.610"/>
+      <inkml:timestamp xml:id="ts0" timeString="2016-08-22T11:07:04.261"/>
     </inkml:context>
     <inkml:brush xml:id="br0">
       <inkml:brushProperty name="width" value="0.05" units="cm"/>
@@ -910,14 +2017,12 @@
   <inkml:traceGroup>
     <inkml:annotationXML>
       <emma:emma xmlns:emma="http://www.w3.org/2003/04/emma" version="1.0">
-        <emma:interpretation id="{C4E5EAEB-D6A0-469E-9D3A-B473C727B735}" emma:medium="tactile" emma:mode="ink">
-          <msink:context xmlns:msink="http://schemas.microsoft.com/ink/2010/main" type="inkDrawing" rotatedBoundingBox="4726,10947 19521,11004 19520,11219 4725,11162" shapeName="None">
-            <msink:destinationLink direction="to" ref="{5D86FE92-7F0E-4320-8CE6-EA92BC382FB7}"/>
-          </msink:context>
+        <emma:interpretation id="{0259520B-C869-46BE-9F18-1E4D99E1433D}" emma:medium="tactile" emma:mode="ink">
+          <msink:context xmlns:msink="http://schemas.microsoft.com/ink/2010/main" type="inkDrawing" rotatedBoundingBox="12910,4142 14498,11404 8939,12619 7352,5357" hotPoints="13353,12402 8763,11111 8106,6388 12696,7680" semanticType="enclosure" shapeName="Ellipse"/>
         </emma:interpretation>
       </emma:emma>
     </inkml:annotationXML>
-    <inkml:trace contextRef="#ctx0" brushRef="#br0">206 199 21 0,'9'-4'10'0,"-4"-8"-7"0,-1 4 10 16,-4 0-12-16,0-1 0 15,0 1 5-15,5 0 0 16,-5 0-7-16,9 0 1 16,-5-4 4-16,-4 4 1 15,0 0-1-15,-4-1 1 0,-10 1-3 16,0 8 1-16,-4 0-1 15,-14 0 1-15,5 0-1 16,-1 0 0-16,5 0 0 16,0 8 0-16,5-4 0 15,4 1 1-15,1-1-1 0,4 0 1 32,4-4 0-32,5 0 0 0,5 4 0 15,4 0 0-15,9 0 0 16,9 0 0-16,6 0-1 15,12 0 0-15,1-8-1 16,9-4 0-16,0 0 0 16,9 0 0-16,9-1 1 15,-5 9 1-15,10 0-1 0,0 0 1 16,4-4 0-16,-9 4 0 16,10-8-1-16,-1 4 0 15,0 8-1-15,0-4 0 0,1-4 0 16,-1 4 0-16,0 0 0 15,1 0 0-15,-6 4-1 32,-17-4 1-32,18-4 0 15,-5 4 0-15,0 0-1 16,-5 0 1-16,-4 0-1 16,-4 0 1-16,4 4-1 0,0-4 1 15,4 0-1-15,-8-4 1 16,4 8-1-16,5-8 1 15,4 4-1-15,0 0 1 0,-5 0-1 16,-4 0 1-16,5 0-1 16,0 4 1-16,8 4 0 15,-8-8 0-15,4-8-1 16,9 8 1-16,5 0-1 16,-5 0 1-16,1-4-1 15,4 4 0-15,-5-4 0 0,-4-4 0 16,-5 4 0-16,5 4 1 15,4-8-1-15,0 4 1 16,0-4-1-16,5 4 1 0,0-5-1 16,5 1 1-1,-6 0-1-15,1 8 0 0,0-4 0 32,5 4 1-32,-5 0-1 15,-1 4 0-15,-3-4 0 16,-1 0 0-16,-4-4 0 15,-5 4 0-15,0-4 0 16,5 4 0-16,-1 0 0 0,6 4 0 16,-10 0 0-16,0 4 0 15,5-4 0-15,-1 0 0 0,-3-4 0 16,-1 0 1-16,9 0-1 16,5 0 0-16,0 0 0 15,0 0 0-15,0 4 0 16,4-4 0-16,-4 0 2 15,0 0 0-15,9 0-2 16,9 0 1 0,-9 0-1-16,9-4 0 15,0 4 0-15,0 4 0 16,10-4-2-16,8 0 1 16,-9 5 1-16,10-1 0 0,-5-4 0 15,0 4 0-15,13 0 0 16,-4 4 0-16,-9-4 0 15,0 0 0-15,-9 0 0 16,-1-8 0-16,6 8 0 16,-6-4 1-16,-3 0-1 15,-10 4 0-15,0 0 0 0,-5-4 0 16,-9 0 0-16,1 0 0 16,-6 0-1-16,6 0 1 15,-1 0 0-15,0 0 1 0,-9 4-2 16,5 4 1-16,0-8 0 15,4 0 1-15,-9-8-1 16,5 8 0-16,9 0 0 16,0 0 0-16,-5 8 0 15,0-4 0-15,5 1 0 32,5-5 0-32,-15 0 1 0,-3 0 0 15,3 0-1-15,1 0 0 16,0 4 0-16,-1-4 1 15,-3 4-1-15,3 0 0 0,1-4-1 16,-5 0 1-16,-4 0 0 16,-5-4 0-16,0 0-1 15,4 4 0-15,6 0 1 16,-1 0 0-16,-5 4 0 16,-4 0 0-16,5 0 0 15,9 0 0-15,-10-4 0 0,1 0 0 16,4 0 0-16,5 0 0 15,4 0 0-15,0 0 0 16,-9 4 0 0,5-4 0-16,4 0 0 15,-4-4 0-15,4 0 0 16,5 4 0-16,0 0 0 16,5 0 0-16,-15 4 0 15,1 0 0-15,0 0 0 16,-1-4 0-16,-8 0 0 15,0 0 0-15,-1 0 0 0,1 0 0 16,4 0 0-16,-9 0 0 16,-5 4 1-16,-4 0 0 15,-4 0-1-15,-15 0 0 0,1 4-1 16,-1 0 1-16,-4 1 0 16,5-1 0-16,-1 4-1 15,6-4 1-15,-6 0 0 16,1 0 0-16,8-4 0 15,1 0 0-15,4 0 0 16,1 1 1-16,-6 3-4 16,-8-4 1-16,-14 0-12 0,-14 0 0 15,-18 0-7-15,-5-12 1 32</inkml:trace>
+    <inkml:trace contextRef="#ctx0" brushRef="#br0">4113 23 44 0,'-29'-11'22'0,"41"-10"-22"0,0 11 23 0,-1 10-23 15,1 0 0-15,6 10 1 16,11 1 0-16,18 10-1 16,12 5 1-16,6 5 1 15,12 6 1-15,-18 10 0 16,0-5 1-16,-1 10 1 15,7 16 1 1,0 6-1-16,6 25 0 16,-6 6-1-16,-1 5 1 0,-5-5-1 15,-6-1 0-15,0 1-2 16,-5 5 1-16,-7 0-1 16,0-5 1-16,6 0-2 15,-12-11 1-15,1-10-1 16,-13 5 0-16,-5-11-1 0,-6 11 1 15,-6-10 0-15,0-6 0 16,0 0-1-16,5 1 1 16,1-6-1-16,6-5 1 15,5 5-1-15,1 0 0 16,-1-11 0-16,-5 11 0 16,0 1 0-1,-6-7 1-15,-1 1-1 16,-5 5 1-16,6 0 0 15,-6-10 0-15,6 0-1 0,0 4 1 16,5 7-1-16,-5-7 1 16,0 6-1-16,0 1 0 15,-1 9 0-15,1 1 1 16,0-6-1-16,0 6 1 0,-1-1 0 16,7-5 0-16,0-10-1 15,-1 5 1-15,1 6-1 16,0 4 1-16,0-4-1 15,-1 4 0-15,7 1 0 16,-7-1 0-16,7-4 0 16,-6-6 0-1,5 15 0-15,1 1 0 0,-7-10 0 16,1 9 0-16,-6 6 0 16,0-10 0-16,0 10 0 15,-1-5 0-15,7-6 0 16,-6-10 0-16,5 0 0 15,1-10 0-15,0 5 0 16,-1 0 0-16,1 10-1 16,-12-10 1-16,0 5 0 15,-6 5 0-15,0-5 0 16,0-5 0-16,0-5-1 16,0 10 1-16,-6-10 0 15,0-1 1-15,-6 6-1 16,-5-5 1-16,-1 4-1 0,-11 7 1 0,-7 4-1 15,1-10 1-15,-6-6-1 16,-1-4 0-16,-5-1-1 16,0 0 1-16,0 1-1 15,0-6 1-15,-6 0 0 16,-12 5 0-16,-6-4 0 31,-5 4 1-31,-1-10-1 0,-5-5 1 0,-13 4-1 16,-5-4 0-16,6 0 0 15,0-6 1-15,-7 1-1 16,-5-11 1-16,0-6-1 16,0-10 0-16,-12 1 0 15,-5-1 1-15,5-5-1 16,0 5 0-16,-6 0 0 0,-5-5 0 16,-1-5 0-16,-11-5 1 31,-48-11-1-31,7 0 0 15,11 0 1-15,6-5 1 16,-6 10-1-16,12-5 1 16,17 0 0-1,7-10 0-15,5-1 0 16,1 1 0-16,-1-6-1 16,6-10 0-16,1-11 0 15,5 6 0-15,18-11-1 16,11-10 1-16,1-6-1 15,5-10 1-15,-5-10-1 16,11-6 0-16,1 0 0 0,11 1 1 0,0-6-1 16,6-6 0-16,0-4 0 15,-5-16 1-15,5 5-1 16,6-11 0-16,0 22 0 16,11-16 1-16,1 5-1 15,0-11 0-15,5 1 0 16,-5 0 0-16,12-11 0 0,-7-16 0 15,1 11 0-15,0-11 0 16,5 11 0-16,1 5 0 16,11 6-1-16,12-1 1 15,6 11 0-15,12 0 0 16,6-16 0-16,-1 11 0 16,13-6-1-1,5 11 1-15,12-11 0 16,6-5 0-16,6 0 0 15,-12 1 0-15,1 4 0 16,-1 16 0-16,-6 16 0 16,6 0 1-16,0 15-1 15,6 16 0-15,12 11-1 16,6 0 1-16,-6 10 0 0,5-11 0 0,13 6-1 16,11-5 1-16,6 10 0 15,-6 0 1-15,7 6-1 16,-1 15 0-16,0 5 0 15,-6 1 0-15,18 20-2 16,24 16 1-16,17 5-3 31,18 0 0-31,-12 1-1 0,12-6 0 16,5-21-1-16,-5-16 1 16,-6-5 1-16,-6-10 0 15,-17-11 2-15,-13 10 1 16,-5-4 0-16,-18 20 1 15,-6 6-3-15,0 5 0 16,6-1-4-16,0 12 1 0,6 4-3 16,0-5 1-16,-6-4 0 15,-5-1 1-15,-1 0 2 16,-6-6 0-16,-12 12-8 16,-29 4 1-16</inkml:trace>
   </inkml:traceGroup>
 </inkml:ink>
 </file>
@@ -940,7 +2045,7 @@
           <inkml:channelProperty channel="T" name="resolution" value="1" units="1/dev"/>
         </inkml:channelProperties>
       </inkml:inkSource>
-      <inkml:timestamp xml:id="ts0" timeString="2016-08-21T12:40:01.396"/>
+      <inkml:timestamp xml:id="ts0" timeString="2016-08-22T11:07:11.509"/>
     </inkml:context>
     <inkml:brush xml:id="br0">
       <inkml:brushProperty name="width" value="0.05" units="cm"/>
@@ -949,8 +2054,47 @@
       <inkml:brushProperty name="fitToCurve" value="1"/>
     </inkml:brush>
   </inkml:definitions>
-  <inkml:trace contextRef="#ctx0" brushRef="#br0">5703 280 41 0,'-42'-53'20'0,"10"-4"-5"0,23 37 21 15,0-5-32-15,0 1 0 0,4 8 3 16,-4 8 0-16,5 8-8 31,4 12 0-31,18 37 6 16,14 20 1-16,23 28-2 0,18 29 0 15,9 29-2-15,10 19 0 16,-1 21-4-16,5-20 0 16,5-16 0-16,-5-42 0 15,-14-23 0-15,-9-25 1 16,-18-16 0-16,-14-21 0 0,-13-19 3 16,-19-34 0-16,-23-19-2 15,-27-25 0-15,-18-33-2 16,-24-32 0-16,-13-37-1 15,-13-15 0-15,-1-10 1 16,9 10 0-16,19 23 2 16,18 45 0-1,14 33 2-15,13 40 0 16,10 29 1-16,8 28 0 0,19 33-1 16,23 28 0-16,23 33-1 15,9 24 1-15,27 17-2 16,10 3 0-16,-1 13 0 15,-4-25 1-15,-5-8-1 16,-18-24 1-16,-14-25 0 0,-13-16 1 16,-19-24-1-16,-18-25 1 15,-18-28-2-15,-9-28 0 16,-24-38-1-16,-17-39 1 16,-24-46-2-16,-13-32 1 15,0-12-1-15,14 28 1 16,22 25 1-1,19 32 1 17,50 110 0-32,18 24 0 15,23 37 0-15,19 36 0 16,22 13 1-16,0 4-1 16,0-5 0-16,-4 5 1 15,-9-17 0-15,-19-12 0 0,-18-12 0 0,-14-16 0 16,-9-16 1-16,-13-25-2 15,-14-20 0-15,-10-37-3 16,-18-24 1-16,-18-33-2 16,5-24 0-16,4-4-2 15,5 20 1-15,13 25-2 16,10 24 0-16,9 24-4 0,4 21 1 16,9 32-8-16,5 20 1 15,-4 9-1-15,22 16 0 16</inkml:trace>
-  <inkml:trace contextRef="#ctx0" brushRef="#br0" timeOffset="1">5529 1560 44 0,'-32'-12'22'0,"64"-21"-17"0,-18 17 43 0,8-17-44 16,24-15 1-16,18-21 4 15,14-21 1-15,27-11-12 31,9-21 1-31,14-29 6 0,10-3 1 16,3 3-3-16,1 9 1 16,-23 20-3-16,-19 21 0 15,-17 24-1-15,-24 20 1 16,-18 32-1-16,-27 29 0 16,-37 25-1-16,-32 36 0 15,-36 40-1-15,-23 38 1 0,-33 27-1 16,-8 17 1-16,-14 12 1 15,18-24 1-15,23-12 1 16,13-37 1-16,19-25 1 16,23-32 0-16,14-16 1 15,36-28 0-15,28-46-2 16,27-44 0-16,41-40-1 0,18-38 0 0,33-39-2 16,4-5 1-16,13-4-2 15,-3 28 1-15,-24 21-1 16,-27 36 1-16,-23 29-2 15,-28 36 1-15,-31 33 0 16,-42 32 0-16,-22 54 0 31,-33 36 0-31,-4 20 2 0,-4-4 0 16,8 0 1-16,6-4 1 16,8-17-1-16,14-15 1 15,18-25-1-15,19-12 1 16,22-41-3-16,28-28 0 15,18-37-3-15,14-32 1 16,18-25-6-16,-4-20 0 0,-5-12-8 16,4 0 0-16,10 24-9 15,-9 13 0-15</inkml:trace>
+  <inkml:traceGroup>
+    <inkml:annotationXML>
+      <emma:emma xmlns:emma="http://www.w3.org/2003/04/emma" version="1.0">
+        <emma:interpretation id="{ED41A193-B839-47D5-8362-A836788B0F43}" emma:medium="tactile" emma:mode="ink">
+          <msink:context xmlns:msink="http://schemas.microsoft.com/ink/2010/main" type="writingRegion" rotatedBoundingBox="6334,2896 9991,3014 9930,4902 6273,4784"/>
+        </emma:interpretation>
+      </emma:emma>
+    </inkml:annotationXML>
+    <inkml:traceGroup>
+      <inkml:annotationXML>
+        <emma:emma xmlns:emma="http://www.w3.org/2003/04/emma" version="1.0">
+          <emma:interpretation id="{1CC216B7-3693-4ECF-B2FD-3F77E659CCFF}" emma:medium="tactile" emma:mode="ink">
+            <msink:context xmlns:msink="http://schemas.microsoft.com/ink/2010/main" type="paragraph" rotatedBoundingBox="6334,2896 9991,3014 9930,4902 6273,4784" alignmentLevel="1"/>
+          </emma:interpretation>
+        </emma:emma>
+      </inkml:annotationXML>
+      <inkml:traceGroup>
+        <inkml:annotationXML>
+          <emma:emma xmlns:emma="http://www.w3.org/2003/04/emma" version="1.0">
+            <emma:interpretation id="{0A559909-964A-42DD-B9A5-8CB627860A95}" emma:medium="tactile" emma:mode="ink">
+              <msink:context xmlns:msink="http://schemas.microsoft.com/ink/2010/main" type="line" rotatedBoundingBox="6334,2896 9991,3014 9930,4902 6273,4784"/>
+            </emma:interpretation>
+          </emma:emma>
+        </inkml:annotationXML>
+        <inkml:traceGroup>
+          <inkml:annotationXML>
+            <emma:emma xmlns:emma="http://www.w3.org/2003/04/emma" version="1.0">
+              <emma:interpretation id="{582A4762-DFF4-47D3-9579-07F80216E944}" emma:medium="tactile" emma:mode="ink">
+                <msink:context xmlns:msink="http://schemas.microsoft.com/ink/2010/main" type="inkWord" rotatedBoundingBox="6334,2896 9991,3014 9930,4902 6273,4784"/>
+              </emma:interpretation>
+            </emma:emma>
+          </inkml:annotationXML>
+          <inkml:trace contextRef="#ctx0" brushRef="#br0">-1703-665 34 0,'-18'-63'17'0,"12"1"-4"0,0 46 17 16,1 11-26-16,-7 10 1 15,-6-5 2-15,0 21 1 16,1 5-9-16,-1 16 0 16,0 5 6-16,7 26 0 15,-1-15-2 1,12 5 0-16,6 0 0 15,11-1 1-15,7-14-2 16,5-7 0-16,7-20 0 16,11-15 1-16,12-22-1 15,6-10 1-15,-7-16-2 16,-10-16 0-16,-7-10 0 16,-12 11 0-16,-5-17-1 0,-6-4 1 0,-13 4 0 15,-10 17 0-15,-13 4-1 16,-12 17 1-16,-11 10 0 15,-12 10 0-15,-6 16-1 16,0 16 0-16,-5 10-3 16,5-5 1-16,0 0-5 15,12 0 1-15,11-6-6 0,13 1 0 16,17 0-8-16,18 5 0 16</inkml:trace>
+          <inkml:trace contextRef="#ctx0" brushRef="#br0" timeOffset="-462.8331">-2840-565 17 0,'-24'-37'8'0,"-5"6"4"0,23 20 9 15,-6-5-16-15,-6 1 0 16,1 10 3-16,-1-6 0 16,0 1-10-16,1-6 1 15,5 5 8-15,0 1 0 16,6-6-2-16,6-15 1 15,6-1-1-15,6 1 0 0,11 5-1 16,7 0 1-16,11-1-1 16,6 6 0-16,6 6-1 15,0 4 1-15,6 6-1 16,-6 5 1-16,0 0-1 16,0 21 0-16,-11-5-1 15,-1 15 0 1,-18 1 0-16,-5-1 1 0,-12 11-2 15,-12 5 1-15,-18 0 0 16,-11 21 0-16,-6-5-1 16,-6-11 1-16,0 1-1 15,-6-6 1-15,0 0-2 16,5-10 1-16,7-1-1 16,0-4 1-16,12-6-1 0,11-5 0 15,12 0 0-15,12 0 1 16,12 0 0-16,11-6 1 15,18 6 0-15,0-10 1 16,12-11-1-16,12-5 0 16,5-11 0-16,-5-5 0 15,0 0-1-15,-12-5 0 0,0 0-1 16,-6 5 0-16,0 0-6 16,-6 5 1-16,-12 11-12 15,1 15 0-15,-1 11-8 16,0 11 1-16</inkml:trace>
+          <inkml:trace contextRef="#ctx0" brushRef="#br0" timeOffset="868.7639">-1090-749 28 0,'-6'16'14'0,"29"-11"-1"15,-11-5 14-15,6-5-24 16,5 0 1-16,13-6 2 16,5-10 0-16,0-10-8 15,6-11 0-15,-5 6 6 0,-1-6 0 16,-6-6-2-16,-11 7 1 0,-7 4-2 16,-5 5 1-16,-6 6-1 15,-6 5 0-15,-12 16-1 16,0 10 1-16,1 16-1 15,-1 5 0-15,6 22 0 32,6-1 0-32,12 10 0 0,0 1 1 15,5 0-1-15,1 4 1 16,0-4 0-16,-1 0 0 16,-5-16 0-16,-6-1 1 15,-12-9-1-15,-6-6 0 16,-11-5 0-16,-1 5 0 15,-5-10-1-15,-7 5 1 0,-5-5-1 16,0-6 0-16,0 1 0 16,-1-1 0-16,7-5 0 15,11 0 0-15,1 1 1 16,11-12 0-16,6 12 2 16,12-6 1-16,18 5 1 15,5 0 1 1,12 0 0-16,18-15 1 0,12-1-2 15,6-4 0-15,-7-1-2 16,-5 0 1-16,-6 1-4 16,-6-1 0-16,0-5-6 15,0 10 0-15,0 1-10 16,-12 10 0-16,6-5-7 16,-11 10 0-16</inkml:trace>
+          <inkml:trace contextRef="#ctx0" brushRef="#br0" timeOffset="1616.4404">506-1131 28 0,'18'5'14'0,"-6"-10"0"0,-12 5 13 0,0 0-24 16,0 0 1-16,0 0 3 15,0 0 1-15,0 0-8 16,0 0 0-16,0 0 6 15,-6 5 1-15,-12-5-1 0,0 6 0 16,-11-6-2-16,-6 0 1 16,-7 0-1-16,-5-6 0 15,0 6-2-15,6 0 1 16,0 0-2-16,-6 0 1 16,5 0-2-16,1 0 0 15,6 0 0 1,11-5 0-16,6 5-1 15,7-5 0-15,5 0 0 16,6 5 0-16,12 10 0 16,5 11 1-16,1 5-1 15,0 6 0-15,-1 20 0 16,1-5 1-16,0 6 0 16,-7-1 1-16,1-10-1 0,-6-11 0 15,0-5-1-15,0 1 1 0,0-12 0 16,0-9 0-16,5-1-1 15,7-16 1-15,6 6-1 16,5-5 1-16,6 10 0 16,7-11 0-16,5 6 0 15,-6 10 0-15,6 6 0 0,-6 4 0 16,1 6 1-16,-7 0 0 16,-5 11 0-16,-13 10 1 15,-11-11 0-15,-12 11 1 16,-11 0 0-16,-13 0 1 15,-17-6-1-15,-18 1 0 32,-6-11-1-32,1-10 0 0,-1-11-3 15,6-10 0-15,18-6-11 16,24-10 1-16,28-20-11 16,25 4 0-16</inkml:trace>
+          <inkml:trace contextRef="#ctx0" brushRef="#br0" timeOffset="-1661.3042">548 739 19 0,'5'21'9'0,"7"-27"7"0,-12 6 10 15,0 0-20-15,0 0 0 16,0 0 6-16,0 0 0 16,0 0-13-16,-6 0 1 15,0 0 10-15,1-5 1 16,-7-16-3-16,-18-5 1 16,1-21-2-1,-12-21 0-15,-7-5-2 16,-5-11 0-16,0-21-2 15,0 26 0-15,0 11-1 16,6 11 0-16,0 4-10 16,6 22 1-16,11 10-15 0,19 5 0 15</inkml:trace>
+        </inkml:traceGroup>
+      </inkml:traceGroup>
+    </inkml:traceGroup>
+  </inkml:traceGroup>
 </inkml:ink>
 </file>
 
@@ -1451,6 +2595,339 @@
 </p:notes>
 </file>
 
+<file path=ppt/notesSlides/notesSlide10.xml><?xml version="1.0" encoding="utf-8"?>
+<p:notes xmlns:a="http://schemas.openxmlformats.org/drawingml/2006/main" xmlns:r="http://schemas.openxmlformats.org/officeDocument/2006/relationships" xmlns:p="http://schemas.openxmlformats.org/presentationml/2006/main">
+  <p:cSld>
+    <p:spTree>
+      <p:nvGrpSpPr>
+        <p:cNvPr id="1" name=""/>
+        <p:cNvGrpSpPr/>
+        <p:nvPr/>
+      </p:nvGrpSpPr>
+      <p:grpSpPr>
+        <a:xfrm>
+          <a:off x="0" y="0"/>
+          <a:ext cx="0" cy="0"/>
+          <a:chOff x="0" y="0"/>
+          <a:chExt cx="0" cy="0"/>
+        </a:xfrm>
+      </p:grpSpPr>
+      <p:sp>
+        <p:nvSpPr>
+          <p:cNvPr id="2" name="Slide Image Placeholder 1"/>
+          <p:cNvSpPr>
+            <a:spLocks noGrp="1" noRot="1" noChangeAspect="1"/>
+          </p:cNvSpPr>
+          <p:nvPr>
+            <p:ph type="sldImg"/>
+          </p:nvPr>
+        </p:nvSpPr>
+        <p:spPr/>
+      </p:sp>
+      <p:sp>
+        <p:nvSpPr>
+          <p:cNvPr id="3" name="Notes Placeholder 2"/>
+          <p:cNvSpPr>
+            <a:spLocks noGrp="1"/>
+          </p:cNvSpPr>
+          <p:nvPr>
+            <p:ph type="body" idx="1"/>
+          </p:nvPr>
+        </p:nvSpPr>
+        <p:spPr/>
+        <p:txBody>
+          <a:bodyPr/>
+          <a:lstStyle/>
+          <a:p>
+            <a:r>
+              <a:rPr lang="en-US" dirty="0"/>
+              <a:t>First</a:t>
+            </a:r>
+            <a:r>
+              <a:rPr lang="en-US" baseline="0" dirty="0"/>
+              <a:t> two rules: consistency with runtime if and scopes in the language. I.e. the D example does not work in C++.</a:t>
+            </a:r>
+          </a:p>
+          <a:p>
+            <a:r>
+              <a:rPr lang="en-US" baseline="0" dirty="0"/>
+              <a:t>(show animation)</a:t>
+            </a:r>
+          </a:p>
+          <a:p>
+            <a:r>
+              <a:rPr lang="en-US" baseline="0" dirty="0"/>
+              <a:t>Last rule: basically, the two branches have to be </a:t>
+            </a:r>
+            <a:r>
+              <a:rPr lang="en-US" baseline="0" dirty="0" err="1"/>
+              <a:t>parseable</a:t>
+            </a:r>
+            <a:r>
+              <a:rPr lang="en-US" baseline="0" dirty="0"/>
+              <a:t> and well-formed. Only the matched branch will be instantiated, though.</a:t>
+            </a:r>
+          </a:p>
+          <a:p>
+            <a:endParaRPr lang="en-US" baseline="0" dirty="0"/>
+          </a:p>
+          <a:p>
+            <a:r>
+              <a:rPr lang="en-US" dirty="0"/>
+              <a:t>The above rules deal with the controversial ideas of N3613, making `</a:t>
+            </a:r>
+            <a:r>
+              <a:rPr lang="en-US" dirty="0" err="1"/>
+              <a:t>constexpr</a:t>
+            </a:r>
+            <a:r>
+              <a:rPr lang="en-US" dirty="0"/>
+              <a:t> if` an intuitive and familiar compile-time version of the regular `if` statement.</a:t>
+            </a:r>
+            <a:endParaRPr lang="it-IT" dirty="0"/>
+          </a:p>
+        </p:txBody>
+      </p:sp>
+      <p:sp>
+        <p:nvSpPr>
+          <p:cNvPr id="4" name="Slide Number Placeholder 3"/>
+          <p:cNvSpPr>
+            <a:spLocks noGrp="1"/>
+          </p:cNvSpPr>
+          <p:nvPr>
+            <p:ph type="sldNum" sz="quarter" idx="10"/>
+          </p:nvPr>
+        </p:nvSpPr>
+        <p:spPr/>
+        <p:txBody>
+          <a:bodyPr/>
+          <a:lstStyle/>
+          <a:p>
+            <a:fld id="{FCA4862E-9507-4BEC-B7E3-B3B5E302CC7C}" type="slidenum">
+              <a:rPr lang="it-IT" smtClean="0"/>
+              <a:t>12</a:t>
+            </a:fld>
+            <a:endParaRPr lang="it-IT"/>
+          </a:p>
+        </p:txBody>
+      </p:sp>
+    </p:spTree>
+    <p:extLst>
+      <p:ext uri="{BB962C8B-B14F-4D97-AF65-F5344CB8AC3E}">
+        <p14:creationId xmlns:p14="http://schemas.microsoft.com/office/powerpoint/2010/main" val="346789987"/>
+      </p:ext>
+    </p:extLst>
+  </p:cSld>
+  <p:clrMapOvr>
+    <a:masterClrMapping/>
+  </p:clrMapOvr>
+</p:notes>
+</file>
+
+<file path=ppt/notesSlides/notesSlide11.xml><?xml version="1.0" encoding="utf-8"?>
+<p:notes xmlns:a="http://schemas.openxmlformats.org/drawingml/2006/main" xmlns:r="http://schemas.openxmlformats.org/officeDocument/2006/relationships" xmlns:p="http://schemas.openxmlformats.org/presentationml/2006/main">
+  <p:cSld>
+    <p:spTree>
+      <p:nvGrpSpPr>
+        <p:cNvPr id="1" name=""/>
+        <p:cNvGrpSpPr/>
+        <p:nvPr/>
+      </p:nvGrpSpPr>
+      <p:grpSpPr>
+        <a:xfrm>
+          <a:off x="0" y="0"/>
+          <a:ext cx="0" cy="0"/>
+          <a:chOff x="0" y="0"/>
+          <a:chExt cx="0" cy="0"/>
+        </a:xfrm>
+      </p:grpSpPr>
+      <p:sp>
+        <p:nvSpPr>
+          <p:cNvPr id="2" name="Slide Image Placeholder 1"/>
+          <p:cNvSpPr>
+            <a:spLocks noGrp="1" noRot="1" noChangeAspect="1"/>
+          </p:cNvSpPr>
+          <p:nvPr>
+            <p:ph type="sldImg"/>
+          </p:nvPr>
+        </p:nvSpPr>
+        <p:spPr/>
+      </p:sp>
+      <p:sp>
+        <p:nvSpPr>
+          <p:cNvPr id="3" name="Notes Placeholder 2"/>
+          <p:cNvSpPr>
+            <a:spLocks noGrp="1"/>
+          </p:cNvSpPr>
+          <p:nvPr>
+            <p:ph type="body" idx="1"/>
+          </p:nvPr>
+        </p:nvSpPr>
+        <p:spPr/>
+        <p:txBody>
+          <a:bodyPr/>
+          <a:lstStyle/>
+          <a:p>
+            <a:endParaRPr lang="it-IT" dirty="0"/>
+          </a:p>
+        </p:txBody>
+      </p:sp>
+      <p:sp>
+        <p:nvSpPr>
+          <p:cNvPr id="4" name="Slide Number Placeholder 3"/>
+          <p:cNvSpPr>
+            <a:spLocks noGrp="1"/>
+          </p:cNvSpPr>
+          <p:nvPr>
+            <p:ph type="sldNum" sz="quarter" idx="10"/>
+          </p:nvPr>
+        </p:nvSpPr>
+        <p:spPr/>
+        <p:txBody>
+          <a:bodyPr/>
+          <a:lstStyle/>
+          <a:p>
+            <a:fld id="{FCA4862E-9507-4BEC-B7E3-B3B5E302CC7C}" type="slidenum">
+              <a:rPr lang="it-IT" smtClean="0"/>
+              <a:t>13</a:t>
+            </a:fld>
+            <a:endParaRPr lang="it-IT"/>
+          </a:p>
+        </p:txBody>
+      </p:sp>
+    </p:spTree>
+    <p:extLst>
+      <p:ext uri="{BB962C8B-B14F-4D97-AF65-F5344CB8AC3E}">
+        <p14:creationId xmlns:p14="http://schemas.microsoft.com/office/powerpoint/2010/main" val="2484318627"/>
+      </p:ext>
+    </p:extLst>
+  </p:cSld>
+  <p:clrMapOvr>
+    <a:masterClrMapping/>
+  </p:clrMapOvr>
+</p:notes>
+</file>
+
+<file path=ppt/notesSlides/notesSlide12.xml><?xml version="1.0" encoding="utf-8"?>
+<p:notes xmlns:a="http://schemas.openxmlformats.org/drawingml/2006/main" xmlns:r="http://schemas.openxmlformats.org/officeDocument/2006/relationships" xmlns:p="http://schemas.openxmlformats.org/presentationml/2006/main">
+  <p:cSld>
+    <p:spTree>
+      <p:nvGrpSpPr>
+        <p:cNvPr id="1" name=""/>
+        <p:cNvGrpSpPr/>
+        <p:nvPr/>
+      </p:nvGrpSpPr>
+      <p:grpSpPr>
+        <a:xfrm>
+          <a:off x="0" y="0"/>
+          <a:ext cx="0" cy="0"/>
+          <a:chOff x="0" y="0"/>
+          <a:chExt cx="0" cy="0"/>
+        </a:xfrm>
+      </p:grpSpPr>
+      <p:sp>
+        <p:nvSpPr>
+          <p:cNvPr id="2" name="Slide Image Placeholder 1"/>
+          <p:cNvSpPr>
+            <a:spLocks noGrp="1" noRot="1" noChangeAspect="1"/>
+          </p:cNvSpPr>
+          <p:nvPr>
+            <p:ph type="sldImg"/>
+          </p:nvPr>
+        </p:nvSpPr>
+        <p:spPr/>
+      </p:sp>
+      <p:sp>
+        <p:nvSpPr>
+          <p:cNvPr id="3" name="Notes Placeholder 2"/>
+          <p:cNvSpPr>
+            <a:spLocks noGrp="1"/>
+          </p:cNvSpPr>
+          <p:nvPr>
+            <p:ph type="body" idx="1"/>
+          </p:nvPr>
+        </p:nvSpPr>
+        <p:spPr/>
+        <p:txBody>
+          <a:bodyPr/>
+          <a:lstStyle/>
+          <a:p>
+            <a:r>
+              <a:rPr lang="en-US" dirty="0"/>
+              <a:t>// `if </a:t>
+            </a:r>
+            <a:r>
+              <a:rPr lang="en-US" dirty="0" err="1"/>
+              <a:t>constexpr</a:t>
+            </a:r>
+            <a:r>
+              <a:rPr lang="en-US" dirty="0"/>
+              <a:t>` is part of the C++17 standard...</a:t>
+            </a:r>
+          </a:p>
+          <a:p>
+            <a:r>
+              <a:rPr lang="en-US" dirty="0"/>
+              <a:t>// ...but you don't have to wait for your compiler to implement it!</a:t>
+            </a:r>
+          </a:p>
+          <a:p>
+            <a:r>
+              <a:rPr lang="en-US" dirty="0"/>
+              <a:t>// It turns out that we can create an equivalent construct with C++14</a:t>
+            </a:r>
+          </a:p>
+          <a:p>
+            <a:r>
+              <a:rPr lang="en-US" dirty="0"/>
+              <a:t>// language features, with, unfortunately, a slightly less enticing</a:t>
+            </a:r>
+          </a:p>
+          <a:p>
+            <a:r>
+              <a:rPr lang="en-US" dirty="0"/>
+              <a:t>// syntax.</a:t>
+            </a:r>
+            <a:endParaRPr lang="it-IT" dirty="0"/>
+          </a:p>
+        </p:txBody>
+      </p:sp>
+      <p:sp>
+        <p:nvSpPr>
+          <p:cNvPr id="4" name="Slide Number Placeholder 3"/>
+          <p:cNvSpPr>
+            <a:spLocks noGrp="1"/>
+          </p:cNvSpPr>
+          <p:nvPr>
+            <p:ph type="sldNum" sz="quarter" idx="10"/>
+          </p:nvPr>
+        </p:nvSpPr>
+        <p:spPr/>
+        <p:txBody>
+          <a:bodyPr/>
+          <a:lstStyle/>
+          <a:p>
+            <a:fld id="{FCA4862E-9507-4BEC-B7E3-B3B5E302CC7C}" type="slidenum">
+              <a:rPr lang="it-IT" smtClean="0"/>
+              <a:t>14</a:t>
+            </a:fld>
+            <a:endParaRPr lang="it-IT"/>
+          </a:p>
+        </p:txBody>
+      </p:sp>
+    </p:spTree>
+    <p:extLst>
+      <p:ext uri="{BB962C8B-B14F-4D97-AF65-F5344CB8AC3E}">
+        <p14:creationId xmlns:p14="http://schemas.microsoft.com/office/powerpoint/2010/main" val="551642873"/>
+      </p:ext>
+    </p:extLst>
+  </p:cSld>
+  <p:clrMapOvr>
+    <a:masterClrMapping/>
+  </p:clrMapOvr>
+</p:notes>
+</file>
+
 <file path=ppt/notesSlides/notesSlide2.xml><?xml version="1.0" encoding="utf-8"?>
 <p:notes xmlns:a="http://schemas.openxmlformats.org/drawingml/2006/main" xmlns:r="http://schemas.openxmlformats.org/officeDocument/2006/relationships" xmlns:p="http://schemas.openxmlformats.org/presentationml/2006/main">
   <p:cSld>
@@ -1943,6 +3420,258 @@
     <p:extLst>
       <p:ext uri="{BB962C8B-B14F-4D97-AF65-F5344CB8AC3E}">
         <p14:creationId xmlns:p14="http://schemas.microsoft.com/office/powerpoint/2010/main" val="3223549252"/>
+      </p:ext>
+    </p:extLst>
+  </p:cSld>
+  <p:clrMapOvr>
+    <a:masterClrMapping/>
+  </p:clrMapOvr>
+</p:notes>
+</file>
+
+<file path=ppt/notesSlides/notesSlide7.xml><?xml version="1.0" encoding="utf-8"?>
+<p:notes xmlns:a="http://schemas.openxmlformats.org/drawingml/2006/main" xmlns:r="http://schemas.openxmlformats.org/officeDocument/2006/relationships" xmlns:p="http://schemas.openxmlformats.org/presentationml/2006/main">
+  <p:cSld>
+    <p:spTree>
+      <p:nvGrpSpPr>
+        <p:cNvPr id="1" name=""/>
+        <p:cNvGrpSpPr/>
+        <p:nvPr/>
+      </p:nvGrpSpPr>
+      <p:grpSpPr>
+        <a:xfrm>
+          <a:off x="0" y="0"/>
+          <a:ext cx="0" cy="0"/>
+          <a:chOff x="0" y="0"/>
+          <a:chExt cx="0" cy="0"/>
+        </a:xfrm>
+      </p:grpSpPr>
+      <p:sp>
+        <p:nvSpPr>
+          <p:cNvPr id="2" name="Slide Image Placeholder 1"/>
+          <p:cNvSpPr>
+            <a:spLocks noGrp="1" noRot="1" noChangeAspect="1"/>
+          </p:cNvSpPr>
+          <p:nvPr>
+            <p:ph type="sldImg"/>
+          </p:nvPr>
+        </p:nvSpPr>
+        <p:spPr/>
+      </p:sp>
+      <p:sp>
+        <p:nvSpPr>
+          <p:cNvPr id="3" name="Notes Placeholder 2"/>
+          <p:cNvSpPr>
+            <a:spLocks noGrp="1"/>
+          </p:cNvSpPr>
+          <p:nvPr>
+            <p:ph type="body" idx="1"/>
+          </p:nvPr>
+        </p:nvSpPr>
+        <p:spPr/>
+        <p:txBody>
+          <a:bodyPr/>
+          <a:lstStyle/>
+          <a:p>
+            <a:endParaRPr lang="it-IT" dirty="0"/>
+          </a:p>
+        </p:txBody>
+      </p:sp>
+      <p:sp>
+        <p:nvSpPr>
+          <p:cNvPr id="4" name="Slide Number Placeholder 3"/>
+          <p:cNvSpPr>
+            <a:spLocks noGrp="1"/>
+          </p:cNvSpPr>
+          <p:nvPr>
+            <p:ph type="sldNum" sz="quarter" idx="10"/>
+          </p:nvPr>
+        </p:nvSpPr>
+        <p:spPr/>
+        <p:txBody>
+          <a:bodyPr/>
+          <a:lstStyle/>
+          <a:p>
+            <a:fld id="{FCA4862E-9507-4BEC-B7E3-B3B5E302CC7C}" type="slidenum">
+              <a:rPr lang="it-IT" smtClean="0"/>
+              <a:t>8</a:t>
+            </a:fld>
+            <a:endParaRPr lang="it-IT"/>
+          </a:p>
+        </p:txBody>
+      </p:sp>
+    </p:spTree>
+    <p:extLst>
+      <p:ext uri="{BB962C8B-B14F-4D97-AF65-F5344CB8AC3E}">
+        <p14:creationId xmlns:p14="http://schemas.microsoft.com/office/powerpoint/2010/main" val="4076380116"/>
+      </p:ext>
+    </p:extLst>
+  </p:cSld>
+  <p:clrMapOvr>
+    <a:masterClrMapping/>
+  </p:clrMapOvr>
+</p:notes>
+</file>
+
+<file path=ppt/notesSlides/notesSlide8.xml><?xml version="1.0" encoding="utf-8"?>
+<p:notes xmlns:a="http://schemas.openxmlformats.org/drawingml/2006/main" xmlns:r="http://schemas.openxmlformats.org/officeDocument/2006/relationships" xmlns:p="http://schemas.openxmlformats.org/presentationml/2006/main">
+  <p:cSld>
+    <p:spTree>
+      <p:nvGrpSpPr>
+        <p:cNvPr id="1" name=""/>
+        <p:cNvGrpSpPr/>
+        <p:nvPr/>
+      </p:nvGrpSpPr>
+      <p:grpSpPr>
+        <a:xfrm>
+          <a:off x="0" y="0"/>
+          <a:ext cx="0" cy="0"/>
+          <a:chOff x="0" y="0"/>
+          <a:chExt cx="0" cy="0"/>
+        </a:xfrm>
+      </p:grpSpPr>
+      <p:sp>
+        <p:nvSpPr>
+          <p:cNvPr id="2" name="Slide Image Placeholder 1"/>
+          <p:cNvSpPr>
+            <a:spLocks noGrp="1" noRot="1" noChangeAspect="1"/>
+          </p:cNvSpPr>
+          <p:nvPr>
+            <p:ph type="sldImg"/>
+          </p:nvPr>
+        </p:nvSpPr>
+        <p:spPr/>
+      </p:sp>
+      <p:sp>
+        <p:nvSpPr>
+          <p:cNvPr id="3" name="Notes Placeholder 2"/>
+          <p:cNvSpPr>
+            <a:spLocks noGrp="1"/>
+          </p:cNvSpPr>
+          <p:nvPr>
+            <p:ph type="body" idx="1"/>
+          </p:nvPr>
+        </p:nvSpPr>
+        <p:spPr/>
+        <p:txBody>
+          <a:bodyPr/>
+          <a:lstStyle/>
+          <a:p>
+            <a:endParaRPr lang="it-IT" dirty="0"/>
+          </a:p>
+        </p:txBody>
+      </p:sp>
+      <p:sp>
+        <p:nvSpPr>
+          <p:cNvPr id="4" name="Slide Number Placeholder 3"/>
+          <p:cNvSpPr>
+            <a:spLocks noGrp="1"/>
+          </p:cNvSpPr>
+          <p:nvPr>
+            <p:ph type="sldNum" sz="quarter" idx="10"/>
+          </p:nvPr>
+        </p:nvSpPr>
+        <p:spPr/>
+        <p:txBody>
+          <a:bodyPr/>
+          <a:lstStyle/>
+          <a:p>
+            <a:fld id="{FCA4862E-9507-4BEC-B7E3-B3B5E302CC7C}" type="slidenum">
+              <a:rPr lang="it-IT" smtClean="0"/>
+              <a:t>9</a:t>
+            </a:fld>
+            <a:endParaRPr lang="it-IT"/>
+          </a:p>
+        </p:txBody>
+      </p:sp>
+    </p:spTree>
+    <p:extLst>
+      <p:ext uri="{BB962C8B-B14F-4D97-AF65-F5344CB8AC3E}">
+        <p14:creationId xmlns:p14="http://schemas.microsoft.com/office/powerpoint/2010/main" val="1502857467"/>
+      </p:ext>
+    </p:extLst>
+  </p:cSld>
+  <p:clrMapOvr>
+    <a:masterClrMapping/>
+  </p:clrMapOvr>
+</p:notes>
+</file>
+
+<file path=ppt/notesSlides/notesSlide9.xml><?xml version="1.0" encoding="utf-8"?>
+<p:notes xmlns:a="http://schemas.openxmlformats.org/drawingml/2006/main" xmlns:r="http://schemas.openxmlformats.org/officeDocument/2006/relationships" xmlns:p="http://schemas.openxmlformats.org/presentationml/2006/main">
+  <p:cSld>
+    <p:spTree>
+      <p:nvGrpSpPr>
+        <p:cNvPr id="1" name=""/>
+        <p:cNvGrpSpPr/>
+        <p:nvPr/>
+      </p:nvGrpSpPr>
+      <p:grpSpPr>
+        <a:xfrm>
+          <a:off x="0" y="0"/>
+          <a:ext cx="0" cy="0"/>
+          <a:chOff x="0" y="0"/>
+          <a:chExt cx="0" cy="0"/>
+        </a:xfrm>
+      </p:grpSpPr>
+      <p:sp>
+        <p:nvSpPr>
+          <p:cNvPr id="2" name="Slide Image Placeholder 1"/>
+          <p:cNvSpPr>
+            <a:spLocks noGrp="1" noRot="1" noChangeAspect="1"/>
+          </p:cNvSpPr>
+          <p:nvPr>
+            <p:ph type="sldImg"/>
+          </p:nvPr>
+        </p:nvSpPr>
+        <p:spPr/>
+      </p:sp>
+      <p:sp>
+        <p:nvSpPr>
+          <p:cNvPr id="3" name="Notes Placeholder 2"/>
+          <p:cNvSpPr>
+            <a:spLocks noGrp="1"/>
+          </p:cNvSpPr>
+          <p:nvPr>
+            <p:ph type="body" idx="1"/>
+          </p:nvPr>
+        </p:nvSpPr>
+        <p:spPr/>
+        <p:txBody>
+          <a:bodyPr/>
+          <a:lstStyle/>
+          <a:p>
+            <a:endParaRPr lang="it-IT" dirty="0"/>
+          </a:p>
+        </p:txBody>
+      </p:sp>
+      <p:sp>
+        <p:nvSpPr>
+          <p:cNvPr id="4" name="Slide Number Placeholder 3"/>
+          <p:cNvSpPr>
+            <a:spLocks noGrp="1"/>
+          </p:cNvSpPr>
+          <p:nvPr>
+            <p:ph type="sldNum" sz="quarter" idx="10"/>
+          </p:nvPr>
+        </p:nvSpPr>
+        <p:spPr/>
+        <p:txBody>
+          <a:bodyPr/>
+          <a:lstStyle/>
+          <a:p>
+            <a:fld id="{FCA4862E-9507-4BEC-B7E3-B3B5E302CC7C}" type="slidenum">
+              <a:rPr lang="it-IT" smtClean="0"/>
+              <a:t>10</a:t>
+            </a:fld>
+            <a:endParaRPr lang="it-IT"/>
+          </a:p>
+        </p:txBody>
+      </p:sp>
+    </p:spTree>
+    <p:extLst>
+      <p:ext uri="{BB962C8B-B14F-4D97-AF65-F5344CB8AC3E}">
+        <p14:creationId xmlns:p14="http://schemas.microsoft.com/office/powerpoint/2010/main" val="812567192"/>
       </p:ext>
     </p:extLst>
   </p:cSld>
@@ -4878,6 +6607,2652 @@
 </file>
 
 <file path=ppt/slides/slide10.xml><?xml version="1.0" encoding="utf-8"?>
+<p:sld xmlns:a="http://schemas.openxmlformats.org/drawingml/2006/main" xmlns:r="http://schemas.openxmlformats.org/officeDocument/2006/relationships" xmlns:p="http://schemas.openxmlformats.org/presentationml/2006/main">
+  <p:cSld>
+    <p:spTree>
+      <p:nvGrpSpPr>
+        <p:cNvPr id="1" name=""/>
+        <p:cNvGrpSpPr/>
+        <p:nvPr/>
+      </p:nvGrpSpPr>
+      <p:grpSpPr>
+        <a:xfrm>
+          <a:off x="0" y="0"/>
+          <a:ext cx="0" cy="0"/>
+          <a:chOff x="0" y="0"/>
+          <a:chExt cx="0" cy="0"/>
+        </a:xfrm>
+      </p:grpSpPr>
+      <p:sp>
+        <p:nvSpPr>
+          <p:cNvPr id="2" name="Title 1"/>
+          <p:cNvSpPr>
+            <a:spLocks noGrp="1"/>
+          </p:cNvSpPr>
+          <p:nvPr>
+            <p:ph type="title"/>
+          </p:nvPr>
+        </p:nvSpPr>
+        <p:spPr/>
+        <p:txBody>
+          <a:bodyPr/>
+          <a:lstStyle/>
+          <a:p>
+            <a:r>
+              <a:rPr lang="en-US" dirty="0"/>
+              <a:t>History of </a:t>
+            </a:r>
+            <a:r>
+              <a:rPr lang="en-US" dirty="0">
+                <a:latin typeface="Consolas" panose="020B0609020204030204" pitchFamily="49" charset="0"/>
+              </a:rPr>
+              <a:t>static if</a:t>
+            </a:r>
+            <a:r>
+              <a:rPr lang="en-US" dirty="0"/>
+              <a:t> proposals - 3</a:t>
+            </a:r>
+            <a:endParaRPr lang="it-IT" dirty="0"/>
+          </a:p>
+        </p:txBody>
+      </p:sp>
+      <p:sp>
+        <p:nvSpPr>
+          <p:cNvPr id="4" name="Content Placeholder 3"/>
+          <p:cNvSpPr>
+            <a:spLocks noGrp="1"/>
+          </p:cNvSpPr>
+          <p:nvPr>
+            <p:ph sz="half" idx="1"/>
+          </p:nvPr>
+        </p:nvSpPr>
+        <p:spPr>
+          <a:xfrm>
+            <a:off x="838200" y="1825625"/>
+            <a:ext cx="6514707" cy="4351338"/>
+          </a:xfrm>
+        </p:spPr>
+        <p:txBody>
+          <a:bodyPr/>
+          <a:lstStyle/>
+          <a:p>
+            <a:r>
+              <a:rPr lang="en-US" dirty="0"/>
+              <a:t>The final revision, </a:t>
+            </a:r>
+            <a:r>
+              <a:rPr lang="en-US" dirty="0">
+                <a:hlinkClick r:id="rId3"/>
+              </a:rPr>
+              <a:t>P0292R2</a:t>
+            </a:r>
+            <a:r>
+              <a:rPr lang="en-US" dirty="0"/>
+              <a:t>, was accepted for C++17:</a:t>
+            </a:r>
+          </a:p>
+          <a:p>
+            <a:pPr lvl="1"/>
+            <a:r>
+              <a:rPr lang="en-US" dirty="0"/>
+              <a:t>“</a:t>
+            </a:r>
+            <a:r>
+              <a:rPr lang="en-US" dirty="0" err="1"/>
+              <a:t>constexpr</a:t>
+            </a:r>
+            <a:r>
+              <a:rPr lang="en-US" dirty="0"/>
+              <a:t> if: A slightly different syntax”</a:t>
+            </a:r>
+            <a:br>
+              <a:rPr lang="en-US" dirty="0"/>
+            </a:br>
+            <a:r>
+              <a:rPr lang="en-US" i="1" dirty="0"/>
+              <a:t>- Jens Maurer</a:t>
+            </a:r>
+            <a:endParaRPr lang="it-IT" i="1" dirty="0"/>
+          </a:p>
+        </p:txBody>
+      </p:sp>
+      <p:sp>
+        <p:nvSpPr>
+          <p:cNvPr id="5" name="Content Placeholder 4"/>
+          <p:cNvSpPr>
+            <a:spLocks noGrp="1"/>
+          </p:cNvSpPr>
+          <p:nvPr>
+            <p:ph sz="half" idx="2"/>
+          </p:nvPr>
+        </p:nvSpPr>
+        <p:spPr>
+          <a:xfrm>
+            <a:off x="7711126" y="1825625"/>
+            <a:ext cx="3642674" cy="4351338"/>
+          </a:xfrm>
+        </p:spPr>
+        <p:txBody>
+          <a:bodyPr/>
+          <a:lstStyle/>
+          <a:p>
+            <a:endParaRPr lang="it-IT" dirty="0"/>
+          </a:p>
+        </p:txBody>
+      </p:sp>
+      <mc:AlternateContent xmlns:mc="http://schemas.openxmlformats.org/markup-compatibility/2006">
+        <mc:Choice xmlns:p14="http://schemas.microsoft.com/office/powerpoint/2010/main" Requires="p14">
+          <p:contentPart p14:bwMode="auto" r:id="rId4">
+            <p14:nvContentPartPr>
+              <p14:cNvPr id="16" name="Ink 15"/>
+              <p14:cNvContentPartPr/>
+              <p14:nvPr/>
+            </p14:nvContentPartPr>
+            <p14:xfrm>
+              <a:off x="3002159" y="3821478"/>
+              <a:ext cx="4913640" cy="2918880"/>
+            </p14:xfrm>
+          </p:contentPart>
+        </mc:Choice>
+        <mc:Fallback>
+          <p:pic>
+            <p:nvPicPr>
+              <p:cNvPr id="16" name="Ink 15"/>
+              <p:cNvPicPr/>
+              <p:nvPr/>
+            </p:nvPicPr>
+            <p:blipFill>
+              <a:blip r:embed="rId5"/>
+              <a:stretch>
+                <a:fillRect/>
+              </a:stretch>
+            </p:blipFill>
+            <p:spPr>
+              <a:xfrm>
+                <a:off x="2995319" y="3817158"/>
+                <a:ext cx="4930920" cy="2929680"/>
+              </a:xfrm>
+              <a:prstGeom prst="rect">
+                <a:avLst/>
+              </a:prstGeom>
+            </p:spPr>
+          </p:pic>
+        </mc:Fallback>
+      </mc:AlternateContent>
+      <mc:AlternateContent xmlns:mc="http://schemas.openxmlformats.org/markup-compatibility/2006">
+        <mc:Choice xmlns:p14="http://schemas.microsoft.com/office/powerpoint/2010/main" Requires="p14">
+          <p:contentPart p14:bwMode="auto" r:id="rId6">
+            <p14:nvContentPartPr>
+              <p14:cNvPr id="23" name="Ink 22"/>
+              <p14:cNvContentPartPr/>
+              <p14:nvPr/>
+            </p14:nvContentPartPr>
+            <p14:xfrm>
+              <a:off x="12693719" y="1908798"/>
+              <a:ext cx="2880" cy="10800"/>
+            </p14:xfrm>
+          </p:contentPart>
+        </mc:Choice>
+        <mc:Fallback>
+          <p:pic>
+            <p:nvPicPr>
+              <p:cNvPr id="23" name="Ink 22"/>
+              <p:cNvPicPr/>
+              <p:nvPr/>
+            </p:nvPicPr>
+            <p:blipFill>
+              <a:blip r:embed="rId7"/>
+              <a:stretch>
+                <a:fillRect/>
+              </a:stretch>
+            </p:blipFill>
+            <p:spPr>
+              <a:xfrm>
+                <a:off x="12688679" y="1903758"/>
+                <a:ext cx="11160" cy="20160"/>
+              </a:xfrm>
+              <a:prstGeom prst="rect">
+                <a:avLst/>
+              </a:prstGeom>
+            </p:spPr>
+          </p:pic>
+        </mc:Fallback>
+      </mc:AlternateContent>
+    </p:spTree>
+    <p:extLst>
+      <p:ext uri="{BB962C8B-B14F-4D97-AF65-F5344CB8AC3E}">
+        <p14:creationId xmlns:p14="http://schemas.microsoft.com/office/powerpoint/2010/main" val="1321517085"/>
+      </p:ext>
+    </p:extLst>
+  </p:cSld>
+  <p:clrMapOvr>
+    <a:masterClrMapping/>
+  </p:clrMapOvr>
+</p:sld>
+</file>
+
+<file path=ppt/slides/slide11.xml><?xml version="1.0" encoding="utf-8"?>
+<p:sld xmlns:a="http://schemas.openxmlformats.org/drawingml/2006/main" xmlns:r="http://schemas.openxmlformats.org/officeDocument/2006/relationships" xmlns:p="http://schemas.openxmlformats.org/presentationml/2006/main">
+  <p:cSld>
+    <p:spTree>
+      <p:nvGrpSpPr>
+        <p:cNvPr id="1" name=""/>
+        <p:cNvGrpSpPr/>
+        <p:nvPr/>
+      </p:nvGrpSpPr>
+      <p:grpSpPr>
+        <a:xfrm>
+          <a:off x="0" y="0"/>
+          <a:ext cx="0" cy="0"/>
+          <a:chOff x="0" y="0"/>
+          <a:chExt cx="0" cy="0"/>
+        </a:xfrm>
+      </p:grpSpPr>
+      <p:sp>
+        <p:nvSpPr>
+          <p:cNvPr id="2" name="Title 1"/>
+          <p:cNvSpPr>
+            <a:spLocks noGrp="1"/>
+          </p:cNvSpPr>
+          <p:nvPr>
+            <p:ph type="title"/>
+          </p:nvPr>
+        </p:nvSpPr>
+        <p:spPr/>
+        <p:txBody>
+          <a:bodyPr/>
+          <a:lstStyle/>
+          <a:p>
+            <a:r>
+              <a:rPr lang="en-US" dirty="0">
+                <a:latin typeface="Consolas" panose="020B0609020204030204" pitchFamily="49" charset="0"/>
+              </a:rPr>
+              <a:t>if </a:t>
+            </a:r>
+            <a:r>
+              <a:rPr lang="en-US" dirty="0" err="1">
+                <a:latin typeface="Consolas" panose="020B0609020204030204" pitchFamily="49" charset="0"/>
+              </a:rPr>
+              <a:t>constexpr</a:t>
+            </a:r>
+            <a:r>
+              <a:rPr lang="en-US" dirty="0">
+                <a:latin typeface="Consolas" panose="020B0609020204030204" pitchFamily="49" charset="0"/>
+              </a:rPr>
+              <a:t>(…) </a:t>
+            </a:r>
+            <a:r>
+              <a:rPr lang="en-US" dirty="0"/>
+              <a:t>– valid C++17 example</a:t>
+            </a:r>
+            <a:endParaRPr lang="it-IT" dirty="0">
+              <a:latin typeface="Consolas" panose="020B0609020204030204" pitchFamily="49" charset="0"/>
+            </a:endParaRPr>
+          </a:p>
+        </p:txBody>
+      </p:sp>
+      <p:pic>
+        <p:nvPicPr>
+          <p:cNvPr id="6" name="Content Placeholder 5"/>
+          <p:cNvPicPr>
+            <a:picLocks noGrp="1" noChangeAspect="1"/>
+          </p:cNvPicPr>
+          <p:nvPr>
+            <p:ph idx="1"/>
+          </p:nvPr>
+        </p:nvPicPr>
+        <p:blipFill>
+          <a:blip r:embed="rId2">
+            <a:extLst>
+              <a:ext uri="{28A0092B-C50C-407E-A947-70E740481C1C}">
+                <a14:useLocalDpi xmlns:a14="http://schemas.microsoft.com/office/drawing/2010/main" val="0"/>
+              </a:ext>
+            </a:extLst>
+          </a:blip>
+          <a:stretch>
+            <a:fillRect/>
+          </a:stretch>
+        </p:blipFill>
+        <p:spPr>
+          <a:xfrm>
+            <a:off x="976367" y="1828800"/>
+            <a:ext cx="10239265" cy="4581426"/>
+          </a:xfrm>
+        </p:spPr>
+      </p:pic>
+    </p:spTree>
+    <p:extLst>
+      <p:ext uri="{BB962C8B-B14F-4D97-AF65-F5344CB8AC3E}">
+        <p14:creationId xmlns:p14="http://schemas.microsoft.com/office/powerpoint/2010/main" val="1614575498"/>
+      </p:ext>
+    </p:extLst>
+  </p:cSld>
+  <p:clrMapOvr>
+    <a:masterClrMapping/>
+  </p:clrMapOvr>
+</p:sld>
+</file>
+
+<file path=ppt/slides/slide12.xml><?xml version="1.0" encoding="utf-8"?>
+<p:sld xmlns:a="http://schemas.openxmlformats.org/drawingml/2006/main" xmlns:r="http://schemas.openxmlformats.org/officeDocument/2006/relationships" xmlns:p="http://schemas.openxmlformats.org/presentationml/2006/main">
+  <p:cSld>
+    <p:spTree>
+      <p:nvGrpSpPr>
+        <p:cNvPr id="1" name=""/>
+        <p:cNvGrpSpPr/>
+        <p:nvPr/>
+      </p:nvGrpSpPr>
+      <p:grpSpPr>
+        <a:xfrm>
+          <a:off x="0" y="0"/>
+          <a:ext cx="0" cy="0"/>
+          <a:chOff x="0" y="0"/>
+          <a:chExt cx="0" cy="0"/>
+        </a:xfrm>
+      </p:grpSpPr>
+      <p:sp>
+        <p:nvSpPr>
+          <p:cNvPr id="2" name="Title 1"/>
+          <p:cNvSpPr>
+            <a:spLocks noGrp="1"/>
+          </p:cNvSpPr>
+          <p:nvPr>
+            <p:ph type="title"/>
+          </p:nvPr>
+        </p:nvSpPr>
+        <p:spPr/>
+        <p:txBody>
+          <a:bodyPr/>
+          <a:lstStyle/>
+          <a:p>
+            <a:r>
+              <a:rPr lang="en-US" dirty="0">
+                <a:latin typeface="Consolas" panose="020B0609020204030204" pitchFamily="49" charset="0"/>
+              </a:rPr>
+              <a:t>if </a:t>
+            </a:r>
+            <a:r>
+              <a:rPr lang="en-US" dirty="0" err="1">
+                <a:latin typeface="Consolas" panose="020B0609020204030204" pitchFamily="49" charset="0"/>
+              </a:rPr>
+              <a:t>constexpr</a:t>
+            </a:r>
+            <a:r>
+              <a:rPr lang="en-US" dirty="0">
+                <a:latin typeface="Consolas" panose="020B0609020204030204" pitchFamily="49" charset="0"/>
+              </a:rPr>
+              <a:t>(…) </a:t>
+            </a:r>
+            <a:r>
+              <a:rPr lang="en-US" dirty="0"/>
+              <a:t>– rules</a:t>
+            </a:r>
+            <a:endParaRPr lang="it-IT" dirty="0"/>
+          </a:p>
+        </p:txBody>
+      </p:sp>
+      <p:sp>
+        <p:nvSpPr>
+          <p:cNvPr id="3" name="Content Placeholder 2"/>
+          <p:cNvSpPr>
+            <a:spLocks noGrp="1"/>
+          </p:cNvSpPr>
+          <p:nvPr>
+            <p:ph idx="1"/>
+          </p:nvPr>
+        </p:nvSpPr>
+        <p:spPr/>
+        <p:txBody>
+          <a:bodyPr>
+            <a:noAutofit/>
+          </a:bodyPr>
+          <a:lstStyle/>
+          <a:p>
+            <a:r>
+              <a:rPr lang="en-US" sz="4000" dirty="0"/>
+              <a:t>Restricted to block scopes.</a:t>
+            </a:r>
+            <a:br>
+              <a:rPr lang="en-US" sz="4000" dirty="0"/>
+            </a:br>
+            <a:endParaRPr lang="en-US" sz="4000" dirty="0"/>
+          </a:p>
+          <a:p>
+            <a:r>
+              <a:rPr lang="en-US" sz="4000" dirty="0"/>
+              <a:t>Always going to establish a new scope.</a:t>
+            </a:r>
+            <a:br>
+              <a:rPr lang="en-US" sz="4000" dirty="0"/>
+            </a:br>
+            <a:endParaRPr lang="en-US" sz="4000" dirty="0"/>
+          </a:p>
+          <a:p>
+            <a:r>
+              <a:rPr lang="en-US" sz="4000" dirty="0"/>
+              <a:t>Required that there exists values of the condition so either condition branch is well-formed.</a:t>
+            </a:r>
+            <a:endParaRPr lang="it-IT" sz="4000" dirty="0"/>
+          </a:p>
+        </p:txBody>
+      </p:sp>
+      <p:pic>
+        <p:nvPicPr>
+          <p:cNvPr id="5" name="Picture 4"/>
+          <p:cNvPicPr>
+            <a:picLocks noChangeAspect="1"/>
+          </p:cNvPicPr>
+          <p:nvPr/>
+        </p:nvPicPr>
+        <p:blipFill>
+          <a:blip r:embed="rId3">
+            <a:extLst>
+              <a:ext uri="{28A0092B-C50C-407E-A947-70E740481C1C}">
+                <a14:useLocalDpi xmlns:a14="http://schemas.microsoft.com/office/drawing/2010/main" val="0"/>
+              </a:ext>
+            </a:extLst>
+          </a:blip>
+          <a:stretch>
+            <a:fillRect/>
+          </a:stretch>
+        </p:blipFill>
+        <p:spPr>
+          <a:xfrm>
+            <a:off x="6096000" y="1361738"/>
+            <a:ext cx="4953524" cy="3594098"/>
+          </a:xfrm>
+          <a:prstGeom prst="rect">
+            <a:avLst/>
+          </a:prstGeom>
+        </p:spPr>
+      </p:pic>
+      <mc:AlternateContent xmlns:mc="http://schemas.openxmlformats.org/markup-compatibility/2006">
+        <mc:Choice xmlns:p14="http://schemas.microsoft.com/office/powerpoint/2010/main" Requires="p14">
+          <p:contentPart p14:bwMode="auto" r:id="rId4">
+            <p14:nvContentPartPr>
+              <p14:cNvPr id="7" name="Ink 6"/>
+              <p14:cNvContentPartPr/>
+              <p14:nvPr/>
+            </p14:nvContentPartPr>
+            <p14:xfrm>
+              <a:off x="5978639" y="1013838"/>
+              <a:ext cx="3928320" cy="4154400"/>
+            </p14:xfrm>
+          </p:contentPart>
+        </mc:Choice>
+        <mc:Fallback>
+          <p:pic>
+            <p:nvPicPr>
+              <p:cNvPr id="7" name="Ink 6"/>
+              <p:cNvPicPr/>
+              <p:nvPr/>
+            </p:nvPicPr>
+            <p:blipFill>
+              <a:blip r:embed="rId5"/>
+              <a:stretch>
+                <a:fillRect/>
+              </a:stretch>
+            </p:blipFill>
+            <p:spPr>
+              <a:xfrm>
+                <a:off x="5957039" y="992598"/>
+                <a:ext cx="3975120" cy="4200480"/>
+              </a:xfrm>
+              <a:prstGeom prst="rect">
+                <a:avLst/>
+              </a:prstGeom>
+            </p:spPr>
+          </p:pic>
+        </mc:Fallback>
+      </mc:AlternateContent>
+      <mc:AlternateContent xmlns:mc="http://schemas.openxmlformats.org/markup-compatibility/2006">
+        <mc:Choice xmlns:p14="http://schemas.microsoft.com/office/powerpoint/2010/main" Requires="p14">
+          <p:contentPart p14:bwMode="auto" r:id="rId6">
+            <p14:nvContentPartPr>
+              <p14:cNvPr id="9" name="Ink 8"/>
+              <p14:cNvContentPartPr/>
+              <p14:nvPr/>
+            </p14:nvContentPartPr>
+            <p14:xfrm>
+              <a:off x="5777039" y="803238"/>
+              <a:ext cx="4813200" cy="5626080"/>
+            </p14:xfrm>
+          </p:contentPart>
+        </mc:Choice>
+        <mc:Fallback>
+          <p:pic>
+            <p:nvPicPr>
+              <p:cNvPr id="9" name="Ink 8"/>
+              <p:cNvPicPr/>
+              <p:nvPr/>
+            </p:nvPicPr>
+            <p:blipFill>
+              <a:blip r:embed="rId7"/>
+              <a:stretch>
+                <a:fillRect/>
+              </a:stretch>
+            </p:blipFill>
+            <p:spPr>
+              <a:xfrm>
+                <a:off x="5756879" y="778038"/>
+                <a:ext cx="4858560" cy="5671440"/>
+              </a:xfrm>
+              <a:prstGeom prst="rect">
+                <a:avLst/>
+              </a:prstGeom>
+            </p:spPr>
+          </p:pic>
+        </mc:Fallback>
+      </mc:AlternateContent>
+    </p:spTree>
+    <p:extLst>
+      <p:ext uri="{BB962C8B-B14F-4D97-AF65-F5344CB8AC3E}">
+        <p14:creationId xmlns:p14="http://schemas.microsoft.com/office/powerpoint/2010/main" val="4129413653"/>
+      </p:ext>
+    </p:extLst>
+  </p:cSld>
+  <p:clrMapOvr>
+    <a:masterClrMapping/>
+  </p:clrMapOvr>
+  <p:timing>
+    <p:tnLst>
+      <p:par>
+        <p:cTn id="1" dur="indefinite" restart="never" nodeType="tmRoot">
+          <p:childTnLst>
+            <p:seq concurrent="1" nextAc="seek">
+              <p:cTn id="2" dur="indefinite" nodeType="mainSeq">
+                <p:childTnLst>
+                  <p:par>
+                    <p:cTn id="3" fill="hold">
+                      <p:stCondLst>
+                        <p:cond delay="indefinite"/>
+                      </p:stCondLst>
+                      <p:childTnLst>
+                        <p:par>
+                          <p:cTn id="4" fill="hold">
+                            <p:stCondLst>
+                              <p:cond delay="0"/>
+                            </p:stCondLst>
+                            <p:childTnLst>
+                              <p:par>
+                                <p:cTn id="5" presetID="10" presetClass="entr" presetSubtype="0" fill="hold" nodeType="clickEffect">
+                                  <p:stCondLst>
+                                    <p:cond delay="0"/>
+                                  </p:stCondLst>
+                                  <p:childTnLst>
+                                    <p:set>
+                                      <p:cBhvr>
+                                        <p:cTn id="6" dur="1" fill="hold">
+                                          <p:stCondLst>
+                                            <p:cond delay="0"/>
+                                          </p:stCondLst>
+                                        </p:cTn>
+                                        <p:tgtEl>
+                                          <p:spTgt spid="5"/>
+                                        </p:tgtEl>
+                                        <p:attrNameLst>
+                                          <p:attrName>style.visibility</p:attrName>
+                                        </p:attrNameLst>
+                                      </p:cBhvr>
+                                      <p:to>
+                                        <p:strVal val="visible"/>
+                                      </p:to>
+                                    </p:set>
+                                    <p:animEffect transition="in" filter="fade">
+                                      <p:cBhvr>
+                                        <p:cTn id="7" dur="500"/>
+                                        <p:tgtEl>
+                                          <p:spTgt spid="5"/>
+                                        </p:tgtEl>
+                                      </p:cBhvr>
+                                    </p:animEffect>
+                                  </p:childTnLst>
+                                </p:cTn>
+                              </p:par>
+                            </p:childTnLst>
+                          </p:cTn>
+                        </p:par>
+                      </p:childTnLst>
+                    </p:cTn>
+                  </p:par>
+                  <p:par>
+                    <p:cTn id="8" fill="hold">
+                      <p:stCondLst>
+                        <p:cond delay="indefinite"/>
+                      </p:stCondLst>
+                      <p:childTnLst>
+                        <p:par>
+                          <p:cTn id="9" fill="hold">
+                            <p:stCondLst>
+                              <p:cond delay="0"/>
+                            </p:stCondLst>
+                            <p:childTnLst>
+                              <p:par>
+                                <p:cTn id="10" presetID="10" presetClass="entr" presetSubtype="0" fill="hold" nodeType="clickEffect">
+                                  <p:stCondLst>
+                                    <p:cond delay="0"/>
+                                  </p:stCondLst>
+                                  <p:childTnLst>
+                                    <p:set>
+                                      <p:cBhvr>
+                                        <p:cTn id="11" dur="1" fill="hold">
+                                          <p:stCondLst>
+                                            <p:cond delay="0"/>
+                                          </p:stCondLst>
+                                        </p:cTn>
+                                        <p:tgtEl>
+                                          <p:spTgt spid="7"/>
+                                        </p:tgtEl>
+                                        <p:attrNameLst>
+                                          <p:attrName>style.visibility</p:attrName>
+                                        </p:attrNameLst>
+                                      </p:cBhvr>
+                                      <p:to>
+                                        <p:strVal val="visible"/>
+                                      </p:to>
+                                    </p:set>
+                                    <p:animEffect transition="in" filter="fade">
+                                      <p:cBhvr>
+                                        <p:cTn id="12" dur="500"/>
+                                        <p:tgtEl>
+                                          <p:spTgt spid="7"/>
+                                        </p:tgtEl>
+                                      </p:cBhvr>
+                                    </p:animEffect>
+                                  </p:childTnLst>
+                                </p:cTn>
+                              </p:par>
+                              <p:par>
+                                <p:cTn id="13" presetID="10" presetClass="entr" presetSubtype="0" fill="hold" nodeType="withEffect">
+                                  <p:stCondLst>
+                                    <p:cond delay="0"/>
+                                  </p:stCondLst>
+                                  <p:childTnLst>
+                                    <p:set>
+                                      <p:cBhvr>
+                                        <p:cTn id="14" dur="1" fill="hold">
+                                          <p:stCondLst>
+                                            <p:cond delay="0"/>
+                                          </p:stCondLst>
+                                        </p:cTn>
+                                        <p:tgtEl>
+                                          <p:spTgt spid="9"/>
+                                        </p:tgtEl>
+                                        <p:attrNameLst>
+                                          <p:attrName>style.visibility</p:attrName>
+                                        </p:attrNameLst>
+                                      </p:cBhvr>
+                                      <p:to>
+                                        <p:strVal val="visible"/>
+                                      </p:to>
+                                    </p:set>
+                                    <p:animEffect transition="in" filter="fade">
+                                      <p:cBhvr>
+                                        <p:cTn id="15" dur="500"/>
+                                        <p:tgtEl>
+                                          <p:spTgt spid="9"/>
+                                        </p:tgtEl>
+                                      </p:cBhvr>
+                                    </p:animEffect>
+                                  </p:childTnLst>
+                                </p:cTn>
+                              </p:par>
+                            </p:childTnLst>
+                          </p:cTn>
+                        </p:par>
+                      </p:childTnLst>
+                    </p:cTn>
+                  </p:par>
+                  <p:par>
+                    <p:cTn id="16" fill="hold">
+                      <p:stCondLst>
+                        <p:cond delay="indefinite"/>
+                      </p:stCondLst>
+                      <p:childTnLst>
+                        <p:par>
+                          <p:cTn id="17" fill="hold">
+                            <p:stCondLst>
+                              <p:cond delay="0"/>
+                            </p:stCondLst>
+                            <p:childTnLst>
+                              <p:par>
+                                <p:cTn id="18" presetID="10" presetClass="exit" presetSubtype="0" fill="hold" nodeType="clickEffect">
+                                  <p:stCondLst>
+                                    <p:cond delay="0"/>
+                                  </p:stCondLst>
+                                  <p:childTnLst>
+                                    <p:animEffect transition="out" filter="fade">
+                                      <p:cBhvr>
+                                        <p:cTn id="19" dur="500"/>
+                                        <p:tgtEl>
+                                          <p:spTgt spid="5"/>
+                                        </p:tgtEl>
+                                      </p:cBhvr>
+                                    </p:animEffect>
+                                    <p:set>
+                                      <p:cBhvr>
+                                        <p:cTn id="20" dur="1" fill="hold">
+                                          <p:stCondLst>
+                                            <p:cond delay="499"/>
+                                          </p:stCondLst>
+                                        </p:cTn>
+                                        <p:tgtEl>
+                                          <p:spTgt spid="5"/>
+                                        </p:tgtEl>
+                                        <p:attrNameLst>
+                                          <p:attrName>style.visibility</p:attrName>
+                                        </p:attrNameLst>
+                                      </p:cBhvr>
+                                      <p:to>
+                                        <p:strVal val="hidden"/>
+                                      </p:to>
+                                    </p:set>
+                                  </p:childTnLst>
+                                </p:cTn>
+                              </p:par>
+                              <p:par>
+                                <p:cTn id="21" presetID="10" presetClass="exit" presetSubtype="0" fill="hold" nodeType="withEffect">
+                                  <p:stCondLst>
+                                    <p:cond delay="0"/>
+                                  </p:stCondLst>
+                                  <p:childTnLst>
+                                    <p:animEffect transition="out" filter="fade">
+                                      <p:cBhvr>
+                                        <p:cTn id="22" dur="500"/>
+                                        <p:tgtEl>
+                                          <p:spTgt spid="7"/>
+                                        </p:tgtEl>
+                                      </p:cBhvr>
+                                    </p:animEffect>
+                                    <p:set>
+                                      <p:cBhvr>
+                                        <p:cTn id="23" dur="1" fill="hold">
+                                          <p:stCondLst>
+                                            <p:cond delay="499"/>
+                                          </p:stCondLst>
+                                        </p:cTn>
+                                        <p:tgtEl>
+                                          <p:spTgt spid="7"/>
+                                        </p:tgtEl>
+                                        <p:attrNameLst>
+                                          <p:attrName>style.visibility</p:attrName>
+                                        </p:attrNameLst>
+                                      </p:cBhvr>
+                                      <p:to>
+                                        <p:strVal val="hidden"/>
+                                      </p:to>
+                                    </p:set>
+                                  </p:childTnLst>
+                                </p:cTn>
+                              </p:par>
+                              <p:par>
+                                <p:cTn id="24" presetID="10" presetClass="exit" presetSubtype="0" fill="hold" nodeType="withEffect">
+                                  <p:stCondLst>
+                                    <p:cond delay="0"/>
+                                  </p:stCondLst>
+                                  <p:childTnLst>
+                                    <p:animEffect transition="out" filter="fade">
+                                      <p:cBhvr>
+                                        <p:cTn id="25" dur="500"/>
+                                        <p:tgtEl>
+                                          <p:spTgt spid="9"/>
+                                        </p:tgtEl>
+                                      </p:cBhvr>
+                                    </p:animEffect>
+                                    <p:set>
+                                      <p:cBhvr>
+                                        <p:cTn id="26" dur="1" fill="hold">
+                                          <p:stCondLst>
+                                            <p:cond delay="499"/>
+                                          </p:stCondLst>
+                                        </p:cTn>
+                                        <p:tgtEl>
+                                          <p:spTgt spid="9"/>
+                                        </p:tgtEl>
+                                        <p:attrNameLst>
+                                          <p:attrName>style.visibility</p:attrName>
+                                        </p:attrNameLst>
+                                      </p:cBhvr>
+                                      <p:to>
+                                        <p:strVal val="hidden"/>
+                                      </p:to>
+                                    </p:set>
+                                  </p:childTnLst>
+                                </p:cTn>
+                              </p:par>
+                            </p:childTnLst>
+                          </p:cTn>
+                        </p:par>
+                      </p:childTnLst>
+                    </p:cTn>
+                  </p:par>
+                </p:childTnLst>
+              </p:cTn>
+              <p:prevCondLst>
+                <p:cond evt="onPrev" delay="0">
+                  <p:tgtEl>
+                    <p:sldTgt/>
+                  </p:tgtEl>
+                </p:cond>
+              </p:prevCondLst>
+              <p:nextCondLst>
+                <p:cond evt="onNext" delay="0">
+                  <p:tgtEl>
+                    <p:sldTgt/>
+                  </p:tgtEl>
+                </p:cond>
+              </p:nextCondLst>
+            </p:seq>
+          </p:childTnLst>
+        </p:cTn>
+      </p:par>
+    </p:tnLst>
+  </p:timing>
+</p:sld>
+</file>
+
+<file path=ppt/slides/slide13.xml><?xml version="1.0" encoding="utf-8"?>
+<p:sld xmlns:a="http://schemas.openxmlformats.org/drawingml/2006/main" xmlns:r="http://schemas.openxmlformats.org/officeDocument/2006/relationships" xmlns:p="http://schemas.openxmlformats.org/presentationml/2006/main">
+  <p:cSld>
+    <p:spTree>
+      <p:nvGrpSpPr>
+        <p:cNvPr id="1" name=""/>
+        <p:cNvGrpSpPr/>
+        <p:nvPr/>
+      </p:nvGrpSpPr>
+      <p:grpSpPr>
+        <a:xfrm>
+          <a:off x="0" y="0"/>
+          <a:ext cx="0" cy="0"/>
+          <a:chOff x="0" y="0"/>
+          <a:chExt cx="0" cy="0"/>
+        </a:xfrm>
+      </p:grpSpPr>
+      <p:sp>
+        <p:nvSpPr>
+          <p:cNvPr id="2" name="Title 1"/>
+          <p:cNvSpPr>
+            <a:spLocks noGrp="1"/>
+          </p:cNvSpPr>
+          <p:nvPr>
+            <p:ph type="title"/>
+          </p:nvPr>
+        </p:nvSpPr>
+        <p:spPr/>
+        <p:txBody>
+          <a:bodyPr/>
+          <a:lstStyle/>
+          <a:p>
+            <a:r>
+              <a:rPr lang="en-US" dirty="0">
+                <a:latin typeface="Consolas" panose="020B0609020204030204" pitchFamily="49" charset="0"/>
+              </a:rPr>
+              <a:t>if </a:t>
+            </a:r>
+            <a:r>
+              <a:rPr lang="en-US" dirty="0" err="1">
+                <a:latin typeface="Consolas" panose="020B0609020204030204" pitchFamily="49" charset="0"/>
+              </a:rPr>
+              <a:t>constexpr</a:t>
+            </a:r>
+            <a:r>
+              <a:rPr lang="en-US" dirty="0">
+                <a:latin typeface="Consolas" panose="020B0609020204030204" pitchFamily="49" charset="0"/>
+              </a:rPr>
+              <a:t>(…) </a:t>
+            </a:r>
+            <a:r>
+              <a:rPr lang="en-US" dirty="0"/>
+              <a:t>– branch chaining</a:t>
+            </a:r>
+            <a:endParaRPr lang="it-IT" dirty="0"/>
+          </a:p>
+        </p:txBody>
+      </p:sp>
+      <p:pic>
+        <p:nvPicPr>
+          <p:cNvPr id="4" name="Content Placeholder 3"/>
+          <p:cNvPicPr>
+            <a:picLocks noGrp="1" noChangeAspect="1"/>
+          </p:cNvPicPr>
+          <p:nvPr>
+            <p:ph idx="1"/>
+          </p:nvPr>
+        </p:nvPicPr>
+        <p:blipFill>
+          <a:blip r:embed="rId3">
+            <a:extLst>
+              <a:ext uri="{28A0092B-C50C-407E-A947-70E740481C1C}">
+                <a14:useLocalDpi xmlns:a14="http://schemas.microsoft.com/office/drawing/2010/main" val="0"/>
+              </a:ext>
+            </a:extLst>
+          </a:blip>
+          <a:stretch>
+            <a:fillRect/>
+          </a:stretch>
+        </p:blipFill>
+        <p:spPr>
+          <a:xfrm>
+            <a:off x="3690770" y="1823869"/>
+            <a:ext cx="5714894" cy="4143298"/>
+          </a:xfrm>
+        </p:spPr>
+      </p:pic>
+    </p:spTree>
+    <p:extLst>
+      <p:ext uri="{BB962C8B-B14F-4D97-AF65-F5344CB8AC3E}">
+        <p14:creationId xmlns:p14="http://schemas.microsoft.com/office/powerpoint/2010/main" val="1727702907"/>
+      </p:ext>
+    </p:extLst>
+  </p:cSld>
+  <p:clrMapOvr>
+    <a:masterClrMapping/>
+  </p:clrMapOvr>
+</p:sld>
+</file>
+
+<file path=ppt/slides/slide14.xml><?xml version="1.0" encoding="utf-8"?>
+<p:sld xmlns:a="http://schemas.openxmlformats.org/drawingml/2006/main" xmlns:r="http://schemas.openxmlformats.org/officeDocument/2006/relationships" xmlns:p="http://schemas.openxmlformats.org/presentationml/2006/main">
+  <p:cSld>
+    <p:spTree>
+      <p:nvGrpSpPr>
+        <p:cNvPr id="1" name=""/>
+        <p:cNvGrpSpPr/>
+        <p:nvPr/>
+      </p:nvGrpSpPr>
+      <p:grpSpPr>
+        <a:xfrm>
+          <a:off x="0" y="0"/>
+          <a:ext cx="0" cy="0"/>
+          <a:chOff x="0" y="0"/>
+          <a:chExt cx="0" cy="0"/>
+        </a:xfrm>
+      </p:grpSpPr>
+      <p:sp>
+        <p:nvSpPr>
+          <p:cNvPr id="4" name="Title 3"/>
+          <p:cNvSpPr>
+            <a:spLocks noGrp="1"/>
+          </p:cNvSpPr>
+          <p:nvPr>
+            <p:ph type="title"/>
+          </p:nvPr>
+        </p:nvSpPr>
+        <p:spPr/>
+        <p:txBody>
+          <a:bodyPr/>
+          <a:lstStyle/>
+          <a:p>
+            <a:pPr algn="ctr"/>
+            <a:r>
+              <a:rPr lang="en-US" dirty="0"/>
+              <a:t>“Do I have to wait until C++17 is supported in my company/architecture?”</a:t>
+            </a:r>
+            <a:endParaRPr lang="it-IT" dirty="0"/>
+          </a:p>
+        </p:txBody>
+      </p:sp>
+      <p:sp>
+        <p:nvSpPr>
+          <p:cNvPr id="5" name="Text Placeholder 4"/>
+          <p:cNvSpPr>
+            <a:spLocks noGrp="1"/>
+          </p:cNvSpPr>
+          <p:nvPr>
+            <p:ph type="body" idx="1"/>
+          </p:nvPr>
+        </p:nvSpPr>
+        <p:spPr/>
+        <p:txBody>
+          <a:bodyPr/>
+          <a:lstStyle/>
+          <a:p>
+            <a:endParaRPr lang="it-IT" dirty="0"/>
+          </a:p>
+        </p:txBody>
+      </p:sp>
+    </p:spTree>
+    <p:extLst>
+      <p:ext uri="{BB962C8B-B14F-4D97-AF65-F5344CB8AC3E}">
+        <p14:creationId xmlns:p14="http://schemas.microsoft.com/office/powerpoint/2010/main" val="3106668677"/>
+      </p:ext>
+    </p:extLst>
+  </p:cSld>
+  <p:clrMapOvr>
+    <a:masterClrMapping/>
+  </p:clrMapOvr>
+</p:sld>
+</file>
+
+<file path=ppt/slides/slide15.xml><?xml version="1.0" encoding="utf-8"?>
+<p:sld xmlns:a="http://schemas.openxmlformats.org/drawingml/2006/main" xmlns:r="http://schemas.openxmlformats.org/officeDocument/2006/relationships" xmlns:p="http://schemas.openxmlformats.org/presentationml/2006/main">
+  <p:cSld>
+    <p:spTree>
+      <p:nvGrpSpPr>
+        <p:cNvPr id="1" name=""/>
+        <p:cNvGrpSpPr/>
+        <p:nvPr/>
+      </p:nvGrpSpPr>
+      <p:grpSpPr>
+        <a:xfrm>
+          <a:off x="0" y="0"/>
+          <a:ext cx="0" cy="0"/>
+          <a:chOff x="0" y="0"/>
+          <a:chExt cx="0" cy="0"/>
+        </a:xfrm>
+      </p:grpSpPr>
+      <p:sp>
+        <p:nvSpPr>
+          <p:cNvPr id="4" name="Title 3"/>
+          <p:cNvSpPr>
+            <a:spLocks noGrp="1"/>
+          </p:cNvSpPr>
+          <p:nvPr>
+            <p:ph type="title"/>
+          </p:nvPr>
+        </p:nvSpPr>
+        <p:spPr/>
+        <p:txBody>
+          <a:bodyPr/>
+          <a:lstStyle/>
+          <a:p>
+            <a:r>
+              <a:rPr lang="en-US" dirty="0"/>
+              <a:t>C++14 </a:t>
+            </a:r>
+            <a:r>
+              <a:rPr lang="en-US" dirty="0" err="1">
+                <a:latin typeface="Consolas" panose="020B0609020204030204" pitchFamily="49" charset="0"/>
+              </a:rPr>
+              <a:t>static_if</a:t>
+            </a:r>
+            <a:r>
+              <a:rPr lang="en-US" dirty="0"/>
+              <a:t> – example (1)</a:t>
+            </a:r>
+            <a:endParaRPr lang="it-IT" dirty="0"/>
+          </a:p>
+        </p:txBody>
+      </p:sp>
+      <p:sp>
+        <p:nvSpPr>
+          <p:cNvPr id="5" name="Content Placeholder 4"/>
+          <p:cNvSpPr>
+            <a:spLocks noGrp="1"/>
+          </p:cNvSpPr>
+          <p:nvPr>
+            <p:ph idx="1"/>
+          </p:nvPr>
+        </p:nvSpPr>
+        <p:spPr>
+          <a:xfrm>
+            <a:off x="838201" y="1825625"/>
+            <a:ext cx="6373304" cy="4351338"/>
+          </a:xfrm>
+        </p:spPr>
+        <p:txBody>
+          <a:bodyPr/>
+          <a:lstStyle/>
+          <a:p>
+            <a:r>
+              <a:rPr lang="en-US" dirty="0"/>
+              <a:t>Example situation:</a:t>
+            </a:r>
+          </a:p>
+          <a:p>
+            <a:pPr lvl="1"/>
+            <a:r>
+              <a:rPr lang="en-US" dirty="0"/>
+              <a:t>Multiple food-related classes with slightly different interfaces.</a:t>
+            </a:r>
+          </a:p>
+          <a:p>
+            <a:r>
+              <a:rPr lang="en-US" dirty="0"/>
+              <a:t>Goal:</a:t>
+            </a:r>
+          </a:p>
+          <a:p>
+            <a:pPr lvl="1"/>
+            <a:r>
+              <a:rPr lang="en-US" dirty="0"/>
+              <a:t>Create a generic </a:t>
+            </a:r>
+            <a:r>
+              <a:rPr lang="en-US" dirty="0">
+                <a:latin typeface="Consolas" panose="020B0609020204030204" pitchFamily="49" charset="0"/>
+              </a:rPr>
+              <a:t>consume(x)</a:t>
+            </a:r>
+            <a:r>
+              <a:rPr lang="en-US" dirty="0"/>
+              <a:t> function that will accept any kind of food instance and will print something to </a:t>
+            </a:r>
+            <a:r>
+              <a:rPr lang="en-US" dirty="0" err="1">
+                <a:latin typeface="Consolas" panose="020B0609020204030204" pitchFamily="49" charset="0"/>
+              </a:rPr>
+              <a:t>stdout</a:t>
+            </a:r>
+            <a:r>
+              <a:rPr lang="en-US" dirty="0"/>
+              <a:t>.</a:t>
+            </a:r>
+            <a:endParaRPr lang="it-IT" dirty="0"/>
+          </a:p>
+        </p:txBody>
+      </p:sp>
+      <p:pic>
+        <p:nvPicPr>
+          <p:cNvPr id="6" name="Picture 5"/>
+          <p:cNvPicPr>
+            <a:picLocks noChangeAspect="1"/>
+          </p:cNvPicPr>
+          <p:nvPr/>
+        </p:nvPicPr>
+        <p:blipFill>
+          <a:blip r:embed="rId2">
+            <a:extLst>
+              <a:ext uri="{28A0092B-C50C-407E-A947-70E740481C1C}">
+                <a14:useLocalDpi xmlns:a14="http://schemas.microsoft.com/office/drawing/2010/main" val="0"/>
+              </a:ext>
+            </a:extLst>
+          </a:blip>
+          <a:stretch>
+            <a:fillRect/>
+          </a:stretch>
+        </p:blipFill>
+        <p:spPr>
+          <a:xfrm>
+            <a:off x="8240330" y="480654"/>
+            <a:ext cx="2894412" cy="5696309"/>
+          </a:xfrm>
+          <a:prstGeom prst="rect">
+            <a:avLst/>
+          </a:prstGeom>
+        </p:spPr>
+      </p:pic>
+    </p:spTree>
+    <p:extLst>
+      <p:ext uri="{BB962C8B-B14F-4D97-AF65-F5344CB8AC3E}">
+        <p14:creationId xmlns:p14="http://schemas.microsoft.com/office/powerpoint/2010/main" val="3468018655"/>
+      </p:ext>
+    </p:extLst>
+  </p:cSld>
+  <p:clrMapOvr>
+    <a:masterClrMapping/>
+  </p:clrMapOvr>
+</p:sld>
+</file>
+
+<file path=ppt/slides/slide16.xml><?xml version="1.0" encoding="utf-8"?>
+<p:sld xmlns:a="http://schemas.openxmlformats.org/drawingml/2006/main" xmlns:r="http://schemas.openxmlformats.org/officeDocument/2006/relationships" xmlns:p="http://schemas.openxmlformats.org/presentationml/2006/main">
+  <p:cSld>
+    <p:spTree>
+      <p:nvGrpSpPr>
+        <p:cNvPr id="1" name=""/>
+        <p:cNvGrpSpPr/>
+        <p:nvPr/>
+      </p:nvGrpSpPr>
+      <p:grpSpPr>
+        <a:xfrm>
+          <a:off x="0" y="0"/>
+          <a:ext cx="0" cy="0"/>
+          <a:chOff x="0" y="0"/>
+          <a:chExt cx="0" cy="0"/>
+        </a:xfrm>
+      </p:grpSpPr>
+      <p:sp>
+        <p:nvSpPr>
+          <p:cNvPr id="4" name="Title 3"/>
+          <p:cNvSpPr>
+            <a:spLocks noGrp="1"/>
+          </p:cNvSpPr>
+          <p:nvPr>
+            <p:ph type="title"/>
+          </p:nvPr>
+        </p:nvSpPr>
+        <p:spPr/>
+        <p:txBody>
+          <a:bodyPr/>
+          <a:lstStyle/>
+          <a:p>
+            <a:r>
+              <a:rPr lang="en-US" dirty="0"/>
+              <a:t>C++14 </a:t>
+            </a:r>
+            <a:r>
+              <a:rPr lang="en-US" dirty="0" err="1">
+                <a:latin typeface="Consolas" panose="020B0609020204030204" pitchFamily="49" charset="0"/>
+              </a:rPr>
+              <a:t>static_if</a:t>
+            </a:r>
+            <a:r>
+              <a:rPr lang="en-US" dirty="0"/>
+              <a:t> – example (2)</a:t>
+            </a:r>
+            <a:endParaRPr lang="it-IT" dirty="0"/>
+          </a:p>
+        </p:txBody>
+      </p:sp>
+      <p:sp>
+        <p:nvSpPr>
+          <p:cNvPr id="5" name="Content Placeholder 4"/>
+          <p:cNvSpPr>
+            <a:spLocks noGrp="1"/>
+          </p:cNvSpPr>
+          <p:nvPr>
+            <p:ph idx="1"/>
+          </p:nvPr>
+        </p:nvSpPr>
+        <p:spPr>
+          <a:xfrm>
+            <a:off x="838201" y="1574276"/>
+            <a:ext cx="10709634" cy="1857081"/>
+          </a:xfrm>
+        </p:spPr>
+        <p:txBody>
+          <a:bodyPr>
+            <a:normAutofit/>
+          </a:bodyPr>
+          <a:lstStyle/>
+          <a:p>
+            <a:r>
+              <a:rPr lang="en-US" dirty="0"/>
+              <a:t>Both if </a:t>
+            </a:r>
+            <a:r>
+              <a:rPr lang="en-US" dirty="0" err="1">
+                <a:latin typeface="Consolas" panose="020B0609020204030204" pitchFamily="49" charset="0"/>
+              </a:rPr>
+              <a:t>constexpr</a:t>
+            </a:r>
+            <a:r>
+              <a:rPr lang="en-US" dirty="0"/>
+              <a:t> and my </a:t>
+            </a:r>
+            <a:r>
+              <a:rPr lang="en-US" dirty="0" err="1">
+                <a:latin typeface="Consolas" panose="020B0609020204030204" pitchFamily="49" charset="0"/>
+              </a:rPr>
+              <a:t>static_if</a:t>
+            </a:r>
+            <a:r>
+              <a:rPr lang="en-US" dirty="0"/>
+              <a:t> implementation require a </a:t>
+            </a:r>
+            <a:r>
+              <a:rPr lang="en-US" i="1" dirty="0"/>
+              <a:t>constant expression</a:t>
+            </a:r>
+            <a:r>
+              <a:rPr lang="en-US" dirty="0"/>
+              <a:t> as their branching condition.</a:t>
+            </a:r>
+          </a:p>
+          <a:p>
+            <a:r>
+              <a:rPr lang="en-US" dirty="0"/>
+              <a:t>Let’s define some </a:t>
+            </a:r>
+            <a:r>
+              <a:rPr lang="en-US" dirty="0" err="1">
+                <a:latin typeface="Consolas" panose="020B0609020204030204" pitchFamily="49" charset="0"/>
+              </a:rPr>
+              <a:t>constexpr</a:t>
+            </a:r>
+            <a:r>
+              <a:rPr lang="en-US" dirty="0">
+                <a:latin typeface="Consolas" panose="020B0609020204030204" pitchFamily="49" charset="0"/>
+              </a:rPr>
+              <a:t> bool</a:t>
+            </a:r>
+            <a:r>
+              <a:rPr lang="en-US" dirty="0"/>
+              <a:t> variable templates to categorize the foods depending on their interface.</a:t>
+            </a:r>
+            <a:endParaRPr lang="it-IT" dirty="0"/>
+          </a:p>
+        </p:txBody>
+      </p:sp>
+      <p:pic>
+        <p:nvPicPr>
+          <p:cNvPr id="2" name="Picture 1"/>
+          <p:cNvPicPr>
+            <a:picLocks noChangeAspect="1"/>
+          </p:cNvPicPr>
+          <p:nvPr/>
+        </p:nvPicPr>
+        <p:blipFill>
+          <a:blip r:embed="rId2">
+            <a:extLst>
+              <a:ext uri="{28A0092B-C50C-407E-A947-70E740481C1C}">
+                <a14:useLocalDpi xmlns:a14="http://schemas.microsoft.com/office/drawing/2010/main" val="0"/>
+              </a:ext>
+            </a:extLst>
+          </a:blip>
+          <a:stretch>
+            <a:fillRect/>
+          </a:stretch>
+        </p:blipFill>
+        <p:spPr>
+          <a:xfrm>
+            <a:off x="772212" y="3838562"/>
+            <a:ext cx="4838397" cy="2097029"/>
+          </a:xfrm>
+          <a:prstGeom prst="rect">
+            <a:avLst/>
+          </a:prstGeom>
+        </p:spPr>
+      </p:pic>
+      <p:pic>
+        <p:nvPicPr>
+          <p:cNvPr id="3" name="Picture 2"/>
+          <p:cNvPicPr>
+            <a:picLocks noChangeAspect="1"/>
+          </p:cNvPicPr>
+          <p:nvPr/>
+        </p:nvPicPr>
+        <p:blipFill>
+          <a:blip r:embed="rId3">
+            <a:extLst>
+              <a:ext uri="{28A0092B-C50C-407E-A947-70E740481C1C}">
+                <a14:useLocalDpi xmlns:a14="http://schemas.microsoft.com/office/drawing/2010/main" val="0"/>
+              </a:ext>
+            </a:extLst>
+          </a:blip>
+          <a:stretch>
+            <a:fillRect/>
+          </a:stretch>
+        </p:blipFill>
+        <p:spPr>
+          <a:xfrm>
+            <a:off x="6585695" y="3838562"/>
+            <a:ext cx="4768105" cy="2138032"/>
+          </a:xfrm>
+          <a:prstGeom prst="rect">
+            <a:avLst/>
+          </a:prstGeom>
+        </p:spPr>
+      </p:pic>
+    </p:spTree>
+    <p:extLst>
+      <p:ext uri="{BB962C8B-B14F-4D97-AF65-F5344CB8AC3E}">
+        <p14:creationId xmlns:p14="http://schemas.microsoft.com/office/powerpoint/2010/main" val="1552552828"/>
+      </p:ext>
+    </p:extLst>
+  </p:cSld>
+  <p:clrMapOvr>
+    <a:masterClrMapping/>
+  </p:clrMapOvr>
+</p:sld>
+</file>
+
+<file path=ppt/slides/slide17.xml><?xml version="1.0" encoding="utf-8"?>
+<p:sld xmlns:a="http://schemas.openxmlformats.org/drawingml/2006/main" xmlns:r="http://schemas.openxmlformats.org/officeDocument/2006/relationships" xmlns:p="http://schemas.openxmlformats.org/presentationml/2006/main">
+  <p:cSld>
+    <p:spTree>
+      <p:nvGrpSpPr>
+        <p:cNvPr id="1" name=""/>
+        <p:cNvGrpSpPr/>
+        <p:nvPr/>
+      </p:nvGrpSpPr>
+      <p:grpSpPr>
+        <a:xfrm>
+          <a:off x="0" y="0"/>
+          <a:ext cx="0" cy="0"/>
+          <a:chOff x="0" y="0"/>
+          <a:chExt cx="0" cy="0"/>
+        </a:xfrm>
+      </p:grpSpPr>
+      <p:sp>
+        <p:nvSpPr>
+          <p:cNvPr id="2" name="Title 1"/>
+          <p:cNvSpPr>
+            <a:spLocks noGrp="1"/>
+          </p:cNvSpPr>
+          <p:nvPr>
+            <p:ph type="title"/>
+          </p:nvPr>
+        </p:nvSpPr>
+        <p:spPr>
+          <a:xfrm>
+            <a:off x="102910" y="0"/>
+            <a:ext cx="3799787" cy="744718"/>
+          </a:xfrm>
+        </p:spPr>
+        <p:txBody>
+          <a:bodyPr>
+            <a:normAutofit/>
+          </a:bodyPr>
+          <a:lstStyle/>
+          <a:p>
+            <a:r>
+              <a:rPr lang="en-US" sz="2000" dirty="0"/>
+              <a:t>C++14 </a:t>
+            </a:r>
+            <a:r>
+              <a:rPr lang="en-US" sz="2000" dirty="0" err="1">
+                <a:latin typeface="Consolas" panose="020B0609020204030204" pitchFamily="49" charset="0"/>
+              </a:rPr>
+              <a:t>static_if</a:t>
+            </a:r>
+            <a:r>
+              <a:rPr lang="en-US" sz="2000" dirty="0"/>
+              <a:t> – example (3)</a:t>
+            </a:r>
+            <a:endParaRPr lang="it-IT" sz="2000" dirty="0"/>
+          </a:p>
+        </p:txBody>
+      </p:sp>
+      <p:pic>
+        <p:nvPicPr>
+          <p:cNvPr id="4" name="Content Placeholder 3"/>
+          <p:cNvPicPr>
+            <a:picLocks noGrp="1" noChangeAspect="1"/>
+          </p:cNvPicPr>
+          <p:nvPr>
+            <p:ph idx="1"/>
+          </p:nvPr>
+        </p:nvPicPr>
+        <p:blipFill>
+          <a:blip r:embed="rId2">
+            <a:extLst>
+              <a:ext uri="{28A0092B-C50C-407E-A947-70E740481C1C}">
+                <a14:useLocalDpi xmlns:a14="http://schemas.microsoft.com/office/drawing/2010/main" val="0"/>
+              </a:ext>
+            </a:extLst>
+          </a:blip>
+          <a:stretch>
+            <a:fillRect/>
+          </a:stretch>
+        </p:blipFill>
+        <p:spPr>
+          <a:xfrm>
+            <a:off x="4583287" y="273377"/>
+            <a:ext cx="7197560" cy="6212264"/>
+          </a:xfrm>
+        </p:spPr>
+      </p:pic>
+      <p:sp>
+        <p:nvSpPr>
+          <p:cNvPr id="5" name="TextBox 4"/>
+          <p:cNvSpPr txBox="1"/>
+          <p:nvPr/>
+        </p:nvSpPr>
+        <p:spPr>
+          <a:xfrm>
+            <a:off x="480767" y="2026760"/>
+            <a:ext cx="4628560" cy="1602558"/>
+          </a:xfrm>
+          <a:prstGeom prst="rect">
+            <a:avLst/>
+          </a:prstGeom>
+          <a:noFill/>
+          <a:ln w="28575">
+            <a:solidFill>
+              <a:srgbClr val="FF0000"/>
+            </a:solidFill>
+          </a:ln>
+        </p:spPr>
+        <p:txBody>
+          <a:bodyPr wrap="square" rtlCol="0">
+            <a:spAutoFit/>
+          </a:bodyPr>
+          <a:lstStyle/>
+          <a:p>
+            <a:r>
+              <a:rPr lang="en-US" sz="2400" dirty="0"/>
+              <a:t>The implementation requires the condition to be wrapped inside a compile-time </a:t>
+            </a:r>
+            <a:r>
+              <a:rPr lang="en-US" sz="2400" dirty="0" err="1"/>
+              <a:t>boolean</a:t>
+            </a:r>
+            <a:r>
+              <a:rPr lang="en-US" sz="2400" dirty="0"/>
+              <a:t> variable wrapper: that's what `</a:t>
+            </a:r>
+            <a:r>
+              <a:rPr lang="en-US" sz="2400" dirty="0" err="1"/>
+              <a:t>bool_v</a:t>
+            </a:r>
+            <a:r>
+              <a:rPr lang="en-US" sz="2400" dirty="0"/>
+              <a:t>` is for.</a:t>
+            </a:r>
+            <a:endParaRPr lang="it-IT" sz="2400" dirty="0"/>
+          </a:p>
+        </p:txBody>
+      </p:sp>
+      <mc:AlternateContent xmlns:mc="http://schemas.openxmlformats.org/markup-compatibility/2006">
+        <mc:Choice xmlns:p14="http://schemas.microsoft.com/office/powerpoint/2010/main" Requires="p14">
+          <p:contentPart p14:bwMode="auto" r:id="rId3">
+            <p14:nvContentPartPr>
+              <p14:cNvPr id="7" name="Ink 6"/>
+              <p14:cNvContentPartPr/>
+              <p14:nvPr/>
+            </p14:nvContentPartPr>
+            <p14:xfrm>
+              <a:off x="6584615" y="1006638"/>
+              <a:ext cx="1170000" cy="663120"/>
+            </p14:xfrm>
+          </p:contentPart>
+        </mc:Choice>
+        <mc:Fallback>
+          <p:pic>
+            <p:nvPicPr>
+              <p:cNvPr id="7" name="Ink 6"/>
+              <p:cNvPicPr/>
+              <p:nvPr/>
+            </p:nvPicPr>
+            <p:blipFill>
+              <a:blip r:embed="rId4"/>
+              <a:stretch>
+                <a:fillRect/>
+              </a:stretch>
+            </p:blipFill>
+            <p:spPr>
+              <a:xfrm>
+                <a:off x="6571295" y="997638"/>
+                <a:ext cx="1197360" cy="685440"/>
+              </a:xfrm>
+              <a:prstGeom prst="rect">
+                <a:avLst/>
+              </a:prstGeom>
+            </p:spPr>
+          </p:pic>
+        </mc:Fallback>
+      </mc:AlternateContent>
+      <mc:AlternateContent xmlns:mc="http://schemas.openxmlformats.org/markup-compatibility/2006">
+        <mc:Choice xmlns:p14="http://schemas.microsoft.com/office/powerpoint/2010/main" Requires="p14">
+          <p:contentPart p14:bwMode="auto" r:id="rId5">
+            <p14:nvContentPartPr>
+              <p14:cNvPr id="9" name="Ink 8"/>
+              <p14:cNvContentPartPr/>
+              <p14:nvPr/>
+            </p14:nvContentPartPr>
+            <p14:xfrm>
+              <a:off x="6978815" y="2929398"/>
+              <a:ext cx="1107000" cy="604800"/>
+            </p14:xfrm>
+          </p:contentPart>
+        </mc:Choice>
+        <mc:Fallback>
+          <p:pic>
+            <p:nvPicPr>
+              <p:cNvPr id="9" name="Ink 8"/>
+              <p:cNvPicPr/>
+              <p:nvPr/>
+            </p:nvPicPr>
+            <p:blipFill>
+              <a:blip r:embed="rId6"/>
+              <a:stretch>
+                <a:fillRect/>
+              </a:stretch>
+            </p:blipFill>
+            <p:spPr>
+              <a:xfrm>
+                <a:off x="6967295" y="2917158"/>
+                <a:ext cx="1131840" cy="629640"/>
+              </a:xfrm>
+              <a:prstGeom prst="rect">
+                <a:avLst/>
+              </a:prstGeom>
+            </p:spPr>
+          </p:pic>
+        </mc:Fallback>
+      </mc:AlternateContent>
+      <mc:AlternateContent xmlns:mc="http://schemas.openxmlformats.org/markup-compatibility/2006">
+        <mc:Choice xmlns:p14="http://schemas.microsoft.com/office/powerpoint/2010/main" Requires="p14">
+          <p:contentPart p14:bwMode="auto" r:id="rId7">
+            <p14:nvContentPartPr>
+              <p14:cNvPr id="11" name="Ink 10"/>
+              <p14:cNvContentPartPr/>
+              <p14:nvPr/>
+            </p14:nvContentPartPr>
+            <p14:xfrm>
+              <a:off x="5048135" y="1463118"/>
+              <a:ext cx="1756080" cy="1239120"/>
+            </p14:xfrm>
+          </p:contentPart>
+        </mc:Choice>
+        <mc:Fallback>
+          <p:pic>
+            <p:nvPicPr>
+              <p:cNvPr id="11" name="Ink 10"/>
+              <p:cNvPicPr/>
+              <p:nvPr/>
+            </p:nvPicPr>
+            <p:blipFill>
+              <a:blip r:embed="rId8"/>
+              <a:stretch>
+                <a:fillRect/>
+              </a:stretch>
+            </p:blipFill>
+            <p:spPr>
+              <a:xfrm>
+                <a:off x="5038415" y="1457718"/>
+                <a:ext cx="1771920" cy="1254240"/>
+              </a:xfrm>
+              <a:prstGeom prst="rect">
+                <a:avLst/>
+              </a:prstGeom>
+            </p:spPr>
+          </p:pic>
+        </mc:Fallback>
+      </mc:AlternateContent>
+      <mc:AlternateContent xmlns:mc="http://schemas.openxmlformats.org/markup-compatibility/2006">
+        <mc:Choice xmlns:p14="http://schemas.microsoft.com/office/powerpoint/2010/main" Requires="p14">
+          <p:contentPart p14:bwMode="auto" r:id="rId9">
+            <p14:nvContentPartPr>
+              <p14:cNvPr id="13" name="Ink 12"/>
+              <p14:cNvContentPartPr/>
+              <p14:nvPr/>
+            </p14:nvContentPartPr>
+            <p14:xfrm>
+              <a:off x="5126615" y="2997798"/>
+              <a:ext cx="1877760" cy="432000"/>
+            </p14:xfrm>
+          </p:contentPart>
+        </mc:Choice>
+        <mc:Fallback>
+          <p:pic>
+            <p:nvPicPr>
+              <p:cNvPr id="13" name="Ink 12"/>
+              <p:cNvPicPr/>
+              <p:nvPr/>
+            </p:nvPicPr>
+            <p:blipFill>
+              <a:blip r:embed="rId10"/>
+              <a:stretch>
+                <a:fillRect/>
+              </a:stretch>
+            </p:blipFill>
+            <p:spPr>
+              <a:xfrm>
+                <a:off x="5117255" y="2988438"/>
+                <a:ext cx="1891440" cy="448200"/>
+              </a:xfrm>
+              <a:prstGeom prst="rect">
+                <a:avLst/>
+              </a:prstGeom>
+            </p:spPr>
+          </p:pic>
+        </mc:Fallback>
+      </mc:AlternateContent>
+      <mc:AlternateContent xmlns:mc="http://schemas.openxmlformats.org/markup-compatibility/2006">
+        <mc:Choice xmlns:p14="http://schemas.microsoft.com/office/powerpoint/2010/main" Requires="p14">
+          <p:contentPart p14:bwMode="auto" r:id="rId11">
+            <p14:nvContentPartPr>
+              <p14:cNvPr id="18" name="Ink 17"/>
+              <p14:cNvContentPartPr/>
+              <p14:nvPr/>
+            </p14:nvContentPartPr>
+            <p14:xfrm>
+              <a:off x="4966055" y="3198318"/>
+              <a:ext cx="33840" cy="3240"/>
+            </p14:xfrm>
+          </p:contentPart>
+        </mc:Choice>
+        <mc:Fallback>
+          <p:pic>
+            <p:nvPicPr>
+              <p:cNvPr id="18" name="Ink 17"/>
+              <p:cNvPicPr/>
+              <p:nvPr/>
+            </p:nvPicPr>
+            <p:blipFill>
+              <a:blip r:embed="rId12"/>
+              <a:stretch>
+                <a:fillRect/>
+              </a:stretch>
+            </p:blipFill>
+            <p:spPr>
+              <a:xfrm>
+                <a:off x="4962815" y="3195798"/>
+                <a:ext cx="39600" cy="8640"/>
+              </a:xfrm>
+              <a:prstGeom prst="rect">
+                <a:avLst/>
+              </a:prstGeom>
+            </p:spPr>
+          </p:pic>
+        </mc:Fallback>
+      </mc:AlternateContent>
+    </p:spTree>
+    <p:extLst>
+      <p:ext uri="{BB962C8B-B14F-4D97-AF65-F5344CB8AC3E}">
+        <p14:creationId xmlns:p14="http://schemas.microsoft.com/office/powerpoint/2010/main" val="3162265867"/>
+      </p:ext>
+    </p:extLst>
+  </p:cSld>
+  <p:clrMapOvr>
+    <a:masterClrMapping/>
+  </p:clrMapOvr>
+  <p:timing>
+    <p:tnLst>
+      <p:par>
+        <p:cTn id="1" dur="indefinite" restart="never" nodeType="tmRoot">
+          <p:childTnLst>
+            <p:seq concurrent="1" nextAc="seek">
+              <p:cTn id="2" dur="indefinite" nodeType="mainSeq">
+                <p:childTnLst>
+                  <p:par>
+                    <p:cTn id="3" fill="hold">
+                      <p:stCondLst>
+                        <p:cond delay="indefinite"/>
+                      </p:stCondLst>
+                      <p:childTnLst>
+                        <p:par>
+                          <p:cTn id="4" fill="hold">
+                            <p:stCondLst>
+                              <p:cond delay="0"/>
+                            </p:stCondLst>
+                            <p:childTnLst>
+                              <p:par>
+                                <p:cTn id="5" presetID="10" presetClass="exit" presetSubtype="0" fill="hold" grpId="0" nodeType="clickEffect">
+                                  <p:stCondLst>
+                                    <p:cond delay="0"/>
+                                  </p:stCondLst>
+                                  <p:childTnLst>
+                                    <p:animEffect transition="out" filter="fade">
+                                      <p:cBhvr>
+                                        <p:cTn id="6" dur="500"/>
+                                        <p:tgtEl>
+                                          <p:spTgt spid="2"/>
+                                        </p:tgtEl>
+                                      </p:cBhvr>
+                                    </p:animEffect>
+                                    <p:set>
+                                      <p:cBhvr>
+                                        <p:cTn id="7" dur="1" fill="hold">
+                                          <p:stCondLst>
+                                            <p:cond delay="499"/>
+                                          </p:stCondLst>
+                                        </p:cTn>
+                                        <p:tgtEl>
+                                          <p:spTgt spid="2"/>
+                                        </p:tgtEl>
+                                        <p:attrNameLst>
+                                          <p:attrName>style.visibility</p:attrName>
+                                        </p:attrNameLst>
+                                      </p:cBhvr>
+                                      <p:to>
+                                        <p:strVal val="hidden"/>
+                                      </p:to>
+                                    </p:set>
+                                  </p:childTnLst>
+                                </p:cTn>
+                              </p:par>
+                            </p:childTnLst>
+                          </p:cTn>
+                        </p:par>
+                      </p:childTnLst>
+                    </p:cTn>
+                  </p:par>
+                  <p:par>
+                    <p:cTn id="8" fill="hold">
+                      <p:stCondLst>
+                        <p:cond delay="indefinite"/>
+                      </p:stCondLst>
+                      <p:childTnLst>
+                        <p:par>
+                          <p:cTn id="9" fill="hold">
+                            <p:stCondLst>
+                              <p:cond delay="0"/>
+                            </p:stCondLst>
+                            <p:childTnLst>
+                              <p:par>
+                                <p:cTn id="10" presetID="10" presetClass="entr" presetSubtype="0" fill="hold" nodeType="clickEffect">
+                                  <p:stCondLst>
+                                    <p:cond delay="0"/>
+                                  </p:stCondLst>
+                                  <p:childTnLst>
+                                    <p:set>
+                                      <p:cBhvr>
+                                        <p:cTn id="11" dur="1" fill="hold">
+                                          <p:stCondLst>
+                                            <p:cond delay="0"/>
+                                          </p:stCondLst>
+                                        </p:cTn>
+                                        <p:tgtEl>
+                                          <p:spTgt spid="7"/>
+                                        </p:tgtEl>
+                                        <p:attrNameLst>
+                                          <p:attrName>style.visibility</p:attrName>
+                                        </p:attrNameLst>
+                                      </p:cBhvr>
+                                      <p:to>
+                                        <p:strVal val="visible"/>
+                                      </p:to>
+                                    </p:set>
+                                    <p:animEffect transition="in" filter="fade">
+                                      <p:cBhvr>
+                                        <p:cTn id="12" dur="500"/>
+                                        <p:tgtEl>
+                                          <p:spTgt spid="7"/>
+                                        </p:tgtEl>
+                                      </p:cBhvr>
+                                    </p:animEffect>
+                                  </p:childTnLst>
+                                </p:cTn>
+                              </p:par>
+                              <p:par>
+                                <p:cTn id="13" presetID="10" presetClass="entr" presetSubtype="0" fill="hold" nodeType="withEffect">
+                                  <p:stCondLst>
+                                    <p:cond delay="0"/>
+                                  </p:stCondLst>
+                                  <p:childTnLst>
+                                    <p:set>
+                                      <p:cBhvr>
+                                        <p:cTn id="14" dur="1" fill="hold">
+                                          <p:stCondLst>
+                                            <p:cond delay="0"/>
+                                          </p:stCondLst>
+                                        </p:cTn>
+                                        <p:tgtEl>
+                                          <p:spTgt spid="9"/>
+                                        </p:tgtEl>
+                                        <p:attrNameLst>
+                                          <p:attrName>style.visibility</p:attrName>
+                                        </p:attrNameLst>
+                                      </p:cBhvr>
+                                      <p:to>
+                                        <p:strVal val="visible"/>
+                                      </p:to>
+                                    </p:set>
+                                    <p:animEffect transition="in" filter="fade">
+                                      <p:cBhvr>
+                                        <p:cTn id="15" dur="500"/>
+                                        <p:tgtEl>
+                                          <p:spTgt spid="9"/>
+                                        </p:tgtEl>
+                                      </p:cBhvr>
+                                    </p:animEffect>
+                                  </p:childTnLst>
+                                </p:cTn>
+                              </p:par>
+                            </p:childTnLst>
+                          </p:cTn>
+                        </p:par>
+                      </p:childTnLst>
+                    </p:cTn>
+                  </p:par>
+                  <p:par>
+                    <p:cTn id="16" fill="hold">
+                      <p:stCondLst>
+                        <p:cond delay="indefinite"/>
+                      </p:stCondLst>
+                      <p:childTnLst>
+                        <p:par>
+                          <p:cTn id="17" fill="hold">
+                            <p:stCondLst>
+                              <p:cond delay="0"/>
+                            </p:stCondLst>
+                            <p:childTnLst>
+                              <p:par>
+                                <p:cTn id="18" presetID="10" presetClass="entr" presetSubtype="0" fill="hold" nodeType="clickEffect">
+                                  <p:stCondLst>
+                                    <p:cond delay="0"/>
+                                  </p:stCondLst>
+                                  <p:childTnLst>
+                                    <p:set>
+                                      <p:cBhvr>
+                                        <p:cTn id="19" dur="1" fill="hold">
+                                          <p:stCondLst>
+                                            <p:cond delay="0"/>
+                                          </p:stCondLst>
+                                        </p:cTn>
+                                        <p:tgtEl>
+                                          <p:spTgt spid="13"/>
+                                        </p:tgtEl>
+                                        <p:attrNameLst>
+                                          <p:attrName>style.visibility</p:attrName>
+                                        </p:attrNameLst>
+                                      </p:cBhvr>
+                                      <p:to>
+                                        <p:strVal val="visible"/>
+                                      </p:to>
+                                    </p:set>
+                                    <p:animEffect transition="in" filter="fade">
+                                      <p:cBhvr>
+                                        <p:cTn id="20" dur="500"/>
+                                        <p:tgtEl>
+                                          <p:spTgt spid="13"/>
+                                        </p:tgtEl>
+                                      </p:cBhvr>
+                                    </p:animEffect>
+                                  </p:childTnLst>
+                                </p:cTn>
+                              </p:par>
+                              <p:par>
+                                <p:cTn id="21" presetID="10" presetClass="entr" presetSubtype="0" fill="hold" nodeType="withEffect">
+                                  <p:stCondLst>
+                                    <p:cond delay="0"/>
+                                  </p:stCondLst>
+                                  <p:childTnLst>
+                                    <p:set>
+                                      <p:cBhvr>
+                                        <p:cTn id="22" dur="1" fill="hold">
+                                          <p:stCondLst>
+                                            <p:cond delay="0"/>
+                                          </p:stCondLst>
+                                        </p:cTn>
+                                        <p:tgtEl>
+                                          <p:spTgt spid="11"/>
+                                        </p:tgtEl>
+                                        <p:attrNameLst>
+                                          <p:attrName>style.visibility</p:attrName>
+                                        </p:attrNameLst>
+                                      </p:cBhvr>
+                                      <p:to>
+                                        <p:strVal val="visible"/>
+                                      </p:to>
+                                    </p:set>
+                                    <p:animEffect transition="in" filter="fade">
+                                      <p:cBhvr>
+                                        <p:cTn id="23" dur="500"/>
+                                        <p:tgtEl>
+                                          <p:spTgt spid="11"/>
+                                        </p:tgtEl>
+                                      </p:cBhvr>
+                                    </p:animEffect>
+                                  </p:childTnLst>
+                                </p:cTn>
+                              </p:par>
+                              <p:par>
+                                <p:cTn id="24" presetID="10" presetClass="entr" presetSubtype="0" fill="hold" grpId="0" nodeType="withEffect">
+                                  <p:stCondLst>
+                                    <p:cond delay="0"/>
+                                  </p:stCondLst>
+                                  <p:childTnLst>
+                                    <p:set>
+                                      <p:cBhvr>
+                                        <p:cTn id="25" dur="1" fill="hold">
+                                          <p:stCondLst>
+                                            <p:cond delay="0"/>
+                                          </p:stCondLst>
+                                        </p:cTn>
+                                        <p:tgtEl>
+                                          <p:spTgt spid="5"/>
+                                        </p:tgtEl>
+                                        <p:attrNameLst>
+                                          <p:attrName>style.visibility</p:attrName>
+                                        </p:attrNameLst>
+                                      </p:cBhvr>
+                                      <p:to>
+                                        <p:strVal val="visible"/>
+                                      </p:to>
+                                    </p:set>
+                                    <p:animEffect transition="in" filter="fade">
+                                      <p:cBhvr>
+                                        <p:cTn id="26" dur="500"/>
+                                        <p:tgtEl>
+                                          <p:spTgt spid="5"/>
+                                        </p:tgtEl>
+                                      </p:cBhvr>
+                                    </p:animEffect>
+                                  </p:childTnLst>
+                                </p:cTn>
+                              </p:par>
+                            </p:childTnLst>
+                          </p:cTn>
+                        </p:par>
+                      </p:childTnLst>
+                    </p:cTn>
+                  </p:par>
+                  <p:par>
+                    <p:cTn id="27" fill="hold">
+                      <p:stCondLst>
+                        <p:cond delay="indefinite"/>
+                      </p:stCondLst>
+                      <p:childTnLst>
+                        <p:par>
+                          <p:cTn id="28" fill="hold">
+                            <p:stCondLst>
+                              <p:cond delay="0"/>
+                            </p:stCondLst>
+                            <p:childTnLst>
+                              <p:par>
+                                <p:cTn id="29" presetID="10" presetClass="exit" presetSubtype="0" fill="hold" nodeType="clickEffect">
+                                  <p:stCondLst>
+                                    <p:cond delay="0"/>
+                                  </p:stCondLst>
+                                  <p:childTnLst>
+                                    <p:animEffect transition="out" filter="fade">
+                                      <p:cBhvr>
+                                        <p:cTn id="30" dur="500"/>
+                                        <p:tgtEl>
+                                          <p:spTgt spid="7"/>
+                                        </p:tgtEl>
+                                      </p:cBhvr>
+                                    </p:animEffect>
+                                    <p:set>
+                                      <p:cBhvr>
+                                        <p:cTn id="31" dur="1" fill="hold">
+                                          <p:stCondLst>
+                                            <p:cond delay="499"/>
+                                          </p:stCondLst>
+                                        </p:cTn>
+                                        <p:tgtEl>
+                                          <p:spTgt spid="7"/>
+                                        </p:tgtEl>
+                                        <p:attrNameLst>
+                                          <p:attrName>style.visibility</p:attrName>
+                                        </p:attrNameLst>
+                                      </p:cBhvr>
+                                      <p:to>
+                                        <p:strVal val="hidden"/>
+                                      </p:to>
+                                    </p:set>
+                                  </p:childTnLst>
+                                </p:cTn>
+                              </p:par>
+                              <p:par>
+                                <p:cTn id="32" presetID="10" presetClass="exit" presetSubtype="0" fill="hold" nodeType="withEffect">
+                                  <p:stCondLst>
+                                    <p:cond delay="0"/>
+                                  </p:stCondLst>
+                                  <p:childTnLst>
+                                    <p:animEffect transition="out" filter="fade">
+                                      <p:cBhvr>
+                                        <p:cTn id="33" dur="500"/>
+                                        <p:tgtEl>
+                                          <p:spTgt spid="9"/>
+                                        </p:tgtEl>
+                                      </p:cBhvr>
+                                    </p:animEffect>
+                                    <p:set>
+                                      <p:cBhvr>
+                                        <p:cTn id="34" dur="1" fill="hold">
+                                          <p:stCondLst>
+                                            <p:cond delay="499"/>
+                                          </p:stCondLst>
+                                        </p:cTn>
+                                        <p:tgtEl>
+                                          <p:spTgt spid="9"/>
+                                        </p:tgtEl>
+                                        <p:attrNameLst>
+                                          <p:attrName>style.visibility</p:attrName>
+                                        </p:attrNameLst>
+                                      </p:cBhvr>
+                                      <p:to>
+                                        <p:strVal val="hidden"/>
+                                      </p:to>
+                                    </p:set>
+                                  </p:childTnLst>
+                                </p:cTn>
+                              </p:par>
+                              <p:par>
+                                <p:cTn id="35" presetID="10" presetClass="exit" presetSubtype="0" fill="hold" nodeType="withEffect">
+                                  <p:stCondLst>
+                                    <p:cond delay="0"/>
+                                  </p:stCondLst>
+                                  <p:childTnLst>
+                                    <p:animEffect transition="out" filter="fade">
+                                      <p:cBhvr>
+                                        <p:cTn id="36" dur="500"/>
+                                        <p:tgtEl>
+                                          <p:spTgt spid="13"/>
+                                        </p:tgtEl>
+                                      </p:cBhvr>
+                                    </p:animEffect>
+                                    <p:set>
+                                      <p:cBhvr>
+                                        <p:cTn id="37" dur="1" fill="hold">
+                                          <p:stCondLst>
+                                            <p:cond delay="499"/>
+                                          </p:stCondLst>
+                                        </p:cTn>
+                                        <p:tgtEl>
+                                          <p:spTgt spid="13"/>
+                                        </p:tgtEl>
+                                        <p:attrNameLst>
+                                          <p:attrName>style.visibility</p:attrName>
+                                        </p:attrNameLst>
+                                      </p:cBhvr>
+                                      <p:to>
+                                        <p:strVal val="hidden"/>
+                                      </p:to>
+                                    </p:set>
+                                  </p:childTnLst>
+                                </p:cTn>
+                              </p:par>
+                              <p:par>
+                                <p:cTn id="38" presetID="10" presetClass="exit" presetSubtype="0" fill="hold" nodeType="withEffect">
+                                  <p:stCondLst>
+                                    <p:cond delay="0"/>
+                                  </p:stCondLst>
+                                  <p:childTnLst>
+                                    <p:animEffect transition="out" filter="fade">
+                                      <p:cBhvr>
+                                        <p:cTn id="39" dur="500"/>
+                                        <p:tgtEl>
+                                          <p:spTgt spid="11"/>
+                                        </p:tgtEl>
+                                      </p:cBhvr>
+                                    </p:animEffect>
+                                    <p:set>
+                                      <p:cBhvr>
+                                        <p:cTn id="40" dur="1" fill="hold">
+                                          <p:stCondLst>
+                                            <p:cond delay="499"/>
+                                          </p:stCondLst>
+                                        </p:cTn>
+                                        <p:tgtEl>
+                                          <p:spTgt spid="11"/>
+                                        </p:tgtEl>
+                                        <p:attrNameLst>
+                                          <p:attrName>style.visibility</p:attrName>
+                                        </p:attrNameLst>
+                                      </p:cBhvr>
+                                      <p:to>
+                                        <p:strVal val="hidden"/>
+                                      </p:to>
+                                    </p:set>
+                                  </p:childTnLst>
+                                </p:cTn>
+                              </p:par>
+                              <p:par>
+                                <p:cTn id="41" presetID="10" presetClass="exit" presetSubtype="0" fill="hold" grpId="1" nodeType="withEffect">
+                                  <p:stCondLst>
+                                    <p:cond delay="0"/>
+                                  </p:stCondLst>
+                                  <p:childTnLst>
+                                    <p:animEffect transition="out" filter="fade">
+                                      <p:cBhvr>
+                                        <p:cTn id="42" dur="500"/>
+                                        <p:tgtEl>
+                                          <p:spTgt spid="5"/>
+                                        </p:tgtEl>
+                                      </p:cBhvr>
+                                    </p:animEffect>
+                                    <p:set>
+                                      <p:cBhvr>
+                                        <p:cTn id="43" dur="1" fill="hold">
+                                          <p:stCondLst>
+                                            <p:cond delay="499"/>
+                                          </p:stCondLst>
+                                        </p:cTn>
+                                        <p:tgtEl>
+                                          <p:spTgt spid="5"/>
+                                        </p:tgtEl>
+                                        <p:attrNameLst>
+                                          <p:attrName>style.visibility</p:attrName>
+                                        </p:attrNameLst>
+                                      </p:cBhvr>
+                                      <p:to>
+                                        <p:strVal val="hidden"/>
+                                      </p:to>
+                                    </p:set>
+                                  </p:childTnLst>
+                                </p:cTn>
+                              </p:par>
+                            </p:childTnLst>
+                          </p:cTn>
+                        </p:par>
+                      </p:childTnLst>
+                    </p:cTn>
+                  </p:par>
+                </p:childTnLst>
+              </p:cTn>
+              <p:prevCondLst>
+                <p:cond evt="onPrev" delay="0">
+                  <p:tgtEl>
+                    <p:sldTgt/>
+                  </p:tgtEl>
+                </p:cond>
+              </p:prevCondLst>
+              <p:nextCondLst>
+                <p:cond evt="onNext" delay="0">
+                  <p:tgtEl>
+                    <p:sldTgt/>
+                  </p:tgtEl>
+                </p:cond>
+              </p:nextCondLst>
+            </p:seq>
+          </p:childTnLst>
+        </p:cTn>
+      </p:par>
+    </p:tnLst>
+    <p:bldLst>
+      <p:bldP spid="2" grpId="0"/>
+      <p:bldP spid="5" grpId="0" animBg="1"/>
+      <p:bldP spid="5" grpId="1" animBg="1"/>
+    </p:bldLst>
+  </p:timing>
+</p:sld>
+</file>
+
+<file path=ppt/slides/slide18.xml><?xml version="1.0" encoding="utf-8"?>
+<p:sld xmlns:a="http://schemas.openxmlformats.org/drawingml/2006/main" xmlns:r="http://schemas.openxmlformats.org/officeDocument/2006/relationships" xmlns:p="http://schemas.openxmlformats.org/presentationml/2006/main">
+  <p:cSld>
+    <p:spTree>
+      <p:nvGrpSpPr>
+        <p:cNvPr id="1" name=""/>
+        <p:cNvGrpSpPr/>
+        <p:nvPr/>
+      </p:nvGrpSpPr>
+      <p:grpSpPr>
+        <a:xfrm>
+          <a:off x="0" y="0"/>
+          <a:ext cx="0" cy="0"/>
+          <a:chOff x="0" y="0"/>
+          <a:chExt cx="0" cy="0"/>
+        </a:xfrm>
+      </p:grpSpPr>
+      <p:sp>
+        <p:nvSpPr>
+          <p:cNvPr id="4" name="Titolo 3"/>
+          <p:cNvSpPr>
+            <a:spLocks noGrp="1"/>
+          </p:cNvSpPr>
+          <p:nvPr>
+            <p:ph type="title"/>
+          </p:nvPr>
+        </p:nvSpPr>
+        <p:spPr/>
+        <p:txBody>
+          <a:bodyPr/>
+          <a:lstStyle/>
+          <a:p>
+            <a:r>
+              <a:rPr lang="en-US" dirty="0"/>
+              <a:t>Step 0: call </a:t>
+            </a:r>
+            <a:r>
+              <a:rPr lang="en-US" dirty="0">
+                <a:latin typeface="Consolas" panose="020B0609020204030204" pitchFamily="49" charset="0"/>
+              </a:rPr>
+              <a:t>consume</a:t>
+            </a:r>
+            <a:endParaRPr lang="it-IT" dirty="0">
+              <a:latin typeface="Consolas" panose="020B0609020204030204" pitchFamily="49" charset="0"/>
+            </a:endParaRPr>
+          </a:p>
+        </p:txBody>
+      </p:sp>
+      <p:pic>
+        <p:nvPicPr>
+          <p:cNvPr id="6" name="Immagine 5"/>
+          <p:cNvPicPr>
+            <a:picLocks noChangeAspect="1"/>
+          </p:cNvPicPr>
+          <p:nvPr/>
+        </p:nvPicPr>
+        <p:blipFill>
+          <a:blip r:embed="rId2">
+            <a:extLst>
+              <a:ext uri="{28A0092B-C50C-407E-A947-70E740481C1C}">
+                <a14:useLocalDpi xmlns:a14="http://schemas.microsoft.com/office/drawing/2010/main" val="0"/>
+              </a:ext>
+            </a:extLst>
+          </a:blip>
+          <a:stretch>
+            <a:fillRect/>
+          </a:stretch>
+        </p:blipFill>
+        <p:spPr>
+          <a:xfrm>
+            <a:off x="1099314" y="3722701"/>
+            <a:ext cx="3675279" cy="451351"/>
+          </a:xfrm>
+          <a:prstGeom prst="rect">
+            <a:avLst/>
+          </a:prstGeom>
+        </p:spPr>
+      </p:pic>
+      <p:pic>
+        <p:nvPicPr>
+          <p:cNvPr id="7" name="Immagine 6"/>
+          <p:cNvPicPr>
+            <a:picLocks noChangeAspect="1"/>
+          </p:cNvPicPr>
+          <p:nvPr/>
+        </p:nvPicPr>
+        <p:blipFill>
+          <a:blip r:embed="rId3">
+            <a:extLst>
+              <a:ext uri="{28A0092B-C50C-407E-A947-70E740481C1C}">
+                <a14:useLocalDpi xmlns:a14="http://schemas.microsoft.com/office/drawing/2010/main" val="0"/>
+              </a:ext>
+            </a:extLst>
+          </a:blip>
+          <a:stretch>
+            <a:fillRect/>
+          </a:stretch>
+        </p:blipFill>
+        <p:spPr>
+          <a:xfrm>
+            <a:off x="6145040" y="1521355"/>
+            <a:ext cx="5415909" cy="4854045"/>
+          </a:xfrm>
+          <a:prstGeom prst="rect">
+            <a:avLst/>
+          </a:prstGeom>
+        </p:spPr>
+      </p:pic>
+      <mc:AlternateContent xmlns:mc="http://schemas.openxmlformats.org/markup-compatibility/2006" xmlns:p14="http://schemas.microsoft.com/office/powerpoint/2010/main">
+        <mc:Choice Requires="p14">
+          <p:contentPart p14:bwMode="auto" r:id="rId4">
+            <p14:nvContentPartPr>
+              <p14:cNvPr id="16" name="Input penna 15"/>
+              <p14:cNvContentPartPr/>
+              <p14:nvPr/>
+            </p14:nvContentPartPr>
+            <p14:xfrm>
+              <a:off x="2447573" y="3415333"/>
+              <a:ext cx="2217240" cy="970920"/>
+            </p14:xfrm>
+          </p:contentPart>
+        </mc:Choice>
+        <mc:Fallback xmlns="">
+          <p:pic>
+            <p:nvPicPr>
+              <p:cNvPr id="16" name="Input penna 15"/>
+              <p:cNvPicPr/>
+              <p:nvPr/>
+            </p:nvPicPr>
+            <p:blipFill>
+              <a:blip r:embed="rId5"/>
+              <a:stretch>
+                <a:fillRect/>
+              </a:stretch>
+            </p:blipFill>
+            <p:spPr>
+              <a:xfrm>
+                <a:off x="2437493" y="3404173"/>
+                <a:ext cx="2239200" cy="993240"/>
+              </a:xfrm>
+              <a:prstGeom prst="rect">
+                <a:avLst/>
+              </a:prstGeom>
+            </p:spPr>
+          </p:pic>
+        </mc:Fallback>
+      </mc:AlternateContent>
+      <mc:AlternateContent xmlns:mc="http://schemas.openxmlformats.org/markup-compatibility/2006" xmlns:p14="http://schemas.microsoft.com/office/powerpoint/2010/main">
+        <mc:Choice Requires="p14">
+          <p:contentPart p14:bwMode="auto" r:id="rId6">
+            <p14:nvContentPartPr>
+              <p14:cNvPr id="19" name="Input penna 18"/>
+              <p14:cNvContentPartPr/>
+              <p14:nvPr/>
+            </p14:nvContentPartPr>
+            <p14:xfrm>
+              <a:off x="3666173" y="1774453"/>
+              <a:ext cx="4178160" cy="1654200"/>
+            </p14:xfrm>
+          </p:contentPart>
+        </mc:Choice>
+        <mc:Fallback xmlns="">
+          <p:pic>
+            <p:nvPicPr>
+              <p:cNvPr id="19" name="Input penna 18"/>
+              <p:cNvPicPr/>
+              <p:nvPr/>
+            </p:nvPicPr>
+            <p:blipFill>
+              <a:blip r:embed="rId7"/>
+              <a:stretch>
+                <a:fillRect/>
+              </a:stretch>
+            </p:blipFill>
+            <p:spPr>
+              <a:xfrm>
+                <a:off x="3659693" y="1765093"/>
+                <a:ext cx="4194000" cy="1668600"/>
+              </a:xfrm>
+              <a:prstGeom prst="rect">
+                <a:avLst/>
+              </a:prstGeom>
+            </p:spPr>
+          </p:pic>
+        </mc:Fallback>
+      </mc:AlternateContent>
+      <mc:AlternateContent xmlns:mc="http://schemas.openxmlformats.org/markup-compatibility/2006" xmlns:p14="http://schemas.microsoft.com/office/powerpoint/2010/main">
+        <mc:Choice Requires="p14">
+          <p:contentPart p14:bwMode="auto" r:id="rId8">
+            <p14:nvContentPartPr>
+              <p14:cNvPr id="20" name="Input penna 19"/>
+              <p14:cNvContentPartPr/>
+              <p14:nvPr/>
+            </p14:nvContentPartPr>
+            <p14:xfrm>
+              <a:off x="7786733" y="1770133"/>
+              <a:ext cx="678960" cy="449280"/>
+            </p14:xfrm>
+          </p:contentPart>
+        </mc:Choice>
+        <mc:Fallback xmlns="">
+          <p:pic>
+            <p:nvPicPr>
+              <p:cNvPr id="20" name="Input penna 19"/>
+              <p:cNvPicPr/>
+              <p:nvPr/>
+            </p:nvPicPr>
+            <p:blipFill>
+              <a:blip r:embed="rId9"/>
+              <a:stretch>
+                <a:fillRect/>
+              </a:stretch>
+            </p:blipFill>
+            <p:spPr>
+              <a:xfrm>
+                <a:off x="7777373" y="1761853"/>
+                <a:ext cx="696600" cy="466200"/>
+              </a:xfrm>
+              <a:prstGeom prst="rect">
+                <a:avLst/>
+              </a:prstGeom>
+            </p:spPr>
+          </p:pic>
+        </mc:Fallback>
+      </mc:AlternateContent>
+    </p:spTree>
+    <p:extLst>
+      <p:ext uri="{BB962C8B-B14F-4D97-AF65-F5344CB8AC3E}">
+        <p14:creationId xmlns:p14="http://schemas.microsoft.com/office/powerpoint/2010/main" val="4135501317"/>
+      </p:ext>
+    </p:extLst>
+  </p:cSld>
+  <p:clrMapOvr>
+    <a:masterClrMapping/>
+  </p:clrMapOvr>
+  <p:timing>
+    <p:tnLst>
+      <p:par>
+        <p:cTn id="1" dur="indefinite" restart="never" nodeType="tmRoot">
+          <p:childTnLst>
+            <p:seq concurrent="1" nextAc="seek">
+              <p:cTn id="2" dur="indefinite" nodeType="mainSeq">
+                <p:childTnLst>
+                  <p:par>
+                    <p:cTn id="3" fill="hold">
+                      <p:stCondLst>
+                        <p:cond delay="indefinite"/>
+                      </p:stCondLst>
+                      <p:childTnLst>
+                        <p:par>
+                          <p:cTn id="4" fill="hold">
+                            <p:stCondLst>
+                              <p:cond delay="0"/>
+                            </p:stCondLst>
+                            <p:childTnLst>
+                              <p:par>
+                                <p:cTn id="5" presetID="10" presetClass="entr" presetSubtype="0" fill="hold" nodeType="clickEffect">
+                                  <p:stCondLst>
+                                    <p:cond delay="0"/>
+                                  </p:stCondLst>
+                                  <p:childTnLst>
+                                    <p:set>
+                                      <p:cBhvr>
+                                        <p:cTn id="6" dur="1" fill="hold">
+                                          <p:stCondLst>
+                                            <p:cond delay="0"/>
+                                          </p:stCondLst>
+                                        </p:cTn>
+                                        <p:tgtEl>
+                                          <p:spTgt spid="16"/>
+                                        </p:tgtEl>
+                                        <p:attrNameLst>
+                                          <p:attrName>style.visibility</p:attrName>
+                                        </p:attrNameLst>
+                                      </p:cBhvr>
+                                      <p:to>
+                                        <p:strVal val="visible"/>
+                                      </p:to>
+                                    </p:set>
+                                    <p:animEffect transition="in" filter="fade">
+                                      <p:cBhvr>
+                                        <p:cTn id="7" dur="500"/>
+                                        <p:tgtEl>
+                                          <p:spTgt spid="16"/>
+                                        </p:tgtEl>
+                                      </p:cBhvr>
+                                    </p:animEffect>
+                                  </p:childTnLst>
+                                </p:cTn>
+                              </p:par>
+                            </p:childTnLst>
+                          </p:cTn>
+                        </p:par>
+                      </p:childTnLst>
+                    </p:cTn>
+                  </p:par>
+                  <p:par>
+                    <p:cTn id="8" fill="hold">
+                      <p:stCondLst>
+                        <p:cond delay="indefinite"/>
+                      </p:stCondLst>
+                      <p:childTnLst>
+                        <p:par>
+                          <p:cTn id="9" fill="hold">
+                            <p:stCondLst>
+                              <p:cond delay="0"/>
+                            </p:stCondLst>
+                            <p:childTnLst>
+                              <p:par>
+                                <p:cTn id="10" presetID="10" presetClass="entr" presetSubtype="0" fill="hold" nodeType="clickEffect">
+                                  <p:stCondLst>
+                                    <p:cond delay="0"/>
+                                  </p:stCondLst>
+                                  <p:childTnLst>
+                                    <p:set>
+                                      <p:cBhvr>
+                                        <p:cTn id="11" dur="1" fill="hold">
+                                          <p:stCondLst>
+                                            <p:cond delay="0"/>
+                                          </p:stCondLst>
+                                        </p:cTn>
+                                        <p:tgtEl>
+                                          <p:spTgt spid="19"/>
+                                        </p:tgtEl>
+                                        <p:attrNameLst>
+                                          <p:attrName>style.visibility</p:attrName>
+                                        </p:attrNameLst>
+                                      </p:cBhvr>
+                                      <p:to>
+                                        <p:strVal val="visible"/>
+                                      </p:to>
+                                    </p:set>
+                                    <p:animEffect transition="in" filter="fade">
+                                      <p:cBhvr>
+                                        <p:cTn id="12" dur="500"/>
+                                        <p:tgtEl>
+                                          <p:spTgt spid="19"/>
+                                        </p:tgtEl>
+                                      </p:cBhvr>
+                                    </p:animEffect>
+                                  </p:childTnLst>
+                                </p:cTn>
+                              </p:par>
+                            </p:childTnLst>
+                          </p:cTn>
+                        </p:par>
+                      </p:childTnLst>
+                    </p:cTn>
+                  </p:par>
+                  <p:par>
+                    <p:cTn id="13" fill="hold">
+                      <p:stCondLst>
+                        <p:cond delay="indefinite"/>
+                      </p:stCondLst>
+                      <p:childTnLst>
+                        <p:par>
+                          <p:cTn id="14" fill="hold">
+                            <p:stCondLst>
+                              <p:cond delay="0"/>
+                            </p:stCondLst>
+                            <p:childTnLst>
+                              <p:par>
+                                <p:cTn id="15" presetID="10" presetClass="entr" presetSubtype="0" fill="hold" nodeType="clickEffect">
+                                  <p:stCondLst>
+                                    <p:cond delay="0"/>
+                                  </p:stCondLst>
+                                  <p:childTnLst>
+                                    <p:set>
+                                      <p:cBhvr>
+                                        <p:cTn id="16" dur="1" fill="hold">
+                                          <p:stCondLst>
+                                            <p:cond delay="0"/>
+                                          </p:stCondLst>
+                                        </p:cTn>
+                                        <p:tgtEl>
+                                          <p:spTgt spid="20"/>
+                                        </p:tgtEl>
+                                        <p:attrNameLst>
+                                          <p:attrName>style.visibility</p:attrName>
+                                        </p:attrNameLst>
+                                      </p:cBhvr>
+                                      <p:to>
+                                        <p:strVal val="visible"/>
+                                      </p:to>
+                                    </p:set>
+                                    <p:animEffect transition="in" filter="fade">
+                                      <p:cBhvr>
+                                        <p:cTn id="17" dur="500"/>
+                                        <p:tgtEl>
+                                          <p:spTgt spid="20"/>
+                                        </p:tgtEl>
+                                      </p:cBhvr>
+                                    </p:animEffect>
+                                  </p:childTnLst>
+                                </p:cTn>
+                              </p:par>
+                            </p:childTnLst>
+                          </p:cTn>
+                        </p:par>
+                      </p:childTnLst>
+                    </p:cTn>
+                  </p:par>
+                </p:childTnLst>
+              </p:cTn>
+              <p:prevCondLst>
+                <p:cond evt="onPrev" delay="0">
+                  <p:tgtEl>
+                    <p:sldTgt/>
+                  </p:tgtEl>
+                </p:cond>
+              </p:prevCondLst>
+              <p:nextCondLst>
+                <p:cond evt="onNext" delay="0">
+                  <p:tgtEl>
+                    <p:sldTgt/>
+                  </p:tgtEl>
+                </p:cond>
+              </p:nextCondLst>
+            </p:seq>
+          </p:childTnLst>
+        </p:cTn>
+      </p:par>
+    </p:tnLst>
+  </p:timing>
+</p:sld>
+</file>
+
+<file path=ppt/slides/slide19.xml><?xml version="1.0" encoding="utf-8"?>
 <p:sld xmlns:a="http://schemas.openxmlformats.org/drawingml/2006/main" xmlns:r="http://schemas.openxmlformats.org/officeDocument/2006/relationships" xmlns:p="http://schemas.openxmlformats.org/presentationml/2006/main">
   <p:cSld>
     <p:spTree>
@@ -6181,7 +10556,229 @@
 </p:sld>
 </file>
 
-<file path=ppt/slides/slide11.xml><?xml version="1.0" encoding="utf-8"?>
+<file path=ppt/slides/slide2.xml><?xml version="1.0" encoding="utf-8"?>
+<p:sld xmlns:a="http://schemas.openxmlformats.org/drawingml/2006/main" xmlns:r="http://schemas.openxmlformats.org/officeDocument/2006/relationships" xmlns:p="http://schemas.openxmlformats.org/presentationml/2006/main">
+  <p:cSld>
+    <p:spTree>
+      <p:nvGrpSpPr>
+        <p:cNvPr id="1" name=""/>
+        <p:cNvGrpSpPr/>
+        <p:nvPr/>
+      </p:nvGrpSpPr>
+      <p:grpSpPr>
+        <a:xfrm>
+          <a:off x="0" y="0"/>
+          <a:ext cx="0" cy="0"/>
+          <a:chOff x="0" y="0"/>
+          <a:chExt cx="0" cy="0"/>
+        </a:xfrm>
+      </p:grpSpPr>
+      <p:sp>
+        <p:nvSpPr>
+          <p:cNvPr id="2" name="Title 1"/>
+          <p:cNvSpPr>
+            <a:spLocks noGrp="1"/>
+          </p:cNvSpPr>
+          <p:nvPr>
+            <p:ph type="title"/>
+          </p:nvPr>
+        </p:nvSpPr>
+        <p:spPr/>
+        <p:txBody>
+          <a:bodyPr/>
+          <a:lstStyle/>
+          <a:p>
+            <a:r>
+              <a:rPr lang="en-US" dirty="0"/>
+              <a:t>What is </a:t>
+            </a:r>
+            <a:r>
+              <a:rPr lang="en-US" b="1" dirty="0"/>
+              <a:t>“static”</a:t>
+            </a:r>
+            <a:r>
+              <a:rPr lang="en-US" dirty="0"/>
+              <a:t> control flow?</a:t>
+            </a:r>
+            <a:endParaRPr lang="it-IT" dirty="0"/>
+          </a:p>
+        </p:txBody>
+      </p:sp>
+      <p:sp>
+        <p:nvSpPr>
+          <p:cNvPr id="3" name="Content Placeholder 2"/>
+          <p:cNvSpPr>
+            <a:spLocks noGrp="1"/>
+          </p:cNvSpPr>
+          <p:nvPr>
+            <p:ph idx="1"/>
+          </p:nvPr>
+        </p:nvSpPr>
+        <p:spPr/>
+        <p:txBody>
+          <a:bodyPr/>
+          <a:lstStyle/>
+          <a:p>
+            <a:r>
+              <a:rPr lang="en-US" dirty="0">
+                <a:latin typeface="Consolas" panose="020B0609020204030204" pitchFamily="49" charset="0"/>
+              </a:rPr>
+              <a:t>static</a:t>
+            </a:r>
+            <a:r>
+              <a:rPr lang="en-US" dirty="0"/>
+              <a:t> is a specifier with multiple meanings in C++.</a:t>
+            </a:r>
+          </a:p>
+          <a:p>
+            <a:r>
+              <a:rPr lang="en-US" dirty="0"/>
+              <a:t>It’s also a word commonly used by developers to refer to </a:t>
+            </a:r>
+            <a:r>
+              <a:rPr lang="en-US" b="1" dirty="0"/>
+              <a:t>compile-time control flow</a:t>
+            </a:r>
+            <a:r>
+              <a:rPr lang="en-US" dirty="0"/>
+              <a:t>.</a:t>
+            </a:r>
+          </a:p>
+          <a:p>
+            <a:r>
+              <a:rPr lang="en-US" dirty="0"/>
+              <a:t>Existing languages, such as D, have powerful compile-time constructs like </a:t>
+            </a:r>
+            <a:r>
+              <a:rPr lang="en-US" dirty="0">
+                <a:latin typeface="Consolas" panose="020B0609020204030204" pitchFamily="49" charset="0"/>
+              </a:rPr>
+              <a:t>static if</a:t>
+            </a:r>
+            <a:r>
+              <a:rPr lang="en-US" dirty="0"/>
+              <a:t>.</a:t>
+            </a:r>
+          </a:p>
+          <a:p>
+            <a:r>
+              <a:rPr lang="en-US" dirty="0"/>
+              <a:t>Goals of this talk:</a:t>
+            </a:r>
+          </a:p>
+          <a:p>
+            <a:pPr lvl="1"/>
+            <a:r>
+              <a:rPr lang="en-US" dirty="0"/>
+              <a:t>Understand the benefits of static control flow.</a:t>
+            </a:r>
+          </a:p>
+          <a:p>
+            <a:pPr lvl="1"/>
+            <a:r>
+              <a:rPr lang="en-US" dirty="0"/>
+              <a:t>Look at the history of </a:t>
+            </a:r>
+            <a:r>
+              <a:rPr lang="en-US" dirty="0" err="1">
+                <a:latin typeface="Consolas" panose="020B0609020204030204" pitchFamily="49" charset="0"/>
+              </a:rPr>
+              <a:t>static_if</a:t>
+            </a:r>
+            <a:r>
+              <a:rPr lang="en-US" dirty="0"/>
+              <a:t> proposals in C++, analyze </a:t>
+            </a:r>
+            <a:r>
+              <a:rPr lang="en-US" dirty="0">
+                <a:latin typeface="Consolas" panose="020B0609020204030204" pitchFamily="49" charset="0"/>
+              </a:rPr>
+              <a:t>if </a:t>
+            </a:r>
+            <a:r>
+              <a:rPr lang="en-US" dirty="0" err="1">
+                <a:latin typeface="Consolas" panose="020B0609020204030204" pitchFamily="49" charset="0"/>
+              </a:rPr>
+              <a:t>constexpr</a:t>
+            </a:r>
+            <a:r>
+              <a:rPr lang="en-US" dirty="0"/>
+              <a:t>.</a:t>
+            </a:r>
+          </a:p>
+          <a:p>
+            <a:pPr lvl="1"/>
+            <a:r>
+              <a:rPr lang="en-US" dirty="0"/>
+              <a:t>Implement two C++14 constructs: </a:t>
+            </a:r>
+            <a:r>
+              <a:rPr lang="en-US" dirty="0" err="1">
+                <a:latin typeface="Consolas" panose="020B0609020204030204" pitchFamily="49" charset="0"/>
+              </a:rPr>
+              <a:t>static_if</a:t>
+            </a:r>
+            <a:r>
+              <a:rPr lang="en-US" dirty="0">
+                <a:latin typeface="Consolas" panose="020B0609020204030204" pitchFamily="49" charset="0"/>
+              </a:rPr>
+              <a:t> </a:t>
+            </a:r>
+            <a:r>
+              <a:rPr lang="en-US" dirty="0"/>
+              <a:t>and</a:t>
+            </a:r>
+            <a:r>
+              <a:rPr lang="en-US" dirty="0">
+                <a:latin typeface="Consolas" panose="020B0609020204030204" pitchFamily="49" charset="0"/>
+              </a:rPr>
+              <a:t> </a:t>
+            </a:r>
+            <a:r>
+              <a:rPr lang="en-US" dirty="0" err="1">
+                <a:latin typeface="Consolas" panose="020B0609020204030204" pitchFamily="49" charset="0"/>
+              </a:rPr>
+              <a:t>static_for</a:t>
+            </a:r>
+            <a:r>
+              <a:rPr lang="en-US" dirty="0">
+                <a:latin typeface="Consolas" panose="020B0609020204030204" pitchFamily="49" charset="0"/>
+              </a:rPr>
+              <a:t>.</a:t>
+            </a:r>
+            <a:endParaRPr lang="en-US" dirty="0"/>
+          </a:p>
+          <a:p>
+            <a:pPr lvl="1"/>
+            <a:endParaRPr lang="en-US" dirty="0">
+              <a:latin typeface="Consolas" panose="020B0609020204030204" pitchFamily="49" charset="0"/>
+            </a:endParaRPr>
+          </a:p>
+          <a:p>
+            <a:pPr lvl="1"/>
+            <a:endParaRPr lang="en-US" dirty="0">
+              <a:latin typeface="Consolas" panose="020B0609020204030204" pitchFamily="49" charset="0"/>
+            </a:endParaRPr>
+          </a:p>
+          <a:p>
+            <a:endParaRPr lang="it-IT" dirty="0"/>
+          </a:p>
+        </p:txBody>
+      </p:sp>
+    </p:spTree>
+    <p:extLst>
+      <p:ext uri="{BB962C8B-B14F-4D97-AF65-F5344CB8AC3E}">
+        <p14:creationId xmlns:p14="http://schemas.microsoft.com/office/powerpoint/2010/main" val="3240195144"/>
+      </p:ext>
+    </p:extLst>
+  </p:cSld>
+  <p:clrMapOvr>
+    <a:masterClrMapping/>
+  </p:clrMapOvr>
+</p:sld>
+</file>
+
+<file path=ppt/slides/slide20.xml><?xml version="1.0" encoding="utf-8"?>
 <p:sld xmlns:a="http://schemas.openxmlformats.org/drawingml/2006/main" xmlns:r="http://schemas.openxmlformats.org/officeDocument/2006/relationships" xmlns:p="http://schemas.openxmlformats.org/presentationml/2006/main">
   <p:cSld>
     <p:spTree>
@@ -6852,228 +11449,6 @@
 </p:sld>
 </file>
 
-<file path=ppt/slides/slide2.xml><?xml version="1.0" encoding="utf-8"?>
-<p:sld xmlns:a="http://schemas.openxmlformats.org/drawingml/2006/main" xmlns:r="http://schemas.openxmlformats.org/officeDocument/2006/relationships" xmlns:p="http://schemas.openxmlformats.org/presentationml/2006/main">
-  <p:cSld>
-    <p:spTree>
-      <p:nvGrpSpPr>
-        <p:cNvPr id="1" name=""/>
-        <p:cNvGrpSpPr/>
-        <p:nvPr/>
-      </p:nvGrpSpPr>
-      <p:grpSpPr>
-        <a:xfrm>
-          <a:off x="0" y="0"/>
-          <a:ext cx="0" cy="0"/>
-          <a:chOff x="0" y="0"/>
-          <a:chExt cx="0" cy="0"/>
-        </a:xfrm>
-      </p:grpSpPr>
-      <p:sp>
-        <p:nvSpPr>
-          <p:cNvPr id="2" name="Title 1"/>
-          <p:cNvSpPr>
-            <a:spLocks noGrp="1"/>
-          </p:cNvSpPr>
-          <p:nvPr>
-            <p:ph type="title"/>
-          </p:nvPr>
-        </p:nvSpPr>
-        <p:spPr/>
-        <p:txBody>
-          <a:bodyPr/>
-          <a:lstStyle/>
-          <a:p>
-            <a:r>
-              <a:rPr lang="en-US" dirty="0"/>
-              <a:t>What is </a:t>
-            </a:r>
-            <a:r>
-              <a:rPr lang="en-US" b="1" dirty="0"/>
-              <a:t>“static”</a:t>
-            </a:r>
-            <a:r>
-              <a:rPr lang="en-US" dirty="0"/>
-              <a:t> control flow?</a:t>
-            </a:r>
-            <a:endParaRPr lang="it-IT" dirty="0"/>
-          </a:p>
-        </p:txBody>
-      </p:sp>
-      <p:sp>
-        <p:nvSpPr>
-          <p:cNvPr id="3" name="Content Placeholder 2"/>
-          <p:cNvSpPr>
-            <a:spLocks noGrp="1"/>
-          </p:cNvSpPr>
-          <p:nvPr>
-            <p:ph idx="1"/>
-          </p:nvPr>
-        </p:nvSpPr>
-        <p:spPr/>
-        <p:txBody>
-          <a:bodyPr/>
-          <a:lstStyle/>
-          <a:p>
-            <a:r>
-              <a:rPr lang="en-US" dirty="0">
-                <a:latin typeface="Consolas" panose="020B0609020204030204" pitchFamily="49" charset="0"/>
-              </a:rPr>
-              <a:t>static</a:t>
-            </a:r>
-            <a:r>
-              <a:rPr lang="en-US" dirty="0"/>
-              <a:t> is a specifier with multiple meanings in C++.</a:t>
-            </a:r>
-          </a:p>
-          <a:p>
-            <a:r>
-              <a:rPr lang="en-US" dirty="0"/>
-              <a:t>It’s also a word commonly used by developers to refer to </a:t>
-            </a:r>
-            <a:r>
-              <a:rPr lang="en-US" b="1" dirty="0"/>
-              <a:t>compile-time control flow</a:t>
-            </a:r>
-            <a:r>
-              <a:rPr lang="en-US" dirty="0"/>
-              <a:t>.</a:t>
-            </a:r>
-          </a:p>
-          <a:p>
-            <a:r>
-              <a:rPr lang="en-US" dirty="0"/>
-              <a:t>Existing languages, such as D, have powerful compile-time constructs like </a:t>
-            </a:r>
-            <a:r>
-              <a:rPr lang="en-US" dirty="0">
-                <a:latin typeface="Consolas" panose="020B0609020204030204" pitchFamily="49" charset="0"/>
-              </a:rPr>
-              <a:t>static if</a:t>
-            </a:r>
-            <a:r>
-              <a:rPr lang="en-US" dirty="0"/>
-              <a:t>.</a:t>
-            </a:r>
-          </a:p>
-          <a:p>
-            <a:r>
-              <a:rPr lang="en-US" dirty="0"/>
-              <a:t>Goals of this talk:</a:t>
-            </a:r>
-          </a:p>
-          <a:p>
-            <a:pPr lvl="1"/>
-            <a:r>
-              <a:rPr lang="en-US" dirty="0"/>
-              <a:t>Understand the benefits of static control flow.</a:t>
-            </a:r>
-          </a:p>
-          <a:p>
-            <a:pPr lvl="1"/>
-            <a:r>
-              <a:rPr lang="en-US" dirty="0"/>
-              <a:t>Look at the history of </a:t>
-            </a:r>
-            <a:r>
-              <a:rPr lang="en-US" dirty="0" err="1">
-                <a:latin typeface="Consolas" panose="020B0609020204030204" pitchFamily="49" charset="0"/>
-              </a:rPr>
-              <a:t>static_if</a:t>
-            </a:r>
-            <a:r>
-              <a:rPr lang="en-US" dirty="0"/>
-              <a:t> proposals in C++, analyze </a:t>
-            </a:r>
-            <a:r>
-              <a:rPr lang="en-US" dirty="0">
-                <a:latin typeface="Consolas" panose="020B0609020204030204" pitchFamily="49" charset="0"/>
-              </a:rPr>
-              <a:t>if </a:t>
-            </a:r>
-            <a:r>
-              <a:rPr lang="en-US" dirty="0" err="1">
-                <a:latin typeface="Consolas" panose="020B0609020204030204" pitchFamily="49" charset="0"/>
-              </a:rPr>
-              <a:t>constexpr</a:t>
-            </a:r>
-            <a:r>
-              <a:rPr lang="en-US" dirty="0"/>
-              <a:t>.</a:t>
-            </a:r>
-          </a:p>
-          <a:p>
-            <a:pPr lvl="1"/>
-            <a:r>
-              <a:rPr lang="en-US" dirty="0"/>
-              <a:t>Implement two C++14 constructs: </a:t>
-            </a:r>
-            <a:r>
-              <a:rPr lang="en-US" dirty="0" err="1">
-                <a:latin typeface="Consolas" panose="020B0609020204030204" pitchFamily="49" charset="0"/>
-              </a:rPr>
-              <a:t>static_if</a:t>
-            </a:r>
-            <a:r>
-              <a:rPr lang="en-US" dirty="0">
-                <a:latin typeface="Consolas" panose="020B0609020204030204" pitchFamily="49" charset="0"/>
-              </a:rPr>
-              <a:t> </a:t>
-            </a:r>
-            <a:r>
-              <a:rPr lang="en-US" dirty="0"/>
-              <a:t>and</a:t>
-            </a:r>
-            <a:r>
-              <a:rPr lang="en-US" dirty="0">
-                <a:latin typeface="Consolas" panose="020B0609020204030204" pitchFamily="49" charset="0"/>
-              </a:rPr>
-              <a:t> </a:t>
-            </a:r>
-            <a:r>
-              <a:rPr lang="en-US" dirty="0" err="1">
-                <a:latin typeface="Consolas" panose="020B0609020204030204" pitchFamily="49" charset="0"/>
-              </a:rPr>
-              <a:t>static_for</a:t>
-            </a:r>
-            <a:r>
-              <a:rPr lang="en-US" dirty="0">
-                <a:latin typeface="Consolas" panose="020B0609020204030204" pitchFamily="49" charset="0"/>
-              </a:rPr>
-              <a:t>.</a:t>
-            </a:r>
-            <a:endParaRPr lang="en-US" dirty="0"/>
-          </a:p>
-          <a:p>
-            <a:pPr lvl="1"/>
-            <a:endParaRPr lang="en-US" dirty="0">
-              <a:latin typeface="Consolas" panose="020B0609020204030204" pitchFamily="49" charset="0"/>
-            </a:endParaRPr>
-          </a:p>
-          <a:p>
-            <a:pPr lvl="1"/>
-            <a:endParaRPr lang="en-US" dirty="0">
-              <a:latin typeface="Consolas" panose="020B0609020204030204" pitchFamily="49" charset="0"/>
-            </a:endParaRPr>
-          </a:p>
-          <a:p>
-            <a:endParaRPr lang="it-IT" dirty="0"/>
-          </a:p>
-        </p:txBody>
-      </p:sp>
-    </p:spTree>
-    <p:extLst>
-      <p:ext uri="{BB962C8B-B14F-4D97-AF65-F5344CB8AC3E}">
-        <p14:creationId xmlns:p14="http://schemas.microsoft.com/office/powerpoint/2010/main" val="3240195144"/>
-      </p:ext>
-    </p:extLst>
-  </p:cSld>
-  <p:clrMapOvr>
-    <a:masterClrMapping/>
-  </p:clrMapOvr>
-</p:sld>
-</file>
-
 <file path=ppt/slides/slide3.xml><?xml version="1.0" encoding="utf-8"?>
 <p:sld xmlns:a="http://schemas.openxmlformats.org/drawingml/2006/main" xmlns:r="http://schemas.openxmlformats.org/officeDocument/2006/relationships" xmlns:p="http://schemas.openxmlformats.org/presentationml/2006/main">
   <p:cSld>
@@ -7692,162 +12067,177 @@
           <a:bodyPr/>
           <a:lstStyle/>
           <a:p>
-            <a:endParaRPr lang="it-IT"/>
+            <a:r>
+              <a:rPr lang="en-US" dirty="0"/>
+              <a:t>The previous examples were taken from proposal </a:t>
+            </a:r>
+            <a:r>
+              <a:rPr lang="en-US" dirty="0">
+                <a:hlinkClick r:id="rId3"/>
+              </a:rPr>
+              <a:t>P0128R0</a:t>
+            </a:r>
+            <a:r>
+              <a:rPr lang="en-US" dirty="0"/>
+              <a:t>:</a:t>
+            </a:r>
+          </a:p>
+          <a:p>
+            <a:pPr lvl="1"/>
+            <a:r>
+              <a:rPr lang="it-IT" dirty="0"/>
+              <a:t>"</a:t>
+            </a:r>
+            <a:r>
+              <a:rPr lang="it-IT" dirty="0" err="1"/>
+              <a:t>constexpr</a:t>
+            </a:r>
+            <a:r>
+              <a:rPr lang="it-IT" dirty="0"/>
+              <a:t> </a:t>
+            </a:r>
+            <a:r>
+              <a:rPr lang="it-IT" dirty="0" err="1"/>
+              <a:t>if</a:t>
+            </a:r>
+            <a:r>
+              <a:rPr lang="it-IT" dirty="0"/>
+              <a:t>" </a:t>
+            </a:r>
+            <a:r>
+              <a:rPr lang="it-IT" i="1" dirty="0"/>
+              <a:t>- Ville </a:t>
+            </a:r>
+            <a:r>
+              <a:rPr lang="it-IT" i="1" dirty="0" err="1"/>
+              <a:t>Voutilainen</a:t>
+            </a:r>
+            <a:endParaRPr lang="it-IT" i="1" dirty="0"/>
+          </a:p>
+          <a:p>
+            <a:r>
+              <a:rPr lang="en-US" dirty="0"/>
+              <a:t>This paper was originally created as a "resurrection" of the very controversial previous "static if" </a:t>
+            </a:r>
+            <a:r>
+              <a:rPr lang="en-US" dirty="0">
+                <a:hlinkClick r:id="rId4"/>
+              </a:rPr>
+              <a:t>N3322</a:t>
+            </a:r>
+            <a:r>
+              <a:rPr lang="en-US" dirty="0"/>
+              <a:t> and </a:t>
+            </a:r>
+            <a:r>
+              <a:rPr lang="en-US" dirty="0">
+                <a:hlinkClick r:id="rId5"/>
+              </a:rPr>
+              <a:t>N3329</a:t>
+            </a:r>
+            <a:r>
+              <a:rPr lang="en-US" dirty="0"/>
+              <a:t> proposals:</a:t>
+            </a:r>
+          </a:p>
+          <a:p>
+            <a:pPr lvl="1"/>
+            <a:r>
+              <a:rPr lang="en-US" dirty="0"/>
+              <a:t>"A Preliminary Proposal for a Static if" </a:t>
+            </a:r>
+            <a:r>
+              <a:rPr lang="en-US" i="1" dirty="0"/>
+              <a:t>- Walter E. Brown</a:t>
+            </a:r>
+          </a:p>
+          <a:p>
+            <a:pPr lvl="1"/>
+            <a:r>
+              <a:rPr lang="en-US" dirty="0"/>
+              <a:t>"static if declaration" </a:t>
+            </a:r>
+            <a:r>
+              <a:rPr lang="en-US" i="1" dirty="0"/>
+              <a:t>- W. Bright, H. Sutter, A. </a:t>
+            </a:r>
+            <a:r>
+              <a:rPr lang="en-US" i="1" dirty="0" err="1"/>
+              <a:t>Alexandrescu</a:t>
+            </a:r>
+            <a:endParaRPr lang="en-US" i="1" dirty="0"/>
+          </a:p>
+          <a:p>
+            <a:r>
+              <a:rPr lang="en-US" dirty="0"/>
+              <a:t>The two above proposals were considered harmful in </a:t>
+            </a:r>
+            <a:r>
+              <a:rPr lang="en-US" dirty="0">
+                <a:hlinkClick r:id="rId6"/>
+              </a:rPr>
+              <a:t>N3613</a:t>
+            </a:r>
+            <a:r>
+              <a:rPr lang="en-US" dirty="0"/>
+              <a:t>, due to their unintuitive scope rules and inconsistency with the rest of the language:</a:t>
+            </a:r>
+          </a:p>
+          <a:p>
+            <a:pPr lvl="1"/>
+            <a:r>
+              <a:rPr lang="en-US" dirty="0"/>
+              <a:t>"Static if considered" </a:t>
+            </a:r>
+            <a:r>
+              <a:rPr lang="en-US" i="1" dirty="0"/>
+              <a:t>- B. </a:t>
+            </a:r>
+            <a:r>
+              <a:rPr lang="en-US" i="1" dirty="0" err="1"/>
+              <a:t>Stroustrup</a:t>
+            </a:r>
+            <a:r>
+              <a:rPr lang="en-US" i="1" dirty="0"/>
+              <a:t>, G. Dos Reis, A. Sutton</a:t>
+            </a:r>
+          </a:p>
+          <a:p>
+            <a:endParaRPr lang="it-IT" i="1" dirty="0"/>
           </a:p>
         </p:txBody>
       </p:sp>
-    </p:spTree>
-    <p:extLst>
-      <p:ext uri="{BB962C8B-B14F-4D97-AF65-F5344CB8AC3E}">
-        <p14:creationId xmlns:p14="http://schemas.microsoft.com/office/powerpoint/2010/main" val="4253260680"/>
-      </p:ext>
-    </p:extLst>
-  </p:cSld>
-  <p:clrMapOvr>
-    <a:masterClrMapping/>
-  </p:clrMapOvr>
-</p:sld>
-</file>
-
-<file path=ppt/slides/slide9.xml><?xml version="1.0" encoding="utf-8"?>
-<p:sld xmlns:a="http://schemas.openxmlformats.org/drawingml/2006/main" xmlns:r="http://schemas.openxmlformats.org/officeDocument/2006/relationships" xmlns:p="http://schemas.openxmlformats.org/presentationml/2006/main">
-  <p:cSld>
-    <p:spTree>
-      <p:nvGrpSpPr>
-        <p:cNvPr id="1" name=""/>
-        <p:cNvGrpSpPr/>
-        <p:nvPr/>
-      </p:nvGrpSpPr>
-      <p:grpSpPr>
-        <a:xfrm>
-          <a:off x="0" y="0"/>
-          <a:ext cx="0" cy="0"/>
-          <a:chOff x="0" y="0"/>
-          <a:chExt cx="0" cy="0"/>
-        </a:xfrm>
-      </p:grpSpPr>
-      <p:sp>
-        <p:nvSpPr>
-          <p:cNvPr id="4" name="Titolo 3"/>
-          <p:cNvSpPr>
-            <a:spLocks noGrp="1"/>
-          </p:cNvSpPr>
-          <p:nvPr>
-            <p:ph type="title"/>
-          </p:nvPr>
-        </p:nvSpPr>
-        <p:spPr/>
-        <p:txBody>
-          <a:bodyPr/>
-          <a:lstStyle/>
-          <a:p>
-            <a:r>
-              <a:rPr lang="en-US" dirty="0"/>
-              <a:t>Step 0: call </a:t>
-            </a:r>
-            <a:r>
-              <a:rPr lang="en-US" dirty="0">
-                <a:latin typeface="Consolas" panose="020B0609020204030204" pitchFamily="49" charset="0"/>
-              </a:rPr>
-              <a:t>consume</a:t>
-            </a:r>
-            <a:endParaRPr lang="it-IT" dirty="0">
-              <a:latin typeface="Consolas" panose="020B0609020204030204" pitchFamily="49" charset="0"/>
-            </a:endParaRPr>
-          </a:p>
-        </p:txBody>
-      </p:sp>
-      <p:pic>
-        <p:nvPicPr>
-          <p:cNvPr id="6" name="Immagine 5"/>
-          <p:cNvPicPr>
-            <a:picLocks noChangeAspect="1"/>
-          </p:cNvPicPr>
-          <p:nvPr/>
-        </p:nvPicPr>
-        <p:blipFill>
-          <a:blip r:embed="rId2">
-            <a:extLst>
-              <a:ext uri="{28A0092B-C50C-407E-A947-70E740481C1C}">
-                <a14:useLocalDpi xmlns:a14="http://schemas.microsoft.com/office/drawing/2010/main" val="0"/>
-              </a:ext>
-            </a:extLst>
-          </a:blip>
-          <a:stretch>
-            <a:fillRect/>
-          </a:stretch>
-        </p:blipFill>
-        <p:spPr>
-          <a:xfrm>
-            <a:off x="1099314" y="3722701"/>
-            <a:ext cx="3675279" cy="451351"/>
-          </a:xfrm>
-          <a:prstGeom prst="rect">
-            <a:avLst/>
-          </a:prstGeom>
-        </p:spPr>
-      </p:pic>
-      <p:pic>
-        <p:nvPicPr>
-          <p:cNvPr id="7" name="Immagine 6"/>
-          <p:cNvPicPr>
-            <a:picLocks noChangeAspect="1"/>
-          </p:cNvPicPr>
-          <p:nvPr/>
-        </p:nvPicPr>
-        <p:blipFill>
-          <a:blip r:embed="rId3">
-            <a:extLst>
-              <a:ext uri="{28A0092B-C50C-407E-A947-70E740481C1C}">
-                <a14:useLocalDpi xmlns:a14="http://schemas.microsoft.com/office/drawing/2010/main" val="0"/>
-              </a:ext>
-            </a:extLst>
-          </a:blip>
-          <a:stretch>
-            <a:fillRect/>
-          </a:stretch>
-        </p:blipFill>
-        <p:spPr>
-          <a:xfrm>
-            <a:off x="6145040" y="1521355"/>
-            <a:ext cx="5415909" cy="4854045"/>
-          </a:xfrm>
-          <a:prstGeom prst="rect">
-            <a:avLst/>
-          </a:prstGeom>
-        </p:spPr>
-      </p:pic>
-      <mc:AlternateContent xmlns:mc="http://schemas.openxmlformats.org/markup-compatibility/2006" xmlns:p14="http://schemas.microsoft.com/office/powerpoint/2010/main">
-        <mc:Choice Requires="p14">
-          <p:contentPart p14:bwMode="auto" r:id="rId4">
+      <mc:AlternateContent xmlns:mc="http://schemas.openxmlformats.org/markup-compatibility/2006">
+        <mc:Choice xmlns:p14="http://schemas.microsoft.com/office/powerpoint/2010/main" Requires="p14">
+          <p:contentPart p14:bwMode="auto" r:id="rId7">
             <p14:nvContentPartPr>
-              <p14:cNvPr id="16" name="Input penna 15"/>
+              <p14:cNvPr id="14" name="Ink 13"/>
               <p14:cNvContentPartPr/>
               <p14:nvPr/>
             </p14:nvContentPartPr>
             <p14:xfrm>
-              <a:off x="2447573" y="3415333"/>
-              <a:ext cx="2217240" cy="970920"/>
+              <a:off x="7063679" y="2376078"/>
+              <a:ext cx="1076760" cy="282600"/>
             </p14:xfrm>
           </p:contentPart>
         </mc:Choice>
-        <mc:Fallback xmlns="">
+        <mc:Fallback>
           <p:pic>
             <p:nvPicPr>
-              <p:cNvPr id="16" name="Input penna 15"/>
+              <p:cNvPr id="14" name="Ink 13"/>
               <p:cNvPicPr/>
               <p:nvPr/>
             </p:nvPicPr>
             <p:blipFill>
-              <a:blip r:embed="rId5"/>
+              <a:blip r:embed="rId8"/>
               <a:stretch>
                 <a:fillRect/>
               </a:stretch>
             </p:blipFill>
             <p:spPr>
               <a:xfrm>
-                <a:off x="2437493" y="3404173"/>
-                <a:ext cx="2239200" cy="993240"/>
+                <a:off x="7055399" y="2367438"/>
+                <a:ext cx="1092960" cy="299880"/>
               </a:xfrm>
               <a:prstGeom prst="rect">
                 <a:avLst/>
@@ -7856,37 +12246,37 @@
           </p:pic>
         </mc:Fallback>
       </mc:AlternateContent>
-      <mc:AlternateContent xmlns:mc="http://schemas.openxmlformats.org/markup-compatibility/2006" xmlns:p14="http://schemas.microsoft.com/office/powerpoint/2010/main">
-        <mc:Choice Requires="p14">
-          <p:contentPart p14:bwMode="auto" r:id="rId6">
+      <mc:AlternateContent xmlns:mc="http://schemas.openxmlformats.org/markup-compatibility/2006">
+        <mc:Choice xmlns:p14="http://schemas.microsoft.com/office/powerpoint/2010/main" Requires="p14">
+          <p:contentPart p14:bwMode="auto" r:id="rId9">
             <p14:nvContentPartPr>
-              <p14:cNvPr id="19" name="Input penna 18"/>
+              <p14:cNvPr id="16" name="Ink 15"/>
               <p14:cNvContentPartPr/>
               <p14:nvPr/>
             </p14:nvContentPartPr>
             <p14:xfrm>
-              <a:off x="3666173" y="1774453"/>
-              <a:ext cx="4178160" cy="1654200"/>
+              <a:off x="5587319" y="2975478"/>
+              <a:ext cx="1425600" cy="801360"/>
             </p14:xfrm>
           </p:contentPart>
         </mc:Choice>
-        <mc:Fallback xmlns="">
+        <mc:Fallback>
           <p:pic>
             <p:nvPicPr>
-              <p:cNvPr id="19" name="Input penna 18"/>
+              <p:cNvPr id="16" name="Ink 15"/>
               <p:cNvPicPr/>
               <p:nvPr/>
             </p:nvPicPr>
             <p:blipFill>
-              <a:blip r:embed="rId7"/>
+              <a:blip r:embed="rId10"/>
               <a:stretch>
                 <a:fillRect/>
               </a:stretch>
             </p:blipFill>
             <p:spPr>
               <a:xfrm>
-                <a:off x="3659693" y="1765093"/>
-                <a:ext cx="4194000" cy="1668600"/>
+                <a:off x="5575079" y="2963598"/>
+                <a:ext cx="1450800" cy="826200"/>
               </a:xfrm>
               <a:prstGeom prst="rect">
                 <a:avLst/>
@@ -7895,37 +12285,193 @@
           </p:pic>
         </mc:Fallback>
       </mc:AlternateContent>
-      <mc:AlternateContent xmlns:mc="http://schemas.openxmlformats.org/markup-compatibility/2006" xmlns:p14="http://schemas.microsoft.com/office/powerpoint/2010/main">
-        <mc:Choice Requires="p14">
-          <p:contentPart p14:bwMode="auto" r:id="rId8">
+      <mc:AlternateContent xmlns:mc="http://schemas.openxmlformats.org/markup-compatibility/2006">
+        <mc:Choice xmlns:p14="http://schemas.microsoft.com/office/powerpoint/2010/main" Requires="p14">
+          <p:contentPart p14:bwMode="auto" r:id="rId11">
             <p14:nvContentPartPr>
-              <p14:cNvPr id="20" name="Input penna 19"/>
+              <p14:cNvPr id="17" name="Ink 16"/>
               <p14:cNvContentPartPr/>
               <p14:nvPr/>
             </p14:nvContentPartPr>
             <p14:xfrm>
-              <a:off x="7786733" y="1770133"/>
-              <a:ext cx="678960" cy="449280"/>
+              <a:off x="6632759" y="2533038"/>
+              <a:ext cx="315720" cy="514800"/>
             </p14:xfrm>
           </p:contentPart>
         </mc:Choice>
-        <mc:Fallback xmlns="">
+        <mc:Fallback>
           <p:pic>
             <p:nvPicPr>
-              <p:cNvPr id="20" name="Input penna 19"/>
+              <p:cNvPr id="17" name="Ink 16"/>
               <p:cNvPicPr/>
               <p:nvPr/>
             </p:nvPicPr>
             <p:blipFill>
-              <a:blip r:embed="rId9"/>
+              <a:blip r:embed="rId12"/>
               <a:stretch>
                 <a:fillRect/>
               </a:stretch>
             </p:blipFill>
             <p:spPr>
               <a:xfrm>
-                <a:off x="7777373" y="1761853"/>
-                <a:ext cx="696600" cy="466200"/>
+                <a:off x="6625919" y="2526198"/>
+                <a:ext cx="328320" cy="525240"/>
+              </a:xfrm>
+              <a:prstGeom prst="rect">
+                <a:avLst/>
+              </a:prstGeom>
+            </p:spPr>
+          </p:pic>
+        </mc:Fallback>
+      </mc:AlternateContent>
+      <mc:AlternateContent xmlns:mc="http://schemas.openxmlformats.org/markup-compatibility/2006">
+        <mc:Choice xmlns:p14="http://schemas.microsoft.com/office/powerpoint/2010/main" Requires="p14">
+          <p:contentPart p14:bwMode="auto" r:id="rId13">
+            <p14:nvContentPartPr>
+              <p14:cNvPr id="24" name="Ink 23"/>
+              <p14:cNvContentPartPr/>
+              <p14:nvPr/>
+            </p14:nvContentPartPr>
+            <p14:xfrm>
+              <a:off x="7302719" y="2997438"/>
+              <a:ext cx="3283200" cy="1139400"/>
+            </p14:xfrm>
+          </p:contentPart>
+        </mc:Choice>
+        <mc:Fallback>
+          <p:pic>
+            <p:nvPicPr>
+              <p:cNvPr id="24" name="Ink 23"/>
+              <p:cNvPicPr/>
+              <p:nvPr/>
+            </p:nvPicPr>
+            <p:blipFill>
+              <a:blip r:embed="rId14"/>
+              <a:stretch>
+                <a:fillRect/>
+              </a:stretch>
+            </p:blipFill>
+            <p:spPr>
+              <a:xfrm>
+                <a:off x="7291559" y="2988078"/>
+                <a:ext cx="3301920" cy="1159200"/>
+              </a:xfrm>
+              <a:prstGeom prst="rect">
+                <a:avLst/>
+              </a:prstGeom>
+            </p:spPr>
+          </p:pic>
+        </mc:Fallback>
+      </mc:AlternateContent>
+      <mc:AlternateContent xmlns:mc="http://schemas.openxmlformats.org/markup-compatibility/2006">
+        <mc:Choice xmlns:p14="http://schemas.microsoft.com/office/powerpoint/2010/main" Requires="p14">
+          <p:contentPart p14:bwMode="auto" r:id="rId15">
+            <p14:nvContentPartPr>
+              <p14:cNvPr id="33" name="Ink 32"/>
+              <p14:cNvContentPartPr/>
+              <p14:nvPr/>
+            </p14:nvContentPartPr>
+            <p14:xfrm>
+              <a:off x="8813999" y="4128918"/>
+              <a:ext cx="2635200" cy="1923480"/>
+            </p14:xfrm>
+          </p:contentPart>
+        </mc:Choice>
+        <mc:Fallback>
+          <p:pic>
+            <p:nvPicPr>
+              <p:cNvPr id="33" name="Ink 32"/>
+              <p:cNvPicPr/>
+              <p:nvPr/>
+            </p:nvPicPr>
+            <p:blipFill>
+              <a:blip r:embed="rId16"/>
+              <a:stretch>
+                <a:fillRect/>
+              </a:stretch>
+            </p:blipFill>
+            <p:spPr>
+              <a:xfrm>
+                <a:off x="8802479" y="4119918"/>
+                <a:ext cx="2657520" cy="1944720"/>
+              </a:xfrm>
+              <a:prstGeom prst="rect">
+                <a:avLst/>
+              </a:prstGeom>
+            </p:spPr>
+          </p:pic>
+        </mc:Fallback>
+      </mc:AlternateContent>
+      <mc:AlternateContent xmlns:mc="http://schemas.openxmlformats.org/markup-compatibility/2006">
+        <mc:Choice xmlns:p14="http://schemas.microsoft.com/office/powerpoint/2010/main" Requires="p14">
+          <p:contentPart p14:bwMode="auto" r:id="rId17">
+            <p14:nvContentPartPr>
+              <p14:cNvPr id="43" name="Ink 42"/>
+              <p14:cNvContentPartPr/>
+              <p14:nvPr/>
+            </p14:nvContentPartPr>
+            <p14:xfrm>
+              <a:off x="8194799" y="1641678"/>
+              <a:ext cx="1604880" cy="690120"/>
+            </p14:xfrm>
+          </p:contentPart>
+        </mc:Choice>
+        <mc:Fallback>
+          <p:pic>
+            <p:nvPicPr>
+              <p:cNvPr id="43" name="Ink 42"/>
+              <p:cNvPicPr/>
+              <p:nvPr/>
+            </p:nvPicPr>
+            <p:blipFill>
+              <a:blip r:embed="rId18"/>
+              <a:stretch>
+                <a:fillRect/>
+              </a:stretch>
+            </p:blipFill>
+            <p:spPr>
+              <a:xfrm>
+                <a:off x="8182199" y="1631598"/>
+                <a:ext cx="1631520" cy="713880"/>
+              </a:xfrm>
+              <a:prstGeom prst="rect">
+                <a:avLst/>
+              </a:prstGeom>
+            </p:spPr>
+          </p:pic>
+        </mc:Fallback>
+      </mc:AlternateContent>
+      <mc:AlternateContent xmlns:mc="http://schemas.openxmlformats.org/markup-compatibility/2006">
+        <mc:Choice xmlns:p14="http://schemas.microsoft.com/office/powerpoint/2010/main" Requires="p14">
+          <p:contentPart p14:bwMode="auto" r:id="rId19">
+            <p14:nvContentPartPr>
+              <p14:cNvPr id="49" name="Ink 48"/>
+              <p14:cNvContentPartPr/>
+              <p14:nvPr/>
+            </p14:nvContentPartPr>
+            <p14:xfrm>
+              <a:off x="9679799" y="1086558"/>
+              <a:ext cx="1981440" cy="793440"/>
+            </p14:xfrm>
+          </p:contentPart>
+        </mc:Choice>
+        <mc:Fallback>
+          <p:pic>
+            <p:nvPicPr>
+              <p:cNvPr id="49" name="Ink 48"/>
+              <p:cNvPicPr/>
+              <p:nvPr/>
+            </p:nvPicPr>
+            <p:blipFill>
+              <a:blip r:embed="rId20"/>
+              <a:stretch>
+                <a:fillRect/>
+              </a:stretch>
+            </p:blipFill>
+            <p:spPr>
+              <a:xfrm>
+                <a:off x="9670799" y="1077918"/>
+                <a:ext cx="1993680" cy="811080"/>
               </a:xfrm>
               <a:prstGeom prst="rect">
                 <a:avLst/>
@@ -7937,7 +12483,7 @@
     </p:spTree>
     <p:extLst>
       <p:ext uri="{BB962C8B-B14F-4D97-AF65-F5344CB8AC3E}">
-        <p14:creationId xmlns:p14="http://schemas.microsoft.com/office/powerpoint/2010/main" val="4135501317"/>
+        <p14:creationId xmlns:p14="http://schemas.microsoft.com/office/powerpoint/2010/main" val="4253260680"/>
       </p:ext>
     </p:extLst>
   </p:cSld>
@@ -7978,7 +12524,7 @@
                                           </p:stCondLst>
                                         </p:cTn>
                                         <p:tgtEl>
-                                          <p:spTgt spid="16"/>
+                                          <p:spTgt spid="17"/>
                                         </p:tgtEl>
                                         <p:attrNameLst>
                                           <p:attrName>style.visibility</p:attrName>
@@ -7992,7 +12538,77 @@
                                       <p:cBhvr>
                                         <p:cTn id="7" dur="500"/>
                                         <p:tgtEl>
+                                          <p:spTgt spid="17"/>
+                                        </p:tgtEl>
+                                      </p:cBhvr>
+                                    </p:animEffect>
+                                  </p:childTnLst>
+                                </p:cTn>
+                              </p:par>
+                              <p:par>
+                                <p:cTn id="8" presetID="10" presetClass="entr" presetSubtype="0" fill="hold" nodeType="withEffect">
+                                  <p:stCondLst>
+                                    <p:cond delay="0"/>
+                                  </p:stCondLst>
+                                  <p:childTnLst>
+                                    <p:set>
+                                      <p:cBhvr>
+                                        <p:cTn id="9" dur="1" fill="hold">
+                                          <p:stCondLst>
+                                            <p:cond delay="0"/>
+                                          </p:stCondLst>
+                                        </p:cTn>
+                                        <p:tgtEl>
                                           <p:spTgt spid="16"/>
+                                        </p:tgtEl>
+                                        <p:attrNameLst>
+                                          <p:attrName>style.visibility</p:attrName>
+                                        </p:attrNameLst>
+                                      </p:cBhvr>
+                                      <p:to>
+                                        <p:strVal val="visible"/>
+                                      </p:to>
+                                    </p:set>
+                                    <p:animEffect transition="in" filter="fade">
+                                      <p:cBhvr>
+                                        <p:cTn id="10" dur="500"/>
+                                        <p:tgtEl>
+                                          <p:spTgt spid="16"/>
+                                        </p:tgtEl>
+                                      </p:cBhvr>
+                                    </p:animEffect>
+                                  </p:childTnLst>
+                                </p:cTn>
+                              </p:par>
+                              <p:par>
+                                <p:cTn id="11" presetID="10" presetClass="entr" presetSubtype="0" fill="hold" nodeType="withEffect">
+                                  <p:stCondLst>
+                                    <p:cond delay="0"/>
+                                  </p:stCondLst>
+                                  <p:childTnLst>
+                                    <p:set>
+                                      <p:cBhvr>
+                                        <p:cTn id="12" dur="1" fill="hold">
+                                          <p:stCondLst>
+                                            <p:cond delay="0"/>
+                                          </p:stCondLst>
+                                        </p:cTn>
+                                        <p:tgtEl>
+                                          <p:spTgt spid="14"/>
+                                        </p:tgtEl>
+                                        <p:attrNameLst>
+                                          <p:attrName>style.visibility</p:attrName>
+                                        </p:attrNameLst>
+                                      </p:cBhvr>
+                                      <p:to>
+                                        <p:strVal val="visible"/>
+                                      </p:to>
+                                    </p:set>
+                                    <p:animEffect transition="in" filter="fade">
+                                      <p:cBhvr>
+                                        <p:cTn id="13" dur="500"/>
+                                        <p:tgtEl>
+                                          <p:spTgt spid="14"/>
                                         </p:tgtEl>
                                       </p:cBhvr>
                                     </p:animEffect>
@@ -8006,32 +12622,32 @@
                     </p:cTn>
                   </p:par>
                   <p:par>
-                    <p:cTn id="8" fill="hold">
+                    <p:cTn id="14" fill="hold">
                       <p:stCondLst>
                         <p:cond delay="indefinite"/>
                       </p:stCondLst>
                       <p:childTnLst>
                         <p:par>
-                          <p:cTn id="9" fill="hold">
+                          <p:cTn id="15" fill="hold">
                             <p:stCondLst>
                               <p:cond delay="0"/>
                             </p:stCondLst>
                             <p:childTnLst>
                               <p:par>
-                                <p:cTn id="10" presetID="10" presetClass="entr" presetSubtype="0" fill="hold" nodeType="clickEffect">
+                                <p:cTn id="16" presetID="10" presetClass="entr" presetSubtype="0" fill="hold" nodeType="clickEffect">
                                   <p:stCondLst>
                                     <p:cond delay="0"/>
                                   </p:stCondLst>
                                   <p:childTnLst>
                                     <p:set>
                                       <p:cBhvr>
-                                        <p:cTn id="11" dur="1" fill="hold">
+                                        <p:cTn id="17" dur="1" fill="hold">
                                           <p:stCondLst>
                                             <p:cond delay="0"/>
                                           </p:stCondLst>
                                         </p:cTn>
                                         <p:tgtEl>
-                                          <p:spTgt spid="19"/>
+                                          <p:spTgt spid="24"/>
                                         </p:tgtEl>
                                         <p:attrNameLst>
                                           <p:attrName>style.visibility</p:attrName>
@@ -8043,9 +12659,9 @@
                                     </p:set>
                                     <p:animEffect transition="in" filter="fade">
                                       <p:cBhvr>
-                                        <p:cTn id="12" dur="500"/>
+                                        <p:cTn id="18" dur="500"/>
                                         <p:tgtEl>
-                                          <p:spTgt spid="19"/>
+                                          <p:spTgt spid="24"/>
                                         </p:tgtEl>
                                       </p:cBhvr>
                                     </p:animEffect>
@@ -8059,32 +12675,32 @@
                     </p:cTn>
                   </p:par>
                   <p:par>
-                    <p:cTn id="13" fill="hold">
+                    <p:cTn id="19" fill="hold">
                       <p:stCondLst>
                         <p:cond delay="indefinite"/>
                       </p:stCondLst>
                       <p:childTnLst>
                         <p:par>
-                          <p:cTn id="14" fill="hold">
+                          <p:cTn id="20" fill="hold">
                             <p:stCondLst>
                               <p:cond delay="0"/>
                             </p:stCondLst>
                             <p:childTnLst>
                               <p:par>
-                                <p:cTn id="15" presetID="10" presetClass="entr" presetSubtype="0" fill="hold" nodeType="clickEffect">
+                                <p:cTn id="21" presetID="10" presetClass="entr" presetSubtype="0" fill="hold" nodeType="clickEffect">
                                   <p:stCondLst>
                                     <p:cond delay="0"/>
                                   </p:stCondLst>
                                   <p:childTnLst>
                                     <p:set>
                                       <p:cBhvr>
-                                        <p:cTn id="16" dur="1" fill="hold">
+                                        <p:cTn id="22" dur="1" fill="hold">
                                           <p:stCondLst>
                                             <p:cond delay="0"/>
                                           </p:stCondLst>
                                         </p:cTn>
                                         <p:tgtEl>
-                                          <p:spTgt spid="20"/>
+                                          <p:spTgt spid="33"/>
                                         </p:tgtEl>
                                         <p:attrNameLst>
                                           <p:attrName>style.visibility</p:attrName>
@@ -8096,9 +12712,776 @@
                                     </p:set>
                                     <p:animEffect transition="in" filter="fade">
                                       <p:cBhvr>
-                                        <p:cTn id="17" dur="500"/>
+                                        <p:cTn id="23" dur="500"/>
                                         <p:tgtEl>
-                                          <p:spTgt spid="20"/>
+                                          <p:spTgt spid="33"/>
+                                        </p:tgtEl>
+                                      </p:cBhvr>
+                                    </p:animEffect>
+                                  </p:childTnLst>
+                                </p:cTn>
+                              </p:par>
+                            </p:childTnLst>
+                          </p:cTn>
+                        </p:par>
+                      </p:childTnLst>
+                    </p:cTn>
+                  </p:par>
+                  <p:par>
+                    <p:cTn id="24" fill="hold">
+                      <p:stCondLst>
+                        <p:cond delay="indefinite"/>
+                      </p:stCondLst>
+                      <p:childTnLst>
+                        <p:par>
+                          <p:cTn id="25" fill="hold">
+                            <p:stCondLst>
+                              <p:cond delay="0"/>
+                            </p:stCondLst>
+                            <p:childTnLst>
+                              <p:par>
+                                <p:cTn id="26" presetID="10" presetClass="entr" presetSubtype="0" fill="hold" nodeType="clickEffect">
+                                  <p:stCondLst>
+                                    <p:cond delay="0"/>
+                                  </p:stCondLst>
+                                  <p:childTnLst>
+                                    <p:set>
+                                      <p:cBhvr>
+                                        <p:cTn id="27" dur="1" fill="hold">
+                                          <p:stCondLst>
+                                            <p:cond delay="0"/>
+                                          </p:stCondLst>
+                                        </p:cTn>
+                                        <p:tgtEl>
+                                          <p:spTgt spid="49"/>
+                                        </p:tgtEl>
+                                        <p:attrNameLst>
+                                          <p:attrName>style.visibility</p:attrName>
+                                        </p:attrNameLst>
+                                      </p:cBhvr>
+                                      <p:to>
+                                        <p:strVal val="visible"/>
+                                      </p:to>
+                                    </p:set>
+                                    <p:animEffect transition="in" filter="fade">
+                                      <p:cBhvr>
+                                        <p:cTn id="28" dur="500"/>
+                                        <p:tgtEl>
+                                          <p:spTgt spid="49"/>
+                                        </p:tgtEl>
+                                      </p:cBhvr>
+                                    </p:animEffect>
+                                  </p:childTnLst>
+                                </p:cTn>
+                              </p:par>
+                              <p:par>
+                                <p:cTn id="29" presetID="10" presetClass="entr" presetSubtype="0" fill="hold" nodeType="withEffect">
+                                  <p:stCondLst>
+                                    <p:cond delay="0"/>
+                                  </p:stCondLst>
+                                  <p:childTnLst>
+                                    <p:set>
+                                      <p:cBhvr>
+                                        <p:cTn id="30" dur="1" fill="hold">
+                                          <p:stCondLst>
+                                            <p:cond delay="0"/>
+                                          </p:stCondLst>
+                                        </p:cTn>
+                                        <p:tgtEl>
+                                          <p:spTgt spid="43"/>
+                                        </p:tgtEl>
+                                        <p:attrNameLst>
+                                          <p:attrName>style.visibility</p:attrName>
+                                        </p:attrNameLst>
+                                      </p:cBhvr>
+                                      <p:to>
+                                        <p:strVal val="visible"/>
+                                      </p:to>
+                                    </p:set>
+                                    <p:animEffect transition="in" filter="fade">
+                                      <p:cBhvr>
+                                        <p:cTn id="31" dur="500"/>
+                                        <p:tgtEl>
+                                          <p:spTgt spid="43"/>
+                                        </p:tgtEl>
+                                      </p:cBhvr>
+                                    </p:animEffect>
+                                  </p:childTnLst>
+                                </p:cTn>
+                              </p:par>
+                            </p:childTnLst>
+                          </p:cTn>
+                        </p:par>
+                      </p:childTnLst>
+                    </p:cTn>
+                  </p:par>
+                </p:childTnLst>
+              </p:cTn>
+              <p:prevCondLst>
+                <p:cond evt="onPrev" delay="0">
+                  <p:tgtEl>
+                    <p:sldTgt/>
+                  </p:tgtEl>
+                </p:cond>
+              </p:prevCondLst>
+              <p:nextCondLst>
+                <p:cond evt="onNext" delay="0">
+                  <p:tgtEl>
+                    <p:sldTgt/>
+                  </p:tgtEl>
+                </p:cond>
+              </p:nextCondLst>
+            </p:seq>
+          </p:childTnLst>
+        </p:cTn>
+      </p:par>
+    </p:tnLst>
+  </p:timing>
+</p:sld>
+</file>
+
+<file path=ppt/slides/slide9.xml><?xml version="1.0" encoding="utf-8"?>
+<p:sld xmlns:a="http://schemas.openxmlformats.org/drawingml/2006/main" xmlns:r="http://schemas.openxmlformats.org/officeDocument/2006/relationships" xmlns:p="http://schemas.openxmlformats.org/presentationml/2006/main">
+  <p:cSld>
+    <p:spTree>
+      <p:nvGrpSpPr>
+        <p:cNvPr id="1" name=""/>
+        <p:cNvGrpSpPr/>
+        <p:nvPr/>
+      </p:nvGrpSpPr>
+      <p:grpSpPr>
+        <a:xfrm>
+          <a:off x="0" y="0"/>
+          <a:ext cx="0" cy="0"/>
+          <a:chOff x="0" y="0"/>
+          <a:chExt cx="0" cy="0"/>
+        </a:xfrm>
+      </p:grpSpPr>
+      <p:sp>
+        <p:nvSpPr>
+          <p:cNvPr id="2" name="Title 1"/>
+          <p:cNvSpPr>
+            <a:spLocks noGrp="1"/>
+          </p:cNvSpPr>
+          <p:nvPr>
+            <p:ph type="title"/>
+          </p:nvPr>
+        </p:nvSpPr>
+        <p:spPr/>
+        <p:txBody>
+          <a:bodyPr/>
+          <a:lstStyle/>
+          <a:p>
+            <a:r>
+              <a:rPr lang="en-US" dirty="0"/>
+              <a:t>History of </a:t>
+            </a:r>
+            <a:r>
+              <a:rPr lang="en-US" dirty="0">
+                <a:latin typeface="Consolas" panose="020B0609020204030204" pitchFamily="49" charset="0"/>
+              </a:rPr>
+              <a:t>static if</a:t>
+            </a:r>
+            <a:r>
+              <a:rPr lang="en-US" dirty="0"/>
+              <a:t> proposals - 2</a:t>
+            </a:r>
+            <a:endParaRPr lang="it-IT" dirty="0"/>
+          </a:p>
+        </p:txBody>
+      </p:sp>
+      <p:sp>
+        <p:nvSpPr>
+          <p:cNvPr id="3" name="Content Placeholder 2"/>
+          <p:cNvSpPr>
+            <a:spLocks noGrp="1"/>
+          </p:cNvSpPr>
+          <p:nvPr>
+            <p:ph idx="1"/>
+          </p:nvPr>
+        </p:nvSpPr>
+        <p:spPr/>
+        <p:txBody>
+          <a:bodyPr/>
+          <a:lstStyle/>
+          <a:p>
+            <a:r>
+              <a:rPr lang="en-US" dirty="0"/>
+              <a:t>Starting with </a:t>
+            </a:r>
+            <a:r>
+              <a:rPr lang="en-US" dirty="0">
+                <a:hlinkClick r:id="rId3"/>
+              </a:rPr>
+              <a:t>N4461</a:t>
+            </a:r>
+            <a:r>
+              <a:rPr lang="en-US" dirty="0"/>
+              <a:t> by </a:t>
+            </a:r>
+            <a:r>
+              <a:rPr lang="en-US" i="1" dirty="0"/>
+              <a:t>V. </a:t>
+            </a:r>
+            <a:r>
+              <a:rPr lang="en-US" i="1" dirty="0" err="1"/>
+              <a:t>Voutilainen</a:t>
+            </a:r>
+            <a:r>
+              <a:rPr lang="en-US" dirty="0"/>
+              <a:t>, the idea of a compile-time `if` construct with familiar scope rules began to gain traction.</a:t>
+            </a:r>
+          </a:p>
+          <a:p>
+            <a:pPr lvl="1"/>
+            <a:r>
+              <a:rPr lang="en-US" dirty="0"/>
+              <a:t>“</a:t>
+            </a:r>
+            <a:r>
+              <a:rPr lang="it-IT" dirty="0" err="1"/>
+              <a:t>Static</a:t>
+            </a:r>
+            <a:r>
+              <a:rPr lang="it-IT" dirty="0"/>
+              <a:t> </a:t>
+            </a:r>
+            <a:r>
+              <a:rPr lang="it-IT" dirty="0" err="1"/>
+              <a:t>if</a:t>
+            </a:r>
+            <a:r>
+              <a:rPr lang="it-IT" dirty="0"/>
+              <a:t> </a:t>
+            </a:r>
+            <a:r>
+              <a:rPr lang="it-IT" dirty="0" err="1"/>
+              <a:t>resurrected</a:t>
+            </a:r>
+            <a:r>
+              <a:rPr lang="en-US" dirty="0"/>
+              <a:t>“ </a:t>
+            </a:r>
+            <a:r>
+              <a:rPr lang="en-US" i="1" dirty="0"/>
+              <a:t>– Ville </a:t>
+            </a:r>
+            <a:r>
+              <a:rPr lang="en-US" i="1" dirty="0" err="1"/>
+              <a:t>Voutilainen</a:t>
+            </a:r>
+            <a:endParaRPr lang="en-US" dirty="0"/>
+          </a:p>
+          <a:p>
+            <a:r>
+              <a:rPr lang="en-US" dirty="0"/>
+              <a:t> Eventually, the proposed syntax and standard wording was revised multiple times in </a:t>
+            </a:r>
+            <a:r>
+              <a:rPr lang="en-US" dirty="0">
+                <a:hlinkClick r:id="rId4"/>
+              </a:rPr>
+              <a:t>P0128R0</a:t>
+            </a:r>
+            <a:r>
+              <a:rPr lang="en-US" dirty="0"/>
+              <a:t>, </a:t>
+            </a:r>
+            <a:r>
+              <a:rPr lang="en-US" dirty="0">
+                <a:hlinkClick r:id="rId5"/>
+              </a:rPr>
+              <a:t>P0128R1</a:t>
+            </a:r>
+            <a:r>
+              <a:rPr lang="en-US" dirty="0"/>
+              <a:t>, </a:t>
+            </a:r>
+            <a:r>
+              <a:rPr lang="en-US" dirty="0">
+                <a:hlinkClick r:id="rId6"/>
+              </a:rPr>
+              <a:t>P0292R0</a:t>
+            </a:r>
+            <a:r>
+              <a:rPr lang="en-US" dirty="0"/>
+              <a:t>, and </a:t>
+            </a:r>
+            <a:r>
+              <a:rPr lang="en-US" dirty="0">
+                <a:hlinkClick r:id="rId7"/>
+              </a:rPr>
+              <a:t>P0292R1</a:t>
+            </a:r>
+            <a:r>
+              <a:rPr lang="en-US" dirty="0"/>
+              <a:t>.</a:t>
+            </a:r>
+          </a:p>
+          <a:p>
+            <a:pPr lvl="1"/>
+            <a:r>
+              <a:rPr lang="en-US" dirty="0"/>
+              <a:t>“</a:t>
+            </a:r>
+            <a:r>
+              <a:rPr lang="it-IT" dirty="0" err="1"/>
+              <a:t>constexpr_if</a:t>
+            </a:r>
+            <a:r>
+              <a:rPr lang="en-US" dirty="0"/>
+              <a:t>” </a:t>
+            </a:r>
+            <a:r>
+              <a:rPr lang="en-US" i="1" dirty="0"/>
+              <a:t>– Ville </a:t>
+            </a:r>
+            <a:r>
+              <a:rPr lang="en-US" i="1" dirty="0" err="1"/>
+              <a:t>Voutilainen</a:t>
+            </a:r>
+            <a:endParaRPr lang="en-US" i="1" dirty="0"/>
+          </a:p>
+          <a:p>
+            <a:pPr lvl="1"/>
+            <a:r>
+              <a:rPr lang="en-US" dirty="0"/>
+              <a:t>“</a:t>
+            </a:r>
+            <a:r>
+              <a:rPr lang="it-IT" dirty="0" err="1"/>
+              <a:t>constexpr_if</a:t>
+            </a:r>
+            <a:r>
+              <a:rPr lang="en-US" dirty="0"/>
+              <a:t>” </a:t>
+            </a:r>
+            <a:r>
+              <a:rPr lang="en-US" i="1" dirty="0"/>
+              <a:t>– Ville </a:t>
+            </a:r>
+            <a:r>
+              <a:rPr lang="en-US" i="1" dirty="0" err="1"/>
+              <a:t>Voutilainen</a:t>
+            </a:r>
+            <a:r>
+              <a:rPr lang="en-US" i="1" dirty="0"/>
+              <a:t>, </a:t>
+            </a:r>
+            <a:r>
+              <a:rPr lang="en-US" i="1" dirty="0" err="1"/>
+              <a:t>Daveed</a:t>
+            </a:r>
+            <a:r>
+              <a:rPr lang="en-US" i="1" dirty="0"/>
+              <a:t> </a:t>
+            </a:r>
+            <a:r>
+              <a:rPr lang="en-US" i="1" dirty="0" err="1"/>
+              <a:t>Vandevoorde</a:t>
+            </a:r>
+            <a:endParaRPr lang="en-US" i="1" dirty="0"/>
+          </a:p>
+          <a:p>
+            <a:pPr lvl="1"/>
+            <a:r>
+              <a:rPr lang="en-US" dirty="0"/>
+              <a:t>“</a:t>
+            </a:r>
+            <a:r>
+              <a:rPr lang="en-US" dirty="0" err="1"/>
+              <a:t>constexpr</a:t>
+            </a:r>
+            <a:r>
+              <a:rPr lang="en-US" dirty="0"/>
+              <a:t> if: A slightly different syntax”</a:t>
+            </a:r>
+            <a:r>
+              <a:rPr lang="en-US" i="1" dirty="0"/>
+              <a:t> – </a:t>
+            </a:r>
+            <a:r>
+              <a:rPr lang="it-IT" i="1" dirty="0"/>
+              <a:t>Jens </a:t>
+            </a:r>
+            <a:r>
+              <a:rPr lang="it-IT" i="1" dirty="0" err="1"/>
+              <a:t>Maurer</a:t>
+            </a:r>
+            <a:endParaRPr lang="it-IT" i="1" dirty="0"/>
+          </a:p>
+          <a:p>
+            <a:pPr lvl="1"/>
+            <a:r>
+              <a:rPr lang="en-US" dirty="0"/>
+              <a:t>“</a:t>
+            </a:r>
+            <a:r>
+              <a:rPr lang="en-US" dirty="0" err="1"/>
+              <a:t>constexpr</a:t>
+            </a:r>
+            <a:r>
+              <a:rPr lang="en-US" dirty="0"/>
+              <a:t> if: A slightly different syntax”</a:t>
+            </a:r>
+            <a:r>
+              <a:rPr lang="en-US" i="1" dirty="0"/>
+              <a:t> – </a:t>
+            </a:r>
+            <a:r>
+              <a:rPr lang="it-IT" i="1" dirty="0"/>
+              <a:t>Jens </a:t>
+            </a:r>
+            <a:r>
+              <a:rPr lang="it-IT" i="1" dirty="0" err="1"/>
+              <a:t>Maurer</a:t>
+            </a:r>
+            <a:endParaRPr lang="en-US" i="1" dirty="0"/>
+          </a:p>
+          <a:p>
+            <a:pPr lvl="1"/>
+            <a:endParaRPr lang="it-IT" dirty="0"/>
+          </a:p>
+        </p:txBody>
+      </p:sp>
+      <mc:AlternateContent xmlns:mc="http://schemas.openxmlformats.org/markup-compatibility/2006">
+        <mc:Choice xmlns:p14="http://schemas.microsoft.com/office/powerpoint/2010/main" Requires="p14">
+          <p:contentPart p14:bwMode="auto" r:id="rId8">
+            <p14:nvContentPartPr>
+              <p14:cNvPr id="5" name="Ink 4"/>
+              <p14:cNvContentPartPr/>
+              <p14:nvPr/>
+            </p14:nvContentPartPr>
+            <p14:xfrm>
+              <a:off x="2866799" y="1564278"/>
+              <a:ext cx="2236320" cy="2696400"/>
+            </p14:xfrm>
+          </p:contentPart>
+        </mc:Choice>
+        <mc:Fallback>
+          <p:pic>
+            <p:nvPicPr>
+              <p:cNvPr id="5" name="Ink 4"/>
+              <p:cNvPicPr/>
+              <p:nvPr/>
+            </p:nvPicPr>
+            <p:blipFill>
+              <a:blip r:embed="rId9"/>
+              <a:stretch>
+                <a:fillRect/>
+              </a:stretch>
+            </p:blipFill>
+            <p:spPr>
+              <a:xfrm>
+                <a:off x="2853839" y="1557078"/>
+                <a:ext cx="2260800" cy="2715480"/>
+              </a:xfrm>
+              <a:prstGeom prst="rect">
+                <a:avLst/>
+              </a:prstGeom>
+            </p:spPr>
+          </p:pic>
+        </mc:Fallback>
+      </mc:AlternateContent>
+      <mc:AlternateContent xmlns:mc="http://schemas.openxmlformats.org/markup-compatibility/2006">
+        <mc:Choice xmlns:p14="http://schemas.microsoft.com/office/powerpoint/2010/main" Requires="p14">
+          <p:contentPart p14:bwMode="auto" r:id="rId10">
+            <p14:nvContentPartPr>
+              <p14:cNvPr id="13" name="Ink 12"/>
+              <p14:cNvContentPartPr/>
+              <p14:nvPr/>
+            </p14:nvContentPartPr>
+            <p14:xfrm>
+              <a:off x="2273879" y="1080798"/>
+              <a:ext cx="1316520" cy="682920"/>
+            </p14:xfrm>
+          </p:contentPart>
+        </mc:Choice>
+        <mc:Fallback>
+          <p:pic>
+            <p:nvPicPr>
+              <p:cNvPr id="13" name="Ink 12"/>
+              <p:cNvPicPr/>
+              <p:nvPr/>
+            </p:nvPicPr>
+            <p:blipFill>
+              <a:blip r:embed="rId11"/>
+              <a:stretch>
+                <a:fillRect/>
+              </a:stretch>
+            </p:blipFill>
+            <p:spPr>
+              <a:xfrm>
+                <a:off x="2265959" y="1070358"/>
+                <a:ext cx="1334880" cy="699480"/>
+              </a:xfrm>
+              <a:prstGeom prst="rect">
+                <a:avLst/>
+              </a:prstGeom>
+            </p:spPr>
+          </p:pic>
+        </mc:Fallback>
+      </mc:AlternateContent>
+      <mc:AlternateContent xmlns:mc="http://schemas.openxmlformats.org/markup-compatibility/2006">
+        <mc:Choice xmlns:p14="http://schemas.microsoft.com/office/powerpoint/2010/main" Requires="p14">
+          <p:contentPart p14:bwMode="auto" r:id="rId12">
+            <p14:nvContentPartPr>
+              <p14:cNvPr id="16" name="Ink 15"/>
+              <p14:cNvContentPartPr/>
+              <p14:nvPr/>
+            </p14:nvContentPartPr>
+            <p14:xfrm>
+              <a:off x="4874879" y="3313518"/>
+              <a:ext cx="5424840" cy="883800"/>
+            </p14:xfrm>
+          </p:contentPart>
+        </mc:Choice>
+        <mc:Fallback>
+          <p:pic>
+            <p:nvPicPr>
+              <p:cNvPr id="16" name="Ink 15"/>
+              <p:cNvPicPr/>
+              <p:nvPr/>
+            </p:nvPicPr>
+            <p:blipFill>
+              <a:blip r:embed="rId13"/>
+              <a:stretch>
+                <a:fillRect/>
+              </a:stretch>
+            </p:blipFill>
+            <p:spPr>
+              <a:xfrm>
+                <a:off x="4860839" y="3299838"/>
+                <a:ext cx="5452920" cy="912600"/>
+              </a:xfrm>
+              <a:prstGeom prst="rect">
+                <a:avLst/>
+              </a:prstGeom>
+            </p:spPr>
+          </p:pic>
+        </mc:Fallback>
+      </mc:AlternateContent>
+      <mc:AlternateContent xmlns:mc="http://schemas.openxmlformats.org/markup-compatibility/2006">
+        <mc:Choice xmlns:p14="http://schemas.microsoft.com/office/powerpoint/2010/main" Requires="p14">
+          <p:contentPart p14:bwMode="auto" r:id="rId14">
+            <p14:nvContentPartPr>
+              <p14:cNvPr id="22" name="Ink 21"/>
+              <p14:cNvContentPartPr/>
+              <p14:nvPr/>
+            </p14:nvContentPartPr>
+            <p14:xfrm>
+              <a:off x="10017119" y="3936318"/>
+              <a:ext cx="1351440" cy="781200"/>
+            </p14:xfrm>
+          </p:contentPart>
+        </mc:Choice>
+        <mc:Fallback>
+          <p:pic>
+            <p:nvPicPr>
+              <p:cNvPr id="22" name="Ink 21"/>
+              <p:cNvPicPr/>
+              <p:nvPr/>
+            </p:nvPicPr>
+            <p:blipFill>
+              <a:blip r:embed="rId15"/>
+              <a:stretch>
+                <a:fillRect/>
+              </a:stretch>
+            </p:blipFill>
+            <p:spPr>
+              <a:xfrm>
+                <a:off x="10012799" y="3930198"/>
+                <a:ext cx="1364400" cy="801360"/>
+              </a:xfrm>
+              <a:prstGeom prst="rect">
+                <a:avLst/>
+              </a:prstGeom>
+            </p:spPr>
+          </p:pic>
+        </mc:Fallback>
+      </mc:AlternateContent>
+    </p:spTree>
+    <p:extLst>
+      <p:ext uri="{BB962C8B-B14F-4D97-AF65-F5344CB8AC3E}">
+        <p14:creationId xmlns:p14="http://schemas.microsoft.com/office/powerpoint/2010/main" val="2831162571"/>
+      </p:ext>
+    </p:extLst>
+  </p:cSld>
+  <p:clrMapOvr>
+    <a:masterClrMapping/>
+  </p:clrMapOvr>
+  <p:timing>
+    <p:tnLst>
+      <p:par>
+        <p:cTn id="1" dur="indefinite" restart="never" nodeType="tmRoot">
+          <p:childTnLst>
+            <p:seq concurrent="1" nextAc="seek">
+              <p:cTn id="2" dur="indefinite" nodeType="mainSeq">
+                <p:childTnLst>
+                  <p:par>
+                    <p:cTn id="3" fill="hold">
+                      <p:stCondLst>
+                        <p:cond delay="indefinite"/>
+                      </p:stCondLst>
+                      <p:childTnLst>
+                        <p:par>
+                          <p:cTn id="4" fill="hold">
+                            <p:stCondLst>
+                              <p:cond delay="0"/>
+                            </p:stCondLst>
+                            <p:childTnLst>
+                              <p:par>
+                                <p:cTn id="5" presetID="10" presetClass="entr" presetSubtype="0" fill="hold" nodeType="clickEffect">
+                                  <p:stCondLst>
+                                    <p:cond delay="0"/>
+                                  </p:stCondLst>
+                                  <p:childTnLst>
+                                    <p:set>
+                                      <p:cBhvr>
+                                        <p:cTn id="6" dur="1" fill="hold">
+                                          <p:stCondLst>
+                                            <p:cond delay="0"/>
+                                          </p:stCondLst>
+                                        </p:cTn>
+                                        <p:tgtEl>
+                                          <p:spTgt spid="5"/>
+                                        </p:tgtEl>
+                                        <p:attrNameLst>
+                                          <p:attrName>style.visibility</p:attrName>
+                                        </p:attrNameLst>
+                                      </p:cBhvr>
+                                      <p:to>
+                                        <p:strVal val="visible"/>
+                                      </p:to>
+                                    </p:set>
+                                    <p:animEffect transition="in" filter="fade">
+                                      <p:cBhvr>
+                                        <p:cTn id="7" dur="500"/>
+                                        <p:tgtEl>
+                                          <p:spTgt spid="5"/>
+                                        </p:tgtEl>
+                                      </p:cBhvr>
+                                    </p:animEffect>
+                                  </p:childTnLst>
+                                </p:cTn>
+                              </p:par>
+                              <p:par>
+                                <p:cTn id="8" presetID="10" presetClass="entr" presetSubtype="0" fill="hold" nodeType="withEffect">
+                                  <p:stCondLst>
+                                    <p:cond delay="0"/>
+                                  </p:stCondLst>
+                                  <p:childTnLst>
+                                    <p:set>
+                                      <p:cBhvr>
+                                        <p:cTn id="9" dur="1" fill="hold">
+                                          <p:stCondLst>
+                                            <p:cond delay="0"/>
+                                          </p:stCondLst>
+                                        </p:cTn>
+                                        <p:tgtEl>
+                                          <p:spTgt spid="13"/>
+                                        </p:tgtEl>
+                                        <p:attrNameLst>
+                                          <p:attrName>style.visibility</p:attrName>
+                                        </p:attrNameLst>
+                                      </p:cBhvr>
+                                      <p:to>
+                                        <p:strVal val="visible"/>
+                                      </p:to>
+                                    </p:set>
+                                    <p:animEffect transition="in" filter="fade">
+                                      <p:cBhvr>
+                                        <p:cTn id="10" dur="500"/>
+                                        <p:tgtEl>
+                                          <p:spTgt spid="13"/>
+                                        </p:tgtEl>
+                                      </p:cBhvr>
+                                    </p:animEffect>
+                                  </p:childTnLst>
+                                </p:cTn>
+                              </p:par>
+                            </p:childTnLst>
+                          </p:cTn>
+                        </p:par>
+                      </p:childTnLst>
+                    </p:cTn>
+                  </p:par>
+                  <p:par>
+                    <p:cTn id="11" fill="hold">
+                      <p:stCondLst>
+                        <p:cond delay="indefinite"/>
+                      </p:stCondLst>
+                      <p:childTnLst>
+                        <p:par>
+                          <p:cTn id="12" fill="hold">
+                            <p:stCondLst>
+                              <p:cond delay="0"/>
+                            </p:stCondLst>
+                            <p:childTnLst>
+                              <p:par>
+                                <p:cTn id="13" presetID="10" presetClass="entr" presetSubtype="0" fill="hold" nodeType="clickEffect">
+                                  <p:stCondLst>
+                                    <p:cond delay="0"/>
+                                  </p:stCondLst>
+                                  <p:childTnLst>
+                                    <p:set>
+                                      <p:cBhvr>
+                                        <p:cTn id="14" dur="1" fill="hold">
+                                          <p:stCondLst>
+                                            <p:cond delay="0"/>
+                                          </p:stCondLst>
+                                        </p:cTn>
+                                        <p:tgtEl>
+                                          <p:spTgt spid="16"/>
+                                        </p:tgtEl>
+                                        <p:attrNameLst>
+                                          <p:attrName>style.visibility</p:attrName>
+                                        </p:attrNameLst>
+                                      </p:cBhvr>
+                                      <p:to>
+                                        <p:strVal val="visible"/>
+                                      </p:to>
+                                    </p:set>
+                                    <p:animEffect transition="in" filter="fade">
+                                      <p:cBhvr>
+                                        <p:cTn id="15" dur="500"/>
+                                        <p:tgtEl>
+                                          <p:spTgt spid="16"/>
+                                        </p:tgtEl>
+                                      </p:cBhvr>
+                                    </p:animEffect>
+                                  </p:childTnLst>
+                                </p:cTn>
+                              </p:par>
+                              <p:par>
+                                <p:cTn id="16" presetID="10" presetClass="entr" presetSubtype="0" fill="hold" nodeType="withEffect">
+                                  <p:stCondLst>
+                                    <p:cond delay="0"/>
+                                  </p:stCondLst>
+                                  <p:childTnLst>
+                                    <p:set>
+                                      <p:cBhvr>
+                                        <p:cTn id="17" dur="1" fill="hold">
+                                          <p:stCondLst>
+                                            <p:cond delay="0"/>
+                                          </p:stCondLst>
+                                        </p:cTn>
+                                        <p:tgtEl>
+                                          <p:spTgt spid="22"/>
+                                        </p:tgtEl>
+                                        <p:attrNameLst>
+                                          <p:attrName>style.visibility</p:attrName>
+                                        </p:attrNameLst>
+                                      </p:cBhvr>
+                                      <p:to>
+                                        <p:strVal val="visible"/>
+                                      </p:to>
+                                    </p:set>
+                                    <p:animEffect transition="in" filter="fade">
+                                      <p:cBhvr>
+                                        <p:cTn id="18" dur="500"/>
+                                        <p:tgtEl>
+                                          <p:spTgt spid="22"/>
                                         </p:tgtEl>
                                       </p:cBhvr>
                                     </p:animEffect>

--- a/static_control_flow/slides.pptx
+++ b/static_control_flow/slides.pptx
@@ -5,7 +5,7 @@
     <p:sldMasterId id="2147483648" r:id="rId1"/>
   </p:sldMasterIdLst>
   <p:notesMasterIdLst>
-    <p:notesMasterId r:id="rId22"/>
+    <p:notesMasterId r:id="rId25"/>
   </p:notesMasterIdLst>
   <p:sldIdLst>
     <p:sldId id="259" r:id="rId2"/>
@@ -25,9 +25,12 @@
     <p:sldId id="273" r:id="rId16"/>
     <p:sldId id="274" r:id="rId17"/>
     <p:sldId id="275" r:id="rId18"/>
-    <p:sldId id="256" r:id="rId19"/>
-    <p:sldId id="257" r:id="rId20"/>
-    <p:sldId id="258" r:id="rId21"/>
+    <p:sldId id="276" r:id="rId19"/>
+    <p:sldId id="277" r:id="rId20"/>
+    <p:sldId id="278" r:id="rId21"/>
+    <p:sldId id="256" r:id="rId22"/>
+    <p:sldId id="257" r:id="rId23"/>
+    <p:sldId id="258" r:id="rId24"/>
   </p:sldIdLst>
   <p:sldSz cx="12192000" cy="6858000"/>
   <p:notesSz cx="6858000" cy="9144000"/>
@@ -841,7 +844,7 @@
           <inkml:channelProperty channel="T" name="resolution" value="1" units="1/dev"/>
         </inkml:channelProperties>
       </inkml:inkSource>
-      <inkml:timestamp xml:id="ts0" timeString="2016-08-21T12:50:09.548"/>
+      <inkml:timestamp xml:id="ts0" timeString="2016-08-22T11:43:07.777"/>
     </inkml:context>
     <inkml:brush xml:id="br0">
       <inkml:brushProperty name="width" value="0.05" units="cm"/>
@@ -853,14 +856,12 @@
   <inkml:traceGroup>
     <inkml:annotationXML>
       <emma:emma xmlns:emma="http://www.w3.org/2003/04/emma" version="1.0">
-        <emma:interpretation id="{E6F5DA82-573B-4A9C-AD44-470EB7FA0A09}" emma:medium="tactile" emma:mode="ink">
-          <msink:context xmlns:msink="http://schemas.microsoft.com/ink/2010/main" type="inkDrawing" rotatedBoundingBox="6737,9648 12877,9345 13007,11976 6866,12278" hotPoints="13215,10865 10181,12188 7174,10803 10208,9480" semanticType="enclosure" shapeName="Ellipse">
-            <msink:destinationLink direction="from" ref="{2095B460-6416-4932-A84C-951DCD82C4C6}"/>
-          </msink:context>
+        <emma:interpretation id="{3EF64854-7933-4E28-B4BE-F672B664C413}" emma:medium="tactile" emma:mode="ink">
+          <msink:context xmlns:msink="http://schemas.microsoft.com/ink/2010/main" type="inkDrawing" rotatedBoundingBox="16927,3904 32281,4524 32076,9618 16722,8998" rotationAngle="357694432" semanticType="enclosure"/>
         </emma:interpretation>
       </emma:emma>
     </inkml:annotationXML>
-    <inkml:trace contextRef="#ctx0" brushRef="#br0">4343 367 46 0,'-21'-37'23'0,"5"4"-29"0,11 19 42 16,-11-5-37-16,-5-9 1 15,-6-1-1-15,-15 1 0 16,-6 0 1-16,-5 0 0 15,-15 4 1-15,-22 10 1 0,-16 0 0 16,-32 9 1-16,-5 0 0 16,-21 10 0-16,-5-5 0 15,-6 10 1-15,6 4-2 16,0 0 1-16,5 5-2 16,5 9 0-16,-5 9 0 15,-5 6 1 1,4 9-2-16,-4 4 0 15,5 10 0-15,0 4 0 0,11-8 2 16,10 3 1-16,21 6-1 16,11-5 1-16,5 4-1 15,11 10 1-15,21 0-2 16,5 0 1-16,5 10-2 16,12-1 0-16,9 5 0 15,6 14 1-15,5-18 0 0,17-1 1 16,9 5 0-16,12-9 1 15,20 9-1-15,11-5 0 16,16-4-1-16,5 4 0 16,22-4-1-16,9 4 1 15,17-23-1-15,16-5 1 0,5-9 0 16,11-5 0-16,20-5 0 16,12-9 0-16,15-4 0 15,0-15 1-15,21-5-1 16,6-9 0-16,-11-5 0 15,11-4 0-15,5 4-1 32,0-4 1-32,-11-5-1 0,22-5 1 15,-11-14 0-15,0 9 0 0,-6-8-1 16,1-6 1-16,-22 0-1 16,1 1 1-16,-11-6-1 15,-16-4 1-15,-11-4-1 16,1-1 1-16,-17-5 0 15,-15-4 0-15,0 0-1 16,-22-5 0-16,-10-4 0 0,-21-6 0 16,-16-4-1-16,-11-9 1 15,-15-10-1-15,-22-9 0 16,-15-5 0-16,-22-4 0 16,-21-1-1-16,-26 0 1 15,-17 1 0 1,-20 9 0-16,-16 14 0 15,-17 4 0-15,-9 6 0 16,-12 4 1-16,-4 9-1 16,-12 5 1-16,-9 5-1 15,-12 0 1-15,-10 9-1 16,-21 14 1-16,0 10-1 16,-11 0 1-16,1 23 0 0,4 24 0 15,6 5 0-15,0 4 0 0,0 14 0 16,10 5 0-16,1 10 0 15,-1-1 1-15,6 1-1 16,0 4 0-16,5 9 0 16,10-4 1-16,17 0-1 15,21 5 0-15,42 4-1 16,26 19 0-16,27 23-4 16,32 25 1-16,36 18-7 0,33 32 0 15,15 34-10-15,27 28 1 16,5-37 0-16,0-25 1 15</inkml:trace>
+    <inkml:trace contextRef="#ctx0" brushRef="#br0">1844 110 18 0,'-6'-5'9'0,"0"-16"-4"16,6 16 9-16,-6-5-12 16,-5-1 0-16,-1 1 3 0,6-6 1 15,0 0-7-15,0 6 1 16,6 5 3-16,0 10 1 15,6 10-2-15,0 6 1 16,6 11-1-16,-1 10 0 0,1 15 0 16,0 1 0-16,0 0 1 15,0 10 0-15,-1 10 0 16,-5-10 1-16,-6 11-1 16,0-1 0-16,-6 1-1 15,0-16 1-15,-5 0-1 16,-7-6 1-16,-6-4-1 0,1 4 0 15,-7-10 0-15,-5-5 1 32,0-10-1-32,-1-6 0 0,1-5-1 15,-6-16 1-15,0 0-1 16,-1-10 1-16,1 0-2 16,-6-16 1-1,-24 5-1 1,6 0 1-16,6 1-1 15,-5-6 1-15,-7 10-1 0,6 1 1 16,0 10-1-16,6 0 1 16,6 5-1-16,6 0 1 15,0 11-1-15,6 5 0 16,0 10 0-16,-6 1 0 0,-1-1-1 16,7 1 1-16,-6 4 0 31,6 1 1-31,0 15-1 15,-1 6 0-15,7-6 0 16,0 6 1-16,5 5-1 16,7 10 0-16,-1 0 0 15,0 6 1-15,1 0-1 16,5-1 0-16,0 6 0 0,1-6 1 16,5-4-1-16,0 10 0 0,0-6 0 15,1 6 0-15,5 5 1 16,0 0 0-16,0 5 0 15,0 1 0-15,0-6 0 16,0 0 0-16,6-6 0 16,-6 6 0-16,6-15-1 15,0-6 0-15,0 5 0 0,6 0 0 16,-6 6 0-16,6-11 0 31,0 5 0-31,-6 1 0 0,6-1 0 16,0-5 0-16,0-5 0 15,0-5 1-15,0-6-1 0,-1-5 0 16,1 5 0 0,6 1 0-16,0-6 0 15,0-5 0-15,-1 0 0 16,1 0 0-16,0 0 0 16,0 5 0-16,6-5 0 15,-1-6 0-15,7-4 0 0,-1-1 1 16,7-5-1-16,11 0 1 15,-6 1-1-15,7 9 0 0,-7-4 0 16,0 4 0-16,7-4 0 16,5-1 0-16,0 1 0 15,6-6 1-15,0-5-1 16,6 10 0-16,0-10 0 16,0-5 1-16,11-6-1 31,-5 1 0-31,0-1 0 0,6-10 1 15,-7 0-1-15,1 0 1 16,0 0-1-16,0-5 1 16,6 5-1-16,5-5 0 15,7 0 0-15,-1-1 0 0,7 6 0 16,-1-10 0-16,0 5 0 16,-5-11 0-16,-7-10 0 15,-5 5 0-15,0 0 0 16,-1 0 1-16,1 0-1 15,0-5 0-15,0 5 0 16,-7 5 0-16,1-5 0 0,-6-5 1 16,6 0-1-16,-12-6 0 15,0 1 0 1,0 5 0-16,-12 0 0 16,0-1 0-16,-5 1 0 15,-1 0 0-15,-5 5 0 16,-7 5 0-16,1-5 0 15,-7 6 0-15,7-17 0 16,0 11 0-16,-1 6-1 16,1-1 1-16,-1 0-1 0,1 0 1 15,5-4 0-15,1-1 1 16,5 0-2-16,0 0 1 16,7 5 0-16,-1 0 0 15,0 1 0-15,6-1 0 0,6 5-1 16,0 1 1-16,0-1 0 15,12 1 0-15,0-1 0 16,0 1 0-16,0 5 0 16,5-6 0-16,7 1 0 15,11 5 0-15,1-1-1 16,5 1 1-16,12-5 0 0,6-1 0 16,-12 6 0-16,0-6 0 31,12-10 0-31,6 6 0 0,0 10 0 15,6-6 1-15,-1 6-1 16,-5 0 0-16,6-1-1 16,11 1 1-16,13 5 0 15,5-5 0-15,6 5-1 16,-18 5 1-16,7-5-1 16,11 0 1-16,0 0 0 0,6-5 0 15,-6-6-1-15,-12-4 1 16,0-1 0-16,13 0 1 15,4 1-1-15,-10-6 0 0,5 10 0 16,-12-10 0-16,12 16-1 16,18 5 0-16,-12 0 0 31,6 0 1-31,-12-5-1 16,0-1 1-16,18-4-1 15,-7 0 1-15,-10 4 0 16,5 1 1-16,-24 0-1 15,-6 5 0-15,13 0-1 0,-7 0 0 16,-5-5 0-16,-7 5 1 16,1 0-1-16,-6 5 0 0,-7 11 0 15,-5-11 0-15,-6 5 1 16,6 1 1-16,-6-1 0 16,-5 1 0-16,-7-1 0 15,-6-5 0-15,7 6-1 16,-1-6 1-16,-12 6-1 15,1 4 0-15,5 1-1 0,0 10 1 16,7 6-1-16,-7-6 0 16,1 0 0-1,-1-5 0-15,6-11 1 16,0-4 1-16,1-1 0 16,-1-5 0-16,6 0 0 15,6-11 0-15,-6-4-1 16,0-6 1-16,12 0-1 15,0 0 0-15,-11-5-1 16,-1-11 1-16,6 6 0 16,6 10 0-16,6-6 0 15,-7 1 0-15,-4-5 0 0,-7-1 0 16,6 1 0-16,-18 0 1 16,-5-1-1-16,-7-5 0 0,-5 6-1 15,-6-6 1-15,-12-5 0 16,-6-5 1-16,-12-5-1 15,-5 5 0-15,-7 5 0 16,-11 0 1-16,-12-5-1 16,-6-5 0-16,-6-11-1 15,-11 10 0 1,5-4 0-16,0-1 0 16,-5-5 1-16,-7 6 0 15,-5 4 0-15,0 6 1 16,-7 0 1-16,-5 5 0 0,6 0-1 15,-6 0 0-15,-6 6-1 16,-6 4 0-16,-6 1-1 16,0-11 1-16,-5 10 0 15,-1 1 1-15,0 5-1 16,-11 0 1-16,-7 5-1 16,-5 0 1-16,-6 5-1 15,-6 6 1-15,-12-1-2 0,0 1 1 16,0 4 0-16,-11 1 0 15,5 10 0-15,-6-5 0 0,-5 6 0 16,-6-6 0-16,5 0 0 16,-11 10 1-16,5-5-1 15,7 1 0-15,-1 4-1 16,1 1 1-16,5-6 0 16,1 0 0-16,5 11 0 31,-6-6 0-31,12 6-1 0,-5 0 1 15,-7 5 0-15,0 0 0 16,1-6-1-16,11 6 1 16,0-5 0-16,0 5 0 15,-5 0 0-15,-7-5 1 0,-11 4-1 16,-1-4 1-16,7-5-1 16,-7-1 1-16,13-5-1 15,-1 1 1-15,0-6-1 16,-11 0 0-16,17-6 0 15,12-4 1-15,6-1-1 0,0 1 0 16,6-11 0-16,6-5 0 16,0-11 0-16,-7 0 1 15,7-4-1 1,6-1 1-16,11-5-1 16,1-11 1-16,11 0-2 15,12 1 1-15,6-1 0 16,11-5 0-16,-5-5-1 15,0 0 1-15,5 5 0 16,1-10 0-16,0 5 0 16,-7 0 1-16,13 5-1 0,-6-10 0 15,5-1 0-15,1-4 0 16,5 10-1-16,6 0 1 0,1-1-1 16,-1 7 1-16,0-6 0 15,-5 20 0-15,-1 1 0 16,-5 0 1-16,-1 0-1 15,1-5 0-15,-6 5 0 16,-7 5 0-16,-5 0 0 16,0 5 0-16,-6 6-1 0,0-6 1 15,-12 11 0-15,0 5 0 16,-11-5 0-16,-1 5 1 16,1-5-1-16,-7 10 0 31,-11 0 0-31,0 0 1 0,-1 11-1 15,1 0 1-15,-6 10-1 16,-18-5 0-16,12 0-1 16,-6 5 1-16,-6 6 0 15,0-6 0-15,6 0 0 16,18-5 0-16,-6 11 0 16,-12-11 0-16,6 0 0 0,6 0 0 15,0-11 0-15,0 1 0 16,-6-1 0-16,-1 1 0 15,13-1 0-15,-12 6 0 0,-6 0 0 16,0-5 1-16,0-1-1 16,-6 6 0-16,-5 0 0 31,5 5 1-31,12 0-1 16,-12-11 0-16,6 11 0 15,0 0 0-15,0-5 0 16,0 0 1-16,0-1-1 0,0 6 1 15,6-10-1-15,6-6 0 16,-6 6 1-16,0-16 0 16,-6 15-1-16,-6-5 0 0,-5 11 0 15,-13 21 0-15,18 5-4 16,12 5 1-16,18-5-15 16,41 5 1-16,11-15-3 15,19-27 0-15</inkml:trace>
   </inkml:traceGroup>
 </inkml:ink>
 </file>
@@ -883,7 +884,7 @@
           <inkml:channelProperty channel="T" name="resolution" value="1" units="1/dev"/>
         </inkml:channelProperties>
       </inkml:inkSource>
-      <inkml:timestamp xml:id="ts0" timeString="2016-08-21T12:50:11.580"/>
+      <inkml:timestamp xml:id="ts0" timeString="2016-08-22T11:43:12.659"/>
     </inkml:context>
     <inkml:brush xml:id="br0">
       <inkml:brushProperty name="width" value="0.05" units="cm"/>
@@ -895,15 +896,13 @@
   <inkml:traceGroup>
     <inkml:annotationXML>
       <emma:emma xmlns:emma="http://www.w3.org/2003/04/emma" version="1.0">
-        <emma:interpretation id="{2095B460-6416-4932-A84C-951DCD82C4C6}" emma:medium="tactile" emma:mode="ink">
-          <msink:context xmlns:msink="http://schemas.microsoft.com/ink/2010/main" type="inkDrawing" rotatedBoundingBox="9524,7238 21263,3855 21926,6158 10187,9540" semanticType="callout" shapeName="Other">
-            <msink:sourceLink direction="from" ref="{E6F5DA82-573B-4A9C-AD44-470EB7FA0A09}"/>
-            <msink:sourceLink direction="to" ref="{E0DBBF5A-C035-4260-BB33-E09E10CCD0BD}"/>
-          </msink:context>
+        <emma:interpretation id="{A471D6FC-D148-4D00-B837-E33DA09729E8}" emma:medium="tactile" emma:mode="ink">
+          <msink:context xmlns:msink="http://schemas.microsoft.com/ink/2010/main" type="inkDrawing" rotatedBoundingBox="16849,9106 33192,9427 33023,17998 16681,17677" hotPoints="32736,11224 32606,15752 17687,15325 17817,10797" semanticType="enclosure" shapeName="Rectangle"/>
         </emma:interpretation>
       </emma:emma>
     </inkml:annotationXML>
-    <inkml:trace contextRef="#ctx0" brushRef="#br0">43 4596 37 0,'-32'14'18'0,"21"-28"-17"0,11 9 19 0,0-4-20 16,0-10 1-16,0 5 0 15,0-5 0-15,0-4-1 16,6-6 1-16,-1-4 1 15,-5-4 1-15,5-15 1 16,6 0 0-16,-1-4 0 0,6-10 0 16,5-9 0-16,11 9 0 15,0-5-1-15,10-4 0 16,1-5-2-16,4-9 1 31,6-19-2-31,-5 4 0 0,10-4 0 16,5 9 1-16,12-4 0 15,4 4 0-15,11 0 0 16,5 5 1-16,11-9 0 0,-11 8 0 16,6 1-1-16,15-4 1 15,6 13-1-15,10 0 0 16,11-13-1-16,-5 8 0 0,-1-4 0 16,11 0 1-16,-10 9 0 15,15-4 1-15,-15 4-1 16,10 5 1-16,11 0-1 15,0 0 1-15,10-4-1 16,0 4 1-16,11 0-2 31,5 0 0-31,-5 5 0 0,0 4 1 16,-10 0 0-16,10 6 0 16,-6 3-1-16,17 6 1 15,-11 4 0-15,15 10 0 0,6 0-1 16,11-1 0-16,-16-4-1 15,5 10 1-15,-5 8 0 16,-6 6 0-16,-5-1 0 16,1 1 0-16,4 4 0 15,-15 5 0-15,5-5 0 16,0 5 0-16,0 0 0 16,5 0 0-16,-11 14 0 0,1 0 0 15,-11 0-1-15,0 0 1 16,-5 0-1-1,-6 4 1-15,1 1 0 16,-6 0 0-16,-5 0 0 16,-6 9 0-16,1 0 0 15,-11 9 1-15,-11-4-1 16,-10 5 0-16,5-1 0 16,-15-4 0-16,-17-10-1 15,-5 6 1-15,-10-11 0 0,-6 1 0 16,0 0 0-16,-5-1 0 15,-5 1 0-15,-1 0 0 16,-5-1-1-16,-4 1 1 16,-1 0-2-16,-11 0 1 0,-5-5-1 15,-5 4 1-15,-5-4 0 16,-11 0 0-16,0 0 1 16,0 0 0-16,5-4 0 15,6-6 0-15,-1 10 0 16,1 0 0-16,-1 0 0 15,1 0 0-15,5 0-1 0,0 0 0 16,-6 0 0-16,6 0 1 31,0 5 0-31,0-5 0 0,0 0 0 16,0 0 0-16,-6 0 0 16,1 0 0-16,-6 0 0 15,6 0 0-15,-6 5 1 16,-5-5 0-16,0 0 0 15,0 0 0-15,0-10 0 16,-5 1 0-16,-6-10-1 0,-5-9 1 16,-5-10-1-16,-11 0 0 15,-15 1 0-15,-1-1 0 16,0 1 0-16,1-1 0 16,-6 5-1-16,10-5 1 0,6 5-1 15,0-4 0-15,6 13 0 31,-1 1 0-31,5-1 0 16,6 15 0-16,5-1 0 16,11 20 1-16,10 9 0 15,11 9 0-15,5 5-1 16,16 9 1-16,22-4 0 16,15 4 0-16,10 15-1 0,6-6 1 15,11-4-1-15,-6 5 1 0,11 5 0 16,5-6 0-16,-5 6 0 15,-11-15 1-15,-10-4-1 16,-16-10 0-16,-16 0 0 16,-22-9 1-16,-20-10-1 15,-27-4 0-15,-32 0 1 16,-15-5 1-16,-6 0-1 0,-21 0 1 16,0 0-2-16,-10 4 0 15,-22 1-2-15,0 9 0 16,1 10-5-16,4 4 0 15,6 10-8-15,10 4 0 0,12 5-2 16,46-9 0-16</inkml:trace>
+    <inkml:trace contextRef="#ctx0" brushRef="#br0">1997 5211 30 0,'-6'-26'15'0,"6"21"-15"32,0 0 15-32,0 5-16 15,0 0 0-15,0 0-1 0,0 5 0 16,0 5 3-16,0 1 1 16,0 5 0-16,6-1 0 15,0 6 1-15,6 0 1 16,6 5 0-16,5-5 0 15,1 16-1-15,-1 5 0 0,-5 5-2 16,-6 0 0-16,-1 6-1 16,1-17 1-16,-12 11 1 15,-6-5 0-15,0 0 1 16,-11 0 0-16,-7-5 0 16,1-1 1-16,-13 1-1 15,1-5 0-15,-12-6-1 0,0-11 0 16,0-4-2-16,-6-1 1 15,0-4-1-15,-1 4 1 0,1 1-1 16,6-6 1-16,0-5-1 16,-6 5 1-16,0 5-1 15,6-4 0-15,-6-1 0 32,-6 0 1-32,6 0-1 15,6 1 0-15,6 4-1 16,-6 1 1-16,5 4 0 0,1 1 0 15,0 5-1-15,5 0 1 16,1 0 0-16,0-5 0 16,5 5 1-16,1-1 0 15,-1-4-1-15,7 0 0 0,-1 5 1 16,1 0 0-16,-1 15-2 16,1 6 1-16,5 6 0 15,0-7 0-15,6 1-1 16,1 16 1-16,-1-6 0 15,0 6 0-15,0 10 0 16,0-10 1 0,1 10-1-16,-1 5 1 15,0-5-1-15,0-5 1 16,-5 21-1-16,5-1 1 0,0 1-1 16,0 5 0-16,1 6 0 15,-1-6 0-15,0-6 0 16,0 12 1-16,0-1-1 15,7 0 0-15,-7 6 0 16,6-6 0-16,-6-5 0 16,6 0 0-16,6 0 0 0,0-10 0 15,-6 4 0-15,6-9 0 16,0-11 0-16,0-11 0 16,12 16-1-16,0-16 1 15,0 6 0-15,-1-11 0 0,7 6 0 16,0-6 0-16,-1 0 0 15,1 0 0-15,0-5 0 16,-6-6 0-16,-1-4 0 16,1-6 0-16,0 0 0 15,0 0 1-15,-1 6-1 32,7-6 0-32,0 11 0 0,5 5 1 15,1-11-1-15,5 0 0 16,1 1-1-16,-1-6 1 0,1-5-1 15,5 0 1-15,1-5-1 16,-1-1 1-16,0 1 0 16,1 0 0-16,11-6 0 15,0 6 0-15,0-6 0 16,6 1 0-16,-12-6-1 16,-11-5 0-16,-1 0 1 0,-5 0 0 15,-1-5 0-15,1-11 0 16,-6 1 0-16,-1-6 1 15,1-11-1-15,-6-4 1 16,-1-1-1 0,-5-5 1-16,0 0-1 15,0 0 0-15,-6-10 0 16,6-1 1-16,-6 1-1 16,6 5 0-16,0-11 0 15,0 6 0-15,5 0 0 16,1 4 0-16,0 1-1 15,0-5 1-15,0 21 0 0,-7-1 0 16,1 1 0-16,0 4 0 16,6 1-1-16,0 5 1 0,6 0-1 15,5 6 1-15,1 4 0 16,5 6 0-16,6 0-1 16,7 5 1-16,5 0 0 15,0 0 0-15,6 0-1 16,6 5 1-16,12 0 0 15,-7-5 0-15,7 5-1 16,0-5 1-16,0 6 0 0,-1-1 0 16,1 0 0-16,6 0 1 15,-1 1-1-15,1-1 1 32,5 5-1-32,1-4 1 0,5-1-1 15,-5-5 1-15,-7 5-1 16,1-5 1-16,-1 5-1 15,1 1 0-15,5-1 0 16,1 0 0-16,-1 0 0 16,13 0 0-16,5 6 0 15,-6-11 0-15,0 0 0 0,6-5 0 0,7-6 0 16,10 1 0-16,1 5 0 16,6-1 0-16,6 1 0 15,-7 5 0-15,7 0 0 16,5-5 0-16,7 10 0 15,-13 6 0-15,13-1 0 32,-7 6 1-32,-5 5-1 15,0 5 0-15,5 0 0 0,1 5 1 16,-1 1-1-16,1-6 1 16,-13-10-1-16,-17-1 0 15,0-4 0-15,-5-1 1 16,5-4-1-16,6 4 0 15,5-5 0-15,-11 1 0 0,6-1 0 16,6 0 0-16,-6-5 0 16,0 0 0-16,0-5 0 15,12-6 0-15,-6-10 0 16,-1 0 1-16,7-5-1 16,0-5 0-16,-6-1 0 15,0 6 0-15,17 5 0 0,-5-5 0 16,-1 0 0-16,1 5 0 15,0-10 0-15,-7 4 1 16,7 1-1-16,0 5 1 0,-1 0-1 16,-5 0 0-16,-6 0 0 15,0 6 1-15,-6 9-1 32,-1-9 0-32,-4 10 0 15,-1 5 1-15,0 0-1 16,0 5 0-16,-6 0 0 0,-6 5 0 15,6 1 0-15,0 5 1 16,-11-6-1-16,-7-5 0 16,1 1 0-16,-1-12 1 15,1 1-1-15,-1-5 0 0,1 4 0 16,-1-4 1-16,-5 5-1 16,5 5 0-16,7 0 0 15,-7-6 0-15,-5-4 0 16,-7 10 0-16,7-5 0 15,0 0 0-15,-1 10 0 16,1-10 0 0,-1 10-1-16,1-5 1 15,0 0 0-15,-13 5 0 16,7-10 0-16,0 0 0 0,-1-1-1 16,-5-4 1-16,0-1 0 15,0 11 0-15,0 0 0 16,-6 6 0-16,0-1-1 15,-1 5 0-15,1-4 0 16,6-1 1-16,-12 0-1 0,0 5 1 16,0-4 0-16,-6 4 0 15,1-5 0-15,-1 1 0 16,0 4-1-16,0 1 1 16,0-6-1-1,-6 0 1-15,1 0 0 0,-1 1 0 0,6-6-1 31,6 0 1-31,0 0 0 16,6 0 1-16,6 0-1 16,-6 0 0-16,-6 5 0 15,0-5 0-15,0 5 0 16,0 0 0-16,0-5 0 16,6 5 0-16,0-5 0 0,0 6 0 15,23-6-1 1,0 0 1-16,-5-6 0 15,0 1 0-15,-1-5-1 16,-5 5 1-16,-12-6 0 16,-6 1 1-16,-6-1-1 15,0-10 0-15,0 0 0 16,-5 0 1-16,-1 0-1 0,0-5 0 16,-6 5-1-16,1-5 1 15,-13 5 1-15,1-10 0 16,-1 4 0-16,1 1 0 15,-6-5-1-15,-1-6 1 16,-5 1 0 0,-6-1 0-16,-6 0-1 15,0-5 0-15,0-5 0 16,0 5 0-16,0 6 0 16,-6-1 1-16,0 6-1 15,0-6 1-15,0 11-1 16,-5-6 1-16,-7 1 0 15,-6-11 0-15,-5 0 0 0,0 0 0 16,5 5 1-16,0 6 0 16,-5 5-1-16,-12 0 1 0,-18-6-1 15,-18 1 0-15,-11-1-1 16,5 1 1-16,-5-6-1 16,-12 6 0-16,6 5 0 31,11 0 1-31,1-1-1 15,-7 6 1-15,1 0 0 0,-6 6 0 16,-1 4-1-16,7 1 0 16,0 5 0-16,-13-1 0 15,7 1 0-15,12-5 0 16,5-1 0-16,-5 6 0 16,-1-6 0-16,-5 1 1 0,-1-1-1 15,-5 11 0-15,0 0 0 16,-6 0 1-16,-6 0-1 15,5 11 0-15,-5-6 0 16,-6 0 0-16,-5 1 0 16,5-1 0-16,6 0 0 15,-6 0 0-15,0 6-1 0,6-1 1 16,0 6-1-16,-12 0 1 16,-6 5-1-16,-6 5 1 0,13-5 0 15,-7 5 0-15,12-5-1 16,12 0 1-16,-6-5 0 15,0-1 0-15,0 1 0 32,-12-5 0-32,18-6 0 15,-6 0 0-15,-12 0 0 0,6 6 0 16,-6-6 0-16,-6 0 1 16,-5-5-1-16,5 0 0 15,18-5 0-15,-12 0 0 16,6-6 0-16,0 1 0 15,-6-1 0-15,-23-4 0 0,5 4 0 16,18 1 0-16,1-1 0 16,-1-5 0-16,12-10 0 15,6-5 0-15,-6 5 0 16,-12-11 0-16,12-5-1 16,5-5 1-16,7 5 0 15,12 0 0 1,5 0 0-16,6 6 1 15,7-12-1-15,-1-4 0 16,-6 0 0-16,18-11 0 0,0 0-1 16,6-5 1-16,6-5 0 15,-1 5 0-15,7 15-1 16,0 1 1-16,5 5 0 16,-5 0 0-16,5-1 0 15,-5 1 0-15,0 0 0 0,-1 5 1 16,-5 0-1-16,0-5 0 15,0 11 0-15,-6-6 0 16,5 5 0-16,1 0 0 16,-6 1 0-16,-18-6 0 15,6 0 0-15,0 5 0 0,-6-5 0 16,1 6 0-16,-7-1 0 16,-6 6 1-16,-5 4-1 15,-1 1 1-15,13 5-1 16,-1 6 0-16,-6-1 0 15,-5-5 0-15,5 0 0 32,1 0 0-32,-7 5 0 0,1 1 0 15,-7 4 0-15,-5 6 0 16,6 0 0-16,5-1 0 0,1 1 0 16,-7 0 0-16,1-11 0 15,11 1 0-15,1-1 0 16,-7 5 0-16,1-4 0 15,-6 4 0-15,-7 1 0 16,7 4 0-16,5 1 0 16,-11 5 0-16,0 0 0 0,0 0 0 15,-7 0 0-15,1 0 0 16,-12-5 0-16,0 5 1 16,12 5-1-16,-6 6 0 15,-6 4 0 1,-6-4 0-16,1 5-1 15,-7-1 1-15,0 1 0 16,0 0 0-16,12-6 0 16,0 1 1-16,1-6-1 15,4-5 0-15,1 0 0 16,0-5 0-16,-6 5-3 16,6 0 1-16,6 5-8 0,18 5 1 15,29 6-10-15,-6-5 0 16</inkml:trace>
+    <inkml:trace contextRef="#ctx0" brushRef="#br0" timeOffset="4744.6931">2274 10726 30 0,'-23'-10'15'0,"23"-1"-16"0,5-5 16 16,-5-4-16-16,6-12 1 15,-6-10 1-15,0 0 0 16,-6 0 1-16,1-10 0 0,-1 5 1 31,-6-5 1-31,6-6 0 16,0 6 1-16,0-6-1 15,6 0 0-15,12-5-2 16,6 1 1 0,23-33-1-1,6 12 1-15,6-1-2 0,6 21 1 16,12 5-1-16,5 16 1 0,7 1 0 16,11 4 0-16,18-5-1 15,-12 5 0-15,18 1 0 16,6-1 1-16,5 6-1 15,-5 4 0-15,6 12-1 16,5-1 1-16,-23 5-1 16,6 1 1-16,6 5-1 0,-1 5 0 15,1 0 0-15,-6 0 1 16,17 0-1-16,-17 0 1 16,-6-5-1-16,0 5 0 15,0 0 0-15,0 5 0 16,-6 5 0-16,-6 6 1 0,-11 0-1 31,-1-1 0-31,0 1 0 16,1 5 0-16,-7-5 0 15,-5-1 0-15,-1 1 0 16,1 5 0-16,0 5 0 16,-1 1 0-16,-5-1 0 15,-12 5 0-15,-6 1 0 0,-6-1 0 16,-6 0 0-16,-5-4 0 0,-1 9 0 15,-6-4 1-15,7-1-1 16,-7 0 0-16,1 1 0 16,-13-1 0-16,7 6 0 15,-12-11 0-15,-6 6 0 16,-12-11 0-16,0 5 0 16,0 5 0-1,-6 1 0-15,0-1 1 16,1 6-1-16,-1-1 0 15,0 6 0-15,6-5 0 16,0-6-1-16,0 6 1 16,0 0-1-16,6-6 1 0,0 0 0 15,0-4 0-15,0 4 0 16,6 1 0-16,0 4 0 16,0-10 0-16,6 6 0 15,6-1 0-15,-7-5 0 16,1 1 0-16,6 4 0 15,-6-5 1-15,5 0-1 0,7 1 0 16,-1-1 0-16,7-5 0 16,5 5 0-16,-5 0 1 0,5-5-2 15,0-5 1-15,12 5 0 16,18 0 0-16,0 0 0 16,12 5 0-16,5-11 0 15,-5 1 0-15,23-5 0 16,-6-1 0-16,12-5 0 31,18 1 1-31,23-6-1 0,1 0 0 16,17-6 0-16,0-4 0 15,17-1 0-15,13 1 0 16,17-6 0-16,-12 11 0 16,12-11 0-16,6 6 1 0,6-1-1 15,-24 1 0-15,12 5 0 16,12-1 0-16,-17 6 0 15,-7 0 0-15,-6 6 0 16,7 4 0-16,-13-5-1 16,-11-5 1-16,6 11-1 15,-13-1 1-15,13 1 0 0,-6-6 0 16,-18 5 0-16,-6 1 0 31,-6-6 0-31,-11 0 1 0,-12 1-1 16,-1-1 1-16,1 0-1 15,0 0 1-15,-12 1-1 16,-6 4 0-16,6 1 0 16,0 4 1-16,-18 1-1 15,0 5 0-15,0 10 0 16,7-4 1-16,5-1-1 0,0 5 0 16,-6-5 0-16,-12 0 1 15,1-5-1-15,-1-5 1 16,-6 5-1-16,-5 0 1 15,0-5-1-15,5 5 0 0,7-6 0 16,-1 6 0-16,6 0 0 16,-11 11 0-16,-1-6 0 15,-17 0 0-15,-6-10 0 16,-6 5 0-16,0-6 0 16,-12 1 1-16,-6-5-1 15,1-1 1-15,-7 1-1 0,1-1 1 16,-7 6-1-16,1-6 1 31,-1 6-1-31,-5 5 0 0,-6 5 0 16,0 6 1-16,-1-1-1 15,1 0 0-15,0 1 0 16,0-1 0-16,0-5 0 16,-1 1 0-16,13 4 0 15,-12-5 1-15,0 0-1 16,5 1 0-16,-5 4-1 0,0-5 1 15,-6 16 0-15,-6 0 0 16,0 0-1-16,-6 5 1 16,-6 0 0-16,-6 6 0 15,-11-1 0-15,-18 6 0 0,-6-1 0 16,-12 6 0-16,-12-5 0 31,-23 10 0-31,-24 0 0 16,-5 0 1-16,-18 0 0 15,-13 5 0-15,-16-5 0 16,-1 6 1-16,-12-1-2 16,1 0 0-16,-24 6 0 0,-6-6 1 15,6 0 0-15,5-15 0 16,-22-6-1-16,-1-4 1 0,12-1 1 16,-6-11 0-16,-6-4-1 15,0-1 1-15,1-5-2 16,-1 1 1-16,-12-6-1 15,7-11 0-15,11-5-1 16,0-10 1-16,0-11-2 16,-12-15 1-1,7-6 0-15,22-5 1 16,19-10-1-16,-7 0 0 16,13-1 1-16,5 6 0 15,6-5 1-15,12-1 1 16,12-15-1-16,-1 5 0 0,1 1-1 15,12-1 1-15,11 0-1 16,0 0 0-16,0 5 0 16,13 6 1-16,-1-6-1 15,-12 11 1-15,6-10 0 16,6-1 0-16,12 11-1 0,6 0 1 16,5 0-1-16,-5-6 0 15,0 11-1-15,-6-5 1 16,-1 5-1-16,-5 0 1 0,0 11 0 15,0 5 0-15,12 5 0 16,0-5 1-16,5 5-1 16,-11 5 1-16,6 6-2 15,6-1 1-15,-1-5 0 16,-5 1 0-16,0-6 0 31,-7 0 0-31,13 0 0 0,12 0 0 16,-7 0 0-16,-5 0 0 15,-1-5 0-15,13 0 0 16,5-1-1-16,-6 1 1 16,1 0-1-16,-1 16 1 0,1-1 0 15,-1 1 0-15,6 4 0 16,6-4 0-16,1 5-1 16,11 5 1-16,-6-6 0 15,0 1 0-15,0-5 0 16,0-1 0-16,0 6 0 15,-6 5 0-15,0 5-1 0,-5 1 1 16,-7-1-1-16,1 0 1 16,5 0-1-1,0 0 1-15,18 6 0 16,0-1 0-16,0-4 0 16,0-1 0-16,-6 0 0 15,-6 0 1-15,6 1-2 16,6-1 1-16,0 0 0 15,-6 0 0-15,6 1 0 16,-5-6 0-16,-1 0 0 0,-6 0 0 16,6 0 0-16,0 0 0 15,6 0 0-15,6 10 0 16,0-5 0-16,0 6 0 16,-12-1-1-16,0 1 1 15,0-1 0-15,0 6 0 0,0 0 0 16,-6-1 0-16,0 6-1 15,1 0 1-15,-7 0 0 16,12-5 0-16,6 0-1 16,6-1 1-16,5 6-1 15,7 5 0-15,6 6 0 16,5-1 0-16,6 1-1 0,1-1 1 31,5 1 0-31,6-1 0 0,0 0 0 16,6 6 1-16,0-6-1 15,0 11 1-15,6 5 0 16,-6 1 0-16,0-17 0 16,0 6 0-16,0-1 0 15,0 1 0-15,0 5 0 16,0 0 1-16,-6 0-1 0,0 0 0 16,0-6 0-16,1-4 0 15,-7-1 0-15,0-5 1 16,0 16-1-16,0-10 0 15,-5-1 0-15,-1-5 1 16,-6 0-1-16,1-5 1 0,-1 0-1 31,1-5 1-31,-7 0 0 16,-5-6 0-16,-6 1 0 16,-1-6 0-16,1 0 0 15,0-5 0-15,-6 5-1 16,6-5 0-16,-7 6 0 15,1-6 0-15,0 5 0 0,-6-5 0 16,0 0 0-16,6 0 0 16,0 0 0-16,-6-11 0 0,-6-4 0 15,0 4 0-15,0-5 0 16,6-10 1-16,6 0-1 16,6 0 0-16,-6-11-1 15,11-10 1-15,-5-10 0 16,0-6 0-16,-1-16-1 0,1 1 1 15,6 4 0-15,0 1 1 16,5 0-1-16,7-1 0 16,5 1 0-16,6 5 1 15,12-5-1-15,0-6 0 16,12 0-1-16,6 11 0 16,-1-5 1-1,7 0 0-15,5-6 0 16,-5 11 1-16,5 5-1 15,12-5 0-15,1-5 1 16,-1 5 0-16,0 5-2 16,12 0 1-16,-6 5 0 15,-5 1 0-15,-1 4 0 0,-6 1 1 16,48-11-1 0,5 0 1-16,0 1 0 15,-5-1 0-15,-1 0 0 16,1 11 0-16,-7-6 0 15,7 0 0-15,-6 6 0 16,-7-11 0-16,7 11-1 16,11 5 1-1,7 5-1-15,5-5 1 16,6 10-1-16,6 5 0 16,6 12-7-16,-12 14 0 15,23 22-12-15,-11 0 1 16</inkml:trace>
   </inkml:traceGroup>
 </inkml:ink>
 </file>
@@ -926,7 +925,7 @@
           <inkml:channelProperty channel="T" name="resolution" value="1" units="1/dev"/>
         </inkml:channelProperties>
       </inkml:inkSource>
-      <inkml:timestamp xml:id="ts0" timeString="2016-08-21T12:50:12.375"/>
+      <inkml:timestamp xml:id="ts0" timeString="2016-08-22T11:43:41.382"/>
     </inkml:context>
     <inkml:brush xml:id="br0">
       <inkml:brushProperty name="width" value="0.05" units="cm"/>
@@ -938,14 +937,12 @@
   <inkml:traceGroup>
     <inkml:annotationXML>
       <emma:emma xmlns:emma="http://www.w3.org/2003/04/emma" version="1.0">
-        <emma:interpretation id="{E0DBBF5A-C035-4260-BB33-E09E10CCD0BD}" emma:medium="tactile" emma:mode="ink">
-          <msink:context xmlns:msink="http://schemas.microsoft.com/ink/2010/main" type="inkDrawing" rotatedBoundingBox="21590,4987 23459,4856 23546,6101 21677,6232" hotPoints="23535,5530 22597,6143 21667,5518 22605,4906" semanticType="enclosure" shapeName="Ellipse">
-            <msink:destinationLink direction="to" ref="{2095B460-6416-4932-A84C-951DCD82C4C6}"/>
-          </msink:context>
+        <emma:interpretation id="{5B6AA2BC-6F34-41D7-94DE-8F43DB265FE9}" emma:medium="tactile" emma:mode="ink">
+          <msink:context xmlns:msink="http://schemas.microsoft.com/ink/2010/main" type="inkDrawing" rotatedBoundingBox="9710,5157 9725,5192 9709,5200 9694,5165" shapeName="Other"/>
         </emma:interpretation>
       </emma:emma>
     </inkml:annotationXML>
-    <inkml:trace contextRef="#ctx0" brushRef="#br0">418 934 37 0,'-21'-23'18'0,"0"-43"-22"0,21 47 32 0,-5-4-28 15,-6-10 0-15,0-14 2 16,6 0 0-16,0-14-1 16,5-15 0-16,10 6 3 15,1-10 0-15,15 0 0 0,17 5 0 16,10 9 0-16,21 9 0 15,21 5-2-15,16 20 1 16,6 13-3-16,4 9 1 16,1 20-2-16,10 18 1 15,1 14 0-15,-12 15 0 0,-20 18 0 16,-11 5 1-16,-11 14-1 16,-21 10 1-16,-21 8-1 15,-26-3 1-15,-22-6-1 16,-31 1 0-1,-37-6 0-15,-22-18 0 0,-26-14 1 16,-42-24 0 0,-11-9 0-16,-16-18 1 15,16-30 0-15,6-22 0 0,15-15-1 16,11-28 0-16,31-14 0 16,22 0 1-16,32 5-2 15,25-6 1-15,33 1-1 16,37-9 0-16,26 9-1 15,43 0 1-15,15 9-1 16,27 10 0-16,5 14 0 0,21 23 0 16,-10 15-3-16,-11 27 1 15,-10 34-12-15,-16 42 1 16,-38 0-2-16,-25-24 1 16</inkml:trace>
+    <inkml:trace contextRef="#ctx0" brushRef="#br0">-4073-3689 13 0,'-23'-21'6'0,"29"11"-20"0,0 4 12 15</inkml:trace>
   </inkml:traceGroup>
 </inkml:ink>
 </file>
@@ -968,7 +965,7 @@
           <inkml:channelProperty channel="T" name="resolution" value="1" units="1/dev"/>
         </inkml:channelProperties>
       </inkml:inkSource>
-      <inkml:timestamp xml:id="ts0" timeString="2016-08-21T12:37:00.857"/>
+      <inkml:timestamp xml:id="ts0" timeString="2016-08-22T11:37:02.789"/>
     </inkml:context>
     <inkml:brush xml:id="br0">
       <inkml:brushProperty name="width" value="0.05" units="cm"/>
@@ -980,12 +977,12 @@
   <inkml:traceGroup>
     <inkml:annotationXML>
       <emma:emma xmlns:emma="http://www.w3.org/2003/04/emma" version="1.0">
-        <emma:interpretation id="{D40AE99F-9509-451D-AB86-C998B89273E2}" emma:medium="tactile" emma:mode="ink">
-          <msink:context xmlns:msink="http://schemas.microsoft.com/ink/2010/main" type="inkDrawing" rotatedBoundingBox="6455,5593 14243,5982 14171,7403 6384,7014" hotPoints="14479,6674 10180,7207 5926,6381 10226,5849" semanticType="enclosure" shapeName="Ellipse"/>
+        <emma:interpretation id="{C8F74671-3395-4FAE-89BB-23887430DA15}" emma:medium="tactile" emma:mode="ink">
+          <msink:context xmlns:msink="http://schemas.microsoft.com/ink/2010/main" type="inkDrawing" rotatedBoundingBox="13793,8879 13887,8883 13886,8894 13792,8890" shapeName="Other"/>
         </emma:interpretation>
       </emma:emma>
     </inkml:annotationXML>
-    <inkml:trace contextRef="#ctx0" brushRef="#br0">2419 81 30 0,'54'-4'15'0,"6"4"-11"0,-46 4 15 0,4-4-18 15,0 0 0-15,0-8 2 16,-4 4 1-16,-5 0-3 15,-4-8 1-15,-14 4 3 16,-14-4 0 15,-82-1 2-15,-23 5 1-16,0 4-1 16,-9 0 0-16,4 4-2 0,-9 4 1 15,-18 4-1-15,-4 13 1 16,4 7-2-16,-5 9 0 15,0 3 0-15,10-3 0 16,9 8 0-16,13 3 1 0,19 1-1 16,13 0 1-16,14 0-2 15,14 8 1-15,14-5 0 16,8 1 0-16,15 4-1 16,4 4 0-16,14 4-1 15,13-8 1-15,10-4-1 16,13-4 1-16,14-5-1 0,18 1 0 15,14-4 0-15,9-1 0 0,14 9 0 16,9-12 0-16,0-1-1 16,9-3 1-16,14-1-1 15,5-3 1-15,4-5 0 16,4-4 1-16,15-3-2 31,3-1 1-31,10-4 0 16,0-4 0-16,14-4 0 0,-5 0 0 15,5 4-1-15,-5-8 1 16,10 5-1-16,-6-1 0 16,1 4-1-16,-5 0 1 15,5-4-1-15,0 8 1 16,-1-8-2-16,1 4 0 0,-9-4 1 16,4-4 0-16,-4 0 0 15,4 0 0-15,-18-4 0 16,4 0 1-16,-4 0-1 15,-5 8 0-15,-4-8 0 16,-9 4 0-16,-5-4 0 16,4-4 1-1,1 0-1-15,-5 0 0 16,-5 0 0-16,-9-1 0 0,5-7 0 16,9 4 0-16,-9 0 0 15,-14 4 0-15,5-13 0 16,0-3 0-16,-5 0 0 15,9-5 1-15,-9 1-1 16,-4-1 0-16,-14-3-1 16,-5 3 1-16,-4 5 0 0,-5 0 0 15,-13-13-1-15,-6 9 0 16,-8-5 0-16,-14 0 0 16,-9 1 0-16,-5-1 0 15,-9 5 0-15,-13 0 1 16,-10 3-2-16,-13-7 1 0,-19-5-1 15,-27-8 1-15,-14 1-1 16,-5 3 1-16,-8 0-1 16,-5 1 1-16,-19-1 1 15,-17 5 0-15,-1 3-1 16,-4-4 1-16,-24 13-1 31,-3 8 1-31,-19-9-1 0,13 1 1 16,-4 8 0-16,1-5 0 0,8 5 0 15,5-8 0-15,-5-1 0 16,5 9 0-16,4 0-1 16,-4 4 1-16,-5 0-1 15,-9 3 1-15,10 5-1 16,3 0 1-16,6-4-1 16,13 0 0-16,14 0 0 15,4 4 1-15,1-4-1 0,-1 0 1 16,0 8-1-16,-4 0 1 15,5 4-2-15,4 8 0 16,0-4-7-16,13 16 1 16,10 1-14-1,14 3 1-15,22-7-6 16,37-17 1-16</inkml:trace>
+    <inkml:trace contextRef="#ctx0" brushRef="#br0">40 8 11 0,'-41'-5'5'0,"94"0"-14"16,-12 15 5-16</inkml:trace>
   </inkml:traceGroup>
 </inkml:ink>
 </file>
@@ -1008,7 +1005,7 @@
           <inkml:channelProperty channel="T" name="resolution" value="1" units="1/dev"/>
         </inkml:channelProperties>
       </inkml:inkSource>
-      <inkml:timestamp xml:id="ts0" timeString="2016-08-21T12:37:18.359"/>
+      <inkml:timestamp xml:id="ts0" timeString="2016-08-22T11:44:21.160"/>
     </inkml:context>
     <inkml:brush xml:id="br0">
       <inkml:brushProperty name="width" value="0.05" units="cm"/>
@@ -1020,12 +1017,12 @@
   <inkml:traceGroup>
     <inkml:annotationXML>
       <emma:emma xmlns:emma="http://www.w3.org/2003/04/emma" version="1.0">
-        <emma:interpretation id="{B788EBA7-D8D4-4916-8BC8-1CAB561D7D91}" emma:medium="tactile" emma:mode="ink">
-          <msink:context xmlns:msink="http://schemas.microsoft.com/ink/2010/main" type="inkDrawing" rotatedBoundingBox="7492,9886 15480,10402 15412,11469 7423,10953" semanticType="enclosure" shapeName="None"/>
+        <emma:interpretation id="{B21AFDE7-1481-464E-BCA8-2D809DB12BF7}" emma:medium="tactile" emma:mode="ink">
+          <msink:context xmlns:msink="http://schemas.microsoft.com/ink/2010/main" type="inkDrawing" rotatedBoundingBox="15967,5923 17281,15540 15609,15769 14295,6151" semanticType="callout" shapeName="Other"/>
         </emma:interpretation>
       </emma:emma>
     </inkml:annotationXML>
-    <inkml:trace contextRef="#ctx0" brushRef="#br0">2316 171 22 0,'18'-12'11'0,"23"3"-10"0,-18 1 11 16,-4 0-11-16,3 0 0 16,-3-4 6-16,-1 4 0 15,-9 4-5-15,-9 4 0 16,-4-4 6-16,-10-1 0 15,-9 1 0-15,-9-4 1 0,-9 0-3 16,-5-4 1-16,-4 4-2 16,-10-4 0-16,-4 4-2 15,-4-1 0-15,-15 5 0 16,-3 0 1-16,-1 0-1 16,-9 4 0-16,-5 0-1 15,5 4 1-15,-4 4-1 0,-6 1 0 0,6-1-1 16,4 4 0-16,-5-4 0 15,5 0 1-15,5 4 0 16,8 5 0-16,1-1 0 16,9 4 0-16,4-4-1 15,-4 1 1-15,9-1-1 32,9 0 1-32,1 0-1 0,3-3 1 15,6-1-1-15,-1 0 1 16,9 8-1-16,1 1 0 15,8 3 0-15,5-4 0 16,5 1 0-16,9 3 0 16,4-4 0-16,5 1 1 15,5-1-1-15,4 0 0 0,0 9 0 16,5-5 1-16,4 5-1 16,1-1 0-16,3-4 0 15,6 5 0-15,4-5-1 16,4 1 1-16,1-9 0 15,4 4 0-15,0-4 0 16,0 1 0 0,1-1 0-16,-1 4 0 0,4-3-1 15,6-5 1-15,4 0-1 16,-1 0 1-16,1 0-1 16,0 1 1-16,5-5-1 15,-6 0 1-15,1-4-1 16,0 0 1-16,0 0-1 15,5 0 1-15,4 0-1 0,4 0 1 16,-4 0-1-16,0 4 1 16,5 0-1-16,-10 1 1 15,5-1-1-15,0 0 0 16,-4-4 0-16,-6 0 0 16,1 0 0-16,0 4 1 15,5-4-1 1,4 0 1-16,-5 0-1 15,5 0 1-15,-9-4-1 16,4 5 0-16,1-1 0 16,4 0 1-16,-5-4-1 15,1 0 0-15,4 0 0 16,4 8 1-16,1-4-1 16,9 0 0-16,-10 4 0 0,-4 0 1 0,0 4-1 15,5 1 0-15,-1-5 0 16,-4 0 0-16,9 0 0 15,5 0 0-15,5 0 0 16,8 0 0-16,-9 0 0 16,1 1 0-16,-1-1 0 15,-9 0 1-15,0 0-1 0,5 0 0 16,4 0 0-16,5 0 0 16,-5 0 0-16,-4-3 0 15,9-1 0-15,0 0 0 16,-5 0 0-16,0 0 0 15,10 0 0-15,-5 0 0 16,0 0 0 0,-5 0 0-16,5 0-1 15,4 0 1-15,-4 0 0 16,0 0 0-16,9 0 0 16,0 0 0-16,-5 5 0 15,5-1 1-15,0-4-1 16,-4-8 1-16,4 4-1 15,14 0 0-15,-5 0 0 0,-5 0 1 0,5 0-1 16,1 4 0-16,-10-8 0 16,0 0 0-16,0 0 0 15,4 4 1-15,-4-9-1 16,-9 5 0-16,0-4 0 16,0 0 1-16,0-4-1 31,-10-4 0-31,1-1 0 0,0-3 0 15,0 0 0-15,-5-1 0 16,-5 1 0-16,-8-4 0 0,-14 7 0 16,-5-3 0-16,-5-4 0 15,-8-9 1-15,-10 5-2 16,-4-5 1-16,-10 1 0 16,-4-1 0-16,-9-3-1 15,-14-5 0-15,-13 0 0 0,-19 1 0 16,0 3 0-16,-9-3 1 15,-14 3-1-15,0 0 1 16,-8 1 0-16,-10-1 0 16,-10 5-1-16,-3-1 1 15,-6 9 0 1,1 4 0-16,-14-1-1 16,-9 1 1-16,-5 4-1 0,-4-5 1 15,0 1 0-15,-19 8 0 16,-4 0 0-16,4-9 0 15,-8 9-1-15,-6 0 1 16,1 4 0-16,0-8 0 16,8 3 0-16,-3 5 0 0,-1-4 0 15,5 8 0-15,0-8 0 16,-1 0 0-16,6-1 0 16,13 5 0-16,0 4 0 15,14-8 0-15,-5 0 0 16,5 0 0-16,14 3 0 15,4 5 0 1,4-4-2-16,-3 4 0 0,3 0-4 16,1 8 0-16,4 4-8 15,14 9 1-15,19 19-11 16,8-7 1-16</inkml:trace>
+    <inkml:trace contextRef="#ctx0" brushRef="#br0">2410 9547 16 0,'-24'6'8'0,"0"-27"-10"0,19 10 8 16,-7 1-6-16,0-1 1 15,-6-5 0-15,-5 6 1 32,-1 0-1-32,-11 4 1 0,-12 6 2 15,0-10 0-15,-6-1 2 16,-12 1 1-16,-12-6 0 16,1-10 0-1,-48-42 1 1,12-11 1-16,0-15-3 15,6-11 1-15,-12-15-3 0,6-6 1 16,6-15-1-16,6-6 0 0,6-31-3 16,-1-5 1-16,7-16-1 15,11 0 1-15,13-11-1 16,-7-10 1-16,12 0-1 16,6-21 1-16,0 1 1 31,6-17 0-31,6 0-1 15,5-10 1-15,7 5-1 0,11-5 0 16,6 16-1-16,6-6 0 16,0 1-1-16,6-6 1 15,0 16-1-15,0 5 0 16,0 5 0-16,6 6 0 16,0 15 0-16,0-5 0 0,0 5 0 15,12 6 0-15,-1 10-1 16,1 15 1-16,0 6 0 15,-1 11 0-15,7 10-1 16,5-6 1-16,1 17-1 16,5-1 0-16,1 16 0 15,5 5 0-15,0 11 0 0,-6 16 1 16,1 10 0-16,-19 10 0 16,1 16-1-16,-6 11 1 0,0 5 0 15,-6 5 0-15,-1 5-1 16,-5-5 1-16,6 6-1 15,-6-1 0-15,0 6 1 32,0-1 0-32,0 6-1 15,0 5 1-15,-6 11-1 16,1-1 0-16,-7 11 0 0,-6 5 0 16,0 21-1-16,-5 11 0 15,-18 5 0-15,-1 5 1 16,-11 11 0-16,0 5 0 15,-6-1 0-15,-5-4 0 0,-1 0 1 16,6-1 0-16,12-10-1 16,17-5 1-16,7-5-1 15,17-11 1-15,6-10 0 16,12-16 0-16,11-16-1 16,7-5 0-16,5-26 0 15,6 0 1 1,12-21-1-16,-11 0 1 15,11 10-1-15,-6-5 0 16,-6 11 0-16,6 10 1 0,-6 16 0 16,-5 15 1-16,11 22-1 15,0 15 1-15,-6 32-1 16,-6 10 1-16,7 26-1 16,-1 16 1-16,0 0-5 15,12 0 1-15,0-5-11 16,-17-11 0-16</inkml:trace>
   </inkml:traceGroup>
 </inkml:ink>
 </file>
@@ -1038,15 +1035,17 @@
         <inkml:traceFormat>
           <inkml:channel name="X" type="integer" max="9600" units="cm"/>
           <inkml:channel name="Y" type="integer" max="7200" units="cm"/>
+          <inkml:channel name="F" type="integer" max="256" units="dev"/>
           <inkml:channel name="T" type="integer" max="2.14748E9" units="dev"/>
         </inkml:traceFormat>
         <inkml:channelProperties>
           <inkml:channelProperty channel="X" name="resolution" value="377.95276" units="1/cm"/>
           <inkml:channelProperty channel="Y" name="resolution" value="425.28058" units="1/cm"/>
+          <inkml:channelProperty channel="F" name="resolution" value="0" units="1/dev"/>
           <inkml:channelProperty channel="T" name="resolution" value="1" units="1/dev"/>
         </inkml:channelProperties>
       </inkml:inkSource>
-      <inkml:timestamp xml:id="ts0" timeString="2016-08-21T12:37:40.492"/>
+      <inkml:timestamp xml:id="ts0" timeString="2016-08-22T11:44:22.229"/>
     </inkml:context>
     <inkml:brush xml:id="br0">
       <inkml:brushProperty name="width" value="0.05" units="cm"/>
@@ -1058,12 +1057,12 @@
   <inkml:traceGroup>
     <inkml:annotationXML>
       <emma:emma xmlns:emma="http://www.w3.org/2003/04/emma" version="1.0">
-        <emma:interpretation id="{F21434F4-23F2-4814-A3D9-08EAD4C971F4}" emma:medium="tactile" emma:mode="ink">
-          <msink:context xmlns:msink="http://schemas.microsoft.com/ink/2010/main" type="inkDrawing" rotatedBoundingBox="10226,16580 10231,16596 10217,16601 10212,16585" shapeName="None"/>
+        <emma:interpretation id="{CA9BF9ED-BDC3-49E1-A8C0-262A0250CE2C}" emma:medium="tactile" emma:mode="ink">
+          <msink:context xmlns:msink="http://schemas.microsoft.com/ink/2010/main" type="inkDrawing" rotatedBoundingBox="16458,6221 17446,11809 16437,11987 15449,6400" semanticType="callout" shapeName="Other"/>
         </emma:interpretation>
       </emma:emma>
     </inkml:annotationXML>
-    <inkml:trace contextRef="#ctx0" brushRef="#br0">15 8 0,'0'0'0,"0"0"15,0 0-15,0 0 16,0 0-16,0 0 16,0 0-16,0 0 15,0 0-15,0 0 16,0 0-16,0 0 16,-5-16-16,5 16 0,0 0 15</inkml:trace>
+    <inkml:trace contextRef="#ctx0" brushRef="#br0">1697 5514 35 0,'-36'42'17'0,"-5"-68"-14"16,29 15 19-16,1-4-21 16,-7-11 0-16,-6-6 1 15,-11-15 1-15,-6-16-3 16,-1-10 1-16,-5-6 3 16,-12-10 0-16,-5-5 0 0,-13-11 0 15,0-5 1-15,7-5 0 16,5 5 0-16,0-5 0 15,0-11-2-15,12-5 1 16,-6-15-2-16,6-6 0 0,0-16-1 16,6-10 0-16,0 5-1 15,6 0 0-15,5 1 0 16,1 4 1-16,11 6 0 16,7-1 0-16,11 11 0 15,6-5 0-15,6-5 0 16,0-6 1-16,0 6-1 0,-1-6 0 15,1 11-1-15,6-5 0 32,0 0 0-32,6 10 0 0,11 16 0 15,6-1 0-15,-11 17 0 16,0 5 0-16,-7 15 0 16,1 22 0-16,-6 4-1 15,-6 22 1-15,-6 5-1 16,0 15 0-16,0 12-1 15,-6 14 0-15,-12 17 0 0,-17 20 1 16,-7 22 0-16,-5-12 0 16,-12 28 0-16,-5 4 0 15,-1 5 0-15,6 6 1 0,6 0-1 16,12-11 1-16,5-10-1 16,7 0 1-16,5-21-1 31,7-5 1-31,5-17-1 15,6-20 1-15,6-15 0 16,6-27 0-16,6-10 0 16,11-17 0-16,7-4-1 0,-7 16 1 15,30-38-1-15,0 1 0 16,-6 5 0-16,0 5 1 16,6 16-1-16,0 16 1 0,-11 26 0 15,11 5 0-15,0 21 1 16,-6 15 0-16,12 22 0 15,-12 15 0-15,0 11-1 16,12 21 1-16,0 0-13 16,0 15 1-16,-12-10-5 15,-23-26 1-15</inkml:trace>
   </inkml:traceGroup>
 </inkml:ink>
 </file>
@@ -1086,7 +1085,7 @@
           <inkml:channelProperty channel="T" name="resolution" value="1" units="1/dev"/>
         </inkml:channelProperties>
       </inkml:inkSource>
-      <inkml:timestamp xml:id="ts0" timeString="2016-08-21T12:37:43.293"/>
+      <inkml:timestamp xml:id="ts0" timeString="2016-08-22T11:50:36.543"/>
     </inkml:context>
     <inkml:brush xml:id="br0">
       <inkml:brushProperty name="width" value="0.05" units="cm"/>
@@ -1098,14 +1097,12 @@
   <inkml:traceGroup>
     <inkml:annotationXML>
       <emma:emma xmlns:emma="http://www.w3.org/2003/04/emma" version="1.0">
-        <emma:interpretation id="{5D86FE92-7F0E-4320-8CE6-EA92BC382FB7}" emma:medium="tactile" emma:mode="ink">
-          <msink:context xmlns:msink="http://schemas.microsoft.com/ink/2010/main" type="inkDrawing" rotatedBoundingBox="4720,11013 19255,12650 18851,16236 4316,14599" semanticType="callout" shapeName="None">
-            <msink:sourceLink direction="to" ref="{C4E5EAEB-D6A0-469E-9D3A-B473C727B735}"/>
-          </msink:context>
+        <emma:interpretation id="{3BC1267E-85A2-4FB0-A6A3-374CC059CDE6}" emma:medium="tactile" emma:mode="ink">
+          <msink:context xmlns:msink="http://schemas.microsoft.com/ink/2010/main" type="inkDrawing" rotatedBoundingBox="6682,9526 17285,12122 16062,17117 5459,14522" semanticType="callout" shapeName="Other"/>
         </emma:interpretation>
       </emma:emma>
     </inkml:annotationXML>
-    <inkml:trace contextRef="#ctx0" brushRef="#br0">270 98 25 0,'-18'-45'12'0,"14"16"5"0,4 21 13 15,0 0-23-15,0 4 1 16,0-4 1-16,0 8 0 16,0 4-12-16,0 8 0 15,0 25 12-15,0 7 0 16,-5 30-4-16,5 19 1 15,0 13-2-15,0 32 1 0,0 4-1 16,0 9 1-16,-5-1-5 16,1-16 1-16,-1-8-1 15,1-16 1-15,-1-21 0 16,1-12 0-16,-1-8 0 16,0-12 0-16,1-12-1 15,-1-8 1 1,1-17 0-16,-5-16 0 0,-1-12-1 15,-3-29 0-15,-1-20 0 16,0-28 0-16,5-21-1 16,0-28 1-16,4-16-1 15,10 8 0-15,4-9 0 16,5 5 1-16,0 16-1 16,-1 12 0-16,-4 25 0 0,1 24 1 15,-6 16 0-15,1 4 0 16,-1 8 0-16,1 17 0 15,-1 8 0-15,-4 16 0 16,0 24 0-16,0 21 0 16,0 20 0-16,0 24 1 15,0 13-1 1,5 16 0-16,-5 4 0 16,5 16 1-16,-5 8-1 15,4 8 0-15,-4 13 0 16,0-21 1-16,0-20-1 15,0 17 0-15,-4-21 0 16,-1-5 0-16,-4-7 0 16,-5-8 1-16,0 3-1 0,-4-7 0 0,-5 4 0 15,0-1 1-15,1-20-1 16,3 5 0-16,1-1 0 16,4-8 1-16,1-8-1 15,3 0 0-15,6-8 0 16,-1-4 1-16,5-4-1 15,0 0 0-15,0-12 0 0,0-5 0 16,-4-3 0-16,4-5 0 16,0-3 0-16,0-1 0 15,0-8 0-15,0 5 0 16,0-1 0-16,0 0 0 16,0 0 0-16,0-7 0 31,0-1 0-31,4-8 0 0,-4-4 0 15,5 8 0-15,-1 0 0 16,-4-8 0-16,5 8-1 16,0 0 1-16,-1 1 0 15,1-5 0-15,-1-4 0 16,1 4 0-16,-1 0 0 16,6-4 0-16,-1 0 0 0,-5 0 0 0,1-8 0 15,-5 8 0-15,0 0 0 16,0 0 0-16,0 0 0 15,0 0 0-15,0 0 0 16,0 0 1-16,4-8-1 16,6-1 0-16,-1 1 0 31,0 0 1-31,0-4 0 0,5 4 0 16,-5 0 3-16,5 0 0 15,-1-1 0-15,6 5 0 16,-1 4 0-16,5-12 0 15,0 4-1-15,-1 0 1 16,6 4-4-16,-5-4 0 16,4 4 0-16,-4 4 1 0,0 0-1 15,0 8 1-15,0-4 0 16,4 4 0-16,-4-4-1 16,0 0 1-16,4-4-1 15,10-4 1-15,8 8-1 16,6-4 1-16,4 0-1 15,-5 0 1 1,5 4-1-16,0 8 0 0,-5 1 0 16,0 3 0-16,-4 0 0 15,4-4 1-15,-4 0-1 16,-5-3 0-16,0-1 0 16,0-4 0-16,5-4 0 15,4 0 0-15,1 4 0 16,4 0 0-16,-5 0 0 0,5 0 1 15,-5 4-1-15,5 0 0 16,0 0 0-16,4-4 1 16,-9 1-2-16,5-5 1 15,5 4 0-15,4-4 0 16,4 4 0-16,1 0 0 16,0 0 0-16,4 4 0 15,18 0 0 1,-4 0 1-16,-5-4-1 15,5 0 0-15,0 0 0 16,0 0 0-16,-5-4 0 16,5 5 0-16,-5-5 0 15,-9 0 0 1,1-5 0-16,3 1 0 0,6 0 0 16,-1 4 0-16,-4 0 0 15,-5 0 0-15,5 4 0 16,4 0 0-16,-9 1 0 15,-4-1 0-15,4-4 0 16,0 0 0-16,5 0 0 16,4 0 0-16,-9 0 0 0,5 0 0 15,0 0 0-15,4 0 0 16,-9-4 0-16,5-1 0 16,-1-3 0-16,15 0 0 15,-5 0 0-15,9 0 0 16,-9 4 0-16,4-4 0 15,-9 0 0 1,-4-1 0-16,9 5 0 16,0 0 0-16,0 0 0 15,4 0 1-15,1 4-1 16,-6-4 0-16,-3 4 0 16,-1 0 0-16,0 0 0 15,5-4 1-15,5 4-1 16,-10 0 0-16,0 4 0 0,0-4 0 0,1 4-1 15,-10-4 1-15,5 0 0 16,4-4 0-16,9-4 0 16,-4 4 0-16,-4 4 0 15,3 0 0-15,-3 0 0 16,-1 0 0-16,0 0 0 16,5 0 0-16,5 0 0 0,-1 0 0 15,-4 0 0-15,4-4 0 16,-4 0 0-16,0 8 0 15,0-4 0-15,9 4 1 16,0-4-1-16,-5 4 0 16,-4-4 0-16,-4 0 0 15,3 0 0 1,-3 0 0-16,-1 0 0 16,14 0 0-16,0-4 0 15,0 8 0-15,-4-12 0 16,-6 8 0-16,1 0 0 15,-4 4 0-15,3-8 0 16,-3 4 0 0,45-4-1-16,-9 4 1 15,-14 0-1-15,-9-4 1 0,-5 8-1 16,-13 0 1-16,0-4 0 16,4 0 0-16,0 4-1 15,5-4 1-15,-5 8 0 16,5 0 1-16,9 0-1 31,-13 0 0-31,3 5 0 0,10-5 0 16,1 0 0-16,-1 0 1 15,4 0-1-15,10-4 0 16,-19 0 0-16,1 0 0 16,8-4 0-16,1 0 0 15,-5 0 0-15,-9 0 0 16,4 4 0-16,-4-4 1 0,-9 0-1 15,-5-4 0-15,-4 0 0 16,-1 0 1-16,1 4-1 16,-1 0 0-16,1-4 0 15,-10 4 0-15,-4 0 0 16,-9 0 0-16,-5 0 0 16,5 0 1-16,-1 0-1 0,6 0 0 15,8 0 0 1,-4 0 0-16,0 0 0 15,4-4 0-15,1 4 0 16,8 0 0-16,-4 0 0 16,-9-4 0-16,9 0 0 31,5 0 0-31,-1 0 0 16,-13-4 0-16,0 0 0 0,-5-1 0 15,1 9 0-15,-1-8 0 16,5 8 0-16,-5-4 0 15,0 4 0-15,1-4 0 16,-6 4 0-16,-3-4 0 16,-6 4 0-16,-8 0 0 0,-6 0 0 15,-3 4 0-15,-6 0-2 16,-3 0 1-16,-1 0-6 16,-5 0 0-16,-4 1-11 15,-9 7 0-15,-18-4-6 16,-10-8 0-16</inkml:trace>
+    <inkml:trace contextRef="#ctx0" brushRef="#br0">1389 29 39 0,'-42'-19'19'0,"21"7"-18"15,14 6 19-15,-7-7-20 16,-7 13 0-16,-7 13 1 16,-13-1 0-16,-15 13-1 0,-14 24 1 15,-7 26 3-15,-6 11 1 16,13 26 0-16,-20 12 0 16,-8 12 0-16,0 13 0 15,1 12 0-15,-1 25 0 16,8 6-4-16,6 18 1 15,7 13-1 1,15 7 0-16,20-1-1 16,14-6 0-16,14-13 0 15,14 1 0-15,21-13 0 16,14 13 1-16,34-13 2 16,1-12 1-16,21 12-1 15,-8-12 1-15,22-12 0 16,20 5 0-16,15-5-1 0,27-19 1 0,14-13-4 15,-7 1 1-15,15-26-1 16,13-18 0-16,7 1 0 16,21-8 0-16,-14 1 0 15,14-12 1-15,7-13-1 16,21-6 1-16,-28-12 0 16,14-13 0-16,0-6-1 15,7-19 1-15,-15-6-1 0,1-12 0 16,7-12 0-16,-62 5 1 15,82-18-1-15,-34-6 0 16,7-6 0-16,0 12 1 16,0-6-1-16,0-1 1 15,-21-5-1 1,14-7 1-16,14 1-1 16,-7 12 0-16,-14 0 0 15,-21-7 0-15,7 7 0 16,-13 6 1-16,-1-19-1 15,-14 7 0-15,-14-6 0 16,-13-1 1-16,-1 7-1 16,-14-1 0-16,1 7 0 0,-8 6 0 15,-13-12 0-15,-15 12 0 16,-13-6 0 0,-22 12 1-16,-6 0 0 15,-21 6 0-15,7 7-1 16,-14 0 1-16,-1 5 0 31,-13-5 0-31,0 6-1 16,-7 6 0-16,0-6-1 15,-14 6 1-15,0 0-1 0,0 0 1 16,7-7-2-16,-7 7 0 16,7-12 0-16,-7-7 1 15,0-5-1-15,0-13 0 16,0 12 1-16,-7 0 0 0,0-12 1 15,-7 0 0-15,-7-13-1 16,-14-6 1-16,-20 1-1 16,-36-14 1-16,0 20-1 15,1-1 0-15,-8 13 0 16,8-6 1-16,6 6-1 16,14-1 0-16,8 14 1 0,13-1 0 15,7 6-1-15,14 7 0 16,14 18-1-16,14 13 0 15,21 5 1-15,28 1 0 0,14 6 0 16,27 0 1-16,29 0 0 16,13 6 1-16,14 0 0 31,15-6 1-31,-22-12-2 16,1 0 1-16,-8-1 0 15,-7 1 0-15,-13-13-1 0,-21 0 1 16,-22 0 0-16,-20 13 1 15,-35 6-1-15,-35 6 0 16,-35 12 1-16,-20 19 0 16,-29 12 0-16,-13 13 0 0,-22 12-1 15,-27 13 0-15,0 12-2 16,-15 0 1-16,15-13-6 16,14-6 0-16,34-18-13 15,43-13 1-15,27-30-3 16,28-44 1-16</inkml:trace>
   </inkml:traceGroup>
 </inkml:ink>
 </file>
@@ -1128,7 +1125,7 @@
           <inkml:channelProperty channel="T" name="resolution" value="1" units="1/dev"/>
         </inkml:channelProperties>
       </inkml:inkSource>
-      <inkml:timestamp xml:id="ts0" timeString="2016-08-21T12:37:45.610"/>
+      <inkml:timestamp xml:id="ts0" timeString="2016-08-22T11:53:43.749"/>
     </inkml:context>
     <inkml:brush xml:id="br0">
       <inkml:brushProperty name="width" value="0.05" units="cm"/>
@@ -1140,14 +1137,12 @@
   <inkml:traceGroup>
     <inkml:annotationXML>
       <emma:emma xmlns:emma="http://www.w3.org/2003/04/emma" version="1.0">
-        <emma:interpretation id="{C4E5EAEB-D6A0-469E-9D3A-B473C727B735}" emma:medium="tactile" emma:mode="ink">
-          <msink:context xmlns:msink="http://schemas.microsoft.com/ink/2010/main" type="inkDrawing" rotatedBoundingBox="4726,10947 19521,11004 19520,11219 4725,11162" shapeName="None">
-            <msink:destinationLink direction="to" ref="{5D86FE92-7F0E-4320-8CE6-EA92BC382FB7}"/>
-          </msink:context>
+        <emma:interpretation id="{0DB181F8-497B-49E8-AD06-745FE7F9A22E}" emma:medium="tactile" emma:mode="ink">
+          <msink:context xmlns:msink="http://schemas.microsoft.com/ink/2010/main" type="inkDrawing" rotatedBoundingBox="21276,5272 22559,4831 22872,5742 21589,6182" hotPoints="22701,5449 22131,6019 21561,5449 22131,4880" semanticType="enclosure" shapeName="Circle"/>
         </emma:interpretation>
       </emma:emma>
     </inkml:annotationXML>
-    <inkml:trace contextRef="#ctx0" brushRef="#br0">206 199 21 0,'9'-4'10'0,"-4"-8"-7"0,-1 4 10 16,-4 0-12-16,0-1 0 15,0 1 5-15,5 0 0 16,-5 0-7-16,9 0 1 16,-5-4 4-16,-4 4 1 15,0 0-1-15,-4-1 1 0,-10 1-3 16,0 8 1-16,-4 0-1 15,-14 0 1-15,5 0-1 16,-1 0 0-16,5 0 0 16,0 8 0-16,5-4 0 15,4 1 1-15,1-1-1 0,4 0 1 32,4-4 0-32,5 0 0 0,5 4 0 15,4 0 0-15,9 0 0 16,9 0 0-16,6 0-1 15,12 0 0-15,1-8-1 16,9-4 0-16,0 0 0 16,9 0 0-16,9-1 1 15,-5 9 1-15,10 0-1 0,0 0 1 16,4-4 0-16,-9 4 0 16,10-8-1-16,-1 4 0 15,0 8-1-15,0-4 0 0,1-4 0 16,-1 4 0-16,0 0 0 15,1 0 0-15,-6 4-1 32,-17-4 1-32,18-4 0 15,-5 4 0-15,0 0-1 16,-5 0 1-16,-4 0-1 16,-4 0 1-16,4 4-1 0,0-4 1 15,4 0-1-15,-8-4 1 16,4 8-1-16,5-8 1 15,4 4-1-15,0 0 1 0,-5 0-1 16,-4 0 1-16,5 0-1 16,0 4 1-16,8 4 0 15,-8-8 0-15,4-8-1 16,9 8 1-16,5 0-1 16,-5 0 1-16,1-4-1 15,4 4 0-15,-5-4 0 0,-4-4 0 16,-5 4 0-16,5 4 1 15,4-8-1-15,0 4 1 16,0-4-1-16,5 4 1 0,0-5-1 16,5 1 1-1,-6 0-1-15,1 8 0 0,0-4 0 32,5 4 1-32,-5 0-1 15,-1 4 0-15,-3-4 0 16,-1 0 0-16,-4-4 0 15,-5 4 0-15,0-4 0 16,5 4 0-16,-1 0 0 0,6 4 0 16,-10 0 0-16,0 4 0 15,5-4 0-15,-1 0 0 0,-3-4 0 16,-1 0 1-16,9 0-1 16,5 0 0-16,0 0 0 15,0 0 0-15,0 4 0 16,4-4 0-16,-4 0 2 15,0 0 0-15,9 0-2 16,9 0 1 0,-9 0-1-16,9-4 0 15,0 4 0-15,0 4 0 16,10-4-2-16,8 0 1 16,-9 5 1-16,10-1 0 0,-5-4 0 15,0 4 0-15,13 0 0 16,-4 4 0-16,-9-4 0 15,0 0 0-15,-9 0 0 16,-1-8 0-16,6 8 0 16,-6-4 1-16,-3 0-1 15,-10 4 0-15,0 0 0 0,-5-4 0 16,-9 0 0-16,1 0 0 16,-6 0-1-16,6 0 1 15,-1 0 0-15,0 0 1 0,-9 4-2 16,5 4 1-16,0-8 0 15,4 0 1-15,-9-8-1 16,5 8 0-16,9 0 0 16,0 0 0-16,-5 8 0 15,0-4 0-15,5 1 0 32,5-5 0-32,-15 0 1 0,-3 0 0 15,3 0-1-15,1 0 0 16,0 4 0-16,-1-4 1 15,-3 4-1-15,3 0 0 0,1-4-1 16,-5 0 1-16,-4 0 0 16,-5-4 0-16,0 0-1 15,4 4 0-15,6 0 1 16,-1 0 0-16,-5 4 0 16,-4 0 0-16,5 0 0 15,9 0 0-15,-10-4 0 0,1 0 0 16,4 0 0-16,5 0 0 15,4 0 0-15,0 0 0 16,-9 4 0 0,5-4 0-16,4 0 0 15,-4-4 0-15,4 0 0 16,5 4 0-16,0 0 0 16,5 0 0-16,-15 4 0 15,1 0 0-15,0 0 0 16,-1-4 0-16,-8 0 0 15,0 0 0-15,-1 0 0 0,1 0 0 16,4 0 0-16,-9 0 0 16,-5 4 1-16,-4 0 0 15,-4 0-1-15,-15 0 0 0,1 4-1 16,-1 0 1-16,-4 1 0 16,5-1 0-16,-1 4-1 15,6-4 1-15,-6 0 0 16,1 0 0-16,8-4 0 15,1 0 0-15,4 0 0 16,1 1 1-16,-6 3-4 16,-8-4 1-16,-14 0-12 0,-14 0 0 15,-18 0-7-15,-5-12 1 32</inkml:trace>
+    <inkml:trace contextRef="#ctx0" brushRef="#br0">124 901 35 0,'-12'5'17'0,"18"-21"-11"0,-6 6 18 15,0-1-24-15,0 1 0 16,0-16 1-16,0-6 1 16,-6 1-1-16,0-6 0 15,0 6 3-15,-6-11 0 0,1-11 1 16,5 1 0-16,0 0 1 16,0 5 0-16,6-6-1 15,6 11 0-15,6-5-2 16,-1 0 0-16,13 5-2 15,5 0 1-15,13 0-2 16,11 6 1-16,-6 9 0 0,6 6 0 0,6 1-1 16,11 4 1-16,7 5 1 15,0 6 0-15,5 0 0 16,-11 5 0-16,5 10-1 16,-5 11 0-16,0 11 0 15,-6-1 1-15,-6 1-1 31,-6 15 0-31,-6-5-1 0,-12 5 1 16,-6 0 0-16,-5 21 1 16,-12-10-1-16,-12 4 0 15,-12-4 0-15,-17 0 0 16,-19-1 0-16,-5-4 1 16,-17-6-1-16,-19 5 0 15,-11-5 0-15,0-10 1 0,6 0-1 16,-6-11 0-16,-1-16 0 15,7-10 0-15,0-15 0 16,6 4 0-16,11-20-1 16,6-6 0-16,18-15-2 15,18-1 0-15,29-15-11 16,24-16 1 0,35-20-10-16,6-17 0 0</inkml:trace>
   </inkml:traceGroup>
 </inkml:ink>
 </file>
@@ -1170,7 +1165,7 @@
           <inkml:channelProperty channel="T" name="resolution" value="1" units="1/dev"/>
         </inkml:channelProperties>
       </inkml:inkSource>
-      <inkml:timestamp xml:id="ts0" timeString="2016-08-21T12:40:01.396"/>
+      <inkml:timestamp xml:id="ts0" timeString="2016-08-22T11:53:53.686"/>
     </inkml:context>
     <inkml:brush xml:id="br0">
       <inkml:brushProperty name="width" value="0.05" units="cm"/>
@@ -1179,8 +1174,16 @@
       <inkml:brushProperty name="fitToCurve" value="1"/>
     </inkml:brush>
   </inkml:definitions>
-  <inkml:trace contextRef="#ctx0" brushRef="#br0">5703 280 41 0,'-42'-53'20'0,"10"-4"-5"0,23 37 21 15,0-5-32-15,0 1 0 0,4 8 3 16,-4 8 0-16,5 8-8 31,4 12 0-31,18 37 6 16,14 20 1-16,23 28-2 0,18 29 0 15,9 29-2-15,10 19 0 16,-1 21-4-16,5-20 0 16,5-16 0-16,-5-42 0 15,-14-23 0-15,-9-25 1 16,-18-16 0-16,-14-21 0 0,-13-19 3 16,-19-34 0-16,-23-19-2 15,-27-25 0-15,-18-33-2 16,-24-32 0-16,-13-37-1 15,-13-15 0-15,-1-10 1 16,9 10 0-16,19 23 2 16,18 45 0-1,14 33 2-15,13 40 0 16,10 29 1-16,8 28 0 0,19 33-1 16,23 28 0-16,23 33-1 15,9 24 1-15,27 17-2 16,10 3 0-16,-1 13 0 15,-4-25 1-15,-5-8-1 16,-18-24 1-16,-14-25 0 0,-13-16 1 16,-19-24-1-16,-18-25 1 15,-18-28-2-15,-9-28 0 16,-24-38-1-16,-17-39 1 16,-24-46-2-16,-13-32 1 15,0-12-1-15,14 28 1 16,22 25 1-1,19 32 1 17,50 110 0-32,18 24 0 15,23 37 0-15,19 36 0 16,22 13 1-16,0 4-1 16,0-5 0-16,-4 5 1 15,-9-17 0-15,-19-12 0 0,-18-12 0 0,-14-16 0 16,-9-16 1-16,-13-25-2 15,-14-20 0-15,-10-37-3 16,-18-24 1-16,-18-33-2 16,5-24 0-16,4-4-2 15,5 20 1-15,13 25-2 16,10 24 0-16,9 24-4 0,4 21 1 16,9 32-8-16,5 20 1 15,-4 9-1-15,22 16 0 16</inkml:trace>
-  <inkml:trace contextRef="#ctx0" brushRef="#br0" timeOffset="1">5529 1560 44 0,'-32'-12'22'0,"64"-21"-17"0,-18 17 43 0,8-17-44 16,24-15 1-16,18-21 4 15,14-21 1-15,27-11-12 31,9-21 1-31,14-29 6 0,10-3 1 16,3 3-3-16,1 9 1 16,-23 20-3-16,-19 21 0 15,-17 24-1-15,-24 20 1 16,-18 32-1-16,-27 29 0 16,-37 25-1-16,-32 36 0 15,-36 40-1-15,-23 38 1 0,-33 27-1 16,-8 17 1-16,-14 12 1 15,18-24 1-15,23-12 1 16,13-37 1-16,19-25 1 16,23-32 0-16,14-16 1 15,36-28 0-15,28-46-2 16,27-44 0-16,41-40-1 0,18-38 0 0,33-39-2 16,4-5 1-16,13-4-2 15,-3 28 1-15,-24 21-1 16,-27 36 1-16,-23 29-2 15,-28 36 1-15,-31 33 0 16,-42 32 0-16,-22 54 0 31,-33 36 0-31,-4 20 2 0,-4-4 0 16,8 0 1-16,6-4 1 16,8-17-1-16,14-15 1 15,18-25-1-15,19-12 1 16,22-41-3-16,28-28 0 15,18-37-3-15,14-32 1 16,18-25-6-16,-4-20 0 0,-5-12-8 16,4 0 0-16,10 24-9 15,-9 13 0-15</inkml:trace>
+  <inkml:traceGroup>
+    <inkml:annotationXML>
+      <emma:emma xmlns:emma="http://www.w3.org/2003/04/emma" version="1.0">
+        <emma:interpretation id="{358D4052-E176-4F1D-A1C2-940D33FFA533}" emma:medium="tactile" emma:mode="ink">
+          <msink:context xmlns:msink="http://schemas.microsoft.com/ink/2010/main" type="inkDrawing" rotatedBoundingBox="21025,15829 23049,14954 23610,16252 21586,17127" hotPoints="23141,15991 22241,16891 21341,15991 22241,15091" semanticType="enclosure" shapeName="Circle"/>
+        </emma:interpretation>
+      </emma:emma>
+    </inkml:annotationXML>
+    <inkml:trace contextRef="#ctx0" brushRef="#br0">2068 208 42 0,'-12'-5'21'0,"18"-11"-18"0,-6 6 21 0,0 10-25 32,0-21 1-32,-6 10 0 15,0-10 1-15,-11 5 1 16,-13-5 0-16,-5 1 1 15,-12 4 1-15,-1 0 0 16,-5 6 1-16,-11-1 0 16,-19 1 0-16,7 4-2 15,-7 6 1-15,-5 11-2 0,-12-1 0 0,-7 11-1 16,7 0 0-16,6 5 0 16,-6 6 0-16,-12-1-1 15,6 6 1-15,12-6 0 16,-1 6 1-16,7 5-1 15,5 0 1-15,7 10-1 16,11-10 1-16,6 5-2 0,12 16 1 16,0 5-1-16,17 6 0 15,13 4-1-15,11 1 1 16,12-1 0-16,11-5 0 16,13-4 0-16,17 4 0 15,6-5 0-15,6-10 1 0,18-6 0 31,11-10 0-31,-6-5 0 16,7-11 0-16,11-5 0 16,12-11 0-16,0 1-1 15,0-6 0-15,-6-16 0 16,-6 6 1-16,0-11-1 16,-11-5 1-16,-1-10-1 15,-6 0 1-15,-5-17 0 0,0-9 0 0,-1-11 0 16,-17-11 0-16,-6 1 0 15,-18-6 0-15,-5 11 0 16,-18 4 0-16,-12-4 0 16,-18 5 0-16,-6 0-1 15,-11 0 0-15,-6 10 0 32,0 1 0-32,-12-6-3 0,-12 0 1 15,0 11-6-15,-6 10 0 16,-11 10-11-16,-18 32 1 15,-6 32-2-15,-36 4 0 16</inkml:trace>
+  </inkml:traceGroup>
 </inkml:ink>
 </file>
 
@@ -1245,7 +1248,7 @@
           <inkml:channelProperty channel="T" name="resolution" value="1" units="1/dev"/>
         </inkml:channelProperties>
       </inkml:inkSource>
-      <inkml:timestamp xml:id="ts0" timeString="2016-08-21T12:40:01.398"/>
+      <inkml:timestamp xml:id="ts0" timeString="2016-08-21T12:50:09.548"/>
     </inkml:context>
     <inkml:brush xml:id="br0">
       <inkml:brushProperty name="width" value="0.05" units="cm"/>
@@ -1254,13 +1257,18 @@
       <inkml:brushProperty name="fitToCurve" value="1"/>
     </inkml:brush>
   </inkml:definitions>
-  <inkml:trace contextRef="#ctx0" brushRef="#br0">426 1155 30 0,'-9'20'15'0,"18"-3"-1"16,-5-13 15-16,1 4-23 15,0-4 0-15,-1 0 3 0,-4 0 1 16,-4 0-12-16,-1-4 0 16,-4-4 9-16,-5-12 0 15,0-9-3-15,-4-11 0 16,4-17-2-16,1-24 1 0,-1-13-2 16,5-28 1-16,4 17-2 15,5 3 1-15,9 9 0 16,5 8 0-16,14 16-1 15,8 8 1-15,1 8 0 16,-1 21 0-16,5 11-1 0,14 5 0 16,9 8-1-16,5 4 1 15,-5 4-5-15,0 4 1 32,-5 0-7-32,-8 0 0 0,-10 5-8 15,-9-1 1-15</inkml:trace>
-  <inkml:trace contextRef="#ctx0" brushRef="#br0" timeOffset="1">211 712 51 0,'5'-8'25'0,"36"-21"-21"0,-23 21 42 0,14-4-43 15,14-4 0-15,9-4 2 32,-1 3 0-32,6 5-8 15,4 8 1-15,4 4-3 16,6 4 0-16,8 12-12 0,5 1 0 16</inkml:trace>
-  <inkml:trace contextRef="#ctx0" brushRef="#br0" timeOffset="2">1157 984 22 0,'5'0'11'0,"-10"-8"4"0,1 8 6 16,4 0-15-16,-5 0 1 16,1-4 5-16,-1 0 0 15,1-4-14-15,-1 0 1 32,0-4 10-32,1-1 1 0,4 1-3 15,4 0 0-15,1-8-3 16,4-1 0-16,5 1-1 15,4 0 0-15,5-1-2 16,-5 9 1-16,5 0-2 16,5 4 1-16,-1 8-1 15,0 8 1-15,5 8-1 0,-4 1 1 16,-1-1 0-16,1 4 0 16,-5 9 0-16,-5 7 0 15,-9 1-1-15,-4-9 1 16,-5 13-1-16,-10 0 1 0,-3 3-1 15,-10-7 1-15,0 3-1 16,-4-3 1-16,-1-13-1 16,1-11 1-16,-5-1-1 15,0-20 0-15,-5-9 0 16,10 1 0-16,-1-12-1 0,10 11 1 16,4-3-1-16,10 0 1 15,4-5-1-15,4 5 1 31,10 0 0-31,4-1 0 0,1 5 0 16,-1 0 0-16,9 0 1 16,5 3 0-16,9 5 0 15,5 12 1-15,0 9-1 16,0 7 0-16,-5-4-3 16,-5 0 1-16,1-3-16 15,-10-1 1-15,14-8-5 0,-4-20 0 16</inkml:trace>
-  <inkml:trace contextRef="#ctx0" brushRef="#br0" timeOffset="3">1862-24 28 0,'9'-8'14'0,"0"12"0"16,-9 9 12-16,0 19-24 15,-5 13 1-15,-4 24 4 0,5 20 0 16,-6 13-6-16,1 16 0 16,0 16 5-16,0-12 1 15,0 8-2-15,0-16 1 16,4-17-7-16,-4-16 1 16,0-16-14-16,9-16 0 15,0-20-3 1,0-25 1-16</inkml:trace>
-  <inkml:trace contextRef="#ctx0" brushRef="#br0" timeOffset="4">2456 716 44 0,'27'-28'22'0,"-50"24"-22"0,14 0 41 16,-4 4-40-16,-10 4 0 16,-9 4 1-16,-9 8 1 15,-10 8-4-15,6 5 1 16,3-5 2-16,6 5 0 15,8 3-1-15,6 1 1 16,12 3-1 0,10-7 1-16,14-5-1 15,18 0 1-15,14-7 0 16,4-1 1-16,5 0-1 16,9 1 1-16,-14-5 0 15,1 8 0-15,-15 4-1 16,-8 5 1-1,-51 16 0-15,-14-1 0 16,-18-3-1-16,-13-5 0 16,-28-19-6-1,27-13 1-15,14-8-6 16,28-8 0-16,13-5-10 16,23-7 0-16,14-9-1 15,9-3 0-15</inkml:trace>
-  <inkml:trace contextRef="#ctx0" brushRef="#br0" timeOffset="5">2703 1005 44 0,'-5'-4'22'0,"5"16"-19"15,0-8 44-15,0 4-43 16,5 0 1-16,4 0 4 16,9-4 1-16,10-8-12 15,8-8 1-15,5-8 6 0,5-13 1 0,-5 5-3 16,-4-1 0-16,-14-11-3 16,-5 7 0-16,-13 1-1 15,-15 7 0-15,-12 5 0 16,-6 12 1-16,-9 12-1 15,1 12 1-15,-1 9 0 32,-4 19 1-32,0 13 1 0,0 8 0 15,9 4 1-15,18-8 0 16,10 0 1-16,13-4 1 16,9-16-1-16,14-5 1 15,14-15-8-15,9-13 1 16,4-16-17-16,-4-21 0 15,23-16-5-15,-5-24 0 0</inkml:trace>
-  <inkml:trace contextRef="#ctx0" brushRef="#br0" timeOffset="6">-5125 1826 34 0,'-4'12'17'0,"22"-37"-51"0,-4 13 19 0</inkml:trace>
+  <inkml:traceGroup>
+    <inkml:annotationXML>
+      <emma:emma xmlns:emma="http://www.w3.org/2003/04/emma" version="1.0">
+        <emma:interpretation id="{E6F5DA82-573B-4A9C-AD44-470EB7FA0A09}" emma:medium="tactile" emma:mode="ink">
+          <msink:context xmlns:msink="http://schemas.microsoft.com/ink/2010/main" type="inkDrawing" rotatedBoundingBox="6737,9648 12877,9345 13007,11976 6866,12278" hotPoints="13215,10865 10181,12188 7174,10803 10208,9480" semanticType="enclosure" shapeName="Ellipse">
+            <msink:destinationLink direction="from" ref="{2095B460-6416-4932-A84C-951DCD82C4C6}"/>
+          </msink:context>
+        </emma:interpretation>
+      </emma:emma>
+    </inkml:annotationXML>
+    <inkml:trace contextRef="#ctx0" brushRef="#br0">4343 367 46 0,'-21'-37'23'0,"5"4"-29"0,11 19 42 16,-11-5-37-16,-5-9 1 15,-6-1-1-15,-15 1 0 16,-6 0 1-16,-5 0 0 15,-15 4 1-15,-22 10 1 0,-16 0 0 16,-32 9 1-16,-5 0 0 16,-21 10 0-16,-5-5 0 15,-6 10 1-15,6 4-2 16,0 0 1-16,5 5-2 16,5 9 0-16,-5 9 0 15,-5 6 1 1,4 9-2-16,-4 4 0 15,5 10 0-15,0 4 0 0,11-8 2 16,10 3 1-16,21 6-1 16,11-5 1-16,5 4-1 15,11 10 1-15,21 0-2 16,5 0 1-16,5 10-2 16,12-1 0-16,9 5 0 15,6 14 1-15,5-18 0 0,17-1 1 16,9 5 0-16,12-9 1 15,20 9-1-15,11-5 0 16,16-4-1-16,5 4 0 16,22-4-1-16,9 4 1 15,17-23-1-15,16-5 1 0,5-9 0 16,11-5 0-16,20-5 0 16,12-9 0-16,15-4 0 15,0-15 1-15,21-5-1 16,6-9 0-16,-11-5 0 15,11-4 0-15,5 4-1 32,0-4 1-32,-11-5-1 0,22-5 1 15,-11-14 0-15,0 9 0 0,-6-8-1 16,1-6 1-16,-22 0-1 16,1 1 1-16,-11-6-1 15,-16-4 1-15,-11-4-1 16,1-1 1-16,-17-5 0 15,-15-4 0-15,0 0-1 16,-22-5 0-16,-10-4 0 0,-21-6 0 16,-16-4-1-16,-11-9 1 15,-15-10-1-15,-22-9 0 16,-15-5 0-16,-22-4 0 16,-21-1-1-16,-26 0 1 15,-17 1 0 1,-20 9 0-16,-16 14 0 15,-17 4 0-15,-9 6 0 16,-12 4 1-16,-4 9-1 16,-12 5 1-16,-9 5-1 15,-12 0 1-15,-10 9-1 16,-21 14 1-16,0 10-1 16,-11 0 1-16,1 23 0 0,4 24 0 15,6 5 0-15,0 4 0 0,0 14 0 16,10 5 0-16,1 10 0 15,-1-1 1-15,6 1-1 16,0 4 0-16,5 9 0 16,10-4 1-16,17 0-1 15,21 5 0-15,42 4-1 16,26 19 0-16,27 23-4 16,32 25 1-16,36 18-7 0,33 32 0 15,15 34-10-15,27 28 1 16,5-37 0-16,0-25 1 15</inkml:trace>
+  </inkml:traceGroup>
 </inkml:ink>
 </file>
 
@@ -1282,7 +1290,7 @@
           <inkml:channelProperty channel="T" name="resolution" value="1" units="1/dev"/>
         </inkml:channelProperties>
       </inkml:inkSource>
-      <inkml:timestamp xml:id="ts0" timeString="2016-08-21T12:40:01.411"/>
+      <inkml:timestamp xml:id="ts0" timeString="2016-08-21T12:50:11.580"/>
     </inkml:context>
     <inkml:brush xml:id="br0">
       <inkml:brushProperty name="width" value="0.05" units="cm"/>
@@ -1291,7 +1299,19 @@
       <inkml:brushProperty name="fitToCurve" value="1"/>
     </inkml:brush>
   </inkml:definitions>
-  <inkml:trace contextRef="#ctx0" brushRef="#br0">81 476 22 0,'-13'0'11'0,"3"-25"-9"0,1 17 10 15,0 4-10-15,0-4 1 16,0 0 3-16,0 4 1 16,4 4-7-16,1 4 0 0,-1 0 6 15,5-4 0-15,0 4 1 32,0-4 0-32,14 0-1 15,-1 4 1-15,6 0-2 16,4-4 1-16,9 0-2 15,9 0 1-15,14 0-2 16,4 4 1-16,5 0-1 16,14 0 1-16,-1-4-1 15,-3 0 1-15,8-4-1 0,14 4 1 0,0-4-1 16,0 0 0-16,5 4-2 16,4 0 1-16,-14 0-1 15,1-4 0-15,-1 8 0 16,5-8 0-16,-5 0-1 15,1 0 1-15,4 4 0 16,-9-4 0-16,0 4-1 0,-1 0 1 16,6-4 0-16,-1 4 0 15,-4-4-1-15,-4-1 1 16,-1-3 0-16,5 4 0 16,-10-4-1-16,-3 0 1 0,-6 4-1 15,5 0 1-15,-4 0-1 31,4 4 1-31,-9 0 0 16,-5 0 0-16,-8 0 0 16,-1 4 0-16,-4-4 0 15,0 4 1-15,-1-4-1 16,1 4 1-16,0 4-1 0,-10-4 0 16,1 0 0-16,-1 0 1 15,1 4-2-15,0-3 1 0,4-1-1 16,-5 4 0-16,1 4 0 15,-1-4 0-15,6 0 0 16,-1 0 0-16,0 5 0 16,-5-5 1-16,1 4-1 15,0-12 0-15,-1-4 0 32,5 0 0-32,-4 4 0 0,-5-4 1 15,-5 4-2-15,1-4 1 16,-5 8 0-16,-5-4 0 15,-4 0 0-15,-1 4 0 16,6 0 0-16,-10-4 0 0,0 4 0 16,-5-4 1-16,1 0-1 15,-5 0 0-15,5 0 0 16,-1-8 1-16,-4 8-1 16,-4-12 0-16,-10-1-1 15,-9 1 1-15,-14-8-1 16,5-5 1-16,-4-3-1 15,-10-9 1-15,-9 5 0 0,-4-5 0 16,-10-3-1-16,10-5 0 0,4 4 0 16,5 9 0-16,-1-1-1 15,6 13 1-15,8 0-1 16,1 3 1-16,8 5-1 16,5 4 1-16,10 4 0 15,8 4 0-15,10 0 0 31,8 12 0-31,10 0 0 0,9 9 0 16,23 3 1-16,9-4 0 16,5 5 0-16,-1 7 0 15,10 1 0-15,0 3 1 16,-10-3-1-16,1-1 0 16,-1-3 0-16,5-5 1 0,-4 1-1 15,-5-1 1-15,-9 0-1 16,-9-3 0-16,-14-1 0 15,-9 0 1-15,-10 1 0 16,-13-1 0-16,-13-4 0 16,-15 1 1-16,-4 3-2 15,-9 0 1-15,-9 5-1 0,-10 3 0 32,-4 0-2-32,-4 1 1 0,4-1-7 15,4-3 0-15,14-9-10 16,14-12 0-16,19-8-5 15,40-24 1-15</inkml:trace>
+  <inkml:traceGroup>
+    <inkml:annotationXML>
+      <emma:emma xmlns:emma="http://www.w3.org/2003/04/emma" version="1.0">
+        <emma:interpretation id="{2095B460-6416-4932-A84C-951DCD82C4C6}" emma:medium="tactile" emma:mode="ink">
+          <msink:context xmlns:msink="http://schemas.microsoft.com/ink/2010/main" type="inkDrawing" rotatedBoundingBox="9524,7238 21263,3855 21926,6158 10187,9540" semanticType="callout" shapeName="Other">
+            <msink:sourceLink direction="from" ref="{E6F5DA82-573B-4A9C-AD44-470EB7FA0A09}"/>
+            <msink:sourceLink direction="to" ref="{E0DBBF5A-C035-4260-BB33-E09E10CCD0BD}"/>
+          </msink:context>
+        </emma:interpretation>
+      </emma:emma>
+    </inkml:annotationXML>
+    <inkml:trace contextRef="#ctx0" brushRef="#br0">43 4596 37 0,'-32'14'18'0,"21"-28"-17"0,11 9 19 0,0-4-20 16,0-10 1-16,0 5 0 15,0-5 0-15,0-4-1 16,6-6 1-16,-1-4 1 15,-5-4 1-15,5-15 1 16,6 0 0-16,-1-4 0 0,6-10 0 16,5-9 0-16,11 9 0 15,0-5-1-15,10-4 0 16,1-5-2-16,4-9 1 31,6-19-2-31,-5 4 0 0,10-4 0 16,5 9 1-16,12-4 0 15,4 4 0-15,11 0 0 16,5 5 1-16,11-9 0 0,-11 8 0 16,6 1-1-16,15-4 1 15,6 13-1-15,10 0 0 16,11-13-1-16,-5 8 0 0,-1-4 0 16,11 0 1-16,-10 9 0 15,15-4 1-15,-15 4-1 16,10 5 1-16,11 0-1 15,0 0 1-15,10-4-1 16,0 4 1-16,11 0-2 31,5 0 0-31,-5 5 0 0,0 4 1 16,-10 0 0-16,10 6 0 16,-6 3-1-16,17 6 1 15,-11 4 0-15,15 10 0 0,6 0-1 16,11-1 0-16,-16-4-1 15,5 10 1-15,-5 8 0 16,-6 6 0-16,-5-1 0 16,1 1 0-16,4 4 0 15,-15 5 0-15,5-5 0 16,0 5 0-16,0 0 0 16,5 0 0-16,-11 14 0 0,1 0 0 15,-11 0-1-15,0 0 1 16,-5 0-1-1,-6 4 1-15,1 1 0 16,-6 0 0-16,-5 0 0 16,-6 9 0-16,1 0 0 15,-11 9 1-15,-11-4-1 16,-10 5 0-16,5-1 0 16,-15-4 0-16,-17-10-1 15,-5 6 1-15,-10-11 0 0,-6 1 0 16,0 0 0-16,-5-1 0 15,-5 1 0-15,-1 0 0 16,-5-1-1-16,-4 1 1 16,-1 0-2-16,-11 0 1 0,-5-5-1 15,-5 4 1-15,-5-4 0 16,-11 0 0-16,0 0 1 16,0 0 0-16,5-4 0 15,6-6 0-15,-1 10 0 16,1 0 0-16,-1 0 0 15,1 0 0-15,5 0-1 0,0 0 0 16,-6 0 0-16,6 0 1 31,0 5 0-31,0-5 0 0,0 0 0 16,0 0 0-16,-6 0 0 16,1 0 0-16,-6 0 0 15,6 0 0-15,-6 5 1 16,-5-5 0-16,0 0 0 15,0 0 0-15,0-10 0 16,-5 1 0-16,-6-10-1 0,-5-9 1 16,-5-10-1-16,-11 0 0 15,-15 1 0-15,-1-1 0 16,0 1 0-16,1-1 0 16,-6 5-1-16,10-5 1 0,6 5-1 15,0-4 0-15,6 13 0 31,-1 1 0-31,5-1 0 16,6 15 0-16,5-1 0 16,11 20 1-16,10 9 0 15,11 9 0-15,5 5-1 16,16 9 1-16,22-4 0 16,15 4 0-16,10 15-1 0,6-6 1 15,11-4-1-15,-6 5 1 0,11 5 0 16,5-6 0-16,-5 6 0 15,-11-15 1-15,-10-4-1 16,-16-10 0-16,-16 0 0 16,-22-9 1-16,-20-10-1 15,-27-4 0-15,-32 0 1 16,-15-5 1-16,-6 0-1 0,-21 0 1 16,0 0-2-16,-10 4 0 15,-22 1-2-15,0 9 0 16,1 10-5-16,4 4 0 15,6 10-8-15,10 4 0 0,12 5-2 16,46-9 0-16</inkml:trace>
+  </inkml:traceGroup>
 </inkml:ink>
 </file>
 
@@ -1313,16 +1333,27 @@
           <inkml:channelProperty channel="T" name="resolution" value="1" units="1/dev"/>
         </inkml:channelProperties>
       </inkml:inkSource>
-      <inkml:timestamp xml:id="ts0" timeString="2016-08-21T12:40:58.648"/>
+      <inkml:timestamp xml:id="ts0" timeString="2016-08-21T12:50:12.375"/>
     </inkml:context>
     <inkml:brush xml:id="br0">
       <inkml:brushProperty name="width" value="0.05" units="cm"/>
       <inkml:brushProperty name="height" value="0.05" units="cm"/>
-      <inkml:brushProperty name="color" value="#177D36"/>
+      <inkml:brushProperty name="color" value="#ED1C24"/>
       <inkml:brushProperty name="fitToCurve" value="1"/>
     </inkml:brush>
   </inkml:definitions>
-  <inkml:trace contextRef="#ctx0" brushRef="#br0">5318 5583 17 0,'-23'-36'8'0,"23"-58"14"16,5 74 8-16,-5-4-23 15,4-1 0 1,-4 1 5-16,5 3 0 0,0 5-15 15,-5 4 1-15,0 12 11 16,4 8 0-16,5 12-4 16,0 17 0-16,10 24-3 15,4 12 1-15,-1 21-3 16,6 3 1-16,-1-3-3 16,-8-17 1-16,-1-12 1 0,-9-4 0 15,0-21 1-15,-4-19 1 16,-10-29 0-16,-4-21 0 15,-5-28 0-15,-4-28 1 16,-14-17-3-16,5-11 1 16,-1 7-2-16,5 12 1 15,5 13-1 1,4 20 1-16,5 21-1 16,0 27 0-16,4 38 1 15,1 28 0-15,8 24-1 16,6 28 1-16,3 17-1 15,6-8 1-15,3-8 0 16,-3-17 1-16,-6-20 1 16,-8-28 0-16,-10-25 0 0,-4-20 1 0,-4-28-1 15,-6-25 0-15,1-29-1 16,4-19 1-16,1-13-3 16,8 12 1-16,5 13-1 15,5 32 0-15,-1 16 0 16,5 37 1-16,0 32 0 15,-4 25 0-15,0 20-1 0,4 21 1 16,4 3 0-16,-3 1 1 16,3-9-1-16,1-4 0 15,-5-16 0-15,0-4 0 16,-4-12 1-16,-1-13 0 16,-4-3-1-16,0-5 1 15,0-11-1 1,0-9 1-16,0 0-1 15,0-8 1-15,0 0-1 16,-4 0 1-16,-1 0-1 16,-4 0 1-16,0 4-1 15,4 4 1-15,1-4-1 16,-1 4 1-16,1-4 0 0,4 9 0 16,0-9-1-16,4-8 1 0,5-17 0 15,5-7 1-15,9-13 0 16,0-24 0-16,13-32-1 15,15-50 0-15,40-15-1 16,19-17 1-16,18-16-2 16,18 0 1-16,14 12-2 15,14 16 1 1,-23 21 0-16,-19 12 1 16,-8 20-1-16,-14 12 0 15,-14 29 0-15,-23 16 0 16,-18 13 0-16,-23 7 0 15,-23 29-1-15,-18 16 1 16,-14 21 0-16,-14 19 0 16,-31 13 0-16,-19 25 1 0,-32 23 0 15,-5 13 0-15,-13 8-1 16,-4 4 1-16,3 5 0 16,1-1 0-16,18 0-1 15,14-8 1-15,28-8-1 16,8 0 0-16,10-12-2 15,4-13 1-15,4-7 0 0,15-17 0 0,8-20 0 16,5-17 0-16,5-16 0 16,9-15 1-16,4-22 1 15,19-19 0-15,0-13 0 16,9-16 0-16,13-25 0 16,24-11 1-16,13-17 0 31,14-12 1-31,13 0-1 0,-4-16 0 15,5-1 0-15,0 13 0 16,-1 24-1-16,-13 17 0 16,-9 16-1-16,-14 12 1 15,-5 12 0-15,-13 20 0 16,-10 5 0-16,-8 16 0 0,-14 8-1 16,-14 8 1-16,-19 16-1 15,-17 21 1-15,-24 24 0 16,-4 24 0-16,-32 29-1 15,-9 12 0-15,-23 20 1 16,-4 17 0-16,17-8 0 0,10-5 0 16,14-24 0-16,13-12 0 31,23-33-4-31,14-8 0 0,32-32-13 16,22-33 0-16</inkml:trace>
+  <inkml:traceGroup>
+    <inkml:annotationXML>
+      <emma:emma xmlns:emma="http://www.w3.org/2003/04/emma" version="1.0">
+        <emma:interpretation id="{E0DBBF5A-C035-4260-BB33-E09E10CCD0BD}" emma:medium="tactile" emma:mode="ink">
+          <msink:context xmlns:msink="http://schemas.microsoft.com/ink/2010/main" type="inkDrawing" rotatedBoundingBox="21590,4987 23459,4856 23546,6101 21677,6232" hotPoints="23535,5530 22597,6143 21667,5518 22605,4906" semanticType="enclosure" shapeName="Ellipse">
+            <msink:destinationLink direction="to" ref="{2095B460-6416-4932-A84C-951DCD82C4C6}"/>
+          </msink:context>
+        </emma:interpretation>
+      </emma:emma>
+    </inkml:annotationXML>
+    <inkml:trace contextRef="#ctx0" brushRef="#br0">418 934 37 0,'-21'-23'18'0,"0"-43"-22"0,21 47 32 0,-5-4-28 15,-6-10 0-15,0-14 2 16,6 0 0-16,0-14-1 16,5-15 0-16,10 6 3 15,1-10 0-15,15 0 0 0,17 5 0 16,10 9 0-16,21 9 0 15,21 5-2-15,16 20 1 16,6 13-3-16,4 9 1 16,1 20-2-16,10 18 1 15,1 14 0-15,-12 15 0 0,-20 18 0 16,-11 5 1-16,-11 14-1 16,-21 10 1-16,-21 8-1 15,-26-3 1-15,-22-6-1 16,-31 1 0-1,-37-6 0-15,-22-18 0 0,-26-14 1 16,-42-24 0 0,-11-9 0-16,-16-18 1 15,16-30 0-15,6-22 0 0,15-15-1 16,11-28 0-16,31-14 0 16,22 0 1-16,32 5-2 15,25-6 1-15,33 1-1 16,37-9 0-16,26 9-1 15,43 0 1-15,15 9-1 16,27 10 0-16,5 14 0 0,21 23 0 16,-10 15-3-16,-11 27 1 15,-10 34-12-15,-16 42 1 16,-38 0-2-16,-25-24 1 16</inkml:trace>
+  </inkml:traceGroup>
 </inkml:ink>
 </file>
 
@@ -1344,7 +1375,7 @@
           <inkml:channelProperty channel="T" name="resolution" value="1" units="1/dev"/>
         </inkml:channelProperties>
       </inkml:inkSource>
-      <inkml:timestamp xml:id="ts0" timeString="2016-08-21T12:40:58.649"/>
+      <inkml:timestamp xml:id="ts0" timeString="2016-08-21T12:37:00.857"/>
     </inkml:context>
     <inkml:brush xml:id="br0">
       <inkml:brushProperty name="width" value="0.05" units="cm"/>
@@ -1353,13 +1384,16 @@
       <inkml:brushProperty name="fitToCurve" value="1"/>
     </inkml:brush>
   </inkml:definitions>
-  <inkml:trace contextRef="#ctx0" brushRef="#br0">-4041 5733 23 0,'-23'-4'11'0,"5"-8"2"0,13 12 12 16,1 0-20-16,4 0 1 15,0 0 6-15,0 0 0 16,4 0-13-16,10-5 1 15,4 1 10-15,23 0 1 0,10 0-2 16,13-4 1-16,18-4-3 16,28-4 0-16,18-1-1 15,14 1 1-15,18 4-3 16,4 4 1-16,1 0-2 16,-5 0 1-16,-9-1-1 15,0-3 1 1,-10 4-2-16,-13 4 0 0,-4 8 0 15,-24 0 1-15,-8 0-1 16,-19 0 0-16,-5 4 0 16,1 1 0-16,4-5-1 15,5-4 0-15,-5 0 0 16,-4 0 0-16,-10 4-1 16,-9-4 1-16,-4 8-1 0,0 0 0 15,0 0 0-15,-1-4 0 16,-4 0 0-16,1-4 1 15,-1-4-1-15,-5 8 0 16,-4 0 0-16,0-4 0 16,-4 4 0-16,-5-4 0 15,-1 4 0-15,-3 1 0 0,-1-1-1 16,5 0 1-16,0 0 0 16,0 0 1-16,-1 0-1 15,-3-4 0-15,-1 0-1 16,-4 0 1-16,-5 0-1 15,0 0 1-15,-9 0-1 16,0 0 0 0,5-8-1-16,-5 8 0 0,0-8 0 15,0-5 0-15,0 1-1 16,0-4 0-16,-5-8 0 16,-4-5 0-16,-5 1-1 15,-9-13 1-15,-4-8-1 16,-10 0 1-16,5 5 1 15,-4 7 0-15,-1 1 0 0,1-1 1 16,4 5 1-16,0 7 1 16,9 5-1-16,4 4 1 15,6-5-1-15,8 21 1 16,14 0 0-16,14 17 0 16,0-1 0-16,18 8 0 15,14 9 1 1,18 7 0-16,5-3-1 15,0-1 1-15,8 1-1 16,-3-9 1-16,-10 5-2 16,-4-1 0-16,-1 1 0 15,-13 4 0-15,-14-9 0 16,-9 0 0-16,-14-3 0 0,-18-5 0 16,-18 1 0-16,-28 7 1 0,-18 0 0 15,-22 5 0-15,-10 3 0 16,-1-3 1-16,11 4-3 15,3-5 1-15,10-8-9 16,14-3 1-16,18-5-14 16,22-4 1-16,15 0-4 15,22-20 0-15</inkml:trace>
-  <inkml:trace contextRef="#ctx0" brushRef="#br0" timeOffset="0.5017">362 5156 40 0,'0'4'20'0,"18"28"-9"0,0-28 33 0,5 9-39 15,5-1 1-15,8 4 5 16,19-4 0-16,23 0-13 16,13 1 0-16,28-5 9 15,-4-8 0-15,8-4-4 16,-4 4 1-16,-14 4-3 16,-18 4 0-16,-19 4-6 0,-13 0 1 15,-14 4-10-15,-13-3 1 16,-10-1-8-16,-13-4 0 31</inkml:trace>
-  <inkml:trace contextRef="#ctx0" brushRef="#br0" timeOffset="1.5015">906 4721 29 0,'-9'-25'14'0,"4"13"0"0,5 12 14 15,-4 0-25-15,-1 4 0 16,5 13 4-16,0 19 1 0,-4 17-8 15,-1 16 1-15,0 8 7 16,-4 29 0-16,0 20-2 0,0-4 1 16,0-4-3-16,4-13 1 15,1-15-5-15,-1-29 1 16,1-12-8-16,-6-17 0 16,1-24-5-1,5-16 0-15,-1-8-7 16,1-9 0-16</inkml:trace>
-  <inkml:trace contextRef="#ctx0" brushRef="#br0" timeOffset="2.5017">1624 5920 24 0,'0'0'12'0,"4"-4"9"16,-4 4 7-16,5-13-23 16,-1 5 1-16,-4-4 3 15,-4-4 0-15,-5-4-11 0,0-9 0 16,-1 1 8-16,-3-1 0 0,-1-3-3 15,5-5 1-15,0 1-2 16,4 3 0-16,1 1 0 16,4 3 0-16,4 5 0 15,10-1 0-15,4 5 1 16,10 8 1-16,-1 0-2 0,10 12 1 16,13-9-1-16,0 9 1 15,-4 5-2-15,-9-1 0 16,-1 4-1-16,1 4 1 15,-5 0-5-15,0-4 1 16,0 0-7-16,-5-8 1 31,1 0-11-31,-6-8 0 0</inkml:trace>
-  <inkml:trace contextRef="#ctx0" brushRef="#br0" timeOffset="3.5017">2250 5436 20 0,'0'8'10'0,"0"4"12"16,0-8-2-16,-4 9-17 16,-1 3 1-16,-4 8 4 15,0 9 0-15,0-1-9 31,-1 9 1-31,6 4 6 0,4-1 1 16,4-3-1-16,6-8 0 16,8-5-1-16,5-4 0 15,4-3-1-15,1-13 0 16,4 0-2-16,-5-16 1 16,5-12-1-16,0-5 0 15,5-11-2 1,-10 3 1-16,-9 5-1 15,-4 3 1-15,0-3-2 16,-10-1 0-16,5 1-1 16,1-9 1-16,-1 1 0 15,0-1 1-15,-9 9 0 16,0 3 0 0,0 5 1-16,0 4 0 0,-5 4-1 15,1-1 1-15,-1 5-3 16,1 4 1-16,-1 4-6 15,0 4 0-15,5 4-11 16,5 5 0-16</inkml:trace>
-  <inkml:trace contextRef="#ctx0" brushRef="#br0" timeOffset="4.5017">2790 5558 25 0,'-5'-4'12'0,"5"12"2"0,0-8 4 15,0 0-14-15,5 4 1 0,4 4 3 16,4-4 1-16,1 4-10 16,9-3 1-16,4-1 6 15,5 0 1-15,0-8-3 32,5-5 1-32,4-7-3 0,-9-4 1 15,-4-9-2-15,-5 9 0 16,-5-4-1-16,-4-1 1 15,-5 1-1-15,-5-4 1 16,-8-1-1-16,-1 1 0 16,-9 3 0-16,-4 5 0 15,-5 8 0-15,-9 8 1 0,-4 12-1 16,-10 8 0-16,0 8 0 16,5 5 1-16,4 7-1 15,10 5 0-15,4 0 1 16,9-5 0-16,5 5 2 15,9-9 0-15,5 1 1 16,4 4 1 0,5-1 0-16,4 5 0 15,5-5-1-15,4-7 1 0,5-5-2 16,5-8 1-16,9-3-1 16,4-1 0-16,5-8-2 15,4-4 0-15,1-12-3 16,-10 0 1-16,0-1-8 15,-9-3 1-15,-4 0-14 0,-5 0 1 16,0 3-1-16,-9 1 0 16</inkml:trace>
-  <inkml:trace contextRef="#ctx0" brushRef="#br0" timeOffset="5.5017">-607 5623 16 0,'32'-37'8'0,"36"-52"-27"0,-31 57 17 16</inkml:trace>
+  <inkml:traceGroup>
+    <inkml:annotationXML>
+      <emma:emma xmlns:emma="http://www.w3.org/2003/04/emma" version="1.0">
+        <emma:interpretation id="{D40AE99F-9509-451D-AB86-C998B89273E2}" emma:medium="tactile" emma:mode="ink">
+          <msink:context xmlns:msink="http://schemas.microsoft.com/ink/2010/main" type="inkDrawing" rotatedBoundingBox="6455,5593 14243,5982 14171,7403 6384,7014" hotPoints="14479,6674 10180,7207 5926,6381 10226,5849" semanticType="enclosure" shapeName="Ellipse"/>
+        </emma:interpretation>
+      </emma:emma>
+    </inkml:annotationXML>
+    <inkml:trace contextRef="#ctx0" brushRef="#br0">2419 81 30 0,'54'-4'15'0,"6"4"-11"0,-46 4 15 0,4-4-18 15,0 0 0-15,0-8 2 16,-4 4 1-16,-5 0-3 15,-4-8 1-15,-14 4 3 16,-14-4 0 15,-82-1 2-15,-23 5 1-16,0 4-1 16,-9 0 0-16,4 4-2 0,-9 4 1 15,-18 4-1-15,-4 13 1 16,4 7-2-16,-5 9 0 15,0 3 0-15,10-3 0 16,9 8 0-16,13 3 1 0,19 1-1 16,13 0 1-16,14 0-2 15,14 8 1-15,14-5 0 16,8 1 0-16,15 4-1 16,4 4 0-16,14 4-1 15,13-8 1-15,10-4-1 16,13-4 1-16,14-5-1 0,18 1 0 15,14-4 0-15,9-1 0 0,14 9 0 16,9-12 0-16,0-1-1 16,9-3 1-16,14-1-1 15,5-3 1-15,4-5 0 16,4-4 1-16,15-3-2 31,3-1 1-31,10-4 0 16,0-4 0-16,14-4 0 0,-5 0 0 15,5 4-1-15,-5-8 1 16,10 5-1-16,-6-1 0 16,1 4-1-16,-5 0 1 15,5-4-1-15,0 8 1 16,-1-8-2-16,1 4 0 0,-9-4 1 16,4-4 0-16,-4 0 0 15,4 0 0-15,-18-4 0 16,4 0 1-16,-4 0-1 15,-5 8 0-15,-4-8 0 16,-9 4 0-16,-5-4 0 16,4-4 1-1,1 0-1-15,-5 0 0 16,-5 0 0-16,-9-1 0 0,5-7 0 16,9 4 0-16,-9 0 0 15,-14 4 0-15,5-13 0 16,0-3 0-16,-5 0 0 15,9-5 1-15,-9 1-1 16,-4-1 0-16,-14-3-1 16,-5 3 1-16,-4 5 0 0,-5 0 0 15,-13-13-1-15,-6 9 0 16,-8-5 0-16,-14 0 0 16,-9 1 0-16,-5-1 0 15,-9 5 0-15,-13 0 1 16,-10 3-2-16,-13-7 1 0,-19-5-1 15,-27-8 1-15,-14 1-1 16,-5 3 1-16,-8 0-1 16,-5 1 1-16,-19-1 1 15,-17 5 0-15,-1 3-1 16,-4-4 1-16,-24 13-1 31,-3 8 1-31,-19-9-1 0,13 1 1 16,-4 8 0-16,1-5 0 0,8 5 0 15,5-8 0-15,-5-1 0 16,5 9 0-16,4 0-1 16,-4 4 1-16,-5 0-1 15,-9 3 1-15,10 5-1 16,3 0 1-16,6-4-1 16,13 0 0-16,14 0 0 15,4 4 1-15,1-4-1 0,-1 0 1 16,0 8-1-16,-4 0 1 15,5 4-2-15,4 8 0 16,0-4-7-16,13 16 1 16,10 1-14-1,14 3 1-15,22-7-6 16,37-17 1-16</inkml:trace>
+  </inkml:traceGroup>
 </inkml:ink>
 </file>
 
@@ -1381,7 +1415,7 @@
           <inkml:channelProperty channel="T" name="resolution" value="1" units="1/dev"/>
         </inkml:channelProperties>
       </inkml:inkSource>
-      <inkml:timestamp xml:id="ts0" timeString="2016-08-21T12:37:47.003"/>
+      <inkml:timestamp xml:id="ts0" timeString="2016-08-21T12:37:18.359"/>
     </inkml:context>
     <inkml:brush xml:id="br0">
       <inkml:brushProperty name="width" value="0.05" units="cm"/>
@@ -1393,193 +1427,17 @@
   <inkml:traceGroup>
     <inkml:annotationXML>
       <emma:emma xmlns:emma="http://www.w3.org/2003/04/emma" version="1.0">
-        <emma:interpretation id="{7A323AFE-2FBC-4817-8D81-6CEA053DF70D}" emma:medium="tactile" emma:mode="ink">
-          <msink:context xmlns:msink="http://schemas.microsoft.com/ink/2010/main" type="inkDrawing" rotatedBoundingBox="18760,14778 19441,11130 19656,11171 18975,14818" semanticType="callout" shapeName="Other"/>
+        <emma:interpretation id="{B788EBA7-D8D4-4916-8BC8-1CAB561D7D91}" emma:medium="tactile" emma:mode="ink">
+          <msink:context xmlns:msink="http://schemas.microsoft.com/ink/2010/main" type="inkDrawing" rotatedBoundingBox="7492,9886 15480,10402 15412,11469 7423,10953" semanticType="enclosure" shapeName="None"/>
         </emma:interpretation>
       </emma:emma>
     </inkml:annotationXML>
-    <inkml:trace contextRef="#ctx0" brushRef="#br0">-518 6103 26 0,'-27'-8'13'0,"4"-8"-12"0,18 8 13 16,5 0-13-16,-4-4 1 15,-1-1 3 1,0 1 1-16,1 4-5 16,-5 8 0-16,0 8 4 15,-5 4 0-15,0 5 1 16,0 3 0-16,5-8-1 16,0 13 0-16,5 11-1 15,-1 9 1-15,-4 4 0 0,-5 24 0 16,-4-4-1-16,-5 16 1 0,0 9-1 15,0 19 1-15,-4 5-2 16,-5 4 1-16,0 12-1 16,-9 5 1-16,4-1-2 15,0 12 0-15,5-4-1 16,10 9 1-16,-1-1-1 31,4-11 1-31,6-5-1 0,-1-4 0 16,0-16 0-16,1-9 0 15,-1-11-1-15,0-17 1 16,0-8-1-16,1-12 0 16,4 4 0-16,-1 0 0 15,1-4 0-15,0 4 0 16,0 4 0-16,0-8 0 0,0 4 0 16,4 0 0-16,1-8 0 15,-1-8 1-15,0-12-2 16,1-9 1-16,-1-3-1 15,1-9 1-15,4-4-1 0,0-4 0 16,0 0 0-16,0 0 1 16,4-4 0-1,1 0 1-15,-1 1-1 16,-4-5 1-16,0 0 0 16,5-9 1-16,0 1-1 15,-5-4 0-15,4-4-1 16,1-4 0-16,4-1-6 15,0-7 1-15,5-17-15 16,-1-16 1-16,1-16-3 0,18-33 1 16</inkml:trace>
+    <inkml:trace contextRef="#ctx0" brushRef="#br0">2316 171 22 0,'18'-12'11'0,"23"3"-10"0,-18 1 11 16,-4 0-11-16,3 0 0 16,-3-4 6-16,-1 4 0 15,-9 4-5-15,-9 4 0 16,-4-4 6-16,-10-1 0 15,-9 1 0-15,-9-4 1 0,-9 0-3 16,-5-4 1-16,-4 4-2 16,-10-4 0-16,-4 4-2 15,-4-1 0-15,-15 5 0 16,-3 0 1-16,-1 0-1 16,-9 4 0-16,-5 0-1 15,5 4 1-15,-4 4-1 0,-6 1 0 0,6-1-1 16,4 4 0-16,-5-4 0 15,5 0 1-15,5 4 0 16,8 5 0-16,1-1 0 16,9 4 0-16,4-4-1 15,-4 1 1-15,9-1-1 32,9 0 1-32,1 0-1 0,3-3 1 15,6-1-1-15,-1 0 1 16,9 8-1-16,1 1 0 15,8 3 0-15,5-4 0 16,5 1 0-16,9 3 0 16,4-4 0-16,5 1 1 15,5-1-1-15,4 0 0 0,0 9 0 16,5-5 1-16,4 5-1 16,1-1 0-16,3-4 0 15,6 5 0-15,4-5-1 16,4 1 1-16,1-9 0 15,4 4 0-15,0-4 0 16,0 1 0 0,1-1 0-16,-1 4 0 0,4-3-1 15,6-5 1-15,4 0-1 16,-1 0 1-16,1 0-1 16,0 1 1-16,5-5-1 15,-6 0 1-15,1-4-1 16,0 0 1-16,0 0-1 15,5 0 1-15,4 0-1 0,4 0 1 16,-4 0-1-16,0 4 1 16,5 0-1-16,-10 1 1 15,5-1-1-15,0 0 0 16,-4-4 0-16,-6 0 0 16,1 0 0-16,0 4 1 15,5-4-1 1,4 0 1-16,-5 0-1 15,5 0 1-15,-9-4-1 16,4 5 0-16,1-1 0 16,4 0 1-16,-5-4-1 15,1 0 0-15,4 0 0 16,4 8 1-16,1-4-1 16,9 0 0-16,-10 4 0 0,-4 0 1 0,0 4-1 15,5 1 0-15,-1-5 0 16,-4 0 0-16,9 0 0 15,5 0 0-15,5 0 0 16,8 0 0-16,-9 0 0 16,1 1 0-16,-1-1 0 15,-9 0 1-15,0 0-1 0,5 0 0 16,4 0 0-16,5 0 0 16,-5 0 0-16,-4-3 0 15,9-1 0-15,0 0 0 16,-5 0 0-16,0 0 0 15,10 0 0-15,-5 0 0 16,0 0 0 0,-5 0 0-16,5 0-1 15,4 0 1-15,-4 0 0 16,0 0 0-16,9 0 0 16,0 0 0-16,-5 5 0 15,5-1 1-15,0-4-1 16,-4-8 1-16,4 4-1 15,14 0 0-15,-5 0 0 0,-5 0 1 0,5 0-1 16,1 4 0-16,-10-8 0 16,0 0 0-16,0 0 0 15,4 4 1-15,-4-9-1 16,-9 5 0-16,0-4 0 16,0 0 1-16,0-4-1 31,-10-4 0-31,1-1 0 0,0-3 0 15,0 0 0-15,-5-1 0 16,-5 1 0-16,-8-4 0 0,-14 7 0 16,-5-3 0-16,-5-4 0 15,-8-9 1-15,-10 5-2 16,-4-5 1-16,-10 1 0 16,-4-1 0-16,-9-3-1 15,-14-5 0-15,-13 0 0 0,-19 1 0 16,0 3 0-16,-9-3 1 15,-14 3-1-15,0 0 1 16,-8 1 0-16,-10-1 0 16,-10 5-1-16,-3-1 1 15,-6 9 0 1,1 4 0-16,-14-1-1 16,-9 1 1-16,-5 4-1 0,-4-5 1 15,0 1 0-15,-19 8 0 16,-4 0 0-16,4-9 0 15,-8 9-1-15,-6 0 1 16,1 4 0-16,0-8 0 16,8 3 0-16,-3 5 0 0,-1-4 0 15,5 8 0-15,0-8 0 16,-1 0 0-16,6-1 0 16,13 5 0-16,0 4 0 15,14-8 0-15,-5 0 0 16,5 0 0-16,14 3 0 15,4 5 0 1,4-4-2-16,-3 4 0 0,3 0-4 16,1 8 0-16,4 4-8 15,14 9 1-15,19 19-11 16,8-7 1-16</inkml:trace>
   </inkml:traceGroup>
 </inkml:ink>
 </file>
 
 <file path=ppt/ink/ink35.xml><?xml version="1.0" encoding="utf-8"?>
-<inkml:ink xmlns:inkml="http://www.w3.org/2003/InkML">
-  <inkml:definitions>
-    <inkml:context xml:id="ctx0">
-      <inkml:inkSource xml:id="inkSrc0">
-        <inkml:traceFormat>
-          <inkml:channel name="X" type="integer" max="9600" units="cm"/>
-          <inkml:channel name="Y" type="integer" max="7200" units="cm"/>
-          <inkml:channel name="T" type="integer" max="2.14748E9" units="dev"/>
-        </inkml:traceFormat>
-        <inkml:channelProperties>
-          <inkml:channelProperty channel="X" name="resolution" value="377.95276" units="1/cm"/>
-          <inkml:channelProperty channel="Y" name="resolution" value="425.28058" units="1/cm"/>
-          <inkml:channelProperty channel="T" name="resolution" value="1" units="1/dev"/>
-        </inkml:channelProperties>
-      </inkml:inkSource>
-      <inkml:timestamp xml:id="ts0" timeString="2016-08-21T12:37:46.050"/>
-    </inkml:context>
-    <inkml:brush xml:id="br0">
-      <inkml:brushProperty name="width" value="0.05" units="cm"/>
-      <inkml:brushProperty name="height" value="0.05" units="cm"/>
-      <inkml:brushProperty name="color" value="#ED1C24"/>
-      <inkml:brushProperty name="fitToCurve" value="1"/>
-    </inkml:brush>
-  </inkml:definitions>
-  <inkml:traceGroup>
-    <inkml:annotationXML>
-      <emma:emma xmlns:emma="http://www.w3.org/2003/04/emma" version="1.0">
-        <emma:interpretation id="{F18F2D80-73FC-4076-BBD4-91117AC261E3}" emma:medium="tactile" emma:mode="ink">
-          <msink:context xmlns:msink="http://schemas.microsoft.com/ink/2010/main" type="inkDrawing" rotatedBoundingBox="24116,16605 24131,16605 24131,16620 24116,16620" shapeName="Other"/>
-        </emma:interpretation>
-      </emma:emma>
-    </inkml:annotationXML>
-    <inkml:trace contextRef="#ctx0" brushRef="#br0">32 12288 0</inkml:trace>
-  </inkml:traceGroup>
-</inkml:ink>
-</file>
-
-<file path=ppt/ink/ink36.xml><?xml version="1.0" encoding="utf-8"?>
-<inkml:ink xmlns:inkml="http://www.w3.org/2003/InkML">
-  <inkml:definitions>
-    <inkml:context xml:id="ctx0">
-      <inkml:inkSource xml:id="inkSrc0">
-        <inkml:traceFormat>
-          <inkml:channel name="X" type="integer" max="9600" units="cm"/>
-          <inkml:channel name="Y" type="integer" max="7200" units="cm"/>
-          <inkml:channel name="F" type="integer" max="256" units="dev"/>
-          <inkml:channel name="T" type="integer" max="2.14748E9" units="dev"/>
-        </inkml:traceFormat>
-        <inkml:channelProperties>
-          <inkml:channelProperty channel="X" name="resolution" value="377.95276" units="1/cm"/>
-          <inkml:channelProperty channel="Y" name="resolution" value="425.28058" units="1/cm"/>
-          <inkml:channelProperty channel="F" name="resolution" value="0" units="1/dev"/>
-          <inkml:channelProperty channel="T" name="resolution" value="1" units="1/dev"/>
-        </inkml:channelProperties>
-      </inkml:inkSource>
-      <inkml:timestamp xml:id="ts0" timeString="2016-08-21T12:42:39.908"/>
-    </inkml:context>
-    <inkml:brush xml:id="br0">
-      <inkml:brushProperty name="width" value="0.05" units="cm"/>
-      <inkml:brushProperty name="height" value="0.05" units="cm"/>
-      <inkml:brushProperty name="color" value="#ED1C24"/>
-      <inkml:brushProperty name="fitToCurve" value="1"/>
-    </inkml:brush>
-  </inkml:definitions>
-  <inkml:traceGroup>
-    <inkml:annotationXML>
-      <emma:emma xmlns:emma="http://www.w3.org/2003/04/emma" version="1.0">
-        <emma:interpretation id="{75066709-7FAF-4CC1-A1B1-E364C0B6E014}" emma:medium="tactile" emma:mode="ink">
-          <msink:context xmlns:msink="http://schemas.microsoft.com/ink/2010/main" type="writingRegion" rotatedBoundingBox="8911,4156 12528,16982 4505,19245 888,6419"/>
-        </emma:interpretation>
-      </emma:emma>
-    </inkml:annotationXML>
-    <inkml:traceGroup>
-      <inkml:annotationXML>
-        <emma:emma xmlns:emma="http://www.w3.org/2003/04/emma" version="1.0">
-          <emma:interpretation id="{61DC8B6F-1E8B-4F41-A31B-B7C91D7B51D4}" emma:medium="tactile" emma:mode="ink">
-            <msink:context xmlns:msink="http://schemas.microsoft.com/ink/2010/main" type="paragraph" rotatedBoundingBox="7750,5236 11171,17364 4505,19245 1084,7116" alignmentLevel="1"/>
-          </emma:interpretation>
-        </emma:emma>
-      </inkml:annotationXML>
-      <inkml:traceGroup>
-        <inkml:annotationXML>
-          <emma:emma xmlns:emma="http://www.w3.org/2003/04/emma" version="1.0">
-            <emma:interpretation id="{8393CCD4-8C71-47F8-A211-AF929BB5E538}" emma:medium="tactile" emma:mode="ink">
-              <msink:context xmlns:msink="http://schemas.microsoft.com/ink/2010/main" type="line" rotatedBoundingBox="7750,5236 11171,17364 4505,19245 1084,7116"/>
-            </emma:interpretation>
-          </emma:emma>
-        </inkml:annotationXML>
-        <inkml:traceGroup>
-          <inkml:annotationXML>
-            <emma:emma xmlns:emma="http://www.w3.org/2003/04/emma" version="1.0">
-              <emma:interpretation id="{42D71910-E537-4DC2-A49B-007BEBC4B5D2}" emma:medium="tactile" emma:mode="ink">
-                <msink:context xmlns:msink="http://schemas.microsoft.com/ink/2010/main" type="inkWord" rotatedBoundingBox="7750,5236 11171,17364 4505,19245 1084,7116"/>
-              </emma:interpretation>
-            </emma:emma>
-          </inkml:annotationXML>
-          <inkml:trace contextRef="#ctx0" brushRef="#br0">206 1048 25 0,'11'9'12'0,"-6"-4"2"0,-5-5 13 0,0 0-24 16,0 0 0-16,0 0 4 15,0 0 0-15,0 0-7 16,0 0 0-16,0 0 7 15,0 0 0-15,0 0 0 16,-5 0 0-16,0 0-1 0,-1-9 1 16,-4-1-2-16,-1 6 1 0,-10 4-1 31,0-5 0-31,-6 0-2 16,-4 5 1-16,-1-4-1 0,-5 4 0 15,0 0 0-15,0 0 1 16,-6 4-2-16,-4 1 1 15,-6 0-1 1,-11 9 0-16,-10-5-1 0,0 1 1 16,-11 8-2-16,-5 6 1 15,6 9-1-15,10-5 0 16,-11 0 0-16,0 0 1 16,-10 1-1-16,-5-6 1 15,-1 10-1-15,-5 5 1 16,6-1-1-16,10 6 1 15,-6-1-1-15,-4 0 1 16,-1-4-1-16,1 4 0 0,10-4 0 0,-5 4 0 16,-6 1 0-16,1 4 1 15,10 9-2 1,-11 10 1-16,-10 0 0 16,10 0 0-16,1 18 0 0,-1-8 0 0,11-6-1 31,6 5 1-31,-1 1 0 15,11 8 0-15,-5-8 0 16,-1 8 0-16,1 1 0 16,-6 14 0-16,6 9 0 15,5-9 0-15,0 4 0 16,0 1 0-16,5-10 0 16,5 9 0-16,6-9 0 15,0 10 0-15,15-1-1 0,6 5 1 16,0-4 0-1,0-1 0-15,6 1 0 0,-1 4 0 0,0-9 0 32,6 9 0-32,-1 0 0 0,6 5 0 0,-5 0 0 15,-6-5 0-15,0 10 0 16,0-10 1-16,6 19-1 16,-1-9 0-16,6-6 0 15,0 20 1-15,0-14-1 16,0 13 1-1,0 6-1-15,5 4 0 16,0-5 0-16,5 5 1 0,1 1-1 16,4-1 1-16,1-10-1 15,5 6 1-15,0-10 0 16,5 5 0-16,1-15 0 16,-1 10 0-16,0-5-1 15,0 1 1-15,1 4-1 16,4-5 1-16,1 0-1 0,0-9 1 15,4 14 0-15,1-9 0 16,11-5-1-16,-1 14 1 16,1 0-1-16,-6-5 0 15,0-4 1-15,5 9 0 16,-4-15 0-16,-1 6 0 16,0 9 0-1,0 0 0-15,-5-5 0 16,5-4 0-16,0 0 0 15,-10 4 0-15,5-5-1 16,5 1 1-16,5-5-1 16,6 4 1-16,0-8-1 0,5-1 1 15,5 5-1-15,6-10 0 16,5 1 0-16,-6 4 0 0,12-5 0 16,-6 1 1-16,5-5-1 15,-5-10 1-15,5 0 0 16,-5 1 0-16,5-1 0 15,0-4 1-15,11-1-1 16,0 6 0-16,5-10 0 16,0 14 0-16,-10-9-1 0,-1-15 1 15,1 5-1-15,-1 1 1 16,1-6-1-16,-1 5 1 16,-10-13-1-16,0-1 1 15,0 5-1-15,5-5 0 16,0-5 0-1,0-4 1-15,6 9-1 16,-6-9 0-16,6-5 0 16,-6 0 0-16,0-10 0 15,0 1 0-15,-5 0 0 16,0-10 0-16,0 10 0 0,-11-10 0 16,1 0 0-16,-6-4 0 15,5 4 0-15,0-5 1 16,11 1-1-16,-5 4 0 0,0-4 0 15,-1-1 0-15,1 5 0 16,-1 1 0-16,-4-15 0 16,-1-5 0-16,6 15 0 15,-1-6 1-15,1 6-1 16,0-10 0-16,-6 10 0 16,6-6 0-1,-11-4 0-15,0 1 1 16,5-1-1-16,0-5 0 15,1 5 0-15,-1-4 1 16,6-1-1-16,-1 0 0 16,1 1 0-16,5 4 0 0,5-5 0 15,-5-4 1-15,5 4-1 16,-5-4 0 0,21-19 0-1,-10 5 0-15,-1-10 0 0,6 5 1 16,-6 4-1-16,-4-4 0 15,-7 9 0-15,1-4 1 16,-5-5-1-16,0 0 0 16,-6-5 0-16,0 5 0 0,1-5 0 15,-1 14 0-15,0-9 0 16,-5 5 0-16,0-5 0 16,0 0 0-16,-5-5 0 15,5 0 0-15,-10-4 0 31,-1-1 1-31,1 0-1 16,-12 1 0-16,1-1 0 0,0 1 0 16,0-1 0-16,0 1 0 15,0 9 0-15,0-10 0 16,5 5 0-16,-5-4 0 16,5 4 0-16,0-4 0 0,0 4 0 15,0-5 0-15,1 1-1 16,4-1 1-16,-5 1 0 15,0-1 1-15,1 1-2 16,-1-1 1-16,-5-4 0 0,5 4 0 16,-5 6 0-16,5-11 0 15,-5 6 0-15,0 9 0 16,-6-5 0-16,1-9 0 31,-1 9 0-31,1-5 0 0,-1 10-1 16,1 5 1-16,-6-1-1 15,1 6 1-15,-6 4-1 16,0 0 1-16,0-10-1 16,0 10 1-16,-6-4-1 15,-4-1 1-15,-1 10 0 16,-5-5 0-16,-5 0 0 0,0 9 0 16,-5 5 0-16,-12 0 0 15,7 5 0-15,-6 0 0 16,5 4 0-16,-5 6 0 0,10-6-1 15,-4 5 1-15,-1 1 0 16,0-11 0-16,0 1 0 31,1 5 0-31,4-5 0 16,6-1 0-16,5 1-1 0,0 5 1 16,6-1 0-16,4 1 0 15,1-5-1-15,0-1 1 16,10-8 0-16,-5-1 0 15,5-9-1-15,11 10 1 16,5-6-2-16,-5-13 1 0,6-5 0 16,-1-5 1-16,5 10 0 15,6-10 0-15,5 0 0 16,0 0 0-16,0 0 1 16,0 0 0-16,0 1-3 15,0 4 1-15,-5-1-1 16,0-8 0-16,-11 9 0 0,0-5 0 15,-5 0-1-15,-6 0 1 16,-4 10 1-16,-6-5 1 0,-6 4 0 16,-4 6 0-16,-6 4 0 15,-5 4 0-15,-6 6 0 16,-4 4 0-16,-6 0 0 31,-6 0 0-31,6-4 0 0,0-1 0 16,0 0 0-1,5 6 0-15,1-6-1 0,4 10 1 16,6-5-1-16,0 5 1 0,5-1-1 16,5-8 1-16,6 4-1 15,5-5 1-15,0-4-1 16,11 0 0-16,5 0 0 16,-1-15 1-16,12 1-1 15,5-10 1-15,5 9 0 16,0-8 0-16,0-1 0 15,0-5 1-15,-5 1-1 16,-1-5 0-16,-4 4 0 16,-1-9 0-1,1 5 0-15,-6-5 1 16,-5 9-1-16,0 10 0 16,-6 0 1-16,-5 5 0 0,-5-1-1 15,0 6 0-15,-10 4 0 16,-1 4 0-16,-10 11 0 15,0-1 0-15,0 0-1 16,0 0 1-16,5 0-1 16,-5 5 0-16,5-10 0 0,5 1 1 15,6-1-2-15,0-4 1 16,-1-1-1-16,6-4 1 16,6 5-1-16,-6 0 1 15,5-5-2-15,0 0 1 16,6-5-2-16,5 0 1 0,-1-4 0 15,7 0 0-15,-1-5 0 16,0-5 0-16,0 0 1 16,0 0 1-16,-5 5 1 15,-5 0 1-15,-1 0 1 16,-4 0 0-16,-6 0 0 31,0 4 1-31,0 1-1 0,0 9 1 16,0 0-1-16,0 0 0 0,5 9-1 15,-5 10 0-15,0 9-1 16,0 10 1-16,0 14-1 16,0-1 0-16,0 1 0 15,5 0 0-15,0-10 0 16,1-4 0-16,-1-5 0 0,0-5 0 16,-5-5 0-16,6-4 0 15,-1-5-1-15,0-9 1 16,-5 0-1-16,6-1 1 15,-6-4 0-15,0-14 0 16,0-5 0-16,-6-9 0 16,1-5 0-1,0-9 0-15,-1 0 0 16,6 9 1-16,-5 0-1 16,5 9 1-16,0 5-1 15,0 15 1-15,0 4 0 16,0 9 0-16,0 10-1 15,5 14 1-15,-5 9-1 16,6 5 0-16,-1 5 0 0,0 4 0 16,-5-4 0-16,0-5 0 0,0-9 0 15,6-15 0-15,-6-13-1 16,0-20 1-16,-6-13 0 16,6-15 0-16,-5-9-1 15,0-9 1-15,-1-5 0 16,6 4 1-1,-5 5 0-15,5 5 0 16,0 24 0-16,0 4 1 16,0 19-1-16,0 14 1 15,5 14-1-15,-5 19 0 16,0-4-1-16,0 4 1 16,-5 0-2-16,5-5 0 15,-5-9-9-15,5-14 1 0,0-28-13 16,-11-34 1-16</inkml:trace>
-        </inkml:traceGroup>
-      </inkml:traceGroup>
-    </inkml:traceGroup>
-  </inkml:traceGroup>
-</inkml:ink>
-</file>
-
-<file path=ppt/ink/ink37.xml><?xml version="1.0" encoding="utf-8"?>
-<inkml:ink xmlns:inkml="http://www.w3.org/2003/InkML">
-  <inkml:definitions>
-    <inkml:context xml:id="ctx0">
-      <inkml:inkSource xml:id="inkSrc0">
-        <inkml:traceFormat>
-          <inkml:channel name="X" type="integer" max="9600" units="cm"/>
-          <inkml:channel name="Y" type="integer" max="7200" units="cm"/>
-          <inkml:channel name="F" type="integer" max="256" units="dev"/>
-          <inkml:channel name="T" type="integer" max="2.14748E9" units="dev"/>
-        </inkml:traceFormat>
-        <inkml:channelProperties>
-          <inkml:channelProperty channel="X" name="resolution" value="377.95276" units="1/cm"/>
-          <inkml:channelProperty channel="Y" name="resolution" value="425.28058" units="1/cm"/>
-          <inkml:channelProperty channel="F" name="resolution" value="0" units="1/dev"/>
-          <inkml:channelProperty channel="T" name="resolution" value="1" units="1/dev"/>
-        </inkml:channelProperties>
-      </inkml:inkSource>
-      <inkml:timestamp xml:id="ts0" timeString="2016-08-21T12:42:50.925"/>
-    </inkml:context>
-    <inkml:brush xml:id="br0">
-      <inkml:brushProperty name="width" value="0.05" units="cm"/>
-      <inkml:brushProperty name="height" value="0.05" units="cm"/>
-      <inkml:brushProperty name="color" value="#ED1C24"/>
-      <inkml:brushProperty name="fitToCurve" value="1"/>
-    </inkml:brush>
-  </inkml:definitions>
-  <inkml:trace contextRef="#ctx0" brushRef="#br0">307 835 23 0,'-63'10'11'0,"21"-6"5"0,31-4 11 0,-5-9-24 15,0-5 1-15,-5 0 5 16,0 0 0-16,5-5-9 15,0-5 0-15,0 1 8 16,6-5 1 0,-1-10-2-16,6 10 1 0,5-5-3 15,10-5 1-15,6 1-2 16,16-6 0-16,5 1-1 16,16 4 0-16,5 10-2 15,11 0 1-15,0-5-1 16,10 5 1-16,6 4-1 15,15-4 1-15,-4 9-1 0,9 14 0 16,1 5 0-16,-5 15 1 16,-11 8 1-16,0 1 0 15,-11 13-1-15,-10 15 1 16,-6 4-1-16,-15 10 1 0,-6 5-2 16,-15 9 1-16,-17 9-1 31,-15-4 0-31,-11-15 0 15,-5 1 0-15,-21-5-1 0,-22-5 1 16,-15-9-1-16,-11-1 1 16,-21-18-1-16,5-14 0 15,5-14-2-15,-4-15 0 16,-1-18-1-16,0 0 0 16,0-19 0-16,0-5 1 0,16-4-1 15,11-1 1-15,10 1 1 16,11-24 1-16,16 9-1 15,15-13 0-15,17 4 0 16,20 0 1-16,17-5-2 16,10 5 1-16,16 10 0 15,21 8 0-15,5 11 1 0,-5 4 0 16,16 9 0-16,0 0 1 16,5 10 0-16,6 14 1 15,-1 19 0-15,-10 9 0 16,-5 19-1-16,0 19 1 15,-6-1-2-15,-15 15 1 0,-6 9-1 32,-5 5 1-32,-6 10 0 15,-10 4 1-15,-16 9-1 16,-21-9 0-16,-15 5 1 16,-17 0 0-16,-26-10-1 0,-11-4 1 15,-21-10-1-15,-16-14 0 16,0-23-1-16,11-19 0 15,-11-19-2-15,-5-19 0 0,10-23 0 16,6-5 1-16,0-15-2 16,10-17 1-16,11-6 0 15,11-9 1-15,15 0 0 16,16-5 1-16,16 0-1 16,27 0 0-16,16 5 0 15,25 5 0 1,23 9 0-16,4 19 0 15,0 18 0-15,22 15 1 16,-1 19-1-16,6 18 1 16,0 15 0-16,-5 4 1 15,-6 14 0-15,-11 15 0 16,-9 4 0-16,-12 5 0 0,-21 9 1 16,-15 5 1-16,-17 0-1 15,-20 19 0-15,-17-15 0 16,-20 1 0-16,-22 0-1 15,-16-5 1-15,-5-10-2 16,0-9 1-16,-5-28-2 0,-11-19 1 16,0-23-3-16,1-14 1 15,-6-10 0-15,21-24 0 0,10 1-1 16,11 4 0-16,16 0 1 16,11-9 0-16,10-5 1 15,17-4 1-15,15-10 0 16,21-5 0-16,16 14-1 15,10 1 1-15,6 13-6 32,11 15 1-32,-1 0-13 0,11 18 1 15,-5 10-4-15,0 0 0 16</inkml:trace>
-</inkml:ink>
-</file>
-
-<file path=ppt/ink/ink38.xml><?xml version="1.0" encoding="utf-8"?>
-<inkml:ink xmlns:inkml="http://www.w3.org/2003/InkML">
-  <inkml:definitions>
-    <inkml:context xml:id="ctx0">
-      <inkml:inkSource xml:id="inkSrc0">
-        <inkml:traceFormat>
-          <inkml:channel name="X" type="integer" max="9600" units="cm"/>
-          <inkml:channel name="Y" type="integer" max="7200" units="cm"/>
-          <inkml:channel name="F" type="integer" max="256" units="dev"/>
-          <inkml:channel name="T" type="integer" max="2.14748E9" units="dev"/>
-        </inkml:traceFormat>
-        <inkml:channelProperties>
-          <inkml:channelProperty channel="X" name="resolution" value="377.95276" units="1/cm"/>
-          <inkml:channelProperty channel="Y" name="resolution" value="425.28058" units="1/cm"/>
-          <inkml:channelProperty channel="F" name="resolution" value="0" units="1/dev"/>
-          <inkml:channelProperty channel="T" name="resolution" value="1" units="1/dev"/>
-        </inkml:channelProperties>
-      </inkml:inkSource>
-      <inkml:timestamp xml:id="ts0" timeString="2016-08-21T12:43:13.098"/>
-    </inkml:context>
-    <inkml:brush xml:id="br0">
-      <inkml:brushProperty name="width" value="0.05" units="cm"/>
-      <inkml:brushProperty name="height" value="0.05" units="cm"/>
-      <inkml:brushProperty name="color" value="#177D36"/>
-      <inkml:brushProperty name="fitToCurve" value="1"/>
-    </inkml:brush>
-  </inkml:definitions>
-  <inkml:traceGroup>
-    <inkml:annotationXML>
-      <emma:emma xmlns:emma="http://www.w3.org/2003/04/emma" version="1.0">
-        <emma:interpretation id="{F50CBD4B-8A5B-467D-B684-76A6F9F128AC}" emma:medium="tactile" emma:mode="ink">
-          <msink:context xmlns:msink="http://schemas.microsoft.com/ink/2010/main" type="inkDrawing" rotatedBoundingBox="6684,16030 10588,16141 10532,18125 6628,18015" semanticType="enclosure" shapeName="Other"/>
-        </emma:interpretation>
-      </emma:emma>
-    </inkml:annotationXML>
-    <inkml:trace contextRef="#ctx0" brushRef="#br0">-1082-269 62 0,'11'-19'31'0,"36"19"-33"16,-36-4 31-16,0-6-31 15,-6-9 0-15,-5-14 0 16,-16-4 1-16,-10 4 4 15,-27 5 1-15,-27 4 1 0,-20 10 0 16,-33 9 2-16,-15 19 1 0,-10 10 0 16,-12 9 0-16,-15 0-3 15,5 14 1-15,0 0-3 16,11 5 0-16,5-1-1 16,5-4 0-16,11 10 1 15,26 4 0-15,11 0-1 16,21 5 1-16,21-10 0 0,22 15 1 15,15-10-2-15,16 10 0 16,21 13-1-16,22 6 0 16,26-1 0-16,10 0 0 15,22-4 0-15,21 0 0 16,5-10-1-16,21 5 1 31,11-9 0-31,5-10 1 0,6-5-1 16,-6-4 0-16,11-5-1 15,5-9 1-15,-11-15 0 16,1-9 0-16,-12-14-1 16,7-9 0-16,15-5 0 0,-11 9 1 15,1-19-1-15,-12 1 0 16,-4-10-1-16,0-5 1 0,-11 1 0 16,-6-1 0-16,-15-4 0 15,-11-10 0-15,1 5 0 16,-1-14 0-16,-16-10 0 15,-10 5 0-15,-16 1-1 16,-11 8 1-16,-21 1-1 31,-10-10 1-31,-22 0-1 0,-10-5 1 16,-16 6-1-16,-5-6 0 16,-16 5 0-16,-22 10 0 15,-15 4 0-15,0 5 1 0,-27 0-1 16,-10 9 1-16,-16 1-1 15,-1 4 1-15,-4 5 0 16,0 4 0-16,20 10 0 16,-4 5 0-16,-11 9-1 15,-1 4 1-15,6 1-1 16,1 4 1-16,-7 1 0 16,1 4 0-16,11-5 0 15,15 5 0-15,27 0 0 0,10 5 0 16,11 10-1-1,10 8 1-15,12 5-1 16,4-4 0-16,11 0 0 16,0-5 0-16,10-5 1 15,6-5 0-15,0-4 0 16,0-9 1-16,5-15 0 16,5-9 0-16,6-5-1 15,10-5 1-15,6-4-1 16,5 0 0-16,0-5 0 15,5 0 0-15,0-4-1 16,6 4 1-16,15 0-1 16,16-5 1-16,21 0 0 15,17 1 0-15,20-1 0 0,11 5 0 16,32 5 0-16,0 5 0 0,15-1 0 16,1 10 1-16,10 14-1 15,0-5 1-15,1 19 0 16,-17 10 0-16,-10 9-1 15,5 14 1-15,-11 0-1 0,-15 19 0 16,-6 9 0-16,-21 10 0 31,-16 9 0-31,-10-5 0 0,-27 15-1 16,-15-6 1-16,-33 20 0 16,-20-5 0-16,-27-5 0 15,-32 0 1-15,-27-9-1 16,-4-5 0-16,-16-9 0 15,-17-5 1-15,-20-10-1 16,-6-13 0-16,-21-10-1 0,0-19 1 16,-21-14 0-16,0-19 0 31,-122-46-1-31,59-6 0 0,31-9 0 16,26 0 1-16,33-4-1 15,20-5 1-15,17-5-1 31,15-14 0-31,22 4 1 16,25-4 0-16,28-5 0 16,20 5 0-16,22-5 0 15,26 1 0-15,16 8 0 16,32 10 0-16,26 0 0 0,43-4 0 16,15 13 0-16,27 10 0 15,16 9 0-15,16 5 0 0,15 14 0 16,1 10 1-16,5 13-1 15,-1 10 0-15,-20 15 0 16,-21 17 1-16,-1 15-1 16,-21 10 0-16,-26 13-1 15,-26 15 1-15,-17 5 0 16,-26-6 0-16,-21 10 0 0,-16 5 0 16,-15-5 0-16,-28 10 0 15,-26-6 0-15,-26-4 0 16,-26 1 0-16,-28 3 0 15,-20-18 0-15,-27-9 1 0,-10-10-1 16,-6-14 0-16,-10-14 0 31,-16-10 0-31,-5-4-1 16,10-9 1-16,-10-6-1 16,5-8 1-16,15-15 0 15,17-9 0-15,21-15-1 16,21-23 1-16,21-14-1 15,21-18 0-15,17-6-1 16,25 1 1-16,27-1 0 0,16 5 0 0,22-4 0 16,20 0 1-16,32 8 0 15,32 1 1-15,26 5 0 16,16-5 0-16,37 23-1 16,27 10 1-16,16 0-1 15,4 19 1-15,7 14-1 31,-7 18 0-31,-15-4 0 0,-5 19 1 16,-6 18-1-16,-31 24 1 16,-21 24-1-16,-17 9 0 15,-26 9 0-15,-16 15 0 16,-31-6 0-16,-27 11 0 0,-32 3 0 16,-26 11 0-16,-42-1 0 15,-43-9 1-15,-21-5-1 16,-27-4 1-16,-31-6-1 15,-11-8 1-15,-10-24 0 16,0-10 0-16,-11-23-1 16,0-19 0-16,10-23-1 0,-15-5 1 15,16-19 0-15,10-14 0 16,16 0 0 0,21-19 1-16,27-5-1 15,16-4 0-15,15-14 0 16,32-1 0-16,27 10-1 15,26 0 0-15,42 0-1 16,33 0 0-16,41-4-7 16,38-1 1-16,42 5-14 15,21-5 1-15</inkml:trace>
-  </inkml:traceGroup>
-</inkml:ink>
-</file>
-
-<file path=ppt/ink/ink39.xml><?xml version="1.0" encoding="utf-8"?>
 <inkml:ink xmlns:inkml="http://www.w3.org/2003/InkML">
   <inkml:definitions>
     <inkml:context xml:id="ctx0">
@@ -1607,13 +1465,166 @@
   <inkml:traceGroup>
     <inkml:annotationXML>
       <emma:emma xmlns:emma="http://www.w3.org/2003/04/emma" version="1.0">
-        <emma:interpretation id="{7D599EBA-3571-489C-A9C2-66A76FB67BB2}" emma:medium="tactile" emma:mode="ink">
-          <msink:context xmlns:msink="http://schemas.microsoft.com/ink/2010/main" type="inkDrawing" rotatedBoundingBox="10226,16581 10231,16597 10217,16602 10212,16586" shapeName="Other"/>
+        <emma:interpretation id="{F21434F4-23F2-4814-A3D9-08EAD4C971F4}" emma:medium="tactile" emma:mode="ink">
+          <msink:context xmlns:msink="http://schemas.microsoft.com/ink/2010/main" type="inkDrawing" rotatedBoundingBox="10226,16580 10231,16596 10217,16601 10212,16585" shapeName="None"/>
         </emma:interpretation>
       </emma:emma>
     </inkml:annotationXML>
-    <inkml:trace contextRef="#ctx0" brushRef="#br0">5 16 0,'0'0'0,"0"0"15,0 0-15,0 0 16,0 0-16,0 0 16,0 0-16,0 0 15,0 0-15,0 0 16,0 0-16,0 0 16,-5-16-16,5 16 0,0 0 15</inkml:trace>
+    <inkml:trace contextRef="#ctx0" brushRef="#br0">15 8 0,'0'0'0,"0"0"15,0 0-15,0 0 16,0 0-16,0 0 16,0 0-16,0 0 15,0 0-15,0 0 16,0 0-16,0 0 16,-5-16-16,5 16 0,0 0 15</inkml:trace>
   </inkml:traceGroup>
+</inkml:ink>
+</file>
+
+<file path=ppt/ink/ink36.xml><?xml version="1.0" encoding="utf-8"?>
+<inkml:ink xmlns:inkml="http://www.w3.org/2003/InkML">
+  <inkml:definitions>
+    <inkml:context xml:id="ctx0">
+      <inkml:inkSource xml:id="inkSrc0">
+        <inkml:traceFormat>
+          <inkml:channel name="X" type="integer" max="9600" units="cm"/>
+          <inkml:channel name="Y" type="integer" max="7200" units="cm"/>
+          <inkml:channel name="F" type="integer" max="256" units="dev"/>
+          <inkml:channel name="T" type="integer" max="2.14748E9" units="dev"/>
+        </inkml:traceFormat>
+        <inkml:channelProperties>
+          <inkml:channelProperty channel="X" name="resolution" value="377.95276" units="1/cm"/>
+          <inkml:channelProperty channel="Y" name="resolution" value="425.28058" units="1/cm"/>
+          <inkml:channelProperty channel="F" name="resolution" value="0" units="1/dev"/>
+          <inkml:channelProperty channel="T" name="resolution" value="1" units="1/dev"/>
+        </inkml:channelProperties>
+      </inkml:inkSource>
+      <inkml:timestamp xml:id="ts0" timeString="2016-08-21T12:37:43.293"/>
+    </inkml:context>
+    <inkml:brush xml:id="br0">
+      <inkml:brushProperty name="width" value="0.05" units="cm"/>
+      <inkml:brushProperty name="height" value="0.05" units="cm"/>
+      <inkml:brushProperty name="color" value="#ED1C24"/>
+      <inkml:brushProperty name="fitToCurve" value="1"/>
+    </inkml:brush>
+  </inkml:definitions>
+  <inkml:traceGroup>
+    <inkml:annotationXML>
+      <emma:emma xmlns:emma="http://www.w3.org/2003/04/emma" version="1.0">
+        <emma:interpretation id="{5D86FE92-7F0E-4320-8CE6-EA92BC382FB7}" emma:medium="tactile" emma:mode="ink">
+          <msink:context xmlns:msink="http://schemas.microsoft.com/ink/2010/main" type="inkDrawing" rotatedBoundingBox="4720,11013 19255,12650 18851,16236 4316,14599" semanticType="callout" shapeName="None">
+            <msink:sourceLink direction="to" ref="{C4E5EAEB-D6A0-469E-9D3A-B473C727B735}"/>
+          </msink:context>
+        </emma:interpretation>
+      </emma:emma>
+    </inkml:annotationXML>
+    <inkml:trace contextRef="#ctx0" brushRef="#br0">270 98 25 0,'-18'-45'12'0,"14"16"5"0,4 21 13 15,0 0-23-15,0 4 1 16,0-4 1-16,0 8 0 16,0 4-12-16,0 8 0 15,0 25 12-15,0 7 0 16,-5 30-4-16,5 19 1 15,0 13-2-15,0 32 1 0,0 4-1 16,0 9 1-16,-5-1-5 16,1-16 1-16,-1-8-1 15,1-16 1-15,-1-21 0 16,1-12 0-16,-1-8 0 16,0-12 0-16,1-12-1 15,-1-8 1 1,1-17 0-16,-5-16 0 0,-1-12-1 15,-3-29 0-15,-1-20 0 16,0-28 0-16,5-21-1 16,0-28 1-16,4-16-1 15,10 8 0-15,4-9 0 16,5 5 1-16,0 16-1 16,-1 12 0-16,-4 25 0 0,1 24 1 15,-6 16 0-15,1 4 0 16,-1 8 0-16,1 17 0 15,-1 8 0-15,-4 16 0 16,0 24 0-16,0 21 0 16,0 20 0-16,0 24 1 15,0 13-1 1,5 16 0-16,-5 4 0 16,5 16 1-16,-5 8-1 15,4 8 0-15,-4 13 0 16,0-21 1-16,0-20-1 15,0 17 0-15,-4-21 0 16,-1-5 0-16,-4-7 0 16,-5-8 1-16,0 3-1 0,-4-7 0 0,-5 4 0 15,0-1 1-15,1-20-1 16,3 5 0-16,1-1 0 16,4-8 1-16,1-8-1 15,3 0 0-15,6-8 0 16,-1-4 1-16,5-4-1 15,0 0 0-15,0-12 0 0,0-5 0 16,-4-3 0-16,4-5 0 16,0-3 0-16,0-1 0 15,0-8 0-15,0 5 0 16,0-1 0-16,0 0 0 16,0 0 0-16,0-7 0 31,0-1 0-31,4-8 0 0,-4-4 0 15,5 8 0-15,-1 0 0 16,-4-8 0-16,5 8-1 16,0 0 1-16,-1 1 0 15,1-5 0-15,-1-4 0 16,1 4 0-16,-1 0 0 16,6-4 0-16,-1 0 0 0,-5 0 0 0,1-8 0 15,-5 8 0-15,0 0 0 16,0 0 0-16,0 0 0 15,0 0 0-15,0 0 0 16,0 0 1-16,4-8-1 16,6-1 0-16,-1 1 0 31,0 0 1-31,0-4 0 0,5 4 0 16,-5 0 3-16,5 0 0 15,-1-1 0-15,6 5 0 16,-1 4 0-16,5-12 0 15,0 4-1-15,-1 0 1 16,6 4-4-16,-5-4 0 16,4 4 0-16,-4 4 1 0,0 0-1 15,0 8 1-15,0-4 0 16,4 4 0-16,-4-4-1 16,0 0 1-16,4-4-1 15,10-4 1-15,8 8-1 16,6-4 1-16,4 0-1 15,-5 0 1 1,5 4-1-16,0 8 0 0,-5 1 0 16,0 3 0-16,-4 0 0 15,4-4 1-15,-4 0-1 16,-5-3 0-16,0-1 0 16,0-4 0-16,5-4 0 15,4 0 0-15,1 4 0 16,4 0 0-16,-5 0 0 0,5 0 1 15,-5 4-1-15,5 0 0 16,0 0 0-16,4-4 1 16,-9 1-2-16,5-5 1 15,5 4 0-15,4-4 0 16,4 4 0-16,1 0 0 16,0 0 0-16,4 4 0 15,18 0 0 1,-4 0 1-16,-5-4-1 15,5 0 0-15,0 0 0 16,0 0 0-16,-5-4 0 16,5 5 0-16,-5-5 0 15,-9 0 0 1,1-5 0-16,3 1 0 0,6 0 0 16,-1 4 0-16,-4 0 0 15,-5 0 0-15,5 4 0 16,4 0 0-16,-9 1 0 15,-4-1 0-15,4-4 0 16,0 0 0-16,5 0 0 16,4 0 0-16,-9 0 0 0,5 0 0 15,0 0 0-15,4 0 0 16,-9-4 0-16,5-1 0 16,-1-3 0-16,15 0 0 15,-5 0 0-15,9 0 0 16,-9 4 0-16,4-4 0 15,-9 0 0 1,-4-1 0-16,9 5 0 16,0 0 0-16,0 0 0 15,4 0 1-15,1 4-1 16,-6-4 0-16,-3 4 0 16,-1 0 0-16,0 0 0 15,5-4 1-15,5 4-1 16,-10 0 0-16,0 4 0 0,0-4 0 0,1 4-1 15,-10-4 1-15,5 0 0 16,4-4 0-16,9-4 0 16,-4 4 0-16,-4 4 0 15,3 0 0-15,-3 0 0 16,-1 0 0-16,0 0 0 16,5 0 0-16,5 0 0 0,-1 0 0 15,-4 0 0-15,4-4 0 16,-4 0 0-16,0 8 0 15,0-4 0-15,9 4 1 16,0-4-1-16,-5 4 0 16,-4-4 0-16,-4 0 0 15,3 0 0 1,-3 0 0-16,-1 0 0 16,14 0 0-16,0-4 0 15,0 8 0-15,-4-12 0 16,-6 8 0-16,1 0 0 15,-4 4 0-15,3-8 0 16,-3 4 0 0,45-4-1-16,-9 4 1 15,-14 0-1-15,-9-4 1 0,-5 8-1 16,-13 0 1-16,0-4 0 16,4 0 0-16,0 4-1 15,5-4 1-15,-5 8 0 16,5 0 1-16,9 0-1 31,-13 0 0-31,3 5 0 0,10-5 0 16,1 0 0-16,-1 0 1 15,4 0-1-15,10-4 0 16,-19 0 0-16,1 0 0 16,8-4 0-16,1 0 0 15,-5 0 0-15,-9 0 0 16,4 4 0-16,-4-4 1 0,-9 0-1 15,-5-4 0-15,-4 0 0 16,-1 0 1-16,1 4-1 16,-1 0 0-16,1-4 0 15,-10 4 0-15,-4 0 0 16,-9 0 0-16,-5 0 0 16,5 0 1-16,-1 0-1 0,6 0 0 15,8 0 0 1,-4 0 0-16,0 0 0 15,4-4 0-15,1 4 0 16,8 0 0-16,-4 0 0 16,-9-4 0-16,9 0 0 31,5 0 0-31,-1 0 0 16,-13-4 0-16,0 0 0 0,-5-1 0 15,1 9 0-15,-1-8 0 16,5 8 0-16,-5-4 0 15,0 4 0-15,1-4 0 16,-6 4 0-16,-3-4 0 16,-6 4 0-16,-8 0 0 0,-6 0 0 15,-3 4 0-15,-6 0-2 16,-3 0 1-16,-1 0-6 16,-5 0 0-16,-4 1-11 15,-9 7 0-15,-18-4-6 16,-10-8 0-16</inkml:trace>
+  </inkml:traceGroup>
+</inkml:ink>
+</file>
+
+<file path=ppt/ink/ink37.xml><?xml version="1.0" encoding="utf-8"?>
+<inkml:ink xmlns:inkml="http://www.w3.org/2003/InkML">
+  <inkml:definitions>
+    <inkml:context xml:id="ctx0">
+      <inkml:inkSource xml:id="inkSrc0">
+        <inkml:traceFormat>
+          <inkml:channel name="X" type="integer" max="9600" units="cm"/>
+          <inkml:channel name="Y" type="integer" max="7200" units="cm"/>
+          <inkml:channel name="F" type="integer" max="256" units="dev"/>
+          <inkml:channel name="T" type="integer" max="2.14748E9" units="dev"/>
+        </inkml:traceFormat>
+        <inkml:channelProperties>
+          <inkml:channelProperty channel="X" name="resolution" value="377.95276" units="1/cm"/>
+          <inkml:channelProperty channel="Y" name="resolution" value="425.28058" units="1/cm"/>
+          <inkml:channelProperty channel="F" name="resolution" value="0" units="1/dev"/>
+          <inkml:channelProperty channel="T" name="resolution" value="1" units="1/dev"/>
+        </inkml:channelProperties>
+      </inkml:inkSource>
+      <inkml:timestamp xml:id="ts0" timeString="2016-08-21T12:37:45.610"/>
+    </inkml:context>
+    <inkml:brush xml:id="br0">
+      <inkml:brushProperty name="width" value="0.05" units="cm"/>
+      <inkml:brushProperty name="height" value="0.05" units="cm"/>
+      <inkml:brushProperty name="color" value="#ED1C24"/>
+      <inkml:brushProperty name="fitToCurve" value="1"/>
+    </inkml:brush>
+  </inkml:definitions>
+  <inkml:traceGroup>
+    <inkml:annotationXML>
+      <emma:emma xmlns:emma="http://www.w3.org/2003/04/emma" version="1.0">
+        <emma:interpretation id="{C4E5EAEB-D6A0-469E-9D3A-B473C727B735}" emma:medium="tactile" emma:mode="ink">
+          <msink:context xmlns:msink="http://schemas.microsoft.com/ink/2010/main" type="inkDrawing" rotatedBoundingBox="4726,10947 19521,11004 19520,11219 4725,11162" shapeName="None">
+            <msink:destinationLink direction="to" ref="{5D86FE92-7F0E-4320-8CE6-EA92BC382FB7}"/>
+          </msink:context>
+        </emma:interpretation>
+      </emma:emma>
+    </inkml:annotationXML>
+    <inkml:trace contextRef="#ctx0" brushRef="#br0">206 199 21 0,'9'-4'10'0,"-4"-8"-7"0,-1 4 10 16,-4 0-12-16,0-1 0 15,0 1 5-15,5 0 0 16,-5 0-7-16,9 0 1 16,-5-4 4-16,-4 4 1 15,0 0-1-15,-4-1 1 0,-10 1-3 16,0 8 1-16,-4 0-1 15,-14 0 1-15,5 0-1 16,-1 0 0-16,5 0 0 16,0 8 0-16,5-4 0 15,4 1 1-15,1-1-1 0,4 0 1 32,4-4 0-32,5 0 0 0,5 4 0 15,4 0 0-15,9 0 0 16,9 0 0-16,6 0-1 15,12 0 0-15,1-8-1 16,9-4 0-16,0 0 0 16,9 0 0-16,9-1 1 15,-5 9 1-15,10 0-1 0,0 0 1 16,4-4 0-16,-9 4 0 16,10-8-1-16,-1 4 0 15,0 8-1-15,0-4 0 0,1-4 0 16,-1 4 0-16,0 0 0 15,1 0 0-15,-6 4-1 32,-17-4 1-32,18-4 0 15,-5 4 0-15,0 0-1 16,-5 0 1-16,-4 0-1 16,-4 0 1-16,4 4-1 0,0-4 1 15,4 0-1-15,-8-4 1 16,4 8-1-16,5-8 1 15,4 4-1-15,0 0 1 0,-5 0-1 16,-4 0 1-16,5 0-1 16,0 4 1-16,8 4 0 15,-8-8 0-15,4-8-1 16,9 8 1-16,5 0-1 16,-5 0 1-16,1-4-1 15,4 4 0-15,-5-4 0 0,-4-4 0 16,-5 4 0-16,5 4 1 15,4-8-1-15,0 4 1 16,0-4-1-16,5 4 1 0,0-5-1 16,5 1 1-1,-6 0-1-15,1 8 0 0,0-4 0 32,5 4 1-32,-5 0-1 15,-1 4 0-15,-3-4 0 16,-1 0 0-16,-4-4 0 15,-5 4 0-15,0-4 0 16,5 4 0-16,-1 0 0 0,6 4 0 16,-10 0 0-16,0 4 0 15,5-4 0-15,-1 0 0 0,-3-4 0 16,-1 0 1-16,9 0-1 16,5 0 0-16,0 0 0 15,0 0 0-15,0 4 0 16,4-4 0-16,-4 0 2 15,0 0 0-15,9 0-2 16,9 0 1 0,-9 0-1-16,9-4 0 15,0 4 0-15,0 4 0 16,10-4-2-16,8 0 1 16,-9 5 1-16,10-1 0 0,-5-4 0 15,0 4 0-15,13 0 0 16,-4 4 0-16,-9-4 0 15,0 0 0-15,-9 0 0 16,-1-8 0-16,6 8 0 16,-6-4 1-16,-3 0-1 15,-10 4 0-15,0 0 0 0,-5-4 0 16,-9 0 0-16,1 0 0 16,-6 0-1-16,6 0 1 15,-1 0 0-15,0 0 1 0,-9 4-2 16,5 4 1-16,0-8 0 15,4 0 1-15,-9-8-1 16,5 8 0-16,9 0 0 16,0 0 0-16,-5 8 0 15,0-4 0-15,5 1 0 32,5-5 0-32,-15 0 1 0,-3 0 0 15,3 0-1-15,1 0 0 16,0 4 0-16,-1-4 1 15,-3 4-1-15,3 0 0 0,1-4-1 16,-5 0 1-16,-4 0 0 16,-5-4 0-16,0 0-1 15,4 4 0-15,6 0 1 16,-1 0 0-16,-5 4 0 16,-4 0 0-16,5 0 0 15,9 0 0-15,-10-4 0 0,1 0 0 16,4 0 0-16,5 0 0 15,4 0 0-15,0 0 0 16,-9 4 0 0,5-4 0-16,4 0 0 15,-4-4 0-15,4 0 0 16,5 4 0-16,0 0 0 16,5 0 0-16,-15 4 0 15,1 0 0-15,0 0 0 16,-1-4 0-16,-8 0 0 15,0 0 0-15,-1 0 0 0,1 0 0 16,4 0 0-16,-9 0 0 16,-5 4 1-16,-4 0 0 15,-4 0-1-15,-15 0 0 0,1 4-1 16,-1 0 1-16,-4 1 0 16,5-1 0-16,-1 4-1 15,6-4 1-15,-6 0 0 16,1 0 0-16,8-4 0 15,1 0 0-15,4 0 0 16,1 1 1-16,-6 3-4 16,-8-4 1-16,-14 0-12 0,-14 0 0 15,-18 0-7-15,-5-12 1 32</inkml:trace>
+  </inkml:traceGroup>
+</inkml:ink>
+</file>
+
+<file path=ppt/ink/ink38.xml><?xml version="1.0" encoding="utf-8"?>
+<inkml:ink xmlns:inkml="http://www.w3.org/2003/InkML">
+  <inkml:definitions>
+    <inkml:context xml:id="ctx0">
+      <inkml:inkSource xml:id="inkSrc0">
+        <inkml:traceFormat>
+          <inkml:channel name="X" type="integer" max="9600" units="cm"/>
+          <inkml:channel name="Y" type="integer" max="7200" units="cm"/>
+          <inkml:channel name="F" type="integer" max="256" units="dev"/>
+          <inkml:channel name="T" type="integer" max="2.14748E9" units="dev"/>
+        </inkml:traceFormat>
+        <inkml:channelProperties>
+          <inkml:channelProperty channel="X" name="resolution" value="377.95276" units="1/cm"/>
+          <inkml:channelProperty channel="Y" name="resolution" value="425.28058" units="1/cm"/>
+          <inkml:channelProperty channel="F" name="resolution" value="0" units="1/dev"/>
+          <inkml:channelProperty channel="T" name="resolution" value="1" units="1/dev"/>
+        </inkml:channelProperties>
+      </inkml:inkSource>
+      <inkml:timestamp xml:id="ts0" timeString="2016-08-21T12:40:01.396"/>
+    </inkml:context>
+    <inkml:brush xml:id="br0">
+      <inkml:brushProperty name="width" value="0.05" units="cm"/>
+      <inkml:brushProperty name="height" value="0.05" units="cm"/>
+      <inkml:brushProperty name="color" value="#ED1C24"/>
+      <inkml:brushProperty name="fitToCurve" value="1"/>
+    </inkml:brush>
+  </inkml:definitions>
+  <inkml:trace contextRef="#ctx0" brushRef="#br0">5703 280 41 0,'-42'-53'20'0,"10"-4"-5"0,23 37 21 15,0-5-32-15,0 1 0 0,4 8 3 16,-4 8 0-16,5 8-8 31,4 12 0-31,18 37 6 16,14 20 1-16,23 28-2 0,18 29 0 15,9 29-2-15,10 19 0 16,-1 21-4-16,5-20 0 16,5-16 0-16,-5-42 0 15,-14-23 0-15,-9-25 1 16,-18-16 0-16,-14-21 0 0,-13-19 3 16,-19-34 0-16,-23-19-2 15,-27-25 0-15,-18-33-2 16,-24-32 0-16,-13-37-1 15,-13-15 0-15,-1-10 1 16,9 10 0-16,19 23 2 16,18 45 0-1,14 33 2-15,13 40 0 16,10 29 1-16,8 28 0 0,19 33-1 16,23 28 0-16,23 33-1 15,9 24 1-15,27 17-2 16,10 3 0-16,-1 13 0 15,-4-25 1-15,-5-8-1 16,-18-24 1-16,-14-25 0 0,-13-16 1 16,-19-24-1-16,-18-25 1 15,-18-28-2-15,-9-28 0 16,-24-38-1-16,-17-39 1 16,-24-46-2-16,-13-32 1 15,0-12-1-15,14 28 1 16,22 25 1-1,19 32 1 17,50 110 0-32,18 24 0 15,23 37 0-15,19 36 0 16,22 13 1-16,0 4-1 16,0-5 0-16,-4 5 1 15,-9-17 0-15,-19-12 0 0,-18-12 0 0,-14-16 0 16,-9-16 1-16,-13-25-2 15,-14-20 0-15,-10-37-3 16,-18-24 1-16,-18-33-2 16,5-24 0-16,4-4-2 15,5 20 1-15,13 25-2 16,10 24 0-16,9 24-4 0,4 21 1 16,9 32-8-16,5 20 1 15,-4 9-1-15,22 16 0 16</inkml:trace>
+  <inkml:trace contextRef="#ctx0" brushRef="#br0" timeOffset="1">5529 1560 44 0,'-32'-12'22'0,"64"-21"-17"0,-18 17 43 0,8-17-44 16,24-15 1-16,18-21 4 15,14-21 1-15,27-11-12 31,9-21 1-31,14-29 6 0,10-3 1 16,3 3-3-16,1 9 1 16,-23 20-3-16,-19 21 0 15,-17 24-1-15,-24 20 1 16,-18 32-1-16,-27 29 0 16,-37 25-1-16,-32 36 0 15,-36 40-1-15,-23 38 1 0,-33 27-1 16,-8 17 1-16,-14 12 1 15,18-24 1-15,23-12 1 16,13-37 1-16,19-25 1 16,23-32 0-16,14-16 1 15,36-28 0-15,28-46-2 16,27-44 0-16,41-40-1 0,18-38 0 0,33-39-2 16,4-5 1-16,13-4-2 15,-3 28 1-15,-24 21-1 16,-27 36 1-16,-23 29-2 15,-28 36 1-15,-31 33 0 16,-42 32 0-16,-22 54 0 31,-33 36 0-31,-4 20 2 0,-4-4 0 16,8 0 1-16,6-4 1 16,8-17-1-16,14-15 1 15,18-25-1-15,19-12 1 16,22-41-3-16,28-28 0 15,18-37-3-15,14-32 1 16,18-25-6-16,-4-20 0 0,-5-12-8 16,4 0 0-16,10 24-9 15,-9 13 0-15</inkml:trace>
+</inkml:ink>
+</file>
+
+<file path=ppt/ink/ink39.xml><?xml version="1.0" encoding="utf-8"?>
+<inkml:ink xmlns:inkml="http://www.w3.org/2003/InkML">
+  <inkml:definitions>
+    <inkml:context xml:id="ctx0">
+      <inkml:inkSource xml:id="inkSrc0">
+        <inkml:traceFormat>
+          <inkml:channel name="X" type="integer" max="9600" units="cm"/>
+          <inkml:channel name="Y" type="integer" max="7200" units="cm"/>
+          <inkml:channel name="F" type="integer" max="256" units="dev"/>
+          <inkml:channel name="T" type="integer" max="2.14748E9" units="dev"/>
+        </inkml:traceFormat>
+        <inkml:channelProperties>
+          <inkml:channelProperty channel="X" name="resolution" value="377.95276" units="1/cm"/>
+          <inkml:channelProperty channel="Y" name="resolution" value="425.28058" units="1/cm"/>
+          <inkml:channelProperty channel="F" name="resolution" value="0" units="1/dev"/>
+          <inkml:channelProperty channel="T" name="resolution" value="1" units="1/dev"/>
+        </inkml:channelProperties>
+      </inkml:inkSource>
+      <inkml:timestamp xml:id="ts0" timeString="2016-08-21T12:40:01.398"/>
+    </inkml:context>
+    <inkml:brush xml:id="br0">
+      <inkml:brushProperty name="width" value="0.05" units="cm"/>
+      <inkml:brushProperty name="height" value="0.05" units="cm"/>
+      <inkml:brushProperty name="color" value="#ED1C24"/>
+      <inkml:brushProperty name="fitToCurve" value="1"/>
+    </inkml:brush>
+  </inkml:definitions>
+  <inkml:trace contextRef="#ctx0" brushRef="#br0">426 1155 30 0,'-9'20'15'0,"18"-3"-1"16,-5-13 15-16,1 4-23 15,0-4 0-15,-1 0 3 0,-4 0 1 16,-4 0-12-16,-1-4 0 16,-4-4 9-16,-5-12 0 15,0-9-3-15,-4-11 0 16,4-17-2-16,1-24 1 0,-1-13-2 16,5-28 1-16,4 17-2 15,5 3 1-15,9 9 0 16,5 8 0-16,14 16-1 15,8 8 1-15,1 8 0 16,-1 21 0-16,5 11-1 0,14 5 0 16,9 8-1-16,5 4 1 15,-5 4-5-15,0 4 1 32,-5 0-7-32,-8 0 0 0,-10 5-8 15,-9-1 1-15</inkml:trace>
+  <inkml:trace contextRef="#ctx0" brushRef="#br0" timeOffset="1">211 712 51 0,'5'-8'25'0,"36"-21"-21"0,-23 21 42 0,14-4-43 15,14-4 0-15,9-4 2 32,-1 3 0-32,6 5-8 15,4 8 1-15,4 4-3 16,6 4 0-16,8 12-12 0,5 1 0 16</inkml:trace>
+  <inkml:trace contextRef="#ctx0" brushRef="#br0" timeOffset="2">1157 984 22 0,'5'0'11'0,"-10"-8"4"0,1 8 6 16,4 0-15-16,-5 0 1 16,1-4 5-16,-1 0 0 15,1-4-14-15,-1 0 1 32,0-4 10-32,1-1 1 0,4 1-3 15,4 0 0-15,1-8-3 16,4-1 0-16,5 1-1 15,4 0 0-15,5-1-2 16,-5 9 1-16,5 0-2 16,5 4 1-16,-1 8-1 15,0 8 1-15,5 8-1 0,-4 1 1 16,-1-1 0-16,1 4 0 16,-5 9 0-16,-5 7 0 15,-9 1-1-15,-4-9 1 16,-5 13-1-16,-10 0 1 0,-3 3-1 15,-10-7 1-15,0 3-1 16,-4-3 1-16,-1-13-1 16,1-11 1-16,-5-1-1 15,0-20 0-15,-5-9 0 16,10 1 0-16,-1-12-1 0,10 11 1 16,4-3-1-16,10 0 1 15,4-5-1-15,4 5 1 31,10 0 0-31,4-1 0 0,1 5 0 16,-1 0 0-16,9 0 1 16,5 3 0-16,9 5 0 15,5 12 1-15,0 9-1 16,0 7 0-16,-5-4-3 16,-5 0 1-16,1-3-16 15,-10-1 1-15,14-8-5 0,-4-20 0 16</inkml:trace>
+  <inkml:trace contextRef="#ctx0" brushRef="#br0" timeOffset="3">1862-24 28 0,'9'-8'14'0,"0"12"0"16,-9 9 12-16,0 19-24 15,-5 13 1-15,-4 24 4 0,5 20 0 16,-6 13-6-16,1 16 0 16,0 16 5-16,0-12 1 15,0 8-2-15,0-16 1 16,4-17-7-16,-4-16 1 16,0-16-14-16,9-16 0 15,0-20-3 1,0-25 1-16</inkml:trace>
+  <inkml:trace contextRef="#ctx0" brushRef="#br0" timeOffset="4">2456 716 44 0,'27'-28'22'0,"-50"24"-22"0,14 0 41 16,-4 4-40-16,-10 4 0 16,-9 4 1-16,-9 8 1 15,-10 8-4-15,6 5 1 16,3-5 2-16,6 5 0 15,8 3-1-15,6 1 1 16,12 3-1 0,10-7 1-16,14-5-1 15,18 0 1-15,14-7 0 16,4-1 1-16,5 0-1 16,9 1 1-16,-14-5 0 15,1 8 0-15,-15 4-1 16,-8 5 1-1,-51 16 0-15,-14-1 0 16,-18-3-1-16,-13-5 0 16,-28-19-6-1,27-13 1-15,14-8-6 16,28-8 0-16,13-5-10 16,23-7 0-16,14-9-1 15,9-3 0-15</inkml:trace>
+  <inkml:trace contextRef="#ctx0" brushRef="#br0" timeOffset="5">2703 1005 44 0,'-5'-4'22'0,"5"16"-19"15,0-8 44-15,0 4-43 16,5 0 1-16,4 0 4 16,9-4 1-16,10-8-12 15,8-8 1-15,5-8 6 0,5-13 1 0,-5 5-3 16,-4-1 0-16,-14-11-3 16,-5 7 0-16,-13 1-1 15,-15 7 0-15,-12 5 0 16,-6 12 1-16,-9 12-1 15,1 12 1-15,-1 9 0 32,-4 19 1-32,0 13 1 0,0 8 0 15,9 4 1-15,18-8 0 16,10 0 1-16,13-4 1 16,9-16-1-16,14-5 1 15,14-15-8-15,9-13 1 16,4-16-17-16,-4-21 0 15,23-16-5-15,-5-24 0 0</inkml:trace>
+  <inkml:trace contextRef="#ctx0" brushRef="#br0" timeOffset="6">-5125 1826 34 0,'-4'12'17'0,"22"-37"-51"0,-4 13 19 0</inkml:trace>
 </inkml:ink>
 </file>
 
@@ -1706,6 +1717,359 @@
         <inkml:traceFormat>
           <inkml:channel name="X" type="integer" max="9600" units="cm"/>
           <inkml:channel name="Y" type="integer" max="7200" units="cm"/>
+          <inkml:channel name="F" type="integer" max="256" units="dev"/>
+          <inkml:channel name="T" type="integer" max="2.14748E9" units="dev"/>
+        </inkml:traceFormat>
+        <inkml:channelProperties>
+          <inkml:channelProperty channel="X" name="resolution" value="377.95276" units="1/cm"/>
+          <inkml:channelProperty channel="Y" name="resolution" value="425.28058" units="1/cm"/>
+          <inkml:channelProperty channel="F" name="resolution" value="0" units="1/dev"/>
+          <inkml:channelProperty channel="T" name="resolution" value="1" units="1/dev"/>
+        </inkml:channelProperties>
+      </inkml:inkSource>
+      <inkml:timestamp xml:id="ts0" timeString="2016-08-21T12:40:01.411"/>
+    </inkml:context>
+    <inkml:brush xml:id="br0">
+      <inkml:brushProperty name="width" value="0.05" units="cm"/>
+      <inkml:brushProperty name="height" value="0.05" units="cm"/>
+      <inkml:brushProperty name="color" value="#ED1C24"/>
+      <inkml:brushProperty name="fitToCurve" value="1"/>
+    </inkml:brush>
+  </inkml:definitions>
+  <inkml:trace contextRef="#ctx0" brushRef="#br0">81 476 22 0,'-13'0'11'0,"3"-25"-9"0,1 17 10 15,0 4-10-15,0-4 1 16,0 0 3-16,0 4 1 16,4 4-7-16,1 4 0 0,-1 0 6 15,5-4 0-15,0 4 1 32,0-4 0-32,14 0-1 15,-1 4 1-15,6 0-2 16,4-4 1-16,9 0-2 15,9 0 1-15,14 0-2 16,4 4 1-16,5 0-1 16,14 0 1-16,-1-4-1 15,-3 0 1-15,8-4-1 0,14 4 1 0,0-4-1 16,0 0 0-16,5 4-2 16,4 0 1-16,-14 0-1 15,1-4 0-15,-1 8 0 16,5-8 0-16,-5 0-1 15,1 0 1-15,4 4 0 16,-9-4 0-16,0 4-1 0,-1 0 1 16,6-4 0-16,-1 4 0 15,-4-4-1-15,-4-1 1 16,-1-3 0-16,5 4 0 16,-10-4-1-16,-3 0 1 0,-6 4-1 15,5 0 1-15,-4 0-1 31,4 4 1-31,-9 0 0 16,-5 0 0-16,-8 0 0 16,-1 4 0-16,-4-4 0 15,0 4 1-15,-1-4-1 16,1 4 1-16,0 4-1 0,-10-4 0 16,1 0 0-16,-1 0 1 15,1 4-2-15,0-3 1 0,4-1-1 16,-5 4 0-16,1 4 0 15,-1-4 0-15,6 0 0 16,-1 0 0-16,0 5 0 16,-5-5 1-16,1 4-1 15,0-12 0-15,-1-4 0 32,5 0 0-32,-4 4 0 0,-5-4 1 15,-5 4-2-15,1-4 1 16,-5 8 0-16,-5-4 0 15,-4 0 0-15,-1 4 0 16,6 0 0-16,-10-4 0 0,0 4 0 16,-5-4 1-16,1 0-1 15,-5 0 0-15,5 0 0 16,-1-8 1-16,-4 8-1 16,-4-12 0-16,-10-1-1 15,-9 1 1-15,-14-8-1 16,5-5 1-16,-4-3-1 15,-10-9 1-15,-9 5 0 0,-4-5 0 16,-10-3-1-16,10-5 0 0,4 4 0 16,5 9 0-16,-1-1-1 15,6 13 1-15,8 0-1 16,1 3 1-16,8 5-1 16,5 4 1-16,10 4 0 15,8 4 0-15,10 0 0 31,8 12 0-31,10 0 0 0,9 9 0 16,23 3 1-16,9-4 0 16,5 5 0-16,-1 7 0 15,10 1 0-15,0 3 1 16,-10-3-1-16,1-1 0 16,-1-3 0-16,5-5 1 0,-4 1-1 15,-5-1 1-15,-9 0-1 16,-9-3 0-16,-14-1 0 15,-9 0 1-15,-10 1 0 16,-13-1 0-16,-13-4 0 16,-15 1 1-16,-4 3-2 15,-9 0 1-15,-9 5-1 0,-10 3 0 32,-4 0-2-32,-4 1 1 0,4-1-7 15,4-3 0-15,14-9-10 16,14-12 0-16,19-8-5 15,40-24 1-15</inkml:trace>
+</inkml:ink>
+</file>
+
+<file path=ppt/ink/ink41.xml><?xml version="1.0" encoding="utf-8"?>
+<inkml:ink xmlns:inkml="http://www.w3.org/2003/InkML">
+  <inkml:definitions>
+    <inkml:context xml:id="ctx0">
+      <inkml:inkSource xml:id="inkSrc0">
+        <inkml:traceFormat>
+          <inkml:channel name="X" type="integer" max="9600" units="cm"/>
+          <inkml:channel name="Y" type="integer" max="7200" units="cm"/>
+          <inkml:channel name="F" type="integer" max="256" units="dev"/>
+          <inkml:channel name="T" type="integer" max="2.14748E9" units="dev"/>
+        </inkml:traceFormat>
+        <inkml:channelProperties>
+          <inkml:channelProperty channel="X" name="resolution" value="377.95276" units="1/cm"/>
+          <inkml:channelProperty channel="Y" name="resolution" value="425.28058" units="1/cm"/>
+          <inkml:channelProperty channel="F" name="resolution" value="0" units="1/dev"/>
+          <inkml:channelProperty channel="T" name="resolution" value="1" units="1/dev"/>
+        </inkml:channelProperties>
+      </inkml:inkSource>
+      <inkml:timestamp xml:id="ts0" timeString="2016-08-21T12:40:58.648"/>
+    </inkml:context>
+    <inkml:brush xml:id="br0">
+      <inkml:brushProperty name="width" value="0.05" units="cm"/>
+      <inkml:brushProperty name="height" value="0.05" units="cm"/>
+      <inkml:brushProperty name="color" value="#177D36"/>
+      <inkml:brushProperty name="fitToCurve" value="1"/>
+    </inkml:brush>
+  </inkml:definitions>
+  <inkml:trace contextRef="#ctx0" brushRef="#br0">5318 5583 17 0,'-23'-36'8'0,"23"-58"14"16,5 74 8-16,-5-4-23 15,4-1 0 1,-4 1 5-16,5 3 0 0,0 5-15 15,-5 4 1-15,0 12 11 16,4 8 0-16,5 12-4 16,0 17 0-16,10 24-3 15,4 12 1-15,-1 21-3 16,6 3 1-16,-1-3-3 16,-8-17 1-16,-1-12 1 0,-9-4 0 15,0-21 1-15,-4-19 1 16,-10-29 0-16,-4-21 0 15,-5-28 0-15,-4-28 1 16,-14-17-3-16,5-11 1 16,-1 7-2-16,5 12 1 15,5 13-1 1,4 20 1-16,5 21-1 16,0 27 0-16,4 38 1 15,1 28 0-15,8 24-1 16,6 28 1-16,3 17-1 15,6-8 1-15,3-8 0 16,-3-17 1-16,-6-20 1 16,-8-28 0-16,-10-25 0 0,-4-20 1 0,-4-28-1 15,-6-25 0-15,1-29-1 16,4-19 1-16,1-13-3 16,8 12 1-16,5 13-1 15,5 32 0-15,-1 16 0 16,5 37 1-16,0 32 0 15,-4 25 0-15,0 20-1 0,4 21 1 16,4 3 0-16,-3 1 1 16,3-9-1-16,1-4 0 15,-5-16 0-15,0-4 0 16,-4-12 1-16,-1-13 0 16,-4-3-1-16,0-5 1 15,0-11-1 1,0-9 1-16,0 0-1 15,0-8 1-15,0 0-1 16,-4 0 1-16,-1 0-1 16,-4 0 1-16,0 4-1 15,4 4 1-15,1-4-1 16,-1 4 1-16,1-4 0 0,4 9 0 16,0-9-1-16,4-8 1 0,5-17 0 15,5-7 1-15,9-13 0 16,0-24 0-16,13-32-1 15,15-50 0-15,40-15-1 16,19-17 1-16,18-16-2 16,18 0 1-16,14 12-2 15,14 16 1 1,-23 21 0-16,-19 12 1 16,-8 20-1-16,-14 12 0 15,-14 29 0-15,-23 16 0 16,-18 13 0-16,-23 7 0 15,-23 29-1-15,-18 16 1 16,-14 21 0-16,-14 19 0 16,-31 13 0-16,-19 25 1 0,-32 23 0 15,-5 13 0-15,-13 8-1 16,-4 4 1-16,3 5 0 16,1-1 0-16,18 0-1 15,14-8 1-15,28-8-1 16,8 0 0-16,10-12-2 15,4-13 1-15,4-7 0 0,15-17 0 0,8-20 0 16,5-17 0-16,5-16 0 16,9-15 1-16,4-22 1 15,19-19 0-15,0-13 0 16,9-16 0-16,13-25 0 16,24-11 1-16,13-17 0 31,14-12 1-31,13 0-1 0,-4-16 0 15,5-1 0-15,0 13 0 16,-1 24-1-16,-13 17 0 16,-9 16-1-16,-14 12 1 15,-5 12 0-15,-13 20 0 16,-10 5 0-16,-8 16 0 0,-14 8-1 16,-14 8 1-16,-19 16-1 15,-17 21 1-15,-24 24 0 16,-4 24 0-16,-32 29-1 15,-9 12 0-15,-23 20 1 16,-4 17 0-16,17-8 0 0,10-5 0 16,14-24 0-16,13-12 0 31,23-33-4-31,14-8 0 0,32-32-13 16,22-33 0-16</inkml:trace>
+</inkml:ink>
+</file>
+
+<file path=ppt/ink/ink42.xml><?xml version="1.0" encoding="utf-8"?>
+<inkml:ink xmlns:inkml="http://www.w3.org/2003/InkML">
+  <inkml:definitions>
+    <inkml:context xml:id="ctx0">
+      <inkml:inkSource xml:id="inkSrc0">
+        <inkml:traceFormat>
+          <inkml:channel name="X" type="integer" max="9600" units="cm"/>
+          <inkml:channel name="Y" type="integer" max="7200" units="cm"/>
+          <inkml:channel name="F" type="integer" max="256" units="dev"/>
+          <inkml:channel name="T" type="integer" max="2.14748E9" units="dev"/>
+        </inkml:traceFormat>
+        <inkml:channelProperties>
+          <inkml:channelProperty channel="X" name="resolution" value="377.95276" units="1/cm"/>
+          <inkml:channelProperty channel="Y" name="resolution" value="425.28058" units="1/cm"/>
+          <inkml:channelProperty channel="F" name="resolution" value="0" units="1/dev"/>
+          <inkml:channelProperty channel="T" name="resolution" value="1" units="1/dev"/>
+        </inkml:channelProperties>
+      </inkml:inkSource>
+      <inkml:timestamp xml:id="ts0" timeString="2016-08-21T12:40:58.649"/>
+    </inkml:context>
+    <inkml:brush xml:id="br0">
+      <inkml:brushProperty name="width" value="0.05" units="cm"/>
+      <inkml:brushProperty name="height" value="0.05" units="cm"/>
+      <inkml:brushProperty name="color" value="#ED1C24"/>
+      <inkml:brushProperty name="fitToCurve" value="1"/>
+    </inkml:brush>
+  </inkml:definitions>
+  <inkml:trace contextRef="#ctx0" brushRef="#br0">-4041 5733 23 0,'-23'-4'11'0,"5"-8"2"0,13 12 12 16,1 0-20-16,4 0 1 15,0 0 6-15,0 0 0 16,4 0-13-16,10-5 1 15,4 1 10-15,23 0 1 0,10 0-2 16,13-4 1-16,18-4-3 16,28-4 0-16,18-1-1 15,14 1 1-15,18 4-3 16,4 4 1-16,1 0-2 16,-5 0 1-16,-9-1-1 15,0-3 1 1,-10 4-2-16,-13 4 0 0,-4 8 0 15,-24 0 1-15,-8 0-1 16,-19 0 0-16,-5 4 0 16,1 1 0-16,4-5-1 15,5-4 0-15,-5 0 0 16,-4 0 0-16,-10 4-1 16,-9-4 1-16,-4 8-1 0,0 0 0 15,0 0 0-15,-1-4 0 16,-4 0 0-16,1-4 1 15,-1-4-1-15,-5 8 0 16,-4 0 0-16,0-4 0 16,-4 4 0-16,-5-4 0 15,-1 4 0-15,-3 1 0 0,-1-1-1 16,5 0 1-16,0 0 0 16,0 0 1-16,-1 0-1 15,-3-4 0-15,-1 0-1 16,-4 0 1-16,-5 0-1 15,0 0 1-15,-9 0-1 16,0 0 0 0,5-8-1-16,-5 8 0 0,0-8 0 15,0-5 0-15,0 1-1 16,0-4 0-16,-5-8 0 16,-4-5 0-16,-5 1-1 15,-9-13 1-15,-4-8-1 16,-10 0 1-16,5 5 1 15,-4 7 0-15,-1 1 0 0,1-1 1 16,4 5 1-16,0 7 1 16,9 5-1-16,4 4 1 15,6-5-1-15,8 21 1 16,14 0 0-16,14 17 0 16,0-1 0-16,18 8 0 15,14 9 1 1,18 7 0-16,5-3-1 15,0-1 1-15,8 1-1 16,-3-9 1-16,-10 5-2 16,-4-1 0-16,-1 1 0 15,-13 4 0-15,-14-9 0 16,-9 0 0-16,-14-3 0 0,-18-5 0 16,-18 1 0-16,-28 7 1 0,-18 0 0 15,-22 5 0-15,-10 3 0 16,-1-3 1-16,11 4-3 15,3-5 1-15,10-8-9 16,14-3 1-16,18-5-14 16,22-4 1-16,15 0-4 15,22-20 0-15</inkml:trace>
+  <inkml:trace contextRef="#ctx0" brushRef="#br0" timeOffset="0.5017">362 5156 40 0,'0'4'20'0,"18"28"-9"0,0-28 33 0,5 9-39 15,5-1 1-15,8 4 5 16,19-4 0-16,23 0-13 16,13 1 0-16,28-5 9 15,-4-8 0-15,8-4-4 16,-4 4 1-16,-14 4-3 16,-18 4 0-16,-19 4-6 0,-13 0 1 15,-14 4-10-15,-13-3 1 16,-10-1-8-16,-13-4 0 31</inkml:trace>
+  <inkml:trace contextRef="#ctx0" brushRef="#br0" timeOffset="1.5015">906 4721 29 0,'-9'-25'14'0,"4"13"0"0,5 12 14 15,-4 0-25-15,-1 4 0 16,5 13 4-16,0 19 1 0,-4 17-8 15,-1 16 1-15,0 8 7 16,-4 29 0-16,0 20-2 0,0-4 1 16,0-4-3-16,4-13 1 15,1-15-5-15,-1-29 1 16,1-12-8-16,-6-17 0 16,1-24-5-1,5-16 0-15,-1-8-7 16,1-9 0-16</inkml:trace>
+  <inkml:trace contextRef="#ctx0" brushRef="#br0" timeOffset="2.5017">1624 5920 24 0,'0'0'12'0,"4"-4"9"16,-4 4 7-16,5-13-23 16,-1 5 1-16,-4-4 3 15,-4-4 0-15,-5-4-11 0,0-9 0 16,-1 1 8-16,-3-1 0 0,-1-3-3 15,5-5 1-15,0 1-2 16,4 3 0-16,1 1 0 16,4 3 0-16,4 5 0 15,10-1 0-15,4 5 1 16,10 8 1-16,-1 0-2 0,10 12 1 16,13-9-1-16,0 9 1 15,-4 5-2-15,-9-1 0 16,-1 4-1-16,1 4 1 15,-5 0-5-15,0-4 1 16,0 0-7-16,-5-8 1 31,1 0-11-31,-6-8 0 0</inkml:trace>
+  <inkml:trace contextRef="#ctx0" brushRef="#br0" timeOffset="3.5017">2250 5436 20 0,'0'8'10'0,"0"4"12"16,0-8-2-16,-4 9-17 16,-1 3 1-16,-4 8 4 15,0 9 0-15,0-1-9 31,-1 9 1-31,6 4 6 0,4-1 1 16,4-3-1-16,6-8 0 16,8-5-1-16,5-4 0 15,4-3-1-15,1-13 0 16,4 0-2-16,-5-16 1 16,5-12-1-16,0-5 0 15,5-11-2 1,-10 3 1-16,-9 5-1 15,-4 3 1-15,0-3-2 16,-10-1 0-16,5 1-1 16,1-9 1-16,-1 1 0 15,0-1 1-15,-9 9 0 16,0 3 0 0,0 5 1-16,0 4 0 0,-5 4-1 15,1-1 1-15,-1 5-3 16,1 4 1-16,-1 4-6 15,0 4 0-15,5 4-11 16,5 5 0-16</inkml:trace>
+  <inkml:trace contextRef="#ctx0" brushRef="#br0" timeOffset="4.5017">2790 5558 25 0,'-5'-4'12'0,"5"12"2"0,0-8 4 15,0 0-14-15,5 4 1 0,4 4 3 16,4-4 1-16,1 4-10 16,9-3 1-16,4-1 6 15,5 0 1-15,0-8-3 32,5-5 1-32,4-7-3 0,-9-4 1 15,-4-9-2-15,-5 9 0 16,-5-4-1-16,-4-1 1 15,-5 1-1-15,-5-4 1 16,-8-1-1-16,-1 1 0 16,-9 3 0-16,-4 5 0 15,-5 8 0-15,-9 8 1 0,-4 12-1 16,-10 8 0-16,0 8 0 16,5 5 1-16,4 7-1 15,10 5 0-15,4 0 1 16,9-5 0-16,5 5 2 15,9-9 0-15,5 1 1 16,4 4 1 0,5-1 0-16,4 5 0 15,5-5-1-15,4-7 1 0,5-5-2 16,5-8 1-16,9-3-1 16,4-1 0-16,5-8-2 15,4-4 0-15,1-12-3 16,-10 0 1-16,0-1-8 15,-9-3 1-15,-4 0-14 0,-5 0 1 16,0 3-1-16,-9 1 0 16</inkml:trace>
+  <inkml:trace contextRef="#ctx0" brushRef="#br0" timeOffset="5.5017">-607 5623 16 0,'32'-37'8'0,"36"-52"-27"0,-31 57 17 16</inkml:trace>
+</inkml:ink>
+</file>
+
+<file path=ppt/ink/ink43.xml><?xml version="1.0" encoding="utf-8"?>
+<inkml:ink xmlns:inkml="http://www.w3.org/2003/InkML">
+  <inkml:definitions>
+    <inkml:context xml:id="ctx0">
+      <inkml:inkSource xml:id="inkSrc0">
+        <inkml:traceFormat>
+          <inkml:channel name="X" type="integer" max="9600" units="cm"/>
+          <inkml:channel name="Y" type="integer" max="7200" units="cm"/>
+          <inkml:channel name="F" type="integer" max="256" units="dev"/>
+          <inkml:channel name="T" type="integer" max="2.14748E9" units="dev"/>
+        </inkml:traceFormat>
+        <inkml:channelProperties>
+          <inkml:channelProperty channel="X" name="resolution" value="377.95276" units="1/cm"/>
+          <inkml:channelProperty channel="Y" name="resolution" value="425.28058" units="1/cm"/>
+          <inkml:channelProperty channel="F" name="resolution" value="0" units="1/dev"/>
+          <inkml:channelProperty channel="T" name="resolution" value="1" units="1/dev"/>
+        </inkml:channelProperties>
+      </inkml:inkSource>
+      <inkml:timestamp xml:id="ts0" timeString="2016-08-21T12:37:47.003"/>
+    </inkml:context>
+    <inkml:brush xml:id="br0">
+      <inkml:brushProperty name="width" value="0.05" units="cm"/>
+      <inkml:brushProperty name="height" value="0.05" units="cm"/>
+      <inkml:brushProperty name="color" value="#ED1C24"/>
+      <inkml:brushProperty name="fitToCurve" value="1"/>
+    </inkml:brush>
+  </inkml:definitions>
+  <inkml:traceGroup>
+    <inkml:annotationXML>
+      <emma:emma xmlns:emma="http://www.w3.org/2003/04/emma" version="1.0">
+        <emma:interpretation id="{7A323AFE-2FBC-4817-8D81-6CEA053DF70D}" emma:medium="tactile" emma:mode="ink">
+          <msink:context xmlns:msink="http://schemas.microsoft.com/ink/2010/main" type="inkDrawing" rotatedBoundingBox="18760,14778 19441,11130 19656,11171 18975,14818" semanticType="callout" shapeName="Other"/>
+        </emma:interpretation>
+      </emma:emma>
+    </inkml:annotationXML>
+    <inkml:trace contextRef="#ctx0" brushRef="#br0">-518 6103 26 0,'-27'-8'13'0,"4"-8"-12"0,18 8 13 16,5 0-13-16,-4-4 1 15,-1-1 3 1,0 1 1-16,1 4-5 16,-5 8 0-16,0 8 4 15,-5 4 0-15,0 5 1 16,0 3 0-16,5-8-1 16,0 13 0-16,5 11-1 15,-1 9 1-15,-4 4 0 0,-5 24 0 16,-4-4-1-16,-5 16 1 0,0 9-1 15,0 19 1-15,-4 5-2 16,-5 4 1-16,0 12-1 16,-9 5 1-16,4-1-2 15,0 12 0-15,5-4-1 16,10 9 1-16,-1-1-1 31,4-11 1-31,6-5-1 0,-1-4 0 16,0-16 0-16,1-9 0 15,-1-11-1-15,0-17 1 16,0-8-1-16,1-12 0 16,4 4 0-16,-1 0 0 15,1-4 0-15,0 4 0 16,0 4 0-16,0-8 0 0,0 4 0 16,4 0 0-16,1-8 0 15,-1-8 1-15,0-12-2 16,1-9 1-16,-1-3-1 15,1-9 1-15,4-4-1 0,0-4 0 16,0 0 0-16,0 0 1 16,4-4 0-1,1 0 1-15,-1 1-1 16,-4-5 1-16,0 0 0 16,5-9 1-16,0 1-1 15,-5-4 0-15,4-4-1 16,1-4 0-16,4-1-6 15,0-7 1-15,5-17-15 16,-1-16 1-16,1-16-3 0,18-33 1 16</inkml:trace>
+  </inkml:traceGroup>
+</inkml:ink>
+</file>
+
+<file path=ppt/ink/ink44.xml><?xml version="1.0" encoding="utf-8"?>
+<inkml:ink xmlns:inkml="http://www.w3.org/2003/InkML">
+  <inkml:definitions>
+    <inkml:context xml:id="ctx0">
+      <inkml:inkSource xml:id="inkSrc0">
+        <inkml:traceFormat>
+          <inkml:channel name="X" type="integer" max="9600" units="cm"/>
+          <inkml:channel name="Y" type="integer" max="7200" units="cm"/>
+          <inkml:channel name="T" type="integer" max="2.14748E9" units="dev"/>
+        </inkml:traceFormat>
+        <inkml:channelProperties>
+          <inkml:channelProperty channel="X" name="resolution" value="377.95276" units="1/cm"/>
+          <inkml:channelProperty channel="Y" name="resolution" value="425.28058" units="1/cm"/>
+          <inkml:channelProperty channel="T" name="resolution" value="1" units="1/dev"/>
+        </inkml:channelProperties>
+      </inkml:inkSource>
+      <inkml:timestamp xml:id="ts0" timeString="2016-08-21T12:37:46.050"/>
+    </inkml:context>
+    <inkml:brush xml:id="br0">
+      <inkml:brushProperty name="width" value="0.05" units="cm"/>
+      <inkml:brushProperty name="height" value="0.05" units="cm"/>
+      <inkml:brushProperty name="color" value="#ED1C24"/>
+      <inkml:brushProperty name="fitToCurve" value="1"/>
+    </inkml:brush>
+  </inkml:definitions>
+  <inkml:traceGroup>
+    <inkml:annotationXML>
+      <emma:emma xmlns:emma="http://www.w3.org/2003/04/emma" version="1.0">
+        <emma:interpretation id="{F18F2D80-73FC-4076-BBD4-91117AC261E3}" emma:medium="tactile" emma:mode="ink">
+          <msink:context xmlns:msink="http://schemas.microsoft.com/ink/2010/main" type="inkDrawing" rotatedBoundingBox="24116,16605 24131,16605 24131,16620 24116,16620" shapeName="Other"/>
+        </emma:interpretation>
+      </emma:emma>
+    </inkml:annotationXML>
+    <inkml:trace contextRef="#ctx0" brushRef="#br0">32 12288 0</inkml:trace>
+  </inkml:traceGroup>
+</inkml:ink>
+</file>
+
+<file path=ppt/ink/ink45.xml><?xml version="1.0" encoding="utf-8"?>
+<inkml:ink xmlns:inkml="http://www.w3.org/2003/InkML">
+  <inkml:definitions>
+    <inkml:context xml:id="ctx0">
+      <inkml:inkSource xml:id="inkSrc0">
+        <inkml:traceFormat>
+          <inkml:channel name="X" type="integer" max="9600" units="cm"/>
+          <inkml:channel name="Y" type="integer" max="7200" units="cm"/>
+          <inkml:channel name="F" type="integer" max="256" units="dev"/>
+          <inkml:channel name="T" type="integer" max="2.14748E9" units="dev"/>
+        </inkml:traceFormat>
+        <inkml:channelProperties>
+          <inkml:channelProperty channel="X" name="resolution" value="377.95276" units="1/cm"/>
+          <inkml:channelProperty channel="Y" name="resolution" value="425.28058" units="1/cm"/>
+          <inkml:channelProperty channel="F" name="resolution" value="0" units="1/dev"/>
+          <inkml:channelProperty channel="T" name="resolution" value="1" units="1/dev"/>
+        </inkml:channelProperties>
+      </inkml:inkSource>
+      <inkml:timestamp xml:id="ts0" timeString="2016-08-21T12:42:39.908"/>
+    </inkml:context>
+    <inkml:brush xml:id="br0">
+      <inkml:brushProperty name="width" value="0.05" units="cm"/>
+      <inkml:brushProperty name="height" value="0.05" units="cm"/>
+      <inkml:brushProperty name="color" value="#ED1C24"/>
+      <inkml:brushProperty name="fitToCurve" value="1"/>
+    </inkml:brush>
+  </inkml:definitions>
+  <inkml:traceGroup>
+    <inkml:annotationXML>
+      <emma:emma xmlns:emma="http://www.w3.org/2003/04/emma" version="1.0">
+        <emma:interpretation id="{75066709-7FAF-4CC1-A1B1-E364C0B6E014}" emma:medium="tactile" emma:mode="ink">
+          <msink:context xmlns:msink="http://schemas.microsoft.com/ink/2010/main" type="writingRegion" rotatedBoundingBox="8911,4156 12528,16982 4505,19245 888,6419"/>
+        </emma:interpretation>
+      </emma:emma>
+    </inkml:annotationXML>
+    <inkml:traceGroup>
+      <inkml:annotationXML>
+        <emma:emma xmlns:emma="http://www.w3.org/2003/04/emma" version="1.0">
+          <emma:interpretation id="{61DC8B6F-1E8B-4F41-A31B-B7C91D7B51D4}" emma:medium="tactile" emma:mode="ink">
+            <msink:context xmlns:msink="http://schemas.microsoft.com/ink/2010/main" type="paragraph" rotatedBoundingBox="7750,5236 11171,17364 4505,19245 1084,7116" alignmentLevel="1"/>
+          </emma:interpretation>
+        </emma:emma>
+      </inkml:annotationXML>
+      <inkml:traceGroup>
+        <inkml:annotationXML>
+          <emma:emma xmlns:emma="http://www.w3.org/2003/04/emma" version="1.0">
+            <emma:interpretation id="{8393CCD4-8C71-47F8-A211-AF929BB5E538}" emma:medium="tactile" emma:mode="ink">
+              <msink:context xmlns:msink="http://schemas.microsoft.com/ink/2010/main" type="line" rotatedBoundingBox="7750,5236 11171,17364 4505,19245 1084,7116"/>
+            </emma:interpretation>
+          </emma:emma>
+        </inkml:annotationXML>
+        <inkml:traceGroup>
+          <inkml:annotationXML>
+            <emma:emma xmlns:emma="http://www.w3.org/2003/04/emma" version="1.0">
+              <emma:interpretation id="{42D71910-E537-4DC2-A49B-007BEBC4B5D2}" emma:medium="tactile" emma:mode="ink">
+                <msink:context xmlns:msink="http://schemas.microsoft.com/ink/2010/main" type="inkWord" rotatedBoundingBox="7750,5236 11171,17364 4505,19245 1084,7116"/>
+              </emma:interpretation>
+            </emma:emma>
+          </inkml:annotationXML>
+          <inkml:trace contextRef="#ctx0" brushRef="#br0">206 1048 25 0,'11'9'12'0,"-6"-4"2"0,-5-5 13 0,0 0-24 16,0 0 0-16,0 0 4 15,0 0 0-15,0 0-7 16,0 0 0-16,0 0 7 15,0 0 0-15,0 0 0 16,-5 0 0-16,0 0-1 0,-1-9 1 16,-4-1-2-16,-1 6 1 0,-10 4-1 31,0-5 0-31,-6 0-2 16,-4 5 1-16,-1-4-1 0,-5 4 0 15,0 0 0-15,0 0 1 16,-6 4-2-16,-4 1 1 15,-6 0-1 1,-11 9 0-16,-10-5-1 0,0 1 1 16,-11 8-2-16,-5 6 1 15,6 9-1-15,10-5 0 16,-11 0 0-16,0 0 1 16,-10 1-1-16,-5-6 1 15,-1 10-1-15,-5 5 1 16,6-1-1-16,10 6 1 15,-6-1-1-15,-4 0 1 16,-1-4-1-16,1 4 0 0,10-4 0 0,-5 4 0 16,-6 1 0-16,1 4 1 15,10 9-2 1,-11 10 1-16,-10 0 0 16,10 0 0-16,1 18 0 0,-1-8 0 0,11-6-1 31,6 5 1-31,-1 1 0 15,11 8 0-15,-5-8 0 16,-1 8 0-16,1 1 0 16,-6 14 0-16,6 9 0 15,5-9 0-15,0 4 0 16,0 1 0-16,5-10 0 16,5 9 0-16,6-9 0 15,0 10 0-15,15-1-1 0,6 5 1 16,0-4 0-1,0-1 0-15,6 1 0 0,-1 4 0 0,0-9 0 32,6 9 0-32,-1 0 0 0,6 5 0 0,-5 0 0 15,-6-5 0-15,0 10 0 16,0-10 1-16,6 19-1 16,-1-9 0-16,6-6 0 15,0 20 1-15,0-14-1 16,0 13 1-1,0 6-1-15,5 4 0 16,0-5 0-16,5 5 1 0,1 1-1 16,4-1 1-16,1-10-1 15,5 6 1-15,0-10 0 16,5 5 0-16,1-15 0 16,-1 10 0-16,0-5-1 15,0 1 1-15,1 4-1 16,4-5 1-16,1 0-1 0,0-9 1 15,4 14 0-15,1-9 0 16,11-5-1-16,-1 14 1 16,1 0-1-16,-6-5 0 15,0-4 1-15,5 9 0 16,-4-15 0-16,-1 6 0 16,0 9 0-1,0 0 0-15,-5-5 0 16,5-4 0-16,0 0 0 15,-10 4 0-15,5-5-1 16,5 1 1-16,5-5-1 16,6 4 1-16,0-8-1 0,5-1 1 15,5 5-1-15,6-10 0 16,5 1 0-16,-6 4 0 0,12-5 0 16,-6 1 1-16,5-5-1 15,-5-10 1-15,5 0 0 16,-5 1 0-16,5-1 0 15,0-4 1-15,11-1-1 16,0 6 0-16,5-10 0 16,0 14 0-16,-10-9-1 0,-1-15 1 15,1 5-1-15,-1 1 1 16,1-6-1-16,-1 5 1 16,-10-13-1-16,0-1 1 15,0 5-1-15,5-5 0 16,0-5 0-1,0-4 1-15,6 9-1 16,-6-9 0-16,6-5 0 16,-6 0 0-16,0-10 0 15,0 1 0-15,-5 0 0 16,0-10 0-16,0 10 0 0,-11-10 0 16,1 0 0-16,-6-4 0 15,5 4 0-15,0-5 1 16,11 1-1-16,-5 4 0 0,0-4 0 15,-1-1 0-15,1 5 0 16,-1 1 0-16,-4-15 0 16,-1-5 0-16,6 15 0 15,-1-6 1-15,1 6-1 16,0-10 0-16,-6 10 0 16,6-6 0-1,-11-4 0-15,0 1 1 16,5-1-1-16,0-5 0 15,1 5 0-15,-1-4 1 16,6-1-1-16,-1 0 0 16,1 1 0-16,5 4 0 0,5-5 0 15,-5-4 1-15,5 4-1 16,-5-4 0 0,21-19 0-1,-10 5 0-15,-1-10 0 0,6 5 1 16,-6 4-1-16,-4-4 0 15,-7 9 0-15,1-4 1 16,-5-5-1-16,0 0 0 16,-6-5 0-16,0 5 0 0,1-5 0 15,-1 14 0-15,0-9 0 16,-5 5 0-16,0-5 0 16,0 0 0-16,-5-5 0 15,5 0 0-15,-10-4 0 31,-1-1 1-31,1 0-1 16,-12 1 0-16,1-1 0 0,0 1 0 16,0-1 0-16,0 1 0 15,0 9 0-15,0-10 0 16,5 5 0-16,-5-4 0 16,5 4 0-16,0-4 0 0,0 4 0 15,0-5 0-15,1 1-1 16,4-1 1-16,-5 1 0 15,0-1 1-15,1 1-2 16,-1-1 1-16,-5-4 0 0,5 4 0 16,-5 6 0-16,5-11 0 15,-5 6 0-15,0 9 0 16,-6-5 0-16,1-9 0 31,-1 9 0-31,1-5 0 0,-1 10-1 16,1 5 1-16,-6-1-1 15,1 6 1-15,-6 4-1 16,0 0 1-16,0-10-1 16,0 10 1-16,-6-4-1 15,-4-1 1-15,-1 10 0 16,-5-5 0-16,-5 0 0 0,0 9 0 16,-5 5 0-16,-12 0 0 15,7 5 0-15,-6 0 0 16,5 4 0-16,-5 6 0 0,10-6-1 15,-4 5 1-15,-1 1 0 16,0-11 0-16,0 1 0 31,1 5 0-31,4-5 0 16,6-1 0-16,5 1-1 0,0 5 1 16,6-1 0-16,4 1 0 15,1-5-1-15,0-1 1 16,10-8 0-16,-5-1 0 15,5-9-1-15,11 10 1 16,5-6-2-16,-5-13 1 0,6-5 0 16,-1-5 1-16,5 10 0 15,6-10 0-15,5 0 0 16,0 0 0-16,0 0 1 16,0 0 0-16,0 1-3 15,0 4 1-15,-5-1-1 16,0-8 0-16,-11 9 0 0,0-5 0 15,-5 0-1-15,-6 0 1 16,-4 10 1-16,-6-5 1 0,-6 4 0 16,-4 6 0-16,-6 4 0 15,-5 4 0-15,-6 6 0 16,-4 4 0-16,-6 0 0 31,-6 0 0-31,6-4 0 0,0-1 0 16,0 0 0-1,5 6 0-15,1-6-1 0,4 10 1 16,6-5-1-16,0 5 1 0,5-1-1 16,5-8 1-16,6 4-1 15,5-5 1-15,0-4-1 16,11 0 0-16,5 0 0 16,-1-15 1-16,12 1-1 15,5-10 1-15,5 9 0 16,0-8 0-16,0-1 0 15,0-5 1-15,-5 1-1 16,-1-5 0-16,-4 4 0 16,-1-9 0-1,1 5 0-15,-6-5 1 16,-5 9-1-16,0 10 0 16,-6 0 1-16,-5 5 0 0,-5-1-1 15,0 6 0-15,-10 4 0 16,-1 4 0-16,-10 11 0 15,0-1 0-15,0 0-1 16,0 0 1-16,5 0-1 16,-5 5 0-16,5-10 0 0,5 1 1 15,6-1-2-15,0-4 1 16,-1-1-1-16,6-4 1 16,6 5-1-16,-6 0 1 15,5-5-2-15,0 0 1 16,6-5-2-16,5 0 1 0,-1-4 0 15,7 0 0-15,-1-5 0 16,0-5 0-16,0 0 1 16,0 0 1-16,-5 5 1 15,-5 0 1-15,-1 0 1 16,-4 0 0-16,-6 0 0 31,0 4 1-31,0 1-1 0,0 9 1 16,0 0-1-16,0 0 0 0,5 9-1 15,-5 10 0-15,0 9-1 16,0 10 1-16,0 14-1 16,0-1 0-16,0 1 0 15,5 0 0-15,0-10 0 16,1-4 0-16,-1-5 0 0,0-5 0 16,-5-5 0-16,6-4 0 15,-1-5-1-15,0-9 1 16,-5 0-1-16,6-1 1 15,-6-4 0-15,0-14 0 16,0-5 0-16,-6-9 0 16,1-5 0-1,0-9 0-15,-1 0 0 16,6 9 1-16,-5 0-1 16,5 9 1-16,0 5-1 15,0 15 1-15,0 4 0 16,0 9 0-16,0 10-1 15,5 14 1-15,-5 9-1 16,6 5 0-16,-1 5 0 0,0 4 0 16,-5-4 0-16,0-5 0 0,0-9 0 15,6-15 0-15,-6-13-1 16,0-20 1-16,-6-13 0 16,6-15 0-16,-5-9-1 15,0-9 1-15,-1-5 0 16,6 4 1-1,-5 5 0-15,5 5 0 16,0 24 0-16,0 4 1 16,0 19-1-16,0 14 1 15,5 14-1-15,-5 19 0 16,0-4-1-16,0 4 1 16,-5 0-2-16,5-5 0 15,-5-9-9-15,5-14 1 0,0-28-13 16,-11-34 1-16</inkml:trace>
+        </inkml:traceGroup>
+      </inkml:traceGroup>
+    </inkml:traceGroup>
+  </inkml:traceGroup>
+</inkml:ink>
+</file>
+
+<file path=ppt/ink/ink46.xml><?xml version="1.0" encoding="utf-8"?>
+<inkml:ink xmlns:inkml="http://www.w3.org/2003/InkML">
+  <inkml:definitions>
+    <inkml:context xml:id="ctx0">
+      <inkml:inkSource xml:id="inkSrc0">
+        <inkml:traceFormat>
+          <inkml:channel name="X" type="integer" max="9600" units="cm"/>
+          <inkml:channel name="Y" type="integer" max="7200" units="cm"/>
+          <inkml:channel name="F" type="integer" max="256" units="dev"/>
+          <inkml:channel name="T" type="integer" max="2.14748E9" units="dev"/>
+        </inkml:traceFormat>
+        <inkml:channelProperties>
+          <inkml:channelProperty channel="X" name="resolution" value="377.95276" units="1/cm"/>
+          <inkml:channelProperty channel="Y" name="resolution" value="425.28058" units="1/cm"/>
+          <inkml:channelProperty channel="F" name="resolution" value="0" units="1/dev"/>
+          <inkml:channelProperty channel="T" name="resolution" value="1" units="1/dev"/>
+        </inkml:channelProperties>
+      </inkml:inkSource>
+      <inkml:timestamp xml:id="ts0" timeString="2016-08-21T12:42:50.925"/>
+    </inkml:context>
+    <inkml:brush xml:id="br0">
+      <inkml:brushProperty name="width" value="0.05" units="cm"/>
+      <inkml:brushProperty name="height" value="0.05" units="cm"/>
+      <inkml:brushProperty name="color" value="#ED1C24"/>
+      <inkml:brushProperty name="fitToCurve" value="1"/>
+    </inkml:brush>
+  </inkml:definitions>
+  <inkml:trace contextRef="#ctx0" brushRef="#br0">307 835 23 0,'-63'10'11'0,"21"-6"5"0,31-4 11 0,-5-9-24 15,0-5 1-15,-5 0 5 16,0 0 0-16,5-5-9 15,0-5 0-15,0 1 8 16,6-5 1 0,-1-10-2-16,6 10 1 0,5-5-3 15,10-5 1-15,6 1-2 16,16-6 0-16,5 1-1 16,16 4 0-16,5 10-2 15,11 0 1-15,0-5-1 16,10 5 1-16,6 4-1 15,15-4 1-15,-4 9-1 0,9 14 0 16,1 5 0-16,-5 15 1 16,-11 8 1-16,0 1 0 15,-11 13-1-15,-10 15 1 16,-6 4-1-16,-15 10 1 0,-6 5-2 16,-15 9 1-16,-17 9-1 31,-15-4 0-31,-11-15 0 15,-5 1 0-15,-21-5-1 0,-22-5 1 16,-15-9-1-16,-11-1 1 16,-21-18-1-16,5-14 0 15,5-14-2-15,-4-15 0 16,-1-18-1-16,0 0 0 16,0-19 0-16,0-5 1 0,16-4-1 15,11-1 1-15,10 1 1 16,11-24 1-16,16 9-1 15,15-13 0-15,17 4 0 16,20 0 1-16,17-5-2 16,10 5 1-16,16 10 0 15,21 8 0-15,5 11 1 0,-5 4 0 16,16 9 0-16,0 0 1 16,5 10 0-16,6 14 1 15,-1 19 0-15,-10 9 0 16,-5 19-1-16,0 19 1 15,-6-1-2-15,-15 15 1 0,-6 9-1 32,-5 5 1-32,-6 10 0 15,-10 4 1-15,-16 9-1 16,-21-9 0-16,-15 5 1 16,-17 0 0-16,-26-10-1 0,-11-4 1 15,-21-10-1-15,-16-14 0 16,0-23-1-16,11-19 0 15,-11-19-2-15,-5-19 0 0,10-23 0 16,6-5 1-16,0-15-2 16,10-17 1-16,11-6 0 15,11-9 1-15,15 0 0 16,16-5 1-16,16 0-1 16,27 0 0-16,16 5 0 15,25 5 0 1,23 9 0-16,4 19 0 15,0 18 0-15,22 15 1 16,-1 19-1-16,6 18 1 16,0 15 0-16,-5 4 1 15,-6 14 0-15,-11 15 0 16,-9 4 0-16,-12 5 0 0,-21 9 1 16,-15 5 1-16,-17 0-1 15,-20 19 0-15,-17-15 0 16,-20 1 0-16,-22 0-1 15,-16-5 1-15,-5-10-2 16,0-9 1-16,-5-28-2 0,-11-19 1 16,0-23-3-16,1-14 1 15,-6-10 0-15,21-24 0 0,10 1-1 16,11 4 0-16,16 0 1 16,11-9 0-16,10-5 1 15,17-4 1-15,15-10 0 16,21-5 0-16,16 14-1 15,10 1 1-15,6 13-6 32,11 15 1-32,-1 0-13 0,11 18 1 15,-5 10-4-15,0 0 0 16</inkml:trace>
+</inkml:ink>
+</file>
+
+<file path=ppt/ink/ink47.xml><?xml version="1.0" encoding="utf-8"?>
+<inkml:ink xmlns:inkml="http://www.w3.org/2003/InkML">
+  <inkml:definitions>
+    <inkml:context xml:id="ctx0">
+      <inkml:inkSource xml:id="inkSrc0">
+        <inkml:traceFormat>
+          <inkml:channel name="X" type="integer" max="9600" units="cm"/>
+          <inkml:channel name="Y" type="integer" max="7200" units="cm"/>
+          <inkml:channel name="F" type="integer" max="256" units="dev"/>
+          <inkml:channel name="T" type="integer" max="2.14748E9" units="dev"/>
+        </inkml:traceFormat>
+        <inkml:channelProperties>
+          <inkml:channelProperty channel="X" name="resolution" value="377.95276" units="1/cm"/>
+          <inkml:channelProperty channel="Y" name="resolution" value="425.28058" units="1/cm"/>
+          <inkml:channelProperty channel="F" name="resolution" value="0" units="1/dev"/>
+          <inkml:channelProperty channel="T" name="resolution" value="1" units="1/dev"/>
+        </inkml:channelProperties>
+      </inkml:inkSource>
+      <inkml:timestamp xml:id="ts0" timeString="2016-08-21T12:43:13.098"/>
+    </inkml:context>
+    <inkml:brush xml:id="br0">
+      <inkml:brushProperty name="width" value="0.05" units="cm"/>
+      <inkml:brushProperty name="height" value="0.05" units="cm"/>
+      <inkml:brushProperty name="color" value="#177D36"/>
+      <inkml:brushProperty name="fitToCurve" value="1"/>
+    </inkml:brush>
+  </inkml:definitions>
+  <inkml:traceGroup>
+    <inkml:annotationXML>
+      <emma:emma xmlns:emma="http://www.w3.org/2003/04/emma" version="1.0">
+        <emma:interpretation id="{F50CBD4B-8A5B-467D-B684-76A6F9F128AC}" emma:medium="tactile" emma:mode="ink">
+          <msink:context xmlns:msink="http://schemas.microsoft.com/ink/2010/main" type="inkDrawing" rotatedBoundingBox="6684,16030 10588,16141 10532,18125 6628,18015" semanticType="enclosure" shapeName="Other"/>
+        </emma:interpretation>
+      </emma:emma>
+    </inkml:annotationXML>
+    <inkml:trace contextRef="#ctx0" brushRef="#br0">-1082-269 62 0,'11'-19'31'0,"36"19"-33"16,-36-4 31-16,0-6-31 15,-6-9 0-15,-5-14 0 16,-16-4 1-16,-10 4 4 15,-27 5 1-15,-27 4 1 0,-20 10 0 16,-33 9 2-16,-15 19 1 0,-10 10 0 16,-12 9 0-16,-15 0-3 15,5 14 1-15,0 0-3 16,11 5 0-16,5-1-1 16,5-4 0-16,11 10 1 15,26 4 0-15,11 0-1 16,21 5 1-16,21-10 0 0,22 15 1 15,15-10-2-15,16 10 0 16,21 13-1-16,22 6 0 16,26-1 0-16,10 0 0 15,22-4 0-15,21 0 0 16,5-10-1-16,21 5 1 31,11-9 0-31,5-10 1 0,6-5-1 16,-6-4 0-16,11-5-1 15,5-9 1-15,-11-15 0 16,1-9 0-16,-12-14-1 16,7-9 0-16,15-5 0 0,-11 9 1 15,1-19-1-15,-12 1 0 16,-4-10-1-16,0-5 1 0,-11 1 0 16,-6-1 0-16,-15-4 0 15,-11-10 0-15,1 5 0 16,-1-14 0-16,-16-10 0 15,-10 5 0-15,-16 1-1 16,-11 8 1-16,-21 1-1 31,-10-10 1-31,-22 0-1 0,-10-5 1 16,-16 6-1-16,-5-6 0 16,-16 5 0-16,-22 10 0 15,-15 4 0-15,0 5 1 0,-27 0-1 16,-10 9 1-16,-16 1-1 15,-1 4 1-15,-4 5 0 16,0 4 0-16,20 10 0 16,-4 5 0-16,-11 9-1 15,-1 4 1-15,6 1-1 16,1 4 1-16,-7 1 0 16,1 4 0-16,11-5 0 15,15 5 0-15,27 0 0 0,10 5 0 16,11 10-1-1,10 8 1-15,12 5-1 16,4-4 0-16,11 0 0 16,0-5 0-16,10-5 1 15,6-5 0-15,0-4 0 16,0-9 1-16,5-15 0 16,5-9 0-16,6-5-1 15,10-5 1-15,6-4-1 16,5 0 0-16,0-5 0 15,5 0 0-15,0-4-1 16,6 4 1-16,15 0-1 16,16-5 1-16,21 0 0 15,17 1 0-15,20-1 0 0,11 5 0 16,32 5 0-16,0 5 0 0,15-1 0 16,1 10 1-16,10 14-1 15,0-5 1-15,1 19 0 16,-17 10 0-16,-10 9-1 15,5 14 1-15,-11 0-1 0,-15 19 0 16,-6 9 0-16,-21 10 0 31,-16 9 0-31,-10-5 0 0,-27 15-1 16,-15-6 1-16,-33 20 0 16,-20-5 0-16,-27-5 0 15,-32 0 1-15,-27-9-1 16,-4-5 0-16,-16-9 0 15,-17-5 1-15,-20-10-1 16,-6-13 0-16,-21-10-1 0,0-19 1 16,-21-14 0-16,0-19 0 31,-122-46-1-31,59-6 0 0,31-9 0 16,26 0 1-16,33-4-1 15,20-5 1-15,17-5-1 31,15-14 0-31,22 4 1 16,25-4 0-16,28-5 0 16,20 5 0-16,22-5 0 15,26 1 0-15,16 8 0 16,32 10 0-16,26 0 0 0,43-4 0 16,15 13 0-16,27 10 0 15,16 9 0-15,16 5 0 0,15 14 0 16,1 10 1-16,5 13-1 15,-1 10 0-15,-20 15 0 16,-21 17 1-16,-1 15-1 16,-21 10 0-16,-26 13-1 15,-26 15 1-15,-17 5 0 16,-26-6 0-16,-21 10 0 0,-16 5 0 16,-15-5 0-16,-28 10 0 15,-26-6 0-15,-26-4 0 16,-26 1 0-16,-28 3 0 15,-20-18 0-15,-27-9 1 0,-10-10-1 16,-6-14 0-16,-10-14 0 31,-16-10 0-31,-5-4-1 16,10-9 1-16,-10-6-1 16,5-8 1-16,15-15 0 15,17-9 0-15,21-15-1 16,21-23 1-16,21-14-1 15,21-18 0-15,17-6-1 16,25 1 1-16,27-1 0 0,16 5 0 0,22-4 0 16,20 0 1-16,32 8 0 15,32 1 1-15,26 5 0 16,16-5 0-16,37 23-1 16,27 10 1-16,16 0-1 15,4 19 1-15,7 14-1 31,-7 18 0-31,-15-4 0 0,-5 19 1 16,-6 18-1-16,-31 24 1 16,-21 24-1-16,-17 9 0 15,-26 9 0-15,-16 15 0 16,-31-6 0-16,-27 11 0 0,-32 3 0 16,-26 11 0-16,-42-1 0 15,-43-9 1-15,-21-5-1 16,-27-4 1-16,-31-6-1 15,-11-8 1-15,-10-24 0 16,0-10 0-16,-11-23-1 16,0-19 0-16,10-23-1 0,-15-5 1 15,16-19 0-15,10-14 0 16,16 0 0 0,21-19 1-16,27-5-1 15,16-4 0-15,15-14 0 16,32-1 0-16,27 10-1 15,26 0 0-15,42 0-1 16,33 0 0-16,41-4-7 16,38-1 1-16,42 5-14 15,21-5 1-15</inkml:trace>
+  </inkml:traceGroup>
+</inkml:ink>
+</file>
+
+<file path=ppt/ink/ink48.xml><?xml version="1.0" encoding="utf-8"?>
+<inkml:ink xmlns:inkml="http://www.w3.org/2003/InkML">
+  <inkml:definitions>
+    <inkml:context xml:id="ctx0">
+      <inkml:inkSource xml:id="inkSrc0">
+        <inkml:traceFormat>
+          <inkml:channel name="X" type="integer" max="9600" units="cm"/>
+          <inkml:channel name="Y" type="integer" max="7200" units="cm"/>
+          <inkml:channel name="T" type="integer" max="2.14748E9" units="dev"/>
+        </inkml:traceFormat>
+        <inkml:channelProperties>
+          <inkml:channelProperty channel="X" name="resolution" value="377.95276" units="1/cm"/>
+          <inkml:channelProperty channel="Y" name="resolution" value="425.28058" units="1/cm"/>
+          <inkml:channelProperty channel="T" name="resolution" value="1" units="1/dev"/>
+        </inkml:channelProperties>
+      </inkml:inkSource>
+      <inkml:timestamp xml:id="ts0" timeString="2016-08-21T12:37:40.492"/>
+    </inkml:context>
+    <inkml:brush xml:id="br0">
+      <inkml:brushProperty name="width" value="0.05" units="cm"/>
+      <inkml:brushProperty name="height" value="0.05" units="cm"/>
+      <inkml:brushProperty name="color" value="#ED1C24"/>
+      <inkml:brushProperty name="fitToCurve" value="1"/>
+    </inkml:brush>
+  </inkml:definitions>
+  <inkml:traceGroup>
+    <inkml:annotationXML>
+      <emma:emma xmlns:emma="http://www.w3.org/2003/04/emma" version="1.0">
+        <emma:interpretation id="{7D599EBA-3571-489C-A9C2-66A76FB67BB2}" emma:medium="tactile" emma:mode="ink">
+          <msink:context xmlns:msink="http://schemas.microsoft.com/ink/2010/main" type="inkDrawing" rotatedBoundingBox="10226,16581 10231,16597 10217,16602 10212,16586" shapeName="Other"/>
+        </emma:interpretation>
+      </emma:emma>
+    </inkml:annotationXML>
+    <inkml:trace contextRef="#ctx0" brushRef="#br0">5 16 0,'0'0'0,"0"0"15,0 0-15,0 0 16,0 0-16,0 0 16,0 0-16,0 0 15,0 0-15,0 0 16,0 0-16,0 0 16,-5-16-16,5 16 0,0 0 15</inkml:trace>
+  </inkml:traceGroup>
+</inkml:ink>
+</file>
+
+<file path=ppt/ink/ink49.xml><?xml version="1.0" encoding="utf-8"?>
+<inkml:ink xmlns:inkml="http://www.w3.org/2003/InkML">
+  <inkml:definitions>
+    <inkml:context xml:id="ctx0">
+      <inkml:inkSource xml:id="inkSrc0">
+        <inkml:traceFormat>
+          <inkml:channel name="X" type="integer" max="9600" units="cm"/>
+          <inkml:channel name="Y" type="integer" max="7200" units="cm"/>
           <inkml:channel name="T" type="integer" max="2.14748E9" units="dev"/>
         </inkml:traceFormat>
         <inkml:channelProperties>
@@ -1732,46 +2096,6 @@
       </emma:emma>
     </inkml:annotationXML>
     <inkml:trace contextRef="#ctx0" brushRef="#br0">0 0 0,'0'0'0,"0"0"15,0 0 1,0 0 0,0 0-1,0 0 1,0 0 0</inkml:trace>
-  </inkml:traceGroup>
-</inkml:ink>
-</file>
-
-<file path=ppt/ink/ink41.xml><?xml version="1.0" encoding="utf-8"?>
-<inkml:ink xmlns:inkml="http://www.w3.org/2003/InkML">
-  <inkml:definitions>
-    <inkml:context xml:id="ctx0">
-      <inkml:inkSource xml:id="inkSrc0">
-        <inkml:traceFormat>
-          <inkml:channel name="X" type="integer" max="9600" units="cm"/>
-          <inkml:channel name="Y" type="integer" max="7200" units="cm"/>
-          <inkml:channel name="F" type="integer" max="256" units="dev"/>
-          <inkml:channel name="T" type="integer" max="2.14748E9" units="dev"/>
-        </inkml:traceFormat>
-        <inkml:channelProperties>
-          <inkml:channelProperty channel="X" name="resolution" value="377.95276" units="1/cm"/>
-          <inkml:channelProperty channel="Y" name="resolution" value="425.28058" units="1/cm"/>
-          <inkml:channelProperty channel="F" name="resolution" value="0" units="1/dev"/>
-          <inkml:channelProperty channel="T" name="resolution" value="1" units="1/dev"/>
-        </inkml:channelProperties>
-      </inkml:inkSource>
-      <inkml:timestamp xml:id="ts0" timeString="2016-08-21T12:43:34.761"/>
-    </inkml:context>
-    <inkml:brush xml:id="br0">
-      <inkml:brushProperty name="width" value="0.05" units="cm"/>
-      <inkml:brushProperty name="height" value="0.05" units="cm"/>
-      <inkml:brushProperty name="color" value="#177D36"/>
-      <inkml:brushProperty name="fitToCurve" value="1"/>
-    </inkml:brush>
-  </inkml:definitions>
-  <inkml:traceGroup>
-    <inkml:annotationXML>
-      <emma:emma xmlns:emma="http://www.w3.org/2003/04/emma" version="1.0">
-        <emma:interpretation id="{500881F7-CF62-4B5A-8697-9AC3450E0A49}" emma:medium="tactile" emma:mode="ink">
-          <msink:context xmlns:msink="http://schemas.microsoft.com/ink/2010/main" type="inkDrawing" rotatedBoundingBox="15654,9808 16350,15956 10301,16641 9605,10492" shapeName="Other"/>
-        </emma:interpretation>
-      </emma:emma>
-    </inkml:annotationXML>
-    <inkml:trace contextRef="#ctx0" brushRef="#br0">4 6539 24 0,'0'24'12'0,"0"-57"-1"0,0 37 13 15,0 10-23-15,0-14 1 16,0 0 1-16,0 0 0 0,0 0-4 0,11 0 1 15,0 0 3-15,4 10 0 16,7-5 1-16,4-1 1 16,6-13 0-16,0-1 0 15,5 1-1-15,5 0 0 16,-5-5 0-16,0-1 1 16,11-3-3-1,10-6 0-15,5 1 0 16,6-6 0-16,5 1 1 15,0 0 0-15,16 4 0 16,-5-4 1-16,-6 5-1 16,1-1 1-16,-1-14-1 15,11 1 0-15,0-5-2 16,0-1 1-16,5-4-1 0,0 0 0 0,-5 0 0 16,-5-9 0-16,0 13 1 15,5-4 0-15,5-9-1 16,5-10 0-16,6 0 0 15,5 10 0-15,-10-5-1 16,-6-1 1-16,-5 1-1 16,-5 0 0-1,5 5 0-15,0-1 1 16,-6-4-1-16,6 0 1 16,-5 4 0-16,5-4 0 15,0-9 0-15,-5-6 0 16,-1 1-1-16,1 5 1 15,5-1 1-15,5-4 0 0,-10 4 0 16,0 1 1-16,-1-6-1 16,1 6 0-16,-6-5 0 15,-10-5 1-15,0 4-3 16,0-13 1-16,5-14-1 16,10 9 1-16,-10-5-1 15,1 9 0-15,-1-8 0 16,-6-1 1-16,-4 5-1 0,-1 4 1 0,1-13-1 15,-6-1 1-15,-5 10-1 16,-5 0 1-16,-6 5-1 16,0-5 0-16,-5-14 0 15,0 9 1-15,0 0-1 16,0 0 0-16,1 1 0 31,-12-1 0-31,-5 0 1 0,-5 19 0 16,0-5-1-16,-6-9 1 15,-10 5-1-15,0 14 0 16,0-5 0-16,-5 4 1 16,-5-4-1-16,-6 15 1 15,-5-6-1-15,-6 10 0 16,1 0 0-16,-11 0 1 0,0 4-1 16,-6 5 0-16,-10-4 0 15,11 14 0-15,-16-20-1 16,0 11 1-16,-1 4 0 15,-4-5 0-15,-6 0 0 16,0 5 0-16,0 5 0 16,1 0 0-1,-17 4 0-15,-16 10 0 0,-4 4 0 16,4 1 0 0,-36-20-1-1,9 6 1-15,7 8-1 16,-1 1 1-16,0 9-1 15,6 5 0-15,0 5 0 16,4 4 1-16,17 10-1 0,11-5 1 16,-1 5-1-16,5 4 1 15,1-4-1-15,-6 4 1 16,6 5-1-16,5-4 1 16,-5 4-1-16,-1 5 0 15,1 4 0-15,-1 5 1 16,6 1-1-16,0-1 1 0,11 5-1 15,5 0 1-15,-6-10-1 16,1-9 1-16,4 5 0 16,6 0 0-16,1 0 0 15,-1-1 0-15,0 6-1 16,0 4 1-16,0 5 0 16,0 5 0-1,-5-1-1-15,5-8 1 0,11 4 0 16,4-1 0-16,1 6 0 15,0 0 0-15,0-5-1 16,0-5 1-16,0 5 0 16,-5-5 1-16,5 0-1 15,5-4 0-15,6-5 0 16,-6-5 0-16,11 0 0 0,0 0 0 16,-1-5-1-16,7-4 1 15,-1 0-1-15,5 4 0 16,1-4-1-16,4 0 1 15,1-5 0-15,0 4 0 16,-1 1 0-16,1 0 1 16,0-1-1-1,-1-4 1-15,1 5 0 16,5 0 0-16,0-1 0 16,0 1 0-16,-5-5 0 15,5 0 0-15,0 0-1 16,0 0 1-16,0 0 0 15,0 0 0-15,0 0 0 16,0 0 0-16,0 0 0 0,5-5 0 16,-5 5-1-16,11-9 1 0,-1 0 0 15,12-5 0-15,4-1 0 16,-5-8 0-16,6-5 0 16,-1-10 0-16,6 5 0 15,0 0 1-15,-6 10-1 16,6-6 1-16,-11 6 0 0,-5 4 1 15,0-4-1-15,0-1 0 16,-1-4 0-16,-4 0 1 16,0 4-2-16,-1 1 1 15,1 4-1-15,-6 5 0 16,0 4 0-16,-5 10 1 31,0 0-1-31,-5 5 1 0,5 0-1 16,-5 4 1-16,-11 5-1 15,-5 0 1-15,-6 5-1 16,-4 0 1-16,-1 9-1 16,-11 10 0-16,1 4 0 15,0 5 0-15,5 0 0 16,5-4 0-16,6-11-1 0,10-3 1 0,0-6-1 16,5-4 1-16,1-5 0 15,4-4 0-15,1-6-1 16,5 1 1-16,0 0 0 15,5-5 0-15,6-5 0 16,5-4 0-16,10-1 0 31,6-9 0-31,5-14 0 0,5-14 1 16,1 5-1-16,-6 0 0 16,-6-5-1-16,-4 9 1 15,-1 5 0-15,-4 5 0 16,-7 4 0-16,-9 6 1 15,-1 3-1-15,-5 11 1 16,-11 8-1-16,-10 11 0 16,-10-1 0-16,-17 23 1 0,0 10-2 15,1 0 1-15,-1 5 0 16,6-5 0-16,5-5-1 16,5-4 1-16,5-5 0 15,6-5 0-15,5-4-1 0,6-10 1 16,10-5 0-16,10-9 0 0,1-14 0 15,10-9 0-15,11-6 0 16,10-8 0-16,6-15 0 16,-1 5 0-16,1 0 0 15,-11 0 1-15,0 5-2 16,-5-1 1-16,-6 6 0 31,-4 8 0-31,-7 6 0 0,-4 14 1 16,-16 13-1-16,-16 15 0 15,-22 5 0-15,-15 18 1 16,-6 10-1-16,1 4 0 16,5 1 0-16,5-10 0 15,11 0-1-15,4-5 1 16,1-9 0-16,11-5 0 0,10-4-1 16,6-1 1-16,-1-4 0 15,6-5 0-15,5-5 0 16,5 1 0-16,0-5 0 15,6-1 0-15,-6 1 0 16,0 4 0-16,1-4-1 16,-1 0 1-1,0-1 0-15,1 1 0 0,-6 0 0 16,5 0 0-16,-5-5 0 16,0 0 1-16,0 0-1 15,0 0 0-15,0-5 0 16,0 5 1-16,0-10-1 15,0 10 0-15,-5 0 0 16,5 0 0-16,0-4 0 0,0 4 0 16,0 0 0-16,5-5 0 15,5-4 0-15,6 9 0 16,11-10 0-16,-1 6 1 16,11-6-1-16,11 10 1 15,5 0-1-15,0 0 1 16,-6-5-1-16,-4 1 1 0,-1-6 0 15,-5 6 0-15,0-6-1 16,0-4 1-16,-5 0-1 16,-6 5 1-16,-4-1-1 15,-12 1 1-15,-10 9-1 16,-5 0 1-16,-11 4 0 31,-11 1 0-31,-10 0-1 0,-10 0 1 16,-6-1-1-16,-5 1 0 0,-1 0 0 15,7-1 0-15,-1 6-1 16,5 4 1-16,6-5 0 16,5 10 0-16,5-5-1 15,5 0 1-15,17-4-1 16,15 4 1-16,16-9-1 0,16-5 1 16,11-5 0-16,16 0 0 15,4-4-1-15,-4 4 1 16,-1 0 0-16,-4 5 0 15,-7-4 0-15,-4-1 1 16,-6 0-1-16,-10 1 0 16,-5 4 0-1,-12 0 1-15,-15 0-1 16,-5 0 1-16,-11-10-1 16,-10 1 1-16,-6-1 0 15,-10-4 0-15,-6 10-1 16,-5-1 0-16,0 0 0 15,6 5 0-15,-1 0-1 0,6 5 1 16,-1-5 0-16,6 5 0 16,11-5-1-16,5 0 1 0,5 0-1 15,11 4 1-15,5 1-1 16,10-5 1-16,11-5 0 16,11-4 0-16,10 4-1 15,1 0 1-15,-1 1 0 16,-10-1 0-16,-6 0 0 0,-5 5 0 15,-5-4 0-15,-5-1 1 16,-11 5-1-16,-11-10 0 16,-5 1 0-16,-5 0 1 15,-5-1-1-15,-6 6 0 16,0-1 0-16,6 5 0 31,-1 0 0-31,1 0 0 0,-1 0-1 16,6 0 1-16,0 5 0 15,5-5 0-15,6 0-1 16,4-5 1-16,6-5 0 16,6 1 0-16,4-10-1 15,11-14 1-15,6-9 0 16,10 4 0-16,11-13 0 0,-1-11 0 16,6-3 0-16,-11 3 0 15,6-3 0-15,-6-1 0 0,1 5 0 16,-6 9 0-16,-11 10-1 15,-5 9 1-15,-10 14 0 16,-16 23 0-16,-11 25-1 31,-11 8 1-31,-20 24 0 0,-11 1 0 16,-1 8-1-16,6 1 1 16,0-5 0-16,11-1 0 15,5-8 0-15,5-5 0 16,6-19 0-16,5-5 0 15,5-9-1-15,5-5 1 16,6-14-3-16,5-14 0 0,11-10-13 16,20-18 1-16,22-19-8 15,-5-29 1-15</inkml:trace>
   </inkml:traceGroup>
 </inkml:ink>
 </file>
@@ -1872,6 +2196,46 @@
         </inkml:traceGroup>
       </inkml:traceGroup>
     </inkml:traceGroup>
+  </inkml:traceGroup>
+</inkml:ink>
+</file>
+
+<file path=ppt/ink/ink50.xml><?xml version="1.0" encoding="utf-8"?>
+<inkml:ink xmlns:inkml="http://www.w3.org/2003/InkML">
+  <inkml:definitions>
+    <inkml:context xml:id="ctx0">
+      <inkml:inkSource xml:id="inkSrc0">
+        <inkml:traceFormat>
+          <inkml:channel name="X" type="integer" max="9600" units="cm"/>
+          <inkml:channel name="Y" type="integer" max="7200" units="cm"/>
+          <inkml:channel name="F" type="integer" max="256" units="dev"/>
+          <inkml:channel name="T" type="integer" max="2.14748E9" units="dev"/>
+        </inkml:traceFormat>
+        <inkml:channelProperties>
+          <inkml:channelProperty channel="X" name="resolution" value="377.95276" units="1/cm"/>
+          <inkml:channelProperty channel="Y" name="resolution" value="425.28058" units="1/cm"/>
+          <inkml:channelProperty channel="F" name="resolution" value="0" units="1/dev"/>
+          <inkml:channelProperty channel="T" name="resolution" value="1" units="1/dev"/>
+        </inkml:channelProperties>
+      </inkml:inkSource>
+      <inkml:timestamp xml:id="ts0" timeString="2016-08-21T12:43:34.761"/>
+    </inkml:context>
+    <inkml:brush xml:id="br0">
+      <inkml:brushProperty name="width" value="0.05" units="cm"/>
+      <inkml:brushProperty name="height" value="0.05" units="cm"/>
+      <inkml:brushProperty name="color" value="#177D36"/>
+      <inkml:brushProperty name="fitToCurve" value="1"/>
+    </inkml:brush>
+  </inkml:definitions>
+  <inkml:traceGroup>
+    <inkml:annotationXML>
+      <emma:emma xmlns:emma="http://www.w3.org/2003/04/emma" version="1.0">
+        <emma:interpretation id="{500881F7-CF62-4B5A-8697-9AC3450E0A49}" emma:medium="tactile" emma:mode="ink">
+          <msink:context xmlns:msink="http://schemas.microsoft.com/ink/2010/main" type="inkDrawing" rotatedBoundingBox="15654,9808 16350,15956 10301,16641 9605,10492" shapeName="Other"/>
+        </emma:interpretation>
+      </emma:emma>
+    </inkml:annotationXML>
+    <inkml:trace contextRef="#ctx0" brushRef="#br0">4 6539 24 0,'0'24'12'0,"0"-57"-1"0,0 37 13 15,0 10-23-15,0-14 1 16,0 0 1-16,0 0 0 0,0 0-4 0,11 0 1 15,0 0 3-15,4 10 0 16,7-5 1-16,4-1 1 16,6-13 0-16,0-1 0 15,5 1-1-15,5 0 0 16,-5-5 0-16,0-1 1 16,11-3-3-1,10-6 0-15,5 1 0 16,6-6 0-16,5 1 1 15,0 0 0-15,16 4 0 16,-5-4 1-16,-6 5-1 16,1-1 1-16,-1-14-1 15,11 1 0-15,0-5-2 16,0-1 1-16,5-4-1 0,0 0 0 0,-5 0 0 16,-5-9 0-16,0 13 1 15,5-4 0-15,5-9-1 16,5-10 0-16,6 0 0 15,5 10 0-15,-10-5-1 16,-6-1 1-16,-5 1-1 16,-5 0 0-1,5 5 0-15,0-1 1 16,-6-4-1-16,6 0 1 16,-5 4 0-16,5-4 0 15,0-9 0-15,-5-6 0 16,-1 1-1-16,1 5 1 15,5-1 1-15,5-4 0 0,-10 4 0 16,0 1 1-16,-1-6-1 16,1 6 0-16,-6-5 0 15,-10-5 1-15,0 4-3 16,0-13 1-16,5-14-1 16,10 9 1-16,-10-5-1 15,1 9 0-15,-1-8 0 16,-6-1 1-16,-4 5-1 0,-1 4 1 0,1-13-1 15,-6-1 1-15,-5 10-1 16,-5 0 1-16,-6 5-1 16,0-5 0-16,-5-14 0 15,0 9 1-15,0 0-1 16,0 0 0-16,1 1 0 31,-12-1 0-31,-5 0 1 0,-5 19 0 16,0-5-1-16,-6-9 1 15,-10 5-1-15,0 14 0 16,0-5 0-16,-5 4 1 16,-5-4-1-16,-6 15 1 15,-5-6-1-15,-6 10 0 16,1 0 0-16,-11 0 1 0,0 4-1 16,-6 5 0-16,-10-4 0 15,11 14 0-15,-16-20-1 16,0 11 1-16,-1 4 0 15,-4-5 0-15,-6 0 0 16,0 5 0-16,0 5 0 16,1 0 0-1,-17 4 0-15,-16 10 0 0,-4 4 0 16,4 1 0 0,-36-20-1-1,9 6 1-15,7 8-1 16,-1 1 1-16,0 9-1 15,6 5 0-15,0 5 0 16,4 4 1-16,17 10-1 0,11-5 1 16,-1 5-1-16,5 4 1 15,1-4-1-15,-6 4 1 16,6 5-1-16,5-4 1 16,-5 4-1-16,-1 5 0 15,1 4 0-15,-1 5 1 16,6 1-1-16,0-1 1 0,11 5-1 15,5 0 1-15,-6-10-1 16,1-9 1-16,4 5 0 16,6 0 0-16,1 0 0 15,-1-1 0-15,0 6-1 16,0 4 1-16,0 5 0 16,0 5 0-1,-5-1-1-15,5-8 1 0,11 4 0 16,4-1 0-16,1 6 0 15,0 0 0-15,0-5-1 16,0-5 1-16,0 5 0 16,-5-5 1-16,5 0-1 15,5-4 0-15,6-5 0 16,-6-5 0-16,11 0 0 0,0 0 0 16,-1-5-1-16,7-4 1 15,-1 0-1-15,5 4 0 16,1-4-1-16,4 0 1 15,1-5 0-15,0 4 0 16,-1 1 0-16,1 0 1 16,0-1-1-1,-1-4 1-15,1 5 0 16,5 0 0-16,0-1 0 16,0 1 0-16,-5-5 0 15,5 0 0-15,0 0-1 16,0 0 1-16,0 0 0 15,0 0 0-15,0 0 0 16,0 0 0-16,0 0 0 0,5-5 0 16,-5 5-1-16,11-9 1 0,-1 0 0 15,12-5 0-15,4-1 0 16,-5-8 0-16,6-5 0 16,-1-10 0-16,6 5 0 15,0 0 1-15,-6 10-1 16,6-6 1-16,-11 6 0 0,-5 4 1 15,0-4-1-15,0-1 0 16,-1-4 0-16,-4 0 1 16,0 4-2-16,-1 1 1 15,1 4-1-15,-6 5 0 16,0 4 0-16,-5 10 1 31,0 0-1-31,-5 5 1 0,5 0-1 16,-5 4 1-16,-11 5-1 15,-5 0 1-15,-6 5-1 16,-4 0 1-16,-1 9-1 16,-11 10 0-16,1 4 0 15,0 5 0-15,5 0 0 16,5-4 0-16,6-11-1 0,10-3 1 0,0-6-1 16,5-4 1-16,1-5 0 15,4-4 0-15,1-6-1 16,5 1 1-16,0 0 0 15,5-5 0-15,6-5 0 16,5-4 0-16,10-1 0 31,6-9 0-31,5-14 0 0,5-14 1 16,1 5-1-16,-6 0 0 16,-6-5-1-16,-4 9 1 15,-1 5 0-15,-4 5 0 16,-7 4 0-16,-9 6 1 15,-1 3-1-15,-5 11 1 16,-11 8-1-16,-10 11 0 16,-10-1 0-16,-17 23 1 0,0 10-2 15,1 0 1-15,-1 5 0 16,6-5 0-16,5-5-1 16,5-4 1-16,5-5 0 15,6-5 0-15,5-4-1 0,6-10 1 16,10-5 0-16,10-9 0 0,1-14 0 15,10-9 0-15,11-6 0 16,10-8 0-16,6-15 0 16,-1 5 0-16,1 0 0 15,-11 0 1-15,0 5-2 16,-5-1 1-16,-6 6 0 31,-4 8 0-31,-7 6 0 0,-4 14 1 16,-16 13-1-16,-16 15 0 15,-22 5 0-15,-15 18 1 16,-6 10-1-16,1 4 0 16,5 1 0-16,5-10 0 15,11 0-1-15,4-5 1 16,1-9 0-16,11-5 0 0,10-4-1 16,6-1 1-16,-1-4 0 15,6-5 0-15,5-5 0 16,5 1 0-16,0-5 0 15,6-1 0-15,-6 1 0 16,0 4 0-16,1-4-1 16,-1 0 1-1,0-1 0-15,1 1 0 0,-6 0 0 16,5 0 0-16,-5-5 0 16,0 0 1-16,0 0-1 15,0 0 0-15,0-5 0 16,0 5 1-16,0-10-1 15,0 10 0-15,-5 0 0 16,5 0 0-16,0-4 0 0,0 4 0 16,0 0 0-16,5-5 0 15,5-4 0-15,6 9 0 16,11-10 0-16,-1 6 1 16,11-6-1-16,11 10 1 15,5 0-1-15,0 0 1 16,-6-5-1-16,-4 1 1 0,-1-6 0 15,-5 6 0-15,0-6-1 16,0-4 1-16,-5 0-1 16,-6 5 1-16,-4-1-1 15,-12 1 1-15,-10 9-1 16,-5 0 1-16,-11 4 0 31,-11 1 0-31,-10 0-1 0,-10 0 1 16,-6-1-1-16,-5 1 0 0,-1 0 0 15,7-1 0-15,-1 6-1 16,5 4 1-16,6-5 0 16,5 10 0-16,5-5-1 15,5 0 1-15,17-4-1 16,15 4 1-16,16-9-1 0,16-5 1 16,11-5 0-16,16 0 0 15,4-4-1-15,-4 4 1 16,-1 0 0-16,-4 5 0 15,-7-4 0-15,-4-1 1 16,-6 0-1-16,-10 1 0 16,-5 4 0-1,-12 0 1-15,-15 0-1 16,-5 0 1-16,-11-10-1 16,-10 1 1-16,-6-1 0 15,-10-4 0-15,-6 10-1 16,-5-1 0-16,0 0 0 15,6 5 0-15,-1 0-1 0,6 5 1 16,-1-5 0-16,6 5 0 16,11-5-1-16,5 0 1 0,5 0-1 15,11 4 1-15,5 1-1 16,10-5 1-16,11-5 0 16,11-4 0-16,10 4-1 15,1 0 1-15,-1 1 0 16,-10-1 0-16,-6 0 0 0,-5 5 0 15,-5-4 0-15,-5-1 1 16,-11 5-1-16,-11-10 0 16,-5 1 0-16,-5 0 1 15,-5-1-1-15,-6 6 0 16,0-1 0-16,6 5 0 31,-1 0 0-31,1 0 0 0,-1 0-1 16,6 0 1-16,0 5 0 15,5-5 0-15,6 0-1 16,4-5 1-16,6-5 0 16,6 1 0-16,4-10-1 15,11-14 1-15,6-9 0 16,10 4 0-16,11-13 0 0,-1-11 0 16,6-3 0-16,-11 3 0 15,6-3 0-15,-6-1 0 0,1 5 0 16,-6 9 0-16,-11 10-1 15,-5 9 1-15,-10 14 0 16,-16 23 0-16,-11 25-1 31,-11 8 1-31,-20 24 0 0,-11 1 0 16,-1 8-1-16,6 1 1 16,0-5 0-16,11-1 0 15,5-8 0-15,5-5 0 16,6-19 0-16,5-5 0 15,5-9-1-15,5-5 1 16,6-14-3-16,5-14 0 0,11-10-13 16,20-18 1-16,22-19-8 15,-5-29 1-15</inkml:trace>
   </inkml:traceGroup>
 </inkml:ink>
 </file>
@@ -2919,6 +3283,258 @@
     <p:extLst>
       <p:ext uri="{BB962C8B-B14F-4D97-AF65-F5344CB8AC3E}">
         <p14:creationId xmlns:p14="http://schemas.microsoft.com/office/powerpoint/2010/main" val="551642873"/>
+      </p:ext>
+    </p:extLst>
+  </p:cSld>
+  <p:clrMapOvr>
+    <a:masterClrMapping/>
+  </p:clrMapOvr>
+</p:notes>
+</file>
+
+<file path=ppt/notesSlides/notesSlide13.xml><?xml version="1.0" encoding="utf-8"?>
+<p:notes xmlns:a="http://schemas.openxmlformats.org/drawingml/2006/main" xmlns:r="http://schemas.openxmlformats.org/officeDocument/2006/relationships" xmlns:p="http://schemas.openxmlformats.org/presentationml/2006/main">
+  <p:cSld>
+    <p:spTree>
+      <p:nvGrpSpPr>
+        <p:cNvPr id="1" name=""/>
+        <p:cNvGrpSpPr/>
+        <p:nvPr/>
+      </p:nvGrpSpPr>
+      <p:grpSpPr>
+        <a:xfrm>
+          <a:off x="0" y="0"/>
+          <a:ext cx="0" cy="0"/>
+          <a:chOff x="0" y="0"/>
+          <a:chExt cx="0" cy="0"/>
+        </a:xfrm>
+      </p:grpSpPr>
+      <p:sp>
+        <p:nvSpPr>
+          <p:cNvPr id="2" name="Slide Image Placeholder 1"/>
+          <p:cNvSpPr>
+            <a:spLocks noGrp="1" noRot="1" noChangeAspect="1"/>
+          </p:cNvSpPr>
+          <p:nvPr>
+            <p:ph type="sldImg"/>
+          </p:nvPr>
+        </p:nvSpPr>
+        <p:spPr/>
+      </p:sp>
+      <p:sp>
+        <p:nvSpPr>
+          <p:cNvPr id="3" name="Notes Placeholder 2"/>
+          <p:cNvSpPr>
+            <a:spLocks noGrp="1"/>
+          </p:cNvSpPr>
+          <p:nvPr>
+            <p:ph type="body" idx="1"/>
+          </p:nvPr>
+        </p:nvSpPr>
+        <p:spPr/>
+        <p:txBody>
+          <a:bodyPr/>
+          <a:lstStyle/>
+          <a:p>
+            <a:endParaRPr lang="it-IT" dirty="0"/>
+          </a:p>
+        </p:txBody>
+      </p:sp>
+      <p:sp>
+        <p:nvSpPr>
+          <p:cNvPr id="4" name="Slide Number Placeholder 3"/>
+          <p:cNvSpPr>
+            <a:spLocks noGrp="1"/>
+          </p:cNvSpPr>
+          <p:nvPr>
+            <p:ph type="sldNum" sz="quarter" idx="10"/>
+          </p:nvPr>
+        </p:nvSpPr>
+        <p:spPr/>
+        <p:txBody>
+          <a:bodyPr/>
+          <a:lstStyle/>
+          <a:p>
+            <a:fld id="{FCA4862E-9507-4BEC-B7E3-B3B5E302CC7C}" type="slidenum">
+              <a:rPr lang="it-IT" smtClean="0"/>
+              <a:t>17</a:t>
+            </a:fld>
+            <a:endParaRPr lang="it-IT"/>
+          </a:p>
+        </p:txBody>
+      </p:sp>
+    </p:spTree>
+    <p:extLst>
+      <p:ext uri="{BB962C8B-B14F-4D97-AF65-F5344CB8AC3E}">
+        <p14:creationId xmlns:p14="http://schemas.microsoft.com/office/powerpoint/2010/main" val="461532786"/>
+      </p:ext>
+    </p:extLst>
+  </p:cSld>
+  <p:clrMapOvr>
+    <a:masterClrMapping/>
+  </p:clrMapOvr>
+</p:notes>
+</file>
+
+<file path=ppt/notesSlides/notesSlide14.xml><?xml version="1.0" encoding="utf-8"?>
+<p:notes xmlns:a="http://schemas.openxmlformats.org/drawingml/2006/main" xmlns:r="http://schemas.openxmlformats.org/officeDocument/2006/relationships" xmlns:p="http://schemas.openxmlformats.org/presentationml/2006/main">
+  <p:cSld>
+    <p:spTree>
+      <p:nvGrpSpPr>
+        <p:cNvPr id="1" name=""/>
+        <p:cNvGrpSpPr/>
+        <p:nvPr/>
+      </p:nvGrpSpPr>
+      <p:grpSpPr>
+        <a:xfrm>
+          <a:off x="0" y="0"/>
+          <a:ext cx="0" cy="0"/>
+          <a:chOff x="0" y="0"/>
+          <a:chExt cx="0" cy="0"/>
+        </a:xfrm>
+      </p:grpSpPr>
+      <p:sp>
+        <p:nvSpPr>
+          <p:cNvPr id="2" name="Slide Image Placeholder 1"/>
+          <p:cNvSpPr>
+            <a:spLocks noGrp="1" noRot="1" noChangeAspect="1"/>
+          </p:cNvSpPr>
+          <p:nvPr>
+            <p:ph type="sldImg"/>
+          </p:nvPr>
+        </p:nvSpPr>
+        <p:spPr/>
+      </p:sp>
+      <p:sp>
+        <p:nvSpPr>
+          <p:cNvPr id="3" name="Notes Placeholder 2"/>
+          <p:cNvSpPr>
+            <a:spLocks noGrp="1"/>
+          </p:cNvSpPr>
+          <p:nvPr>
+            <p:ph type="body" idx="1"/>
+          </p:nvPr>
+        </p:nvSpPr>
+        <p:spPr/>
+        <p:txBody>
+          <a:bodyPr/>
+          <a:lstStyle/>
+          <a:p>
+            <a:endParaRPr lang="it-IT" dirty="0"/>
+          </a:p>
+        </p:txBody>
+      </p:sp>
+      <p:sp>
+        <p:nvSpPr>
+          <p:cNvPr id="4" name="Slide Number Placeholder 3"/>
+          <p:cNvSpPr>
+            <a:spLocks noGrp="1"/>
+          </p:cNvSpPr>
+          <p:nvPr>
+            <p:ph type="sldNum" sz="quarter" idx="10"/>
+          </p:nvPr>
+        </p:nvSpPr>
+        <p:spPr/>
+        <p:txBody>
+          <a:bodyPr/>
+          <a:lstStyle/>
+          <a:p>
+            <a:fld id="{FCA4862E-9507-4BEC-B7E3-B3B5E302CC7C}" type="slidenum">
+              <a:rPr lang="it-IT" smtClean="0"/>
+              <a:t>18</a:t>
+            </a:fld>
+            <a:endParaRPr lang="it-IT"/>
+          </a:p>
+        </p:txBody>
+      </p:sp>
+    </p:spTree>
+    <p:extLst>
+      <p:ext uri="{BB962C8B-B14F-4D97-AF65-F5344CB8AC3E}">
+        <p14:creationId xmlns:p14="http://schemas.microsoft.com/office/powerpoint/2010/main" val="832099940"/>
+      </p:ext>
+    </p:extLst>
+  </p:cSld>
+  <p:clrMapOvr>
+    <a:masterClrMapping/>
+  </p:clrMapOvr>
+</p:notes>
+</file>
+
+<file path=ppt/notesSlides/notesSlide15.xml><?xml version="1.0" encoding="utf-8"?>
+<p:notes xmlns:a="http://schemas.openxmlformats.org/drawingml/2006/main" xmlns:r="http://schemas.openxmlformats.org/officeDocument/2006/relationships" xmlns:p="http://schemas.openxmlformats.org/presentationml/2006/main">
+  <p:cSld>
+    <p:spTree>
+      <p:nvGrpSpPr>
+        <p:cNvPr id="1" name=""/>
+        <p:cNvGrpSpPr/>
+        <p:nvPr/>
+      </p:nvGrpSpPr>
+      <p:grpSpPr>
+        <a:xfrm>
+          <a:off x="0" y="0"/>
+          <a:ext cx="0" cy="0"/>
+          <a:chOff x="0" y="0"/>
+          <a:chExt cx="0" cy="0"/>
+        </a:xfrm>
+      </p:grpSpPr>
+      <p:sp>
+        <p:nvSpPr>
+          <p:cNvPr id="2" name="Slide Image Placeholder 1"/>
+          <p:cNvSpPr>
+            <a:spLocks noGrp="1" noRot="1" noChangeAspect="1"/>
+          </p:cNvSpPr>
+          <p:nvPr>
+            <p:ph type="sldImg"/>
+          </p:nvPr>
+        </p:nvSpPr>
+        <p:spPr/>
+      </p:sp>
+      <p:sp>
+        <p:nvSpPr>
+          <p:cNvPr id="3" name="Notes Placeholder 2"/>
+          <p:cNvSpPr>
+            <a:spLocks noGrp="1"/>
+          </p:cNvSpPr>
+          <p:nvPr>
+            <p:ph type="body" idx="1"/>
+          </p:nvPr>
+        </p:nvSpPr>
+        <p:spPr/>
+        <p:txBody>
+          <a:bodyPr/>
+          <a:lstStyle/>
+          <a:p>
+            <a:endParaRPr lang="it-IT" dirty="0"/>
+          </a:p>
+        </p:txBody>
+      </p:sp>
+      <p:sp>
+        <p:nvSpPr>
+          <p:cNvPr id="4" name="Slide Number Placeholder 3"/>
+          <p:cNvSpPr>
+            <a:spLocks noGrp="1"/>
+          </p:cNvSpPr>
+          <p:nvPr>
+            <p:ph type="sldNum" sz="quarter" idx="10"/>
+          </p:nvPr>
+        </p:nvSpPr>
+        <p:spPr/>
+        <p:txBody>
+          <a:bodyPr/>
+          <a:lstStyle/>
+          <a:p>
+            <a:fld id="{FCA4862E-9507-4BEC-B7E3-B3B5E302CC7C}" type="slidenum">
+              <a:rPr lang="it-IT" smtClean="0"/>
+              <a:t>19</a:t>
+            </a:fld>
+            <a:endParaRPr lang="it-IT"/>
+          </a:p>
+        </p:txBody>
+      </p:sp>
+    </p:spTree>
+    <p:extLst>
+      <p:ext uri="{BB962C8B-B14F-4D97-AF65-F5344CB8AC3E}">
+        <p14:creationId xmlns:p14="http://schemas.microsoft.com/office/powerpoint/2010/main" val="1484232983"/>
       </p:ext>
     </p:extLst>
   </p:cSld>
@@ -8056,7 +8672,7 @@
           </p:nvPr>
         </p:nvPicPr>
         <p:blipFill>
-          <a:blip r:embed="rId2">
+          <a:blip r:embed="rId3">
             <a:extLst>
               <a:ext uri="{28A0092B-C50C-407E-A947-70E740481C1C}">
                 <a14:useLocalDpi xmlns:a14="http://schemas.microsoft.com/office/drawing/2010/main" val="0"/>
@@ -8083,7 +8699,7 @@
         <p:spPr>
           <a:xfrm>
             <a:off x="480767" y="2026760"/>
-            <a:ext cx="4628560" cy="1602558"/>
+            <a:ext cx="4628560" cy="1569660"/>
           </a:xfrm>
           <a:prstGeom prst="rect">
             <a:avLst/>
@@ -8111,15 +8727,17 @@
             </a:r>
             <a:r>
               <a:rPr lang="en-US" sz="2400" dirty="0"/>
-              <a:t> variable wrapper: that's what `</a:t>
-            </a:r>
-            <a:r>
-              <a:rPr lang="en-US" sz="2400" dirty="0" err="1"/>
+              <a:t> variable wrapper: that's what </a:t>
+            </a:r>
+            <a:r>
+              <a:rPr lang="en-US" sz="2400" dirty="0" err="1">
+                <a:latin typeface="Consolas" panose="020B0609020204030204" pitchFamily="49" charset="0"/>
+              </a:rPr>
               <a:t>bool_v</a:t>
             </a:r>
             <a:r>
               <a:rPr lang="en-US" sz="2400" dirty="0"/>
-              <a:t>` is for.</a:t>
+              <a:t> is for.</a:t>
             </a:r>
             <a:endParaRPr lang="it-IT" sz="2400" dirty="0"/>
           </a:p>
@@ -8127,7 +8745,7 @@
       </p:sp>
       <mc:AlternateContent xmlns:mc="http://schemas.openxmlformats.org/markup-compatibility/2006">
         <mc:Choice xmlns:p14="http://schemas.microsoft.com/office/powerpoint/2010/main" Requires="p14">
-          <p:contentPart p14:bwMode="auto" r:id="rId3">
+          <p:contentPart p14:bwMode="auto" r:id="rId4">
             <p14:nvContentPartPr>
               <p14:cNvPr id="7" name="Ink 6"/>
               <p14:cNvContentPartPr/>
@@ -8147,7 +8765,7 @@
               <p:nvPr/>
             </p:nvPicPr>
             <p:blipFill>
-              <a:blip r:embed="rId4"/>
+              <a:blip r:embed="rId5"/>
               <a:stretch>
                 <a:fillRect/>
               </a:stretch>
@@ -8166,7 +8784,7 @@
       </mc:AlternateContent>
       <mc:AlternateContent xmlns:mc="http://schemas.openxmlformats.org/markup-compatibility/2006">
         <mc:Choice xmlns:p14="http://schemas.microsoft.com/office/powerpoint/2010/main" Requires="p14">
-          <p:contentPart p14:bwMode="auto" r:id="rId5">
+          <p:contentPart p14:bwMode="auto" r:id="rId6">
             <p14:nvContentPartPr>
               <p14:cNvPr id="9" name="Ink 8"/>
               <p14:cNvContentPartPr/>
@@ -8186,7 +8804,7 @@
               <p:nvPr/>
             </p:nvPicPr>
             <p:blipFill>
-              <a:blip r:embed="rId6"/>
+              <a:blip r:embed="rId7"/>
               <a:stretch>
                 <a:fillRect/>
               </a:stretch>
@@ -8205,7 +8823,7 @@
       </mc:AlternateContent>
       <mc:AlternateContent xmlns:mc="http://schemas.openxmlformats.org/markup-compatibility/2006">
         <mc:Choice xmlns:p14="http://schemas.microsoft.com/office/powerpoint/2010/main" Requires="p14">
-          <p:contentPart p14:bwMode="auto" r:id="rId7">
+          <p:contentPart p14:bwMode="auto" r:id="rId8">
             <p14:nvContentPartPr>
               <p14:cNvPr id="11" name="Ink 10"/>
               <p14:cNvContentPartPr/>
@@ -8225,7 +8843,7 @@
               <p:nvPr/>
             </p:nvPicPr>
             <p:blipFill>
-              <a:blip r:embed="rId8"/>
+              <a:blip r:embed="rId9"/>
               <a:stretch>
                 <a:fillRect/>
               </a:stretch>
@@ -8244,7 +8862,7 @@
       </mc:AlternateContent>
       <mc:AlternateContent xmlns:mc="http://schemas.openxmlformats.org/markup-compatibility/2006">
         <mc:Choice xmlns:p14="http://schemas.microsoft.com/office/powerpoint/2010/main" Requires="p14">
-          <p:contentPart p14:bwMode="auto" r:id="rId9">
+          <p:contentPart p14:bwMode="auto" r:id="rId10">
             <p14:nvContentPartPr>
               <p14:cNvPr id="13" name="Ink 12"/>
               <p14:cNvContentPartPr/>
@@ -8264,7 +8882,7 @@
               <p:nvPr/>
             </p:nvPicPr>
             <p:blipFill>
-              <a:blip r:embed="rId10"/>
+              <a:blip r:embed="rId11"/>
               <a:stretch>
                 <a:fillRect/>
               </a:stretch>
@@ -8283,7 +8901,7 @@
       </mc:AlternateContent>
       <mc:AlternateContent xmlns:mc="http://schemas.openxmlformats.org/markup-compatibility/2006">
         <mc:Choice xmlns:p14="http://schemas.microsoft.com/office/powerpoint/2010/main" Requires="p14">
-          <p:contentPart p14:bwMode="auto" r:id="rId11">
+          <p:contentPart p14:bwMode="auto" r:id="rId12">
             <p14:nvContentPartPr>
               <p14:cNvPr id="18" name="Ink 17"/>
               <p14:cNvContentPartPr/>
@@ -8303,7 +8921,7 @@
               <p:nvPr/>
             </p:nvPicPr>
             <p:blipFill>
-              <a:blip r:embed="rId12"/>
+              <a:blip r:embed="rId13"/>
               <a:stretch>
                 <a:fillRect/>
               </a:stretch>
@@ -8320,6 +8938,176 @@
           </p:pic>
         </mc:Fallback>
       </mc:AlternateContent>
+      <p:sp>
+        <p:nvSpPr>
+          <p:cNvPr id="25" name="TextBox 24"/>
+          <p:cNvSpPr txBox="1"/>
+          <p:nvPr/>
+        </p:nvSpPr>
+        <p:spPr>
+          <a:xfrm>
+            <a:off x="1170384" y="1267890"/>
+            <a:ext cx="9811843" cy="2132849"/>
+          </a:xfrm>
+          <a:prstGeom prst="rect">
+            <a:avLst/>
+          </a:prstGeom>
+          <a:solidFill>
+            <a:schemeClr val="bg1"/>
+          </a:solidFill>
+          <a:ln w="28575">
+            <a:solidFill>
+              <a:schemeClr val="tx1"/>
+            </a:solidFill>
+          </a:ln>
+        </p:spPr>
+        <p:style>
+          <a:lnRef idx="2">
+            <a:schemeClr val="dk1"/>
+          </a:lnRef>
+          <a:fillRef idx="1">
+            <a:schemeClr val="lt1"/>
+          </a:fillRef>
+          <a:effectRef idx="0">
+            <a:schemeClr val="dk1"/>
+          </a:effectRef>
+          <a:fontRef idx="minor">
+            <a:schemeClr val="dk1"/>
+          </a:fontRef>
+        </p:style>
+        <p:txBody>
+          <a:bodyPr wrap="square" rtlCol="0">
+            <a:spAutoFit/>
+          </a:bodyPr>
+          <a:lstStyle/>
+          <a:p>
+            <a:r>
+              <a:rPr lang="en-US" sz="3200" dirty="0"/>
+              <a:t>Wrapping types inside values is what allows amazing libraries such as </a:t>
+            </a:r>
+            <a:r>
+              <a:rPr lang="en-US" sz="3200" dirty="0">
+                <a:latin typeface="Consolas" panose="020B0609020204030204" pitchFamily="49" charset="0"/>
+              </a:rPr>
+              <a:t>boost::</a:t>
+            </a:r>
+            <a:r>
+              <a:rPr lang="en-US" sz="3200" dirty="0" err="1">
+                <a:latin typeface="Consolas" panose="020B0609020204030204" pitchFamily="49" charset="0"/>
+              </a:rPr>
+              <a:t>hana</a:t>
+            </a:r>
+            <a:r>
+              <a:rPr lang="en-US" sz="3200" dirty="0"/>
+              <a:t> </a:t>
+            </a:r>
+            <a:r>
+              <a:rPr lang="en-US" sz="3200" i="1" dirty="0"/>
+              <a:t>(by Louis Dionne)</a:t>
+            </a:r>
+            <a:r>
+              <a:rPr lang="en-US" sz="3200" dirty="0"/>
+              <a:t> or </a:t>
+            </a:r>
+            <a:r>
+              <a:rPr lang="en-US" sz="3200" dirty="0">
+                <a:latin typeface="Consolas" panose="020B0609020204030204" pitchFamily="49" charset="0"/>
+              </a:rPr>
+              <a:t>fit</a:t>
+            </a:r>
+            <a:r>
+              <a:rPr lang="en-US" sz="3200" dirty="0"/>
+              <a:t> and </a:t>
+            </a:r>
+            <a:r>
+              <a:rPr lang="en-US" sz="3200" dirty="0">
+                <a:latin typeface="Consolas" panose="020B0609020204030204" pitchFamily="49" charset="0"/>
+              </a:rPr>
+              <a:t>tick</a:t>
+            </a:r>
+            <a:r>
+              <a:rPr lang="en-US" sz="3200" dirty="0"/>
+              <a:t> </a:t>
+            </a:r>
+            <a:r>
+              <a:rPr lang="en-US" sz="3200" i="1" dirty="0"/>
+              <a:t>(by Paul Fultz II)</a:t>
+            </a:r>
+            <a:r>
+              <a:rPr lang="en-US" sz="3200" dirty="0"/>
+              <a:t> to provide extremely powerful, clean, and intuitive metaprogramming facilities. </a:t>
+            </a:r>
+            <a:endParaRPr lang="it-IT" sz="3200" dirty="0"/>
+          </a:p>
+        </p:txBody>
+      </p:sp>
+      <p:sp>
+        <p:nvSpPr>
+          <p:cNvPr id="26" name="TextBox 25"/>
+          <p:cNvSpPr txBox="1"/>
+          <p:nvPr/>
+        </p:nvSpPr>
+        <p:spPr>
+          <a:xfrm>
+            <a:off x="1170384" y="3662354"/>
+            <a:ext cx="9811843" cy="1200329"/>
+          </a:xfrm>
+          <a:prstGeom prst="rect">
+            <a:avLst/>
+          </a:prstGeom>
+          <a:solidFill>
+            <a:schemeClr val="bg1"/>
+          </a:solidFill>
+          <a:ln w="28575">
+            <a:solidFill>
+              <a:schemeClr val="tx1"/>
+            </a:solidFill>
+          </a:ln>
+        </p:spPr>
+        <p:style>
+          <a:lnRef idx="2">
+            <a:schemeClr val="dk1"/>
+          </a:lnRef>
+          <a:fillRef idx="1">
+            <a:schemeClr val="lt1"/>
+          </a:fillRef>
+          <a:effectRef idx="0">
+            <a:schemeClr val="dk1"/>
+          </a:effectRef>
+          <a:fontRef idx="minor">
+            <a:schemeClr val="dk1"/>
+          </a:fontRef>
+        </p:style>
+        <p:txBody>
+          <a:bodyPr wrap="square" rtlCol="0">
+            <a:spAutoFit/>
+          </a:bodyPr>
+          <a:lstStyle/>
+          <a:p>
+            <a:r>
+              <a:rPr lang="en-US" sz="2400" dirty="0"/>
+              <a:t>More info regarding "type-value encoding"/"dependent typing": </a:t>
+            </a:r>
+            <a:r>
+              <a:rPr lang="en-US" sz="2400" dirty="0">
+                <a:hlinkClick r:id="rId14"/>
+              </a:rPr>
+              <a:t>http://pfultz2.com/blog/2015/01/24/dependent-typing/</a:t>
+            </a:r>
+            <a:r>
+              <a:rPr lang="en-US" sz="2400" dirty="0"/>
+              <a:t> </a:t>
+            </a:r>
+            <a:r>
+              <a:rPr lang="en-US" sz="2400" dirty="0">
+                <a:hlinkClick r:id="rId15"/>
+              </a:rPr>
+              <a:t>http://boostorg.github.io/hana/index.html#tutorial-type </a:t>
+            </a:r>
+            <a:endParaRPr lang="it-IT" sz="2400" dirty="0"/>
+          </a:p>
+        </p:txBody>
+      </p:sp>
     </p:spTree>
     <p:extLst>
       <p:ext uri="{BB962C8B-B14F-4D97-AF65-F5344CB8AC3E}">
@@ -8795,6 +9583,200 @@
                       </p:childTnLst>
                     </p:cTn>
                   </p:par>
+                  <p:par>
+                    <p:cTn id="44" fill="hold">
+                      <p:stCondLst>
+                        <p:cond delay="indefinite"/>
+                      </p:stCondLst>
+                      <p:childTnLst>
+                        <p:par>
+                          <p:cTn id="45" fill="hold">
+                            <p:stCondLst>
+                              <p:cond delay="0"/>
+                            </p:stCondLst>
+                            <p:childTnLst>
+                              <p:par>
+                                <p:cTn id="46" presetID="10" presetClass="entr" presetSubtype="0" fill="hold" grpId="0" nodeType="clickEffect">
+                                  <p:stCondLst>
+                                    <p:cond delay="0"/>
+                                  </p:stCondLst>
+                                  <p:childTnLst>
+                                    <p:set>
+                                      <p:cBhvr>
+                                        <p:cTn id="47" dur="1" fill="hold">
+                                          <p:stCondLst>
+                                            <p:cond delay="0"/>
+                                          </p:stCondLst>
+                                        </p:cTn>
+                                        <p:tgtEl>
+                                          <p:spTgt spid="25"/>
+                                        </p:tgtEl>
+                                        <p:attrNameLst>
+                                          <p:attrName>style.visibility</p:attrName>
+                                        </p:attrNameLst>
+                                      </p:cBhvr>
+                                      <p:to>
+                                        <p:strVal val="visible"/>
+                                      </p:to>
+                                    </p:set>
+                                    <p:animEffect transition="in" filter="fade">
+                                      <p:cBhvr>
+                                        <p:cTn id="48" dur="500"/>
+                                        <p:tgtEl>
+                                          <p:spTgt spid="25"/>
+                                        </p:tgtEl>
+                                      </p:cBhvr>
+                                    </p:animEffect>
+                                  </p:childTnLst>
+                                </p:cTn>
+                              </p:par>
+                            </p:childTnLst>
+                          </p:cTn>
+                        </p:par>
+                      </p:childTnLst>
+                    </p:cTn>
+                  </p:par>
+                  <p:par>
+                    <p:cTn id="49" fill="hold">
+                      <p:stCondLst>
+                        <p:cond delay="indefinite"/>
+                      </p:stCondLst>
+                      <p:childTnLst>
+                        <p:par>
+                          <p:cTn id="50" fill="hold">
+                            <p:stCondLst>
+                              <p:cond delay="0"/>
+                            </p:stCondLst>
+                            <p:childTnLst>
+                              <p:par>
+                                <p:cTn id="51" presetID="10" presetClass="entr" presetSubtype="0" fill="hold" grpId="0" nodeType="clickEffect">
+                                  <p:stCondLst>
+                                    <p:cond delay="0"/>
+                                  </p:stCondLst>
+                                  <p:childTnLst>
+                                    <p:set>
+                                      <p:cBhvr>
+                                        <p:cTn id="52" dur="1" fill="hold">
+                                          <p:stCondLst>
+                                            <p:cond delay="0"/>
+                                          </p:stCondLst>
+                                        </p:cTn>
+                                        <p:tgtEl>
+                                          <p:spTgt spid="26"/>
+                                        </p:tgtEl>
+                                        <p:attrNameLst>
+                                          <p:attrName>style.visibility</p:attrName>
+                                        </p:attrNameLst>
+                                      </p:cBhvr>
+                                      <p:to>
+                                        <p:strVal val="visible"/>
+                                      </p:to>
+                                    </p:set>
+                                    <p:animEffect transition="in" filter="fade">
+                                      <p:cBhvr>
+                                        <p:cTn id="53" dur="500"/>
+                                        <p:tgtEl>
+                                          <p:spTgt spid="26"/>
+                                        </p:tgtEl>
+                                      </p:cBhvr>
+                                    </p:animEffect>
+                                  </p:childTnLst>
+                                </p:cTn>
+                              </p:par>
+                            </p:childTnLst>
+                          </p:cTn>
+                        </p:par>
+                      </p:childTnLst>
+                    </p:cTn>
+                  </p:par>
+                  <p:par>
+                    <p:cTn id="54" fill="hold">
+                      <p:stCondLst>
+                        <p:cond delay="indefinite"/>
+                      </p:stCondLst>
+                      <p:childTnLst>
+                        <p:par>
+                          <p:cTn id="55" fill="hold">
+                            <p:stCondLst>
+                              <p:cond delay="0"/>
+                            </p:stCondLst>
+                            <p:childTnLst>
+                              <p:par>
+                                <p:cTn id="56" presetID="10" presetClass="exit" presetSubtype="0" fill="hold" grpId="1" nodeType="clickEffect">
+                                  <p:stCondLst>
+                                    <p:cond delay="0"/>
+                                  </p:stCondLst>
+                                  <p:childTnLst>
+                                    <p:animEffect transition="out" filter="fade">
+                                      <p:cBhvr>
+                                        <p:cTn id="57" dur="500"/>
+                                        <p:tgtEl>
+                                          <p:spTgt spid="25"/>
+                                        </p:tgtEl>
+                                      </p:cBhvr>
+                                    </p:animEffect>
+                                    <p:set>
+                                      <p:cBhvr>
+                                        <p:cTn id="58" dur="1" fill="hold">
+                                          <p:stCondLst>
+                                            <p:cond delay="499"/>
+                                          </p:stCondLst>
+                                        </p:cTn>
+                                        <p:tgtEl>
+                                          <p:spTgt spid="25"/>
+                                        </p:tgtEl>
+                                        <p:attrNameLst>
+                                          <p:attrName>style.visibility</p:attrName>
+                                        </p:attrNameLst>
+                                      </p:cBhvr>
+                                      <p:to>
+                                        <p:strVal val="hidden"/>
+                                      </p:to>
+                                    </p:set>
+                                  </p:childTnLst>
+                                </p:cTn>
+                              </p:par>
+                              <p:par>
+                                <p:cTn id="59" presetID="10" presetClass="exit" presetSubtype="0" fill="hold" grpId="1" nodeType="withEffect">
+                                  <p:stCondLst>
+                                    <p:cond delay="0"/>
+                                  </p:stCondLst>
+                                  <p:childTnLst>
+                                    <p:animEffect transition="out" filter="fade">
+                                      <p:cBhvr>
+                                        <p:cTn id="60" dur="500"/>
+                                        <p:tgtEl>
+                                          <p:spTgt spid="26"/>
+                                        </p:tgtEl>
+                                      </p:cBhvr>
+                                    </p:animEffect>
+                                    <p:set>
+                                      <p:cBhvr>
+                                        <p:cTn id="61" dur="1" fill="hold">
+                                          <p:stCondLst>
+                                            <p:cond delay="499"/>
+                                          </p:stCondLst>
+                                        </p:cTn>
+                                        <p:tgtEl>
+                                          <p:spTgt spid="26"/>
+                                        </p:tgtEl>
+                                        <p:attrNameLst>
+                                          <p:attrName>style.visibility</p:attrName>
+                                        </p:attrNameLst>
+                                      </p:cBhvr>
+                                      <p:to>
+                                        <p:strVal val="hidden"/>
+                                      </p:to>
+                                    </p:set>
+                                  </p:childTnLst>
+                                </p:cTn>
+                              </p:par>
+                            </p:childTnLst>
+                          </p:cTn>
+                        </p:par>
+                      </p:childTnLst>
+                    </p:cTn>
+                  </p:par>
                 </p:childTnLst>
               </p:cTn>
               <p:prevCondLst>
@@ -8820,12 +9802,2544 @@
       <p:bldP spid="2" grpId="0"/>
       <p:bldP spid="5" grpId="0" animBg="1"/>
       <p:bldP spid="5" grpId="1" animBg="1"/>
+      <p:bldP spid="25" grpId="0" animBg="1"/>
+      <p:bldP spid="25" grpId="1" animBg="1"/>
+      <p:bldP spid="26" grpId="0" animBg="1"/>
+      <p:bldP spid="26" grpId="1" animBg="1"/>
     </p:bldLst>
   </p:timing>
 </p:sld>
 </file>
 
 <file path=ppt/slides/slide18.xml><?xml version="1.0" encoding="utf-8"?>
+<p:sld xmlns:a="http://schemas.openxmlformats.org/drawingml/2006/main" xmlns:r="http://schemas.openxmlformats.org/officeDocument/2006/relationships" xmlns:p="http://schemas.openxmlformats.org/presentationml/2006/main">
+  <p:cSld>
+    <p:spTree>
+      <p:nvGrpSpPr>
+        <p:cNvPr id="1" name=""/>
+        <p:cNvGrpSpPr/>
+        <p:nvPr/>
+      </p:nvGrpSpPr>
+      <p:grpSpPr>
+        <a:xfrm>
+          <a:off x="0" y="0"/>
+          <a:ext cx="0" cy="0"/>
+          <a:chOff x="0" y="0"/>
+          <a:chExt cx="0" cy="0"/>
+        </a:xfrm>
+      </p:grpSpPr>
+      <p:sp>
+        <p:nvSpPr>
+          <p:cNvPr id="2" name="Title 1"/>
+          <p:cNvSpPr>
+            <a:spLocks noGrp="1"/>
+          </p:cNvSpPr>
+          <p:nvPr>
+            <p:ph type="title"/>
+          </p:nvPr>
+        </p:nvSpPr>
+        <p:spPr>
+          <a:xfrm>
+            <a:off x="102910" y="0"/>
+            <a:ext cx="3799787" cy="744718"/>
+          </a:xfrm>
+        </p:spPr>
+        <p:txBody>
+          <a:bodyPr>
+            <a:normAutofit/>
+          </a:bodyPr>
+          <a:lstStyle/>
+          <a:p>
+            <a:r>
+              <a:rPr lang="en-US" sz="2000" dirty="0"/>
+              <a:t>C++14 </a:t>
+            </a:r>
+            <a:r>
+              <a:rPr lang="en-US" sz="2000" dirty="0" err="1">
+                <a:latin typeface="Consolas" panose="020B0609020204030204" pitchFamily="49" charset="0"/>
+              </a:rPr>
+              <a:t>static_if</a:t>
+            </a:r>
+            <a:r>
+              <a:rPr lang="en-US" sz="2000" dirty="0"/>
+              <a:t> – example (4)</a:t>
+            </a:r>
+            <a:endParaRPr lang="it-IT" sz="2000" dirty="0"/>
+          </a:p>
+        </p:txBody>
+      </p:sp>
+      <p:pic>
+        <p:nvPicPr>
+          <p:cNvPr id="4" name="Content Placeholder 3"/>
+          <p:cNvPicPr>
+            <a:picLocks noGrp="1" noChangeAspect="1"/>
+          </p:cNvPicPr>
+          <p:nvPr>
+            <p:ph idx="1"/>
+          </p:nvPr>
+        </p:nvPicPr>
+        <p:blipFill>
+          <a:blip r:embed="rId3">
+            <a:extLst>
+              <a:ext uri="{28A0092B-C50C-407E-A947-70E740481C1C}">
+                <a14:useLocalDpi xmlns:a14="http://schemas.microsoft.com/office/drawing/2010/main" val="0"/>
+              </a:ext>
+            </a:extLst>
+          </a:blip>
+          <a:stretch>
+            <a:fillRect/>
+          </a:stretch>
+        </p:blipFill>
+        <p:spPr>
+          <a:xfrm>
+            <a:off x="4583287" y="273377"/>
+            <a:ext cx="7197560" cy="6212264"/>
+          </a:xfrm>
+        </p:spPr>
+      </p:pic>
+      <mc:AlternateContent xmlns:mc="http://schemas.openxmlformats.org/markup-compatibility/2006">
+        <mc:Choice xmlns:p14="http://schemas.microsoft.com/office/powerpoint/2010/main" Requires="p14">
+          <p:contentPart p14:bwMode="auto" r:id="rId4">
+            <p14:nvContentPartPr>
+              <p14:cNvPr id="10" name="Ink 9"/>
+              <p14:cNvContentPartPr/>
+              <p14:nvPr/>
+            </p14:nvContentPartPr>
+            <p14:xfrm>
+              <a:off x="6038855" y="1428918"/>
+              <a:ext cx="5538960" cy="1830960"/>
+            </p14:xfrm>
+          </p:contentPart>
+        </mc:Choice>
+        <mc:Fallback>
+          <p:pic>
+            <p:nvPicPr>
+              <p:cNvPr id="10" name="Ink 9"/>
+              <p:cNvPicPr/>
+              <p:nvPr/>
+            </p:nvPicPr>
+            <p:blipFill>
+              <a:blip r:embed="rId5"/>
+              <a:stretch>
+                <a:fillRect/>
+              </a:stretch>
+            </p:blipFill>
+            <p:spPr>
+              <a:xfrm>
+                <a:off x="6029135" y="1423518"/>
+                <a:ext cx="5558760" cy="1846800"/>
+              </a:xfrm>
+              <a:prstGeom prst="rect">
+                <a:avLst/>
+              </a:prstGeom>
+            </p:spPr>
+          </p:pic>
+        </mc:Fallback>
+      </mc:AlternateContent>
+      <mc:AlternateContent xmlns:mc="http://schemas.openxmlformats.org/markup-compatibility/2006">
+        <mc:Choice xmlns:p14="http://schemas.microsoft.com/office/powerpoint/2010/main" Requires="p14">
+          <p:contentPart p14:bwMode="auto" r:id="rId6">
+            <p14:nvContentPartPr>
+              <p14:cNvPr id="15" name="Ink 14"/>
+              <p14:cNvContentPartPr/>
+              <p14:nvPr/>
+            </p14:nvContentPartPr>
+            <p14:xfrm>
+              <a:off x="6021935" y="3292998"/>
+              <a:ext cx="5876640" cy="3153960"/>
+            </p14:xfrm>
+          </p:contentPart>
+        </mc:Choice>
+        <mc:Fallback>
+          <p:pic>
+            <p:nvPicPr>
+              <p:cNvPr id="15" name="Ink 14"/>
+              <p:cNvPicPr/>
+              <p:nvPr/>
+            </p:nvPicPr>
+            <p:blipFill>
+              <a:blip r:embed="rId7"/>
+              <a:stretch>
+                <a:fillRect/>
+              </a:stretch>
+            </p:blipFill>
+            <p:spPr>
+              <a:xfrm>
+                <a:off x="6011855" y="3287598"/>
+                <a:ext cx="5896080" cy="3169440"/>
+              </a:xfrm>
+              <a:prstGeom prst="rect">
+                <a:avLst/>
+              </a:prstGeom>
+            </p:spPr>
+          </p:pic>
+        </mc:Fallback>
+      </mc:AlternateContent>
+      <p:sp>
+        <p:nvSpPr>
+          <p:cNvPr id="16" name="TextBox 15"/>
+          <p:cNvSpPr txBox="1"/>
+          <p:nvPr/>
+        </p:nvSpPr>
+        <p:spPr>
+          <a:xfrm>
+            <a:off x="772997" y="1640263"/>
+            <a:ext cx="5961888" cy="523220"/>
+          </a:xfrm>
+          <a:prstGeom prst="rect">
+            <a:avLst/>
+          </a:prstGeom>
+          <a:solidFill>
+            <a:schemeClr val="bg1"/>
+          </a:solidFill>
+          <a:ln w="28575">
+            <a:solidFill>
+              <a:srgbClr val="FF0000"/>
+            </a:solidFill>
+          </a:ln>
+        </p:spPr>
+        <p:style>
+          <a:lnRef idx="2">
+            <a:schemeClr val="dk1"/>
+          </a:lnRef>
+          <a:fillRef idx="1">
+            <a:schemeClr val="lt1"/>
+          </a:fillRef>
+          <a:effectRef idx="0">
+            <a:schemeClr val="dk1"/>
+          </a:effectRef>
+          <a:fontRef idx="minor">
+            <a:schemeClr val="dk1"/>
+          </a:fontRef>
+        </p:style>
+        <p:txBody>
+          <a:bodyPr wrap="none" rtlCol="0">
+            <a:spAutoFit/>
+          </a:bodyPr>
+          <a:lstStyle/>
+          <a:p>
+            <a:r>
+              <a:rPr lang="en-US" sz="2800" dirty="0"/>
+              <a:t>Scope rules are what you would expect.</a:t>
+            </a:r>
+            <a:endParaRPr lang="it-IT" sz="2800" dirty="0"/>
+          </a:p>
+        </p:txBody>
+      </p:sp>
+      <mc:AlternateContent xmlns:mc="http://schemas.openxmlformats.org/markup-compatibility/2006">
+        <mc:Choice xmlns:p14="http://schemas.microsoft.com/office/powerpoint/2010/main" Requires="p14">
+          <p:contentPart p14:bwMode="auto" r:id="rId8">
+            <p14:nvContentPartPr>
+              <p14:cNvPr id="21" name="Ink 20"/>
+              <p14:cNvContentPartPr/>
+              <p14:nvPr/>
+            </p14:nvContentPartPr>
+            <p14:xfrm>
+              <a:off x="3492215" y="1856958"/>
+              <a:ext cx="7920" cy="13680"/>
+            </p14:xfrm>
+          </p:contentPart>
+        </mc:Choice>
+        <mc:Fallback>
+          <p:pic>
+            <p:nvPicPr>
+              <p:cNvPr id="21" name="Ink 20"/>
+              <p:cNvPicPr/>
+              <p:nvPr/>
+            </p:nvPicPr>
+            <p:blipFill>
+              <a:blip r:embed="rId9"/>
+              <a:stretch>
+                <a:fillRect/>
+              </a:stretch>
+            </p:blipFill>
+            <p:spPr>
+              <a:xfrm>
+                <a:off x="3488975" y="1854438"/>
+                <a:ext cx="14040" cy="19080"/>
+              </a:xfrm>
+              <a:prstGeom prst="rect">
+                <a:avLst/>
+              </a:prstGeom>
+            </p:spPr>
+          </p:pic>
+        </mc:Fallback>
+      </mc:AlternateContent>
+      <mc:AlternateContent xmlns:mc="http://schemas.openxmlformats.org/markup-compatibility/2006">
+        <mc:Choice xmlns:p14="http://schemas.microsoft.com/office/powerpoint/2010/main" Requires="p14">
+          <p:contentPart p14:bwMode="auto" r:id="rId10">
+            <p14:nvContentPartPr>
+              <p14:cNvPr id="22" name="Ink 21"/>
+              <p14:cNvContentPartPr/>
+              <p14:nvPr/>
+            </p14:nvContentPartPr>
+            <p14:xfrm>
+              <a:off x="4966055" y="3198318"/>
+              <a:ext cx="33840" cy="3240"/>
+            </p14:xfrm>
+          </p:contentPart>
+        </mc:Choice>
+        <mc:Fallback>
+          <p:pic>
+            <p:nvPicPr>
+              <p:cNvPr id="22" name="Ink 21"/>
+              <p:cNvPicPr/>
+              <p:nvPr/>
+            </p:nvPicPr>
+            <p:blipFill>
+              <a:blip r:embed="rId11"/>
+              <a:stretch>
+                <a:fillRect/>
+              </a:stretch>
+            </p:blipFill>
+            <p:spPr>
+              <a:xfrm>
+                <a:off x="4962815" y="3195798"/>
+                <a:ext cx="39600" cy="8640"/>
+              </a:xfrm>
+              <a:prstGeom prst="rect">
+                <a:avLst/>
+              </a:prstGeom>
+            </p:spPr>
+          </p:pic>
+        </mc:Fallback>
+      </mc:AlternateContent>
+      <mc:AlternateContent xmlns:mc="http://schemas.openxmlformats.org/markup-compatibility/2006">
+        <mc:Choice xmlns:p14="http://schemas.microsoft.com/office/powerpoint/2010/main" Requires="p14">
+          <p:contentPart p14:bwMode="auto" r:id="rId12">
+            <p14:nvContentPartPr>
+              <p14:cNvPr id="23" name="Ink 22"/>
+              <p14:cNvContentPartPr/>
+              <p14:nvPr/>
+            </p14:nvContentPartPr>
+            <p14:xfrm>
+              <a:off x="5353775" y="2156838"/>
+              <a:ext cx="867960" cy="3436920"/>
+            </p14:xfrm>
+          </p:contentPart>
+        </mc:Choice>
+        <mc:Fallback>
+          <p:pic>
+            <p:nvPicPr>
+              <p:cNvPr id="23" name="Ink 22"/>
+              <p:cNvPicPr/>
+              <p:nvPr/>
+            </p:nvPicPr>
+            <p:blipFill>
+              <a:blip r:embed="rId13"/>
+              <a:stretch>
+                <a:fillRect/>
+              </a:stretch>
+            </p:blipFill>
+            <p:spPr>
+              <a:xfrm>
+                <a:off x="5345135" y="2147478"/>
+                <a:ext cx="879840" cy="3449880"/>
+              </a:xfrm>
+              <a:prstGeom prst="rect">
+                <a:avLst/>
+              </a:prstGeom>
+            </p:spPr>
+          </p:pic>
+        </mc:Fallback>
+      </mc:AlternateContent>
+      <mc:AlternateContent xmlns:mc="http://schemas.openxmlformats.org/markup-compatibility/2006">
+        <mc:Choice xmlns:p14="http://schemas.microsoft.com/office/powerpoint/2010/main" Requires="p14">
+          <p:contentPart p14:bwMode="auto" r:id="rId14">
+            <p14:nvContentPartPr>
+              <p14:cNvPr id="27" name="Ink 26"/>
+              <p14:cNvContentPartPr/>
+              <p14:nvPr/>
+            </p14:nvContentPartPr>
+            <p14:xfrm>
+              <a:off x="5608295" y="2264478"/>
+              <a:ext cx="611280" cy="1989360"/>
+            </p14:xfrm>
+          </p:contentPart>
+        </mc:Choice>
+        <mc:Fallback>
+          <p:pic>
+            <p:nvPicPr>
+              <p:cNvPr id="27" name="Ink 26"/>
+              <p:cNvPicPr/>
+              <p:nvPr/>
+            </p:nvPicPr>
+            <p:blipFill>
+              <a:blip r:embed="rId15"/>
+              <a:stretch>
+                <a:fillRect/>
+              </a:stretch>
+            </p:blipFill>
+            <p:spPr>
+              <a:xfrm>
+                <a:off x="5599295" y="2255838"/>
+                <a:ext cx="624240" cy="2003040"/>
+              </a:xfrm>
+              <a:prstGeom prst="rect">
+                <a:avLst/>
+              </a:prstGeom>
+            </p:spPr>
+          </p:pic>
+        </mc:Fallback>
+      </mc:AlternateContent>
+      <p:sp>
+        <p:nvSpPr>
+          <p:cNvPr id="28" name="TextBox 27"/>
+          <p:cNvSpPr txBox="1"/>
+          <p:nvPr/>
+        </p:nvSpPr>
+        <p:spPr>
+          <a:xfrm>
+            <a:off x="448515" y="1428918"/>
+            <a:ext cx="4862556" cy="5270137"/>
+          </a:xfrm>
+          <a:prstGeom prst="rect">
+            <a:avLst/>
+          </a:prstGeom>
+          <a:solidFill>
+            <a:schemeClr val="bg1"/>
+          </a:solidFill>
+          <a:ln w="28575">
+            <a:solidFill>
+              <a:srgbClr val="FF0000"/>
+            </a:solidFill>
+          </a:ln>
+        </p:spPr>
+        <p:style>
+          <a:lnRef idx="2">
+            <a:schemeClr val="dk1"/>
+          </a:lnRef>
+          <a:fillRef idx="1">
+            <a:schemeClr val="lt1"/>
+          </a:fillRef>
+          <a:effectRef idx="0">
+            <a:schemeClr val="dk1"/>
+          </a:effectRef>
+          <a:fontRef idx="minor">
+            <a:schemeClr val="dk1"/>
+          </a:fontRef>
+        </p:style>
+        <p:txBody>
+          <a:bodyPr wrap="square" rtlCol="0">
+            <a:spAutoFit/>
+          </a:bodyPr>
+          <a:lstStyle/>
+          <a:p>
+            <a:r>
+              <a:rPr lang="en-US" sz="2800" dirty="0"/>
+              <a:t>Think of every branch of the </a:t>
+            </a:r>
+            <a:r>
+              <a:rPr lang="en-US" sz="2800" dirty="0" err="1">
+                <a:latin typeface="Consolas" panose="020B0609020204030204" pitchFamily="49" charset="0"/>
+              </a:rPr>
+              <a:t>static_if</a:t>
+            </a:r>
+            <a:r>
+              <a:rPr lang="en-US" sz="2800" dirty="0"/>
+              <a:t> as a template function that will only be instantiated if the predicate matches. </a:t>
+            </a:r>
+          </a:p>
+          <a:p>
+            <a:endParaRPr lang="en-US" sz="2800" dirty="0"/>
+          </a:p>
+          <a:p>
+            <a:r>
+              <a:rPr lang="en-US" sz="2800" dirty="0"/>
+              <a:t>In this example, even if </a:t>
+            </a:r>
+            <a:r>
+              <a:rPr lang="en-US" sz="2800" dirty="0" err="1">
+                <a:latin typeface="Consolas" panose="020B0609020204030204" pitchFamily="49" charset="0"/>
+              </a:rPr>
+              <a:t>y.eat</a:t>
+            </a:r>
+            <a:r>
+              <a:rPr lang="en-US" sz="2800" dirty="0">
+                <a:latin typeface="Consolas" panose="020B0609020204030204" pitchFamily="49" charset="0"/>
+              </a:rPr>
+              <a:t>()</a:t>
+            </a:r>
+            <a:r>
+              <a:rPr lang="en-US" sz="2800" dirty="0"/>
+              <a:t> does not exist, we won't get a compilation error, because the branch won't be instantiated, thus triggering SFINAE. </a:t>
+            </a:r>
+            <a:endParaRPr lang="it-IT" sz="2800" dirty="0"/>
+          </a:p>
+        </p:txBody>
+      </p:sp>
+      <p:sp>
+        <p:nvSpPr>
+          <p:cNvPr id="29" name="Rectangle 28"/>
+          <p:cNvSpPr/>
+          <p:nvPr/>
+        </p:nvSpPr>
+        <p:spPr>
+          <a:xfrm>
+            <a:off x="6734885" y="2051823"/>
+            <a:ext cx="4683964" cy="791737"/>
+          </a:xfrm>
+          <a:prstGeom prst="rect">
+            <a:avLst/>
+          </a:prstGeom>
+          <a:solidFill>
+            <a:srgbClr val="FF0000">
+              <a:alpha val="25000"/>
+            </a:srgbClr>
+          </a:solidFill>
+          <a:ln>
+            <a:noFill/>
+          </a:ln>
+        </p:spPr>
+        <p:style>
+          <a:lnRef idx="2">
+            <a:schemeClr val="accent1">
+              <a:shade val="50000"/>
+            </a:schemeClr>
+          </a:lnRef>
+          <a:fillRef idx="1">
+            <a:schemeClr val="accent1"/>
+          </a:fillRef>
+          <a:effectRef idx="0">
+            <a:schemeClr val="accent1"/>
+          </a:effectRef>
+          <a:fontRef idx="minor">
+            <a:schemeClr val="lt1"/>
+          </a:fontRef>
+        </p:style>
+        <p:txBody>
+          <a:bodyPr rtlCol="0" anchor="ctr"/>
+          <a:lstStyle/>
+          <a:p>
+            <a:pPr algn="ctr"/>
+            <a:endParaRPr lang="it-IT"/>
+          </a:p>
+        </p:txBody>
+      </p:sp>
+      <p:sp>
+        <p:nvSpPr>
+          <p:cNvPr id="30" name="Rectangle 29"/>
+          <p:cNvSpPr/>
+          <p:nvPr/>
+        </p:nvSpPr>
+        <p:spPr>
+          <a:xfrm>
+            <a:off x="6887735" y="3857969"/>
+            <a:ext cx="4683964" cy="791737"/>
+          </a:xfrm>
+          <a:prstGeom prst="rect">
+            <a:avLst/>
+          </a:prstGeom>
+          <a:solidFill>
+            <a:srgbClr val="FF0000">
+              <a:alpha val="25000"/>
+            </a:srgbClr>
+          </a:solidFill>
+          <a:ln>
+            <a:noFill/>
+          </a:ln>
+        </p:spPr>
+        <p:style>
+          <a:lnRef idx="2">
+            <a:schemeClr val="accent1">
+              <a:shade val="50000"/>
+            </a:schemeClr>
+          </a:lnRef>
+          <a:fillRef idx="1">
+            <a:schemeClr val="accent1"/>
+          </a:fillRef>
+          <a:effectRef idx="0">
+            <a:schemeClr val="accent1"/>
+          </a:effectRef>
+          <a:fontRef idx="minor">
+            <a:schemeClr val="lt1"/>
+          </a:fontRef>
+        </p:style>
+        <p:txBody>
+          <a:bodyPr rtlCol="0" anchor="ctr"/>
+          <a:lstStyle/>
+          <a:p>
+            <a:pPr algn="ctr"/>
+            <a:endParaRPr lang="it-IT"/>
+          </a:p>
+        </p:txBody>
+      </p:sp>
+      <p:sp>
+        <p:nvSpPr>
+          <p:cNvPr id="31" name="Rectangle 30"/>
+          <p:cNvSpPr/>
+          <p:nvPr/>
+        </p:nvSpPr>
+        <p:spPr>
+          <a:xfrm>
+            <a:off x="6887735" y="5214677"/>
+            <a:ext cx="4683964" cy="791737"/>
+          </a:xfrm>
+          <a:prstGeom prst="rect">
+            <a:avLst/>
+          </a:prstGeom>
+          <a:solidFill>
+            <a:srgbClr val="FF0000">
+              <a:alpha val="25000"/>
+            </a:srgbClr>
+          </a:solidFill>
+          <a:ln>
+            <a:noFill/>
+          </a:ln>
+        </p:spPr>
+        <p:style>
+          <a:lnRef idx="2">
+            <a:schemeClr val="accent1">
+              <a:shade val="50000"/>
+            </a:schemeClr>
+          </a:lnRef>
+          <a:fillRef idx="1">
+            <a:schemeClr val="accent1"/>
+          </a:fillRef>
+          <a:effectRef idx="0">
+            <a:schemeClr val="accent1"/>
+          </a:effectRef>
+          <a:fontRef idx="minor">
+            <a:schemeClr val="lt1"/>
+          </a:fontRef>
+        </p:style>
+        <p:txBody>
+          <a:bodyPr rtlCol="0" anchor="ctr"/>
+          <a:lstStyle/>
+          <a:p>
+            <a:pPr algn="ctr"/>
+            <a:endParaRPr lang="it-IT"/>
+          </a:p>
+        </p:txBody>
+      </p:sp>
+    </p:spTree>
+    <p:extLst>
+      <p:ext uri="{BB962C8B-B14F-4D97-AF65-F5344CB8AC3E}">
+        <p14:creationId xmlns:p14="http://schemas.microsoft.com/office/powerpoint/2010/main" val="1040573127"/>
+      </p:ext>
+    </p:extLst>
+  </p:cSld>
+  <p:clrMapOvr>
+    <a:masterClrMapping/>
+  </p:clrMapOvr>
+  <p:timing>
+    <p:tnLst>
+      <p:par>
+        <p:cTn id="1" dur="indefinite" restart="never" nodeType="tmRoot">
+          <p:childTnLst>
+            <p:seq concurrent="1" nextAc="seek">
+              <p:cTn id="2" dur="indefinite" nodeType="mainSeq">
+                <p:childTnLst>
+                  <p:par>
+                    <p:cTn id="3" fill="hold">
+                      <p:stCondLst>
+                        <p:cond delay="indefinite"/>
+                      </p:stCondLst>
+                      <p:childTnLst>
+                        <p:par>
+                          <p:cTn id="4" fill="hold">
+                            <p:stCondLst>
+                              <p:cond delay="0"/>
+                            </p:stCondLst>
+                            <p:childTnLst>
+                              <p:par>
+                                <p:cTn id="5" presetID="10" presetClass="exit" presetSubtype="0" fill="hold" grpId="0" nodeType="clickEffect">
+                                  <p:stCondLst>
+                                    <p:cond delay="0"/>
+                                  </p:stCondLst>
+                                  <p:childTnLst>
+                                    <p:animEffect transition="out" filter="fade">
+                                      <p:cBhvr>
+                                        <p:cTn id="6" dur="500"/>
+                                        <p:tgtEl>
+                                          <p:spTgt spid="2"/>
+                                        </p:tgtEl>
+                                      </p:cBhvr>
+                                    </p:animEffect>
+                                    <p:set>
+                                      <p:cBhvr>
+                                        <p:cTn id="7" dur="1" fill="hold">
+                                          <p:stCondLst>
+                                            <p:cond delay="499"/>
+                                          </p:stCondLst>
+                                        </p:cTn>
+                                        <p:tgtEl>
+                                          <p:spTgt spid="2"/>
+                                        </p:tgtEl>
+                                        <p:attrNameLst>
+                                          <p:attrName>style.visibility</p:attrName>
+                                        </p:attrNameLst>
+                                      </p:cBhvr>
+                                      <p:to>
+                                        <p:strVal val="hidden"/>
+                                      </p:to>
+                                    </p:set>
+                                  </p:childTnLst>
+                                </p:cTn>
+                              </p:par>
+                            </p:childTnLst>
+                          </p:cTn>
+                        </p:par>
+                      </p:childTnLst>
+                    </p:cTn>
+                  </p:par>
+                  <p:par>
+                    <p:cTn id="8" fill="hold">
+                      <p:stCondLst>
+                        <p:cond delay="indefinite"/>
+                      </p:stCondLst>
+                      <p:childTnLst>
+                        <p:par>
+                          <p:cTn id="9" fill="hold">
+                            <p:stCondLst>
+                              <p:cond delay="0"/>
+                            </p:stCondLst>
+                            <p:childTnLst>
+                              <p:par>
+                                <p:cTn id="10" presetID="10" presetClass="entr" presetSubtype="0" fill="hold" nodeType="clickEffect">
+                                  <p:stCondLst>
+                                    <p:cond delay="0"/>
+                                  </p:stCondLst>
+                                  <p:childTnLst>
+                                    <p:set>
+                                      <p:cBhvr>
+                                        <p:cTn id="11" dur="1" fill="hold">
+                                          <p:stCondLst>
+                                            <p:cond delay="0"/>
+                                          </p:stCondLst>
+                                        </p:cTn>
+                                        <p:tgtEl>
+                                          <p:spTgt spid="10"/>
+                                        </p:tgtEl>
+                                        <p:attrNameLst>
+                                          <p:attrName>style.visibility</p:attrName>
+                                        </p:attrNameLst>
+                                      </p:cBhvr>
+                                      <p:to>
+                                        <p:strVal val="visible"/>
+                                      </p:to>
+                                    </p:set>
+                                    <p:animEffect transition="in" filter="fade">
+                                      <p:cBhvr>
+                                        <p:cTn id="12" dur="500"/>
+                                        <p:tgtEl>
+                                          <p:spTgt spid="10"/>
+                                        </p:tgtEl>
+                                      </p:cBhvr>
+                                    </p:animEffect>
+                                  </p:childTnLst>
+                                </p:cTn>
+                              </p:par>
+                              <p:par>
+                                <p:cTn id="13" presetID="10" presetClass="entr" presetSubtype="0" fill="hold" nodeType="withEffect">
+                                  <p:stCondLst>
+                                    <p:cond delay="0"/>
+                                  </p:stCondLst>
+                                  <p:childTnLst>
+                                    <p:set>
+                                      <p:cBhvr>
+                                        <p:cTn id="14" dur="1" fill="hold">
+                                          <p:stCondLst>
+                                            <p:cond delay="0"/>
+                                          </p:stCondLst>
+                                        </p:cTn>
+                                        <p:tgtEl>
+                                          <p:spTgt spid="15"/>
+                                        </p:tgtEl>
+                                        <p:attrNameLst>
+                                          <p:attrName>style.visibility</p:attrName>
+                                        </p:attrNameLst>
+                                      </p:cBhvr>
+                                      <p:to>
+                                        <p:strVal val="visible"/>
+                                      </p:to>
+                                    </p:set>
+                                    <p:animEffect transition="in" filter="fade">
+                                      <p:cBhvr>
+                                        <p:cTn id="15" dur="500"/>
+                                        <p:tgtEl>
+                                          <p:spTgt spid="15"/>
+                                        </p:tgtEl>
+                                      </p:cBhvr>
+                                    </p:animEffect>
+                                  </p:childTnLst>
+                                </p:cTn>
+                              </p:par>
+                            </p:childTnLst>
+                          </p:cTn>
+                        </p:par>
+                      </p:childTnLst>
+                    </p:cTn>
+                  </p:par>
+                  <p:par>
+                    <p:cTn id="16" fill="hold">
+                      <p:stCondLst>
+                        <p:cond delay="indefinite"/>
+                      </p:stCondLst>
+                      <p:childTnLst>
+                        <p:par>
+                          <p:cTn id="17" fill="hold">
+                            <p:stCondLst>
+                              <p:cond delay="0"/>
+                            </p:stCondLst>
+                            <p:childTnLst>
+                              <p:par>
+                                <p:cTn id="18" presetID="10" presetClass="entr" presetSubtype="0" fill="hold" nodeType="clickEffect">
+                                  <p:stCondLst>
+                                    <p:cond delay="0"/>
+                                  </p:stCondLst>
+                                  <p:childTnLst>
+                                    <p:set>
+                                      <p:cBhvr>
+                                        <p:cTn id="19" dur="1" fill="hold">
+                                          <p:stCondLst>
+                                            <p:cond delay="0"/>
+                                          </p:stCondLst>
+                                        </p:cTn>
+                                        <p:tgtEl>
+                                          <p:spTgt spid="27"/>
+                                        </p:tgtEl>
+                                        <p:attrNameLst>
+                                          <p:attrName>style.visibility</p:attrName>
+                                        </p:attrNameLst>
+                                      </p:cBhvr>
+                                      <p:to>
+                                        <p:strVal val="visible"/>
+                                      </p:to>
+                                    </p:set>
+                                    <p:animEffect transition="in" filter="fade">
+                                      <p:cBhvr>
+                                        <p:cTn id="20" dur="500"/>
+                                        <p:tgtEl>
+                                          <p:spTgt spid="27"/>
+                                        </p:tgtEl>
+                                      </p:cBhvr>
+                                    </p:animEffect>
+                                  </p:childTnLst>
+                                </p:cTn>
+                              </p:par>
+                              <p:par>
+                                <p:cTn id="21" presetID="10" presetClass="entr" presetSubtype="0" fill="hold" nodeType="withEffect">
+                                  <p:stCondLst>
+                                    <p:cond delay="0"/>
+                                  </p:stCondLst>
+                                  <p:childTnLst>
+                                    <p:set>
+                                      <p:cBhvr>
+                                        <p:cTn id="22" dur="1" fill="hold">
+                                          <p:stCondLst>
+                                            <p:cond delay="0"/>
+                                          </p:stCondLst>
+                                        </p:cTn>
+                                        <p:tgtEl>
+                                          <p:spTgt spid="23"/>
+                                        </p:tgtEl>
+                                        <p:attrNameLst>
+                                          <p:attrName>style.visibility</p:attrName>
+                                        </p:attrNameLst>
+                                      </p:cBhvr>
+                                      <p:to>
+                                        <p:strVal val="visible"/>
+                                      </p:to>
+                                    </p:set>
+                                    <p:animEffect transition="in" filter="fade">
+                                      <p:cBhvr>
+                                        <p:cTn id="23" dur="500"/>
+                                        <p:tgtEl>
+                                          <p:spTgt spid="23"/>
+                                        </p:tgtEl>
+                                      </p:cBhvr>
+                                    </p:animEffect>
+                                  </p:childTnLst>
+                                </p:cTn>
+                              </p:par>
+                              <p:par>
+                                <p:cTn id="24" presetID="10" presetClass="entr" presetSubtype="0" fill="hold" grpId="0" nodeType="withEffect">
+                                  <p:stCondLst>
+                                    <p:cond delay="0"/>
+                                  </p:stCondLst>
+                                  <p:childTnLst>
+                                    <p:set>
+                                      <p:cBhvr>
+                                        <p:cTn id="25" dur="1" fill="hold">
+                                          <p:stCondLst>
+                                            <p:cond delay="0"/>
+                                          </p:stCondLst>
+                                        </p:cTn>
+                                        <p:tgtEl>
+                                          <p:spTgt spid="16"/>
+                                        </p:tgtEl>
+                                        <p:attrNameLst>
+                                          <p:attrName>style.visibility</p:attrName>
+                                        </p:attrNameLst>
+                                      </p:cBhvr>
+                                      <p:to>
+                                        <p:strVal val="visible"/>
+                                      </p:to>
+                                    </p:set>
+                                    <p:animEffect transition="in" filter="fade">
+                                      <p:cBhvr>
+                                        <p:cTn id="26" dur="500"/>
+                                        <p:tgtEl>
+                                          <p:spTgt spid="16"/>
+                                        </p:tgtEl>
+                                      </p:cBhvr>
+                                    </p:animEffect>
+                                  </p:childTnLst>
+                                </p:cTn>
+                              </p:par>
+                            </p:childTnLst>
+                          </p:cTn>
+                        </p:par>
+                      </p:childTnLst>
+                    </p:cTn>
+                  </p:par>
+                  <p:par>
+                    <p:cTn id="27" fill="hold">
+                      <p:stCondLst>
+                        <p:cond delay="indefinite"/>
+                      </p:stCondLst>
+                      <p:childTnLst>
+                        <p:par>
+                          <p:cTn id="28" fill="hold">
+                            <p:stCondLst>
+                              <p:cond delay="0"/>
+                            </p:stCondLst>
+                            <p:childTnLst>
+                              <p:par>
+                                <p:cTn id="29" presetID="10" presetClass="exit" presetSubtype="0" fill="hold" nodeType="clickEffect">
+                                  <p:stCondLst>
+                                    <p:cond delay="0"/>
+                                  </p:stCondLst>
+                                  <p:childTnLst>
+                                    <p:animEffect transition="out" filter="fade">
+                                      <p:cBhvr>
+                                        <p:cTn id="30" dur="500"/>
+                                        <p:tgtEl>
+                                          <p:spTgt spid="10"/>
+                                        </p:tgtEl>
+                                      </p:cBhvr>
+                                    </p:animEffect>
+                                    <p:set>
+                                      <p:cBhvr>
+                                        <p:cTn id="31" dur="1" fill="hold">
+                                          <p:stCondLst>
+                                            <p:cond delay="499"/>
+                                          </p:stCondLst>
+                                        </p:cTn>
+                                        <p:tgtEl>
+                                          <p:spTgt spid="10"/>
+                                        </p:tgtEl>
+                                        <p:attrNameLst>
+                                          <p:attrName>style.visibility</p:attrName>
+                                        </p:attrNameLst>
+                                      </p:cBhvr>
+                                      <p:to>
+                                        <p:strVal val="hidden"/>
+                                      </p:to>
+                                    </p:set>
+                                  </p:childTnLst>
+                                </p:cTn>
+                              </p:par>
+                              <p:par>
+                                <p:cTn id="32" presetID="10" presetClass="exit" presetSubtype="0" fill="hold" nodeType="withEffect">
+                                  <p:stCondLst>
+                                    <p:cond delay="0"/>
+                                  </p:stCondLst>
+                                  <p:childTnLst>
+                                    <p:animEffect transition="out" filter="fade">
+                                      <p:cBhvr>
+                                        <p:cTn id="33" dur="500"/>
+                                        <p:tgtEl>
+                                          <p:spTgt spid="15"/>
+                                        </p:tgtEl>
+                                      </p:cBhvr>
+                                    </p:animEffect>
+                                    <p:set>
+                                      <p:cBhvr>
+                                        <p:cTn id="34" dur="1" fill="hold">
+                                          <p:stCondLst>
+                                            <p:cond delay="499"/>
+                                          </p:stCondLst>
+                                        </p:cTn>
+                                        <p:tgtEl>
+                                          <p:spTgt spid="15"/>
+                                        </p:tgtEl>
+                                        <p:attrNameLst>
+                                          <p:attrName>style.visibility</p:attrName>
+                                        </p:attrNameLst>
+                                      </p:cBhvr>
+                                      <p:to>
+                                        <p:strVal val="hidden"/>
+                                      </p:to>
+                                    </p:set>
+                                  </p:childTnLst>
+                                </p:cTn>
+                              </p:par>
+                              <p:par>
+                                <p:cTn id="35" presetID="10" presetClass="exit" presetSubtype="0" fill="hold" nodeType="withEffect">
+                                  <p:stCondLst>
+                                    <p:cond delay="0"/>
+                                  </p:stCondLst>
+                                  <p:childTnLst>
+                                    <p:animEffect transition="out" filter="fade">
+                                      <p:cBhvr>
+                                        <p:cTn id="36" dur="500"/>
+                                        <p:tgtEl>
+                                          <p:spTgt spid="27"/>
+                                        </p:tgtEl>
+                                      </p:cBhvr>
+                                    </p:animEffect>
+                                    <p:set>
+                                      <p:cBhvr>
+                                        <p:cTn id="37" dur="1" fill="hold">
+                                          <p:stCondLst>
+                                            <p:cond delay="499"/>
+                                          </p:stCondLst>
+                                        </p:cTn>
+                                        <p:tgtEl>
+                                          <p:spTgt spid="27"/>
+                                        </p:tgtEl>
+                                        <p:attrNameLst>
+                                          <p:attrName>style.visibility</p:attrName>
+                                        </p:attrNameLst>
+                                      </p:cBhvr>
+                                      <p:to>
+                                        <p:strVal val="hidden"/>
+                                      </p:to>
+                                    </p:set>
+                                  </p:childTnLst>
+                                </p:cTn>
+                              </p:par>
+                              <p:par>
+                                <p:cTn id="38" presetID="10" presetClass="exit" presetSubtype="0" fill="hold" nodeType="withEffect">
+                                  <p:stCondLst>
+                                    <p:cond delay="0"/>
+                                  </p:stCondLst>
+                                  <p:childTnLst>
+                                    <p:animEffect transition="out" filter="fade">
+                                      <p:cBhvr>
+                                        <p:cTn id="39" dur="500"/>
+                                        <p:tgtEl>
+                                          <p:spTgt spid="23"/>
+                                        </p:tgtEl>
+                                      </p:cBhvr>
+                                    </p:animEffect>
+                                    <p:set>
+                                      <p:cBhvr>
+                                        <p:cTn id="40" dur="1" fill="hold">
+                                          <p:stCondLst>
+                                            <p:cond delay="499"/>
+                                          </p:stCondLst>
+                                        </p:cTn>
+                                        <p:tgtEl>
+                                          <p:spTgt spid="23"/>
+                                        </p:tgtEl>
+                                        <p:attrNameLst>
+                                          <p:attrName>style.visibility</p:attrName>
+                                        </p:attrNameLst>
+                                      </p:cBhvr>
+                                      <p:to>
+                                        <p:strVal val="hidden"/>
+                                      </p:to>
+                                    </p:set>
+                                  </p:childTnLst>
+                                </p:cTn>
+                              </p:par>
+                              <p:par>
+                                <p:cTn id="41" presetID="10" presetClass="exit" presetSubtype="0" fill="hold" grpId="1" nodeType="withEffect">
+                                  <p:stCondLst>
+                                    <p:cond delay="0"/>
+                                  </p:stCondLst>
+                                  <p:childTnLst>
+                                    <p:animEffect transition="out" filter="fade">
+                                      <p:cBhvr>
+                                        <p:cTn id="42" dur="500"/>
+                                        <p:tgtEl>
+                                          <p:spTgt spid="16"/>
+                                        </p:tgtEl>
+                                      </p:cBhvr>
+                                    </p:animEffect>
+                                    <p:set>
+                                      <p:cBhvr>
+                                        <p:cTn id="43" dur="1" fill="hold">
+                                          <p:stCondLst>
+                                            <p:cond delay="499"/>
+                                          </p:stCondLst>
+                                        </p:cTn>
+                                        <p:tgtEl>
+                                          <p:spTgt spid="16"/>
+                                        </p:tgtEl>
+                                        <p:attrNameLst>
+                                          <p:attrName>style.visibility</p:attrName>
+                                        </p:attrNameLst>
+                                      </p:cBhvr>
+                                      <p:to>
+                                        <p:strVal val="hidden"/>
+                                      </p:to>
+                                    </p:set>
+                                  </p:childTnLst>
+                                </p:cTn>
+                              </p:par>
+                            </p:childTnLst>
+                          </p:cTn>
+                        </p:par>
+                      </p:childTnLst>
+                    </p:cTn>
+                  </p:par>
+                  <p:par>
+                    <p:cTn id="44" fill="hold">
+                      <p:stCondLst>
+                        <p:cond delay="indefinite"/>
+                      </p:stCondLst>
+                      <p:childTnLst>
+                        <p:par>
+                          <p:cTn id="45" fill="hold">
+                            <p:stCondLst>
+                              <p:cond delay="0"/>
+                            </p:stCondLst>
+                            <p:childTnLst>
+                              <p:par>
+                                <p:cTn id="46" presetID="10" presetClass="entr" presetSubtype="0" fill="hold" grpId="0" nodeType="clickEffect">
+                                  <p:stCondLst>
+                                    <p:cond delay="0"/>
+                                  </p:stCondLst>
+                                  <p:childTnLst>
+                                    <p:set>
+                                      <p:cBhvr>
+                                        <p:cTn id="47" dur="1" fill="hold">
+                                          <p:stCondLst>
+                                            <p:cond delay="0"/>
+                                          </p:stCondLst>
+                                        </p:cTn>
+                                        <p:tgtEl>
+                                          <p:spTgt spid="31"/>
+                                        </p:tgtEl>
+                                        <p:attrNameLst>
+                                          <p:attrName>style.visibility</p:attrName>
+                                        </p:attrNameLst>
+                                      </p:cBhvr>
+                                      <p:to>
+                                        <p:strVal val="visible"/>
+                                      </p:to>
+                                    </p:set>
+                                    <p:animEffect transition="in" filter="fade">
+                                      <p:cBhvr>
+                                        <p:cTn id="48" dur="500"/>
+                                        <p:tgtEl>
+                                          <p:spTgt spid="31"/>
+                                        </p:tgtEl>
+                                      </p:cBhvr>
+                                    </p:animEffect>
+                                  </p:childTnLst>
+                                </p:cTn>
+                              </p:par>
+                              <p:par>
+                                <p:cTn id="49" presetID="10" presetClass="entr" presetSubtype="0" fill="hold" grpId="0" nodeType="withEffect">
+                                  <p:stCondLst>
+                                    <p:cond delay="0"/>
+                                  </p:stCondLst>
+                                  <p:childTnLst>
+                                    <p:set>
+                                      <p:cBhvr>
+                                        <p:cTn id="50" dur="1" fill="hold">
+                                          <p:stCondLst>
+                                            <p:cond delay="0"/>
+                                          </p:stCondLst>
+                                        </p:cTn>
+                                        <p:tgtEl>
+                                          <p:spTgt spid="30"/>
+                                        </p:tgtEl>
+                                        <p:attrNameLst>
+                                          <p:attrName>style.visibility</p:attrName>
+                                        </p:attrNameLst>
+                                      </p:cBhvr>
+                                      <p:to>
+                                        <p:strVal val="visible"/>
+                                      </p:to>
+                                    </p:set>
+                                    <p:animEffect transition="in" filter="fade">
+                                      <p:cBhvr>
+                                        <p:cTn id="51" dur="500"/>
+                                        <p:tgtEl>
+                                          <p:spTgt spid="30"/>
+                                        </p:tgtEl>
+                                      </p:cBhvr>
+                                    </p:animEffect>
+                                  </p:childTnLst>
+                                </p:cTn>
+                              </p:par>
+                              <p:par>
+                                <p:cTn id="52" presetID="10" presetClass="entr" presetSubtype="0" fill="hold" grpId="0" nodeType="withEffect">
+                                  <p:stCondLst>
+                                    <p:cond delay="0"/>
+                                  </p:stCondLst>
+                                  <p:childTnLst>
+                                    <p:set>
+                                      <p:cBhvr>
+                                        <p:cTn id="53" dur="1" fill="hold">
+                                          <p:stCondLst>
+                                            <p:cond delay="0"/>
+                                          </p:stCondLst>
+                                        </p:cTn>
+                                        <p:tgtEl>
+                                          <p:spTgt spid="29"/>
+                                        </p:tgtEl>
+                                        <p:attrNameLst>
+                                          <p:attrName>style.visibility</p:attrName>
+                                        </p:attrNameLst>
+                                      </p:cBhvr>
+                                      <p:to>
+                                        <p:strVal val="visible"/>
+                                      </p:to>
+                                    </p:set>
+                                    <p:animEffect transition="in" filter="fade">
+                                      <p:cBhvr>
+                                        <p:cTn id="54" dur="500"/>
+                                        <p:tgtEl>
+                                          <p:spTgt spid="29"/>
+                                        </p:tgtEl>
+                                      </p:cBhvr>
+                                    </p:animEffect>
+                                  </p:childTnLst>
+                                </p:cTn>
+                              </p:par>
+                            </p:childTnLst>
+                          </p:cTn>
+                        </p:par>
+                      </p:childTnLst>
+                    </p:cTn>
+                  </p:par>
+                  <p:par>
+                    <p:cTn id="55" fill="hold">
+                      <p:stCondLst>
+                        <p:cond delay="indefinite"/>
+                      </p:stCondLst>
+                      <p:childTnLst>
+                        <p:par>
+                          <p:cTn id="56" fill="hold">
+                            <p:stCondLst>
+                              <p:cond delay="0"/>
+                            </p:stCondLst>
+                            <p:childTnLst>
+                              <p:par>
+                                <p:cTn id="57" presetID="10" presetClass="entr" presetSubtype="0" fill="hold" grpId="0" nodeType="clickEffect">
+                                  <p:stCondLst>
+                                    <p:cond delay="0"/>
+                                  </p:stCondLst>
+                                  <p:childTnLst>
+                                    <p:set>
+                                      <p:cBhvr>
+                                        <p:cTn id="58" dur="1" fill="hold">
+                                          <p:stCondLst>
+                                            <p:cond delay="0"/>
+                                          </p:stCondLst>
+                                        </p:cTn>
+                                        <p:tgtEl>
+                                          <p:spTgt spid="28"/>
+                                        </p:tgtEl>
+                                        <p:attrNameLst>
+                                          <p:attrName>style.visibility</p:attrName>
+                                        </p:attrNameLst>
+                                      </p:cBhvr>
+                                      <p:to>
+                                        <p:strVal val="visible"/>
+                                      </p:to>
+                                    </p:set>
+                                    <p:animEffect transition="in" filter="fade">
+                                      <p:cBhvr>
+                                        <p:cTn id="59" dur="500"/>
+                                        <p:tgtEl>
+                                          <p:spTgt spid="28"/>
+                                        </p:tgtEl>
+                                      </p:cBhvr>
+                                    </p:animEffect>
+                                  </p:childTnLst>
+                                </p:cTn>
+                              </p:par>
+                            </p:childTnLst>
+                          </p:cTn>
+                        </p:par>
+                      </p:childTnLst>
+                    </p:cTn>
+                  </p:par>
+                  <p:par>
+                    <p:cTn id="60" fill="hold">
+                      <p:stCondLst>
+                        <p:cond delay="indefinite"/>
+                      </p:stCondLst>
+                      <p:childTnLst>
+                        <p:par>
+                          <p:cTn id="61" fill="hold">
+                            <p:stCondLst>
+                              <p:cond delay="0"/>
+                            </p:stCondLst>
+                            <p:childTnLst>
+                              <p:par>
+                                <p:cTn id="62" presetID="10" presetClass="exit" presetSubtype="0" fill="hold" grpId="1" nodeType="clickEffect">
+                                  <p:stCondLst>
+                                    <p:cond delay="0"/>
+                                  </p:stCondLst>
+                                  <p:childTnLst>
+                                    <p:animEffect transition="out" filter="fade">
+                                      <p:cBhvr>
+                                        <p:cTn id="63" dur="500"/>
+                                        <p:tgtEl>
+                                          <p:spTgt spid="31"/>
+                                        </p:tgtEl>
+                                      </p:cBhvr>
+                                    </p:animEffect>
+                                    <p:set>
+                                      <p:cBhvr>
+                                        <p:cTn id="64" dur="1" fill="hold">
+                                          <p:stCondLst>
+                                            <p:cond delay="499"/>
+                                          </p:stCondLst>
+                                        </p:cTn>
+                                        <p:tgtEl>
+                                          <p:spTgt spid="31"/>
+                                        </p:tgtEl>
+                                        <p:attrNameLst>
+                                          <p:attrName>style.visibility</p:attrName>
+                                        </p:attrNameLst>
+                                      </p:cBhvr>
+                                      <p:to>
+                                        <p:strVal val="hidden"/>
+                                      </p:to>
+                                    </p:set>
+                                  </p:childTnLst>
+                                </p:cTn>
+                              </p:par>
+                              <p:par>
+                                <p:cTn id="65" presetID="10" presetClass="exit" presetSubtype="0" fill="hold" grpId="1" nodeType="withEffect">
+                                  <p:stCondLst>
+                                    <p:cond delay="0"/>
+                                  </p:stCondLst>
+                                  <p:childTnLst>
+                                    <p:animEffect transition="out" filter="fade">
+                                      <p:cBhvr>
+                                        <p:cTn id="66" dur="500"/>
+                                        <p:tgtEl>
+                                          <p:spTgt spid="30"/>
+                                        </p:tgtEl>
+                                      </p:cBhvr>
+                                    </p:animEffect>
+                                    <p:set>
+                                      <p:cBhvr>
+                                        <p:cTn id="67" dur="1" fill="hold">
+                                          <p:stCondLst>
+                                            <p:cond delay="499"/>
+                                          </p:stCondLst>
+                                        </p:cTn>
+                                        <p:tgtEl>
+                                          <p:spTgt spid="30"/>
+                                        </p:tgtEl>
+                                        <p:attrNameLst>
+                                          <p:attrName>style.visibility</p:attrName>
+                                        </p:attrNameLst>
+                                      </p:cBhvr>
+                                      <p:to>
+                                        <p:strVal val="hidden"/>
+                                      </p:to>
+                                    </p:set>
+                                  </p:childTnLst>
+                                </p:cTn>
+                              </p:par>
+                              <p:par>
+                                <p:cTn id="68" presetID="10" presetClass="exit" presetSubtype="0" fill="hold" grpId="1" nodeType="withEffect">
+                                  <p:stCondLst>
+                                    <p:cond delay="0"/>
+                                  </p:stCondLst>
+                                  <p:childTnLst>
+                                    <p:animEffect transition="out" filter="fade">
+                                      <p:cBhvr>
+                                        <p:cTn id="69" dur="500"/>
+                                        <p:tgtEl>
+                                          <p:spTgt spid="29"/>
+                                        </p:tgtEl>
+                                      </p:cBhvr>
+                                    </p:animEffect>
+                                    <p:set>
+                                      <p:cBhvr>
+                                        <p:cTn id="70" dur="1" fill="hold">
+                                          <p:stCondLst>
+                                            <p:cond delay="499"/>
+                                          </p:stCondLst>
+                                        </p:cTn>
+                                        <p:tgtEl>
+                                          <p:spTgt spid="29"/>
+                                        </p:tgtEl>
+                                        <p:attrNameLst>
+                                          <p:attrName>style.visibility</p:attrName>
+                                        </p:attrNameLst>
+                                      </p:cBhvr>
+                                      <p:to>
+                                        <p:strVal val="hidden"/>
+                                      </p:to>
+                                    </p:set>
+                                  </p:childTnLst>
+                                </p:cTn>
+                              </p:par>
+                              <p:par>
+                                <p:cTn id="71" presetID="10" presetClass="exit" presetSubtype="0" fill="hold" grpId="1" nodeType="withEffect">
+                                  <p:stCondLst>
+                                    <p:cond delay="0"/>
+                                  </p:stCondLst>
+                                  <p:childTnLst>
+                                    <p:animEffect transition="out" filter="fade">
+                                      <p:cBhvr>
+                                        <p:cTn id="72" dur="500"/>
+                                        <p:tgtEl>
+                                          <p:spTgt spid="28"/>
+                                        </p:tgtEl>
+                                      </p:cBhvr>
+                                    </p:animEffect>
+                                    <p:set>
+                                      <p:cBhvr>
+                                        <p:cTn id="73" dur="1" fill="hold">
+                                          <p:stCondLst>
+                                            <p:cond delay="499"/>
+                                          </p:stCondLst>
+                                        </p:cTn>
+                                        <p:tgtEl>
+                                          <p:spTgt spid="28"/>
+                                        </p:tgtEl>
+                                        <p:attrNameLst>
+                                          <p:attrName>style.visibility</p:attrName>
+                                        </p:attrNameLst>
+                                      </p:cBhvr>
+                                      <p:to>
+                                        <p:strVal val="hidden"/>
+                                      </p:to>
+                                    </p:set>
+                                  </p:childTnLst>
+                                </p:cTn>
+                              </p:par>
+                            </p:childTnLst>
+                          </p:cTn>
+                        </p:par>
+                      </p:childTnLst>
+                    </p:cTn>
+                  </p:par>
+                </p:childTnLst>
+              </p:cTn>
+              <p:prevCondLst>
+                <p:cond evt="onPrev" delay="0">
+                  <p:tgtEl>
+                    <p:sldTgt/>
+                  </p:tgtEl>
+                </p:cond>
+              </p:prevCondLst>
+              <p:nextCondLst>
+                <p:cond evt="onNext" delay="0">
+                  <p:tgtEl>
+                    <p:sldTgt/>
+                  </p:tgtEl>
+                </p:cond>
+              </p:nextCondLst>
+            </p:seq>
+          </p:childTnLst>
+        </p:cTn>
+      </p:par>
+    </p:tnLst>
+    <p:bldLst>
+      <p:bldP spid="2" grpId="0"/>
+      <p:bldP spid="16" grpId="0" animBg="1"/>
+      <p:bldP spid="16" grpId="1" animBg="1"/>
+      <p:bldP spid="28" grpId="0" animBg="1"/>
+      <p:bldP spid="28" grpId="1" animBg="1"/>
+      <p:bldP spid="29" grpId="0" animBg="1"/>
+      <p:bldP spid="29" grpId="1" animBg="1"/>
+      <p:bldP spid="30" grpId="0" animBg="1"/>
+      <p:bldP spid="30" grpId="1" animBg="1"/>
+      <p:bldP spid="31" grpId="0" animBg="1"/>
+      <p:bldP spid="31" grpId="1" animBg="1"/>
+    </p:bldLst>
+  </p:timing>
+</p:sld>
+</file>
+
+<file path=ppt/slides/slide19.xml><?xml version="1.0" encoding="utf-8"?>
+<p:sld xmlns:a="http://schemas.openxmlformats.org/drawingml/2006/main" xmlns:r="http://schemas.openxmlformats.org/officeDocument/2006/relationships" xmlns:p="http://schemas.openxmlformats.org/presentationml/2006/main">
+  <p:cSld>
+    <p:spTree>
+      <p:nvGrpSpPr>
+        <p:cNvPr id="1" name=""/>
+        <p:cNvGrpSpPr/>
+        <p:nvPr/>
+      </p:nvGrpSpPr>
+      <p:grpSpPr>
+        <a:xfrm>
+          <a:off x="0" y="0"/>
+          <a:ext cx="0" cy="0"/>
+          <a:chOff x="0" y="0"/>
+          <a:chExt cx="0" cy="0"/>
+        </a:xfrm>
+      </p:grpSpPr>
+      <p:sp>
+        <p:nvSpPr>
+          <p:cNvPr id="2" name="Title 1"/>
+          <p:cNvSpPr>
+            <a:spLocks noGrp="1"/>
+          </p:cNvSpPr>
+          <p:nvPr>
+            <p:ph type="title"/>
+          </p:nvPr>
+        </p:nvSpPr>
+        <p:spPr>
+          <a:xfrm>
+            <a:off x="102910" y="0"/>
+            <a:ext cx="3799787" cy="744718"/>
+          </a:xfrm>
+        </p:spPr>
+        <p:txBody>
+          <a:bodyPr>
+            <a:normAutofit/>
+          </a:bodyPr>
+          <a:lstStyle/>
+          <a:p>
+            <a:r>
+              <a:rPr lang="en-US" sz="2000" dirty="0"/>
+              <a:t>C++14 </a:t>
+            </a:r>
+            <a:r>
+              <a:rPr lang="en-US" sz="2000" dirty="0" err="1">
+                <a:latin typeface="Consolas" panose="020B0609020204030204" pitchFamily="49" charset="0"/>
+              </a:rPr>
+              <a:t>static_if</a:t>
+            </a:r>
+            <a:r>
+              <a:rPr lang="en-US" sz="2000" dirty="0"/>
+              <a:t> – example (5)</a:t>
+            </a:r>
+            <a:endParaRPr lang="it-IT" sz="2000" dirty="0"/>
+          </a:p>
+        </p:txBody>
+      </p:sp>
+      <p:sp>
+        <p:nvSpPr>
+          <p:cNvPr id="5" name="TextBox 4"/>
+          <p:cNvSpPr txBox="1"/>
+          <p:nvPr/>
+        </p:nvSpPr>
+        <p:spPr>
+          <a:xfrm>
+            <a:off x="345687" y="1059366"/>
+            <a:ext cx="6671250" cy="461665"/>
+          </a:xfrm>
+          <a:prstGeom prst="rect">
+            <a:avLst/>
+          </a:prstGeom>
+          <a:ln w="28575"/>
+        </p:spPr>
+        <p:style>
+          <a:lnRef idx="2">
+            <a:schemeClr val="dk1"/>
+          </a:lnRef>
+          <a:fillRef idx="1">
+            <a:schemeClr val="lt1"/>
+          </a:fillRef>
+          <a:effectRef idx="0">
+            <a:schemeClr val="dk1"/>
+          </a:effectRef>
+          <a:fontRef idx="minor">
+            <a:schemeClr val="dk1"/>
+          </a:fontRef>
+        </p:style>
+        <p:txBody>
+          <a:bodyPr wrap="none" rtlCol="0">
+            <a:spAutoFit/>
+          </a:bodyPr>
+          <a:lstStyle/>
+          <a:p>
+            <a:r>
+              <a:rPr lang="en-US" sz="2400" dirty="0"/>
+              <a:t>This can happen thanks to C++14's generic lambdas.</a:t>
+            </a:r>
+            <a:endParaRPr lang="it-IT" sz="2400" dirty="0"/>
+          </a:p>
+        </p:txBody>
+      </p:sp>
+      <p:pic>
+        <p:nvPicPr>
+          <p:cNvPr id="6" name="Picture 5"/>
+          <p:cNvPicPr>
+            <a:picLocks noChangeAspect="1"/>
+          </p:cNvPicPr>
+          <p:nvPr/>
+        </p:nvPicPr>
+        <p:blipFill>
+          <a:blip r:embed="rId3">
+            <a:extLst>
+              <a:ext uri="{28A0092B-C50C-407E-A947-70E740481C1C}">
+                <a14:useLocalDpi xmlns:a14="http://schemas.microsoft.com/office/drawing/2010/main" val="0"/>
+              </a:ext>
+            </a:extLst>
+          </a:blip>
+          <a:stretch>
+            <a:fillRect/>
+          </a:stretch>
+        </p:blipFill>
+        <p:spPr>
+          <a:xfrm>
+            <a:off x="345687" y="1972479"/>
+            <a:ext cx="4489681" cy="1549480"/>
+          </a:xfrm>
+          <a:prstGeom prst="rect">
+            <a:avLst/>
+          </a:prstGeom>
+        </p:spPr>
+      </p:pic>
+      <p:pic>
+        <p:nvPicPr>
+          <p:cNvPr id="7" name="Picture 6"/>
+          <p:cNvPicPr>
+            <a:picLocks noChangeAspect="1"/>
+          </p:cNvPicPr>
+          <p:nvPr/>
+        </p:nvPicPr>
+        <p:blipFill>
+          <a:blip r:embed="rId4">
+            <a:extLst>
+              <a:ext uri="{28A0092B-C50C-407E-A947-70E740481C1C}">
+                <a14:useLocalDpi xmlns:a14="http://schemas.microsoft.com/office/drawing/2010/main" val="0"/>
+              </a:ext>
+            </a:extLst>
+          </a:blip>
+          <a:stretch>
+            <a:fillRect/>
+          </a:stretch>
+        </p:blipFill>
+        <p:spPr>
+          <a:xfrm>
+            <a:off x="6584384" y="3750383"/>
+            <a:ext cx="4866471" cy="2546481"/>
+          </a:xfrm>
+          <a:prstGeom prst="rect">
+            <a:avLst/>
+          </a:prstGeom>
+        </p:spPr>
+      </p:pic>
+      <mc:AlternateContent xmlns:mc="http://schemas.openxmlformats.org/markup-compatibility/2006">
+        <mc:Choice xmlns:p14="http://schemas.microsoft.com/office/powerpoint/2010/main" Requires="p14">
+          <p:contentPart p14:bwMode="auto" r:id="rId5">
+            <p14:nvContentPartPr>
+              <p14:cNvPr id="9" name="Ink 8"/>
+              <p14:cNvContentPartPr/>
+              <p14:nvPr/>
+            </p14:nvContentPartPr>
+            <p14:xfrm>
+              <a:off x="2192198" y="3500069"/>
+              <a:ext cx="3864960" cy="2090520"/>
+            </p14:xfrm>
+          </p:contentPart>
+        </mc:Choice>
+        <mc:Fallback>
+          <p:pic>
+            <p:nvPicPr>
+              <p:cNvPr id="9" name="Ink 8"/>
+              <p:cNvPicPr/>
+              <p:nvPr/>
+            </p:nvPicPr>
+            <p:blipFill>
+              <a:blip r:embed="rId6"/>
+              <a:stretch>
+                <a:fillRect/>
+              </a:stretch>
+            </p:blipFill>
+            <p:spPr>
+              <a:xfrm>
+                <a:off x="2183198" y="3493589"/>
+                <a:ext cx="3884400" cy="2107800"/>
+              </a:xfrm>
+              <a:prstGeom prst="rect">
+                <a:avLst/>
+              </a:prstGeom>
+            </p:spPr>
+          </p:pic>
+        </mc:Fallback>
+      </mc:AlternateContent>
+    </p:spTree>
+    <p:extLst>
+      <p:ext uri="{BB962C8B-B14F-4D97-AF65-F5344CB8AC3E}">
+        <p14:creationId xmlns:p14="http://schemas.microsoft.com/office/powerpoint/2010/main" val="3041891701"/>
+      </p:ext>
+    </p:extLst>
+  </p:cSld>
+  <p:clrMapOvr>
+    <a:masterClrMapping/>
+  </p:clrMapOvr>
+  <p:timing>
+    <p:tnLst>
+      <p:par>
+        <p:cTn id="1" dur="indefinite" restart="never" nodeType="tmRoot">
+          <p:childTnLst>
+            <p:seq concurrent="1" nextAc="seek">
+              <p:cTn id="2" dur="indefinite" nodeType="mainSeq">
+                <p:childTnLst>
+                  <p:par>
+                    <p:cTn id="3" fill="hold">
+                      <p:stCondLst>
+                        <p:cond delay="indefinite"/>
+                      </p:stCondLst>
+                      <p:childTnLst>
+                        <p:par>
+                          <p:cTn id="4" fill="hold">
+                            <p:stCondLst>
+                              <p:cond delay="0"/>
+                            </p:stCondLst>
+                            <p:childTnLst>
+                              <p:par>
+                                <p:cTn id="5" presetID="10" presetClass="exit" presetSubtype="0" fill="hold" grpId="0" nodeType="clickEffect">
+                                  <p:stCondLst>
+                                    <p:cond delay="0"/>
+                                  </p:stCondLst>
+                                  <p:childTnLst>
+                                    <p:animEffect transition="out" filter="fade">
+                                      <p:cBhvr>
+                                        <p:cTn id="6" dur="500"/>
+                                        <p:tgtEl>
+                                          <p:spTgt spid="2"/>
+                                        </p:tgtEl>
+                                      </p:cBhvr>
+                                    </p:animEffect>
+                                    <p:set>
+                                      <p:cBhvr>
+                                        <p:cTn id="7" dur="1" fill="hold">
+                                          <p:stCondLst>
+                                            <p:cond delay="499"/>
+                                          </p:stCondLst>
+                                        </p:cTn>
+                                        <p:tgtEl>
+                                          <p:spTgt spid="2"/>
+                                        </p:tgtEl>
+                                        <p:attrNameLst>
+                                          <p:attrName>style.visibility</p:attrName>
+                                        </p:attrNameLst>
+                                      </p:cBhvr>
+                                      <p:to>
+                                        <p:strVal val="hidden"/>
+                                      </p:to>
+                                    </p:set>
+                                  </p:childTnLst>
+                                </p:cTn>
+                              </p:par>
+                            </p:childTnLst>
+                          </p:cTn>
+                        </p:par>
+                      </p:childTnLst>
+                    </p:cTn>
+                  </p:par>
+                  <p:par>
+                    <p:cTn id="8" fill="hold">
+                      <p:stCondLst>
+                        <p:cond delay="indefinite"/>
+                      </p:stCondLst>
+                      <p:childTnLst>
+                        <p:par>
+                          <p:cTn id="9" fill="hold">
+                            <p:stCondLst>
+                              <p:cond delay="0"/>
+                            </p:stCondLst>
+                            <p:childTnLst>
+                              <p:par>
+                                <p:cTn id="10" presetID="10" presetClass="entr" presetSubtype="0" fill="hold" grpId="0" nodeType="clickEffect">
+                                  <p:stCondLst>
+                                    <p:cond delay="0"/>
+                                  </p:stCondLst>
+                                  <p:childTnLst>
+                                    <p:set>
+                                      <p:cBhvr>
+                                        <p:cTn id="11" dur="1" fill="hold">
+                                          <p:stCondLst>
+                                            <p:cond delay="0"/>
+                                          </p:stCondLst>
+                                        </p:cTn>
+                                        <p:tgtEl>
+                                          <p:spTgt spid="5"/>
+                                        </p:tgtEl>
+                                        <p:attrNameLst>
+                                          <p:attrName>style.visibility</p:attrName>
+                                        </p:attrNameLst>
+                                      </p:cBhvr>
+                                      <p:to>
+                                        <p:strVal val="visible"/>
+                                      </p:to>
+                                    </p:set>
+                                    <p:animEffect transition="in" filter="fade">
+                                      <p:cBhvr>
+                                        <p:cTn id="12" dur="500"/>
+                                        <p:tgtEl>
+                                          <p:spTgt spid="5"/>
+                                        </p:tgtEl>
+                                      </p:cBhvr>
+                                    </p:animEffect>
+                                  </p:childTnLst>
+                                </p:cTn>
+                              </p:par>
+                            </p:childTnLst>
+                          </p:cTn>
+                        </p:par>
+                      </p:childTnLst>
+                    </p:cTn>
+                  </p:par>
+                  <p:par>
+                    <p:cTn id="13" fill="hold">
+                      <p:stCondLst>
+                        <p:cond delay="indefinite"/>
+                      </p:stCondLst>
+                      <p:childTnLst>
+                        <p:par>
+                          <p:cTn id="14" fill="hold">
+                            <p:stCondLst>
+                              <p:cond delay="0"/>
+                            </p:stCondLst>
+                            <p:childTnLst>
+                              <p:par>
+                                <p:cTn id="15" presetID="10" presetClass="entr" presetSubtype="0" fill="hold" nodeType="clickEffect">
+                                  <p:stCondLst>
+                                    <p:cond delay="0"/>
+                                  </p:stCondLst>
+                                  <p:childTnLst>
+                                    <p:set>
+                                      <p:cBhvr>
+                                        <p:cTn id="16" dur="1" fill="hold">
+                                          <p:stCondLst>
+                                            <p:cond delay="0"/>
+                                          </p:stCondLst>
+                                        </p:cTn>
+                                        <p:tgtEl>
+                                          <p:spTgt spid="6"/>
+                                        </p:tgtEl>
+                                        <p:attrNameLst>
+                                          <p:attrName>style.visibility</p:attrName>
+                                        </p:attrNameLst>
+                                      </p:cBhvr>
+                                      <p:to>
+                                        <p:strVal val="visible"/>
+                                      </p:to>
+                                    </p:set>
+                                    <p:animEffect transition="in" filter="fade">
+                                      <p:cBhvr>
+                                        <p:cTn id="17" dur="500"/>
+                                        <p:tgtEl>
+                                          <p:spTgt spid="6"/>
+                                        </p:tgtEl>
+                                      </p:cBhvr>
+                                    </p:animEffect>
+                                  </p:childTnLst>
+                                </p:cTn>
+                              </p:par>
+                            </p:childTnLst>
+                          </p:cTn>
+                        </p:par>
+                      </p:childTnLst>
+                    </p:cTn>
+                  </p:par>
+                  <p:par>
+                    <p:cTn id="18" fill="hold">
+                      <p:stCondLst>
+                        <p:cond delay="indefinite"/>
+                      </p:stCondLst>
+                      <p:childTnLst>
+                        <p:par>
+                          <p:cTn id="19" fill="hold">
+                            <p:stCondLst>
+                              <p:cond delay="0"/>
+                            </p:stCondLst>
+                            <p:childTnLst>
+                              <p:par>
+                                <p:cTn id="20" presetID="10" presetClass="entr" presetSubtype="0" fill="hold" nodeType="clickEffect">
+                                  <p:stCondLst>
+                                    <p:cond delay="0"/>
+                                  </p:stCondLst>
+                                  <p:childTnLst>
+                                    <p:set>
+                                      <p:cBhvr>
+                                        <p:cTn id="21" dur="1" fill="hold">
+                                          <p:stCondLst>
+                                            <p:cond delay="0"/>
+                                          </p:stCondLst>
+                                        </p:cTn>
+                                        <p:tgtEl>
+                                          <p:spTgt spid="9"/>
+                                        </p:tgtEl>
+                                        <p:attrNameLst>
+                                          <p:attrName>style.visibility</p:attrName>
+                                        </p:attrNameLst>
+                                      </p:cBhvr>
+                                      <p:to>
+                                        <p:strVal val="visible"/>
+                                      </p:to>
+                                    </p:set>
+                                    <p:animEffect transition="in" filter="fade">
+                                      <p:cBhvr>
+                                        <p:cTn id="22" dur="500"/>
+                                        <p:tgtEl>
+                                          <p:spTgt spid="9"/>
+                                        </p:tgtEl>
+                                      </p:cBhvr>
+                                    </p:animEffect>
+                                  </p:childTnLst>
+                                </p:cTn>
+                              </p:par>
+                              <p:par>
+                                <p:cTn id="23" presetID="10" presetClass="entr" presetSubtype="0" fill="hold" nodeType="withEffect">
+                                  <p:stCondLst>
+                                    <p:cond delay="0"/>
+                                  </p:stCondLst>
+                                  <p:childTnLst>
+                                    <p:set>
+                                      <p:cBhvr>
+                                        <p:cTn id="24" dur="1" fill="hold">
+                                          <p:stCondLst>
+                                            <p:cond delay="0"/>
+                                          </p:stCondLst>
+                                        </p:cTn>
+                                        <p:tgtEl>
+                                          <p:spTgt spid="7"/>
+                                        </p:tgtEl>
+                                        <p:attrNameLst>
+                                          <p:attrName>style.visibility</p:attrName>
+                                        </p:attrNameLst>
+                                      </p:cBhvr>
+                                      <p:to>
+                                        <p:strVal val="visible"/>
+                                      </p:to>
+                                    </p:set>
+                                    <p:animEffect transition="in" filter="fade">
+                                      <p:cBhvr>
+                                        <p:cTn id="25" dur="500"/>
+                                        <p:tgtEl>
+                                          <p:spTgt spid="7"/>
+                                        </p:tgtEl>
+                                      </p:cBhvr>
+                                    </p:animEffect>
+                                  </p:childTnLst>
+                                </p:cTn>
+                              </p:par>
+                            </p:childTnLst>
+                          </p:cTn>
+                        </p:par>
+                      </p:childTnLst>
+                    </p:cTn>
+                  </p:par>
+                </p:childTnLst>
+              </p:cTn>
+              <p:prevCondLst>
+                <p:cond evt="onPrev" delay="0">
+                  <p:tgtEl>
+                    <p:sldTgt/>
+                  </p:tgtEl>
+                </p:cond>
+              </p:prevCondLst>
+              <p:nextCondLst>
+                <p:cond evt="onNext" delay="0">
+                  <p:tgtEl>
+                    <p:sldTgt/>
+                  </p:tgtEl>
+                </p:cond>
+              </p:nextCondLst>
+            </p:seq>
+          </p:childTnLst>
+        </p:cTn>
+      </p:par>
+    </p:tnLst>
+    <p:bldLst>
+      <p:bldP spid="2" grpId="0"/>
+      <p:bldP spid="5" grpId="0" animBg="1"/>
+    </p:bldLst>
+  </p:timing>
+</p:sld>
+</file>
+
+<file path=ppt/slides/slide2.xml><?xml version="1.0" encoding="utf-8"?>
+<p:sld xmlns:a="http://schemas.openxmlformats.org/drawingml/2006/main" xmlns:r="http://schemas.openxmlformats.org/officeDocument/2006/relationships" xmlns:p="http://schemas.openxmlformats.org/presentationml/2006/main">
+  <p:cSld>
+    <p:spTree>
+      <p:nvGrpSpPr>
+        <p:cNvPr id="1" name=""/>
+        <p:cNvGrpSpPr/>
+        <p:nvPr/>
+      </p:nvGrpSpPr>
+      <p:grpSpPr>
+        <a:xfrm>
+          <a:off x="0" y="0"/>
+          <a:ext cx="0" cy="0"/>
+          <a:chOff x="0" y="0"/>
+          <a:chExt cx="0" cy="0"/>
+        </a:xfrm>
+      </p:grpSpPr>
+      <p:sp>
+        <p:nvSpPr>
+          <p:cNvPr id="2" name="Title 1"/>
+          <p:cNvSpPr>
+            <a:spLocks noGrp="1"/>
+          </p:cNvSpPr>
+          <p:nvPr>
+            <p:ph type="title"/>
+          </p:nvPr>
+        </p:nvSpPr>
+        <p:spPr/>
+        <p:txBody>
+          <a:bodyPr/>
+          <a:lstStyle/>
+          <a:p>
+            <a:r>
+              <a:rPr lang="en-US" dirty="0"/>
+              <a:t>What is </a:t>
+            </a:r>
+            <a:r>
+              <a:rPr lang="en-US" b="1" dirty="0"/>
+              <a:t>“static”</a:t>
+            </a:r>
+            <a:r>
+              <a:rPr lang="en-US" dirty="0"/>
+              <a:t> control flow?</a:t>
+            </a:r>
+            <a:endParaRPr lang="it-IT" dirty="0"/>
+          </a:p>
+        </p:txBody>
+      </p:sp>
+      <p:sp>
+        <p:nvSpPr>
+          <p:cNvPr id="3" name="Content Placeholder 2"/>
+          <p:cNvSpPr>
+            <a:spLocks noGrp="1"/>
+          </p:cNvSpPr>
+          <p:nvPr>
+            <p:ph idx="1"/>
+          </p:nvPr>
+        </p:nvSpPr>
+        <p:spPr/>
+        <p:txBody>
+          <a:bodyPr/>
+          <a:lstStyle/>
+          <a:p>
+            <a:r>
+              <a:rPr lang="en-US" dirty="0">
+                <a:latin typeface="Consolas" panose="020B0609020204030204" pitchFamily="49" charset="0"/>
+              </a:rPr>
+              <a:t>static</a:t>
+            </a:r>
+            <a:r>
+              <a:rPr lang="en-US" dirty="0"/>
+              <a:t> is a specifier with multiple meanings in C++.</a:t>
+            </a:r>
+          </a:p>
+          <a:p>
+            <a:r>
+              <a:rPr lang="en-US" dirty="0"/>
+              <a:t>It’s also a word commonly used by developers to refer to </a:t>
+            </a:r>
+            <a:r>
+              <a:rPr lang="en-US" b="1" dirty="0"/>
+              <a:t>compile-time control flow</a:t>
+            </a:r>
+            <a:r>
+              <a:rPr lang="en-US" dirty="0"/>
+              <a:t>.</a:t>
+            </a:r>
+          </a:p>
+          <a:p>
+            <a:r>
+              <a:rPr lang="en-US" dirty="0"/>
+              <a:t>Existing languages, such as D, have powerful compile-time constructs like </a:t>
+            </a:r>
+            <a:r>
+              <a:rPr lang="en-US" dirty="0">
+                <a:latin typeface="Consolas" panose="020B0609020204030204" pitchFamily="49" charset="0"/>
+              </a:rPr>
+              <a:t>static if</a:t>
+            </a:r>
+            <a:r>
+              <a:rPr lang="en-US" dirty="0"/>
+              <a:t>.</a:t>
+            </a:r>
+          </a:p>
+          <a:p>
+            <a:r>
+              <a:rPr lang="en-US" dirty="0"/>
+              <a:t>Goals of this talk:</a:t>
+            </a:r>
+          </a:p>
+          <a:p>
+            <a:pPr lvl="1"/>
+            <a:r>
+              <a:rPr lang="en-US" dirty="0"/>
+              <a:t>Understand the benefits of static control flow.</a:t>
+            </a:r>
+          </a:p>
+          <a:p>
+            <a:pPr lvl="1"/>
+            <a:r>
+              <a:rPr lang="en-US" dirty="0"/>
+              <a:t>Look at the history of </a:t>
+            </a:r>
+            <a:r>
+              <a:rPr lang="en-US" dirty="0" err="1">
+                <a:latin typeface="Consolas" panose="020B0609020204030204" pitchFamily="49" charset="0"/>
+              </a:rPr>
+              <a:t>static_if</a:t>
+            </a:r>
+            <a:r>
+              <a:rPr lang="en-US" dirty="0"/>
+              <a:t> proposals in C++, analyze </a:t>
+            </a:r>
+            <a:r>
+              <a:rPr lang="en-US" dirty="0">
+                <a:latin typeface="Consolas" panose="020B0609020204030204" pitchFamily="49" charset="0"/>
+              </a:rPr>
+              <a:t>if </a:t>
+            </a:r>
+            <a:r>
+              <a:rPr lang="en-US" dirty="0" err="1">
+                <a:latin typeface="Consolas" panose="020B0609020204030204" pitchFamily="49" charset="0"/>
+              </a:rPr>
+              <a:t>constexpr</a:t>
+            </a:r>
+            <a:r>
+              <a:rPr lang="en-US" dirty="0"/>
+              <a:t>.</a:t>
+            </a:r>
+          </a:p>
+          <a:p>
+            <a:pPr lvl="1"/>
+            <a:r>
+              <a:rPr lang="en-US" dirty="0"/>
+              <a:t>Implement two C++14 constructs: </a:t>
+            </a:r>
+            <a:r>
+              <a:rPr lang="en-US" dirty="0" err="1">
+                <a:latin typeface="Consolas" panose="020B0609020204030204" pitchFamily="49" charset="0"/>
+              </a:rPr>
+              <a:t>static_if</a:t>
+            </a:r>
+            <a:r>
+              <a:rPr lang="en-US" dirty="0">
+                <a:latin typeface="Consolas" panose="020B0609020204030204" pitchFamily="49" charset="0"/>
+              </a:rPr>
+              <a:t> </a:t>
+            </a:r>
+            <a:r>
+              <a:rPr lang="en-US" dirty="0"/>
+              <a:t>and</a:t>
+            </a:r>
+            <a:r>
+              <a:rPr lang="en-US" dirty="0">
+                <a:latin typeface="Consolas" panose="020B0609020204030204" pitchFamily="49" charset="0"/>
+              </a:rPr>
+              <a:t> </a:t>
+            </a:r>
+            <a:r>
+              <a:rPr lang="en-US" dirty="0" err="1">
+                <a:latin typeface="Consolas" panose="020B0609020204030204" pitchFamily="49" charset="0"/>
+              </a:rPr>
+              <a:t>static_for</a:t>
+            </a:r>
+            <a:r>
+              <a:rPr lang="en-US" dirty="0">
+                <a:latin typeface="Consolas" panose="020B0609020204030204" pitchFamily="49" charset="0"/>
+              </a:rPr>
+              <a:t>.</a:t>
+            </a:r>
+            <a:endParaRPr lang="en-US" dirty="0"/>
+          </a:p>
+          <a:p>
+            <a:pPr lvl="1"/>
+            <a:endParaRPr lang="en-US" dirty="0">
+              <a:latin typeface="Consolas" panose="020B0609020204030204" pitchFamily="49" charset="0"/>
+            </a:endParaRPr>
+          </a:p>
+          <a:p>
+            <a:pPr lvl="1"/>
+            <a:endParaRPr lang="en-US" dirty="0">
+              <a:latin typeface="Consolas" panose="020B0609020204030204" pitchFamily="49" charset="0"/>
+            </a:endParaRPr>
+          </a:p>
+          <a:p>
+            <a:endParaRPr lang="it-IT" dirty="0"/>
+          </a:p>
+        </p:txBody>
+      </p:sp>
+    </p:spTree>
+    <p:extLst>
+      <p:ext uri="{BB962C8B-B14F-4D97-AF65-F5344CB8AC3E}">
+        <p14:creationId xmlns:p14="http://schemas.microsoft.com/office/powerpoint/2010/main" val="3240195144"/>
+      </p:ext>
+    </p:extLst>
+  </p:cSld>
+  <p:clrMapOvr>
+    <a:masterClrMapping/>
+  </p:clrMapOvr>
+</p:sld>
+</file>
+
+<file path=ppt/slides/slide20.xml><?xml version="1.0" encoding="utf-8"?>
+<p:sld xmlns:a="http://schemas.openxmlformats.org/drawingml/2006/main" xmlns:r="http://schemas.openxmlformats.org/officeDocument/2006/relationships" xmlns:p="http://schemas.openxmlformats.org/presentationml/2006/main">
+  <p:cSld>
+    <p:spTree>
+      <p:nvGrpSpPr>
+        <p:cNvPr id="1" name=""/>
+        <p:cNvGrpSpPr/>
+        <p:nvPr/>
+      </p:nvGrpSpPr>
+      <p:grpSpPr>
+        <a:xfrm>
+          <a:off x="0" y="0"/>
+          <a:ext cx="0" cy="0"/>
+          <a:chOff x="0" y="0"/>
+          <a:chExt cx="0" cy="0"/>
+        </a:xfrm>
+      </p:grpSpPr>
+      <p:sp>
+        <p:nvSpPr>
+          <p:cNvPr id="2" name="Title 1"/>
+          <p:cNvSpPr>
+            <a:spLocks noGrp="1"/>
+          </p:cNvSpPr>
+          <p:nvPr>
+            <p:ph type="title"/>
+          </p:nvPr>
+        </p:nvSpPr>
+        <p:spPr/>
+        <p:txBody>
+          <a:bodyPr/>
+          <a:lstStyle/>
+          <a:p>
+            <a:r>
+              <a:rPr lang="en-US" dirty="0"/>
+              <a:t>C++14 </a:t>
+            </a:r>
+            <a:r>
+              <a:rPr lang="en-US" dirty="0" err="1">
+                <a:latin typeface="Consolas" panose="020B0609020204030204" pitchFamily="49" charset="0"/>
+              </a:rPr>
+              <a:t>static_if</a:t>
+            </a:r>
+            <a:r>
+              <a:rPr lang="en-US" dirty="0"/>
+              <a:t> – instantiating matching branch</a:t>
+            </a:r>
+            <a:endParaRPr lang="it-IT" dirty="0"/>
+          </a:p>
+        </p:txBody>
+      </p:sp>
+      <p:sp>
+        <p:nvSpPr>
+          <p:cNvPr id="3" name="Content Placeholder 2"/>
+          <p:cNvSpPr>
+            <a:spLocks noGrp="1"/>
+          </p:cNvSpPr>
+          <p:nvPr>
+            <p:ph idx="1"/>
+          </p:nvPr>
+        </p:nvSpPr>
+        <p:spPr>
+          <a:xfrm>
+            <a:off x="838200" y="1825625"/>
+            <a:ext cx="4912151" cy="4351338"/>
+          </a:xfrm>
+        </p:spPr>
+        <p:txBody>
+          <a:bodyPr/>
+          <a:lstStyle/>
+          <a:p>
+            <a:r>
+              <a:rPr lang="en-US" dirty="0"/>
+              <a:t> What allows </a:t>
+            </a:r>
+            <a:r>
+              <a:rPr lang="en-US" dirty="0" err="1">
+                <a:latin typeface="Consolas" panose="020B0609020204030204" pitchFamily="49" charset="0"/>
+              </a:rPr>
+              <a:t>static_if</a:t>
+            </a:r>
+            <a:r>
+              <a:rPr lang="en-US" dirty="0"/>
+              <a:t> branches to only be instantiated when the condition is </a:t>
+            </a:r>
+            <a:r>
+              <a:rPr lang="en-US" dirty="0">
+                <a:latin typeface="Consolas" panose="020B0609020204030204" pitchFamily="49" charset="0"/>
+              </a:rPr>
+              <a:t>true</a:t>
+            </a:r>
+            <a:r>
+              <a:rPr lang="en-US" dirty="0"/>
+              <a:t>?</a:t>
+            </a:r>
+          </a:p>
+          <a:p>
+            <a:r>
+              <a:rPr lang="en-US" i="1" dirty="0"/>
+              <a:t>"Passing the argument back to </a:t>
+            </a:r>
+            <a:r>
+              <a:rPr lang="en-US" i="1" dirty="0" err="1">
+                <a:latin typeface="Consolas" panose="020B0609020204030204" pitchFamily="49" charset="0"/>
+              </a:rPr>
+              <a:t>static_if</a:t>
+            </a:r>
+            <a:r>
+              <a:rPr lang="en-US" i="1" dirty="0"/>
+              <a:t>"</a:t>
+            </a:r>
+            <a:r>
+              <a:rPr lang="en-US" dirty="0"/>
+              <a:t> with the final call does that: thanks to this trick, the instantiation of the branches is </a:t>
+            </a:r>
+            <a:r>
+              <a:rPr lang="en-US" i="1" dirty="0"/>
+              <a:t>"delayed"</a:t>
+            </a:r>
+            <a:r>
+              <a:rPr lang="en-US" dirty="0"/>
+              <a:t> so that SFINAE can take place.</a:t>
+            </a:r>
+          </a:p>
+        </p:txBody>
+      </p:sp>
+      <p:pic>
+        <p:nvPicPr>
+          <p:cNvPr id="6" name="Content Placeholder 3"/>
+          <p:cNvPicPr>
+            <a:picLocks noChangeAspect="1"/>
+          </p:cNvPicPr>
+          <p:nvPr/>
+        </p:nvPicPr>
+        <p:blipFill>
+          <a:blip r:embed="rId2">
+            <a:extLst>
+              <a:ext uri="{28A0092B-C50C-407E-A947-70E740481C1C}">
+                <a14:useLocalDpi xmlns:a14="http://schemas.microsoft.com/office/drawing/2010/main" val="0"/>
+              </a:ext>
+            </a:extLst>
+          </a:blip>
+          <a:stretch>
+            <a:fillRect/>
+          </a:stretch>
+        </p:blipFill>
+        <p:spPr>
+          <a:xfrm>
+            <a:off x="6096000" y="1687397"/>
+            <a:ext cx="5078703" cy="4383464"/>
+          </a:xfrm>
+          <a:prstGeom prst="rect">
+            <a:avLst/>
+          </a:prstGeom>
+        </p:spPr>
+      </p:pic>
+      <mc:AlternateContent xmlns:mc="http://schemas.openxmlformats.org/markup-compatibility/2006">
+        <mc:Choice xmlns:p14="http://schemas.microsoft.com/office/powerpoint/2010/main" Requires="p14">
+          <p:contentPart p14:bwMode="auto" r:id="rId3">
+            <p14:nvContentPartPr>
+              <p14:cNvPr id="8" name="Ink 7"/>
+              <p14:cNvContentPartPr/>
+              <p14:nvPr/>
+            </p14:nvContentPartPr>
+            <p14:xfrm>
+              <a:off x="7725095" y="1813758"/>
+              <a:ext cx="473400" cy="351720"/>
+            </p14:xfrm>
+          </p:contentPart>
+        </mc:Choice>
+        <mc:Fallback>
+          <p:pic>
+            <p:nvPicPr>
+              <p:cNvPr id="8" name="Ink 7"/>
+              <p:cNvPicPr/>
+              <p:nvPr/>
+            </p:nvPicPr>
+            <p:blipFill>
+              <a:blip r:embed="rId4"/>
+              <a:stretch>
+                <a:fillRect/>
+              </a:stretch>
+            </p:blipFill>
+            <p:spPr>
+              <a:xfrm>
+                <a:off x="7714295" y="1803699"/>
+                <a:ext cx="495000" cy="373276"/>
+              </a:xfrm>
+              <a:prstGeom prst="rect">
+                <a:avLst/>
+              </a:prstGeom>
+            </p:spPr>
+          </p:pic>
+        </mc:Fallback>
+      </mc:AlternateContent>
+      <mc:AlternateContent xmlns:mc="http://schemas.openxmlformats.org/markup-compatibility/2006">
+        <mc:Choice xmlns:p14="http://schemas.microsoft.com/office/powerpoint/2010/main" Requires="p14">
+          <p:contentPart p14:bwMode="auto" r:id="rId5">
+            <p14:nvContentPartPr>
+              <p14:cNvPr id="10" name="Ink 9"/>
+              <p14:cNvContentPartPr/>
+              <p14:nvPr/>
+            </p14:nvContentPartPr>
+            <p14:xfrm>
+              <a:off x="7629695" y="5500158"/>
+              <a:ext cx="746280" cy="526680"/>
+            </p14:xfrm>
+          </p:contentPart>
+        </mc:Choice>
+        <mc:Fallback>
+          <p:pic>
+            <p:nvPicPr>
+              <p:cNvPr id="10" name="Ink 9"/>
+              <p:cNvPicPr/>
+              <p:nvPr/>
+            </p:nvPicPr>
+            <p:blipFill>
+              <a:blip r:embed="rId6"/>
+              <a:stretch>
+                <a:fillRect/>
+              </a:stretch>
+            </p:blipFill>
+            <p:spPr>
+              <a:xfrm>
+                <a:off x="7619615" y="5491176"/>
+                <a:ext cx="761040" cy="546080"/>
+              </a:xfrm>
+              <a:prstGeom prst="rect">
+                <a:avLst/>
+              </a:prstGeom>
+            </p:spPr>
+          </p:pic>
+        </mc:Fallback>
+      </mc:AlternateContent>
+    </p:spTree>
+    <p:extLst>
+      <p:ext uri="{BB962C8B-B14F-4D97-AF65-F5344CB8AC3E}">
+        <p14:creationId xmlns:p14="http://schemas.microsoft.com/office/powerpoint/2010/main" val="397176284"/>
+      </p:ext>
+    </p:extLst>
+  </p:cSld>
+  <p:clrMapOvr>
+    <a:masterClrMapping/>
+  </p:clrMapOvr>
+  <p:timing>
+    <p:tnLst>
+      <p:par>
+        <p:cTn id="1" dur="indefinite" restart="never" nodeType="tmRoot">
+          <p:childTnLst>
+            <p:seq concurrent="1" nextAc="seek">
+              <p:cTn id="2" dur="indefinite" nodeType="mainSeq">
+                <p:childTnLst>
+                  <p:par>
+                    <p:cTn id="3" fill="hold">
+                      <p:stCondLst>
+                        <p:cond delay="indefinite"/>
+                      </p:stCondLst>
+                      <p:childTnLst>
+                        <p:par>
+                          <p:cTn id="4" fill="hold">
+                            <p:stCondLst>
+                              <p:cond delay="0"/>
+                            </p:stCondLst>
+                            <p:childTnLst>
+                              <p:par>
+                                <p:cTn id="5" presetID="10" presetClass="entr" presetSubtype="0" fill="hold" nodeType="clickEffect">
+                                  <p:stCondLst>
+                                    <p:cond delay="0"/>
+                                  </p:stCondLst>
+                                  <p:childTnLst>
+                                    <p:set>
+                                      <p:cBhvr>
+                                        <p:cTn id="6" dur="1" fill="hold">
+                                          <p:stCondLst>
+                                            <p:cond delay="0"/>
+                                          </p:stCondLst>
+                                        </p:cTn>
+                                        <p:tgtEl>
+                                          <p:spTgt spid="8"/>
+                                        </p:tgtEl>
+                                        <p:attrNameLst>
+                                          <p:attrName>style.visibility</p:attrName>
+                                        </p:attrNameLst>
+                                      </p:cBhvr>
+                                      <p:to>
+                                        <p:strVal val="visible"/>
+                                      </p:to>
+                                    </p:set>
+                                    <p:animEffect transition="in" filter="fade">
+                                      <p:cBhvr>
+                                        <p:cTn id="7" dur="500"/>
+                                        <p:tgtEl>
+                                          <p:spTgt spid="8"/>
+                                        </p:tgtEl>
+                                      </p:cBhvr>
+                                    </p:animEffect>
+                                  </p:childTnLst>
+                                </p:cTn>
+                              </p:par>
+                              <p:par>
+                                <p:cTn id="8" presetID="10" presetClass="entr" presetSubtype="0" fill="hold" nodeType="withEffect">
+                                  <p:stCondLst>
+                                    <p:cond delay="0"/>
+                                  </p:stCondLst>
+                                  <p:childTnLst>
+                                    <p:set>
+                                      <p:cBhvr>
+                                        <p:cTn id="9" dur="1" fill="hold">
+                                          <p:stCondLst>
+                                            <p:cond delay="0"/>
+                                          </p:stCondLst>
+                                        </p:cTn>
+                                        <p:tgtEl>
+                                          <p:spTgt spid="10"/>
+                                        </p:tgtEl>
+                                        <p:attrNameLst>
+                                          <p:attrName>style.visibility</p:attrName>
+                                        </p:attrNameLst>
+                                      </p:cBhvr>
+                                      <p:to>
+                                        <p:strVal val="visible"/>
+                                      </p:to>
+                                    </p:set>
+                                    <p:animEffect transition="in" filter="fade">
+                                      <p:cBhvr>
+                                        <p:cTn id="10" dur="500"/>
+                                        <p:tgtEl>
+                                          <p:spTgt spid="10"/>
+                                        </p:tgtEl>
+                                      </p:cBhvr>
+                                    </p:animEffect>
+                                  </p:childTnLst>
+                                </p:cTn>
+                              </p:par>
+                            </p:childTnLst>
+                          </p:cTn>
+                        </p:par>
+                      </p:childTnLst>
+                    </p:cTn>
+                  </p:par>
+                </p:childTnLst>
+              </p:cTn>
+              <p:prevCondLst>
+                <p:cond evt="onPrev" delay="0">
+                  <p:tgtEl>
+                    <p:sldTgt/>
+                  </p:tgtEl>
+                </p:cond>
+              </p:prevCondLst>
+              <p:nextCondLst>
+                <p:cond evt="onNext" delay="0">
+                  <p:tgtEl>
+                    <p:sldTgt/>
+                  </p:tgtEl>
+                </p:cond>
+              </p:nextCondLst>
+            </p:seq>
+          </p:childTnLst>
+        </p:cTn>
+      </p:par>
+    </p:tnLst>
+  </p:timing>
+</p:sld>
+</file>
+
+<file path=ppt/slides/slide21.xml><?xml version="1.0" encoding="utf-8"?>
 <p:sld xmlns:a="http://schemas.openxmlformats.org/drawingml/2006/main" xmlns:r="http://schemas.openxmlformats.org/officeDocument/2006/relationships" xmlns:p="http://schemas.openxmlformats.org/presentationml/2006/main">
   <p:cSld>
     <p:spTree>
@@ -9252,7 +12766,7 @@
 </p:sld>
 </file>
 
-<file path=ppt/slides/slide19.xml><?xml version="1.0" encoding="utf-8"?>
+<file path=ppt/slides/slide22.xml><?xml version="1.0" encoding="utf-8"?>
 <p:sld xmlns:a="http://schemas.openxmlformats.org/drawingml/2006/main" xmlns:r="http://schemas.openxmlformats.org/officeDocument/2006/relationships" xmlns:p="http://schemas.openxmlformats.org/presentationml/2006/main">
   <p:cSld>
     <p:spTree>
@@ -10556,229 +14070,7 @@
 </p:sld>
 </file>
 
-<file path=ppt/slides/slide2.xml><?xml version="1.0" encoding="utf-8"?>
-<p:sld xmlns:a="http://schemas.openxmlformats.org/drawingml/2006/main" xmlns:r="http://schemas.openxmlformats.org/officeDocument/2006/relationships" xmlns:p="http://schemas.openxmlformats.org/presentationml/2006/main">
-  <p:cSld>
-    <p:spTree>
-      <p:nvGrpSpPr>
-        <p:cNvPr id="1" name=""/>
-        <p:cNvGrpSpPr/>
-        <p:nvPr/>
-      </p:nvGrpSpPr>
-      <p:grpSpPr>
-        <a:xfrm>
-          <a:off x="0" y="0"/>
-          <a:ext cx="0" cy="0"/>
-          <a:chOff x="0" y="0"/>
-          <a:chExt cx="0" cy="0"/>
-        </a:xfrm>
-      </p:grpSpPr>
-      <p:sp>
-        <p:nvSpPr>
-          <p:cNvPr id="2" name="Title 1"/>
-          <p:cNvSpPr>
-            <a:spLocks noGrp="1"/>
-          </p:cNvSpPr>
-          <p:nvPr>
-            <p:ph type="title"/>
-          </p:nvPr>
-        </p:nvSpPr>
-        <p:spPr/>
-        <p:txBody>
-          <a:bodyPr/>
-          <a:lstStyle/>
-          <a:p>
-            <a:r>
-              <a:rPr lang="en-US" dirty="0"/>
-              <a:t>What is </a:t>
-            </a:r>
-            <a:r>
-              <a:rPr lang="en-US" b="1" dirty="0"/>
-              <a:t>“static”</a:t>
-            </a:r>
-            <a:r>
-              <a:rPr lang="en-US" dirty="0"/>
-              <a:t> control flow?</a:t>
-            </a:r>
-            <a:endParaRPr lang="it-IT" dirty="0"/>
-          </a:p>
-        </p:txBody>
-      </p:sp>
-      <p:sp>
-        <p:nvSpPr>
-          <p:cNvPr id="3" name="Content Placeholder 2"/>
-          <p:cNvSpPr>
-            <a:spLocks noGrp="1"/>
-          </p:cNvSpPr>
-          <p:nvPr>
-            <p:ph idx="1"/>
-          </p:nvPr>
-        </p:nvSpPr>
-        <p:spPr/>
-        <p:txBody>
-          <a:bodyPr/>
-          <a:lstStyle/>
-          <a:p>
-            <a:r>
-              <a:rPr lang="en-US" dirty="0">
-                <a:latin typeface="Consolas" panose="020B0609020204030204" pitchFamily="49" charset="0"/>
-              </a:rPr>
-              <a:t>static</a:t>
-            </a:r>
-            <a:r>
-              <a:rPr lang="en-US" dirty="0"/>
-              <a:t> is a specifier with multiple meanings in C++.</a:t>
-            </a:r>
-          </a:p>
-          <a:p>
-            <a:r>
-              <a:rPr lang="en-US" dirty="0"/>
-              <a:t>It’s also a word commonly used by developers to refer to </a:t>
-            </a:r>
-            <a:r>
-              <a:rPr lang="en-US" b="1" dirty="0"/>
-              <a:t>compile-time control flow</a:t>
-            </a:r>
-            <a:r>
-              <a:rPr lang="en-US" dirty="0"/>
-              <a:t>.</a:t>
-            </a:r>
-          </a:p>
-          <a:p>
-            <a:r>
-              <a:rPr lang="en-US" dirty="0"/>
-              <a:t>Existing languages, such as D, have powerful compile-time constructs like </a:t>
-            </a:r>
-            <a:r>
-              <a:rPr lang="en-US" dirty="0">
-                <a:latin typeface="Consolas" panose="020B0609020204030204" pitchFamily="49" charset="0"/>
-              </a:rPr>
-              <a:t>static if</a:t>
-            </a:r>
-            <a:r>
-              <a:rPr lang="en-US" dirty="0"/>
-              <a:t>.</a:t>
-            </a:r>
-          </a:p>
-          <a:p>
-            <a:r>
-              <a:rPr lang="en-US" dirty="0"/>
-              <a:t>Goals of this talk:</a:t>
-            </a:r>
-          </a:p>
-          <a:p>
-            <a:pPr lvl="1"/>
-            <a:r>
-              <a:rPr lang="en-US" dirty="0"/>
-              <a:t>Understand the benefits of static control flow.</a:t>
-            </a:r>
-          </a:p>
-          <a:p>
-            <a:pPr lvl="1"/>
-            <a:r>
-              <a:rPr lang="en-US" dirty="0"/>
-              <a:t>Look at the history of </a:t>
-            </a:r>
-            <a:r>
-              <a:rPr lang="en-US" dirty="0" err="1">
-                <a:latin typeface="Consolas" panose="020B0609020204030204" pitchFamily="49" charset="0"/>
-              </a:rPr>
-              <a:t>static_if</a:t>
-            </a:r>
-            <a:r>
-              <a:rPr lang="en-US" dirty="0"/>
-              <a:t> proposals in C++, analyze </a:t>
-            </a:r>
-            <a:r>
-              <a:rPr lang="en-US" dirty="0">
-                <a:latin typeface="Consolas" panose="020B0609020204030204" pitchFamily="49" charset="0"/>
-              </a:rPr>
-              <a:t>if </a:t>
-            </a:r>
-            <a:r>
-              <a:rPr lang="en-US" dirty="0" err="1">
-                <a:latin typeface="Consolas" panose="020B0609020204030204" pitchFamily="49" charset="0"/>
-              </a:rPr>
-              <a:t>constexpr</a:t>
-            </a:r>
-            <a:r>
-              <a:rPr lang="en-US" dirty="0"/>
-              <a:t>.</a:t>
-            </a:r>
-          </a:p>
-          <a:p>
-            <a:pPr lvl="1"/>
-            <a:r>
-              <a:rPr lang="en-US" dirty="0"/>
-              <a:t>Implement two C++14 constructs: </a:t>
-            </a:r>
-            <a:r>
-              <a:rPr lang="en-US" dirty="0" err="1">
-                <a:latin typeface="Consolas" panose="020B0609020204030204" pitchFamily="49" charset="0"/>
-              </a:rPr>
-              <a:t>static_if</a:t>
-            </a:r>
-            <a:r>
-              <a:rPr lang="en-US" dirty="0">
-                <a:latin typeface="Consolas" panose="020B0609020204030204" pitchFamily="49" charset="0"/>
-              </a:rPr>
-              <a:t> </a:t>
-            </a:r>
-            <a:r>
-              <a:rPr lang="en-US" dirty="0"/>
-              <a:t>and</a:t>
-            </a:r>
-            <a:r>
-              <a:rPr lang="en-US" dirty="0">
-                <a:latin typeface="Consolas" panose="020B0609020204030204" pitchFamily="49" charset="0"/>
-              </a:rPr>
-              <a:t> </a:t>
-            </a:r>
-            <a:r>
-              <a:rPr lang="en-US" dirty="0" err="1">
-                <a:latin typeface="Consolas" panose="020B0609020204030204" pitchFamily="49" charset="0"/>
-              </a:rPr>
-              <a:t>static_for</a:t>
-            </a:r>
-            <a:r>
-              <a:rPr lang="en-US" dirty="0">
-                <a:latin typeface="Consolas" panose="020B0609020204030204" pitchFamily="49" charset="0"/>
-              </a:rPr>
-              <a:t>.</a:t>
-            </a:r>
-            <a:endParaRPr lang="en-US" dirty="0"/>
-          </a:p>
-          <a:p>
-            <a:pPr lvl="1"/>
-            <a:endParaRPr lang="en-US" dirty="0">
-              <a:latin typeface="Consolas" panose="020B0609020204030204" pitchFamily="49" charset="0"/>
-            </a:endParaRPr>
-          </a:p>
-          <a:p>
-            <a:pPr lvl="1"/>
-            <a:endParaRPr lang="en-US" dirty="0">
-              <a:latin typeface="Consolas" panose="020B0609020204030204" pitchFamily="49" charset="0"/>
-            </a:endParaRPr>
-          </a:p>
-          <a:p>
-            <a:endParaRPr lang="it-IT" dirty="0"/>
-          </a:p>
-        </p:txBody>
-      </p:sp>
-    </p:spTree>
-    <p:extLst>
-      <p:ext uri="{BB962C8B-B14F-4D97-AF65-F5344CB8AC3E}">
-        <p14:creationId xmlns:p14="http://schemas.microsoft.com/office/powerpoint/2010/main" val="3240195144"/>
-      </p:ext>
-    </p:extLst>
-  </p:cSld>
-  <p:clrMapOvr>
-    <a:masterClrMapping/>
-  </p:clrMapOvr>
-</p:sld>
-</file>
-
-<file path=ppt/slides/slide20.xml><?xml version="1.0" encoding="utf-8"?>
+<file path=ppt/slides/slide23.xml><?xml version="1.0" encoding="utf-8"?>
 <p:sld xmlns:a="http://schemas.openxmlformats.org/drawingml/2006/main" xmlns:r="http://schemas.openxmlformats.org/officeDocument/2006/relationships" xmlns:p="http://schemas.openxmlformats.org/presentationml/2006/main">
   <p:cSld>
     <p:spTree>

--- a/static_control_flow/slides.pptx
+++ b/static_control_flow/slides.pptx
@@ -5,7 +5,7 @@
     <p:sldMasterId id="2147483648" r:id="rId1"/>
   </p:sldMasterIdLst>
   <p:notesMasterIdLst>
-    <p:notesMasterId r:id="rId25"/>
+    <p:notesMasterId r:id="rId26"/>
   </p:notesMasterIdLst>
   <p:sldIdLst>
     <p:sldId id="259" r:id="rId2"/>
@@ -31,6 +31,7 @@
     <p:sldId id="256" r:id="rId22"/>
     <p:sldId id="257" r:id="rId23"/>
     <p:sldId id="258" r:id="rId24"/>
+    <p:sldId id="279" r:id="rId25"/>
   </p:sldIdLst>
   <p:sldSz cx="12192000" cy="6858000"/>
   <p:notesSz cx="6858000" cy="9144000"/>
@@ -10276,8 +10277,8 @@
         </p:nvSpPr>
         <p:spPr>
           <a:xfrm>
-            <a:off x="6734885" y="2051823"/>
-            <a:ext cx="4683964" cy="791737"/>
+            <a:off x="6869639" y="2051823"/>
+            <a:ext cx="4953912" cy="791737"/>
           </a:xfrm>
           <a:prstGeom prst="rect">
             <a:avLst/>
@@ -10324,8 +10325,8 @@
         </p:nvSpPr>
         <p:spPr>
           <a:xfrm>
-            <a:off x="6887735" y="3857969"/>
-            <a:ext cx="4683964" cy="791737"/>
+            <a:off x="6869639" y="3867594"/>
+            <a:ext cx="4953912" cy="791737"/>
           </a:xfrm>
           <a:prstGeom prst="rect">
             <a:avLst/>
@@ -10372,8 +10373,8 @@
         </p:nvSpPr>
         <p:spPr>
           <a:xfrm>
-            <a:off x="6887735" y="5214677"/>
-            <a:ext cx="4683964" cy="791737"/>
+            <a:off x="6869639" y="5419024"/>
+            <a:ext cx="4953912" cy="548890"/>
           </a:xfrm>
           <a:prstGeom prst="rect">
             <a:avLst/>
@@ -12218,124 +12219,6 @@
   <p:clrMapOvr>
     <a:masterClrMapping/>
   </p:clrMapOvr>
-  <p:timing>
-    <p:tnLst>
-      <p:par>
-        <p:cTn id="1" dur="indefinite" restart="never" nodeType="tmRoot">
-          <p:childTnLst>
-            <p:seq concurrent="1" nextAc="seek">
-              <p:cTn id="2" dur="indefinite" nodeType="mainSeq">
-                <p:childTnLst>
-                  <p:par>
-                    <p:cTn id="3" fill="hold">
-                      <p:stCondLst>
-                        <p:cond delay="indefinite"/>
-                      </p:stCondLst>
-                      <p:childTnLst>
-                        <p:par>
-                          <p:cTn id="4" fill="hold">
-                            <p:stCondLst>
-                              <p:cond delay="0"/>
-                            </p:stCondLst>
-                            <p:childTnLst>
-                              <p:par>
-                                <p:cTn id="5" presetID="10" presetClass="entr" presetSubtype="0" fill="hold" nodeType="clickEffect">
-                                  <p:stCondLst>
-                                    <p:cond delay="0"/>
-                                  </p:stCondLst>
-                                  <p:childTnLst>
-                                    <p:set>
-                                      <p:cBhvr>
-                                        <p:cTn id="6" dur="1" fill="hold">
-                                          <p:stCondLst>
-                                            <p:cond delay="0"/>
-                                          </p:stCondLst>
-                                        </p:cTn>
-                                        <p:tgtEl>
-                                          <p:spTgt spid="8"/>
-                                        </p:tgtEl>
-                                        <p:attrNameLst>
-                                          <p:attrName>style.visibility</p:attrName>
-                                        </p:attrNameLst>
-                                      </p:cBhvr>
-                                      <p:to>
-                                        <p:strVal val="visible"/>
-                                      </p:to>
-                                    </p:set>
-                                    <p:animEffect transition="in" filter="fade">
-                                      <p:cBhvr>
-                                        <p:cTn id="7" dur="500"/>
-                                        <p:tgtEl>
-                                          <p:spTgt spid="8"/>
-                                        </p:tgtEl>
-                                      </p:cBhvr>
-                                    </p:animEffect>
-                                  </p:childTnLst>
-                                </p:cTn>
-                              </p:par>
-                              <p:par>
-                                <p:cTn id="8" presetID="10" presetClass="entr" presetSubtype="0" fill="hold" nodeType="withEffect">
-                                  <p:stCondLst>
-                                    <p:cond delay="0"/>
-                                  </p:stCondLst>
-                                  <p:childTnLst>
-                                    <p:set>
-                                      <p:cBhvr>
-                                        <p:cTn id="9" dur="1" fill="hold">
-                                          <p:stCondLst>
-                                            <p:cond delay="0"/>
-                                          </p:stCondLst>
-                                        </p:cTn>
-                                        <p:tgtEl>
-                                          <p:spTgt spid="10"/>
-                                        </p:tgtEl>
-                                        <p:attrNameLst>
-                                          <p:attrName>style.visibility</p:attrName>
-                                        </p:attrNameLst>
-                                      </p:cBhvr>
-                                      <p:to>
-                                        <p:strVal val="visible"/>
-                                      </p:to>
-                                    </p:set>
-                                    <p:animEffect transition="in" filter="fade">
-                                      <p:cBhvr>
-                                        <p:cTn id="10" dur="500"/>
-                                        <p:tgtEl>
-                                          <p:spTgt spid="10"/>
-                                        </p:tgtEl>
-                                      </p:cBhvr>
-                                    </p:animEffect>
-                                  </p:childTnLst>
-                                </p:cTn>
-                              </p:par>
-                            </p:childTnLst>
-                          </p:cTn>
-                        </p:par>
-                      </p:childTnLst>
-                    </p:cTn>
-                  </p:par>
-                </p:childTnLst>
-              </p:cTn>
-              <p:prevCondLst>
-                <p:cond evt="onPrev" delay="0">
-                  <p:tgtEl>
-                    <p:sldTgt/>
-                  </p:tgtEl>
-                </p:cond>
-              </p:prevCondLst>
-              <p:nextCondLst>
-                <p:cond evt="onNext" delay="0">
-                  <p:tgtEl>
-                    <p:sldTgt/>
-                  </p:tgtEl>
-                </p:cond>
-              </p:nextCondLst>
-            </p:seq>
-          </p:childTnLst>
-        </p:cTn>
-      </p:par>
-    </p:tnLst>
-  </p:timing>
 </p:sld>
 </file>
 
@@ -14119,6 +14002,61 @@
       </p:pic>
       <p:sp>
         <p:nvSpPr>
+          <p:cNvPr id="20" name="Rettangolo 18"/>
+          <p:cNvSpPr/>
+          <p:nvPr/>
+        </p:nvSpPr>
+        <p:spPr>
+          <a:xfrm>
+            <a:off x="2256307" y="6056671"/>
+            <a:ext cx="293972" cy="213491"/>
+          </a:xfrm>
+          <a:prstGeom prst="rect">
+            <a:avLst/>
+          </a:prstGeom>
+          <a:solidFill>
+            <a:schemeClr val="bg1">
+              <a:alpha val="80000"/>
+            </a:schemeClr>
+          </a:solidFill>
+          <a:ln>
+            <a:solidFill>
+              <a:schemeClr val="bg1"/>
+            </a:solidFill>
+          </a:ln>
+        </p:spPr>
+        <p:style>
+          <a:lnRef idx="2">
+            <a:schemeClr val="accent1">
+              <a:shade val="50000"/>
+            </a:schemeClr>
+          </a:lnRef>
+          <a:fillRef idx="1">
+            <a:schemeClr val="accent1"/>
+          </a:fillRef>
+          <a:effectRef idx="0">
+            <a:schemeClr val="accent1"/>
+          </a:effectRef>
+          <a:fontRef idx="minor">
+            <a:schemeClr val="lt1"/>
+          </a:fontRef>
+        </p:style>
+        <p:txBody>
+          <a:bodyPr rot="0" spcFirstLastPara="0" vertOverflow="overflow" horzOverflow="overflow" vert="horz" wrap="square" lIns="91440" tIns="45720" rIns="91440" bIns="45720" numCol="1" spcCol="0" rtlCol="0" fromWordArt="0" anchor="ctr" anchorCtr="0" forceAA="0" compatLnSpc="1">
+            <a:prstTxWarp prst="textNoShape">
+              <a:avLst/>
+            </a:prstTxWarp>
+            <a:noAutofit/>
+          </a:bodyPr>
+          <a:lstStyle/>
+          <a:p>
+            <a:pPr algn="ctr"/>
+            <a:endParaRPr lang="it-IT"/>
+          </a:p>
+        </p:txBody>
+      </p:sp>
+      <p:sp>
+        <p:nvSpPr>
           <p:cNvPr id="19" name="Rettangolo 18"/>
           <p:cNvSpPr/>
           <p:nvPr/>
@@ -14180,7 +14118,7 @@
         </p:nvSpPr>
         <p:spPr>
           <a:xfrm>
-            <a:off x="1545074" y="5271391"/>
+            <a:off x="1549117" y="5260122"/>
             <a:ext cx="5490727" cy="733452"/>
           </a:xfrm>
           <a:prstGeom prst="rect">
@@ -14244,7 +14182,7 @@
           <a:p>
             <a:r>
               <a:rPr lang="en-US" dirty="0"/>
-              <a:t>Step 2: instantiate matching branch</a:t>
+              <a:t>Step 2: instantiate and call matching branch</a:t>
             </a:r>
             <a:endParaRPr lang="it-IT" dirty="0">
               <a:latin typeface="Consolas" panose="020B0609020204030204" pitchFamily="49" charset="0"/>
@@ -14486,6 +14424,218 @@
           </p:pic>
         </mc:Fallback>
       </mc:AlternateContent>
+      <p:sp>
+        <p:nvSpPr>
+          <p:cNvPr id="12" name="TextBox 11"/>
+          <p:cNvSpPr txBox="1"/>
+          <p:nvPr/>
+        </p:nvSpPr>
+        <p:spPr>
+          <a:xfrm>
+            <a:off x="7198681" y="1930693"/>
+            <a:ext cx="4326325" cy="1938992"/>
+          </a:xfrm>
+          <a:prstGeom prst="rect">
+            <a:avLst/>
+          </a:prstGeom>
+          <a:ln w="28575"/>
+        </p:spPr>
+        <p:style>
+          <a:lnRef idx="2">
+            <a:schemeClr val="dk1"/>
+          </a:lnRef>
+          <a:fillRef idx="1">
+            <a:schemeClr val="lt1"/>
+          </a:fillRef>
+          <a:effectRef idx="0">
+            <a:schemeClr val="dk1"/>
+          </a:effectRef>
+          <a:fontRef idx="minor">
+            <a:schemeClr val="dk1"/>
+          </a:fontRef>
+        </p:style>
+        <p:txBody>
+          <a:bodyPr wrap="square" rtlCol="0">
+            <a:spAutoFit/>
+          </a:bodyPr>
+          <a:lstStyle/>
+          <a:p>
+            <a:r>
+              <a:rPr lang="en-US" sz="2400" dirty="0"/>
+              <a:t>Imagine that the entire </a:t>
+            </a:r>
+            <a:r>
+              <a:rPr lang="en-US" sz="2400" dirty="0" err="1">
+                <a:latin typeface="Consolas" panose="020B0609020204030204" pitchFamily="49" charset="0"/>
+              </a:rPr>
+              <a:t>static_if</a:t>
+            </a:r>
+            <a:r>
+              <a:rPr lang="en-US" sz="2400" dirty="0"/>
+              <a:t> </a:t>
+            </a:r>
+            <a:r>
+              <a:rPr lang="en-US" sz="2400" i="1" dirty="0"/>
+              <a:t>“collapses” </a:t>
+            </a:r>
+            <a:r>
+              <a:rPr lang="en-US" sz="2400" dirty="0"/>
+              <a:t>to the first matching branch’s body. The body can then be called with the argument </a:t>
+            </a:r>
+            <a:r>
+              <a:rPr lang="en-US" sz="2400" dirty="0">
+                <a:latin typeface="Consolas" panose="020B0609020204030204" pitchFamily="49" charset="0"/>
+              </a:rPr>
+              <a:t>FWD(x)</a:t>
+            </a:r>
+            <a:r>
+              <a:rPr lang="en-US" sz="2400" dirty="0"/>
+              <a:t>.</a:t>
+            </a:r>
+            <a:endParaRPr lang="it-IT" sz="2400" dirty="0"/>
+          </a:p>
+        </p:txBody>
+      </p:sp>
+      <p:sp>
+        <p:nvSpPr>
+          <p:cNvPr id="14" name="Rettangolo 18"/>
+          <p:cNvSpPr/>
+          <p:nvPr/>
+        </p:nvSpPr>
+        <p:spPr>
+          <a:xfrm>
+            <a:off x="1795932" y="3932547"/>
+            <a:ext cx="723748" cy="279539"/>
+          </a:xfrm>
+          <a:prstGeom prst="rect">
+            <a:avLst/>
+          </a:prstGeom>
+          <a:solidFill>
+            <a:schemeClr val="bg1">
+              <a:alpha val="80000"/>
+            </a:schemeClr>
+          </a:solidFill>
+          <a:ln>
+            <a:solidFill>
+              <a:schemeClr val="bg1"/>
+            </a:solidFill>
+          </a:ln>
+        </p:spPr>
+        <p:style>
+          <a:lnRef idx="2">
+            <a:schemeClr val="accent1">
+              <a:shade val="50000"/>
+            </a:schemeClr>
+          </a:lnRef>
+          <a:fillRef idx="1">
+            <a:schemeClr val="accent1"/>
+          </a:fillRef>
+          <a:effectRef idx="0">
+            <a:schemeClr val="accent1"/>
+          </a:effectRef>
+          <a:fontRef idx="minor">
+            <a:schemeClr val="lt1"/>
+          </a:fontRef>
+        </p:style>
+        <p:txBody>
+          <a:bodyPr rot="0" spcFirstLastPara="0" vertOverflow="overflow" horzOverflow="overflow" vert="horz" wrap="square" lIns="91440" tIns="45720" rIns="91440" bIns="45720" numCol="1" spcCol="0" rtlCol="0" fromWordArt="0" anchor="ctr" anchorCtr="0" forceAA="0" compatLnSpc="1">
+            <a:prstTxWarp prst="textNoShape">
+              <a:avLst/>
+            </a:prstTxWarp>
+            <a:noAutofit/>
+          </a:bodyPr>
+          <a:lstStyle/>
+          <a:p>
+            <a:pPr algn="ctr"/>
+            <a:endParaRPr lang="it-IT"/>
+          </a:p>
+        </p:txBody>
+      </p:sp>
+      <p:sp>
+        <p:nvSpPr>
+          <p:cNvPr id="16" name="Rettangolo 18"/>
+          <p:cNvSpPr/>
+          <p:nvPr/>
+        </p:nvSpPr>
+        <p:spPr>
+          <a:xfrm>
+            <a:off x="2432961" y="5037799"/>
+            <a:ext cx="293972" cy="213491"/>
+          </a:xfrm>
+          <a:prstGeom prst="rect">
+            <a:avLst/>
+          </a:prstGeom>
+          <a:solidFill>
+            <a:schemeClr val="bg1">
+              <a:alpha val="80000"/>
+            </a:schemeClr>
+          </a:solidFill>
+          <a:ln>
+            <a:solidFill>
+              <a:schemeClr val="bg1"/>
+            </a:solidFill>
+          </a:ln>
+        </p:spPr>
+        <p:style>
+          <a:lnRef idx="2">
+            <a:schemeClr val="accent1">
+              <a:shade val="50000"/>
+            </a:schemeClr>
+          </a:lnRef>
+          <a:fillRef idx="1">
+            <a:schemeClr val="accent1"/>
+          </a:fillRef>
+          <a:effectRef idx="0">
+            <a:schemeClr val="accent1"/>
+          </a:effectRef>
+          <a:fontRef idx="minor">
+            <a:schemeClr val="lt1"/>
+          </a:fontRef>
+        </p:style>
+        <p:txBody>
+          <a:bodyPr rot="0" spcFirstLastPara="0" vertOverflow="overflow" horzOverflow="overflow" vert="horz" wrap="square" lIns="91440" tIns="45720" rIns="91440" bIns="45720" numCol="1" spcCol="0" rtlCol="0" fromWordArt="0" anchor="ctr" anchorCtr="0" forceAA="0" compatLnSpc="1">
+            <a:prstTxWarp prst="textNoShape">
+              <a:avLst/>
+            </a:prstTxWarp>
+            <a:noAutofit/>
+          </a:bodyPr>
+          <a:lstStyle/>
+          <a:p>
+            <a:pPr algn="ctr"/>
+            <a:endParaRPr lang="it-IT"/>
+          </a:p>
+        </p:txBody>
+      </p:sp>
+      <p:pic>
+        <p:nvPicPr>
+          <p:cNvPr id="2" name="Picture 1"/>
+          <p:cNvPicPr>
+            <a:picLocks noChangeAspect="1"/>
+          </p:cNvPicPr>
+          <p:nvPr/>
+        </p:nvPicPr>
+        <p:blipFill>
+          <a:blip r:embed="rId15">
+            <a:extLst>
+              <a:ext uri="{28A0092B-C50C-407E-A947-70E740481C1C}">
+                <a14:useLocalDpi xmlns:a14="http://schemas.microsoft.com/office/drawing/2010/main" val="0"/>
+              </a:ext>
+            </a:extLst>
+          </a:blip>
+          <a:stretch>
+            <a:fillRect/>
+          </a:stretch>
+        </p:blipFill>
+        <p:spPr>
+          <a:xfrm>
+            <a:off x="826067" y="3049529"/>
+            <a:ext cx="5583201" cy="1820609"/>
+          </a:xfrm>
+          <a:prstGeom prst="rect">
+            <a:avLst/>
+          </a:prstGeom>
+        </p:spPr>
+      </p:pic>
     </p:spTree>
     <p:extLst>
       <p:ext uri="{BB962C8B-B14F-4D97-AF65-F5344CB8AC3E}">
@@ -14517,7 +14667,7 @@
                             </p:stCondLst>
                             <p:childTnLst>
                               <p:par>
-                                <p:cTn id="5" presetID="10" presetClass="entr" presetSubtype="0" fill="hold" nodeType="clickEffect">
+                                <p:cTn id="5" presetID="10" presetClass="entr" presetSubtype="0" fill="hold" grpId="0" nodeType="clickEffect">
                                   <p:stCondLst>
                                     <p:cond delay="0"/>
                                   </p:stCondLst>
@@ -14530,7 +14680,7 @@
                                           </p:stCondLst>
                                         </p:cTn>
                                         <p:tgtEl>
-                                          <p:spTgt spid="21"/>
+                                          <p:spTgt spid="19"/>
                                         </p:tgtEl>
                                         <p:attrNameLst>
                                           <p:attrName>style.visibility</p:attrName>
@@ -14544,7 +14694,147 @@
                                       <p:cBhvr>
                                         <p:cTn id="7" dur="500"/>
                                         <p:tgtEl>
-                                          <p:spTgt spid="21"/>
+                                          <p:spTgt spid="19"/>
+                                        </p:tgtEl>
+                                      </p:cBhvr>
+                                    </p:animEffect>
+                                  </p:childTnLst>
+                                </p:cTn>
+                              </p:par>
+                              <p:par>
+                                <p:cTn id="8" presetID="10" presetClass="entr" presetSubtype="0" fill="hold" grpId="0" nodeType="withEffect">
+                                  <p:stCondLst>
+                                    <p:cond delay="0"/>
+                                  </p:stCondLst>
+                                  <p:childTnLst>
+                                    <p:set>
+                                      <p:cBhvr>
+                                        <p:cTn id="9" dur="1" fill="hold">
+                                          <p:stCondLst>
+                                            <p:cond delay="0"/>
+                                          </p:stCondLst>
+                                        </p:cTn>
+                                        <p:tgtEl>
+                                          <p:spTgt spid="33"/>
+                                        </p:tgtEl>
+                                        <p:attrNameLst>
+                                          <p:attrName>style.visibility</p:attrName>
+                                        </p:attrNameLst>
+                                      </p:cBhvr>
+                                      <p:to>
+                                        <p:strVal val="visible"/>
+                                      </p:to>
+                                    </p:set>
+                                    <p:animEffect transition="in" filter="fade">
+                                      <p:cBhvr>
+                                        <p:cTn id="10" dur="500"/>
+                                        <p:tgtEl>
+                                          <p:spTgt spid="33"/>
+                                        </p:tgtEl>
+                                      </p:cBhvr>
+                                    </p:animEffect>
+                                  </p:childTnLst>
+                                </p:cTn>
+                              </p:par>
+                              <p:par>
+                                <p:cTn id="11" presetID="10" presetClass="entr" presetSubtype="0" fill="hold" grpId="0" nodeType="withEffect">
+                                  <p:stCondLst>
+                                    <p:cond delay="0"/>
+                                  </p:stCondLst>
+                                  <p:childTnLst>
+                                    <p:set>
+                                      <p:cBhvr>
+                                        <p:cTn id="12" dur="1" fill="hold">
+                                          <p:stCondLst>
+                                            <p:cond delay="0"/>
+                                          </p:stCondLst>
+                                        </p:cTn>
+                                        <p:tgtEl>
+                                          <p:spTgt spid="14"/>
+                                        </p:tgtEl>
+                                        <p:attrNameLst>
+                                          <p:attrName>style.visibility</p:attrName>
+                                        </p:attrNameLst>
+                                      </p:cBhvr>
+                                      <p:to>
+                                        <p:strVal val="visible"/>
+                                      </p:to>
+                                    </p:set>
+                                    <p:animEffect transition="in" filter="fade">
+                                      <p:cBhvr>
+                                        <p:cTn id="13" dur="500"/>
+                                        <p:tgtEl>
+                                          <p:spTgt spid="14"/>
+                                        </p:tgtEl>
+                                      </p:cBhvr>
+                                    </p:animEffect>
+                                  </p:childTnLst>
+                                </p:cTn>
+                              </p:par>
+                              <p:par>
+                                <p:cTn id="14" presetID="10" presetClass="entr" presetSubtype="0" fill="hold" grpId="0" nodeType="withEffect">
+                                  <p:stCondLst>
+                                    <p:cond delay="0"/>
+                                  </p:stCondLst>
+                                  <p:childTnLst>
+                                    <p:set>
+                                      <p:cBhvr>
+                                        <p:cTn id="15" dur="1" fill="hold">
+                                          <p:stCondLst>
+                                            <p:cond delay="0"/>
+                                          </p:stCondLst>
+                                        </p:cTn>
+                                        <p:tgtEl>
+                                          <p:spTgt spid="16"/>
+                                        </p:tgtEl>
+                                        <p:attrNameLst>
+                                          <p:attrName>style.visibility</p:attrName>
+                                        </p:attrNameLst>
+                                      </p:cBhvr>
+                                      <p:to>
+                                        <p:strVal val="visible"/>
+                                      </p:to>
+                                    </p:set>
+                                    <p:animEffect transition="in" filter="fade">
+                                      <p:cBhvr>
+                                        <p:cTn id="16" dur="500"/>
+                                        <p:tgtEl>
+                                          <p:spTgt spid="16"/>
+                                        </p:tgtEl>
+                                      </p:cBhvr>
+                                    </p:animEffect>
+                                  </p:childTnLst>
+                                </p:cTn>
+                              </p:par>
+                              <p:par>
+                                <p:cTn id="17" presetID="10" presetClass="entr" presetSubtype="0" fill="hold" grpId="0" nodeType="withEffect">
+                                  <p:stCondLst>
+                                    <p:cond delay="0"/>
+                                  </p:stCondLst>
+                                  <p:childTnLst>
+                                    <p:set>
+                                      <p:cBhvr>
+                                        <p:cTn id="18" dur="1" fill="hold">
+                                          <p:stCondLst>
+                                            <p:cond delay="0"/>
+                                          </p:stCondLst>
+                                        </p:cTn>
+                                        <p:tgtEl>
+                                          <p:spTgt spid="20"/>
+                                        </p:tgtEl>
+                                        <p:attrNameLst>
+                                          <p:attrName>style.visibility</p:attrName>
+                                        </p:attrNameLst>
+                                      </p:cBhvr>
+                                      <p:to>
+                                        <p:strVal val="visible"/>
+                                      </p:to>
+                                    </p:set>
+                                    <p:animEffect transition="in" filter="fade">
+                                      <p:cBhvr>
+                                        <p:cTn id="19" dur="500"/>
+                                        <p:tgtEl>
+                                          <p:spTgt spid="20"/>
                                         </p:tgtEl>
                                       </p:cBhvr>
                                     </p:animEffect>
@@ -14558,32 +14848,32 @@
                     </p:cTn>
                   </p:par>
                   <p:par>
-                    <p:cTn id="8" fill="hold">
+                    <p:cTn id="20" fill="hold">
                       <p:stCondLst>
                         <p:cond delay="indefinite"/>
                       </p:stCondLst>
                       <p:childTnLst>
                         <p:par>
-                          <p:cTn id="9" fill="hold">
+                          <p:cTn id="21" fill="hold">
                             <p:stCondLst>
                               <p:cond delay="0"/>
                             </p:stCondLst>
                             <p:childTnLst>
                               <p:par>
-                                <p:cTn id="10" presetID="10" presetClass="entr" presetSubtype="0" fill="hold" nodeType="clickEffect">
+                                <p:cTn id="22" presetID="10" presetClass="entr" presetSubtype="0" fill="hold" grpId="0" nodeType="clickEffect">
                                   <p:stCondLst>
                                     <p:cond delay="0"/>
                                   </p:stCondLst>
                                   <p:childTnLst>
                                     <p:set>
                                       <p:cBhvr>
-                                        <p:cTn id="11" dur="1" fill="hold">
+                                        <p:cTn id="23" dur="1" fill="hold">
                                           <p:stCondLst>
                                             <p:cond delay="0"/>
                                           </p:stCondLst>
                                         </p:cTn>
                                         <p:tgtEl>
-                                          <p:spTgt spid="6"/>
+                                          <p:spTgt spid="12"/>
                                         </p:tgtEl>
                                         <p:attrNameLst>
                                           <p:attrName>style.visibility</p:attrName>
@@ -14595,9 +14885,9 @@
                                     </p:set>
                                     <p:animEffect transition="in" filter="fade">
                                       <p:cBhvr>
-                                        <p:cTn id="12" dur="500"/>
-                                        <p:tgtEl>
-                                          <p:spTgt spid="6"/>
+                                        <p:cTn id="24" dur="500"/>
+                                        <p:tgtEl>
+                                          <p:spTgt spid="12"/>
                                         </p:tgtEl>
                                       </p:cBhvr>
                                     </p:animEffect>
@@ -14611,32 +14901,32 @@
                     </p:cTn>
                   </p:par>
                   <p:par>
-                    <p:cTn id="13" fill="hold">
+                    <p:cTn id="25" fill="hold">
                       <p:stCondLst>
                         <p:cond delay="indefinite"/>
                       </p:stCondLst>
                       <p:childTnLst>
                         <p:par>
-                          <p:cTn id="14" fill="hold">
+                          <p:cTn id="26" fill="hold">
                             <p:stCondLst>
                               <p:cond delay="0"/>
                             </p:stCondLst>
                             <p:childTnLst>
                               <p:par>
-                                <p:cTn id="15" presetID="10" presetClass="entr" presetSubtype="0" fill="hold" nodeType="clickEffect">
+                                <p:cTn id="27" presetID="10" presetClass="entr" presetSubtype="0" fill="hold" nodeType="clickEffect">
                                   <p:stCondLst>
                                     <p:cond delay="0"/>
                                   </p:stCondLst>
                                   <p:childTnLst>
                                     <p:set>
                                       <p:cBhvr>
-                                        <p:cTn id="16" dur="1" fill="hold">
+                                        <p:cTn id="28" dur="1" fill="hold">
                                           <p:stCondLst>
                                             <p:cond delay="0"/>
                                           </p:stCondLst>
                                         </p:cTn>
                                         <p:tgtEl>
-                                          <p:spTgt spid="13"/>
+                                          <p:spTgt spid="21"/>
                                         </p:tgtEl>
                                         <p:attrNameLst>
                                           <p:attrName>style.visibility</p:attrName>
@@ -14648,9 +14938,9 @@
                                     </p:set>
                                     <p:animEffect transition="in" filter="fade">
                                       <p:cBhvr>
-                                        <p:cTn id="17" dur="500"/>
-                                        <p:tgtEl>
-                                          <p:spTgt spid="13"/>
+                                        <p:cTn id="29" dur="500"/>
+                                        <p:tgtEl>
+                                          <p:spTgt spid="21"/>
                                         </p:tgtEl>
                                       </p:cBhvr>
                                     </p:animEffect>
@@ -14664,32 +14954,32 @@
                     </p:cTn>
                   </p:par>
                   <p:par>
-                    <p:cTn id="18" fill="hold">
+                    <p:cTn id="30" fill="hold">
                       <p:stCondLst>
                         <p:cond delay="indefinite"/>
                       </p:stCondLst>
                       <p:childTnLst>
                         <p:par>
-                          <p:cTn id="19" fill="hold">
+                          <p:cTn id="31" fill="hold">
                             <p:stCondLst>
                               <p:cond delay="0"/>
                             </p:stCondLst>
                             <p:childTnLst>
                               <p:par>
-                                <p:cTn id="20" presetID="10" presetClass="entr" presetSubtype="0" fill="hold" nodeType="clickEffect">
+                                <p:cTn id="32" presetID="10" presetClass="entr" presetSubtype="0" fill="hold" nodeType="clickEffect">
                                   <p:stCondLst>
                                     <p:cond delay="0"/>
                                   </p:stCondLst>
                                   <p:childTnLst>
                                     <p:set>
                                       <p:cBhvr>
-                                        <p:cTn id="21" dur="1" fill="hold">
+                                        <p:cTn id="33" dur="1" fill="hold">
                                           <p:stCondLst>
                                             <p:cond delay="0"/>
                                           </p:stCondLst>
                                         </p:cTn>
                                         <p:tgtEl>
-                                          <p:spTgt spid="18"/>
+                                          <p:spTgt spid="6"/>
                                         </p:tgtEl>
                                         <p:attrNameLst>
                                           <p:attrName>style.visibility</p:attrName>
@@ -14701,9 +14991,553 @@
                                     </p:set>
                                     <p:animEffect transition="in" filter="fade">
                                       <p:cBhvr>
-                                        <p:cTn id="22" dur="500"/>
+                                        <p:cTn id="34" dur="500"/>
+                                        <p:tgtEl>
+                                          <p:spTgt spid="6"/>
+                                        </p:tgtEl>
+                                      </p:cBhvr>
+                                    </p:animEffect>
+                                  </p:childTnLst>
+                                </p:cTn>
+                              </p:par>
+                            </p:childTnLst>
+                          </p:cTn>
+                        </p:par>
+                      </p:childTnLst>
+                    </p:cTn>
+                  </p:par>
+                  <p:par>
+                    <p:cTn id="35" fill="hold">
+                      <p:stCondLst>
+                        <p:cond delay="indefinite"/>
+                      </p:stCondLst>
+                      <p:childTnLst>
+                        <p:par>
+                          <p:cTn id="36" fill="hold">
+                            <p:stCondLst>
+                              <p:cond delay="0"/>
+                            </p:stCondLst>
+                            <p:childTnLst>
+                              <p:par>
+                                <p:cTn id="37" presetID="10" presetClass="entr" presetSubtype="0" fill="hold" nodeType="clickEffect">
+                                  <p:stCondLst>
+                                    <p:cond delay="0"/>
+                                  </p:stCondLst>
+                                  <p:childTnLst>
+                                    <p:set>
+                                      <p:cBhvr>
+                                        <p:cTn id="38" dur="1" fill="hold">
+                                          <p:stCondLst>
+                                            <p:cond delay="0"/>
+                                          </p:stCondLst>
+                                        </p:cTn>
+                                        <p:tgtEl>
+                                          <p:spTgt spid="13"/>
+                                        </p:tgtEl>
+                                        <p:attrNameLst>
+                                          <p:attrName>style.visibility</p:attrName>
+                                        </p:attrNameLst>
+                                      </p:cBhvr>
+                                      <p:to>
+                                        <p:strVal val="visible"/>
+                                      </p:to>
+                                    </p:set>
+                                    <p:animEffect transition="in" filter="fade">
+                                      <p:cBhvr>
+                                        <p:cTn id="39" dur="500"/>
+                                        <p:tgtEl>
+                                          <p:spTgt spid="13"/>
+                                        </p:tgtEl>
+                                      </p:cBhvr>
+                                    </p:animEffect>
+                                  </p:childTnLst>
+                                </p:cTn>
+                              </p:par>
+                            </p:childTnLst>
+                          </p:cTn>
+                        </p:par>
+                      </p:childTnLst>
+                    </p:cTn>
+                  </p:par>
+                  <p:par>
+                    <p:cTn id="40" fill="hold">
+                      <p:stCondLst>
+                        <p:cond delay="indefinite"/>
+                      </p:stCondLst>
+                      <p:childTnLst>
+                        <p:par>
+                          <p:cTn id="41" fill="hold">
+                            <p:stCondLst>
+                              <p:cond delay="0"/>
+                            </p:stCondLst>
+                            <p:childTnLst>
+                              <p:par>
+                                <p:cTn id="42" presetID="10" presetClass="entr" presetSubtype="0" fill="hold" nodeType="clickEffect">
+                                  <p:stCondLst>
+                                    <p:cond delay="0"/>
+                                  </p:stCondLst>
+                                  <p:childTnLst>
+                                    <p:set>
+                                      <p:cBhvr>
+                                        <p:cTn id="43" dur="1" fill="hold">
+                                          <p:stCondLst>
+                                            <p:cond delay="0"/>
+                                          </p:stCondLst>
+                                        </p:cTn>
                                         <p:tgtEl>
                                           <p:spTgt spid="18"/>
+                                        </p:tgtEl>
+                                        <p:attrNameLst>
+                                          <p:attrName>style.visibility</p:attrName>
+                                        </p:attrNameLst>
+                                      </p:cBhvr>
+                                      <p:to>
+                                        <p:strVal val="visible"/>
+                                      </p:to>
+                                    </p:set>
+                                    <p:animEffect transition="in" filter="fade">
+                                      <p:cBhvr>
+                                        <p:cTn id="44" dur="500"/>
+                                        <p:tgtEl>
+                                          <p:spTgt spid="18"/>
+                                        </p:tgtEl>
+                                      </p:cBhvr>
+                                    </p:animEffect>
+                                  </p:childTnLst>
+                                </p:cTn>
+                              </p:par>
+                            </p:childTnLst>
+                          </p:cTn>
+                        </p:par>
+                      </p:childTnLst>
+                    </p:cTn>
+                  </p:par>
+                  <p:par>
+                    <p:cTn id="45" fill="hold">
+                      <p:stCondLst>
+                        <p:cond delay="indefinite"/>
+                      </p:stCondLst>
+                      <p:childTnLst>
+                        <p:par>
+                          <p:cTn id="46" fill="hold">
+                            <p:stCondLst>
+                              <p:cond delay="0"/>
+                            </p:stCondLst>
+                            <p:childTnLst>
+                              <p:par>
+                                <p:cTn id="47" presetID="22" presetClass="exit" presetSubtype="4" fill="hold" grpId="1" nodeType="clickEffect">
+                                  <p:stCondLst>
+                                    <p:cond delay="0"/>
+                                  </p:stCondLst>
+                                  <p:childTnLst>
+                                    <p:animEffect transition="out" filter="wipe(down)">
+                                      <p:cBhvr>
+                                        <p:cTn id="48" dur="500"/>
+                                        <p:tgtEl>
+                                          <p:spTgt spid="19"/>
+                                        </p:tgtEl>
+                                      </p:cBhvr>
+                                    </p:animEffect>
+                                    <p:set>
+                                      <p:cBhvr>
+                                        <p:cTn id="49" dur="1" fill="hold">
+                                          <p:stCondLst>
+                                            <p:cond delay="499"/>
+                                          </p:stCondLst>
+                                        </p:cTn>
+                                        <p:tgtEl>
+                                          <p:spTgt spid="19"/>
+                                        </p:tgtEl>
+                                        <p:attrNameLst>
+                                          <p:attrName>style.visibility</p:attrName>
+                                        </p:attrNameLst>
+                                      </p:cBhvr>
+                                      <p:to>
+                                        <p:strVal val="hidden"/>
+                                      </p:to>
+                                    </p:set>
+                                  </p:childTnLst>
+                                </p:cTn>
+                              </p:par>
+                              <p:par>
+                                <p:cTn id="50" presetID="22" presetClass="exit" presetSubtype="4" fill="hold" grpId="1" nodeType="withEffect">
+                                  <p:stCondLst>
+                                    <p:cond delay="0"/>
+                                  </p:stCondLst>
+                                  <p:childTnLst>
+                                    <p:animEffect transition="out" filter="wipe(down)">
+                                      <p:cBhvr>
+                                        <p:cTn id="51" dur="500"/>
+                                        <p:tgtEl>
+                                          <p:spTgt spid="14"/>
+                                        </p:tgtEl>
+                                      </p:cBhvr>
+                                    </p:animEffect>
+                                    <p:set>
+                                      <p:cBhvr>
+                                        <p:cTn id="52" dur="1" fill="hold">
+                                          <p:stCondLst>
+                                            <p:cond delay="499"/>
+                                          </p:stCondLst>
+                                        </p:cTn>
+                                        <p:tgtEl>
+                                          <p:spTgt spid="14"/>
+                                        </p:tgtEl>
+                                        <p:attrNameLst>
+                                          <p:attrName>style.visibility</p:attrName>
+                                        </p:attrNameLst>
+                                      </p:cBhvr>
+                                      <p:to>
+                                        <p:strVal val="hidden"/>
+                                      </p:to>
+                                    </p:set>
+                                  </p:childTnLst>
+                                </p:cTn>
+                              </p:par>
+                              <p:par>
+                                <p:cTn id="53" presetID="22" presetClass="exit" presetSubtype="4" fill="hold" grpId="1" nodeType="withEffect">
+                                  <p:stCondLst>
+                                    <p:cond delay="0"/>
+                                  </p:stCondLst>
+                                  <p:childTnLst>
+                                    <p:animEffect transition="out" filter="wipe(down)">
+                                      <p:cBhvr>
+                                        <p:cTn id="54" dur="500"/>
+                                        <p:tgtEl>
+                                          <p:spTgt spid="16"/>
+                                        </p:tgtEl>
+                                      </p:cBhvr>
+                                    </p:animEffect>
+                                    <p:set>
+                                      <p:cBhvr>
+                                        <p:cTn id="55" dur="1" fill="hold">
+                                          <p:stCondLst>
+                                            <p:cond delay="499"/>
+                                          </p:stCondLst>
+                                        </p:cTn>
+                                        <p:tgtEl>
+                                          <p:spTgt spid="16"/>
+                                        </p:tgtEl>
+                                        <p:attrNameLst>
+                                          <p:attrName>style.visibility</p:attrName>
+                                        </p:attrNameLst>
+                                      </p:cBhvr>
+                                      <p:to>
+                                        <p:strVal val="hidden"/>
+                                      </p:to>
+                                    </p:set>
+                                  </p:childTnLst>
+                                </p:cTn>
+                              </p:par>
+                              <p:par>
+                                <p:cTn id="56" presetID="22" presetClass="exit" presetSubtype="4" fill="hold" grpId="1" nodeType="withEffect">
+                                  <p:stCondLst>
+                                    <p:cond delay="0"/>
+                                  </p:stCondLst>
+                                  <p:childTnLst>
+                                    <p:animEffect transition="out" filter="wipe(down)">
+                                      <p:cBhvr>
+                                        <p:cTn id="57" dur="500"/>
+                                        <p:tgtEl>
+                                          <p:spTgt spid="20"/>
+                                        </p:tgtEl>
+                                      </p:cBhvr>
+                                    </p:animEffect>
+                                    <p:set>
+                                      <p:cBhvr>
+                                        <p:cTn id="58" dur="1" fill="hold">
+                                          <p:stCondLst>
+                                            <p:cond delay="499"/>
+                                          </p:stCondLst>
+                                        </p:cTn>
+                                        <p:tgtEl>
+                                          <p:spTgt spid="20"/>
+                                        </p:tgtEl>
+                                        <p:attrNameLst>
+                                          <p:attrName>style.visibility</p:attrName>
+                                        </p:attrNameLst>
+                                      </p:cBhvr>
+                                      <p:to>
+                                        <p:strVal val="hidden"/>
+                                      </p:to>
+                                    </p:set>
+                                  </p:childTnLst>
+                                </p:cTn>
+                              </p:par>
+                              <p:par>
+                                <p:cTn id="59" presetID="22" presetClass="exit" presetSubtype="4" fill="hold" nodeType="withEffect">
+                                  <p:stCondLst>
+                                    <p:cond delay="0"/>
+                                  </p:stCondLst>
+                                  <p:childTnLst>
+                                    <p:animEffect transition="out" filter="wipe(down)">
+                                      <p:cBhvr>
+                                        <p:cTn id="60" dur="500"/>
+                                        <p:tgtEl>
+                                          <p:spTgt spid="21"/>
+                                        </p:tgtEl>
+                                      </p:cBhvr>
+                                    </p:animEffect>
+                                    <p:set>
+                                      <p:cBhvr>
+                                        <p:cTn id="61" dur="1" fill="hold">
+                                          <p:stCondLst>
+                                            <p:cond delay="499"/>
+                                          </p:stCondLst>
+                                        </p:cTn>
+                                        <p:tgtEl>
+                                          <p:spTgt spid="21"/>
+                                        </p:tgtEl>
+                                        <p:attrNameLst>
+                                          <p:attrName>style.visibility</p:attrName>
+                                        </p:attrNameLst>
+                                      </p:cBhvr>
+                                      <p:to>
+                                        <p:strVal val="hidden"/>
+                                      </p:to>
+                                    </p:set>
+                                  </p:childTnLst>
+                                </p:cTn>
+                              </p:par>
+                              <p:par>
+                                <p:cTn id="62" presetID="22" presetClass="exit" presetSubtype="4" fill="hold" nodeType="withEffect">
+                                  <p:stCondLst>
+                                    <p:cond delay="0"/>
+                                  </p:stCondLst>
+                                  <p:childTnLst>
+                                    <p:animEffect transition="out" filter="wipe(down)">
+                                      <p:cBhvr>
+                                        <p:cTn id="63" dur="500"/>
+                                        <p:tgtEl>
+                                          <p:spTgt spid="6"/>
+                                        </p:tgtEl>
+                                      </p:cBhvr>
+                                    </p:animEffect>
+                                    <p:set>
+                                      <p:cBhvr>
+                                        <p:cTn id="64" dur="1" fill="hold">
+                                          <p:stCondLst>
+                                            <p:cond delay="499"/>
+                                          </p:stCondLst>
+                                        </p:cTn>
+                                        <p:tgtEl>
+                                          <p:spTgt spid="6"/>
+                                        </p:tgtEl>
+                                        <p:attrNameLst>
+                                          <p:attrName>style.visibility</p:attrName>
+                                        </p:attrNameLst>
+                                      </p:cBhvr>
+                                      <p:to>
+                                        <p:strVal val="hidden"/>
+                                      </p:to>
+                                    </p:set>
+                                  </p:childTnLst>
+                                </p:cTn>
+                              </p:par>
+                              <p:par>
+                                <p:cTn id="65" presetID="22" presetClass="exit" presetSubtype="4" fill="hold" nodeType="withEffect">
+                                  <p:stCondLst>
+                                    <p:cond delay="0"/>
+                                  </p:stCondLst>
+                                  <p:childTnLst>
+                                    <p:animEffect transition="out" filter="wipe(down)">
+                                      <p:cBhvr>
+                                        <p:cTn id="66" dur="500"/>
+                                        <p:tgtEl>
+                                          <p:spTgt spid="13"/>
+                                        </p:tgtEl>
+                                      </p:cBhvr>
+                                    </p:animEffect>
+                                    <p:set>
+                                      <p:cBhvr>
+                                        <p:cTn id="67" dur="1" fill="hold">
+                                          <p:stCondLst>
+                                            <p:cond delay="499"/>
+                                          </p:stCondLst>
+                                        </p:cTn>
+                                        <p:tgtEl>
+                                          <p:spTgt spid="13"/>
+                                        </p:tgtEl>
+                                        <p:attrNameLst>
+                                          <p:attrName>style.visibility</p:attrName>
+                                        </p:attrNameLst>
+                                      </p:cBhvr>
+                                      <p:to>
+                                        <p:strVal val="hidden"/>
+                                      </p:to>
+                                    </p:set>
+                                  </p:childTnLst>
+                                </p:cTn>
+                              </p:par>
+                              <p:par>
+                                <p:cTn id="68" presetID="22" presetClass="exit" presetSubtype="4" fill="hold" nodeType="withEffect">
+                                  <p:stCondLst>
+                                    <p:cond delay="0"/>
+                                  </p:stCondLst>
+                                  <p:childTnLst>
+                                    <p:animEffect transition="out" filter="wipe(down)">
+                                      <p:cBhvr>
+                                        <p:cTn id="69" dur="500"/>
+                                        <p:tgtEl>
+                                          <p:spTgt spid="18"/>
+                                        </p:tgtEl>
+                                      </p:cBhvr>
+                                    </p:animEffect>
+                                    <p:set>
+                                      <p:cBhvr>
+                                        <p:cTn id="70" dur="1" fill="hold">
+                                          <p:stCondLst>
+                                            <p:cond delay="499"/>
+                                          </p:stCondLst>
+                                        </p:cTn>
+                                        <p:tgtEl>
+                                          <p:spTgt spid="18"/>
+                                        </p:tgtEl>
+                                        <p:attrNameLst>
+                                          <p:attrName>style.visibility</p:attrName>
+                                        </p:attrNameLst>
+                                      </p:cBhvr>
+                                      <p:to>
+                                        <p:strVal val="hidden"/>
+                                      </p:to>
+                                    </p:set>
+                                  </p:childTnLst>
+                                </p:cTn>
+                              </p:par>
+                              <p:par>
+                                <p:cTn id="71" presetID="22" presetClass="exit" presetSubtype="4" fill="hold" nodeType="withEffect">
+                                  <p:stCondLst>
+                                    <p:cond delay="0"/>
+                                  </p:stCondLst>
+                                  <p:childTnLst>
+                                    <p:animEffect transition="out" filter="wipe(down)">
+                                      <p:cBhvr>
+                                        <p:cTn id="72" dur="500"/>
+                                        <p:tgtEl>
+                                          <p:spTgt spid="7"/>
+                                        </p:tgtEl>
+                                      </p:cBhvr>
+                                    </p:animEffect>
+                                    <p:set>
+                                      <p:cBhvr>
+                                        <p:cTn id="73" dur="1" fill="hold">
+                                          <p:stCondLst>
+                                            <p:cond delay="499"/>
+                                          </p:stCondLst>
+                                        </p:cTn>
+                                        <p:tgtEl>
+                                          <p:spTgt spid="7"/>
+                                        </p:tgtEl>
+                                        <p:attrNameLst>
+                                          <p:attrName>style.visibility</p:attrName>
+                                        </p:attrNameLst>
+                                      </p:cBhvr>
+                                      <p:to>
+                                        <p:strVal val="hidden"/>
+                                      </p:to>
+                                    </p:set>
+                                  </p:childTnLst>
+                                </p:cTn>
+                              </p:par>
+                              <p:par>
+                                <p:cTn id="74" presetID="22" presetClass="exit" presetSubtype="4" fill="hold" nodeType="withEffect">
+                                  <p:stCondLst>
+                                    <p:cond delay="0"/>
+                                  </p:stCondLst>
+                                  <p:childTnLst>
+                                    <p:animEffect transition="out" filter="wipe(down)">
+                                      <p:cBhvr>
+                                        <p:cTn id="75" dur="500"/>
+                                        <p:tgtEl>
+                                          <p:spTgt spid="15"/>
+                                        </p:tgtEl>
+                                      </p:cBhvr>
+                                    </p:animEffect>
+                                    <p:set>
+                                      <p:cBhvr>
+                                        <p:cTn id="76" dur="1" fill="hold">
+                                          <p:stCondLst>
+                                            <p:cond delay="499"/>
+                                          </p:stCondLst>
+                                        </p:cTn>
+                                        <p:tgtEl>
+                                          <p:spTgt spid="15"/>
+                                        </p:tgtEl>
+                                        <p:attrNameLst>
+                                          <p:attrName>style.visibility</p:attrName>
+                                        </p:attrNameLst>
+                                      </p:cBhvr>
+                                      <p:to>
+                                        <p:strVal val="hidden"/>
+                                      </p:to>
+                                    </p:set>
+                                  </p:childTnLst>
+                                </p:cTn>
+                              </p:par>
+                              <p:par>
+                                <p:cTn id="77" presetID="22" presetClass="exit" presetSubtype="4" fill="hold" nodeType="withEffect">
+                                  <p:stCondLst>
+                                    <p:cond delay="0"/>
+                                  </p:stCondLst>
+                                  <p:childTnLst>
+                                    <p:animEffect transition="out" filter="wipe(down)">
+                                      <p:cBhvr>
+                                        <p:cTn id="78" dur="500"/>
+                                        <p:tgtEl>
+                                          <p:spTgt spid="17"/>
+                                        </p:tgtEl>
+                                      </p:cBhvr>
+                                    </p:animEffect>
+                                    <p:set>
+                                      <p:cBhvr>
+                                        <p:cTn id="79" dur="1" fill="hold">
+                                          <p:stCondLst>
+                                            <p:cond delay="499"/>
+                                          </p:stCondLst>
+                                        </p:cTn>
+                                        <p:tgtEl>
+                                          <p:spTgt spid="17"/>
+                                        </p:tgtEl>
+                                        <p:attrNameLst>
+                                          <p:attrName>style.visibility</p:attrName>
+                                        </p:attrNameLst>
+                                      </p:cBhvr>
+                                      <p:to>
+                                        <p:strVal val="hidden"/>
+                                      </p:to>
+                                    </p:set>
+                                  </p:childTnLst>
+                                </p:cTn>
+                              </p:par>
+                              <p:par>
+                                <p:cTn id="80" presetID="22" presetClass="entr" presetSubtype="4" fill="hold" nodeType="withEffect">
+                                  <p:stCondLst>
+                                    <p:cond delay="0"/>
+                                  </p:stCondLst>
+                                  <p:childTnLst>
+                                    <p:set>
+                                      <p:cBhvr>
+                                        <p:cTn id="81" dur="1" fill="hold">
+                                          <p:stCondLst>
+                                            <p:cond delay="0"/>
+                                          </p:stCondLst>
+                                        </p:cTn>
+                                        <p:tgtEl>
+                                          <p:spTgt spid="2"/>
+                                        </p:tgtEl>
+                                        <p:attrNameLst>
+                                          <p:attrName>style.visibility</p:attrName>
+                                        </p:attrNameLst>
+                                      </p:cBhvr>
+                                      <p:to>
+                                        <p:strVal val="visible"/>
+                                      </p:to>
+                                    </p:set>
+                                    <p:animEffect transition="in" filter="wipe(down)">
+                                      <p:cBhvr>
+                                        <p:cTn id="82" dur="500"/>
+                                        <p:tgtEl>
+                                          <p:spTgt spid="2"/>
                                         </p:tgtEl>
                                       </p:cBhvr>
                                     </p:animEffect>
@@ -14737,7 +15571,170 @@
         </p:cTn>
       </p:par>
     </p:tnLst>
+    <p:bldLst>
+      <p:bldP spid="20" grpId="0" animBg="1"/>
+      <p:bldP spid="20" grpId="1" animBg="1"/>
+      <p:bldP spid="19" grpId="0" animBg="1"/>
+      <p:bldP spid="19" grpId="1" animBg="1"/>
+      <p:bldP spid="33" grpId="0" animBg="1"/>
+      <p:bldP spid="12" grpId="0" animBg="1"/>
+      <p:bldP spid="14" grpId="0" animBg="1"/>
+      <p:bldP spid="14" grpId="1" animBg="1"/>
+      <p:bldP spid="16" grpId="0" animBg="1"/>
+      <p:bldP spid="16" grpId="1" animBg="1"/>
+    </p:bldLst>
   </p:timing>
+</p:sld>
+</file>
+
+<file path=ppt/slides/slide24.xml><?xml version="1.0" encoding="utf-8"?>
+<p:sld xmlns:a="http://schemas.openxmlformats.org/drawingml/2006/main" xmlns:r="http://schemas.openxmlformats.org/officeDocument/2006/relationships" xmlns:p="http://schemas.openxmlformats.org/presentationml/2006/main">
+  <p:cSld>
+    <p:spTree>
+      <p:nvGrpSpPr>
+        <p:cNvPr id="1" name=""/>
+        <p:cNvGrpSpPr/>
+        <p:nvPr/>
+      </p:nvGrpSpPr>
+      <p:grpSpPr>
+        <a:xfrm>
+          <a:off x="0" y="0"/>
+          <a:ext cx="0" cy="0"/>
+          <a:chOff x="0" y="0"/>
+          <a:chExt cx="0" cy="0"/>
+        </a:xfrm>
+      </p:grpSpPr>
+      <p:sp>
+        <p:nvSpPr>
+          <p:cNvPr id="2" name="Title 1"/>
+          <p:cNvSpPr>
+            <a:spLocks noGrp="1"/>
+          </p:cNvSpPr>
+          <p:nvPr>
+            <p:ph type="title"/>
+          </p:nvPr>
+        </p:nvSpPr>
+        <p:spPr/>
+        <p:txBody>
+          <a:bodyPr/>
+          <a:lstStyle/>
+          <a:p>
+            <a:r>
+              <a:rPr lang="en-US" dirty="0"/>
+              <a:t>C++14 </a:t>
+            </a:r>
+            <a:r>
+              <a:rPr lang="en-US" dirty="0" err="1">
+                <a:latin typeface="Consolas" panose="020B0609020204030204" pitchFamily="49" charset="0"/>
+              </a:rPr>
+              <a:t>static_if</a:t>
+            </a:r>
+            <a:r>
+              <a:rPr lang="en-US" dirty="0"/>
+              <a:t> – capture?</a:t>
+            </a:r>
+            <a:endParaRPr lang="it-IT" dirty="0"/>
+          </a:p>
+        </p:txBody>
+      </p:sp>
+      <p:sp>
+        <p:nvSpPr>
+          <p:cNvPr id="3" name="Content Placeholder 2"/>
+          <p:cNvSpPr>
+            <a:spLocks noGrp="1"/>
+          </p:cNvSpPr>
+          <p:nvPr>
+            <p:ph idx="1"/>
+          </p:nvPr>
+        </p:nvSpPr>
+        <p:spPr>
+          <a:xfrm>
+            <a:off x="838200" y="2723948"/>
+            <a:ext cx="3416165" cy="2856247"/>
+          </a:xfrm>
+        </p:spPr>
+        <p:txBody>
+          <a:bodyPr/>
+          <a:lstStyle/>
+          <a:p>
+            <a:r>
+              <a:rPr lang="en-US" dirty="0"/>
+              <a:t>Would capturing the variable work?</a:t>
+            </a:r>
+            <a:endParaRPr lang="it-IT" dirty="0"/>
+          </a:p>
+        </p:txBody>
+      </p:sp>
+      <p:pic>
+        <p:nvPicPr>
+          <p:cNvPr id="4" name="Picture 3"/>
+          <p:cNvPicPr>
+            <a:picLocks noChangeAspect="1"/>
+          </p:cNvPicPr>
+          <p:nvPr/>
+        </p:nvPicPr>
+        <p:blipFill>
+          <a:blip r:embed="rId2">
+            <a:extLst>
+              <a:ext uri="{28A0092B-C50C-407E-A947-70E740481C1C}">
+                <a14:useLocalDpi xmlns:a14="http://schemas.microsoft.com/office/drawing/2010/main" val="0"/>
+              </a:ext>
+            </a:extLst>
+          </a:blip>
+          <a:stretch>
+            <a:fillRect/>
+          </a:stretch>
+        </p:blipFill>
+        <p:spPr>
+          <a:xfrm>
+            <a:off x="5219580" y="1542040"/>
+            <a:ext cx="6350563" cy="4918508"/>
+          </a:xfrm>
+          <a:prstGeom prst="rect">
+            <a:avLst/>
+          </a:prstGeom>
+        </p:spPr>
+      </p:pic>
+      <p:pic>
+        <p:nvPicPr>
+          <p:cNvPr id="5" name="Immagine 5"/>
+          <p:cNvPicPr>
+            <a:picLocks noChangeAspect="1"/>
+          </p:cNvPicPr>
+          <p:nvPr/>
+        </p:nvPicPr>
+        <p:blipFill>
+          <a:blip r:embed="rId3">
+            <a:extLst>
+              <a:ext uri="{28A0092B-C50C-407E-A947-70E740481C1C}">
+                <a14:useLocalDpi xmlns:a14="http://schemas.microsoft.com/office/drawing/2010/main" val="0"/>
+              </a:ext>
+            </a:extLst>
+          </a:blip>
+          <a:stretch>
+            <a:fillRect/>
+          </a:stretch>
+        </p:blipFill>
+        <p:spPr>
+          <a:xfrm>
+            <a:off x="924827" y="4475747"/>
+            <a:ext cx="2943297" cy="375385"/>
+          </a:xfrm>
+          <a:prstGeom prst="rect">
+            <a:avLst/>
+          </a:prstGeom>
+        </p:spPr>
+      </p:pic>
+    </p:spTree>
+    <p:extLst>
+      <p:ext uri="{BB962C8B-B14F-4D97-AF65-F5344CB8AC3E}">
+        <p14:creationId xmlns:p14="http://schemas.microsoft.com/office/powerpoint/2010/main" val="608234105"/>
+      </p:ext>
+    </p:extLst>
+  </p:cSld>
+  <p:clrMapOvr>
+    <a:masterClrMapping/>
+  </p:clrMapOvr>
 </p:sld>
 </file>
 

--- a/static_control_flow/slides.pptx
+++ b/static_control_flow/slides.pptx
@@ -2241,6 +2241,212 @@
 </inkml:ink>
 </file>
 
+<file path=ppt/ink/ink51.xml><?xml version="1.0" encoding="utf-8"?>
+<inkml:ink xmlns:inkml="http://www.w3.org/2003/InkML">
+  <inkml:definitions>
+    <inkml:context xml:id="ctx0">
+      <inkml:inkSource xml:id="inkSrc0">
+        <inkml:traceFormat>
+          <inkml:channel name="X" type="integer" max="9600" units="cm"/>
+          <inkml:channel name="Y" type="integer" max="7200" units="cm"/>
+          <inkml:channel name="F" type="integer" max="256" units="dev"/>
+          <inkml:channel name="T" type="integer" max="2.14748E9" units="dev"/>
+        </inkml:traceFormat>
+        <inkml:channelProperties>
+          <inkml:channelProperty channel="X" name="resolution" value="377.95276" units="1/cm"/>
+          <inkml:channelProperty channel="Y" name="resolution" value="425.28058" units="1/cm"/>
+          <inkml:channelProperty channel="F" name="resolution" value="0" units="1/dev"/>
+          <inkml:channelProperty channel="T" name="resolution" value="1" units="1/dev"/>
+        </inkml:channelProperties>
+      </inkml:inkSource>
+      <inkml:timestamp xml:id="ts0" timeString="2016-08-22T13:59:03.827"/>
+    </inkml:context>
+    <inkml:brush xml:id="br0">
+      <inkml:brushProperty name="width" value="0.2" units="cm"/>
+      <inkml:brushProperty name="height" value="0.4" units="cm"/>
+      <inkml:brushProperty name="color" value="#FFFF00"/>
+      <inkml:brushProperty name="tip" value="rectangle"/>
+      <inkml:brushProperty name="rasterOp" value="maskPen"/>
+      <inkml:brushProperty name="fitToCurve" value="1"/>
+    </inkml:brush>
+  </inkml:definitions>
+  <inkml:trace contextRef="#ctx0" brushRef="#br0">942 83 9 0,'-30'-6'4'0,"12"38"-3"16,18-32 5-16,-6 0-6 15,6 0 1-15,0 0 0 16,0 11 1-16,-6 5-1 0,0 0 1 16,0 6 1-16,0 4 1 15,-6 6 0-15,12 1 0 31,18 9 2-31,12 1 1 0,12 0-2 16,18 0 1-16,25-6-2 16,17-5 1-16,0-5-2 15,19-11 1-15,17 0-3 16,6-5 1-16,19-6-2 16,-1 0 1-16,19-5 0 15,-1-10 0-15,-5 4 0 0,5-10 0 16,-12-5-1-16,-17 5 1 15,-13-11-1-15,-23 6 1 16,-25-1 0-16,-18 1 1 0,-36-6-1 16,-30 6 1-16,-36-1 0 15,-42 6 0-15,-49-5-1 32,-41 16 0-32,-55 5-1 15,-41 10 0-15,-31 12 0 16,-18 5 0-16,-12 5-1 15,13 5 1-15,23-10 0 0,24 5 0 16,19-16-1-16,35 0 0 16,43-5 1-16,35-1 0 15,37-10 1-15,36 0 0 0,42-5-1 16,66-11 1-16,42-5 0 16,43-1 0-16,47-5 0 15,37 6 1-15,41 0-1 16,19-1 1-16,12 6-1 15,12 6 0-15,-19-12 0 16,1 1 1-16,-18-1-1 0,-24-4 0 16,-31 10 0-16,-35-6 1 15,-37 6 0-15,-42 5 0 16,-42-5 1-16,-60-5 1 0,-48 16-3 16,-60-6 1-16,-72 6-1 15,-31 10 0-15,-30 0-1 31,-17 6 0-31,-7 5-2 16,6 5 1-16,19-5 1 16,17 1 0-16,43-7-1 15,35-4 1-15,31-6-1 16,36-6 1-16,42-4-2 0,48-1 1 16,48-11 0-16,42 1 1 15,48 0-1-15,43 10 1 0,36 0 0 16,23 1 1-16,13 4-1 15,6-4 1-15,-13-12-1 16,-5-5 1-16,-36 11 0 16,-31 0 0-16,-42-5 1 15,-29 10 0-15,-49 1 0 16,-48-1 1 0,-66 16-2-16,-54 17 1 15,-67-1-2-15,-66 16 0 16,-41 6-2-16,-19-5 1 15,0 4-1-15,12 1 0 16,25-5 0-16,17-6 1 0,37 0 0 16,47-11 1-16,37-5-1 15,36 0 0-15,48-5 0 16,48-11 0-16,54 0 0 16,48-5 0-16,55-6 0 15,41 6 1-15,37-6 0 16,29 6 1-16,19-6 0 0,0 0 1 15,-12 0 0-15,-31-5 0 16,-29 6 0-16,-55 4 1 0,-47-4 0 16,-49 4 1-16,-60 6-1 15,-72 16 0-15,-73 11-1 16,-83 0 0-16,-67 16-1 16,-30-11 0-16,-18 0-3 15,7-6 1-15,-1-15-4 31,24-11 0-31,24-11-7 0,43-15 0 16,47-1-8-16,55-26 1 16</inkml:trace>
+</inkml:ink>
+</file>
+
+<file path=ppt/ink/ink52.xml><?xml version="1.0" encoding="utf-8"?>
+<inkml:ink xmlns:inkml="http://www.w3.org/2003/InkML">
+  <inkml:definitions>
+    <inkml:context xml:id="ctx0">
+      <inkml:inkSource xml:id="inkSrc0">
+        <inkml:traceFormat>
+          <inkml:channel name="X" type="integer" max="9600" units="cm"/>
+          <inkml:channel name="Y" type="integer" max="7200" units="cm"/>
+          <inkml:channel name="F" type="integer" max="256" units="dev"/>
+          <inkml:channel name="T" type="integer" max="2.14748E9" units="dev"/>
+        </inkml:traceFormat>
+        <inkml:channelProperties>
+          <inkml:channelProperty channel="X" name="resolution" value="377.95276" units="1/cm"/>
+          <inkml:channelProperty channel="Y" name="resolution" value="425.28058" units="1/cm"/>
+          <inkml:channelProperty channel="F" name="resolution" value="0" units="1/dev"/>
+          <inkml:channelProperty channel="T" name="resolution" value="1" units="1/dev"/>
+        </inkml:channelProperties>
+      </inkml:inkSource>
+      <inkml:timestamp xml:id="ts0" timeString="2016-08-22T13:59:05.935"/>
+    </inkml:context>
+    <inkml:brush xml:id="br0">
+      <inkml:brushProperty name="width" value="0.2" units="cm"/>
+      <inkml:brushProperty name="height" value="0.4" units="cm"/>
+      <inkml:brushProperty name="color" value="#FFFF00"/>
+      <inkml:brushProperty name="tip" value="rectangle"/>
+      <inkml:brushProperty name="rasterOp" value="maskPen"/>
+      <inkml:brushProperty name="fitToCurve" value="1"/>
+    </inkml:brush>
+  </inkml:definitions>
+  <inkml:trace contextRef="#ctx0" brushRef="#br0">-2 330 25 0,'-54'5'12'0,"90"-5"-8"0,-6 6 12 15,36-6-16-15,36 0 0 0,43-6 0 32,35 1 0-32,31 5 2 15,23 0 0-15,25 0 2 16,12 0 0-16,12-5 1 0,5 5 0 15,-17 0 1-15,0-6 0 16,-19-4-1-16,-35 4 0 16,-31 1-1-16,-41 5 0 15,-37 0 0-15,-42 5 0 0,-54 1-2 16,-60 10 1-16,-66 0-1 16,-73 5 0-16,-53-5-1 15,-61-5 0-15,-24-11-1 16,-18-5 0-16,6-1 1 15,13 1 0-15,5-1-1 16,42 6 1 0,42 0-1-16,49 6 1 15,35-1-1-15,49 1 0 16,138-12 0 0,73-10 0-16,65-11 0 15,55-10 0-15,35 0 0 16,43-17 1-16,6 6 1 15,-18 0 1-15,6 10-1 16,-37 17 0-16,-35 0 0 0,-43 15 1 16,-41-4 0-16,-61-1 0 15,-48 16-2-15,-72 11 1 16,-72 0-1-16,-85 6 1 16,-66-1-1-16,-41 0 0 15,-31-5-2-15,-6 1 1 0,18-1 0 16,18 5 0-16,43 0 0 15,47-5 0-15,55 6-1 16,35-6 0-16,61-5-1 16,54 5 1-16,72-6 0 15,85-4 0-15,65-12-1 16,55-4 1 0,36-12 1-16,42-10 1 0,-6 0 0 15,12 0 0-15,-37 11 0 16,-47-1 0-16,-48 6 0 15,-61 5 1-15,-48 6 0 16,-59 10 0-16,-74 6 0 16,-77 0 0-16,-66-1-1 15,-85 1 1-15,-42 0-1 16,-29-6 1-16,-13 6-2 0,0-6 1 16,12-5-1-16,18 6 0 15,55-6-5-15,53-6 0 16,49-4-14-16,59-6 1 15,67-38-4-15,30-31 1 16</inkml:trace>
+</inkml:ink>
+</file>
+
+<file path=ppt/ink/ink53.xml><?xml version="1.0" encoding="utf-8"?>
+<inkml:ink xmlns:inkml="http://www.w3.org/2003/InkML">
+  <inkml:definitions>
+    <inkml:context xml:id="ctx0">
+      <inkml:inkSource xml:id="inkSrc0">
+        <inkml:traceFormat>
+          <inkml:channel name="X" type="integer" max="9600" units="cm"/>
+          <inkml:channel name="Y" type="integer" max="7200" units="cm"/>
+          <inkml:channel name="F" type="integer" max="256" units="dev"/>
+          <inkml:channel name="T" type="integer" max="2.14748E9" units="dev"/>
+        </inkml:traceFormat>
+        <inkml:channelProperties>
+          <inkml:channelProperty channel="X" name="resolution" value="377.95276" units="1/cm"/>
+          <inkml:channelProperty channel="Y" name="resolution" value="425.28058" units="1/cm"/>
+          <inkml:channelProperty channel="F" name="resolution" value="0" units="1/dev"/>
+          <inkml:channelProperty channel="T" name="resolution" value="1" units="1/dev"/>
+        </inkml:channelProperties>
+      </inkml:inkSource>
+      <inkml:timestamp xml:id="ts0" timeString="2016-08-22T13:59:07.443"/>
+    </inkml:context>
+    <inkml:brush xml:id="br0">
+      <inkml:brushProperty name="width" value="0.2" units="cm"/>
+      <inkml:brushProperty name="height" value="0.4" units="cm"/>
+      <inkml:brushProperty name="color" value="#FFFF00"/>
+      <inkml:brushProperty name="tip" value="rectangle"/>
+      <inkml:brushProperty name="rasterOp" value="maskPen"/>
+      <inkml:brushProperty name="fitToCurve" value="1"/>
+    </inkml:brush>
+  </inkml:definitions>
+  <inkml:trace contextRef="#ctx0" brushRef="#br0">981 643 36 0,'-114'-6'18'0,"78"97"-19"16,42-80 18-16,12-1-17 15,12 1 0-15,24 0 0 32,36 5 1-32,42-5 0 0,43 5 0 15,47 5 1-15,55 0 1 16,48 6 0-16,42-5 1 16,48-1 1-16,30-10 0 15,31-1 0-15,17-4 0 0,0-12 0 16,-6 12 0-16,-35-6-1 15,-31-6 1-15,-60 1-1 16,-55 0 0-16,-77 5 0 0,-61 0 1 16,-71 0-1-16,-79 0 0 15,-84-6-1-15,-97 12 0 16,-102-6-2-16,-113 0 1 16,-74 0-2-16,-77-6 0 15,-61-4 0 1,-23 4 0-16,-13 1-1 15,19 0 1-15,29 5 0 16,49 5 0-16,41 6-1 16,73-1 1-16,60 6-1 15,85 0 1-15,71 0-1 16,79 11 1-16,90-11-1 16,84-5 1-16,108-22-1 0,97-10 1 15,120-27 0-15,84-6 1 0,67-15 0 16,47-12 1-16,25 1-1 15,-187 27 0-15,210-6 0 16,-59 11 1-16,-67 5-1 16,-78 16 1-16,-90 6-1 31,-90 5 0-31,-67 5 0 16,-90 0 1-16,-96 1-2 15,-108 4 1-15,-121-4-1 0,-107 4 1 16,-98 12-1-16,-89 10 1 15,-37 5-2-15,-29 11 1 16,5 38 0-16,13-11 0 16,59 5-1-16,55-5 1 0,90-6-1 15,78-10 1-15,91-6-1 16,90-5 1-16,77 0-1 16,86-10 1-16,113-17 0 15,115-5 0-15,96-11 0 16,102-5 1-16,54-10-1 15,49-22 1-15,17-6-1 0,25-21 1 16,-37-5 0-16,-29 0 0 0,-73 0 1 16,-66 15 0-16,-90 12 0 15,-84 16 1-15,-85 15-1 16,-90 22 0-16,-90 16 0 16,-114 22 0-16,-121 4-2 31,-132 17 1-31,-138 0-2 15,-115 5 1-15,-84 0 0 0,-6-5 1 16,42-11-1-16,73-5 0 16,89-5 0-16,79-1 1 15,96-5-2-15,96 0 1 16,73-10-1-16,71 4 0 16,97-4-1-16,97 4 1 0,107 1 0 15,103-11 0-15,132-5 1 16,84-6 0-16,85-21 1 15,35 0 0-15,25-21 0 16,0-1 1-16,-43 1-1 16,-47-6 1-16,-61 6-2 15,-78-11 1 1,-90 10-1-16,-90 11 0 0,-79 1-2 16,-84-1 0-16,-66 16-8 15,-84 0 1-15,-84 22-14 16,-103 16 1-16,-72-22-2 15,-24-15 1-15</inkml:trace>
+</inkml:ink>
+</file>
+
+<file path=ppt/ink/ink54.xml><?xml version="1.0" encoding="utf-8"?>
+<inkml:ink xmlns:inkml="http://www.w3.org/2003/InkML">
+  <inkml:definitions>
+    <inkml:context xml:id="ctx0">
+      <inkml:inkSource xml:id="inkSrc0">
+        <inkml:traceFormat>
+          <inkml:channel name="X" type="integer" max="9600" units="cm"/>
+          <inkml:channel name="Y" type="integer" max="7200" units="cm"/>
+          <inkml:channel name="F" type="integer" max="256" units="dev"/>
+          <inkml:channel name="T" type="integer" max="2.14748E9" units="dev"/>
+        </inkml:traceFormat>
+        <inkml:channelProperties>
+          <inkml:channelProperty channel="X" name="resolution" value="377.95276" units="1/cm"/>
+          <inkml:channelProperty channel="Y" name="resolution" value="425.28058" units="1/cm"/>
+          <inkml:channelProperty channel="F" name="resolution" value="0" units="1/dev"/>
+          <inkml:channelProperty channel="T" name="resolution" value="1" units="1/dev"/>
+        </inkml:channelProperties>
+      </inkml:inkSource>
+      <inkml:timestamp xml:id="ts0" timeString="2016-08-22T13:59:14.967"/>
+    </inkml:context>
+    <inkml:brush xml:id="br0">
+      <inkml:brushProperty name="width" value="0.05" units="cm"/>
+      <inkml:brushProperty name="height" value="0.05" units="cm"/>
+      <inkml:brushProperty name="color" value="#ED1C24"/>
+      <inkml:brushProperty name="fitToCurve" value="1"/>
+    </inkml:brush>
+  </inkml:definitions>
+  <inkml:traceGroup>
+    <inkml:annotationXML>
+      <emma:emma xmlns:emma="http://www.w3.org/2003/04/emma" version="1.0">
+        <emma:interpretation id="{20385D6C-A2E3-4DC3-AA93-410E4516C321}" emma:medium="tactile" emma:mode="ink">
+          <msink:context xmlns:msink="http://schemas.microsoft.com/ink/2010/main" type="writingRegion" rotatedBoundingBox="17990,7705 24176,6242 25006,9749 18820,11213"/>
+        </emma:interpretation>
+      </emma:emma>
+    </inkml:annotationXML>
+    <inkml:traceGroup>
+      <inkml:annotationXML>
+        <emma:emma xmlns:emma="http://www.w3.org/2003/04/emma" version="1.0">
+          <emma:interpretation id="{C58785B1-5D8A-4726-8250-44B459F592A0}" emma:medium="tactile" emma:mode="ink">
+            <msink:context xmlns:msink="http://schemas.microsoft.com/ink/2010/main" type="paragraph" rotatedBoundingBox="18102,7707 20387,6946 20764,8077 18479,8837" alignmentLevel="1"/>
+          </emma:interpretation>
+        </emma:emma>
+      </inkml:annotationXML>
+      <inkml:traceGroup>
+        <inkml:annotationXML>
+          <emma:emma xmlns:emma="http://www.w3.org/2003/04/emma" version="1.0">
+            <emma:interpretation id="{C7F3485B-E271-4527-9809-736FDB7DF416}" emma:medium="tactile" emma:mode="ink">
+              <msink:context xmlns:msink="http://schemas.microsoft.com/ink/2010/main" type="line" rotatedBoundingBox="18102,7707 20387,6946 20764,8077 18479,8837"/>
+            </emma:interpretation>
+          </emma:emma>
+        </inkml:annotationXML>
+        <inkml:traceGroup>
+          <inkml:annotationXML>
+            <emma:emma xmlns:emma="http://www.w3.org/2003/04/emma" version="1.0">
+              <emma:interpretation id="{20FFA26F-48FF-4602-919C-658853327C72}" emma:medium="tactile" emma:mode="ink">
+                <msink:context xmlns:msink="http://schemas.microsoft.com/ink/2010/main" type="inkWord" rotatedBoundingBox="18102,7707 20387,6946 20764,8077 18479,8837"/>
+              </emma:interpretation>
+            </emma:emma>
+          </inkml:annotationXML>
+          <inkml:trace contextRef="#ctx0" brushRef="#br0">43 1233 25 0,'0'11'12'0,"12"21"-1"16,-6-27 13-16,6 11-19 16,-6-26 0-16,6 4 5 15,-6-10 0-15,-6-26-12 16,-6 20 1-16,-6-31 8 0,0-33 0 15,0-21-2-15,6-21 0 16,-6-22-3-16,-6 38 1 16,6 0-2-16,6 15 0 15,6 12-1-15,0 21 1 0,12 26-1 16,6 38 0-16,18 5-1 31,12 44 1-31,18 52 0 16,13 38 0-16,23-10 0 0,12 15 0 15,-18-16 0-15,-5-26 0 16,-7-22 1-16,-12-37 1 16,-12-32 1-16,-6-6 0 15,-17-37 1-15,-13-38 0 16,-6-31 0-16,-6-12 0 0,-6-20-1 16,-12 31 1-16,-6-5-3 15,0 6 1-15,0-1-3 16,0 16 1-16,6 22-7 15,6 11 0-15,6 21-7 16,18 16 1-16,12 21-8 16,12 11 0-1</inkml:trace>
+          <inkml:trace contextRef="#ctx0" brushRef="#br0" timeOffset="400.5739">1619 645 44 0,'-30'-112'22'0,"0"-17"-23"0,30 87 35 16,0 10-31-16,6-17 0 15,12-15 3-15,12 0 1 16,6 0-7-16,12 0 0 0,13 16 4 15,5 16 1-15,6 21-2 16,6 27 1-16,-6 16-2 16,1 16 1-16,-19-10-2 15,-18 20 0-15,-12 17 0 16,-24 38 1-16,-30-12-1 31,-24 11 1-31,-25-10-1 0,13-22 0 16,-12-16-1-16,-6-21 1 15,-6-32-1-15,11-33 0 16,7-26-2-16,0-21 0 0,12-6-3 16,18-11 1-16,12 17-5 15,18-6 1-15,18 32-11 16,24 17 1-16</inkml:trace>
+        </inkml:traceGroup>
+      </inkml:traceGroup>
+    </inkml:traceGroup>
+    <inkml:traceGroup>
+      <inkml:annotationXML>
+        <emma:emma xmlns:emma="http://www.w3.org/2003/04/emma" version="1.0">
+          <emma:interpretation id="{ECC5619A-6DE7-409E-9AE5-C2BEA061CF58}" emma:medium="tactile" emma:mode="ink">
+            <msink:context xmlns:msink="http://schemas.microsoft.com/ink/2010/main" type="paragraph" rotatedBoundingBox="18517,9931 24703,8467 25006,9749 18820,11213" alignmentLevel="1"/>
+          </emma:interpretation>
+        </emma:emma>
+      </inkml:annotationXML>
+      <inkml:traceGroup>
+        <inkml:annotationXML>
+          <emma:emma xmlns:emma="http://www.w3.org/2003/04/emma" version="1.0">
+            <emma:interpretation id="{AB4188C6-2612-466A-B315-48B381496D1E}" emma:medium="tactile" emma:mode="ink">
+              <msink:context xmlns:msink="http://schemas.microsoft.com/ink/2010/main" type="line" rotatedBoundingBox="18517,9931 24703,8467 25006,9749 18820,11213"/>
+            </emma:interpretation>
+          </emma:emma>
+        </inkml:annotationXML>
+        <inkml:traceGroup>
+          <inkml:annotationXML>
+            <emma:emma xmlns:emma="http://www.w3.org/2003/04/emma" version="1.0">
+              <emma:interpretation id="{2C66CD8A-7F1F-4DFC-9B49-A006E017BA33}" emma:medium="tactile" emma:mode="ink">
+                <msink:context xmlns:msink="http://schemas.microsoft.com/ink/2010/main" type="inkWord" rotatedBoundingBox="18517,9931 24703,8467 25006,9749 18820,11213"/>
+              </emma:interpretation>
+            </emma:emma>
+          </inkml:annotationXML>
+          <inkml:trace contextRef="#ctx0" brushRef="#br0" timeOffset="1121.8329">1072 2335 31 0,'-48'5'15'0,"-31"-10"-4"0,55 16 13 16,-18 15-21-16,-12 33 1 16,-12-5 2-16,0 10 1 15,6 5-9-15,12-5 0 16,11-5 5 0,19 0 0-16,24-5-1 15,24-12 0-15,25-20-1 16,17-12 1-16,30 1 0 15,18 0 0-15,13 16 0 16,-7-11 1-16,0 5-1 16,-23 6 1-16,-19-6 0 15,-18 11 1-15,-24 0 0 0,-30-5 0 16,-36 10-1-16,-36 6 1 16,-96 27-2-1,-7-6 1-15,7-11-4 16,11-15 0-16,7-6-4 15,18-11 0-15,17-5-7 16,25 0 0-16,24-10-7 16,24-17 1-16</inkml:trace>
+          <inkml:trace contextRef="#ctx0" brushRef="#br0" timeOffset="1753.5633">1463 2982 48 0,'-48'32'24'0,"126"-64"-17"0,-48 21 36 0,18-5-41 15,0-11 1-15,24-10 0 31,19-6 1-31,11 0-7 16,0 11 1-16,13 0-2 0,5 5 0 16,-12-10-12-16,6-6 0 15</inkml:trace>
+          <inkml:trace contextRef="#ctx0" brushRef="#br0" timeOffset="1537.7006">1601 2185 36 0,'-72'0'18'0,"0"32"-14"0,60-21 34 16,0 0-32-16,18 5 1 15,6-6 2-15,24 1 1 16,12-6-13-16,18-10 0 16,24-11 8-16,25-11 0 15,11 0-6-15,6-5 0 0,1 11-6 16,-25 16 0-16,-18 10-10 16,-12 6 0-16</inkml:trace>
+          <inkml:trace contextRef="#ctx0" brushRef="#br0" timeOffset="1352.7751">1758 2287 46 0,'0'10'23'0,"0"28"-20"15,0-1 37-15,0 22-38 16,0-11 0-16,0 65 2 16,12-23 1-16,6 23-7 15,6-6 0-15,6-16-2 0,0-17 1 16,0-25-11-16,0-28 1 15,0-37-3-15,-6-16 1 16</inkml:trace>
+          <inkml:trace contextRef="#ctx0" brushRef="#br0" timeOffset="1975.5913">2792 2062 54 0,'-24'-5'27'0,"42"-1"-20"16,-6 28 40 0,0 15-41-16,0 22 1 15,0 21 1-15,0 11 1 16,7 5-14-16,5 1 1 15,6-6-2-15,6-17 0 0,6-20-14 16,-6-33 1-16</inkml:trace>
+          <inkml:trace contextRef="#ctx0" brushRef="#br0" timeOffset="2595.9618">3604 3014 26 0,'-6'11'13'0,"-12"-17"11"0,18-4 2 0,0-12-20 16,-6-15 1-16,0-22 3 15,0-27 1-15,-6-15-14 0,6-11 1 16,-6-11 9-16,0 5 0 16,6 0-3-16,6 22 1 15,0 16-2-15,6 21 1 32,6 27-1-32,12 32 0 0,-6 11-2 15,12 42 0-15,13 33 0 16,17 21 0-16,6-6-1 15,6-5 1-15,-6-15-1 16,-6-23 1-16,-11-25 1 16,-7-17 0-16,-12-43 1 15,-6-27 0-15,-6-15-1 0,-6-27 0 16,0 5 0-16,-6-16 0 16,-6 0-4-16,0 27 1 0,0-33-6 15,6 12 0-15,0 20-7 16,6 33 1-16,12 27-9 15,12 37 0-15</inkml:trace>
+          <inkml:trace contextRef="#ctx0" brushRef="#br0" timeOffset="2883.6811">4681 2661 55 0,'-18'5'27'0,"12"-74"-35"0,6 26 44 0,0-5-36 15,0-27 1-15,0 0 2 16,0 11 0-16,0-43-2 16,0 6 0-16,6 4 4 0,0 12 0 15,12 10 0-15,-6 16 1 16,6 27-2-16,12 27 1 16,13 10-2-16,5 22 0 15,12 26-2 1,12-5 0-16,12 22-1 15,13-6 1-15,-19-5-3 16,-12-6 1-16,-12-5-4 16,-12-5 1-16,-6-16-9 15,-12-6 0-15,-18-10-7 16,-6-11 1-16</inkml:trace>
+          <inkml:trace contextRef="#ctx0" brushRef="#br0" timeOffset="3079.7682">4591 2035 55 0,'-12'11'27'0,"6"-27"-23"16,6 16 47-16,12 5-48 31,12-10 1-31,24-6-1 0,24-5 1 16,7 0-13-16,-1 0 1 15,12 0-8-15,0 5 0 16,13 1-3-16,-7-1 0 15</inkml:trace>
+          <inkml:trace contextRef="#ctx0" brushRef="#br0" timeOffset="3447.0992">5391 1490 58 0,'-18'-27'29'0,"54"-32"-30"0,-18 43 54 16,0-5-49-16,12-6 1 15,6-5 0-15,25-21 1 16,5 15-10-16,0 6 1 16,0 5 0-16,0 11 1 0,-12 6-10 15,-5 20 0-15,-13 1-8 16,-12 16 0-16</inkml:trace>
+          <inkml:trace contextRef="#ctx0" brushRef="#br0" timeOffset="3647.4158">5493 1709 65 0,'18'0'32'0,"49"-27"-34"16,-37 11 60-16,18-5-57 15,12-6 0-15,6-5-3 16,0 5 1-16,-6 6-5 16,-5 5 1-16,-7 5-9 0,0 6 1 15,-12 10-7-15,6 11 1 16</inkml:trace>
+          <inkml:trace contextRef="#ctx0" brushRef="#br0" timeOffset="3847.7495">5620 2174 60 0,'-6'27'30'0,"72"-48"-24"16,-36 10 56-16,18-5-56 16,12-16 0-16,6 11 2 15,13-12 1-15,5 1-14 0,0 0 0 16,-18 6 1-16,-6 4 1 0,1 1-19 15,5 5 0-15,6 5-2 16,-12-32 1-16</inkml:trace>
+          <inkml:trace contextRef="#ctx0" brushRef="#br0" timeOffset="3230.5743">5517 1624 47 0,'-6'85'23'0,"49"27"-23"16,-31-69 45-16,6 5-47 15,0 1 0-15,0 9-16 0,6-4 1 0,6-11 12 16,6-11 1-16</inkml:trace>
+        </inkml:traceGroup>
+      </inkml:traceGroup>
+    </inkml:traceGroup>
+  </inkml:traceGroup>
+</inkml:ink>
+</file>
+
 <file path=ppt/ink/ink6.xml><?xml version="1.0" encoding="utf-8"?>
 <inkml:ink xmlns:inkml="http://www.w3.org/2003/InkML">
   <inkml:definitions>
@@ -3545,6 +3751,97 @@
 </p:notes>
 </file>
 
+<file path=ppt/notesSlides/notesSlide16.xml><?xml version="1.0" encoding="utf-8"?>
+<p:notes xmlns:a="http://schemas.openxmlformats.org/drawingml/2006/main" xmlns:r="http://schemas.openxmlformats.org/officeDocument/2006/relationships" xmlns:p="http://schemas.openxmlformats.org/presentationml/2006/main">
+  <p:cSld>
+    <p:spTree>
+      <p:nvGrpSpPr>
+        <p:cNvPr id="1" name=""/>
+        <p:cNvGrpSpPr/>
+        <p:nvPr/>
+      </p:nvGrpSpPr>
+      <p:grpSpPr>
+        <a:xfrm>
+          <a:off x="0" y="0"/>
+          <a:ext cx="0" cy="0"/>
+          <a:chOff x="0" y="0"/>
+          <a:chExt cx="0" cy="0"/>
+        </a:xfrm>
+      </p:grpSpPr>
+      <p:sp>
+        <p:nvSpPr>
+          <p:cNvPr id="2" name="Slide Image Placeholder 1"/>
+          <p:cNvSpPr>
+            <a:spLocks noGrp="1" noRot="1" noChangeAspect="1"/>
+          </p:cNvSpPr>
+          <p:nvPr>
+            <p:ph type="sldImg"/>
+          </p:nvPr>
+        </p:nvSpPr>
+        <p:spPr/>
+      </p:sp>
+      <p:sp>
+        <p:nvSpPr>
+          <p:cNvPr id="3" name="Notes Placeholder 2"/>
+          <p:cNvSpPr>
+            <a:spLocks noGrp="1"/>
+          </p:cNvSpPr>
+          <p:nvPr>
+            <p:ph type="body" idx="1"/>
+          </p:nvPr>
+        </p:nvSpPr>
+        <p:spPr/>
+        <p:txBody>
+          <a:bodyPr/>
+          <a:lstStyle/>
+          <a:p>
+            <a:r>
+              <a:rPr lang="en-US" dirty="0"/>
+              <a:t>Ask</a:t>
+            </a:r>
+            <a:r>
+              <a:rPr lang="en-US" baseline="0" dirty="0"/>
+              <a:t> audience</a:t>
+            </a:r>
+          </a:p>
+        </p:txBody>
+      </p:sp>
+      <p:sp>
+        <p:nvSpPr>
+          <p:cNvPr id="4" name="Slide Number Placeholder 3"/>
+          <p:cNvSpPr>
+            <a:spLocks noGrp="1"/>
+          </p:cNvSpPr>
+          <p:nvPr>
+            <p:ph type="sldNum" sz="quarter" idx="10"/>
+          </p:nvPr>
+        </p:nvSpPr>
+        <p:spPr/>
+        <p:txBody>
+          <a:bodyPr/>
+          <a:lstStyle/>
+          <a:p>
+            <a:fld id="{FCA4862E-9507-4BEC-B7E3-B3B5E302CC7C}" type="slidenum">
+              <a:rPr lang="it-IT" smtClean="0"/>
+              <a:t>24</a:t>
+            </a:fld>
+            <a:endParaRPr lang="it-IT"/>
+          </a:p>
+        </p:txBody>
+      </p:sp>
+    </p:spTree>
+    <p:extLst>
+      <p:ext uri="{BB962C8B-B14F-4D97-AF65-F5344CB8AC3E}">
+        <p14:creationId xmlns:p14="http://schemas.microsoft.com/office/powerpoint/2010/main" val="3729411369"/>
+      </p:ext>
+    </p:extLst>
+  </p:cSld>
+  <p:clrMapOvr>
+    <a:masterClrMapping/>
+  </p:clrMapOvr>
+</p:notes>
+</file>
+
 <file path=ppt/notesSlides/notesSlide2.xml><?xml version="1.0" encoding="utf-8"?>
 <p:notes xmlns:a="http://schemas.openxmlformats.org/drawingml/2006/main" xmlns:r="http://schemas.openxmlformats.org/officeDocument/2006/relationships" xmlns:p="http://schemas.openxmlformats.org/presentationml/2006/main">
   <p:cSld>
@@ -3595,6 +3892,17 @@
             </a:r>
           </a:p>
           <a:p>
+            <a:endParaRPr lang="en-US" dirty="0"/>
+          </a:p>
+          <a:p>
+            <a:r>
+              <a:rPr lang="en-US" dirty="0"/>
+              <a:t>Ask audience:</a:t>
+            </a:r>
+            <a:r>
+              <a:rPr lang="en-US" baseline="0" dirty="0"/>
+              <a:t> how to achieve that in C++?</a:t>
+            </a:r>
             <a:endParaRPr lang="en-US" dirty="0"/>
           </a:p>
           <a:p>
@@ -15674,7 +15982,7 @@
           <p:nvPr/>
         </p:nvPicPr>
         <p:blipFill>
-          <a:blip r:embed="rId2">
+          <a:blip r:embed="rId3">
             <a:extLst>
               <a:ext uri="{28A0092B-C50C-407E-A947-70E740481C1C}">
                 <a14:useLocalDpi xmlns:a14="http://schemas.microsoft.com/office/drawing/2010/main" val="0"/>
@@ -15704,7 +16012,7 @@
           <p:nvPr/>
         </p:nvPicPr>
         <p:blipFill>
-          <a:blip r:embed="rId3">
+          <a:blip r:embed="rId4">
             <a:extLst>
               <a:ext uri="{28A0092B-C50C-407E-A947-70E740481C1C}">
                 <a14:useLocalDpi xmlns:a14="http://schemas.microsoft.com/office/drawing/2010/main" val="0"/>
@@ -15725,6 +16033,241 @@
           </a:prstGeom>
         </p:spPr>
       </p:pic>
+      <p:sp>
+        <p:nvSpPr>
+          <p:cNvPr id="7" name="TextBox 6"/>
+          <p:cNvSpPr txBox="1"/>
+          <p:nvPr/>
+        </p:nvSpPr>
+        <p:spPr>
+          <a:xfrm>
+            <a:off x="4415363" y="2624031"/>
+            <a:ext cx="3409976" cy="1591834"/>
+          </a:xfrm>
+          <a:prstGeom prst="rect">
+            <a:avLst/>
+          </a:prstGeom>
+          <a:ln w="28575"/>
+        </p:spPr>
+        <p:style>
+          <a:lnRef idx="2">
+            <a:schemeClr val="dk1"/>
+          </a:lnRef>
+          <a:fillRef idx="1">
+            <a:schemeClr val="lt1"/>
+          </a:fillRef>
+          <a:effectRef idx="0">
+            <a:schemeClr val="dk1"/>
+          </a:effectRef>
+          <a:fontRef idx="minor">
+            <a:schemeClr val="dk1"/>
+          </a:fontRef>
+        </p:style>
+        <p:txBody>
+          <a:bodyPr wrap="square" rtlCol="0">
+            <a:spAutoFit/>
+          </a:bodyPr>
+          <a:lstStyle/>
+          <a:p>
+            <a:r>
+              <a:rPr lang="en-US" sz="9600" dirty="0"/>
+              <a:t>Nope.</a:t>
+            </a:r>
+            <a:endParaRPr lang="it-IT" sz="9600" dirty="0"/>
+          </a:p>
+        </p:txBody>
+      </p:sp>
+      <p:pic>
+        <p:nvPicPr>
+          <p:cNvPr id="8" name="Picture 7"/>
+          <p:cNvPicPr>
+            <a:picLocks noChangeAspect="1"/>
+          </p:cNvPicPr>
+          <p:nvPr/>
+        </p:nvPicPr>
+        <p:blipFill>
+          <a:blip r:embed="rId5">
+            <a:extLst>
+              <a:ext uri="{28A0092B-C50C-407E-A947-70E740481C1C}">
+                <a14:useLocalDpi xmlns:a14="http://schemas.microsoft.com/office/drawing/2010/main" val="0"/>
+              </a:ext>
+            </a:extLst>
+          </a:blip>
+          <a:stretch>
+            <a:fillRect/>
+          </a:stretch>
+        </p:blipFill>
+        <p:spPr>
+          <a:xfrm>
+            <a:off x="2805244" y="1254484"/>
+            <a:ext cx="6581511" cy="5268355"/>
+          </a:xfrm>
+          <a:prstGeom prst="rect">
+            <a:avLst/>
+          </a:prstGeom>
+          <a:ln w="38100">
+            <a:solidFill>
+              <a:schemeClr val="tx1"/>
+            </a:solidFill>
+          </a:ln>
+        </p:spPr>
+      </p:pic>
+      <mc:AlternateContent xmlns:mc="http://schemas.openxmlformats.org/markup-compatibility/2006">
+        <mc:Choice xmlns:p14="http://schemas.microsoft.com/office/powerpoint/2010/main" Requires="p14">
+          <p:contentPart p14:bwMode="auto" r:id="rId6">
+            <p14:nvContentPartPr>
+              <p14:cNvPr id="10" name="Ink 9"/>
+              <p14:cNvContentPartPr/>
+              <p14:nvPr/>
+            </p14:nvContentPartPr>
+            <p14:xfrm>
+              <a:off x="3992855" y="5123577"/>
+              <a:ext cx="1387440" cy="212400"/>
+            </p14:xfrm>
+          </p:contentPart>
+        </mc:Choice>
+        <mc:Fallback>
+          <p:pic>
+            <p:nvPicPr>
+              <p:cNvPr id="10" name="Ink 9"/>
+              <p:cNvPicPr/>
+              <p:nvPr/>
+            </p:nvPicPr>
+            <p:blipFill>
+              <a:blip r:embed="rId7"/>
+              <a:stretch>
+                <a:fillRect/>
+              </a:stretch>
+            </p:blipFill>
+            <p:spPr>
+              <a:xfrm>
+                <a:off x="3961895" y="5045457"/>
+                <a:ext cx="1459080" cy="345240"/>
+              </a:xfrm>
+              <a:prstGeom prst="rect">
+                <a:avLst/>
+              </a:prstGeom>
+            </p:spPr>
+          </p:pic>
+        </mc:Fallback>
+      </mc:AlternateContent>
+      <mc:AlternateContent xmlns:mc="http://schemas.openxmlformats.org/markup-compatibility/2006">
+        <mc:Choice xmlns:p14="http://schemas.microsoft.com/office/powerpoint/2010/main" Requires="p14">
+          <p:contentPart p14:bwMode="auto" r:id="rId8">
+            <p14:nvContentPartPr>
+              <p14:cNvPr id="11" name="Ink 10"/>
+              <p14:cNvContentPartPr/>
+              <p14:nvPr/>
+            </p14:nvContentPartPr>
+            <p14:xfrm>
+              <a:off x="3598655" y="3794817"/>
+              <a:ext cx="1283040" cy="142560"/>
+            </p14:xfrm>
+          </p:contentPart>
+        </mc:Choice>
+        <mc:Fallback>
+          <p:pic>
+            <p:nvPicPr>
+              <p:cNvPr id="11" name="Ink 10"/>
+              <p:cNvPicPr/>
+              <p:nvPr/>
+            </p:nvPicPr>
+            <p:blipFill>
+              <a:blip r:embed="rId9"/>
+              <a:stretch>
+                <a:fillRect/>
+              </a:stretch>
+            </p:blipFill>
+            <p:spPr>
+              <a:xfrm>
+                <a:off x="3581735" y="3714177"/>
+                <a:ext cx="1334160" cy="295200"/>
+              </a:xfrm>
+              <a:prstGeom prst="rect">
+                <a:avLst/>
+              </a:prstGeom>
+            </p:spPr>
+          </p:pic>
+        </mc:Fallback>
+      </mc:AlternateContent>
+      <mc:AlternateContent xmlns:mc="http://schemas.openxmlformats.org/markup-compatibility/2006">
+        <mc:Choice xmlns:p14="http://schemas.microsoft.com/office/powerpoint/2010/main" Requires="p14">
+          <p:contentPart p14:bwMode="auto" r:id="rId10">
+            <p14:nvContentPartPr>
+              <p14:cNvPr id="12" name="Ink 11"/>
+              <p14:cNvContentPartPr/>
+              <p14:nvPr/>
+            </p14:nvContentPartPr>
+            <p14:xfrm>
+              <a:off x="3383375" y="1872777"/>
+              <a:ext cx="2648160" cy="373320"/>
+            </p14:xfrm>
+          </p:contentPart>
+        </mc:Choice>
+        <mc:Fallback>
+          <p:pic>
+            <p:nvPicPr>
+              <p:cNvPr id="12" name="Ink 11"/>
+              <p:cNvPicPr/>
+              <p:nvPr/>
+            </p:nvPicPr>
+            <p:blipFill>
+              <a:blip r:embed="rId11"/>
+              <a:stretch>
+                <a:fillRect/>
+              </a:stretch>
+            </p:blipFill>
+            <p:spPr>
+              <a:xfrm>
+                <a:off x="3335135" y="1776657"/>
+                <a:ext cx="2736720" cy="564840"/>
+              </a:xfrm>
+              <a:prstGeom prst="rect">
+                <a:avLst/>
+              </a:prstGeom>
+            </p:spPr>
+          </p:pic>
+        </mc:Fallback>
+      </mc:AlternateContent>
+      <mc:AlternateContent xmlns:mc="http://schemas.openxmlformats.org/markup-compatibility/2006">
+        <mc:Choice xmlns:p14="http://schemas.microsoft.com/office/powerpoint/2010/main" Requires="p14">
+          <p:contentPart p14:bwMode="auto" r:id="rId12">
+            <p14:nvContentPartPr>
+              <p14:cNvPr id="15" name="Ink 14"/>
+              <p14:cNvContentPartPr/>
+              <p14:nvPr/>
+            </p14:nvContentPartPr>
+            <p14:xfrm>
+              <a:off x="6618695" y="2655777"/>
+              <a:ext cx="2346120" cy="1296720"/>
+            </p14:xfrm>
+          </p:contentPart>
+        </mc:Choice>
+        <mc:Fallback>
+          <p:pic>
+            <p:nvPicPr>
+              <p:cNvPr id="15" name="Ink 14"/>
+              <p:cNvPicPr/>
+              <p:nvPr/>
+            </p:nvPicPr>
+            <p:blipFill>
+              <a:blip r:embed="rId13"/>
+              <a:stretch>
+                <a:fillRect/>
+              </a:stretch>
+            </p:blipFill>
+            <p:spPr>
+              <a:xfrm>
+                <a:off x="6609695" y="2646777"/>
+                <a:ext cx="2361600" cy="1312920"/>
+              </a:xfrm>
+              <a:prstGeom prst="rect">
+                <a:avLst/>
+              </a:prstGeom>
+            </p:spPr>
+          </p:pic>
+        </mc:Fallback>
+      </mc:AlternateContent>
     </p:spTree>
     <p:extLst>
       <p:ext uri="{BB962C8B-B14F-4D97-AF65-F5344CB8AC3E}">
@@ -15735,6 +16278,303 @@
   <p:clrMapOvr>
     <a:masterClrMapping/>
   </p:clrMapOvr>
+  <p:timing>
+    <p:tnLst>
+      <p:par>
+        <p:cTn id="1" dur="indefinite" restart="never" nodeType="tmRoot">
+          <p:childTnLst>
+            <p:seq concurrent="1" nextAc="seek">
+              <p:cTn id="2" dur="indefinite" nodeType="mainSeq">
+                <p:childTnLst>
+                  <p:par>
+                    <p:cTn id="3" fill="hold">
+                      <p:stCondLst>
+                        <p:cond delay="indefinite"/>
+                      </p:stCondLst>
+                      <p:childTnLst>
+                        <p:par>
+                          <p:cTn id="4" fill="hold">
+                            <p:stCondLst>
+                              <p:cond delay="0"/>
+                            </p:stCondLst>
+                            <p:childTnLst>
+                              <p:par>
+                                <p:cTn id="5" presetID="10" presetClass="entr" presetSubtype="0" fill="hold" grpId="0" nodeType="clickEffect">
+                                  <p:stCondLst>
+                                    <p:cond delay="0"/>
+                                  </p:stCondLst>
+                                  <p:childTnLst>
+                                    <p:set>
+                                      <p:cBhvr>
+                                        <p:cTn id="6" dur="1" fill="hold">
+                                          <p:stCondLst>
+                                            <p:cond delay="0"/>
+                                          </p:stCondLst>
+                                        </p:cTn>
+                                        <p:tgtEl>
+                                          <p:spTgt spid="7"/>
+                                        </p:tgtEl>
+                                        <p:attrNameLst>
+                                          <p:attrName>style.visibility</p:attrName>
+                                        </p:attrNameLst>
+                                      </p:cBhvr>
+                                      <p:to>
+                                        <p:strVal val="visible"/>
+                                      </p:to>
+                                    </p:set>
+                                    <p:animEffect transition="in" filter="fade">
+                                      <p:cBhvr>
+                                        <p:cTn id="7" dur="500"/>
+                                        <p:tgtEl>
+                                          <p:spTgt spid="7"/>
+                                        </p:tgtEl>
+                                      </p:cBhvr>
+                                    </p:animEffect>
+                                  </p:childTnLst>
+                                </p:cTn>
+                              </p:par>
+                            </p:childTnLst>
+                          </p:cTn>
+                        </p:par>
+                      </p:childTnLst>
+                    </p:cTn>
+                  </p:par>
+                  <p:par>
+                    <p:cTn id="8" fill="hold">
+                      <p:stCondLst>
+                        <p:cond delay="indefinite"/>
+                      </p:stCondLst>
+                      <p:childTnLst>
+                        <p:par>
+                          <p:cTn id="9" fill="hold">
+                            <p:stCondLst>
+                              <p:cond delay="0"/>
+                            </p:stCondLst>
+                            <p:childTnLst>
+                              <p:par>
+                                <p:cTn id="10" presetID="10" presetClass="entr" presetSubtype="0" fill="hold" nodeType="clickEffect">
+                                  <p:stCondLst>
+                                    <p:cond delay="0"/>
+                                  </p:stCondLst>
+                                  <p:childTnLst>
+                                    <p:set>
+                                      <p:cBhvr>
+                                        <p:cTn id="11" dur="1" fill="hold">
+                                          <p:stCondLst>
+                                            <p:cond delay="0"/>
+                                          </p:stCondLst>
+                                        </p:cTn>
+                                        <p:tgtEl>
+                                          <p:spTgt spid="8"/>
+                                        </p:tgtEl>
+                                        <p:attrNameLst>
+                                          <p:attrName>style.visibility</p:attrName>
+                                        </p:attrNameLst>
+                                      </p:cBhvr>
+                                      <p:to>
+                                        <p:strVal val="visible"/>
+                                      </p:to>
+                                    </p:set>
+                                    <p:animEffect transition="in" filter="fade">
+                                      <p:cBhvr>
+                                        <p:cTn id="12" dur="500"/>
+                                        <p:tgtEl>
+                                          <p:spTgt spid="8"/>
+                                        </p:tgtEl>
+                                      </p:cBhvr>
+                                    </p:animEffect>
+                                  </p:childTnLst>
+                                </p:cTn>
+                              </p:par>
+                            </p:childTnLst>
+                          </p:cTn>
+                        </p:par>
+                      </p:childTnLst>
+                    </p:cTn>
+                  </p:par>
+                  <p:par>
+                    <p:cTn id="13" fill="hold">
+                      <p:stCondLst>
+                        <p:cond delay="indefinite"/>
+                      </p:stCondLst>
+                      <p:childTnLst>
+                        <p:par>
+                          <p:cTn id="14" fill="hold">
+                            <p:stCondLst>
+                              <p:cond delay="0"/>
+                            </p:stCondLst>
+                            <p:childTnLst>
+                              <p:par>
+                                <p:cTn id="15" presetID="10" presetClass="entr" presetSubtype="0" fill="hold" nodeType="clickEffect">
+                                  <p:stCondLst>
+                                    <p:cond delay="0"/>
+                                  </p:stCondLst>
+                                  <p:childTnLst>
+                                    <p:set>
+                                      <p:cBhvr>
+                                        <p:cTn id="16" dur="1" fill="hold">
+                                          <p:stCondLst>
+                                            <p:cond delay="0"/>
+                                          </p:stCondLst>
+                                        </p:cTn>
+                                        <p:tgtEl>
+                                          <p:spTgt spid="15"/>
+                                        </p:tgtEl>
+                                        <p:attrNameLst>
+                                          <p:attrName>style.visibility</p:attrName>
+                                        </p:attrNameLst>
+                                      </p:cBhvr>
+                                      <p:to>
+                                        <p:strVal val="visible"/>
+                                      </p:to>
+                                    </p:set>
+                                    <p:animEffect transition="in" filter="fade">
+                                      <p:cBhvr>
+                                        <p:cTn id="17" dur="500"/>
+                                        <p:tgtEl>
+                                          <p:spTgt spid="15"/>
+                                        </p:tgtEl>
+                                      </p:cBhvr>
+                                    </p:animEffect>
+                                  </p:childTnLst>
+                                </p:cTn>
+                              </p:par>
+                              <p:par>
+                                <p:cTn id="18" presetID="10" presetClass="entr" presetSubtype="0" fill="hold" nodeType="withEffect">
+                                  <p:stCondLst>
+                                    <p:cond delay="0"/>
+                                  </p:stCondLst>
+                                  <p:childTnLst>
+                                    <p:set>
+                                      <p:cBhvr>
+                                        <p:cTn id="19" dur="1" fill="hold">
+                                          <p:stCondLst>
+                                            <p:cond delay="0"/>
+                                          </p:stCondLst>
+                                        </p:cTn>
+                                        <p:tgtEl>
+                                          <p:spTgt spid="12"/>
+                                        </p:tgtEl>
+                                        <p:attrNameLst>
+                                          <p:attrName>style.visibility</p:attrName>
+                                        </p:attrNameLst>
+                                      </p:cBhvr>
+                                      <p:to>
+                                        <p:strVal val="visible"/>
+                                      </p:to>
+                                    </p:set>
+                                    <p:animEffect transition="in" filter="fade">
+                                      <p:cBhvr>
+                                        <p:cTn id="20" dur="500"/>
+                                        <p:tgtEl>
+                                          <p:spTgt spid="12"/>
+                                        </p:tgtEl>
+                                      </p:cBhvr>
+                                    </p:animEffect>
+                                  </p:childTnLst>
+                                </p:cTn>
+                              </p:par>
+                              <p:par>
+                                <p:cTn id="21" presetID="10" presetClass="entr" presetSubtype="0" fill="hold" nodeType="withEffect">
+                                  <p:stCondLst>
+                                    <p:cond delay="0"/>
+                                  </p:stCondLst>
+                                  <p:childTnLst>
+                                    <p:set>
+                                      <p:cBhvr>
+                                        <p:cTn id="22" dur="1" fill="hold">
+                                          <p:stCondLst>
+                                            <p:cond delay="0"/>
+                                          </p:stCondLst>
+                                        </p:cTn>
+                                        <p:tgtEl>
+                                          <p:spTgt spid="11"/>
+                                        </p:tgtEl>
+                                        <p:attrNameLst>
+                                          <p:attrName>style.visibility</p:attrName>
+                                        </p:attrNameLst>
+                                      </p:cBhvr>
+                                      <p:to>
+                                        <p:strVal val="visible"/>
+                                      </p:to>
+                                    </p:set>
+                                    <p:animEffect transition="in" filter="fade">
+                                      <p:cBhvr>
+                                        <p:cTn id="23" dur="500"/>
+                                        <p:tgtEl>
+                                          <p:spTgt spid="11"/>
+                                        </p:tgtEl>
+                                      </p:cBhvr>
+                                    </p:animEffect>
+                                  </p:childTnLst>
+                                </p:cTn>
+                              </p:par>
+                              <p:par>
+                                <p:cTn id="24" presetID="10" presetClass="entr" presetSubtype="0" fill="hold" nodeType="withEffect">
+                                  <p:stCondLst>
+                                    <p:cond delay="0"/>
+                                  </p:stCondLst>
+                                  <p:childTnLst>
+                                    <p:set>
+                                      <p:cBhvr>
+                                        <p:cTn id="25" dur="1" fill="hold">
+                                          <p:stCondLst>
+                                            <p:cond delay="0"/>
+                                          </p:stCondLst>
+                                        </p:cTn>
+                                        <p:tgtEl>
+                                          <p:spTgt spid="10"/>
+                                        </p:tgtEl>
+                                        <p:attrNameLst>
+                                          <p:attrName>style.visibility</p:attrName>
+                                        </p:attrNameLst>
+                                      </p:cBhvr>
+                                      <p:to>
+                                        <p:strVal val="visible"/>
+                                      </p:to>
+                                    </p:set>
+                                    <p:animEffect transition="in" filter="fade">
+                                      <p:cBhvr>
+                                        <p:cTn id="26" dur="500"/>
+                                        <p:tgtEl>
+                                          <p:spTgt spid="10"/>
+                                        </p:tgtEl>
+                                      </p:cBhvr>
+                                    </p:animEffect>
+                                  </p:childTnLst>
+                                </p:cTn>
+                              </p:par>
+                            </p:childTnLst>
+                          </p:cTn>
+                        </p:par>
+                      </p:childTnLst>
+                    </p:cTn>
+                  </p:par>
+                </p:childTnLst>
+              </p:cTn>
+              <p:prevCondLst>
+                <p:cond evt="onPrev" delay="0">
+                  <p:tgtEl>
+                    <p:sldTgt/>
+                  </p:tgtEl>
+                </p:cond>
+              </p:prevCondLst>
+              <p:nextCondLst>
+                <p:cond evt="onNext" delay="0">
+                  <p:tgtEl>
+                    <p:sldTgt/>
+                  </p:tgtEl>
+                </p:cond>
+              </p:nextCondLst>
+            </p:seq>
+          </p:childTnLst>
+        </p:cTn>
+      </p:par>
+    </p:tnLst>
+    <p:bldLst>
+      <p:bldP spid="7" grpId="0" animBg="1"/>
+    </p:bldLst>
+  </p:timing>
 </p:sld>
 </file>
 
@@ -15856,6 +16696,89 @@
   <p:clrMapOvr>
     <a:masterClrMapping/>
   </p:clrMapOvr>
+  <p:timing>
+    <p:tnLst>
+      <p:par>
+        <p:cTn id="1" dur="indefinite" restart="never" nodeType="tmRoot">
+          <p:childTnLst>
+            <p:seq concurrent="1" nextAc="seek">
+              <p:cTn id="2" dur="indefinite" nodeType="mainSeq">
+                <p:childTnLst>
+                  <p:par>
+                    <p:cTn id="3" fill="hold">
+                      <p:stCondLst>
+                        <p:cond delay="indefinite"/>
+                      </p:stCondLst>
+                      <p:childTnLst>
+                        <p:par>
+                          <p:cTn id="4" fill="hold">
+                            <p:stCondLst>
+                              <p:cond delay="0"/>
+                            </p:stCondLst>
+                            <p:childTnLst>
+                              <p:par>
+                                <p:cTn id="5" presetID="10" presetClass="entr" presetSubtype="0" fill="hold" nodeType="clickEffect">
+                                  <p:stCondLst>
+                                    <p:cond delay="0"/>
+                                  </p:stCondLst>
+                                  <p:childTnLst>
+                                    <p:set>
+                                      <p:cBhvr>
+                                        <p:cTn id="6" dur="1" fill="hold">
+                                          <p:stCondLst>
+                                            <p:cond delay="0"/>
+                                          </p:stCondLst>
+                                        </p:cTn>
+                                        <p:tgtEl>
+                                          <p:spTgt spid="11"/>
+                                        </p:tgtEl>
+                                        <p:attrNameLst>
+                                          <p:attrName>style.visibility</p:attrName>
+                                        </p:attrNameLst>
+                                      </p:cBhvr>
+                                      <p:to>
+                                        <p:strVal val="visible"/>
+                                      </p:to>
+                                    </p:set>
+                                    <p:animEffect transition="in" filter="fade">
+                                      <p:cBhvr>
+                                        <p:cTn id="7" dur="500"/>
+                                        <p:tgtEl>
+                                          <p:spTgt spid="11"/>
+                                        </p:tgtEl>
+                                      </p:cBhvr>
+                                    </p:animEffect>
+                                  </p:childTnLst>
+                                </p:cTn>
+                              </p:par>
+                            </p:childTnLst>
+                          </p:cTn>
+                        </p:par>
+                      </p:childTnLst>
+                    </p:cTn>
+                  </p:par>
+                </p:childTnLst>
+              </p:cTn>
+              <p:prevCondLst>
+                <p:cond evt="onPrev" delay="0">
+                  <p:tgtEl>
+                    <p:sldTgt/>
+                  </p:tgtEl>
+                </p:cond>
+              </p:prevCondLst>
+              <p:nextCondLst>
+                <p:cond evt="onNext" delay="0">
+                  <p:tgtEl>
+                    <p:sldTgt/>
+                  </p:tgtEl>
+                </p:cond>
+              </p:nextCondLst>
+            </p:seq>
+          </p:childTnLst>
+        </p:cTn>
+      </p:par>
+    </p:tnLst>
+  </p:timing>
 </p:sld>
 </file>
 

--- a/static_control_flow/slides.pptx
+++ b/static_control_flow/slides.pptx
@@ -5,33 +5,36 @@
     <p:sldMasterId id="2147483648" r:id="rId1"/>
   </p:sldMasterIdLst>
   <p:notesMasterIdLst>
-    <p:notesMasterId r:id="rId26"/>
+    <p:notesMasterId r:id="rId29"/>
   </p:notesMasterIdLst>
   <p:sldIdLst>
     <p:sldId id="259" r:id="rId2"/>
-    <p:sldId id="260" r:id="rId3"/>
-    <p:sldId id="261" r:id="rId4"/>
-    <p:sldId id="262" r:id="rId5"/>
-    <p:sldId id="263" r:id="rId6"/>
-    <p:sldId id="264" r:id="rId7"/>
-    <p:sldId id="265" r:id="rId8"/>
-    <p:sldId id="266" r:id="rId9"/>
-    <p:sldId id="267" r:id="rId10"/>
-    <p:sldId id="268" r:id="rId11"/>
-    <p:sldId id="269" r:id="rId12"/>
-    <p:sldId id="270" r:id="rId13"/>
-    <p:sldId id="271" r:id="rId14"/>
-    <p:sldId id="272" r:id="rId15"/>
-    <p:sldId id="273" r:id="rId16"/>
-    <p:sldId id="274" r:id="rId17"/>
-    <p:sldId id="275" r:id="rId18"/>
-    <p:sldId id="276" r:id="rId19"/>
-    <p:sldId id="277" r:id="rId20"/>
-    <p:sldId id="278" r:id="rId21"/>
-    <p:sldId id="256" r:id="rId22"/>
-    <p:sldId id="257" r:id="rId23"/>
-    <p:sldId id="258" r:id="rId24"/>
-    <p:sldId id="279" r:id="rId25"/>
+    <p:sldId id="280" r:id="rId3"/>
+    <p:sldId id="260" r:id="rId4"/>
+    <p:sldId id="261" r:id="rId5"/>
+    <p:sldId id="262" r:id="rId6"/>
+    <p:sldId id="263" r:id="rId7"/>
+    <p:sldId id="264" r:id="rId8"/>
+    <p:sldId id="265" r:id="rId9"/>
+    <p:sldId id="266" r:id="rId10"/>
+    <p:sldId id="267" r:id="rId11"/>
+    <p:sldId id="268" r:id="rId12"/>
+    <p:sldId id="269" r:id="rId13"/>
+    <p:sldId id="270" r:id="rId14"/>
+    <p:sldId id="271" r:id="rId15"/>
+    <p:sldId id="272" r:id="rId16"/>
+    <p:sldId id="273" r:id="rId17"/>
+    <p:sldId id="274" r:id="rId18"/>
+    <p:sldId id="275" r:id="rId19"/>
+    <p:sldId id="276" r:id="rId20"/>
+    <p:sldId id="277" r:id="rId21"/>
+    <p:sldId id="278" r:id="rId22"/>
+    <p:sldId id="256" r:id="rId23"/>
+    <p:sldId id="257" r:id="rId24"/>
+    <p:sldId id="258" r:id="rId25"/>
+    <p:sldId id="279" r:id="rId26"/>
+    <p:sldId id="281" r:id="rId27"/>
+    <p:sldId id="282" r:id="rId28"/>
   </p:sldIdLst>
   <p:sldSz cx="12192000" cy="6858000"/>
   <p:notesSz cx="6858000" cy="9144000"/>
@@ -133,6 +136,9 @@
   <p:extLst>
     <p:ext uri="{EFAFB233-063F-42B5-8137-9DF3F51BA10A}">
       <p15:sldGuideLst xmlns:p15="http://schemas.microsoft.com/office/powerpoint/2012/main"/>
+    </p:ext>
+    <p:ext uri="{2D200454-40CA-4A62-9FC3-DE9A4176ACB9}">
+      <p15:notesGuideLst xmlns:p15="http://schemas.microsoft.com/office/powerpoint/2012/main"/>
     </p:ext>
   </p:extLst>
 </p:presentation>
@@ -311,7 +317,7 @@
             </emma:emma>
           </inkml:annotationXML>
           <inkml:trace contextRef="#ctx0" brushRef="#br0">0 69 26 0,'24'-21'13'0,"5"11"-11"16,-23-1 14-16,12 1-17 16,-7 4 1-16,7 1 4 15,-6 5 0-15,12-5-2 16,-13 5 1-16,7 0 4 15,0 5 0-15,-1-5 2 16,-5 0 0-16,0 11-1 16,0-6 0-16,-6 16-1 15,5 0 0-15,1 10-2 16,6 1 0-16,5 9-1 16,13 7 1-16,23 9-2 0,-12-10 1 15,53 16-2-15,-6 0 0 16,-17 5-3-16,-7-10 0 15,-5-16-9-15,-12-6 0 16,-11-10-10-16,-7-20 0 16</inkml:trace>
-          <inkml:trace contextRef="#ctx0" brushRef="#br0" timeOffset="1621.6793">130 1535 44 0,'-24'0'22'0,"18"-36"-6"0,12 20 22 16,-6-5-31-16,6-5 0 15,6-6 3-15,6 6 0 0,-1 0-13 16,1 0 0-16,5 5 9 16,13 5 1-16,-1 0-4 15,0 1 1-15,13 4-2 16,11 6 0-16,11 5-1 16,1-5 1-16,-6 10-1 15,-12 11 1-15,-6 5 0 16,-18 15 0-16,-11 6 0 15,-12-5 0-15,-18 10 0 16,-11 5 0-16,-13 17-1 16,-11-7 1-16,0 1-2 15,-6-5 1-15,-12-11-1 16,-17 0 1-16,11 0-1 16,0-15 1-16,12 4-1 15,6-4 0-15,6-6 0 16,12 5 1-16,5-4 0 0,13-17 0 15,17 6 0-15,11-1 1 16,13-4 0-16,23 5 1 16,18-6 0-16,0-5 1 15,5 1-2-15,13-1 1 16,5 0-1-16,-5-10 1 16,-7 5-3-16,-5-11 0 15,-6-10-5-15,-6-5 1 16,-6 0-8-16,-18 0 0 15,1-11-13-15,-1 21 0 0,-17 1-2 16,5-6 0-16</inkml:trace>
+          <inkml:trace contextRef="#ctx0" brushRef="#br0" timeOffset="1621.6792">130 1535 44 0,'-24'0'22'0,"18"-36"-6"0,12 20 22 16,-6-5-31-16,6-5 0 15,6-6 3-15,6 6 0 0,-1 0-13 16,1 0 0-16,5 5 9 16,13 5 1-16,-1 0-4 15,0 1 1-15,13 4-2 16,11 6 0-16,11 5-1 16,1-5 1-16,-6 10-1 15,-12 11 1-15,-6 5 0 16,-18 15 0-16,-11 6 0 15,-12-5 0-15,-18 10 0 16,-11 5 0-16,-13 17-1 16,-11-7 1-16,0 1-2 15,-6-5 1-15,-12-11-1 16,-17 0 1-16,11 0-1 16,0-15 1-16,12 4-1 15,6-4 0-15,6-6 0 16,12 5 1-16,5-4 0 0,13-17 0 15,17 6 0-15,11-1 1 16,13-4 0-16,23 5 1 16,18-6 0-16,0-5 1 15,5 1-2-15,13-1 1 16,5 0-1-16,-5-10 1 16,-7 5-3-16,-5-11 0 15,-6-10-5-15,-6-5 1 16,-6 0-8-16,-18 0 0 15,1-11-13-15,-1 21 0 0,-17 1-2 16,5-6 0-16</inkml:trace>
           <inkml:trace contextRef="#ctx0" brushRef="#br0" timeOffset="2042.2872">1344 1420 53 0,'12'-47'26'0,"-6"16"-26"16,-6 31 47-16,-6 10-45 15,0 11 1-15,-5 10 5 16,-7 17 0-16,-6 20-8 16,13 10 0-16,5-4 7 15,6-1 0-15,6-5-1 16,-1 5 1-16,19-15-2 0,5-16 0 15,19-11-2-15,16-10 0 16,7-26-1-16,0-21 0 16,-1-16-2-16,-5-16 1 15,0-15-1-15,-18 5 0 16,-6-11 0-16,-17 1 1 16,-12-1-1-16,-12 11 0 15,-18 0 0-15,-11 0 0 16,-13 15 0-16,-11 17 0 15,-11 15-1-15,-1 26 1 16,0 11-1-16,12 15 0 0,6 11-5 16,6 5 1-16,11-10-10 15,12 0 1-15,18 10-10 16,18-26 1-16</inkml:trace>
           <inkml:trace contextRef="#ctx0" brushRef="#br0" timeOffset="2732.6771">2104 1672 49 0,'6'15'24'0,"36"1"-12"0,-19-21 33 16,-5-6-44-16,0-10 0 15,5-10 2-15,1 5 1 0,5-16-5 16,1-16 1 0,5-5 2-16,-6 6 0 0,-5-1-1 15,0 0 1-15,-1 6-2 16,-5 10 0-16,-6 11 0 16,-7 20 0-16,-5 27 1 15,6 10 0-15,-6 32 0 16,6 15 0-16,0 27 0 15,6-1 0-15,0 11 0 16,-6-10 0-16,-1-11 0 16,-10-16 0-16,-7-21-1 15,-12-10 1-15,-11-5-2 16,-6 0 1-16,11-27 0 16,-5-5 0-16,-6-5-1 15,5-10 0-15,1-11 0 16,5-5 0-16,7 15 2 15,5 1 1-15,6-1 1 0,12 11 0 16,12 0 3-16,6 0 0 16,11 0 1-16,13 0 0 15,22 0-1-15,13-5 1 16,5-5-2-16,-5 4 0 16,-6 1-5-16,-1 0 0 15,-5 0-8-15,-6-6 0 16,-6 1-16-16,0 4 1 15,-23-9-4-15,5-6 1 16</inkml:trace>
           <inkml:trace contextRef="#ctx0" brushRef="#br0" timeOffset="3182.2569">3200 1808 56 0,'6'-27'28'0,"47"-72"-31"16,-29 68 48-16,11 4-40 15,6 6 0-15,1 11 2 16,5-1 1-16,-6 22-10 15,0 10 0-15,-11 16 6 0,-7 10 1 16,-5 0-3-16,0 0 1 16,-12 5-1-16,-6 1 0 15,-12-1-1-15,-18-15 1 16,7-6 0-16,-19-5 0 16,1-26 1-16,0-15 0 15,0-27 0-15,5-11 0 16,-5-15 0-16,23-5 0 15,7-11 0-15,11-15 1 16,11-1-2-16,19 6 1 16,11-6-2-16,0 1 1 15,7 15-3-15,-7 6 0 0,18-1-13 16,-6 16 0-16,17 16-12 16,1 5 1-16</inkml:trace>
@@ -383,7 +389,7 @@
           </inkml:annotationXML>
           <inkml:trace contextRef="#ctx0" brushRef="#br0">-4 522 60 0,'-41'100'30'0,"224"188"-31"0,-101-183 30 16,36 83-30-16,41 79 1 15,53 74-1-15,0 41 0 0,-6-31 1 16,-11-26 1-16,-30-48-1 15,-18-46 1-15,-35-38 0 16,-29-36 1-16,-30-41 0 16,-24-38 1-16,-41-52-1 15,-41-52 0-15,-29-68-1 16,-60-63 0-16,-58-89-1 16,-18-74 1-16,-24-52-1 15,30-26 0-15,41 27 1 16,54 20 1-16,52 16 1 15,53 20 0-15,47 48-1 16,36 21 1-16,53 63-1 16,53 41 1-16,5 59-3 15,13 51 0-15,-19 43 0 16,-28 36 0-16,-36 52 1 16,-59 43 0-16,-59 41 1 0,-41 32 1 15,-59-1 0-15,-24-9 0 16,-11-43-3-16,11-36 1 15,0-43-10-15,18-30 1 16,24-27-11-16,41-21 0 16,47-5-3-16,41 0 1 15</inkml:trace>
           <inkml:trace contextRef="#ctx0" brushRef="#br0" timeOffset="810.4123">3019 1591 54 0,'-171'-152'27'0,"-53"-157"-37"16,165 225 54-16,-23-31-42 16,5-16 1-16,6 10 1 15,30-4 0-15,35 4-5 16,36 27 1-16,40 16 3 15,30 25 0-15,36 43-1 16,17 25 1-16,-23 33-1 16,-24 20 1-16,-24 42-1 15,-23 21 0 1,-106 115 0 0,-18-42 1-16,-11-31-5 15,-1-53 1-15,-5-47-7 16,5-57 1-16,0-37-3 0,18-31 1 15,12-27-1-15,30-4 1 16,28-6 3-16,37 15 0 16,28 17 5-16,36 15 1 15,12 15 2-15,-6 12 1 16,-1 4 1-16,1 6 1 16,-6 10 0-16,0-5 0 15,0 6 0-15,0-12 1 16,-12-4-2-16,-11-1 0 15,-19-4-1-15,-17-12 1 16,-17-20-1-16,-25 0 0 0,-34-16 0 16,-7-20 0-16,-5 9 0 15,-6 1 0-15,0-6-2 16,5 17 0-16,7 4-1 16,11 0 0-16,12 1-1 15,18 10 0-15,12-6 0 16,29 6 0-16,23 10 0 15,7-5 0-15,11 1-1 16,6 4 1-16,6 11-1 16,-6 5 1-16,-17 10 0 15,-18 11 0-15,-18 16-1 16,-18 26 0-16,-17 21 1 16,-18 21 0-16,0 20 2 15,0 6 0-15,6 16 0 0,6 0 1 16,12-11 0-16,5-10 0 15,25-32-2-15,16-26 0 16,19-26-4-16,-1-42 0 16,19-31-4-16,16-48 0 15,1-10-4-15,0-15 1 16,-24-6 1-16,-23-16 1 16,-30-21-3-16,-29-20 1 15,-41-22 1-15,-36-57 0 16</inkml:trace>
-          <inkml:trace contextRef="#ctx0" brushRef="#br0" timeOffset="1155.6481">4939-577 44 0,'-117'-79'22'0,"75"69"-14"15,36 10 46-15,12 5-49 0,6 0 0 16,12-5 2-16,29-5 0 15,29-21-10-15,36-32 1 16,41-31 2-16,47-37 0 16,-5-5-8-16,22 11 0 15,-16 31-4-15,-1 21 0 16,-29 31-7-16,11 37 0 16</inkml:trace>
+          <inkml:trace contextRef="#ctx0" brushRef="#br0" timeOffset="1155.648">4939-577 44 0,'-117'-79'22'0,"75"69"-14"15,36 10 46-15,12 5-49 0,6 0 0 16,12-5 2-16,29-5 0 15,29-21-10-15,36-32 1 16,41-31 2-16,47-37 0 16,-5-5-8-16,22 11 0 15,-16 31-4-15,-1 21 0 16,-29 31-7-16,11 37 0 16</inkml:trace>
           <inkml:trace contextRef="#ctx0" brushRef="#br0" timeOffset="998.6157">4827-2238 40 0,'-64'6'20'0,"52"114"-14"0,18-68 42 0,17 38-42 15,36 61 0-15,35 54 6 16,13 51 0-16,28 27-14 16,6 31 0-16,13-10 3 15,-7-21 0-15,-12-53-7 16,-23-41 0-16,-23-53-7 15,-24-47 0-15,-24-52-6 16,-24-32 1-16,-28-47 2 16,-54-37 1-16</inkml:trace>
           <inkml:trace contextRef="#ctx0" brushRef="#br0" timeOffset="1606.2576">6589-195 49 0,'-18'31'24'0,"66"32"-27"16,-31-37 44-16,13 16-40 15,23 16 0-15,17 5 1 16,-5 5 0-16,12-21-3 15,-18-10 1-15,59-43 2 16,-7-51 0-16,-4-38-2 16,-13-25 1-16,-24-21 0 15,-22-1 0-15,-25-10-1 16,-23 11 1-16,-23 15-2 16,-7 32 1-16,-5 31-1 15,-1 47 1-15,7 48-1 16,5 25 0-16,36 38 0 15,18 25 0-15,34 32 1 0,43 37 1 16,10 4 0-16,48 17 1 16,18-11-1-16,11-5 1 15,-34-1 0-15,-25-25 1 16,-23-11 1-16,-30-5 0 16,-34-16 0-16,-43-5 0 15,-58-16-3-15,-53 0 0 16,-35-31-6-16,-42-26 0 15,-17-16-9-15,6-6 1 16,23-20-7-16,47-5 1 0</inkml:trace>
         </inkml:traceGroup>
@@ -424,8 +430,8 @@
             </emma:emma>
           </inkml:annotationXML>
           <inkml:trace contextRef="#ctx0" brushRef="#br0" timeOffset="2342.3657">7355 3466 67 0,'100'15'33'0,"18"90"-37"0,-89-42 62 15,7 10-58-15,-1 22 0 16,0-1-19-16,-5-16 0 15,-6-10 9-15,5-20 1 16</inkml:trace>
-          <inkml:trace contextRef="#ctx0" brushRef="#br0" timeOffset="2462.1849">7797 3424 27 0,'-6'-74'13'0,"-18"22"-7"15,24 42 4-15,0-1-16 16,12 11 0-16,12 5-8 15,17 16 1-15</inkml:trace>
-          <inkml:trace contextRef="#ctx0" brushRef="#br0" timeOffset="2866.7469">8692 3361 62 0,'-17'-21'31'0,"-66"-26"-50"15,54 47 67-15,-18 10-48 16,-18 6 0-16,-6 31 2 0,6 21 1 16,6 21-1-16,6 16 0 15,30 10 1-15,17 0 1 16,24-31-1-16,35-5 1 16,11-27-9-16,25-15 1 15,17-42-10-15,6-37 0 16,23-42-4-16,1-26 0 15,-12-11 4-15,-18-20 0 16,-18-16 7-16,-35-11 0 16,-18-10 4-16,-29-5 1 15,-29 0 5-15,-19 5 1 0,1 36 2 16,12 48 1-16,5 42 1 16,18 62 0-16,18 42 4 15,23 48 0-15,18 36-1 16,6 42 0-16,18 5-9 15,5-10 0-15,1-26-15 16,-12-6 1-16,-18-31-2 16,-18-26 0-16</inkml:trace>
+          <inkml:trace contextRef="#ctx0" brushRef="#br0" timeOffset="2462.1848">7797 3424 27 0,'-6'-74'13'0,"-18"22"-7"15,24 42 4-15,0-1-16 16,12 11 0-16,12 5-8 15,17 16 1-15</inkml:trace>
+          <inkml:trace contextRef="#ctx0" brushRef="#br0" timeOffset="2866.7468">8692 3361 62 0,'-17'-21'31'0,"-66"-26"-50"15,54 47 67-15,-18 10-48 16,-18 6 0-16,-6 31 2 0,6 21 1 16,6 21-1-16,6 16 0 15,30 10 1-15,17 0 1 16,24-31-1-16,35-5 1 16,11-27-9-16,25-15 1 15,17-42-10-15,6-37 0 16,23-42-4-16,1-26 0 15,-12-11 4-15,-18-20 0 16,-18-16 7-16,-35-11 0 16,-18-10 4-16,-29-5 1 15,-29 0 5-15,-19 5 1 0,1 36 2 16,12 48 1-16,5 42 1 16,18 62 0-16,18 42 4 15,23 48 0-15,18 36-1 16,6 42 0-16,18 5-9 15,5-10 0-15,1-26-15 16,-12-6 1-16,-18-31-2 16,-18-26 0-16</inkml:trace>
           <inkml:trace contextRef="#ctx0" brushRef="#br0" timeOffset="3001.4238">9069 2994 62 0,'0'-110'31'0,"124"11"-34"15,-71 67 65-15,36-20-62 16,17-16 1-16,35-37-16 16,30-5 0-16,29-26 3 0,6-11 1 15</inkml:trace>
           <inkml:trace contextRef="#ctx0" brushRef="#br0" timeOffset="3333.6974">10566 2926 36 0,'41'94'18'0,"30"43"-12"0,-53-95 15 0,17-11-19 15,24-5 1-15,17 0 1 16,7-15 1-16,-6-27-5 16,-1-26 0-16,-17-5 3 15,-18-26 1-15,-23-22-2 16,-12 6 0-16,-18-10-5 16,-11 10 1-16,5 21-8 15,6 15 0-15,12 6-4 16,24 16 0-1</inkml:trace>
           <inkml:trace contextRef="#ctx0" brushRef="#br0" timeOffset="3513.3141">11680 3015 54 0,'-18'5'27'0,"-12"1"-39"0,13-22 55 16,-25-21-43-16,-11-15 0 15,-5-27 0-15,5-4 0 16,11 9 2-16,19-4 0 15,11-6 0-15,12 5 1 16,29 6-4-16,24 5 1 16,0 0-9-16,12 16 1 15,24 10-8-15,-1 21 0 16</inkml:trace>
@@ -1801,7 +1807,7 @@
   </inkml:definitions>
   <inkml:trace contextRef="#ctx0" brushRef="#br0">-4041 5733 23 0,'-23'-4'11'0,"5"-8"2"0,13 12 12 16,1 0-20-16,4 0 1 15,0 0 6-15,0 0 0 16,4 0-13-16,10-5 1 15,4 1 10-15,23 0 1 0,10 0-2 16,13-4 1-16,18-4-3 16,28-4 0-16,18-1-1 15,14 1 1-15,18 4-3 16,4 4 1-16,1 0-2 16,-5 0 1-16,-9-1-1 15,0-3 1 1,-10 4-2-16,-13 4 0 0,-4 8 0 15,-24 0 1-15,-8 0-1 16,-19 0 0-16,-5 4 0 16,1 1 0-16,4-5-1 15,5-4 0-15,-5 0 0 16,-4 0 0-16,-10 4-1 16,-9-4 1-16,-4 8-1 0,0 0 0 15,0 0 0-15,-1-4 0 16,-4 0 0-16,1-4 1 15,-1-4-1-15,-5 8 0 16,-4 0 0-16,0-4 0 16,-4 4 0-16,-5-4 0 15,-1 4 0-15,-3 1 0 0,-1-1-1 16,5 0 1-16,0 0 0 16,0 0 1-16,-1 0-1 15,-3-4 0-15,-1 0-1 16,-4 0 1-16,-5 0-1 15,0 0 1-15,-9 0-1 16,0 0 0 0,5-8-1-16,-5 8 0 0,0-8 0 15,0-5 0-15,0 1-1 16,0-4 0-16,-5-8 0 16,-4-5 0-16,-5 1-1 15,-9-13 1-15,-4-8-1 16,-10 0 1-16,5 5 1 15,-4 7 0-15,-1 1 0 0,1-1 1 16,4 5 1-16,0 7 1 16,9 5-1-16,4 4 1 15,6-5-1-15,8 21 1 16,14 0 0-16,14 17 0 16,0-1 0-16,18 8 0 15,14 9 1 1,18 7 0-16,5-3-1 15,0-1 1-15,8 1-1 16,-3-9 1-16,-10 5-2 16,-4-1 0-16,-1 1 0 15,-13 4 0-15,-14-9 0 16,-9 0 0-16,-14-3 0 0,-18-5 0 16,-18 1 0-16,-28 7 1 0,-18 0 0 15,-22 5 0-15,-10 3 0 16,-1-3 1-16,11 4-3 15,3-5 1-15,10-8-9 16,14-3 1-16,18-5-14 16,22-4 1-16,15 0-4 15,22-20 0-15</inkml:trace>
   <inkml:trace contextRef="#ctx0" brushRef="#br0" timeOffset="0.5017">362 5156 40 0,'0'4'20'0,"18"28"-9"0,0-28 33 0,5 9-39 15,5-1 1-15,8 4 5 16,19-4 0-16,23 0-13 16,13 1 0-16,28-5 9 15,-4-8 0-15,8-4-4 16,-4 4 1-16,-14 4-3 16,-18 4 0-16,-19 4-6 0,-13 0 1 15,-14 4-10-15,-13-3 1 16,-10-1-8-16,-13-4 0 31</inkml:trace>
-  <inkml:trace contextRef="#ctx0" brushRef="#br0" timeOffset="1.5015">906 4721 29 0,'-9'-25'14'0,"4"13"0"0,5 12 14 15,-4 0-25-15,-1 4 0 16,5 13 4-16,0 19 1 0,-4 17-8 15,-1 16 1-15,0 8 7 16,-4 29 0-16,0 20-2 0,0-4 1 16,0-4-3-16,4-13 1 15,1-15-5-15,-1-29 1 16,1-12-8-16,-6-17 0 16,1-24-5-1,5-16 0-15,-1-8-7 16,1-9 0-16</inkml:trace>
+  <inkml:trace contextRef="#ctx0" brushRef="#br0" timeOffset="1.5014">906 4721 29 0,'-9'-25'14'0,"4"13"0"0,5 12 14 15,-4 0-25-15,-1 4 0 16,5 13 4-16,0 19 1 0,-4 17-8 15,-1 16 1-15,0 8 7 16,-4 29 0-16,0 20-2 0,0-4 1 16,0-4-3-16,4-13 1 15,1-15-5-15,-1-29 1 16,1-12-8-16,-6-17 0 16,1-24-5-1,5-16 0-15,-1-8-7 16,1-9 0-16</inkml:trace>
   <inkml:trace contextRef="#ctx0" brushRef="#br0" timeOffset="2.5017">1624 5920 24 0,'0'0'12'0,"4"-4"9"16,-4 4 7-16,5-13-23 16,-1 5 1-16,-4-4 3 15,-4-4 0-15,-5-4-11 0,0-9 0 16,-1 1 8-16,-3-1 0 0,-1-3-3 15,5-5 1-15,0 1-2 16,4 3 0-16,1 1 0 16,4 3 0-16,4 5 0 15,10-1 0-15,4 5 1 16,10 8 1-16,-1 0-2 0,10 12 1 16,13-9-1-16,0 9 1 15,-4 5-2-15,-9-1 0 16,-1 4-1-16,1 4 1 15,-5 0-5-15,0-4 1 16,0 0-7-16,-5-8 1 31,1 0-11-31,-6-8 0 0</inkml:trace>
   <inkml:trace contextRef="#ctx0" brushRef="#br0" timeOffset="3.5017">2250 5436 20 0,'0'8'10'0,"0"4"12"16,0-8-2-16,-4 9-17 16,-1 3 1-16,-4 8 4 15,0 9 0-15,0-1-9 31,-1 9 1-31,6 4 6 0,4-1 1 16,4-3-1-16,6-8 0 16,8-5-1-16,5-4 0 15,4-3-1-15,1-13 0 16,4 0-2-16,-5-16 1 16,5-12-1-16,0-5 0 15,5-11-2 1,-10 3 1-16,-9 5-1 15,-4 3 1-15,0-3-2 16,-10-1 0-16,5 1-1 16,1-9 1-16,-1 1 0 15,0-1 1-15,-9 9 0 16,0 3 0 0,0 5 1-16,0 4 0 0,-5 4-1 15,1-1 1-15,-1 5-3 16,1 4 1-16,-1 4-6 15,0 4 0-15,5 4-11 16,5 5 0-16</inkml:trace>
   <inkml:trace contextRef="#ctx0" brushRef="#br0" timeOffset="4.5017">2790 5558 25 0,'-5'-4'12'0,"5"12"2"0,0-8 4 15,0 0-14-15,5 4 1 0,4 4 3 16,4-4 1-16,1 4-10 16,9-3 1-16,4-1 6 15,5 0 1-15,0-8-3 32,5-5 1-32,4-7-3 0,-9-4 1 15,-4-9-2-15,-5 9 0 16,-5-4-1-16,-4-1 1 15,-5 1-1-15,-5-4 1 16,-8-1-1-16,-1 1 0 16,-9 3 0-16,-4 5 0 15,-5 8 0-15,-9 8 1 0,-4 12-1 16,-10 8 0-16,0 8 0 16,5 5 1-16,4 7-1 15,10 5 0-15,4 0 1 16,9-5 0-16,5 5 2 15,9-9 0-15,5 1 1 16,4 4 1 0,5-1 0-16,4 5 0 15,5-5-1-15,4-7 1 0,5-5-2 16,5-8 1-16,9-3-1 16,4-1 0-16,5-8-2 15,4-4 0-15,1-12-3 16,-10 0 1-16,0-1-8 15,-9-3 1-15,-4 0-14 0,-5 0 1 16,0 3-1-16,-9 1 0 16</inkml:trace>
@@ -2177,8 +2183,8 @@
           </inkml:annotationXML>
           <inkml:trace contextRef="#ctx0" brushRef="#br0">0 0 0,'0'0'0,"0"0"16,0 0-16,0 0 15,0 0 1,0 0-16</inkml:trace>
           <inkml:trace contextRef="#ctx1" brushRef="#br0">2056 791 41 0,'30'-32'20'0,"11"-4"-19"15,-35 25 21-15,0-4-22 16,-6 4 1-16,-6 1 2 16,-12-1 0-16,-11 1-2 15,-7-1 1-15,-5 11 3 16,-6 0 0-16,-6-5 1 16,-12 10 0-16,-5-5-1 15,-7 11 1-15,-11-6-2 16,-13 11 0-16,-11 5-1 15,1 10 0-15,4 0-1 0,-10 6 0 16,5 0 0-16,6-6 1 16,5 1-1-16,1-1 1 15,6 6-1-15,0 5 1 16,11-1-1-16,1 7 0 16,11-6-1-16,12-1 0 15,6 7-1-15,0-1 1 0,6-5 0 16,12 5 0-16,-1 0 0 15,7 0 1-15,5 0-1 16,12-5 0-16,7 0 0 16,5 0 0-16,5 0-1 15,13 0 0-15,0-1 0 16,-6-4 1-16,11 0-1 16,1-1 1-16,11 1 0 15,6-5 0-15,12-1 0 16,6 6 1-16,0-11-1 15,6-5 0-15,6-6 0 16,5 1 1-16,1-11-1 16,5 1 0-16,-11-1-1 15,0-5 1-15,-1-5 0 16,13-1 0-16,-1 1-1 16,1 0 0-16,-1-6 0 15,1 6 1-15,-1 0-1 16,7 0 1-16,-1 0-1 0,-17-6 0 15,0 1 0-15,5-6 1 16,7 5-1-16,-1-10 1 16,6 11-1-16,1 0 0 15,-13-1 0-15,-5-5 1 16,12 1-1-16,-13-1 1 16,1 0-1-16,-6-5 1 15,-12 0-1-15,0-10 1 16,0-1-1-16,-6 1 1 0,0 5-1 15,0 5 1-15,-5-5-1 16,-1 0 1-16,-6-11 0 16,-5 0 0-16,-7-10-1 15,-5 0 1-15,-6 5-1 16,-6-10 1-16,-6 5 0 16,-12-1 0-16,-6 1-1 15,-11 5 0-15,-7 0 0 16,7 11 1-16,-12-6 0 15,-7 1 0-15,-5-1-1 16,-6 0 1-16,1 6-1 16,-7 5 1-16,-18 5-1 15,-17 10 0-15,-18 11-2 16,-5 16 1-16,-37 5-6 16,-16 10 1-16,-7 17-10 15,18-1 0-15,24-5-10 16,-1 5 0-16</inkml:trace>
-          <inkml:trace contextRef="#ctx0" brushRef="#br0" timeOffset="-545.3762">30 587 0,'0'0'0,"0"0"16,0 0-1,0 0-15,0 0 16,0 0-16</inkml:trace>
-          <inkml:trace contextRef="#ctx0" brushRef="#br0" timeOffset="-59178.7993">1632 3189 0,'0'0'16,"0"0"-16,6-10 16,-6 10-1,-12 10 1,-11 11-1,11-5 1</inkml:trace>
+          <inkml:trace contextRef="#ctx0" brushRef="#br0" timeOffset="-545.3761">30 587 0,'0'0'0,"0"0"16,0 0-1,0 0-15,0 0 16,0 0-16</inkml:trace>
+          <inkml:trace contextRef="#ctx0" brushRef="#br0" timeOffset="-59178.7992">1632 3189 0,'0'0'16,"0"0"-16,6-10 16,-6 10-1,-12 10 1,-11 11-1,11-5 1</inkml:trace>
           <inkml:trace contextRef="#ctx1" brushRef="#br0" timeOffset="885.7889">2263 2053 30 0,'-18'-21'15'0,"6"-47"-15"0,6 58 15 0,0-1-15 16,-11 1 0-16,-1-6 0 16,0 0 1-16,1 0 0 15,-1 1 1-15,0 4 2 16,6 6 0-16,1 5 2 15,5 5 1-15,6 6 0 16,6 4 0-16,5 1-1 16,13 5 0-16,5 5-2 15,13 21 1-15,11 6-1 16,6 10 0-16,17 15-1 16,-5 6 1-16,11 21 0 15,19 10 0-15,11 16-1 16,5 10 0-16,1 11 0 15,0 5 0-15,-6 0-1 0,-12-5 0 16,-6-5 0-16,-5-11 1 16,-1-10-1-16,6-6 1 15,-17-10-1-15,-12-26 0 16,-12-11-3-16,-12-10 1 16,-6-16-6-16,-11-10 1 15,-6-11-15-15,-18 0 1 16,-12-15-3-16,-6-32 0 15</inkml:trace>
           <inkml:trace contextRef="#ctx0" brushRef="#br0" timeOffset="-1169.3005">5580 398 0,'0'0'15,"0"0"-15,0 0 16,0 0-1,0 0-15,0 0 16,0 0-16</inkml:trace>
         </inkml:traceGroup>
@@ -2190,7 +2196,7 @@
               </emma:interpretation>
             </emma:emma>
           </inkml:annotationXML>
-          <inkml:trace contextRef="#ctx1" brushRef="#br0" timeOffset="2252.2168">4389 4609 38 0,'-17'0'19'0,"5"-6"-8"15,12 6 20-15,0 0-27 16,0 0 1-16,0 0 3 16,0 0 0-16,6-10-10 15,0 0 1-15,6-6 7 16,5 0 0-16,13-5-2 15,-7-5 1-15,7 5-2 16,11-5 1-16,0 10-1 16,6 0 0-16,6 6-1 0,0 5 0 15,0-1 0-15,-5-4 0 16,-13 10 0-16,0 5 0 16,-11 11 0-16,-12 10 0 15,-12 16 0-15,-12 5 0 16,-12-5-1-16,-17 0 1 15,-6 21-2-15,0 0 1 16,0-6-1-16,-1 6 0 0,1-11-1 16,0 1 1-16,0-1-1 15,0-10 1-15,12-5 0 16,11-6 0-16,0 11-1 16,7-10 1-16,11-1 0 15,6 0 1-15,12 1 1 16,11-6 0-16,7-10 0 15,5-11 1-15,24-5 0 16,18-5 1-16,17-11-2 16,0-5 1-16,6-16-2 15,0 11 0-15,-5-5-5 16,-19-6 1-16,-11 0-10 16,-18 11 0-16,0 0-12 15,-11 10 1-15,-19 1-1 16,-17 15 0-16</inkml:trace>
+          <inkml:trace contextRef="#ctx1" brushRef="#br0" timeOffset="2252.2167">4389 4609 38 0,'-17'0'19'0,"5"-6"-8"15,12 6 20-15,0 0-27 16,0 0 1-16,0 0 3 16,0 0 0-16,6-10-10 15,0 0 1-15,6-6 7 16,5 0 0-16,13-5-2 15,-7-5 1-15,7 5-2 16,11-5 1-16,0 10-1 16,6 0 0-16,6 6-1 0,0 5 0 15,0-1 0-15,-5-4 0 16,-13 10 0-16,0 5 0 16,-11 11 0-16,-12 10 0 15,-12 16 0-15,-12 5 0 16,-12-5-1-16,-17 0 1 15,-6 21-2-15,0 0 1 16,0-6-1-16,-1 6 0 0,1-11-1 16,0 1 1-16,0-1-1 15,0-10 1-15,12-5 0 16,11-6 0-16,0 11-1 16,7-10 1-16,11-1 0 15,6 0 1-15,12 1 1 16,11-6 0-16,7-10 0 15,5-11 1-15,24-5 0 16,18-5 1-16,17-11-2 16,0-5 1-16,6-16-2 15,0 11 0-15,-5-5-5 16,-19-6 1-16,-11 0-10 16,-18 11 0-16,0 0-12 15,-11 10 1-15,-19 1-1 16,-17 15 0-16</inkml:trace>
           <inkml:trace contextRef="#ctx1" brushRef="#br0" timeOffset="2701.8553">5532 4661 49 0,'-5'-26'24'0,"-13"15"-23"0,6 11 48 0,12 6-47 15,-6 9 0-15,0 6 2 16,0 16 0-16,6 21-5 16,0 10 1-16,-5 0 3 15,5 16 1-15,0-16-1 16,0-11 0-16,11-10-1 15,19-15 1-15,17-22 0 16,18-20 0-16,11-22-2 16,1-20 1-16,-6-21-1 15,-7-6 1-15,-5-10-1 16,-12 0 0-16,-17 11 0 16,-18 4 0-16,-18 1 0 15,-12 21 0-15,-17 4-1 16,-18 22 1-16,-6 10-1 15,-12 16 0-15,6 6-3 16,6 15 1-16,12 10-7 0,0 16 0 16,6-5-11-16,11-5 0 15,13-1-1-15,23 1 0 16</inkml:trace>
           <inkml:trace contextRef="#ctx1" brushRef="#br0" timeOffset="3003.245">6340 4331 47 0,'-12'-10'23'0,"30"-22"-16"16,-18 43 45-16,0 4-47 15,0 12 0-15,-6 15 5 16,-6 20 0-16,0 17-12 16,0 10 1-16,0 5 7 15,-5-5 1-15,-1-5-5 16,0 0 0-16,7-11-8 16,5-26 1-16,6-10-10 15,12-21 0-15,11-16-8 16,1-21 1-16</inkml:trace>
           <inkml:trace contextRef="#ctx1" brushRef="#br0" timeOffset="3602.022">6746 4389 47 0,'-12'-32'23'0,"18"-10"-18"0,0 32 37 0,12-6-37 16,0 1 0-16,5-6 4 15,7 0 1-15,5 10-12 16,6 6 0-16,6 10 7 15,-11 11 0-15,11 0-3 16,-12 15 1-16,0-5-2 16,-11 6 0-16,-12 10-1 15,-18 5 0-15,-12 5 0 16,-11-5 1 0,-24-10-2-1,0-6 0-15,11-10 0 16,7-10 0-16,17-6-1 15,18-10 1-15,0-6-1 16,12 1 0-16,6-1 1 16,5 1 1-16,7 10 0 0,5 5 0 15,12 11 0-15,-11-1 1 16,5 6 0-16,-12 11 1 16,-17 4 0-16,0 6 0 15,-12 5 1-15,-24 1 0 16,-17-6 0-16,-12 5 0 15,-23 10 1-15,-7 6 1 16,-5-11-3-16,5-4 0 16,13-17-3-16,5-10 0 15,18-16-7-15,11-10 1 0,19-21-16 16,28-6 0-16,13-20 1 16,11-11 0-16</inkml:trace>
@@ -2428,14 +2434,14 @@
               </emma:interpretation>
             </emma:emma>
           </inkml:annotationXML>
-          <inkml:trace contextRef="#ctx0" brushRef="#br0" timeOffset="1121.8329">1072 2335 31 0,'-48'5'15'0,"-31"-10"-4"0,55 16 13 16,-18 15-21-16,-12 33 1 16,-12-5 2-16,0 10 1 15,6 5-9-15,12-5 0 16,11-5 5 0,19 0 0-16,24-5-1 15,24-12 0-15,25-20-1 16,17-12 1-16,30 1 0 15,18 0 0-15,13 16 0 16,-7-11 1-16,0 5-1 16,-23 6 1-16,-19-6 0 15,-18 11 1-15,-24 0 0 0,-30-5 0 16,-36 10-1-16,-36 6 1 16,-96 27-2-1,-7-6 1-15,7-11-4 16,11-15 0-16,7-6-4 15,18-11 0-15,17-5-7 16,25 0 0-16,24-10-7 16,24-17 1-16</inkml:trace>
-          <inkml:trace contextRef="#ctx0" brushRef="#br0" timeOffset="1753.5633">1463 2982 48 0,'-48'32'24'0,"126"-64"-17"0,-48 21 36 0,18-5-41 15,0-11 1-15,24-10 0 31,19-6 1-31,11 0-7 16,0 11 1-16,13 0-2 0,5 5 0 16,-12-10-12-16,6-6 0 15</inkml:trace>
+          <inkml:trace contextRef="#ctx0" brushRef="#br0" timeOffset="1121.8328">1072 2335 31 0,'-48'5'15'0,"-31"-10"-4"0,55 16 13 16,-18 15-21-16,-12 33 1 16,-12-5 2-16,0 10 1 15,6 5-9-15,12-5 0 16,11-5 5 0,19 0 0-16,24-5-1 15,24-12 0-15,25-20-1 16,17-12 1-16,30 1 0 15,18 0 0-15,13 16 0 16,-7-11 1-16,0 5-1 16,-23 6 1-16,-19-6 0 15,-18 11 1-15,-24 0 0 0,-30-5 0 16,-36 10-1-16,-36 6 1 16,-96 27-2-1,-7-6 1-15,7-11-4 16,11-15 0-16,7-6-4 15,18-11 0-15,17-5-7 16,25 0 0-16,24-10-7 16,24-17 1-16</inkml:trace>
+          <inkml:trace contextRef="#ctx0" brushRef="#br0" timeOffset="1753.5632">1463 2982 48 0,'-48'32'24'0,"126"-64"-17"0,-48 21 36 0,18-5-41 15,0-11 1-15,24-10 0 31,19-6 1-31,11 0-7 16,0 11 1-16,13 0-2 0,5 5 0 16,-12-10-12-16,6-6 0 15</inkml:trace>
           <inkml:trace contextRef="#ctx0" brushRef="#br0" timeOffset="1537.7006">1601 2185 36 0,'-72'0'18'0,"0"32"-14"0,60-21 34 16,0 0-32-16,18 5 1 15,6-6 2-15,24 1 1 16,12-6-13-16,18-10 0 16,24-11 8-16,25-11 0 15,11 0-6-15,6-5 0 0,1 11-6 16,-25 16 0-16,-18 10-10 16,-12 6 0-16</inkml:trace>
           <inkml:trace contextRef="#ctx0" brushRef="#br0" timeOffset="1352.7751">1758 2287 46 0,'0'10'23'0,"0"28"-20"15,0-1 37-15,0 22-38 16,0-11 0-16,0 65 2 16,12-23 1-16,6 23-7 15,6-6 0-15,6-16-2 0,0-17 1 16,0-25-11-16,0-28 1 15,0-37-3-15,-6-16 1 16</inkml:trace>
           <inkml:trace contextRef="#ctx0" brushRef="#br0" timeOffset="1975.5913">2792 2062 54 0,'-24'-5'27'0,"42"-1"-20"16,-6 28 40 0,0 15-41-16,0 22 1 15,0 21 1-15,0 11 1 16,7 5-14-16,5 1 1 15,6-6-2-15,6-17 0 0,6-20-14 16,-6-33 1-16</inkml:trace>
           <inkml:trace contextRef="#ctx0" brushRef="#br0" timeOffset="2595.9618">3604 3014 26 0,'-6'11'13'0,"-12"-17"11"0,18-4 2 0,0-12-20 16,-6-15 1-16,0-22 3 15,0-27 1-15,-6-15-14 0,6-11 1 16,-6-11 9-16,0 5 0 16,6 0-3-16,6 22 1 15,0 16-2-15,6 21 1 32,6 27-1-32,12 32 0 0,-6 11-2 15,12 42 0-15,13 33 0 16,17 21 0-16,6-6-1 15,6-5 1-15,-6-15-1 16,-6-23 1-16,-11-25 1 16,-7-17 0-16,-12-43 1 15,-6-27 0-15,-6-15-1 0,-6-27 0 16,0 5 0-16,-6-16 0 16,-6 0-4-16,0 27 1 0,0-33-6 15,6 12 0-15,0 20-7 16,6 33 1-16,12 27-9 15,12 37 0-15</inkml:trace>
           <inkml:trace contextRef="#ctx0" brushRef="#br0" timeOffset="2883.6811">4681 2661 55 0,'-18'5'27'0,"12"-74"-35"0,6 26 44 0,0-5-36 15,0-27 1-15,0 0 2 16,0 11 0-16,0-43-2 16,0 6 0-16,6 4 4 0,0 12 0 15,12 10 0-15,-6 16 1 16,6 27-2-16,12 27 1 16,13 10-2-16,5 22 0 15,12 26-2 1,12-5 0-16,12 22-1 15,13-6 1-15,-19-5-3 16,-12-6 1-16,-12-5-4 16,-12-5 1-16,-6-16-9 15,-12-6 0-15,-18-10-7 16,-6-11 1-16</inkml:trace>
-          <inkml:trace contextRef="#ctx0" brushRef="#br0" timeOffset="3079.7682">4591 2035 55 0,'-12'11'27'0,"6"-27"-23"16,6 16 47-16,12 5-48 31,12-10 1-31,24-6-1 0,24-5 1 16,7 0-13-16,-1 0 1 15,12 0-8-15,0 5 0 16,13 1-3-16,-7-1 0 15</inkml:trace>
+          <inkml:trace contextRef="#ctx0" brushRef="#br0" timeOffset="3079.7681">4591 2035 55 0,'-12'11'27'0,"6"-27"-23"16,6 16 47-16,12 5-48 31,12-10 1-31,24-6-1 0,24-5 1 16,7 0-13-16,-1 0 1 15,12 0-8-15,0 5 0 16,13 1-3-16,-7-1 0 15</inkml:trace>
           <inkml:trace contextRef="#ctx0" brushRef="#br0" timeOffset="3447.0992">5391 1490 58 0,'-18'-27'29'0,"54"-32"-30"0,-18 43 54 16,0-5-49-16,12-6 1 15,6-5 0-15,25-21 1 16,5 15-10-16,0 6 1 16,0 5 0-16,0 11 1 0,-12 6-10 15,-5 20 0-15,-13 1-8 16,-12 16 0-16</inkml:trace>
           <inkml:trace contextRef="#ctx0" brushRef="#br0" timeOffset="3647.4158">5493 1709 65 0,'18'0'32'0,"49"-27"-34"16,-37 11 60-16,18-5-57 15,12-6 0-15,6-5-3 16,0 5 1-16,-6 6-5 16,-5 5 1-16,-7 5-9 0,0 6 1 15,-12 10-7-15,6 11 1 16</inkml:trace>
           <inkml:trace contextRef="#ctx0" brushRef="#br0" timeOffset="3847.7495">5620 2174 60 0,'-6'27'30'0,"72"-48"-24"16,-36 10 56-16,18-5-56 16,12-16 0-16,6 11 2 15,13-12 1-15,5 1-14 0,0 0 0 16,-18 6 1-16,-6 4 1 0,1 1-19 15,5 5 0-15,6 5-2 16,-12-32 1-16</inkml:trace>
@@ -2658,10 +2664,10 @@
             </emma:emma>
           </inkml:annotationXML>
           <inkml:trace contextRef="#ctx0" brushRef="#br0">-1703-665 34 0,'-18'-63'17'0,"12"1"-4"0,0 46 17 16,1 11-26-16,-7 10 1 15,-6-5 2-15,0 21 1 16,1 5-9-16,-1 16 0 16,0 5 6-16,7 26 0 15,-1-15-2 1,12 5 0-16,6 0 0 15,11-1 1-15,7-14-2 16,5-7 0-16,7-20 0 16,11-15 1-16,12-22-1 15,6-10 1-15,-7-16-2 16,-10-16 0-16,-7-10 0 16,-12 11 0-16,-5-17-1 0,-6-4 1 0,-13 4 0 15,-10 17 0-15,-13 4-1 16,-12 17 1-16,-11 10 0 15,-12 10 0-15,-6 16-1 16,0 16 0-16,-5 10-3 16,5-5 1-16,0 0-5 15,12 0 1-15,11-6-6 0,13 1 0 16,17 0-8-16,18 5 0 16</inkml:trace>
-          <inkml:trace contextRef="#ctx0" brushRef="#br0" timeOffset="-462.8331">-2840-565 17 0,'-24'-37'8'0,"-5"6"4"0,23 20 9 15,-6-5-16-15,-6 1 0 16,1 10 3-16,-1-6 0 16,0 1-10-16,1-6 1 15,5 5 8-15,0 1 0 16,6-6-2-16,6-15 1 15,6-1-1-15,6 1 0 0,11 5-1 16,7 0 1-16,11-1-1 16,6 6 0-16,6 6-1 15,0 4 1-15,6 6-1 16,-6 5 1-16,0 0-1 16,0 21 0-16,-11-5-1 15,-1 15 0 1,-18 1 0-16,-5-1 1 0,-12 11-2 15,-12 5 1-15,-18 0 0 16,-11 21 0-16,-6-5-1 16,-6-11 1-16,0 1-1 15,-6-6 1-15,0 0-2 16,5-10 1-16,7-1-1 16,0-4 1-16,12-6-1 0,11-5 0 15,12 0 0-15,12 0 1 16,12 0 0-16,11-6 1 15,18 6 0-15,0-10 1 16,12-11-1-16,12-5 0 16,5-11 0-16,-5-5 0 15,0 0-1-15,-12-5 0 0,0 0-1 16,-6 5 0-16,0 0-6 16,-6 5 1-16,-12 11-12 15,1 15 0-15,-1 11-8 16,0 11 1-16</inkml:trace>
+          <inkml:trace contextRef="#ctx0" brushRef="#br0" timeOffset="-462.833">-2840-565 17 0,'-24'-37'8'0,"-5"6"4"0,23 20 9 15,-6-5-16-15,-6 1 0 16,1 10 3-16,-1-6 0 16,0 1-10-16,1-6 1 15,5 5 8-15,0 1 0 16,6-6-2-16,6-15 1 15,6-1-1-15,6 1 0 0,11 5-1 16,7 0 1-16,11-1-1 16,6 6 0-16,6 6-1 15,0 4 1-15,6 6-1 16,-6 5 1-16,0 0-1 16,0 21 0-16,-11-5-1 15,-1 15 0 1,-18 1 0-16,-5-1 1 0,-12 11-2 15,-12 5 1-15,-18 0 0 16,-11 21 0-16,-6-5-1 16,-6-11 1-16,0 1-1 15,-6-6 1-15,0 0-2 16,5-10 1-16,7-1-1 16,0-4 1-16,12-6-1 0,11-5 0 15,12 0 0-15,12 0 1 16,12 0 0-16,11-6 1 15,18 6 0-15,0-10 1 16,12-11-1-16,12-5 0 16,5-11 0-16,-5-5 0 15,0 0-1-15,-12-5 0 0,0 0-1 16,-6 5 0-16,0 0-6 16,-6 5 1-16,-12 11-12 15,1 15 0-15,-1 11-8 16,0 11 1-16</inkml:trace>
           <inkml:trace contextRef="#ctx0" brushRef="#br0" timeOffset="868.7639">-1090-749 28 0,'-6'16'14'0,"29"-11"-1"15,-11-5 14-15,6-5-24 16,5 0 1-16,13-6 2 16,5-10 0-16,0-10-8 15,6-11 0-15,-5 6 6 0,-1-6 0 16,-6-6-2-16,-11 7 1 0,-7 4-2 16,-5 5 1-16,-6 6-1 15,-6 5 0-15,-12 16-1 16,0 10 1-16,1 16-1 15,-1 5 0-15,6 22 0 32,6-1 0-32,12 10 0 0,0 1 1 15,5 0-1-15,1 4 1 16,0-4 0-16,-1 0 0 16,-5-16 0-16,-6-1 1 15,-12-9-1-15,-6-6 0 16,-11-5 0-16,-1 5 0 15,-5-10-1-15,-7 5 1 0,-5-5-1 16,0-6 0-16,0 1 0 16,-1-1 0-16,7-5 0 15,11 0 0-15,1 1 1 16,11-12 0-16,6 12 2 16,12-6 1-16,18 5 1 15,5 0 1 1,12 0 0-16,18-15 1 0,12-1-2 15,6-4 0-15,-7-1-2 16,-5 0 1-16,-6 1-4 16,-6-1 0-16,0-5-6 15,0 10 0-15,0 1-10 16,-12 10 0-16,6-5-7 16,-11 10 0-16</inkml:trace>
           <inkml:trace contextRef="#ctx0" brushRef="#br0" timeOffset="1616.4404">506-1131 28 0,'18'5'14'0,"-6"-10"0"0,-12 5 13 0,0 0-24 16,0 0 1-16,0 0 3 15,0 0 1-15,0 0-8 16,0 0 0-16,0 0 6 15,-6 5 1-15,-12-5-1 0,0 6 0 16,-11-6-2-16,-6 0 1 16,-7 0-1-16,-5-6 0 15,0 6-2-15,6 0 1 16,0 0-2-16,-6 0 1 16,5 0-2-16,1 0 0 15,6 0 0 1,11-5 0-16,6 5-1 15,7-5 0-15,5 0 0 16,6 5 0-16,12 10 0 16,5 11 1-16,1 5-1 15,0 6 0-15,-1 20 0 16,1-5 1-16,0 6 0 16,-7-1 1-16,1-10-1 0,-6-11 0 15,0-5-1-15,0 1 1 0,0-12 0 16,0-9 0-16,5-1-1 15,7-16 1-15,6 6-1 16,5-5 1-16,6 10 0 16,7-11 0-16,5 6 0 15,-6 10 0-15,6 6 0 0,-6 4 0 16,1 6 1-16,-7 0 0 16,-5 11 0-16,-13 10 1 15,-11-11 0-15,-12 11 1 16,-11 0 0-16,-13 0 1 15,-17-6-1-15,-18 1 0 32,-6-11-1-32,1-10 0 0,-1-11-3 15,6-10 0-15,18-6-11 16,24-10 1-16,28-20-11 16,25 4 0-16</inkml:trace>
-          <inkml:trace contextRef="#ctx0" brushRef="#br0" timeOffset="-1661.3042">548 739 19 0,'5'21'9'0,"7"-27"7"0,-12 6 10 15,0 0-20-15,0 0 0 16,0 0 6-16,0 0 0 16,0 0-13-16,-6 0 1 15,0 0 10-15,1-5 1 16,-7-16-3-16,-18-5 1 16,1-21-2-1,-12-21 0-15,-7-5-2 16,-5-11 0-16,0-21-2 15,0 26 0-15,0 11-1 16,6 11 0-16,0 4-10 16,6 22 1-16,11 10-15 0,19 5 0 15</inkml:trace>
+          <inkml:trace contextRef="#ctx0" brushRef="#br0" timeOffset="-1661.3041">548 739 19 0,'5'21'9'0,"7"-27"7"0,-12 6 10 15,0 0-20-15,0 0 0 16,0 0 6-16,0 0 0 16,0 0-13-16,-6 0 1 15,0 0 10-15,1-5 1 16,-7-16-3-16,-18-5 1 16,1-21-2-1,-12-21 0-15,-7-5-2 16,-5-11 0-16,0-21-2 15,0 26 0-15,0 11-1 16,6 11 0-16,0 4-10 16,6 22 1-16,11 10-15 0,19 5 0 15</inkml:trace>
         </inkml:traceGroup>
       </inkml:traceGroup>
     </inkml:traceGroup>
@@ -2751,7 +2757,7 @@
           <a:p>
             <a:fld id="{CDBABB74-F18E-4162-82D3-4FF62E96D8D2}" type="datetimeFigureOut">
               <a:rPr lang="it-IT" smtClean="0"/>
-              <a:t>22/08/2016</a:t>
+              <a:t>23/08/2016</a:t>
             </a:fld>
             <a:endParaRPr lang="it-IT"/>
           </a:p>
@@ -3063,69 +3069,6 @@
           <a:bodyPr/>
           <a:lstStyle/>
           <a:p>
-            <a:r>
-              <a:rPr lang="en-US" dirty="0"/>
-              <a:t>// "static if" is a name given to the compile-time counterpart of the `if` statement - its inclusion in the C++ language has been controversially proposed multiple times, but it has found a home in other languages. (C++17 will finally introduce a compile-time branching construct that we're going to analyze in this talk.)</a:t>
-            </a:r>
-          </a:p>
-          <a:p>
-            <a:endParaRPr lang="en-US" dirty="0"/>
-          </a:p>
-          <a:p>
-            <a:r>
-              <a:rPr lang="en-US" dirty="0"/>
-              <a:t>// C++ developers often feel that the functional purity of template metaprogramming and its lack of explicit control flow options make compile-time code harder to implement and to reason about.</a:t>
-            </a:r>
-          </a:p>
-          <a:p>
-            <a:endParaRPr lang="en-US" dirty="0"/>
-          </a:p>
-          <a:p>
-            <a:r>
-              <a:rPr lang="en-US" dirty="0"/>
-              <a:t>// In this talk, we'll analyze and implement two powerful compile-time</a:t>
-            </a:r>
-            <a:r>
-              <a:rPr lang="en-US" baseline="0" dirty="0"/>
-              <a:t> </a:t>
-            </a:r>
-            <a:r>
-              <a:rPr lang="en-US" dirty="0"/>
-              <a:t>C++14 control flow constructs: `</a:t>
-            </a:r>
-            <a:r>
-              <a:rPr lang="en-US" dirty="0" err="1"/>
-              <a:t>static_if</a:t>
-            </a:r>
-            <a:r>
-              <a:rPr lang="en-US" dirty="0"/>
-              <a:t>` and `</a:t>
-            </a:r>
-            <a:r>
-              <a:rPr lang="en-US" dirty="0" err="1"/>
-              <a:t>static_for</a:t>
-            </a:r>
-            <a:r>
-              <a:rPr lang="en-US" dirty="0"/>
-              <a:t>`.</a:t>
-            </a:r>
-          </a:p>
-          <a:p>
-            <a:endParaRPr lang="en-US" dirty="0"/>
-          </a:p>
-          <a:p>
-            <a:r>
-              <a:rPr lang="en-US" dirty="0"/>
-              <a:t>// Before doing that, we'll look at some examples of `static if` in action in other languages, and at the new `if </a:t>
-            </a:r>
-            <a:r>
-              <a:rPr lang="en-US" dirty="0" err="1"/>
-              <a:t>constexpr</a:t>
-            </a:r>
-            <a:r>
-              <a:rPr lang="en-US" dirty="0"/>
-              <a:t>` construct.</a:t>
-            </a:r>
             <a:endParaRPr lang="it-IT" dirty="0"/>
           </a:p>
         </p:txBody>
@@ -3156,7 +3099,7 @@
     </p:spTree>
     <p:extLst>
       <p:ext uri="{BB962C8B-B14F-4D97-AF65-F5344CB8AC3E}">
-        <p14:creationId xmlns:p14="http://schemas.microsoft.com/office/powerpoint/2010/main" val="466301532"/>
+        <p14:creationId xmlns:p14="http://schemas.microsoft.com/office/powerpoint/2010/main" val="3493191760"/>
       </p:ext>
     </p:extLst>
   </p:cSld>
@@ -3210,51 +3153,6 @@
           <a:bodyPr/>
           <a:lstStyle/>
           <a:p>
-            <a:r>
-              <a:rPr lang="en-US" dirty="0"/>
-              <a:t>First</a:t>
-            </a:r>
-            <a:r>
-              <a:rPr lang="en-US" baseline="0" dirty="0"/>
-              <a:t> two rules: consistency with runtime if and scopes in the language. I.e. the D example does not work in C++.</a:t>
-            </a:r>
-          </a:p>
-          <a:p>
-            <a:r>
-              <a:rPr lang="en-US" baseline="0" dirty="0"/>
-              <a:t>(show animation)</a:t>
-            </a:r>
-          </a:p>
-          <a:p>
-            <a:r>
-              <a:rPr lang="en-US" baseline="0" dirty="0"/>
-              <a:t>Last rule: basically, the two branches have to be </a:t>
-            </a:r>
-            <a:r>
-              <a:rPr lang="en-US" baseline="0" dirty="0" err="1"/>
-              <a:t>parseable</a:t>
-            </a:r>
-            <a:r>
-              <a:rPr lang="en-US" baseline="0" dirty="0"/>
-              <a:t> and well-formed. Only the matched branch will be instantiated, though.</a:t>
-            </a:r>
-          </a:p>
-          <a:p>
-            <a:endParaRPr lang="en-US" baseline="0" dirty="0"/>
-          </a:p>
-          <a:p>
-            <a:r>
-              <a:rPr lang="en-US" dirty="0"/>
-              <a:t>The above rules deal with the controversial ideas of N3613, making `</a:t>
-            </a:r>
-            <a:r>
-              <a:rPr lang="en-US" dirty="0" err="1"/>
-              <a:t>constexpr</a:t>
-            </a:r>
-            <a:r>
-              <a:rPr lang="en-US" dirty="0"/>
-              <a:t> if` an intuitive and familiar compile-time version of the regular `if` statement.</a:t>
-            </a:r>
             <a:endParaRPr lang="it-IT" dirty="0"/>
           </a:p>
         </p:txBody>
@@ -3276,7 +3174,7 @@
           <a:p>
             <a:fld id="{FCA4862E-9507-4BEC-B7E3-B3B5E302CC7C}" type="slidenum">
               <a:rPr lang="it-IT" smtClean="0"/>
-              <a:t>12</a:t>
+              <a:t>11</a:t>
             </a:fld>
             <a:endParaRPr lang="it-IT"/>
           </a:p>
@@ -3285,7 +3183,7 @@
     </p:spTree>
     <p:extLst>
       <p:ext uri="{BB962C8B-B14F-4D97-AF65-F5344CB8AC3E}">
-        <p14:creationId xmlns:p14="http://schemas.microsoft.com/office/powerpoint/2010/main" val="346789987"/>
+        <p14:creationId xmlns:p14="http://schemas.microsoft.com/office/powerpoint/2010/main" val="812567192"/>
       </p:ext>
     </p:extLst>
   </p:cSld>
@@ -3339,6 +3237,51 @@
           <a:bodyPr/>
           <a:lstStyle/>
           <a:p>
+            <a:r>
+              <a:rPr lang="en-US" dirty="0"/>
+              <a:t>First</a:t>
+            </a:r>
+            <a:r>
+              <a:rPr lang="en-US" baseline="0" dirty="0"/>
+              <a:t> two rules: consistency with runtime if and scopes in the language. I.e. the D example does not work in C++.</a:t>
+            </a:r>
+          </a:p>
+          <a:p>
+            <a:r>
+              <a:rPr lang="en-US" baseline="0" dirty="0"/>
+              <a:t>(show animation)</a:t>
+            </a:r>
+          </a:p>
+          <a:p>
+            <a:r>
+              <a:rPr lang="en-US" baseline="0" dirty="0"/>
+              <a:t>Last rule: basically, the two branches have to be </a:t>
+            </a:r>
+            <a:r>
+              <a:rPr lang="en-US" baseline="0" dirty="0" err="1"/>
+              <a:t>parseable</a:t>
+            </a:r>
+            <a:r>
+              <a:rPr lang="en-US" baseline="0" dirty="0"/>
+              <a:t> and well-formed. Only the matched branch will be instantiated, though.</a:t>
+            </a:r>
+          </a:p>
+          <a:p>
+            <a:endParaRPr lang="en-US" baseline="0" dirty="0"/>
+          </a:p>
+          <a:p>
+            <a:r>
+              <a:rPr lang="en-US" dirty="0"/>
+              <a:t>The above rules deal with the controversial ideas of N3613, making `</a:t>
+            </a:r>
+            <a:r>
+              <a:rPr lang="en-US" dirty="0" err="1"/>
+              <a:t>constexpr</a:t>
+            </a:r>
+            <a:r>
+              <a:rPr lang="en-US" dirty="0"/>
+              <a:t> if` an intuitive and familiar compile-time version of the regular `if` statement.</a:t>
+            </a:r>
             <a:endParaRPr lang="it-IT" dirty="0"/>
           </a:p>
         </p:txBody>
@@ -3369,7 +3312,7 @@
     </p:spTree>
     <p:extLst>
       <p:ext uri="{BB962C8B-B14F-4D97-AF65-F5344CB8AC3E}">
-        <p14:creationId xmlns:p14="http://schemas.microsoft.com/office/powerpoint/2010/main" val="2484318627"/>
+        <p14:creationId xmlns:p14="http://schemas.microsoft.com/office/powerpoint/2010/main" val="346789987"/>
       </p:ext>
     </p:extLst>
   </p:cSld>
@@ -3423,42 +3366,6 @@
           <a:bodyPr/>
           <a:lstStyle/>
           <a:p>
-            <a:r>
-              <a:rPr lang="en-US" dirty="0"/>
-              <a:t>// `if </a:t>
-            </a:r>
-            <a:r>
-              <a:rPr lang="en-US" dirty="0" err="1"/>
-              <a:t>constexpr</a:t>
-            </a:r>
-            <a:r>
-              <a:rPr lang="en-US" dirty="0"/>
-              <a:t>` is part of the C++17 standard...</a:t>
-            </a:r>
-          </a:p>
-          <a:p>
-            <a:r>
-              <a:rPr lang="en-US" dirty="0"/>
-              <a:t>// ...but you don't have to wait for your compiler to implement it!</a:t>
-            </a:r>
-          </a:p>
-          <a:p>
-            <a:r>
-              <a:rPr lang="en-US" dirty="0"/>
-              <a:t>// It turns out that we can create an equivalent construct with C++14</a:t>
-            </a:r>
-          </a:p>
-          <a:p>
-            <a:r>
-              <a:rPr lang="en-US" dirty="0"/>
-              <a:t>// language features, with, unfortunately, a slightly less enticing</a:t>
-            </a:r>
-          </a:p>
-          <a:p>
-            <a:r>
-              <a:rPr lang="en-US" dirty="0"/>
-              <a:t>// syntax.</a:t>
-            </a:r>
             <a:endParaRPr lang="it-IT" dirty="0"/>
           </a:p>
         </p:txBody>
@@ -3489,7 +3396,7 @@
     </p:spTree>
     <p:extLst>
       <p:ext uri="{BB962C8B-B14F-4D97-AF65-F5344CB8AC3E}">
-        <p14:creationId xmlns:p14="http://schemas.microsoft.com/office/powerpoint/2010/main" val="551642873"/>
+        <p14:creationId xmlns:p14="http://schemas.microsoft.com/office/powerpoint/2010/main" val="2484318627"/>
       </p:ext>
     </p:extLst>
   </p:cSld>
@@ -3543,6 +3450,42 @@
           <a:bodyPr/>
           <a:lstStyle/>
           <a:p>
+            <a:r>
+              <a:rPr lang="en-US" dirty="0"/>
+              <a:t>// `if </a:t>
+            </a:r>
+            <a:r>
+              <a:rPr lang="en-US" dirty="0" err="1"/>
+              <a:t>constexpr</a:t>
+            </a:r>
+            <a:r>
+              <a:rPr lang="en-US" dirty="0"/>
+              <a:t>` is part of the C++17 standard...</a:t>
+            </a:r>
+          </a:p>
+          <a:p>
+            <a:r>
+              <a:rPr lang="en-US" dirty="0"/>
+              <a:t>// ...but you don't have to wait for your compiler to implement it!</a:t>
+            </a:r>
+          </a:p>
+          <a:p>
+            <a:r>
+              <a:rPr lang="en-US" dirty="0"/>
+              <a:t>// It turns out that we can create an equivalent construct with C++14</a:t>
+            </a:r>
+          </a:p>
+          <a:p>
+            <a:r>
+              <a:rPr lang="en-US" dirty="0"/>
+              <a:t>// language features, with, unfortunately, a slightly less enticing</a:t>
+            </a:r>
+          </a:p>
+          <a:p>
+            <a:r>
+              <a:rPr lang="en-US" dirty="0"/>
+              <a:t>// syntax.</a:t>
+            </a:r>
             <a:endParaRPr lang="it-IT" dirty="0"/>
           </a:p>
         </p:txBody>
@@ -3564,7 +3507,7 @@
           <a:p>
             <a:fld id="{FCA4862E-9507-4BEC-B7E3-B3B5E302CC7C}" type="slidenum">
               <a:rPr lang="it-IT" smtClean="0"/>
-              <a:t>17</a:t>
+              <a:t>15</a:t>
             </a:fld>
             <a:endParaRPr lang="it-IT"/>
           </a:p>
@@ -3573,7 +3516,7 @@
     </p:spTree>
     <p:extLst>
       <p:ext uri="{BB962C8B-B14F-4D97-AF65-F5344CB8AC3E}">
-        <p14:creationId xmlns:p14="http://schemas.microsoft.com/office/powerpoint/2010/main" val="461532786"/>
+        <p14:creationId xmlns:p14="http://schemas.microsoft.com/office/powerpoint/2010/main" val="551642873"/>
       </p:ext>
     </p:extLst>
   </p:cSld>
@@ -3657,7 +3600,7 @@
     </p:spTree>
     <p:extLst>
       <p:ext uri="{BB962C8B-B14F-4D97-AF65-F5344CB8AC3E}">
-        <p14:creationId xmlns:p14="http://schemas.microsoft.com/office/powerpoint/2010/main" val="832099940"/>
+        <p14:creationId xmlns:p14="http://schemas.microsoft.com/office/powerpoint/2010/main" val="461532786"/>
       </p:ext>
     </p:extLst>
   </p:cSld>
@@ -3741,7 +3684,7 @@
     </p:spTree>
     <p:extLst>
       <p:ext uri="{BB962C8B-B14F-4D97-AF65-F5344CB8AC3E}">
-        <p14:creationId xmlns:p14="http://schemas.microsoft.com/office/powerpoint/2010/main" val="1484232983"/>
+        <p14:creationId xmlns:p14="http://schemas.microsoft.com/office/powerpoint/2010/main" val="832099940"/>
       </p:ext>
     </p:extLst>
   </p:cSld>
@@ -3795,14 +3738,7 @@
           <a:bodyPr/>
           <a:lstStyle/>
           <a:p>
-            <a:r>
-              <a:rPr lang="en-US" dirty="0"/>
-              <a:t>Ask</a:t>
-            </a:r>
-            <a:r>
-              <a:rPr lang="en-US" baseline="0" dirty="0"/>
-              <a:t> audience</a:t>
-            </a:r>
+            <a:endParaRPr lang="it-IT" dirty="0"/>
           </a:p>
         </p:txBody>
       </p:sp>
@@ -3823,7 +3759,98 @@
           <a:p>
             <a:fld id="{FCA4862E-9507-4BEC-B7E3-B3B5E302CC7C}" type="slidenum">
               <a:rPr lang="it-IT" smtClean="0"/>
-              <a:t>24</a:t>
+              <a:t>20</a:t>
+            </a:fld>
+            <a:endParaRPr lang="it-IT"/>
+          </a:p>
+        </p:txBody>
+      </p:sp>
+    </p:spTree>
+    <p:extLst>
+      <p:ext uri="{BB962C8B-B14F-4D97-AF65-F5344CB8AC3E}">
+        <p14:creationId xmlns:p14="http://schemas.microsoft.com/office/powerpoint/2010/main" val="1484232983"/>
+      </p:ext>
+    </p:extLst>
+  </p:cSld>
+  <p:clrMapOvr>
+    <a:masterClrMapping/>
+  </p:clrMapOvr>
+</p:notes>
+</file>
+
+<file path=ppt/notesSlides/notesSlide17.xml><?xml version="1.0" encoding="utf-8"?>
+<p:notes xmlns:a="http://schemas.openxmlformats.org/drawingml/2006/main" xmlns:r="http://schemas.openxmlformats.org/officeDocument/2006/relationships" xmlns:p="http://schemas.openxmlformats.org/presentationml/2006/main">
+  <p:cSld>
+    <p:spTree>
+      <p:nvGrpSpPr>
+        <p:cNvPr id="1" name=""/>
+        <p:cNvGrpSpPr/>
+        <p:nvPr/>
+      </p:nvGrpSpPr>
+      <p:grpSpPr>
+        <a:xfrm>
+          <a:off x="0" y="0"/>
+          <a:ext cx="0" cy="0"/>
+          <a:chOff x="0" y="0"/>
+          <a:chExt cx="0" cy="0"/>
+        </a:xfrm>
+      </p:grpSpPr>
+      <p:sp>
+        <p:nvSpPr>
+          <p:cNvPr id="2" name="Slide Image Placeholder 1"/>
+          <p:cNvSpPr>
+            <a:spLocks noGrp="1" noRot="1" noChangeAspect="1"/>
+          </p:cNvSpPr>
+          <p:nvPr>
+            <p:ph type="sldImg"/>
+          </p:nvPr>
+        </p:nvSpPr>
+        <p:spPr/>
+      </p:sp>
+      <p:sp>
+        <p:nvSpPr>
+          <p:cNvPr id="3" name="Notes Placeholder 2"/>
+          <p:cNvSpPr>
+            <a:spLocks noGrp="1"/>
+          </p:cNvSpPr>
+          <p:nvPr>
+            <p:ph type="body" idx="1"/>
+          </p:nvPr>
+        </p:nvSpPr>
+        <p:spPr/>
+        <p:txBody>
+          <a:bodyPr/>
+          <a:lstStyle/>
+          <a:p>
+            <a:r>
+              <a:rPr lang="en-US" dirty="0"/>
+              <a:t>Ask</a:t>
+            </a:r>
+            <a:r>
+              <a:rPr lang="en-US" baseline="0" dirty="0"/>
+              <a:t> audience</a:t>
+            </a:r>
+          </a:p>
+        </p:txBody>
+      </p:sp>
+      <p:sp>
+        <p:nvSpPr>
+          <p:cNvPr id="4" name="Slide Number Placeholder 3"/>
+          <p:cNvSpPr>
+            <a:spLocks noGrp="1"/>
+          </p:cNvSpPr>
+          <p:nvPr>
+            <p:ph type="sldNum" sz="quarter" idx="10"/>
+          </p:nvPr>
+        </p:nvSpPr>
+        <p:spPr/>
+        <p:txBody>
+          <a:bodyPr/>
+          <a:lstStyle/>
+          <a:p>
+            <a:fld id="{FCA4862E-9507-4BEC-B7E3-B3B5E302CC7C}" type="slidenum">
+              <a:rPr lang="it-IT" smtClean="0"/>
+              <a:t>25</a:t>
             </a:fld>
             <a:endParaRPr lang="it-IT"/>
           </a:p>
@@ -3833,6 +3860,90 @@
     <p:extLst>
       <p:ext uri="{BB962C8B-B14F-4D97-AF65-F5344CB8AC3E}">
         <p14:creationId xmlns:p14="http://schemas.microsoft.com/office/powerpoint/2010/main" val="3729411369"/>
+      </p:ext>
+    </p:extLst>
+  </p:cSld>
+  <p:clrMapOvr>
+    <a:masterClrMapping/>
+  </p:clrMapOvr>
+</p:notes>
+</file>
+
+<file path=ppt/notesSlides/notesSlide18.xml><?xml version="1.0" encoding="utf-8"?>
+<p:notes xmlns:a="http://schemas.openxmlformats.org/drawingml/2006/main" xmlns:r="http://schemas.openxmlformats.org/officeDocument/2006/relationships" xmlns:p="http://schemas.openxmlformats.org/presentationml/2006/main">
+  <p:cSld>
+    <p:spTree>
+      <p:nvGrpSpPr>
+        <p:cNvPr id="1" name=""/>
+        <p:cNvGrpSpPr/>
+        <p:nvPr/>
+      </p:nvGrpSpPr>
+      <p:grpSpPr>
+        <a:xfrm>
+          <a:off x="0" y="0"/>
+          <a:ext cx="0" cy="0"/>
+          <a:chOff x="0" y="0"/>
+          <a:chExt cx="0" cy="0"/>
+        </a:xfrm>
+      </p:grpSpPr>
+      <p:sp>
+        <p:nvSpPr>
+          <p:cNvPr id="2" name="Slide Image Placeholder 1"/>
+          <p:cNvSpPr>
+            <a:spLocks noGrp="1" noRot="1" noChangeAspect="1"/>
+          </p:cNvSpPr>
+          <p:nvPr>
+            <p:ph type="sldImg"/>
+          </p:nvPr>
+        </p:nvSpPr>
+        <p:spPr/>
+      </p:sp>
+      <p:sp>
+        <p:nvSpPr>
+          <p:cNvPr id="3" name="Notes Placeholder 2"/>
+          <p:cNvSpPr>
+            <a:spLocks noGrp="1"/>
+          </p:cNvSpPr>
+          <p:nvPr>
+            <p:ph type="body" idx="1"/>
+          </p:nvPr>
+        </p:nvSpPr>
+        <p:spPr/>
+        <p:txBody>
+          <a:bodyPr/>
+          <a:lstStyle/>
+          <a:p>
+            <a:endParaRPr lang="en-US" dirty="0"/>
+          </a:p>
+        </p:txBody>
+      </p:sp>
+      <p:sp>
+        <p:nvSpPr>
+          <p:cNvPr id="4" name="Slide Number Placeholder 3"/>
+          <p:cNvSpPr>
+            <a:spLocks noGrp="1"/>
+          </p:cNvSpPr>
+          <p:nvPr>
+            <p:ph type="sldNum" sz="quarter" idx="10"/>
+          </p:nvPr>
+        </p:nvSpPr>
+        <p:spPr/>
+        <p:txBody>
+          <a:bodyPr/>
+          <a:lstStyle/>
+          <a:p>
+            <a:fld id="{2F06AD33-72D2-4A0B-9DE7-EE3CF26210B9}" type="slidenum">
+              <a:rPr lang="en-US" smtClean="0"/>
+              <a:t>27</a:t>
+            </a:fld>
+            <a:endParaRPr lang="en-US"/>
+          </a:p>
+        </p:txBody>
+      </p:sp>
+    </p:spTree>
+    <p:extLst>
+      <p:ext uri="{BB962C8B-B14F-4D97-AF65-F5344CB8AC3E}">
+        <p14:creationId xmlns:p14="http://schemas.microsoft.com/office/powerpoint/2010/main" val="3588456929"/>
       </p:ext>
     </p:extLst>
   </p:cSld>
@@ -3888,7 +3999,7 @@
           <a:p>
             <a:r>
               <a:rPr lang="en-US" dirty="0"/>
-              <a:t>// The above D code snippet shows a working compile-time `static if`, where every branch does not introduce a new scope.</a:t>
+              <a:t>// "static if" is a name given to the compile-time counterpart of the `if` statement - its inclusion in the C++ language has been controversially proposed multiple times, but it has found a home in other languages. (C++17 will finally introduce a compile-time branching construct that we're going to analyze in this talk.)</a:t>
             </a:r>
           </a:p>
           <a:p>
@@ -3897,21 +4008,58 @@
           <a:p>
             <a:r>
               <a:rPr lang="en-US" dirty="0"/>
-              <a:t>Ask audience:</a:t>
+              <a:t>// C++ developers often feel that the functional purity of template metaprogramming and its lack of explicit control flow options make compile-time code harder to implement and to reason about.</a:t>
+            </a:r>
+          </a:p>
+          <a:p>
+            <a:endParaRPr lang="en-US" dirty="0"/>
+          </a:p>
+          <a:p>
+            <a:r>
+              <a:rPr lang="en-US" dirty="0"/>
+              <a:t>// In this talk, we'll analyze and implement two powerful compile-time</a:t>
             </a:r>
             <a:r>
               <a:rPr lang="en-US" baseline="0" dirty="0"/>
-              <a:t> how to achieve that in C++?</a:t>
-            </a:r>
+              <a:t> </a:t>
+            </a:r>
+            <a:r>
+              <a:rPr lang="en-US" dirty="0"/>
+              <a:t>C++14 control flow constructs: `</a:t>
+            </a:r>
+            <a:r>
+              <a:rPr lang="en-US" dirty="0" err="1"/>
+              <a:t>static_if</a:t>
+            </a:r>
+            <a:r>
+              <a:rPr lang="en-US" dirty="0"/>
+              <a:t>` and `</a:t>
+            </a:r>
+            <a:r>
+              <a:rPr lang="en-US" dirty="0" err="1"/>
+              <a:t>static_for</a:t>
+            </a:r>
+            <a:r>
+              <a:rPr lang="en-US" dirty="0"/>
+              <a:t>`.</a:t>
+            </a:r>
+          </a:p>
+          <a:p>
             <a:endParaRPr lang="en-US" dirty="0"/>
           </a:p>
           <a:p>
             <a:r>
               <a:rPr lang="en-US" dirty="0"/>
-              <a:t>// To achieve the same result in C++, a solution based on "explicit template specialization" can be used:</a:t>
-            </a:r>
-          </a:p>
-          <a:p>
+              <a:t>// Before doing that, we'll look at some examples of `static if` in action in other languages, and at the new `if </a:t>
+            </a:r>
+            <a:r>
+              <a:rPr lang="en-US" dirty="0" err="1"/>
+              <a:t>constexpr</a:t>
+            </a:r>
+            <a:r>
+              <a:rPr lang="en-US" dirty="0"/>
+              <a:t>` construct.</a:t>
+            </a:r>
             <a:endParaRPr lang="it-IT" dirty="0"/>
           </a:p>
         </p:txBody>
@@ -3942,7 +4090,7 @@
     </p:spTree>
     <p:extLst>
       <p:ext uri="{BB962C8B-B14F-4D97-AF65-F5344CB8AC3E}">
-        <p14:creationId xmlns:p14="http://schemas.microsoft.com/office/powerpoint/2010/main" val="2838806843"/>
+        <p14:creationId xmlns:p14="http://schemas.microsoft.com/office/powerpoint/2010/main" val="466301532"/>
       </p:ext>
     </p:extLst>
   </p:cSld>
@@ -3998,7 +4146,7 @@
           <a:p>
             <a:r>
               <a:rPr lang="en-US" dirty="0"/>
-              <a:t>// "static if" is not only useful when defining type aliases, but it's very convenient (and considered superior to specialization) in contexts where a small piece of code needs to be conditionally executed depending on a compile-time condition.</a:t>
+              <a:t>// The above D code snippet shows a working compile-time `static if`, where every branch does not introduce a new scope.</a:t>
             </a:r>
           </a:p>
           <a:p>
@@ -4007,12 +4155,21 @@
           <a:p>
             <a:r>
               <a:rPr lang="en-US" dirty="0"/>
-              <a:t>Traditional:</a:t>
+              <a:t>Ask audience:</a:t>
             </a:r>
             <a:r>
               <a:rPr lang="en-US" baseline="0" dirty="0"/>
-              <a:t> two overloads, repetition</a:t>
-            </a:r>
+              <a:t> how to achieve that in C++?</a:t>
+            </a:r>
+            <a:endParaRPr lang="en-US" dirty="0"/>
+          </a:p>
+          <a:p>
+            <a:r>
+              <a:rPr lang="en-US" dirty="0"/>
+              <a:t>// To achieve the same result in C++, a solution based on "explicit template specialization" can be used:</a:t>
+            </a:r>
+          </a:p>
+          <a:p>
             <a:endParaRPr lang="it-IT" dirty="0"/>
           </a:p>
         </p:txBody>
@@ -4043,7 +4200,7 @@
     </p:spTree>
     <p:extLst>
       <p:ext uri="{BB962C8B-B14F-4D97-AF65-F5344CB8AC3E}">
-        <p14:creationId xmlns:p14="http://schemas.microsoft.com/office/powerpoint/2010/main" val="3535369173"/>
+        <p14:creationId xmlns:p14="http://schemas.microsoft.com/office/powerpoint/2010/main" val="2838806843"/>
       </p:ext>
     </p:extLst>
   </p:cSld>
@@ -4099,11 +4256,20 @@
           <a:p>
             <a:r>
               <a:rPr lang="en-US" dirty="0"/>
-              <a:t>Static if: a</a:t>
+              <a:t>// "static if" is not only useful when defining type aliases, but it's very convenient (and considered superior to specialization) in contexts where a small piece of code needs to be conditionally executed depending on a compile-time condition.</a:t>
+            </a:r>
+          </a:p>
+          <a:p>
+            <a:endParaRPr lang="en-US" dirty="0"/>
+          </a:p>
+          <a:p>
+            <a:r>
+              <a:rPr lang="en-US" dirty="0"/>
+              <a:t>Traditional:</a:t>
             </a:r>
             <a:r>
               <a:rPr lang="en-US" baseline="0" dirty="0"/>
-              <a:t> single overload, no repetition, “more local” code</a:t>
+              <a:t> two overloads, repetition</a:t>
             </a:r>
             <a:endParaRPr lang="it-IT" dirty="0"/>
           </a:p>
@@ -4135,7 +4301,7 @@
     </p:spTree>
     <p:extLst>
       <p:ext uri="{BB962C8B-B14F-4D97-AF65-F5344CB8AC3E}">
-        <p14:creationId xmlns:p14="http://schemas.microsoft.com/office/powerpoint/2010/main" val="2169759471"/>
+        <p14:creationId xmlns:p14="http://schemas.microsoft.com/office/powerpoint/2010/main" val="3535369173"/>
       </p:ext>
     </p:extLst>
   </p:cSld>
@@ -4191,19 +4357,11 @@
           <a:p>
             <a:r>
               <a:rPr lang="en-US" dirty="0"/>
-              <a:t>Traditional:</a:t>
+              <a:t>Static if: a</a:t>
             </a:r>
             <a:r>
               <a:rPr lang="en-US" baseline="0" dirty="0"/>
-              <a:t> explicit specialization, </a:t>
-            </a:r>
-            <a:r>
-              <a:rPr lang="en-US" baseline="0" dirty="0" err="1"/>
-              <a:t>enable_if</a:t>
-            </a:r>
-            <a:r>
-              <a:rPr lang="en-US" baseline="0" dirty="0"/>
-              <a:t>, two functions, repetition</a:t>
+              <a:t> single overload, no repetition, “more local” code</a:t>
             </a:r>
             <a:endParaRPr lang="it-IT" dirty="0"/>
           </a:p>
@@ -4235,7 +4393,7 @@
     </p:spTree>
     <p:extLst>
       <p:ext uri="{BB962C8B-B14F-4D97-AF65-F5344CB8AC3E}">
-        <p14:creationId xmlns:p14="http://schemas.microsoft.com/office/powerpoint/2010/main" val="2051265502"/>
+        <p14:creationId xmlns:p14="http://schemas.microsoft.com/office/powerpoint/2010/main" val="2169759471"/>
       </p:ext>
     </p:extLst>
   </p:cSld>
@@ -4291,28 +4449,19 @@
           <a:p>
             <a:r>
               <a:rPr lang="en-US" dirty="0"/>
-              <a:t>Static if: one function,</a:t>
+              <a:t>Traditional:</a:t>
             </a:r>
             <a:r>
               <a:rPr lang="en-US" baseline="0" dirty="0"/>
-              <a:t> no enable if, no repetition, “cleanliness” and “locality”</a:t>
-            </a:r>
-          </a:p>
-          <a:p>
-            <a:endParaRPr lang="en-US" baseline="0" dirty="0"/>
-          </a:p>
-          <a:p>
-            <a:r>
-              <a:rPr lang="en-US" dirty="0"/>
-              <a:t>// The above examples were not created by me: they are part of a series of proposals that led to the inclusion of `if </a:t>
-            </a:r>
-            <a:r>
-              <a:rPr lang="en-US" dirty="0" err="1"/>
-              <a:t>constexpr</a:t>
-            </a:r>
-            <a:r>
-              <a:rPr lang="en-US" dirty="0"/>
-              <a:t>` in the upcoming C++17 standard.</a:t>
+              <a:t> explicit specialization, </a:t>
+            </a:r>
+            <a:r>
+              <a:rPr lang="en-US" baseline="0" dirty="0" err="1"/>
+              <a:t>enable_if</a:t>
+            </a:r>
+            <a:r>
+              <a:rPr lang="en-US" baseline="0" dirty="0"/>
+              <a:t>, two functions, repetition</a:t>
             </a:r>
             <a:endParaRPr lang="it-IT" dirty="0"/>
           </a:p>
@@ -4344,7 +4493,7 @@
     </p:spTree>
     <p:extLst>
       <p:ext uri="{BB962C8B-B14F-4D97-AF65-F5344CB8AC3E}">
-        <p14:creationId xmlns:p14="http://schemas.microsoft.com/office/powerpoint/2010/main" val="3223549252"/>
+        <p14:creationId xmlns:p14="http://schemas.microsoft.com/office/powerpoint/2010/main" val="2051265502"/>
       </p:ext>
     </p:extLst>
   </p:cSld>
@@ -4398,6 +4547,31 @@
           <a:bodyPr/>
           <a:lstStyle/>
           <a:p>
+            <a:r>
+              <a:rPr lang="en-US" dirty="0"/>
+              <a:t>Static if: one function,</a:t>
+            </a:r>
+            <a:r>
+              <a:rPr lang="en-US" baseline="0" dirty="0"/>
+              <a:t> no enable if, no repetition, “cleanliness” and “locality”</a:t>
+            </a:r>
+          </a:p>
+          <a:p>
+            <a:endParaRPr lang="en-US" baseline="0" dirty="0"/>
+          </a:p>
+          <a:p>
+            <a:r>
+              <a:rPr lang="en-US" dirty="0"/>
+              <a:t>// The above examples were not created by me: they are part of a series of proposals that led to the inclusion of `if </a:t>
+            </a:r>
+            <a:r>
+              <a:rPr lang="en-US" dirty="0" err="1"/>
+              <a:t>constexpr</a:t>
+            </a:r>
+            <a:r>
+              <a:rPr lang="en-US" dirty="0"/>
+              <a:t>` in the upcoming C++17 standard.</a:t>
+            </a:r>
             <a:endParaRPr lang="it-IT" dirty="0"/>
           </a:p>
         </p:txBody>
@@ -4428,7 +4602,7 @@
     </p:spTree>
     <p:extLst>
       <p:ext uri="{BB962C8B-B14F-4D97-AF65-F5344CB8AC3E}">
-        <p14:creationId xmlns:p14="http://schemas.microsoft.com/office/powerpoint/2010/main" val="4076380116"/>
+        <p14:creationId xmlns:p14="http://schemas.microsoft.com/office/powerpoint/2010/main" val="3223549252"/>
       </p:ext>
     </p:extLst>
   </p:cSld>
@@ -4512,7 +4686,7 @@
     </p:spTree>
     <p:extLst>
       <p:ext uri="{BB962C8B-B14F-4D97-AF65-F5344CB8AC3E}">
-        <p14:creationId xmlns:p14="http://schemas.microsoft.com/office/powerpoint/2010/main" val="1502857467"/>
+        <p14:creationId xmlns:p14="http://schemas.microsoft.com/office/powerpoint/2010/main" val="4076380116"/>
       </p:ext>
     </p:extLst>
   </p:cSld>
@@ -4596,7 +4770,7 @@
     </p:spTree>
     <p:extLst>
       <p:ext uri="{BB962C8B-B14F-4D97-AF65-F5344CB8AC3E}">
-        <p14:creationId xmlns:p14="http://schemas.microsoft.com/office/powerpoint/2010/main" val="812567192"/>
+        <p14:creationId xmlns:p14="http://schemas.microsoft.com/office/powerpoint/2010/main" val="1502857467"/>
       </p:ext>
     </p:extLst>
   </p:cSld>
@@ -4735,7 +4909,7 @@
           <a:p>
             <a:fld id="{0E21B2B3-E214-4FE3-82D2-1382B0B5A0C3}" type="datetimeFigureOut">
               <a:rPr lang="it-IT" smtClean="0"/>
-              <a:t>22/08/2016</a:t>
+              <a:t>23/08/2016</a:t>
             </a:fld>
             <a:endParaRPr lang="it-IT"/>
           </a:p>
@@ -4903,7 +5077,7 @@
           <a:p>
             <a:fld id="{0E21B2B3-E214-4FE3-82D2-1382B0B5A0C3}" type="datetimeFigureOut">
               <a:rPr lang="it-IT" smtClean="0"/>
-              <a:t>22/08/2016</a:t>
+              <a:t>23/08/2016</a:t>
             </a:fld>
             <a:endParaRPr lang="it-IT"/>
           </a:p>
@@ -5081,7 +5255,7 @@
           <a:p>
             <a:fld id="{0E21B2B3-E214-4FE3-82D2-1382B0B5A0C3}" type="datetimeFigureOut">
               <a:rPr lang="it-IT" smtClean="0"/>
-              <a:t>22/08/2016</a:t>
+              <a:t>23/08/2016</a:t>
             </a:fld>
             <a:endParaRPr lang="it-IT"/>
           </a:p>
@@ -5249,7 +5423,7 @@
           <a:p>
             <a:fld id="{0E21B2B3-E214-4FE3-82D2-1382B0B5A0C3}" type="datetimeFigureOut">
               <a:rPr lang="it-IT" smtClean="0"/>
-              <a:t>22/08/2016</a:t>
+              <a:t>23/08/2016</a:t>
             </a:fld>
             <a:endParaRPr lang="it-IT"/>
           </a:p>
@@ -5494,7 +5668,7 @@
           <a:p>
             <a:fld id="{0E21B2B3-E214-4FE3-82D2-1382B0B5A0C3}" type="datetimeFigureOut">
               <a:rPr lang="it-IT" smtClean="0"/>
-              <a:t>22/08/2016</a:t>
+              <a:t>23/08/2016</a:t>
             </a:fld>
             <a:endParaRPr lang="it-IT"/>
           </a:p>
@@ -5723,7 +5897,7 @@
           <a:p>
             <a:fld id="{0E21B2B3-E214-4FE3-82D2-1382B0B5A0C3}" type="datetimeFigureOut">
               <a:rPr lang="it-IT" smtClean="0"/>
-              <a:t>22/08/2016</a:t>
+              <a:t>23/08/2016</a:t>
             </a:fld>
             <a:endParaRPr lang="it-IT"/>
           </a:p>
@@ -6087,7 +6261,7 @@
           <a:p>
             <a:fld id="{0E21B2B3-E214-4FE3-82D2-1382B0B5A0C3}" type="datetimeFigureOut">
               <a:rPr lang="it-IT" smtClean="0"/>
-              <a:t>22/08/2016</a:t>
+              <a:t>23/08/2016</a:t>
             </a:fld>
             <a:endParaRPr lang="it-IT"/>
           </a:p>
@@ -6204,7 +6378,7 @@
           <a:p>
             <a:fld id="{0E21B2B3-E214-4FE3-82D2-1382B0B5A0C3}" type="datetimeFigureOut">
               <a:rPr lang="it-IT" smtClean="0"/>
-              <a:t>22/08/2016</a:t>
+              <a:t>23/08/2016</a:t>
             </a:fld>
             <a:endParaRPr lang="it-IT"/>
           </a:p>
@@ -6299,7 +6473,7 @@
           <a:p>
             <a:fld id="{0E21B2B3-E214-4FE3-82D2-1382B0B5A0C3}" type="datetimeFigureOut">
               <a:rPr lang="it-IT" smtClean="0"/>
-              <a:t>22/08/2016</a:t>
+              <a:t>23/08/2016</a:t>
             </a:fld>
             <a:endParaRPr lang="it-IT"/>
           </a:p>
@@ -6574,7 +6748,7 @@
           <a:p>
             <a:fld id="{0E21B2B3-E214-4FE3-82D2-1382B0B5A0C3}" type="datetimeFigureOut">
               <a:rPr lang="it-IT" smtClean="0"/>
-              <a:t>22/08/2016</a:t>
+              <a:t>23/08/2016</a:t>
             </a:fld>
             <a:endParaRPr lang="it-IT"/>
           </a:p>
@@ -6826,7 +7000,7 @@
           <a:p>
             <a:fld id="{0E21B2B3-E214-4FE3-82D2-1382B0B5A0C3}" type="datetimeFigureOut">
               <a:rPr lang="it-IT" smtClean="0"/>
-              <a:t>22/08/2016</a:t>
+              <a:t>23/08/2016</a:t>
             </a:fld>
             <a:endParaRPr lang="it-IT"/>
           </a:p>
@@ -7037,7 +7211,7 @@
           <a:p>
             <a:fld id="{0E21B2B3-E214-4FE3-82D2-1382B0B5A0C3}" type="datetimeFigureOut">
               <a:rPr lang="it-IT" smtClean="0"/>
-              <a:t>22/08/2016</a:t>
+              <a:t>23/08/2016</a:t>
             </a:fld>
             <a:endParaRPr lang="it-IT"/>
           </a:p>
@@ -7452,72 +7626,242 @@
             <p:ph type="ctrTitle"/>
           </p:nvPr>
         </p:nvSpPr>
-        <p:spPr/>
+        <p:spPr>
+          <a:xfrm>
+            <a:off x="4116964" y="832831"/>
+            <a:ext cx="5593964" cy="1618697"/>
+          </a:xfrm>
+        </p:spPr>
         <p:txBody>
           <a:bodyPr>
             <a:normAutofit/>
           </a:bodyPr>
           <a:lstStyle/>
           <a:p>
-            <a:r>
-              <a:rPr lang="en-US" dirty="0"/>
-              <a:t>Implementing “static” control flow in C++14</a:t>
-            </a:r>
-            <a:endParaRPr lang="it-IT" dirty="0"/>
+            <a:pPr algn="l"/>
+            <a:r>
+              <a:rPr lang="en-US" sz="4800" dirty="0"/>
+              <a:t>Implementing </a:t>
+            </a:r>
+            <a:r>
+              <a:rPr lang="en-US" sz="4800" b="1" dirty="0"/>
+              <a:t>“static” control flow </a:t>
+            </a:r>
+            <a:r>
+              <a:rPr lang="en-US" sz="4800" dirty="0"/>
+              <a:t>in C++14</a:t>
+            </a:r>
+            <a:endParaRPr lang="it-IT" sz="4800" dirty="0"/>
           </a:p>
         </p:txBody>
       </p:sp>
       <p:sp>
         <p:nvSpPr>
-          <p:cNvPr id="5" name="Sottotitolo 4"/>
-          <p:cNvSpPr>
-            <a:spLocks noGrp="1"/>
-          </p:cNvSpPr>
-          <p:nvPr>
-            <p:ph type="subTitle" idx="1"/>
-          </p:nvPr>
+          <p:cNvPr id="6" name="CasellaDiTesto 8"/>
+          <p:cNvSpPr txBox="1"/>
+          <p:nvPr/>
         </p:nvSpPr>
-        <p:spPr/>
+        <p:spPr>
+          <a:xfrm>
+            <a:off x="1742110" y="3918247"/>
+            <a:ext cx="5113900" cy="830997"/>
+          </a:xfrm>
+          <a:prstGeom prst="rect">
+            <a:avLst/>
+          </a:prstGeom>
+          <a:noFill/>
+        </p:spPr>
         <p:txBody>
-          <a:bodyPr/>
+          <a:bodyPr wrap="none" rtlCol="0">
+            <a:spAutoFit/>
+          </a:bodyPr>
           <a:lstStyle/>
           <a:p>
             <a:r>
-              <a:rPr lang="en-US" dirty="0" err="1"/>
-              <a:t>Todo</a:t>
-            </a:r>
-            <a:r>
-              <a:rPr lang="en-US" dirty="0"/>
-              <a:t>: Vittorio Romeo, Bloomberg, </a:t>
-            </a:r>
-            <a:r>
-              <a:rPr lang="en-US" dirty="0" err="1"/>
-              <a:t>CppCon</a:t>
-            </a:r>
-            <a:r>
-              <a:rPr lang="en-US" dirty="0"/>
-              <a:t> (check </a:t>
-            </a:r>
-            <a:r>
-              <a:rPr lang="en-US" dirty="0" err="1"/>
-              <a:t>c++</a:t>
-            </a:r>
-            <a:r>
-              <a:rPr lang="en-US" dirty="0"/>
-              <a:t>now </a:t>
-            </a:r>
-            <a:r>
-              <a:rPr lang="en-US" dirty="0" err="1"/>
-              <a:t>ecst</a:t>
-            </a:r>
-            <a:r>
-              <a:rPr lang="en-US" dirty="0"/>
-              <a:t>)</a:t>
-            </a:r>
-            <a:endParaRPr lang="it-IT" dirty="0"/>
+              <a:rPr lang="it-IT" sz="2800" dirty="0">
+                <a:latin typeface="Consolas" panose="020B0609020204030204" pitchFamily="49" charset="0"/>
+                <a:cs typeface="Consolas" panose="020B0609020204030204" pitchFamily="49" charset="0"/>
+                <a:hlinkClick r:id="rId2"/>
+              </a:rPr>
+              <a:t>http://</a:t>
+            </a:r>
+            <a:r>
+              <a:rPr lang="it-IT" sz="2800" b="1" dirty="0">
+                <a:latin typeface="Consolas" panose="020B0609020204030204" pitchFamily="49" charset="0"/>
+                <a:cs typeface="Consolas" panose="020B0609020204030204" pitchFamily="49" charset="0"/>
+                <a:hlinkClick r:id="rId2"/>
+              </a:rPr>
+              <a:t>vittorioromeo.info</a:t>
+            </a:r>
+            <a:endParaRPr lang="it-IT" sz="2800" b="1" dirty="0">
+              <a:latin typeface="Consolas" panose="020B0609020204030204" pitchFamily="49" charset="0"/>
+              <a:cs typeface="Consolas" panose="020B0609020204030204" pitchFamily="49" charset="0"/>
+            </a:endParaRPr>
+          </a:p>
+          <a:p>
+            <a:r>
+              <a:rPr lang="it-IT" sz="2000" b="1" dirty="0">
+                <a:latin typeface="Consolas" panose="020B0609020204030204" pitchFamily="49" charset="0"/>
+                <a:cs typeface="Consolas" panose="020B0609020204030204" pitchFamily="49" charset="0"/>
+              </a:rPr>
+              <a:t>vittorio.romeo@</a:t>
+            </a:r>
+            <a:r>
+              <a:rPr lang="it-IT" sz="2000" b="0" dirty="0">
+                <a:latin typeface="Consolas" panose="020B0609020204030204" pitchFamily="49" charset="0"/>
+                <a:cs typeface="Consolas" panose="020B0609020204030204" pitchFamily="49" charset="0"/>
+              </a:rPr>
+              <a:t>outlook.com</a:t>
+            </a:r>
           </a:p>
         </p:txBody>
       </p:sp>
+      <p:pic>
+        <p:nvPicPr>
+          <p:cNvPr id="7" name="Immagine 9"/>
+          <p:cNvPicPr>
+            <a:picLocks noChangeAspect="1"/>
+          </p:cNvPicPr>
+          <p:nvPr/>
+        </p:nvPicPr>
+        <p:blipFill>
+          <a:blip r:embed="rId3" cstate="print">
+            <a:extLst>
+              <a:ext uri="{28A0092B-C50C-407E-A947-70E740481C1C}">
+                <a14:useLocalDpi xmlns:a14="http://schemas.microsoft.com/office/drawing/2010/main" val="0"/>
+              </a:ext>
+            </a:extLst>
+          </a:blip>
+          <a:stretch>
+            <a:fillRect/>
+          </a:stretch>
+        </p:blipFill>
+        <p:spPr>
+          <a:xfrm>
+            <a:off x="1092569" y="4000179"/>
+            <a:ext cx="658496" cy="683800"/>
+          </a:xfrm>
+          <a:prstGeom prst="rect">
+            <a:avLst/>
+          </a:prstGeom>
+        </p:spPr>
+      </p:pic>
+      <p:sp>
+        <p:nvSpPr>
+          <p:cNvPr id="9" name="Rettangolo 23"/>
+          <p:cNvSpPr/>
+          <p:nvPr/>
+        </p:nvSpPr>
+        <p:spPr>
+          <a:xfrm>
+            <a:off x="1421817" y="5225559"/>
+            <a:ext cx="9260539" cy="646331"/>
+          </a:xfrm>
+          <a:prstGeom prst="rect">
+            <a:avLst/>
+          </a:prstGeom>
+        </p:spPr>
+        <p:txBody>
+          <a:bodyPr wrap="square">
+            <a:spAutoFit/>
+          </a:bodyPr>
+          <a:lstStyle/>
+          <a:p>
+            <a:pPr algn="ctr"/>
+            <a:r>
+              <a:rPr lang="it-IT" sz="3600" i="0" dirty="0">
+                <a:hlinkClick r:id="rId4"/>
+              </a:rPr>
+              <a:t>http:</a:t>
+            </a:r>
+            <a:r>
+              <a:rPr lang="en-US" sz="3600" i="0" dirty="0">
+                <a:hlinkClick r:id="rId4"/>
+              </a:rPr>
+              <a:t>//</a:t>
+            </a:r>
+            <a:r>
+              <a:rPr lang="it-IT" sz="3600" i="0" dirty="0">
+                <a:hlinkClick r:id="rId4"/>
+              </a:rPr>
+              <a:t>github.com/SuperV12</a:t>
+            </a:r>
+            <a:r>
+              <a:rPr lang="it-IT" sz="3600" b="0" i="0" dirty="0">
+                <a:hlinkClick r:id="rId4"/>
+              </a:rPr>
+              <a:t>3</a:t>
+            </a:r>
+            <a:r>
+              <a:rPr lang="it-IT" sz="3600" i="0" dirty="0">
+                <a:hlinkClick r:id="rId4"/>
+              </a:rPr>
+              <a:t>4/cppcon2016</a:t>
+            </a:r>
+            <a:endParaRPr lang="en-US" sz="3600" i="0" dirty="0"/>
+          </a:p>
+        </p:txBody>
+      </p:sp>
+      <p:pic>
+        <p:nvPicPr>
+          <p:cNvPr id="2" name="Picture 1"/>
+          <p:cNvPicPr>
+            <a:picLocks noChangeAspect="1"/>
+          </p:cNvPicPr>
+          <p:nvPr/>
+        </p:nvPicPr>
+        <p:blipFill>
+          <a:blip r:embed="rId5">
+            <a:extLst>
+              <a:ext uri="{28A0092B-C50C-407E-A947-70E740481C1C}">
+                <a14:useLocalDpi xmlns:a14="http://schemas.microsoft.com/office/drawing/2010/main" val="0"/>
+              </a:ext>
+            </a:extLst>
+          </a:blip>
+          <a:stretch>
+            <a:fillRect/>
+          </a:stretch>
+        </p:blipFill>
+        <p:spPr>
+          <a:xfrm>
+            <a:off x="1998242" y="832831"/>
+            <a:ext cx="1754942" cy="1754942"/>
+          </a:xfrm>
+          <a:prstGeom prst="rect">
+            <a:avLst/>
+          </a:prstGeom>
+        </p:spPr>
+      </p:pic>
+      <p:pic>
+        <p:nvPicPr>
+          <p:cNvPr id="10" name="Picture 9"/>
+          <p:cNvPicPr>
+            <a:picLocks noChangeAspect="1"/>
+          </p:cNvPicPr>
+          <p:nvPr/>
+        </p:nvPicPr>
+        <p:blipFill>
+          <a:blip r:embed="rId6">
+            <a:extLst>
+              <a:ext uri="{28A0092B-C50C-407E-A947-70E740481C1C}">
+                <a14:useLocalDpi xmlns:a14="http://schemas.microsoft.com/office/drawing/2010/main" val="0"/>
+              </a:ext>
+            </a:extLst>
+          </a:blip>
+          <a:stretch>
+            <a:fillRect/>
+          </a:stretch>
+        </p:blipFill>
+        <p:spPr>
+          <a:xfrm>
+            <a:off x="8001000" y="4103022"/>
+            <a:ext cx="3231110" cy="646222"/>
+          </a:xfrm>
+          <a:prstGeom prst="rect">
+            <a:avLst/>
+          </a:prstGeom>
+        </p:spPr>
+      </p:pic>
     </p:spTree>
     <p:extLst>
       <p:ext uri="{BB962C8B-B14F-4D97-AF65-F5344CB8AC3E}">
@@ -7528,6 +7872,92 @@
   <p:clrMapOvr>
     <a:masterClrMapping/>
   </p:clrMapOvr>
+  <p:timing>
+    <p:tnLst>
+      <p:par>
+        <p:cTn id="1" dur="indefinite" restart="never" nodeType="tmRoot">
+          <p:childTnLst>
+            <p:seq concurrent="1" nextAc="seek">
+              <p:cTn id="2" dur="indefinite" nodeType="mainSeq">
+                <p:childTnLst>
+                  <p:par>
+                    <p:cTn id="3" fill="hold">
+                      <p:stCondLst>
+                        <p:cond delay="indefinite"/>
+                      </p:stCondLst>
+                      <p:childTnLst>
+                        <p:par>
+                          <p:cTn id="4" fill="hold">
+                            <p:stCondLst>
+                              <p:cond delay="0"/>
+                            </p:stCondLst>
+                            <p:childTnLst>
+                              <p:par>
+                                <p:cTn id="5" presetID="10" presetClass="entr" presetSubtype="0" fill="hold" grpId="0" nodeType="clickEffect">
+                                  <p:stCondLst>
+                                    <p:cond delay="0"/>
+                                  </p:stCondLst>
+                                  <p:childTnLst>
+                                    <p:set>
+                                      <p:cBhvr>
+                                        <p:cTn id="6" dur="1" fill="hold">
+                                          <p:stCondLst>
+                                            <p:cond delay="0"/>
+                                          </p:stCondLst>
+                                        </p:cTn>
+                                        <p:tgtEl>
+                                          <p:spTgt spid="9"/>
+                                        </p:tgtEl>
+                                        <p:attrNameLst>
+                                          <p:attrName>style.visibility</p:attrName>
+                                        </p:attrNameLst>
+                                      </p:cBhvr>
+                                      <p:to>
+                                        <p:strVal val="visible"/>
+                                      </p:to>
+                                    </p:set>
+                                    <p:animEffect transition="in" filter="fade">
+                                      <p:cBhvr>
+                                        <p:cTn id="7" dur="500"/>
+                                        <p:tgtEl>
+                                          <p:spTgt spid="9"/>
+                                        </p:tgtEl>
+                                      </p:cBhvr>
+                                    </p:animEffect>
+                                  </p:childTnLst>
+                                </p:cTn>
+                              </p:par>
+                            </p:childTnLst>
+                          </p:cTn>
+                        </p:par>
+                      </p:childTnLst>
+                    </p:cTn>
+                  </p:par>
+                </p:childTnLst>
+              </p:cTn>
+              <p:prevCondLst>
+                <p:cond evt="onPrev" delay="0">
+                  <p:tgtEl>
+                    <p:sldTgt/>
+                  </p:tgtEl>
+                </p:cond>
+              </p:prevCondLst>
+              <p:nextCondLst>
+                <p:cond evt="onNext" delay="0">
+                  <p:tgtEl>
+                    <p:sldTgt/>
+                  </p:tgtEl>
+                </p:cond>
+              </p:nextCondLst>
+            </p:seq>
+          </p:childTnLst>
+        </p:cTn>
+      </p:par>
+    </p:tnLst>
+    <p:bldLst>
+      <p:bldP spid="9" grpId="0"/>
+    </p:bldLst>
+  </p:timing>
 </p:sld>
 </file>
 
@@ -7575,6 +8005,685 @@
             </a:r>
             <a:r>
               <a:rPr lang="en-US" dirty="0"/>
+              <a:t> proposals - 2</a:t>
+            </a:r>
+            <a:endParaRPr lang="it-IT" dirty="0"/>
+          </a:p>
+        </p:txBody>
+      </p:sp>
+      <p:sp>
+        <p:nvSpPr>
+          <p:cNvPr id="3" name="Content Placeholder 2"/>
+          <p:cNvSpPr>
+            <a:spLocks noGrp="1"/>
+          </p:cNvSpPr>
+          <p:nvPr>
+            <p:ph idx="1"/>
+          </p:nvPr>
+        </p:nvSpPr>
+        <p:spPr/>
+        <p:txBody>
+          <a:bodyPr/>
+          <a:lstStyle/>
+          <a:p>
+            <a:r>
+              <a:rPr lang="en-US" dirty="0"/>
+              <a:t>Starting with </a:t>
+            </a:r>
+            <a:r>
+              <a:rPr lang="en-US" dirty="0">
+                <a:hlinkClick r:id="rId3"/>
+              </a:rPr>
+              <a:t>N4461</a:t>
+            </a:r>
+            <a:r>
+              <a:rPr lang="en-US" dirty="0"/>
+              <a:t> by </a:t>
+            </a:r>
+            <a:r>
+              <a:rPr lang="en-US" i="1" dirty="0"/>
+              <a:t>V. </a:t>
+            </a:r>
+            <a:r>
+              <a:rPr lang="en-US" i="1" dirty="0" err="1"/>
+              <a:t>Voutilainen</a:t>
+            </a:r>
+            <a:r>
+              <a:rPr lang="en-US" dirty="0"/>
+              <a:t>, the idea of a compile-time `if` construct with familiar scope rules began to gain traction.</a:t>
+            </a:r>
+          </a:p>
+          <a:p>
+            <a:pPr lvl="1"/>
+            <a:r>
+              <a:rPr lang="en-US" dirty="0"/>
+              <a:t>“</a:t>
+            </a:r>
+            <a:r>
+              <a:rPr lang="it-IT" dirty="0" err="1"/>
+              <a:t>Static</a:t>
+            </a:r>
+            <a:r>
+              <a:rPr lang="it-IT" dirty="0"/>
+              <a:t> </a:t>
+            </a:r>
+            <a:r>
+              <a:rPr lang="it-IT" dirty="0" err="1"/>
+              <a:t>if</a:t>
+            </a:r>
+            <a:r>
+              <a:rPr lang="it-IT" dirty="0"/>
+              <a:t> </a:t>
+            </a:r>
+            <a:r>
+              <a:rPr lang="it-IT" dirty="0" err="1"/>
+              <a:t>resurrected</a:t>
+            </a:r>
+            <a:r>
+              <a:rPr lang="en-US" dirty="0"/>
+              <a:t>“ </a:t>
+            </a:r>
+            <a:r>
+              <a:rPr lang="en-US" i="1" dirty="0"/>
+              <a:t>– Ville </a:t>
+            </a:r>
+            <a:r>
+              <a:rPr lang="en-US" i="1" dirty="0" err="1"/>
+              <a:t>Voutilainen</a:t>
+            </a:r>
+            <a:endParaRPr lang="en-US" dirty="0"/>
+          </a:p>
+          <a:p>
+            <a:r>
+              <a:rPr lang="en-US" dirty="0"/>
+              <a:t> Eventually, the proposed syntax and standard wording was revised multiple times in </a:t>
+            </a:r>
+            <a:r>
+              <a:rPr lang="en-US" dirty="0">
+                <a:hlinkClick r:id="rId4"/>
+              </a:rPr>
+              <a:t>P0128R0</a:t>
+            </a:r>
+            <a:r>
+              <a:rPr lang="en-US" dirty="0"/>
+              <a:t>, </a:t>
+            </a:r>
+            <a:r>
+              <a:rPr lang="en-US" dirty="0">
+                <a:hlinkClick r:id="rId5"/>
+              </a:rPr>
+              <a:t>P0128R1</a:t>
+            </a:r>
+            <a:r>
+              <a:rPr lang="en-US" dirty="0"/>
+              <a:t>, </a:t>
+            </a:r>
+            <a:r>
+              <a:rPr lang="en-US" dirty="0">
+                <a:hlinkClick r:id="rId6"/>
+              </a:rPr>
+              <a:t>P0292R0</a:t>
+            </a:r>
+            <a:r>
+              <a:rPr lang="en-US" dirty="0"/>
+              <a:t>, and </a:t>
+            </a:r>
+            <a:r>
+              <a:rPr lang="en-US" dirty="0">
+                <a:hlinkClick r:id="rId7"/>
+              </a:rPr>
+              <a:t>P0292R1</a:t>
+            </a:r>
+            <a:r>
+              <a:rPr lang="en-US" dirty="0"/>
+              <a:t>.</a:t>
+            </a:r>
+          </a:p>
+          <a:p>
+            <a:pPr lvl="1"/>
+            <a:r>
+              <a:rPr lang="en-US" dirty="0"/>
+              <a:t>“</a:t>
+            </a:r>
+            <a:r>
+              <a:rPr lang="it-IT" dirty="0" err="1"/>
+              <a:t>constexpr_if</a:t>
+            </a:r>
+            <a:r>
+              <a:rPr lang="en-US" dirty="0"/>
+              <a:t>” </a:t>
+            </a:r>
+            <a:r>
+              <a:rPr lang="en-US" i="1" dirty="0"/>
+              <a:t>– Ville </a:t>
+            </a:r>
+            <a:r>
+              <a:rPr lang="en-US" i="1" dirty="0" err="1"/>
+              <a:t>Voutilainen</a:t>
+            </a:r>
+            <a:endParaRPr lang="en-US" i="1" dirty="0"/>
+          </a:p>
+          <a:p>
+            <a:pPr lvl="1"/>
+            <a:r>
+              <a:rPr lang="en-US" dirty="0"/>
+              <a:t>“</a:t>
+            </a:r>
+            <a:r>
+              <a:rPr lang="it-IT" dirty="0" err="1"/>
+              <a:t>constexpr_if</a:t>
+            </a:r>
+            <a:r>
+              <a:rPr lang="en-US" dirty="0"/>
+              <a:t>” </a:t>
+            </a:r>
+            <a:r>
+              <a:rPr lang="en-US" i="1" dirty="0"/>
+              <a:t>– Ville </a:t>
+            </a:r>
+            <a:r>
+              <a:rPr lang="en-US" i="1" dirty="0" err="1"/>
+              <a:t>Voutilainen</a:t>
+            </a:r>
+            <a:r>
+              <a:rPr lang="en-US" i="1" dirty="0"/>
+              <a:t>, </a:t>
+            </a:r>
+            <a:r>
+              <a:rPr lang="en-US" i="1" dirty="0" err="1"/>
+              <a:t>Daveed</a:t>
+            </a:r>
+            <a:r>
+              <a:rPr lang="en-US" i="1" dirty="0"/>
+              <a:t> </a:t>
+            </a:r>
+            <a:r>
+              <a:rPr lang="en-US" i="1" dirty="0" err="1"/>
+              <a:t>Vandevoorde</a:t>
+            </a:r>
+            <a:endParaRPr lang="en-US" i="1" dirty="0"/>
+          </a:p>
+          <a:p>
+            <a:pPr lvl="1"/>
+            <a:r>
+              <a:rPr lang="en-US" dirty="0"/>
+              <a:t>“</a:t>
+            </a:r>
+            <a:r>
+              <a:rPr lang="en-US" dirty="0" err="1"/>
+              <a:t>constexpr</a:t>
+            </a:r>
+            <a:r>
+              <a:rPr lang="en-US" dirty="0"/>
+              <a:t> if: A slightly different syntax”</a:t>
+            </a:r>
+            <a:r>
+              <a:rPr lang="en-US" i="1" dirty="0"/>
+              <a:t> – </a:t>
+            </a:r>
+            <a:r>
+              <a:rPr lang="it-IT" i="1" dirty="0"/>
+              <a:t>Jens </a:t>
+            </a:r>
+            <a:r>
+              <a:rPr lang="it-IT" i="1" dirty="0" err="1"/>
+              <a:t>Maurer</a:t>
+            </a:r>
+            <a:endParaRPr lang="it-IT" i="1" dirty="0"/>
+          </a:p>
+          <a:p>
+            <a:pPr lvl="1"/>
+            <a:r>
+              <a:rPr lang="en-US" dirty="0"/>
+              <a:t>“</a:t>
+            </a:r>
+            <a:r>
+              <a:rPr lang="en-US" dirty="0" err="1"/>
+              <a:t>constexpr</a:t>
+            </a:r>
+            <a:r>
+              <a:rPr lang="en-US" dirty="0"/>
+              <a:t> if: A slightly different syntax”</a:t>
+            </a:r>
+            <a:r>
+              <a:rPr lang="en-US" i="1" dirty="0"/>
+              <a:t> – </a:t>
+            </a:r>
+            <a:r>
+              <a:rPr lang="it-IT" i="1" dirty="0"/>
+              <a:t>Jens </a:t>
+            </a:r>
+            <a:r>
+              <a:rPr lang="it-IT" i="1" dirty="0" err="1"/>
+              <a:t>Maurer</a:t>
+            </a:r>
+            <a:endParaRPr lang="en-US" i="1" dirty="0"/>
+          </a:p>
+          <a:p>
+            <a:pPr lvl="1"/>
+            <a:endParaRPr lang="it-IT" dirty="0"/>
+          </a:p>
+        </p:txBody>
+      </p:sp>
+      <mc:AlternateContent xmlns:mc="http://schemas.openxmlformats.org/markup-compatibility/2006" xmlns:p14="http://schemas.microsoft.com/office/powerpoint/2010/main">
+        <mc:Choice Requires="p14">
+          <p:contentPart p14:bwMode="auto" r:id="rId8">
+            <p14:nvContentPartPr>
+              <p14:cNvPr id="5" name="Ink 4"/>
+              <p14:cNvContentPartPr/>
+              <p14:nvPr/>
+            </p14:nvContentPartPr>
+            <p14:xfrm>
+              <a:off x="2866799" y="1564278"/>
+              <a:ext cx="2236320" cy="2696400"/>
+            </p14:xfrm>
+          </p:contentPart>
+        </mc:Choice>
+        <mc:Fallback xmlns="">
+          <p:pic>
+            <p:nvPicPr>
+              <p:cNvPr id="5" name="Ink 4"/>
+              <p:cNvPicPr/>
+              <p:nvPr/>
+            </p:nvPicPr>
+            <p:blipFill>
+              <a:blip r:embed="rId9"/>
+              <a:stretch>
+                <a:fillRect/>
+              </a:stretch>
+            </p:blipFill>
+            <p:spPr>
+              <a:xfrm>
+                <a:off x="2853839" y="1557078"/>
+                <a:ext cx="2260800" cy="2715480"/>
+              </a:xfrm>
+              <a:prstGeom prst="rect">
+                <a:avLst/>
+              </a:prstGeom>
+            </p:spPr>
+          </p:pic>
+        </mc:Fallback>
+      </mc:AlternateContent>
+      <mc:AlternateContent xmlns:mc="http://schemas.openxmlformats.org/markup-compatibility/2006" xmlns:p14="http://schemas.microsoft.com/office/powerpoint/2010/main">
+        <mc:Choice Requires="p14">
+          <p:contentPart p14:bwMode="auto" r:id="rId10">
+            <p14:nvContentPartPr>
+              <p14:cNvPr id="13" name="Ink 12"/>
+              <p14:cNvContentPartPr/>
+              <p14:nvPr/>
+            </p14:nvContentPartPr>
+            <p14:xfrm>
+              <a:off x="2273879" y="1080798"/>
+              <a:ext cx="1316520" cy="682920"/>
+            </p14:xfrm>
+          </p:contentPart>
+        </mc:Choice>
+        <mc:Fallback xmlns="">
+          <p:pic>
+            <p:nvPicPr>
+              <p:cNvPr id="13" name="Ink 12"/>
+              <p:cNvPicPr/>
+              <p:nvPr/>
+            </p:nvPicPr>
+            <p:blipFill>
+              <a:blip r:embed="rId11"/>
+              <a:stretch>
+                <a:fillRect/>
+              </a:stretch>
+            </p:blipFill>
+            <p:spPr>
+              <a:xfrm>
+                <a:off x="2265959" y="1070358"/>
+                <a:ext cx="1334880" cy="699480"/>
+              </a:xfrm>
+              <a:prstGeom prst="rect">
+                <a:avLst/>
+              </a:prstGeom>
+            </p:spPr>
+          </p:pic>
+        </mc:Fallback>
+      </mc:AlternateContent>
+      <mc:AlternateContent xmlns:mc="http://schemas.openxmlformats.org/markup-compatibility/2006" xmlns:p14="http://schemas.microsoft.com/office/powerpoint/2010/main">
+        <mc:Choice Requires="p14">
+          <p:contentPart p14:bwMode="auto" r:id="rId12">
+            <p14:nvContentPartPr>
+              <p14:cNvPr id="16" name="Ink 15"/>
+              <p14:cNvContentPartPr/>
+              <p14:nvPr/>
+            </p14:nvContentPartPr>
+            <p14:xfrm>
+              <a:off x="4874879" y="3313518"/>
+              <a:ext cx="5424840" cy="883800"/>
+            </p14:xfrm>
+          </p:contentPart>
+        </mc:Choice>
+        <mc:Fallback xmlns="">
+          <p:pic>
+            <p:nvPicPr>
+              <p:cNvPr id="16" name="Ink 15"/>
+              <p:cNvPicPr/>
+              <p:nvPr/>
+            </p:nvPicPr>
+            <p:blipFill>
+              <a:blip r:embed="rId13"/>
+              <a:stretch>
+                <a:fillRect/>
+              </a:stretch>
+            </p:blipFill>
+            <p:spPr>
+              <a:xfrm>
+                <a:off x="4860839" y="3299838"/>
+                <a:ext cx="5452920" cy="912600"/>
+              </a:xfrm>
+              <a:prstGeom prst="rect">
+                <a:avLst/>
+              </a:prstGeom>
+            </p:spPr>
+          </p:pic>
+        </mc:Fallback>
+      </mc:AlternateContent>
+      <mc:AlternateContent xmlns:mc="http://schemas.openxmlformats.org/markup-compatibility/2006" xmlns:p14="http://schemas.microsoft.com/office/powerpoint/2010/main">
+        <mc:Choice Requires="p14">
+          <p:contentPart p14:bwMode="auto" r:id="rId14">
+            <p14:nvContentPartPr>
+              <p14:cNvPr id="22" name="Ink 21"/>
+              <p14:cNvContentPartPr/>
+              <p14:nvPr/>
+            </p14:nvContentPartPr>
+            <p14:xfrm>
+              <a:off x="10017119" y="3936318"/>
+              <a:ext cx="1351440" cy="781200"/>
+            </p14:xfrm>
+          </p:contentPart>
+        </mc:Choice>
+        <mc:Fallback xmlns="">
+          <p:pic>
+            <p:nvPicPr>
+              <p:cNvPr id="22" name="Ink 21"/>
+              <p:cNvPicPr/>
+              <p:nvPr/>
+            </p:nvPicPr>
+            <p:blipFill>
+              <a:blip r:embed="rId15"/>
+              <a:stretch>
+                <a:fillRect/>
+              </a:stretch>
+            </p:blipFill>
+            <p:spPr>
+              <a:xfrm>
+                <a:off x="10012799" y="3930198"/>
+                <a:ext cx="1364400" cy="801360"/>
+              </a:xfrm>
+              <a:prstGeom prst="rect">
+                <a:avLst/>
+              </a:prstGeom>
+            </p:spPr>
+          </p:pic>
+        </mc:Fallback>
+      </mc:AlternateContent>
+    </p:spTree>
+    <p:extLst>
+      <p:ext uri="{BB962C8B-B14F-4D97-AF65-F5344CB8AC3E}">
+        <p14:creationId xmlns:p14="http://schemas.microsoft.com/office/powerpoint/2010/main" val="2831162571"/>
+      </p:ext>
+    </p:extLst>
+  </p:cSld>
+  <p:clrMapOvr>
+    <a:masterClrMapping/>
+  </p:clrMapOvr>
+  <p:timing>
+    <p:tnLst>
+      <p:par>
+        <p:cTn id="1" dur="indefinite" restart="never" nodeType="tmRoot">
+          <p:childTnLst>
+            <p:seq concurrent="1" nextAc="seek">
+              <p:cTn id="2" dur="indefinite" nodeType="mainSeq">
+                <p:childTnLst>
+                  <p:par>
+                    <p:cTn id="3" fill="hold">
+                      <p:stCondLst>
+                        <p:cond delay="indefinite"/>
+                      </p:stCondLst>
+                      <p:childTnLst>
+                        <p:par>
+                          <p:cTn id="4" fill="hold">
+                            <p:stCondLst>
+                              <p:cond delay="0"/>
+                            </p:stCondLst>
+                            <p:childTnLst>
+                              <p:par>
+                                <p:cTn id="5" presetID="10" presetClass="entr" presetSubtype="0" fill="hold" nodeType="clickEffect">
+                                  <p:stCondLst>
+                                    <p:cond delay="0"/>
+                                  </p:stCondLst>
+                                  <p:childTnLst>
+                                    <p:set>
+                                      <p:cBhvr>
+                                        <p:cTn id="6" dur="1" fill="hold">
+                                          <p:stCondLst>
+                                            <p:cond delay="0"/>
+                                          </p:stCondLst>
+                                        </p:cTn>
+                                        <p:tgtEl>
+                                          <p:spTgt spid="5"/>
+                                        </p:tgtEl>
+                                        <p:attrNameLst>
+                                          <p:attrName>style.visibility</p:attrName>
+                                        </p:attrNameLst>
+                                      </p:cBhvr>
+                                      <p:to>
+                                        <p:strVal val="visible"/>
+                                      </p:to>
+                                    </p:set>
+                                    <p:animEffect transition="in" filter="fade">
+                                      <p:cBhvr>
+                                        <p:cTn id="7" dur="500"/>
+                                        <p:tgtEl>
+                                          <p:spTgt spid="5"/>
+                                        </p:tgtEl>
+                                      </p:cBhvr>
+                                    </p:animEffect>
+                                  </p:childTnLst>
+                                </p:cTn>
+                              </p:par>
+                              <p:par>
+                                <p:cTn id="8" presetID="10" presetClass="entr" presetSubtype="0" fill="hold" nodeType="withEffect">
+                                  <p:stCondLst>
+                                    <p:cond delay="0"/>
+                                  </p:stCondLst>
+                                  <p:childTnLst>
+                                    <p:set>
+                                      <p:cBhvr>
+                                        <p:cTn id="9" dur="1" fill="hold">
+                                          <p:stCondLst>
+                                            <p:cond delay="0"/>
+                                          </p:stCondLst>
+                                        </p:cTn>
+                                        <p:tgtEl>
+                                          <p:spTgt spid="13"/>
+                                        </p:tgtEl>
+                                        <p:attrNameLst>
+                                          <p:attrName>style.visibility</p:attrName>
+                                        </p:attrNameLst>
+                                      </p:cBhvr>
+                                      <p:to>
+                                        <p:strVal val="visible"/>
+                                      </p:to>
+                                    </p:set>
+                                    <p:animEffect transition="in" filter="fade">
+                                      <p:cBhvr>
+                                        <p:cTn id="10" dur="500"/>
+                                        <p:tgtEl>
+                                          <p:spTgt spid="13"/>
+                                        </p:tgtEl>
+                                      </p:cBhvr>
+                                    </p:animEffect>
+                                  </p:childTnLst>
+                                </p:cTn>
+                              </p:par>
+                            </p:childTnLst>
+                          </p:cTn>
+                        </p:par>
+                      </p:childTnLst>
+                    </p:cTn>
+                  </p:par>
+                  <p:par>
+                    <p:cTn id="11" fill="hold">
+                      <p:stCondLst>
+                        <p:cond delay="indefinite"/>
+                      </p:stCondLst>
+                      <p:childTnLst>
+                        <p:par>
+                          <p:cTn id="12" fill="hold">
+                            <p:stCondLst>
+                              <p:cond delay="0"/>
+                            </p:stCondLst>
+                            <p:childTnLst>
+                              <p:par>
+                                <p:cTn id="13" presetID="10" presetClass="entr" presetSubtype="0" fill="hold" nodeType="clickEffect">
+                                  <p:stCondLst>
+                                    <p:cond delay="0"/>
+                                  </p:stCondLst>
+                                  <p:childTnLst>
+                                    <p:set>
+                                      <p:cBhvr>
+                                        <p:cTn id="14" dur="1" fill="hold">
+                                          <p:stCondLst>
+                                            <p:cond delay="0"/>
+                                          </p:stCondLst>
+                                        </p:cTn>
+                                        <p:tgtEl>
+                                          <p:spTgt spid="16"/>
+                                        </p:tgtEl>
+                                        <p:attrNameLst>
+                                          <p:attrName>style.visibility</p:attrName>
+                                        </p:attrNameLst>
+                                      </p:cBhvr>
+                                      <p:to>
+                                        <p:strVal val="visible"/>
+                                      </p:to>
+                                    </p:set>
+                                    <p:animEffect transition="in" filter="fade">
+                                      <p:cBhvr>
+                                        <p:cTn id="15" dur="500"/>
+                                        <p:tgtEl>
+                                          <p:spTgt spid="16"/>
+                                        </p:tgtEl>
+                                      </p:cBhvr>
+                                    </p:animEffect>
+                                  </p:childTnLst>
+                                </p:cTn>
+                              </p:par>
+                              <p:par>
+                                <p:cTn id="16" presetID="10" presetClass="entr" presetSubtype="0" fill="hold" nodeType="withEffect">
+                                  <p:stCondLst>
+                                    <p:cond delay="0"/>
+                                  </p:stCondLst>
+                                  <p:childTnLst>
+                                    <p:set>
+                                      <p:cBhvr>
+                                        <p:cTn id="17" dur="1" fill="hold">
+                                          <p:stCondLst>
+                                            <p:cond delay="0"/>
+                                          </p:stCondLst>
+                                        </p:cTn>
+                                        <p:tgtEl>
+                                          <p:spTgt spid="22"/>
+                                        </p:tgtEl>
+                                        <p:attrNameLst>
+                                          <p:attrName>style.visibility</p:attrName>
+                                        </p:attrNameLst>
+                                      </p:cBhvr>
+                                      <p:to>
+                                        <p:strVal val="visible"/>
+                                      </p:to>
+                                    </p:set>
+                                    <p:animEffect transition="in" filter="fade">
+                                      <p:cBhvr>
+                                        <p:cTn id="18" dur="500"/>
+                                        <p:tgtEl>
+                                          <p:spTgt spid="22"/>
+                                        </p:tgtEl>
+                                      </p:cBhvr>
+                                    </p:animEffect>
+                                  </p:childTnLst>
+                                </p:cTn>
+                              </p:par>
+                            </p:childTnLst>
+                          </p:cTn>
+                        </p:par>
+                      </p:childTnLst>
+                    </p:cTn>
+                  </p:par>
+                </p:childTnLst>
+              </p:cTn>
+              <p:prevCondLst>
+                <p:cond evt="onPrev" delay="0">
+                  <p:tgtEl>
+                    <p:sldTgt/>
+                  </p:tgtEl>
+                </p:cond>
+              </p:prevCondLst>
+              <p:nextCondLst>
+                <p:cond evt="onNext" delay="0">
+                  <p:tgtEl>
+                    <p:sldTgt/>
+                  </p:tgtEl>
+                </p:cond>
+              </p:nextCondLst>
+            </p:seq>
+          </p:childTnLst>
+        </p:cTn>
+      </p:par>
+    </p:tnLst>
+  </p:timing>
+</p:sld>
+</file>
+
+<file path=ppt/slides/slide11.xml><?xml version="1.0" encoding="utf-8"?>
+<p:sld xmlns:a="http://schemas.openxmlformats.org/drawingml/2006/main" xmlns:r="http://schemas.openxmlformats.org/officeDocument/2006/relationships" xmlns:p="http://schemas.openxmlformats.org/presentationml/2006/main">
+  <p:cSld>
+    <p:spTree>
+      <p:nvGrpSpPr>
+        <p:cNvPr id="1" name=""/>
+        <p:cNvGrpSpPr/>
+        <p:nvPr/>
+      </p:nvGrpSpPr>
+      <p:grpSpPr>
+        <a:xfrm>
+          <a:off x="0" y="0"/>
+          <a:ext cx="0" cy="0"/>
+          <a:chOff x="0" y="0"/>
+          <a:chExt cx="0" cy="0"/>
+        </a:xfrm>
+      </p:grpSpPr>
+      <p:sp>
+        <p:nvSpPr>
+          <p:cNvPr id="2" name="Title 1"/>
+          <p:cNvSpPr>
+            <a:spLocks noGrp="1"/>
+          </p:cNvSpPr>
+          <p:nvPr>
+            <p:ph type="title"/>
+          </p:nvPr>
+        </p:nvSpPr>
+        <p:spPr/>
+        <p:txBody>
+          <a:bodyPr/>
+          <a:lstStyle/>
+          <a:p>
+            <a:r>
+              <a:rPr lang="en-US" dirty="0"/>
+              <a:t>History of </a:t>
+            </a:r>
+            <a:r>
+              <a:rPr lang="en-US" dirty="0">
+                <a:latin typeface="Consolas" panose="020B0609020204030204" pitchFamily="49" charset="0"/>
+              </a:rPr>
+              <a:t>static if</a:t>
+            </a:r>
+            <a:r>
+              <a:rPr lang="en-US" dirty="0"/>
               <a:t> proposals - 3</a:t>
             </a:r>
             <a:endParaRPr lang="it-IT" dirty="0"/>
@@ -7665,8 +8774,8 @@
           </a:p>
         </p:txBody>
       </p:sp>
-      <mc:AlternateContent xmlns:mc="http://schemas.openxmlformats.org/markup-compatibility/2006">
-        <mc:Choice xmlns:p14="http://schemas.microsoft.com/office/powerpoint/2010/main" Requires="p14">
+      <mc:AlternateContent xmlns:mc="http://schemas.openxmlformats.org/markup-compatibility/2006" xmlns:p14="http://schemas.microsoft.com/office/powerpoint/2010/main">
+        <mc:Choice Requires="p14">
           <p:contentPart p14:bwMode="auto" r:id="rId4">
             <p14:nvContentPartPr>
               <p14:cNvPr id="16" name="Ink 15"/>
@@ -7679,7 +8788,7 @@
             </p14:xfrm>
           </p:contentPart>
         </mc:Choice>
-        <mc:Fallback>
+        <mc:Fallback xmlns="">
           <p:pic>
             <p:nvPicPr>
               <p:cNvPr id="16" name="Ink 15"/>
@@ -7704,8 +8813,8 @@
           </p:pic>
         </mc:Fallback>
       </mc:AlternateContent>
-      <mc:AlternateContent xmlns:mc="http://schemas.openxmlformats.org/markup-compatibility/2006">
-        <mc:Choice xmlns:p14="http://schemas.microsoft.com/office/powerpoint/2010/main" Requires="p14">
+      <mc:AlternateContent xmlns:mc="http://schemas.openxmlformats.org/markup-compatibility/2006" xmlns:p14="http://schemas.microsoft.com/office/powerpoint/2010/main">
+        <mc:Choice Requires="p14">
           <p:contentPart p14:bwMode="auto" r:id="rId6">
             <p14:nvContentPartPr>
               <p14:cNvPr id="23" name="Ink 22"/>
@@ -7718,7 +8827,7 @@
             </p14:xfrm>
           </p:contentPart>
         </mc:Choice>
-        <mc:Fallback>
+        <mc:Fallback xmlns="">
           <p:pic>
             <p:nvPicPr>
               <p:cNvPr id="23" name="Ink 22"/>
@@ -7756,7 +8865,7 @@
 </p:sld>
 </file>
 
-<file path=ppt/slides/slide11.xml><?xml version="1.0" encoding="utf-8"?>
+<file path=ppt/slides/slide12.xml><?xml version="1.0" encoding="utf-8"?>
 <p:sld xmlns:a="http://schemas.openxmlformats.org/drawingml/2006/main" xmlns:r="http://schemas.openxmlformats.org/officeDocument/2006/relationships" xmlns:p="http://schemas.openxmlformats.org/presentationml/2006/main">
   <p:cSld>
     <p:spTree>
@@ -7858,7 +8967,7 @@
 </p:sld>
 </file>
 
-<file path=ppt/slides/slide12.xml><?xml version="1.0" encoding="utf-8"?>
+<file path=ppt/slides/slide13.xml><?xml version="1.0" encoding="utf-8"?>
 <p:sld xmlns:a="http://schemas.openxmlformats.org/drawingml/2006/main" xmlns:r="http://schemas.openxmlformats.org/officeDocument/2006/relationships" xmlns:p="http://schemas.openxmlformats.org/presentationml/2006/main">
   <p:cSld>
     <p:spTree>
@@ -7991,8 +9100,8 @@
           </a:prstGeom>
         </p:spPr>
       </p:pic>
-      <mc:AlternateContent xmlns:mc="http://schemas.openxmlformats.org/markup-compatibility/2006">
-        <mc:Choice xmlns:p14="http://schemas.microsoft.com/office/powerpoint/2010/main" Requires="p14">
+      <mc:AlternateContent xmlns:mc="http://schemas.openxmlformats.org/markup-compatibility/2006" xmlns:p14="http://schemas.microsoft.com/office/powerpoint/2010/main">
+        <mc:Choice Requires="p14">
           <p:contentPart p14:bwMode="auto" r:id="rId4">
             <p14:nvContentPartPr>
               <p14:cNvPr id="7" name="Ink 6"/>
@@ -8005,7 +9114,7 @@
             </p14:xfrm>
           </p:contentPart>
         </mc:Choice>
-        <mc:Fallback>
+        <mc:Fallback xmlns="">
           <p:pic>
             <p:nvPicPr>
               <p:cNvPr id="7" name="Ink 6"/>
@@ -8030,8 +9139,8 @@
           </p:pic>
         </mc:Fallback>
       </mc:AlternateContent>
-      <mc:AlternateContent xmlns:mc="http://schemas.openxmlformats.org/markup-compatibility/2006">
-        <mc:Choice xmlns:p14="http://schemas.microsoft.com/office/powerpoint/2010/main" Requires="p14">
+      <mc:AlternateContent xmlns:mc="http://schemas.openxmlformats.org/markup-compatibility/2006" xmlns:p14="http://schemas.microsoft.com/office/powerpoint/2010/main">
+        <mc:Choice Requires="p14">
           <p:contentPart p14:bwMode="auto" r:id="rId6">
             <p14:nvContentPartPr>
               <p14:cNvPr id="9" name="Ink 8"/>
@@ -8044,7 +9153,7 @@
             </p14:xfrm>
           </p:contentPart>
         </mc:Choice>
-        <mc:Fallback>
+        <mc:Fallback xmlns="">
           <p:pic>
             <p:nvPicPr>
               <p:cNvPr id="9" name="Ink 8"/>
@@ -8376,7 +9485,7 @@
 </p:sld>
 </file>
 
-<file path=ppt/slides/slide13.xml><?xml version="1.0" encoding="utf-8"?>
+<file path=ppt/slides/slide14.xml><?xml version="1.0" encoding="utf-8"?>
 <p:sld xmlns:a="http://schemas.openxmlformats.org/drawingml/2006/main" xmlns:r="http://schemas.openxmlformats.org/officeDocument/2006/relationships" xmlns:p="http://schemas.openxmlformats.org/presentationml/2006/main">
   <p:cSld>
     <p:spTree>
@@ -8476,7 +9585,7 @@
 </p:sld>
 </file>
 
-<file path=ppt/slides/slide14.xml><?xml version="1.0" encoding="utf-8"?>
+<file path=ppt/slides/slide15.xml><?xml version="1.0" encoding="utf-8"?>
 <p:sld xmlns:a="http://schemas.openxmlformats.org/drawingml/2006/main" xmlns:r="http://schemas.openxmlformats.org/officeDocument/2006/relationships" xmlns:p="http://schemas.openxmlformats.org/presentationml/2006/main">
   <p:cSld>
     <p:spTree>
@@ -8549,7 +9658,7 @@
 </p:sld>
 </file>
 
-<file path=ppt/slides/slide15.xml><?xml version="1.0" encoding="utf-8"?>
+<file path=ppt/slides/slide16.xml><?xml version="1.0" encoding="utf-8"?>
 <p:sld xmlns:a="http://schemas.openxmlformats.org/drawingml/2006/main" xmlns:r="http://schemas.openxmlformats.org/officeDocument/2006/relationships" xmlns:p="http://schemas.openxmlformats.org/presentationml/2006/main">
   <p:cSld>
     <p:spTree>
@@ -8710,7 +9819,7 @@
 </p:sld>
 </file>
 
-<file path=ppt/slides/slide16.xml><?xml version="1.0" encoding="utf-8"?>
+<file path=ppt/slides/slide17.xml><?xml version="1.0" encoding="utf-8"?>
 <p:sld xmlns:a="http://schemas.openxmlformats.org/drawingml/2006/main" xmlns:r="http://schemas.openxmlformats.org/officeDocument/2006/relationships" xmlns:p="http://schemas.openxmlformats.org/presentationml/2006/main">
   <p:cSld>
     <p:spTree>
@@ -8913,7 +10022,7 @@
 </p:sld>
 </file>
 
-<file path=ppt/slides/slide17.xml><?xml version="1.0" encoding="utf-8"?>
+<file path=ppt/slides/slide18.xml><?xml version="1.0" encoding="utf-8"?>
 <p:sld xmlns:a="http://schemas.openxmlformats.org/drawingml/2006/main" xmlns:r="http://schemas.openxmlformats.org/officeDocument/2006/relationships" xmlns:p="http://schemas.openxmlformats.org/presentationml/2006/main">
   <p:cSld>
     <p:spTree>
@@ -9052,8 +10161,8 @@
           </a:p>
         </p:txBody>
       </p:sp>
-      <mc:AlternateContent xmlns:mc="http://schemas.openxmlformats.org/markup-compatibility/2006">
-        <mc:Choice xmlns:p14="http://schemas.microsoft.com/office/powerpoint/2010/main" Requires="p14">
+      <mc:AlternateContent xmlns:mc="http://schemas.openxmlformats.org/markup-compatibility/2006" xmlns:p14="http://schemas.microsoft.com/office/powerpoint/2010/main">
+        <mc:Choice Requires="p14">
           <p:contentPart p14:bwMode="auto" r:id="rId4">
             <p14:nvContentPartPr>
               <p14:cNvPr id="7" name="Ink 6"/>
@@ -9066,7 +10175,7 @@
             </p14:xfrm>
           </p:contentPart>
         </mc:Choice>
-        <mc:Fallback>
+        <mc:Fallback xmlns="">
           <p:pic>
             <p:nvPicPr>
               <p:cNvPr id="7" name="Ink 6"/>
@@ -9091,8 +10200,8 @@
           </p:pic>
         </mc:Fallback>
       </mc:AlternateContent>
-      <mc:AlternateContent xmlns:mc="http://schemas.openxmlformats.org/markup-compatibility/2006">
-        <mc:Choice xmlns:p14="http://schemas.microsoft.com/office/powerpoint/2010/main" Requires="p14">
+      <mc:AlternateContent xmlns:mc="http://schemas.openxmlformats.org/markup-compatibility/2006" xmlns:p14="http://schemas.microsoft.com/office/powerpoint/2010/main">
+        <mc:Choice Requires="p14">
           <p:contentPart p14:bwMode="auto" r:id="rId6">
             <p14:nvContentPartPr>
               <p14:cNvPr id="9" name="Ink 8"/>
@@ -9105,7 +10214,7 @@
             </p14:xfrm>
           </p:contentPart>
         </mc:Choice>
-        <mc:Fallback>
+        <mc:Fallback xmlns="">
           <p:pic>
             <p:nvPicPr>
               <p:cNvPr id="9" name="Ink 8"/>
@@ -9130,8 +10239,8 @@
           </p:pic>
         </mc:Fallback>
       </mc:AlternateContent>
-      <mc:AlternateContent xmlns:mc="http://schemas.openxmlformats.org/markup-compatibility/2006">
-        <mc:Choice xmlns:p14="http://schemas.microsoft.com/office/powerpoint/2010/main" Requires="p14">
+      <mc:AlternateContent xmlns:mc="http://schemas.openxmlformats.org/markup-compatibility/2006" xmlns:p14="http://schemas.microsoft.com/office/powerpoint/2010/main">
+        <mc:Choice Requires="p14">
           <p:contentPart p14:bwMode="auto" r:id="rId8">
             <p14:nvContentPartPr>
               <p14:cNvPr id="11" name="Ink 10"/>
@@ -9144,7 +10253,7 @@
             </p14:xfrm>
           </p:contentPart>
         </mc:Choice>
-        <mc:Fallback>
+        <mc:Fallback xmlns="">
           <p:pic>
             <p:nvPicPr>
               <p:cNvPr id="11" name="Ink 10"/>
@@ -9169,8 +10278,8 @@
           </p:pic>
         </mc:Fallback>
       </mc:AlternateContent>
-      <mc:AlternateContent xmlns:mc="http://schemas.openxmlformats.org/markup-compatibility/2006">
-        <mc:Choice xmlns:p14="http://schemas.microsoft.com/office/powerpoint/2010/main" Requires="p14">
+      <mc:AlternateContent xmlns:mc="http://schemas.openxmlformats.org/markup-compatibility/2006" xmlns:p14="http://schemas.microsoft.com/office/powerpoint/2010/main">
+        <mc:Choice Requires="p14">
           <p:contentPart p14:bwMode="auto" r:id="rId10">
             <p14:nvContentPartPr>
               <p14:cNvPr id="13" name="Ink 12"/>
@@ -9183,7 +10292,7 @@
             </p14:xfrm>
           </p:contentPart>
         </mc:Choice>
-        <mc:Fallback>
+        <mc:Fallback xmlns="">
           <p:pic>
             <p:nvPicPr>
               <p:cNvPr id="13" name="Ink 12"/>
@@ -9208,8 +10317,8 @@
           </p:pic>
         </mc:Fallback>
       </mc:AlternateContent>
-      <mc:AlternateContent xmlns:mc="http://schemas.openxmlformats.org/markup-compatibility/2006">
-        <mc:Choice xmlns:p14="http://schemas.microsoft.com/office/powerpoint/2010/main" Requires="p14">
+      <mc:AlternateContent xmlns:mc="http://schemas.openxmlformats.org/markup-compatibility/2006" xmlns:p14="http://schemas.microsoft.com/office/powerpoint/2010/main">
+        <mc:Choice Requires="p14">
           <p:contentPart p14:bwMode="auto" r:id="rId12">
             <p14:nvContentPartPr>
               <p14:cNvPr id="18" name="Ink 17"/>
@@ -9222,7 +10331,7 @@
             </p14:xfrm>
           </p:contentPart>
         </mc:Choice>
-        <mc:Fallback>
+        <mc:Fallback xmlns="">
           <p:pic>
             <p:nvPicPr>
               <p:cNvPr id="18" name="Ink 17"/>
@@ -10120,7 +11229,7 @@
 </p:sld>
 </file>
 
-<file path=ppt/slides/slide18.xml><?xml version="1.0" encoding="utf-8"?>
+<file path=ppt/slides/slide19.xml><?xml version="1.0" encoding="utf-8"?>
 <p:sld xmlns:a="http://schemas.openxmlformats.org/drawingml/2006/main" xmlns:r="http://schemas.openxmlformats.org/officeDocument/2006/relationships" xmlns:p="http://schemas.openxmlformats.org/presentationml/2006/main">
   <p:cSld>
     <p:spTree>
@@ -10206,8 +11315,8 @@
           </a:xfrm>
         </p:spPr>
       </p:pic>
-      <mc:AlternateContent xmlns:mc="http://schemas.openxmlformats.org/markup-compatibility/2006">
-        <mc:Choice xmlns:p14="http://schemas.microsoft.com/office/powerpoint/2010/main" Requires="p14">
+      <mc:AlternateContent xmlns:mc="http://schemas.openxmlformats.org/markup-compatibility/2006" xmlns:p14="http://schemas.microsoft.com/office/powerpoint/2010/main">
+        <mc:Choice Requires="p14">
           <p:contentPart p14:bwMode="auto" r:id="rId4">
             <p14:nvContentPartPr>
               <p14:cNvPr id="10" name="Ink 9"/>
@@ -10220,7 +11329,7 @@
             </p14:xfrm>
           </p:contentPart>
         </mc:Choice>
-        <mc:Fallback>
+        <mc:Fallback xmlns="">
           <p:pic>
             <p:nvPicPr>
               <p:cNvPr id="10" name="Ink 9"/>
@@ -10245,8 +11354,8 @@
           </p:pic>
         </mc:Fallback>
       </mc:AlternateContent>
-      <mc:AlternateContent xmlns:mc="http://schemas.openxmlformats.org/markup-compatibility/2006">
-        <mc:Choice xmlns:p14="http://schemas.microsoft.com/office/powerpoint/2010/main" Requires="p14">
+      <mc:AlternateContent xmlns:mc="http://schemas.openxmlformats.org/markup-compatibility/2006" xmlns:p14="http://schemas.microsoft.com/office/powerpoint/2010/main">
+        <mc:Choice Requires="p14">
           <p:contentPart p14:bwMode="auto" r:id="rId6">
             <p14:nvContentPartPr>
               <p14:cNvPr id="15" name="Ink 14"/>
@@ -10259,7 +11368,7 @@
             </p14:xfrm>
           </p:contentPart>
         </mc:Choice>
-        <mc:Fallback>
+        <mc:Fallback xmlns="">
           <p:pic>
             <p:nvPicPr>
               <p:cNvPr id="15" name="Ink 14"/>
@@ -10335,8 +11444,8 @@
           </a:p>
         </p:txBody>
       </p:sp>
-      <mc:AlternateContent xmlns:mc="http://schemas.openxmlformats.org/markup-compatibility/2006">
-        <mc:Choice xmlns:p14="http://schemas.microsoft.com/office/powerpoint/2010/main" Requires="p14">
+      <mc:AlternateContent xmlns:mc="http://schemas.openxmlformats.org/markup-compatibility/2006" xmlns:p14="http://schemas.microsoft.com/office/powerpoint/2010/main">
+        <mc:Choice Requires="p14">
           <p:contentPart p14:bwMode="auto" r:id="rId8">
             <p14:nvContentPartPr>
               <p14:cNvPr id="21" name="Ink 20"/>
@@ -10349,7 +11458,7 @@
             </p14:xfrm>
           </p:contentPart>
         </mc:Choice>
-        <mc:Fallback>
+        <mc:Fallback xmlns="">
           <p:pic>
             <p:nvPicPr>
               <p:cNvPr id="21" name="Ink 20"/>
@@ -10374,8 +11483,8 @@
           </p:pic>
         </mc:Fallback>
       </mc:AlternateContent>
-      <mc:AlternateContent xmlns:mc="http://schemas.openxmlformats.org/markup-compatibility/2006">
-        <mc:Choice xmlns:p14="http://schemas.microsoft.com/office/powerpoint/2010/main" Requires="p14">
+      <mc:AlternateContent xmlns:mc="http://schemas.openxmlformats.org/markup-compatibility/2006" xmlns:p14="http://schemas.microsoft.com/office/powerpoint/2010/main">
+        <mc:Choice Requires="p14">
           <p:contentPart p14:bwMode="auto" r:id="rId10">
             <p14:nvContentPartPr>
               <p14:cNvPr id="22" name="Ink 21"/>
@@ -10388,7 +11497,7 @@
             </p14:xfrm>
           </p:contentPart>
         </mc:Choice>
-        <mc:Fallback>
+        <mc:Fallback xmlns="">
           <p:pic>
             <p:nvPicPr>
               <p:cNvPr id="22" name="Ink 21"/>
@@ -10413,8 +11522,8 @@
           </p:pic>
         </mc:Fallback>
       </mc:AlternateContent>
-      <mc:AlternateContent xmlns:mc="http://schemas.openxmlformats.org/markup-compatibility/2006">
-        <mc:Choice xmlns:p14="http://schemas.microsoft.com/office/powerpoint/2010/main" Requires="p14">
+      <mc:AlternateContent xmlns:mc="http://schemas.openxmlformats.org/markup-compatibility/2006" xmlns:p14="http://schemas.microsoft.com/office/powerpoint/2010/main">
+        <mc:Choice Requires="p14">
           <p:contentPart p14:bwMode="auto" r:id="rId12">
             <p14:nvContentPartPr>
               <p14:cNvPr id="23" name="Ink 22"/>
@@ -10427,7 +11536,7 @@
             </p14:xfrm>
           </p:contentPart>
         </mc:Choice>
-        <mc:Fallback>
+        <mc:Fallback xmlns="">
           <p:pic>
             <p:nvPicPr>
               <p:cNvPr id="23" name="Ink 22"/>
@@ -10452,8 +11561,8 @@
           </p:pic>
         </mc:Fallback>
       </mc:AlternateContent>
-      <mc:AlternateContent xmlns:mc="http://schemas.openxmlformats.org/markup-compatibility/2006">
-        <mc:Choice xmlns:p14="http://schemas.microsoft.com/office/powerpoint/2010/main" Requires="p14">
+      <mc:AlternateContent xmlns:mc="http://schemas.openxmlformats.org/markup-compatibility/2006" xmlns:p14="http://schemas.microsoft.com/office/powerpoint/2010/main">
+        <mc:Choice Requires="p14">
           <p:contentPart p14:bwMode="auto" r:id="rId14">
             <p14:nvContentPartPr>
               <p14:cNvPr id="27" name="Ink 26"/>
@@ -10466,7 +11575,7 @@
             </p14:xfrm>
           </p:contentPart>
         </mc:Choice>
-        <mc:Fallback>
+        <mc:Fallback xmlns="">
           <p:pic>
             <p:nvPicPr>
               <p:cNvPr id="27" name="Ink 26"/>
@@ -11568,7 +12677,210 @@
 </p:sld>
 </file>
 
-<file path=ppt/slides/slide19.xml><?xml version="1.0" encoding="utf-8"?>
+<file path=ppt/slides/slide2.xml><?xml version="1.0" encoding="utf-8"?>
+<p:sld xmlns:a="http://schemas.openxmlformats.org/drawingml/2006/main" xmlns:r="http://schemas.openxmlformats.org/officeDocument/2006/relationships" xmlns:p="http://schemas.openxmlformats.org/presentationml/2006/main">
+  <p:cSld>
+    <p:spTree>
+      <p:nvGrpSpPr>
+        <p:cNvPr id="1" name=""/>
+        <p:cNvGrpSpPr/>
+        <p:nvPr/>
+      </p:nvGrpSpPr>
+      <p:grpSpPr>
+        <a:xfrm>
+          <a:off x="0" y="0"/>
+          <a:ext cx="0" cy="0"/>
+          <a:chOff x="0" y="0"/>
+          <a:chExt cx="0" cy="0"/>
+        </a:xfrm>
+      </p:grpSpPr>
+      <p:sp>
+        <p:nvSpPr>
+          <p:cNvPr id="2" name="Title 1"/>
+          <p:cNvSpPr>
+            <a:spLocks noGrp="1"/>
+          </p:cNvSpPr>
+          <p:nvPr>
+            <p:ph type="title"/>
+          </p:nvPr>
+        </p:nvSpPr>
+        <p:spPr/>
+        <p:txBody>
+          <a:bodyPr/>
+          <a:lstStyle/>
+          <a:p>
+            <a:r>
+              <a:rPr lang="en-US" dirty="0"/>
+              <a:t>Talk overview</a:t>
+            </a:r>
+            <a:endParaRPr lang="it-IT" dirty="0"/>
+          </a:p>
+        </p:txBody>
+      </p:sp>
+      <p:sp>
+        <p:nvSpPr>
+          <p:cNvPr id="3" name="Content Placeholder 2"/>
+          <p:cNvSpPr>
+            <a:spLocks noGrp="1"/>
+          </p:cNvSpPr>
+          <p:nvPr>
+            <p:ph idx="1"/>
+          </p:nvPr>
+        </p:nvSpPr>
+        <p:spPr/>
+        <p:txBody>
+          <a:bodyPr/>
+          <a:lstStyle/>
+          <a:p>
+            <a:r>
+              <a:rPr lang="en-US" dirty="0"/>
+              <a:t>What is </a:t>
+            </a:r>
+            <a:r>
+              <a:rPr lang="en-US" b="1" dirty="0"/>
+              <a:t>“static” </a:t>
+            </a:r>
+            <a:r>
+              <a:rPr lang="en-US" dirty="0"/>
+              <a:t>control flow?</a:t>
+            </a:r>
+          </a:p>
+          <a:p>
+            <a:r>
+              <a:rPr lang="en-US" dirty="0"/>
+              <a:t>Compile-time branching.</a:t>
+            </a:r>
+          </a:p>
+          <a:p>
+            <a:pPr lvl="1"/>
+            <a:r>
+              <a:rPr lang="en-US" dirty="0"/>
+              <a:t>History of </a:t>
+            </a:r>
+            <a:r>
+              <a:rPr lang="en-US" dirty="0">
+                <a:latin typeface="Consolas" panose="020B0609020204030204" pitchFamily="49" charset="0"/>
+              </a:rPr>
+              <a:t>static if</a:t>
+            </a:r>
+            <a:r>
+              <a:rPr lang="en-US" dirty="0"/>
+              <a:t> in C++.</a:t>
+            </a:r>
+          </a:p>
+          <a:p>
+            <a:pPr lvl="1"/>
+            <a:r>
+              <a:rPr lang="en-US" dirty="0"/>
+              <a:t>C++17: </a:t>
+            </a:r>
+            <a:r>
+              <a:rPr lang="en-US" dirty="0">
+                <a:latin typeface="Consolas" panose="020B0609020204030204" pitchFamily="49" charset="0"/>
+              </a:rPr>
+              <a:t>if </a:t>
+            </a:r>
+            <a:r>
+              <a:rPr lang="en-US" dirty="0" err="1">
+                <a:latin typeface="Consolas" panose="020B0609020204030204" pitchFamily="49" charset="0"/>
+              </a:rPr>
+              <a:t>constexpr</a:t>
+            </a:r>
+            <a:r>
+              <a:rPr lang="en-US" dirty="0"/>
+              <a:t>. </a:t>
+            </a:r>
+          </a:p>
+          <a:p>
+            <a:pPr lvl="1"/>
+            <a:r>
+              <a:rPr lang="en-US" dirty="0"/>
+              <a:t>C++14: </a:t>
+            </a:r>
+            <a:r>
+              <a:rPr lang="en-US" dirty="0" err="1">
+                <a:latin typeface="Consolas" panose="020B0609020204030204" pitchFamily="49" charset="0"/>
+              </a:rPr>
+              <a:t>static_if</a:t>
+            </a:r>
+            <a:r>
+              <a:rPr lang="en-US" dirty="0"/>
+              <a:t>.</a:t>
+            </a:r>
+          </a:p>
+          <a:p>
+            <a:pPr lvl="2"/>
+            <a:r>
+              <a:rPr lang="en-US" dirty="0"/>
+              <a:t>Implementation details.</a:t>
+            </a:r>
+          </a:p>
+          <a:p>
+            <a:r>
+              <a:rPr lang="en-US" dirty="0"/>
+              <a:t>Compile-time iteration.</a:t>
+            </a:r>
+          </a:p>
+          <a:p>
+            <a:pPr lvl="1"/>
+            <a:r>
+              <a:rPr lang="en-US" dirty="0" err="1">
+                <a:latin typeface="Consolas" panose="020B0609020204030204" pitchFamily="49" charset="0"/>
+              </a:rPr>
+              <a:t>for_each_argument</a:t>
+            </a:r>
+            <a:r>
+              <a:rPr lang="en-US" dirty="0"/>
+              <a:t>.</a:t>
+            </a:r>
+            <a:endParaRPr lang="en-US" dirty="0">
+              <a:latin typeface="Consolas" panose="020B0609020204030204" pitchFamily="49" charset="0"/>
+            </a:endParaRPr>
+          </a:p>
+          <a:p>
+            <a:pPr lvl="1"/>
+            <a:r>
+              <a:rPr lang="en-US" dirty="0" err="1">
+                <a:latin typeface="Consolas" panose="020B0609020204030204" pitchFamily="49" charset="0"/>
+              </a:rPr>
+              <a:t>static_for</a:t>
+            </a:r>
+            <a:r>
+              <a:rPr lang="en-US" dirty="0"/>
+              <a:t>.</a:t>
+            </a:r>
+            <a:endParaRPr lang="en-US" dirty="0">
+              <a:latin typeface="Consolas" panose="020B0609020204030204" pitchFamily="49" charset="0"/>
+            </a:endParaRPr>
+          </a:p>
+          <a:p>
+            <a:pPr lvl="1"/>
+            <a:endParaRPr lang="en-US" dirty="0"/>
+          </a:p>
+          <a:p>
+            <a:pPr lvl="1"/>
+            <a:endParaRPr lang="en-US" dirty="0"/>
+          </a:p>
+          <a:p>
+            <a:pPr lvl="1"/>
+            <a:endParaRPr lang="it-IT" dirty="0"/>
+          </a:p>
+        </p:txBody>
+      </p:sp>
+    </p:spTree>
+    <p:extLst>
+      <p:ext uri="{BB962C8B-B14F-4D97-AF65-F5344CB8AC3E}">
+        <p14:creationId xmlns:p14="http://schemas.microsoft.com/office/powerpoint/2010/main" val="909001447"/>
+      </p:ext>
+    </p:extLst>
+  </p:cSld>
+  <p:clrMapOvr>
+    <a:masterClrMapping/>
+  </p:clrMapOvr>
+</p:sld>
+</file>
+
+<file path=ppt/slides/slide20.xml><?xml version="1.0" encoding="utf-8"?>
 <p:sld xmlns:a="http://schemas.openxmlformats.org/drawingml/2006/main" xmlns:r="http://schemas.openxmlformats.org/officeDocument/2006/relationships" xmlns:p="http://schemas.openxmlformats.org/presentationml/2006/main">
   <p:cSld>
     <p:spTree>
@@ -11729,8 +13041,8 @@
           </a:prstGeom>
         </p:spPr>
       </p:pic>
-      <mc:AlternateContent xmlns:mc="http://schemas.openxmlformats.org/markup-compatibility/2006">
-        <mc:Choice xmlns:p14="http://schemas.microsoft.com/office/powerpoint/2010/main" Requires="p14">
+      <mc:AlternateContent xmlns:mc="http://schemas.openxmlformats.org/markup-compatibility/2006" xmlns:p14="http://schemas.microsoft.com/office/powerpoint/2010/main">
+        <mc:Choice Requires="p14">
           <p:contentPart p14:bwMode="auto" r:id="rId5">
             <p14:nvContentPartPr>
               <p14:cNvPr id="9" name="Ink 8"/>
@@ -11743,7 +13055,7 @@
             </p14:xfrm>
           </p:contentPart>
         </mc:Choice>
-        <mc:Fallback>
+        <mc:Fallback xmlns="">
           <p:pic>
             <p:nvPicPr>
               <p:cNvPr id="9" name="Ink 8"/>
@@ -12062,229 +13374,7 @@
 </p:sld>
 </file>
 
-<file path=ppt/slides/slide2.xml><?xml version="1.0" encoding="utf-8"?>
-<p:sld xmlns:a="http://schemas.openxmlformats.org/drawingml/2006/main" xmlns:r="http://schemas.openxmlformats.org/officeDocument/2006/relationships" xmlns:p="http://schemas.openxmlformats.org/presentationml/2006/main">
-  <p:cSld>
-    <p:spTree>
-      <p:nvGrpSpPr>
-        <p:cNvPr id="1" name=""/>
-        <p:cNvGrpSpPr/>
-        <p:nvPr/>
-      </p:nvGrpSpPr>
-      <p:grpSpPr>
-        <a:xfrm>
-          <a:off x="0" y="0"/>
-          <a:ext cx="0" cy="0"/>
-          <a:chOff x="0" y="0"/>
-          <a:chExt cx="0" cy="0"/>
-        </a:xfrm>
-      </p:grpSpPr>
-      <p:sp>
-        <p:nvSpPr>
-          <p:cNvPr id="2" name="Title 1"/>
-          <p:cNvSpPr>
-            <a:spLocks noGrp="1"/>
-          </p:cNvSpPr>
-          <p:nvPr>
-            <p:ph type="title"/>
-          </p:nvPr>
-        </p:nvSpPr>
-        <p:spPr/>
-        <p:txBody>
-          <a:bodyPr/>
-          <a:lstStyle/>
-          <a:p>
-            <a:r>
-              <a:rPr lang="en-US" dirty="0"/>
-              <a:t>What is </a:t>
-            </a:r>
-            <a:r>
-              <a:rPr lang="en-US" b="1" dirty="0"/>
-              <a:t>“static”</a:t>
-            </a:r>
-            <a:r>
-              <a:rPr lang="en-US" dirty="0"/>
-              <a:t> control flow?</a:t>
-            </a:r>
-            <a:endParaRPr lang="it-IT" dirty="0"/>
-          </a:p>
-        </p:txBody>
-      </p:sp>
-      <p:sp>
-        <p:nvSpPr>
-          <p:cNvPr id="3" name="Content Placeholder 2"/>
-          <p:cNvSpPr>
-            <a:spLocks noGrp="1"/>
-          </p:cNvSpPr>
-          <p:nvPr>
-            <p:ph idx="1"/>
-          </p:nvPr>
-        </p:nvSpPr>
-        <p:spPr/>
-        <p:txBody>
-          <a:bodyPr/>
-          <a:lstStyle/>
-          <a:p>
-            <a:r>
-              <a:rPr lang="en-US" dirty="0">
-                <a:latin typeface="Consolas" panose="020B0609020204030204" pitchFamily="49" charset="0"/>
-              </a:rPr>
-              <a:t>static</a:t>
-            </a:r>
-            <a:r>
-              <a:rPr lang="en-US" dirty="0"/>
-              <a:t> is a specifier with multiple meanings in C++.</a:t>
-            </a:r>
-          </a:p>
-          <a:p>
-            <a:r>
-              <a:rPr lang="en-US" dirty="0"/>
-              <a:t>It’s also a word commonly used by developers to refer to </a:t>
-            </a:r>
-            <a:r>
-              <a:rPr lang="en-US" b="1" dirty="0"/>
-              <a:t>compile-time control flow</a:t>
-            </a:r>
-            <a:r>
-              <a:rPr lang="en-US" dirty="0"/>
-              <a:t>.</a:t>
-            </a:r>
-          </a:p>
-          <a:p>
-            <a:r>
-              <a:rPr lang="en-US" dirty="0"/>
-              <a:t>Existing languages, such as D, have powerful compile-time constructs like </a:t>
-            </a:r>
-            <a:r>
-              <a:rPr lang="en-US" dirty="0">
-                <a:latin typeface="Consolas" panose="020B0609020204030204" pitchFamily="49" charset="0"/>
-              </a:rPr>
-              <a:t>static if</a:t>
-            </a:r>
-            <a:r>
-              <a:rPr lang="en-US" dirty="0"/>
-              <a:t>.</a:t>
-            </a:r>
-          </a:p>
-          <a:p>
-            <a:r>
-              <a:rPr lang="en-US" dirty="0"/>
-              <a:t>Goals of this talk:</a:t>
-            </a:r>
-          </a:p>
-          <a:p>
-            <a:pPr lvl="1"/>
-            <a:r>
-              <a:rPr lang="en-US" dirty="0"/>
-              <a:t>Understand the benefits of static control flow.</a:t>
-            </a:r>
-          </a:p>
-          <a:p>
-            <a:pPr lvl="1"/>
-            <a:r>
-              <a:rPr lang="en-US" dirty="0"/>
-              <a:t>Look at the history of </a:t>
-            </a:r>
-            <a:r>
-              <a:rPr lang="en-US" dirty="0" err="1">
-                <a:latin typeface="Consolas" panose="020B0609020204030204" pitchFamily="49" charset="0"/>
-              </a:rPr>
-              <a:t>static_if</a:t>
-            </a:r>
-            <a:r>
-              <a:rPr lang="en-US" dirty="0"/>
-              <a:t> proposals in C++, analyze </a:t>
-            </a:r>
-            <a:r>
-              <a:rPr lang="en-US" dirty="0">
-                <a:latin typeface="Consolas" panose="020B0609020204030204" pitchFamily="49" charset="0"/>
-              </a:rPr>
-              <a:t>if </a:t>
-            </a:r>
-            <a:r>
-              <a:rPr lang="en-US" dirty="0" err="1">
-                <a:latin typeface="Consolas" panose="020B0609020204030204" pitchFamily="49" charset="0"/>
-              </a:rPr>
-              <a:t>constexpr</a:t>
-            </a:r>
-            <a:r>
-              <a:rPr lang="en-US" dirty="0"/>
-              <a:t>.</a:t>
-            </a:r>
-          </a:p>
-          <a:p>
-            <a:pPr lvl="1"/>
-            <a:r>
-              <a:rPr lang="en-US" dirty="0"/>
-              <a:t>Implement two C++14 constructs: </a:t>
-            </a:r>
-            <a:r>
-              <a:rPr lang="en-US" dirty="0" err="1">
-                <a:latin typeface="Consolas" panose="020B0609020204030204" pitchFamily="49" charset="0"/>
-              </a:rPr>
-              <a:t>static_if</a:t>
-            </a:r>
-            <a:r>
-              <a:rPr lang="en-US" dirty="0">
-                <a:latin typeface="Consolas" panose="020B0609020204030204" pitchFamily="49" charset="0"/>
-              </a:rPr>
-              <a:t> </a:t>
-            </a:r>
-            <a:r>
-              <a:rPr lang="en-US" dirty="0"/>
-              <a:t>and</a:t>
-            </a:r>
-            <a:r>
-              <a:rPr lang="en-US" dirty="0">
-                <a:latin typeface="Consolas" panose="020B0609020204030204" pitchFamily="49" charset="0"/>
-              </a:rPr>
-              <a:t> </a:t>
-            </a:r>
-            <a:r>
-              <a:rPr lang="en-US" dirty="0" err="1">
-                <a:latin typeface="Consolas" panose="020B0609020204030204" pitchFamily="49" charset="0"/>
-              </a:rPr>
-              <a:t>static_for</a:t>
-            </a:r>
-            <a:r>
-              <a:rPr lang="en-US" dirty="0">
-                <a:latin typeface="Consolas" panose="020B0609020204030204" pitchFamily="49" charset="0"/>
-              </a:rPr>
-              <a:t>.</a:t>
-            </a:r>
-            <a:endParaRPr lang="en-US" dirty="0"/>
-          </a:p>
-          <a:p>
-            <a:pPr lvl="1"/>
-            <a:endParaRPr lang="en-US" dirty="0">
-              <a:latin typeface="Consolas" panose="020B0609020204030204" pitchFamily="49" charset="0"/>
-            </a:endParaRPr>
-          </a:p>
-          <a:p>
-            <a:pPr lvl="1"/>
-            <a:endParaRPr lang="en-US" dirty="0">
-              <a:latin typeface="Consolas" panose="020B0609020204030204" pitchFamily="49" charset="0"/>
-            </a:endParaRPr>
-          </a:p>
-          <a:p>
-            <a:endParaRPr lang="it-IT" dirty="0"/>
-          </a:p>
-        </p:txBody>
-      </p:sp>
-    </p:spTree>
-    <p:extLst>
-      <p:ext uri="{BB962C8B-B14F-4D97-AF65-F5344CB8AC3E}">
-        <p14:creationId xmlns:p14="http://schemas.microsoft.com/office/powerpoint/2010/main" val="3240195144"/>
-      </p:ext>
-    </p:extLst>
-  </p:cSld>
-  <p:clrMapOvr>
-    <a:masterClrMapping/>
-  </p:clrMapOvr>
-</p:sld>
-</file>
-
-<file path=ppt/slides/slide20.xml><?xml version="1.0" encoding="utf-8"?>
+<file path=ppt/slides/slide21.xml><?xml version="1.0" encoding="utf-8"?>
 <p:sld xmlns:a="http://schemas.openxmlformats.org/drawingml/2006/main" xmlns:r="http://schemas.openxmlformats.org/officeDocument/2006/relationships" xmlns:p="http://schemas.openxmlformats.org/presentationml/2006/main">
   <p:cSld>
     <p:spTree>
@@ -12439,8 +13529,8 @@
           </a:prstGeom>
         </p:spPr>
       </p:pic>
-      <mc:AlternateContent xmlns:mc="http://schemas.openxmlformats.org/markup-compatibility/2006">
-        <mc:Choice xmlns:p14="http://schemas.microsoft.com/office/powerpoint/2010/main" Requires="p14">
+      <mc:AlternateContent xmlns:mc="http://schemas.openxmlformats.org/markup-compatibility/2006" xmlns:p14="http://schemas.microsoft.com/office/powerpoint/2010/main">
+        <mc:Choice Requires="p14">
           <p:contentPart p14:bwMode="auto" r:id="rId3">
             <p14:nvContentPartPr>
               <p14:cNvPr id="8" name="Ink 7"/>
@@ -12453,7 +13543,7 @@
             </p14:xfrm>
           </p:contentPart>
         </mc:Choice>
-        <mc:Fallback>
+        <mc:Fallback xmlns="">
           <p:pic>
             <p:nvPicPr>
               <p:cNvPr id="8" name="Ink 7"/>
@@ -12478,8 +13568,8 @@
           </p:pic>
         </mc:Fallback>
       </mc:AlternateContent>
-      <mc:AlternateContent xmlns:mc="http://schemas.openxmlformats.org/markup-compatibility/2006">
-        <mc:Choice xmlns:p14="http://schemas.microsoft.com/office/powerpoint/2010/main" Requires="p14">
+      <mc:AlternateContent xmlns:mc="http://schemas.openxmlformats.org/markup-compatibility/2006" xmlns:p14="http://schemas.microsoft.com/office/powerpoint/2010/main">
+        <mc:Choice Requires="p14">
           <p:contentPart p14:bwMode="auto" r:id="rId5">
             <p14:nvContentPartPr>
               <p14:cNvPr id="10" name="Ink 9"/>
@@ -12492,7 +13582,7 @@
             </p14:xfrm>
           </p:contentPart>
         </mc:Choice>
-        <mc:Fallback>
+        <mc:Fallback xmlns="">
           <p:pic>
             <p:nvPicPr>
               <p:cNvPr id="10" name="Ink 9"/>
@@ -12530,7 +13620,7 @@
 </p:sld>
 </file>
 
-<file path=ppt/slides/slide21.xml><?xml version="1.0" encoding="utf-8"?>
+<file path=ppt/slides/slide22.xml><?xml version="1.0" encoding="utf-8"?>
 <p:sld xmlns:a="http://schemas.openxmlformats.org/drawingml/2006/main" xmlns:r="http://schemas.openxmlformats.org/officeDocument/2006/relationships" xmlns:p="http://schemas.openxmlformats.org/presentationml/2006/main">
   <p:cSld>
     <p:spTree>
@@ -12957,7 +14047,7 @@
 </p:sld>
 </file>
 
-<file path=ppt/slides/slide22.xml><?xml version="1.0" encoding="utf-8"?>
+<file path=ppt/slides/slide23.xml><?xml version="1.0" encoding="utf-8"?>
 <p:sld xmlns:a="http://schemas.openxmlformats.org/drawingml/2006/main" xmlns:r="http://schemas.openxmlformats.org/officeDocument/2006/relationships" xmlns:p="http://schemas.openxmlformats.org/presentationml/2006/main">
   <p:cSld>
     <p:spTree>
@@ -14261,7 +15351,7 @@
 </p:sld>
 </file>
 
-<file path=ppt/slides/slide23.xml><?xml version="1.0" encoding="utf-8"?>
+<file path=ppt/slides/slide24.xml><?xml version="1.0" encoding="utf-8"?>
 <p:sld xmlns:a="http://schemas.openxmlformats.org/drawingml/2006/main" xmlns:r="http://schemas.openxmlformats.org/officeDocument/2006/relationships" xmlns:p="http://schemas.openxmlformats.org/presentationml/2006/main">
   <p:cSld>
     <p:spTree>
@@ -15895,7 +16985,7 @@
 </p:sld>
 </file>
 
-<file path=ppt/slides/slide24.xml><?xml version="1.0" encoding="utf-8"?>
+<file path=ppt/slides/slide25.xml><?xml version="1.0" encoding="utf-8"?>
 <p:sld xmlns:a="http://schemas.openxmlformats.org/drawingml/2006/main" xmlns:r="http://schemas.openxmlformats.org/officeDocument/2006/relationships" xmlns:p="http://schemas.openxmlformats.org/presentationml/2006/main">
   <p:cSld>
     <p:spTree>
@@ -16112,8 +17202,8 @@
           </a:ln>
         </p:spPr>
       </p:pic>
-      <mc:AlternateContent xmlns:mc="http://schemas.openxmlformats.org/markup-compatibility/2006">
-        <mc:Choice xmlns:p14="http://schemas.microsoft.com/office/powerpoint/2010/main" Requires="p14">
+      <mc:AlternateContent xmlns:mc="http://schemas.openxmlformats.org/markup-compatibility/2006" xmlns:p14="http://schemas.microsoft.com/office/powerpoint/2010/main">
+        <mc:Choice Requires="p14">
           <p:contentPart p14:bwMode="auto" r:id="rId6">
             <p14:nvContentPartPr>
               <p14:cNvPr id="10" name="Ink 9"/>
@@ -16126,7 +17216,7 @@
             </p14:xfrm>
           </p:contentPart>
         </mc:Choice>
-        <mc:Fallback>
+        <mc:Fallback xmlns="">
           <p:pic>
             <p:nvPicPr>
               <p:cNvPr id="10" name="Ink 9"/>
@@ -16151,8 +17241,8 @@
           </p:pic>
         </mc:Fallback>
       </mc:AlternateContent>
-      <mc:AlternateContent xmlns:mc="http://schemas.openxmlformats.org/markup-compatibility/2006">
-        <mc:Choice xmlns:p14="http://schemas.microsoft.com/office/powerpoint/2010/main" Requires="p14">
+      <mc:AlternateContent xmlns:mc="http://schemas.openxmlformats.org/markup-compatibility/2006" xmlns:p14="http://schemas.microsoft.com/office/powerpoint/2010/main">
+        <mc:Choice Requires="p14">
           <p:contentPart p14:bwMode="auto" r:id="rId8">
             <p14:nvContentPartPr>
               <p14:cNvPr id="11" name="Ink 10"/>
@@ -16165,7 +17255,7 @@
             </p14:xfrm>
           </p:contentPart>
         </mc:Choice>
-        <mc:Fallback>
+        <mc:Fallback xmlns="">
           <p:pic>
             <p:nvPicPr>
               <p:cNvPr id="11" name="Ink 10"/>
@@ -16190,8 +17280,8 @@
           </p:pic>
         </mc:Fallback>
       </mc:AlternateContent>
-      <mc:AlternateContent xmlns:mc="http://schemas.openxmlformats.org/markup-compatibility/2006">
-        <mc:Choice xmlns:p14="http://schemas.microsoft.com/office/powerpoint/2010/main" Requires="p14">
+      <mc:AlternateContent xmlns:mc="http://schemas.openxmlformats.org/markup-compatibility/2006" xmlns:p14="http://schemas.microsoft.com/office/powerpoint/2010/main">
+        <mc:Choice Requires="p14">
           <p:contentPart p14:bwMode="auto" r:id="rId10">
             <p14:nvContentPartPr>
               <p14:cNvPr id="12" name="Ink 11"/>
@@ -16204,7 +17294,7 @@
             </p14:xfrm>
           </p:contentPart>
         </mc:Choice>
-        <mc:Fallback>
+        <mc:Fallback xmlns="">
           <p:pic>
             <p:nvPicPr>
               <p:cNvPr id="12" name="Ink 11"/>
@@ -16229,8 +17319,8 @@
           </p:pic>
         </mc:Fallback>
       </mc:AlternateContent>
-      <mc:AlternateContent xmlns:mc="http://schemas.openxmlformats.org/markup-compatibility/2006">
-        <mc:Choice xmlns:p14="http://schemas.microsoft.com/office/powerpoint/2010/main" Requires="p14">
+      <mc:AlternateContent xmlns:mc="http://schemas.openxmlformats.org/markup-compatibility/2006" xmlns:p14="http://schemas.microsoft.com/office/powerpoint/2010/main">
+        <mc:Choice Requires="p14">
           <p:contentPart p14:bwMode="auto" r:id="rId12">
             <p14:nvContentPartPr>
               <p14:cNvPr id="15" name="Ink 14"/>
@@ -16243,7 +17333,7 @@
             </p14:xfrm>
           </p:contentPart>
         </mc:Choice>
-        <mc:Fallback>
+        <mc:Fallback xmlns="">
           <p:pic>
             <p:nvPicPr>
               <p:cNvPr id="15" name="Ink 14"/>
@@ -16578,7 +17668,500 @@
 </p:sld>
 </file>
 
+<file path=ppt/slides/slide26.xml><?xml version="1.0" encoding="utf-8"?>
+<p:sld xmlns:a="http://schemas.openxmlformats.org/drawingml/2006/main" xmlns:r="http://schemas.openxmlformats.org/officeDocument/2006/relationships" xmlns:p="http://schemas.openxmlformats.org/presentationml/2006/main">
+  <p:cSld>
+    <p:spTree>
+      <p:nvGrpSpPr>
+        <p:cNvPr id="1" name=""/>
+        <p:cNvGrpSpPr/>
+        <p:nvPr/>
+      </p:nvGrpSpPr>
+      <p:grpSpPr>
+        <a:xfrm>
+          <a:off x="0" y="0"/>
+          <a:ext cx="0" cy="0"/>
+          <a:chOff x="0" y="0"/>
+          <a:chExt cx="0" cy="0"/>
+        </a:xfrm>
+      </p:grpSpPr>
+      <p:sp>
+        <p:nvSpPr>
+          <p:cNvPr id="2" name="Title 1"/>
+          <p:cNvSpPr>
+            <a:spLocks noGrp="1"/>
+          </p:cNvSpPr>
+          <p:nvPr>
+            <p:ph type="title"/>
+          </p:nvPr>
+        </p:nvSpPr>
+        <p:spPr/>
+        <p:txBody>
+          <a:bodyPr/>
+          <a:lstStyle/>
+          <a:p>
+            <a:endParaRPr lang="it-IT"/>
+          </a:p>
+        </p:txBody>
+      </p:sp>
+      <p:sp>
+        <p:nvSpPr>
+          <p:cNvPr id="3" name="Content Placeholder 2"/>
+          <p:cNvSpPr>
+            <a:spLocks noGrp="1"/>
+          </p:cNvSpPr>
+          <p:nvPr>
+            <p:ph idx="1"/>
+          </p:nvPr>
+        </p:nvSpPr>
+        <p:spPr/>
+        <p:txBody>
+          <a:bodyPr/>
+          <a:lstStyle/>
+          <a:p>
+            <a:endParaRPr lang="it-IT"/>
+          </a:p>
+        </p:txBody>
+      </p:sp>
+    </p:spTree>
+    <p:extLst>
+      <p:ext uri="{BB962C8B-B14F-4D97-AF65-F5344CB8AC3E}">
+        <p14:creationId xmlns:p14="http://schemas.microsoft.com/office/powerpoint/2010/main" val="2914637759"/>
+      </p:ext>
+    </p:extLst>
+  </p:cSld>
+  <p:clrMapOvr>
+    <a:masterClrMapping/>
+  </p:clrMapOvr>
+</p:sld>
+</file>
+
+<file path=ppt/slides/slide27.xml><?xml version="1.0" encoding="utf-8"?>
+<p:sld xmlns:a="http://schemas.openxmlformats.org/drawingml/2006/main" xmlns:r="http://schemas.openxmlformats.org/officeDocument/2006/relationships" xmlns:p="http://schemas.openxmlformats.org/presentationml/2006/main">
+  <p:cSld>
+    <p:spTree>
+      <p:nvGrpSpPr>
+        <p:cNvPr id="1" name=""/>
+        <p:cNvGrpSpPr/>
+        <p:nvPr/>
+      </p:nvGrpSpPr>
+      <p:grpSpPr>
+        <a:xfrm>
+          <a:off x="0" y="0"/>
+          <a:ext cx="0" cy="0"/>
+          <a:chOff x="0" y="0"/>
+          <a:chExt cx="0" cy="0"/>
+        </a:xfrm>
+      </p:grpSpPr>
+      <p:sp>
+        <p:nvSpPr>
+          <p:cNvPr id="4" name="Content Placeholder 3"/>
+          <p:cNvSpPr>
+            <a:spLocks noGrp="1"/>
+          </p:cNvSpPr>
+          <p:nvPr>
+            <p:ph idx="1"/>
+          </p:nvPr>
+        </p:nvSpPr>
+        <p:spPr>
+          <a:xfrm>
+            <a:off x="838200" y="810886"/>
+            <a:ext cx="10515600" cy="4749750"/>
+          </a:xfrm>
+        </p:spPr>
+        <p:txBody>
+          <a:bodyPr>
+            <a:normAutofit fontScale="92500" lnSpcReduction="20000"/>
+          </a:bodyPr>
+          <a:lstStyle/>
+          <a:p>
+            <a:pPr marL="0" indent="0" algn="ctr">
+              <a:buNone/>
+            </a:pPr>
+            <a:r>
+              <a:rPr lang="it-IT" sz="6000" b="1" dirty="0" err="1"/>
+              <a:t>Questions</a:t>
+            </a:r>
+            <a:r>
+              <a:rPr lang="it-IT" sz="6000" b="1" dirty="0"/>
+              <a:t>?</a:t>
+            </a:r>
+          </a:p>
+          <a:p>
+            <a:pPr marL="0" indent="0" algn="ctr">
+              <a:buNone/>
+            </a:pPr>
+            <a:endParaRPr lang="it-IT" dirty="0">
+              <a:latin typeface="Consolas" panose="020B0609020204030204" pitchFamily="49" charset="0"/>
+              <a:cs typeface="Consolas" panose="020B0609020204030204" pitchFamily="49" charset="0"/>
+              <a:hlinkClick r:id="rId3"/>
+            </a:endParaRPr>
+          </a:p>
+          <a:p>
+            <a:pPr marL="0" indent="0" algn="ctr">
+              <a:lnSpc>
+                <a:spcPct val="150000"/>
+              </a:lnSpc>
+              <a:buNone/>
+            </a:pPr>
+            <a:r>
+              <a:rPr lang="it-IT" dirty="0">
+                <a:latin typeface="Consolas" panose="020B0609020204030204" pitchFamily="49" charset="0"/>
+                <a:cs typeface="Consolas" panose="020B0609020204030204" pitchFamily="49" charset="0"/>
+                <a:hlinkClick r:id="rId3"/>
+              </a:rPr>
+              <a:t>http://</a:t>
+            </a:r>
+            <a:r>
+              <a:rPr lang="it-IT" b="1" dirty="0">
+                <a:latin typeface="Consolas" panose="020B0609020204030204" pitchFamily="49" charset="0"/>
+                <a:cs typeface="Consolas" panose="020B0609020204030204" pitchFamily="49" charset="0"/>
+                <a:hlinkClick r:id="rId3"/>
+              </a:rPr>
+              <a:t>vittorioromeo.info</a:t>
+            </a:r>
+            <a:br>
+              <a:rPr lang="it-IT" dirty="0">
+                <a:latin typeface="Consolas" panose="020B0609020204030204" pitchFamily="49" charset="0"/>
+                <a:cs typeface="Consolas" panose="020B0609020204030204" pitchFamily="49" charset="0"/>
+              </a:rPr>
+            </a:br>
+            <a:r>
+              <a:rPr lang="it-IT" b="1" dirty="0">
+                <a:latin typeface="Consolas" panose="020B0609020204030204" pitchFamily="49" charset="0"/>
+                <a:cs typeface="Consolas" panose="020B0609020204030204" pitchFamily="49" charset="0"/>
+                <a:hlinkClick r:id="rId4"/>
+              </a:rPr>
+              <a:t>vittorio.romeo</a:t>
+            </a:r>
+            <a:r>
+              <a:rPr lang="it-IT" dirty="0">
+                <a:latin typeface="Consolas" panose="020B0609020204030204" pitchFamily="49" charset="0"/>
+                <a:cs typeface="Consolas" panose="020B0609020204030204" pitchFamily="49" charset="0"/>
+                <a:hlinkClick r:id="rId4"/>
+              </a:rPr>
+              <a:t>@outlook.com</a:t>
+            </a:r>
+            <a:br>
+              <a:rPr lang="it-IT" dirty="0">
+                <a:latin typeface="Consolas" panose="020B0609020204030204" pitchFamily="49" charset="0"/>
+                <a:cs typeface="Consolas" panose="020B0609020204030204" pitchFamily="49" charset="0"/>
+              </a:rPr>
+            </a:br>
+            <a:r>
+              <a:rPr lang="it-IT" dirty="0">
+                <a:latin typeface="Consolas" panose="020B0609020204030204" pitchFamily="49" charset="0"/>
+                <a:cs typeface="Consolas" panose="020B0609020204030204" pitchFamily="49" charset="0"/>
+                <a:hlinkClick r:id="rId5"/>
+              </a:rPr>
+              <a:t>http://github.com/</a:t>
+            </a:r>
+            <a:r>
+              <a:rPr lang="it-IT" b="1" dirty="0">
+                <a:latin typeface="Consolas" panose="020B0609020204030204" pitchFamily="49" charset="0"/>
+                <a:cs typeface="Consolas" panose="020B0609020204030204" pitchFamily="49" charset="0"/>
+                <a:hlinkClick r:id="rId5"/>
+              </a:rPr>
+              <a:t>SuperV1234</a:t>
+            </a:r>
+            <a:br>
+              <a:rPr lang="it-IT" dirty="0">
+                <a:latin typeface="Consolas" panose="020B0609020204030204" pitchFamily="49" charset="0"/>
+                <a:cs typeface="Consolas" panose="020B0609020204030204" pitchFamily="49" charset="0"/>
+              </a:rPr>
+            </a:br>
+            <a:endParaRPr lang="it-IT" sz="6000" dirty="0"/>
+          </a:p>
+          <a:p>
+            <a:pPr marL="0" indent="0" algn="ctr">
+              <a:buNone/>
+            </a:pPr>
+            <a:r>
+              <a:rPr lang="it-IT" sz="6000" dirty="0" err="1"/>
+              <a:t>Thank</a:t>
+            </a:r>
+            <a:r>
+              <a:rPr lang="it-IT" sz="6000" dirty="0"/>
+              <a:t> </a:t>
+            </a:r>
+            <a:r>
+              <a:rPr lang="it-IT" sz="6000" dirty="0" err="1"/>
+              <a:t>you</a:t>
+            </a:r>
+            <a:r>
+              <a:rPr lang="it-IT" sz="6000" dirty="0"/>
+              <a:t> for </a:t>
+            </a:r>
+            <a:r>
+              <a:rPr lang="it-IT" sz="6000" dirty="0" err="1"/>
+              <a:t>attending</a:t>
+            </a:r>
+            <a:r>
+              <a:rPr lang="it-IT" sz="6000" dirty="0"/>
+              <a:t>!</a:t>
+            </a:r>
+          </a:p>
+        </p:txBody>
+      </p:sp>
+      <p:sp>
+        <p:nvSpPr>
+          <p:cNvPr id="2" name="Slide Number Placeholder 1"/>
+          <p:cNvSpPr>
+            <a:spLocks noGrp="1"/>
+          </p:cNvSpPr>
+          <p:nvPr>
+            <p:ph type="sldNum" sz="quarter" idx="12"/>
+          </p:nvPr>
+        </p:nvSpPr>
+        <p:spPr/>
+        <p:txBody>
+          <a:bodyPr/>
+          <a:lstStyle/>
+          <a:p>
+            <a:fld id="{B3225984-A7AD-4D18-892F-24CECE947B3A}" type="slidenum">
+              <a:rPr lang="it-IT" smtClean="0"/>
+              <a:t>27</a:t>
+            </a:fld>
+            <a:endParaRPr lang="it-IT"/>
+          </a:p>
+        </p:txBody>
+      </p:sp>
+    </p:spTree>
+    <p:extLst>
+      <p:ext uri="{BB962C8B-B14F-4D97-AF65-F5344CB8AC3E}">
+        <p14:creationId xmlns:p14="http://schemas.microsoft.com/office/powerpoint/2010/main" val="2137435033"/>
+      </p:ext>
+    </p:extLst>
+  </p:cSld>
+  <p:clrMapOvr>
+    <a:masterClrMapping/>
+  </p:clrMapOvr>
+</p:sld>
+</file>
+
 <file path=ppt/slides/slide3.xml><?xml version="1.0" encoding="utf-8"?>
+<p:sld xmlns:a="http://schemas.openxmlformats.org/drawingml/2006/main" xmlns:r="http://schemas.openxmlformats.org/officeDocument/2006/relationships" xmlns:p="http://schemas.openxmlformats.org/presentationml/2006/main">
+  <p:cSld>
+    <p:spTree>
+      <p:nvGrpSpPr>
+        <p:cNvPr id="1" name=""/>
+        <p:cNvGrpSpPr/>
+        <p:nvPr/>
+      </p:nvGrpSpPr>
+      <p:grpSpPr>
+        <a:xfrm>
+          <a:off x="0" y="0"/>
+          <a:ext cx="0" cy="0"/>
+          <a:chOff x="0" y="0"/>
+          <a:chExt cx="0" cy="0"/>
+        </a:xfrm>
+      </p:grpSpPr>
+      <p:sp>
+        <p:nvSpPr>
+          <p:cNvPr id="2" name="Title 1"/>
+          <p:cNvSpPr>
+            <a:spLocks noGrp="1"/>
+          </p:cNvSpPr>
+          <p:nvPr>
+            <p:ph type="title"/>
+          </p:nvPr>
+        </p:nvSpPr>
+        <p:spPr/>
+        <p:txBody>
+          <a:bodyPr/>
+          <a:lstStyle/>
+          <a:p>
+            <a:r>
+              <a:rPr lang="en-US" dirty="0"/>
+              <a:t>What is </a:t>
+            </a:r>
+            <a:r>
+              <a:rPr lang="en-US" b="1" dirty="0"/>
+              <a:t>“static”</a:t>
+            </a:r>
+            <a:r>
+              <a:rPr lang="en-US" dirty="0"/>
+              <a:t> control flow?</a:t>
+            </a:r>
+            <a:endParaRPr lang="it-IT" dirty="0"/>
+          </a:p>
+        </p:txBody>
+      </p:sp>
+      <p:sp>
+        <p:nvSpPr>
+          <p:cNvPr id="3" name="Content Placeholder 2"/>
+          <p:cNvSpPr>
+            <a:spLocks noGrp="1"/>
+          </p:cNvSpPr>
+          <p:nvPr>
+            <p:ph idx="1"/>
+          </p:nvPr>
+        </p:nvSpPr>
+        <p:spPr/>
+        <p:txBody>
+          <a:bodyPr/>
+          <a:lstStyle/>
+          <a:p>
+            <a:r>
+              <a:rPr lang="en-US" dirty="0">
+                <a:latin typeface="Consolas" panose="020B0609020204030204" pitchFamily="49" charset="0"/>
+              </a:rPr>
+              <a:t>static</a:t>
+            </a:r>
+            <a:r>
+              <a:rPr lang="en-US" dirty="0"/>
+              <a:t> is a specifier with multiple meanings in C++.</a:t>
+            </a:r>
+          </a:p>
+          <a:p>
+            <a:r>
+              <a:rPr lang="en-US" dirty="0"/>
+              <a:t>It’s also a word commonly used by developers to refer to </a:t>
+            </a:r>
+            <a:r>
+              <a:rPr lang="en-US" b="1" dirty="0"/>
+              <a:t>compile-time control flow</a:t>
+            </a:r>
+            <a:r>
+              <a:rPr lang="en-US" dirty="0"/>
+              <a:t>.</a:t>
+            </a:r>
+          </a:p>
+          <a:p>
+            <a:r>
+              <a:rPr lang="en-US" dirty="0"/>
+              <a:t>Existing languages, such as D, have powerful compile-time constructs like </a:t>
+            </a:r>
+            <a:r>
+              <a:rPr lang="en-US" dirty="0">
+                <a:latin typeface="Consolas" panose="020B0609020204030204" pitchFamily="49" charset="0"/>
+              </a:rPr>
+              <a:t>static if</a:t>
+            </a:r>
+            <a:r>
+              <a:rPr lang="en-US" dirty="0"/>
+              <a:t>.</a:t>
+            </a:r>
+          </a:p>
+          <a:p>
+            <a:r>
+              <a:rPr lang="en-US" dirty="0"/>
+              <a:t>Goals of this talk:</a:t>
+            </a:r>
+          </a:p>
+          <a:p>
+            <a:pPr lvl="1"/>
+            <a:r>
+              <a:rPr lang="en-US" dirty="0"/>
+              <a:t>Understand the benefits of static control flow.</a:t>
+            </a:r>
+          </a:p>
+          <a:p>
+            <a:pPr lvl="1"/>
+            <a:r>
+              <a:rPr lang="en-US" dirty="0"/>
+              <a:t>Look at the history of </a:t>
+            </a:r>
+            <a:r>
+              <a:rPr lang="en-US" dirty="0" err="1">
+                <a:latin typeface="Consolas" panose="020B0609020204030204" pitchFamily="49" charset="0"/>
+              </a:rPr>
+              <a:t>static_if</a:t>
+            </a:r>
+            <a:r>
+              <a:rPr lang="en-US" dirty="0"/>
+              <a:t> proposals in C++, analyze </a:t>
+            </a:r>
+            <a:r>
+              <a:rPr lang="en-US" dirty="0">
+                <a:latin typeface="Consolas" panose="020B0609020204030204" pitchFamily="49" charset="0"/>
+              </a:rPr>
+              <a:t>if </a:t>
+            </a:r>
+            <a:r>
+              <a:rPr lang="en-US" dirty="0" err="1">
+                <a:latin typeface="Consolas" panose="020B0609020204030204" pitchFamily="49" charset="0"/>
+              </a:rPr>
+              <a:t>constexpr</a:t>
+            </a:r>
+            <a:r>
+              <a:rPr lang="en-US" dirty="0"/>
+              <a:t>.</a:t>
+            </a:r>
+          </a:p>
+          <a:p>
+            <a:pPr lvl="1"/>
+            <a:r>
+              <a:rPr lang="en-US" dirty="0"/>
+              <a:t>Implement two C++14 constructs: </a:t>
+            </a:r>
+            <a:r>
+              <a:rPr lang="en-US" dirty="0" err="1">
+                <a:latin typeface="Consolas" panose="020B0609020204030204" pitchFamily="49" charset="0"/>
+              </a:rPr>
+              <a:t>static_if</a:t>
+            </a:r>
+            <a:r>
+              <a:rPr lang="en-US" dirty="0">
+                <a:latin typeface="Consolas" panose="020B0609020204030204" pitchFamily="49" charset="0"/>
+              </a:rPr>
+              <a:t> </a:t>
+            </a:r>
+            <a:r>
+              <a:rPr lang="en-US" dirty="0"/>
+              <a:t>and</a:t>
+            </a:r>
+            <a:r>
+              <a:rPr lang="en-US" dirty="0">
+                <a:latin typeface="Consolas" panose="020B0609020204030204" pitchFamily="49" charset="0"/>
+              </a:rPr>
+              <a:t> </a:t>
+            </a:r>
+            <a:r>
+              <a:rPr lang="en-US" dirty="0" err="1">
+                <a:latin typeface="Consolas" panose="020B0609020204030204" pitchFamily="49" charset="0"/>
+              </a:rPr>
+              <a:t>static_for</a:t>
+            </a:r>
+            <a:r>
+              <a:rPr lang="en-US" dirty="0">
+                <a:latin typeface="Consolas" panose="020B0609020204030204" pitchFamily="49" charset="0"/>
+              </a:rPr>
+              <a:t>.</a:t>
+            </a:r>
+            <a:endParaRPr lang="en-US" dirty="0"/>
+          </a:p>
+          <a:p>
+            <a:pPr lvl="1"/>
+            <a:endParaRPr lang="en-US" dirty="0">
+              <a:latin typeface="Consolas" panose="020B0609020204030204" pitchFamily="49" charset="0"/>
+            </a:endParaRPr>
+          </a:p>
+          <a:p>
+            <a:pPr lvl="1"/>
+            <a:endParaRPr lang="en-US" dirty="0">
+              <a:latin typeface="Consolas" panose="020B0609020204030204" pitchFamily="49" charset="0"/>
+            </a:endParaRPr>
+          </a:p>
+          <a:p>
+            <a:endParaRPr lang="it-IT" dirty="0"/>
+          </a:p>
+        </p:txBody>
+      </p:sp>
+    </p:spTree>
+    <p:extLst>
+      <p:ext uri="{BB962C8B-B14F-4D97-AF65-F5344CB8AC3E}">
+        <p14:creationId xmlns:p14="http://schemas.microsoft.com/office/powerpoint/2010/main" val="3240195144"/>
+      </p:ext>
+    </p:extLst>
+  </p:cSld>
+  <p:clrMapOvr>
+    <a:masterClrMapping/>
+  </p:clrMapOvr>
+</p:sld>
+</file>
+
+<file path=ppt/slides/slide4.xml><?xml version="1.0" encoding="utf-8"?>
 <p:sld xmlns:a="http://schemas.openxmlformats.org/drawingml/2006/main" xmlns:r="http://schemas.openxmlformats.org/officeDocument/2006/relationships" xmlns:p="http://schemas.openxmlformats.org/presentationml/2006/main">
   <p:cSld>
     <p:spTree>
@@ -16782,7 +18365,7 @@
 </p:sld>
 </file>
 
-<file path=ppt/slides/slide4.xml><?xml version="1.0" encoding="utf-8"?>
+<file path=ppt/slides/slide5.xml><?xml version="1.0" encoding="utf-8"?>
 <p:sld xmlns:a="http://schemas.openxmlformats.org/drawingml/2006/main" xmlns:r="http://schemas.openxmlformats.org/officeDocument/2006/relationships" xmlns:p="http://schemas.openxmlformats.org/presentationml/2006/main">
   <p:cSld>
     <p:spTree>
@@ -16908,7 +18491,7 @@
 </p:sld>
 </file>
 
-<file path=ppt/slides/slide5.xml><?xml version="1.0" encoding="utf-8"?>
+<file path=ppt/slides/slide6.xml><?xml version="1.0" encoding="utf-8"?>
 <p:sld xmlns:a="http://schemas.openxmlformats.org/drawingml/2006/main" xmlns:r="http://schemas.openxmlformats.org/officeDocument/2006/relationships" xmlns:p="http://schemas.openxmlformats.org/presentationml/2006/main">
   <p:cSld>
     <p:spTree>
@@ -17002,7 +18585,7 @@
 </p:sld>
 </file>
 
-<file path=ppt/slides/slide6.xml><?xml version="1.0" encoding="utf-8"?>
+<file path=ppt/slides/slide7.xml><?xml version="1.0" encoding="utf-8"?>
 <p:sld xmlns:a="http://schemas.openxmlformats.org/drawingml/2006/main" xmlns:r="http://schemas.openxmlformats.org/officeDocument/2006/relationships" xmlns:p="http://schemas.openxmlformats.org/presentationml/2006/main">
   <p:cSld>
     <p:spTree>
@@ -17108,7 +18691,7 @@
 </p:sld>
 </file>
 
-<file path=ppt/slides/slide7.xml><?xml version="1.0" encoding="utf-8"?>
+<file path=ppt/slides/slide8.xml><?xml version="1.0" encoding="utf-8"?>
 <p:sld xmlns:a="http://schemas.openxmlformats.org/drawingml/2006/main" xmlns:r="http://schemas.openxmlformats.org/officeDocument/2006/relationships" xmlns:p="http://schemas.openxmlformats.org/presentationml/2006/main">
   <p:cSld>
     <p:spTree>
@@ -17214,7 +18797,7 @@
 </p:sld>
 </file>
 
-<file path=ppt/slides/slide8.xml><?xml version="1.0" encoding="utf-8"?>
+<file path=ppt/slides/slide9.xml><?xml version="1.0" encoding="utf-8"?>
 <p:sld xmlns:a="http://schemas.openxmlformats.org/drawingml/2006/main" xmlns:r="http://schemas.openxmlformats.org/officeDocument/2006/relationships" xmlns:p="http://schemas.openxmlformats.org/presentationml/2006/main">
   <p:cSld>
     <p:spTree>
@@ -17419,8 +19002,8 @@
           </a:p>
         </p:txBody>
       </p:sp>
-      <mc:AlternateContent xmlns:mc="http://schemas.openxmlformats.org/markup-compatibility/2006">
-        <mc:Choice xmlns:p14="http://schemas.microsoft.com/office/powerpoint/2010/main" Requires="p14">
+      <mc:AlternateContent xmlns:mc="http://schemas.openxmlformats.org/markup-compatibility/2006" xmlns:p14="http://schemas.microsoft.com/office/powerpoint/2010/main">
+        <mc:Choice Requires="p14">
           <p:contentPart p14:bwMode="auto" r:id="rId7">
             <p14:nvContentPartPr>
               <p14:cNvPr id="14" name="Ink 13"/>
@@ -17433,7 +19016,7 @@
             </p14:xfrm>
           </p:contentPart>
         </mc:Choice>
-        <mc:Fallback>
+        <mc:Fallback xmlns="">
           <p:pic>
             <p:nvPicPr>
               <p:cNvPr id="14" name="Ink 13"/>
@@ -17458,8 +19041,8 @@
           </p:pic>
         </mc:Fallback>
       </mc:AlternateContent>
-      <mc:AlternateContent xmlns:mc="http://schemas.openxmlformats.org/markup-compatibility/2006">
-        <mc:Choice xmlns:p14="http://schemas.microsoft.com/office/powerpoint/2010/main" Requires="p14">
+      <mc:AlternateContent xmlns:mc="http://schemas.openxmlformats.org/markup-compatibility/2006" xmlns:p14="http://schemas.microsoft.com/office/powerpoint/2010/main">
+        <mc:Choice Requires="p14">
           <p:contentPart p14:bwMode="auto" r:id="rId9">
             <p14:nvContentPartPr>
               <p14:cNvPr id="16" name="Ink 15"/>
@@ -17472,7 +19055,7 @@
             </p14:xfrm>
           </p:contentPart>
         </mc:Choice>
-        <mc:Fallback>
+        <mc:Fallback xmlns="">
           <p:pic>
             <p:nvPicPr>
               <p:cNvPr id="16" name="Ink 15"/>
@@ -17497,8 +19080,8 @@
           </p:pic>
         </mc:Fallback>
       </mc:AlternateContent>
-      <mc:AlternateContent xmlns:mc="http://schemas.openxmlformats.org/markup-compatibility/2006">
-        <mc:Choice xmlns:p14="http://schemas.microsoft.com/office/powerpoint/2010/main" Requires="p14">
+      <mc:AlternateContent xmlns:mc="http://schemas.openxmlformats.org/markup-compatibility/2006" xmlns:p14="http://schemas.microsoft.com/office/powerpoint/2010/main">
+        <mc:Choice Requires="p14">
           <p:contentPart p14:bwMode="auto" r:id="rId11">
             <p14:nvContentPartPr>
               <p14:cNvPr id="17" name="Ink 16"/>
@@ -17511,7 +19094,7 @@
             </p14:xfrm>
           </p:contentPart>
         </mc:Choice>
-        <mc:Fallback>
+        <mc:Fallback xmlns="">
           <p:pic>
             <p:nvPicPr>
               <p:cNvPr id="17" name="Ink 16"/>
@@ -17536,8 +19119,8 @@
           </p:pic>
         </mc:Fallback>
       </mc:AlternateContent>
-      <mc:AlternateContent xmlns:mc="http://schemas.openxmlformats.org/markup-compatibility/2006">
-        <mc:Choice xmlns:p14="http://schemas.microsoft.com/office/powerpoint/2010/main" Requires="p14">
+      <mc:AlternateContent xmlns:mc="http://schemas.openxmlformats.org/markup-compatibility/2006" xmlns:p14="http://schemas.microsoft.com/office/powerpoint/2010/main">
+        <mc:Choice Requires="p14">
           <p:contentPart p14:bwMode="auto" r:id="rId13">
             <p14:nvContentPartPr>
               <p14:cNvPr id="24" name="Ink 23"/>
@@ -17550,7 +19133,7 @@
             </p14:xfrm>
           </p:contentPart>
         </mc:Choice>
-        <mc:Fallback>
+        <mc:Fallback xmlns="">
           <p:pic>
             <p:nvPicPr>
               <p:cNvPr id="24" name="Ink 23"/>
@@ -17575,8 +19158,8 @@
           </p:pic>
         </mc:Fallback>
       </mc:AlternateContent>
-      <mc:AlternateContent xmlns:mc="http://schemas.openxmlformats.org/markup-compatibility/2006">
-        <mc:Choice xmlns:p14="http://schemas.microsoft.com/office/powerpoint/2010/main" Requires="p14">
+      <mc:AlternateContent xmlns:mc="http://schemas.openxmlformats.org/markup-compatibility/2006" xmlns:p14="http://schemas.microsoft.com/office/powerpoint/2010/main">
+        <mc:Choice Requires="p14">
           <p:contentPart p14:bwMode="auto" r:id="rId15">
             <p14:nvContentPartPr>
               <p14:cNvPr id="33" name="Ink 32"/>
@@ -17589,7 +19172,7 @@
             </p14:xfrm>
           </p:contentPart>
         </mc:Choice>
-        <mc:Fallback>
+        <mc:Fallback xmlns="">
           <p:pic>
             <p:nvPicPr>
               <p:cNvPr id="33" name="Ink 32"/>
@@ -17614,8 +19197,8 @@
           </p:pic>
         </mc:Fallback>
       </mc:AlternateContent>
-      <mc:AlternateContent xmlns:mc="http://schemas.openxmlformats.org/markup-compatibility/2006">
-        <mc:Choice xmlns:p14="http://schemas.microsoft.com/office/powerpoint/2010/main" Requires="p14">
+      <mc:AlternateContent xmlns:mc="http://schemas.openxmlformats.org/markup-compatibility/2006" xmlns:p14="http://schemas.microsoft.com/office/powerpoint/2010/main">
+        <mc:Choice Requires="p14">
           <p:contentPart p14:bwMode="auto" r:id="rId17">
             <p14:nvContentPartPr>
               <p14:cNvPr id="43" name="Ink 42"/>
@@ -17628,7 +19211,7 @@
             </p14:xfrm>
           </p:contentPart>
         </mc:Choice>
-        <mc:Fallback>
+        <mc:Fallback xmlns="">
           <p:pic>
             <p:nvPicPr>
               <p:cNvPr id="43" name="Ink 42"/>
@@ -17653,8 +19236,8 @@
           </p:pic>
         </mc:Fallback>
       </mc:AlternateContent>
-      <mc:AlternateContent xmlns:mc="http://schemas.openxmlformats.org/markup-compatibility/2006">
-        <mc:Choice xmlns:p14="http://schemas.microsoft.com/office/powerpoint/2010/main" Requires="p14">
+      <mc:AlternateContent xmlns:mc="http://schemas.openxmlformats.org/markup-compatibility/2006" xmlns:p14="http://schemas.microsoft.com/office/powerpoint/2010/main">
+        <mc:Choice Requires="p14">
           <p:contentPart p14:bwMode="auto" r:id="rId19">
             <p14:nvContentPartPr>
               <p14:cNvPr id="49" name="Ink 48"/>
@@ -17667,7 +19250,7 @@
             </p14:xfrm>
           </p:contentPart>
         </mc:Choice>
-        <mc:Fallback>
+        <mc:Fallback xmlns="">
           <p:pic>
             <p:nvPicPr>
               <p:cNvPr id="49" name="Ink 48"/>
@@ -18015,685 +19598,6 @@
                                         <p:cTn id="31" dur="500"/>
                                         <p:tgtEl>
                                           <p:spTgt spid="43"/>
-                                        </p:tgtEl>
-                                      </p:cBhvr>
-                                    </p:animEffect>
-                                  </p:childTnLst>
-                                </p:cTn>
-                              </p:par>
-                            </p:childTnLst>
-                          </p:cTn>
-                        </p:par>
-                      </p:childTnLst>
-                    </p:cTn>
-                  </p:par>
-                </p:childTnLst>
-              </p:cTn>
-              <p:prevCondLst>
-                <p:cond evt="onPrev" delay="0">
-                  <p:tgtEl>
-                    <p:sldTgt/>
-                  </p:tgtEl>
-                </p:cond>
-              </p:prevCondLst>
-              <p:nextCondLst>
-                <p:cond evt="onNext" delay="0">
-                  <p:tgtEl>
-                    <p:sldTgt/>
-                  </p:tgtEl>
-                </p:cond>
-              </p:nextCondLst>
-            </p:seq>
-          </p:childTnLst>
-        </p:cTn>
-      </p:par>
-    </p:tnLst>
-  </p:timing>
-</p:sld>
-</file>
-
-<file path=ppt/slides/slide9.xml><?xml version="1.0" encoding="utf-8"?>
-<p:sld xmlns:a="http://schemas.openxmlformats.org/drawingml/2006/main" xmlns:r="http://schemas.openxmlformats.org/officeDocument/2006/relationships" xmlns:p="http://schemas.openxmlformats.org/presentationml/2006/main">
-  <p:cSld>
-    <p:spTree>
-      <p:nvGrpSpPr>
-        <p:cNvPr id="1" name=""/>
-        <p:cNvGrpSpPr/>
-        <p:nvPr/>
-      </p:nvGrpSpPr>
-      <p:grpSpPr>
-        <a:xfrm>
-          <a:off x="0" y="0"/>
-          <a:ext cx="0" cy="0"/>
-          <a:chOff x="0" y="0"/>
-          <a:chExt cx="0" cy="0"/>
-        </a:xfrm>
-      </p:grpSpPr>
-      <p:sp>
-        <p:nvSpPr>
-          <p:cNvPr id="2" name="Title 1"/>
-          <p:cNvSpPr>
-            <a:spLocks noGrp="1"/>
-          </p:cNvSpPr>
-          <p:nvPr>
-            <p:ph type="title"/>
-          </p:nvPr>
-        </p:nvSpPr>
-        <p:spPr/>
-        <p:txBody>
-          <a:bodyPr/>
-          <a:lstStyle/>
-          <a:p>
-            <a:r>
-              <a:rPr lang="en-US" dirty="0"/>
-              <a:t>History of </a:t>
-            </a:r>
-            <a:r>
-              <a:rPr lang="en-US" dirty="0">
-                <a:latin typeface="Consolas" panose="020B0609020204030204" pitchFamily="49" charset="0"/>
-              </a:rPr>
-              <a:t>static if</a:t>
-            </a:r>
-            <a:r>
-              <a:rPr lang="en-US" dirty="0"/>
-              <a:t> proposals - 2</a:t>
-            </a:r>
-            <a:endParaRPr lang="it-IT" dirty="0"/>
-          </a:p>
-        </p:txBody>
-      </p:sp>
-      <p:sp>
-        <p:nvSpPr>
-          <p:cNvPr id="3" name="Content Placeholder 2"/>
-          <p:cNvSpPr>
-            <a:spLocks noGrp="1"/>
-          </p:cNvSpPr>
-          <p:nvPr>
-            <p:ph idx="1"/>
-          </p:nvPr>
-        </p:nvSpPr>
-        <p:spPr/>
-        <p:txBody>
-          <a:bodyPr/>
-          <a:lstStyle/>
-          <a:p>
-            <a:r>
-              <a:rPr lang="en-US" dirty="0"/>
-              <a:t>Starting with </a:t>
-            </a:r>
-            <a:r>
-              <a:rPr lang="en-US" dirty="0">
-                <a:hlinkClick r:id="rId3"/>
-              </a:rPr>
-              <a:t>N4461</a:t>
-            </a:r>
-            <a:r>
-              <a:rPr lang="en-US" dirty="0"/>
-              <a:t> by </a:t>
-            </a:r>
-            <a:r>
-              <a:rPr lang="en-US" i="1" dirty="0"/>
-              <a:t>V. </a:t>
-            </a:r>
-            <a:r>
-              <a:rPr lang="en-US" i="1" dirty="0" err="1"/>
-              <a:t>Voutilainen</a:t>
-            </a:r>
-            <a:r>
-              <a:rPr lang="en-US" dirty="0"/>
-              <a:t>, the idea of a compile-time `if` construct with familiar scope rules began to gain traction.</a:t>
-            </a:r>
-          </a:p>
-          <a:p>
-            <a:pPr lvl="1"/>
-            <a:r>
-              <a:rPr lang="en-US" dirty="0"/>
-              <a:t>“</a:t>
-            </a:r>
-            <a:r>
-              <a:rPr lang="it-IT" dirty="0" err="1"/>
-              <a:t>Static</a:t>
-            </a:r>
-            <a:r>
-              <a:rPr lang="it-IT" dirty="0"/>
-              <a:t> </a:t>
-            </a:r>
-            <a:r>
-              <a:rPr lang="it-IT" dirty="0" err="1"/>
-              <a:t>if</a:t>
-            </a:r>
-            <a:r>
-              <a:rPr lang="it-IT" dirty="0"/>
-              <a:t> </a:t>
-            </a:r>
-            <a:r>
-              <a:rPr lang="it-IT" dirty="0" err="1"/>
-              <a:t>resurrected</a:t>
-            </a:r>
-            <a:r>
-              <a:rPr lang="en-US" dirty="0"/>
-              <a:t>“ </a:t>
-            </a:r>
-            <a:r>
-              <a:rPr lang="en-US" i="1" dirty="0"/>
-              <a:t>– Ville </a:t>
-            </a:r>
-            <a:r>
-              <a:rPr lang="en-US" i="1" dirty="0" err="1"/>
-              <a:t>Voutilainen</a:t>
-            </a:r>
-            <a:endParaRPr lang="en-US" dirty="0"/>
-          </a:p>
-          <a:p>
-            <a:r>
-              <a:rPr lang="en-US" dirty="0"/>
-              <a:t> Eventually, the proposed syntax and standard wording was revised multiple times in </a:t>
-            </a:r>
-            <a:r>
-              <a:rPr lang="en-US" dirty="0">
-                <a:hlinkClick r:id="rId4"/>
-              </a:rPr>
-              <a:t>P0128R0</a:t>
-            </a:r>
-            <a:r>
-              <a:rPr lang="en-US" dirty="0"/>
-              <a:t>, </a:t>
-            </a:r>
-            <a:r>
-              <a:rPr lang="en-US" dirty="0">
-                <a:hlinkClick r:id="rId5"/>
-              </a:rPr>
-              <a:t>P0128R1</a:t>
-            </a:r>
-            <a:r>
-              <a:rPr lang="en-US" dirty="0"/>
-              <a:t>, </a:t>
-            </a:r>
-            <a:r>
-              <a:rPr lang="en-US" dirty="0">
-                <a:hlinkClick r:id="rId6"/>
-              </a:rPr>
-              <a:t>P0292R0</a:t>
-            </a:r>
-            <a:r>
-              <a:rPr lang="en-US" dirty="0"/>
-              <a:t>, and </a:t>
-            </a:r>
-            <a:r>
-              <a:rPr lang="en-US" dirty="0">
-                <a:hlinkClick r:id="rId7"/>
-              </a:rPr>
-              <a:t>P0292R1</a:t>
-            </a:r>
-            <a:r>
-              <a:rPr lang="en-US" dirty="0"/>
-              <a:t>.</a:t>
-            </a:r>
-          </a:p>
-          <a:p>
-            <a:pPr lvl="1"/>
-            <a:r>
-              <a:rPr lang="en-US" dirty="0"/>
-              <a:t>“</a:t>
-            </a:r>
-            <a:r>
-              <a:rPr lang="it-IT" dirty="0" err="1"/>
-              <a:t>constexpr_if</a:t>
-            </a:r>
-            <a:r>
-              <a:rPr lang="en-US" dirty="0"/>
-              <a:t>” </a:t>
-            </a:r>
-            <a:r>
-              <a:rPr lang="en-US" i="1" dirty="0"/>
-              <a:t>– Ville </a:t>
-            </a:r>
-            <a:r>
-              <a:rPr lang="en-US" i="1" dirty="0" err="1"/>
-              <a:t>Voutilainen</a:t>
-            </a:r>
-            <a:endParaRPr lang="en-US" i="1" dirty="0"/>
-          </a:p>
-          <a:p>
-            <a:pPr lvl="1"/>
-            <a:r>
-              <a:rPr lang="en-US" dirty="0"/>
-              <a:t>“</a:t>
-            </a:r>
-            <a:r>
-              <a:rPr lang="it-IT" dirty="0" err="1"/>
-              <a:t>constexpr_if</a:t>
-            </a:r>
-            <a:r>
-              <a:rPr lang="en-US" dirty="0"/>
-              <a:t>” </a:t>
-            </a:r>
-            <a:r>
-              <a:rPr lang="en-US" i="1" dirty="0"/>
-              <a:t>– Ville </a:t>
-            </a:r>
-            <a:r>
-              <a:rPr lang="en-US" i="1" dirty="0" err="1"/>
-              <a:t>Voutilainen</a:t>
-            </a:r>
-            <a:r>
-              <a:rPr lang="en-US" i="1" dirty="0"/>
-              <a:t>, </a:t>
-            </a:r>
-            <a:r>
-              <a:rPr lang="en-US" i="1" dirty="0" err="1"/>
-              <a:t>Daveed</a:t>
-            </a:r>
-            <a:r>
-              <a:rPr lang="en-US" i="1" dirty="0"/>
-              <a:t> </a:t>
-            </a:r>
-            <a:r>
-              <a:rPr lang="en-US" i="1" dirty="0" err="1"/>
-              <a:t>Vandevoorde</a:t>
-            </a:r>
-            <a:endParaRPr lang="en-US" i="1" dirty="0"/>
-          </a:p>
-          <a:p>
-            <a:pPr lvl="1"/>
-            <a:r>
-              <a:rPr lang="en-US" dirty="0"/>
-              <a:t>“</a:t>
-            </a:r>
-            <a:r>
-              <a:rPr lang="en-US" dirty="0" err="1"/>
-              <a:t>constexpr</a:t>
-            </a:r>
-            <a:r>
-              <a:rPr lang="en-US" dirty="0"/>
-              <a:t> if: A slightly different syntax”</a:t>
-            </a:r>
-            <a:r>
-              <a:rPr lang="en-US" i="1" dirty="0"/>
-              <a:t> – </a:t>
-            </a:r>
-            <a:r>
-              <a:rPr lang="it-IT" i="1" dirty="0"/>
-              <a:t>Jens </a:t>
-            </a:r>
-            <a:r>
-              <a:rPr lang="it-IT" i="1" dirty="0" err="1"/>
-              <a:t>Maurer</a:t>
-            </a:r>
-            <a:endParaRPr lang="it-IT" i="1" dirty="0"/>
-          </a:p>
-          <a:p>
-            <a:pPr lvl="1"/>
-            <a:r>
-              <a:rPr lang="en-US" dirty="0"/>
-              <a:t>“</a:t>
-            </a:r>
-            <a:r>
-              <a:rPr lang="en-US" dirty="0" err="1"/>
-              <a:t>constexpr</a:t>
-            </a:r>
-            <a:r>
-              <a:rPr lang="en-US" dirty="0"/>
-              <a:t> if: A slightly different syntax”</a:t>
-            </a:r>
-            <a:r>
-              <a:rPr lang="en-US" i="1" dirty="0"/>
-              <a:t> – </a:t>
-            </a:r>
-            <a:r>
-              <a:rPr lang="it-IT" i="1" dirty="0"/>
-              <a:t>Jens </a:t>
-            </a:r>
-            <a:r>
-              <a:rPr lang="it-IT" i="1" dirty="0" err="1"/>
-              <a:t>Maurer</a:t>
-            </a:r>
-            <a:endParaRPr lang="en-US" i="1" dirty="0"/>
-          </a:p>
-          <a:p>
-            <a:pPr lvl="1"/>
-            <a:endParaRPr lang="it-IT" dirty="0"/>
-          </a:p>
-        </p:txBody>
-      </p:sp>
-      <mc:AlternateContent xmlns:mc="http://schemas.openxmlformats.org/markup-compatibility/2006">
-        <mc:Choice xmlns:p14="http://schemas.microsoft.com/office/powerpoint/2010/main" Requires="p14">
-          <p:contentPart p14:bwMode="auto" r:id="rId8">
-            <p14:nvContentPartPr>
-              <p14:cNvPr id="5" name="Ink 4"/>
-              <p14:cNvContentPartPr/>
-              <p14:nvPr/>
-            </p14:nvContentPartPr>
-            <p14:xfrm>
-              <a:off x="2866799" y="1564278"/>
-              <a:ext cx="2236320" cy="2696400"/>
-            </p14:xfrm>
-          </p:contentPart>
-        </mc:Choice>
-        <mc:Fallback>
-          <p:pic>
-            <p:nvPicPr>
-              <p:cNvPr id="5" name="Ink 4"/>
-              <p:cNvPicPr/>
-              <p:nvPr/>
-            </p:nvPicPr>
-            <p:blipFill>
-              <a:blip r:embed="rId9"/>
-              <a:stretch>
-                <a:fillRect/>
-              </a:stretch>
-            </p:blipFill>
-            <p:spPr>
-              <a:xfrm>
-                <a:off x="2853839" y="1557078"/>
-                <a:ext cx="2260800" cy="2715480"/>
-              </a:xfrm>
-              <a:prstGeom prst="rect">
-                <a:avLst/>
-              </a:prstGeom>
-            </p:spPr>
-          </p:pic>
-        </mc:Fallback>
-      </mc:AlternateContent>
-      <mc:AlternateContent xmlns:mc="http://schemas.openxmlformats.org/markup-compatibility/2006">
-        <mc:Choice xmlns:p14="http://schemas.microsoft.com/office/powerpoint/2010/main" Requires="p14">
-          <p:contentPart p14:bwMode="auto" r:id="rId10">
-            <p14:nvContentPartPr>
-              <p14:cNvPr id="13" name="Ink 12"/>
-              <p14:cNvContentPartPr/>
-              <p14:nvPr/>
-            </p14:nvContentPartPr>
-            <p14:xfrm>
-              <a:off x="2273879" y="1080798"/>
-              <a:ext cx="1316520" cy="682920"/>
-            </p14:xfrm>
-          </p:contentPart>
-        </mc:Choice>
-        <mc:Fallback>
-          <p:pic>
-            <p:nvPicPr>
-              <p:cNvPr id="13" name="Ink 12"/>
-              <p:cNvPicPr/>
-              <p:nvPr/>
-            </p:nvPicPr>
-            <p:blipFill>
-              <a:blip r:embed="rId11"/>
-              <a:stretch>
-                <a:fillRect/>
-              </a:stretch>
-            </p:blipFill>
-            <p:spPr>
-              <a:xfrm>
-                <a:off x="2265959" y="1070358"/>
-                <a:ext cx="1334880" cy="699480"/>
-              </a:xfrm>
-              <a:prstGeom prst="rect">
-                <a:avLst/>
-              </a:prstGeom>
-            </p:spPr>
-          </p:pic>
-        </mc:Fallback>
-      </mc:AlternateContent>
-      <mc:AlternateContent xmlns:mc="http://schemas.openxmlformats.org/markup-compatibility/2006">
-        <mc:Choice xmlns:p14="http://schemas.microsoft.com/office/powerpoint/2010/main" Requires="p14">
-          <p:contentPart p14:bwMode="auto" r:id="rId12">
-            <p14:nvContentPartPr>
-              <p14:cNvPr id="16" name="Ink 15"/>
-              <p14:cNvContentPartPr/>
-              <p14:nvPr/>
-            </p14:nvContentPartPr>
-            <p14:xfrm>
-              <a:off x="4874879" y="3313518"/>
-              <a:ext cx="5424840" cy="883800"/>
-            </p14:xfrm>
-          </p:contentPart>
-        </mc:Choice>
-        <mc:Fallback>
-          <p:pic>
-            <p:nvPicPr>
-              <p:cNvPr id="16" name="Ink 15"/>
-              <p:cNvPicPr/>
-              <p:nvPr/>
-            </p:nvPicPr>
-            <p:blipFill>
-              <a:blip r:embed="rId13"/>
-              <a:stretch>
-                <a:fillRect/>
-              </a:stretch>
-            </p:blipFill>
-            <p:spPr>
-              <a:xfrm>
-                <a:off x="4860839" y="3299838"/>
-                <a:ext cx="5452920" cy="912600"/>
-              </a:xfrm>
-              <a:prstGeom prst="rect">
-                <a:avLst/>
-              </a:prstGeom>
-            </p:spPr>
-          </p:pic>
-        </mc:Fallback>
-      </mc:AlternateContent>
-      <mc:AlternateContent xmlns:mc="http://schemas.openxmlformats.org/markup-compatibility/2006">
-        <mc:Choice xmlns:p14="http://schemas.microsoft.com/office/powerpoint/2010/main" Requires="p14">
-          <p:contentPart p14:bwMode="auto" r:id="rId14">
-            <p14:nvContentPartPr>
-              <p14:cNvPr id="22" name="Ink 21"/>
-              <p14:cNvContentPartPr/>
-              <p14:nvPr/>
-            </p14:nvContentPartPr>
-            <p14:xfrm>
-              <a:off x="10017119" y="3936318"/>
-              <a:ext cx="1351440" cy="781200"/>
-            </p14:xfrm>
-          </p:contentPart>
-        </mc:Choice>
-        <mc:Fallback>
-          <p:pic>
-            <p:nvPicPr>
-              <p:cNvPr id="22" name="Ink 21"/>
-              <p:cNvPicPr/>
-              <p:nvPr/>
-            </p:nvPicPr>
-            <p:blipFill>
-              <a:blip r:embed="rId15"/>
-              <a:stretch>
-                <a:fillRect/>
-              </a:stretch>
-            </p:blipFill>
-            <p:spPr>
-              <a:xfrm>
-                <a:off x="10012799" y="3930198"/>
-                <a:ext cx="1364400" cy="801360"/>
-              </a:xfrm>
-              <a:prstGeom prst="rect">
-                <a:avLst/>
-              </a:prstGeom>
-            </p:spPr>
-          </p:pic>
-        </mc:Fallback>
-      </mc:AlternateContent>
-    </p:spTree>
-    <p:extLst>
-      <p:ext uri="{BB962C8B-B14F-4D97-AF65-F5344CB8AC3E}">
-        <p14:creationId xmlns:p14="http://schemas.microsoft.com/office/powerpoint/2010/main" val="2831162571"/>
-      </p:ext>
-    </p:extLst>
-  </p:cSld>
-  <p:clrMapOvr>
-    <a:masterClrMapping/>
-  </p:clrMapOvr>
-  <p:timing>
-    <p:tnLst>
-      <p:par>
-        <p:cTn id="1" dur="indefinite" restart="never" nodeType="tmRoot">
-          <p:childTnLst>
-            <p:seq concurrent="1" nextAc="seek">
-              <p:cTn id="2" dur="indefinite" nodeType="mainSeq">
-                <p:childTnLst>
-                  <p:par>
-                    <p:cTn id="3" fill="hold">
-                      <p:stCondLst>
-                        <p:cond delay="indefinite"/>
-                      </p:stCondLst>
-                      <p:childTnLst>
-                        <p:par>
-                          <p:cTn id="4" fill="hold">
-                            <p:stCondLst>
-                              <p:cond delay="0"/>
-                            </p:stCondLst>
-                            <p:childTnLst>
-                              <p:par>
-                                <p:cTn id="5" presetID="10" presetClass="entr" presetSubtype="0" fill="hold" nodeType="clickEffect">
-                                  <p:stCondLst>
-                                    <p:cond delay="0"/>
-                                  </p:stCondLst>
-                                  <p:childTnLst>
-                                    <p:set>
-                                      <p:cBhvr>
-                                        <p:cTn id="6" dur="1" fill="hold">
-                                          <p:stCondLst>
-                                            <p:cond delay="0"/>
-                                          </p:stCondLst>
-                                        </p:cTn>
-                                        <p:tgtEl>
-                                          <p:spTgt spid="5"/>
-                                        </p:tgtEl>
-                                        <p:attrNameLst>
-                                          <p:attrName>style.visibility</p:attrName>
-                                        </p:attrNameLst>
-                                      </p:cBhvr>
-                                      <p:to>
-                                        <p:strVal val="visible"/>
-                                      </p:to>
-                                    </p:set>
-                                    <p:animEffect transition="in" filter="fade">
-                                      <p:cBhvr>
-                                        <p:cTn id="7" dur="500"/>
-                                        <p:tgtEl>
-                                          <p:spTgt spid="5"/>
-                                        </p:tgtEl>
-                                      </p:cBhvr>
-                                    </p:animEffect>
-                                  </p:childTnLst>
-                                </p:cTn>
-                              </p:par>
-                              <p:par>
-                                <p:cTn id="8" presetID="10" presetClass="entr" presetSubtype="0" fill="hold" nodeType="withEffect">
-                                  <p:stCondLst>
-                                    <p:cond delay="0"/>
-                                  </p:stCondLst>
-                                  <p:childTnLst>
-                                    <p:set>
-                                      <p:cBhvr>
-                                        <p:cTn id="9" dur="1" fill="hold">
-                                          <p:stCondLst>
-                                            <p:cond delay="0"/>
-                                          </p:stCondLst>
-                                        </p:cTn>
-                                        <p:tgtEl>
-                                          <p:spTgt spid="13"/>
-                                        </p:tgtEl>
-                                        <p:attrNameLst>
-                                          <p:attrName>style.visibility</p:attrName>
-                                        </p:attrNameLst>
-                                      </p:cBhvr>
-                                      <p:to>
-                                        <p:strVal val="visible"/>
-                                      </p:to>
-                                    </p:set>
-                                    <p:animEffect transition="in" filter="fade">
-                                      <p:cBhvr>
-                                        <p:cTn id="10" dur="500"/>
-                                        <p:tgtEl>
-                                          <p:spTgt spid="13"/>
-                                        </p:tgtEl>
-                                      </p:cBhvr>
-                                    </p:animEffect>
-                                  </p:childTnLst>
-                                </p:cTn>
-                              </p:par>
-                            </p:childTnLst>
-                          </p:cTn>
-                        </p:par>
-                      </p:childTnLst>
-                    </p:cTn>
-                  </p:par>
-                  <p:par>
-                    <p:cTn id="11" fill="hold">
-                      <p:stCondLst>
-                        <p:cond delay="indefinite"/>
-                      </p:stCondLst>
-                      <p:childTnLst>
-                        <p:par>
-                          <p:cTn id="12" fill="hold">
-                            <p:stCondLst>
-                              <p:cond delay="0"/>
-                            </p:stCondLst>
-                            <p:childTnLst>
-                              <p:par>
-                                <p:cTn id="13" presetID="10" presetClass="entr" presetSubtype="0" fill="hold" nodeType="clickEffect">
-                                  <p:stCondLst>
-                                    <p:cond delay="0"/>
-                                  </p:stCondLst>
-                                  <p:childTnLst>
-                                    <p:set>
-                                      <p:cBhvr>
-                                        <p:cTn id="14" dur="1" fill="hold">
-                                          <p:stCondLst>
-                                            <p:cond delay="0"/>
-                                          </p:stCondLst>
-                                        </p:cTn>
-                                        <p:tgtEl>
-                                          <p:spTgt spid="16"/>
-                                        </p:tgtEl>
-                                        <p:attrNameLst>
-                                          <p:attrName>style.visibility</p:attrName>
-                                        </p:attrNameLst>
-                                      </p:cBhvr>
-                                      <p:to>
-                                        <p:strVal val="visible"/>
-                                      </p:to>
-                                    </p:set>
-                                    <p:animEffect transition="in" filter="fade">
-                                      <p:cBhvr>
-                                        <p:cTn id="15" dur="500"/>
-                                        <p:tgtEl>
-                                          <p:spTgt spid="16"/>
-                                        </p:tgtEl>
-                                      </p:cBhvr>
-                                    </p:animEffect>
-                                  </p:childTnLst>
-                                </p:cTn>
-                              </p:par>
-                              <p:par>
-                                <p:cTn id="16" presetID="10" presetClass="entr" presetSubtype="0" fill="hold" nodeType="withEffect">
-                                  <p:stCondLst>
-                                    <p:cond delay="0"/>
-                                  </p:stCondLst>
-                                  <p:childTnLst>
-                                    <p:set>
-                                      <p:cBhvr>
-                                        <p:cTn id="17" dur="1" fill="hold">
-                                          <p:stCondLst>
-                                            <p:cond delay="0"/>
-                                          </p:stCondLst>
-                                        </p:cTn>
-                                        <p:tgtEl>
-                                          <p:spTgt spid="22"/>
-                                        </p:tgtEl>
-                                        <p:attrNameLst>
-                                          <p:attrName>style.visibility</p:attrName>
-                                        </p:attrNameLst>
-                                      </p:cBhvr>
-                                      <p:to>
-                                        <p:strVal val="visible"/>
-                                      </p:to>
-                                    </p:set>
-                                    <p:animEffect transition="in" filter="fade">
-                                      <p:cBhvr>
-                                        <p:cTn id="18" dur="500"/>
-                                        <p:tgtEl>
-                                          <p:spTgt spid="22"/>
                                         </p:tgtEl>
                                       </p:cBhvr>
                                     </p:animEffect>

--- a/static_control_flow/slides.pptx
+++ b/static_control_flow/slides.pptx
@@ -3069,7 +3069,49 @@
           <a:bodyPr/>
           <a:lstStyle/>
           <a:p>
-            <a:endParaRPr lang="it-IT" dirty="0"/>
+            <a:pPr marL="171450" indent="-171450">
+              <a:buFont typeface="Arial" panose="020B0604020202020204" pitchFamily="34" charset="0"/>
+              <a:buChar char="•"/>
+            </a:pPr>
+            <a:r>
+              <a:rPr lang="en-US" baseline="0" dirty="0"/>
+              <a:t>About me (tutorials, open-source work, conferences, SW Engineer at Bloomberg LP)</a:t>
+            </a:r>
+          </a:p>
+          <a:p>
+            <a:pPr marL="171450" indent="-171450">
+              <a:buFont typeface="Arial" panose="020B0604020202020204" pitchFamily="34" charset="0"/>
+              <a:buChar char="•"/>
+            </a:pPr>
+            <a:r>
+              <a:rPr lang="en-US" baseline="0" dirty="0"/>
+              <a:t>GitHub repo</a:t>
+            </a:r>
+          </a:p>
+          <a:p>
+            <a:pPr marL="171450" indent="-171450">
+              <a:buFont typeface="Arial" panose="020B0604020202020204" pitchFamily="34" charset="0"/>
+              <a:buChar char="•"/>
+            </a:pPr>
+            <a:r>
+              <a:rPr lang="en-US" dirty="0"/>
+              <a:t>Look</a:t>
+            </a:r>
+            <a:r>
+              <a:rPr lang="en-US" baseline="0" dirty="0"/>
+              <a:t> for TODO</a:t>
+            </a:r>
+            <a:endParaRPr lang="it-IT" baseline="0" dirty="0"/>
+          </a:p>
+          <a:p>
+            <a:pPr marL="171450" indent="-171450">
+              <a:buFont typeface="Arial" panose="020B0604020202020204" pitchFamily="34" charset="0"/>
+              <a:buChar char="•"/>
+            </a:pPr>
+            <a:r>
+              <a:rPr lang="en-US" baseline="0" dirty="0"/>
+              <a:t>TODO: align everything in every slide</a:t>
+            </a:r>
           </a:p>
         </p:txBody>
       </p:sp>
@@ -3090,7 +3132,7 @@
           <a:p>
             <a:fld id="{FCA4862E-9507-4BEC-B7E3-B3B5E302CC7C}" type="slidenum">
               <a:rPr lang="it-IT" smtClean="0"/>
-              <a:t>2</a:t>
+              <a:t>1</a:t>
             </a:fld>
             <a:endParaRPr lang="it-IT"/>
           </a:p>
@@ -3099,7 +3141,7 @@
     </p:spTree>
     <p:extLst>
       <p:ext uri="{BB962C8B-B14F-4D97-AF65-F5344CB8AC3E}">
-        <p14:creationId xmlns:p14="http://schemas.microsoft.com/office/powerpoint/2010/main" val="3493191760"/>
+        <p14:creationId xmlns:p14="http://schemas.microsoft.com/office/powerpoint/2010/main" val="1971652815"/>
       </p:ext>
     </p:extLst>
   </p:cSld>
@@ -3174,7 +3216,7 @@
           <a:p>
             <a:fld id="{FCA4862E-9507-4BEC-B7E3-B3B5E302CC7C}" type="slidenum">
               <a:rPr lang="it-IT" smtClean="0"/>
-              <a:t>11</a:t>
+              <a:t>10</a:t>
             </a:fld>
             <a:endParaRPr lang="it-IT"/>
           </a:p>
@@ -3183,7 +3225,7 @@
     </p:spTree>
     <p:extLst>
       <p:ext uri="{BB962C8B-B14F-4D97-AF65-F5344CB8AC3E}">
-        <p14:creationId xmlns:p14="http://schemas.microsoft.com/office/powerpoint/2010/main" val="812567192"/>
+        <p14:creationId xmlns:p14="http://schemas.microsoft.com/office/powerpoint/2010/main" val="1502857467"/>
       </p:ext>
     </p:extLst>
   </p:cSld>
@@ -3237,52 +3279,28 @@
           <a:bodyPr/>
           <a:lstStyle/>
           <a:p>
+            <a:pPr marL="171450" indent="-171450">
+              <a:buFont typeface="Arial" panose="020B0604020202020204" pitchFamily="34" charset="0"/>
+              <a:buChar char="•"/>
+            </a:pPr>
             <a:r>
               <a:rPr lang="en-US" dirty="0"/>
-              <a:t>First</a:t>
+              <a:t>TODO:</a:t>
             </a:r>
             <a:r>
               <a:rPr lang="en-US" baseline="0" dirty="0"/>
-              <a:t> two rules: consistency with runtime if and scopes in the language. I.e. the D example does not work in C++.</a:t>
-            </a:r>
-          </a:p>
-          <a:p>
+              <a:t> pictures/drawings</a:t>
+            </a:r>
+          </a:p>
+          <a:p>
+            <a:pPr marL="171450" indent="-171450">
+              <a:buFont typeface="Arial" panose="020B0604020202020204" pitchFamily="34" charset="0"/>
+              <a:buChar char="•"/>
+            </a:pPr>
             <a:r>
               <a:rPr lang="en-US" baseline="0" dirty="0"/>
-              <a:t>(show animation)</a:t>
-            </a:r>
-          </a:p>
-          <a:p>
-            <a:r>
-              <a:rPr lang="en-US" baseline="0" dirty="0"/>
-              <a:t>Last rule: basically, the two branches have to be </a:t>
-            </a:r>
-            <a:r>
-              <a:rPr lang="en-US" baseline="0" dirty="0" err="1"/>
-              <a:t>parseable</a:t>
-            </a:r>
-            <a:r>
-              <a:rPr lang="en-US" baseline="0" dirty="0"/>
-              <a:t> and well-formed. Only the matched branch will be instantiated, though.</a:t>
-            </a:r>
-          </a:p>
-          <a:p>
-            <a:endParaRPr lang="en-US" baseline="0" dirty="0"/>
-          </a:p>
-          <a:p>
-            <a:r>
-              <a:rPr lang="en-US" dirty="0"/>
-              <a:t>The above rules deal with the controversial ideas of N3613, making `</a:t>
-            </a:r>
-            <a:r>
-              <a:rPr lang="en-US" dirty="0" err="1"/>
-              <a:t>constexpr</a:t>
-            </a:r>
-            <a:r>
-              <a:rPr lang="en-US" dirty="0"/>
-              <a:t> if` an intuitive and familiar compile-time version of the regular `if` statement.</a:t>
-            </a:r>
-            <a:endParaRPr lang="it-IT" dirty="0"/>
+              <a:t>TODO: mention location of standard meeting </a:t>
+            </a:r>
           </a:p>
         </p:txBody>
       </p:sp>
@@ -3303,7 +3321,7 @@
           <a:p>
             <a:fld id="{FCA4862E-9507-4BEC-B7E3-B3B5E302CC7C}" type="slidenum">
               <a:rPr lang="it-IT" smtClean="0"/>
-              <a:t>13</a:t>
+              <a:t>11</a:t>
             </a:fld>
             <a:endParaRPr lang="it-IT"/>
           </a:p>
@@ -3312,7 +3330,7 @@
     </p:spTree>
     <p:extLst>
       <p:ext uri="{BB962C8B-B14F-4D97-AF65-F5344CB8AC3E}">
-        <p14:creationId xmlns:p14="http://schemas.microsoft.com/office/powerpoint/2010/main" val="346789987"/>
+        <p14:creationId xmlns:p14="http://schemas.microsoft.com/office/powerpoint/2010/main" val="812567192"/>
       </p:ext>
     </p:extLst>
   </p:cSld>
@@ -3366,7 +3384,25 @@
           <a:bodyPr/>
           <a:lstStyle/>
           <a:p>
-            <a:endParaRPr lang="it-IT" dirty="0"/>
+            <a:pPr marL="171450" indent="-171450">
+              <a:buFont typeface="Arial" panose="020B0604020202020204" pitchFamily="34" charset="0"/>
+              <a:buChar char="•"/>
+            </a:pPr>
+            <a:r>
+              <a:rPr lang="en-US" dirty="0"/>
+              <a:t>Same example,</a:t>
+            </a:r>
+            <a:r>
+              <a:rPr lang="en-US" baseline="0" dirty="0"/>
+              <a:t> seen earlier</a:t>
+            </a:r>
+          </a:p>
+          <a:p>
+            <a:pPr marL="171450" indent="-171450">
+              <a:buFont typeface="Arial" panose="020B0604020202020204" pitchFamily="34" charset="0"/>
+              <a:buChar char="•"/>
+            </a:pPr>
+            <a:endParaRPr lang="en-US" dirty="0"/>
           </a:p>
         </p:txBody>
       </p:sp>
@@ -3387,7 +3423,7 @@
           <a:p>
             <a:fld id="{FCA4862E-9507-4BEC-B7E3-B3B5E302CC7C}" type="slidenum">
               <a:rPr lang="it-IT" smtClean="0"/>
-              <a:t>14</a:t>
+              <a:t>12</a:t>
             </a:fld>
             <a:endParaRPr lang="it-IT"/>
           </a:p>
@@ -3396,7 +3432,7 @@
     </p:spTree>
     <p:extLst>
       <p:ext uri="{BB962C8B-B14F-4D97-AF65-F5344CB8AC3E}">
-        <p14:creationId xmlns:p14="http://schemas.microsoft.com/office/powerpoint/2010/main" val="2484318627"/>
+        <p14:creationId xmlns:p14="http://schemas.microsoft.com/office/powerpoint/2010/main" val="4094050389"/>
       </p:ext>
     </p:extLst>
   </p:cSld>
@@ -3450,9 +3486,55 @@
           <a:bodyPr/>
           <a:lstStyle/>
           <a:p>
+            <a:pPr marL="171450" indent="-171450">
+              <a:buFont typeface="Arial" panose="020B0604020202020204" pitchFamily="34" charset="0"/>
+              <a:buChar char="•"/>
+            </a:pPr>
             <a:r>
               <a:rPr lang="en-US" dirty="0"/>
-              <a:t>// `if </a:t>
+              <a:t>First</a:t>
+            </a:r>
+            <a:r>
+              <a:rPr lang="en-US" baseline="0" dirty="0"/>
+              <a:t> two rules: consistency with runtime if and scopes in the language. I.e. the D example does not work in C++.</a:t>
+            </a:r>
+          </a:p>
+          <a:p>
+            <a:pPr marL="171450" indent="-171450">
+              <a:buFont typeface="Arial" panose="020B0604020202020204" pitchFamily="34" charset="0"/>
+              <a:buChar char="•"/>
+            </a:pPr>
+            <a:r>
+              <a:rPr lang="en-US" baseline="0" dirty="0"/>
+              <a:t>(show animation)</a:t>
+            </a:r>
+          </a:p>
+          <a:p>
+            <a:pPr marL="171450" indent="-171450">
+              <a:buFont typeface="Arial" panose="020B0604020202020204" pitchFamily="34" charset="0"/>
+              <a:buChar char="•"/>
+            </a:pPr>
+            <a:r>
+              <a:rPr lang="en-US" baseline="0" dirty="0"/>
+              <a:t>Last rule: basically, the two branches have to be </a:t>
+            </a:r>
+            <a:r>
+              <a:rPr lang="en-US" baseline="0" dirty="0" err="1"/>
+              <a:t>parseable</a:t>
+            </a:r>
+            <a:r>
+              <a:rPr lang="en-US" baseline="0" dirty="0"/>
+              <a:t> and well-formed. Only the matched branch will be instantiated, though.</a:t>
+            </a:r>
+          </a:p>
+          <a:p>
+            <a:pPr marL="171450" indent="-171450">
+              <a:buFont typeface="Arial" panose="020B0604020202020204" pitchFamily="34" charset="0"/>
+              <a:buChar char="•"/>
+            </a:pPr>
+            <a:r>
+              <a:rPr lang="en-US" dirty="0"/>
+              <a:t>The above rules deal with the controversial ideas of N3613, making `</a:t>
             </a:r>
             <a:r>
               <a:rPr lang="en-US" dirty="0" err="1"/>
@@ -3460,31 +3542,7 @@
             </a:r>
             <a:r>
               <a:rPr lang="en-US" dirty="0"/>
-              <a:t>` is part of the C++17 standard...</a:t>
-            </a:r>
-          </a:p>
-          <a:p>
-            <a:r>
-              <a:rPr lang="en-US" dirty="0"/>
-              <a:t>// ...but you don't have to wait for your compiler to implement it!</a:t>
-            </a:r>
-          </a:p>
-          <a:p>
-            <a:r>
-              <a:rPr lang="en-US" dirty="0"/>
-              <a:t>// It turns out that we can create an equivalent construct with C++14</a:t>
-            </a:r>
-          </a:p>
-          <a:p>
-            <a:r>
-              <a:rPr lang="en-US" dirty="0"/>
-              <a:t>// language features, with, unfortunately, a slightly less enticing</a:t>
-            </a:r>
-          </a:p>
-          <a:p>
-            <a:r>
-              <a:rPr lang="en-US" dirty="0"/>
-              <a:t>// syntax.</a:t>
+              <a:t> if` an intuitive and familiar compile-time version of the regular `if` statement.</a:t>
             </a:r>
             <a:endParaRPr lang="it-IT" dirty="0"/>
           </a:p>
@@ -3507,7 +3565,7 @@
           <a:p>
             <a:fld id="{FCA4862E-9507-4BEC-B7E3-B3B5E302CC7C}" type="slidenum">
               <a:rPr lang="it-IT" smtClean="0"/>
-              <a:t>15</a:t>
+              <a:t>13</a:t>
             </a:fld>
             <a:endParaRPr lang="it-IT"/>
           </a:p>
@@ -3516,7 +3574,7 @@
     </p:spTree>
     <p:extLst>
       <p:ext uri="{BB962C8B-B14F-4D97-AF65-F5344CB8AC3E}">
-        <p14:creationId xmlns:p14="http://schemas.microsoft.com/office/powerpoint/2010/main" val="551642873"/>
+        <p14:creationId xmlns:p14="http://schemas.microsoft.com/office/powerpoint/2010/main" val="346789987"/>
       </p:ext>
     </p:extLst>
   </p:cSld>
@@ -3591,7 +3649,7 @@
           <a:p>
             <a:fld id="{FCA4862E-9507-4BEC-B7E3-B3B5E302CC7C}" type="slidenum">
               <a:rPr lang="it-IT" smtClean="0"/>
-              <a:t>18</a:t>
+              <a:t>14</a:t>
             </a:fld>
             <a:endParaRPr lang="it-IT"/>
           </a:p>
@@ -3600,7 +3658,7 @@
     </p:spTree>
     <p:extLst>
       <p:ext uri="{BB962C8B-B14F-4D97-AF65-F5344CB8AC3E}">
-        <p14:creationId xmlns:p14="http://schemas.microsoft.com/office/powerpoint/2010/main" val="461532786"/>
+        <p14:creationId xmlns:p14="http://schemas.microsoft.com/office/powerpoint/2010/main" val="2484318627"/>
       </p:ext>
     </p:extLst>
   </p:cSld>
@@ -3654,6 +3712,48 @@
           <a:bodyPr/>
           <a:lstStyle/>
           <a:p>
+            <a:pPr marL="171450" indent="-171450">
+              <a:buFont typeface="Arial" panose="020B0604020202020204" pitchFamily="34" charset="0"/>
+              <a:buChar char="•"/>
+            </a:pPr>
+            <a:r>
+              <a:rPr lang="en-US" dirty="0"/>
+              <a:t>`if </a:t>
+            </a:r>
+            <a:r>
+              <a:rPr lang="en-US" dirty="0" err="1"/>
+              <a:t>constexpr</a:t>
+            </a:r>
+            <a:r>
+              <a:rPr lang="en-US" dirty="0"/>
+              <a:t>` is part of the C++17 standard...</a:t>
+            </a:r>
+            <a:r>
+              <a:rPr lang="en-US" baseline="0" dirty="0"/>
+              <a:t> </a:t>
+            </a:r>
+            <a:r>
+              <a:rPr lang="en-US" dirty="0"/>
+              <a:t>...but you don't have to wait for your compiler to implement it!</a:t>
+            </a:r>
+          </a:p>
+          <a:p>
+            <a:pPr marL="171450" indent="-171450">
+              <a:buFont typeface="Arial" panose="020B0604020202020204" pitchFamily="34" charset="0"/>
+              <a:buChar char="•"/>
+            </a:pPr>
+            <a:r>
+              <a:rPr lang="en-US" dirty="0"/>
+              <a:t>It turns out that we can create an equivalent construct with C++14</a:t>
+            </a:r>
+            <a:r>
+              <a:rPr lang="en-US" baseline="0" dirty="0"/>
+              <a:t> </a:t>
+            </a:r>
+            <a:r>
+              <a:rPr lang="en-US" dirty="0"/>
+              <a:t>language features, with, unfortunately, a slightly less enticing syntax.</a:t>
+            </a:r>
             <a:endParaRPr lang="it-IT" dirty="0"/>
           </a:p>
         </p:txBody>
@@ -3675,7 +3775,7 @@
           <a:p>
             <a:fld id="{FCA4862E-9507-4BEC-B7E3-B3B5E302CC7C}" type="slidenum">
               <a:rPr lang="it-IT" smtClean="0"/>
-              <a:t>19</a:t>
+              <a:t>15</a:t>
             </a:fld>
             <a:endParaRPr lang="it-IT"/>
           </a:p>
@@ -3684,7 +3784,7 @@
     </p:spTree>
     <p:extLst>
       <p:ext uri="{BB962C8B-B14F-4D97-AF65-F5344CB8AC3E}">
-        <p14:creationId xmlns:p14="http://schemas.microsoft.com/office/powerpoint/2010/main" val="832099940"/>
+        <p14:creationId xmlns:p14="http://schemas.microsoft.com/office/powerpoint/2010/main" val="551642873"/>
       </p:ext>
     </p:extLst>
   </p:cSld>
@@ -3759,7 +3859,7 @@
           <a:p>
             <a:fld id="{FCA4862E-9507-4BEC-B7E3-B3B5E302CC7C}" type="slidenum">
               <a:rPr lang="it-IT" smtClean="0"/>
-              <a:t>20</a:t>
+              <a:t>18</a:t>
             </a:fld>
             <a:endParaRPr lang="it-IT"/>
           </a:p>
@@ -3768,7 +3868,7 @@
     </p:spTree>
     <p:extLst>
       <p:ext uri="{BB962C8B-B14F-4D97-AF65-F5344CB8AC3E}">
-        <p14:creationId xmlns:p14="http://schemas.microsoft.com/office/powerpoint/2010/main" val="1484232983"/>
+        <p14:creationId xmlns:p14="http://schemas.microsoft.com/office/powerpoint/2010/main" val="461532786"/>
       </p:ext>
     </p:extLst>
   </p:cSld>
@@ -3822,14 +3922,7 @@
           <a:bodyPr/>
           <a:lstStyle/>
           <a:p>
-            <a:r>
-              <a:rPr lang="en-US" dirty="0"/>
-              <a:t>Ask</a:t>
-            </a:r>
-            <a:r>
-              <a:rPr lang="en-US" baseline="0" dirty="0"/>
-              <a:t> audience</a:t>
-            </a:r>
+            <a:endParaRPr lang="it-IT" dirty="0"/>
           </a:p>
         </p:txBody>
       </p:sp>
@@ -3850,7 +3943,7 @@
           <a:p>
             <a:fld id="{FCA4862E-9507-4BEC-B7E3-B3B5E302CC7C}" type="slidenum">
               <a:rPr lang="it-IT" smtClean="0"/>
-              <a:t>25</a:t>
+              <a:t>19</a:t>
             </a:fld>
             <a:endParaRPr lang="it-IT"/>
           </a:p>
@@ -3859,7 +3952,7 @@
     </p:spTree>
     <p:extLst>
       <p:ext uri="{BB962C8B-B14F-4D97-AF65-F5344CB8AC3E}">
-        <p14:creationId xmlns:p14="http://schemas.microsoft.com/office/powerpoint/2010/main" val="3729411369"/>
+        <p14:creationId xmlns:p14="http://schemas.microsoft.com/office/powerpoint/2010/main" val="832099940"/>
       </p:ext>
     </p:extLst>
   </p:cSld>
@@ -3913,7 +4006,7 @@
           <a:bodyPr/>
           <a:lstStyle/>
           <a:p>
-            <a:endParaRPr lang="en-US" dirty="0"/>
+            <a:endParaRPr lang="it-IT" dirty="0"/>
           </a:p>
         </p:txBody>
       </p:sp>
@@ -3932,18 +4025,109 @@
           <a:bodyPr/>
           <a:lstStyle/>
           <a:p>
-            <a:fld id="{2F06AD33-72D2-4A0B-9DE7-EE3CF26210B9}" type="slidenum">
-              <a:rPr lang="en-US" smtClean="0"/>
-              <a:t>27</a:t>
+            <a:fld id="{FCA4862E-9507-4BEC-B7E3-B3B5E302CC7C}" type="slidenum">
+              <a:rPr lang="it-IT" smtClean="0"/>
+              <a:t>20</a:t>
             </a:fld>
-            <a:endParaRPr lang="en-US"/>
+            <a:endParaRPr lang="it-IT"/>
           </a:p>
         </p:txBody>
       </p:sp>
     </p:spTree>
     <p:extLst>
       <p:ext uri="{BB962C8B-B14F-4D97-AF65-F5344CB8AC3E}">
-        <p14:creationId xmlns:p14="http://schemas.microsoft.com/office/powerpoint/2010/main" val="3588456929"/>
+        <p14:creationId xmlns:p14="http://schemas.microsoft.com/office/powerpoint/2010/main" val="1484232983"/>
+      </p:ext>
+    </p:extLst>
+  </p:cSld>
+  <p:clrMapOvr>
+    <a:masterClrMapping/>
+  </p:clrMapOvr>
+</p:notes>
+</file>
+
+<file path=ppt/notesSlides/notesSlide19.xml><?xml version="1.0" encoding="utf-8"?>
+<p:notes xmlns:a="http://schemas.openxmlformats.org/drawingml/2006/main" xmlns:r="http://schemas.openxmlformats.org/officeDocument/2006/relationships" xmlns:p="http://schemas.openxmlformats.org/presentationml/2006/main">
+  <p:cSld>
+    <p:spTree>
+      <p:nvGrpSpPr>
+        <p:cNvPr id="1" name=""/>
+        <p:cNvGrpSpPr/>
+        <p:nvPr/>
+      </p:nvGrpSpPr>
+      <p:grpSpPr>
+        <a:xfrm>
+          <a:off x="0" y="0"/>
+          <a:ext cx="0" cy="0"/>
+          <a:chOff x="0" y="0"/>
+          <a:chExt cx="0" cy="0"/>
+        </a:xfrm>
+      </p:grpSpPr>
+      <p:sp>
+        <p:nvSpPr>
+          <p:cNvPr id="2" name="Slide Image Placeholder 1"/>
+          <p:cNvSpPr>
+            <a:spLocks noGrp="1" noRot="1" noChangeAspect="1"/>
+          </p:cNvSpPr>
+          <p:nvPr>
+            <p:ph type="sldImg"/>
+          </p:nvPr>
+        </p:nvSpPr>
+        <p:spPr/>
+      </p:sp>
+      <p:sp>
+        <p:nvSpPr>
+          <p:cNvPr id="3" name="Notes Placeholder 2"/>
+          <p:cNvSpPr>
+            <a:spLocks noGrp="1"/>
+          </p:cNvSpPr>
+          <p:nvPr>
+            <p:ph type="body" idx="1"/>
+          </p:nvPr>
+        </p:nvSpPr>
+        <p:spPr/>
+        <p:txBody>
+          <a:bodyPr/>
+          <a:lstStyle/>
+          <a:p>
+            <a:r>
+              <a:rPr lang="en-US" dirty="0"/>
+              <a:t>Ask</a:t>
+            </a:r>
+            <a:r>
+              <a:rPr lang="en-US" baseline="0" dirty="0"/>
+              <a:t> audience</a:t>
+            </a:r>
+          </a:p>
+        </p:txBody>
+      </p:sp>
+      <p:sp>
+        <p:nvSpPr>
+          <p:cNvPr id="4" name="Slide Number Placeholder 3"/>
+          <p:cNvSpPr>
+            <a:spLocks noGrp="1"/>
+          </p:cNvSpPr>
+          <p:nvPr>
+            <p:ph type="sldNum" sz="quarter" idx="10"/>
+          </p:nvPr>
+        </p:nvSpPr>
+        <p:spPr/>
+        <p:txBody>
+          <a:bodyPr/>
+          <a:lstStyle/>
+          <a:p>
+            <a:fld id="{FCA4862E-9507-4BEC-B7E3-B3B5E302CC7C}" type="slidenum">
+              <a:rPr lang="it-IT" smtClean="0"/>
+              <a:t>25</a:t>
+            </a:fld>
+            <a:endParaRPr lang="it-IT"/>
+          </a:p>
+        </p:txBody>
+      </p:sp>
+    </p:spTree>
+    <p:extLst>
+      <p:ext uri="{BB962C8B-B14F-4D97-AF65-F5344CB8AC3E}">
+        <p14:creationId xmlns:p14="http://schemas.microsoft.com/office/powerpoint/2010/main" val="3729411369"/>
       </p:ext>
     </p:extLst>
   </p:cSld>
@@ -3999,66 +4183,11 @@
           <a:p>
             <a:r>
               <a:rPr lang="en-US" dirty="0"/>
-              <a:t>// "static if" is a name given to the compile-time counterpart of the `if` statement - its inclusion in the C++ language has been controversially proposed multiple times, but it has found a home in other languages. (C++17 will finally introduce a compile-time branching construct that we're going to analyze in this talk.)</a:t>
-            </a:r>
-          </a:p>
-          <a:p>
-            <a:endParaRPr lang="en-US" dirty="0"/>
-          </a:p>
-          <a:p>
-            <a:r>
-              <a:rPr lang="en-US" dirty="0"/>
-              <a:t>// C++ developers often feel that the functional purity of template metaprogramming and its lack of explicit control flow options make compile-time code harder to implement and to reason about.</a:t>
-            </a:r>
-          </a:p>
-          <a:p>
-            <a:endParaRPr lang="en-US" dirty="0"/>
-          </a:p>
-          <a:p>
-            <a:r>
-              <a:rPr lang="en-US" dirty="0"/>
-              <a:t>// In this talk, we'll analyze and implement two powerful compile-time</a:t>
+              <a:t>TODO:</a:t>
             </a:r>
             <a:r>
               <a:rPr lang="en-US" baseline="0" dirty="0"/>
-              <a:t> </a:t>
-            </a:r>
-            <a:r>
-              <a:rPr lang="en-US" dirty="0"/>
-              <a:t>C++14 control flow constructs: `</a:t>
-            </a:r>
-            <a:r>
-              <a:rPr lang="en-US" dirty="0" err="1"/>
-              <a:t>static_if</a:t>
-            </a:r>
-            <a:r>
-              <a:rPr lang="en-US" dirty="0"/>
-              <a:t>` and `</a:t>
-            </a:r>
-            <a:r>
-              <a:rPr lang="en-US" dirty="0" err="1"/>
-              <a:t>static_for</a:t>
-            </a:r>
-            <a:r>
-              <a:rPr lang="en-US" dirty="0"/>
-              <a:t>`.</a:t>
-            </a:r>
-          </a:p>
-          <a:p>
-            <a:endParaRPr lang="en-US" dirty="0"/>
-          </a:p>
-          <a:p>
-            <a:r>
-              <a:rPr lang="en-US" dirty="0"/>
-              <a:t>// Before doing that, we'll look at some examples of `static if` in action in other languages, and at the new `if </a:t>
-            </a:r>
-            <a:r>
-              <a:rPr lang="en-US" dirty="0" err="1"/>
-              <a:t>constexpr</a:t>
-            </a:r>
-            <a:r>
-              <a:rPr lang="en-US" dirty="0"/>
-              <a:t>` construct.</a:t>
+              <a:t> picture/drawing</a:t>
             </a:r>
             <a:endParaRPr lang="it-IT" dirty="0"/>
           </a:p>
@@ -4081,7 +4210,7 @@
           <a:p>
             <a:fld id="{FCA4862E-9507-4BEC-B7E3-B3B5E302CC7C}" type="slidenum">
               <a:rPr lang="it-IT" smtClean="0"/>
-              <a:t>3</a:t>
+              <a:t>2</a:t>
             </a:fld>
             <a:endParaRPr lang="it-IT"/>
           </a:p>
@@ -4090,7 +4219,91 @@
     </p:spTree>
     <p:extLst>
       <p:ext uri="{BB962C8B-B14F-4D97-AF65-F5344CB8AC3E}">
-        <p14:creationId xmlns:p14="http://schemas.microsoft.com/office/powerpoint/2010/main" val="466301532"/>
+        <p14:creationId xmlns:p14="http://schemas.microsoft.com/office/powerpoint/2010/main" val="3493191760"/>
+      </p:ext>
+    </p:extLst>
+  </p:cSld>
+  <p:clrMapOvr>
+    <a:masterClrMapping/>
+  </p:clrMapOvr>
+</p:notes>
+</file>
+
+<file path=ppt/notesSlides/notesSlide20.xml><?xml version="1.0" encoding="utf-8"?>
+<p:notes xmlns:a="http://schemas.openxmlformats.org/drawingml/2006/main" xmlns:r="http://schemas.openxmlformats.org/officeDocument/2006/relationships" xmlns:p="http://schemas.openxmlformats.org/presentationml/2006/main">
+  <p:cSld>
+    <p:spTree>
+      <p:nvGrpSpPr>
+        <p:cNvPr id="1" name=""/>
+        <p:cNvGrpSpPr/>
+        <p:nvPr/>
+      </p:nvGrpSpPr>
+      <p:grpSpPr>
+        <a:xfrm>
+          <a:off x="0" y="0"/>
+          <a:ext cx="0" cy="0"/>
+          <a:chOff x="0" y="0"/>
+          <a:chExt cx="0" cy="0"/>
+        </a:xfrm>
+      </p:grpSpPr>
+      <p:sp>
+        <p:nvSpPr>
+          <p:cNvPr id="2" name="Slide Image Placeholder 1"/>
+          <p:cNvSpPr>
+            <a:spLocks noGrp="1" noRot="1" noChangeAspect="1"/>
+          </p:cNvSpPr>
+          <p:nvPr>
+            <p:ph type="sldImg"/>
+          </p:nvPr>
+        </p:nvSpPr>
+        <p:spPr/>
+      </p:sp>
+      <p:sp>
+        <p:nvSpPr>
+          <p:cNvPr id="3" name="Notes Placeholder 2"/>
+          <p:cNvSpPr>
+            <a:spLocks noGrp="1"/>
+          </p:cNvSpPr>
+          <p:nvPr>
+            <p:ph type="body" idx="1"/>
+          </p:nvPr>
+        </p:nvSpPr>
+        <p:spPr/>
+        <p:txBody>
+          <a:bodyPr/>
+          <a:lstStyle/>
+          <a:p>
+            <a:endParaRPr lang="en-US" dirty="0"/>
+          </a:p>
+        </p:txBody>
+      </p:sp>
+      <p:sp>
+        <p:nvSpPr>
+          <p:cNvPr id="4" name="Slide Number Placeholder 3"/>
+          <p:cNvSpPr>
+            <a:spLocks noGrp="1"/>
+          </p:cNvSpPr>
+          <p:nvPr>
+            <p:ph type="sldNum" sz="quarter" idx="10"/>
+          </p:nvPr>
+        </p:nvSpPr>
+        <p:spPr/>
+        <p:txBody>
+          <a:bodyPr/>
+          <a:lstStyle/>
+          <a:p>
+            <a:fld id="{2F06AD33-72D2-4A0B-9DE7-EE3CF26210B9}" type="slidenum">
+              <a:rPr lang="en-US" smtClean="0"/>
+              <a:t>27</a:t>
+            </a:fld>
+            <a:endParaRPr lang="en-US"/>
+          </a:p>
+        </p:txBody>
+      </p:sp>
+    </p:spTree>
+    <p:extLst>
+      <p:ext uri="{BB962C8B-B14F-4D97-AF65-F5344CB8AC3E}">
+        <p14:creationId xmlns:p14="http://schemas.microsoft.com/office/powerpoint/2010/main" val="3588456929"/>
       </p:ext>
     </p:extLst>
   </p:cSld>
@@ -4144,32 +4357,76 @@
           <a:bodyPr/>
           <a:lstStyle/>
           <a:p>
+            <a:pPr marL="171450" indent="-171450">
+              <a:buFont typeface="Arial" panose="020B0604020202020204" pitchFamily="34" charset="0"/>
+              <a:buChar char="•"/>
+            </a:pPr>
             <a:r>
               <a:rPr lang="en-US" dirty="0"/>
-              <a:t>// The above D code snippet shows a working compile-time `static if`, where every branch does not introduce a new scope.</a:t>
-            </a:r>
-          </a:p>
-          <a:p>
-            <a:endParaRPr lang="en-US" dirty="0"/>
-          </a:p>
-          <a:p>
+              <a:t>"static if" is a name given to the compile-time counterpart of the `if` statement - its inclusion in the C++ language has been controversially proposed multiple times, but it has found a home in other languages. (C++17 will finally introduce a compile-time branching construct that we're going to analyze in this talk.)</a:t>
+            </a:r>
+          </a:p>
+          <a:p>
+            <a:pPr marL="171450" indent="-171450">
+              <a:buFont typeface="Arial" panose="020B0604020202020204" pitchFamily="34" charset="0"/>
+              <a:buChar char="•"/>
+            </a:pPr>
             <a:r>
               <a:rPr lang="en-US" dirty="0"/>
-              <a:t>Ask audience:</a:t>
+              <a:t>C++ developers often feel that the functional purity of template metaprogramming and its lack of explicit control flow options make compile-time code harder to implement and to reason about.</a:t>
+            </a:r>
+          </a:p>
+          <a:p>
+            <a:pPr marL="171450" indent="-171450">
+              <a:buFont typeface="Arial" panose="020B0604020202020204" pitchFamily="34" charset="0"/>
+              <a:buChar char="•"/>
+            </a:pPr>
+            <a:r>
+              <a:rPr lang="en-US" dirty="0"/>
+              <a:t>In this talk, we'll analyze and implement two powerful compile-time</a:t>
             </a:r>
             <a:r>
               <a:rPr lang="en-US" baseline="0" dirty="0"/>
-              <a:t> how to achieve that in C++?</a:t>
-            </a:r>
-            <a:endParaRPr lang="en-US" dirty="0"/>
-          </a:p>
-          <a:p>
+              <a:t> </a:t>
+            </a:r>
             <a:r>
               <a:rPr lang="en-US" dirty="0"/>
-              <a:t>// To achieve the same result in C++, a solution based on "explicit template specialization" can be used:</a:t>
-            </a:r>
-          </a:p>
-          <a:p>
+              <a:t>C++14 control flow constructs: `</a:t>
+            </a:r>
+            <a:r>
+              <a:rPr lang="en-US" dirty="0" err="1"/>
+              <a:t>static_if</a:t>
+            </a:r>
+            <a:r>
+              <a:rPr lang="en-US" dirty="0"/>
+              <a:t>` and `</a:t>
+            </a:r>
+            <a:r>
+              <a:rPr lang="en-US" dirty="0" err="1"/>
+              <a:t>static_for</a:t>
+            </a:r>
+            <a:r>
+              <a:rPr lang="en-US" dirty="0"/>
+              <a:t>`.</a:t>
+            </a:r>
+          </a:p>
+          <a:p>
+            <a:pPr marL="171450" indent="-171450">
+              <a:buFont typeface="Arial" panose="020B0604020202020204" pitchFamily="34" charset="0"/>
+              <a:buChar char="•"/>
+            </a:pPr>
+            <a:r>
+              <a:rPr lang="en-US" dirty="0"/>
+              <a:t>Before doing that, we'll look at some examples of `static if` in action in other languages, and at the new `if </a:t>
+            </a:r>
+            <a:r>
+              <a:rPr lang="en-US" dirty="0" err="1"/>
+              <a:t>constexpr</a:t>
+            </a:r>
+            <a:r>
+              <a:rPr lang="en-US" dirty="0"/>
+              <a:t>` construct.</a:t>
+            </a:r>
             <a:endParaRPr lang="it-IT" dirty="0"/>
           </a:p>
         </p:txBody>
@@ -4191,7 +4448,7 @@
           <a:p>
             <a:fld id="{FCA4862E-9507-4BEC-B7E3-B3B5E302CC7C}" type="slidenum">
               <a:rPr lang="it-IT" smtClean="0"/>
-              <a:t>4</a:t>
+              <a:t>3</a:t>
             </a:fld>
             <a:endParaRPr lang="it-IT"/>
           </a:p>
@@ -4200,7 +4457,7 @@
     </p:spTree>
     <p:extLst>
       <p:ext uri="{BB962C8B-B14F-4D97-AF65-F5344CB8AC3E}">
-        <p14:creationId xmlns:p14="http://schemas.microsoft.com/office/powerpoint/2010/main" val="2838806843"/>
+        <p14:creationId xmlns:p14="http://schemas.microsoft.com/office/powerpoint/2010/main" val="466301532"/>
       </p:ext>
     </p:extLst>
   </p:cSld>
@@ -4254,23 +4511,44 @@
           <a:bodyPr/>
           <a:lstStyle/>
           <a:p>
+            <a:pPr marL="171450" indent="-171450">
+              <a:buFont typeface="Arial" panose="020B0604020202020204" pitchFamily="34" charset="0"/>
+              <a:buChar char="•"/>
+            </a:pPr>
             <a:r>
               <a:rPr lang="en-US" dirty="0"/>
-              <a:t>// "static if" is not only useful when defining type aliases, but it's very convenient (and considered superior to specialization) in contexts where a small piece of code needs to be conditionally executed depending on a compile-time condition.</a:t>
-            </a:r>
-          </a:p>
-          <a:p>
-            <a:endParaRPr lang="en-US" dirty="0"/>
-          </a:p>
-          <a:p>
+              <a:t>The above D code snippet shows a working compile-time `static if`, where every branch does not introduce a new scope.</a:t>
+            </a:r>
+          </a:p>
+          <a:p>
+            <a:pPr marL="171450" indent="-171450">
+              <a:buFont typeface="Arial" panose="020B0604020202020204" pitchFamily="34" charset="0"/>
+              <a:buChar char="•"/>
+            </a:pPr>
             <a:r>
               <a:rPr lang="en-US" dirty="0"/>
-              <a:t>Traditional:</a:t>
+              <a:t>Ask audience:</a:t>
             </a:r>
             <a:r>
               <a:rPr lang="en-US" baseline="0" dirty="0"/>
-              <a:t> two overloads, repetition</a:t>
-            </a:r>
+              <a:t> how to achieve that in C++?</a:t>
+            </a:r>
+          </a:p>
+          <a:p>
+            <a:pPr marL="628650" lvl="1" indent="-171450">
+              <a:buFont typeface="Arial" panose="020B0604020202020204" pitchFamily="34" charset="0"/>
+              <a:buChar char="•"/>
+            </a:pPr>
+            <a:r>
+              <a:rPr lang="en-US" baseline="0" dirty="0"/>
+              <a:t> </a:t>
+            </a:r>
+            <a:r>
+              <a:rPr lang="en-US" dirty="0"/>
+              <a:t>To achieve the same result in C++, a solution based on "explicit template specialization" can be used.</a:t>
+            </a:r>
+          </a:p>
+          <a:p>
             <a:endParaRPr lang="it-IT" dirty="0"/>
           </a:p>
         </p:txBody>
@@ -4292,7 +4570,7 @@
           <a:p>
             <a:fld id="{FCA4862E-9507-4BEC-B7E3-B3B5E302CC7C}" type="slidenum">
               <a:rPr lang="it-IT" smtClean="0"/>
-              <a:t>5</a:t>
+              <a:t>4</a:t>
             </a:fld>
             <a:endParaRPr lang="it-IT"/>
           </a:p>
@@ -4301,7 +4579,7 @@
     </p:spTree>
     <p:extLst>
       <p:ext uri="{BB962C8B-B14F-4D97-AF65-F5344CB8AC3E}">
-        <p14:creationId xmlns:p14="http://schemas.microsoft.com/office/powerpoint/2010/main" val="3535369173"/>
+        <p14:creationId xmlns:p14="http://schemas.microsoft.com/office/powerpoint/2010/main" val="2838806843"/>
       </p:ext>
     </p:extLst>
   </p:cSld>
@@ -4355,13 +4633,27 @@
           <a:bodyPr/>
           <a:lstStyle/>
           <a:p>
+            <a:pPr marL="171450" indent="-171450">
+              <a:buFont typeface="Arial" panose="020B0604020202020204" pitchFamily="34" charset="0"/>
+              <a:buChar char="•"/>
+            </a:pPr>
             <a:r>
               <a:rPr lang="en-US" dirty="0"/>
-              <a:t>Static if: a</a:t>
+              <a:t>"static if" is not only useful when defining type aliases, but it's very convenient (and considered superior to specialization) in contexts where a small piece of code needs to be conditionally executed depending on a compile-time condition.</a:t>
+            </a:r>
+          </a:p>
+          <a:p>
+            <a:pPr marL="171450" indent="-171450">
+              <a:buFont typeface="Arial" panose="020B0604020202020204" pitchFamily="34" charset="0"/>
+              <a:buChar char="•"/>
+            </a:pPr>
+            <a:r>
+              <a:rPr lang="en-US" dirty="0"/>
+              <a:t>Traditional:</a:t>
             </a:r>
             <a:r>
               <a:rPr lang="en-US" baseline="0" dirty="0"/>
-              <a:t> single overload, no repetition, “more local” code</a:t>
+              <a:t> two overloads, repetition</a:t>
             </a:r>
             <a:endParaRPr lang="it-IT" dirty="0"/>
           </a:p>
@@ -4384,7 +4676,7 @@
           <a:p>
             <a:fld id="{FCA4862E-9507-4BEC-B7E3-B3B5E302CC7C}" type="slidenum">
               <a:rPr lang="it-IT" smtClean="0"/>
-              <a:t>6</a:t>
+              <a:t>5</a:t>
             </a:fld>
             <a:endParaRPr lang="it-IT"/>
           </a:p>
@@ -4393,7 +4685,7 @@
     </p:spTree>
     <p:extLst>
       <p:ext uri="{BB962C8B-B14F-4D97-AF65-F5344CB8AC3E}">
-        <p14:creationId xmlns:p14="http://schemas.microsoft.com/office/powerpoint/2010/main" val="2169759471"/>
+        <p14:creationId xmlns:p14="http://schemas.microsoft.com/office/powerpoint/2010/main" val="3535369173"/>
       </p:ext>
     </p:extLst>
   </p:cSld>
@@ -4447,21 +4739,17 @@
           <a:bodyPr/>
           <a:lstStyle/>
           <a:p>
+            <a:pPr marL="171450" indent="-171450">
+              <a:buFont typeface="Arial" panose="020B0604020202020204" pitchFamily="34" charset="0"/>
+              <a:buChar char="•"/>
+            </a:pPr>
             <a:r>
               <a:rPr lang="en-US" dirty="0"/>
-              <a:t>Traditional:</a:t>
+              <a:t>Static if: a</a:t>
             </a:r>
             <a:r>
               <a:rPr lang="en-US" baseline="0" dirty="0"/>
-              <a:t> explicit specialization, </a:t>
-            </a:r>
-            <a:r>
-              <a:rPr lang="en-US" baseline="0" dirty="0" err="1"/>
-              <a:t>enable_if</a:t>
-            </a:r>
-            <a:r>
-              <a:rPr lang="en-US" baseline="0" dirty="0"/>
-              <a:t>, two functions, repetition</a:t>
+              <a:t> single overload, no repetition, “more local” code</a:t>
             </a:r>
             <a:endParaRPr lang="it-IT" dirty="0"/>
           </a:p>
@@ -4484,7 +4772,7 @@
           <a:p>
             <a:fld id="{FCA4862E-9507-4BEC-B7E3-B3B5E302CC7C}" type="slidenum">
               <a:rPr lang="it-IT" smtClean="0"/>
-              <a:t>7</a:t>
+              <a:t>6</a:t>
             </a:fld>
             <a:endParaRPr lang="it-IT"/>
           </a:p>
@@ -4493,7 +4781,7 @@
     </p:spTree>
     <p:extLst>
       <p:ext uri="{BB962C8B-B14F-4D97-AF65-F5344CB8AC3E}">
-        <p14:creationId xmlns:p14="http://schemas.microsoft.com/office/powerpoint/2010/main" val="2051265502"/>
+        <p14:creationId xmlns:p14="http://schemas.microsoft.com/office/powerpoint/2010/main" val="2169759471"/>
       </p:ext>
     </p:extLst>
   </p:cSld>
@@ -4547,30 +4835,25 @@
           <a:bodyPr/>
           <a:lstStyle/>
           <a:p>
+            <a:pPr marL="171450" indent="-171450">
+              <a:buFont typeface="Arial" panose="020B0604020202020204" pitchFamily="34" charset="0"/>
+              <a:buChar char="•"/>
+            </a:pPr>
             <a:r>
               <a:rPr lang="en-US" dirty="0"/>
-              <a:t>Static if: one function,</a:t>
+              <a:t>Traditional:</a:t>
             </a:r>
             <a:r>
               <a:rPr lang="en-US" baseline="0" dirty="0"/>
-              <a:t> no enable if, no repetition, “cleanliness” and “locality”</a:t>
-            </a:r>
-          </a:p>
-          <a:p>
-            <a:endParaRPr lang="en-US" baseline="0" dirty="0"/>
-          </a:p>
-          <a:p>
-            <a:r>
-              <a:rPr lang="en-US" dirty="0"/>
-              <a:t>// The above examples were not created by me: they are part of a series of proposals that led to the inclusion of `if </a:t>
-            </a:r>
-            <a:r>
-              <a:rPr lang="en-US" dirty="0" err="1"/>
-              <a:t>constexpr</a:t>
-            </a:r>
-            <a:r>
-              <a:rPr lang="en-US" dirty="0"/>
-              <a:t>` in the upcoming C++17 standard.</a:t>
+              <a:t> explicit specialization, </a:t>
+            </a:r>
+            <a:r>
+              <a:rPr lang="en-US" baseline="0" dirty="0" err="1"/>
+              <a:t>enable_if</a:t>
+            </a:r>
+            <a:r>
+              <a:rPr lang="en-US" baseline="0" dirty="0"/>
+              <a:t>, two functions, repetition</a:t>
             </a:r>
             <a:endParaRPr lang="it-IT" dirty="0"/>
           </a:p>
@@ -4593,7 +4876,7 @@
           <a:p>
             <a:fld id="{FCA4862E-9507-4BEC-B7E3-B3B5E302CC7C}" type="slidenum">
               <a:rPr lang="it-IT" smtClean="0"/>
-              <a:t>8</a:t>
+              <a:t>7</a:t>
             </a:fld>
             <a:endParaRPr lang="it-IT"/>
           </a:p>
@@ -4602,7 +4885,7 @@
     </p:spTree>
     <p:extLst>
       <p:ext uri="{BB962C8B-B14F-4D97-AF65-F5344CB8AC3E}">
-        <p14:creationId xmlns:p14="http://schemas.microsoft.com/office/powerpoint/2010/main" val="3223549252"/>
+        <p14:creationId xmlns:p14="http://schemas.microsoft.com/office/powerpoint/2010/main" val="2051265502"/>
       </p:ext>
     </p:extLst>
   </p:cSld>
@@ -4656,7 +4939,57 @@
           <a:bodyPr/>
           <a:lstStyle/>
           <a:p>
+            <a:pPr marL="171450" indent="-171450">
+              <a:buFont typeface="Arial" panose="020B0604020202020204" pitchFamily="34" charset="0"/>
+              <a:buChar char="•"/>
+            </a:pPr>
+            <a:r>
+              <a:rPr lang="en-US" dirty="0"/>
+              <a:t>Static if: one function,</a:t>
+            </a:r>
+            <a:r>
+              <a:rPr lang="en-US" baseline="0" dirty="0"/>
+              <a:t> no enable if, no repetition, “cleanliness” and “locality”</a:t>
+            </a:r>
+          </a:p>
+          <a:p>
+            <a:pPr marL="171450" marR="0" lvl="0" indent="-171450" algn="l" defTabSz="914400" rtl="0" eaLnBrk="1" fontAlgn="auto" latinLnBrk="0" hangingPunct="1">
+              <a:lnSpc>
+                <a:spcPct val="100000"/>
+              </a:lnSpc>
+              <a:spcBef>
+                <a:spcPts val="0"/>
+              </a:spcBef>
+              <a:spcAft>
+                <a:spcPts val="0"/>
+              </a:spcAft>
+              <a:buClrTx/>
+              <a:buSzTx/>
+              <a:buFont typeface="Arial" panose="020B0604020202020204" pitchFamily="34" charset="0"/>
+              <a:buChar char="•"/>
+              <a:tabLst/>
+              <a:defRPr/>
+            </a:pPr>
+            <a:r>
+              <a:rPr lang="en-US" dirty="0"/>
+              <a:t>The above examples were not created by me: they are part of a series of proposals that led to the inclusion of `if </a:t>
+            </a:r>
+            <a:r>
+              <a:rPr lang="en-US" dirty="0" err="1"/>
+              <a:t>constexpr</a:t>
+            </a:r>
+            <a:r>
+              <a:rPr lang="en-US" dirty="0"/>
+              <a:t>` in the upcoming C++17 standard.</a:t>
+            </a:r>
             <a:endParaRPr lang="it-IT" dirty="0"/>
+          </a:p>
+          <a:p>
+            <a:pPr marL="171450" indent="-171450">
+              <a:buFont typeface="Arial" panose="020B0604020202020204" pitchFamily="34" charset="0"/>
+              <a:buChar char="•"/>
+            </a:pPr>
+            <a:endParaRPr lang="en-US" baseline="0" dirty="0"/>
           </a:p>
         </p:txBody>
       </p:sp>
@@ -4677,7 +5010,7 @@
           <a:p>
             <a:fld id="{FCA4862E-9507-4BEC-B7E3-B3B5E302CC7C}" type="slidenum">
               <a:rPr lang="it-IT" smtClean="0"/>
-              <a:t>9</a:t>
+              <a:t>8</a:t>
             </a:fld>
             <a:endParaRPr lang="it-IT"/>
           </a:p>
@@ -4686,7 +5019,7 @@
     </p:spTree>
     <p:extLst>
       <p:ext uri="{BB962C8B-B14F-4D97-AF65-F5344CB8AC3E}">
-        <p14:creationId xmlns:p14="http://schemas.microsoft.com/office/powerpoint/2010/main" val="4076380116"/>
+        <p14:creationId xmlns:p14="http://schemas.microsoft.com/office/powerpoint/2010/main" val="3223549252"/>
       </p:ext>
     </p:extLst>
   </p:cSld>
@@ -4740,6 +5073,18 @@
           <a:bodyPr/>
           <a:lstStyle/>
           <a:p>
+            <a:pPr marL="171450" indent="-171450">
+              <a:buFont typeface="Arial" panose="020B0604020202020204" pitchFamily="34" charset="0"/>
+              <a:buChar char="•"/>
+            </a:pPr>
+            <a:r>
+              <a:rPr lang="en-US" dirty="0"/>
+              <a:t>Original static</a:t>
+            </a:r>
+            <a:r>
+              <a:rPr lang="en-US" baseline="0" dirty="0"/>
+              <a:t> if proposals were similar to D’s construct (they did not follow familiar scope rules)</a:t>
+            </a:r>
             <a:endParaRPr lang="it-IT" dirty="0"/>
           </a:p>
         </p:txBody>
@@ -4761,7 +5106,7 @@
           <a:p>
             <a:fld id="{FCA4862E-9507-4BEC-B7E3-B3B5E302CC7C}" type="slidenum">
               <a:rPr lang="it-IT" smtClean="0"/>
-              <a:t>10</a:t>
+              <a:t>9</a:t>
             </a:fld>
             <a:endParaRPr lang="it-IT"/>
           </a:p>
@@ -4770,7 +5115,7 @@
     </p:spTree>
     <p:extLst>
       <p:ext uri="{BB962C8B-B14F-4D97-AF65-F5344CB8AC3E}">
-        <p14:creationId xmlns:p14="http://schemas.microsoft.com/office/powerpoint/2010/main" val="1502857467"/>
+        <p14:creationId xmlns:p14="http://schemas.microsoft.com/office/powerpoint/2010/main" val="4076380116"/>
       </p:ext>
     </p:extLst>
   </p:cSld>
@@ -7681,7 +8026,7 @@
               <a:rPr lang="it-IT" sz="2800" dirty="0">
                 <a:latin typeface="Consolas" panose="020B0609020204030204" pitchFamily="49" charset="0"/>
                 <a:cs typeface="Consolas" panose="020B0609020204030204" pitchFamily="49" charset="0"/>
-                <a:hlinkClick r:id="rId2"/>
+                <a:hlinkClick r:id="rId3"/>
               </a:rPr>
               <a:t>http://</a:t>
             </a:r>
@@ -7689,7 +8034,7 @@
               <a:rPr lang="it-IT" sz="2800" b="1" dirty="0">
                 <a:latin typeface="Consolas" panose="020B0609020204030204" pitchFamily="49" charset="0"/>
                 <a:cs typeface="Consolas" panose="020B0609020204030204" pitchFamily="49" charset="0"/>
-                <a:hlinkClick r:id="rId2"/>
+                <a:hlinkClick r:id="rId3"/>
               </a:rPr>
               <a:t>vittorioromeo.info</a:t>
             </a:r>
@@ -7725,7 +8070,7 @@
           <p:nvPr/>
         </p:nvPicPr>
         <p:blipFill>
-          <a:blip r:embed="rId3" cstate="print">
+          <a:blip r:embed="rId4" cstate="print">
             <a:extLst>
               <a:ext uri="{28A0092B-C50C-407E-A947-70E740481C1C}">
                 <a14:useLocalDpi xmlns:a14="http://schemas.microsoft.com/office/drawing/2010/main" val="0"/>
@@ -7770,31 +8115,31 @@
             <a:pPr algn="ctr"/>
             <a:r>
               <a:rPr lang="it-IT" sz="3600" i="0" dirty="0">
-                <a:hlinkClick r:id="rId4"/>
+                <a:hlinkClick r:id="rId5"/>
               </a:rPr>
               <a:t>http:</a:t>
             </a:r>
             <a:r>
               <a:rPr lang="en-US" sz="3600" i="0" dirty="0">
-                <a:hlinkClick r:id="rId4"/>
+                <a:hlinkClick r:id="rId5"/>
               </a:rPr>
               <a:t>//</a:t>
             </a:r>
             <a:r>
               <a:rPr lang="it-IT" sz="3600" i="0" dirty="0">
-                <a:hlinkClick r:id="rId4"/>
+                <a:hlinkClick r:id="rId5"/>
               </a:rPr>
               <a:t>github.com/SuperV12</a:t>
             </a:r>
             <a:r>
               <a:rPr lang="it-IT" sz="3600" b="0" i="0" dirty="0">
-                <a:hlinkClick r:id="rId4"/>
+                <a:hlinkClick r:id="rId5"/>
               </a:rPr>
               <a:t>3</a:t>
             </a:r>
             <a:r>
               <a:rPr lang="it-IT" sz="3600" i="0" dirty="0">
-                <a:hlinkClick r:id="rId4"/>
+                <a:hlinkClick r:id="rId5"/>
               </a:rPr>
               <a:t>4/cppcon2016</a:t>
             </a:r>
@@ -7811,7 +8156,7 @@
           <p:nvPr/>
         </p:nvPicPr>
         <p:blipFill>
-          <a:blip r:embed="rId5">
+          <a:blip r:embed="rId6">
             <a:extLst>
               <a:ext uri="{28A0092B-C50C-407E-A947-70E740481C1C}">
                 <a14:useLocalDpi xmlns:a14="http://schemas.microsoft.com/office/drawing/2010/main" val="0"/>
@@ -7841,7 +8186,7 @@
           <p:nvPr/>
         </p:nvPicPr>
         <p:blipFill>
-          <a:blip r:embed="rId6">
+          <a:blip r:embed="rId7">
             <a:extLst>
               <a:ext uri="{28A0092B-C50C-407E-A947-70E740481C1C}">
                 <a14:useLocalDpi xmlns:a14="http://schemas.microsoft.com/office/drawing/2010/main" val="0"/>
@@ -8936,7 +9281,7 @@
           </p:nvPr>
         </p:nvPicPr>
         <p:blipFill>
-          <a:blip r:embed="rId2">
+          <a:blip r:embed="rId3">
             <a:extLst>
               <a:ext uri="{28A0092B-C50C-407E-A947-70E740481C1C}">
                 <a14:useLocalDpi xmlns:a14="http://schemas.microsoft.com/office/drawing/2010/main" val="0"/>
@@ -9622,25 +9967,6 @@
               <a:rPr lang="en-US" dirty="0"/>
               <a:t>“Do I have to wait until C++17 is supported in my company/architecture?”</a:t>
             </a:r>
-            <a:endParaRPr lang="it-IT" dirty="0"/>
-          </a:p>
-        </p:txBody>
-      </p:sp>
-      <p:sp>
-        <p:nvSpPr>
-          <p:cNvPr id="5" name="Text Placeholder 4"/>
-          <p:cNvSpPr>
-            <a:spLocks noGrp="1"/>
-          </p:cNvSpPr>
-          <p:nvPr>
-            <p:ph type="body" idx="1"/>
-          </p:nvPr>
-        </p:nvSpPr>
-        <p:spPr/>
-        <p:txBody>
-          <a:bodyPr/>
-          <a:lstStyle/>
-          <a:p>
             <a:endParaRPr lang="it-IT" dirty="0"/>
           </a:p>
         </p:txBody>
@@ -17794,7 +18120,7 @@
             <a:endParaRPr lang="it-IT" dirty="0">
               <a:latin typeface="Consolas" panose="020B0609020204030204" pitchFamily="49" charset="0"/>
               <a:cs typeface="Consolas" panose="020B0609020204030204" pitchFamily="49" charset="0"/>
-              <a:hlinkClick r:id="rId3"/>
+              <a:hlinkClick r:id=""/>
             </a:endParaRPr>
           </a:p>
           <a:p>
@@ -17808,7 +18134,7 @@
               <a:rPr lang="it-IT" dirty="0">
                 <a:latin typeface="Consolas" panose="020B0609020204030204" pitchFamily="49" charset="0"/>
                 <a:cs typeface="Consolas" panose="020B0609020204030204" pitchFamily="49" charset="0"/>
-                <a:hlinkClick r:id="rId3"/>
+                <a:hlinkClick r:id=""/>
               </a:rPr>
               <a:t>http://</a:t>
             </a:r>

--- a/static_control_flow/slides.pptx
+++ b/static_control_flow/slides.pptx
@@ -7,6 +7,9 @@
   <p:notesMasterIdLst>
     <p:notesMasterId r:id="rId29"/>
   </p:notesMasterIdLst>
+  <p:handoutMasterIdLst>
+    <p:handoutMasterId r:id="rId30"/>
+  </p:handoutMasterIdLst>
   <p:sldIdLst>
     <p:sldId id="259" r:id="rId2"/>
     <p:sldId id="280" r:id="rId3"/>
@@ -142,6 +145,171 @@
     </p:ext>
   </p:extLst>
 </p:presentation>
+</file>
+
+<file path=ppt/handoutMasters/handoutMaster1.xml><?xml version="1.0" encoding="utf-8"?>
+<p:handoutMaster xmlns:a="http://schemas.openxmlformats.org/drawingml/2006/main" xmlns:r="http://schemas.openxmlformats.org/officeDocument/2006/relationships" xmlns:p="http://schemas.openxmlformats.org/presentationml/2006/main">
+  <p:cSld>
+    <p:bg>
+      <p:bgRef idx="1001">
+        <a:schemeClr val="bg1"/>
+      </p:bgRef>
+    </p:bg>
+    <p:spTree>
+      <p:nvGrpSpPr>
+        <p:cNvPr id="1" name=""/>
+        <p:cNvGrpSpPr/>
+        <p:nvPr/>
+      </p:nvGrpSpPr>
+      <p:grpSpPr>
+        <a:xfrm>
+          <a:off x="0" y="0"/>
+          <a:ext cx="0" cy="0"/>
+          <a:chOff x="0" y="0"/>
+          <a:chExt cx="0" cy="0"/>
+        </a:xfrm>
+      </p:grpSpPr>
+      <p:sp>
+        <p:nvSpPr>
+          <p:cNvPr id="2" name="Header Placeholder 1"/>
+          <p:cNvSpPr>
+            <a:spLocks noGrp="1"/>
+          </p:cNvSpPr>
+          <p:nvPr>
+            <p:ph type="hdr" sz="quarter"/>
+          </p:nvPr>
+        </p:nvSpPr>
+        <p:spPr>
+          <a:xfrm>
+            <a:off x="0" y="0"/>
+            <a:ext cx="2971800" cy="458788"/>
+          </a:xfrm>
+          <a:prstGeom prst="rect">
+            <a:avLst/>
+          </a:prstGeom>
+        </p:spPr>
+        <p:txBody>
+          <a:bodyPr vert="horz" lIns="91440" tIns="45720" rIns="91440" bIns="45720" rtlCol="0"/>
+          <a:lstStyle>
+            <a:lvl1pPr algn="l">
+              <a:defRPr sz="1200"/>
+            </a:lvl1pPr>
+          </a:lstStyle>
+          <a:p>
+            <a:endParaRPr lang="it-IT"/>
+          </a:p>
+        </p:txBody>
+      </p:sp>
+      <p:sp>
+        <p:nvSpPr>
+          <p:cNvPr id="3" name="Date Placeholder 2"/>
+          <p:cNvSpPr>
+            <a:spLocks noGrp="1"/>
+          </p:cNvSpPr>
+          <p:nvPr>
+            <p:ph type="dt" sz="quarter" idx="1"/>
+          </p:nvPr>
+        </p:nvSpPr>
+        <p:spPr>
+          <a:xfrm>
+            <a:off x="3884613" y="0"/>
+            <a:ext cx="2971800" cy="458788"/>
+          </a:xfrm>
+          <a:prstGeom prst="rect">
+            <a:avLst/>
+          </a:prstGeom>
+        </p:spPr>
+        <p:txBody>
+          <a:bodyPr vert="horz" lIns="91440" tIns="45720" rIns="91440" bIns="45720" rtlCol="0"/>
+          <a:lstStyle>
+            <a:lvl1pPr algn="r">
+              <a:defRPr sz="1200"/>
+            </a:lvl1pPr>
+          </a:lstStyle>
+          <a:p>
+            <a:fld id="{B835C864-C2F5-4AEB-9E9D-2ABD48E450D2}" type="datetimeFigureOut">
+              <a:rPr lang="it-IT" smtClean="0"/>
+              <a:t>23/08/2016</a:t>
+            </a:fld>
+            <a:endParaRPr lang="it-IT"/>
+          </a:p>
+        </p:txBody>
+      </p:sp>
+      <p:sp>
+        <p:nvSpPr>
+          <p:cNvPr id="4" name="Footer Placeholder 3"/>
+          <p:cNvSpPr>
+            <a:spLocks noGrp="1"/>
+          </p:cNvSpPr>
+          <p:nvPr>
+            <p:ph type="ftr" sz="quarter" idx="2"/>
+          </p:nvPr>
+        </p:nvSpPr>
+        <p:spPr>
+          <a:xfrm>
+            <a:off x="0" y="8685213"/>
+            <a:ext cx="2971800" cy="458787"/>
+          </a:xfrm>
+          <a:prstGeom prst="rect">
+            <a:avLst/>
+          </a:prstGeom>
+        </p:spPr>
+        <p:txBody>
+          <a:bodyPr vert="horz" lIns="91440" tIns="45720" rIns="91440" bIns="45720" rtlCol="0" anchor="b"/>
+          <a:lstStyle>
+            <a:lvl1pPr algn="l">
+              <a:defRPr sz="1200"/>
+            </a:lvl1pPr>
+          </a:lstStyle>
+          <a:p>
+            <a:endParaRPr lang="it-IT"/>
+          </a:p>
+        </p:txBody>
+      </p:sp>
+      <p:sp>
+        <p:nvSpPr>
+          <p:cNvPr id="5" name="Slide Number Placeholder 4"/>
+          <p:cNvSpPr>
+            <a:spLocks noGrp="1"/>
+          </p:cNvSpPr>
+          <p:nvPr>
+            <p:ph type="sldNum" sz="quarter" idx="3"/>
+          </p:nvPr>
+        </p:nvSpPr>
+        <p:spPr>
+          <a:xfrm>
+            <a:off x="3884613" y="8685213"/>
+            <a:ext cx="2971800" cy="458787"/>
+          </a:xfrm>
+          <a:prstGeom prst="rect">
+            <a:avLst/>
+          </a:prstGeom>
+        </p:spPr>
+        <p:txBody>
+          <a:bodyPr vert="horz" lIns="91440" tIns="45720" rIns="91440" bIns="45720" rtlCol="0" anchor="b"/>
+          <a:lstStyle>
+            <a:lvl1pPr algn="r">
+              <a:defRPr sz="1200"/>
+            </a:lvl1pPr>
+          </a:lstStyle>
+          <a:p>
+            <a:fld id="{A55AB453-A810-4680-AE06-FDD4F5AE18BC}" type="slidenum">
+              <a:rPr lang="it-IT" smtClean="0"/>
+              <a:t>‹#›</a:t>
+            </a:fld>
+            <a:endParaRPr lang="it-IT"/>
+          </a:p>
+        </p:txBody>
+      </p:sp>
+    </p:spTree>
+    <p:extLst>
+      <p:ext uri="{BB962C8B-B14F-4D97-AF65-F5344CB8AC3E}">
+        <p14:creationId xmlns:p14="http://schemas.microsoft.com/office/powerpoint/2010/main" val="4250488982"/>
+      </p:ext>
+    </p:extLst>
+  </p:cSld>
+  <p:clrMap bg1="lt1" tx1="dk1" bg2="lt2" tx2="dk2" accent1="accent1" accent2="accent2" accent3="accent3" accent4="accent4" accent5="accent5" accent6="accent6" hlink="hlink" folHlink="folHlink"/>
+</p:handoutMaster>
 </file>
 
 <file path=ppt/ink/ink1.xml><?xml version="1.0" encoding="utf-8"?>
@@ -2183,10 +2351,7 @@
           </inkml:annotationXML>
           <inkml:trace contextRef="#ctx0" brushRef="#br0">0 0 0,'0'0'0,"0"0"16,0 0-16,0 0 15,0 0 1,0 0-16</inkml:trace>
           <inkml:trace contextRef="#ctx1" brushRef="#br0">2056 791 41 0,'30'-32'20'0,"11"-4"-19"15,-35 25 21-15,0-4-22 16,-6 4 1-16,-6 1 2 16,-12-1 0-16,-11 1-2 15,-7-1 1-15,-5 11 3 16,-6 0 0-16,-6-5 1 16,-12 10 0-16,-5-5-1 15,-7 11 1-15,-11-6-2 16,-13 11 0-16,-11 5-1 15,1 10 0-15,4 0-1 0,-10 6 0 16,5 0 0-16,6-6 1 16,5 1-1-16,1-1 1 15,6 6-1-15,0 5 1 16,11-1-1-16,1 7 0 16,11-6-1-16,12-1 0 15,6 7-1-15,0-1 1 0,6-5 0 16,12 5 0-16,-1 0 0 15,7 0 1-15,5 0-1 16,12-5 0-16,7 0 0 16,5 0 0-16,5 0-1 15,13 0 0-15,0-1 0 16,-6-4 1-16,11 0-1 16,1-1 1-16,11 1 0 15,6-5 0-15,12-1 0 16,6 6 1-16,0-11-1 15,6-5 0-15,6-6 0 16,5 1 1-16,1-11-1 16,5 1 0-16,-11-1-1 15,0-5 1-15,-1-5 0 16,13-1 0-16,-1 1-1 16,1 0 0-16,-1-6 0 15,1 6 1-15,-1 0-1 16,7 0 1-16,-1 0-1 0,-17-6 0 15,0 1 0-15,5-6 1 16,7 5-1-16,-1-10 1 16,6 11-1-16,1 0 0 15,-13-1 0-15,-5-5 1 16,12 1-1-16,-13-1 1 16,1 0-1-16,-6-5 1 15,-12 0-1-15,0-10 1 16,0-1-1-16,-6 1 1 0,0 5-1 15,0 5 1-15,-5-5-1 16,-1 0 1-16,-6-11 0 16,-5 0 0-16,-7-10-1 15,-5 0 1-15,-6 5-1 16,-6-10 1-16,-6 5 0 16,-12-1 0-16,-6 1-1 15,-11 5 0-15,-7 0 0 16,7 11 1-16,-12-6 0 15,-7 1 0-15,-5-1-1 16,-6 0 1-16,1 6-1 16,-7 5 1-16,-18 5-1 15,-17 10 0-15,-18 11-2 16,-5 16 1-16,-37 5-6 16,-16 10 1-16,-7 17-10 15,18-1 0-15,24-5-10 16,-1 5 0-16</inkml:trace>
-          <inkml:trace contextRef="#ctx0" brushRef="#br0" timeOffset="-545.3761">30 587 0,'0'0'0,"0"0"16,0 0-1,0 0-15,0 0 16,0 0-16</inkml:trace>
-          <inkml:trace contextRef="#ctx0" brushRef="#br0" timeOffset="-59178.7992">1632 3189 0,'0'0'16,"0"0"-16,6-10 16,-6 10-1,-12 10 1,-11 11-1,11-5 1</inkml:trace>
           <inkml:trace contextRef="#ctx1" brushRef="#br0" timeOffset="885.7889">2263 2053 30 0,'-18'-21'15'0,"6"-47"-15"0,6 58 15 0,0-1-15 16,-11 1 0-16,-1-6 0 16,0 0 1-16,1 0 0 15,-1 1 1-15,0 4 2 16,6 6 0-16,1 5 2 15,5 5 1-15,6 6 0 16,6 4 0-16,5 1-1 16,13 5 0-16,5 5-2 15,13 21 1-15,11 6-1 16,6 10 0-16,17 15-1 16,-5 6 1-16,11 21 0 15,19 10 0-15,11 16-1 16,5 10 0-16,1 11 0 15,0 5 0-15,-6 0-1 0,-12-5 0 16,-6-5 0-16,-5-11 1 16,-1-10-1-16,6-6 1 15,-17-10-1-15,-12-26 0 16,-12-11-3-16,-12-10 1 16,-6-16-6-16,-11-10 1 15,-6-11-15-15,-18 0 1 16,-12-15-3-16,-6-32 0 15</inkml:trace>
-          <inkml:trace contextRef="#ctx0" brushRef="#br0" timeOffset="-1169.3005">5580 398 0,'0'0'15,"0"0"-15,0 0 16,0 0-1,0 0-15,0 0 16,0 0-16</inkml:trace>
         </inkml:traceGroup>
         <inkml:traceGroup>
           <inkml:annotationXML>
@@ -5252,11 +5417,11 @@
           <a:bodyPr/>
           <a:lstStyle/>
           <a:p>
-            <a:fld id="{0E21B2B3-E214-4FE3-82D2-1382B0B5A0C3}" type="datetimeFigureOut">
+            <a:fld id="{1155BD12-9FBF-406B-919A-9127524C2112}" type="datetime1">
               <a:rPr lang="it-IT" smtClean="0"/>
               <a:t>23/08/2016</a:t>
             </a:fld>
-            <a:endParaRPr lang="it-IT"/>
+            <a:endParaRPr lang="it-IT" dirty="0"/>
           </a:p>
         </p:txBody>
       </p:sp>
@@ -5275,7 +5440,7 @@
           <a:bodyPr/>
           <a:lstStyle/>
           <a:p>
-            <a:endParaRPr lang="it-IT"/>
+            <a:endParaRPr lang="it-IT" dirty="0"/>
           </a:p>
         </p:txBody>
       </p:sp>
@@ -5420,7 +5585,7 @@
           <a:bodyPr/>
           <a:lstStyle/>
           <a:p>
-            <a:fld id="{0E21B2B3-E214-4FE3-82D2-1382B0B5A0C3}" type="datetimeFigureOut">
+            <a:fld id="{A4E3BF13-4042-4A4A-9F64-05E599195D6D}" type="datetime1">
               <a:rPr lang="it-IT" smtClean="0"/>
               <a:t>23/08/2016</a:t>
             </a:fld>
@@ -5598,7 +5763,7 @@
           <a:bodyPr/>
           <a:lstStyle/>
           <a:p>
-            <a:fld id="{0E21B2B3-E214-4FE3-82D2-1382B0B5A0C3}" type="datetimeFigureOut">
+            <a:fld id="{D243CC08-2F9B-46CB-BE28-A366F3A9C377}" type="datetime1">
               <a:rPr lang="it-IT" smtClean="0"/>
               <a:t>23/08/2016</a:t>
             </a:fld>
@@ -5710,42 +5875,47 @@
             <p:ph idx="1"/>
           </p:nvPr>
         </p:nvSpPr>
-        <p:spPr/>
+        <p:spPr>
+          <a:xfrm>
+            <a:off x="838200" y="1472812"/>
+            <a:ext cx="10515600" cy="4704151"/>
+          </a:xfrm>
+        </p:spPr>
         <p:txBody>
           <a:bodyPr/>
           <a:lstStyle/>
           <a:p>
             <a:pPr lvl="0"/>
             <a:r>
-              <a:rPr lang="it-IT"/>
+              <a:rPr lang="it-IT" dirty="0"/>
               <a:t>Modifica gli stili del testo dello schema</a:t>
             </a:r>
           </a:p>
           <a:p>
             <a:pPr lvl="1"/>
             <a:r>
-              <a:rPr lang="it-IT"/>
+              <a:rPr lang="it-IT" dirty="0"/>
               <a:t>Secondo livello</a:t>
             </a:r>
           </a:p>
           <a:p>
             <a:pPr lvl="2"/>
             <a:r>
-              <a:rPr lang="it-IT"/>
+              <a:rPr lang="it-IT" dirty="0"/>
               <a:t>Terzo livello</a:t>
             </a:r>
           </a:p>
           <a:p>
             <a:pPr lvl="3"/>
             <a:r>
-              <a:rPr lang="it-IT"/>
+              <a:rPr lang="it-IT" dirty="0"/>
               <a:t>Quarto livello</a:t>
             </a:r>
           </a:p>
           <a:p>
             <a:pPr lvl="4"/>
             <a:r>
-              <a:rPr lang="it-IT"/>
+              <a:rPr lang="it-IT" dirty="0"/>
               <a:t>Quinto livello</a:t>
             </a:r>
           </a:p>
@@ -5766,7 +5936,7 @@
           <a:bodyPr/>
           <a:lstStyle/>
           <a:p>
-            <a:fld id="{0E21B2B3-E214-4FE3-82D2-1382B0B5A0C3}" type="datetimeFigureOut">
+            <a:fld id="{459A74DC-57DA-476E-9B9D-EDF98FCE45FC}" type="datetime1">
               <a:rPr lang="it-IT" smtClean="0"/>
               <a:t>23/08/2016</a:t>
             </a:fld>
@@ -6011,7 +6181,7 @@
           <a:bodyPr/>
           <a:lstStyle/>
           <a:p>
-            <a:fld id="{0E21B2B3-E214-4FE3-82D2-1382B0B5A0C3}" type="datetimeFigureOut">
+            <a:fld id="{A4348989-51F9-446A-8801-DF473F41AD59}" type="datetime1">
               <a:rPr lang="it-IT" smtClean="0"/>
               <a:t>23/08/2016</a:t>
             </a:fld>
@@ -6125,8 +6295,8 @@
         </p:nvSpPr>
         <p:spPr>
           <a:xfrm>
-            <a:off x="838200" y="1825625"/>
-            <a:ext cx="5181600" cy="4351338"/>
+            <a:off x="838200" y="1444892"/>
+            <a:ext cx="5181600" cy="4732071"/>
           </a:xfrm>
         </p:spPr>
         <p:txBody>
@@ -6181,8 +6351,8 @@
         </p:nvSpPr>
         <p:spPr>
           <a:xfrm>
-            <a:off x="6172200" y="1825625"/>
-            <a:ext cx="5181600" cy="4351338"/>
+            <a:off x="6172200" y="1444892"/>
+            <a:ext cx="5181600" cy="4732071"/>
           </a:xfrm>
         </p:spPr>
         <p:txBody>
@@ -6240,7 +6410,7 @@
           <a:bodyPr/>
           <a:lstStyle/>
           <a:p>
-            <a:fld id="{0E21B2B3-E214-4FE3-82D2-1382B0B5A0C3}" type="datetimeFigureOut">
+            <a:fld id="{1D780BCC-DB57-4ABA-8B67-B6F38D19EBC7}" type="datetime1">
               <a:rPr lang="it-IT" smtClean="0"/>
               <a:t>23/08/2016</a:t>
             </a:fld>
@@ -6604,7 +6774,7 @@
           <a:bodyPr/>
           <a:lstStyle/>
           <a:p>
-            <a:fld id="{0E21B2B3-E214-4FE3-82D2-1382B0B5A0C3}" type="datetimeFigureOut">
+            <a:fld id="{C3889ED9-E3AD-4370-98A1-6E6FCB94B52B}" type="datetime1">
               <a:rPr lang="it-IT" smtClean="0"/>
               <a:t>23/08/2016</a:t>
             </a:fld>
@@ -6721,7 +6891,7 @@
           <a:bodyPr/>
           <a:lstStyle/>
           <a:p>
-            <a:fld id="{0E21B2B3-E214-4FE3-82D2-1382B0B5A0C3}" type="datetimeFigureOut">
+            <a:fld id="{46137CF9-7281-47D3-BC2B-1B4D0FD7967E}" type="datetime1">
               <a:rPr lang="it-IT" smtClean="0"/>
               <a:t>23/08/2016</a:t>
             </a:fld>
@@ -6816,7 +6986,7 @@
           <a:bodyPr/>
           <a:lstStyle/>
           <a:p>
-            <a:fld id="{0E21B2B3-E214-4FE3-82D2-1382B0B5A0C3}" type="datetimeFigureOut">
+            <a:fld id="{01E8E1A7-6184-4166-8D6B-061D26962BD1}" type="datetime1">
               <a:rPr lang="it-IT" smtClean="0"/>
               <a:t>23/08/2016</a:t>
             </a:fld>
@@ -7091,7 +7261,7 @@
           <a:bodyPr/>
           <a:lstStyle/>
           <a:p>
-            <a:fld id="{0E21B2B3-E214-4FE3-82D2-1382B0B5A0C3}" type="datetimeFigureOut">
+            <a:fld id="{33C3AFE7-7224-4736-81BC-D9C4F7A8502B}" type="datetime1">
               <a:rPr lang="it-IT" smtClean="0"/>
               <a:t>23/08/2016</a:t>
             </a:fld>
@@ -7343,7 +7513,7 @@
           <a:bodyPr/>
           <a:lstStyle/>
           <a:p>
-            <a:fld id="{0E21B2B3-E214-4FE3-82D2-1382B0B5A0C3}" type="datetimeFigureOut">
+            <a:fld id="{AE214075-37C8-43FA-81EA-DEE5915D98BA}" type="datetime1">
               <a:rPr lang="it-IT" smtClean="0"/>
               <a:t>23/08/2016</a:t>
             </a:fld>
@@ -7472,8 +7642,8 @@
         </p:nvSpPr>
         <p:spPr>
           <a:xfrm>
-            <a:off x="838200" y="1825625"/>
-            <a:ext cx="10515600" cy="4351338"/>
+            <a:off x="838200" y="1451872"/>
+            <a:ext cx="10515600" cy="4725092"/>
           </a:xfrm>
           <a:prstGeom prst="rect">
             <a:avLst/>
@@ -7487,35 +7657,35 @@
           <a:p>
             <a:pPr lvl="0"/>
             <a:r>
-              <a:rPr lang="it-IT"/>
+              <a:rPr lang="it-IT" dirty="0"/>
               <a:t>Modifica gli stili del testo dello schema</a:t>
             </a:r>
           </a:p>
           <a:p>
             <a:pPr lvl="1"/>
             <a:r>
-              <a:rPr lang="it-IT"/>
+              <a:rPr lang="it-IT" dirty="0"/>
               <a:t>Secondo livello</a:t>
             </a:r>
           </a:p>
           <a:p>
             <a:pPr lvl="2"/>
             <a:r>
-              <a:rPr lang="it-IT"/>
+              <a:rPr lang="it-IT" dirty="0"/>
               <a:t>Terzo livello</a:t>
             </a:r>
           </a:p>
           <a:p>
             <a:pPr lvl="3"/>
             <a:r>
-              <a:rPr lang="it-IT"/>
+              <a:rPr lang="it-IT" dirty="0"/>
               <a:t>Quarto livello</a:t>
             </a:r>
           </a:p>
           <a:p>
             <a:pPr lvl="4"/>
             <a:r>
-              <a:rPr lang="it-IT"/>
+              <a:rPr lang="it-IT" dirty="0"/>
               <a:t>Quinto livello</a:t>
             </a:r>
           </a:p>
@@ -7554,7 +7724,7 @@
             </a:lvl1pPr>
           </a:lstStyle>
           <a:p>
-            <a:fld id="{0E21B2B3-E214-4FE3-82D2-1382B0B5A0C3}" type="datetimeFigureOut">
+            <a:fld id="{C7B027B4-E11B-4897-84B3-F71E051A4403}" type="datetime1">
               <a:rPr lang="it-IT" smtClean="0"/>
               <a:t>23/08/2016</a:t>
             </a:fld>
@@ -7640,6 +7810,153 @@
           </a:p>
         </p:txBody>
       </p:sp>
+      <p:sp>
+        <p:nvSpPr>
+          <p:cNvPr id="7" name="CasellaDiTesto 8"/>
+          <p:cNvSpPr txBox="1"/>
+          <p:nvPr userDrawn="1"/>
+        </p:nvSpPr>
+        <p:spPr>
+          <a:xfrm>
+            <a:off x="1167448" y="6291854"/>
+            <a:ext cx="2669320" cy="492443"/>
+          </a:xfrm>
+          <a:prstGeom prst="rect">
+            <a:avLst/>
+          </a:prstGeom>
+          <a:noFill/>
+        </p:spPr>
+        <p:txBody>
+          <a:bodyPr wrap="none" rtlCol="0">
+            <a:spAutoFit/>
+          </a:bodyPr>
+          <a:lstStyle/>
+          <a:p>
+            <a:r>
+              <a:rPr lang="it-IT" sz="1400" dirty="0">
+                <a:latin typeface="Consolas" panose="020B0609020204030204" pitchFamily="49" charset="0"/>
+                <a:cs typeface="Consolas" panose="020B0609020204030204" pitchFamily="49" charset="0"/>
+                <a:hlinkClick r:id="rId13"/>
+              </a:rPr>
+              <a:t>http://</a:t>
+            </a:r>
+            <a:r>
+              <a:rPr lang="it-IT" sz="1400" b="1" dirty="0">
+                <a:latin typeface="Consolas" panose="020B0609020204030204" pitchFamily="49" charset="0"/>
+                <a:cs typeface="Consolas" panose="020B0609020204030204" pitchFamily="49" charset="0"/>
+                <a:hlinkClick r:id="rId13"/>
+              </a:rPr>
+              <a:t>vittorioromeo.info</a:t>
+            </a:r>
+            <a:endParaRPr lang="it-IT" sz="1400" b="1" dirty="0">
+              <a:latin typeface="Consolas" panose="020B0609020204030204" pitchFamily="49" charset="0"/>
+              <a:cs typeface="Consolas" panose="020B0609020204030204" pitchFamily="49" charset="0"/>
+            </a:endParaRPr>
+          </a:p>
+          <a:p>
+            <a:r>
+              <a:rPr lang="it-IT" sz="1100" b="1" dirty="0">
+                <a:latin typeface="Consolas" panose="020B0609020204030204" pitchFamily="49" charset="0"/>
+                <a:cs typeface="Consolas" panose="020B0609020204030204" pitchFamily="49" charset="0"/>
+              </a:rPr>
+              <a:t>vittorio.romeo@</a:t>
+            </a:r>
+            <a:r>
+              <a:rPr lang="it-IT" sz="1100" b="0" dirty="0">
+                <a:latin typeface="Consolas" panose="020B0609020204030204" pitchFamily="49" charset="0"/>
+                <a:cs typeface="Consolas" panose="020B0609020204030204" pitchFamily="49" charset="0"/>
+              </a:rPr>
+              <a:t>outlook.com</a:t>
+            </a:r>
+          </a:p>
+        </p:txBody>
+      </p:sp>
+      <p:pic>
+        <p:nvPicPr>
+          <p:cNvPr id="8" name="Immagine 9"/>
+          <p:cNvPicPr>
+            <a:picLocks noChangeAspect="1"/>
+          </p:cNvPicPr>
+          <p:nvPr userDrawn="1"/>
+        </p:nvPicPr>
+        <p:blipFill>
+          <a:blip r:embed="rId14" cstate="print">
+            <a:extLst>
+              <a:ext uri="{28A0092B-C50C-407E-A947-70E740481C1C}">
+                <a14:useLocalDpi xmlns:a14="http://schemas.microsoft.com/office/drawing/2010/main" val="0"/>
+              </a:ext>
+            </a:extLst>
+          </a:blip>
+          <a:stretch>
+            <a:fillRect/>
+          </a:stretch>
+        </p:blipFill>
+        <p:spPr>
+          <a:xfrm>
+            <a:off x="838200" y="6367125"/>
+            <a:ext cx="329248" cy="341900"/>
+          </a:xfrm>
+          <a:prstGeom prst="rect">
+            <a:avLst/>
+          </a:prstGeom>
+        </p:spPr>
+      </p:pic>
+      <p:sp>
+        <p:nvSpPr>
+          <p:cNvPr id="9" name="Rettangolo 23"/>
+          <p:cNvSpPr/>
+          <p:nvPr userDrawn="1"/>
+        </p:nvSpPr>
+        <p:spPr>
+          <a:xfrm>
+            <a:off x="4071188" y="6383853"/>
+            <a:ext cx="3876118" cy="344604"/>
+          </a:xfrm>
+          <a:prstGeom prst="rect">
+            <a:avLst/>
+          </a:prstGeom>
+        </p:spPr>
+        <p:txBody>
+          <a:bodyPr wrap="square">
+            <a:spAutoFit/>
+          </a:bodyPr>
+          <a:lstStyle/>
+          <a:p>
+            <a:pPr algn="ctr"/>
+            <a:r>
+              <a:rPr lang="it-IT" sz="1600" i="0" dirty="0">
+                <a:hlinkClick r:id="rId15"/>
+              </a:rPr>
+              <a:t>http:</a:t>
+            </a:r>
+            <a:r>
+              <a:rPr lang="en-US" sz="1600" i="0" dirty="0">
+                <a:hlinkClick r:id="rId15"/>
+              </a:rPr>
+              <a:t>//</a:t>
+            </a:r>
+            <a:r>
+              <a:rPr lang="it-IT" sz="1600" i="0" dirty="0">
+                <a:hlinkClick r:id="rId15"/>
+              </a:rPr>
+              <a:t>github.com/SuperV12</a:t>
+            </a:r>
+            <a:r>
+              <a:rPr lang="it-IT" sz="1600" b="0" i="0" dirty="0">
+                <a:hlinkClick r:id="rId15"/>
+              </a:rPr>
+              <a:t>3</a:t>
+            </a:r>
+            <a:r>
+              <a:rPr lang="it-IT" sz="1600" i="0" dirty="0">
+                <a:hlinkClick r:id="rId15"/>
+              </a:rPr>
+              <a:t>4/cppcon2016</a:t>
+            </a:r>
+            <a:endParaRPr lang="en-US" sz="1600" i="0" dirty="0"/>
+          </a:p>
+        </p:txBody>
+      </p:sp>
     </p:spTree>
     <p:extLst>
       <p:ext uri="{BB962C8B-B14F-4D97-AF65-F5344CB8AC3E}">
@@ -7661,6 +7978,7 @@
     <p:sldLayoutId id="2147483658" r:id="rId10"/>
     <p:sldLayoutId id="2147483659" r:id="rId11"/>
   </p:sldLayoutIdLst>
+  <p:hf sldNum="0" hdr="0" ftr="0" dt="0"/>
   <p:txStyles>
     <p:titleStyle>
       <a:lvl1pPr algn="l" defTabSz="914377" rtl="0" eaLnBrk="1" latinLnBrk="0" hangingPunct="1">
@@ -7945,7 +8263,7 @@
 </file>
 
 <file path=ppt/slides/slide1.xml><?xml version="1.0" encoding="utf-8"?>
-<p:sld xmlns:a="http://schemas.openxmlformats.org/drawingml/2006/main" xmlns:r="http://schemas.openxmlformats.org/officeDocument/2006/relationships" xmlns:p="http://schemas.openxmlformats.org/presentationml/2006/main">
+<p:sld xmlns:a="http://schemas.openxmlformats.org/drawingml/2006/main" xmlns:r="http://schemas.openxmlformats.org/officeDocument/2006/relationships" xmlns:p="http://schemas.openxmlformats.org/presentationml/2006/main" showMasterSp="0">
   <p:cSld>
     <p:spTree>
       <p:nvGrpSpPr>
@@ -8610,8 +8928,8 @@
           </a:p>
         </p:txBody>
       </p:sp>
-      <mc:AlternateContent xmlns:mc="http://schemas.openxmlformats.org/markup-compatibility/2006" xmlns:p14="http://schemas.microsoft.com/office/powerpoint/2010/main">
-        <mc:Choice Requires="p14">
+      <mc:AlternateContent xmlns:mc="http://schemas.openxmlformats.org/markup-compatibility/2006">
+        <mc:Choice xmlns:p14="http://schemas.microsoft.com/office/powerpoint/2010/main" Requires="p14">
           <p:contentPart p14:bwMode="auto" r:id="rId8">
             <p14:nvContentPartPr>
               <p14:cNvPr id="5" name="Ink 4"/>
@@ -8619,12 +8937,12 @@
               <p14:nvPr/>
             </p14:nvContentPartPr>
             <p14:xfrm>
-              <a:off x="2866799" y="1564278"/>
+              <a:off x="2866799" y="1015633"/>
               <a:ext cx="2236320" cy="2696400"/>
             </p14:xfrm>
           </p:contentPart>
         </mc:Choice>
-        <mc:Fallback xmlns="">
+        <mc:Fallback>
           <p:pic>
             <p:nvPicPr>
               <p:cNvPr id="5" name="Ink 4"/>
@@ -8639,8 +8957,8 @@
             </p:blipFill>
             <p:spPr>
               <a:xfrm>
-                <a:off x="2853839" y="1557078"/>
-                <a:ext cx="2260800" cy="2715480"/>
+                <a:off x="2853839" y="1008795"/>
+                <a:ext cx="2260800" cy="2714755"/>
               </a:xfrm>
               <a:prstGeom prst="rect">
                 <a:avLst/>
@@ -8649,8 +8967,8 @@
           </p:pic>
         </mc:Fallback>
       </mc:AlternateContent>
-      <mc:AlternateContent xmlns:mc="http://schemas.openxmlformats.org/markup-compatibility/2006" xmlns:p14="http://schemas.microsoft.com/office/powerpoint/2010/main">
-        <mc:Choice Requires="p14">
+      <mc:AlternateContent xmlns:mc="http://schemas.openxmlformats.org/markup-compatibility/2006">
+        <mc:Choice xmlns:p14="http://schemas.microsoft.com/office/powerpoint/2010/main" Requires="p14">
           <p:contentPart p14:bwMode="auto" r:id="rId10">
             <p14:nvContentPartPr>
               <p14:cNvPr id="13" name="Ink 12"/>
@@ -8658,12 +8976,12 @@
               <p14:nvPr/>
             </p14:nvContentPartPr>
             <p14:xfrm>
-              <a:off x="2273879" y="1080798"/>
+              <a:off x="1681696" y="957980"/>
               <a:ext cx="1316520" cy="682920"/>
             </p14:xfrm>
           </p:contentPart>
         </mc:Choice>
-        <mc:Fallback xmlns="">
+        <mc:Fallback>
           <p:pic>
             <p:nvPicPr>
               <p:cNvPr id="13" name="Ink 12"/>
@@ -8678,7 +8996,7 @@
             </p:blipFill>
             <p:spPr>
               <a:xfrm>
-                <a:off x="2265959" y="1070358"/>
+                <a:off x="1673776" y="947540"/>
                 <a:ext cx="1334880" cy="699480"/>
               </a:xfrm>
               <a:prstGeom prst="rect">
@@ -8688,8 +9006,8 @@
           </p:pic>
         </mc:Fallback>
       </mc:AlternateContent>
-      <mc:AlternateContent xmlns:mc="http://schemas.openxmlformats.org/markup-compatibility/2006" xmlns:p14="http://schemas.microsoft.com/office/powerpoint/2010/main">
-        <mc:Choice Requires="p14">
+      <mc:AlternateContent xmlns:mc="http://schemas.openxmlformats.org/markup-compatibility/2006">
+        <mc:Choice xmlns:p14="http://schemas.microsoft.com/office/powerpoint/2010/main" Requires="p14">
           <p:contentPart p14:bwMode="auto" r:id="rId12">
             <p14:nvContentPartPr>
               <p14:cNvPr id="16" name="Ink 15"/>
@@ -8697,12 +9015,12 @@
               <p14:nvPr/>
             </p14:nvContentPartPr>
             <p14:xfrm>
-              <a:off x="4874879" y="3313518"/>
+              <a:off x="4874879" y="2921631"/>
               <a:ext cx="5424840" cy="883800"/>
             </p14:xfrm>
           </p:contentPart>
         </mc:Choice>
-        <mc:Fallback xmlns="">
+        <mc:Fallback>
           <p:pic>
             <p:nvPicPr>
               <p:cNvPr id="16" name="Ink 15"/>
@@ -8717,7 +9035,7 @@
             </p:blipFill>
             <p:spPr>
               <a:xfrm>
-                <a:off x="4860839" y="3299838"/>
+                <a:off x="4860839" y="2907951"/>
                 <a:ext cx="5452920" cy="912600"/>
               </a:xfrm>
               <a:prstGeom prst="rect">
@@ -8727,8 +9045,8 @@
           </p:pic>
         </mc:Fallback>
       </mc:AlternateContent>
-      <mc:AlternateContent xmlns:mc="http://schemas.openxmlformats.org/markup-compatibility/2006" xmlns:p14="http://schemas.microsoft.com/office/powerpoint/2010/main">
-        <mc:Choice Requires="p14">
+      <mc:AlternateContent xmlns:mc="http://schemas.openxmlformats.org/markup-compatibility/2006">
+        <mc:Choice xmlns:p14="http://schemas.microsoft.com/office/powerpoint/2010/main" Requires="p14">
           <p:contentPart p14:bwMode="auto" r:id="rId14">
             <p14:nvContentPartPr>
               <p14:cNvPr id="22" name="Ink 21"/>
@@ -8736,12 +9054,12 @@
               <p14:nvPr/>
             </p14:nvContentPartPr>
             <p14:xfrm>
-              <a:off x="10017119" y="3936318"/>
+              <a:off x="10017119" y="3544431"/>
               <a:ext cx="1351440" cy="781200"/>
             </p14:xfrm>
           </p:contentPart>
         </mc:Choice>
-        <mc:Fallback xmlns="">
+        <mc:Fallback>
           <p:pic>
             <p:nvPicPr>
               <p:cNvPr id="22" name="Ink 21"/>
@@ -8756,7 +9074,7 @@
             </p:blipFill>
             <p:spPr>
               <a:xfrm>
-                <a:off x="10012799" y="3930198"/>
+                <a:off x="10012799" y="3538311"/>
                 <a:ext cx="1364400" cy="801360"/>
               </a:xfrm>
               <a:prstGeom prst="rect">
@@ -9047,7 +9365,7 @@
         </p:nvSpPr>
         <p:spPr>
           <a:xfrm>
-            <a:off x="838200" y="1825625"/>
+            <a:off x="838200" y="1372776"/>
             <a:ext cx="6514707" cy="4351338"/>
           </a:xfrm>
         </p:spPr>
@@ -9107,7 +9425,7 @@
         </p:nvSpPr>
         <p:spPr>
           <a:xfrm>
-            <a:off x="7711126" y="1825625"/>
+            <a:off x="7711126" y="1372776"/>
             <a:ext cx="3642674" cy="4351338"/>
           </a:xfrm>
         </p:spPr>
@@ -18229,29 +18547,6 @@
           </a:p>
         </p:txBody>
       </p:sp>
-      <p:sp>
-        <p:nvSpPr>
-          <p:cNvPr id="2" name="Slide Number Placeholder 1"/>
-          <p:cNvSpPr>
-            <a:spLocks noGrp="1"/>
-          </p:cNvSpPr>
-          <p:nvPr>
-            <p:ph type="sldNum" sz="quarter" idx="12"/>
-          </p:nvPr>
-        </p:nvSpPr>
-        <p:spPr/>
-        <p:txBody>
-          <a:bodyPr/>
-          <a:lstStyle/>
-          <a:p>
-            <a:fld id="{B3225984-A7AD-4D18-892F-24CECE947B3A}" type="slidenum">
-              <a:rPr lang="it-IT" smtClean="0"/>
-              <a:t>27</a:t>
-            </a:fld>
-            <a:endParaRPr lang="it-IT"/>
-          </a:p>
-        </p:txBody>
-      </p:sp>
     </p:spTree>
     <p:extLst>
       <p:ext uri="{BB962C8B-B14F-4D97-AF65-F5344CB8AC3E}">
@@ -19328,8 +19623,8 @@
           </a:p>
         </p:txBody>
       </p:sp>
-      <mc:AlternateContent xmlns:mc="http://schemas.openxmlformats.org/markup-compatibility/2006" xmlns:p14="http://schemas.microsoft.com/office/powerpoint/2010/main">
-        <mc:Choice Requires="p14">
+      <mc:AlternateContent xmlns:mc="http://schemas.openxmlformats.org/markup-compatibility/2006">
+        <mc:Choice xmlns:p14="http://schemas.microsoft.com/office/powerpoint/2010/main" Requires="p14">
           <p:contentPart p14:bwMode="auto" r:id="rId7">
             <p14:nvContentPartPr>
               <p14:cNvPr id="14" name="Ink 13"/>
@@ -19337,12 +19632,12 @@
               <p14:nvPr/>
             </p14:nvContentPartPr>
             <p14:xfrm>
-              <a:off x="7063679" y="2376078"/>
+              <a:off x="7063679" y="2036444"/>
               <a:ext cx="1076760" cy="282600"/>
             </p14:xfrm>
           </p:contentPart>
         </mc:Choice>
-        <mc:Fallback xmlns="">
+        <mc:Fallback>
           <p:pic>
             <p:nvPicPr>
               <p:cNvPr id="14" name="Ink 13"/>
@@ -19357,7 +19652,7 @@
             </p:blipFill>
             <p:spPr>
               <a:xfrm>
-                <a:off x="7055399" y="2367438"/>
+                <a:off x="7055399" y="2027804"/>
                 <a:ext cx="1092960" cy="299880"/>
               </a:xfrm>
               <a:prstGeom prst="rect">
@@ -19367,8 +19662,8 @@
           </p:pic>
         </mc:Fallback>
       </mc:AlternateContent>
-      <mc:AlternateContent xmlns:mc="http://schemas.openxmlformats.org/markup-compatibility/2006" xmlns:p14="http://schemas.microsoft.com/office/powerpoint/2010/main">
-        <mc:Choice Requires="p14">
+      <mc:AlternateContent xmlns:mc="http://schemas.openxmlformats.org/markup-compatibility/2006">
+        <mc:Choice xmlns:p14="http://schemas.microsoft.com/office/powerpoint/2010/main" Requires="p14">
           <p:contentPart p14:bwMode="auto" r:id="rId9">
             <p14:nvContentPartPr>
               <p14:cNvPr id="16" name="Ink 15"/>
@@ -19376,12 +19671,12 @@
               <p14:nvPr/>
             </p14:nvContentPartPr>
             <p14:xfrm>
-              <a:off x="5587319" y="2975478"/>
+              <a:off x="5587319" y="2635844"/>
               <a:ext cx="1425600" cy="801360"/>
             </p14:xfrm>
           </p:contentPart>
         </mc:Choice>
-        <mc:Fallback xmlns="">
+        <mc:Fallback>
           <p:pic>
             <p:nvPicPr>
               <p:cNvPr id="16" name="Ink 15"/>
@@ -19396,7 +19691,7 @@
             </p:blipFill>
             <p:spPr>
               <a:xfrm>
-                <a:off x="5575079" y="2963598"/>
+                <a:off x="5575079" y="2623964"/>
                 <a:ext cx="1450800" cy="826200"/>
               </a:xfrm>
               <a:prstGeom prst="rect">
@@ -19406,8 +19701,8 @@
           </p:pic>
         </mc:Fallback>
       </mc:AlternateContent>
-      <mc:AlternateContent xmlns:mc="http://schemas.openxmlformats.org/markup-compatibility/2006" xmlns:p14="http://schemas.microsoft.com/office/powerpoint/2010/main">
-        <mc:Choice Requires="p14">
+      <mc:AlternateContent xmlns:mc="http://schemas.openxmlformats.org/markup-compatibility/2006">
+        <mc:Choice xmlns:p14="http://schemas.microsoft.com/office/powerpoint/2010/main" Requires="p14">
           <p:contentPart p14:bwMode="auto" r:id="rId11">
             <p14:nvContentPartPr>
               <p14:cNvPr id="17" name="Ink 16"/>
@@ -19415,12 +19710,12 @@
               <p14:nvPr/>
             </p14:nvContentPartPr>
             <p14:xfrm>
-              <a:off x="6632759" y="2533038"/>
+              <a:off x="6632759" y="2193404"/>
               <a:ext cx="315720" cy="514800"/>
             </p14:xfrm>
           </p:contentPart>
         </mc:Choice>
-        <mc:Fallback xmlns="">
+        <mc:Fallback>
           <p:pic>
             <p:nvPicPr>
               <p:cNvPr id="17" name="Ink 16"/>
@@ -19435,7 +19730,7 @@
             </p:blipFill>
             <p:spPr>
               <a:xfrm>
-                <a:off x="6625919" y="2526198"/>
+                <a:off x="6625919" y="2186564"/>
                 <a:ext cx="328320" cy="525240"/>
               </a:xfrm>
               <a:prstGeom prst="rect">
@@ -19445,8 +19740,8 @@
           </p:pic>
         </mc:Fallback>
       </mc:AlternateContent>
-      <mc:AlternateContent xmlns:mc="http://schemas.openxmlformats.org/markup-compatibility/2006" xmlns:p14="http://schemas.microsoft.com/office/powerpoint/2010/main">
-        <mc:Choice Requires="p14">
+      <mc:AlternateContent xmlns:mc="http://schemas.openxmlformats.org/markup-compatibility/2006">
+        <mc:Choice xmlns:p14="http://schemas.microsoft.com/office/powerpoint/2010/main" Requires="p14">
           <p:contentPart p14:bwMode="auto" r:id="rId13">
             <p14:nvContentPartPr>
               <p14:cNvPr id="24" name="Ink 23"/>
@@ -19454,12 +19749,12 @@
               <p14:nvPr/>
             </p14:nvContentPartPr>
             <p14:xfrm>
-              <a:off x="7302719" y="2997438"/>
+              <a:off x="7302719" y="2657804"/>
               <a:ext cx="3283200" cy="1139400"/>
             </p14:xfrm>
           </p:contentPart>
         </mc:Choice>
-        <mc:Fallback xmlns="">
+        <mc:Fallback>
           <p:pic>
             <p:nvPicPr>
               <p:cNvPr id="24" name="Ink 23"/>
@@ -19474,7 +19769,7 @@
             </p:blipFill>
             <p:spPr>
               <a:xfrm>
-                <a:off x="7291559" y="2988078"/>
+                <a:off x="7291559" y="2648444"/>
                 <a:ext cx="3301920" cy="1159200"/>
               </a:xfrm>
               <a:prstGeom prst="rect">
@@ -19484,8 +19779,8 @@
           </p:pic>
         </mc:Fallback>
       </mc:AlternateContent>
-      <mc:AlternateContent xmlns:mc="http://schemas.openxmlformats.org/markup-compatibility/2006" xmlns:p14="http://schemas.microsoft.com/office/powerpoint/2010/main">
-        <mc:Choice Requires="p14">
+      <mc:AlternateContent xmlns:mc="http://schemas.openxmlformats.org/markup-compatibility/2006">
+        <mc:Choice xmlns:p14="http://schemas.microsoft.com/office/powerpoint/2010/main" Requires="p14">
           <p:contentPart p14:bwMode="auto" r:id="rId15">
             <p14:nvContentPartPr>
               <p14:cNvPr id="33" name="Ink 32"/>
@@ -19493,12 +19788,12 @@
               <p14:nvPr/>
             </p14:nvContentPartPr>
             <p14:xfrm>
-              <a:off x="8813999" y="4128918"/>
+              <a:off x="8813999" y="3789284"/>
               <a:ext cx="2635200" cy="1923480"/>
             </p14:xfrm>
           </p:contentPart>
         </mc:Choice>
-        <mc:Fallback xmlns="">
+        <mc:Fallback>
           <p:pic>
             <p:nvPicPr>
               <p:cNvPr id="33" name="Ink 32"/>
@@ -19513,7 +19808,7 @@
             </p:blipFill>
             <p:spPr>
               <a:xfrm>
-                <a:off x="8802479" y="4119918"/>
+                <a:off x="8802479" y="3780284"/>
                 <a:ext cx="2657520" cy="1944720"/>
               </a:xfrm>
               <a:prstGeom prst="rect">
@@ -19523,8 +19818,8 @@
           </p:pic>
         </mc:Fallback>
       </mc:AlternateContent>
-      <mc:AlternateContent xmlns:mc="http://schemas.openxmlformats.org/markup-compatibility/2006" xmlns:p14="http://schemas.microsoft.com/office/powerpoint/2010/main">
-        <mc:Choice Requires="p14">
+      <mc:AlternateContent xmlns:mc="http://schemas.openxmlformats.org/markup-compatibility/2006">
+        <mc:Choice xmlns:p14="http://schemas.microsoft.com/office/powerpoint/2010/main" Requires="p14">
           <p:contentPart p14:bwMode="auto" r:id="rId17">
             <p14:nvContentPartPr>
               <p14:cNvPr id="43" name="Ink 42"/>
@@ -19532,12 +19827,12 @@
               <p14:nvPr/>
             </p14:nvContentPartPr>
             <p14:xfrm>
-              <a:off x="8194799" y="1641678"/>
+              <a:off x="8194799" y="1302044"/>
               <a:ext cx="1604880" cy="690120"/>
             </p14:xfrm>
           </p:contentPart>
         </mc:Choice>
-        <mc:Fallback xmlns="">
+        <mc:Fallback>
           <p:pic>
             <p:nvPicPr>
               <p:cNvPr id="43" name="Ink 42"/>
@@ -19552,7 +19847,7 @@
             </p:blipFill>
             <p:spPr>
               <a:xfrm>
-                <a:off x="8182199" y="1631598"/>
+                <a:off x="8182199" y="1291964"/>
                 <a:ext cx="1631520" cy="713880"/>
               </a:xfrm>
               <a:prstGeom prst="rect">
@@ -19562,8 +19857,8 @@
           </p:pic>
         </mc:Fallback>
       </mc:AlternateContent>
-      <mc:AlternateContent xmlns:mc="http://schemas.openxmlformats.org/markup-compatibility/2006" xmlns:p14="http://schemas.microsoft.com/office/powerpoint/2010/main">
-        <mc:Choice Requires="p14">
+      <mc:AlternateContent xmlns:mc="http://schemas.openxmlformats.org/markup-compatibility/2006">
+        <mc:Choice xmlns:p14="http://schemas.microsoft.com/office/powerpoint/2010/main" Requires="p14">
           <p:contentPart p14:bwMode="auto" r:id="rId19">
             <p14:nvContentPartPr>
               <p14:cNvPr id="49" name="Ink 48"/>
@@ -19571,12 +19866,12 @@
               <p14:nvPr/>
             </p14:nvContentPartPr>
             <p14:xfrm>
-              <a:off x="9679799" y="1086558"/>
+              <a:off x="9679799" y="746924"/>
               <a:ext cx="1981440" cy="793440"/>
             </p14:xfrm>
           </p:contentPart>
         </mc:Choice>
-        <mc:Fallback xmlns="">
+        <mc:Fallback>
           <p:pic>
             <p:nvPicPr>
               <p:cNvPr id="49" name="Ink 48"/>
@@ -19591,7 +19886,7 @@
             </p:blipFill>
             <p:spPr>
               <a:xfrm>
-                <a:off x="9670799" y="1077918"/>
+                <a:off x="9670799" y="738284"/>
                 <a:ext cx="1993680" cy="811080"/>
               </a:xfrm>
               <a:prstGeom prst="rect">
@@ -20549,4 +20844,299 @@
     </a:ext>
   </a:extLst>
 </a:theme>
+</file>
+
+<file path=ppt/theme/theme3.xml><?xml version="1.0" encoding="utf-8"?>
+<a:theme xmlns:a="http://schemas.openxmlformats.org/drawingml/2006/main" name="Office Theme">
+  <a:themeElements>
+    <a:clrScheme name="Office">
+      <a:dk1>
+        <a:sysClr val="windowText" lastClr="000000"/>
+      </a:dk1>
+      <a:lt1>
+        <a:sysClr val="window" lastClr="FFFFFF"/>
+      </a:lt1>
+      <a:dk2>
+        <a:srgbClr val="44546A"/>
+      </a:dk2>
+      <a:lt2>
+        <a:srgbClr val="E7E6E6"/>
+      </a:lt2>
+      <a:accent1>
+        <a:srgbClr val="5B9BD5"/>
+      </a:accent1>
+      <a:accent2>
+        <a:srgbClr val="ED7D31"/>
+      </a:accent2>
+      <a:accent3>
+        <a:srgbClr val="A5A5A5"/>
+      </a:accent3>
+      <a:accent4>
+        <a:srgbClr val="FFC000"/>
+      </a:accent4>
+      <a:accent5>
+        <a:srgbClr val="4472C4"/>
+      </a:accent5>
+      <a:accent6>
+        <a:srgbClr val="70AD47"/>
+      </a:accent6>
+      <a:hlink>
+        <a:srgbClr val="0563C1"/>
+      </a:hlink>
+      <a:folHlink>
+        <a:srgbClr val="954F72"/>
+      </a:folHlink>
+    </a:clrScheme>
+    <a:fontScheme name="Office">
+      <a:majorFont>
+        <a:latin typeface="Calibri Light" panose="020F0302020204030204"/>
+        <a:ea typeface=""/>
+        <a:cs typeface=""/>
+        <a:font script="Jpan" typeface="游ゴシック Light"/>
+        <a:font script="Hang" typeface="맑은 고딕"/>
+        <a:font script="Hans" typeface="等线 Light"/>
+        <a:font script="Hant" typeface="新細明體"/>
+        <a:font script="Arab" typeface="Times New Roman"/>
+        <a:font script="Hebr" typeface="Times New Roman"/>
+        <a:font script="Thai" typeface="Angsana New"/>
+        <a:font script="Ethi" typeface="Nyala"/>
+        <a:font script="Beng" typeface="Vrinda"/>
+        <a:font script="Gujr" typeface="Shruti"/>
+        <a:font script="Khmr" typeface="MoolBoran"/>
+        <a:font script="Knda" typeface="Tunga"/>
+        <a:font script="Guru" typeface="Raavi"/>
+        <a:font script="Cans" typeface="Euphemia"/>
+        <a:font script="Cher" typeface="Plantagenet Cherokee"/>
+        <a:font script="Yiii" typeface="Microsoft Yi Baiti"/>
+        <a:font script="Tibt" typeface="Microsoft Himalaya"/>
+        <a:font script="Thaa" typeface="MV Boli"/>
+        <a:font script="Deva" typeface="Mangal"/>
+        <a:font script="Telu" typeface="Gautami"/>
+        <a:font script="Taml" typeface="Latha"/>
+        <a:font script="Syrc" typeface="Estrangelo Edessa"/>
+        <a:font script="Orya" typeface="Kalinga"/>
+        <a:font script="Mlym" typeface="Kartika"/>
+        <a:font script="Laoo" typeface="DokChampa"/>
+        <a:font script="Sinh" typeface="Iskoola Pota"/>
+        <a:font script="Mong" typeface="Mongolian Baiti"/>
+        <a:font script="Viet" typeface="Times New Roman"/>
+        <a:font script="Uigh" typeface="Microsoft Uighur"/>
+        <a:font script="Geor" typeface="Sylfaen"/>
+        <a:font script="Armn" typeface="Arial"/>
+        <a:font script="Bugi" typeface="Leelawadee UI"/>
+        <a:font script="Bopo" typeface="Microsoft JhengHei"/>
+        <a:font script="Java" typeface="Javanese Text"/>
+        <a:font script="Lisu" typeface="Segoe UI"/>
+        <a:font script="Mymr" typeface="Myanmar Text"/>
+        <a:font script="Nkoo" typeface="Ebrima"/>
+        <a:font script="Olck" typeface="Nirmala UI"/>
+        <a:font script="Osma" typeface="Ebrima"/>
+        <a:font script="Phag" typeface="Phagspa"/>
+        <a:font script="Syrn" typeface="Estrangelo Edessa"/>
+        <a:font script="Syrj" typeface="Estrangelo Edessa"/>
+        <a:font script="Syre" typeface="Estrangelo Edessa"/>
+        <a:font script="Sora" typeface="Nirmala UI"/>
+        <a:font script="Tale" typeface="Microsoft Tai Le"/>
+        <a:font script="Talu" typeface="Microsoft New Tai Lue"/>
+        <a:font script="Tfng" typeface="Ebrima"/>
+      </a:majorFont>
+      <a:minorFont>
+        <a:latin typeface="Calibri" panose="020F0502020204030204"/>
+        <a:ea typeface=""/>
+        <a:cs typeface=""/>
+        <a:font script="Jpan" typeface="游ゴシック"/>
+        <a:font script="Hang" typeface="맑은 고딕"/>
+        <a:font script="Hans" typeface="等线"/>
+        <a:font script="Hant" typeface="新細明體"/>
+        <a:font script="Arab" typeface="Arial"/>
+        <a:font script="Hebr" typeface="Arial"/>
+        <a:font script="Thai" typeface="Cordia New"/>
+        <a:font script="Ethi" typeface="Nyala"/>
+        <a:font script="Beng" typeface="Vrinda"/>
+        <a:font script="Gujr" typeface="Shruti"/>
+        <a:font script="Khmr" typeface="DaunPenh"/>
+        <a:font script="Knda" typeface="Tunga"/>
+        <a:font script="Guru" typeface="Raavi"/>
+        <a:font script="Cans" typeface="Euphemia"/>
+        <a:font script="Cher" typeface="Plantagenet Cherokee"/>
+        <a:font script="Yiii" typeface="Microsoft Yi Baiti"/>
+        <a:font script="Tibt" typeface="Microsoft Himalaya"/>
+        <a:font script="Thaa" typeface="MV Boli"/>
+        <a:font script="Deva" typeface="Mangal"/>
+        <a:font script="Telu" typeface="Gautami"/>
+        <a:font script="Taml" typeface="Latha"/>
+        <a:font script="Syrc" typeface="Estrangelo Edessa"/>
+        <a:font script="Orya" typeface="Kalinga"/>
+        <a:font script="Mlym" typeface="Kartika"/>
+        <a:font script="Laoo" typeface="DokChampa"/>
+        <a:font script="Sinh" typeface="Iskoola Pota"/>
+        <a:font script="Mong" typeface="Mongolian Baiti"/>
+        <a:font script="Viet" typeface="Arial"/>
+        <a:font script="Uigh" typeface="Microsoft Uighur"/>
+        <a:font script="Geor" typeface="Sylfaen"/>
+        <a:font script="Armn" typeface="Arial"/>
+        <a:font script="Bugi" typeface="Leelawadee UI"/>
+        <a:font script="Bopo" typeface="Microsoft JhengHei"/>
+        <a:font script="Java" typeface="Javanese Text"/>
+        <a:font script="Lisu" typeface="Segoe UI"/>
+        <a:font script="Mymr" typeface="Myanmar Text"/>
+        <a:font script="Nkoo" typeface="Ebrima"/>
+        <a:font script="Olck" typeface="Nirmala UI"/>
+        <a:font script="Osma" typeface="Ebrima"/>
+        <a:font script="Phag" typeface="Phagspa"/>
+        <a:font script="Syrn" typeface="Estrangelo Edessa"/>
+        <a:font script="Syrj" typeface="Estrangelo Edessa"/>
+        <a:font script="Syre" typeface="Estrangelo Edessa"/>
+        <a:font script="Sora" typeface="Nirmala UI"/>
+        <a:font script="Tale" typeface="Microsoft Tai Le"/>
+        <a:font script="Talu" typeface="Microsoft New Tai Lue"/>
+        <a:font script="Tfng" typeface="Ebrima"/>
+      </a:minorFont>
+    </a:fontScheme>
+    <a:fmtScheme name="Office">
+      <a:fillStyleLst>
+        <a:solidFill>
+          <a:schemeClr val="phClr"/>
+        </a:solidFill>
+        <a:gradFill rotWithShape="1">
+          <a:gsLst>
+            <a:gs pos="0">
+              <a:schemeClr val="phClr">
+                <a:lumMod val="110000"/>
+                <a:satMod val="105000"/>
+                <a:tint val="67000"/>
+              </a:schemeClr>
+            </a:gs>
+            <a:gs pos="50000">
+              <a:schemeClr val="phClr">
+                <a:lumMod val="105000"/>
+                <a:satMod val="103000"/>
+                <a:tint val="73000"/>
+              </a:schemeClr>
+            </a:gs>
+            <a:gs pos="100000">
+              <a:schemeClr val="phClr">
+                <a:lumMod val="105000"/>
+                <a:satMod val="109000"/>
+                <a:tint val="81000"/>
+              </a:schemeClr>
+            </a:gs>
+          </a:gsLst>
+          <a:lin ang="5400000" scaled="0"/>
+        </a:gradFill>
+        <a:gradFill rotWithShape="1">
+          <a:gsLst>
+            <a:gs pos="0">
+              <a:schemeClr val="phClr">
+                <a:satMod val="103000"/>
+                <a:lumMod val="102000"/>
+                <a:tint val="94000"/>
+              </a:schemeClr>
+            </a:gs>
+            <a:gs pos="50000">
+              <a:schemeClr val="phClr">
+                <a:satMod val="110000"/>
+                <a:lumMod val="100000"/>
+                <a:shade val="100000"/>
+              </a:schemeClr>
+            </a:gs>
+            <a:gs pos="100000">
+              <a:schemeClr val="phClr">
+                <a:lumMod val="99000"/>
+                <a:satMod val="120000"/>
+                <a:shade val="78000"/>
+              </a:schemeClr>
+            </a:gs>
+          </a:gsLst>
+          <a:lin ang="5400000" scaled="0"/>
+        </a:gradFill>
+      </a:fillStyleLst>
+      <a:lnStyleLst>
+        <a:ln w="6350" cap="flat" cmpd="sng" algn="ctr">
+          <a:solidFill>
+            <a:schemeClr val="phClr"/>
+          </a:solidFill>
+          <a:prstDash val="solid"/>
+          <a:miter lim="800000"/>
+        </a:ln>
+        <a:ln w="12700" cap="flat" cmpd="sng" algn="ctr">
+          <a:solidFill>
+            <a:schemeClr val="phClr"/>
+          </a:solidFill>
+          <a:prstDash val="solid"/>
+          <a:miter lim="800000"/>
+        </a:ln>
+        <a:ln w="19050" cap="flat" cmpd="sng" algn="ctr">
+          <a:solidFill>
+            <a:schemeClr val="phClr"/>
+          </a:solidFill>
+          <a:prstDash val="solid"/>
+          <a:miter lim="800000"/>
+        </a:ln>
+      </a:lnStyleLst>
+      <a:effectStyleLst>
+        <a:effectStyle>
+          <a:effectLst/>
+        </a:effectStyle>
+        <a:effectStyle>
+          <a:effectLst/>
+        </a:effectStyle>
+        <a:effectStyle>
+          <a:effectLst>
+            <a:outerShdw blurRad="57150" dist="19050" dir="5400000" algn="ctr" rotWithShape="0">
+              <a:srgbClr val="000000">
+                <a:alpha val="63000"/>
+              </a:srgbClr>
+            </a:outerShdw>
+          </a:effectLst>
+        </a:effectStyle>
+      </a:effectStyleLst>
+      <a:bgFillStyleLst>
+        <a:solidFill>
+          <a:schemeClr val="phClr"/>
+        </a:solidFill>
+        <a:solidFill>
+          <a:schemeClr val="phClr">
+            <a:tint val="95000"/>
+            <a:satMod val="170000"/>
+          </a:schemeClr>
+        </a:solidFill>
+        <a:gradFill rotWithShape="1">
+          <a:gsLst>
+            <a:gs pos="0">
+              <a:schemeClr val="phClr">
+                <a:tint val="93000"/>
+                <a:satMod val="150000"/>
+                <a:shade val="98000"/>
+                <a:lumMod val="102000"/>
+              </a:schemeClr>
+            </a:gs>
+            <a:gs pos="50000">
+              <a:schemeClr val="phClr">
+                <a:tint val="98000"/>
+                <a:satMod val="130000"/>
+                <a:shade val="90000"/>
+                <a:lumMod val="103000"/>
+              </a:schemeClr>
+            </a:gs>
+            <a:gs pos="100000">
+              <a:schemeClr val="phClr">
+                <a:shade val="63000"/>
+                <a:satMod val="120000"/>
+              </a:schemeClr>
+            </a:gs>
+          </a:gsLst>
+          <a:lin ang="5400000" scaled="0"/>
+        </a:gradFill>
+      </a:bgFillStyleLst>
+    </a:fmtScheme>
+  </a:themeElements>
+  <a:objectDefaults/>
+  <a:extraClrSchemeLst/>
+  <a:extLst>
+    <a:ext uri="{05A4C25C-085E-4340-85A3-A5531E510DB2}">
+      <thm15:themeFamily xmlns:thm15="http://schemas.microsoft.com/office/thememl/2012/main" name="Office Theme" id="{62F939B6-93AF-4DB8-9C6B-D6C7DFDC589F}" vid="{4A3C46E8-61CC-4603-A589-7422A47A8E4A}"/>
+    </a:ext>
+  </a:extLst>
+</a:theme>
 </file>
--- a/static_control_flow/slides.pptx
+++ b/static_control_flow/slides.pptx
@@ -5,10 +5,10 @@
     <p:sldMasterId id="2147483648" r:id="rId1"/>
   </p:sldMasterIdLst>
   <p:notesMasterIdLst>
-    <p:notesMasterId r:id="rId29"/>
+    <p:notesMasterId r:id="rId28"/>
   </p:notesMasterIdLst>
   <p:handoutMasterIdLst>
-    <p:handoutMasterId r:id="rId30"/>
+    <p:handoutMasterId r:id="rId29"/>
   </p:handoutMasterIdLst>
   <p:sldIdLst>
     <p:sldId id="259" r:id="rId2"/>
@@ -36,8 +36,7 @@
     <p:sldId id="257" r:id="rId24"/>
     <p:sldId id="258" r:id="rId25"/>
     <p:sldId id="279" r:id="rId26"/>
-    <p:sldId id="281" r:id="rId27"/>
-    <p:sldId id="282" r:id="rId28"/>
+    <p:sldId id="282" r:id="rId27"/>
   </p:sldIdLst>
   <p:sldSz cx="12192000" cy="6858000"/>
   <p:notesSz cx="6858000" cy="9144000"/>
@@ -138,7 +137,18 @@
   </p:defaultTextStyle>
   <p:extLst>
     <p:ext uri="{EFAFB233-063F-42B5-8137-9DF3F51BA10A}">
-      <p15:sldGuideLst xmlns:p15="http://schemas.microsoft.com/office/powerpoint/2012/main"/>
+      <p15:sldGuideLst xmlns:p15="http://schemas.microsoft.com/office/powerpoint/2012/main">
+        <p15:guide id="1" orient="horz" pos="2160" userDrawn="1">
+          <p15:clr>
+            <a:srgbClr val="A4A3A4"/>
+          </p15:clr>
+        </p15:guide>
+        <p15:guide id="2" pos="3840" userDrawn="1">
+          <p15:clr>
+            <a:srgbClr val="A4A3A4"/>
+          </p15:clr>
+        </p15:guide>
+      </p15:sldGuideLst>
     </p:ext>
     <p:ext uri="{2D200454-40CA-4A62-9FC3-DE9A4176ACB9}">
       <p15:notesGuideLst xmlns:p15="http://schemas.microsoft.com/office/powerpoint/2012/main"/>
@@ -229,7 +239,7 @@
           <a:p>
             <a:fld id="{B835C864-C2F5-4AEB-9E9D-2ABD48E450D2}" type="datetimeFigureOut">
               <a:rPr lang="it-IT" smtClean="0"/>
-              <a:t>23/08/2016</a:t>
+              <a:t>24/08/2016</a:t>
             </a:fld>
             <a:endParaRPr lang="it-IT"/>
           </a:p>
@@ -485,7 +495,7 @@
             </emma:emma>
           </inkml:annotationXML>
           <inkml:trace contextRef="#ctx0" brushRef="#br0">0 69 26 0,'24'-21'13'0,"5"11"-11"16,-23-1 14-16,12 1-17 16,-7 4 1-16,7 1 4 15,-6 5 0-15,12-5-2 16,-13 5 1-16,7 0 4 15,0 5 0-15,-1-5 2 16,-5 0 0-16,0 11-1 16,0-6 0-16,-6 16-1 15,5 0 0-15,1 10-2 16,6 1 0-16,5 9-1 16,13 7 1-16,23 9-2 0,-12-10 1 15,53 16-2-15,-6 0 0 16,-17 5-3-16,-7-10 0 15,-5-16-9-15,-12-6 0 16,-11-10-10-16,-7-20 0 16</inkml:trace>
-          <inkml:trace contextRef="#ctx0" brushRef="#br0" timeOffset="1621.6792">130 1535 44 0,'-24'0'22'0,"18"-36"-6"0,12 20 22 16,-6-5-31-16,6-5 0 15,6-6 3-15,6 6 0 0,-1 0-13 16,1 0 0-16,5 5 9 16,13 5 1-16,-1 0-4 15,0 1 1-15,13 4-2 16,11 6 0-16,11 5-1 16,1-5 1-16,-6 10-1 15,-12 11 1-15,-6 5 0 16,-18 15 0-16,-11 6 0 15,-12-5 0-15,-18 10 0 16,-11 5 0-16,-13 17-1 16,-11-7 1-16,0 1-2 15,-6-5 1-15,-12-11-1 16,-17 0 1-16,11 0-1 16,0-15 1-16,12 4-1 15,6-4 0-15,6-6 0 16,12 5 1-16,5-4 0 0,13-17 0 15,17 6 0-15,11-1 1 16,13-4 0-16,23 5 1 16,18-6 0-16,0-5 1 15,5 1-2-15,13-1 1 16,5 0-1-16,-5-10 1 16,-7 5-3-16,-5-11 0 15,-6-10-5-15,-6-5 1 16,-6 0-8-16,-18 0 0 15,1-11-13-15,-1 21 0 0,-17 1-2 16,5-6 0-16</inkml:trace>
+          <inkml:trace contextRef="#ctx0" brushRef="#br0" timeOffset="1621.6791">130 1535 44 0,'-24'0'22'0,"18"-36"-6"0,12 20 22 16,-6-5-31-16,6-5 0 15,6-6 3-15,6 6 0 0,-1 0-13 16,1 0 0-16,5 5 9 16,13 5 1-16,-1 0-4 15,0 1 1-15,13 4-2 16,11 6 0-16,11 5-1 16,1-5 1-16,-6 10-1 15,-12 11 1-15,-6 5 0 16,-18 15 0-16,-11 6 0 15,-12-5 0-15,-18 10 0 16,-11 5 0-16,-13 17-1 16,-11-7 1-16,0 1-2 15,-6-5 1-15,-12-11-1 16,-17 0 1-16,11 0-1 16,0-15 1-16,12 4-1 15,6-4 0-15,6-6 0 16,12 5 1-16,5-4 0 0,13-17 0 15,17 6 0-15,11-1 1 16,13-4 0-16,23 5 1 16,18-6 0-16,0-5 1 15,5 1-2-15,13-1 1 16,5 0-1-16,-5-10 1 16,-7 5-3-16,-5-11 0 15,-6-10-5-15,-6-5 1 16,-6 0-8-16,-18 0 0 15,1-11-13-15,-1 21 0 0,-17 1-2 16,5-6 0-16</inkml:trace>
           <inkml:trace contextRef="#ctx0" brushRef="#br0" timeOffset="2042.2872">1344 1420 53 0,'12'-47'26'0,"-6"16"-26"16,-6 31 47-16,-6 10-45 15,0 11 1-15,-5 10 5 16,-7 17 0-16,-6 20-8 16,13 10 0-16,5-4 7 15,6-1 0-15,6-5-1 16,-1 5 1-16,19-15-2 0,5-16 0 15,19-11-2-15,16-10 0 16,7-26-1-16,0-21 0 16,-1-16-2-16,-5-16 1 15,0-15-1-15,-18 5 0 16,-6-11 0-16,-17 1 1 16,-12-1-1-16,-12 11 0 15,-18 0 0-15,-11 0 0 16,-13 15 0-16,-11 17 0 15,-11 15-1-15,-1 26 1 16,0 11-1-16,12 15 0 0,6 11-5 16,6 5 1-16,11-10-10 15,12 0 1-15,18 10-10 16,18-26 1-16</inkml:trace>
           <inkml:trace contextRef="#ctx0" brushRef="#br0" timeOffset="2732.6771">2104 1672 49 0,'6'15'24'0,"36"1"-12"0,-19-21 33 16,-5-6-44-16,0-10 0 15,5-10 2-15,1 5 1 0,5-16-5 16,1-16 1 0,5-5 2-16,-6 6 0 0,-5-1-1 15,0 0 1-15,-1 6-2 16,-5 10 0-16,-6 11 0 16,-7 20 0-16,-5 27 1 15,6 10 0-15,-6 32 0 16,6 15 0-16,0 27 0 15,6-1 0-15,0 11 0 16,-6-10 0-16,-1-11 0 16,-10-16 0-16,-7-21-1 15,-12-10 1-15,-11-5-2 16,-6 0 1-16,11-27 0 16,-5-5 0-16,-6-5-1 15,5-10 0-15,1-11 0 16,5-5 0-16,7 15 2 15,5 1 1-15,6-1 1 0,12 11 0 16,12 0 3-16,6 0 0 16,11 0 1-16,13 0 0 15,22 0-1-15,13-5 1 16,5-5-2-16,-5 4 0 16,-6 1-5-16,-1 0 0 15,-5 0-8-15,-6-6 0 16,-6 1-16-16,0 4 1 15,-23-9-4-15,5-6 1 16</inkml:trace>
           <inkml:trace contextRef="#ctx0" brushRef="#br0" timeOffset="3182.2569">3200 1808 56 0,'6'-27'28'0,"47"-72"-31"16,-29 68 48-16,11 4-40 15,6 6 0-15,1 11 2 16,5-1 1-16,-6 22-10 15,0 10 0-15,-11 16 6 0,-7 10 1 16,-5 0-3-16,0 0 1 16,-12 5-1-16,-6 1 0 15,-12-1-1-15,-18-15 1 16,7-6 0-16,-19-5 0 16,1-26 1-16,0-15 0 15,0-27 0-15,5-11 0 16,-5-15 0-16,23-5 0 15,7-11 0-15,11-15 1 16,11-1-2-16,19 6 1 16,11-6-2-16,0 1 1 15,7 15-3-15,-7 6 0 0,18-1-13 16,-6 16 0-16,17 16-12 16,1 5 1-16</inkml:trace>
@@ -598,8 +608,8 @@
             </emma:emma>
           </inkml:annotationXML>
           <inkml:trace contextRef="#ctx0" brushRef="#br0" timeOffset="2342.3657">7355 3466 67 0,'100'15'33'0,"18"90"-37"0,-89-42 62 15,7 10-58-15,-1 22 0 16,0-1-19-16,-5-16 0 15,-6-10 9-15,5-20 1 16</inkml:trace>
-          <inkml:trace contextRef="#ctx0" brushRef="#br0" timeOffset="2462.1848">7797 3424 27 0,'-6'-74'13'0,"-18"22"-7"15,24 42 4-15,0-1-16 16,12 11 0-16,12 5-8 15,17 16 1-15</inkml:trace>
-          <inkml:trace contextRef="#ctx0" brushRef="#br0" timeOffset="2866.7468">8692 3361 62 0,'-17'-21'31'0,"-66"-26"-50"15,54 47 67-15,-18 10-48 16,-18 6 0-16,-6 31 2 0,6 21 1 16,6 21-1-16,6 16 0 15,30 10 1-15,17 0 1 16,24-31-1-16,35-5 1 16,11-27-9-16,25-15 1 15,17-42-10-15,6-37 0 16,23-42-4-16,1-26 0 15,-12-11 4-15,-18-20 0 16,-18-16 7-16,-35-11 0 16,-18-10 4-16,-29-5 1 15,-29 0 5-15,-19 5 1 0,1 36 2 16,12 48 1-16,5 42 1 16,18 62 0-16,18 42 4 15,23 48 0-15,18 36-1 16,6 42 0-16,18 5-9 15,5-10 0-15,1-26-15 16,-12-6 1-16,-18-31-2 16,-18-26 0-16</inkml:trace>
+          <inkml:trace contextRef="#ctx0" brushRef="#br0" timeOffset="2462.1847">7797 3424 27 0,'-6'-74'13'0,"-18"22"-7"15,24 42 4-15,0-1-16 16,12 11 0-16,12 5-8 15,17 16 1-15</inkml:trace>
+          <inkml:trace contextRef="#ctx0" brushRef="#br0" timeOffset="2866.7467">8692 3361 62 0,'-17'-21'31'0,"-66"-26"-50"15,54 47 67-15,-18 10-48 16,-18 6 0-16,-6 31 2 0,6 21 1 16,6 21-1-16,6 16 0 15,30 10 1-15,17 0 1 16,24-31-1-16,35-5 1 16,11-27-9-16,25-15 1 15,17-42-10-15,6-37 0 16,23-42-4-16,1-26 0 15,-12-11 4-15,-18-20 0 16,-18-16 7-16,-35-11 0 16,-18-10 4-16,-29-5 1 15,-29 0 5-15,-19 5 1 0,1 36 2 16,12 48 1-16,5 42 1 16,18 62 0-16,18 42 4 15,23 48 0-15,18 36-1 16,6 42 0-16,18 5-9 15,5-10 0-15,1-26-15 16,-12-6 1-16,-18-31-2 16,-18-26 0-16</inkml:trace>
           <inkml:trace contextRef="#ctx0" brushRef="#br0" timeOffset="3001.4238">9069 2994 62 0,'0'-110'31'0,"124"11"-34"15,-71 67 65-15,36-20-62 16,17-16 1-16,35-37-16 16,30-5 0-16,29-26 3 0,6-11 1 15</inkml:trace>
           <inkml:trace contextRef="#ctx0" brushRef="#br0" timeOffset="3333.6974">10566 2926 36 0,'41'94'18'0,"30"43"-12"0,-53-95 15 0,17-11-19 15,24-5 1-15,17 0 1 16,7-15 1-16,-6-27-5 16,-1-26 0-16,-17-5 3 15,-18-26 1-15,-23-22-2 16,-12 6 0-16,-18-10-5 16,-11 10 1-16,5 21-8 15,6 15 0-15,12 6-4 16,24 16 0-1</inkml:trace>
           <inkml:trace contextRef="#ctx0" brushRef="#br0" timeOffset="3513.3141">11680 3015 54 0,'-18'5'27'0,"-12"1"-39"0,13-22 55 16,-25-21-43-16,-11-15 0 15,-5-27 0-15,5-4 0 16,11 9 2-16,19-4 0 15,11-6 0-15,12 5 1 16,29 6-4-16,24 5 1 16,0 0-9-16,12 16 1 15,24 10-8-15,-1 21 0 16</inkml:trace>
@@ -794,7 +804,7 @@
         </emma:interpretation>
       </emma:emma>
     </inkml:annotationXML>
-    <inkml:trace contextRef="#ctx0" brushRef="#br0">2496 288 55 0,'18'-10'27'0,"47"-6"-22"16,-48 6 27-16,-11-6-32 16,0-5 1-16,-12-5 0 0,-6 5 0 15,-5-10 0-15,-13 15 1 16,-11-10 2-16,-6 5 1 16,-18 0 0-16,-11 16 1 15,-13-6 0-15,1 11 1 16,-12 5-2-1,-6 6 0-15,-1-6-2 16,1-5 1-16,-5 5-1 16,-7 0 0-16,0 6 0 15,6 10 0-15,12 0 0 16,0 0 0-16,5 5-1 16,1 0 1-16,17 11-2 15,1-11 0-15,-1 5 0 0,7 11 0 16,-1 0 0-16,-12 0 0 0,13 11 0 15,5-1 0-15,6 5 0 16,6 1 0-16,12-6-1 16,5 22 1-16,7-22-1 15,5-5 1-15,7 6-1 16,5-1 0-16,0 0 0 0,6 6 0 31,24 31 0-31,5-5 0 16,13-11 0-16,11-20 0 15,6-1 0-15,6-5 0 16,0-10 0-16,11 5 0 16,7-6 0-1,11-10 1-15,-11 6-1 16,0 10 1-16,5-6-1 16,6-15 0-16,7 0 0 15,-1 0 1-15,0-5-1 16,6 5 0-16,6-11 0 15,-5-4 0-15,-13-6 0 16,0-6 0-16,7 1 0 0,5-5 1 16,0-11-1-16,0-5 0 0,0 10 0 15,6-10 1-15,-5-1-1 16,-13-4 0-16,0 5 0 16,-5-11 1-16,5 1-1 15,1-17 0-15,-1 6 0 31,-6 5 1-31,-5-5-1 16,-18 0 1-16,-12-6-1 0,-6-4 1 16,-5-6 0-16,-13 0 0 15,-5-10 0-15,0 5 0 16,-13 5-1-16,1 0 1 16,-6-5-1-16,-11-16 1 15,-13 11-1-15,-17 0 0 0,-18-1 0 16,-18 6 0-16,-17 5-2 15,-24 16 1-15,-6-10-6 16,-11-1 1-16,-7 11-10 16,13 0 1-16,5 10-10 15,0 0 0-15</inkml:trace>
+    <inkml:trace contextRef="#ctx0" brushRef="#br0">2431 169 55 0,'18'-6'27'0,"45"-3"-22"16,-46 3 27-16,-11-3-32 16,0-4 1-16,-12-2 0 0,-6 3 0 15,-5-7 0-15,-12 10 1 16,-11-6 2-16,-5 2 1 16,-19 1 0-16,-10 9 1 15,-13-3 0-15,2 6 1 16,-13 3-2-1,-5 3 0-15,-1-3-2 16,1-3 1-16,-6 3-1 16,-5 0 0-16,-1 3 0 15,5 7 0-15,13-1 0 16,0 0 0-16,4 4-1 16,2-1 1-16,16 7-2 15,0-7 0-15,0 3 0 0,7 7 0 16,-1 0 0-16,-12-1 0 0,13 7 0 15,5 0 0-15,5 2 0 16,7 1 0-16,11-3-1 16,5 12 1-16,6-12-1 15,6-3 1-15,6 3-1 16,6-1 0-16,-1 1 0 0,6 3 0 31,24 18 0-31,4-3 0 16,13-6 0-16,11-11 0 15,6-2 0-15,5-2 0 16,1-7 0-16,10 4 0 16,7-4 0-1,11-6 1-15,-11 4-1 16,0 6 1-16,4-4-1 16,7-9 0-16,7 1 0 15,-2-1 1-15,1-2-1 16,5 2 0-16,6-6 0 15,-4-3 0-15,-13-3 0 16,-1-3 0-16,8 0 0 0,4-3 1 16,1-6-1-16,-1-4 0 0,1 7 0 15,5-6 1-15,-5-1-1 16,-12-2 0-16,0 2 0 16,-6-5 1-16,6-1-1 15,1-9 0-15,-1 4 0 31,-6 2 1-31,-5-3-1 16,-18 1 1-16,-11-4-1 0,-6-3 1 16,-5-3 0-16,-13 0 0 15,-4-6 0-15,-1 3 0 16,-12 3-1-16,1 0 1 16,-6-3-1-16,-11-9 1 15,-12 6-1-15,-17 0 0 0,-18 0 0 16,-17 3 0-16,-16 3-2 15,-24 9 1-15,-6-5-6 16,-10-1 1-16,-8 6-10 16,14 0 1-16,4 7-10 15,0-1 0-15</inkml:trace>
   </inkml:traceGroup>
 </inkml:ink>
 </file>
@@ -874,7 +884,7 @@
         </emma:interpretation>
       </emma:emma>
     </inkml:annotationXML>
-    <inkml:trace contextRef="#ctx0" brushRef="#br0">4873 0 36 0,'-6'0'18'0,"18"0"-17"16,-12 5 19-16,-6 0-20 16,0 11 0-16,-6 5 0 15,0 0 0-15,-5 5 1 0,-1 0 0 16,-5 16 2-16,-13 0 0 31,-17 5 1-31,-6 0 1 0,-11 21 0 16,-7 0 1-16,-17 11-2 15,-18 10 1-15,-12 11-2 16,-17 15 0-16,-13 10-1 16,-11-4 0-16,-17-1-1 15,-24 17 0-15,-7 4 0 16,-5 11 1-16,6-6 0 0,0 1 0 16,6-6-1-16,12-20 1 15,11-6-1-15,6-5 1 16,12 0-2-16,-6-5 1 15,18 5-1-15,18-21 0 0,11-5 0 16,18-1 0-16,12-20 0 16,17 0 0-16,6-21 0 15,18-5 1-15,6-6-1 16,18-5 1-16,5 1-2 16,7-1 1-16,5-11 0 15,6 1 0-15,6 0-1 16,0-6 1-16,0 1 0 0,6-6 1 31,0-5 0-31,5-5 0 0,1-6 0 16,6-10 0-16,5-5 0 15,1 5 0 1,17-36-1 0,6-22 1-16,12 0-1 15,12-10 0-15,6-10 0 16,11 15 1-16,0-10-1 0,7 10 0 15,-7 0-1-15,-11 11 1 16,-7 5 0-16,-5 16 0 16,-12 10-1-16,-12 10 1 0,-11 11 0 15,-13 6 0-15,-17 15 0 16,-5 10 0-16,-25 11 0 31,-23 10 0-31,-23 11 0 16,-7-5 0-16,-11 10 0 15,-12 21 1-15,0 0-1 16,6 16 0-16,-7 10-1 16,1-5 1-16,0-5 0 0,0 0 0 15,18-6 0-15,0-4 0 16,11-17 0-16,12-4 0 0,12-11-1 16,12-11 0-16,17-5 0 15,18-5 0-15,12 0 0 16,18-5 0-16,11 5 1 15,24-11 0-15,18-4 1 16,5-12 0-16,18-9 0 16,24-12 0-1,6 1 1-15,11 0 0 16,-11 10-1-16,-1-5 0 16,-17 6-4-16,-12 4 1 15,-17 1-13-15,-1 15 1 0,-29-15-5 16,-29-17 1-16</inkml:trace>
+    <inkml:trace contextRef="#ctx0" brushRef="#br0">4748 0 36 0,'-6'0'18'0,"18"0"-17"16,-12 3 19-16,-6-1-20 16,0 8 0-16,-5 2 0 15,-1 1 0-15,-5 2 1 0,0 0 0 16,-6 10 2-16,-12-1 0 31,-16 4 1-31,-7 0 1 0,-10 12 0 16,-7 0 1-16,-17 6-2 15,-17 6 1-15,-12 7-2 16,-16 9 0-16,-13 5-1 16,-11-2 0-16,-16 0-1 15,-24 9 0-15,-6 3 0 16,-6 7 1-16,7-5 0 0,-1 2 0 16,6-4-1-16,12-12 1 15,11-4-1-15,6-2 1 16,11 0-2-16,-6-4 1 15,18 4-1-15,18-13 0 0,10-2 0 16,17-1 0-16,13-12 0 16,16 0 0-16,6-13 0 15,17-2 1-15,6-4-1 16,18-2 1-16,5-1-2 16,6 1 1-16,5-8 0 15,6 2 0-15,6-1-1 16,0-3 1-16,0 1 0 0,6-4 1 31,0-3 0-31,5-3 0 0,1-4 0 16,5-5 0-16,5-3 0 15,2 2 0 1,16-20-1 0,6-14 1-16,11 1-1 15,12-6 0-15,6-7 0 16,11 10 1-16,0-6-1 0,6 5 0 15,-6 1-1-15,-11 6 1 16,-7 3 0-16,-4 10 0 16,-13 5-1-16,-11 6 1 0,-11 7 0 15,-12 3 0-15,-17 9 0 16,-5 6 0-16,-24 6 0 31,-23 6 0-31,-22 7 0 16,-7-3 0-16,-10 5 0 15,-12 13 1-15,-1 0-1 16,7 10 0-16,-7 5-1 16,0-3 1-16,1-2 0 0,0-1 0 15,17-3 0-15,0-3 0 16,11-9 0-16,12-3 0 0,11-6-1 16,12-7 0-16,17-3 0 15,17-2 0-15,12-1 0 16,17-3 0-16,11 4 1 15,24-8 0-15,17-1 1 16,5-8 0-16,17-4 0 16,24-8 0-1,6 1 1-15,10-1 0 16,-10 7-1-16,-2-4 0 16,-15 5-4-16,-13 1 1 15,-16 1-13-15,-1 9 1 0,-29-9-5 16,-27-9 1-16</inkml:trace>
   </inkml:traceGroup>
 </inkml:ink>
 </file>
@@ -1036,7 +1046,7 @@
         </emma:interpretation>
       </emma:emma>
     </inkml:annotationXML>
-    <inkml:trace contextRef="#ctx0" brushRef="#br0">1844 110 18 0,'-6'-5'9'0,"0"-16"-4"16,6 16 9-16,-6-5-12 16,-5-1 0-16,-1 1 3 0,6-6 1 15,0 0-7-15,0 6 1 16,6 5 3-16,0 10 1 15,6 10-2-15,0 6 1 16,6 11-1-16,-1 10 0 0,1 15 0 16,0 1 0-16,0 0 1 15,0 10 0-15,-1 10 0 16,-5-10 1-16,-6 11-1 16,0-1 0-16,-6 1-1 15,0-16 1-15,-5 0-1 16,-7-6 1-16,-6-4-1 0,1 4 0 15,-7-10 0-15,-5-5 1 32,0-10-1-32,-1-6 0 0,1-5-1 15,-6-16 1-15,0 0-1 16,-1-10 1-16,1 0-2 16,-6-16 1-1,-24 5-1 1,6 0 1-16,6 1-1 15,-5-6 1-15,-7 10-1 0,6 1 1 16,0 10-1-16,6 0 1 16,6 5-1-16,6 0 1 15,0 11-1-15,6 5 0 16,0 10 0-16,-6 1 0 0,-1-1-1 16,7 1 1-16,-6 4 0 31,6 1 1-31,0 15-1 15,-1 6 0-15,7-6 0 16,0 6 1-16,5 5-1 16,7 10 0-16,-1 0 0 15,0 6 1-15,1 0-1 16,5-1 0-16,0 6 0 0,1-6 1 16,5-4-1-16,0 10 0 0,0-6 0 15,1 6 0-15,5 5 1 16,0 0 0-16,0 5 0 15,0 1 0-15,0-6 0 16,0 0 0-16,6-6 0 16,-6 6 0-16,6-15-1 15,0-6 0-15,0 5 0 0,6 0 0 16,-6 6 0-16,6-11 0 31,0 5 0-31,-6 1 0 0,6-1 0 16,0-5 0-16,0-5 0 15,0-5 1-15,0-6-1 0,-1-5 0 16,1 5 0 0,6 1 0-16,0-6 0 15,0-5 0-15,-1 0 0 16,1 0 0-16,0 0 0 16,0 5 0-16,6-5 0 15,-1-6 0-15,7-4 0 0,-1-1 1 16,7-5-1-16,11 0 1 15,-6 1-1-15,7 9 0 0,-7-4 0 16,0 4 0-16,7-4 0 16,5-1 0-16,0 1 0 15,6-6 1-15,0-5-1 16,6 10 0-16,0-10 0 16,0-5 1-16,11-6-1 31,-5 1 0-31,0-1 0 0,6-10 1 15,-7 0-1-15,1 0 1 16,0 0-1-16,0-5 1 16,6 5-1-16,5-5 0 15,7 0 0-15,-1-1 0 0,7 6 0 16,-1-10 0-16,0 5 0 16,-5-11 0-16,-7-10 0 15,-5 5 0-15,0 0 0 16,-1 0 1-16,1 0-1 15,0-5 0-15,0 5 0 16,-7 5 0-16,1-5 0 0,-6-5 1 16,6 0-1-16,-12-6 0 15,0 1 0 1,0 5 0-16,-12 0 0 16,0-1 0-16,-5 1 0 15,-1 0 0-15,-5 5 0 16,-7 5 0-16,1-5 0 15,-7 6 0-15,7-17 0 16,0 11 0-16,-1 6-1 16,1-1 1-16,-1 0-1 0,1 0 1 15,5-4 0-15,1-1 1 16,5 0-2-16,0 0 1 16,7 5 0-16,-1 0 0 15,0 1 0-15,6-1 0 0,6 5-1 16,0 1 1-16,0-1 0 15,12 1 0-15,0-1 0 16,0 1 0-16,0 5 0 16,5-6 0-16,7 1 0 15,11 5 0-15,1-1-1 16,5 1 1-16,12-5 0 0,6-1 0 16,-12 6 0-16,0-6 0 31,12-10 0-31,6 6 0 0,0 10 0 15,6-6 1-15,-1 6-1 16,-5 0 0-16,6-1-1 16,11 1 1-16,13 5 0 15,5-5 0-15,6 5-1 16,-18 5 1-16,7-5-1 16,11 0 1-16,0 0 0 0,6-5 0 15,-6-6-1-15,-12-4 1 16,0-1 0-16,13 0 1 15,4 1-1-15,-10-6 0 0,5 10 0 16,-12-10 0-16,12 16-1 16,18 5 0-16,-12 0 0 31,6 0 1-31,-12-5-1 16,0-1 1-16,18-4-1 15,-7 0 1-15,-10 4 0 16,5 1 1-16,-24 0-1 15,-6 5 0-15,13 0-1 0,-7 0 0 16,-5-5 0-16,-7 5 1 16,1 0-1-16,-6 5 0 0,-7 11 0 15,-5-11 0-15,-6 5 1 16,6 1 1-16,-6-1 0 16,-5 1 0-16,-7-1 0 15,-6-5 0-15,7 6-1 16,-1-6 1-16,-12 6-1 15,1 4 0-15,5 1-1 0,0 10 1 16,7 6-1-16,-7-6 0 16,1 0 0-1,-1-5 0-15,6-11 1 16,0-4 1-16,1-1 0 16,-1-5 0-16,6 0 0 15,6-11 0-15,-6-4-1 16,0-6 1-16,12 0-1 15,0 0 0-15,-11-5-1 16,-1-11 1-16,6 6 0 16,6 10 0-16,6-6 0 15,-7 1 0-15,-4-5 0 0,-7-1 0 16,6 1 0-16,-18 0 1 16,-5-1-1-16,-7-5 0 0,-5 6-1 15,-6-6 1-15,-12-5 0 16,-6-5 1-16,-12-5-1 15,-5 5 0-15,-7 5 0 16,-11 0 1-16,-12-5-1 16,-6-5 0-16,-6-11-1 15,-11 10 0 1,5-4 0-16,0-1 0 16,-5-5 1-16,-7 6 0 15,-5 4 0-15,0 6 1 16,-7 0 1-16,-5 5 0 0,6 0-1 15,-6 0 0-15,-6 6-1 16,-6 4 0-16,-6 1-1 16,0-11 1-16,-5 10 0 15,-1 1 1-15,0 5-1 16,-11 0 1-16,-7 5-1 16,-5 0 1-16,-6 5-1 15,-6 6 1-15,-12-1-2 0,0 1 1 16,0 4 0-16,-11 1 0 15,5 10 0-15,-6-5 0 0,-5 6 0 16,-6-6 0-16,5 0 0 16,-11 10 1-16,5-5-1 15,7 1 0-15,-1 4-1 16,1 1 1-16,5-6 0 16,1 0 0-16,5 11 0 31,-6-6 0-31,12 6-1 0,-5 0 1 15,-7 5 0-15,0 0 0 16,1-6-1-16,11 6 1 16,0-5 0-16,0 5 0 15,-5 0 0-15,-7-5 1 0,-11 4-1 16,-1-4 1-16,7-5-1 16,-7-1 1-16,13-5-1 15,-1 1 1-15,0-6-1 16,-11 0 0-16,17-6 0 15,12-4 1-15,6-1-1 0,0 1 0 16,6-11 0-16,6-5 0 16,0-11 0-16,-7 0 1 15,7-4-1 1,6-1 1-16,11-5-1 16,1-11 1-16,11 0-2 15,12 1 1-15,6-1 0 16,11-5 0-16,-5-5-1 15,0 0 1-15,5 5 0 16,1-10 0-16,0 5 0 16,-7 0 1-16,13 5-1 0,-6-10 0 15,5-1 0-15,1-4 0 16,5 10-1-16,6 0 1 0,1-1-1 16,-1 7 1-16,0-6 0 15,-5 20 0-15,-1 1 0 16,-5 0 1-16,-1 0-1 15,1-5 0-15,-6 5 0 16,-7 5 0-16,-5 0 0 16,0 5 0-16,-6 6-1 0,0-6 1 15,-12 11 0-15,0 5 0 16,-11-5 0-16,-1 5 1 16,1-5-1-16,-7 10 0 31,-11 0 0-31,0 0 1 0,-1 11-1 15,1 0 1-15,-6 10-1 16,-18-5 0-16,12 0-1 16,-6 5 1-16,-6 6 0 15,0-6 0-15,6 0 0 16,18-5 0-16,-6 11 0 16,-12-11 0-16,6 0 0 0,6 0 0 15,0-11 0-15,0 1 0 16,-6-1 0-16,-1 1 0 15,13-1 0-15,-12 6 0 0,-6 0 0 16,0-5 1-16,0-1-1 16,-6 6 0-16,-5 0 0 31,5 5 1-31,12 0-1 16,-12-11 0-16,6 11 0 15,0 0 0-15,0-5 0 16,0 0 1-16,0-1-1 0,0 6 1 15,6-10-1-15,6-6 0 16,-6 6 1-16,0-16 0 16,-6 15-1-16,-6-5 0 0,-5 11 0 15,-13 21 0-15,18 5-4 16,12 5 1-16,18-5-15 16,41 5 1-16,11-15-3 15,19-27 0-15</inkml:trace>
+    <inkml:trace contextRef="#ctx0" brushRef="#br0">1660 99 18 0,'-5'-4'9'0,"-1"-15"-4"16,6 14 9-16,-5-4-12 16,-5-1 0-16,-1 1 3 0,6-5 1 15,-1-1-7-15,1 6 1 16,5 5 3-16,0 8 1 15,5 10-2-15,1 5 1 16,4 10-1-16,0 8 0 0,1 15 0 16,0 0 0-16,0 0 1 15,0 9 0-15,-2 10 0 16,-3-10 1-16,-6 10-1 16,0-1 0-16,-6 1-1 15,1-14 1-15,-5 0-1 16,-6-6 1-16,-6-3-1 0,2 3 0 15,-7-9 0-15,-5-4 1 32,1-9-1-32,-2-6 0 0,2-4-1 15,-6-14 1-15,0-1-1 16,-1-8 1-16,1-1-2 16,-5-14 1-1,-22 5-1 1,5-1 1-16,6 2-1 15,-4-6 1-15,-7 9-1 0,5 1 1 16,1 9-1-16,5 0 1 16,5 5-1-16,6-1 1 15,-1 11-1-15,6 3 0 16,1 10 0-16,-7 1 0 0,0-1-1 16,6 1 1-16,-5 3 0 31,5 2 1-31,0 12-1 15,-1 7 0-15,7-7 0 16,-1 7 1-16,5 3-1 16,6 10 0-16,0 0 0 15,-1 5 1-15,2 0-1 16,3-1 0-16,1 6 0 0,1-6 1 16,4-3-1-16,0 8 0 0,0-5 0 15,2 6 0-15,3 4 1 16,1 0 0-16,-1 5 0 15,1 0 0-15,0-5 0 16,-1 1 0-16,6-7 0 16,-5 6 0-16,5-13-1 15,0-6 0-15,0 5 0 0,5 0 0 16,-5 5 0-16,6-10 0 31,-1 5 0-31,-5 0 0 0,5 0 0 16,1-5 0-16,-1-4 0 15,1-5 1-15,-1-5-1 0,-1-5 0 16,2 5 0 0,5 1 0-16,-1-6 0 15,1-4 0-15,-1 0 0 16,1-1 0-16,0 1 0 16,0 5 0-16,5-6 0 15,-1-4 0-15,7-4 0 0,-2-2 1 16,7-3-1-16,10-1 1 15,-5 2-1-15,6 7 0 0,-7-3 0 16,1 3 0-16,5-3 0 16,6-1 0-16,-1 1 0 15,6-6 1-15,-1-4-1 16,7 9 0-16,-1-9 0 16,0-5 1-16,10-5-1 31,-5 1 0-31,1-1 0 0,5-9 1 15,-7 0-1-15,2 0 1 16,-1 0-1-16,1-4 1 16,5 4-1-16,4-5 0 15,7 1 0-15,-1-2 0 0,6 6 0 16,-1-9 0-16,0 5 0 16,-4-11 0-16,-7-8 0 15,-4 4 0-15,0 0 0 16,-1 0 1-16,1 0-1 15,0-4 0-15,0 4 0 16,-6 5 0-16,0-5 0 0,-5-5 1 16,6 1-1-16,-12-6 0 15,1 1 0 1,0 5 0-16,-11-1 0 16,0 0 0-16,-5 1 0 15,0-1 0-15,-5 5 0 16,-7 5 0-16,2-5 0 15,-7 6 0-15,7-16 0 16,-1 10 0-16,0 5-1 16,1 0 1-16,-2 0-1 0,2-1 1 15,4-3 0-15,1-1 1 16,5 0-2-16,-1 0 1 16,7 5 0-16,-1 0 0 15,0 0 0-15,5 0 0 0,6 4-1 16,-1 1 1-16,1-1 0 15,11 1 0-15,-1-1 0 16,1 1 0-16,-1 4 0 16,5-4 0-16,7 0 0 15,9 4 0-15,1 0-1 16,4 0 1-16,12-4 0 0,5-1 0 16,-11 6 0-16,0-6 0 31,11-9 0-31,5 5 0 0,0 10 0 15,6-6 1-15,-2 6-1 16,-3-1 0-16,4 0-1 16,11 0 1-16,11 5 0 15,5-4 0-15,5 4-1 16,-16 4 1-16,6-4-1 16,10 0 1-16,0 0 0 0,6-4 0 15,-6-6-1-15,-11-4 1 16,0 0 0-16,13-1 1 15,2 2-1-15,-8-6 0 0,4 9 0 16,-11-9 0-16,11 15-1 16,17 4 0-16,-12 0 0 31,6 0 1-31,-11-5-1 16,0 0 1-16,17-4-1 15,-7 0 1-15,-9 3 0 16,4 2 1-16,-21-1-1 15,-5 5 0-15,11 0-1 0,-6 0 0 16,-5-4 0-16,-6 4 1 16,1 0-1-16,-5 4 0 0,-7 11 0 15,-4-11 0-15,-5 5 1 16,4 1 1-16,-4-1 0 16,-5 1 0-16,-7-1 0 15,-4-4 0-15,5 5-1 16,0-6 1-16,-11 6-1 15,0 3 0-15,5 2-1 0,1 8 1 16,5 6-1-16,-6-6 0 16,2 1 0-1,-2-5 0-15,5-10 1 16,1-4 1-16,1 0 0 16,-2-5 0-16,6 0 0 15,6-10 0-15,-6-4-1 16,0-5 1-16,10 0-1 15,1 1 0-15,-10-6-1 16,-1-9 1-16,6 5 0 16,4 9 0-16,7-5 0 15,-7 0 0-15,-4-4 0 0,-6 0 0 16,5 0 0-16,-15 0 1 16,-6-1-1-16,-5-4 0 0,-5 5-1 15,-6-5 1-15,-10-5 0 16,-6-5 1-16,-10-3-1 15,-5 3 0-15,-7 5 0 16,-9 1 1-16,-11-6-1 16,-5-3 0-16,-6-11-1 15,-10 9 0 1,5-3 0-16,0-1 0 16,-5-5 1-16,-6 6 0 15,-4 3 0-15,-1 6 1 16,-6-1 1-16,-4 6 0 0,5-1-1 15,-5 0 0-15,-6 6-1 16,-5 3 0-16,-6 1-1 16,1-10 1-16,-5 9 0 15,-1 1 1-15,0 5-1 16,-10-1 1-16,-6 6-1 16,-4-1 1-16,-6 4-1 15,-6 6 1-15,-10-1-2 0,0 1 1 16,-1 4 0-16,-9 0 0 15,5 10 0-15,-6-5 0 0,-5 5 0 16,-5-5 0-16,5 0 0 16,-11 9 1-16,6-4-1 15,5 0 0-15,0 4-1 16,0 1 1-16,5-5 0 16,1-1 0-16,4 11 0 31,-5-6 0-31,11 5-1 0,-5 0 1 15,-6 5 0-15,0 0 0 16,1-5-1-16,10 5 1 16,0-5 0-16,0 5 0 15,-5 0 0-15,-6-5 1 0,-10 4-1 16,-1-3 1-16,7-5-1 16,-7-1 1-16,12-5-1 15,-1 1 1-15,0-5-1 16,-10 0 0-16,15-5 0 15,11-4 1-15,6-1-1 0,-1 1 0 16,6-10 0-16,6-4 0 16,-1-11 0-16,-6 1 1 15,7-4-1 1,4-1 1-16,11-4-1 16,1-10 1-16,9 0-2 15,11 0 1-15,6 0 0 16,10-4 0-16,-5-6-1 15,0 1 1-15,5 4 0 16,0-8 0-16,1 3 0 16,-7 1 1-16,12 5-1 0,-6-10 0 15,5-1 0-15,1-3 0 16,4 9-1-16,6 0 1 0,1-1-1 16,-1 6 1-16,-1-5 0 15,-3 17 0-15,-2 2 0 16,-4 0 1-16,-1-1-1 15,1-3 0-15,-6 3 0 16,-5 5 0-16,-6 1 0 16,1 3 0-16,-6 6-1 0,1-5 1 15,-12 10 0-15,1 4 0 16,-11-5 0-16,0 6 1 16,0-6-1-16,-5 10 0 31,-11-1 0-31,1 1 1 0,-2 9-1 15,1 1 1-15,-5 8-1 16,-16-4 0-16,11 0-1 16,-6 5 1-16,-5 5 0 15,-1-6 0-15,7 1 0 16,15-5 0-16,-5 10 0 16,-11-10 0-16,6 0 0 0,5 0 0 15,0-10 0-15,0 1 0 16,-6-1 0-16,0 1 0 15,11-1 0-15,-10 6 0 0,-6-1 0 16,0-4 1-16,0-1-1 16,-5 6 0-16,-4-1 0 31,3 5 1-31,12 0-1 16,-11-10 0-16,5 10 0 15,0 0 0-15,0-4 0 16,0-1 1-16,1 0-1 0,-1 5 1 15,5-9-1-15,6-6 0 16,-5 6 1-16,0-14 0 16,-6 13-1-16,-6-4 0 0,-3 9 0 15,-13 20 0-15,17 4-4 16,11 4 1-16,15-4-15 16,38 4 1-16,10-13-3 15,16-24 0-15</inkml:trace>
   </inkml:traceGroup>
 </inkml:ink>
 </file>
@@ -1076,53 +1086,13 @@
         </emma:interpretation>
       </emma:emma>
     </inkml:annotationXML>
-    <inkml:trace contextRef="#ctx0" brushRef="#br0">1997 5211 30 0,'-6'-26'15'0,"6"21"-15"32,0 0 15-32,0 5-16 15,0 0 0-15,0 0-1 0,0 5 0 16,0 5 3-16,0 1 1 16,0 5 0-16,6-1 0 15,0 6 1-15,6 0 1 16,6 5 0-16,5-5 0 15,1 16-1-15,-1 5 0 0,-5 5-2 16,-6 0 0-16,-1 6-1 16,1-17 1-16,-12 11 1 15,-6-5 0-15,0 0 1 16,-11 0 0-16,-7-5 0 16,1-1 1-16,-13 1-1 15,1-5 0-15,-12-6-1 0,0-11 0 16,0-4-2-16,-6-1 1 15,0-4-1-15,-1 4 1 0,1 1-1 16,6-6 1-16,0-5-1 16,-6 5 1-16,0 5-1 15,6-4 0-15,-6-1 0 32,-6 0 1-32,6 0-1 15,6 1 0-15,6 4-1 16,-6 1 1-16,5 4 0 0,1 1 0 15,0 5-1-15,5 0 1 16,1 0 0-16,0-5 0 16,5 5 1-16,1-1 0 15,-1-4-1-15,7 0 0 0,-1 5 1 16,1 0 0-16,-1 15-2 16,1 6 1-16,5 6 0 15,0-7 0-15,6 1-1 16,1 16 1-16,-1-6 0 15,0 6 0-15,0 10 0 16,0-10 1 0,1 10-1-16,-1 5 1 15,0-5-1-15,0-5 1 16,-5 21-1-16,5-1 1 0,0 1-1 16,0 5 0-16,1 6 0 15,-1-6 0-15,0-6 0 16,0 12 1-16,0-1-1 15,7 0 0-15,-7 6 0 16,6-6 0-16,-6-5 0 16,6 0 0-16,6 0 0 0,0-10 0 15,-6 4 0-15,6-9 0 16,0-11 0-16,0-11 0 16,12 16-1-16,0-16 1 15,0 6 0-15,-1-11 0 0,7 6 0 16,0-6 0-16,-1 0 0 15,1 0 0-15,0-5 0 16,-6-6 0-16,-1-4 0 16,1-6 0-16,0 0 0 15,0 0 1-15,-1 6-1 32,7-6 0-32,0 11 0 0,5 5 1 15,1-11-1-15,5 0 0 16,1 1-1-16,-1-6 1 0,1-5-1 15,5 0 1-15,1-5-1 16,-1-1 1-16,0 1 0 16,1 0 0-16,11-6 0 15,0 6 0-15,0-6 0 16,6 1 0-16,-12-6-1 16,-11-5 0-16,-1 0 1 0,-5 0 0 15,-1-5 0-15,1-11 0 16,-6 1 0-16,-1-6 1 15,1-11-1-15,-6-4 1 16,-1-1-1 0,-5-5 1-16,0 0-1 15,0 0 0-15,-6-10 0 16,6-1 1-16,-6 1-1 16,6 5 0-16,0-11 0 15,0 6 0-15,5 0 0 16,1 4 0-16,0 1-1 15,0-5 1-15,0 21 0 0,-7-1 0 16,1 1 0-16,0 4 0 16,6 1-1-16,0 5 1 0,6 0-1 15,5 6 1-15,1 4 0 16,5 6 0-16,6 0-1 16,7 5 1-16,5 0 0 15,0 0 0-15,6 0-1 16,6 5 1-16,12 0 0 15,-7-5 0-15,7 5-1 16,0-5 1-16,0 6 0 0,-1-1 0 16,1 0 0-16,6 0 1 15,-1 1-1-15,1-1 1 32,5 5-1-32,1-4 1 0,5-1-1 15,-5-5 1-15,-7 5-1 16,1-5 1-16,-1 5-1 15,1 1 0-15,5-1 0 16,1 0 0-16,-1 0 0 16,13 0 0-16,5 6 0 15,-6-11 0-15,0 0 0 0,6-5 0 0,7-6 0 16,10 1 0-16,1 5 0 16,6-1 0-16,6 1 0 15,-7 5 0-15,7 0 0 16,5-5 0-16,7 10 0 15,-13 6 0-15,13-1 0 32,-7 6 1-32,-5 5-1 15,0 5 0-15,5 0 0 0,1 5 1 16,-1 1-1-16,1-6 1 16,-13-10-1-16,-17-1 0 15,0-4 0-15,-5-1 1 16,5-4-1-16,6 4 0 15,5-5 0-15,-11 1 0 0,6-1 0 16,6 0 0-16,-6-5 0 16,0 0 0-16,0-5 0 15,12-6 0-15,-6-10 0 16,-1 0 1-16,7-5-1 16,0-5 0-16,-6-1 0 15,0 6 0-15,17 5 0 0,-5-5 0 16,-1 0 0-16,1 5 0 15,0-10 0-15,-7 4 1 16,7 1-1-16,0 5 1 0,-1 0-1 16,-5 0 0-16,-6 0 0 15,0 6 1-15,-6 9-1 32,-1-9 0-32,-4 10 0 15,-1 5 1-15,0 0-1 16,0 5 0-16,-6 0 0 0,-6 5 0 15,6 1 0-15,0 5 1 16,-11-6-1-16,-7-5 0 16,1 1 0-16,-1-12 1 15,1 1-1-15,-1-5 0 0,1 4 0 16,-1-4 1-16,-5 5-1 16,5 5 0-16,7 0 0 15,-7-6 0-15,-5-4 0 16,-7 10 0-16,7-5 0 15,0 0 0-15,-1 10 0 16,1-10 0 0,-1 10-1-16,1-5 1 15,0 0 0-15,-13 5 0 16,7-10 0-16,0 0 0 0,-1-1-1 16,-5-4 1-16,0-1 0 15,0 11 0-15,0 0 0 16,-6 6 0-16,0-1-1 15,-1 5 0-15,1-4 0 16,6-1 1-16,-12 0-1 0,0 5 1 16,0-4 0-16,-6 4 0 15,1-5 0-15,-1 1 0 16,0 4-1-16,0 1 1 16,0-6-1-1,-6 0 1-15,1 0 0 0,-1 1 0 0,6-6-1 31,6 0 1-31,0 0 0 16,6 0 1-16,6 0-1 16,-6 0 0-16,-6 5 0 15,0-5 0-15,0 5 0 16,0 0 0-16,0-5 0 16,6 5 0-16,0-5 0 0,0 6 0 15,23-6-1 1,0 0 1-16,-5-6 0 15,0 1 0-15,-1-5-1 16,-5 5 1-16,-12-6 0 16,-6 1 1-16,-6-1-1 15,0-10 0-15,0 0 0 16,-5 0 1-16,-1 0-1 0,0-5 0 16,-6 5-1-16,1-5 1 15,-13 5 1-15,1-10 0 16,-1 4 0-16,1 1 0 15,-6-5-1-15,-1-6 1 16,-5 1 0 0,-6-1 0-16,-6 0-1 15,0-5 0-15,0-5 0 16,0 5 0-16,0 6 0 16,-6-1 1-16,0 6-1 15,0-6 1-15,0 11-1 16,-5-6 1-16,-7 1 0 15,-6-11 0-15,-5 0 0 0,0 0 0 16,5 5 1-16,0 6 0 16,-5 5-1-16,-12 0 1 0,-18-6-1 15,-18 1 0-15,-11-1-1 16,5 1 1-16,-5-6-1 16,-12 6 0-16,6 5 0 31,11 0 1-31,1-1-1 15,-7 6 1-15,1 0 0 0,-6 6 0 16,-1 4-1-16,7 1 0 16,0 5 0-16,-13-1 0 15,7 1 0-15,12-5 0 16,5-1 0-16,-5 6 0 16,-1-6 0-16,-5 1 1 0,-1-1-1 15,-5 11 0-15,0 0 0 16,-6 0 1-16,-6 0-1 15,5 11 0-15,-5-6 0 16,-6 0 0-16,-5 1 0 16,5-1 0-16,6 0 0 15,-6 0 0-15,0 6-1 0,6-1 1 16,0 6-1-16,-12 0 1 16,-6 5-1-16,-6 5 1 0,13-5 0 15,-7 5 0-15,12-5-1 16,12 0 1-16,-6-5 0 15,0-1 0-15,0 1 0 32,-12-5 0-32,18-6 0 15,-6 0 0-15,-12 0 0 0,6 6 0 16,-6-6 0-16,-6 0 1 16,-5-5-1-16,5 0 0 15,18-5 0-15,-12 0 0 16,6-6 0-16,0 1 0 15,-6-1 0-15,-23-4 0 0,5 4 0 16,18 1 0-16,1-1 0 16,-1-5 0-16,12-10 0 15,6-5 0-15,-6 5 0 16,-12-11 0-16,12-5-1 16,5-5 1-16,7 5 0 15,12 0 0 1,5 0 0-16,6 6 1 15,7-12-1-15,-1-4 0 16,-6 0 0-16,18-11 0 0,0 0-1 16,6-5 1-16,6-5 0 15,-1 5 0-15,7 15-1 16,0 1 1-16,5 5 0 16,-5 0 0-16,5-1 0 15,-5 1 0-15,0 0 0 0,-1 5 1 16,-5 0-1-16,0-5 0 15,0 11 0-15,-6-6 0 16,5 5 0-16,1 0 0 16,-6 1 0-16,-18-6 0 15,6 0 0-15,0 5 0 0,-6-5 0 16,1 6 0-16,-7-1 0 16,-6 6 1-16,-5 4-1 15,-1 1 1-15,13 5-1 16,-1 6 0-16,-6-1 0 15,-5-5 0-15,5 0 0 32,1 0 0-32,-7 5 0 0,1 1 0 15,-7 4 0-15,-5 6 0 16,6 0 0-16,5-1 0 0,1 1 0 16,-7 0 0-16,1-11 0 15,11 1 0-15,1-1 0 16,-7 5 0-16,1-4 0 15,-6 4 0-15,-7 1 0 16,7 4 0-16,5 1 0 16,-11 5 0-16,0 0 0 0,0 0 0 15,-7 0 0-15,1 0 0 16,-12-5 0-16,0 5 1 16,12 5-1-16,-6 6 0 15,-6 4 0 1,-6-4 0-16,1 5-1 15,-7-1 1-15,0 1 0 16,0 0 0-16,12-6 0 16,0 1 1-16,1-6-1 15,4-5 0-15,1 0 0 16,0-5 0-16,-6 5-3 16,6 0 1-16,6 5-8 0,18 5 1 15,29 6-10-15,-6-5 0 16</inkml:trace>
-    <inkml:trace contextRef="#ctx0" brushRef="#br0" timeOffset="4744.6931">2274 10726 30 0,'-23'-10'15'0,"23"-1"-16"0,5-5 16 16,-5-4-16-16,6-12 1 15,-6-10 1-15,0 0 0 16,-6 0 1-16,1-10 0 0,-1 5 1 31,-6-5 1-31,6-6 0 16,0 6 1-16,0-6-1 15,6 0 0-15,12-5-2 16,6 1 1 0,23-33-1-1,6 12 1-15,6-1-2 0,6 21 1 16,12 5-1-16,5 16 1 0,7 1 0 16,11 4 0-16,18-5-1 15,-12 5 0-15,18 1 0 16,6-1 1-16,5 6-1 15,-5 4 0-15,6 12-1 16,5-1 1-16,-23 5-1 16,6 1 1-16,6 5-1 0,-1 5 0 15,1 0 0-15,-6 0 1 16,17 0-1-16,-17 0 1 16,-6-5-1-16,0 5 0 15,0 0 0-15,0 5 0 16,-6 5 0-16,-6 6 1 0,-11 0-1 31,-1-1 0-31,0 1 0 16,1 5 0-16,-7-5 0 15,-5-1 0-15,-1 1 0 16,1 5 0-16,0 5 0 16,-1 1 0-16,-5-1 0 15,-12 5 0-15,-6 1 0 0,-6-1 0 16,-6 0 0-16,-5-4 0 0,-1 9 0 15,-6-4 1-15,7-1-1 16,-7 0 0-16,1 1 0 16,-13-1 0-16,7 6 0 15,-12-11 0-15,-6 6 0 16,-12-11 0-16,0 5 0 16,0 5 0-1,-6 1 0-15,0-1 1 16,1 6-1-16,-1-1 0 15,0 6 0-15,6-5 0 16,0-6-1-16,0 6 1 16,0 0-1-16,6-6 1 0,0 0 0 15,0-4 0-15,0 4 0 16,6 1 0-16,0 4 0 16,0-10 0-16,6 6 0 15,6-1 0-15,-7-5 0 16,1 1 0-16,6 4 0 15,-6-5 1-15,5 0-1 0,7 1 0 16,-1-1 0-16,7-5 0 16,5 5 0-16,-5 0 1 0,5-5-2 15,0-5 1-15,12 5 0 16,18 0 0-16,0 0 0 16,12 5 0-16,5-11 0 15,-5 1 0-15,23-5 0 16,-6-1 0-16,12-5 0 31,18 1 1-31,23-6-1 0,1 0 0 16,17-6 0-16,0-4 0 15,17-1 0-15,13 1 0 16,17-6 0-16,-12 11 0 16,12-11 0-16,6 6 1 0,6-1-1 15,-24 1 0-15,12 5 0 16,12-1 0-16,-17 6 0 15,-7 0 0-15,-6 6 0 16,7 4 0-16,-13-5-1 16,-11-5 1-16,6 11-1 15,-13-1 1-15,13 1 0 0,-6-6 0 16,-18 5 0-16,-6 1 0 31,-6-6 0-31,-11 0 1 0,-12 1-1 16,-1-1 1-16,1 0-1 15,0 0 1-15,-12 1-1 16,-6 4 0-16,6 1 0 16,0 4 1-16,-18 1-1 15,0 5 0-15,0 10 0 16,7-4 1-16,5-1-1 0,0 5 0 16,-6-5 0-16,-12 0 1 15,1-5-1-15,-1-5 1 16,-6 5-1-16,-5 0 1 15,0-5-1-15,5 5 0 0,7-6 0 16,-1 6 0-16,6 0 0 16,-11 11 0-16,-1-6 0 15,-17 0 0-15,-6-10 0 16,-6 5 0-16,0-6 0 16,-12 1 1-16,-6-5-1 15,1-1 1-15,-7 1-1 0,1-1 1 16,-7 6-1-16,1-6 1 31,-1 6-1-31,-5 5 0 0,-6 5 0 16,0 6 1-16,-1-1-1 15,1 0 0-15,0 1 0 16,0-1 0-16,0-5 0 16,-1 1 0-16,13 4 0 15,-12-5 1-15,0 0-1 16,5 1 0-16,-5 4-1 0,0-5 1 15,-6 16 0-15,-6 0 0 16,0 0-1-16,-6 5 1 16,-6 0 0-16,-6 6 0 15,-11-1 0-15,-18 6 0 0,-6-1 0 16,-12 6 0-16,-12-5 0 31,-23 10 0-31,-24 0 0 16,-5 0 1-16,-18 0 0 15,-13 5 0-15,-16-5 0 16,-1 6 1-16,-12-1-2 16,1 0 0-16,-24 6 0 0,-6-6 1 15,6 0 0-15,5-15 0 16,-22-6-1-16,-1-4 1 0,12-1 1 16,-6-11 0-16,-6-4-1 15,0-1 1-15,1-5-2 16,-1 1 1-16,-12-6-1 15,7-11 0-15,11-5-1 16,0-10 1-16,0-11-2 16,-12-15 1-1,7-6 0-15,22-5 1 16,19-10-1-16,-7 0 0 16,13-1 1-16,5 6 0 15,6-5 1-15,12-1 1 16,12-15-1-16,-1 5 0 0,1 1-1 15,12-1 1-15,11 0-1 16,0 0 0-16,0 5 0 16,13 6 1-16,-1-6-1 15,-12 11 1-15,6-10 0 16,6-1 0-16,12 11-1 0,6 0 1 16,5 0-1-16,-5-6 0 15,0 11-1-15,-6-5 1 16,-1 5-1-16,-5 0 1 0,0 11 0 15,0 5 0-15,12 5 0 16,0-5 1-16,5 5-1 16,-11 5 1-16,6 6-2 15,6-1 1-15,-1-5 0 16,-5 1 0-16,0-6 0 31,-7 0 0-31,13 0 0 0,12 0 0 16,-7 0 0-16,-5 0 0 15,-1-5 0-15,13 0 0 16,5-1-1-16,-6 1 1 16,1 0-1-16,-1 16 1 0,1-1 0 15,-1 1 0-15,6 4 0 16,6-4 0-16,1 5-1 16,11 5 1-16,-6-6 0 15,0 1 0-15,0-5 0 16,0-1 0-16,0 6 0 15,-6 5 0-15,0 5-1 0,-5 1 1 16,-7-1-1-16,1 0 1 16,5 0-1-1,0 0 1-15,18 6 0 16,0-1 0-16,0-4 0 16,0-1 0-16,-6 0 0 15,-6 0 1-15,6 1-2 16,6-1 1-16,0 0 0 15,-6 0 0-15,6 1 0 16,-5-6 0-16,-1 0 0 0,-6 0 0 16,6 0 0-16,0 0 0 15,6 0 0-15,6 10 0 16,0-5 0-16,0 6 0 16,-12-1-1-16,0 1 1 15,0-1 0-15,0 6 0 0,0 0 0 16,-6-1 0-16,0 6-1 15,1 0 1-15,-7 0 0 16,12-5 0-16,6 0-1 16,6-1 1-16,5 6-1 15,7 5 0-15,6 6 0 16,5-1 0-16,6 1-1 0,1-1 1 31,5 1 0-31,6-1 0 0,0 0 0 16,6 6 1-16,0-6-1 15,0 11 1-15,6 5 0 16,-6 1 0-16,0-17 0 16,0 6 0-16,0-1 0 15,0 1 0-15,0 5 0 16,0 0 1-16,-6 0-1 0,0 0 0 16,0-6 0-16,1-4 0 15,-7-1 0-15,0-5 1 16,0 16-1-16,0-10 0 15,-5-1 0-15,-1-5 1 16,-6 0-1-16,1-5 1 0,-1 0-1 31,1-5 1-31,-7 0 0 16,-5-6 0-16,-6 1 0 16,-1-6 0-16,1 0 0 15,0-5 0-15,-6 5-1 16,6-5 0-16,-7 6 0 15,1-6 0-15,0 5 0 0,-6-5 0 16,0 0 0-16,6 0 0 16,0 0 0-16,-6-11 0 0,-6-4 0 15,0 4 0-15,0-5 0 16,6-10 1-16,6 0-1 16,6 0 0-16,-6-11-1 15,11-10 1-15,-5-10 0 16,0-6 0-16,-1-16-1 0,1 1 1 15,6 4 0-15,0 1 1 16,5 0-1-16,7-1 0 16,5 1 0-16,6 5 1 15,12-5-1-15,0-6 0 16,12 0-1-16,6 11 0 16,-1-5 1-1,7 0 0-15,5-6 0 16,-5 11 1-16,5 5-1 15,12-5 0-15,1-5 1 16,-1 5 0-16,0 5-2 16,12 0 1-16,-6 5 0 15,-5 1 0-15,-1 4 0 0,-6 1 1 16,48-11-1 0,5 0 1-16,0 1 0 15,-5-1 0-15,-1 0 0 16,1 11 0-16,-7-6 0 15,7 0 0-15,-6 6 0 16,-7-11 0-16,7 11-1 16,11 5 1-1,7 5-1-15,5-5 1 16,6 10-1-16,6 5 0 16,6 12-7-16,-12 14 0 15,23 22-12-15,-11 0 1 16</inkml:trace>
+    <inkml:trace contextRef="#ctx0" brushRef="#br0">1793 5208 30 0,'-5'-24'15'0,"5"20"-15"32,0-1 15-32,0 5-16 15,0 0 0-15,0 0-1 0,0 5 0 16,0 4 3-16,0 1 1 16,0 4 0-16,5 0 0 15,0 5 1-15,6-1 1 16,5 6 0-16,5-5 0 15,1 14-1-15,-2 5 0 0,-3 4-2 16,-7 0 0-16,0 6-1 16,1-15 1-16,-11 9 1 15,-5-4 0-15,-1 0 1 16,-9-1 0-16,-7-3 0 16,2-2 1-16,-13 1-1 15,2-4 0-15,-11-5-1 0,-1-11 0 16,1-3-2-16,-6-1 1 15,0-4-1-15,0 4 1 0,0 1-1 16,6-5 1-16,0-5-1 16,-6 4 1-16,0 5-1 15,6-3 0-15,-6-2 0 32,-5 1 1-32,5-1-1 15,6 2 0-15,5 3-1 16,-5 1 1-16,4 3 0 0,1 1 0 15,0 5-1-15,5 0 1 16,0 0 0-16,1-4 0 16,4 3 1-16,1 0 0 15,-1-3-1-15,6-1 0 0,-1 5 1 16,2 0 0-16,-2 13-2 16,1 6 1-16,5 5 0 15,0-6 0-15,5 1-1 16,1 14 1-16,-1-5 0 15,1 5 0-15,-1 10 0 16,0-10 1 0,1 9-1-16,-1 5 1 15,0-5-1-15,1-4 1 16,-6 18-1-16,6 0 1 0,-1 1-1 16,0 4 0-16,1 5 0 15,-1-5 0-15,0-5 0 16,1 11 1-16,-1-2-1 15,6 1 0-15,-6 5 0 16,6-5 0-16,-6-5 0 16,6 0 0-16,5 0 0 0,0-9 0 15,-6 4 0-15,6-9 0 16,0-9 0-16,0-10 0 16,11 14-1-16,0-14 1 15,0 5 0-15,-1-9 0 0,6 4 0 16,0-4 0-16,0-1 0 15,0 0 0-15,0-4 0 16,-5-6 0-16,-1-3 0 16,0-5 0-16,1-1 0 15,0 0 1-15,-1 6-1 32,6-5 0-32,0 9 0 0,5 5 1 15,1-10-1-15,4 0 0 16,1 0-1-16,-1-4 1 0,1-5-1 15,4 0 1-15,2-5-1 16,-2-1 1-16,1 2 0 16,0-1 0-16,11-5 0 15,-1 6 0-15,0-6 0 16,6 1 0-16,-11-6-1 16,-10-4 0-16,-1 0 1 0,-5 0 0 15,0-4 0-15,1-11 0 16,-6 2 0-16,-1-6 1 15,1-10-1-15,-5-3 1 16,-1-2-1 0,-4-4 1-16,-1 1-1 15,0-1 0-15,-5-9 0 16,6-1 1-16,-6 1-1 16,5 5 0-16,1-10 0 15,-1 5 0-15,5 0 0 16,1 4 0-16,0 1-1 15,-1-5 1-15,1 19 0 0,-6-1 0 16,0 1 0-16,0 4 0 16,6 1-1-16,0 4 1 0,5 0-1 15,5 5 1-15,1 4 0 16,4 6 0-16,5-1-1 16,7 5 1-16,4 0 0 15,1 0 0-15,4 0-1 16,6 5 1-16,11-1 0 15,-6-4 0-15,6 5-1 16,0-5 1-16,0 5 0 0,-1 0 0 16,1-1 0-16,5 1 1 15,-1 0-1-15,2 0 1 32,3 4-1-32,2-4 1 0,4 0-1 15,-4-5 1-15,-6 4-1 16,0-4 1-16,-1 5-1 15,2 0 0-15,3 0 0 16,2-1 0-16,-1 1 0 16,11-1 0-16,5 6 0 15,-5-10 0-15,0 0 0 0,5-5 0 0,6-4 0 16,9 0 0-16,2 4 0 16,4 0 0-16,6 0 0 15,-6 5 0-15,6 0 0 16,5-4 0-16,5 8 0 15,-10 6 0-15,10-1 0 32,-5 5 1-32,-5 5-1 15,0 5 0-15,4-1 0 0,2 5 1 16,-2 1-1-16,2-6 1 16,-12-8-1-16,-16-2 0 15,0-3 0-15,-4-1 1 16,5-3-1-16,5 3 0 15,4-5 0-15,-10 1 0 0,6 0 0 16,5-1 0-16,-5-4 0 16,0 0 0-16,0-4 0 15,10-6 0-15,-4-9 0 16,-2 0 1-16,7-4-1 16,-1-5 0-16,-5-1 0 15,1 6 0-15,14 4 0 0,-4-5 0 16,-1 1 0-16,1 4 0 15,0-9 0-15,-6 4 1 16,6 0-1-16,0 6 1 0,-1-1-1 16,-4 0 0-16,-6 0 0 15,0 5 1-15,-5 9-1 32,-1-9 0-32,-4 10 0 15,0 4 1-15,-1 0-1 16,1 4 0-16,-6 1 0 0,-6 4 0 15,6 1 0-15,0 4 1 16,-9-5-1-16,-8-4 0 16,2 0 0-16,-1-10 1 15,1 0-1-15,-2-4 0 0,2 4 0 16,-1-4 1-16,-5 4-1 16,5 5 0-16,6 0 0 15,-6-5 0-15,-5-4 0 16,-6 9 0-16,7-5 0 15,-1 1 0-15,-1 8 0 16,2-8 0 0,-2 8-1-16,1-4 1 15,1 0 0-15,-13 5 0 16,7-10 0-16,0 1 0 0,-1-1-1 16,-4-4 1-16,-1-1 0 15,1 10 0-15,-1 0 0 16,-5 5 0-16,1 0-1 15,-2 4 0-15,1-4 0 16,5-1 1-16,-10 1-1 0,0 4 1 16,-1-4 0-16,-4 4 0 15,0-4 0-15,-1 0 0 16,1 4-1-16,-1 1 1 16,0-5-1-1,-5-1 1-15,1 1 0 0,-1 0 0 0,5-5-1 31,6 0 1-31,0 0 0 16,5 0 1-16,5 0-1 16,-5 0 0-16,-5 5 0 15,0-5 0-15,-1 4 0 16,1 1 0-16,0-5 0 16,5 4 0-16,0-4 0 0,0 5 0 15,21-5-1 1,0 0 1-16,-5-5 0 15,1 1 0-15,-2-5-1 16,-4 4 1-16,-11-5 0 16,-5 1 1-16,-6-1-1 15,0-9 0-15,1 0 0 16,-6 1 1-16,0-1-1 0,0-5 0 16,-5 5-1-16,0-4 1 15,-11 4 1-15,0-9 0 16,0 4 0-16,1 0 0 15,-6-4-1-15,-1-5 1 16,-4 1 0 0,-6-2 0-16,-5 1-1 15,0-5 0-15,0-4 0 16,0 4 0-16,0 6 0 16,-5-2 1-16,0 7-1 15,-1-7 1-15,1 11-1 16,-5-6 1-16,-6 1 0 15,-6-10 0-15,-4 1 0 0,0-1 0 16,4 4 1-16,1 7 0 16,-5 3-1-16,-11 1 1 0,-16-6-1 15,-17 1 0-15,-9-1-1 16,4 1 1-16,-4-5-1 16,-11 5 0-16,5 5 0 31,11-1 1-31,0 0-1 15,-6 5 1-15,1 0 0 0,-6 6 0 16,-1 3-1-16,7 1 0 16,0 4 0-16,-12 0 0 15,6 0 0-15,12-4 0 16,3-1 0-16,-3 6 0 16,-2-6 0-16,-4 1 1 0,-2-1-1 15,-3 10 0-15,-1 0 0 16,-5 0 1-16,-5 0-1 15,4 10 0-15,-5-6 0 16,-4 1 0-16,-6 0 0 16,6 0 0-16,4-1 0 15,-5 1 0-15,0 5-1 0,6-1 1 16,0 5-1-16,-12 1 1 16,-4 4-1-16,-6 4 1 0,11-4 0 15,-5 4 0-15,10-4-1 16,11 0 1-16,-6-5 0 15,1 0 0-15,0 0 0 32,-12-4 0-32,17-5 0 15,-5-1 0-15,-11 1 0 0,5 5 0 16,-5-6 0-16,-6 1 1 16,-4-5-1-16,4 0 0 15,17-5 0-15,-11 1 0 16,5-6 0-16,0 1 0 15,-5-1 0-15,-21-4 0 0,4 4 0 16,17 1 0-16,1 0 0 16,-1-6 0-16,10-8 0 15,6-5 0-15,-5 4 0 16,-11-9 0-16,10-5-1 16,5-4 1-16,7 4 0 15,10 0 0 1,4 1 0-16,7 4 1 15,5-10-1-15,-1-4 0 16,-4 0 0-16,15-9 0 0,0-1-1 16,6-4 1-16,5-5 0 15,-1 5 0-15,7 13-1 16,-1 1 1-16,5 5 0 16,-4 0 0-16,4-2 0 15,-5 2 0-15,1 0 0 0,-2 4 1 16,-4 0-1-16,0-4 0 15,0 9 0-15,-5-4 0 16,4 3 0-16,1 1 0 16,-5 1 0-16,-16-6 0 15,4 0 0-15,1 5 0 0,-5-5 0 16,0 5 0-16,-6 0 0 16,-5 5 1-16,-5 4-1 15,-1 0 1-15,12 6-1 16,0 4 0-16,-7 0 0 15,-4-5 0-15,5 0 0 32,1 0 0-32,-7 5 0 0,1 0 0 15,-6 4 0-15,-5 6 0 16,6-1 0-16,4 0 0 0,2 0 0 16,-7 1 0-16,0-11 0 15,11 2 0-15,1-2 0 16,-7 6 0-16,1-5 0 15,-5 4 0-15,-7 1 0 16,7 4 0-16,4 0 0 16,-9 5 0-16,-1 0 0 0,0 0 0 15,-5 0 0-15,0 0 0 16,-11-4 0-16,0 4 1 16,11 4-1-16,-6 6 0 15,-4 4 0 1,-7-4 0-16,2 4-1 15,-7-1 1-15,1 2 0 16,-1-1 0-16,11-5 0 16,1 1 1-16,0-5-1 15,3-5 0-15,2 0 0 16,-1-5 0-16,-4 5-3 16,4 0 1-16,6 5-8 0,16 4 1 15,27 5-10-15,-6-4 0 16</inkml:trace>
+    <inkml:trace contextRef="#ctx0" brushRef="#br0" timeOffset="4744.6931">2042 10173 30 0,'-20'-9'15'0,"20"-1"-16"0,4-5 16 16,-4-3-16-16,6-11 1 15,-6-8 1-15,0-1 0 16,-6 0 1-16,2-9 0 0,-2 5 1 31,-5-5 1-31,6-5 0 16,0 5 1-16,-1-5-1 15,6 0 0-15,11-5-2 16,5 1 1 0,21-29-1-1,5 10 1-15,6-1-2 0,5 19 1 16,11 5-1-16,5 14 1 0,5 2 0 16,11 2 0-16,16-4-1 15,-11 5 0-15,16 1 0 16,6-2 1-16,4 6-1 15,-5 4 0-15,6 11-1 16,5-2 1-16,-21 5-1 16,5 1 1-16,6 5-1 0,-2 4 0 15,2 0 0-15,-6 0 1 16,16 0-1-16,-16 0 1 16,-5-5-1-16,0 5 0 15,-1 0 0-15,1 5 0 16,-5 4 0-16,-6 5 1 0,-10 1-1 31,-1-2 0-31,0 2 0 16,1 3 0-16,-6-3 0 15,-4-2 0-15,-2 2 0 16,1 4 0-16,1 4 0 16,-2 1 0-16,-4 0 0 15,-11 4 0-15,-5 1 0 0,-6-2 0 16,-5 1 0-16,-5-3 0 0,0 7 0 15,-6-3 1-15,6-1-1 16,-6 0 0-16,1 1 0 16,-11-2 0-16,5 7 0 15,-10-11 0-15,-5 6 0 16,-12-10 0-16,1 4 0 16,-1 5 0-1,-4 1 0-15,-1-1 1 16,1 5-1-16,-1 0 0 15,0 4 0-15,6-3 0 16,-1-6-1-16,1 5 1 16,0 0-1-16,5-5 1 0,0 0 0 15,0-4 0-15,0 4 0 16,5 1 0-16,0 3 0 16,1-8 0-16,5 5 0 15,5-1 0-15,-6-5 0 16,1 1 0-16,5 4 0 15,-5-4 1-15,4-1-1 0,7 1 0 16,-2 0 0-16,7-5 0 16,5 4 0-16,-5 0 1 0,4-4-2 15,1-4 1-15,10 4 0 16,17 0 0-16,-1-1 0 16,11 6 0-16,5-11 0 15,-4 2 0-15,20-5 0 16,-6-1 0-16,12-5 0 31,15 2 1-31,22-6-1 0,0 0 0 16,15-6 0-16,1-3 0 15,15-1 0-15,11 1 0 16,16-5 0-16,-11 9 0 16,11-9 0-16,5 5 1 0,6-1-1 15,-22 1 0-15,11 5 0 16,10-2 0-16,-14 6 0 15,-7 0 0-15,-6 6 0 16,7 3 0-16,-11-5-1 16,-11-4 1-16,6 10-1 15,-12-1 1-15,11 1 0 0,-4-6 0 16,-17 5 0-16,-5 1 0 31,-6-5 0-31,-10-1 1 0,-10 2-1 16,-1-2 1-16,0 1-1 15,1-1 1-15,-11 2-1 16,-6 3 0-16,6 1 0 16,0 3 1-16,-16 1-1 15,-1 5 0-15,1 9 0 16,6-3 1-16,4-2-1 0,1 5 0 16,-6-5 0-16,-11 1 1 15,1-5-1-15,-1-5 1 16,-5 5-1-16,-5 0 1 15,1-5-1-15,3 5 0 0,7-5 0 16,0 4 0-16,4 1 0 16,-9 10 0-16,-1-5 0 15,-16-1 0-15,-5-9 0 16,-5 5 0-16,0-5 0 16,-11 0 1-16,-6-4-1 15,2-1 1-15,-7 1-1 0,1-1 1 16,-6 5-1-16,0-5 1 31,0 6-1-31,-5 4 0 0,-5 4 0 16,0 6 1-16,-1-1-1 15,0 0 0-15,1 1 0 16,0-1 0-16,0-5 0 16,-1 1 0-16,11 4 0 15,-10-4 1-15,0-1-1 16,4 1 0-16,-4 4-1 0,0-4 1 15,-6 13 0-15,-5 1 0 16,0 0-1-16,-5 4 1 16,-6 1 0-16,-5 4 0 15,-10 0 0-15,-17 5 0 0,-4 0 0 16,-12 4 0-16,-10-3 0 31,-21 8 0-31,-22 0 0 16,-4 0 1-16,-16 0 0 15,-12 5 0-15,-15-5 0 16,0 6 1-16,-11-1-2 16,1-1 0-16,-22 7 0 0,-6-7 1 15,7 1 0-15,3-14 0 16,-19-5-1-16,-1-4 1 0,11 0 1 16,-6-11 0-16,-5-3-1 15,0-1 1-15,1-5-2 16,-1 1 1-16,-11-5-1 15,6-10 0-15,11-4-1 16,-1-10 1-16,1-9-2 16,-12-14 1-1,7-5 0-15,20-5 1 16,16-9-1-16,-5 0 0 16,11 0 1-16,5 4 0 15,5-4 1-15,11 0 1 16,10-15-1-16,0 6 0 0,1 0-1 15,10-1 1-15,11 1-1 16,-1-1 0-16,0 5 0 16,12 5 1-16,0-5-1 15,-12 9 1-15,6-8 0 16,5-1 0-16,11 9-1 0,5 1 1 16,5 0-1-16,-5-6 0 15,1 10-1-15,-6-4 1 16,-1 4-1-16,-4 0 1 0,-1 10 0 15,1 5 0-15,10 4 0 16,0-4 1-16,5 4-1 16,-10 4 1-16,6 6-2 15,4-1 1-15,0-4 0 16,-4 1 0-16,-1-6 0 31,-6 0 0-31,12 0 0 0,11 0 0 16,-7 0 0-16,-4 0 0 15,-2-4 0-15,13-1 0 16,4 0-1-16,-5 1 1 16,0-1-1-16,0 15 1 0,1-1 0 15,-2 1 0-15,6 4 0 16,6-4 0-16,0 4-1 16,11 5 1-16,-6-5 0 15,-1 1 0-15,1-5 0 16,0-1 0-16,0 5 0 15,-5 5 0-15,-1 5-1 0,-4 0 1 16,-6 0-1-16,0-1 1 16,5 1-1-1,0-1 1-15,17 6 0 16,-1-1 0-16,0-4 0 16,1 0 0-16,-7-1 0 15,-4 1 1-15,5 0-2 16,5 0 1-16,0-1 0 15,-5 1 0-15,6 0 0 16,-6-5 0-16,0 0 0 0,-5 0 0 16,5 0 0-16,0 0 0 15,5 0 0-15,6 9 0 16,-1-4 0-16,1 5 0 16,-11-1-1-16,0 0 1 15,0 0 0-15,-1 6 0 0,1-1 0 16,-5 0 0-16,-1 5-1 15,2 0 1-15,-7-1 0 16,11-3 0-16,5-1-1 16,6 0 1-16,4 5-1 15,6 4 0-15,6 6 0 16,5-1 0-16,4 1-1 0,2-1 1 31,4 0 0-31,6 0 0 0,0 0 0 16,5 5 1-16,0-5-1 15,0 10 1-15,5 4 0 16,-5 2 0-16,0-16 0 16,0 5 0-16,0-1 0 15,0 2 0-15,0 3 0 16,0 1 1-16,-5 0-1 0,-1 0 0 16,1-6 0-16,0-3 0 15,-6-1 0-15,1-5 1 16,-1 15-1-16,0-9 0 15,-4-1 0-15,-1-5 1 16,-6 1-1-16,1-5 1 0,0 0-1 31,0-5 1-31,-6 0 0 16,-5-5 0-16,-5 1 0 16,0-5 0-16,0-1 0 15,0-4 0-15,-5 5-1 16,5-5 0-16,-7 5 0 15,2-5 0-15,0 5 0 0,-6-5 0 16,0 0 0-16,6 0 0 16,0 0 0-16,-6-10 0 0,-5-4 0 15,0 4 0-15,0-4 0 16,5-9 1-16,6-1-1 16,5 1 0-16,-6-11-1 15,11-8 1-15,-5-9 0 16,0-6 0-16,-1-14-1 0,2 1 1 15,4 3 0-15,1 1 1 16,4 1-1-16,6-2 0 16,5 1 0-16,5 5 1 15,11-5-1-15,0-5 0 16,11 0-1-16,5 10 0 16,-1-5 1-1,7 1 0-15,4-7 0 16,-5 11 1-16,6 4-1 15,9-4 0-15,2-4 1 16,-1 3 0-16,0 6-2 16,11-1 1-16,-6 5 0 15,-4 0 0-15,-1 5 0 0,-6 0 1 16,44-10-1 0,4 0 1-16,0 2 0 15,-4-2 0-15,-1 0 0 16,1 10 0-16,-7-5 0 15,7 0 0-15,-6 5 0 16,-6-10 0-16,6 11-1 16,11 3 1-1,5 5-1-15,5-4 1 16,6 9-1-16,4 4 0 16,7 11-7-16,-12 13 0 15,21 19-12-15,-10 0 1 16</inkml:trace>
   </inkml:traceGroup>
 </inkml:ink>
 </file>
 
 <file path=ppt/ink/ink23.xml><?xml version="1.0" encoding="utf-8"?>
-<inkml:ink xmlns:inkml="http://www.w3.org/2003/InkML">
-  <inkml:definitions>
-    <inkml:context xml:id="ctx0">
-      <inkml:inkSource xml:id="inkSrc0">
-        <inkml:traceFormat>
-          <inkml:channel name="X" type="integer" max="9600" units="cm"/>
-          <inkml:channel name="Y" type="integer" max="7200" units="cm"/>
-          <inkml:channel name="F" type="integer" max="256" units="dev"/>
-          <inkml:channel name="T" type="integer" max="2.14748E9" units="dev"/>
-        </inkml:traceFormat>
-        <inkml:channelProperties>
-          <inkml:channelProperty channel="X" name="resolution" value="377.95276" units="1/cm"/>
-          <inkml:channelProperty channel="Y" name="resolution" value="425.28058" units="1/cm"/>
-          <inkml:channelProperty channel="F" name="resolution" value="0" units="1/dev"/>
-          <inkml:channelProperty channel="T" name="resolution" value="1" units="1/dev"/>
-        </inkml:channelProperties>
-      </inkml:inkSource>
-      <inkml:timestamp xml:id="ts0" timeString="2016-08-22T11:43:41.382"/>
-    </inkml:context>
-    <inkml:brush xml:id="br0">
-      <inkml:brushProperty name="width" value="0.05" units="cm"/>
-      <inkml:brushProperty name="height" value="0.05" units="cm"/>
-      <inkml:brushProperty name="color" value="#ED1C24"/>
-      <inkml:brushProperty name="fitToCurve" value="1"/>
-    </inkml:brush>
-  </inkml:definitions>
-  <inkml:traceGroup>
-    <inkml:annotationXML>
-      <emma:emma xmlns:emma="http://www.w3.org/2003/04/emma" version="1.0">
-        <emma:interpretation id="{5B6AA2BC-6F34-41D7-94DE-8F43DB265FE9}" emma:medium="tactile" emma:mode="ink">
-          <msink:context xmlns:msink="http://schemas.microsoft.com/ink/2010/main" type="inkDrawing" rotatedBoundingBox="9710,5157 9725,5192 9709,5200 9694,5165" shapeName="Other"/>
-        </emma:interpretation>
-      </emma:emma>
-    </inkml:annotationXML>
-    <inkml:trace contextRef="#ctx0" brushRef="#br0">-4073-3689 13 0,'-23'-21'6'0,"29"11"-20"0,0 4 12 15</inkml:trace>
-  </inkml:traceGroup>
-</inkml:ink>
-</file>
-
-<file path=ppt/ink/ink24.xml><?xml version="1.0" encoding="utf-8"?>
 <inkml:ink xmlns:inkml="http://www.w3.org/2003/InkML">
   <inkml:definitions>
     <inkml:context xml:id="ctx0">
@@ -1162,7 +1132,7 @@
 </inkml:ink>
 </file>
 
-<file path=ppt/ink/ink25.xml><?xml version="1.0" encoding="utf-8"?>
+<file path=ppt/ink/ink24.xml><?xml version="1.0" encoding="utf-8"?>
 <inkml:ink xmlns:inkml="http://www.w3.org/2003/InkML">
   <inkml:definitions>
     <inkml:context xml:id="ctx0">
@@ -1202,7 +1172,7 @@
 </inkml:ink>
 </file>
 
-<file path=ppt/ink/ink26.xml><?xml version="1.0" encoding="utf-8"?>
+<file path=ppt/ink/ink25.xml><?xml version="1.0" encoding="utf-8"?>
 <inkml:ink xmlns:inkml="http://www.w3.org/2003/InkML">
   <inkml:definitions>
     <inkml:context xml:id="ctx0">
@@ -1237,12 +1207,12 @@
         </emma:interpretation>
       </emma:emma>
     </inkml:annotationXML>
-    <inkml:trace contextRef="#ctx0" brushRef="#br0">1697 5514 35 0,'-36'42'17'0,"-5"-68"-14"16,29 15 19-16,1-4-21 16,-7-11 0-16,-6-6 1 15,-11-15 1-15,-6-16-3 16,-1-10 1-16,-5-6 3 16,-12-10 0-16,-5-5 0 0,-13-11 0 15,0-5 1-15,7-5 0 16,5 5 0-16,0-5 0 15,0-11-2-15,12-5 1 16,-6-15-2-16,6-6 0 0,0-16-1 16,6-10 0-16,0 5-1 15,6 0 0-15,5 1 0 16,1 4 1-16,11 6 0 16,7-1 0-16,11 11 0 15,6-5 0-15,6-5 0 16,0-6 1-16,0 6-1 0,-1-6 0 15,1 11-1-15,6-5 0 32,0 0 0-32,6 10 0 0,11 16 0 15,6-1 0-15,-11 17 0 16,0 5 0-16,-7 15 0 16,1 22 0-16,-6 4-1 15,-6 22 1-15,-6 5-1 16,0 15 0-16,0 12-1 15,-6 14 0-15,-12 17 0 0,-17 20 1 16,-7 22 0-16,-5-12 0 16,-12 28 0-16,-5 4 0 15,-1 5 0-15,6 6 1 0,6 0-1 16,12-11 1-16,5-10-1 16,7 0 1-16,5-21-1 31,7-5 1-31,5-17-1 15,6-20 1-15,6-15 0 16,6-27 0-16,6-10 0 16,11-17 0-16,7-4-1 0,-7 16 1 15,30-38-1-15,0 1 0 16,-6 5 0-16,0 5 1 16,6 16-1-16,0 16 1 0,-11 26 0 15,11 5 0-15,0 21 1 16,-6 15 0-16,12 22 0 15,-12 15 0-15,0 11-1 16,12 21 1-16,0 0-13 16,0 15 1-16,-12-10-5 15,-23-26 1-15</inkml:trace>
+    <inkml:trace contextRef="#ctx0" brushRef="#br0">2270 5486 35 0,'-48'42'17'0,"-7"-68"-14"16,39 15 19-16,1-4-21 16,-9-11 0-16,-8-6 1 15,-15-14 1-15,-8-17-3 16,-1-10 1-16,-7-5 3 16,-16-11 0-16,-6-4 0 0,-18-12 0 15,0-4 1-15,9-6 0 16,7 6 0-16,0-6 0 15,0-10-2-15,16-5 1 16,-8-15-2-16,8-7 0 0,1-15-1 16,7-10 0-16,0 5-1 15,8 0 0-15,7 1 0 16,1 4 1-16,15 5 0 16,9 0 0-16,15 11 0 15,8-5 0-15,8-5 0 16,0-7 1-16,0 7-1 0,-1-6 0 15,1 11-1-15,8-5 0 32,0 0 0-32,8 9 0 0,15 17 0 15,8-1 0-15,-15 16 0 16,0 6 0-16,-9 14 0 16,1 23 0-16,-8 3-1 15,-8 22 1-15,-8 6-1 16,0 14 0-16,0 12-1 15,-8 14 0-15,-16 17 0 0,-23 20 1 16,-9 21 0-16,-7-11 0 16,-16 28 0-16,-7 4 0 15,-1 4 0-15,9 7 1 0,7-1-1 16,16-10 1-16,7-10-1 16,9-1 1-16,7-20-1 31,9-5 1-31,7-17-1 15,8-20 1-15,8-15 0 16,8-27 0-16,8-10 0 16,15-16 0-16,9-5-1 0,-9 16 1 15,40-37-1-15,-1 0 0 16,-7 6 0-16,0 4 1 16,8 16-1-16,0 17 1 0,-15 25 0 15,15 5 0-15,0 21 1 16,-8 15 0-16,16 22 0 15,-16 14 0-15,-1 12-1 16,17 21 1-16,0-1-13 16,0 16 1-16,-16-11-5 15,-31-25 1-15</inkml:trace>
   </inkml:traceGroup>
 </inkml:ink>
 </file>
 
-<file path=ppt/ink/ink27.xml><?xml version="1.0" encoding="utf-8"?>
+<file path=ppt/ink/ink26.xml><?xml version="1.0" encoding="utf-8"?>
 <inkml:ink xmlns:inkml="http://www.w3.org/2003/InkML">
   <inkml:definitions>
     <inkml:context xml:id="ctx0">
@@ -1277,12 +1247,146 @@
         </emma:interpretation>
       </emma:emma>
     </inkml:annotationXML>
-    <inkml:trace contextRef="#ctx0" brushRef="#br0">1389 29 39 0,'-42'-19'19'0,"21"7"-18"15,14 6 19-15,-7-7-20 16,-7 13 0-16,-7 13 1 16,-13-1 0-16,-15 13-1 0,-14 24 1 15,-7 26 3-15,-6 11 1 16,13 26 0-16,-20 12 0 16,-8 12 0-16,0 13 0 15,1 12 0-15,-1 25 0 16,8 6-4-16,6 18 1 15,7 13-1 1,15 7 0-16,20-1-1 16,14-6 0-16,14-13 0 15,14 1 0-15,21-13 0 16,14 13 1-16,34-13 2 16,1-12 1-16,21 12-1 15,-8-12 1-15,22-12 0 16,20 5 0-16,15-5-1 0,27-19 1 0,14-13-4 15,-7 1 1-15,15-26-1 16,13-18 0-16,7 1 0 16,21-8 0-16,-14 1 0 15,14-12 1-15,7-13-1 16,21-6 1-16,-28-12 0 16,14-13 0-16,0-6-1 15,7-19 1-15,-15-6-1 0,1-12 0 16,7-12 0-16,-62 5 1 15,82-18-1-15,-34-6 0 16,7-6 0-16,0 12 1 16,0-6-1-16,0-1 1 15,-21-5-1 1,14-7 1-16,14 1-1 16,-7 12 0-16,-14 0 0 15,-21-7 0-15,7 7 0 16,-13 6 1-16,-1-19-1 15,-14 7 0-15,-14-6 0 16,-13-1 1-16,-1 7-1 16,-14-1 0-16,1 7 0 0,-8 6 0 15,-13-12 0-15,-15 12 0 16,-13-6 0 0,-22 12 1-16,-6 0 0 15,-21 6 0-15,7 7-1 16,-14 0 1-16,-1 5 0 31,-13-5 0-31,0 6-1 16,-7 6 0-16,0-6-1 15,-14 6 1-15,0 0-1 0,0 0 1 16,7-7-2-16,-7 7 0 16,7-12 0-16,-7-7 1 15,0-5-1-15,0-13 0 16,0 12 1-16,-7 0 0 0,0-12 1 15,-7 0 0-15,-7-13-1 16,-14-6 1-16,-20 1-1 16,-36-14 1-16,0 20-1 15,1-1 0-15,-8 13 0 16,8-6 1-16,6 6-1 16,14-1 0-16,8 14 1 0,13-1 0 15,7 6-1-15,14 7 0 16,14 18-1-16,14 13 0 15,21 5 1-15,28 1 0 0,14 6 0 16,27 0 1-16,29 0 0 16,13 6 1-16,14 0 0 31,15-6 1-31,-22-12-2 16,1 0 1-16,-8-1 0 15,-7 1 0-15,-13-13-1 0,-21 0 1 16,-22 0 0-16,-20 13 1 15,-35 6-1-15,-35 6 0 16,-35 12 1-16,-20 19 0 16,-29 12 0-16,-13 13 0 0,-22 12-1 15,-27 13 0-15,0 12-2 16,-15 0 1-16,15-13-6 16,14-6 0-16,34-18-13 15,43-13 1-15,27-30-3 16,28-44 1-16</inkml:trace>
+    <inkml:trace contextRef="#ctx0" brushRef="#br0">1610 29 39 0,'-49'-19'19'0,"25"7"-18"15,15 6 19-15,-7-7-20 16,-8 13 0-16,-9 13 1 16,-14-1 0-16,-18 13-1 0,-16 24 1 15,-8 26 3-15,-7 11 1 16,14 26 0-16,-22 12 0 16,-9 12 0-16,-1 13 0 15,2 12 0-15,-2 25 0 16,10 6-4-16,6 18 1 15,9 13-1 1,17 7 0-16,24-1-1 16,15-6 0-16,17-13 0 15,16 1 0-15,24-13 0 16,17 13 1-16,39-13 2 16,1-12 1-16,24 12-1 15,-8-12 1-15,24-12 0 16,24 5 0-16,17-5-1 0,32-19 1 0,16-13-4 15,-9 1 1-15,18-26-1 16,15-18 0-16,9 1 0 16,23-8 0-16,-16 1 0 15,17-12 1-15,8-13-1 16,23-6 1-16,-31-12 0 16,16-13 0-16,0-6-1 15,7-19 1-15,-16-6-1 0,1-12 0 16,7-12 0-16,-71 5 1 15,95-18-1-15,-39-6 0 16,7-6 0-16,1 12 1 16,0-6-1-16,-1-1 1 15,-24-5-1 1,17-7 1-16,16 1-1 16,-9 12 0-16,-15 0 0 15,-25-7 0-15,8 7 0 16,-15 6 1-16,-1-19-1 15,-16 7 0-15,-17-6 0 16,-14-1 1-16,-2 7-1 16,-16-1 0-16,1 7 0 0,-9 6 0 15,-15-12 0-15,-17 12 0 16,-16-6 0 0,-25 12 1-16,-7 0 0 15,-24 6 0-15,8 7-1 16,-17 0 1-16,0 5 0 31,-16-5 0-31,0 6-1 16,-7 6 0-16,-1-6-1 15,-16 6 1-15,0 0-1 0,0 0 1 16,8-7-2-16,-8 7 0 16,8-12 0-16,-8-7 1 15,0-5-1-15,0-13 0 16,0 12 1-16,-8 0 0 0,0-12 1 15,-8 0 0-15,-9-13-1 16,-15-6 1-16,-24 1-1 16,-41-14 1-16,-1 20-1 15,2-1 0-15,-10 13 0 16,10-6 1-16,7 6-1 16,15-1 0-16,11 14 1 0,14-1 0 15,8 6-1-15,17 7 0 16,15 18-1-16,17 13 0 15,25 5 1-15,32 1 0 0,16 6 0 16,31 0 1-16,34 0 0 16,15 6 1-16,16 0 0 31,18-6 1-31,-26-12-2 16,1 0 1-16,-9-1 0 15,-8 1 0-15,-16-13-1 0,-23 0 1 16,-26 0 0-16,-23 13 1 15,-41 6-1-15,-40 6 0 16,-41 12 1-16,-23 19 0 16,-34 12 0-16,-15 13 0 0,-25 12-1 15,-32 13 0-15,1 12-2 16,-18 0 1-16,17-13-6 16,17-6 0-16,39-18-13 15,50-13 1-15,31-30-3 16,33-44 1-16</inkml:trace>
+  </inkml:traceGroup>
+</inkml:ink>
+</file>
+
+<file path=ppt/ink/ink27.xml><?xml version="1.0" encoding="utf-8"?>
+<inkml:ink xmlns:inkml="http://www.w3.org/2003/InkML">
+  <inkml:definitions>
+    <inkml:context xml:id="ctx0">
+      <inkml:inkSource xml:id="inkSrc0">
+        <inkml:traceFormat>
+          <inkml:channel name="X" type="integer" max="9600" units="cm"/>
+          <inkml:channel name="Y" type="integer" max="7200" units="cm"/>
+          <inkml:channel name="F" type="integer" max="256" units="dev"/>
+          <inkml:channel name="T" type="integer" max="2.14748E9" units="dev"/>
+        </inkml:traceFormat>
+        <inkml:channelProperties>
+          <inkml:channelProperty channel="X" name="resolution" value="377.95276" units="1/cm"/>
+          <inkml:channelProperty channel="Y" name="resolution" value="425.28058" units="1/cm"/>
+          <inkml:channelProperty channel="F" name="resolution" value="0" units="1/dev"/>
+          <inkml:channelProperty channel="T" name="resolution" value="1" units="1/dev"/>
+        </inkml:channelProperties>
+      </inkml:inkSource>
+      <inkml:timestamp xml:id="ts0" timeString="2016-08-24T08:14:49.998"/>
+    </inkml:context>
+    <inkml:brush xml:id="br0">
+      <inkml:brushProperty name="width" value="0.05" units="cm"/>
+      <inkml:brushProperty name="height" value="0.05" units="cm"/>
+      <inkml:brushProperty name="color" value="#ED1C24"/>
+      <inkml:brushProperty name="fitToCurve" value="1"/>
+    </inkml:brush>
+  </inkml:definitions>
+  <inkml:traceGroup>
+    <inkml:annotationXML>
+      <emma:emma xmlns:emma="http://www.w3.org/2003/04/emma" version="1.0">
+        <emma:interpretation id="{998CA6DB-B1D9-4CB6-A479-740681C91723}" emma:medium="tactile" emma:mode="ink">
+          <msink:context xmlns:msink="http://schemas.microsoft.com/ink/2010/main" type="writingRegion" rotatedBoundingBox="3879,5186 6421,5186 6421,6788 3879,6788"/>
+        </emma:interpretation>
+      </emma:emma>
+    </inkml:annotationXML>
+    <inkml:traceGroup>
+      <inkml:annotationXML>
+        <emma:emma xmlns:emma="http://www.w3.org/2003/04/emma" version="1.0">
+          <emma:interpretation id="{122C2A19-57A7-4FDF-AE99-561942510D74}" emma:medium="tactile" emma:mode="ink">
+            <msink:context xmlns:msink="http://schemas.microsoft.com/ink/2010/main" type="paragraph" rotatedBoundingBox="3879,5186 6421,5186 6421,6788 3879,6788" alignmentLevel="1"/>
+          </emma:interpretation>
+        </emma:emma>
+      </inkml:annotationXML>
+      <inkml:traceGroup>
+        <inkml:annotationXML>
+          <emma:emma xmlns:emma="http://www.w3.org/2003/04/emma" version="1.0">
+            <emma:interpretation id="{ABBD92AB-54B3-46E2-B380-710AD60719B5}" emma:medium="tactile" emma:mode="ink">
+              <msink:context xmlns:msink="http://schemas.microsoft.com/ink/2010/main" type="line" rotatedBoundingBox="3879,5186 6421,5186 6421,6788 3879,6788"/>
+            </emma:interpretation>
+          </emma:emma>
+        </inkml:annotationXML>
+        <inkml:traceGroup>
+          <inkml:annotationXML>
+            <emma:emma xmlns:emma="http://www.w3.org/2003/04/emma" version="1.0">
+              <emma:interpretation id="{79BE59A5-FCF7-40F4-9872-EBFAE5DF8C2B}" emma:medium="tactile" emma:mode="ink">
+                <msink:context xmlns:msink="http://schemas.microsoft.com/ink/2010/main" type="inkWord" rotatedBoundingBox="3879,5186 6421,5186 6421,6788 3879,6788"/>
+              </emma:interpretation>
+            </emma:emma>
+          </inkml:annotationXML>
+          <inkml:trace contextRef="#ctx0" brushRef="#br0">103 772 34 0,'-50'10'17'0,"21"12"-11"0,22-22 18 16,0 0-24-16,0 0 1 15,0-16 1-15,0 0 0 16,7-6-1-16,7-5 0 0,7-5 2 16,0-17 1-16,15 6 0 15,6-1 0-15,8 1 0 16,0 0 1-16,6-6-1 15,8 0 1-15,0-5-2 16,0 11 1-16,7 11-2 16,14-6 1-1,8 5-1-15,13-5 0 16,8 6-1-16,14 5 0 16,7 11 0-16,-7-1 0 0,-7 1 0 15,-1 5 0-15,15 1 0 16,1 4 0-16,-9 6 0 15,1 6 0-15,7 10-1 16,-14 0 1-16,-7 11-1 16,-8 0 1-16,-13 6-1 15,-8 15 0-15,0-4 1 0,1-17 0 16,-1 5-1-16,0 1 1 16,-7 4 0-16,7 1 0 15,-21 11-1-15,0 0 1 16,-7-6-1-1,-7 0 1-15,-8 6-1 16,-6 5 1-16,-8-5-1 16,-7-1 0-16,-7 6 0 15,-7-5 1-15,-21 5-1 16,-22 6 1-16,-14 10-1 16,-21-11 1-16,14 12-1 15,-21-1 1-15,7-5-1 0,-8-6 1 16,-6-4-1-16,-1-12 1 15,-6-5-1-15,-8 0 0 0,-14-1 0 16,-7 1 1-16,14 11-1 16,-21-6 0-16,7-10 0 15,-14-12 1-15,14-10-1 16,0-5 1 0,0-17-1-16,0-16 1 15,14-6 0-15,7-10 0 16,15-6 0-16,6-5 0 0,8-11-1 15,7-5 1 1,14-11-1-16,14-22 1 0,15-21-1 16,7-1 0-16,6 1-2 15,8 16 0-15,7-6-6 16,0 6 1-16,7 11-12 16,50-1 1-16</inkml:trace>
+        </inkml:traceGroup>
+      </inkml:traceGroup>
+    </inkml:traceGroup>
   </inkml:traceGroup>
 </inkml:ink>
 </file>
 
 <file path=ppt/ink/ink28.xml><?xml version="1.0" encoding="utf-8"?>
+<inkml:ink xmlns:inkml="http://www.w3.org/2003/InkML">
+  <inkml:definitions>
+    <inkml:context xml:id="ctx0">
+      <inkml:inkSource xml:id="inkSrc0">
+        <inkml:traceFormat>
+          <inkml:channel name="X" type="integer" max="9600" units="cm"/>
+          <inkml:channel name="Y" type="integer" max="7200" units="cm"/>
+          <inkml:channel name="F" type="integer" max="256" units="dev"/>
+          <inkml:channel name="T" type="integer" max="2.14748E9" units="dev"/>
+        </inkml:traceFormat>
+        <inkml:channelProperties>
+          <inkml:channelProperty channel="X" name="resolution" value="377.95276" units="1/cm"/>
+          <inkml:channelProperty channel="Y" name="resolution" value="425.28058" units="1/cm"/>
+          <inkml:channelProperty channel="F" name="resolution" value="0" units="1/dev"/>
+          <inkml:channelProperty channel="T" name="resolution" value="1" units="1/dev"/>
+        </inkml:channelProperties>
+      </inkml:inkSource>
+      <inkml:timestamp xml:id="ts0" timeString="2016-08-24T08:14:52.500"/>
+    </inkml:context>
+    <inkml:brush xml:id="br0">
+      <inkml:brushProperty name="width" value="0.05" units="cm"/>
+      <inkml:brushProperty name="height" value="0.05" units="cm"/>
+      <inkml:brushProperty name="color" value="#ED1C24"/>
+      <inkml:brushProperty name="fitToCurve" value="1"/>
+    </inkml:brush>
+  </inkml:definitions>
+  <inkml:traceGroup>
+    <inkml:annotationXML>
+      <emma:emma xmlns:emma="http://www.w3.org/2003/04/emma" version="1.0">
+        <emma:interpretation id="{C9545095-87F2-44B0-BF1D-34B1F75B729D}" emma:medium="tactile" emma:mode="ink">
+          <msink:context xmlns:msink="http://schemas.microsoft.com/ink/2010/main" type="writingRegion" rotatedBoundingBox="24916,10861 27327,10861 27327,12898 24916,12898"/>
+        </emma:interpretation>
+      </emma:emma>
+    </inkml:annotationXML>
+    <inkml:traceGroup>
+      <inkml:annotationXML>
+        <emma:emma xmlns:emma="http://www.w3.org/2003/04/emma" version="1.0">
+          <emma:interpretation id="{476464F7-4BB4-415A-8429-9C4641A337F9}" emma:medium="tactile" emma:mode="ink">
+            <msink:context xmlns:msink="http://schemas.microsoft.com/ink/2010/main" type="paragraph" rotatedBoundingBox="24916,10861 27327,10861 27327,12898 24916,12898" alignmentLevel="1"/>
+          </emma:interpretation>
+        </emma:emma>
+      </inkml:annotationXML>
+      <inkml:traceGroup>
+        <inkml:annotationXML>
+          <emma:emma xmlns:emma="http://www.w3.org/2003/04/emma" version="1.0">
+            <emma:interpretation id="{0A099848-1B4E-4ACE-8565-76503E6A952F}" emma:medium="tactile" emma:mode="ink">
+              <msink:context xmlns:msink="http://schemas.microsoft.com/ink/2010/main" type="line" rotatedBoundingBox="24916,10861 27327,10861 27327,12898 24916,12898"/>
+            </emma:interpretation>
+          </emma:emma>
+        </inkml:annotationXML>
+        <inkml:traceGroup>
+          <inkml:annotationXML>
+            <emma:emma xmlns:emma="http://www.w3.org/2003/04/emma" version="1.0">
+              <emma:interpretation id="{60BC7B29-4BDA-4C47-A29C-A0DC14323132}" emma:medium="tactile" emma:mode="ink">
+                <msink:context xmlns:msink="http://schemas.microsoft.com/ink/2010/main" type="inkWord" rotatedBoundingBox="24916,10861 27327,10861 27327,12898 24916,12898"/>
+              </emma:interpretation>
+            </emma:emma>
+          </inkml:annotationXML>
+          <inkml:trace contextRef="#ctx0" brushRef="#br0">1538 92 11 0,'5'-5'5'0,"6"5"-3"0,-11 0 5 0,0 0-4 16,6-5 0-16,5-4 3 15,-1-1 0-15,1 0-7 16,0 1 1-16,-5-1 6 15,-1 0 1-15,-5 10-2 16,0 0 1-16,0-9-1 16,-5 4 0-16,-6 0-1 0,0 0 1 15,0 0-1-15,-5 0 1 16,-6 5-1-16,0 0 1 16,0 5-1-16,-5 0 0 0,-11 5-1 15,-6-1 1-15,-10 1-2 16,11 0 1-16,-1 4-1 31,0 6 1-31,-5 4-2 16,-5 5 1-16,0 0 0 15,-6 0 1-15,0 5-1 16,0 0 1-16,6 0-1 0,5-1 1 16,0 6-1-16,-6-5 0 15,6 10-1-15,-5-1 0 16,10-9-1-16,-5 0 1 0,0 0-1 15,6 0 1-15,5-1-1 16,-1 6 1-16,7 0-1 16,-1 4 1-16,6-4 0 15,0-5 0-15,0 19-1 16,5-4 1-16,0-1 0 16,0 0 0-16,6 1 0 15,0 4 0-15,-1-5 0 16,6 10 0-16,0-4 0 15,6-6 1-15,0 0-1 16,5 1 0-16,5-1 0 16,6-4 0-16,0-1-1 15,5-4 1-15,6-5-1 16,0 0 0-16,5-10 0 16,0 0 1-16,0 5 0 15,6-5 0-15,10 10-1 0,6-10 1 16,6 0-1-16,-6-4 1 15,5 4-1-15,1-9 1 16,5-1-1-16,10 1 0 16,1-1 0-16,-6-4 0 0,1 4 0 15,-1-4 0-15,6-5 0 16,0 4 1-16,-1-4-1 16,-4-5 0-16,-1 0 1 15,0 0 1-15,6 0-1 16,-6-5 0-16,1-4 0 15,-1-6 0 1,-5 1 0-16,0-6 1 0,-6-4-2 16,-5-5 0-16,-5 5 0 15,-1-5 1-15,1-5-1 16,10-9 0-16,-5 4 0 16,0-5 0-16,-5 6 0 15,-1 4 0-15,-10-10-1 16,-6 1 1-16,-5-1 0 15,0 1 0-15,-1-1 0 16,1-4 0-16,-5-10 0 0,-1 4 0 16,0 1 0-16,1 5 0 15,-7-5 0-15,1-6 0 16,-5 6 0-16,-6 0 1 16,-6-5-1-16,-5 19 0 0,1-9 0 15,-1 4 0-15,0-4 0 16,-6-5 0-16,1 4 0 15,-6-4 0-15,-10 10 0 16,-12-6 0-16,-10 1-2 16,-17 4 1-16,-11-4-1 31,-16 19 1-31,0 5-3 0,17 9 0 16,-6-4-15-16,21 4 0 15</inkml:trace>
+        </inkml:traceGroup>
+      </inkml:traceGroup>
+    </inkml:traceGroup>
+  </inkml:traceGroup>
+</inkml:ink>
+</file>
+
+<file path=ppt/ink/ink29.xml><?xml version="1.0" encoding="utf-8"?>
 <inkml:ink xmlns:inkml="http://www.w3.org/2003/InkML">
   <inkml:definitions>
     <inkml:context xml:id="ctx0">
@@ -1318,46 +1422,6 @@
       </emma:emma>
     </inkml:annotationXML>
     <inkml:trace contextRef="#ctx0" brushRef="#br0">124 901 35 0,'-12'5'17'0,"18"-21"-11"0,-6 6 18 15,0-1-24-15,0 1 0 16,0-16 1-16,0-6 1 16,-6 1-1-16,0-6 0 15,0 6 3-15,-6-11 0 0,1-11 1 16,5 1 0-16,0 0 1 16,0 5 0-16,6-6-1 15,6 11 0-15,6-5-2 16,-1 0 0-16,13 5-2 15,5 0 1-15,13 0-2 16,11 6 1-16,-6 9 0 0,6 6 0 0,6 1-1 16,11 4 1-16,7 5 1 15,0 6 0-15,5 0 0 16,-11 5 0-16,5 10-1 16,-5 11 0-16,0 11 0 15,-6-1 1-15,-6 1-1 31,-6 15 0-31,-6-5-1 0,-12 5 1 16,-6 0 0-16,-5 21 1 16,-12-10-1-16,-12 4 0 15,-12-4 0-15,-17 0 0 16,-19-1 0-16,-5-4 1 16,-17-6-1-16,-19 5 0 15,-11-5 0-15,0-10 1 0,6 0-1 16,-6-11 0-16,-1-16 0 15,7-10 0-15,0-15 0 16,6 4 0-16,11-20-1 16,6-6 0-16,18-15-2 15,18-1 0-15,29-15-11 16,24-16 1 0,35-20-10-16,6-17 0 0</inkml:trace>
-  </inkml:traceGroup>
-</inkml:ink>
-</file>
-
-<file path=ppt/ink/ink29.xml><?xml version="1.0" encoding="utf-8"?>
-<inkml:ink xmlns:inkml="http://www.w3.org/2003/InkML">
-  <inkml:definitions>
-    <inkml:context xml:id="ctx0">
-      <inkml:inkSource xml:id="inkSrc0">
-        <inkml:traceFormat>
-          <inkml:channel name="X" type="integer" max="9600" units="cm"/>
-          <inkml:channel name="Y" type="integer" max="7200" units="cm"/>
-          <inkml:channel name="F" type="integer" max="256" units="dev"/>
-          <inkml:channel name="T" type="integer" max="2.14748E9" units="dev"/>
-        </inkml:traceFormat>
-        <inkml:channelProperties>
-          <inkml:channelProperty channel="X" name="resolution" value="377.95276" units="1/cm"/>
-          <inkml:channelProperty channel="Y" name="resolution" value="425.28058" units="1/cm"/>
-          <inkml:channelProperty channel="F" name="resolution" value="0" units="1/dev"/>
-          <inkml:channelProperty channel="T" name="resolution" value="1" units="1/dev"/>
-        </inkml:channelProperties>
-      </inkml:inkSource>
-      <inkml:timestamp xml:id="ts0" timeString="2016-08-22T11:53:53.686"/>
-    </inkml:context>
-    <inkml:brush xml:id="br0">
-      <inkml:brushProperty name="width" value="0.05" units="cm"/>
-      <inkml:brushProperty name="height" value="0.05" units="cm"/>
-      <inkml:brushProperty name="color" value="#ED1C24"/>
-      <inkml:brushProperty name="fitToCurve" value="1"/>
-    </inkml:brush>
-  </inkml:definitions>
-  <inkml:traceGroup>
-    <inkml:annotationXML>
-      <emma:emma xmlns:emma="http://www.w3.org/2003/04/emma" version="1.0">
-        <emma:interpretation id="{358D4052-E176-4F1D-A1C2-940D33FFA533}" emma:medium="tactile" emma:mode="ink">
-          <msink:context xmlns:msink="http://schemas.microsoft.com/ink/2010/main" type="inkDrawing" rotatedBoundingBox="21025,15829 23049,14954 23610,16252 21586,17127" hotPoints="23141,15991 22241,16891 21341,15991 22241,15091" semanticType="enclosure" shapeName="Circle"/>
-        </emma:interpretation>
-      </emma:emma>
-    </inkml:annotationXML>
-    <inkml:trace contextRef="#ctx0" brushRef="#br0">2068 208 42 0,'-12'-5'21'0,"18"-11"-18"0,-6 6 21 0,0 10-25 32,0-21 1-32,-6 10 0 15,0-10 1-15,-11 5 1 16,-13-5 0-16,-5 1 1 15,-12 4 1-15,-1 0 0 16,-5 6 1-16,-11-1 0 16,-19 1 0-16,7 4-2 15,-7 6 1-15,-5 11-2 0,-12-1 0 0,-7 11-1 16,7 0 0-16,6 5 0 16,-6 6 0-16,-12-1-1 15,6 6 1-15,12-6 0 16,-1 6 1-16,7 5-1 15,5 0 1-15,7 10-1 16,11-10 1-16,6 5-2 0,12 16 1 16,0 5-1-16,17 6 0 15,13 4-1-15,11 1 1 16,12-1 0-16,11-5 0 16,13-4 0-16,17 4 0 15,6-5 0-15,6-10 1 0,18-6 0 31,11-10 0-31,-6-5 0 16,7-11 0-16,11-5 0 16,12-11 0-16,0 1-1 15,0-6 0-15,-6-16 0 16,-6 6 1-16,0-11-1 16,-11-5 1-16,-1-10-1 15,-6 0 1-15,-5-17 0 0,0-9 0 0,-1-11 0 16,-17-11 0-16,-6 1 0 15,-18-6 0-15,-5 11 0 16,-18 4 0-16,-12-4 0 16,-18 5 0-16,-6 0-1 15,-11 0 0-15,-6 10 0 32,0 1 0-32,-12-6-3 0,-12 0 1 15,0 11-6-15,-6 10 0 16,-11 10-11-16,-18 32 1 15,-6 32-2-15,-36 4 0 16</inkml:trace>
   </inkml:traceGroup>
 </inkml:ink>
 </file>
@@ -1423,6 +1487,46 @@
           <inkml:channelProperty channel="T" name="resolution" value="1" units="1/dev"/>
         </inkml:channelProperties>
       </inkml:inkSource>
+      <inkml:timestamp xml:id="ts0" timeString="2016-08-22T11:53:53.686"/>
+    </inkml:context>
+    <inkml:brush xml:id="br0">
+      <inkml:brushProperty name="width" value="0.05" units="cm"/>
+      <inkml:brushProperty name="height" value="0.05" units="cm"/>
+      <inkml:brushProperty name="color" value="#ED1C24"/>
+      <inkml:brushProperty name="fitToCurve" value="1"/>
+    </inkml:brush>
+  </inkml:definitions>
+  <inkml:traceGroup>
+    <inkml:annotationXML>
+      <emma:emma xmlns:emma="http://www.w3.org/2003/04/emma" version="1.0">
+        <emma:interpretation id="{358D4052-E176-4F1D-A1C2-940D33FFA533}" emma:medium="tactile" emma:mode="ink">
+          <msink:context xmlns:msink="http://schemas.microsoft.com/ink/2010/main" type="inkDrawing" rotatedBoundingBox="21025,15829 23049,14954 23610,16252 21586,17127" hotPoints="23141,15991 22241,16891 21341,15991 22241,15091" semanticType="enclosure" shapeName="Circle"/>
+        </emma:interpretation>
+      </emma:emma>
+    </inkml:annotationXML>
+    <inkml:trace contextRef="#ctx0" brushRef="#br0">2068 208 42 0,'-12'-5'21'0,"18"-11"-18"0,-6 6 21 0,0 10-25 32,0-21 1-32,-6 10 0 15,0-10 1-15,-11 5 1 16,-13-5 0-16,-5 1 1 15,-12 4 1-15,-1 0 0 16,-5 6 1-16,-11-1 0 16,-19 1 0-16,7 4-2 15,-7 6 1-15,-5 11-2 0,-12-1 0 0,-7 11-1 16,7 0 0-16,6 5 0 16,-6 6 0-16,-12-1-1 15,6 6 1-15,12-6 0 16,-1 6 1-16,7 5-1 15,5 0 1-15,7 10-1 16,11-10 1-16,6 5-2 0,12 16 1 16,0 5-1-16,17 6 0 15,13 4-1-15,11 1 1 16,12-1 0-16,11-5 0 16,13-4 0-16,17 4 0 15,6-5 0-15,6-10 1 0,18-6 0 31,11-10 0-31,-6-5 0 16,7-11 0-16,11-5 0 16,12-11 0-16,0 1-1 15,0-6 0-15,-6-16 0 16,-6 6 1-16,0-11-1 16,-11-5 1-16,-1-10-1 15,-6 0 1-15,-5-17 0 0,0-9 0 0,-1-11 0 16,-17-11 0-16,-6 1 0 15,-18-6 0-15,-5 11 0 16,-18 4 0-16,-12-4 0 16,-18 5 0-16,-6 0-1 15,-11 0 0-15,-6 10 0 32,0 1 0-32,-12-6-3 0,-12 0 1 15,0 11-6-15,-6 10 0 16,-11 10-11-16,-18 32 1 15,-6 32-2-15,-36 4 0 16</inkml:trace>
+  </inkml:traceGroup>
+</inkml:ink>
+</file>
+
+<file path=ppt/ink/ink31.xml><?xml version="1.0" encoding="utf-8"?>
+<inkml:ink xmlns:inkml="http://www.w3.org/2003/InkML">
+  <inkml:definitions>
+    <inkml:context xml:id="ctx0">
+      <inkml:inkSource xml:id="inkSrc0">
+        <inkml:traceFormat>
+          <inkml:channel name="X" type="integer" max="9600" units="cm"/>
+          <inkml:channel name="Y" type="integer" max="7200" units="cm"/>
+          <inkml:channel name="F" type="integer" max="256" units="dev"/>
+          <inkml:channel name="T" type="integer" max="2.14748E9" units="dev"/>
+        </inkml:traceFormat>
+        <inkml:channelProperties>
+          <inkml:channelProperty channel="X" name="resolution" value="377.95276" units="1/cm"/>
+          <inkml:channelProperty channel="Y" name="resolution" value="425.28058" units="1/cm"/>
+          <inkml:channelProperty channel="F" name="resolution" value="0" units="1/dev"/>
+          <inkml:channelProperty channel="T" name="resolution" value="1" units="1/dev"/>
+        </inkml:channelProperties>
+      </inkml:inkSource>
       <inkml:timestamp xml:id="ts0" timeString="2016-08-21T12:50:09.548"/>
     </inkml:context>
     <inkml:brush xml:id="br0">
@@ -1447,7 +1551,7 @@
 </inkml:ink>
 </file>
 
-<file path=ppt/ink/ink31.xml><?xml version="1.0" encoding="utf-8"?>
+<file path=ppt/ink/ink32.xml><?xml version="1.0" encoding="utf-8"?>
 <inkml:ink xmlns:inkml="http://www.w3.org/2003/InkML">
   <inkml:definitions>
     <inkml:context xml:id="ctx0">
@@ -1490,7 +1594,7 @@
 </inkml:ink>
 </file>
 
-<file path=ppt/ink/ink32.xml><?xml version="1.0" encoding="utf-8"?>
+<file path=ppt/ink/ink33.xml><?xml version="1.0" encoding="utf-8"?>
 <inkml:ink xmlns:inkml="http://www.w3.org/2003/InkML">
   <inkml:definitions>
     <inkml:context xml:id="ctx0">
@@ -1532,7 +1636,7 @@
 </inkml:ink>
 </file>
 
-<file path=ppt/ink/ink33.xml><?xml version="1.0" encoding="utf-8"?>
+<file path=ppt/ink/ink34.xml><?xml version="1.0" encoding="utf-8"?>
 <inkml:ink xmlns:inkml="http://www.w3.org/2003/InkML">
   <inkml:definitions>
     <inkml:context xml:id="ctx0">
@@ -1572,7 +1676,7 @@
 </inkml:ink>
 </file>
 
-<file path=ppt/ink/ink34.xml><?xml version="1.0" encoding="utf-8"?>
+<file path=ppt/ink/ink35.xml><?xml version="1.0" encoding="utf-8"?>
 <inkml:ink xmlns:inkml="http://www.w3.org/2003/InkML">
   <inkml:definitions>
     <inkml:context xml:id="ctx0">
@@ -1612,7 +1716,7 @@
 </inkml:ink>
 </file>
 
-<file path=ppt/ink/ink35.xml><?xml version="1.0" encoding="utf-8"?>
+<file path=ppt/ink/ink36.xml><?xml version="1.0" encoding="utf-8"?>
 <inkml:ink xmlns:inkml="http://www.w3.org/2003/InkML">
   <inkml:definitions>
     <inkml:context xml:id="ctx0">
@@ -1650,7 +1754,7 @@
 </inkml:ink>
 </file>
 
-<file path=ppt/ink/ink36.xml><?xml version="1.0" encoding="utf-8"?>
+<file path=ppt/ink/ink37.xml><?xml version="1.0" encoding="utf-8"?>
 <inkml:ink xmlns:inkml="http://www.w3.org/2003/InkML">
   <inkml:definitions>
     <inkml:context xml:id="ctx0">
@@ -1687,12 +1791,12 @@
         </emma:interpretation>
       </emma:emma>
     </inkml:annotationXML>
-    <inkml:trace contextRef="#ctx0" brushRef="#br0">270 98 25 0,'-18'-45'12'0,"14"16"5"0,4 21 13 15,0 0-23-15,0 4 1 16,0-4 1-16,0 8 0 16,0 4-12-16,0 8 0 15,0 25 12-15,0 7 0 16,-5 30-4-16,5 19 1 15,0 13-2-15,0 32 1 0,0 4-1 16,0 9 1-16,-5-1-5 16,1-16 1-16,-1-8-1 15,1-16 1-15,-1-21 0 16,1-12 0-16,-1-8 0 16,0-12 0-16,1-12-1 15,-1-8 1 1,1-17 0-16,-5-16 0 0,-1-12-1 15,-3-29 0-15,-1-20 0 16,0-28 0-16,5-21-1 16,0-28 1-16,4-16-1 15,10 8 0-15,4-9 0 16,5 5 1-16,0 16-1 16,-1 12 0-16,-4 25 0 0,1 24 1 15,-6 16 0-15,1 4 0 16,-1 8 0-16,1 17 0 15,-1 8 0-15,-4 16 0 16,0 24 0-16,0 21 0 16,0 20 0-16,0 24 1 15,0 13-1 1,5 16 0-16,-5 4 0 16,5 16 1-16,-5 8-1 15,4 8 0-15,-4 13 0 16,0-21 1-16,0-20-1 15,0 17 0-15,-4-21 0 16,-1-5 0-16,-4-7 0 16,-5-8 1-16,0 3-1 0,-4-7 0 0,-5 4 0 15,0-1 1-15,1-20-1 16,3 5 0-16,1-1 0 16,4-8 1-16,1-8-1 15,3 0 0-15,6-8 0 16,-1-4 1-16,5-4-1 15,0 0 0-15,0-12 0 0,0-5 0 16,-4-3 0-16,4-5 0 16,0-3 0-16,0-1 0 15,0-8 0-15,0 5 0 16,0-1 0-16,0 0 0 16,0 0 0-16,0-7 0 31,0-1 0-31,4-8 0 0,-4-4 0 15,5 8 0-15,-1 0 0 16,-4-8 0-16,5 8-1 16,0 0 1-16,-1 1 0 15,1-5 0-15,-1-4 0 16,1 4 0-16,-1 0 0 16,6-4 0-16,-1 0 0 0,-5 0 0 0,1-8 0 15,-5 8 0-15,0 0 0 16,0 0 0-16,0 0 0 15,0 0 0-15,0 0 0 16,0 0 1-16,4-8-1 16,6-1 0-16,-1 1 0 31,0 0 1-31,0-4 0 0,5 4 0 16,-5 0 3-16,5 0 0 15,-1-1 0-15,6 5 0 16,-1 4 0-16,5-12 0 15,0 4-1-15,-1 0 1 16,6 4-4-16,-5-4 0 16,4 4 0-16,-4 4 1 0,0 0-1 15,0 8 1-15,0-4 0 16,4 4 0-16,-4-4-1 16,0 0 1-16,4-4-1 15,10-4 1-15,8 8-1 16,6-4 1-16,4 0-1 15,-5 0 1 1,5 4-1-16,0 8 0 0,-5 1 0 16,0 3 0-16,-4 0 0 15,4-4 1-15,-4 0-1 16,-5-3 0-16,0-1 0 16,0-4 0-16,5-4 0 15,4 0 0-15,1 4 0 16,4 0 0-16,-5 0 0 0,5 0 1 15,-5 4-1-15,5 0 0 16,0 0 0-16,4-4 1 16,-9 1-2-16,5-5 1 15,5 4 0-15,4-4 0 16,4 4 0-16,1 0 0 16,0 0 0-16,4 4 0 15,18 0 0 1,-4 0 1-16,-5-4-1 15,5 0 0-15,0 0 0 16,0 0 0-16,-5-4 0 16,5 5 0-16,-5-5 0 15,-9 0 0 1,1-5 0-16,3 1 0 0,6 0 0 16,-1 4 0-16,-4 0 0 15,-5 0 0-15,5 4 0 16,4 0 0-16,-9 1 0 15,-4-1 0-15,4-4 0 16,0 0 0-16,5 0 0 16,4 0 0-16,-9 0 0 0,5 0 0 15,0 0 0-15,4 0 0 16,-9-4 0-16,5-1 0 16,-1-3 0-16,15 0 0 15,-5 0 0-15,9 0 0 16,-9 4 0-16,4-4 0 15,-9 0 0 1,-4-1 0-16,9 5 0 16,0 0 0-16,0 0 0 15,4 0 1-15,1 4-1 16,-6-4 0-16,-3 4 0 16,-1 0 0-16,0 0 0 15,5-4 1-15,5 4-1 16,-10 0 0-16,0 4 0 0,0-4 0 0,1 4-1 15,-10-4 1-15,5 0 0 16,4-4 0-16,9-4 0 16,-4 4 0-16,-4 4 0 15,3 0 0-15,-3 0 0 16,-1 0 0-16,0 0 0 16,5 0 0-16,5 0 0 0,-1 0 0 15,-4 0 0-15,4-4 0 16,-4 0 0-16,0 8 0 15,0-4 0-15,9 4 1 16,0-4-1-16,-5 4 0 16,-4-4 0-16,-4 0 0 15,3 0 0 1,-3 0 0-16,-1 0 0 16,14 0 0-16,0-4 0 15,0 8 0-15,-4-12 0 16,-6 8 0-16,1 0 0 15,-4 4 0-15,3-8 0 16,-3 4 0 0,45-4-1-16,-9 4 1 15,-14 0-1-15,-9-4 1 0,-5 8-1 16,-13 0 1-16,0-4 0 16,4 0 0-16,0 4-1 15,5-4 1-15,-5 8 0 16,5 0 1-16,9 0-1 31,-13 0 0-31,3 5 0 0,10-5 0 16,1 0 0-16,-1 0 1 15,4 0-1-15,10-4 0 16,-19 0 0-16,1 0 0 16,8-4 0-16,1 0 0 15,-5 0 0-15,-9 0 0 16,4 4 0-16,-4-4 1 0,-9 0-1 15,-5-4 0-15,-4 0 0 16,-1 0 1-16,1 4-1 16,-1 0 0-16,1-4 0 15,-10 4 0-15,-4 0 0 16,-9 0 0-16,-5 0 0 16,5 0 1-16,-1 0-1 0,6 0 0 15,8 0 0 1,-4 0 0-16,0 0 0 15,4-4 0-15,1 4 0 16,8 0 0-16,-4 0 0 16,-9-4 0-16,9 0 0 31,5 0 0-31,-1 0 0 16,-13-4 0-16,0 0 0 0,-5-1 0 15,1 9 0-15,-1-8 0 16,5 8 0-16,-5-4 0 15,0 4 0-15,1-4 0 16,-6 4 0-16,-3-4 0 16,-6 4 0-16,-8 0 0 0,-6 0 0 15,-3 4 0-15,-6 0-2 16,-3 0 1-16,-1 0-6 16,-5 0 0-16,-4 1-11 15,-9 7 0-15,-18-4-6 16,-10-8 0-16</inkml:trace>
+    <inkml:trace contextRef="#ctx0" brushRef="#br0">253 63 25 0,'-16'-29'12'0,"13"10"5"0,3 14 13 15,0 0-23-15,0 3 1 16,0-4 1-16,0 6 0 16,0 3-12-16,0 5 0 15,0 16 12-15,0 4 0 16,-5 20-4-16,5 12 1 15,0 8-2-15,0 21 1 0,0 2-1 16,0 7 1-16,-4-2-5 16,0-9 1-16,0-6-1 15,1-10 1-15,-2-14 0 16,2-7 0-16,-1-6 0 16,-1-7 0-16,2-8-1 15,-2-5 1 1,2-12 0-16,-5-9 0 0,-1-8-1 15,-2-19 0-15,-1-13 0 16,0-17 0-16,4-15-1 16,0-17 1-16,4-11-1 15,8 6 0-15,4-7 0 16,4 4 1-16,0 11-1 16,0 7 0-16,-5 16 0 0,2 15 1 15,-5 11 0-15,0 2 0 16,-1 6 0-16,2 11 0 15,-2 4 0-15,-3 11 0 16,0 16 0-16,0 13 0 16,0 13 0-16,0 15 1 15,0 9-1 1,5 10 0-16,-5 2 0 16,4 11 1-16,-4 5-1 15,3 6 0-15,-3 7 0 16,0-13 1-16,0-13-1 15,0 12 0-15,-3-15 0 16,-1-2 0-16,-4-6 0 16,-4-4 1-16,-1 2-1 0,-2-5 0 0,-5 3 0 15,0-1 1-15,1-13-1 16,2 3 0-16,2 0 0 16,2-5 1-16,2-6-1 15,2 1 0-15,6-6 0 16,-1-2 1-16,4-3-1 15,0 0 0-15,0-8 0 0,0-2 0 16,-4-3 0-16,4-3 0 16,0-2 0-16,0-1 0 15,0-4 0-15,0 2 0 16,0 0 0-16,0 0 0 16,0 0 0-16,0-5 0 31,0 0 0-31,4-5 0 0,-4-3 0 15,4 5 0-15,-1 0 0 16,-3-5 0-16,5 5-1 16,-1 0 1-16,0 1 0 15,0-3 0-15,-1-3 0 16,2 2 0-16,-2 1 0 16,6-3 0-16,-1 0 0 0,-5 0 0 0,1-5 0 15,-4 5 0-15,0 0 0 16,0 0 0-16,0 0 0 15,0 0 0-15,0 0 0 16,0 0 1-16,4-5-1 16,5-1 0-16,-2 1 0 31,1-1 1-31,0-1 0 0,4 2 0 16,-4-1 3-16,4 1 0 15,0-1 0-15,4 4 0 16,0 2 0-16,4-8 0 15,0 3-1-15,-1 0 1 16,5 2-4-16,-4-2 0 16,4 2 0-16,-4 3 1 0,-1 0-1 15,1 6 1-15,0-4 0 16,4 3 0-16,-4-2-1 16,0 0 1-16,3-3-1 15,9-3 1-15,8 6-1 16,4-3 1-16,4 0-1 15,-5 0 1 1,5 2-1-16,0 6 0 0,-5 0 0 16,0 3 0-16,-3-1 0 15,4-2 1-15,-4-1-1 16,-5-1 0-16,1-1 0 16,0-2 0-16,4-3 0 15,3 0 0-15,1 2 0 16,4 1 0-16,-4 0 0 0,3-1 1 15,-3 3-1-15,4 0 0 16,-1 1 0-16,5-4 1 16,-9 1-2-16,5-3 1 15,4 3 0-15,4-3 0 16,3 3 0-16,1-1 0 16,0 1 0-16,3 2 0 15,16 0 0 1,-3 0 1-16,-5-2-1 15,4-1 0-15,1 1 0 16,0-1 0-16,-5-2 0 16,4 4 0-16,-3-4 0 15,-9 0 0 1,1-4 0-16,3 2 0 0,5-1 0 16,0 3 0-16,-5 0 0 15,-3 0 0-15,3 3 0 16,5-1 0-16,-9 2 0 15,-3-2 0-15,3-2 0 16,1 0 0-16,4 0 0 16,3 0 0-16,-8 0 0 0,5 0 0 15,0 0 0-15,3 0 0 16,-8-2 0-16,5-2 0 16,-1-1 0-16,13 0 0 15,-4 0 0-15,7 0 0 16,-7 2 0-16,3-2 0 15,-8 0 0 1,-3-1 0-16,7 4 0 16,1-1 0-16,-1 0 0 15,4 1 1-15,1 2-1 16,-5-3 0-16,-3 3 0 16,-1 0 0-16,1 0 0 15,3-2 1-15,5 2-1 16,-9 0 0-16,1 2 0 0,-1-2 0 0,1 3-1 15,-9-3 1-15,5 0 0 16,3-3 0-16,8-2 0 16,-3 3 0-16,-4 2 0 15,3 0 0-15,-3 0 0 16,-1 0 0-16,0 0 0 16,5 0 0-16,4 0 0 0,-1 0 0 15,-3 0 0-15,3-3 0 16,-4 0 0-16,1 6 0 15,-1-3 0-15,9 3 1 16,-1-3-1-16,-4 2 0 16,-3-2 0-16,-4 0 0 15,3 0 0 1,-3 0 0-16,-1 0 0 16,12 0 0-16,1-2 0 15,-1 4 0-15,-3-7 0 16,-5 5 0-16,0 0 0 15,-3 3 0-15,3-6 0 16,-3 3 0 0,39-3-1-16,-7 3 1 15,-13 0-1-15,-8-2 1 0,-4 4-1 16,-11 1 1-16,0-3 0 16,3 0 0-16,0 3-1 15,5-3 1-15,-5 5 0 16,5 0 1-16,7 0-1 31,-11 0 0-31,3 4 0 0,8-4 0 16,2 0 0-16,-2 0 1 15,4 0-1-15,9-2 0 16,-17-1 0-16,0 1 0 16,8-3 0-16,1 0 0 15,-5 0 0-15,-7 0 0 16,3 2 0-16,-3-2 1 0,-9 0-1 15,-3-2 0-15,-4-1 0 16,-1 1 1-16,1 2-1 16,-1 0 0-16,1-3 0 15,-9 3 0-15,-3 0 0 16,-8 0 0-16,-5 0 0 16,5 0 1-16,0 0-1 0,4 0 0 15,7 0 0 1,-3 0 0-16,0 0 0 15,3-2 0-15,1 2 0 16,7 0 0-16,-3 0 0 16,-9-3 0-16,9 0 0 31,4 1 0-31,-1-1 0 16,-11-2 0-16,0 0 0 0,-5-1 0 15,1 6 0-15,0-5 0 16,4 5 0-16,-5-3 0 15,0 3 0-15,2-2 0 16,-6 2 0-16,-3-3 0 16,-4 3 0-16,-8 0 0 0,-5 0 0 15,-2 3 0-15,-6-1-2 16,-2 1 1-16,-2 0-6 16,-3-1 0-16,-4 1-11 15,-8 5 0-15,-15-3-6 16,-10-5 0-16</inkml:trace>
   </inkml:traceGroup>
 </inkml:ink>
 </file>
 
-<file path=ppt/ink/ink37.xml><?xml version="1.0" encoding="utf-8"?>
+<file path=ppt/ink/ink38.xml><?xml version="1.0" encoding="utf-8"?>
 <inkml:ink xmlns:inkml="http://www.w3.org/2003/InkML">
   <inkml:definitions>
     <inkml:context xml:id="ctx0">
@@ -1729,12 +1833,12 @@
         </emma:interpretation>
       </emma:emma>
     </inkml:annotationXML>
-    <inkml:trace contextRef="#ctx0" brushRef="#br0">206 199 21 0,'9'-4'10'0,"-4"-8"-7"0,-1 4 10 16,-4 0-12-16,0-1 0 15,0 1 5-15,5 0 0 16,-5 0-7-16,9 0 1 16,-5-4 4-16,-4 4 1 15,0 0-1-15,-4-1 1 0,-10 1-3 16,0 8 1-16,-4 0-1 15,-14 0 1-15,5 0-1 16,-1 0 0-16,5 0 0 16,0 8 0-16,5-4 0 15,4 1 1-15,1-1-1 0,4 0 1 32,4-4 0-32,5 0 0 0,5 4 0 15,4 0 0-15,9 0 0 16,9 0 0-16,6 0-1 15,12 0 0-15,1-8-1 16,9-4 0-16,0 0 0 16,9 0 0-16,9-1 1 15,-5 9 1-15,10 0-1 0,0 0 1 16,4-4 0-16,-9 4 0 16,10-8-1-16,-1 4 0 15,0 8-1-15,0-4 0 0,1-4 0 16,-1 4 0-16,0 0 0 15,1 0 0-15,-6 4-1 32,-17-4 1-32,18-4 0 15,-5 4 0-15,0 0-1 16,-5 0 1-16,-4 0-1 16,-4 0 1-16,4 4-1 0,0-4 1 15,4 0-1-15,-8-4 1 16,4 8-1-16,5-8 1 15,4 4-1-15,0 0 1 0,-5 0-1 16,-4 0 1-16,5 0-1 16,0 4 1-16,8 4 0 15,-8-8 0-15,4-8-1 16,9 8 1-16,5 0-1 16,-5 0 1-16,1-4-1 15,4 4 0-15,-5-4 0 0,-4-4 0 16,-5 4 0-16,5 4 1 15,4-8-1-15,0 4 1 16,0-4-1-16,5 4 1 0,0-5-1 16,5 1 1-1,-6 0-1-15,1 8 0 0,0-4 0 32,5 4 1-32,-5 0-1 15,-1 4 0-15,-3-4 0 16,-1 0 0-16,-4-4 0 15,-5 4 0-15,0-4 0 16,5 4 0-16,-1 0 0 0,6 4 0 16,-10 0 0-16,0 4 0 15,5-4 0-15,-1 0 0 0,-3-4 0 16,-1 0 1-16,9 0-1 16,5 0 0-16,0 0 0 15,0 0 0-15,0 4 0 16,4-4 0-16,-4 0 2 15,0 0 0-15,9 0-2 16,9 0 1 0,-9 0-1-16,9-4 0 15,0 4 0-15,0 4 0 16,10-4-2-16,8 0 1 16,-9 5 1-16,10-1 0 0,-5-4 0 15,0 4 0-15,13 0 0 16,-4 4 0-16,-9-4 0 15,0 0 0-15,-9 0 0 16,-1-8 0-16,6 8 0 16,-6-4 1-16,-3 0-1 15,-10 4 0-15,0 0 0 0,-5-4 0 16,-9 0 0-16,1 0 0 16,-6 0-1-16,6 0 1 15,-1 0 0-15,0 0 1 0,-9 4-2 16,5 4 1-16,0-8 0 15,4 0 1-15,-9-8-1 16,5 8 0-16,9 0 0 16,0 0 0-16,-5 8 0 15,0-4 0-15,5 1 0 32,5-5 0-32,-15 0 1 0,-3 0 0 15,3 0-1-15,1 0 0 16,0 4 0-16,-1-4 1 15,-3 4-1-15,3 0 0 0,1-4-1 16,-5 0 1-16,-4 0 0 16,-5-4 0-16,0 0-1 15,4 4 0-15,6 0 1 16,-1 0 0-16,-5 4 0 16,-4 0 0-16,5 0 0 15,9 0 0-15,-10-4 0 0,1 0 0 16,4 0 0-16,5 0 0 15,4 0 0-15,0 0 0 16,-9 4 0 0,5-4 0-16,4 0 0 15,-4-4 0-15,4 0 0 16,5 4 0-16,0 0 0 16,5 0 0-16,-15 4 0 15,1 0 0-15,0 0 0 16,-1-4 0-16,-8 0 0 15,0 0 0-15,-1 0 0 0,1 0 0 16,4 0 0-16,-9 0 0 16,-5 4 1-16,-4 0 0 15,-4 0-1-15,-15 0 0 0,1 4-1 16,-1 0 1-16,-4 1 0 16,5-1 0-16,-1 4-1 15,6-4 1-15,-6 0 0 16,1 0 0-16,8-4 0 15,1 0 0-15,4 0 0 16,1 1 1-16,-6 3-4 16,-8-4 1-16,-14 0-12 0,-14 0 0 15,-18 0-7-15,-5-12 1 32</inkml:trace>
+    <inkml:trace contextRef="#ctx0" brushRef="#br0">182 129 21 0,'8'-3'10'0,"-4"-4"-7"0,-1 1 10 16,-3 1-12-16,0-1 0 15,0 1 5-15,5 0 0 16,-5 0-7-16,8 0 1 16,-5-3 4-16,-3 3 1 15,0 0-1-15,-3-1 1 0,-10 1-3 16,1 5 1-16,-3 0-1 15,-13 0 1-15,4 0-1 16,0 0 0-16,4 0 0 16,0 5 0-16,5-2 0 15,2 0 1-15,2-1-1 0,3 1 1 32,4-3 0-32,4 0 0 0,4 2 0 15,4 1 0-15,8 0 0 16,7-1 0-16,6 1-1 15,10-1 0-15,1-4-1 16,8-3 0-16,-1-1 0 16,9 1 0-16,7 0 1 15,-3 5 1-15,7 0-1 0,1 0 1 16,3-3 0-16,-7 3 0 16,8-5-1-16,-1 2 0 15,0 6-1-15,0-3 0 0,2-3 0 16,-2 3 0-16,0 0 0 15,1 0 0-15,-5 3-1 32,-15-3 1-32,16-3 0 15,-5 3 0-15,1 0-1 16,-5 0 1-16,-4 0-1 16,-2 0 1-16,2 3-1 0,1-3 1 15,3 0-1-15,-7-3 1 16,4 6-1-16,3-6 1 15,5 3-1-15,-1 0 1 0,-4 0-1 16,-3 0 1-16,4 0-1 16,0 3 1-16,7 2 0 15,-7-5 0-15,3-5-1 16,8 5 1-16,5 0-1 16,-5 0 1-16,1-3-1 15,4 3 0-15,-5-2 0 0,-3-4 0 16,-5 4 0-16,5 2 1 15,3-5-1-15,0 2 1 16,1-2-1-16,3 2 1 0,1-2-1 16,4-1 1-1,-6 1-1-15,2 5 0 0,0-2 0 32,4 2 1-32,-5 0-1 15,0 2 0-15,-3-2 0 16,-1 0 0-16,-3-2 0 15,-5 2 0-15,1-3 0 16,4 3 0-16,-2 0 0 0,7 3 0 16,-10-1 0-16,0 3 0 15,5-2 0-15,-1 0 0 0,-3-3 0 16,0 0 1-16,7 0-1 16,5 0 0-16,-1 0 0 15,1 0 0-15,-1 2 0 16,4-2 0-16,-3 0 2 15,-1 0 0-15,9 0-2 16,7 0 1 0,-8 0-1-16,9-2 0 15,-1 2 0-15,0 2 0 16,9-2-2-16,7 0 1 16,-8 3 1-16,9 0 0 0,-5-3 0 15,0 3 0-15,12-1 0 16,-4 3 0-16,-7-2 0 15,-1-1 0-15,-7 1 0 16,-2-6 0-16,6 6 0 16,-5-3 1-16,-3 0-1 15,-9 3 0-15,1-1 0 0,-5-2 0 16,-8 0 0-16,1 0 0 16,-5 0-1-16,5 0 1 15,-1 0 0-15,1 0 1 0,-9 3-2 16,5 2 1-16,-1-5 0 15,5 0 1-15,-9-5-1 16,5 5 0-16,7 0 0 16,1 0 0-16,-5 5 0 15,1-2 0-15,3 0 0 32,5-3 0-32,-13 0 1 0,-3 0 0 15,3 0-1-15,1 0 0 16,0 2 0-16,-2-2 1 15,-1 3-1-15,2-1 0 0,0-2-1 16,-3 0 1-16,-4 0 0 16,-5-2 0-16,1-1-1 15,3 3 0-15,5 0 1 16,0 0 0-16,-5 3 0 16,-4-1 0-16,5 1 0 15,8 0 0-15,-9-3 0 0,1 0 0 16,4 0 0-16,3 0 0 15,5 0 0-15,-1 0 0 16,-8 2 0 0,5-2 0-16,3 0 0 15,-3-2 0-15,3-1 0 16,5 3 0-16,-1 0 0 16,5 0 0-16,-13 3 0 15,1-1 0-15,0 1 0 16,-1-3 0-16,-7 0 0 15,-1 0 0-15,1 0 0 0,-1 0 0 16,5 0 0-16,-9 0 0 16,-3 2 1-16,-4 1 0 15,-4 0-1-15,-13-1 0 0,1 3-1 16,-1 0 1-16,-3 1 0 16,4-1 0-16,0 3-1 15,4-3 1-15,-5 0 0 16,2 1 0-16,6-4 0 15,1 1 0-15,3-1 0 16,1 1 1-16,-5 3-4 16,-6-4 1-16,-13 1-12 0,-13-1 0 15,-14 1-7-15,-6-8 1 32</inkml:trace>
   </inkml:traceGroup>
 </inkml:ink>
 </file>
 
-<file path=ppt/ink/ink38.xml><?xml version="1.0" encoding="utf-8"?>
+<file path=ppt/ink/ink39.xml><?xml version="1.0" encoding="utf-8"?>
 <inkml:ink xmlns:inkml="http://www.w3.org/2003/InkML">
   <inkml:definitions>
     <inkml:context xml:id="ctx0">
@@ -1763,43 +1867,6 @@
   </inkml:definitions>
   <inkml:trace contextRef="#ctx0" brushRef="#br0">5703 280 41 0,'-42'-53'20'0,"10"-4"-5"0,23 37 21 15,0-5-32-15,0 1 0 0,4 8 3 16,-4 8 0-16,5 8-8 31,4 12 0-31,18 37 6 16,14 20 1-16,23 28-2 0,18 29 0 15,9 29-2-15,10 19 0 16,-1 21-4-16,5-20 0 16,5-16 0-16,-5-42 0 15,-14-23 0-15,-9-25 1 16,-18-16 0-16,-14-21 0 0,-13-19 3 16,-19-34 0-16,-23-19-2 15,-27-25 0-15,-18-33-2 16,-24-32 0-16,-13-37-1 15,-13-15 0-15,-1-10 1 16,9 10 0-16,19 23 2 16,18 45 0-1,14 33 2-15,13 40 0 16,10 29 1-16,8 28 0 0,19 33-1 16,23 28 0-16,23 33-1 15,9 24 1-15,27 17-2 16,10 3 0-16,-1 13 0 15,-4-25 1-15,-5-8-1 16,-18-24 1-16,-14-25 0 0,-13-16 1 16,-19-24-1-16,-18-25 1 15,-18-28-2-15,-9-28 0 16,-24-38-1-16,-17-39 1 16,-24-46-2-16,-13-32 1 15,0-12-1-15,14 28 1 16,22 25 1-1,19 32 1 17,50 110 0-32,18 24 0 15,23 37 0-15,19 36 0 16,22 13 1-16,0 4-1 16,0-5 0-16,-4 5 1 15,-9-17 0-15,-19-12 0 0,-18-12 0 0,-14-16 0 16,-9-16 1-16,-13-25-2 15,-14-20 0-15,-10-37-3 16,-18-24 1-16,-18-33-2 16,5-24 0-16,4-4-2 15,5 20 1-15,13 25-2 16,10 24 0-16,9 24-4 0,4 21 1 16,9 32-8-16,5 20 1 15,-4 9-1-15,22 16 0 16</inkml:trace>
   <inkml:trace contextRef="#ctx0" brushRef="#br0" timeOffset="1">5529 1560 44 0,'-32'-12'22'0,"64"-21"-17"0,-18 17 43 0,8-17-44 16,24-15 1-16,18-21 4 15,14-21 1-15,27-11-12 31,9-21 1-31,14-29 6 0,10-3 1 16,3 3-3-16,1 9 1 16,-23 20-3-16,-19 21 0 15,-17 24-1-15,-24 20 1 16,-18 32-1-16,-27 29 0 16,-37 25-1-16,-32 36 0 15,-36 40-1-15,-23 38 1 0,-33 27-1 16,-8 17 1-16,-14 12 1 15,18-24 1-15,23-12 1 16,13-37 1-16,19-25 1 16,23-32 0-16,14-16 1 15,36-28 0-15,28-46-2 16,27-44 0-16,41-40-1 0,18-38 0 0,33-39-2 16,4-5 1-16,13-4-2 15,-3 28 1-15,-24 21-1 16,-27 36 1-16,-23 29-2 15,-28 36 1-15,-31 33 0 16,-42 32 0-16,-22 54 0 31,-33 36 0-31,-4 20 2 0,-4-4 0 16,8 0 1-16,6-4 1 16,8-17-1-16,14-15 1 15,18-25-1-15,19-12 1 16,22-41-3-16,28-28 0 15,18-37-3-15,14-32 1 16,18-25-6-16,-4-20 0 0,-5-12-8 16,4 0 0-16,10 24-9 15,-9 13 0-15</inkml:trace>
-</inkml:ink>
-</file>
-
-<file path=ppt/ink/ink39.xml><?xml version="1.0" encoding="utf-8"?>
-<inkml:ink xmlns:inkml="http://www.w3.org/2003/InkML">
-  <inkml:definitions>
-    <inkml:context xml:id="ctx0">
-      <inkml:inkSource xml:id="inkSrc0">
-        <inkml:traceFormat>
-          <inkml:channel name="X" type="integer" max="9600" units="cm"/>
-          <inkml:channel name="Y" type="integer" max="7200" units="cm"/>
-          <inkml:channel name="F" type="integer" max="256" units="dev"/>
-          <inkml:channel name="T" type="integer" max="2.14748E9" units="dev"/>
-        </inkml:traceFormat>
-        <inkml:channelProperties>
-          <inkml:channelProperty channel="X" name="resolution" value="377.95276" units="1/cm"/>
-          <inkml:channelProperty channel="Y" name="resolution" value="425.28058" units="1/cm"/>
-          <inkml:channelProperty channel="F" name="resolution" value="0" units="1/dev"/>
-          <inkml:channelProperty channel="T" name="resolution" value="1" units="1/dev"/>
-        </inkml:channelProperties>
-      </inkml:inkSource>
-      <inkml:timestamp xml:id="ts0" timeString="2016-08-21T12:40:01.398"/>
-    </inkml:context>
-    <inkml:brush xml:id="br0">
-      <inkml:brushProperty name="width" value="0.05" units="cm"/>
-      <inkml:brushProperty name="height" value="0.05" units="cm"/>
-      <inkml:brushProperty name="color" value="#ED1C24"/>
-      <inkml:brushProperty name="fitToCurve" value="1"/>
-    </inkml:brush>
-  </inkml:definitions>
-  <inkml:trace contextRef="#ctx0" brushRef="#br0">426 1155 30 0,'-9'20'15'0,"18"-3"-1"16,-5-13 15-16,1 4-23 15,0-4 0-15,-1 0 3 0,-4 0 1 16,-4 0-12-16,-1-4 0 16,-4-4 9-16,-5-12 0 15,0-9-3-15,-4-11 0 16,4-17-2-16,1-24 1 0,-1-13-2 16,5-28 1-16,4 17-2 15,5 3 1-15,9 9 0 16,5 8 0-16,14 16-1 15,8 8 1-15,1 8 0 16,-1 21 0-16,5 11-1 0,14 5 0 16,9 8-1-16,5 4 1 15,-5 4-5-15,0 4 1 32,-5 0-7-32,-8 0 0 0,-10 5-8 15,-9-1 1-15</inkml:trace>
-  <inkml:trace contextRef="#ctx0" brushRef="#br0" timeOffset="1">211 712 51 0,'5'-8'25'0,"36"-21"-21"0,-23 21 42 0,14-4-43 15,14-4 0-15,9-4 2 32,-1 3 0-32,6 5-8 15,4 8 1-15,4 4-3 16,6 4 0-16,8 12-12 0,5 1 0 16</inkml:trace>
-  <inkml:trace contextRef="#ctx0" brushRef="#br0" timeOffset="2">1157 984 22 0,'5'0'11'0,"-10"-8"4"0,1 8 6 16,4 0-15-16,-5 0 1 16,1-4 5-16,-1 0 0 15,1-4-14-15,-1 0 1 32,0-4 10-32,1-1 1 0,4 1-3 15,4 0 0-15,1-8-3 16,4-1 0-16,5 1-1 15,4 0 0-15,5-1-2 16,-5 9 1-16,5 0-2 16,5 4 1-16,-1 8-1 15,0 8 1-15,5 8-1 0,-4 1 1 16,-1-1 0-16,1 4 0 16,-5 9 0-16,-5 7 0 15,-9 1-1-15,-4-9 1 16,-5 13-1-16,-10 0 1 0,-3 3-1 15,-10-7 1-15,0 3-1 16,-4-3 1-16,-1-13-1 16,1-11 1-16,-5-1-1 15,0-20 0-15,-5-9 0 16,10 1 0-16,-1-12-1 0,10 11 1 16,4-3-1-16,10 0 1 15,4-5-1-15,4 5 1 31,10 0 0-31,4-1 0 0,1 5 0 16,-1 0 0-16,9 0 1 16,5 3 0-16,9 5 0 15,5 12 1-15,0 9-1 16,0 7 0-16,-5-4-3 16,-5 0 1-16,1-3-16 15,-10-1 1-15,14-8-5 0,-4-20 0 16</inkml:trace>
-  <inkml:trace contextRef="#ctx0" brushRef="#br0" timeOffset="3">1862-24 28 0,'9'-8'14'0,"0"12"0"16,-9 9 12-16,0 19-24 15,-5 13 1-15,-4 24 4 0,5 20 0 16,-6 13-6-16,1 16 0 16,0 16 5-16,0-12 1 15,0 8-2-15,0-16 1 16,4-17-7-16,-4-16 1 16,0-16-14-16,9-16 0 15,0-20-3 1,0-25 1-16</inkml:trace>
-  <inkml:trace contextRef="#ctx0" brushRef="#br0" timeOffset="4">2456 716 44 0,'27'-28'22'0,"-50"24"-22"0,14 0 41 16,-4 4-40-16,-10 4 0 16,-9 4 1-16,-9 8 1 15,-10 8-4-15,6 5 1 16,3-5 2-16,6 5 0 15,8 3-1-15,6 1 1 16,12 3-1 0,10-7 1-16,14-5-1 15,18 0 1-15,14-7 0 16,4-1 1-16,5 0-1 16,9 1 1-16,-14-5 0 15,1 8 0-15,-15 4-1 16,-8 5 1-1,-51 16 0-15,-14-1 0 16,-18-3-1-16,-13-5 0 16,-28-19-6-1,27-13 1-15,14-8-6 16,28-8 0-16,13-5-10 16,23-7 0-16,14-9-1 15,9-3 0-15</inkml:trace>
-  <inkml:trace contextRef="#ctx0" brushRef="#br0" timeOffset="5">2703 1005 44 0,'-5'-4'22'0,"5"16"-19"15,0-8 44-15,0 4-43 16,5 0 1-16,4 0 4 16,9-4 1-16,10-8-12 15,8-8 1-15,5-8 6 0,5-13 1 0,-5 5-3 16,-4-1 0-16,-14-11-3 16,-5 7 0-16,-13 1-1 15,-15 7 0-15,-12 5 0 16,-6 12 1-16,-9 12-1 15,1 12 1-15,-1 9 0 32,-4 19 1-32,0 13 1 0,0 8 0 15,9 4 1-15,18-8 0 16,10 0 1-16,13-4 1 16,9-16-1-16,14-5 1 15,14-15-8-15,9-13 1 16,4-16-17-16,-4-21 0 15,23-16-5-15,-5-24 0 0</inkml:trace>
-  <inkml:trace contextRef="#ctx0" brushRef="#br0" timeOffset="6">-5125 1826 34 0,'-4'12'17'0,"22"-37"-51"0,-4 13 19 0</inkml:trace>
 </inkml:ink>
 </file>
 
@@ -1902,6 +1969,43 @@
           <inkml:channelProperty channel="T" name="resolution" value="1" units="1/dev"/>
         </inkml:channelProperties>
       </inkml:inkSource>
+      <inkml:timestamp xml:id="ts0" timeString="2016-08-21T12:40:01.398"/>
+    </inkml:context>
+    <inkml:brush xml:id="br0">
+      <inkml:brushProperty name="width" value="0.05" units="cm"/>
+      <inkml:brushProperty name="height" value="0.05" units="cm"/>
+      <inkml:brushProperty name="color" value="#ED1C24"/>
+      <inkml:brushProperty name="fitToCurve" value="1"/>
+    </inkml:brush>
+  </inkml:definitions>
+  <inkml:trace contextRef="#ctx0" brushRef="#br0">426 1155 30 0,'-9'20'15'0,"18"-3"-1"16,-5-13 15-16,1 4-23 15,0-4 0-15,-1 0 3 0,-4 0 1 16,-4 0-12-16,-1-4 0 16,-4-4 9-16,-5-12 0 15,0-9-3-15,-4-11 0 16,4-17-2-16,1-24 1 0,-1-13-2 16,5-28 1-16,4 17-2 15,5 3 1-15,9 9 0 16,5 8 0-16,14 16-1 15,8 8 1-15,1 8 0 16,-1 21 0-16,5 11-1 0,14 5 0 16,9 8-1-16,5 4 1 15,-5 4-5-15,0 4 1 32,-5 0-7-32,-8 0 0 0,-10 5-8 15,-9-1 1-15</inkml:trace>
+  <inkml:trace contextRef="#ctx0" brushRef="#br0" timeOffset="1">211 712 51 0,'5'-8'25'0,"36"-21"-21"0,-23 21 42 0,14-4-43 15,14-4 0-15,9-4 2 32,-1 3 0-32,6 5-8 15,4 8 1-15,4 4-3 16,6 4 0-16,8 12-12 0,5 1 0 16</inkml:trace>
+  <inkml:trace contextRef="#ctx0" brushRef="#br0" timeOffset="2">1157 984 22 0,'5'0'11'0,"-10"-8"4"0,1 8 6 16,4 0-15-16,-5 0 1 16,1-4 5-16,-1 0 0 15,1-4-14-15,-1 0 1 32,0-4 10-32,1-1 1 0,4 1-3 15,4 0 0-15,1-8-3 16,4-1 0-16,5 1-1 15,4 0 0-15,5-1-2 16,-5 9 1-16,5 0-2 16,5 4 1-16,-1 8-1 15,0 8 1-15,5 8-1 0,-4 1 1 16,-1-1 0-16,1 4 0 16,-5 9 0-16,-5 7 0 15,-9 1-1-15,-4-9 1 16,-5 13-1-16,-10 0 1 0,-3 3-1 15,-10-7 1-15,0 3-1 16,-4-3 1-16,-1-13-1 16,1-11 1-16,-5-1-1 15,0-20 0-15,-5-9 0 16,10 1 0-16,-1-12-1 0,10 11 1 16,4-3-1-16,10 0 1 15,4-5-1-15,4 5 1 31,10 0 0-31,4-1 0 0,1 5 0 16,-1 0 0-16,9 0 1 16,5 3 0-16,9 5 0 15,5 12 1-15,0 9-1 16,0 7 0-16,-5-4-3 16,-5 0 1-16,1-3-16 15,-10-1 1-15,14-8-5 0,-4-20 0 16</inkml:trace>
+  <inkml:trace contextRef="#ctx0" brushRef="#br0" timeOffset="3">1862-24 28 0,'9'-8'14'0,"0"12"0"16,-9 9 12-16,0 19-24 15,-5 13 1-15,-4 24 4 0,5 20 0 16,-6 13-6-16,1 16 0 16,0 16 5-16,0-12 1 15,0 8-2-15,0-16 1 16,4-17-7-16,-4-16 1 16,0-16-14-16,9-16 0 15,0-20-3 1,0-25 1-16</inkml:trace>
+  <inkml:trace contextRef="#ctx0" brushRef="#br0" timeOffset="4">2456 716 44 0,'27'-28'22'0,"-50"24"-22"0,14 0 41 16,-4 4-40-16,-10 4 0 16,-9 4 1-16,-9 8 1 15,-10 8-4-15,6 5 1 16,3-5 2-16,6 5 0 15,8 3-1-15,6 1 1 16,12 3-1 0,10-7 1-16,14-5-1 15,18 0 1-15,14-7 0 16,4-1 1-16,5 0-1 16,9 1 1-16,-14-5 0 15,1 8 0-15,-15 4-1 16,-8 5 1-1,-51 16 0-15,-14-1 0 16,-18-3-1-16,-13-5 0 16,-28-19-6-1,27-13 1-15,14-8-6 16,28-8 0-16,13-5-10 16,23-7 0-16,14-9-1 15,9-3 0-15</inkml:trace>
+  <inkml:trace contextRef="#ctx0" brushRef="#br0" timeOffset="5">2703 1005 44 0,'-5'-4'22'0,"5"16"-19"15,0-8 44-15,0 4-43 16,5 0 1-16,4 0 4 16,9-4 1-16,10-8-12 15,8-8 1-15,5-8 6 0,5-13 1 0,-5 5-3 16,-4-1 0-16,-14-11-3 16,-5 7 0-16,-13 1-1 15,-15 7 0-15,-12 5 0 16,-6 12 1-16,-9 12-1 15,1 12 1-15,-1 9 0 32,-4 19 1-32,0 13 1 0,0 8 0 15,9 4 1-15,18-8 0 16,10 0 1-16,13-4 1 16,9-16-1-16,14-5 1 15,14-15-8-15,9-13 1 16,4-16-17-16,-4-21 0 15,23-16-5-15,-5-24 0 0</inkml:trace>
+  <inkml:trace contextRef="#ctx0" brushRef="#br0" timeOffset="6">-5125 1826 34 0,'-4'12'17'0,"22"-37"-51"0,-4 13 19 0</inkml:trace>
+</inkml:ink>
+</file>
+
+<file path=ppt/ink/ink41.xml><?xml version="1.0" encoding="utf-8"?>
+<inkml:ink xmlns:inkml="http://www.w3.org/2003/InkML">
+  <inkml:definitions>
+    <inkml:context xml:id="ctx0">
+      <inkml:inkSource xml:id="inkSrc0">
+        <inkml:traceFormat>
+          <inkml:channel name="X" type="integer" max="9600" units="cm"/>
+          <inkml:channel name="Y" type="integer" max="7200" units="cm"/>
+          <inkml:channel name="F" type="integer" max="256" units="dev"/>
+          <inkml:channel name="T" type="integer" max="2.14748E9" units="dev"/>
+        </inkml:traceFormat>
+        <inkml:channelProperties>
+          <inkml:channelProperty channel="X" name="resolution" value="377.95276" units="1/cm"/>
+          <inkml:channelProperty channel="Y" name="resolution" value="425.28058" units="1/cm"/>
+          <inkml:channelProperty channel="F" name="resolution" value="0" units="1/dev"/>
+          <inkml:channelProperty channel="T" name="resolution" value="1" units="1/dev"/>
+        </inkml:channelProperties>
+      </inkml:inkSource>
       <inkml:timestamp xml:id="ts0" timeString="2016-08-21T12:40:01.411"/>
     </inkml:context>
     <inkml:brush xml:id="br0">
@@ -1915,7 +2019,7 @@
 </inkml:ink>
 </file>
 
-<file path=ppt/ink/ink41.xml><?xml version="1.0" encoding="utf-8"?>
+<file path=ppt/ink/ink42.xml><?xml version="1.0" encoding="utf-8"?>
 <inkml:ink xmlns:inkml="http://www.w3.org/2003/InkML">
   <inkml:definitions>
     <inkml:context xml:id="ctx0">
@@ -1946,7 +2050,7 @@
 </inkml:ink>
 </file>
 
-<file path=ppt/ink/ink42.xml><?xml version="1.0" encoding="utf-8"?>
+<file path=ppt/ink/ink43.xml><?xml version="1.0" encoding="utf-8"?>
 <inkml:ink xmlns:inkml="http://www.w3.org/2003/InkML">
   <inkml:definitions>
     <inkml:context xml:id="ctx0">
@@ -1975,7 +2079,7 @@
   </inkml:definitions>
   <inkml:trace contextRef="#ctx0" brushRef="#br0">-4041 5733 23 0,'-23'-4'11'0,"5"-8"2"0,13 12 12 16,1 0-20-16,4 0 1 15,0 0 6-15,0 0 0 16,4 0-13-16,10-5 1 15,4 1 10-15,23 0 1 0,10 0-2 16,13-4 1-16,18-4-3 16,28-4 0-16,18-1-1 15,14 1 1-15,18 4-3 16,4 4 1-16,1 0-2 16,-5 0 1-16,-9-1-1 15,0-3 1 1,-10 4-2-16,-13 4 0 0,-4 8 0 15,-24 0 1-15,-8 0-1 16,-19 0 0-16,-5 4 0 16,1 1 0-16,4-5-1 15,5-4 0-15,-5 0 0 16,-4 0 0-16,-10 4-1 16,-9-4 1-16,-4 8-1 0,0 0 0 15,0 0 0-15,-1-4 0 16,-4 0 0-16,1-4 1 15,-1-4-1-15,-5 8 0 16,-4 0 0-16,0-4 0 16,-4 4 0-16,-5-4 0 15,-1 4 0-15,-3 1 0 0,-1-1-1 16,5 0 1-16,0 0 0 16,0 0 1-16,-1 0-1 15,-3-4 0-15,-1 0-1 16,-4 0 1-16,-5 0-1 15,0 0 1-15,-9 0-1 16,0 0 0 0,5-8-1-16,-5 8 0 0,0-8 0 15,0-5 0-15,0 1-1 16,0-4 0-16,-5-8 0 16,-4-5 0-16,-5 1-1 15,-9-13 1-15,-4-8-1 16,-10 0 1-16,5 5 1 15,-4 7 0-15,-1 1 0 0,1-1 1 16,4 5 1-16,0 7 1 16,9 5-1-16,4 4 1 15,6-5-1-15,8 21 1 16,14 0 0-16,14 17 0 16,0-1 0-16,18 8 0 15,14 9 1 1,18 7 0-16,5-3-1 15,0-1 1-15,8 1-1 16,-3-9 1-16,-10 5-2 16,-4-1 0-16,-1 1 0 15,-13 4 0-15,-14-9 0 16,-9 0 0-16,-14-3 0 0,-18-5 0 16,-18 1 0-16,-28 7 1 0,-18 0 0 15,-22 5 0-15,-10 3 0 16,-1-3 1-16,11 4-3 15,3-5 1-15,10-8-9 16,14-3 1-16,18-5-14 16,22-4 1-16,15 0-4 15,22-20 0-15</inkml:trace>
   <inkml:trace contextRef="#ctx0" brushRef="#br0" timeOffset="0.5017">362 5156 40 0,'0'4'20'0,"18"28"-9"0,0-28 33 0,5 9-39 15,5-1 1-15,8 4 5 16,19-4 0-16,23 0-13 16,13 1 0-16,28-5 9 15,-4-8 0-15,8-4-4 16,-4 4 1-16,-14 4-3 16,-18 4 0-16,-19 4-6 0,-13 0 1 15,-14 4-10-15,-13-3 1 16,-10-1-8-16,-13-4 0 31</inkml:trace>
-  <inkml:trace contextRef="#ctx0" brushRef="#br0" timeOffset="1.5014">906 4721 29 0,'-9'-25'14'0,"4"13"0"0,5 12 14 15,-4 0-25-15,-1 4 0 16,5 13 4-16,0 19 1 0,-4 17-8 15,-1 16 1-15,0 8 7 16,-4 29 0-16,0 20-2 0,0-4 1 16,0-4-3-16,4-13 1 15,1-15-5-15,-1-29 1 16,1-12-8-16,-6-17 0 16,1-24-5-1,5-16 0-15,-1-8-7 16,1-9 0-16</inkml:trace>
+  <inkml:trace contextRef="#ctx0" brushRef="#br0" timeOffset="1.5013">906 4721 29 0,'-9'-25'14'0,"4"13"0"0,5 12 14 15,-4 0-25-15,-1 4 0 16,5 13 4-16,0 19 1 0,-4 17-8 15,-1 16 1-15,0 8 7 16,-4 29 0-16,0 20-2 0,0-4 1 16,0-4-3-16,4-13 1 15,1-15-5-15,-1-29 1 16,1-12-8-16,-6-17 0 16,1-24-5-1,5-16 0-15,-1-8-7 16,1-9 0-16</inkml:trace>
   <inkml:trace contextRef="#ctx0" brushRef="#br0" timeOffset="2.5017">1624 5920 24 0,'0'0'12'0,"4"-4"9"16,-4 4 7-16,5-13-23 16,-1 5 1-16,-4-4 3 15,-4-4 0-15,-5-4-11 0,0-9 0 16,-1 1 8-16,-3-1 0 0,-1-3-3 15,5-5 1-15,0 1-2 16,4 3 0-16,1 1 0 16,4 3 0-16,4 5 0 15,10-1 0-15,4 5 1 16,10 8 1-16,-1 0-2 0,10 12 1 16,13-9-1-16,0 9 1 15,-4 5-2-15,-9-1 0 16,-1 4-1-16,1 4 1 15,-5 0-5-15,0-4 1 16,0 0-7-16,-5-8 1 31,1 0-11-31,-6-8 0 0</inkml:trace>
   <inkml:trace contextRef="#ctx0" brushRef="#br0" timeOffset="3.5017">2250 5436 20 0,'0'8'10'0,"0"4"12"16,0-8-2-16,-4 9-17 16,-1 3 1-16,-4 8 4 15,0 9 0-15,0-1-9 31,-1 9 1-31,6 4 6 0,4-1 1 16,4-3-1-16,6-8 0 16,8-5-1-16,5-4 0 15,4-3-1-15,1-13 0 16,4 0-2-16,-5-16 1 16,5-12-1-16,0-5 0 15,5-11-2 1,-10 3 1-16,-9 5-1 15,-4 3 1-15,0-3-2 16,-10-1 0-16,5 1-1 16,1-9 1-16,-1 1 0 15,0-1 1-15,-9 9 0 16,0 3 0 0,0 5 1-16,0 4 0 0,-5 4-1 15,1-1 1-15,-1 5-3 16,1 4 1-16,-1 4-6 15,0 4 0-15,5 4-11 16,5 5 0-16</inkml:trace>
   <inkml:trace contextRef="#ctx0" brushRef="#br0" timeOffset="4.5017">2790 5558 25 0,'-5'-4'12'0,"5"12"2"0,0-8 4 15,0 0-14-15,5 4 1 0,4 4 3 16,4-4 1-16,1 4-10 16,9-3 1-16,4-1 6 15,5 0 1-15,0-8-3 32,5-5 1-32,4-7-3 0,-9-4 1 15,-4-9-2-15,-5 9 0 16,-5-4-1-16,-4-1 1 15,-5 1-1-15,-5-4 1 16,-8-1-1-16,-1 1 0 16,-9 3 0-16,-4 5 0 15,-5 8 0-15,-9 8 1 0,-4 12-1 16,-10 8 0-16,0 8 0 16,5 5 1-16,4 7-1 15,10 5 0-15,4 0 1 16,9-5 0-16,5 5 2 15,9-9 0-15,5 1 1 16,4 4 1 0,5-1 0-16,4 5 0 15,5-5-1-15,4-7 1 0,5-5-2 16,5-8 1-16,9-3-1 16,4-1 0-16,5-8-2 15,4-4 0-15,1-12-3 16,-10 0 1-16,0-1-8 15,-9-3 1-15,-4 0-14 0,-5 0 1 16,0 3-1-16,-9 1 0 16</inkml:trace>
@@ -1983,7 +2087,7 @@
 </inkml:ink>
 </file>
 
-<file path=ppt/ink/ink43.xml><?xml version="1.0" encoding="utf-8"?>
+<file path=ppt/ink/ink44.xml><?xml version="1.0" encoding="utf-8"?>
 <inkml:ink xmlns:inkml="http://www.w3.org/2003/InkML">
   <inkml:definitions>
     <inkml:context xml:id="ctx0">
@@ -2018,12 +2122,12 @@
         </emma:interpretation>
       </emma:emma>
     </inkml:annotationXML>
-    <inkml:trace contextRef="#ctx0" brushRef="#br0">-518 6103 26 0,'-27'-8'13'0,"4"-8"-12"0,18 8 13 16,5 0-13-16,-4-4 1 15,-1-1 3 1,0 1 1-16,1 4-5 16,-5 8 0-16,0 8 4 15,-5 4 0-15,0 5 1 16,0 3 0-16,5-8-1 16,0 13 0-16,5 11-1 15,-1 9 1-15,-4 4 0 0,-5 24 0 16,-4-4-1-16,-5 16 1 0,0 9-1 15,0 19 1-15,-4 5-2 16,-5 4 1-16,0 12-1 16,-9 5 1-16,4-1-2 15,0 12 0-15,5-4-1 16,10 9 1-16,-1-1-1 31,4-11 1-31,6-5-1 0,-1-4 0 16,0-16 0-16,1-9 0 15,-1-11-1-15,0-17 1 16,0-8-1-16,1-12 0 16,4 4 0-16,-1 0 0 15,1-4 0-15,0 4 0 16,0 4 0-16,0-8 0 0,0 4 0 16,4 0 0-16,1-8 0 15,-1-8 1-15,0-12-2 16,1-9 1-16,-1-3-1 15,1-9 1-15,4-4-1 0,0-4 0 16,0 0 0-16,0 0 1 16,4-4 0-1,1 0 1-15,-1 1-1 16,-4-5 1-16,0 0 0 16,5-9 1-16,0 1-1 15,-5-4 0-15,4-4-1 16,1-4 0-16,4-1-6 15,0-7 1-15,5-17-15 16,-1-16 1-16,1-16-3 0,18-33 1 16</inkml:trace>
+    <inkml:trace contextRef="#ctx0" brushRef="#br0">-629 6073 26 0,'-24'-5'13'0,"4"-5"-12"0,16 5 13 16,4-1-13-16,-4-1 1 15,0-2 3 1,0 2 1-16,0 1-5 16,-4 6 0-16,1 6 4 15,-6 1 0-15,1 4 1 16,0 2 0-16,4-5-1 16,0 8 0-16,5 7-1 15,-1 6 1-15,-4 3 0 0,-4 15 0 16,-4-3-1-16,-4 11 1 0,0 5-1 15,0 13 1-15,-4 3-2 16,-3 3 1-16,-1 7-1 16,-8 4 1-16,4-1-2 15,0 7 0-15,4-2-1 16,9 6 1-16,-1-1-1 31,3-6 1-31,6-5-1 0,-1-1 0 16,0-11 0-16,1-6 0 15,-2-7-1-15,1-11 1 16,0-5-1-16,1-7 0 16,3 2 0-16,-1-1 0 15,1-1 0-15,1 2 0 16,-1 2 0-16,0-5 0 0,0 3 0 16,4 0 0-16,0-5 0 15,0-6 1-15,0-7-2 16,0-6 1-16,0-2-1 15,0-5 1-15,4-4-1 0,0-1 0 16,0-1 0-16,0 0 1 16,4-3 0-1,0 1 1-15,0 0-1 16,-4-3 1-16,0 0 0 16,4-6 1-16,0 1-1 15,-4-2 0-15,4-4-1 16,0-2 0-16,4 0-6 15,0-5 1-15,4-11-15 16,-1-11 1-16,1-9-3 0,16-22 1 16</inkml:trace>
   </inkml:traceGroup>
 </inkml:ink>
 </file>
 
-<file path=ppt/ink/ink44.xml><?xml version="1.0" encoding="utf-8"?>
+<file path=ppt/ink/ink45.xml><?xml version="1.0" encoding="utf-8"?>
 <inkml:ink xmlns:inkml="http://www.w3.org/2003/InkML">
   <inkml:definitions>
     <inkml:context xml:id="ctx0">
@@ -2061,7 +2165,7 @@
 </inkml:ink>
 </file>
 
-<file path=ppt/ink/ink45.xml><?xml version="1.0" encoding="utf-8"?>
+<file path=ppt/ink/ink46.xml><?xml version="1.0" encoding="utf-8"?>
 <inkml:ink xmlns:inkml="http://www.w3.org/2003/InkML">
   <inkml:definitions>
     <inkml:context xml:id="ctx0">
@@ -2120,7 +2224,7 @@
               </emma:interpretation>
             </emma:emma>
           </inkml:annotationXML>
-          <inkml:trace contextRef="#ctx0" brushRef="#br0">206 1048 25 0,'11'9'12'0,"-6"-4"2"0,-5-5 13 0,0 0-24 16,0 0 0-16,0 0 4 15,0 0 0-15,0 0-7 16,0 0 0-16,0 0 7 15,0 0 0-15,0 0 0 16,-5 0 0-16,0 0-1 0,-1-9 1 16,-4-1-2-16,-1 6 1 0,-10 4-1 31,0-5 0-31,-6 0-2 16,-4 5 1-16,-1-4-1 0,-5 4 0 15,0 0 0-15,0 0 1 16,-6 4-2-16,-4 1 1 15,-6 0-1 1,-11 9 0-16,-10-5-1 0,0 1 1 16,-11 8-2-16,-5 6 1 15,6 9-1-15,10-5 0 16,-11 0 0-16,0 0 1 16,-10 1-1-16,-5-6 1 15,-1 10-1-15,-5 5 1 16,6-1-1-16,10 6 1 15,-6-1-1-15,-4 0 1 16,-1-4-1-16,1 4 0 0,10-4 0 0,-5 4 0 16,-6 1 0-16,1 4 1 15,10 9-2 1,-11 10 1-16,-10 0 0 16,10 0 0-16,1 18 0 0,-1-8 0 0,11-6-1 31,6 5 1-31,-1 1 0 15,11 8 0-15,-5-8 0 16,-1 8 0-16,1 1 0 16,-6 14 0-16,6 9 0 15,5-9 0-15,0 4 0 16,0 1 0-16,5-10 0 16,5 9 0-16,6-9 0 15,0 10 0-15,15-1-1 0,6 5 1 16,0-4 0-1,0-1 0-15,6 1 0 0,-1 4 0 0,0-9 0 32,6 9 0-32,-1 0 0 0,6 5 0 0,-5 0 0 15,-6-5 0-15,0 10 0 16,0-10 1-16,6 19-1 16,-1-9 0-16,6-6 0 15,0 20 1-15,0-14-1 16,0 13 1-1,0 6-1-15,5 4 0 16,0-5 0-16,5 5 1 0,1 1-1 16,4-1 1-16,1-10-1 15,5 6 1-15,0-10 0 16,5 5 0-16,1-15 0 16,-1 10 0-16,0-5-1 15,0 1 1-15,1 4-1 16,4-5 1-16,1 0-1 0,0-9 1 15,4 14 0-15,1-9 0 16,11-5-1-16,-1 14 1 16,1 0-1-16,-6-5 0 15,0-4 1-15,5 9 0 16,-4-15 0-16,-1 6 0 16,0 9 0-1,0 0 0-15,-5-5 0 16,5-4 0-16,0 0 0 15,-10 4 0-15,5-5-1 16,5 1 1-16,5-5-1 16,6 4 1-16,0-8-1 0,5-1 1 15,5 5-1-15,6-10 0 16,5 1 0-16,-6 4 0 0,12-5 0 16,-6 1 1-16,5-5-1 15,-5-10 1-15,5 0 0 16,-5 1 0-16,5-1 0 15,0-4 1-15,11-1-1 16,0 6 0-16,5-10 0 16,0 14 0-16,-10-9-1 0,-1-15 1 15,1 5-1-15,-1 1 1 16,1-6-1-16,-1 5 1 16,-10-13-1-16,0-1 1 15,0 5-1-15,5-5 0 16,0-5 0-1,0-4 1-15,6 9-1 16,-6-9 0-16,6-5 0 16,-6 0 0-16,0-10 0 15,0 1 0-15,-5 0 0 16,0-10 0-16,0 10 0 0,-11-10 0 16,1 0 0-16,-6-4 0 15,5 4 0-15,0-5 1 16,11 1-1-16,-5 4 0 0,0-4 0 15,-1-1 0-15,1 5 0 16,-1 1 0-16,-4-15 0 16,-1-5 0-16,6 15 0 15,-1-6 1-15,1 6-1 16,0-10 0-16,-6 10 0 16,6-6 0-1,-11-4 0-15,0 1 1 16,5-1-1-16,0-5 0 15,1 5 0-15,-1-4 1 16,6-1-1-16,-1 0 0 16,1 1 0-16,5 4 0 0,5-5 0 15,-5-4 1-15,5 4-1 16,-5-4 0 0,21-19 0-1,-10 5 0-15,-1-10 0 0,6 5 1 16,-6 4-1-16,-4-4 0 15,-7 9 0-15,1-4 1 16,-5-5-1-16,0 0 0 16,-6-5 0-16,0 5 0 0,1-5 0 15,-1 14 0-15,0-9 0 16,-5 5 0-16,0-5 0 16,0 0 0-16,-5-5 0 15,5 0 0-15,-10-4 0 31,-1-1 1-31,1 0-1 16,-12 1 0-16,1-1 0 0,0 1 0 16,0-1 0-16,0 1 0 15,0 9 0-15,0-10 0 16,5 5 0-16,-5-4 0 16,5 4 0-16,0-4 0 0,0 4 0 15,0-5 0-15,1 1-1 16,4-1 1-16,-5 1 0 15,0-1 1-15,1 1-2 16,-1-1 1-16,-5-4 0 0,5 4 0 16,-5 6 0-16,5-11 0 15,-5 6 0-15,0 9 0 16,-6-5 0-16,1-9 0 31,-1 9 0-31,1-5 0 0,-1 10-1 16,1 5 1-16,-6-1-1 15,1 6 1-15,-6 4-1 16,0 0 1-16,0-10-1 16,0 10 1-16,-6-4-1 15,-4-1 1-15,-1 10 0 16,-5-5 0-16,-5 0 0 0,0 9 0 16,-5 5 0-16,-12 0 0 15,7 5 0-15,-6 0 0 16,5 4 0-16,-5 6 0 0,10-6-1 15,-4 5 1-15,-1 1 0 16,0-11 0-16,0 1 0 31,1 5 0-31,4-5 0 16,6-1 0-16,5 1-1 0,0 5 1 16,6-1 0-16,4 1 0 15,1-5-1-15,0-1 1 16,10-8 0-16,-5-1 0 15,5-9-1-15,11 10 1 16,5-6-2-16,-5-13 1 0,6-5 0 16,-1-5 1-16,5 10 0 15,6-10 0-15,5 0 0 16,0 0 0-16,0 0 1 16,0 0 0-16,0 1-3 15,0 4 1-15,-5-1-1 16,0-8 0-16,-11 9 0 0,0-5 0 15,-5 0-1-15,-6 0 1 16,-4 10 1-16,-6-5 1 0,-6 4 0 16,-4 6 0-16,-6 4 0 15,-5 4 0-15,-6 6 0 16,-4 4 0-16,-6 0 0 31,-6 0 0-31,6-4 0 0,0-1 0 16,0 0 0-1,5 6 0-15,1-6-1 0,4 10 1 16,6-5-1-16,0 5 1 0,5-1-1 16,5-8 1-16,6 4-1 15,5-5 1-15,0-4-1 16,11 0 0-16,5 0 0 16,-1-15 1-16,12 1-1 15,5-10 1-15,5 9 0 16,0-8 0-16,0-1 0 15,0-5 1-15,-5 1-1 16,-1-5 0-16,-4 4 0 16,-1-9 0-1,1 5 0-15,-6-5 1 16,-5 9-1-16,0 10 0 16,-6 0 1-16,-5 5 0 0,-5-1-1 15,0 6 0-15,-10 4 0 16,-1 4 0-16,-10 11 0 15,0-1 0-15,0 0-1 16,0 0 1-16,5 0-1 16,-5 5 0-16,5-10 0 0,5 1 1 15,6-1-2-15,0-4 1 16,-1-1-1-16,6-4 1 16,6 5-1-16,-6 0 1 15,5-5-2-15,0 0 1 16,6-5-2-16,5 0 1 0,-1-4 0 15,7 0 0-15,-1-5 0 16,0-5 0-16,0 0 1 16,0 0 1-16,-5 5 1 15,-5 0 1-15,-1 0 1 16,-4 0 0-16,-6 0 0 31,0 4 1-31,0 1-1 0,0 9 1 16,0 0-1-16,0 0 0 0,5 9-1 15,-5 10 0-15,0 9-1 16,0 10 1-16,0 14-1 16,0-1 0-16,0 1 0 15,5 0 0-15,0-10 0 16,1-4 0-16,-1-5 0 0,0-5 0 16,-5-5 0-16,6-4 0 15,-1-5-1-15,0-9 1 16,-5 0-1-16,6-1 1 15,-6-4 0-15,0-14 0 16,0-5 0-16,-6-9 0 16,1-5 0-1,0-9 0-15,-1 0 0 16,6 9 1-16,-5 0-1 16,5 9 1-16,0 5-1 15,0 15 1-15,0 4 0 16,0 9 0-16,0 10-1 15,5 14 1-15,-5 9-1 16,6 5 0-16,-1 5 0 0,0 4 0 16,-5-4 0-16,0-5 0 0,0-9 0 15,6-15 0-15,-6-13-1 16,0-20 1-16,-6-13 0 16,6-15 0-16,-5-9-1 15,0-9 1-15,-1-5 0 16,6 4 1-1,-5 5 0-15,5 5 0 16,0 24 0-16,0 4 1 16,0 19-1-16,0 14 1 15,5 14-1-15,-5 19 0 16,0-4-1-16,0 4 1 16,-5 0-2-16,5-5 0 15,-5-9-9-15,5-14 1 0,0-28-13 16,-11-34 1-16</inkml:trace>
+          <inkml:trace contextRef="#ctx0" brushRef="#br0">206 1047 25 0,'11'9'12'0,"-6"-4"2"0,-5-5 13 0,0 0-24 16,0 0 0-16,0 0 4 15,0 0 0-15,0 0-7 16,0 0 0-16,0 0 7 15,0 0 0-15,0 0 0 16,-5 0 0-16,0 0-1 0,-1-9 1 16,-4 0-2-16,-1 5 1 0,-10 4-1 31,0-5 0-31,-6 1-2 16,-4 4 1-16,-1-4-1 0,-5 4 0 15,0 0 0-15,0 0 1 16,-6 4-2-16,-4 0 1 15,-6 1-1 1,-11 8 0-16,-10-4-1 0,0 0 1 16,-11 8-2-16,-5 5 1 15,6 9-1-15,10-5 0 16,-11 1 0-16,0-1 1 16,-10 1-1-16,-5-6 1 15,-1 10-1-15,-5 5 1 16,6-2-1-16,10 7 1 15,-6-2-1-15,-4 0 1 16,-1-3-1-16,1 3 0 0,10-3 0 0,-5 3 0 16,-6 1 0-16,1 4 1 15,10 9-2 1,-11 8 1-16,-10 1 0 16,10 0 0-16,1 17 0 0,-1-8 0 0,11-6-1 31,6 5 1-31,-1 1 0 15,11 8 0-15,-5-8 0 16,-1 8 0-16,1 0 0 16,-6 14 0-16,6 8 0 15,5-8 0-15,0 3 0 16,0 1 0-16,5-9 0 16,5 9 0-16,6-9 0 15,0 9 0-15,15-1-1 0,6 5 1 16,0-3 0-1,0-2 0-15,6 1 0 0,-1 4 0 0,0-8 0 32,6 8 0-32,-1 0 0 0,6 5 0 0,-5 0 0 15,-6-5 0-15,0 9 0 16,0-9 1-16,6 18-1 16,-1-8 0-16,6-7 0 15,0 20 1-15,0-14-1 16,0 13 1-1,0 5-1-15,5 4 0 16,0-5 0-16,5 5 1 0,1 1-1 16,4-1 1-16,1-9-1 15,5 5 1-15,0-9 0 16,5 4 0-16,1-13 0 16,-1 8 0-16,0-3-1 15,0 0 1-15,1 4-1 16,4-5 1-16,1 0-1 0,0-8 1 15,4 12 0-15,1-7 0 16,11-5-1-16,-1 12 1 16,1 1-1-16,-6-5 0 15,0-3 1-15,5 8 0 16,-4-14 0-16,-1 5 0 16,0 9 0-1,0 0 0-15,-5-5 0 16,5-4 0-16,0 1 0 15,-10 3 0-15,5-5-1 16,5 2 1-16,5-6-1 16,6 5 1-16,0-8-1 0,5-1 1 15,5 5-1-15,6-10 0 16,5 1 0-16,-6 4 0 0,12-4 0 16,-6 0 1-16,5-4-1 15,-5-10 1-15,5 0 0 16,-5 2 0-16,5-2 0 15,0-4 1-15,11 0-1 16,0 5 0-16,5-9 0 16,0 13 0-16,-10-8-1 0,-1-15 1 15,1 5-1-15,-1 1 1 16,1-5-1-16,-1 4 1 16,-10-12-1-16,0-1 1 15,0 5-1-15,5-5 0 16,0-5 0-1,0-3 1-15,6 8-1 16,-6-8 0-16,6-5 0 16,-6 0 0-16,0-10 0 15,0 2 0-15,-5-1 0 16,0-8 0-16,0 8 0 0,-11-9 0 16,1 1 0-16,-6-5 0 15,5 4 0-15,0-4 1 16,11 0-1-16,-5 4 0 0,0-3 0 15,-1-2 0-15,1 6 0 16,-1 0 0-16,-4-14 0 16,-1-5 0-16,6 15 0 15,-1-6 1-15,1 5-1 16,0-9 0-16,-6 10 0 16,6-7 0-1,-11-2 0-15,0 0 1 16,5-1-1-16,0-5 0 15,1 5 0-15,-1-3 1 16,6-2-1-16,-1 0 0 16,1 2 0-16,5 3 0 0,5-5 0 15,-5-3 1-15,5 3-1 16,-5-3 0 0,21-18 0-1,-10 5 0-15,-1-10 0 0,6 5 1 16,-6 3-1-16,-4-3 0 15,-7 9 0-15,1-5 1 16,-5-4-1-16,0 0 0 16,-6-5 0-16,0 5 0 0,1-5 0 15,-1 14 0-15,0-9 0 16,-5 4 0-16,0-4 0 16,0 0 0-16,-5-5 0 15,5 0 0-15,-10-3 0 31,-1-2 1-31,1 1-1 16,-12 0 0-16,1 0 0 0,0 0 0 16,0 0 0-16,0 0 0 15,0 9 0-15,0-9 0 16,5 4 0-16,-5-3 0 16,5 3 0-16,0-4 0 0,0 4 0 15,0-4 0-15,1 0-1 16,4 0 1-16,-5 0 0 15,0 0 1-15,1 1-2 16,-1-2 1-16,-5-3 0 0,5 3 0 16,-5 7 0-16,5-12 0 15,-5 7 0-15,0 8 0 16,-6-5 0-16,1-8 0 31,-1 8 0-31,1-4 0 0,-1 8-1 16,1 6 1-16,-6-1-1 15,1 5 1-15,-6 4-1 16,0 0 1-16,0-9-1 16,0 9 1-16,-6-4-1 15,-4-1 1-15,-1 10 0 16,-5-5 0-16,-5 0 0 0,0 8 0 16,-5 5 0-16,-12 0 0 15,7 5 0-15,-6 0 0 16,5 4 0-16,-5 5 0 0,10-6-1 15,-4 5 1-15,-1 2 0 16,0-12 0-16,0 2 0 31,1 5 0-31,4-6 0 16,6 0 0-16,5 1-1 0,0 4 1 16,6 0 0-16,4 0 0 15,1-4-1-15,0-1 1 16,10-8 0-16,-5 0 0 15,5-9-1-15,11 9 1 16,5-5-2-16,-5-12 1 0,6-6 0 16,-1-3 1-16,5 8 0 15,6-9 0-15,5 1 0 16,0-1 0-16,0 0 1 16,0 0 0-16,0 2-3 15,0 2 1-15,-5 0-1 16,0-7 0-16,-11 8 0 0,0-5 0 15,-5 0-1-15,-6 0 1 16,-4 10 1-16,-6-5 1 0,-6 4 0 16,-4 5 0-16,-6 4 0 15,-5 4 0-15,-6 5 0 16,-4 4 0-16,-6 0 0 31,-6 0 0-31,6-3 0 0,0-2 0 16,0 0 0-1,5 6 0-15,1-5-1 0,4 9 1 16,6-5-1-16,0 5 1 0,5-2-1 16,5-6 1-16,6 3-1 15,5-5 1-15,0-3-1 16,11 0 0-16,5-1 0 16,-1-13 1-16,12 0-1 15,5-8 1-15,5 7 0 16,0-6 0-16,0-2 0 15,0-5 1-15,-5 2-1 16,-1-5 0-16,-4 3 0 16,-1-8 0-1,1 5 0-15,-6-5 1 16,-5 9-1-16,0 9 0 16,-6-1 1-16,-5 6 0 0,-5-1-1 15,0 5 0-15,-10 4 0 16,-1 4 0-16,-10 10 0 15,0-1 0-15,0 0-1 16,0 0 1-16,5 0-1 16,-5 5 0-16,5-10 0 0,5 2 1 15,6-2-2-15,0-3 1 16,-1-1-1-16,6-4 1 16,6 4-1-16,-6 1 1 15,5-5-2-15,0 0 1 16,6-5-2-16,5 1 1 0,-1-5 0 15,7 1 0-15,-1-5 0 16,0-5 0-16,0 0 1 16,0 0 1-16,-5 5 1 15,-5 0 1-15,-1 0 1 16,-4 0 0-16,-6 0 0 31,0 3 1-31,0 2-1 0,0 8 1 16,0 0-1-16,0 0 0 0,5 8-1 15,-5 10 0-15,0 8-1 16,0 10 1-16,0 13-1 16,0-2 0-16,0 2 0 15,5 0 0-15,0-10 0 16,1-4 0-16,-1-4 0 0,0-4 0 16,-5-6 0-16,6-3 0 15,-1-5-1-15,0-8 1 16,-5-1-1-16,6 0 1 15,-6-4 0-15,0-13 0 16,0-5 0-16,-6-8 0 16,1-5 0-1,0-8 0-15,-1 0 0 16,6 8 1-16,-5 0-1 16,5 8 1-16,0 6-1 15,0 13 1-15,0 4 0 16,0 8 0-16,0 10-1 15,5 13 1-15,-5 8-1 16,6 5 0-16,-1 5 0 0,0 3 0 16,-5-3 0-16,0-5 0 0,0-9 0 15,6-13 0-15,-6-13-1 16,0-18 1-16,-6-13 0 16,6-13 0-16,-5-9-1 15,0-9 1-15,-1-4 0 16,6 4 1-1,-5 4 0-15,5 5 0 16,0 23 0-16,0 3 1 16,0 18-1-16,0 13 1 15,5 13-1-15,-5 18 0 16,0-3-1-16,0 3 1 16,-5 0-2-16,5-5 0 15,-5-8-9-15,5-13 1 0,0-27-13 16,-11-31 1-16</inkml:trace>
         </inkml:traceGroup>
       </inkml:traceGroup>
     </inkml:traceGroup>
@@ -2128,7 +2232,7 @@
 </inkml:ink>
 </file>
 
-<file path=ppt/ink/ink46.xml><?xml version="1.0" encoding="utf-8"?>
+<file path=ppt/ink/ink47.xml><?xml version="1.0" encoding="utf-8"?>
 <inkml:ink xmlns:inkml="http://www.w3.org/2003/InkML">
   <inkml:definitions>
     <inkml:context xml:id="ctx0">
@@ -2155,11 +2259,11 @@
       <inkml:brushProperty name="fitToCurve" value="1"/>
     </inkml:brush>
   </inkml:definitions>
-  <inkml:trace contextRef="#ctx0" brushRef="#br0">307 835 23 0,'-63'10'11'0,"21"-6"5"0,31-4 11 0,-5-9-24 15,0-5 1-15,-5 0 5 16,0 0 0-16,5-5-9 15,0-5 0-15,0 1 8 16,6-5 1 0,-1-10-2-16,6 10 1 0,5-5-3 15,10-5 1-15,6 1-2 16,16-6 0-16,5 1-1 16,16 4 0-16,5 10-2 15,11 0 1-15,0-5-1 16,10 5 1-16,6 4-1 15,15-4 1-15,-4 9-1 0,9 14 0 16,1 5 0-16,-5 15 1 16,-11 8 1-16,0 1 0 15,-11 13-1-15,-10 15 1 16,-6 4-1-16,-15 10 1 0,-6 5-2 16,-15 9 1-16,-17 9-1 31,-15-4 0-31,-11-15 0 15,-5 1 0-15,-21-5-1 0,-22-5 1 16,-15-9-1-16,-11-1 1 16,-21-18-1-16,5-14 0 15,5-14-2-15,-4-15 0 16,-1-18-1-16,0 0 0 16,0-19 0-16,0-5 1 0,16-4-1 15,11-1 1-15,10 1 1 16,11-24 1-16,16 9-1 15,15-13 0-15,17 4 0 16,20 0 1-16,17-5-2 16,10 5 1-16,16 10 0 15,21 8 0-15,5 11 1 0,-5 4 0 16,16 9 0-16,0 0 1 16,5 10 0-16,6 14 1 15,-1 19 0-15,-10 9 0 16,-5 19-1-16,0 19 1 15,-6-1-2-15,-15 15 1 0,-6 9-1 32,-5 5 1-32,-6 10 0 15,-10 4 1-15,-16 9-1 16,-21-9 0-16,-15 5 1 16,-17 0 0-16,-26-10-1 0,-11-4 1 15,-21-10-1-15,-16-14 0 16,0-23-1-16,11-19 0 15,-11-19-2-15,-5-19 0 0,10-23 0 16,6-5 1-16,0-15-2 16,10-17 1-16,11-6 0 15,11-9 1-15,15 0 0 16,16-5 1-16,16 0-1 16,27 0 0-16,16 5 0 15,25 5 0 1,23 9 0-16,4 19 0 15,0 18 0-15,22 15 1 16,-1 19-1-16,6 18 1 16,0 15 0-16,-5 4 1 15,-6 14 0-15,-11 15 0 16,-9 4 0-16,-12 5 0 0,-21 9 1 16,-15 5 1-16,-17 0-1 15,-20 19 0-15,-17-15 0 16,-20 1 0-16,-22 0-1 15,-16-5 1-15,-5-10-2 16,0-9 1-16,-5-28-2 0,-11-19 1 16,0-23-3-16,1-14 1 15,-6-10 0-15,21-24 0 0,10 1-1 16,11 4 0-16,16 0 1 16,11-9 0-16,10-5 1 15,17-4 1-15,15-10 0 16,21-5 0-16,16 14-1 15,10 1 1-15,6 13-6 32,11 15 1-32,-1 0-13 0,11 18 1 15,-5 10-4-15,0 0 0 16</inkml:trace>
+  <inkml:trace contextRef="#ctx0" brushRef="#br0">307 781 23 0,'-63'9'11'0,"21"-5"5"0,31-4 11 0,-5-8-24 15,0-5 1-15,-5 0 5 16,0-1 0-16,5-3-9 15,0-6 0-15,0 2 8 16,6-5 1 0,-1-10-2-16,6 10 1 0,5-5-3 15,10-5 1-15,6 2-2 16,16-6 0-16,5 0-1 16,16 5 0-16,5 9-2 15,11-1 1-15,0-4-1 16,10 5 1-16,6 4-1 15,15-4 1-15,-4 8-1 0,9 13 0 16,1 5 0-16,-5 14 1 16,-11 8 1-16,0 0 0 15,-11 13-1-15,-10 13 1 16,-6 5-1-16,-15 9 1 0,-6 4-2 16,-15 9 1-16,-17 8-1 31,-15-3 0-31,-11-15 0 15,-5 1 0-15,-21-4-1 0,-22-5 1 16,-15-8-1-16,-11-1 1 16,-21-17-1-16,5-14 0 15,5-12-2-15,-4-14 0 16,-1-18-1-16,0 1 0 16,0-18 0-16,0-4 1 0,16-5-1 15,11 0 1-15,10 1 1 16,11-23 1-16,16 8-1 15,15-11 0-15,17 3 0 16,20 0 1-16,17-4-2 16,10 4 1-16,16 9 0 15,21 8 0-15,5 10 1 0,-5 5 0 16,16 7 0-16,0 0 1 16,5 10 0-16,6 13 1 15,-1 18 0-15,-10 8 0 16,-5 18-1-16,0 17 1 15,-6 0-2-15,-15 14 1 0,-6 8-1 32,-5 5 1-32,-6 9 0 15,-10 4 1-15,-16 8-1 16,-21-8 0-16,-15 5 1 16,-17-1 0-16,-26-8-1 0,-11-5 1 15,-21-9-1-15,-16-13 0 16,0-21-1-16,11-18 0 15,-11-18-2-15,-5-18 0 0,10-21 0 16,6-5 1-16,0-14-2 16,10-16 1-16,11-6 0 15,11-8 1-15,15 0 0 16,16-4 1-16,16-1-1 16,27 1 0-16,16 4 0 15,25 4 0 1,23 10 0-16,4 17 0 15,0 16 0-15,22 15 1 16,-1 18-1-16,6 16 1 16,0 15 0-16,-5 3 1 15,-6 13 0-15,-11 14 0 16,-9 4 0-16,-12 5 0 0,-21 8 1 16,-15 5 1-16,-17 0-1 15,-20 18 0-15,-17-15 0 16,-20 2 0-16,-22-1-1 15,-16-4 1-15,-5-9-2 16,0-9 1-16,-5-26-2 0,-11-18 1 16,0-22-3-16,1-12 1 15,-6-10 0-15,21-23 0 0,10 2-1 16,11 3 0-16,16 1 1 16,11-9 0-16,10-5 1 15,17-3 1-15,15-10 0 16,21-5 0-16,16 14-1 15,10 0 1-15,6 13-6 32,11 14 1-32,-1-1-13 0,11 18 1 15,-5 9-4-15,0 0 0 16</inkml:trace>
 </inkml:ink>
 </file>
 
-<file path=ppt/ink/ink47.xml><?xml version="1.0" encoding="utf-8"?>
+<file path=ppt/ink/ink48.xml><?xml version="1.0" encoding="utf-8"?>
 <inkml:ink xmlns:inkml="http://www.w3.org/2003/InkML">
   <inkml:definitions>
     <inkml:context xml:id="ctx0">
@@ -2194,12 +2298,12 @@
         </emma:interpretation>
       </emma:emma>
     </inkml:annotationXML>
-    <inkml:trace contextRef="#ctx0" brushRef="#br0">-1082-269 62 0,'11'-19'31'0,"36"19"-33"16,-36-4 31-16,0-6-31 15,-6-9 0-15,-5-14 0 16,-16-4 1-16,-10 4 4 15,-27 5 1-15,-27 4 1 0,-20 10 0 16,-33 9 2-16,-15 19 1 0,-10 10 0 16,-12 9 0-16,-15 0-3 15,5 14 1-15,0 0-3 16,11 5 0-16,5-1-1 16,5-4 0-16,11 10 1 15,26 4 0-15,11 0-1 16,21 5 1-16,21-10 0 0,22 15 1 15,15-10-2-15,16 10 0 16,21 13-1-16,22 6 0 16,26-1 0-16,10 0 0 15,22-4 0-15,21 0 0 16,5-10-1-16,21 5 1 31,11-9 0-31,5-10 1 0,6-5-1 16,-6-4 0-16,11-5-1 15,5-9 1-15,-11-15 0 16,1-9 0-16,-12-14-1 16,7-9 0-16,15-5 0 0,-11 9 1 15,1-19-1-15,-12 1 0 16,-4-10-1-16,0-5 1 0,-11 1 0 16,-6-1 0-16,-15-4 0 15,-11-10 0-15,1 5 0 16,-1-14 0-16,-16-10 0 15,-10 5 0-15,-16 1-1 16,-11 8 1-16,-21 1-1 31,-10-10 1-31,-22 0-1 0,-10-5 1 16,-16 6-1-16,-5-6 0 16,-16 5 0-16,-22 10 0 15,-15 4 0-15,0 5 1 0,-27 0-1 16,-10 9 1-16,-16 1-1 15,-1 4 1-15,-4 5 0 16,0 4 0-16,20 10 0 16,-4 5 0-16,-11 9-1 15,-1 4 1-15,6 1-1 16,1 4 1-16,-7 1 0 16,1 4 0-16,11-5 0 15,15 5 0-15,27 0 0 0,10 5 0 16,11 10-1-1,10 8 1-15,12 5-1 16,4-4 0-16,11 0 0 16,0-5 0-16,10-5 1 15,6-5 0-15,0-4 0 16,0-9 1-16,5-15 0 16,5-9 0-16,6-5-1 15,10-5 1-15,6-4-1 16,5 0 0-16,0-5 0 15,5 0 0-15,0-4-1 16,6 4 1-16,15 0-1 16,16-5 1-16,21 0 0 15,17 1 0-15,20-1 0 0,11 5 0 16,32 5 0-16,0 5 0 0,15-1 0 16,1 10 1-16,10 14-1 15,0-5 1-15,1 19 0 16,-17 10 0-16,-10 9-1 15,5 14 1-15,-11 0-1 0,-15 19 0 16,-6 9 0-16,-21 10 0 31,-16 9 0-31,-10-5 0 0,-27 15-1 16,-15-6 1-16,-33 20 0 16,-20-5 0-16,-27-5 0 15,-32 0 1-15,-27-9-1 16,-4-5 0-16,-16-9 0 15,-17-5 1-15,-20-10-1 16,-6-13 0-16,-21-10-1 0,0-19 1 16,-21-14 0-16,0-19 0 31,-122-46-1-31,59-6 0 0,31-9 0 16,26 0 1-16,33-4-1 15,20-5 1-15,17-5-1 31,15-14 0-31,22 4 1 16,25-4 0-16,28-5 0 16,20 5 0-16,22-5 0 15,26 1 0-15,16 8 0 16,32 10 0-16,26 0 0 0,43-4 0 16,15 13 0-16,27 10 0 15,16 9 0-15,16 5 0 0,15 14 0 16,1 10 1-16,5 13-1 15,-1 10 0-15,-20 15 0 16,-21 17 1-16,-1 15-1 16,-21 10 0-16,-26 13-1 15,-26 15 1-15,-17 5 0 16,-26-6 0-16,-21 10 0 0,-16 5 0 16,-15-5 0-16,-28 10 0 15,-26-6 0-15,-26-4 0 16,-26 1 0-16,-28 3 0 15,-20-18 0-15,-27-9 1 0,-10-10-1 16,-6-14 0-16,-10-14 0 31,-16-10 0-31,-5-4-1 16,10-9 1-16,-10-6-1 16,5-8 1-16,15-15 0 15,17-9 0-15,21-15-1 16,21-23 1-16,21-14-1 15,21-18 0-15,17-6-1 16,25 1 1-16,27-1 0 0,16 5 0 0,22-4 0 16,20 0 1-16,32 8 0 15,32 1 1-15,26 5 0 16,16-5 0-16,37 23-1 16,27 10 1-16,16 0-1 15,4 19 1-15,7 14-1 31,-7 18 0-31,-15-4 0 0,-5 19 1 16,-6 18-1-16,-31 24 1 16,-21 24-1-16,-17 9 0 15,-26 9 0-15,-16 15 0 16,-31-6 0-16,-27 11 0 0,-32 3 0 16,-26 11 0-16,-42-1 0 15,-43-9 1-15,-21-5-1 16,-27-4 1-16,-31-6-1 15,-11-8 1-15,-10-24 0 16,0-10 0-16,-11-23-1 16,0-19 0-16,10-23-1 0,-15-5 1 15,16-19 0-15,10-14 0 16,16 0 0 0,21-19 1-16,27-5-1 15,16-4 0-15,15-14 0 16,32-1 0-16,27 10-1 15,26 0 0-15,42 0-1 16,33 0 0-16,41-4-7 16,38-1 1-16,42 5-14 15,21-5 1-15</inkml:trace>
+    <inkml:trace contextRef="#ctx0" brushRef="#br0">-1383-306 62 0,'9'-16'31'0,"32"16"-33"16,-31-3 31-16,0-6-31 15,-6-7 0-15,-4-12 0 16,-14-3 1-16,-9 3 4 15,-23 4 1-15,-24 4 1 0,-18 8 0 16,-29 8 2-16,-13 15 1 0,-8 10 0 16,-11 7 0-16,-14 0-3 15,5 12 1-15,1 0-3 16,8 4 0-16,5-1-1 16,5-3 0-16,9 8 1 15,23 4 0-15,10 0-1 16,18 4 1-16,18-9 0 0,20 14 1 15,13-9-2-15,14 8 0 16,18 11-1-16,20 6 0 16,23-2 0-16,8 1 0 15,19-4 0-15,19 0 0 16,5-8-1-16,18 3 1 31,9-6 0-31,5-9 1 0,5-5-1 16,-5-3 0-16,9-4-1 15,5-8 1-15,-10-12 0 16,1-8 0-16,-10-12-1 16,6-8 0-16,12-4 0 0,-8 8 1 15,0-16-1-15,-11 0 0 16,-3-8-1-16,0-4 1 0,-9 0 0 16,-6 0 0-16,-13-3 0 15,-10-10 0-15,2 5 0 16,-2-11 0-16,-14-10 0 15,-8 5 0-15,-15 1-1 16,-9 7 1-16,-19 0-1 31,-8-8 1-31,-20 0-1 0,-8-4 1 16,-14 5-1-16,-5-5 0 16,-14 4 0-16,-19 8 0 15,-14 4 0-15,1 4 1 0,-24 0-1 16,-9 8 1-16,-14 0-1 15,0 4 1-15,-5 5 0 16,1 2 0-16,18 9 0 16,-5 5 0-16,-8 7-1 15,-2 3 1-15,5 1-1 16,2 4 1-16,-7 0 0 16,1 4 0-16,10-4 0 15,13 4 0-15,24 0 0 0,8 4 0 16,10 9-1-1,9 6 1-15,11 5-1 16,2-4 0-16,11 0 0 16,0-4 0-16,8-4 1 15,5-5 0-15,1-2 0 16,0-9 1-16,4-12 0 16,4-8 0-16,6-4-1 15,8-5 1-15,6-2-1 16,4-1 0-16,0-4 0 15,4 0 0-15,0-4-1 16,6 4 1-16,13 0-1 16,14-4 1-16,18 0 0 15,15 0 0-15,18 0 0 0,10 4 0 16,27 4 0-16,0 5 0 0,14-1 0 16,1 8 1-16,8 12-1 15,0-5 1-15,1 17 0 16,-14 9 0-16,-10 7-1 15,5 12 1-15,-10-1-1 0,-13 17 0 16,-5 8 0-16,-19 8 0 31,-13 8 0-31,-10-4 0 0,-23 12-1 16,-13-5 1-16,-29 17 0 16,-18-4 0-16,-24-4 0 15,-27 0 1-15,-24-8-1 16,-4-5 0-16,-14-6 0 15,-14-6 1-15,-19-7-1 16,-4-12 0-16,-19-8-1 0,0-16 1 16,-18-12 0-16,-1-16 0 31,-106-40-1-31,51-4 0 0,28-8 0 16,23 0 1-16,28-4-1 15,18-3 1-15,15-5-1 31,13-12 0-31,19 4 1 16,22-4 0-16,25-4 0 16,17 4 0-16,20-4 0 15,22 1 0-15,15 6 0 16,27 9 0-16,24 1 0 0,37-5 0 16,13 12 0-16,24 8 0 15,14 8 0-15,14 4 0 0,13 12 0 16,1 9 1-16,4 10-1 15,0 9 0-15,-18 13 0 16,-19 14 1-16,0 13-1 16,-19 8 0-16,-22 12-1 15,-24 12 1-15,-14 4 0 16,-23-4 0-16,-19 7 0 0,-13 5 0 16,-14-4 0-16,-24 9 0 15,-23-6 0-15,-23-3 0 16,-23 0 0-16,-24 3 0 15,-18-15 0-15,-23-7 1 0,-10-10-1 16,-4-11 0-16,-9-12 0 31,-15-8 0-31,-3-4-1 16,8-8 1-16,-9-4-1 16,5-8 1-16,12-12 0 15,16-8 0-15,18-12-1 16,19-20 1-16,18-12-1 15,18-15 0-15,16-5-1 16,21 0 1-16,24 0 0 0,14 4 0 0,19-4 0 16,18 1 1-16,28 6 0 15,28 1 1-15,23 5 0 16,14-5 0-16,32 20-1 16,24 8 1-16,14 0-1 15,3 17 1-15,7 11-1 31,-6 15 0-31,-14-2 0 0,-4 15 1 16,-5 15-1-16,-28 21 1 16,-18 20-1-16,-15 8 0 15,-22 8 0-15,-15 12 0 16,-27-5 0-16,-23 10 0 0,-29 2 0 16,-22 9 0-16,-38 0 0 15,-37-8 1-15,-18-4-1 16,-24-4 1-16,-27-5-1 15,-10-7 1-15,-9-20 0 16,0-8 0-16,-9-20-1 16,0-16 0-16,8-20-1 0,-13-4 1 15,15-16 0-15,8-12 0 16,14 1 0 0,18-17 1-16,24-5-1 15,15-2 0-15,12-13 0 16,29 0 0-16,23 8-1 15,23 0 0-15,36 0-1 16,30 0 0-16,36-3-7 16,33-1 1-16,37 4-14 15,18-5 1-15</inkml:trace>
   </inkml:traceGroup>
 </inkml:ink>
 </file>
 
-<file path=ppt/ink/ink48.xml><?xml version="1.0" encoding="utf-8"?>
+<file path=ppt/ink/ink49.xml><?xml version="1.0" encoding="utf-8"?>
 <inkml:ink xmlns:inkml="http://www.w3.org/2003/InkML">
   <inkml:definitions>
     <inkml:context xml:id="ctx0">
@@ -2233,44 +2337,6 @@
       </emma:emma>
     </inkml:annotationXML>
     <inkml:trace contextRef="#ctx0" brushRef="#br0">5 16 0,'0'0'0,"0"0"15,0 0-15,0 0 16,0 0-16,0 0 16,0 0-16,0 0 15,0 0-15,0 0 16,0 0-16,0 0 16,-5-16-16,5 16 0,0 0 15</inkml:trace>
-  </inkml:traceGroup>
-</inkml:ink>
-</file>
-
-<file path=ppt/ink/ink49.xml><?xml version="1.0" encoding="utf-8"?>
-<inkml:ink xmlns:inkml="http://www.w3.org/2003/InkML">
-  <inkml:definitions>
-    <inkml:context xml:id="ctx0">
-      <inkml:inkSource xml:id="inkSrc0">
-        <inkml:traceFormat>
-          <inkml:channel name="X" type="integer" max="9600" units="cm"/>
-          <inkml:channel name="Y" type="integer" max="7200" units="cm"/>
-          <inkml:channel name="T" type="integer" max="2.14748E9" units="dev"/>
-        </inkml:traceFormat>
-        <inkml:channelProperties>
-          <inkml:channelProperty channel="X" name="resolution" value="377.95276" units="1/cm"/>
-          <inkml:channelProperty channel="Y" name="resolution" value="425.28058" units="1/cm"/>
-          <inkml:channelProperty channel="T" name="resolution" value="1" units="1/dev"/>
-        </inkml:channelProperties>
-      </inkml:inkSource>
-      <inkml:timestamp xml:id="ts0" timeString="2016-08-21T12:42:32.599"/>
-    </inkml:context>
-    <inkml:brush xml:id="br0">
-      <inkml:brushProperty name="width" value="0.05" units="cm"/>
-      <inkml:brushProperty name="height" value="0.05" units="cm"/>
-      <inkml:brushProperty name="color" value="#ED1C24"/>
-      <inkml:brushProperty name="fitToCurve" value="1"/>
-    </inkml:brush>
-  </inkml:definitions>
-  <inkml:traceGroup>
-    <inkml:annotationXML>
-      <emma:emma xmlns:emma="http://www.w3.org/2003/04/emma" version="1.0">
-        <emma:interpretation id="{1CA0915D-19B3-4E6B-B431-E0D8BDB46152}" emma:medium="tactile" emma:mode="ink">
-          <msink:context xmlns:msink="http://schemas.microsoft.com/ink/2010/main" type="inkDrawing" rotatedBoundingBox="16068,8213 16083,8213 16083,8228 16068,8228" shapeName="Other"/>
-        </emma:interpretation>
-      </emma:emma>
-    </inkml:annotationXML>
-    <inkml:trace contextRef="#ctx0" brushRef="#br0">0 0 0,'0'0'0,"0"0"15,0 0 1,0 0 0,0 0-1,0 0 1,0 0 0</inkml:trace>
   </inkml:traceGroup>
 </inkml:ink>
 </file>
@@ -2380,6 +2446,44 @@
         <inkml:traceFormat>
           <inkml:channel name="X" type="integer" max="9600" units="cm"/>
           <inkml:channel name="Y" type="integer" max="7200" units="cm"/>
+          <inkml:channel name="T" type="integer" max="2.14748E9" units="dev"/>
+        </inkml:traceFormat>
+        <inkml:channelProperties>
+          <inkml:channelProperty channel="X" name="resolution" value="377.95276" units="1/cm"/>
+          <inkml:channelProperty channel="Y" name="resolution" value="425.28058" units="1/cm"/>
+          <inkml:channelProperty channel="T" name="resolution" value="1" units="1/dev"/>
+        </inkml:channelProperties>
+      </inkml:inkSource>
+      <inkml:timestamp xml:id="ts0" timeString="2016-08-21T12:42:32.599"/>
+    </inkml:context>
+    <inkml:brush xml:id="br0">
+      <inkml:brushProperty name="width" value="0.05" units="cm"/>
+      <inkml:brushProperty name="height" value="0.05" units="cm"/>
+      <inkml:brushProperty name="color" value="#ED1C24"/>
+      <inkml:brushProperty name="fitToCurve" value="1"/>
+    </inkml:brush>
+  </inkml:definitions>
+  <inkml:traceGroup>
+    <inkml:annotationXML>
+      <emma:emma xmlns:emma="http://www.w3.org/2003/04/emma" version="1.0">
+        <emma:interpretation id="{1CA0915D-19B3-4E6B-B431-E0D8BDB46152}" emma:medium="tactile" emma:mode="ink">
+          <msink:context xmlns:msink="http://schemas.microsoft.com/ink/2010/main" type="inkDrawing" rotatedBoundingBox="16068,8213 16083,8213 16083,8228 16068,8228" shapeName="Other"/>
+        </emma:interpretation>
+      </emma:emma>
+    </inkml:annotationXML>
+    <inkml:trace contextRef="#ctx0" brushRef="#br0">0 0 0,'0'0'0,"0"0"15,0 0 1,0 0 0,0 0-1,0 0 1,0 0 0</inkml:trace>
+  </inkml:traceGroup>
+</inkml:ink>
+</file>
+
+<file path=ppt/ink/ink51.xml><?xml version="1.0" encoding="utf-8"?>
+<inkml:ink xmlns:inkml="http://www.w3.org/2003/InkML">
+  <inkml:definitions>
+    <inkml:context xml:id="ctx0">
+      <inkml:inkSource xml:id="inkSrc0">
+        <inkml:traceFormat>
+          <inkml:channel name="X" type="integer" max="9600" units="cm"/>
+          <inkml:channel name="Y" type="integer" max="7200" units="cm"/>
           <inkml:channel name="F" type="integer" max="256" units="dev"/>
           <inkml:channel name="T" type="integer" max="2.14748E9" units="dev"/>
         </inkml:traceFormat>
@@ -2412,7 +2516,7 @@
 </inkml:ink>
 </file>
 
-<file path=ppt/ink/ink51.xml><?xml version="1.0" encoding="utf-8"?>
+<file path=ppt/ink/ink52.xml><?xml version="1.0" encoding="utf-8"?>
 <inkml:ink xmlns:inkml="http://www.w3.org/2003/InkML">
   <inkml:definitions>
     <inkml:context xml:id="ctx0">
@@ -2445,7 +2549,7 @@
 </inkml:ink>
 </file>
 
-<file path=ppt/ink/ink52.xml><?xml version="1.0" encoding="utf-8"?>
+<file path=ppt/ink/ink53.xml><?xml version="1.0" encoding="utf-8"?>
 <inkml:ink xmlns:inkml="http://www.w3.org/2003/InkML">
   <inkml:definitions>
     <inkml:context xml:id="ctx0">
@@ -2478,7 +2582,7 @@
 </inkml:ink>
 </file>
 
-<file path=ppt/ink/ink53.xml><?xml version="1.0" encoding="utf-8"?>
+<file path=ppt/ink/ink54.xml><?xml version="1.0" encoding="utf-8"?>
 <inkml:ink xmlns:inkml="http://www.w3.org/2003/InkML">
   <inkml:definitions>
     <inkml:context xml:id="ctx0">
@@ -2511,7 +2615,7 @@
 </inkml:ink>
 </file>
 
-<file path=ppt/ink/ink54.xml><?xml version="1.0" encoding="utf-8"?>
+<file path=ppt/ink/ink55.xml><?xml version="1.0" encoding="utf-8"?>
 <inkml:ink xmlns:inkml="http://www.w3.org/2003/InkML">
   <inkml:definitions>
     <inkml:context xml:id="ctx0">
@@ -2599,14 +2703,14 @@
               </emma:interpretation>
             </emma:emma>
           </inkml:annotationXML>
-          <inkml:trace contextRef="#ctx0" brushRef="#br0" timeOffset="1121.8328">1072 2335 31 0,'-48'5'15'0,"-31"-10"-4"0,55 16 13 16,-18 15-21-16,-12 33 1 16,-12-5 2-16,0 10 1 15,6 5-9-15,12-5 0 16,11-5 5 0,19 0 0-16,24-5-1 15,24-12 0-15,25-20-1 16,17-12 1-16,30 1 0 15,18 0 0-15,13 16 0 16,-7-11 1-16,0 5-1 16,-23 6 1-16,-19-6 0 15,-18 11 1-15,-24 0 0 0,-30-5 0 16,-36 10-1-16,-36 6 1 16,-96 27-2-1,-7-6 1-15,7-11-4 16,11-15 0-16,7-6-4 15,18-11 0-15,17-5-7 16,25 0 0-16,24-10-7 16,24-17 1-16</inkml:trace>
+          <inkml:trace contextRef="#ctx0" brushRef="#br0" timeOffset="1121.8327">1072 2335 31 0,'-48'5'15'0,"-31"-10"-4"0,55 16 13 16,-18 15-21-16,-12 33 1 16,-12-5 2-16,0 10 1 15,6 5-9-15,12-5 0 16,11-5 5 0,19 0 0-16,24-5-1 15,24-12 0-15,25-20-1 16,17-12 1-16,30 1 0 15,18 0 0-15,13 16 0 16,-7-11 1-16,0 5-1 16,-23 6 1-16,-19-6 0 15,-18 11 1-15,-24 0 0 0,-30-5 0 16,-36 10-1-16,-36 6 1 16,-96 27-2-1,-7-6 1-15,7-11-4 16,11-15 0-16,7-6-4 15,18-11 0-15,17-5-7 16,25 0 0-16,24-10-7 16,24-17 1-16</inkml:trace>
           <inkml:trace contextRef="#ctx0" brushRef="#br0" timeOffset="1753.5632">1463 2982 48 0,'-48'32'24'0,"126"-64"-17"0,-48 21 36 0,18-5-41 15,0-11 1-15,24-10 0 31,19-6 1-31,11 0-7 16,0 11 1-16,13 0-2 0,5 5 0 16,-12-10-12-16,6-6 0 15</inkml:trace>
           <inkml:trace contextRef="#ctx0" brushRef="#br0" timeOffset="1537.7006">1601 2185 36 0,'-72'0'18'0,"0"32"-14"0,60-21 34 16,0 0-32-16,18 5 1 15,6-6 2-15,24 1 1 16,12-6-13-16,18-10 0 16,24-11 8-16,25-11 0 15,11 0-6-15,6-5 0 0,1 11-6 16,-25 16 0-16,-18 10-10 16,-12 6 0-16</inkml:trace>
           <inkml:trace contextRef="#ctx0" brushRef="#br0" timeOffset="1352.7751">1758 2287 46 0,'0'10'23'0,"0"28"-20"15,0-1 37-15,0 22-38 16,0-11 0-16,0 65 2 16,12-23 1-16,6 23-7 15,6-6 0-15,6-16-2 0,0-17 1 16,0-25-11-16,0-28 1 15,0-37-3-15,-6-16 1 16</inkml:trace>
           <inkml:trace contextRef="#ctx0" brushRef="#br0" timeOffset="1975.5913">2792 2062 54 0,'-24'-5'27'0,"42"-1"-20"16,-6 28 40 0,0 15-41-16,0 22 1 15,0 21 1-15,0 11 1 16,7 5-14-16,5 1 1 15,6-6-2-15,6-17 0 0,6-20-14 16,-6-33 1-16</inkml:trace>
           <inkml:trace contextRef="#ctx0" brushRef="#br0" timeOffset="2595.9618">3604 3014 26 0,'-6'11'13'0,"-12"-17"11"0,18-4 2 0,0-12-20 16,-6-15 1-16,0-22 3 15,0-27 1-15,-6-15-14 0,6-11 1 16,-6-11 9-16,0 5 0 16,6 0-3-16,6 22 1 15,0 16-2-15,6 21 1 32,6 27-1-32,12 32 0 0,-6 11-2 15,12 42 0-15,13 33 0 16,17 21 0-16,6-6-1 15,6-5 1-15,-6-15-1 16,-6-23 1-16,-11-25 1 16,-7-17 0-16,-12-43 1 15,-6-27 0-15,-6-15-1 0,-6-27 0 16,0 5 0-16,-6-16 0 16,-6 0-4-16,0 27 1 0,0-33-6 15,6 12 0-15,0 20-7 16,6 33 1-16,12 27-9 15,12 37 0-15</inkml:trace>
           <inkml:trace contextRef="#ctx0" brushRef="#br0" timeOffset="2883.6811">4681 2661 55 0,'-18'5'27'0,"12"-74"-35"0,6 26 44 0,0-5-36 15,0-27 1-15,0 0 2 16,0 11 0-16,0-43-2 16,0 6 0-16,6 4 4 0,0 12 0 15,12 10 0-15,-6 16 1 16,6 27-2-16,12 27 1 16,13 10-2-16,5 22 0 15,12 26-2 1,12-5 0-16,12 22-1 15,13-6 1-15,-19-5-3 16,-12-6 1-16,-12-5-4 16,-12-5 1-16,-6-16-9 15,-12-6 0-15,-18-10-7 16,-6-11 1-16</inkml:trace>
-          <inkml:trace contextRef="#ctx0" brushRef="#br0" timeOffset="3079.7681">4591 2035 55 0,'-12'11'27'0,"6"-27"-23"16,6 16 47-16,12 5-48 31,12-10 1-31,24-6-1 0,24-5 1 16,7 0-13-16,-1 0 1 15,12 0-8-15,0 5 0 16,13 1-3-16,-7-1 0 15</inkml:trace>
+          <inkml:trace contextRef="#ctx0" brushRef="#br0" timeOffset="3079.768">4591 2035 55 0,'-12'11'27'0,"6"-27"-23"16,6 16 47-16,12 5-48 31,12-10 1-31,24-6-1 0,24-5 1 16,7 0-13-16,-1 0 1 15,12 0-8-15,0 5 0 16,13 1-3-16,-7-1 0 15</inkml:trace>
           <inkml:trace contextRef="#ctx0" brushRef="#br0" timeOffset="3447.0992">5391 1490 58 0,'-18'-27'29'0,"54"-32"-30"0,-18 43 54 16,0-5-49-16,12-6 1 15,6-5 0-15,25-21 1 16,5 15-10-16,0 6 1 16,0 5 0-16,0 11 1 0,-12 6-10 15,-5 20 0-15,-13 1-8 16,-12 16 0-16</inkml:trace>
           <inkml:trace contextRef="#ctx0" brushRef="#br0" timeOffset="3647.4158">5493 1709 65 0,'18'0'32'0,"49"-27"-34"16,-37 11 60-16,18-5-57 15,12-6 0-15,6-5-3 16,0 5 1-16,-6 6-5 16,-5 5 1-16,-7 5-9 0,0 6 1 15,-12 10-7-15,6 11 1 16</inkml:trace>
           <inkml:trace contextRef="#ctx0" brushRef="#br0" timeOffset="3847.7495">5620 2174 60 0,'-6'27'30'0,"72"-48"-24"16,-36 10 56-16,18-5-56 16,12-16 0-16,6 11 2 15,13-12 1-15,5 1-14 0,0 0 0 16,-18 6 1-16,-6 4 1 0,1 1-19 15,5 5 0-15,6 5-2 16,-12-32 1-16</inkml:trace>
@@ -2832,7 +2936,7 @@
           <inkml:trace contextRef="#ctx0" brushRef="#br0" timeOffset="-462.833">-2840-565 17 0,'-24'-37'8'0,"-5"6"4"0,23 20 9 15,-6-5-16-15,-6 1 0 16,1 10 3-16,-1-6 0 16,0 1-10-16,1-6 1 15,5 5 8-15,0 1 0 16,6-6-2-16,6-15 1 15,6-1-1-15,6 1 0 0,11 5-1 16,7 0 1-16,11-1-1 16,6 6 0-16,6 6-1 15,0 4 1-15,6 6-1 16,-6 5 1-16,0 0-1 16,0 21 0-16,-11-5-1 15,-1 15 0 1,-18 1 0-16,-5-1 1 0,-12 11-2 15,-12 5 1-15,-18 0 0 16,-11 21 0-16,-6-5-1 16,-6-11 1-16,0 1-1 15,-6-6 1-15,0 0-2 16,5-10 1-16,7-1-1 16,0-4 1-16,12-6-1 0,11-5 0 15,12 0 0-15,12 0 1 16,12 0 0-16,11-6 1 15,18 6 0-15,0-10 1 16,12-11-1-16,12-5 0 16,5-11 0-16,-5-5 0 15,0 0-1-15,-12-5 0 0,0 0-1 16,-6 5 0-16,0 0-6 16,-6 5 1-16,-12 11-12 15,1 15 0-15,-1 11-8 16,0 11 1-16</inkml:trace>
           <inkml:trace contextRef="#ctx0" brushRef="#br0" timeOffset="868.7639">-1090-749 28 0,'-6'16'14'0,"29"-11"-1"15,-11-5 14-15,6-5-24 16,5 0 1-16,13-6 2 16,5-10 0-16,0-10-8 15,6-11 0-15,-5 6 6 0,-1-6 0 16,-6-6-2-16,-11 7 1 0,-7 4-2 16,-5 5 1-16,-6 6-1 15,-6 5 0-15,-12 16-1 16,0 10 1-16,1 16-1 15,-1 5 0-15,6 22 0 32,6-1 0-32,12 10 0 0,0 1 1 15,5 0-1-15,1 4 1 16,0-4 0-16,-1 0 0 16,-5-16 0-16,-6-1 1 15,-12-9-1-15,-6-6 0 16,-11-5 0-16,-1 5 0 15,-5-10-1-15,-7 5 1 0,-5-5-1 16,0-6 0-16,0 1 0 16,-1-1 0-16,7-5 0 15,11 0 0-15,1 1 1 16,11-12 0-16,6 12 2 16,12-6 1-16,18 5 1 15,5 0 1 1,12 0 0-16,18-15 1 0,12-1-2 15,6-4 0-15,-7-1-2 16,-5 0 1-16,-6 1-4 16,-6-1 0-16,0-5-6 15,0 10 0-15,0 1-10 16,-12 10 0-16,6-5-7 16,-11 10 0-16</inkml:trace>
           <inkml:trace contextRef="#ctx0" brushRef="#br0" timeOffset="1616.4404">506-1131 28 0,'18'5'14'0,"-6"-10"0"0,-12 5 13 0,0 0-24 16,0 0 1-16,0 0 3 15,0 0 1-15,0 0-8 16,0 0 0-16,0 0 6 15,-6 5 1-15,-12-5-1 0,0 6 0 16,-11-6-2-16,-6 0 1 16,-7 0-1-16,-5-6 0 15,0 6-2-15,6 0 1 16,0 0-2-16,-6 0 1 16,5 0-2-16,1 0 0 15,6 0 0 1,11-5 0-16,6 5-1 15,7-5 0-15,5 0 0 16,6 5 0-16,12 10 0 16,5 11 1-16,1 5-1 15,0 6 0-15,-1 20 0 16,1-5 1-16,0 6 0 16,-7-1 1-16,1-10-1 0,-6-11 0 15,0-5-1-15,0 1 1 0,0-12 0 16,0-9 0-16,5-1-1 15,7-16 1-15,6 6-1 16,5-5 1-16,6 10 0 16,7-11 0-16,5 6 0 15,-6 10 0-15,6 6 0 0,-6 4 0 16,1 6 1-16,-7 0 0 16,-5 11 0-16,-13 10 1 15,-11-11 0-15,-12 11 1 16,-11 0 0-16,-13 0 1 15,-17-6-1-15,-18 1 0 32,-6-11-1-32,1-10 0 0,-1-11-3 15,6-10 0-15,18-6-11 16,24-10 1-16,28-20-11 16,25 4 0-16</inkml:trace>
-          <inkml:trace contextRef="#ctx0" brushRef="#br0" timeOffset="-1661.3041">548 739 19 0,'5'21'9'0,"7"-27"7"0,-12 6 10 15,0 0-20-15,0 0 0 16,0 0 6-16,0 0 0 16,0 0-13-16,-6 0 1 15,0 0 10-15,1-5 1 16,-7-16-3-16,-18-5 1 16,1-21-2-1,-12-21 0-15,-7-5-2 16,-5-11 0-16,0-21-2 15,0 26 0-15,0 11-1 16,6 11 0-16,0 4-10 16,6 22 1-16,11 10-15 0,19 5 0 15</inkml:trace>
+          <inkml:trace contextRef="#ctx0" brushRef="#br0" timeOffset="-1661.304">548 739 19 0,'5'21'9'0,"7"-27"7"0,-12 6 10 15,0 0-20-15,0 0 0 16,0 0 6-16,0 0 0 16,0 0-13-16,-6 0 1 15,0 0 10-15,1-5 1 16,-7-16-3-16,-18-5 1 16,1-21-2-1,-12-21 0-15,-7-5-2 16,-5-11 0-16,0-21-2 15,0 26 0-15,0 11-1 16,6 11 0-16,0 4-10 16,6 22 1-16,11 10-15 0,19 5 0 15</inkml:trace>
         </inkml:traceGroup>
       </inkml:traceGroup>
     </inkml:traceGroup>
@@ -2922,7 +3026,7 @@
           <a:p>
             <a:fld id="{CDBABB74-F18E-4162-82D3-4FF62E96D8D2}" type="datetimeFigureOut">
               <a:rPr lang="it-IT" smtClean="0"/>
-              <a:t>23/08/2016</a:t>
+              <a:t>24/08/2016</a:t>
             </a:fld>
             <a:endParaRPr lang="it-IT"/>
           </a:p>
@@ -4459,7 +4563,7 @@
           <a:p>
             <a:fld id="{2F06AD33-72D2-4A0B-9DE7-EE3CF26210B9}" type="slidenum">
               <a:rPr lang="en-US" smtClean="0"/>
-              <a:t>27</a:t>
+              <a:t>26</a:t>
             </a:fld>
             <a:endParaRPr lang="en-US"/>
           </a:p>
@@ -5417,9 +5521,9 @@
           <a:bodyPr/>
           <a:lstStyle/>
           <a:p>
-            <a:fld id="{1155BD12-9FBF-406B-919A-9127524C2112}" type="datetime1">
+            <a:fld id="{D8605B99-D734-49BA-B02C-66CF566A3557}" type="datetime1">
               <a:rPr lang="it-IT" smtClean="0"/>
-              <a:t>23/08/2016</a:t>
+              <a:t>24/08/2016</a:t>
             </a:fld>
             <a:endParaRPr lang="it-IT" dirty="0"/>
           </a:p>
@@ -5585,9 +5689,9 @@
           <a:bodyPr/>
           <a:lstStyle/>
           <a:p>
-            <a:fld id="{A4E3BF13-4042-4A4A-9F64-05E599195D6D}" type="datetime1">
+            <a:fld id="{687AAA2D-9E98-447F-9AC8-8B8BBC8F1471}" type="datetime1">
               <a:rPr lang="it-IT" smtClean="0"/>
-              <a:t>23/08/2016</a:t>
+              <a:t>24/08/2016</a:t>
             </a:fld>
             <a:endParaRPr lang="it-IT"/>
           </a:p>
@@ -5763,9 +5867,9 @@
           <a:bodyPr/>
           <a:lstStyle/>
           <a:p>
-            <a:fld id="{D243CC08-2F9B-46CB-BE28-A366F3A9C377}" type="datetime1">
+            <a:fld id="{B6177EA2-88A4-4DF8-B5A3-5AF75D5F7FEB}" type="datetime1">
               <a:rPr lang="it-IT" smtClean="0"/>
-              <a:t>23/08/2016</a:t>
+              <a:t>24/08/2016</a:t>
             </a:fld>
             <a:endParaRPr lang="it-IT"/>
           </a:p>
@@ -5936,9 +6040,9 @@
           <a:bodyPr/>
           <a:lstStyle/>
           <a:p>
-            <a:fld id="{459A74DC-57DA-476E-9B9D-EDF98FCE45FC}" type="datetime1">
+            <a:fld id="{2E8CA9E5-DA13-4383-AF30-B82612DA5B70}" type="datetime1">
               <a:rPr lang="it-IT" smtClean="0"/>
-              <a:t>23/08/2016</a:t>
+              <a:t>24/08/2016</a:t>
             </a:fld>
             <a:endParaRPr lang="it-IT"/>
           </a:p>
@@ -6181,9 +6285,9 @@
           <a:bodyPr/>
           <a:lstStyle/>
           <a:p>
-            <a:fld id="{A4348989-51F9-446A-8801-DF473F41AD59}" type="datetime1">
+            <a:fld id="{1A8EC6FA-806D-410B-B823-6F306677AAD8}" type="datetime1">
               <a:rPr lang="it-IT" smtClean="0"/>
-              <a:t>23/08/2016</a:t>
+              <a:t>24/08/2016</a:t>
             </a:fld>
             <a:endParaRPr lang="it-IT"/>
           </a:p>
@@ -6410,9 +6514,9 @@
           <a:bodyPr/>
           <a:lstStyle/>
           <a:p>
-            <a:fld id="{1D780BCC-DB57-4ABA-8B67-B6F38D19EBC7}" type="datetime1">
+            <a:fld id="{754B1D85-EC53-4D47-91B3-58DD481942D6}" type="datetime1">
               <a:rPr lang="it-IT" smtClean="0"/>
-              <a:t>23/08/2016</a:t>
+              <a:t>24/08/2016</a:t>
             </a:fld>
             <a:endParaRPr lang="it-IT"/>
           </a:p>
@@ -6774,9 +6878,9 @@
           <a:bodyPr/>
           <a:lstStyle/>
           <a:p>
-            <a:fld id="{C3889ED9-E3AD-4370-98A1-6E6FCB94B52B}" type="datetime1">
+            <a:fld id="{19EFBE19-7487-4C54-B331-05D26EF11F29}" type="datetime1">
               <a:rPr lang="it-IT" smtClean="0"/>
-              <a:t>23/08/2016</a:t>
+              <a:t>24/08/2016</a:t>
             </a:fld>
             <a:endParaRPr lang="it-IT"/>
           </a:p>
@@ -6891,9 +6995,9 @@
           <a:bodyPr/>
           <a:lstStyle/>
           <a:p>
-            <a:fld id="{46137CF9-7281-47D3-BC2B-1B4D0FD7967E}" type="datetime1">
+            <a:fld id="{2C4B2B60-F435-4A1B-8AA9-84B05FDC0247}" type="datetime1">
               <a:rPr lang="it-IT" smtClean="0"/>
-              <a:t>23/08/2016</a:t>
+              <a:t>24/08/2016</a:t>
             </a:fld>
             <a:endParaRPr lang="it-IT"/>
           </a:p>
@@ -6986,9 +7090,9 @@
           <a:bodyPr/>
           <a:lstStyle/>
           <a:p>
-            <a:fld id="{01E8E1A7-6184-4166-8D6B-061D26962BD1}" type="datetime1">
+            <a:fld id="{9F1410EF-698B-4622-BD04-D6DD23160294}" type="datetime1">
               <a:rPr lang="it-IT" smtClean="0"/>
-              <a:t>23/08/2016</a:t>
+              <a:t>24/08/2016</a:t>
             </a:fld>
             <a:endParaRPr lang="it-IT"/>
           </a:p>
@@ -7261,9 +7365,9 @@
           <a:bodyPr/>
           <a:lstStyle/>
           <a:p>
-            <a:fld id="{33C3AFE7-7224-4736-81BC-D9C4F7A8502B}" type="datetime1">
+            <a:fld id="{B1AC9C94-BC10-4F97-B6F8-6C4AC0215A83}" type="datetime1">
               <a:rPr lang="it-IT" smtClean="0"/>
-              <a:t>23/08/2016</a:t>
+              <a:t>24/08/2016</a:t>
             </a:fld>
             <a:endParaRPr lang="it-IT"/>
           </a:p>
@@ -7513,9 +7617,9 @@
           <a:bodyPr/>
           <a:lstStyle/>
           <a:p>
-            <a:fld id="{AE214075-37C8-43FA-81EA-DEE5915D98BA}" type="datetime1">
+            <a:fld id="{59AAF62E-64E4-4D33-8C7C-D4445113CDDC}" type="datetime1">
               <a:rPr lang="it-IT" smtClean="0"/>
-              <a:t>23/08/2016</a:t>
+              <a:t>24/08/2016</a:t>
             </a:fld>
             <a:endParaRPr lang="it-IT"/>
           </a:p>
@@ -7703,7 +7807,7 @@
         </p:nvSpPr>
         <p:spPr>
           <a:xfrm>
-            <a:off x="838200" y="6356352"/>
+            <a:off x="4356196" y="3814418"/>
             <a:ext cx="2743200" cy="365125"/>
           </a:xfrm>
           <a:prstGeom prst="rect">
@@ -7724,9 +7828,9 @@
             </a:lvl1pPr>
           </a:lstStyle>
           <a:p>
-            <a:fld id="{C7B027B4-E11B-4897-84B3-F71E051A4403}" type="datetime1">
+            <a:fld id="{D64066E6-87AD-46A7-9224-66C045FB7427}" type="datetime1">
               <a:rPr lang="it-IT" smtClean="0"/>
-              <a:t>23/08/2016</a:t>
+              <a:t>24/08/2016</a:t>
             </a:fld>
             <a:endParaRPr lang="it-IT"/>
           </a:p>
@@ -7744,8 +7848,8 @@
         </p:nvSpPr>
         <p:spPr>
           <a:xfrm>
-            <a:off x="4038600" y="6356352"/>
-            <a:ext cx="4114800" cy="365125"/>
+            <a:off x="4834337" y="3161538"/>
+            <a:ext cx="4086298" cy="544513"/>
           </a:xfrm>
           <a:prstGeom prst="rect">
             <a:avLst/>
@@ -7765,7 +7869,7 @@
             </a:lvl1pPr>
           </a:lstStyle>
           <a:p>
-            <a:endParaRPr lang="it-IT"/>
+            <a:endParaRPr lang="it-IT" dirty="0"/>
           </a:p>
         </p:txBody>
       </p:sp>
@@ -7781,8 +7885,8 @@
         </p:nvSpPr>
         <p:spPr>
           <a:xfrm>
-            <a:off x="8610600" y="6356352"/>
-            <a:ext cx="2743200" cy="365125"/>
+            <a:off x="9925776" y="6356352"/>
+            <a:ext cx="1428023" cy="365125"/>
           </a:xfrm>
           <a:prstGeom prst="rect">
             <a:avLst/>
@@ -7818,7 +7922,7 @@
         </p:nvSpPr>
         <p:spPr>
           <a:xfrm>
-            <a:off x="1167448" y="6291854"/>
+            <a:off x="2458452" y="6274626"/>
             <a:ext cx="2669320" cy="492443"/>
           </a:xfrm>
           <a:prstGeom prst="rect">
@@ -7893,7 +7997,7 @@
         </p:blipFill>
         <p:spPr>
           <a:xfrm>
-            <a:off x="838200" y="6367125"/>
+            <a:off x="2149731" y="6345778"/>
             <a:ext cx="329248" cy="341900"/>
           </a:xfrm>
           <a:prstGeom prst="rect">
@@ -7909,7 +8013,7 @@
         </p:nvSpPr>
         <p:spPr>
           <a:xfrm>
-            <a:off x="4071188" y="6383853"/>
+            <a:off x="5697560" y="6354297"/>
             <a:ext cx="3876118" cy="344604"/>
           </a:xfrm>
           <a:prstGeom prst="rect">
@@ -7957,6 +8061,36 @@
           </a:p>
         </p:txBody>
       </p:sp>
+      <p:pic>
+        <p:nvPicPr>
+          <p:cNvPr id="10" name="Picture 9"/>
+          <p:cNvPicPr>
+            <a:picLocks noChangeAspect="1"/>
+          </p:cNvPicPr>
+          <p:nvPr userDrawn="1"/>
+        </p:nvPicPr>
+        <p:blipFill>
+          <a:blip r:embed="rId16">
+            <a:extLst>
+              <a:ext uri="{28A0092B-C50C-407E-A947-70E740481C1C}">
+                <a14:useLocalDpi xmlns:a14="http://schemas.microsoft.com/office/drawing/2010/main" val="0"/>
+              </a:ext>
+            </a:extLst>
+          </a:blip>
+          <a:stretch>
+            <a:fillRect/>
+          </a:stretch>
+        </p:blipFill>
+        <p:spPr>
+          <a:xfrm>
+            <a:off x="838200" y="6345779"/>
+            <a:ext cx="347372" cy="347372"/>
+          </a:xfrm>
+          <a:prstGeom prst="rect">
+            <a:avLst/>
+          </a:prstGeom>
+        </p:spPr>
+      </p:pic>
     </p:spTree>
     <p:extLst>
       <p:ext uri="{BB962C8B-B14F-4D97-AF65-F5344CB8AC3E}">
@@ -7978,7 +8112,7 @@
     <p:sldLayoutId id="2147483658" r:id="rId10"/>
     <p:sldLayoutId id="2147483659" r:id="rId11"/>
   </p:sldLayoutIdLst>
-  <p:hf sldNum="0" hdr="0" ftr="0" dt="0"/>
+  <p:hf hdr="0" ftr="0" dt="0"/>
   <p:txStyles>
     <p:titleStyle>
       <a:lvl1pPr algn="l" defTabSz="914377" rtl="0" eaLnBrk="1" latinLnBrk="0" hangingPunct="1">
@@ -8291,124 +8425,139 @@
         </p:nvSpPr>
         <p:spPr>
           <a:xfrm>
-            <a:off x="4116964" y="832831"/>
-            <a:ext cx="5593964" cy="1618697"/>
+            <a:off x="3707646" y="832831"/>
+            <a:ext cx="6838419" cy="1858118"/>
           </a:xfrm>
         </p:spPr>
         <p:txBody>
           <a:bodyPr>
-            <a:normAutofit/>
+            <a:noAutofit/>
           </a:bodyPr>
           <a:lstStyle/>
           <a:p>
             <a:pPr algn="l"/>
             <a:r>
-              <a:rPr lang="en-US" sz="4800" dirty="0"/>
+              <a:rPr lang="en-US" dirty="0"/>
               <a:t>Implementing </a:t>
             </a:r>
             <a:r>
-              <a:rPr lang="en-US" sz="4800" b="1" dirty="0"/>
+              <a:rPr lang="en-US" b="1" dirty="0"/>
               <a:t>“static” control flow </a:t>
             </a:r>
             <a:r>
-              <a:rPr lang="en-US" sz="4800" dirty="0"/>
+              <a:rPr lang="en-US" dirty="0"/>
               <a:t>in C++14</a:t>
             </a:r>
-            <a:endParaRPr lang="it-IT" sz="4800" dirty="0"/>
+            <a:endParaRPr lang="it-IT" dirty="0"/>
           </a:p>
         </p:txBody>
       </p:sp>
-      <p:sp>
-        <p:nvSpPr>
-          <p:cNvPr id="6" name="CasellaDiTesto 8"/>
-          <p:cNvSpPr txBox="1"/>
+      <p:grpSp>
+        <p:nvGrpSpPr>
+          <p:cNvPr id="5" name="Group 4"/>
+          <p:cNvGrpSpPr/>
           <p:nvPr/>
-        </p:nvSpPr>
-        <p:spPr>
+        </p:nvGrpSpPr>
+        <p:grpSpPr>
           <a:xfrm>
-            <a:off x="1742110" y="3918247"/>
-            <a:ext cx="5113900" cy="830997"/>
+            <a:off x="1092569" y="3848575"/>
+            <a:ext cx="5763441" cy="830997"/>
+            <a:chOff x="1092569" y="3918247"/>
+            <a:chExt cx="5763441" cy="830997"/>
           </a:xfrm>
-          <a:prstGeom prst="rect">
-            <a:avLst/>
-          </a:prstGeom>
-          <a:noFill/>
-        </p:spPr>
-        <p:txBody>
-          <a:bodyPr wrap="none" rtlCol="0">
-            <a:spAutoFit/>
-          </a:bodyPr>
-          <a:lstStyle/>
-          <a:p>
-            <a:r>
-              <a:rPr lang="it-IT" sz="2800" dirty="0">
+        </p:grpSpPr>
+        <p:sp>
+          <p:nvSpPr>
+            <p:cNvPr id="6" name="CasellaDiTesto 8"/>
+            <p:cNvSpPr txBox="1"/>
+            <p:nvPr/>
+          </p:nvSpPr>
+          <p:spPr>
+            <a:xfrm>
+              <a:off x="1742110" y="3918247"/>
+              <a:ext cx="5113900" cy="830997"/>
+            </a:xfrm>
+            <a:prstGeom prst="rect">
+              <a:avLst/>
+            </a:prstGeom>
+            <a:noFill/>
+          </p:spPr>
+          <p:txBody>
+            <a:bodyPr wrap="none" rtlCol="0">
+              <a:spAutoFit/>
+            </a:bodyPr>
+            <a:lstStyle/>
+            <a:p>
+              <a:r>
+                <a:rPr lang="it-IT" sz="2800" dirty="0">
+                  <a:latin typeface="Consolas" panose="020B0609020204030204" pitchFamily="49" charset="0"/>
+                  <a:cs typeface="Consolas" panose="020B0609020204030204" pitchFamily="49" charset="0"/>
+                  <a:hlinkClick r:id="rId3"/>
+                </a:rPr>
+                <a:t>http://</a:t>
+              </a:r>
+              <a:r>
+                <a:rPr lang="it-IT" sz="2800" b="1" dirty="0">
+                  <a:latin typeface="Consolas" panose="020B0609020204030204" pitchFamily="49" charset="0"/>
+                  <a:cs typeface="Consolas" panose="020B0609020204030204" pitchFamily="49" charset="0"/>
+                  <a:hlinkClick r:id="rId3"/>
+                </a:rPr>
+                <a:t>vittorioromeo.info</a:t>
+              </a:r>
+              <a:endParaRPr lang="it-IT" sz="2800" b="1" dirty="0">
                 <a:latin typeface="Consolas" panose="020B0609020204030204" pitchFamily="49" charset="0"/>
                 <a:cs typeface="Consolas" panose="020B0609020204030204" pitchFamily="49" charset="0"/>
-                <a:hlinkClick r:id="rId3"/>
-              </a:rPr>
-              <a:t>http://</a:t>
-            </a:r>
-            <a:r>
-              <a:rPr lang="it-IT" sz="2800" b="1" dirty="0">
-                <a:latin typeface="Consolas" panose="020B0609020204030204" pitchFamily="49" charset="0"/>
-                <a:cs typeface="Consolas" panose="020B0609020204030204" pitchFamily="49" charset="0"/>
-                <a:hlinkClick r:id="rId3"/>
-              </a:rPr>
-              <a:t>vittorioromeo.info</a:t>
-            </a:r>
-            <a:endParaRPr lang="it-IT" sz="2800" b="1" dirty="0">
-              <a:latin typeface="Consolas" panose="020B0609020204030204" pitchFamily="49" charset="0"/>
-              <a:cs typeface="Consolas" panose="020B0609020204030204" pitchFamily="49" charset="0"/>
-            </a:endParaRPr>
-          </a:p>
-          <a:p>
-            <a:r>
-              <a:rPr lang="it-IT" sz="2000" b="1" dirty="0">
-                <a:latin typeface="Consolas" panose="020B0609020204030204" pitchFamily="49" charset="0"/>
-                <a:cs typeface="Consolas" panose="020B0609020204030204" pitchFamily="49" charset="0"/>
-              </a:rPr>
-              <a:t>vittorio.romeo@</a:t>
-            </a:r>
-            <a:r>
-              <a:rPr lang="it-IT" sz="2000" b="0" dirty="0">
-                <a:latin typeface="Consolas" panose="020B0609020204030204" pitchFamily="49" charset="0"/>
-                <a:cs typeface="Consolas" panose="020B0609020204030204" pitchFamily="49" charset="0"/>
-              </a:rPr>
-              <a:t>outlook.com</a:t>
-            </a:r>
-          </a:p>
-        </p:txBody>
-      </p:sp>
-      <p:pic>
-        <p:nvPicPr>
-          <p:cNvPr id="7" name="Immagine 9"/>
-          <p:cNvPicPr>
-            <a:picLocks noChangeAspect="1"/>
-          </p:cNvPicPr>
-          <p:nvPr/>
-        </p:nvPicPr>
-        <p:blipFill>
-          <a:blip r:embed="rId4" cstate="print">
-            <a:extLst>
-              <a:ext uri="{28A0092B-C50C-407E-A947-70E740481C1C}">
-                <a14:useLocalDpi xmlns:a14="http://schemas.microsoft.com/office/drawing/2010/main" val="0"/>
-              </a:ext>
-            </a:extLst>
-          </a:blip>
-          <a:stretch>
-            <a:fillRect/>
-          </a:stretch>
-        </p:blipFill>
-        <p:spPr>
-          <a:xfrm>
-            <a:off x="1092569" y="4000179"/>
-            <a:ext cx="658496" cy="683800"/>
-          </a:xfrm>
-          <a:prstGeom prst="rect">
-            <a:avLst/>
-          </a:prstGeom>
-        </p:spPr>
-      </p:pic>
+              </a:endParaRPr>
+            </a:p>
+            <a:p>
+              <a:r>
+                <a:rPr lang="it-IT" sz="2000" b="1" dirty="0">
+                  <a:latin typeface="Consolas" panose="020B0609020204030204" pitchFamily="49" charset="0"/>
+                  <a:cs typeface="Consolas" panose="020B0609020204030204" pitchFamily="49" charset="0"/>
+                </a:rPr>
+                <a:t>vittorio.romeo@</a:t>
+              </a:r>
+              <a:r>
+                <a:rPr lang="it-IT" sz="2000" b="0" dirty="0">
+                  <a:latin typeface="Consolas" panose="020B0609020204030204" pitchFamily="49" charset="0"/>
+                  <a:cs typeface="Consolas" panose="020B0609020204030204" pitchFamily="49" charset="0"/>
+                </a:rPr>
+                <a:t>outlook.com</a:t>
+              </a:r>
+            </a:p>
+          </p:txBody>
+        </p:sp>
+        <p:pic>
+          <p:nvPicPr>
+            <p:cNvPr id="7" name="Immagine 9"/>
+            <p:cNvPicPr>
+              <a:picLocks noChangeAspect="1"/>
+            </p:cNvPicPr>
+            <p:nvPr/>
+          </p:nvPicPr>
+          <p:blipFill>
+            <a:blip r:embed="rId4" cstate="print">
+              <a:extLst>
+                <a:ext uri="{28A0092B-C50C-407E-A947-70E740481C1C}">
+                  <a14:useLocalDpi xmlns:a14="http://schemas.microsoft.com/office/drawing/2010/main" val="0"/>
+                </a:ext>
+              </a:extLst>
+            </a:blip>
+            <a:stretch>
+              <a:fillRect/>
+            </a:stretch>
+          </p:blipFill>
+          <p:spPr>
+            <a:xfrm>
+              <a:off x="1092569" y="4000179"/>
+              <a:ext cx="658496" cy="683800"/>
+            </a:xfrm>
+            <a:prstGeom prst="rect">
+              <a:avLst/>
+            </a:prstGeom>
+          </p:spPr>
+        </p:pic>
+      </p:grpSp>
       <p:sp>
         <p:nvSpPr>
           <p:cNvPr id="9" name="Rettangolo 23"/>
@@ -8417,7 +8566,7 @@
         </p:nvSpPr>
         <p:spPr>
           <a:xfrm>
-            <a:off x="1421817" y="5225559"/>
+            <a:off x="1421817" y="5155887"/>
             <a:ext cx="9260539" cy="646331"/>
           </a:xfrm>
           <a:prstGeom prst="rect">
@@ -8487,7 +8636,7 @@
         </p:blipFill>
         <p:spPr>
           <a:xfrm>
-            <a:off x="1998242" y="832831"/>
+            <a:off x="1676012" y="867667"/>
             <a:ext cx="1754942" cy="1754942"/>
           </a:xfrm>
           <a:prstGeom prst="rect">
@@ -8517,7 +8666,7 @@
         </p:blipFill>
         <p:spPr>
           <a:xfrm>
-            <a:off x="8001000" y="4103022"/>
+            <a:off x="7905201" y="3928844"/>
             <a:ext cx="3231110" cy="646222"/>
           </a:xfrm>
           <a:prstGeom prst="rect">
@@ -8928,8 +9077,8 @@
           </a:p>
         </p:txBody>
       </p:sp>
-      <mc:AlternateContent xmlns:mc="http://schemas.openxmlformats.org/markup-compatibility/2006">
-        <mc:Choice xmlns:p14="http://schemas.microsoft.com/office/powerpoint/2010/main" Requires="p14">
+      <mc:AlternateContent xmlns:mc="http://schemas.openxmlformats.org/markup-compatibility/2006" xmlns:p14="http://schemas.microsoft.com/office/powerpoint/2010/main">
+        <mc:Choice Requires="p14">
           <p:contentPart p14:bwMode="auto" r:id="rId8">
             <p14:nvContentPartPr>
               <p14:cNvPr id="5" name="Ink 4"/>
@@ -8942,7 +9091,7 @@
             </p14:xfrm>
           </p:contentPart>
         </mc:Choice>
-        <mc:Fallback>
+        <mc:Fallback xmlns="">
           <p:pic>
             <p:nvPicPr>
               <p:cNvPr id="5" name="Ink 4"/>
@@ -8967,8 +9116,8 @@
           </p:pic>
         </mc:Fallback>
       </mc:AlternateContent>
-      <mc:AlternateContent xmlns:mc="http://schemas.openxmlformats.org/markup-compatibility/2006">
-        <mc:Choice xmlns:p14="http://schemas.microsoft.com/office/powerpoint/2010/main" Requires="p14">
+      <mc:AlternateContent xmlns:mc="http://schemas.openxmlformats.org/markup-compatibility/2006" xmlns:p14="http://schemas.microsoft.com/office/powerpoint/2010/main">
+        <mc:Choice Requires="p14">
           <p:contentPart p14:bwMode="auto" r:id="rId10">
             <p14:nvContentPartPr>
               <p14:cNvPr id="13" name="Ink 12"/>
@@ -8981,7 +9130,7 @@
             </p14:xfrm>
           </p:contentPart>
         </mc:Choice>
-        <mc:Fallback>
+        <mc:Fallback xmlns="">
           <p:pic>
             <p:nvPicPr>
               <p:cNvPr id="13" name="Ink 12"/>
@@ -9006,8 +9155,8 @@
           </p:pic>
         </mc:Fallback>
       </mc:AlternateContent>
-      <mc:AlternateContent xmlns:mc="http://schemas.openxmlformats.org/markup-compatibility/2006">
-        <mc:Choice xmlns:p14="http://schemas.microsoft.com/office/powerpoint/2010/main" Requires="p14">
+      <mc:AlternateContent xmlns:mc="http://schemas.openxmlformats.org/markup-compatibility/2006" xmlns:p14="http://schemas.microsoft.com/office/powerpoint/2010/main">
+        <mc:Choice Requires="p14">
           <p:contentPart p14:bwMode="auto" r:id="rId12">
             <p14:nvContentPartPr>
               <p14:cNvPr id="16" name="Ink 15"/>
@@ -9020,7 +9169,7 @@
             </p14:xfrm>
           </p:contentPart>
         </mc:Choice>
-        <mc:Fallback>
+        <mc:Fallback xmlns="">
           <p:pic>
             <p:nvPicPr>
               <p:cNvPr id="16" name="Ink 15"/>
@@ -9045,8 +9194,8 @@
           </p:pic>
         </mc:Fallback>
       </mc:AlternateContent>
-      <mc:AlternateContent xmlns:mc="http://schemas.openxmlformats.org/markup-compatibility/2006">
-        <mc:Choice xmlns:p14="http://schemas.microsoft.com/office/powerpoint/2010/main" Requires="p14">
+      <mc:AlternateContent xmlns:mc="http://schemas.openxmlformats.org/markup-compatibility/2006" xmlns:p14="http://schemas.microsoft.com/office/powerpoint/2010/main">
+        <mc:Choice Requires="p14">
           <p:contentPart p14:bwMode="auto" r:id="rId14">
             <p14:nvContentPartPr>
               <p14:cNvPr id="22" name="Ink 21"/>
@@ -9059,7 +9208,7 @@
             </p14:xfrm>
           </p:contentPart>
         </mc:Choice>
-        <mc:Fallback>
+        <mc:Fallback xmlns="">
           <p:pic>
             <p:nvPicPr>
               <p:cNvPr id="22" name="Ink 21"/>
@@ -9084,6 +9233,29 @@
           </p:pic>
         </mc:Fallback>
       </mc:AlternateContent>
+      <p:sp>
+        <p:nvSpPr>
+          <p:cNvPr id="4" name="Slide Number Placeholder 3"/>
+          <p:cNvSpPr>
+            <a:spLocks noGrp="1"/>
+          </p:cNvSpPr>
+          <p:nvPr>
+            <p:ph type="sldNum" sz="quarter" idx="12"/>
+          </p:nvPr>
+        </p:nvSpPr>
+        <p:spPr/>
+        <p:txBody>
+          <a:bodyPr/>
+          <a:lstStyle/>
+          <a:p>
+            <a:fld id="{DA00CEBC-9AC0-446C-9417-17B7E0F2B36C}" type="slidenum">
+              <a:rPr lang="it-IT" smtClean="0"/>
+              <a:t>10</a:t>
+            </a:fld>
+            <a:endParaRPr lang="it-IT"/>
+          </a:p>
+        </p:txBody>
+      </p:sp>
     </p:spTree>
     <p:extLst>
       <p:ext uri="{BB962C8B-B14F-4D97-AF65-F5344CB8AC3E}">
@@ -9515,6 +9687,29 @@
           </p:pic>
         </mc:Fallback>
       </mc:AlternateContent>
+      <p:sp>
+        <p:nvSpPr>
+          <p:cNvPr id="3" name="Slide Number Placeholder 2"/>
+          <p:cNvSpPr>
+            <a:spLocks noGrp="1"/>
+          </p:cNvSpPr>
+          <p:nvPr>
+            <p:ph type="sldNum" sz="quarter" idx="12"/>
+          </p:nvPr>
+        </p:nvSpPr>
+        <p:spPr/>
+        <p:txBody>
+          <a:bodyPr/>
+          <a:lstStyle/>
+          <a:p>
+            <a:fld id="{DA00CEBC-9AC0-446C-9417-17B7E0F2B36C}" type="slidenum">
+              <a:rPr lang="it-IT" smtClean="0"/>
+              <a:t>11</a:t>
+            </a:fld>
+            <a:endParaRPr lang="it-IT"/>
+          </a:p>
+        </p:txBody>
+      </p:sp>
     </p:spTree>
     <p:extLst>
       <p:ext uri="{BB962C8B-B14F-4D97-AF65-F5344CB8AC3E}">
@@ -9612,11 +9807,34 @@
         </p:blipFill>
         <p:spPr>
           <a:xfrm>
-            <a:off x="976367" y="1828800"/>
-            <a:ext cx="10239265" cy="4581426"/>
+            <a:off x="1441789" y="1523240"/>
+            <a:ext cx="9308423" cy="4164933"/>
           </a:xfrm>
         </p:spPr>
       </p:pic>
+      <p:sp>
+        <p:nvSpPr>
+          <p:cNvPr id="3" name="Slide Number Placeholder 2"/>
+          <p:cNvSpPr>
+            <a:spLocks noGrp="1"/>
+          </p:cNvSpPr>
+          <p:nvPr>
+            <p:ph type="sldNum" sz="quarter" idx="12"/>
+          </p:nvPr>
+        </p:nvSpPr>
+        <p:spPr/>
+        <p:txBody>
+          <a:bodyPr/>
+          <a:lstStyle/>
+          <a:p>
+            <a:fld id="{DA00CEBC-9AC0-446C-9417-17B7E0F2B36C}" type="slidenum">
+              <a:rPr lang="it-IT" smtClean="0"/>
+              <a:t>12</a:t>
+            </a:fld>
+            <a:endParaRPr lang="it-IT"/>
+          </a:p>
+        </p:txBody>
+      </p:sp>
     </p:spTree>
     <p:extLst>
       <p:ext uri="{BB962C8B-B14F-4D97-AF65-F5344CB8AC3E}">
@@ -9841,6 +10059,29 @@
           </p:pic>
         </mc:Fallback>
       </mc:AlternateContent>
+      <p:sp>
+        <p:nvSpPr>
+          <p:cNvPr id="4" name="Slide Number Placeholder 3"/>
+          <p:cNvSpPr>
+            <a:spLocks noGrp="1"/>
+          </p:cNvSpPr>
+          <p:nvPr>
+            <p:ph type="sldNum" sz="quarter" idx="12"/>
+          </p:nvPr>
+        </p:nvSpPr>
+        <p:spPr/>
+        <p:txBody>
+          <a:bodyPr/>
+          <a:lstStyle/>
+          <a:p>
+            <a:fld id="{DA00CEBC-9AC0-446C-9417-17B7E0F2B36C}" type="slidenum">
+              <a:rPr lang="it-IT" smtClean="0"/>
+              <a:t>13</a:t>
+            </a:fld>
+            <a:endParaRPr lang="it-IT"/>
+          </a:p>
+        </p:txBody>
+      </p:sp>
     </p:spTree>
     <p:extLst>
       <p:ext uri="{BB962C8B-B14F-4D97-AF65-F5344CB8AC3E}">
@@ -10230,11 +10471,34 @@
         </p:blipFill>
         <p:spPr>
           <a:xfrm>
-            <a:off x="3690770" y="1823869"/>
-            <a:ext cx="5714894" cy="4143298"/>
+            <a:off x="3498321" y="1707395"/>
+            <a:ext cx="5195358" cy="3766635"/>
           </a:xfrm>
         </p:spPr>
       </p:pic>
+      <p:sp>
+        <p:nvSpPr>
+          <p:cNvPr id="3" name="Slide Number Placeholder 2"/>
+          <p:cNvSpPr>
+            <a:spLocks noGrp="1"/>
+          </p:cNvSpPr>
+          <p:nvPr>
+            <p:ph type="sldNum" sz="quarter" idx="12"/>
+          </p:nvPr>
+        </p:nvSpPr>
+        <p:spPr/>
+        <p:txBody>
+          <a:bodyPr/>
+          <a:lstStyle/>
+          <a:p>
+            <a:fld id="{DA00CEBC-9AC0-446C-9417-17B7E0F2B36C}" type="slidenum">
+              <a:rPr lang="it-IT" smtClean="0"/>
+              <a:t>14</a:t>
+            </a:fld>
+            <a:endParaRPr lang="it-IT"/>
+          </a:p>
+        </p:txBody>
+      </p:sp>
     </p:spTree>
     <p:extLst>
       <p:ext uri="{BB962C8B-B14F-4D97-AF65-F5344CB8AC3E}">
@@ -10286,6 +10550,29 @@
               <a:t>“Do I have to wait until C++17 is supported in my company/architecture?”</a:t>
             </a:r>
             <a:endParaRPr lang="it-IT" dirty="0"/>
+          </a:p>
+        </p:txBody>
+      </p:sp>
+      <p:sp>
+        <p:nvSpPr>
+          <p:cNvPr id="2" name="Slide Number Placeholder 1"/>
+          <p:cNvSpPr>
+            <a:spLocks noGrp="1"/>
+          </p:cNvSpPr>
+          <p:nvPr>
+            <p:ph type="sldNum" sz="quarter" idx="12"/>
+          </p:nvPr>
+        </p:nvSpPr>
+        <p:spPr/>
+        <p:txBody>
+          <a:bodyPr/>
+          <a:lstStyle/>
+          <a:p>
+            <a:fld id="{DA00CEBC-9AC0-446C-9417-17B7E0F2B36C}" type="slidenum">
+              <a:rPr lang="it-IT" smtClean="0"/>
+              <a:t>15</a:t>
+            </a:fld>
+            <a:endParaRPr lang="it-IT"/>
           </a:p>
         </p:txBody>
       </p:sp>
@@ -10442,14 +10729,37 @@
         </p:blipFill>
         <p:spPr>
           <a:xfrm>
-            <a:off x="8240330" y="480654"/>
-            <a:ext cx="2894412" cy="5696309"/>
+            <a:off x="8484170" y="696686"/>
+            <a:ext cx="2722692" cy="5358357"/>
           </a:xfrm>
           <a:prstGeom prst="rect">
             <a:avLst/>
           </a:prstGeom>
         </p:spPr>
       </p:pic>
+      <p:sp>
+        <p:nvSpPr>
+          <p:cNvPr id="2" name="Slide Number Placeholder 1"/>
+          <p:cNvSpPr>
+            <a:spLocks noGrp="1"/>
+          </p:cNvSpPr>
+          <p:nvPr>
+            <p:ph type="sldNum" sz="quarter" idx="12"/>
+          </p:nvPr>
+        </p:nvSpPr>
+        <p:spPr/>
+        <p:txBody>
+          <a:bodyPr/>
+          <a:lstStyle/>
+          <a:p>
+            <a:fld id="{DA00CEBC-9AC0-446C-9417-17B7E0F2B36C}" type="slidenum">
+              <a:rPr lang="it-IT" smtClean="0"/>
+              <a:t>16</a:t>
+            </a:fld>
+            <a:endParaRPr lang="it-IT"/>
+          </a:p>
+        </p:txBody>
+      </p:sp>
     </p:spTree>
     <p:extLst>
       <p:ext uri="{BB962C8B-B14F-4D97-AF65-F5344CB8AC3E}">
@@ -10615,8 +10925,8 @@
         </p:blipFill>
         <p:spPr>
           <a:xfrm>
-            <a:off x="772212" y="3838562"/>
-            <a:ext cx="4838397" cy="2097029"/>
+            <a:off x="1035682" y="3820666"/>
+            <a:ext cx="4398543" cy="1906390"/>
           </a:xfrm>
           <a:prstGeom prst="rect">
             <a:avLst/>
@@ -10631,7 +10941,7 @@
           </p:cNvPicPr>
           <p:nvPr/>
         </p:nvPicPr>
-        <p:blipFill>
+        <p:blipFill rotWithShape="1">
           <a:blip r:embed="rId3">
             <a:extLst>
               <a:ext uri="{28A0092B-C50C-407E-A947-70E740481C1C}">
@@ -10639,20 +10949,42 @@
               </a:ext>
             </a:extLst>
           </a:blip>
-          <a:stretch>
-            <a:fillRect/>
-          </a:stretch>
+          <a:srcRect l="1053" t="1918"/>
+          <a:stretch/>
         </p:blipFill>
         <p:spPr>
           <a:xfrm>
-            <a:off x="6585695" y="3838562"/>
-            <a:ext cx="4768105" cy="2138032"/>
+            <a:off x="6937463" y="3829373"/>
+            <a:ext cx="4288972" cy="1906390"/>
           </a:xfrm>
           <a:prstGeom prst="rect">
             <a:avLst/>
           </a:prstGeom>
         </p:spPr>
       </p:pic>
+      <p:sp>
+        <p:nvSpPr>
+          <p:cNvPr id="6" name="Slide Number Placeholder 5"/>
+          <p:cNvSpPr>
+            <a:spLocks noGrp="1"/>
+          </p:cNvSpPr>
+          <p:nvPr>
+            <p:ph type="sldNum" sz="quarter" idx="12"/>
+          </p:nvPr>
+        </p:nvSpPr>
+        <p:spPr/>
+        <p:txBody>
+          <a:bodyPr/>
+          <a:lstStyle/>
+          <a:p>
+            <a:fld id="{DA00CEBC-9AC0-446C-9417-17B7E0F2B36C}" type="slidenum">
+              <a:rPr lang="it-IT" smtClean="0"/>
+              <a:t>17</a:t>
+            </a:fld>
+            <a:endParaRPr lang="it-IT"/>
+          </a:p>
+        </p:txBody>
+      </p:sp>
     </p:spTree>
     <p:extLst>
       <p:ext uri="{BB962C8B-B14F-4D97-AF65-F5344CB8AC3E}">
@@ -10747,8 +11079,8 @@
         </p:blipFill>
         <p:spPr>
           <a:xfrm>
-            <a:off x="4583287" y="273377"/>
-            <a:ext cx="7197560" cy="6212264"/>
+            <a:off x="4999895" y="613011"/>
+            <a:ext cx="6328553" cy="5462218"/>
           </a:xfrm>
         </p:spPr>
       </p:pic>
@@ -10805,8 +11137,8 @@
           </a:p>
         </p:txBody>
       </p:sp>
-      <mc:AlternateContent xmlns:mc="http://schemas.openxmlformats.org/markup-compatibility/2006" xmlns:p14="http://schemas.microsoft.com/office/powerpoint/2010/main">
-        <mc:Choice Requires="p14">
+      <mc:AlternateContent xmlns:mc="http://schemas.openxmlformats.org/markup-compatibility/2006">
+        <mc:Choice xmlns:p14="http://schemas.microsoft.com/office/powerpoint/2010/main" Requires="p14">
           <p:contentPart p14:bwMode="auto" r:id="rId4">
             <p14:nvContentPartPr>
               <p14:cNvPr id="7" name="Ink 6"/>
@@ -10814,12 +11146,12 @@
               <p14:nvPr/>
             </p14:nvContentPartPr>
             <p14:xfrm>
-              <a:off x="6584615" y="1006638"/>
-              <a:ext cx="1170000" cy="663120"/>
+              <a:off x="6759019" y="1355629"/>
+              <a:ext cx="1139888" cy="389598"/>
             </p14:xfrm>
           </p:contentPart>
         </mc:Choice>
-        <mc:Fallback xmlns="">
+        <mc:Fallback>
           <p:pic>
             <p:nvPicPr>
               <p:cNvPr id="7" name="Ink 6"/>
@@ -10834,8 +11166,8 @@
             </p:blipFill>
             <p:spPr>
               <a:xfrm>
-                <a:off x="6571295" y="997638"/>
-                <a:ext cx="1197360" cy="685440"/>
+                <a:off x="6745706" y="1346611"/>
+                <a:ext cx="1167234" cy="412325"/>
               </a:xfrm>
               <a:prstGeom prst="rect">
                 <a:avLst/>
@@ -10844,8 +11176,8 @@
           </p:pic>
         </mc:Fallback>
       </mc:AlternateContent>
-      <mc:AlternateContent xmlns:mc="http://schemas.openxmlformats.org/markup-compatibility/2006" xmlns:p14="http://schemas.microsoft.com/office/powerpoint/2010/main">
-        <mc:Choice Requires="p14">
+      <mc:AlternateContent xmlns:mc="http://schemas.openxmlformats.org/markup-compatibility/2006">
+        <mc:Choice xmlns:p14="http://schemas.microsoft.com/office/powerpoint/2010/main" Requires="p14">
           <p:contentPart p14:bwMode="auto" r:id="rId6">
             <p14:nvContentPartPr>
               <p14:cNvPr id="9" name="Ink 8"/>
@@ -10858,7 +11190,7 @@
             </p14:xfrm>
           </p:contentPart>
         </mc:Choice>
-        <mc:Fallback xmlns="">
+        <mc:Fallback>
           <p:pic>
             <p:nvPicPr>
               <p:cNvPr id="9" name="Ink 8"/>
@@ -10883,8 +11215,8 @@
           </p:pic>
         </mc:Fallback>
       </mc:AlternateContent>
-      <mc:AlternateContent xmlns:mc="http://schemas.openxmlformats.org/markup-compatibility/2006" xmlns:p14="http://schemas.microsoft.com/office/powerpoint/2010/main">
-        <mc:Choice Requires="p14">
+      <mc:AlternateContent xmlns:mc="http://schemas.openxmlformats.org/markup-compatibility/2006">
+        <mc:Choice xmlns:p14="http://schemas.microsoft.com/office/powerpoint/2010/main" Requires="p14">
           <p:contentPart p14:bwMode="auto" r:id="rId8">
             <p14:nvContentPartPr>
               <p14:cNvPr id="11" name="Ink 10"/>
@@ -10892,12 +11224,12 @@
               <p14:nvPr/>
             </p14:nvContentPartPr>
             <p14:xfrm>
-              <a:off x="5048135" y="1463118"/>
-              <a:ext cx="1756080" cy="1239120"/>
+              <a:off x="5210053" y="1609301"/>
+              <a:ext cx="1710884" cy="728011"/>
             </p14:xfrm>
           </p:contentPart>
         </mc:Choice>
-        <mc:Fallback xmlns="">
+        <mc:Fallback>
           <p:pic>
             <p:nvPicPr>
               <p:cNvPr id="11" name="Ink 10"/>
@@ -10912,8 +11244,8 @@
             </p:blipFill>
             <p:spPr>
               <a:xfrm>
-                <a:off x="5038415" y="1457718"/>
-                <a:ext cx="1771920" cy="1254240"/>
+                <a:off x="5200334" y="1603908"/>
+                <a:ext cx="1726722" cy="743110"/>
               </a:xfrm>
               <a:prstGeom prst="rect">
                 <a:avLst/>
@@ -10922,8 +11254,8 @@
           </p:pic>
         </mc:Fallback>
       </mc:AlternateContent>
-      <mc:AlternateContent xmlns:mc="http://schemas.openxmlformats.org/markup-compatibility/2006" xmlns:p14="http://schemas.microsoft.com/office/powerpoint/2010/main">
-        <mc:Choice Requires="p14">
+      <mc:AlternateContent xmlns:mc="http://schemas.openxmlformats.org/markup-compatibility/2006">
+        <mc:Choice xmlns:p14="http://schemas.microsoft.com/office/powerpoint/2010/main" Requires="p14">
           <p:contentPart p14:bwMode="auto" r:id="rId10">
             <p14:nvContentPartPr>
               <p14:cNvPr id="13" name="Ink 12"/>
@@ -10936,7 +11268,7 @@
             </p14:xfrm>
           </p:contentPart>
         </mc:Choice>
-        <mc:Fallback xmlns="">
+        <mc:Fallback>
           <p:pic>
             <p:nvPicPr>
               <p:cNvPr id="13" name="Ink 12"/>
@@ -10961,8 +11293,8 @@
           </p:pic>
         </mc:Fallback>
       </mc:AlternateContent>
-      <mc:AlternateContent xmlns:mc="http://schemas.openxmlformats.org/markup-compatibility/2006" xmlns:p14="http://schemas.microsoft.com/office/powerpoint/2010/main">
-        <mc:Choice Requires="p14">
+      <mc:AlternateContent xmlns:mc="http://schemas.openxmlformats.org/markup-compatibility/2006">
+        <mc:Choice xmlns:p14="http://schemas.microsoft.com/office/powerpoint/2010/main" Requires="p14">
           <p:contentPart p14:bwMode="auto" r:id="rId12">
             <p14:nvContentPartPr>
               <p14:cNvPr id="18" name="Ink 17"/>
@@ -10975,7 +11307,7 @@
             </p14:xfrm>
           </p:contentPart>
         </mc:Choice>
-        <mc:Fallback xmlns="">
+        <mc:Fallback>
           <p:pic>
             <p:nvPicPr>
               <p:cNvPr id="18" name="Ink 17"/>
@@ -11167,6 +11499,29 @@
               <a:t>http://boostorg.github.io/hana/index.html#tutorial-type </a:t>
             </a:r>
             <a:endParaRPr lang="it-IT" sz="2400" dirty="0"/>
+          </a:p>
+        </p:txBody>
+      </p:sp>
+      <p:sp>
+        <p:nvSpPr>
+          <p:cNvPr id="3" name="Slide Number Placeholder 2"/>
+          <p:cNvSpPr>
+            <a:spLocks noGrp="1"/>
+          </p:cNvSpPr>
+          <p:nvPr>
+            <p:ph type="sldNum" sz="quarter" idx="12"/>
+          </p:nvPr>
+        </p:nvSpPr>
+        <p:spPr/>
+        <p:txBody>
+          <a:bodyPr/>
+          <a:lstStyle/>
+          <a:p>
+            <a:fld id="{DA00CEBC-9AC0-446C-9417-17B7E0F2B36C}" type="slidenum">
+              <a:rPr lang="it-IT" smtClean="0"/>
+              <a:t>18</a:t>
+            </a:fld>
+            <a:endParaRPr lang="it-IT"/>
           </a:p>
         </p:txBody>
       </p:sp>
@@ -11954,13 +12309,13 @@
         </p:blipFill>
         <p:spPr>
           <a:xfrm>
-            <a:off x="4583287" y="273377"/>
-            <a:ext cx="7197560" cy="6212264"/>
+            <a:off x="5149344" y="464965"/>
+            <a:ext cx="6382887" cy="5509114"/>
           </a:xfrm>
         </p:spPr>
       </p:pic>
-      <mc:AlternateContent xmlns:mc="http://schemas.openxmlformats.org/markup-compatibility/2006" xmlns:p14="http://schemas.microsoft.com/office/powerpoint/2010/main">
-        <mc:Choice Requires="p14">
+      <mc:AlternateContent xmlns:mc="http://schemas.openxmlformats.org/markup-compatibility/2006">
+        <mc:Choice xmlns:p14="http://schemas.microsoft.com/office/powerpoint/2010/main" Requires="p14">
           <p:contentPart p14:bwMode="auto" r:id="rId4">
             <p14:nvContentPartPr>
               <p14:cNvPr id="10" name="Ink 9"/>
@@ -11968,12 +12323,12 @@
               <p14:nvPr/>
             </p14:nvContentPartPr>
             <p14:xfrm>
-              <a:off x="6038855" y="1428918"/>
-              <a:ext cx="5538960" cy="1830960"/>
+              <a:off x="6361074" y="1420046"/>
+              <a:ext cx="4986196" cy="1648238"/>
             </p14:xfrm>
           </p:contentPart>
         </mc:Choice>
-        <mc:Fallback xmlns="">
+        <mc:Fallback>
           <p:pic>
             <p:nvPicPr>
               <p:cNvPr id="10" name="Ink 9"/>
@@ -11988,8 +12343,8 @@
             </p:blipFill>
             <p:spPr>
               <a:xfrm>
-                <a:off x="6029135" y="1423518"/>
-                <a:ext cx="5558760" cy="1846800"/>
+                <a:off x="6350988" y="1414645"/>
+                <a:ext cx="5006368" cy="1664080"/>
               </a:xfrm>
               <a:prstGeom prst="rect">
                 <a:avLst/>
@@ -11998,8 +12353,8 @@
           </p:pic>
         </mc:Fallback>
       </mc:AlternateContent>
-      <mc:AlternateContent xmlns:mc="http://schemas.openxmlformats.org/markup-compatibility/2006" xmlns:p14="http://schemas.microsoft.com/office/powerpoint/2010/main">
-        <mc:Choice Requires="p14">
+      <mc:AlternateContent xmlns:mc="http://schemas.openxmlformats.org/markup-compatibility/2006">
+        <mc:Choice xmlns:p14="http://schemas.microsoft.com/office/powerpoint/2010/main" Requires="p14">
           <p:contentPart p14:bwMode="auto" r:id="rId6">
             <p14:nvContentPartPr>
               <p14:cNvPr id="15" name="Ink 14"/>
@@ -12007,12 +12362,12 @@
               <p14:nvPr/>
             </p14:nvContentPartPr>
             <p14:xfrm>
-              <a:off x="6021935" y="3292998"/>
-              <a:ext cx="5876640" cy="3153960"/>
+              <a:off x="6344154" y="3181017"/>
+              <a:ext cx="5290177" cy="2839209"/>
             </p14:xfrm>
           </p:contentPart>
         </mc:Choice>
-        <mc:Fallback xmlns="">
+        <mc:Fallback>
           <p:pic>
             <p:nvPicPr>
               <p:cNvPr id="15" name="Ink 14"/>
@@ -12027,8 +12382,8 @@
             </p:blipFill>
             <p:spPr>
               <a:xfrm>
-                <a:off x="6011855" y="3287598"/>
-                <a:ext cx="5896080" cy="3169440"/>
+                <a:off x="6334079" y="3175617"/>
+                <a:ext cx="5309608" cy="2854688"/>
               </a:xfrm>
               <a:prstGeom prst="rect">
                 <a:avLst/>
@@ -12088,48 +12443,9 @@
           </a:p>
         </p:txBody>
       </p:sp>
-      <mc:AlternateContent xmlns:mc="http://schemas.openxmlformats.org/markup-compatibility/2006" xmlns:p14="http://schemas.microsoft.com/office/powerpoint/2010/main">
-        <mc:Choice Requires="p14">
+      <mc:AlternateContent xmlns:mc="http://schemas.openxmlformats.org/markup-compatibility/2006">
+        <mc:Choice xmlns:p14="http://schemas.microsoft.com/office/powerpoint/2010/main" Requires="p14">
           <p:contentPart p14:bwMode="auto" r:id="rId8">
-            <p14:nvContentPartPr>
-              <p14:cNvPr id="21" name="Ink 20"/>
-              <p14:cNvContentPartPr/>
-              <p14:nvPr/>
-            </p14:nvContentPartPr>
-            <p14:xfrm>
-              <a:off x="3492215" y="1856958"/>
-              <a:ext cx="7920" cy="13680"/>
-            </p14:xfrm>
-          </p:contentPart>
-        </mc:Choice>
-        <mc:Fallback xmlns="">
-          <p:pic>
-            <p:nvPicPr>
-              <p:cNvPr id="21" name="Ink 20"/>
-              <p:cNvPicPr/>
-              <p:nvPr/>
-            </p:nvPicPr>
-            <p:blipFill>
-              <a:blip r:embed="rId9"/>
-              <a:stretch>
-                <a:fillRect/>
-              </a:stretch>
-            </p:blipFill>
-            <p:spPr>
-              <a:xfrm>
-                <a:off x="3488975" y="1854438"/>
-                <a:ext cx="14040" cy="19080"/>
-              </a:xfrm>
-              <a:prstGeom prst="rect">
-                <a:avLst/>
-              </a:prstGeom>
-            </p:spPr>
-          </p:pic>
-        </mc:Fallback>
-      </mc:AlternateContent>
-      <mc:AlternateContent xmlns:mc="http://schemas.openxmlformats.org/markup-compatibility/2006" xmlns:p14="http://schemas.microsoft.com/office/powerpoint/2010/main">
-        <mc:Choice Requires="p14">
-          <p:contentPart p14:bwMode="auto" r:id="rId10">
             <p14:nvContentPartPr>
               <p14:cNvPr id="22" name="Ink 21"/>
               <p14:cNvContentPartPr/>
@@ -12141,7 +12457,7 @@
             </p14:xfrm>
           </p:contentPart>
         </mc:Choice>
-        <mc:Fallback xmlns="">
+        <mc:Fallback>
           <p:pic>
             <p:nvPicPr>
               <p:cNvPr id="22" name="Ink 21"/>
@@ -12149,7 +12465,7 @@
               <p:nvPr/>
             </p:nvPicPr>
             <p:blipFill>
-              <a:blip r:embed="rId11"/>
+              <a:blip r:embed="rId9"/>
               <a:stretch>
                 <a:fillRect/>
               </a:stretch>
@@ -12166,9 +12482,9 @@
           </p:pic>
         </mc:Fallback>
       </mc:AlternateContent>
-      <mc:AlternateContent xmlns:mc="http://schemas.openxmlformats.org/markup-compatibility/2006" xmlns:p14="http://schemas.microsoft.com/office/powerpoint/2010/main">
-        <mc:Choice Requires="p14">
-          <p:contentPart p14:bwMode="auto" r:id="rId12">
+      <mc:AlternateContent xmlns:mc="http://schemas.openxmlformats.org/markup-compatibility/2006">
+        <mc:Choice xmlns:p14="http://schemas.microsoft.com/office/powerpoint/2010/main" Requires="p14">
+          <p:contentPart p14:bwMode="auto" r:id="rId10">
             <p14:nvContentPartPr>
               <p14:cNvPr id="23" name="Ink 22"/>
               <p14:cNvContentPartPr/>
@@ -12180,7 +12496,7 @@
             </p14:xfrm>
           </p:contentPart>
         </mc:Choice>
-        <mc:Fallback xmlns="">
+        <mc:Fallback>
           <p:pic>
             <p:nvPicPr>
               <p:cNvPr id="23" name="Ink 22"/>
@@ -12188,7 +12504,7 @@
               <p:nvPr/>
             </p:nvPicPr>
             <p:blipFill>
-              <a:blip r:embed="rId13"/>
+              <a:blip r:embed="rId11"/>
               <a:stretch>
                 <a:fillRect/>
               </a:stretch>
@@ -12205,21 +12521,21 @@
           </p:pic>
         </mc:Fallback>
       </mc:AlternateContent>
-      <mc:AlternateContent xmlns:mc="http://schemas.openxmlformats.org/markup-compatibility/2006" xmlns:p14="http://schemas.microsoft.com/office/powerpoint/2010/main">
-        <mc:Choice Requires="p14">
-          <p:contentPart p14:bwMode="auto" r:id="rId14">
+      <mc:AlternateContent xmlns:mc="http://schemas.openxmlformats.org/markup-compatibility/2006">
+        <mc:Choice xmlns:p14="http://schemas.microsoft.com/office/powerpoint/2010/main" Requires="p14">
+          <p:contentPart p14:bwMode="auto" r:id="rId12">
             <p14:nvContentPartPr>
               <p14:cNvPr id="27" name="Ink 26"/>
               <p14:cNvContentPartPr/>
               <p14:nvPr/>
             </p14:nvContentPartPr>
             <p14:xfrm>
-              <a:off x="5608295" y="2264478"/>
-              <a:ext cx="611280" cy="1989360"/>
+              <a:off x="5608294" y="2264478"/>
+              <a:ext cx="817871" cy="1979104"/>
             </p14:xfrm>
           </p:contentPart>
         </mc:Choice>
-        <mc:Fallback xmlns="">
+        <mc:Fallback>
           <p:pic>
             <p:nvPicPr>
               <p:cNvPr id="27" name="Ink 26"/>
@@ -12227,15 +12543,15 @@
               <p:nvPr/>
             </p:nvPicPr>
             <p:blipFill>
-              <a:blip r:embed="rId15"/>
+              <a:blip r:embed="rId13"/>
               <a:stretch>
                 <a:fillRect/>
               </a:stretch>
             </p:blipFill>
             <p:spPr>
               <a:xfrm>
-                <a:off x="5599295" y="2255838"/>
-                <a:ext cx="624240" cy="2003040"/>
+                <a:off x="5599291" y="2255837"/>
+                <a:ext cx="830836" cy="1992785"/>
               </a:xfrm>
               <a:prstGeom prst="rect">
                 <a:avLst/>
@@ -12338,8 +12654,8 @@
         </p:nvSpPr>
         <p:spPr>
           <a:xfrm>
-            <a:off x="6869639" y="2051823"/>
-            <a:ext cx="4953912" cy="791737"/>
+            <a:off x="6869639" y="2077951"/>
+            <a:ext cx="4953912" cy="609224"/>
           </a:xfrm>
           <a:prstGeom prst="rect">
             <a:avLst/>
@@ -12386,8 +12702,8 @@
         </p:nvSpPr>
         <p:spPr>
           <a:xfrm>
-            <a:off x="6869639" y="3867594"/>
-            <a:ext cx="4953912" cy="791737"/>
+            <a:off x="6869639" y="3700061"/>
+            <a:ext cx="4953912" cy="645760"/>
           </a:xfrm>
           <a:prstGeom prst="rect">
             <a:avLst/>
@@ -12434,8 +12750,8 @@
         </p:nvSpPr>
         <p:spPr>
           <a:xfrm>
-            <a:off x="6869639" y="5419024"/>
-            <a:ext cx="4953912" cy="548890"/>
+            <a:off x="6869639" y="5022915"/>
+            <a:ext cx="4953912" cy="431194"/>
           </a:xfrm>
           <a:prstGeom prst="rect">
             <a:avLst/>
@@ -12470,6 +12786,29 @@
           <a:lstStyle/>
           <a:p>
             <a:pPr algn="ctr"/>
+            <a:endParaRPr lang="it-IT"/>
+          </a:p>
+        </p:txBody>
+      </p:sp>
+      <p:sp>
+        <p:nvSpPr>
+          <p:cNvPr id="3" name="Slide Number Placeholder 2"/>
+          <p:cNvSpPr>
+            <a:spLocks noGrp="1"/>
+          </p:cNvSpPr>
+          <p:nvPr>
+            <p:ph type="sldNum" sz="quarter" idx="12"/>
+          </p:nvPr>
+        </p:nvSpPr>
+        <p:spPr/>
+        <p:txBody>
+          <a:bodyPr/>
+          <a:lstStyle/>
+          <a:p>
+            <a:fld id="{DA00CEBC-9AC0-446C-9417-17B7E0F2B36C}" type="slidenum">
+              <a:rPr lang="it-IT" smtClean="0"/>
+              <a:t>19</a:t>
+            </a:fld>
             <a:endParaRPr lang="it-IT"/>
           </a:p>
         </p:txBody>
@@ -13511,6 +13850,29 @@
           </a:p>
         </p:txBody>
       </p:sp>
+      <p:sp>
+        <p:nvSpPr>
+          <p:cNvPr id="4" name="Slide Number Placeholder 3"/>
+          <p:cNvSpPr>
+            <a:spLocks noGrp="1"/>
+          </p:cNvSpPr>
+          <p:nvPr>
+            <p:ph type="sldNum" sz="quarter" idx="12"/>
+          </p:nvPr>
+        </p:nvSpPr>
+        <p:spPr/>
+        <p:txBody>
+          <a:bodyPr/>
+          <a:lstStyle/>
+          <a:p>
+            <a:fld id="{DA00CEBC-9AC0-446C-9417-17B7E0F2B36C}" type="slidenum">
+              <a:rPr lang="it-IT" smtClean="0"/>
+              <a:t>2</a:t>
+            </a:fld>
+            <a:endParaRPr lang="it-IT"/>
+          </a:p>
+        </p:txBody>
+      </p:sp>
     </p:spTree>
     <p:extLst>
       <p:ext uri="{BB962C8B-B14F-4D97-AF65-F5344CB8AC3E}">
@@ -13589,7 +13951,7 @@
         </p:nvSpPr>
         <p:spPr>
           <a:xfrm>
-            <a:off x="345687" y="1059366"/>
+            <a:off x="1089693" y="1271074"/>
             <a:ext cx="6671250" cy="461665"/>
           </a:xfrm>
           <a:prstGeom prst="rect">
@@ -13647,8 +14009,8 @@
         </p:blipFill>
         <p:spPr>
           <a:xfrm>
-            <a:off x="345687" y="1972479"/>
-            <a:ext cx="4489681" cy="1549480"/>
+            <a:off x="1089693" y="2034201"/>
+            <a:ext cx="4081528" cy="1408618"/>
           </a:xfrm>
           <a:prstGeom prst="rect">
             <a:avLst/>
@@ -13677,16 +14039,16 @@
         </p:blipFill>
         <p:spPr>
           <a:xfrm>
-            <a:off x="6584384" y="3750383"/>
-            <a:ext cx="4866471" cy="2546481"/>
+            <a:off x="6744626" y="3509075"/>
+            <a:ext cx="4424065" cy="2314983"/>
           </a:xfrm>
           <a:prstGeom prst="rect">
             <a:avLst/>
           </a:prstGeom>
         </p:spPr>
       </p:pic>
-      <mc:AlternateContent xmlns:mc="http://schemas.openxmlformats.org/markup-compatibility/2006" xmlns:p14="http://schemas.microsoft.com/office/powerpoint/2010/main">
-        <mc:Choice Requires="p14">
+      <mc:AlternateContent xmlns:mc="http://schemas.openxmlformats.org/markup-compatibility/2006">
+        <mc:Choice xmlns:p14="http://schemas.microsoft.com/office/powerpoint/2010/main" Requires="p14">
           <p:contentPart p14:bwMode="auto" r:id="rId5">
             <p14:nvContentPartPr>
               <p14:cNvPr id="9" name="Ink 8"/>
@@ -13695,11 +14057,11 @@
             </p14:nvContentPartPr>
             <p14:xfrm>
               <a:off x="2192198" y="3500069"/>
-              <a:ext cx="3864960" cy="2090520"/>
+              <a:ext cx="4478568" cy="2090520"/>
             </p14:xfrm>
           </p:contentPart>
         </mc:Choice>
-        <mc:Fallback xmlns="">
+        <mc:Fallback>
           <p:pic>
             <p:nvPicPr>
               <p:cNvPr id="9" name="Ink 8"/>
@@ -13714,8 +14076,109 @@
             </p:blipFill>
             <p:spPr>
               <a:xfrm>
-                <a:off x="2183198" y="3493589"/>
-                <a:ext cx="3884400" cy="2107800"/>
+                <a:off x="2183209" y="3493586"/>
+                <a:ext cx="4497984" cy="2107809"/>
+              </a:xfrm>
+              <a:prstGeom prst="rect">
+                <a:avLst/>
+              </a:prstGeom>
+            </p:spPr>
+          </p:pic>
+        </mc:Fallback>
+      </mc:AlternateContent>
+      <p:sp>
+        <p:nvSpPr>
+          <p:cNvPr id="3" name="Slide Number Placeholder 2"/>
+          <p:cNvSpPr>
+            <a:spLocks noGrp="1"/>
+          </p:cNvSpPr>
+          <p:nvPr>
+            <p:ph type="sldNum" sz="quarter" idx="12"/>
+          </p:nvPr>
+        </p:nvSpPr>
+        <p:spPr/>
+        <p:txBody>
+          <a:bodyPr/>
+          <a:lstStyle/>
+          <a:p>
+            <a:fld id="{DA00CEBC-9AC0-446C-9417-17B7E0F2B36C}" type="slidenum">
+              <a:rPr lang="it-IT" smtClean="0"/>
+              <a:t>20</a:t>
+            </a:fld>
+            <a:endParaRPr lang="it-IT"/>
+          </a:p>
+        </p:txBody>
+      </p:sp>
+      <mc:AlternateContent xmlns:mc="http://schemas.openxmlformats.org/markup-compatibility/2006">
+        <mc:Choice xmlns:p14="http://schemas.microsoft.com/office/powerpoint/2010/main" Requires="p14">
+          <p:contentPart p14:bwMode="auto" r:id="rId7">
+            <p14:nvContentPartPr>
+              <p14:cNvPr id="8" name="Ink 7"/>
+              <p14:cNvContentPartPr/>
+              <p14:nvPr/>
+            </p14:nvContentPartPr>
+            <p14:xfrm>
+              <a:off x="1280160" y="1867354"/>
+              <a:ext cx="1193073" cy="644694"/>
+            </p14:xfrm>
+          </p:contentPart>
+        </mc:Choice>
+        <mc:Fallback>
+          <p:pic>
+            <p:nvPicPr>
+              <p:cNvPr id="8" name="Ink 7"/>
+              <p:cNvPicPr/>
+              <p:nvPr/>
+            </p:nvPicPr>
+            <p:blipFill>
+              <a:blip r:embed="rId8"/>
+              <a:stretch>
+                <a:fillRect/>
+              </a:stretch>
+            </p:blipFill>
+            <p:spPr>
+              <a:xfrm>
+                <a:off x="1273318" y="1857224"/>
+                <a:ext cx="1210719" cy="666039"/>
+              </a:xfrm>
+              <a:prstGeom prst="rect">
+                <a:avLst/>
+              </a:prstGeom>
+            </p:spPr>
+          </p:pic>
+        </mc:Fallback>
+      </mc:AlternateContent>
+      <mc:AlternateContent xmlns:mc="http://schemas.openxmlformats.org/markup-compatibility/2006">
+        <mc:Choice xmlns:p14="http://schemas.microsoft.com/office/powerpoint/2010/main" Requires="p14">
+          <p:contentPart p14:bwMode="auto" r:id="rId9">
+            <p14:nvContentPartPr>
+              <p14:cNvPr id="11" name="Ink 10"/>
+              <p14:cNvContentPartPr/>
+              <p14:nvPr/>
+            </p14:nvContentPartPr>
+            <p14:xfrm>
+              <a:off x="8970703" y="3913594"/>
+              <a:ext cx="866160" cy="731880"/>
+            </p14:xfrm>
+          </p:contentPart>
+        </mc:Choice>
+        <mc:Fallback>
+          <p:pic>
+            <p:nvPicPr>
+              <p:cNvPr id="11" name="Ink 10"/>
+              <p:cNvPicPr/>
+              <p:nvPr/>
+            </p:nvPicPr>
+            <p:blipFill>
+              <a:blip r:embed="rId10"/>
+              <a:stretch>
+                <a:fillRect/>
+              </a:stretch>
+            </p:blipFill>
+            <p:spPr>
+              <a:xfrm>
+                <a:off x="8959183" y="3906034"/>
+                <a:ext cx="889920" cy="751320"/>
               </a:xfrm>
               <a:prstGeom prst="rect">
                 <a:avLst/>
@@ -13989,6 +14452,94 @@
                       </p:childTnLst>
                     </p:cTn>
                   </p:par>
+                  <p:par>
+                    <p:cTn id="26" fill="hold">
+                      <p:stCondLst>
+                        <p:cond delay="indefinite"/>
+                      </p:stCondLst>
+                      <p:childTnLst>
+                        <p:par>
+                          <p:cTn id="27" fill="hold">
+                            <p:stCondLst>
+                              <p:cond delay="0"/>
+                            </p:stCondLst>
+                            <p:childTnLst>
+                              <p:par>
+                                <p:cTn id="28" presetID="10" presetClass="entr" presetSubtype="0" fill="hold" nodeType="clickEffect">
+                                  <p:stCondLst>
+                                    <p:cond delay="0"/>
+                                  </p:stCondLst>
+                                  <p:childTnLst>
+                                    <p:set>
+                                      <p:cBhvr>
+                                        <p:cTn id="29" dur="1" fill="hold">
+                                          <p:stCondLst>
+                                            <p:cond delay="0"/>
+                                          </p:stCondLst>
+                                        </p:cTn>
+                                        <p:tgtEl>
+                                          <p:spTgt spid="8"/>
+                                        </p:tgtEl>
+                                        <p:attrNameLst>
+                                          <p:attrName>style.visibility</p:attrName>
+                                        </p:attrNameLst>
+                                      </p:cBhvr>
+                                      <p:to>
+                                        <p:strVal val="visible"/>
+                                      </p:to>
+                                    </p:set>
+                                    <p:animEffect transition="in" filter="fade">
+                                      <p:cBhvr>
+                                        <p:cTn id="30" dur="500"/>
+                                        <p:tgtEl>
+                                          <p:spTgt spid="8"/>
+                                        </p:tgtEl>
+                                      </p:cBhvr>
+                                    </p:animEffect>
+                                  </p:childTnLst>
+                                </p:cTn>
+                              </p:par>
+                              <p:par>
+                                <p:cTn id="31" presetID="10" presetClass="entr" presetSubtype="0" fill="hold" nodeType="withEffect">
+                                  <p:stCondLst>
+                                    <p:cond delay="0"/>
+                                  </p:stCondLst>
+                                  <p:childTnLst>
+                                    <p:set>
+                                      <p:cBhvr>
+                                        <p:cTn id="32" dur="1" fill="hold">
+                                          <p:stCondLst>
+                                            <p:cond delay="0"/>
+                                          </p:stCondLst>
+                                        </p:cTn>
+                                        <p:tgtEl>
+                                          <p:spTgt spid="11"/>
+                                        </p:tgtEl>
+                                        <p:attrNameLst>
+                                          <p:attrName>style.visibility</p:attrName>
+                                        </p:attrNameLst>
+                                      </p:cBhvr>
+                                      <p:to>
+                                        <p:strVal val="visible"/>
+                                      </p:to>
+                                    </p:set>
+                                    <p:animEffect transition="in" filter="fade">
+                                      <p:cBhvr>
+                                        <p:cTn id="33" dur="500"/>
+                                        <p:tgtEl>
+                                          <p:spTgt spid="11"/>
+                                        </p:tgtEl>
+                                      </p:cBhvr>
+                                    </p:animEffect>
+                                  </p:childTnLst>
+                                </p:cTn>
+                              </p:par>
+                            </p:childTnLst>
+                          </p:cTn>
+                        </p:par>
+                      </p:childTnLst>
+                    </p:cTn>
+                  </p:par>
                 </p:childTnLst>
               </p:cTn>
               <p:prevCondLst>
@@ -14251,6 +14802,29 @@
           </p:pic>
         </mc:Fallback>
       </mc:AlternateContent>
+      <p:sp>
+        <p:nvSpPr>
+          <p:cNvPr id="4" name="Slide Number Placeholder 3"/>
+          <p:cNvSpPr>
+            <a:spLocks noGrp="1"/>
+          </p:cNvSpPr>
+          <p:nvPr>
+            <p:ph type="sldNum" sz="quarter" idx="12"/>
+          </p:nvPr>
+        </p:nvSpPr>
+        <p:spPr/>
+        <p:txBody>
+          <a:bodyPr/>
+          <a:lstStyle/>
+          <a:p>
+            <a:fld id="{DA00CEBC-9AC0-446C-9417-17B7E0F2B36C}" type="slidenum">
+              <a:rPr lang="it-IT" smtClean="0"/>
+              <a:t>21</a:t>
+            </a:fld>
+            <a:endParaRPr lang="it-IT"/>
+          </a:p>
+        </p:txBody>
+      </p:sp>
     </p:spTree>
     <p:extLst>
       <p:ext uri="{BB962C8B-B14F-4D97-AF65-F5344CB8AC3E}">
@@ -14489,6 +15063,29 @@
           </p:pic>
         </mc:Fallback>
       </mc:AlternateContent>
+      <p:sp>
+        <p:nvSpPr>
+          <p:cNvPr id="2" name="Slide Number Placeholder 1"/>
+          <p:cNvSpPr>
+            <a:spLocks noGrp="1"/>
+          </p:cNvSpPr>
+          <p:nvPr>
+            <p:ph type="sldNum" sz="quarter" idx="12"/>
+          </p:nvPr>
+        </p:nvSpPr>
+        <p:spPr/>
+        <p:txBody>
+          <a:bodyPr/>
+          <a:lstStyle/>
+          <a:p>
+            <a:fld id="{DA00CEBC-9AC0-446C-9417-17B7E0F2B36C}" type="slidenum">
+              <a:rPr lang="it-IT" smtClean="0"/>
+              <a:t>22</a:t>
+            </a:fld>
+            <a:endParaRPr lang="it-IT"/>
+          </a:p>
+        </p:txBody>
+      </p:sp>
     </p:spTree>
     <p:extLst>
       <p:ext uri="{BB962C8B-B14F-4D97-AF65-F5344CB8AC3E}">
@@ -14755,16 +15352,16 @@
         </p:blipFill>
         <p:spPr>
           <a:xfrm>
-            <a:off x="903361" y="1339559"/>
-            <a:ext cx="5797363" cy="5195924"/>
+            <a:off x="1043237" y="1222925"/>
+            <a:ext cx="5345875" cy="4791275"/>
           </a:xfrm>
           <a:prstGeom prst="rect">
             <a:avLst/>
           </a:prstGeom>
         </p:spPr>
       </p:pic>
-      <mc:AlternateContent xmlns:mc="http://schemas.openxmlformats.org/markup-compatibility/2006" xmlns:p14="http://schemas.microsoft.com/office/powerpoint/2010/main">
-        <mc:Choice Requires="p14">
+      <mc:AlternateContent xmlns:mc="http://schemas.openxmlformats.org/markup-compatibility/2006">
+        <mc:Choice xmlns:p14="http://schemas.microsoft.com/office/powerpoint/2010/main" Requires="p14">
           <p:contentPart p14:bwMode="auto" r:id="rId3">
             <p14:nvContentPartPr>
               <p14:cNvPr id="20" name="Input penna 19"/>
@@ -14772,12 +15369,12 @@
               <p14:nvPr/>
             </p14:nvContentPartPr>
             <p14:xfrm>
-              <a:off x="2307557" y="2051123"/>
+              <a:off x="2307557" y="1876949"/>
               <a:ext cx="2809800" cy="533520"/>
             </p14:xfrm>
           </p:contentPart>
         </mc:Choice>
-        <mc:Fallback xmlns="">
+        <mc:Fallback>
           <p:pic>
             <p:nvPicPr>
               <p:cNvPr id="20" name="Input penna 19"/>
@@ -14792,8 +15389,8 @@
             </p:blipFill>
             <p:spPr>
               <a:xfrm>
-                <a:off x="2294595" y="2042483"/>
-                <a:ext cx="2837524" cy="557640"/>
+                <a:off x="2294595" y="1868315"/>
+                <a:ext cx="2837524" cy="557264"/>
               </a:xfrm>
               <a:prstGeom prst="rect">
                 <a:avLst/>
@@ -14802,8 +15399,8 @@
           </p:pic>
         </mc:Fallback>
       </mc:AlternateContent>
-      <mc:AlternateContent xmlns:mc="http://schemas.openxmlformats.org/markup-compatibility/2006" xmlns:p14="http://schemas.microsoft.com/office/powerpoint/2010/main">
-        <mc:Choice Requires="p14">
+      <mc:AlternateContent xmlns:mc="http://schemas.openxmlformats.org/markup-compatibility/2006">
+        <mc:Choice xmlns:p14="http://schemas.microsoft.com/office/powerpoint/2010/main" Requires="p14">
           <p:contentPart p14:bwMode="auto" r:id="rId5">
             <p14:nvContentPartPr>
               <p14:cNvPr id="35" name="Input penna 34"/>
@@ -14811,12 +15408,12 @@
               <p14:nvPr/>
             </p14:nvContentPartPr>
             <p14:xfrm>
-              <a:off x="2686997" y="3618563"/>
+              <a:off x="2686997" y="3331178"/>
               <a:ext cx="2874240" cy="451440"/>
             </p14:xfrm>
           </p:contentPart>
         </mc:Choice>
-        <mc:Fallback xmlns="">
+        <mc:Fallback>
           <p:pic>
             <p:nvPicPr>
               <p:cNvPr id="35" name="Input penna 34"/>
@@ -14831,8 +15428,8 @@
             </p:blipFill>
             <p:spPr>
               <a:xfrm>
-                <a:off x="2675118" y="3605436"/>
-                <a:ext cx="2900157" cy="478424"/>
+                <a:off x="2675120" y="3318051"/>
+                <a:ext cx="2899794" cy="478424"/>
               </a:xfrm>
               <a:prstGeom prst="rect">
                 <a:avLst/>
@@ -14880,8 +15477,8 @@
           </p:pic>
         </mc:Fallback>
       </mc:AlternateContent>
-      <mc:AlternateContent xmlns:mc="http://schemas.openxmlformats.org/markup-compatibility/2006" xmlns:p14="http://schemas.microsoft.com/office/powerpoint/2010/main">
-        <mc:Choice Requires="p14">
+      <mc:AlternateContent xmlns:mc="http://schemas.openxmlformats.org/markup-compatibility/2006">
+        <mc:Choice xmlns:p14="http://schemas.microsoft.com/office/powerpoint/2010/main" Requires="p14">
           <p:contentPart p14:bwMode="auto" r:id="rId9">
             <p14:nvContentPartPr>
               <p14:cNvPr id="50" name="Input penna 49"/>
@@ -14889,12 +15486,12 @@
               <p14:nvPr/>
             </p14:nvContentPartPr>
             <p14:xfrm>
-              <a:off x="1621397" y="3967763"/>
-              <a:ext cx="5226480" cy="1338120"/>
+              <a:off x="2307557" y="3967763"/>
+              <a:ext cx="4540320" cy="862318"/>
             </p14:xfrm>
           </p:contentPart>
         </mc:Choice>
-        <mc:Fallback xmlns="">
+        <mc:Fallback>
           <p:pic>
             <p:nvPicPr>
               <p:cNvPr id="50" name="Input penna 49"/>
@@ -14909,8 +15506,8 @@
             </p:blipFill>
             <p:spPr>
               <a:xfrm>
-                <a:off x="1610237" y="3959483"/>
-                <a:ext cx="5250240" cy="1359720"/>
+                <a:off x="2296399" y="3959482"/>
+                <a:ext cx="4564076" cy="884281"/>
               </a:xfrm>
               <a:prstGeom prst="rect">
                 <a:avLst/>
@@ -14919,8 +15516,8 @@
           </p:pic>
         </mc:Fallback>
       </mc:AlternateContent>
-      <mc:AlternateContent xmlns:mc="http://schemas.openxmlformats.org/markup-compatibility/2006" xmlns:p14="http://schemas.microsoft.com/office/powerpoint/2010/main">
-        <mc:Choice Requires="p14">
+      <mc:AlternateContent xmlns:mc="http://schemas.openxmlformats.org/markup-compatibility/2006">
+        <mc:Choice xmlns:p14="http://schemas.microsoft.com/office/powerpoint/2010/main" Requires="p14">
           <p:contentPart p14:bwMode="auto" r:id="rId11">
             <p14:nvContentPartPr>
               <p14:cNvPr id="55" name="Input penna 54"/>
@@ -14928,12 +15525,12 @@
               <p14:nvPr/>
             </p14:nvContentPartPr>
             <p14:xfrm>
-              <a:off x="1701677" y="3948683"/>
-              <a:ext cx="5322240" cy="91080"/>
+              <a:off x="2400409" y="3948683"/>
+              <a:ext cx="4623508" cy="58694"/>
             </p14:xfrm>
           </p:contentPart>
         </mc:Choice>
-        <mc:Fallback xmlns="">
+        <mc:Fallback>
           <p:pic>
             <p:nvPicPr>
               <p:cNvPr id="55" name="Input penna 54"/>
@@ -14948,8 +15545,8 @@
             </p:blipFill>
             <p:spPr>
               <a:xfrm>
-                <a:off x="1693397" y="3937163"/>
-                <a:ext cx="5340600" cy="111600"/>
+                <a:off x="2392129" y="3937089"/>
+                <a:ext cx="4641868" cy="79708"/>
               </a:xfrm>
               <a:prstGeom prst="rect">
                 <a:avLst/>
@@ -14958,8 +15555,8 @@
           </p:pic>
         </mc:Fallback>
       </mc:AlternateContent>
-      <mc:AlternateContent xmlns:mc="http://schemas.openxmlformats.org/markup-compatibility/2006" xmlns:p14="http://schemas.microsoft.com/office/powerpoint/2010/main">
-        <mc:Choice Requires="p14">
+      <mc:AlternateContent xmlns:mc="http://schemas.openxmlformats.org/markup-compatibility/2006">
+        <mc:Choice xmlns:p14="http://schemas.microsoft.com/office/powerpoint/2010/main" Requires="p14">
           <p:contentPart p14:bwMode="auto" r:id="rId13">
             <p14:nvContentPartPr>
               <p14:cNvPr id="87" name="Input penna 86"/>
@@ -14967,12 +15564,12 @@
               <p14:nvPr/>
             </p14:nvContentPartPr>
             <p14:xfrm>
-              <a:off x="9245477" y="1869683"/>
+              <a:off x="9193224" y="1782595"/>
               <a:ext cx="505080" cy="581400"/>
             </p14:xfrm>
           </p:contentPart>
         </mc:Choice>
-        <mc:Fallback xmlns="">
+        <mc:Fallback>
           <p:pic>
             <p:nvPicPr>
               <p:cNvPr id="87" name="Input penna 86"/>
@@ -14987,7 +15584,7 @@
             </p:blipFill>
             <p:spPr>
               <a:xfrm>
-                <a:off x="9239717" y="1858883"/>
+                <a:off x="9187464" y="1771795"/>
                 <a:ext cx="521640" cy="604080"/>
               </a:xfrm>
               <a:prstGeom prst="rect">
@@ -14997,8 +15594,8 @@
           </p:pic>
         </mc:Fallback>
       </mc:AlternateContent>
-      <mc:AlternateContent xmlns:mc="http://schemas.openxmlformats.org/markup-compatibility/2006" xmlns:p14="http://schemas.microsoft.com/office/powerpoint/2010/main">
-        <mc:Choice Requires="p14">
+      <mc:AlternateContent xmlns:mc="http://schemas.openxmlformats.org/markup-compatibility/2006">
+        <mc:Choice xmlns:p14="http://schemas.microsoft.com/office/powerpoint/2010/main" Requires="p14">
           <p:contentPart p14:bwMode="auto" r:id="rId15">
             <p14:nvContentPartPr>
               <p14:cNvPr id="88" name="Input penna 87"/>
@@ -15006,12 +15603,12 @@
               <p14:nvPr/>
             </p14:nvContentPartPr>
             <p14:xfrm>
-              <a:off x="5414717" y="1839443"/>
+              <a:off x="5362464" y="1752355"/>
               <a:ext cx="2956680" cy="670680"/>
             </p14:xfrm>
           </p:contentPart>
         </mc:Choice>
-        <mc:Fallback xmlns="">
+        <mc:Fallback>
           <p:pic>
             <p:nvPicPr>
               <p:cNvPr id="88" name="Input penna 87"/>
@@ -15026,7 +15623,7 @@
             </p:blipFill>
             <p:spPr>
               <a:xfrm>
-                <a:off x="5409677" y="1835123"/>
+                <a:off x="5357424" y="1748035"/>
                 <a:ext cx="2968920" cy="680040"/>
               </a:xfrm>
               <a:prstGeom prst="rect">
@@ -15036,8 +15633,8 @@
           </p:pic>
         </mc:Fallback>
       </mc:AlternateContent>
-      <mc:AlternateContent xmlns:mc="http://schemas.openxmlformats.org/markup-compatibility/2006" xmlns:p14="http://schemas.microsoft.com/office/powerpoint/2010/main">
-        <mc:Choice Requires="p14">
+      <mc:AlternateContent xmlns:mc="http://schemas.openxmlformats.org/markup-compatibility/2006">
+        <mc:Choice xmlns:p14="http://schemas.microsoft.com/office/powerpoint/2010/main" Requires="p14">
           <p:contentPart p14:bwMode="auto" r:id="rId17">
             <p14:nvContentPartPr>
               <p14:cNvPr id="89" name="Input penna 88"/>
@@ -15045,12 +15642,12 @@
               <p14:nvPr/>
             </p14:nvContentPartPr>
             <p14:xfrm>
-              <a:off x="5390957" y="2093603"/>
+              <a:off x="5338704" y="2006515"/>
               <a:ext cx="1663560" cy="277200"/>
             </p14:xfrm>
           </p:contentPart>
         </mc:Choice>
-        <mc:Fallback xmlns="">
+        <mc:Fallback>
           <p:pic>
             <p:nvPicPr>
               <p:cNvPr id="89" name="Input penna 88"/>
@@ -15065,7 +15662,7 @@
             </p:blipFill>
             <p:spPr>
               <a:xfrm>
-                <a:off x="5383757" y="2082083"/>
+                <a:off x="5331504" y="1994995"/>
                 <a:ext cx="1682640" cy="297720"/>
               </a:xfrm>
               <a:prstGeom prst="rect">
@@ -15075,8 +15672,8 @@
           </p:pic>
         </mc:Fallback>
       </mc:AlternateContent>
-      <mc:AlternateContent xmlns:mc="http://schemas.openxmlformats.org/markup-compatibility/2006" xmlns:p14="http://schemas.microsoft.com/office/powerpoint/2010/main">
-        <mc:Choice Requires="p14">
+      <mc:AlternateContent xmlns:mc="http://schemas.openxmlformats.org/markup-compatibility/2006">
+        <mc:Choice xmlns:p14="http://schemas.microsoft.com/office/powerpoint/2010/main" Requires="p14">
           <p:contentPart p14:bwMode="auto" r:id="rId19">
             <p14:nvContentPartPr>
               <p14:cNvPr id="90" name="Input penna 89"/>
@@ -15084,12 +15681,12 @@
               <p14:nvPr/>
             </p14:nvContentPartPr>
             <p14:xfrm>
-              <a:off x="9168077" y="3328403"/>
+              <a:off x="9168077" y="3041018"/>
               <a:ext cx="661680" cy="792000"/>
             </p14:xfrm>
           </p:contentPart>
         </mc:Choice>
-        <mc:Fallback xmlns="">
+        <mc:Fallback>
           <p:pic>
             <p:nvPicPr>
               <p:cNvPr id="90" name="Input penna 89"/>
@@ -15104,7 +15701,7 @@
             </p:blipFill>
             <p:spPr>
               <a:xfrm>
-                <a:off x="9159802" y="3317273"/>
+                <a:off x="9159802" y="3029888"/>
                 <a:ext cx="681109" cy="814259"/>
               </a:xfrm>
               <a:prstGeom prst="rect">
@@ -15114,8 +15711,8 @@
           </p:pic>
         </mc:Fallback>
       </mc:AlternateContent>
-      <mc:AlternateContent xmlns:mc="http://schemas.openxmlformats.org/markup-compatibility/2006" xmlns:p14="http://schemas.microsoft.com/office/powerpoint/2010/main">
-        <mc:Choice Requires="p14">
+      <mc:AlternateContent xmlns:mc="http://schemas.openxmlformats.org/markup-compatibility/2006">
+        <mc:Choice xmlns:p14="http://schemas.microsoft.com/office/powerpoint/2010/main" Requires="p14">
           <p:contentPart p14:bwMode="auto" r:id="rId21">
             <p14:nvContentPartPr>
               <p14:cNvPr id="91" name="Input penna 90"/>
@@ -15123,12 +15720,12 @@
               <p14:nvPr/>
             </p14:nvContentPartPr>
             <p14:xfrm>
-              <a:off x="5787317" y="3536843"/>
+              <a:off x="5787317" y="3249458"/>
               <a:ext cx="2722320" cy="460080"/>
             </p14:xfrm>
           </p:contentPart>
         </mc:Choice>
-        <mc:Fallback xmlns="">
+        <mc:Fallback>
           <p:pic>
             <p:nvPicPr>
               <p:cNvPr id="91" name="Input penna 90"/>
@@ -15143,7 +15740,7 @@
             </p:blipFill>
             <p:spPr>
               <a:xfrm>
-                <a:off x="5779397" y="3530003"/>
+                <a:off x="5779397" y="3242618"/>
                 <a:ext cx="2736360" cy="475200"/>
               </a:xfrm>
               <a:prstGeom prst="rect">
@@ -15153,8 +15750,8 @@
           </p:pic>
         </mc:Fallback>
       </mc:AlternateContent>
-      <mc:AlternateContent xmlns:mc="http://schemas.openxmlformats.org/markup-compatibility/2006" xmlns:p14="http://schemas.microsoft.com/office/powerpoint/2010/main">
-        <mc:Choice Requires="p14">
+      <mc:AlternateContent xmlns:mc="http://schemas.openxmlformats.org/markup-compatibility/2006">
+        <mc:Choice xmlns:p14="http://schemas.microsoft.com/office/powerpoint/2010/main" Requires="p14">
           <p:contentPart p14:bwMode="auto" r:id="rId23">
             <p14:nvContentPartPr>
               <p14:cNvPr id="92" name="Input penna 91"/>
@@ -15162,12 +15759,12 @@
               <p14:nvPr/>
             </p14:nvContentPartPr>
             <p14:xfrm>
-              <a:off x="6794597" y="4016363"/>
-              <a:ext cx="277920" cy="1310400"/>
+              <a:off x="6831083" y="4016363"/>
+              <a:ext cx="241433" cy="844455"/>
             </p14:xfrm>
           </p:contentPart>
         </mc:Choice>
-        <mc:Fallback xmlns="">
+        <mc:Fallback>
           <p:pic>
             <p:nvPicPr>
               <p:cNvPr id="92" name="Input penna 91"/>
@@ -15182,8 +15779,8 @@
             </p:blipFill>
             <p:spPr>
               <a:xfrm>
-                <a:off x="6783523" y="4010243"/>
-                <a:ext cx="292566" cy="1327680"/>
+                <a:off x="6820028" y="4010241"/>
+                <a:ext cx="256054" cy="861740"/>
               </a:xfrm>
               <a:prstGeom prst="rect">
                 <a:avLst/>
@@ -15231,6 +15828,29 @@
           </p:pic>
         </mc:Fallback>
       </mc:AlternateContent>
+      <p:sp>
+        <p:nvSpPr>
+          <p:cNvPr id="2" name="Slide Number Placeholder 1"/>
+          <p:cNvSpPr>
+            <a:spLocks noGrp="1"/>
+          </p:cNvSpPr>
+          <p:nvPr>
+            <p:ph type="sldNum" sz="quarter" idx="12"/>
+          </p:nvPr>
+        </p:nvSpPr>
+        <p:spPr/>
+        <p:txBody>
+          <a:bodyPr/>
+          <a:lstStyle/>
+          <a:p>
+            <a:fld id="{DA00CEBC-9AC0-446C-9417-17B7E0F2B36C}" type="slidenum">
+              <a:rPr lang="it-IT" smtClean="0"/>
+              <a:t>23</a:t>
+            </a:fld>
+            <a:endParaRPr lang="it-IT"/>
+          </a:p>
+        </p:txBody>
+      </p:sp>
     </p:spTree>
     <p:extLst>
       <p:ext uri="{BB962C8B-B14F-4D97-AF65-F5344CB8AC3E}">
@@ -16034,8 +16654,8 @@
         </p:blipFill>
         <p:spPr>
           <a:xfrm>
-            <a:off x="903361" y="1339559"/>
-            <a:ext cx="5797363" cy="5195924"/>
+            <a:off x="1042702" y="1113135"/>
+            <a:ext cx="5445188" cy="4880285"/>
           </a:xfrm>
           <a:prstGeom prst="rect">
             <a:avLst/>
@@ -16050,7 +16670,7 @@
         </p:nvSpPr>
         <p:spPr>
           <a:xfrm>
-            <a:off x="2256307" y="6056671"/>
+            <a:off x="2282434" y="5516740"/>
             <a:ext cx="293972" cy="213491"/>
           </a:xfrm>
           <a:prstGeom prst="rect">
@@ -16105,7 +16725,7 @@
         </p:nvSpPr>
         <p:spPr>
           <a:xfrm>
-            <a:off x="1341873" y="2175680"/>
+            <a:off x="1341873" y="1818620"/>
             <a:ext cx="5067395" cy="1791419"/>
           </a:xfrm>
           <a:prstGeom prst="rect">
@@ -16160,7 +16780,7 @@
         </p:nvSpPr>
         <p:spPr>
           <a:xfrm>
-            <a:off x="1549117" y="5260122"/>
+            <a:off x="1549117" y="4781156"/>
             <a:ext cx="5490727" cy="733452"/>
           </a:xfrm>
           <a:prstGeom prst="rect">
@@ -16232,8 +16852,8 @@
           </a:p>
         </p:txBody>
       </p:sp>
-      <mc:AlternateContent xmlns:mc="http://schemas.openxmlformats.org/markup-compatibility/2006" xmlns:p14="http://schemas.microsoft.com/office/powerpoint/2010/main">
-        <mc:Choice Requires="p14">
+      <mc:AlternateContent xmlns:mc="http://schemas.openxmlformats.org/markup-compatibility/2006">
+        <mc:Choice xmlns:p14="http://schemas.microsoft.com/office/powerpoint/2010/main" Requires="p14">
           <p:contentPart p14:bwMode="auto" r:id="rId3">
             <p14:nvContentPartPr>
               <p14:cNvPr id="6" name="Input penna 5"/>
@@ -16241,12 +16861,12 @@
               <p14:nvPr/>
             </p14:nvContentPartPr>
             <p14:xfrm>
-              <a:off x="1011893" y="1930693"/>
-              <a:ext cx="2111760" cy="4712040"/>
+              <a:off x="1011893" y="1695556"/>
+              <a:ext cx="2111760" cy="4409153"/>
             </p14:xfrm>
           </p:contentPart>
         </mc:Choice>
-        <mc:Fallback xmlns="">
+        <mc:Fallback>
           <p:pic>
             <p:nvPicPr>
               <p:cNvPr id="6" name="Input penna 5"/>
@@ -16261,8 +16881,8 @@
             </p:blipFill>
             <p:spPr>
               <a:xfrm>
-                <a:off x="998940" y="1918799"/>
-                <a:ext cx="2137667" cy="4739071"/>
+                <a:off x="998937" y="1683662"/>
+                <a:ext cx="2137671" cy="4436185"/>
               </a:xfrm>
               <a:prstGeom prst="rect">
                 <a:avLst/>
@@ -16271,8 +16891,8 @@
           </p:pic>
         </mc:Fallback>
       </mc:AlternateContent>
-      <mc:AlternateContent xmlns:mc="http://schemas.openxmlformats.org/markup-compatibility/2006" xmlns:p14="http://schemas.microsoft.com/office/powerpoint/2010/main">
-        <mc:Choice Requires="p14">
+      <mc:AlternateContent xmlns:mc="http://schemas.openxmlformats.org/markup-compatibility/2006">
+        <mc:Choice xmlns:p14="http://schemas.microsoft.com/office/powerpoint/2010/main" Requires="p14">
           <p:contentPart p14:bwMode="auto" r:id="rId5">
             <p14:nvContentPartPr>
               <p14:cNvPr id="21" name="Input penna 20"/>
@@ -16280,12 +16900,12 @@
               <p14:nvPr/>
             </p14:nvContentPartPr>
             <p14:xfrm>
-              <a:off x="2726933" y="1560253"/>
-              <a:ext cx="568440" cy="474120"/>
+              <a:off x="2726933" y="1325116"/>
+              <a:ext cx="568440" cy="443644"/>
             </p14:xfrm>
           </p:contentPart>
         </mc:Choice>
-        <mc:Fallback xmlns="">
+        <mc:Fallback>
           <p:pic>
             <p:nvPicPr>
               <p:cNvPr id="21" name="Input penna 20"/>
@@ -16300,8 +16920,8 @@
             </p:blipFill>
             <p:spPr>
               <a:xfrm>
-                <a:off x="2715413" y="1548733"/>
-                <a:ext cx="592560" cy="498240"/>
+                <a:off x="2715413" y="1313574"/>
+                <a:ext cx="592560" cy="467810"/>
               </a:xfrm>
               <a:prstGeom prst="rect">
                 <a:avLst/>
@@ -16310,8 +16930,8 @@
           </p:pic>
         </mc:Fallback>
       </mc:AlternateContent>
-      <mc:AlternateContent xmlns:mc="http://schemas.openxmlformats.org/markup-compatibility/2006" xmlns:p14="http://schemas.microsoft.com/office/powerpoint/2010/main">
-        <mc:Choice Requires="p14">
+      <mc:AlternateContent xmlns:mc="http://schemas.openxmlformats.org/markup-compatibility/2006">
+        <mc:Choice xmlns:p14="http://schemas.microsoft.com/office/powerpoint/2010/main" Requires="p14">
           <p:contentPart p14:bwMode="auto" r:id="rId7">
             <p14:nvContentPartPr>
               <p14:cNvPr id="13" name="Input penna 12"/>
@@ -16319,12 +16939,12 @@
               <p14:nvPr/>
             </p14:nvContentPartPr>
             <p14:xfrm>
-              <a:off x="2403293" y="5787013"/>
-              <a:ext cx="1398600" cy="719280"/>
+              <a:off x="2403293" y="5312228"/>
+              <a:ext cx="1226775" cy="610591"/>
             </p14:xfrm>
           </p:contentPart>
         </mc:Choice>
-        <mc:Fallback xmlns="">
+        <mc:Fallback>
           <p:pic>
             <p:nvPicPr>
               <p:cNvPr id="13" name="Input penna 12"/>
@@ -16339,8 +16959,8 @@
             </p:blipFill>
             <p:spPr>
               <a:xfrm>
-                <a:off x="2390333" y="5777653"/>
-                <a:ext cx="1425240" cy="741960"/>
+                <a:off x="2390334" y="5302513"/>
+                <a:ext cx="1253413" cy="633619"/>
               </a:xfrm>
               <a:prstGeom prst="rect">
                 <a:avLst/>
@@ -16349,8 +16969,8 @@
           </p:pic>
         </mc:Fallback>
       </mc:AlternateContent>
-      <mc:AlternateContent xmlns:mc="http://schemas.openxmlformats.org/markup-compatibility/2006" xmlns:p14="http://schemas.microsoft.com/office/powerpoint/2010/main">
-        <mc:Choice Requires="p14">
+      <mc:AlternateContent xmlns:mc="http://schemas.openxmlformats.org/markup-compatibility/2006">
+        <mc:Choice xmlns:p14="http://schemas.microsoft.com/office/powerpoint/2010/main" Requires="p14">
           <p:contentPart p14:bwMode="auto" r:id="rId9">
             <p14:nvContentPartPr>
               <p14:cNvPr id="15" name="Input penna 14"/>
@@ -16363,7 +16983,7 @@
             </p14:xfrm>
           </p:contentPart>
         </mc:Choice>
-        <mc:Fallback xmlns="">
+        <mc:Fallback>
           <p:pic>
             <p:nvPicPr>
               <p:cNvPr id="15" name="Input penna 14"/>
@@ -16388,8 +17008,8 @@
           </p:pic>
         </mc:Fallback>
       </mc:AlternateContent>
-      <mc:AlternateContent xmlns:mc="http://schemas.openxmlformats.org/markup-compatibility/2006" xmlns:p14="http://schemas.microsoft.com/office/powerpoint/2010/main">
-        <mc:Choice Requires="p14">
+      <mc:AlternateContent xmlns:mc="http://schemas.openxmlformats.org/markup-compatibility/2006">
+        <mc:Choice xmlns:p14="http://schemas.microsoft.com/office/powerpoint/2010/main" Requires="p14">
           <p:contentPart p14:bwMode="auto" r:id="rId11">
             <p14:nvContentPartPr>
               <p14:cNvPr id="17" name="Input penna 16"/>
@@ -16402,7 +17022,7 @@
             </p14:xfrm>
           </p:contentPart>
         </mc:Choice>
-        <mc:Fallback xmlns="">
+        <mc:Fallback>
           <p:pic>
             <p:nvPicPr>
               <p:cNvPr id="17" name="Input penna 16"/>
@@ -16427,8 +17047,8 @@
           </p:pic>
         </mc:Fallback>
       </mc:AlternateContent>
-      <mc:AlternateContent xmlns:mc="http://schemas.openxmlformats.org/markup-compatibility/2006" xmlns:p14="http://schemas.microsoft.com/office/powerpoint/2010/main">
-        <mc:Choice Requires="p14">
+      <mc:AlternateContent xmlns:mc="http://schemas.openxmlformats.org/markup-compatibility/2006">
+        <mc:Choice xmlns:p14="http://schemas.microsoft.com/office/powerpoint/2010/main" Requires="p14">
           <p:contentPart p14:bwMode="auto" r:id="rId13">
             <p14:nvContentPartPr>
               <p14:cNvPr id="18" name="Input penna 17"/>
@@ -16436,12 +17056,12 @@
               <p14:nvPr/>
             </p14:nvContentPartPr>
             <p14:xfrm>
-              <a:off x="3706493" y="3623413"/>
+              <a:off x="3662948" y="3318610"/>
               <a:ext cx="1995120" cy="2360160"/>
             </p14:xfrm>
           </p:contentPart>
         </mc:Choice>
-        <mc:Fallback xmlns="">
+        <mc:Fallback>
           <p:pic>
             <p:nvPicPr>
               <p:cNvPr id="18" name="Input penna 17"/>
@@ -16456,8 +17076,8 @@
             </p:blipFill>
             <p:spPr>
               <a:xfrm>
-                <a:off x="3700018" y="3610453"/>
-                <a:ext cx="2014906" cy="2380320"/>
+                <a:off x="3656474" y="3305650"/>
+                <a:ext cx="2014542" cy="2380320"/>
               </a:xfrm>
               <a:prstGeom prst="rect">
                 <a:avLst/>
@@ -16546,7 +17166,7 @@
         </p:nvSpPr>
         <p:spPr>
           <a:xfrm>
-            <a:off x="1795932" y="3932547"/>
+            <a:off x="1848185" y="3592905"/>
             <a:ext cx="723748" cy="279539"/>
           </a:xfrm>
           <a:prstGeom prst="rect">
@@ -16601,7 +17221,7 @@
         </p:nvSpPr>
         <p:spPr>
           <a:xfrm>
-            <a:off x="2432961" y="5037799"/>
+            <a:off x="2502631" y="4558833"/>
             <a:ext cx="293972" cy="213491"/>
           </a:xfrm>
           <a:prstGeom prst="rect">
@@ -16670,14 +17290,37 @@
         </p:blipFill>
         <p:spPr>
           <a:xfrm>
-            <a:off x="826067" y="3049529"/>
-            <a:ext cx="5583201" cy="1820609"/>
+            <a:off x="1079849" y="3106157"/>
+            <a:ext cx="5075637" cy="1655099"/>
           </a:xfrm>
           <a:prstGeom prst="rect">
             <a:avLst/>
           </a:prstGeom>
         </p:spPr>
       </p:pic>
+      <p:sp>
+        <p:nvSpPr>
+          <p:cNvPr id="3" name="Slide Number Placeholder 2"/>
+          <p:cNvSpPr>
+            <a:spLocks noGrp="1"/>
+          </p:cNvSpPr>
+          <p:nvPr>
+            <p:ph type="sldNum" sz="quarter" idx="12"/>
+          </p:nvPr>
+        </p:nvSpPr>
+        <p:spPr/>
+        <p:txBody>
+          <a:bodyPr/>
+          <a:lstStyle/>
+          <a:p>
+            <a:fld id="{DA00CEBC-9AC0-446C-9417-17B7E0F2B36C}" type="slidenum">
+              <a:rPr lang="it-IT" smtClean="0"/>
+              <a:t>24</a:t>
+            </a:fld>
+            <a:endParaRPr lang="it-IT"/>
+          </a:p>
+        </p:txBody>
+      </p:sp>
     </p:spTree>
     <p:extLst>
       <p:ext uri="{BB962C8B-B14F-4D97-AF65-F5344CB8AC3E}">
@@ -17729,8 +18372,8 @@
         </p:blipFill>
         <p:spPr>
           <a:xfrm>
-            <a:off x="5219580" y="1542040"/>
-            <a:ext cx="6350563" cy="4918508"/>
+            <a:off x="5428590" y="1542040"/>
+            <a:ext cx="5640009" cy="4368184"/>
           </a:xfrm>
           <a:prstGeom prst="rect">
             <a:avLst/>
@@ -18002,6 +18645,29 @@
           </p:pic>
         </mc:Fallback>
       </mc:AlternateContent>
+      <p:sp>
+        <p:nvSpPr>
+          <p:cNvPr id="6" name="Slide Number Placeholder 5"/>
+          <p:cNvSpPr>
+            <a:spLocks noGrp="1"/>
+          </p:cNvSpPr>
+          <p:nvPr>
+            <p:ph type="sldNum" sz="quarter" idx="12"/>
+          </p:nvPr>
+        </p:nvSpPr>
+        <p:spPr/>
+        <p:txBody>
+          <a:bodyPr/>
+          <a:lstStyle/>
+          <a:p>
+            <a:fld id="{DA00CEBC-9AC0-446C-9417-17B7E0F2B36C}" type="slidenum">
+              <a:rPr lang="it-IT" smtClean="0"/>
+              <a:t>25</a:t>
+            </a:fld>
+            <a:endParaRPr lang="it-IT"/>
+          </a:p>
+        </p:txBody>
+      </p:sp>
     </p:spTree>
     <p:extLst>
       <p:ext uri="{BB962C8B-B14F-4D97-AF65-F5344CB8AC3E}">
@@ -18331,74 +18997,6 @@
       </p:grpSpPr>
       <p:sp>
         <p:nvSpPr>
-          <p:cNvPr id="2" name="Title 1"/>
-          <p:cNvSpPr>
-            <a:spLocks noGrp="1"/>
-          </p:cNvSpPr>
-          <p:nvPr>
-            <p:ph type="title"/>
-          </p:nvPr>
-        </p:nvSpPr>
-        <p:spPr/>
-        <p:txBody>
-          <a:bodyPr/>
-          <a:lstStyle/>
-          <a:p>
-            <a:endParaRPr lang="it-IT"/>
-          </a:p>
-        </p:txBody>
-      </p:sp>
-      <p:sp>
-        <p:nvSpPr>
-          <p:cNvPr id="3" name="Content Placeholder 2"/>
-          <p:cNvSpPr>
-            <a:spLocks noGrp="1"/>
-          </p:cNvSpPr>
-          <p:nvPr>
-            <p:ph idx="1"/>
-          </p:nvPr>
-        </p:nvSpPr>
-        <p:spPr/>
-        <p:txBody>
-          <a:bodyPr/>
-          <a:lstStyle/>
-          <a:p>
-            <a:endParaRPr lang="it-IT"/>
-          </a:p>
-        </p:txBody>
-      </p:sp>
-    </p:spTree>
-    <p:extLst>
-      <p:ext uri="{BB962C8B-B14F-4D97-AF65-F5344CB8AC3E}">
-        <p14:creationId xmlns:p14="http://schemas.microsoft.com/office/powerpoint/2010/main" val="2914637759"/>
-      </p:ext>
-    </p:extLst>
-  </p:cSld>
-  <p:clrMapOvr>
-    <a:masterClrMapping/>
-  </p:clrMapOvr>
-</p:sld>
-</file>
-
-<file path=ppt/slides/slide27.xml><?xml version="1.0" encoding="utf-8"?>
-<p:sld xmlns:a="http://schemas.openxmlformats.org/drawingml/2006/main" xmlns:r="http://schemas.openxmlformats.org/officeDocument/2006/relationships" xmlns:p="http://schemas.openxmlformats.org/presentationml/2006/main">
-  <p:cSld>
-    <p:spTree>
-      <p:nvGrpSpPr>
-        <p:cNvPr id="1" name=""/>
-        <p:cNvGrpSpPr/>
-        <p:nvPr/>
-      </p:nvGrpSpPr>
-      <p:grpSpPr>
-        <a:xfrm>
-          <a:off x="0" y="0"/>
-          <a:ext cx="0" cy="0"/>
-          <a:chOff x="0" y="0"/>
-          <a:chExt cx="0" cy="0"/>
-        </a:xfrm>
-      </p:grpSpPr>
-      <p:sp>
-        <p:nvSpPr>
           <p:cNvPr id="4" name="Content Placeholder 3"/>
           <p:cNvSpPr>
             <a:spLocks noGrp="1"/>
@@ -18544,6 +19142,29 @@
               <a:rPr lang="it-IT" sz="6000" dirty="0"/>
               <a:t>!</a:t>
             </a:r>
+          </a:p>
+        </p:txBody>
+      </p:sp>
+      <p:sp>
+        <p:nvSpPr>
+          <p:cNvPr id="2" name="Slide Number Placeholder 1"/>
+          <p:cNvSpPr>
+            <a:spLocks noGrp="1"/>
+          </p:cNvSpPr>
+          <p:nvPr>
+            <p:ph type="sldNum" sz="quarter" idx="12"/>
+          </p:nvPr>
+        </p:nvSpPr>
+        <p:spPr/>
+        <p:txBody>
+          <a:bodyPr/>
+          <a:lstStyle/>
+          <a:p>
+            <a:fld id="{DA00CEBC-9AC0-446C-9417-17B7E0F2B36C}" type="slidenum">
+              <a:rPr lang="it-IT" smtClean="0"/>
+              <a:t>26</a:t>
+            </a:fld>
+            <a:endParaRPr lang="it-IT"/>
           </a:p>
         </p:txBody>
       </p:sp>
@@ -18769,6 +19390,29 @@
           </a:p>
         </p:txBody>
       </p:sp>
+      <p:sp>
+        <p:nvSpPr>
+          <p:cNvPr id="4" name="Slide Number Placeholder 3"/>
+          <p:cNvSpPr>
+            <a:spLocks noGrp="1"/>
+          </p:cNvSpPr>
+          <p:nvPr>
+            <p:ph type="sldNum" sz="quarter" idx="12"/>
+          </p:nvPr>
+        </p:nvSpPr>
+        <p:spPr/>
+        <p:txBody>
+          <a:bodyPr/>
+          <a:lstStyle/>
+          <a:p>
+            <a:fld id="{DA00CEBC-9AC0-446C-9417-17B7E0F2B36C}" type="slidenum">
+              <a:rPr lang="it-IT" smtClean="0"/>
+              <a:t>3</a:t>
+            </a:fld>
+            <a:endParaRPr lang="it-IT"/>
+          </a:p>
+        </p:txBody>
+      </p:sp>
     </p:spTree>
     <p:extLst>
       <p:ext uri="{BB962C8B-B14F-4D97-AF65-F5344CB8AC3E}">
@@ -18856,7 +19500,7 @@
         </p:blipFill>
         <p:spPr>
           <a:xfrm>
-            <a:off x="956533" y="1668545"/>
+            <a:off x="838200" y="1342630"/>
             <a:ext cx="4293630" cy="3115303"/>
           </a:xfrm>
         </p:spPr>
@@ -18885,11 +19529,34 @@
         </p:blipFill>
         <p:spPr>
           <a:xfrm>
-            <a:off x="7572787" y="1668545"/>
-            <a:ext cx="3781013" cy="4797160"/>
+            <a:off x="7572786" y="1342630"/>
+            <a:ext cx="3626437" cy="4601042"/>
           </a:xfrm>
         </p:spPr>
       </p:pic>
+      <p:sp>
+        <p:nvSpPr>
+          <p:cNvPr id="3" name="Slide Number Placeholder 2"/>
+          <p:cNvSpPr>
+            <a:spLocks noGrp="1"/>
+          </p:cNvSpPr>
+          <p:nvPr>
+            <p:ph type="sldNum" sz="quarter" idx="12"/>
+          </p:nvPr>
+        </p:nvSpPr>
+        <p:spPr/>
+        <p:txBody>
+          <a:bodyPr/>
+          <a:lstStyle/>
+          <a:p>
+            <a:fld id="{DA00CEBC-9AC0-446C-9417-17B7E0F2B36C}" type="slidenum">
+              <a:rPr lang="it-IT" smtClean="0"/>
+              <a:t>4</a:t>
+            </a:fld>
+            <a:endParaRPr lang="it-IT"/>
+          </a:p>
+        </p:txBody>
+      </p:sp>
     </p:spTree>
     <p:extLst>
       <p:ext uri="{BB962C8B-B14F-4D97-AF65-F5344CB8AC3E}">
@@ -19064,7 +19731,7 @@
         </p:blipFill>
         <p:spPr>
           <a:xfrm>
-            <a:off x="838200" y="1486461"/>
+            <a:off x="838200" y="1512586"/>
             <a:ext cx="3672701" cy="2048591"/>
           </a:xfrm>
         </p:spPr>
@@ -19091,7 +19758,7 @@
         </p:blipFill>
         <p:spPr>
           <a:xfrm>
-            <a:off x="5370244" y="3314114"/>
+            <a:off x="5370243" y="2965771"/>
             <a:ext cx="5983556" cy="2935857"/>
           </a:xfrm>
           <a:prstGeom prst="rect">
@@ -19099,6 +19766,29 @@
           </a:prstGeom>
         </p:spPr>
       </p:pic>
+      <p:sp>
+        <p:nvSpPr>
+          <p:cNvPr id="3" name="Slide Number Placeholder 2"/>
+          <p:cNvSpPr>
+            <a:spLocks noGrp="1"/>
+          </p:cNvSpPr>
+          <p:nvPr>
+            <p:ph type="sldNum" sz="quarter" idx="12"/>
+          </p:nvPr>
+        </p:nvSpPr>
+        <p:spPr/>
+        <p:txBody>
+          <a:bodyPr/>
+          <a:lstStyle/>
+          <a:p>
+            <a:fld id="{DA00CEBC-9AC0-446C-9417-17B7E0F2B36C}" type="slidenum">
+              <a:rPr lang="it-IT" smtClean="0"/>
+              <a:t>5</a:t>
+            </a:fld>
+            <a:endParaRPr lang="it-IT"/>
+          </a:p>
+        </p:txBody>
+      </p:sp>
     </p:spTree>
     <p:extLst>
       <p:ext uri="{BB962C8B-B14F-4D97-AF65-F5344CB8AC3E}">
@@ -19188,11 +19878,34 @@
         </p:blipFill>
         <p:spPr>
           <a:xfrm>
-            <a:off x="2996852" y="1582359"/>
+            <a:off x="2996853" y="1542520"/>
             <a:ext cx="6198295" cy="4469649"/>
           </a:xfrm>
         </p:spPr>
       </p:pic>
+      <p:sp>
+        <p:nvSpPr>
+          <p:cNvPr id="3" name="Slide Number Placeholder 2"/>
+          <p:cNvSpPr>
+            <a:spLocks noGrp="1"/>
+          </p:cNvSpPr>
+          <p:nvPr>
+            <p:ph type="sldNum" sz="quarter" idx="12"/>
+          </p:nvPr>
+        </p:nvSpPr>
+        <p:spPr/>
+        <p:txBody>
+          <a:bodyPr/>
+          <a:lstStyle/>
+          <a:p>
+            <a:fld id="{DA00CEBC-9AC0-446C-9417-17B7E0F2B36C}" type="slidenum">
+              <a:rPr lang="it-IT" smtClean="0"/>
+              <a:t>6</a:t>
+            </a:fld>
+            <a:endParaRPr lang="it-IT"/>
+          </a:p>
+        </p:txBody>
+      </p:sp>
     </p:spTree>
     <p:extLst>
       <p:ext uri="{BB962C8B-B14F-4D97-AF65-F5344CB8AC3E}">
@@ -19294,11 +20007,34 @@
         </p:blipFill>
         <p:spPr>
           <a:xfrm>
-            <a:off x="1202493" y="1630104"/>
-            <a:ext cx="10028758" cy="4723563"/>
+            <a:off x="1560238" y="1490765"/>
+            <a:ext cx="9071525" cy="4272705"/>
           </a:xfrm>
         </p:spPr>
       </p:pic>
+      <p:sp>
+        <p:nvSpPr>
+          <p:cNvPr id="3" name="Slide Number Placeholder 2"/>
+          <p:cNvSpPr>
+            <a:spLocks noGrp="1"/>
+          </p:cNvSpPr>
+          <p:nvPr>
+            <p:ph type="sldNum" sz="quarter" idx="12"/>
+          </p:nvPr>
+        </p:nvSpPr>
+        <p:spPr/>
+        <p:txBody>
+          <a:bodyPr/>
+          <a:lstStyle/>
+          <a:p>
+            <a:fld id="{DA00CEBC-9AC0-446C-9417-17B7E0F2B36C}" type="slidenum">
+              <a:rPr lang="it-IT" smtClean="0"/>
+              <a:t>7</a:t>
+            </a:fld>
+            <a:endParaRPr lang="it-IT"/>
+          </a:p>
+        </p:txBody>
+      </p:sp>
     </p:spTree>
     <p:extLst>
       <p:ext uri="{BB962C8B-B14F-4D97-AF65-F5344CB8AC3E}">
@@ -19400,11 +20136,34 @@
         </p:blipFill>
         <p:spPr>
           <a:xfrm>
-            <a:off x="923041" y="1545953"/>
-            <a:ext cx="10702870" cy="4788860"/>
+            <a:off x="1428172" y="1528538"/>
+            <a:ext cx="9335656" cy="4177118"/>
           </a:xfrm>
         </p:spPr>
       </p:pic>
+      <p:sp>
+        <p:nvSpPr>
+          <p:cNvPr id="3" name="Slide Number Placeholder 2"/>
+          <p:cNvSpPr>
+            <a:spLocks noGrp="1"/>
+          </p:cNvSpPr>
+          <p:nvPr>
+            <p:ph type="sldNum" sz="quarter" idx="12"/>
+          </p:nvPr>
+        </p:nvSpPr>
+        <p:spPr/>
+        <p:txBody>
+          <a:bodyPr/>
+          <a:lstStyle/>
+          <a:p>
+            <a:fld id="{DA00CEBC-9AC0-446C-9417-17B7E0F2B36C}" type="slidenum">
+              <a:rPr lang="it-IT" smtClean="0"/>
+              <a:t>8</a:t>
+            </a:fld>
+            <a:endParaRPr lang="it-IT"/>
+          </a:p>
+        </p:txBody>
+      </p:sp>
     </p:spTree>
     <p:extLst>
       <p:ext uri="{BB962C8B-B14F-4D97-AF65-F5344CB8AC3E}">
@@ -19623,8 +20382,8 @@
           </a:p>
         </p:txBody>
       </p:sp>
-      <mc:AlternateContent xmlns:mc="http://schemas.openxmlformats.org/markup-compatibility/2006">
-        <mc:Choice xmlns:p14="http://schemas.microsoft.com/office/powerpoint/2010/main" Requires="p14">
+      <mc:AlternateContent xmlns:mc="http://schemas.openxmlformats.org/markup-compatibility/2006" xmlns:p14="http://schemas.microsoft.com/office/powerpoint/2010/main">
+        <mc:Choice Requires="p14">
           <p:contentPart p14:bwMode="auto" r:id="rId7">
             <p14:nvContentPartPr>
               <p14:cNvPr id="14" name="Ink 13"/>
@@ -19637,7 +20396,7 @@
             </p14:xfrm>
           </p:contentPart>
         </mc:Choice>
-        <mc:Fallback>
+        <mc:Fallback xmlns="">
           <p:pic>
             <p:nvPicPr>
               <p:cNvPr id="14" name="Ink 13"/>
@@ -19662,8 +20421,8 @@
           </p:pic>
         </mc:Fallback>
       </mc:AlternateContent>
-      <mc:AlternateContent xmlns:mc="http://schemas.openxmlformats.org/markup-compatibility/2006">
-        <mc:Choice xmlns:p14="http://schemas.microsoft.com/office/powerpoint/2010/main" Requires="p14">
+      <mc:AlternateContent xmlns:mc="http://schemas.openxmlformats.org/markup-compatibility/2006" xmlns:p14="http://schemas.microsoft.com/office/powerpoint/2010/main">
+        <mc:Choice Requires="p14">
           <p:contentPart p14:bwMode="auto" r:id="rId9">
             <p14:nvContentPartPr>
               <p14:cNvPr id="16" name="Ink 15"/>
@@ -19676,7 +20435,7 @@
             </p14:xfrm>
           </p:contentPart>
         </mc:Choice>
-        <mc:Fallback>
+        <mc:Fallback xmlns="">
           <p:pic>
             <p:nvPicPr>
               <p:cNvPr id="16" name="Ink 15"/>
@@ -19701,8 +20460,8 @@
           </p:pic>
         </mc:Fallback>
       </mc:AlternateContent>
-      <mc:AlternateContent xmlns:mc="http://schemas.openxmlformats.org/markup-compatibility/2006">
-        <mc:Choice xmlns:p14="http://schemas.microsoft.com/office/powerpoint/2010/main" Requires="p14">
+      <mc:AlternateContent xmlns:mc="http://schemas.openxmlformats.org/markup-compatibility/2006" xmlns:p14="http://schemas.microsoft.com/office/powerpoint/2010/main">
+        <mc:Choice Requires="p14">
           <p:contentPart p14:bwMode="auto" r:id="rId11">
             <p14:nvContentPartPr>
               <p14:cNvPr id="17" name="Ink 16"/>
@@ -19715,7 +20474,7 @@
             </p14:xfrm>
           </p:contentPart>
         </mc:Choice>
-        <mc:Fallback>
+        <mc:Fallback xmlns="">
           <p:pic>
             <p:nvPicPr>
               <p:cNvPr id="17" name="Ink 16"/>
@@ -19740,8 +20499,8 @@
           </p:pic>
         </mc:Fallback>
       </mc:AlternateContent>
-      <mc:AlternateContent xmlns:mc="http://schemas.openxmlformats.org/markup-compatibility/2006">
-        <mc:Choice xmlns:p14="http://schemas.microsoft.com/office/powerpoint/2010/main" Requires="p14">
+      <mc:AlternateContent xmlns:mc="http://schemas.openxmlformats.org/markup-compatibility/2006" xmlns:p14="http://schemas.microsoft.com/office/powerpoint/2010/main">
+        <mc:Choice Requires="p14">
           <p:contentPart p14:bwMode="auto" r:id="rId13">
             <p14:nvContentPartPr>
               <p14:cNvPr id="24" name="Ink 23"/>
@@ -19754,7 +20513,7 @@
             </p14:xfrm>
           </p:contentPart>
         </mc:Choice>
-        <mc:Fallback>
+        <mc:Fallback xmlns="">
           <p:pic>
             <p:nvPicPr>
               <p:cNvPr id="24" name="Ink 23"/>
@@ -19779,8 +20538,8 @@
           </p:pic>
         </mc:Fallback>
       </mc:AlternateContent>
-      <mc:AlternateContent xmlns:mc="http://schemas.openxmlformats.org/markup-compatibility/2006">
-        <mc:Choice xmlns:p14="http://schemas.microsoft.com/office/powerpoint/2010/main" Requires="p14">
+      <mc:AlternateContent xmlns:mc="http://schemas.openxmlformats.org/markup-compatibility/2006" xmlns:p14="http://schemas.microsoft.com/office/powerpoint/2010/main">
+        <mc:Choice Requires="p14">
           <p:contentPart p14:bwMode="auto" r:id="rId15">
             <p14:nvContentPartPr>
               <p14:cNvPr id="33" name="Ink 32"/>
@@ -19793,7 +20552,7 @@
             </p14:xfrm>
           </p:contentPart>
         </mc:Choice>
-        <mc:Fallback>
+        <mc:Fallback xmlns="">
           <p:pic>
             <p:nvPicPr>
               <p:cNvPr id="33" name="Ink 32"/>
@@ -19818,8 +20577,8 @@
           </p:pic>
         </mc:Fallback>
       </mc:AlternateContent>
-      <mc:AlternateContent xmlns:mc="http://schemas.openxmlformats.org/markup-compatibility/2006">
-        <mc:Choice xmlns:p14="http://schemas.microsoft.com/office/powerpoint/2010/main" Requires="p14">
+      <mc:AlternateContent xmlns:mc="http://schemas.openxmlformats.org/markup-compatibility/2006" xmlns:p14="http://schemas.microsoft.com/office/powerpoint/2010/main">
+        <mc:Choice Requires="p14">
           <p:contentPart p14:bwMode="auto" r:id="rId17">
             <p14:nvContentPartPr>
               <p14:cNvPr id="43" name="Ink 42"/>
@@ -19832,7 +20591,7 @@
             </p14:xfrm>
           </p:contentPart>
         </mc:Choice>
-        <mc:Fallback>
+        <mc:Fallback xmlns="">
           <p:pic>
             <p:nvPicPr>
               <p:cNvPr id="43" name="Ink 42"/>
@@ -19857,8 +20616,8 @@
           </p:pic>
         </mc:Fallback>
       </mc:AlternateContent>
-      <mc:AlternateContent xmlns:mc="http://schemas.openxmlformats.org/markup-compatibility/2006">
-        <mc:Choice xmlns:p14="http://schemas.microsoft.com/office/powerpoint/2010/main" Requires="p14">
+      <mc:AlternateContent xmlns:mc="http://schemas.openxmlformats.org/markup-compatibility/2006" xmlns:p14="http://schemas.microsoft.com/office/powerpoint/2010/main">
+        <mc:Choice Requires="p14">
           <p:contentPart p14:bwMode="auto" r:id="rId19">
             <p14:nvContentPartPr>
               <p14:cNvPr id="49" name="Ink 48"/>
@@ -19871,7 +20630,7 @@
             </p14:xfrm>
           </p:contentPart>
         </mc:Choice>
-        <mc:Fallback>
+        <mc:Fallback xmlns="">
           <p:pic>
             <p:nvPicPr>
               <p:cNvPr id="49" name="Ink 48"/>
@@ -19896,6 +20655,29 @@
           </p:pic>
         </mc:Fallback>
       </mc:AlternateContent>
+      <p:sp>
+        <p:nvSpPr>
+          <p:cNvPr id="4" name="Slide Number Placeholder 3"/>
+          <p:cNvSpPr>
+            <a:spLocks noGrp="1"/>
+          </p:cNvSpPr>
+          <p:nvPr>
+            <p:ph type="sldNum" sz="quarter" idx="12"/>
+          </p:nvPr>
+        </p:nvSpPr>
+        <p:spPr/>
+        <p:txBody>
+          <a:bodyPr/>
+          <a:lstStyle/>
+          <a:p>
+            <a:fld id="{DA00CEBC-9AC0-446C-9417-17B7E0F2B36C}" type="slidenum">
+              <a:rPr lang="it-IT" smtClean="0"/>
+              <a:t>9</a:t>
+            </a:fld>
+            <a:endParaRPr lang="it-IT"/>
+          </a:p>
+        </p:txBody>
+      </p:sp>
     </p:spTree>
     <p:extLst>
       <p:ext uri="{BB962C8B-B14F-4D97-AF65-F5344CB8AC3E}">

--- a/static_control_flow/slides.pptx
+++ b/static_control_flow/slides.pptx
@@ -11015,46 +11015,6 @@
           <a:chExt cx="0" cy="0"/>
         </a:xfrm>
       </p:grpSpPr>
-      <p:sp>
-        <p:nvSpPr>
-          <p:cNvPr id="2" name="Title 1"/>
-          <p:cNvSpPr>
-            <a:spLocks noGrp="1"/>
-          </p:cNvSpPr>
-          <p:nvPr>
-            <p:ph type="title"/>
-          </p:nvPr>
-        </p:nvSpPr>
-        <p:spPr>
-          <a:xfrm>
-            <a:off x="102910" y="0"/>
-            <a:ext cx="3799787" cy="744718"/>
-          </a:xfrm>
-        </p:spPr>
-        <p:txBody>
-          <a:bodyPr>
-            <a:normAutofit/>
-          </a:bodyPr>
-          <a:lstStyle/>
-          <a:p>
-            <a:r>
-              <a:rPr lang="en-US" sz="2000" dirty="0"/>
-              <a:t>C++14 </a:t>
-            </a:r>
-            <a:r>
-              <a:rPr lang="en-US" sz="2000" dirty="0" err="1">
-                <a:latin typeface="Consolas" panose="020B0609020204030204" pitchFamily="49" charset="0"/>
-              </a:rPr>
-              <a:t>static_if</a:t>
-            </a:r>
-            <a:r>
-              <a:rPr lang="en-US" sz="2000" dirty="0"/>
-              <a:t> – example (3)</a:t>
-            </a:r>
-            <a:endParaRPr lang="it-IT" sz="2000" dirty="0"/>
-          </a:p>
-        </p:txBody>
-      </p:sp>
       <p:pic>
         <p:nvPicPr>
           <p:cNvPr id="4" name="Content Placeholder 3"/>
@@ -11525,6 +11485,25 @@
           </a:p>
         </p:txBody>
       </p:sp>
+      <p:sp>
+        <p:nvSpPr>
+          <p:cNvPr id="6" name="Title 5"/>
+          <p:cNvSpPr>
+            <a:spLocks noGrp="1"/>
+          </p:cNvSpPr>
+          <p:nvPr>
+            <p:ph type="title"/>
+          </p:nvPr>
+        </p:nvSpPr>
+        <p:spPr/>
+        <p:txBody>
+          <a:bodyPr/>
+          <a:lstStyle/>
+          <a:p>
+            <a:endParaRPr lang="it-IT"/>
+          </a:p>
+        </p:txBody>
+      </p:sp>
     </p:spTree>
     <p:extLst>
       <p:ext uri="{BB962C8B-B14F-4D97-AF65-F5344CB8AC3E}">
@@ -11556,28 +11535,379 @@
                             </p:stCondLst>
                             <p:childTnLst>
                               <p:par>
-                                <p:cTn id="5" presetID="10" presetClass="exit" presetSubtype="0" fill="hold" grpId="0" nodeType="clickEffect">
+                                <p:cTn id="5" presetID="10" presetClass="entr" presetSubtype="0" fill="hold" nodeType="clickEffect">
+                                  <p:stCondLst>
+                                    <p:cond delay="0"/>
+                                  </p:stCondLst>
+                                  <p:childTnLst>
+                                    <p:set>
+                                      <p:cBhvr>
+                                        <p:cTn id="6" dur="1" fill="hold">
+                                          <p:stCondLst>
+                                            <p:cond delay="0"/>
+                                          </p:stCondLst>
+                                        </p:cTn>
+                                        <p:tgtEl>
+                                          <p:spTgt spid="7"/>
+                                        </p:tgtEl>
+                                        <p:attrNameLst>
+                                          <p:attrName>style.visibility</p:attrName>
+                                        </p:attrNameLst>
+                                      </p:cBhvr>
+                                      <p:to>
+                                        <p:strVal val="visible"/>
+                                      </p:to>
+                                    </p:set>
+                                    <p:animEffect transition="in" filter="fade">
+                                      <p:cBhvr>
+                                        <p:cTn id="7" dur="500"/>
+                                        <p:tgtEl>
+                                          <p:spTgt spid="7"/>
+                                        </p:tgtEl>
+                                      </p:cBhvr>
+                                    </p:animEffect>
+                                  </p:childTnLst>
+                                </p:cTn>
+                              </p:par>
+                              <p:par>
+                                <p:cTn id="8" presetID="10" presetClass="entr" presetSubtype="0" fill="hold" nodeType="withEffect">
+                                  <p:stCondLst>
+                                    <p:cond delay="0"/>
+                                  </p:stCondLst>
+                                  <p:childTnLst>
+                                    <p:set>
+                                      <p:cBhvr>
+                                        <p:cTn id="9" dur="1" fill="hold">
+                                          <p:stCondLst>
+                                            <p:cond delay="0"/>
+                                          </p:stCondLst>
+                                        </p:cTn>
+                                        <p:tgtEl>
+                                          <p:spTgt spid="9"/>
+                                        </p:tgtEl>
+                                        <p:attrNameLst>
+                                          <p:attrName>style.visibility</p:attrName>
+                                        </p:attrNameLst>
+                                      </p:cBhvr>
+                                      <p:to>
+                                        <p:strVal val="visible"/>
+                                      </p:to>
+                                    </p:set>
+                                    <p:animEffect transition="in" filter="fade">
+                                      <p:cBhvr>
+                                        <p:cTn id="10" dur="500"/>
+                                        <p:tgtEl>
+                                          <p:spTgt spid="9"/>
+                                        </p:tgtEl>
+                                      </p:cBhvr>
+                                    </p:animEffect>
+                                  </p:childTnLst>
+                                </p:cTn>
+                              </p:par>
+                            </p:childTnLst>
+                          </p:cTn>
+                        </p:par>
+                      </p:childTnLst>
+                    </p:cTn>
+                  </p:par>
+                  <p:par>
+                    <p:cTn id="11" fill="hold">
+                      <p:stCondLst>
+                        <p:cond delay="indefinite"/>
+                      </p:stCondLst>
+                      <p:childTnLst>
+                        <p:par>
+                          <p:cTn id="12" fill="hold">
+                            <p:stCondLst>
+                              <p:cond delay="0"/>
+                            </p:stCondLst>
+                            <p:childTnLst>
+                              <p:par>
+                                <p:cTn id="13" presetID="10" presetClass="entr" presetSubtype="0" fill="hold" nodeType="clickEffect">
+                                  <p:stCondLst>
+                                    <p:cond delay="0"/>
+                                  </p:stCondLst>
+                                  <p:childTnLst>
+                                    <p:set>
+                                      <p:cBhvr>
+                                        <p:cTn id="14" dur="1" fill="hold">
+                                          <p:stCondLst>
+                                            <p:cond delay="0"/>
+                                          </p:stCondLst>
+                                        </p:cTn>
+                                        <p:tgtEl>
+                                          <p:spTgt spid="13"/>
+                                        </p:tgtEl>
+                                        <p:attrNameLst>
+                                          <p:attrName>style.visibility</p:attrName>
+                                        </p:attrNameLst>
+                                      </p:cBhvr>
+                                      <p:to>
+                                        <p:strVal val="visible"/>
+                                      </p:to>
+                                    </p:set>
+                                    <p:animEffect transition="in" filter="fade">
+                                      <p:cBhvr>
+                                        <p:cTn id="15" dur="500"/>
+                                        <p:tgtEl>
+                                          <p:spTgt spid="13"/>
+                                        </p:tgtEl>
+                                      </p:cBhvr>
+                                    </p:animEffect>
+                                  </p:childTnLst>
+                                </p:cTn>
+                              </p:par>
+                              <p:par>
+                                <p:cTn id="16" presetID="10" presetClass="entr" presetSubtype="0" fill="hold" nodeType="withEffect">
+                                  <p:stCondLst>
+                                    <p:cond delay="0"/>
+                                  </p:stCondLst>
+                                  <p:childTnLst>
+                                    <p:set>
+                                      <p:cBhvr>
+                                        <p:cTn id="17" dur="1" fill="hold">
+                                          <p:stCondLst>
+                                            <p:cond delay="0"/>
+                                          </p:stCondLst>
+                                        </p:cTn>
+                                        <p:tgtEl>
+                                          <p:spTgt spid="11"/>
+                                        </p:tgtEl>
+                                        <p:attrNameLst>
+                                          <p:attrName>style.visibility</p:attrName>
+                                        </p:attrNameLst>
+                                      </p:cBhvr>
+                                      <p:to>
+                                        <p:strVal val="visible"/>
+                                      </p:to>
+                                    </p:set>
+                                    <p:animEffect transition="in" filter="fade">
+                                      <p:cBhvr>
+                                        <p:cTn id="18" dur="500"/>
+                                        <p:tgtEl>
+                                          <p:spTgt spid="11"/>
+                                        </p:tgtEl>
+                                      </p:cBhvr>
+                                    </p:animEffect>
+                                  </p:childTnLst>
+                                </p:cTn>
+                              </p:par>
+                              <p:par>
+                                <p:cTn id="19" presetID="10" presetClass="entr" presetSubtype="0" fill="hold" grpId="0" nodeType="withEffect">
+                                  <p:stCondLst>
+                                    <p:cond delay="0"/>
+                                  </p:stCondLst>
+                                  <p:childTnLst>
+                                    <p:set>
+                                      <p:cBhvr>
+                                        <p:cTn id="20" dur="1" fill="hold">
+                                          <p:stCondLst>
+                                            <p:cond delay="0"/>
+                                          </p:stCondLst>
+                                        </p:cTn>
+                                        <p:tgtEl>
+                                          <p:spTgt spid="5"/>
+                                        </p:tgtEl>
+                                        <p:attrNameLst>
+                                          <p:attrName>style.visibility</p:attrName>
+                                        </p:attrNameLst>
+                                      </p:cBhvr>
+                                      <p:to>
+                                        <p:strVal val="visible"/>
+                                      </p:to>
+                                    </p:set>
+                                    <p:animEffect transition="in" filter="fade">
+                                      <p:cBhvr>
+                                        <p:cTn id="21" dur="500"/>
+                                        <p:tgtEl>
+                                          <p:spTgt spid="5"/>
+                                        </p:tgtEl>
+                                      </p:cBhvr>
+                                    </p:animEffect>
+                                  </p:childTnLst>
+                                </p:cTn>
+                              </p:par>
+                            </p:childTnLst>
+                          </p:cTn>
+                        </p:par>
+                      </p:childTnLst>
+                    </p:cTn>
+                  </p:par>
+                  <p:par>
+                    <p:cTn id="22" fill="hold">
+                      <p:stCondLst>
+                        <p:cond delay="indefinite"/>
+                      </p:stCondLst>
+                      <p:childTnLst>
+                        <p:par>
+                          <p:cTn id="23" fill="hold">
+                            <p:stCondLst>
+                              <p:cond delay="0"/>
+                            </p:stCondLst>
+                            <p:childTnLst>
+                              <p:par>
+                                <p:cTn id="24" presetID="10" presetClass="exit" presetSubtype="0" fill="hold" nodeType="clickEffect">
                                   <p:stCondLst>
                                     <p:cond delay="0"/>
                                   </p:stCondLst>
                                   <p:childTnLst>
                                     <p:animEffect transition="out" filter="fade">
                                       <p:cBhvr>
-                                        <p:cTn id="6" dur="500"/>
+                                        <p:cTn id="25" dur="500"/>
                                         <p:tgtEl>
-                                          <p:spTgt spid="2"/>
+                                          <p:spTgt spid="7"/>
                                         </p:tgtEl>
                                       </p:cBhvr>
                                     </p:animEffect>
                                     <p:set>
                                       <p:cBhvr>
-                                        <p:cTn id="7" dur="1" fill="hold">
+                                        <p:cTn id="26" dur="1" fill="hold">
                                           <p:stCondLst>
                                             <p:cond delay="499"/>
                                           </p:stCondLst>
                                         </p:cTn>
                                         <p:tgtEl>
-                                          <p:spTgt spid="2"/>
+                                          <p:spTgt spid="7"/>
+                                        </p:tgtEl>
+                                        <p:attrNameLst>
+                                          <p:attrName>style.visibility</p:attrName>
+                                        </p:attrNameLst>
+                                      </p:cBhvr>
+                                      <p:to>
+                                        <p:strVal val="hidden"/>
+                                      </p:to>
+                                    </p:set>
+                                  </p:childTnLst>
+                                </p:cTn>
+                              </p:par>
+                              <p:par>
+                                <p:cTn id="27" presetID="10" presetClass="exit" presetSubtype="0" fill="hold" nodeType="withEffect">
+                                  <p:stCondLst>
+                                    <p:cond delay="0"/>
+                                  </p:stCondLst>
+                                  <p:childTnLst>
+                                    <p:animEffect transition="out" filter="fade">
+                                      <p:cBhvr>
+                                        <p:cTn id="28" dur="500"/>
+                                        <p:tgtEl>
+                                          <p:spTgt spid="9"/>
+                                        </p:tgtEl>
+                                      </p:cBhvr>
+                                    </p:animEffect>
+                                    <p:set>
+                                      <p:cBhvr>
+                                        <p:cTn id="29" dur="1" fill="hold">
+                                          <p:stCondLst>
+                                            <p:cond delay="499"/>
+                                          </p:stCondLst>
+                                        </p:cTn>
+                                        <p:tgtEl>
+                                          <p:spTgt spid="9"/>
+                                        </p:tgtEl>
+                                        <p:attrNameLst>
+                                          <p:attrName>style.visibility</p:attrName>
+                                        </p:attrNameLst>
+                                      </p:cBhvr>
+                                      <p:to>
+                                        <p:strVal val="hidden"/>
+                                      </p:to>
+                                    </p:set>
+                                  </p:childTnLst>
+                                </p:cTn>
+                              </p:par>
+                              <p:par>
+                                <p:cTn id="30" presetID="10" presetClass="exit" presetSubtype="0" fill="hold" nodeType="withEffect">
+                                  <p:stCondLst>
+                                    <p:cond delay="0"/>
+                                  </p:stCondLst>
+                                  <p:childTnLst>
+                                    <p:animEffect transition="out" filter="fade">
+                                      <p:cBhvr>
+                                        <p:cTn id="31" dur="500"/>
+                                        <p:tgtEl>
+                                          <p:spTgt spid="13"/>
+                                        </p:tgtEl>
+                                      </p:cBhvr>
+                                    </p:animEffect>
+                                    <p:set>
+                                      <p:cBhvr>
+                                        <p:cTn id="32" dur="1" fill="hold">
+                                          <p:stCondLst>
+                                            <p:cond delay="499"/>
+                                          </p:stCondLst>
+                                        </p:cTn>
+                                        <p:tgtEl>
+                                          <p:spTgt spid="13"/>
+                                        </p:tgtEl>
+                                        <p:attrNameLst>
+                                          <p:attrName>style.visibility</p:attrName>
+                                        </p:attrNameLst>
+                                      </p:cBhvr>
+                                      <p:to>
+                                        <p:strVal val="hidden"/>
+                                      </p:to>
+                                    </p:set>
+                                  </p:childTnLst>
+                                </p:cTn>
+                              </p:par>
+                              <p:par>
+                                <p:cTn id="33" presetID="10" presetClass="exit" presetSubtype="0" fill="hold" nodeType="withEffect">
+                                  <p:stCondLst>
+                                    <p:cond delay="0"/>
+                                  </p:stCondLst>
+                                  <p:childTnLst>
+                                    <p:animEffect transition="out" filter="fade">
+                                      <p:cBhvr>
+                                        <p:cTn id="34" dur="500"/>
+                                        <p:tgtEl>
+                                          <p:spTgt spid="11"/>
+                                        </p:tgtEl>
+                                      </p:cBhvr>
+                                    </p:animEffect>
+                                    <p:set>
+                                      <p:cBhvr>
+                                        <p:cTn id="35" dur="1" fill="hold">
+                                          <p:stCondLst>
+                                            <p:cond delay="499"/>
+                                          </p:stCondLst>
+                                        </p:cTn>
+                                        <p:tgtEl>
+                                          <p:spTgt spid="11"/>
+                                        </p:tgtEl>
+                                        <p:attrNameLst>
+                                          <p:attrName>style.visibility</p:attrName>
+                                        </p:attrNameLst>
+                                      </p:cBhvr>
+                                      <p:to>
+                                        <p:strVal val="hidden"/>
+                                      </p:to>
+                                    </p:set>
+                                  </p:childTnLst>
+                                </p:cTn>
+                              </p:par>
+                              <p:par>
+                                <p:cTn id="36" presetID="10" presetClass="exit" presetSubtype="0" fill="hold" grpId="1" nodeType="withEffect">
+                                  <p:stCondLst>
+                                    <p:cond delay="0"/>
+                                  </p:stCondLst>
+                                  <p:childTnLst>
+                                    <p:animEffect transition="out" filter="fade">
+                                      <p:cBhvr>
+                                        <p:cTn id="37" dur="500"/>
+                                        <p:tgtEl>
+                                          <p:spTgt spid="5"/>
+                                        </p:tgtEl>
+                                      </p:cBhvr>
+                                    </p:animEffect>
+                                    <p:set>
+                                      <p:cBhvr>
+                                        <p:cTn id="38" dur="1" fill="hold">
+                                          <p:stCondLst>
+                                            <p:cond delay="499"/>
+                                          </p:stCondLst>
+                                        </p:cTn>
+                                        <p:tgtEl>
+                                          <p:spTgt spid="5"/>
                                         </p:tgtEl>
                                         <p:attrNameLst>
                                           <p:attrName>style.visibility</p:attrName>
@@ -11597,32 +11927,32 @@
                     </p:cTn>
                   </p:par>
                   <p:par>
-                    <p:cTn id="8" fill="hold">
+                    <p:cTn id="39" fill="hold">
                       <p:stCondLst>
                         <p:cond delay="indefinite"/>
                       </p:stCondLst>
                       <p:childTnLst>
                         <p:par>
-                          <p:cTn id="9" fill="hold">
+                          <p:cTn id="40" fill="hold">
                             <p:stCondLst>
                               <p:cond delay="0"/>
                             </p:stCondLst>
                             <p:childTnLst>
                               <p:par>
-                                <p:cTn id="10" presetID="10" presetClass="entr" presetSubtype="0" fill="hold" nodeType="clickEffect">
+                                <p:cTn id="41" presetID="10" presetClass="entr" presetSubtype="0" fill="hold" grpId="0" nodeType="clickEffect">
                                   <p:stCondLst>
                                     <p:cond delay="0"/>
                                   </p:stCondLst>
                                   <p:childTnLst>
                                     <p:set>
                                       <p:cBhvr>
-                                        <p:cTn id="11" dur="1" fill="hold">
+                                        <p:cTn id="42" dur="1" fill="hold">
                                           <p:stCondLst>
                                             <p:cond delay="0"/>
                                           </p:stCondLst>
                                         </p:cTn>
                                         <p:tgtEl>
-                                          <p:spTgt spid="7"/>
+                                          <p:spTgt spid="25"/>
                                         </p:tgtEl>
                                         <p:attrNameLst>
                                           <p:attrName>style.visibility</p:attrName>
@@ -11634,363 +11964,12 @@
                                     </p:set>
                                     <p:animEffect transition="in" filter="fade">
                                       <p:cBhvr>
-                                        <p:cTn id="12" dur="500"/>
+                                        <p:cTn id="43" dur="500"/>
                                         <p:tgtEl>
-                                          <p:spTgt spid="7"/>
+                                          <p:spTgt spid="25"/>
                                         </p:tgtEl>
                                       </p:cBhvr>
                                     </p:animEffect>
-                                  </p:childTnLst>
-                                </p:cTn>
-                              </p:par>
-                              <p:par>
-                                <p:cTn id="13" presetID="10" presetClass="entr" presetSubtype="0" fill="hold" nodeType="withEffect">
-                                  <p:stCondLst>
-                                    <p:cond delay="0"/>
-                                  </p:stCondLst>
-                                  <p:childTnLst>
-                                    <p:set>
-                                      <p:cBhvr>
-                                        <p:cTn id="14" dur="1" fill="hold">
-                                          <p:stCondLst>
-                                            <p:cond delay="0"/>
-                                          </p:stCondLst>
-                                        </p:cTn>
-                                        <p:tgtEl>
-                                          <p:spTgt spid="9"/>
-                                        </p:tgtEl>
-                                        <p:attrNameLst>
-                                          <p:attrName>style.visibility</p:attrName>
-                                        </p:attrNameLst>
-                                      </p:cBhvr>
-                                      <p:to>
-                                        <p:strVal val="visible"/>
-                                      </p:to>
-                                    </p:set>
-                                    <p:animEffect transition="in" filter="fade">
-                                      <p:cBhvr>
-                                        <p:cTn id="15" dur="500"/>
-                                        <p:tgtEl>
-                                          <p:spTgt spid="9"/>
-                                        </p:tgtEl>
-                                      </p:cBhvr>
-                                    </p:animEffect>
-                                  </p:childTnLst>
-                                </p:cTn>
-                              </p:par>
-                            </p:childTnLst>
-                          </p:cTn>
-                        </p:par>
-                      </p:childTnLst>
-                    </p:cTn>
-                  </p:par>
-                  <p:par>
-                    <p:cTn id="16" fill="hold">
-                      <p:stCondLst>
-                        <p:cond delay="indefinite"/>
-                      </p:stCondLst>
-                      <p:childTnLst>
-                        <p:par>
-                          <p:cTn id="17" fill="hold">
-                            <p:stCondLst>
-                              <p:cond delay="0"/>
-                            </p:stCondLst>
-                            <p:childTnLst>
-                              <p:par>
-                                <p:cTn id="18" presetID="10" presetClass="entr" presetSubtype="0" fill="hold" nodeType="clickEffect">
-                                  <p:stCondLst>
-                                    <p:cond delay="0"/>
-                                  </p:stCondLst>
-                                  <p:childTnLst>
-                                    <p:set>
-                                      <p:cBhvr>
-                                        <p:cTn id="19" dur="1" fill="hold">
-                                          <p:stCondLst>
-                                            <p:cond delay="0"/>
-                                          </p:stCondLst>
-                                        </p:cTn>
-                                        <p:tgtEl>
-                                          <p:spTgt spid="13"/>
-                                        </p:tgtEl>
-                                        <p:attrNameLst>
-                                          <p:attrName>style.visibility</p:attrName>
-                                        </p:attrNameLst>
-                                      </p:cBhvr>
-                                      <p:to>
-                                        <p:strVal val="visible"/>
-                                      </p:to>
-                                    </p:set>
-                                    <p:animEffect transition="in" filter="fade">
-                                      <p:cBhvr>
-                                        <p:cTn id="20" dur="500"/>
-                                        <p:tgtEl>
-                                          <p:spTgt spid="13"/>
-                                        </p:tgtEl>
-                                      </p:cBhvr>
-                                    </p:animEffect>
-                                  </p:childTnLst>
-                                </p:cTn>
-                              </p:par>
-                              <p:par>
-                                <p:cTn id="21" presetID="10" presetClass="entr" presetSubtype="0" fill="hold" nodeType="withEffect">
-                                  <p:stCondLst>
-                                    <p:cond delay="0"/>
-                                  </p:stCondLst>
-                                  <p:childTnLst>
-                                    <p:set>
-                                      <p:cBhvr>
-                                        <p:cTn id="22" dur="1" fill="hold">
-                                          <p:stCondLst>
-                                            <p:cond delay="0"/>
-                                          </p:stCondLst>
-                                        </p:cTn>
-                                        <p:tgtEl>
-                                          <p:spTgt spid="11"/>
-                                        </p:tgtEl>
-                                        <p:attrNameLst>
-                                          <p:attrName>style.visibility</p:attrName>
-                                        </p:attrNameLst>
-                                      </p:cBhvr>
-                                      <p:to>
-                                        <p:strVal val="visible"/>
-                                      </p:to>
-                                    </p:set>
-                                    <p:animEffect transition="in" filter="fade">
-                                      <p:cBhvr>
-                                        <p:cTn id="23" dur="500"/>
-                                        <p:tgtEl>
-                                          <p:spTgt spid="11"/>
-                                        </p:tgtEl>
-                                      </p:cBhvr>
-                                    </p:animEffect>
-                                  </p:childTnLst>
-                                </p:cTn>
-                              </p:par>
-                              <p:par>
-                                <p:cTn id="24" presetID="10" presetClass="entr" presetSubtype="0" fill="hold" grpId="0" nodeType="withEffect">
-                                  <p:stCondLst>
-                                    <p:cond delay="0"/>
-                                  </p:stCondLst>
-                                  <p:childTnLst>
-                                    <p:set>
-                                      <p:cBhvr>
-                                        <p:cTn id="25" dur="1" fill="hold">
-                                          <p:stCondLst>
-                                            <p:cond delay="0"/>
-                                          </p:stCondLst>
-                                        </p:cTn>
-                                        <p:tgtEl>
-                                          <p:spTgt spid="5"/>
-                                        </p:tgtEl>
-                                        <p:attrNameLst>
-                                          <p:attrName>style.visibility</p:attrName>
-                                        </p:attrNameLst>
-                                      </p:cBhvr>
-                                      <p:to>
-                                        <p:strVal val="visible"/>
-                                      </p:to>
-                                    </p:set>
-                                    <p:animEffect transition="in" filter="fade">
-                                      <p:cBhvr>
-                                        <p:cTn id="26" dur="500"/>
-                                        <p:tgtEl>
-                                          <p:spTgt spid="5"/>
-                                        </p:tgtEl>
-                                      </p:cBhvr>
-                                    </p:animEffect>
-                                  </p:childTnLst>
-                                </p:cTn>
-                              </p:par>
-                            </p:childTnLst>
-                          </p:cTn>
-                        </p:par>
-                      </p:childTnLst>
-                    </p:cTn>
-                  </p:par>
-                  <p:par>
-                    <p:cTn id="27" fill="hold">
-                      <p:stCondLst>
-                        <p:cond delay="indefinite"/>
-                      </p:stCondLst>
-                      <p:childTnLst>
-                        <p:par>
-                          <p:cTn id="28" fill="hold">
-                            <p:stCondLst>
-                              <p:cond delay="0"/>
-                            </p:stCondLst>
-                            <p:childTnLst>
-                              <p:par>
-                                <p:cTn id="29" presetID="10" presetClass="exit" presetSubtype="0" fill="hold" nodeType="clickEffect">
-                                  <p:stCondLst>
-                                    <p:cond delay="0"/>
-                                  </p:stCondLst>
-                                  <p:childTnLst>
-                                    <p:animEffect transition="out" filter="fade">
-                                      <p:cBhvr>
-                                        <p:cTn id="30" dur="500"/>
-                                        <p:tgtEl>
-                                          <p:spTgt spid="7"/>
-                                        </p:tgtEl>
-                                      </p:cBhvr>
-                                    </p:animEffect>
-                                    <p:set>
-                                      <p:cBhvr>
-                                        <p:cTn id="31" dur="1" fill="hold">
-                                          <p:stCondLst>
-                                            <p:cond delay="499"/>
-                                          </p:stCondLst>
-                                        </p:cTn>
-                                        <p:tgtEl>
-                                          <p:spTgt spid="7"/>
-                                        </p:tgtEl>
-                                        <p:attrNameLst>
-                                          <p:attrName>style.visibility</p:attrName>
-                                        </p:attrNameLst>
-                                      </p:cBhvr>
-                                      <p:to>
-                                        <p:strVal val="hidden"/>
-                                      </p:to>
-                                    </p:set>
-                                  </p:childTnLst>
-                                </p:cTn>
-                              </p:par>
-                              <p:par>
-                                <p:cTn id="32" presetID="10" presetClass="exit" presetSubtype="0" fill="hold" nodeType="withEffect">
-                                  <p:stCondLst>
-                                    <p:cond delay="0"/>
-                                  </p:stCondLst>
-                                  <p:childTnLst>
-                                    <p:animEffect transition="out" filter="fade">
-                                      <p:cBhvr>
-                                        <p:cTn id="33" dur="500"/>
-                                        <p:tgtEl>
-                                          <p:spTgt spid="9"/>
-                                        </p:tgtEl>
-                                      </p:cBhvr>
-                                    </p:animEffect>
-                                    <p:set>
-                                      <p:cBhvr>
-                                        <p:cTn id="34" dur="1" fill="hold">
-                                          <p:stCondLst>
-                                            <p:cond delay="499"/>
-                                          </p:stCondLst>
-                                        </p:cTn>
-                                        <p:tgtEl>
-                                          <p:spTgt spid="9"/>
-                                        </p:tgtEl>
-                                        <p:attrNameLst>
-                                          <p:attrName>style.visibility</p:attrName>
-                                        </p:attrNameLst>
-                                      </p:cBhvr>
-                                      <p:to>
-                                        <p:strVal val="hidden"/>
-                                      </p:to>
-                                    </p:set>
-                                  </p:childTnLst>
-                                </p:cTn>
-                              </p:par>
-                              <p:par>
-                                <p:cTn id="35" presetID="10" presetClass="exit" presetSubtype="0" fill="hold" nodeType="withEffect">
-                                  <p:stCondLst>
-                                    <p:cond delay="0"/>
-                                  </p:stCondLst>
-                                  <p:childTnLst>
-                                    <p:animEffect transition="out" filter="fade">
-                                      <p:cBhvr>
-                                        <p:cTn id="36" dur="500"/>
-                                        <p:tgtEl>
-                                          <p:spTgt spid="13"/>
-                                        </p:tgtEl>
-                                      </p:cBhvr>
-                                    </p:animEffect>
-                                    <p:set>
-                                      <p:cBhvr>
-                                        <p:cTn id="37" dur="1" fill="hold">
-                                          <p:stCondLst>
-                                            <p:cond delay="499"/>
-                                          </p:stCondLst>
-                                        </p:cTn>
-                                        <p:tgtEl>
-                                          <p:spTgt spid="13"/>
-                                        </p:tgtEl>
-                                        <p:attrNameLst>
-                                          <p:attrName>style.visibility</p:attrName>
-                                        </p:attrNameLst>
-                                      </p:cBhvr>
-                                      <p:to>
-                                        <p:strVal val="hidden"/>
-                                      </p:to>
-                                    </p:set>
-                                  </p:childTnLst>
-                                </p:cTn>
-                              </p:par>
-                              <p:par>
-                                <p:cTn id="38" presetID="10" presetClass="exit" presetSubtype="0" fill="hold" nodeType="withEffect">
-                                  <p:stCondLst>
-                                    <p:cond delay="0"/>
-                                  </p:stCondLst>
-                                  <p:childTnLst>
-                                    <p:animEffect transition="out" filter="fade">
-                                      <p:cBhvr>
-                                        <p:cTn id="39" dur="500"/>
-                                        <p:tgtEl>
-                                          <p:spTgt spid="11"/>
-                                        </p:tgtEl>
-                                      </p:cBhvr>
-                                    </p:animEffect>
-                                    <p:set>
-                                      <p:cBhvr>
-                                        <p:cTn id="40" dur="1" fill="hold">
-                                          <p:stCondLst>
-                                            <p:cond delay="499"/>
-                                          </p:stCondLst>
-                                        </p:cTn>
-                                        <p:tgtEl>
-                                          <p:spTgt spid="11"/>
-                                        </p:tgtEl>
-                                        <p:attrNameLst>
-                                          <p:attrName>style.visibility</p:attrName>
-                                        </p:attrNameLst>
-                                      </p:cBhvr>
-                                      <p:to>
-                                        <p:strVal val="hidden"/>
-                                      </p:to>
-                                    </p:set>
-                                  </p:childTnLst>
-                                </p:cTn>
-                              </p:par>
-                              <p:par>
-                                <p:cTn id="41" presetID="10" presetClass="exit" presetSubtype="0" fill="hold" grpId="1" nodeType="withEffect">
-                                  <p:stCondLst>
-                                    <p:cond delay="0"/>
-                                  </p:stCondLst>
-                                  <p:childTnLst>
-                                    <p:animEffect transition="out" filter="fade">
-                                      <p:cBhvr>
-                                        <p:cTn id="42" dur="500"/>
-                                        <p:tgtEl>
-                                          <p:spTgt spid="5"/>
-                                        </p:tgtEl>
-                                      </p:cBhvr>
-                                    </p:animEffect>
-                                    <p:set>
-                                      <p:cBhvr>
-                                        <p:cTn id="43" dur="1" fill="hold">
-                                          <p:stCondLst>
-                                            <p:cond delay="499"/>
-                                          </p:stCondLst>
-                                        </p:cTn>
-                                        <p:tgtEl>
-                                          <p:spTgt spid="5"/>
-                                        </p:tgtEl>
-                                        <p:attrNameLst>
-                                          <p:attrName>style.visibility</p:attrName>
-                                        </p:attrNameLst>
-                                      </p:cBhvr>
-                                      <p:to>
-                                        <p:strVal val="hidden"/>
-                                      </p:to>
-                                    </p:set>
                                   </p:childTnLst>
                                 </p:cTn>
                               </p:par>
@@ -12026,7 +12005,7 @@
                                           </p:stCondLst>
                                         </p:cTn>
                                         <p:tgtEl>
-                                          <p:spTgt spid="25"/>
+                                          <p:spTgt spid="26"/>
                                         </p:tgtEl>
                                         <p:attrNameLst>
                                           <p:attrName>style.visibility</p:attrName>
@@ -12040,7 +12019,7 @@
                                       <p:cBhvr>
                                         <p:cTn id="48" dur="500"/>
                                         <p:tgtEl>
-                                          <p:spTgt spid="25"/>
+                                          <p:spTgt spid="26"/>
                                         </p:tgtEl>
                                       </p:cBhvr>
                                     </p:animEffect>
@@ -12066,67 +12045,14 @@
                             </p:stCondLst>
                             <p:childTnLst>
                               <p:par>
-                                <p:cTn id="51" presetID="10" presetClass="entr" presetSubtype="0" fill="hold" grpId="0" nodeType="clickEffect">
-                                  <p:stCondLst>
-                                    <p:cond delay="0"/>
-                                  </p:stCondLst>
-                                  <p:childTnLst>
-                                    <p:set>
-                                      <p:cBhvr>
-                                        <p:cTn id="52" dur="1" fill="hold">
-                                          <p:stCondLst>
-                                            <p:cond delay="0"/>
-                                          </p:stCondLst>
-                                        </p:cTn>
-                                        <p:tgtEl>
-                                          <p:spTgt spid="26"/>
-                                        </p:tgtEl>
-                                        <p:attrNameLst>
-                                          <p:attrName>style.visibility</p:attrName>
-                                        </p:attrNameLst>
-                                      </p:cBhvr>
-                                      <p:to>
-                                        <p:strVal val="visible"/>
-                                      </p:to>
-                                    </p:set>
-                                    <p:animEffect transition="in" filter="fade">
-                                      <p:cBhvr>
-                                        <p:cTn id="53" dur="500"/>
-                                        <p:tgtEl>
-                                          <p:spTgt spid="26"/>
-                                        </p:tgtEl>
-                                      </p:cBhvr>
-                                    </p:animEffect>
-                                  </p:childTnLst>
-                                </p:cTn>
-                              </p:par>
-                            </p:childTnLst>
-                          </p:cTn>
-                        </p:par>
-                      </p:childTnLst>
-                    </p:cTn>
-                  </p:par>
-                  <p:par>
-                    <p:cTn id="54" fill="hold">
-                      <p:stCondLst>
-                        <p:cond delay="indefinite"/>
-                      </p:stCondLst>
-                      <p:childTnLst>
-                        <p:par>
-                          <p:cTn id="55" fill="hold">
-                            <p:stCondLst>
-                              <p:cond delay="0"/>
-                            </p:stCondLst>
-                            <p:childTnLst>
-                              <p:par>
-                                <p:cTn id="56" presetID="10" presetClass="exit" presetSubtype="0" fill="hold" grpId="1" nodeType="clickEffect">
+                                <p:cTn id="51" presetID="10" presetClass="exit" presetSubtype="0" fill="hold" grpId="1" nodeType="clickEffect">
                                   <p:stCondLst>
                                     <p:cond delay="0"/>
                                   </p:stCondLst>
                                   <p:childTnLst>
                                     <p:animEffect transition="out" filter="fade">
                                       <p:cBhvr>
-                                        <p:cTn id="57" dur="500"/>
+                                        <p:cTn id="52" dur="500"/>
                                         <p:tgtEl>
                                           <p:spTgt spid="25"/>
                                         </p:tgtEl>
@@ -12134,7 +12060,7 @@
                                     </p:animEffect>
                                     <p:set>
                                       <p:cBhvr>
-                                        <p:cTn id="58" dur="1" fill="hold">
+                                        <p:cTn id="53" dur="1" fill="hold">
                                           <p:stCondLst>
                                             <p:cond delay="499"/>
                                           </p:stCondLst>
@@ -12154,14 +12080,14 @@
                                 </p:cTn>
                               </p:par>
                               <p:par>
-                                <p:cTn id="59" presetID="10" presetClass="exit" presetSubtype="0" fill="hold" grpId="1" nodeType="withEffect">
+                                <p:cTn id="54" presetID="10" presetClass="exit" presetSubtype="0" fill="hold" grpId="1" nodeType="withEffect">
                                   <p:stCondLst>
                                     <p:cond delay="0"/>
                                   </p:stCondLst>
                                   <p:childTnLst>
                                     <p:animEffect transition="out" filter="fade">
                                       <p:cBhvr>
-                                        <p:cTn id="60" dur="500"/>
+                                        <p:cTn id="55" dur="500"/>
                                         <p:tgtEl>
                                           <p:spTgt spid="26"/>
                                         </p:tgtEl>
@@ -12169,7 +12095,7 @@
                                     </p:animEffect>
                                     <p:set>
                                       <p:cBhvr>
-                                        <p:cTn id="61" dur="1" fill="hold">
+                                        <p:cTn id="56" dur="1" fill="hold">
                                           <p:stCondLst>
                                             <p:cond delay="499"/>
                                           </p:stCondLst>
@@ -12216,7 +12142,6 @@
       </p:par>
     </p:tnLst>
     <p:bldLst>
-      <p:bldP spid="2" grpId="0"/>
       <p:bldP spid="5" grpId="0" animBg="1"/>
       <p:bldP spid="5" grpId="1" animBg="1"/>
       <p:bldP spid="25" grpId="0" animBg="1"/>
@@ -12245,46 +12170,6 @@
           <a:chExt cx="0" cy="0"/>
         </a:xfrm>
       </p:grpSpPr>
-      <p:sp>
-        <p:nvSpPr>
-          <p:cNvPr id="2" name="Title 1"/>
-          <p:cNvSpPr>
-            <a:spLocks noGrp="1"/>
-          </p:cNvSpPr>
-          <p:nvPr>
-            <p:ph type="title"/>
-          </p:nvPr>
-        </p:nvSpPr>
-        <p:spPr>
-          <a:xfrm>
-            <a:off x="102910" y="0"/>
-            <a:ext cx="3799787" cy="744718"/>
-          </a:xfrm>
-        </p:spPr>
-        <p:txBody>
-          <a:bodyPr>
-            <a:normAutofit/>
-          </a:bodyPr>
-          <a:lstStyle/>
-          <a:p>
-            <a:r>
-              <a:rPr lang="en-US" sz="2000" dirty="0"/>
-              <a:t>C++14 </a:t>
-            </a:r>
-            <a:r>
-              <a:rPr lang="en-US" sz="2000" dirty="0" err="1">
-                <a:latin typeface="Consolas" panose="020B0609020204030204" pitchFamily="49" charset="0"/>
-              </a:rPr>
-              <a:t>static_if</a:t>
-            </a:r>
-            <a:r>
-              <a:rPr lang="en-US" sz="2000" dirty="0"/>
-              <a:t> – example (4)</a:t>
-            </a:r>
-            <a:endParaRPr lang="it-IT" sz="2000" dirty="0"/>
-          </a:p>
-        </p:txBody>
-      </p:sp>
       <p:pic>
         <p:nvPicPr>
           <p:cNvPr id="4" name="Content Placeholder 3"/>
@@ -12568,7 +12453,7 @@
         </p:nvSpPr>
         <p:spPr>
           <a:xfrm>
-            <a:off x="448515" y="1428918"/>
+            <a:off x="448515" y="888980"/>
             <a:ext cx="4862556" cy="5270137"/>
           </a:xfrm>
           <a:prstGeom prst="rect">
@@ -12813,6 +12698,25 @@
           </a:p>
         </p:txBody>
       </p:sp>
+      <p:sp>
+        <p:nvSpPr>
+          <p:cNvPr id="5" name="Title 4"/>
+          <p:cNvSpPr>
+            <a:spLocks noGrp="1"/>
+          </p:cNvSpPr>
+          <p:nvPr>
+            <p:ph type="title"/>
+          </p:nvPr>
+        </p:nvSpPr>
+        <p:spPr/>
+        <p:txBody>
+          <a:bodyPr/>
+          <a:lstStyle/>
+          <a:p>
+            <a:endParaRPr lang="it-IT"/>
+          </a:p>
+        </p:txBody>
+      </p:sp>
     </p:spTree>
     <p:extLst>
       <p:ext uri="{BB962C8B-B14F-4D97-AF65-F5344CB8AC3E}">
@@ -12844,67 +12748,14 @@
                             </p:stCondLst>
                             <p:childTnLst>
                               <p:par>
-                                <p:cTn id="5" presetID="10" presetClass="exit" presetSubtype="0" fill="hold" grpId="0" nodeType="clickEffect">
-                                  <p:stCondLst>
-                                    <p:cond delay="0"/>
-                                  </p:stCondLst>
-                                  <p:childTnLst>
-                                    <p:animEffect transition="out" filter="fade">
-                                      <p:cBhvr>
-                                        <p:cTn id="6" dur="500"/>
-                                        <p:tgtEl>
-                                          <p:spTgt spid="2"/>
-                                        </p:tgtEl>
-                                      </p:cBhvr>
-                                    </p:animEffect>
-                                    <p:set>
-                                      <p:cBhvr>
-                                        <p:cTn id="7" dur="1" fill="hold">
-                                          <p:stCondLst>
-                                            <p:cond delay="499"/>
-                                          </p:stCondLst>
-                                        </p:cTn>
-                                        <p:tgtEl>
-                                          <p:spTgt spid="2"/>
-                                        </p:tgtEl>
-                                        <p:attrNameLst>
-                                          <p:attrName>style.visibility</p:attrName>
-                                        </p:attrNameLst>
-                                      </p:cBhvr>
-                                      <p:to>
-                                        <p:strVal val="hidden"/>
-                                      </p:to>
-                                    </p:set>
-                                  </p:childTnLst>
-                                </p:cTn>
-                              </p:par>
-                            </p:childTnLst>
-                          </p:cTn>
-                        </p:par>
-                      </p:childTnLst>
-                    </p:cTn>
-                  </p:par>
-                  <p:par>
-                    <p:cTn id="8" fill="hold">
-                      <p:stCondLst>
-                        <p:cond delay="indefinite"/>
-                      </p:stCondLst>
-                      <p:childTnLst>
-                        <p:par>
-                          <p:cTn id="9" fill="hold">
-                            <p:stCondLst>
-                              <p:cond delay="0"/>
-                            </p:stCondLst>
-                            <p:childTnLst>
-                              <p:par>
-                                <p:cTn id="10" presetID="10" presetClass="entr" presetSubtype="0" fill="hold" nodeType="clickEffect">
+                                <p:cTn id="5" presetID="10" presetClass="entr" presetSubtype="0" fill="hold" nodeType="clickEffect">
                                   <p:stCondLst>
                                     <p:cond delay="0"/>
                                   </p:stCondLst>
                                   <p:childTnLst>
                                     <p:set>
                                       <p:cBhvr>
-                                        <p:cTn id="11" dur="1" fill="hold">
+                                        <p:cTn id="6" dur="1" fill="hold">
                                           <p:stCondLst>
                                             <p:cond delay="0"/>
                                           </p:stCondLst>
@@ -12922,7 +12773,7 @@
                                     </p:set>
                                     <p:animEffect transition="in" filter="fade">
                                       <p:cBhvr>
-                                        <p:cTn id="12" dur="500"/>
+                                        <p:cTn id="7" dur="500"/>
                                         <p:tgtEl>
                                           <p:spTgt spid="10"/>
                                         </p:tgtEl>
@@ -12932,14 +12783,14 @@
                                 </p:cTn>
                               </p:par>
                               <p:par>
-                                <p:cTn id="13" presetID="10" presetClass="entr" presetSubtype="0" fill="hold" nodeType="withEffect">
+                                <p:cTn id="8" presetID="10" presetClass="entr" presetSubtype="0" fill="hold" nodeType="withEffect">
                                   <p:stCondLst>
                                     <p:cond delay="0"/>
                                   </p:stCondLst>
                                   <p:childTnLst>
                                     <p:set>
                                       <p:cBhvr>
-                                        <p:cTn id="14" dur="1" fill="hold">
+                                        <p:cTn id="9" dur="1" fill="hold">
                                           <p:stCondLst>
                                             <p:cond delay="0"/>
                                           </p:stCondLst>
@@ -12957,7 +12808,7 @@
                                     </p:set>
                                     <p:animEffect transition="in" filter="fade">
                                       <p:cBhvr>
-                                        <p:cTn id="15" dur="500"/>
+                                        <p:cTn id="10" dur="500"/>
                                         <p:tgtEl>
                                           <p:spTgt spid="15"/>
                                         </p:tgtEl>
@@ -12973,26 +12824,26 @@
                     </p:cTn>
                   </p:par>
                   <p:par>
-                    <p:cTn id="16" fill="hold">
+                    <p:cTn id="11" fill="hold">
                       <p:stCondLst>
                         <p:cond delay="indefinite"/>
                       </p:stCondLst>
                       <p:childTnLst>
                         <p:par>
-                          <p:cTn id="17" fill="hold">
+                          <p:cTn id="12" fill="hold">
                             <p:stCondLst>
                               <p:cond delay="0"/>
                             </p:stCondLst>
                             <p:childTnLst>
                               <p:par>
-                                <p:cTn id="18" presetID="10" presetClass="entr" presetSubtype="0" fill="hold" nodeType="clickEffect">
+                                <p:cTn id="13" presetID="10" presetClass="entr" presetSubtype="0" fill="hold" nodeType="clickEffect">
                                   <p:stCondLst>
                                     <p:cond delay="0"/>
                                   </p:stCondLst>
                                   <p:childTnLst>
                                     <p:set>
                                       <p:cBhvr>
-                                        <p:cTn id="19" dur="1" fill="hold">
+                                        <p:cTn id="14" dur="1" fill="hold">
                                           <p:stCondLst>
                                             <p:cond delay="0"/>
                                           </p:stCondLst>
@@ -13010,7 +12861,7 @@
                                     </p:set>
                                     <p:animEffect transition="in" filter="fade">
                                       <p:cBhvr>
-                                        <p:cTn id="20" dur="500"/>
+                                        <p:cTn id="15" dur="500"/>
                                         <p:tgtEl>
                                           <p:spTgt spid="27"/>
                                         </p:tgtEl>
@@ -13020,14 +12871,14 @@
                                 </p:cTn>
                               </p:par>
                               <p:par>
-                                <p:cTn id="21" presetID="10" presetClass="entr" presetSubtype="0" fill="hold" nodeType="withEffect">
+                                <p:cTn id="16" presetID="10" presetClass="entr" presetSubtype="0" fill="hold" nodeType="withEffect">
                                   <p:stCondLst>
                                     <p:cond delay="0"/>
                                   </p:stCondLst>
                                   <p:childTnLst>
                                     <p:set>
                                       <p:cBhvr>
-                                        <p:cTn id="22" dur="1" fill="hold">
+                                        <p:cTn id="17" dur="1" fill="hold">
                                           <p:stCondLst>
                                             <p:cond delay="0"/>
                                           </p:stCondLst>
@@ -13045,7 +12896,7 @@
                                     </p:set>
                                     <p:animEffect transition="in" filter="fade">
                                       <p:cBhvr>
-                                        <p:cTn id="23" dur="500"/>
+                                        <p:cTn id="18" dur="500"/>
                                         <p:tgtEl>
                                           <p:spTgt spid="23"/>
                                         </p:tgtEl>
@@ -13055,14 +12906,14 @@
                                 </p:cTn>
                               </p:par>
                               <p:par>
-                                <p:cTn id="24" presetID="10" presetClass="entr" presetSubtype="0" fill="hold" grpId="0" nodeType="withEffect">
+                                <p:cTn id="19" presetID="10" presetClass="entr" presetSubtype="0" fill="hold" grpId="0" nodeType="withEffect">
                                   <p:stCondLst>
                                     <p:cond delay="0"/>
                                   </p:stCondLst>
                                   <p:childTnLst>
                                     <p:set>
                                       <p:cBhvr>
-                                        <p:cTn id="25" dur="1" fill="hold">
+                                        <p:cTn id="20" dur="1" fill="hold">
                                           <p:stCondLst>
                                             <p:cond delay="0"/>
                                           </p:stCondLst>
@@ -13080,7 +12931,7 @@
                                     </p:set>
                                     <p:animEffect transition="in" filter="fade">
                                       <p:cBhvr>
-                                        <p:cTn id="26" dur="500"/>
+                                        <p:cTn id="21" dur="500"/>
                                         <p:tgtEl>
                                           <p:spTgt spid="16"/>
                                         </p:tgtEl>
@@ -13096,26 +12947,26 @@
                     </p:cTn>
                   </p:par>
                   <p:par>
-                    <p:cTn id="27" fill="hold">
+                    <p:cTn id="22" fill="hold">
                       <p:stCondLst>
                         <p:cond delay="indefinite"/>
                       </p:stCondLst>
                       <p:childTnLst>
                         <p:par>
-                          <p:cTn id="28" fill="hold">
+                          <p:cTn id="23" fill="hold">
                             <p:stCondLst>
                               <p:cond delay="0"/>
                             </p:stCondLst>
                             <p:childTnLst>
                               <p:par>
-                                <p:cTn id="29" presetID="10" presetClass="exit" presetSubtype="0" fill="hold" nodeType="clickEffect">
+                                <p:cTn id="24" presetID="10" presetClass="exit" presetSubtype="0" fill="hold" nodeType="clickEffect">
                                   <p:stCondLst>
                                     <p:cond delay="0"/>
                                   </p:stCondLst>
                                   <p:childTnLst>
                                     <p:animEffect transition="out" filter="fade">
                                       <p:cBhvr>
-                                        <p:cTn id="30" dur="500"/>
+                                        <p:cTn id="25" dur="500"/>
                                         <p:tgtEl>
                                           <p:spTgt spid="10"/>
                                         </p:tgtEl>
@@ -13123,7 +12974,7 @@
                                     </p:animEffect>
                                     <p:set>
                                       <p:cBhvr>
-                                        <p:cTn id="31" dur="1" fill="hold">
+                                        <p:cTn id="26" dur="1" fill="hold">
                                           <p:stCondLst>
                                             <p:cond delay="499"/>
                                           </p:stCondLst>
@@ -13143,14 +12994,14 @@
                                 </p:cTn>
                               </p:par>
                               <p:par>
-                                <p:cTn id="32" presetID="10" presetClass="exit" presetSubtype="0" fill="hold" nodeType="withEffect">
+                                <p:cTn id="27" presetID="10" presetClass="exit" presetSubtype="0" fill="hold" nodeType="withEffect">
                                   <p:stCondLst>
                                     <p:cond delay="0"/>
                                   </p:stCondLst>
                                   <p:childTnLst>
                                     <p:animEffect transition="out" filter="fade">
                                       <p:cBhvr>
-                                        <p:cTn id="33" dur="500"/>
+                                        <p:cTn id="28" dur="500"/>
                                         <p:tgtEl>
                                           <p:spTgt spid="15"/>
                                         </p:tgtEl>
@@ -13158,7 +13009,7 @@
                                     </p:animEffect>
                                     <p:set>
                                       <p:cBhvr>
-                                        <p:cTn id="34" dur="1" fill="hold">
+                                        <p:cTn id="29" dur="1" fill="hold">
                                           <p:stCondLst>
                                             <p:cond delay="499"/>
                                           </p:stCondLst>
@@ -13178,14 +13029,14 @@
                                 </p:cTn>
                               </p:par>
                               <p:par>
-                                <p:cTn id="35" presetID="10" presetClass="exit" presetSubtype="0" fill="hold" nodeType="withEffect">
+                                <p:cTn id="30" presetID="10" presetClass="exit" presetSubtype="0" fill="hold" nodeType="withEffect">
                                   <p:stCondLst>
                                     <p:cond delay="0"/>
                                   </p:stCondLst>
                                   <p:childTnLst>
                                     <p:animEffect transition="out" filter="fade">
                                       <p:cBhvr>
-                                        <p:cTn id="36" dur="500"/>
+                                        <p:cTn id="31" dur="500"/>
                                         <p:tgtEl>
                                           <p:spTgt spid="27"/>
                                         </p:tgtEl>
@@ -13193,7 +13044,7 @@
                                     </p:animEffect>
                                     <p:set>
                                       <p:cBhvr>
-                                        <p:cTn id="37" dur="1" fill="hold">
+                                        <p:cTn id="32" dur="1" fill="hold">
                                           <p:stCondLst>
                                             <p:cond delay="499"/>
                                           </p:stCondLst>
@@ -13213,14 +13064,14 @@
                                 </p:cTn>
                               </p:par>
                               <p:par>
-                                <p:cTn id="38" presetID="10" presetClass="exit" presetSubtype="0" fill="hold" nodeType="withEffect">
+                                <p:cTn id="33" presetID="10" presetClass="exit" presetSubtype="0" fill="hold" nodeType="withEffect">
                                   <p:stCondLst>
                                     <p:cond delay="0"/>
                                   </p:stCondLst>
                                   <p:childTnLst>
                                     <p:animEffect transition="out" filter="fade">
                                       <p:cBhvr>
-                                        <p:cTn id="39" dur="500"/>
+                                        <p:cTn id="34" dur="500"/>
                                         <p:tgtEl>
                                           <p:spTgt spid="23"/>
                                         </p:tgtEl>
@@ -13228,7 +13079,7 @@
                                     </p:animEffect>
                                     <p:set>
                                       <p:cBhvr>
-                                        <p:cTn id="40" dur="1" fill="hold">
+                                        <p:cTn id="35" dur="1" fill="hold">
                                           <p:stCondLst>
                                             <p:cond delay="499"/>
                                           </p:stCondLst>
@@ -13248,14 +13099,14 @@
                                 </p:cTn>
                               </p:par>
                               <p:par>
-                                <p:cTn id="41" presetID="10" presetClass="exit" presetSubtype="0" fill="hold" grpId="1" nodeType="withEffect">
+                                <p:cTn id="36" presetID="10" presetClass="exit" presetSubtype="0" fill="hold" grpId="1" nodeType="withEffect">
                                   <p:stCondLst>
                                     <p:cond delay="0"/>
                                   </p:stCondLst>
                                   <p:childTnLst>
                                     <p:animEffect transition="out" filter="fade">
                                       <p:cBhvr>
-                                        <p:cTn id="42" dur="500"/>
+                                        <p:cTn id="37" dur="500"/>
                                         <p:tgtEl>
                                           <p:spTgt spid="16"/>
                                         </p:tgtEl>
@@ -13263,7 +13114,7 @@
                                     </p:animEffect>
                                     <p:set>
                                       <p:cBhvr>
-                                        <p:cTn id="43" dur="1" fill="hold">
+                                        <p:cTn id="38" dur="1" fill="hold">
                                           <p:stCondLst>
                                             <p:cond delay="499"/>
                                           </p:stCondLst>
@@ -13289,26 +13140,26 @@
                     </p:cTn>
                   </p:par>
                   <p:par>
-                    <p:cTn id="44" fill="hold">
+                    <p:cTn id="39" fill="hold">
                       <p:stCondLst>
                         <p:cond delay="indefinite"/>
                       </p:stCondLst>
                       <p:childTnLst>
                         <p:par>
-                          <p:cTn id="45" fill="hold">
+                          <p:cTn id="40" fill="hold">
                             <p:stCondLst>
                               <p:cond delay="0"/>
                             </p:stCondLst>
                             <p:childTnLst>
                               <p:par>
-                                <p:cTn id="46" presetID="10" presetClass="entr" presetSubtype="0" fill="hold" grpId="0" nodeType="clickEffect">
+                                <p:cTn id="41" presetID="10" presetClass="entr" presetSubtype="0" fill="hold" grpId="0" nodeType="clickEffect">
                                   <p:stCondLst>
                                     <p:cond delay="0"/>
                                   </p:stCondLst>
                                   <p:childTnLst>
                                     <p:set>
                                       <p:cBhvr>
-                                        <p:cTn id="47" dur="1" fill="hold">
+                                        <p:cTn id="42" dur="1" fill="hold">
                                           <p:stCondLst>
                                             <p:cond delay="0"/>
                                           </p:stCondLst>
@@ -13326,7 +13177,7 @@
                                     </p:set>
                                     <p:animEffect transition="in" filter="fade">
                                       <p:cBhvr>
-                                        <p:cTn id="48" dur="500"/>
+                                        <p:cTn id="43" dur="500"/>
                                         <p:tgtEl>
                                           <p:spTgt spid="31"/>
                                         </p:tgtEl>
@@ -13336,14 +13187,14 @@
                                 </p:cTn>
                               </p:par>
                               <p:par>
-                                <p:cTn id="49" presetID="10" presetClass="entr" presetSubtype="0" fill="hold" grpId="0" nodeType="withEffect">
+                                <p:cTn id="44" presetID="10" presetClass="entr" presetSubtype="0" fill="hold" grpId="0" nodeType="withEffect">
                                   <p:stCondLst>
                                     <p:cond delay="0"/>
                                   </p:stCondLst>
                                   <p:childTnLst>
                                     <p:set>
                                       <p:cBhvr>
-                                        <p:cTn id="50" dur="1" fill="hold">
+                                        <p:cTn id="45" dur="1" fill="hold">
                                           <p:stCondLst>
                                             <p:cond delay="0"/>
                                           </p:stCondLst>
@@ -13361,7 +13212,7 @@
                                     </p:set>
                                     <p:animEffect transition="in" filter="fade">
                                       <p:cBhvr>
-                                        <p:cTn id="51" dur="500"/>
+                                        <p:cTn id="46" dur="500"/>
                                         <p:tgtEl>
                                           <p:spTgt spid="30"/>
                                         </p:tgtEl>
@@ -13371,14 +13222,14 @@
                                 </p:cTn>
                               </p:par>
                               <p:par>
-                                <p:cTn id="52" presetID="10" presetClass="entr" presetSubtype="0" fill="hold" grpId="0" nodeType="withEffect">
+                                <p:cTn id="47" presetID="10" presetClass="entr" presetSubtype="0" fill="hold" grpId="0" nodeType="withEffect">
                                   <p:stCondLst>
                                     <p:cond delay="0"/>
                                   </p:stCondLst>
                                   <p:childTnLst>
                                     <p:set>
                                       <p:cBhvr>
-                                        <p:cTn id="53" dur="1" fill="hold">
+                                        <p:cTn id="48" dur="1" fill="hold">
                                           <p:stCondLst>
                                             <p:cond delay="0"/>
                                           </p:stCondLst>
@@ -13396,9 +13247,62 @@
                                     </p:set>
                                     <p:animEffect transition="in" filter="fade">
                                       <p:cBhvr>
+                                        <p:cTn id="49" dur="500"/>
+                                        <p:tgtEl>
+                                          <p:spTgt spid="29"/>
+                                        </p:tgtEl>
+                                      </p:cBhvr>
+                                    </p:animEffect>
+                                  </p:childTnLst>
+                                </p:cTn>
+                              </p:par>
+                            </p:childTnLst>
+                          </p:cTn>
+                        </p:par>
+                      </p:childTnLst>
+                    </p:cTn>
+                  </p:par>
+                  <p:par>
+                    <p:cTn id="50" fill="hold">
+                      <p:stCondLst>
+                        <p:cond delay="indefinite"/>
+                      </p:stCondLst>
+                      <p:childTnLst>
+                        <p:par>
+                          <p:cTn id="51" fill="hold">
+                            <p:stCondLst>
+                              <p:cond delay="0"/>
+                            </p:stCondLst>
+                            <p:childTnLst>
+                              <p:par>
+                                <p:cTn id="52" presetID="10" presetClass="entr" presetSubtype="0" fill="hold" grpId="0" nodeType="clickEffect">
+                                  <p:stCondLst>
+                                    <p:cond delay="0"/>
+                                  </p:stCondLst>
+                                  <p:childTnLst>
+                                    <p:set>
+                                      <p:cBhvr>
+                                        <p:cTn id="53" dur="1" fill="hold">
+                                          <p:stCondLst>
+                                            <p:cond delay="0"/>
+                                          </p:stCondLst>
+                                        </p:cTn>
+                                        <p:tgtEl>
+                                          <p:spTgt spid="28"/>
+                                        </p:tgtEl>
+                                        <p:attrNameLst>
+                                          <p:attrName>style.visibility</p:attrName>
+                                        </p:attrNameLst>
+                                      </p:cBhvr>
+                                      <p:to>
+                                        <p:strVal val="visible"/>
+                                      </p:to>
+                                    </p:set>
+                                    <p:animEffect transition="in" filter="fade">
+                                      <p:cBhvr>
                                         <p:cTn id="54" dur="500"/>
                                         <p:tgtEl>
-                                          <p:spTgt spid="29"/>
+                                          <p:spTgt spid="28"/>
                                         </p:tgtEl>
                                       </p:cBhvr>
                                     </p:animEffect>
@@ -13424,67 +13328,14 @@
                             </p:stCondLst>
                             <p:childTnLst>
                               <p:par>
-                                <p:cTn id="57" presetID="10" presetClass="entr" presetSubtype="0" fill="hold" grpId="0" nodeType="clickEffect">
-                                  <p:stCondLst>
-                                    <p:cond delay="0"/>
-                                  </p:stCondLst>
-                                  <p:childTnLst>
-                                    <p:set>
-                                      <p:cBhvr>
-                                        <p:cTn id="58" dur="1" fill="hold">
-                                          <p:stCondLst>
-                                            <p:cond delay="0"/>
-                                          </p:stCondLst>
-                                        </p:cTn>
-                                        <p:tgtEl>
-                                          <p:spTgt spid="28"/>
-                                        </p:tgtEl>
-                                        <p:attrNameLst>
-                                          <p:attrName>style.visibility</p:attrName>
-                                        </p:attrNameLst>
-                                      </p:cBhvr>
-                                      <p:to>
-                                        <p:strVal val="visible"/>
-                                      </p:to>
-                                    </p:set>
-                                    <p:animEffect transition="in" filter="fade">
-                                      <p:cBhvr>
-                                        <p:cTn id="59" dur="500"/>
-                                        <p:tgtEl>
-                                          <p:spTgt spid="28"/>
-                                        </p:tgtEl>
-                                      </p:cBhvr>
-                                    </p:animEffect>
-                                  </p:childTnLst>
-                                </p:cTn>
-                              </p:par>
-                            </p:childTnLst>
-                          </p:cTn>
-                        </p:par>
-                      </p:childTnLst>
-                    </p:cTn>
-                  </p:par>
-                  <p:par>
-                    <p:cTn id="60" fill="hold">
-                      <p:stCondLst>
-                        <p:cond delay="indefinite"/>
-                      </p:stCondLst>
-                      <p:childTnLst>
-                        <p:par>
-                          <p:cTn id="61" fill="hold">
-                            <p:stCondLst>
-                              <p:cond delay="0"/>
-                            </p:stCondLst>
-                            <p:childTnLst>
-                              <p:par>
-                                <p:cTn id="62" presetID="10" presetClass="exit" presetSubtype="0" fill="hold" grpId="1" nodeType="clickEffect">
+                                <p:cTn id="57" presetID="10" presetClass="exit" presetSubtype="0" fill="hold" grpId="1" nodeType="clickEffect">
                                   <p:stCondLst>
                                     <p:cond delay="0"/>
                                   </p:stCondLst>
                                   <p:childTnLst>
                                     <p:animEffect transition="out" filter="fade">
                                       <p:cBhvr>
-                                        <p:cTn id="63" dur="500"/>
+                                        <p:cTn id="58" dur="500"/>
                                         <p:tgtEl>
                                           <p:spTgt spid="31"/>
                                         </p:tgtEl>
@@ -13492,7 +13343,7 @@
                                     </p:animEffect>
                                     <p:set>
                                       <p:cBhvr>
-                                        <p:cTn id="64" dur="1" fill="hold">
+                                        <p:cTn id="59" dur="1" fill="hold">
                                           <p:stCondLst>
                                             <p:cond delay="499"/>
                                           </p:stCondLst>
@@ -13512,14 +13363,14 @@
                                 </p:cTn>
                               </p:par>
                               <p:par>
-                                <p:cTn id="65" presetID="10" presetClass="exit" presetSubtype="0" fill="hold" grpId="1" nodeType="withEffect">
+                                <p:cTn id="60" presetID="10" presetClass="exit" presetSubtype="0" fill="hold" grpId="1" nodeType="withEffect">
                                   <p:stCondLst>
                                     <p:cond delay="0"/>
                                   </p:stCondLst>
                                   <p:childTnLst>
                                     <p:animEffect transition="out" filter="fade">
                                       <p:cBhvr>
-                                        <p:cTn id="66" dur="500"/>
+                                        <p:cTn id="61" dur="500"/>
                                         <p:tgtEl>
                                           <p:spTgt spid="30"/>
                                         </p:tgtEl>
@@ -13527,7 +13378,7 @@
                                     </p:animEffect>
                                     <p:set>
                                       <p:cBhvr>
-                                        <p:cTn id="67" dur="1" fill="hold">
+                                        <p:cTn id="62" dur="1" fill="hold">
                                           <p:stCondLst>
                                             <p:cond delay="499"/>
                                           </p:stCondLst>
@@ -13547,14 +13398,14 @@
                                 </p:cTn>
                               </p:par>
                               <p:par>
-                                <p:cTn id="68" presetID="10" presetClass="exit" presetSubtype="0" fill="hold" grpId="1" nodeType="withEffect">
+                                <p:cTn id="63" presetID="10" presetClass="exit" presetSubtype="0" fill="hold" grpId="1" nodeType="withEffect">
                                   <p:stCondLst>
                                     <p:cond delay="0"/>
                                   </p:stCondLst>
                                   <p:childTnLst>
                                     <p:animEffect transition="out" filter="fade">
                                       <p:cBhvr>
-                                        <p:cTn id="69" dur="500"/>
+                                        <p:cTn id="64" dur="500"/>
                                         <p:tgtEl>
                                           <p:spTgt spid="29"/>
                                         </p:tgtEl>
@@ -13562,7 +13413,7 @@
                                     </p:animEffect>
                                     <p:set>
                                       <p:cBhvr>
-                                        <p:cTn id="70" dur="1" fill="hold">
+                                        <p:cTn id="65" dur="1" fill="hold">
                                           <p:stCondLst>
                                             <p:cond delay="499"/>
                                           </p:stCondLst>
@@ -13582,14 +13433,14 @@
                                 </p:cTn>
                               </p:par>
                               <p:par>
-                                <p:cTn id="71" presetID="10" presetClass="exit" presetSubtype="0" fill="hold" grpId="1" nodeType="withEffect">
+                                <p:cTn id="66" presetID="10" presetClass="exit" presetSubtype="0" fill="hold" grpId="1" nodeType="withEffect">
                                   <p:stCondLst>
                                     <p:cond delay="0"/>
                                   </p:stCondLst>
                                   <p:childTnLst>
                                     <p:animEffect transition="out" filter="fade">
                                       <p:cBhvr>
-                                        <p:cTn id="72" dur="500"/>
+                                        <p:cTn id="67" dur="500"/>
                                         <p:tgtEl>
                                           <p:spTgt spid="28"/>
                                         </p:tgtEl>
@@ -13597,7 +13448,7 @@
                                     </p:animEffect>
                                     <p:set>
                                       <p:cBhvr>
-                                        <p:cTn id="73" dur="1" fill="hold">
+                                        <p:cTn id="68" dur="1" fill="hold">
                                           <p:stCondLst>
                                             <p:cond delay="499"/>
                                           </p:stCondLst>
@@ -13644,7 +13495,6 @@
       </p:par>
     </p:tnLst>
     <p:bldLst>
-      <p:bldP spid="2" grpId="0"/>
       <p:bldP spid="16" grpId="0" animBg="1"/>
       <p:bldP spid="16" grpId="1" animBg="1"/>
       <p:bldP spid="28" grpId="0" animBg="1"/>
@@ -13903,46 +13753,6 @@
           <a:chExt cx="0" cy="0"/>
         </a:xfrm>
       </p:grpSpPr>
-      <p:sp>
-        <p:nvSpPr>
-          <p:cNvPr id="2" name="Title 1"/>
-          <p:cNvSpPr>
-            <a:spLocks noGrp="1"/>
-          </p:cNvSpPr>
-          <p:nvPr>
-            <p:ph type="title"/>
-          </p:nvPr>
-        </p:nvSpPr>
-        <p:spPr>
-          <a:xfrm>
-            <a:off x="102910" y="0"/>
-            <a:ext cx="3799787" cy="744718"/>
-          </a:xfrm>
-        </p:spPr>
-        <p:txBody>
-          <a:bodyPr>
-            <a:normAutofit/>
-          </a:bodyPr>
-          <a:lstStyle/>
-          <a:p>
-            <a:r>
-              <a:rPr lang="en-US" sz="2000" dirty="0"/>
-              <a:t>C++14 </a:t>
-            </a:r>
-            <a:r>
-              <a:rPr lang="en-US" sz="2000" dirty="0" err="1">
-                <a:latin typeface="Consolas" panose="020B0609020204030204" pitchFamily="49" charset="0"/>
-              </a:rPr>
-              <a:t>static_if</a:t>
-            </a:r>
-            <a:r>
-              <a:rPr lang="en-US" sz="2000" dirty="0"/>
-              <a:t> – example (5)</a:t>
-            </a:r>
-            <a:endParaRPr lang="it-IT" sz="2000" dirty="0"/>
-          </a:p>
-        </p:txBody>
-      </p:sp>
       <p:sp>
         <p:nvSpPr>
           <p:cNvPr id="5" name="TextBox 4"/>
@@ -14187,6 +13997,25 @@
           </p:pic>
         </mc:Fallback>
       </mc:AlternateContent>
+      <p:sp>
+        <p:nvSpPr>
+          <p:cNvPr id="12" name="Title 11"/>
+          <p:cNvSpPr>
+            <a:spLocks noGrp="1"/>
+          </p:cNvSpPr>
+          <p:nvPr>
+            <p:ph type="title"/>
+          </p:nvPr>
+        </p:nvSpPr>
+        <p:spPr/>
+        <p:txBody>
+          <a:bodyPr/>
+          <a:lstStyle/>
+          <a:p>
+            <a:endParaRPr lang="it-IT"/>
+          </a:p>
+        </p:txBody>
+      </p:sp>
     </p:spTree>
     <p:extLst>
       <p:ext uri="{BB962C8B-B14F-4D97-AF65-F5344CB8AC3E}">
@@ -14218,37 +14047,37 @@
                             </p:stCondLst>
                             <p:childTnLst>
                               <p:par>
-                                <p:cTn id="5" presetID="10" presetClass="exit" presetSubtype="0" fill="hold" grpId="0" nodeType="clickEffect">
+                                <p:cTn id="5" presetID="10" presetClass="entr" presetSubtype="0" fill="hold" grpId="0" nodeType="clickEffect">
                                   <p:stCondLst>
                                     <p:cond delay="0"/>
                                   </p:stCondLst>
                                   <p:childTnLst>
-                                    <p:animEffect transition="out" filter="fade">
-                                      <p:cBhvr>
-                                        <p:cTn id="6" dur="500"/>
-                                        <p:tgtEl>
-                                          <p:spTgt spid="2"/>
-                                        </p:tgtEl>
-                                      </p:cBhvr>
-                                    </p:animEffect>
                                     <p:set>
                                       <p:cBhvr>
-                                        <p:cTn id="7" dur="1" fill="hold">
+                                        <p:cTn id="6" dur="1" fill="hold">
                                           <p:stCondLst>
-                                            <p:cond delay="499"/>
+                                            <p:cond delay="0"/>
                                           </p:stCondLst>
                                         </p:cTn>
                                         <p:tgtEl>
-                                          <p:spTgt spid="2"/>
+                                          <p:spTgt spid="5"/>
                                         </p:tgtEl>
                                         <p:attrNameLst>
                                           <p:attrName>style.visibility</p:attrName>
                                         </p:attrNameLst>
                                       </p:cBhvr>
                                       <p:to>
-                                        <p:strVal val="hidden"/>
+                                        <p:strVal val="visible"/>
                                       </p:to>
                                     </p:set>
+                                    <p:animEffect transition="in" filter="fade">
+                                      <p:cBhvr>
+                                        <p:cTn id="7" dur="500"/>
+                                        <p:tgtEl>
+                                          <p:spTgt spid="5"/>
+                                        </p:tgtEl>
+                                      </p:cBhvr>
+                                    </p:animEffect>
                                   </p:childTnLst>
                                 </p:cTn>
                               </p:par>
@@ -14271,7 +14100,7 @@
                             </p:stCondLst>
                             <p:childTnLst>
                               <p:par>
-                                <p:cTn id="10" presetID="10" presetClass="entr" presetSubtype="0" fill="hold" grpId="0" nodeType="clickEffect">
+                                <p:cTn id="10" presetID="10" presetClass="entr" presetSubtype="0" fill="hold" nodeType="clickEffect">
                                   <p:stCondLst>
                                     <p:cond delay="0"/>
                                   </p:stCondLst>
@@ -14284,7 +14113,7 @@
                                           </p:stCondLst>
                                         </p:cTn>
                                         <p:tgtEl>
-                                          <p:spTgt spid="5"/>
+                                          <p:spTgt spid="6"/>
                                         </p:tgtEl>
                                         <p:attrNameLst>
                                           <p:attrName>style.visibility</p:attrName>
@@ -14298,7 +14127,7 @@
                                       <p:cBhvr>
                                         <p:cTn id="12" dur="500"/>
                                         <p:tgtEl>
-                                          <p:spTgt spid="5"/>
+                                          <p:spTgt spid="6"/>
                                         </p:tgtEl>
                                       </p:cBhvr>
                                     </p:animEffect>
@@ -14337,7 +14166,7 @@
                                           </p:stCondLst>
                                         </p:cTn>
                                         <p:tgtEl>
-                                          <p:spTgt spid="6"/>
+                                          <p:spTgt spid="9"/>
                                         </p:tgtEl>
                                         <p:attrNameLst>
                                           <p:attrName>style.visibility</p:attrName>
@@ -14351,59 +14180,6 @@
                                       <p:cBhvr>
                                         <p:cTn id="17" dur="500"/>
                                         <p:tgtEl>
-                                          <p:spTgt spid="6"/>
-                                        </p:tgtEl>
-                                      </p:cBhvr>
-                                    </p:animEffect>
-                                  </p:childTnLst>
-                                </p:cTn>
-                              </p:par>
-                            </p:childTnLst>
-                          </p:cTn>
-                        </p:par>
-                      </p:childTnLst>
-                    </p:cTn>
-                  </p:par>
-                  <p:par>
-                    <p:cTn id="18" fill="hold">
-                      <p:stCondLst>
-                        <p:cond delay="indefinite"/>
-                      </p:stCondLst>
-                      <p:childTnLst>
-                        <p:par>
-                          <p:cTn id="19" fill="hold">
-                            <p:stCondLst>
-                              <p:cond delay="0"/>
-                            </p:stCondLst>
-                            <p:childTnLst>
-                              <p:par>
-                                <p:cTn id="20" presetID="10" presetClass="entr" presetSubtype="0" fill="hold" nodeType="clickEffect">
-                                  <p:stCondLst>
-                                    <p:cond delay="0"/>
-                                  </p:stCondLst>
-                                  <p:childTnLst>
-                                    <p:set>
-                                      <p:cBhvr>
-                                        <p:cTn id="21" dur="1" fill="hold">
-                                          <p:stCondLst>
-                                            <p:cond delay="0"/>
-                                          </p:stCondLst>
-                                        </p:cTn>
-                                        <p:tgtEl>
-                                          <p:spTgt spid="9"/>
-                                        </p:tgtEl>
-                                        <p:attrNameLst>
-                                          <p:attrName>style.visibility</p:attrName>
-                                        </p:attrNameLst>
-                                      </p:cBhvr>
-                                      <p:to>
-                                        <p:strVal val="visible"/>
-                                      </p:to>
-                                    </p:set>
-                                    <p:animEffect transition="in" filter="fade">
-                                      <p:cBhvr>
-                                        <p:cTn id="22" dur="500"/>
-                                        <p:tgtEl>
                                           <p:spTgt spid="9"/>
                                         </p:tgtEl>
                                       </p:cBhvr>
@@ -14412,14 +14188,14 @@
                                 </p:cTn>
                               </p:par>
                               <p:par>
-                                <p:cTn id="23" presetID="10" presetClass="entr" presetSubtype="0" fill="hold" nodeType="withEffect">
+                                <p:cTn id="18" presetID="10" presetClass="entr" presetSubtype="0" fill="hold" nodeType="withEffect">
                                   <p:stCondLst>
                                     <p:cond delay="0"/>
                                   </p:stCondLst>
                                   <p:childTnLst>
                                     <p:set>
                                       <p:cBhvr>
-                                        <p:cTn id="24" dur="1" fill="hold">
+                                        <p:cTn id="19" dur="1" fill="hold">
                                           <p:stCondLst>
                                             <p:cond delay="0"/>
                                           </p:stCondLst>
@@ -14437,7 +14213,7 @@
                                     </p:set>
                                     <p:animEffect transition="in" filter="fade">
                                       <p:cBhvr>
-                                        <p:cTn id="25" dur="500"/>
+                                        <p:cTn id="20" dur="500"/>
                                         <p:tgtEl>
                                           <p:spTgt spid="7"/>
                                         </p:tgtEl>
@@ -14453,26 +14229,26 @@
                     </p:cTn>
                   </p:par>
                   <p:par>
-                    <p:cTn id="26" fill="hold">
+                    <p:cTn id="21" fill="hold">
                       <p:stCondLst>
                         <p:cond delay="indefinite"/>
                       </p:stCondLst>
                       <p:childTnLst>
                         <p:par>
-                          <p:cTn id="27" fill="hold">
+                          <p:cTn id="22" fill="hold">
                             <p:stCondLst>
                               <p:cond delay="0"/>
                             </p:stCondLst>
                             <p:childTnLst>
                               <p:par>
-                                <p:cTn id="28" presetID="10" presetClass="entr" presetSubtype="0" fill="hold" nodeType="clickEffect">
+                                <p:cTn id="23" presetID="10" presetClass="entr" presetSubtype="0" fill="hold" nodeType="clickEffect">
                                   <p:stCondLst>
                                     <p:cond delay="0"/>
                                   </p:stCondLst>
                                   <p:childTnLst>
                                     <p:set>
                                       <p:cBhvr>
-                                        <p:cTn id="29" dur="1" fill="hold">
+                                        <p:cTn id="24" dur="1" fill="hold">
                                           <p:stCondLst>
                                             <p:cond delay="0"/>
                                           </p:stCondLst>
@@ -14490,7 +14266,7 @@
                                     </p:set>
                                     <p:animEffect transition="in" filter="fade">
                                       <p:cBhvr>
-                                        <p:cTn id="30" dur="500"/>
+                                        <p:cTn id="25" dur="500"/>
                                         <p:tgtEl>
                                           <p:spTgt spid="8"/>
                                         </p:tgtEl>
@@ -14500,14 +14276,14 @@
                                 </p:cTn>
                               </p:par>
                               <p:par>
-                                <p:cTn id="31" presetID="10" presetClass="entr" presetSubtype="0" fill="hold" nodeType="withEffect">
+                                <p:cTn id="26" presetID="10" presetClass="entr" presetSubtype="0" fill="hold" nodeType="withEffect">
                                   <p:stCondLst>
                                     <p:cond delay="0"/>
                                   </p:stCondLst>
                                   <p:childTnLst>
                                     <p:set>
                                       <p:cBhvr>
-                                        <p:cTn id="32" dur="1" fill="hold">
+                                        <p:cTn id="27" dur="1" fill="hold">
                                           <p:stCondLst>
                                             <p:cond delay="0"/>
                                           </p:stCondLst>
@@ -14525,7 +14301,7 @@
                                     </p:set>
                                     <p:animEffect transition="in" filter="fade">
                                       <p:cBhvr>
-                                        <p:cTn id="33" dur="500"/>
+                                        <p:cTn id="28" dur="500"/>
                                         <p:tgtEl>
                                           <p:spTgt spid="11"/>
                                         </p:tgtEl>
@@ -14562,7 +14338,6 @@
       </p:par>
     </p:tnLst>
     <p:bldLst>
-      <p:bldP spid="2" grpId="0"/>
       <p:bldP spid="5" grpId="0" animBg="1"/>
     </p:bldLst>
   </p:timing>
@@ -14908,7 +14683,7 @@
         </p:blipFill>
         <p:spPr>
           <a:xfrm>
-            <a:off x="1099314" y="3722701"/>
+            <a:off x="1099314" y="3426609"/>
             <a:ext cx="3675279" cy="451351"/>
           </a:xfrm>
           <a:prstGeom prst="rect">
@@ -14938,7 +14713,7 @@
         </p:blipFill>
         <p:spPr>
           <a:xfrm>
-            <a:off x="6145040" y="1521355"/>
+            <a:off x="6145040" y="1225263"/>
             <a:ext cx="5415909" cy="4854045"/>
           </a:xfrm>
           <a:prstGeom prst="rect">
@@ -14946,8 +14721,8 @@
           </a:prstGeom>
         </p:spPr>
       </p:pic>
-      <mc:AlternateContent xmlns:mc="http://schemas.openxmlformats.org/markup-compatibility/2006" xmlns:p14="http://schemas.microsoft.com/office/powerpoint/2010/main">
-        <mc:Choice Requires="p14">
+      <mc:AlternateContent xmlns:mc="http://schemas.openxmlformats.org/markup-compatibility/2006">
+        <mc:Choice xmlns:p14="http://schemas.microsoft.com/office/powerpoint/2010/main" Requires="p14">
           <p:contentPart p14:bwMode="auto" r:id="rId4">
             <p14:nvContentPartPr>
               <p14:cNvPr id="16" name="Input penna 15"/>
@@ -14955,12 +14730,12 @@
               <p14:nvPr/>
             </p14:nvContentPartPr>
             <p14:xfrm>
-              <a:off x="2447573" y="3415333"/>
+              <a:off x="2447573" y="3119241"/>
               <a:ext cx="2217240" cy="970920"/>
             </p14:xfrm>
           </p:contentPart>
         </mc:Choice>
-        <mc:Fallback xmlns="">
+        <mc:Fallback>
           <p:pic>
             <p:nvPicPr>
               <p:cNvPr id="16" name="Input penna 15"/>
@@ -14975,7 +14750,7 @@
             </p:blipFill>
             <p:spPr>
               <a:xfrm>
-                <a:off x="2437493" y="3404173"/>
+                <a:off x="2437493" y="3108081"/>
                 <a:ext cx="2239200" cy="993240"/>
               </a:xfrm>
               <a:prstGeom prst="rect">
@@ -14985,8 +14760,8 @@
           </p:pic>
         </mc:Fallback>
       </mc:AlternateContent>
-      <mc:AlternateContent xmlns:mc="http://schemas.openxmlformats.org/markup-compatibility/2006" xmlns:p14="http://schemas.microsoft.com/office/powerpoint/2010/main">
-        <mc:Choice Requires="p14">
+      <mc:AlternateContent xmlns:mc="http://schemas.openxmlformats.org/markup-compatibility/2006">
+        <mc:Choice xmlns:p14="http://schemas.microsoft.com/office/powerpoint/2010/main" Requires="p14">
           <p:contentPart p14:bwMode="auto" r:id="rId6">
             <p14:nvContentPartPr>
               <p14:cNvPr id="19" name="Input penna 18"/>
@@ -14994,12 +14769,12 @@
               <p14:nvPr/>
             </p14:nvContentPartPr>
             <p14:xfrm>
-              <a:off x="3666173" y="1774453"/>
+              <a:off x="3666173" y="1478361"/>
               <a:ext cx="4178160" cy="1654200"/>
             </p14:xfrm>
           </p:contentPart>
         </mc:Choice>
-        <mc:Fallback xmlns="">
+        <mc:Fallback>
           <p:pic>
             <p:nvPicPr>
               <p:cNvPr id="19" name="Input penna 18"/>
@@ -15014,7 +14789,7 @@
             </p:blipFill>
             <p:spPr>
               <a:xfrm>
-                <a:off x="3659693" y="1765093"/>
+                <a:off x="3659693" y="1469001"/>
                 <a:ext cx="4194000" cy="1668600"/>
               </a:xfrm>
               <a:prstGeom prst="rect">
@@ -15024,8 +14799,8 @@
           </p:pic>
         </mc:Fallback>
       </mc:AlternateContent>
-      <mc:AlternateContent xmlns:mc="http://schemas.openxmlformats.org/markup-compatibility/2006" xmlns:p14="http://schemas.microsoft.com/office/powerpoint/2010/main">
-        <mc:Choice Requires="p14">
+      <mc:AlternateContent xmlns:mc="http://schemas.openxmlformats.org/markup-compatibility/2006">
+        <mc:Choice xmlns:p14="http://schemas.microsoft.com/office/powerpoint/2010/main" Requires="p14">
           <p:contentPart p14:bwMode="auto" r:id="rId8">
             <p14:nvContentPartPr>
               <p14:cNvPr id="20" name="Input penna 19"/>
@@ -15033,12 +14808,12 @@
               <p14:nvPr/>
             </p14:nvContentPartPr>
             <p14:xfrm>
-              <a:off x="7786733" y="1770133"/>
+              <a:off x="7786733" y="1474041"/>
               <a:ext cx="678960" cy="449280"/>
             </p14:xfrm>
           </p:contentPart>
         </mc:Choice>
-        <mc:Fallback xmlns="">
+        <mc:Fallback>
           <p:pic>
             <p:nvPicPr>
               <p:cNvPr id="20" name="Input penna 19"/>
@@ -15053,7 +14828,7 @@
             </p:blipFill>
             <p:spPr>
               <a:xfrm>
-                <a:off x="7777373" y="1761853"/>
+                <a:off x="7777373" y="1465761"/>
                 <a:ext cx="696600" cy="466200"/>
               </a:xfrm>
               <a:prstGeom prst="rect">

--- a/static_control_flow/slides.pptx
+++ b/static_control_flow/slides.pptx
@@ -340,7 +340,7 @@
           <inkml:channelProperty channel="T" name="resolution" value="1" units="1/dev"/>
         </inkml:channelProperties>
       </inkml:inkSource>
-      <inkml:timestamp xml:id="ts0" timeString="2016-08-22T10:58:40.367"/>
+      <inkml:timestamp xml:id="ts0" timeString="2016-08-24T08:47:21.279"/>
     </inkml:context>
     <inkml:brush xml:id="br0">
       <inkml:brushProperty name="width" value="0.05" units="cm"/>
@@ -352,42 +352,120 @@
   <inkml:traceGroup>
     <inkml:annotationXML>
       <emma:emma xmlns:emma="http://www.w3.org/2003/04/emma" version="1.0">
-        <emma:interpretation id="{DC6283D3-D4B0-40B7-9932-25EBB23AEE51}" emma:medium="tactile" emma:mode="ink">
-          <msink:context xmlns:msink="http://schemas.microsoft.com/ink/2010/main" type="writingRegion" rotatedBoundingBox="19396,6813 21909,5681 22611,7239 20098,8371"/>
+        <emma:interpretation id="{DACE27F5-B5EF-4C79-BA12-6F54FEC0D6E8}" emma:medium="tactile" emma:mode="ink">
+          <msink:context xmlns:msink="http://schemas.microsoft.com/ink/2010/main" type="inkDrawing" rotatedBoundingBox="9248,9394 11564,2511 17445,4490 15129,11373" shapeName="Other"/>
+        </emma:interpretation>
+      </emma:emma>
+    </inkml:annotationXML>
+    <inkml:trace contextRef="#ctx0" brushRef="#br0">107 6039 19 0,'-28'-19'9'0,"1"-15"-3"0,22 24 9 16,-6-9-13-16,0-1 0 0,0 11 1 16,6-6 0-16,5 5-4 15,-6 10 1 1,1 5 4-1,5 10 0-15,0-10 0 16,11 4 0-16,-6-4 0 16,6 5 1-16,5-5-1 15,6 4 1-15,0 1-2 0,5 0 0 16,0 4-1-16,-5 1 1 16,5-6-2-16,1 1 1 31,4-5-2-31,6-5 1 0,11-5 0 15,6 0 0-15,-1 0 0 16,6 1 1-16,0 4-1 16,5-5 0-16,1 5 0 15,-1 0 0-15,6 0 0 16,-12 0 0-16,1 0-1 16,0 5 1-16,0-1-1 0,5 1 0 15,6 0 0-15,-6 0 1 16,1 0-1-16,-1 0 0 0,6 4 0 15,5 6 1-15,-5 4-1 16,-6-4 0-16,-5-1 1 16,-6 6 0-16,1-1-1 31,-1-5 1-31,12 1-1 16,-7-5 1-16,1-6-1 15,0 1 1-15,0-5-1 16,0-5 0-16,0 1 0 0,-6-1 1 15,6 0-1-15,0-5 1 16,-6 1-1-16,-5 4 1 16,0 0-1-16,0 5 1 0,-5 0-1 15,5 0 1-15,0-5-1 16,0 0 0-16,0 0 0 16,5-4 1-16,-5-1-1 15,0 5 0-15,-5 0 0 16,5 1 0-16,-6 4 0 15,1 0 1-15,-1 0-1 0,-4 0 1 16,4 0-1-16,-5 0 1 16,6 0-1-16,-12 0 0 15,1 0 0-15,0 0 0 0,-1-5 0 16,6 0 0-16,6 0 0 16,5 0 1-16,0-9-1 31,5 9 0-31,1 0 0 15,-1 0 0-15,12 0 0 16,-1 0 1-16,0 1-1 0,0-6 0 16,1 5 0-16,-6 0 0 15,0 0 0-15,-1 1 0 16,1-1-1-16,0 5 1 16,0 0 0-16,-6 5 0 0,-5 4 0 15,-5-4 0-15,0 0 0 16,-6 0 0-16,-6 4 0 15,1-4 1-15,-6 0-1 16,-5 0 1-16,0 0-1 16,-1 0 1-16,-4-5 0 15,-1-5 0 1,-5 0 0-16,0-5 0 16,5 1-1-16,-10-6 1 15,5-4-1-15,-1-5 1 0,-10-10-1 16,0-10 1-16,-5-4-1 15,0-10 0-15,-6-15 0 16,5-4 1-16,6-15-1 16,-5 0 0-16,-1-5 0 15,-5-9 0-15,-5-6 0 16,0-13 0-16,-1-6 0 16,-4-4 0-16,4 4-1 0,6 5 1 15,6 15 0-15,0 0 0 16,5-10 0-16,-6 9 0 15,1 6-1-15,-1-1 1 0,1 11 0 16,5 9 0-16,-6 0 0 16,1 4 0-16,5 6 0 15,5-10 0-15,1 5 0 16,-1-6 0-16,-5 11 0 16,6-5 0-16,-6 0 0 31,0 4 0-31,0 1 1 0,-6 4 0 15,1 5 0-15,-1-4 0 16,6-1 0-16,0-14 0 0,6 0-1 16,5 0 1-16,0-5-1 15,-1 5 0-15,7 10 0 16,-6-15 0-16,5 9 0 16,-5 6 0-16,-6 4 0 15,-5 1 1-15,0-10-1 16,0 4 0-16,0 6 0 15,6-1 0-15,-1 0 0 0,1 11 1 16,-1 4-2-16,-5-1 1 16,6 1 0-16,-1 0 0 15,-5 0 0 1,0 0 0-16,0 0 0 16,0 5 0-16,-5 0 0 15,-1-15 0-15,1 10 0 16,-1 10 1-16,1 4-1 15,-1 1 0-15,1-1 0 16,-1 5 0-16,1 1-1 16,5-1 1-16,-11 5 0 0,6 0 0 15,-1 5 0-15,6 10 0 16,-5 4 0-16,5 1 0 0,-6 4 0 16,1 0 0-16,-6 6 0 15,0 4 0-15,-5 0 0 16,0-5 0-16,-6 0 0 15,-11 5 0-15,-5 0-1 16,-6-5 1-16,-5 10 0 16,-5 5 0-16,0-1-1 0,-12 1 1 15,-10 0 0-15,-6-1 1 16,-10 1-1-16,-17 0 0 16,0-1 0-16,6 6 0 31,-6 4 0-31,-11-4 0 0,-5-6 0 15,-11 1 0-15,-16-5-1 16,15-5 1-16,-4-5 0 16,-1 0 0-16,1 0 0 15,-11 5 0-15,10 0 0 16,17 5 0-16,-6 0 0 16,-5-5 0-16,5 0 0 0,-5 0 0 15,6 0-1-15,10 0 1 16,17 0 0-16,10 5 0 0,6 0-1 15,0-1 1-15,0 1 0 16,5 0 0-16,11 0 0 16,6 0 0-16,5 0-4 31,6 0 1-31,10-1-7 16,6 1 0-16,0 0-7 15,-5-10 1-15,-1-4-3 0,-10-35 1 16</inkml:trace>
+  </inkml:traceGroup>
+</inkml:ink>
+</file>
+
+<file path=ppt/ink/ink10.xml><?xml version="1.0" encoding="utf-8"?>
+<inkml:ink xmlns:inkml="http://www.w3.org/2003/InkML">
+  <inkml:definitions>
+    <inkml:context xml:id="ctx0">
+      <inkml:inkSource xml:id="inkSrc0">
+        <inkml:traceFormat>
+          <inkml:channel name="X" type="integer" max="9600" units="cm"/>
+          <inkml:channel name="Y" type="integer" max="7200" units="cm"/>
+          <inkml:channel name="F" type="integer" max="256" units="dev"/>
+          <inkml:channel name="T" type="integer" max="2.14748E9" units="dev"/>
+        </inkml:traceFormat>
+        <inkml:channelProperties>
+          <inkml:channelProperty channel="X" name="resolution" value="377.95276" units="1/cm"/>
+          <inkml:channelProperty channel="Y" name="resolution" value="425.28058" units="1/cm"/>
+          <inkml:channelProperty channel="F" name="resolution" value="0" units="1/dev"/>
+          <inkml:channelProperty channel="T" name="resolution" value="1" units="1/dev"/>
+        </inkml:channelProperties>
+      </inkml:inkSource>
+      <inkml:timestamp xml:id="ts0" timeString="2016-08-22T11:01:22.346"/>
+    </inkml:context>
+    <inkml:brush xml:id="br0">
+      <inkml:brushProperty name="width" value="0.05" units="cm"/>
+      <inkml:brushProperty name="height" value="0.05" units="cm"/>
+      <inkml:brushProperty name="color" value="#ED1C24"/>
+      <inkml:brushProperty name="fitToCurve" value="1"/>
+    </inkml:brush>
+  </inkml:definitions>
+  <inkml:traceGroup>
+    <inkml:annotationXML>
+      <emma:emma xmlns:emma="http://www.w3.org/2003/04/emma" version="1.0">
+        <emma:interpretation id="{7F4D8B83-9E4A-422C-B4D7-83C57EA8F2F9}" emma:medium="tactile" emma:mode="ink">
+          <msink:context xmlns:msink="http://schemas.microsoft.com/ink/2010/main" type="inkDrawing" rotatedBoundingBox="22814,4449 27273,4739 27150,6639 22691,6349" hotPoints="27230,5715 24818,6421 22528,5388 24939,4681" semanticType="enclosure" shapeName="Ellipse"/>
+        </emma:interpretation>
+      </emma:emma>
+    </inkml:annotationXML>
+    <inkml:trace contextRef="#ctx0" brushRef="#br0">1769 399 31 0,'23'-5'15'0,"24"-58"-10"16,-23 37 16-16,5-5-21 16,1 10 0-16,-1-5 0 15,1-1 0-15,-7-4 2 16,-5 10 0-16,-6-5 3 15,-12 5 1-15,-6 5 1 16,-12 0 0-16,-11 1 2 16,-7-1 0-16,-11 0-1 15,-12 6 0-15,-17-1-2 16,-7 11 1-16,-17 6-2 16,-18 9 0-16,0 6-2 0,1 0 1 15,-7 5-2-15,0-5 1 16,6 5-1-16,0 6 0 15,7 5 0-15,4 4 1 16,7 7-1-16,18-12 0 16,5 6 0-16,18-5 1 15,6 20-1-15,12-9 0 16,6-7-1-16,5 1 0 16,7 0-1-16,11 0 1 15,6 0-1-15,-6 0 0 0,12 0 0 16,12 10 1-16,6-5-1 15,11 6 0-15,12 4 1 16,6 6 0-16,7 5 0 16,4-10 1-16,7 5-1 15,0 5 1-15,6-5-1 16,11-1 1-16,-11-4-1 16,0-6 0-16,5-10-1 15,7 0 1-15,11-5-1 16,12 0 1-16,0-1 0 15,12-4 0-15,6-1-1 16,-24 0 1-16,6-10-1 16,6-5 1-16,12 0 0 15,-1-11 0-15,1-10-1 16,11 5 1-16,-11-11-1 16,-6-10 1-16,6 6-1 15,5-6 0-15,-5 0 0 0,-6 0 0 16,17 0 0-16,-17 0 0 31,35-16 0-31,-5 1 1 16,-13-11-1-16,-5-1 0 15,-12 1 0-15,-12 0 0 16,-12 0 0-16,-6-5 1 16,-11-1-1-16,-12 1 1 15,-12 5-1-15,-12 0 1 0,-17-6-1 16,-7 1 0-16,-11-6 0 15,-12-10 1-15,-11 0-1 16,-13-5 0-16,-5 5 0 16,0 5 0-16,-18-5 0 15,-18 0 0-15,-18 5 0 16,-17 0 0-16,0 5 0 16,-23 11 0-16,-13-5 0 15,-11 10 0-15,0 11 0 16,12-1 0-16,-24 6 0 15,-12 10 0-15,-12 21-2 16,-5 6 1-16,-12 26-8 16,-12 15 0-16,-12 0-15 15,12 11 1-15</inkml:trace>
+  </inkml:traceGroup>
+</inkml:ink>
+</file>
+
+<file path=ppt/ink/ink11.xml><?xml version="1.0" encoding="utf-8"?>
+<inkml:ink xmlns:inkml="http://www.w3.org/2003/InkML">
+  <inkml:definitions>
+    <inkml:context xml:id="ctx0">
+      <inkml:inkSource xml:id="inkSrc0">
+        <inkml:traceFormat>
+          <inkml:channel name="X" type="integer" max="9600" units="cm"/>
+          <inkml:channel name="Y" type="integer" max="7200" units="cm"/>
+          <inkml:channel name="F" type="integer" max="256" units="dev"/>
+          <inkml:channel name="T" type="integer" max="2.14748E9" units="dev"/>
+        </inkml:traceFormat>
+        <inkml:channelProperties>
+          <inkml:channelProperty channel="X" name="resolution" value="377.95276" units="1/cm"/>
+          <inkml:channelProperty channel="Y" name="resolution" value="425.28058" units="1/cm"/>
+          <inkml:channelProperty channel="F" name="resolution" value="0" units="1/dev"/>
+          <inkml:channelProperty channel="T" name="resolution" value="1" units="1/dev"/>
+        </inkml:channelProperties>
+      </inkml:inkSource>
+      <inkml:timestamp xml:id="ts0" timeString="2016-08-22T11:01:23.428"/>
+    </inkml:context>
+    <inkml:brush xml:id="br0">
+      <inkml:brushProperty name="width" value="0.05" units="cm"/>
+      <inkml:brushProperty name="height" value="0.05" units="cm"/>
+      <inkml:brushProperty name="color" value="#ED1C24"/>
+      <inkml:brushProperty name="fitToCurve" value="1"/>
+    </inkml:brush>
+  </inkml:definitions>
+  <inkml:traceGroup>
+    <inkml:annotationXML>
+      <emma:emma xmlns:emma="http://www.w3.org/2003/04/emma" version="1.0">
+        <emma:interpretation id="{1DC96DE7-8074-470D-A7DE-C325AAD645BC}" emma:medium="tactile" emma:mode="ink">
+          <msink:context xmlns:msink="http://schemas.microsoft.com/ink/2010/main" type="writingRegion" rotatedBoundingBox="26504,3720 32144,2277 32537,3816 26897,5259"/>
         </emma:interpretation>
       </emma:emma>
     </inkml:annotationXML>
     <inkml:traceGroup>
       <inkml:annotationXML>
         <emma:emma xmlns:emma="http://www.w3.org/2003/04/emma" version="1.0">
-          <emma:interpretation id="{DCFCBEF0-CDD6-486C-B87E-22873E99AB20}" emma:medium="tactile" emma:mode="ink">
-            <msink:context xmlns:msink="http://schemas.microsoft.com/ink/2010/main" type="paragraph" rotatedBoundingBox="19396,6813 21909,5681 22611,7239 20098,8371" alignmentLevel="1"/>
+          <emma:interpretation id="{72B249E9-C923-4C72-A272-DA368CB116C5}" emma:medium="tactile" emma:mode="ink">
+            <msink:context xmlns:msink="http://schemas.microsoft.com/ink/2010/main" type="paragraph" rotatedBoundingBox="26504,3720 32144,2277 32537,3816 26897,5259" alignmentLevel="1"/>
           </emma:interpretation>
         </emma:emma>
       </inkml:annotationXML>
       <inkml:traceGroup>
         <inkml:annotationXML>
           <emma:emma xmlns:emma="http://www.w3.org/2003/04/emma" version="1.0">
-            <emma:interpretation id="{F9D94976-7F2F-4832-8585-B40AD17355F5}" emma:medium="tactile" emma:mode="ink">
-              <msink:context xmlns:msink="http://schemas.microsoft.com/ink/2010/main" type="line" rotatedBoundingBox="19396,6813 21909,5681 22611,7239 20098,8371"/>
+            <emma:interpretation id="{073B046B-B641-47CA-B14C-A3ED396CD0A8}" emma:medium="tactile" emma:mode="ink">
+              <msink:context xmlns:msink="http://schemas.microsoft.com/ink/2010/main" type="line" rotatedBoundingBox="26504,3720 32144,2277 32537,3816 26897,5259"/>
             </emma:interpretation>
           </emma:emma>
         </inkml:annotationXML>
         <inkml:traceGroup>
           <inkml:annotationXML>
             <emma:emma xmlns:emma="http://www.w3.org/2003/04/emma" version="1.0">
-              <emma:interpretation id="{8E233F10-9849-4021-BC1C-4353DBA3B1A6}" emma:medium="tactile" emma:mode="ink">
-                <msink:context xmlns:msink="http://schemas.microsoft.com/ink/2010/main" type="inkWord" rotatedBoundingBox="19396,6813 21909,5681 22611,7239 20098,8371">
-                  <msink:destinationLink direction="with" ref="{4DC23801-F43F-408E-B5FE-3F2A208AFF71}"/>
-                </msink:context>
+              <emma:interpretation id="{F4838949-E02D-424A-8A86-58496F75A320}" emma:medium="tactile" emma:mode="ink">
+                <msink:context xmlns:msink="http://schemas.microsoft.com/ink/2010/main" type="inkWord" rotatedBoundingBox="26504,3720 32144,2277 32537,3816 26897,5259"/>
               </emma:interpretation>
             </emma:emma>
           </inkml:annotationXML>
-          <inkml:trace contextRef="#ctx0" brushRef="#br0">4169-1467 18 0,'-30'10'9'0,"12"-20"-1"16,18 4 7-16,-5 1-10 16,-1 0 0-16,0 0 3 15,6-6 0-15,0 1-10 16,0-6 1-16,6 0 7 16,5 1 0-16,13-1-1 15,11 0 0-15,13 0-1 0,-1 1 1 16,-6 4-2-16,-6 1 1 15,1 4-1-15,-1-4 1 16,-11 10-2-16,-7 10 0 16,-11 17-1-16,-6 9 1 15,-18 11 0-15,-11 11 0 16,-18 10 0-16,-6 0 1 16,0 0-1-16,6-5 1 15,5 0-1-15,13-5 1 16,5-16 0-16,13 5 0 15,5-11-2-15,6-4 1 16,17-11-1-16,7-11 0 0,17-5-4 16,12-5 0-16,-6 0-6 15,0-5 0-15,6 0-11 16,24-6 1-16</inkml:trace>
-          <inkml:trace contextRef="#ctx0" brushRef="#br0" timeOffset="330.452">4899-1467 29 0,'-35'15'14'0,"-30"38"0"15,47-27 9-15,-5 21-21 16,-1 16 1-16,1-6 5 16,-1 11 0-16,1 1-8 15,5-17 0-15,24 6 5 0,17-17 0 16,19-9-1-16,11-27 1 15,17-15-5-15,7-17 1 16,-1-14-2-16,-5-22 1 16,0-5-1-16,-18-6 1 15,-12 6-1-15,-11 0 1 16,-19 11 1-16,-22 4 0 16,-31 11-1-16,1 11 1 15,-6 10-1-15,-12 10 0 16,0 17-1-16,6 9 1 0,0 1-5 15,12 0 0-15,5 20-10 16,19 1 0-16</inkml:trace>
-          <inkml:trace contextRef="#ctx0" brushRef="#br0" timeOffset="1111.9309">5583-1368 14 0,'-30'5'7'0,"12"11"14"0,18-16-7 16,0 10-8-16,0-4 0 15,0 9 4-15,0-4 0 16,0-1-12-16,6 6 0 0,6-16 9 16,12-16 0-16,11-10-3 15,6-5 0-15,6-16-2 16,1-6 0-16,-7 6-1 16,-6 5 0-16,-5-5 0 15,-13 21 1-15,-5 5-2 16,0 0 1-16,-12 11 0 15,0 10 0-15,-6 0-1 16,0 20 1-16,0 12-1 16,0 15 1-16,0 16-1 15,1 5 1-15,-1 5 0 16,0-10 0-16,-6 5 0 16,0-15 0-16,-5-6 0 15,-1 0 0-15,-12-10 0 16,-5-6 0-16,0-5-1 0,-1-5 1 15,7-5-1-15,-1-6 1 16,7 1-1-16,-1-6 0 16,7-5 0-16,5 0 0 15,6 0 1-15,6 0 0 16,12 0 1-16,11 5 1 16,7-5 1-16,11 5 0 15,6-10 1-15,6 0 0 16,6-5-1-16,6-1 0 15,0 1-4-15,-1-6 1 16,-5 0-9-16,0 6 1 0,-12-6-12 16,-11 0 1-16,11 11-3 15,-6-5 0-15</inkml:trace>
-          <inkml:trace contextRef="#ctx0" brushRef="#br0" timeOffset="2388.3236">5371-902 25 0,'0'-10'12'0,"11"-22"7"0,1 32 1 0,6-5-16 16,5 0 1-16,13 0 6 15,11-1 0-15,6 1-13 16,0 5 1-16,0 5 8 16,0 1 0-16,0-1-4 15,0 0 0-15,0 0-12 16,0-10 1-16,18-11-8 16,-6-5 1-16</inkml:trace>
-          <inkml:trace contextRef="#ctx0" brushRef="#br0" timeOffset="1817.2217">6307-1326 43 0,'6'-26'21'0,"12"31"-16"0,-6-10 38 16,-1 5-41-16,7-11 0 16,6-4 0-16,5-6 1 15,1-6-4-15,5-4 0 16,0-6 2-16,-5 1 1 16,-1 4-2-16,-5 11 0 15,-1 6 0-15,-5-1 1 16,-6 5-1-16,-6 1 0 15,-6 10 0-15,-6 10 0 16,0 6 0-16,0 5 0 0,0 0 0 16,0 10 0-16,6 1 0 15,0 10 1 1,0 36 0 0,0-10 0-16,0 1-1 15,6-12 1-15,0-10 0 16,0-5 0-16,-6-5-1 15,0-6 0-15,0-10 1 16,-6 0 0-16,-6-10-1 16,-5 4 0-16,-7-4 0 15,0-1 1-15,-5 1-1 16,0 4 1-16,-1-9-1 16,1 4 0-16,5-5 0 15,0 1 0-15,1-12 1 16,5 6 1-16,6-5 0 15,7 0 0-15,-1-6 1 0,6 11 0 16,11-10 0-16,13 5 1 16,5 5-1-16,13-5 1 15,11-1 0-15,6 1 0 16,0 0-1-16,11-6 1 16,1 6-1-16,-6 0 1 15,-6 0-7-15,0-1 1 16,-12 1-10-16,-12-5 0 15,0-1-11-15,-5-5 1 16</inkml:trace>
+          <inkml:trace contextRef="#ctx0" brushRef="#br0">436 678 40 0,'-11'0'20'0,"11"0"-20"16,-6 5 21-16,-12 6-24 15,-6 4 0-15,-5 6-4 16,5 0 0-16,-5 0 8 15,5 0 0-15,-5 5-2 0,5-5 1 16,1 5 3-16,-1 6 1 16,1 10 4-16,-1-6 0 15,-5 6 0-15,-1-5 1 16,7 0-3-16,-1-11 1 16,12-5-3-16,6-11 1 15,6-10 0-15,24-21 0 16,17-10 0-16,-11 5 1 0,46-42 0 15,24-1 0-15,30-30-1 16,23-6 1-16,18 0-3 16,-24-5 1-16,-11-5-1 15,-7 26 0-15,-17 11-1 16,-17 15 1-16,-13 10-2 16,-23 12 0-16,-12 9-1 15,-11 11 0-15,-13 5-11 16,-17 6 1-16,-6 5-14 15,-18 10 1-15</inkml:trace>
+          <inkml:trace contextRef="#ctx0" brushRef="#br0" timeOffset="1336.0207">2139-673 30 0,'-18'15'15'0,"-23"-62"-4"0,29 32 15 15,6 9-24-15,1-9 0 16,5-22 3-16,11 6 1 15,7-6-6-15,17 0 1 16,-5 1 3-16,5-1 1 0,6 0-1 16,12 6 1-16,-5 10-3 15,-1 10 1-15,-6 11-2 16,-6 11 1-16,1 5-1 16,-7 4 0-16,-5 1-1 15,-13 11 1-15,-11 15 0 16,-11 11 1-16,-19-1-2 15,-5 1 1-15,-6-6 0 16,-7 16 0-16,-5 0 0 16,-5-10 0-16,-7-6-1 15,12-10 1-15,11 0-1 16,7-5 0-16,12-1 0 16,5 1 0-16,12-5 1 15,18-6 0-15,17 0 0 16,12 0 1-16,1 0 1 15,5-5 0-15,18 0 0 0,-1-5 1 16,7-6-2-16,-6 1 1 16,0-6-2-16,-6-5 1 15,-6-10-6-15,-6-6 1 16,-12-5-10-16,-5-5 0 16,-19 15-8-16,-16 6 1 15</inkml:trace>
+          <inkml:trace contextRef="#ctx0" brushRef="#br0" timeOffset="1786.1284">3170-815 31 0,'0'-68'15'0,"12"47"-4"15,-12 11 15-15,0 10-23 16,0 0 0-16,-6 10 2 16,-6 1 1-16,-11 15-7 15,-1 21 0-15,-5 11 5 16,-7 10 1-16,7 5-2 16,-1 11 1-16,19-11-1 15,5 0 0-15,17-4-1 16,25-12 0-16,-1-20 0 15,12-16 0-15,6-21-1 16,12-11 1-16,18-15-1 0,-7-16 1 16,-11-10 0-16,-6-1 0 31,-24-57 0-31,-23 16 1 16,-24 10-1-16,-11 11 0 15,-19 10 0-15,-11 16 0 16,6 10-2-16,0 17 1 15,-12 9-4-15,-6 11 1 16,12 11-6-16,12 9 1 16,12 22-12-16,11 6 1 15</inkml:trace>
+          <inkml:trace contextRef="#ctx0" brushRef="#br0" timeOffset="2536.8672">3583-574 30 0,'-12'0'15'0,"29"21"-3"0,-5-21 9 15,12-5-19-15,11-6 0 16,18-10 0-16,12-15 1 15,0-17-4-15,-12 6 0 16,0 0 3-16,-18 5 0 16,-5 0-1-16,-7 0 0 15,-5 6 1-15,-6 4 1 0,-6 6-1 16,5 5 0-16,1 11-1 16,-6 20 1-16,-6 6 0 15,0 21 0-15,0 15-1 16,0 16 0-16,-6 5-1 15,6 6 1-15,0 0 0 16,-6-1 0-16,-11-10-1 16,-1-5 1-16,0-5 0 15,-11-6 0-15,-7-10-1 16,1-11 1-16,-6-10-1 16,0-5 1-16,-1-11-1 15,1-5 1-15,6-10-1 16,5-1 0-16,7-4 0 15,5-1 0-15,6 0 0 16,12 16 1-16,6-5 1 16,12 0 0-16,5-1 2 0,19 1 1 15,5 5 1-15,23 0 0 16,-5 0-1-16,-18 0 1 16,24 0-1-16,-12-5 1 15,6 0-4-15,0 5 0 16,-1-6-4-16,-5-4 1 15,0 0-7-15,-6-6 1 16,-11 5-14-16,-13 11 1 16,18-10-1-16,-12-11 0 15</inkml:trace>
+          <inkml:trace contextRef="#ctx0" brushRef="#br0" timeOffset="3418.3803">5503-830 19 0,'-17'-6'9'0,"-1"22"-1"0,0-16 9 16,12 5-15-16,-11 1 0 15,-1-12 5-15,-6-4 0 16,18-6-7-16,-5 6 1 16,-1-1 4-16,0 1 1 15,0-1 0-15,-5 1 0 16,-13 10-1-16,7-6 0 0,-13 1-2 16,-5 0 1-16,12 0-1 15,-7 0 1-15,1-6-2 16,-6 1 1-16,-1-1-2 15,13 1 1-15,-1-1-1 16,7 11 1-16,-1 0-2 16,7 5 1-16,5 6-1 15,6-1 0-15,6 17 0 16,0-7 0-16,0 12 0 16,0 10 0-16,6 0 0 15,-6 5 0-15,0 0-1 16,0 0 1-16,6-5 0 15,0 0 1-15,0-16-1 16,-6-5 0-16,0-11 0 16,5-4 1-16,-5-12 0 15,0 6 0-15,0-10-1 0,6 5 0 16,0-6-1-16,12 11 1 16,11-10-1-16,-5 10 1 15,5 5-1-15,7 0 1 16,5 6-1-16,0 10 1 15,0 5 0-15,1 11 0 16,-7-6 0-16,-11-5 1 16,-18 6 1-16,-6 4 1 15,-12 1 1-15,-18 5 0 16,-11-6 0-16,17-4 0 16,-23-1-1-16,-17-4 1 0,-7-12-2 15,-6-10 0-15,12-10-2 16,-5-10 1-16,-1-1-6 15,12-5 1-15,30 0-15 16,17 5 1-16,0-20-3 16,47-22 1-16</inkml:trace>
         </inkml:traceGroup>
       </inkml:traceGroup>
     </inkml:traceGroup>
@@ -395,7 +473,118 @@
 </inkml:ink>
 </file>
 
-<file path=ppt/ink/ink10.xml><?xml version="1.0" encoding="utf-8"?>
+<file path=ppt/ink/ink12.xml><?xml version="1.0" encoding="utf-8"?>
+<inkml:ink xmlns:inkml="http://www.w3.org/2003/InkML">
+  <inkml:definitions>
+    <inkml:context xml:id="ctx0">
+      <inkml:inkSource xml:id="inkSrc0">
+        <inkml:traceFormat>
+          <inkml:channel name="X" type="integer" max="9600" units="cm"/>
+          <inkml:channel name="Y" type="integer" max="7200" units="cm"/>
+          <inkml:channel name="F" type="integer" max="256" units="dev"/>
+          <inkml:channel name="T" type="integer" max="2.14748E9" units="dev"/>
+        </inkml:traceFormat>
+        <inkml:channelProperties>
+          <inkml:channelProperty channel="X" name="resolution" value="377.95276" units="1/cm"/>
+          <inkml:channelProperty channel="Y" name="resolution" value="425.28058" units="1/cm"/>
+          <inkml:channelProperty channel="F" name="resolution" value="0" units="1/dev"/>
+          <inkml:channelProperty channel="T" name="resolution" value="1" units="1/dev"/>
+        </inkml:channelProperties>
+      </inkml:inkSource>
+      <inkml:timestamp xml:id="ts0" timeString="2016-08-22T11:07:04.261"/>
+    </inkml:context>
+    <inkml:brush xml:id="br0">
+      <inkml:brushProperty name="width" value="0.05" units="cm"/>
+      <inkml:brushProperty name="height" value="0.05" units="cm"/>
+      <inkml:brushProperty name="color" value="#ED1C24"/>
+      <inkml:brushProperty name="fitToCurve" value="1"/>
+    </inkml:brush>
+  </inkml:definitions>
+  <inkml:traceGroup>
+    <inkml:annotationXML>
+      <emma:emma xmlns:emma="http://www.w3.org/2003/04/emma" version="1.0">
+        <emma:interpretation id="{0259520B-C869-46BE-9F18-1E4D99E1433D}" emma:medium="tactile" emma:mode="ink">
+          <msink:context xmlns:msink="http://schemas.microsoft.com/ink/2010/main" type="inkDrawing" rotatedBoundingBox="12910,4142 14498,11404 8939,12619 7352,5357" hotPoints="13353,12402 8763,11111 8106,6388 12696,7680" semanticType="enclosure" shapeName="Ellipse"/>
+        </emma:interpretation>
+      </emma:emma>
+    </inkml:annotationXML>
+    <inkml:trace contextRef="#ctx0" brushRef="#br0">4113 23 44 0,'-29'-11'22'0,"41"-10"-22"0,0 11 23 0,-1 10-23 15,1 0 0-15,6 10 1 16,11 1 0-16,18 10-1 16,12 5 1-16,6 5 1 15,12 6 1-15,-18 10 0 16,0-5 1-16,-1 10 1 15,7 16 1 1,0 6-1-16,6 25 0 16,-6 6-1-16,-1 5 1 0,-5-5-1 15,-6-1 0-15,0 1-2 16,-5 5 1-16,-7 0-1 16,0-5 1-16,6 0-2 15,-12-11 1-15,1-10-1 16,-13 5 0-16,-5-11-1 0,-6 11 1 15,-6-10 0-15,0-6 0 16,0 0-1-16,5 1 1 16,1-6-1-16,6-5 1 15,5 5-1-15,1 0 0 16,-1-11 0-16,-5 11 0 16,0 1 0-1,-6-7 1-15,-1 1-1 16,-5 5 1-16,6 0 0 15,-6-10 0-15,6 0-1 0,0 4 1 16,5 7-1-16,-5-7 1 16,0 6-1-16,0 1 0 15,-1 9 0-15,1 1 1 16,0-6-1-16,0 6 1 0,-1-1 0 16,7-5 0-16,0-10-1 15,-1 5 1-15,1 6-1 16,0 4 1-16,0-4-1 15,-1 4 0-15,7 1 0 16,-7-1 0-16,7-4 0 16,-6-6 0-1,5 15 0-15,1 1 0 0,-7-10 0 16,1 9 0-16,-6 6 0 16,0-10 0-16,0 10 0 15,-1-5 0-15,7-6 0 16,-6-10 0-16,5 0 0 15,1-10 0-15,0 5 0 16,-1 0 0-16,1 10-1 16,-12-10 1-16,0 5 0 15,-6 5 0-15,0-5 0 16,0-5 0-16,0-5-1 16,0 10 1-16,-6-10 0 15,0-1 1-15,-6 6-1 16,-5-5 1-16,-1 4-1 0,-11 7 1 0,-7 4-1 15,1-10 1-15,-6-6-1 16,-1-4 0-16,-5-1-1 16,0 0 1-16,0 1-1 15,0-6 1-15,-6 0 0 16,-12 5 0-16,-6-4 0 31,-5 4 1-31,-1-10-1 0,-5-5 1 0,-13 4-1 16,-5-4 0-16,6 0 0 15,0-6 1-15,-7 1-1 16,-5-11 1-16,0-6-1 16,0-10 0-16,-12 1 0 15,-5-1 1-15,5-5-1 16,0 5 0-16,-6 0 0 0,-5-5 0 16,-1-5 0-16,-11-5 1 31,-48-11-1-31,7 0 0 15,11 0 1-15,6-5 1 16,-6 10-1-16,12-5 1 16,17 0 0-1,7-10 0-15,5-1 0 16,1 1 0-16,-1-6-1 16,6-10 0-16,1-11 0 15,5 6 0-15,18-11-1 16,11-10 1-16,1-6-1 15,5-10 1-15,-5-10-1 16,11-6 0-16,1 0 0 0,11 1 1 0,0-6-1 16,6-6 0-16,0-4 0 15,-5-16 1-15,5 5-1 16,6-11 0-16,0 22 0 16,11-16 1-16,1 5-1 15,0-11 0-15,5 1 0 16,-5 0 0-16,12-11 0 0,-7-16 0 15,1 11 0-15,0-11 0 16,5 11 0-16,1 5 0 16,11 6-1-16,12-1 1 15,6 11 0-15,12 0 0 16,6-16 0-16,-1 11 0 16,13-6-1-1,5 11 1-15,12-11 0 16,6-5 0-16,6 0 0 15,-12 1 0-15,1 4 0 16,-1 16 0-16,-6 16 0 16,6 0 1-16,0 15-1 15,6 16 0-15,12 11-1 16,6 0 1-16,-6 10 0 0,5-11 0 0,13 6-1 16,11-5 1-16,6 10 0 15,-6 0 1-15,7 6-1 16,-1 15 0-16,0 5 0 15,-6 1 0-15,18 20-2 16,24 16 1-16,17 5-3 31,18 0 0-31,-12 1-1 0,12-6 0 16,5-21-1-16,-5-16 1 16,-6-5 1-16,-6-10 0 15,-17-11 2-15,-13 10 1 16,-5-4 0-16,-18 20 1 15,-6 6-3-15,0 5 0 16,6-1-4-16,0 12 1 0,6 4-3 16,0-5 1-16,-6-4 0 15,-5-1 1-15,-1 0 2 16,-6-6 0-16,-12 12-8 16,-29 4 1-16</inkml:trace>
+  </inkml:traceGroup>
+</inkml:ink>
+</file>
+
+<file path=ppt/ink/ink13.xml><?xml version="1.0" encoding="utf-8"?>
+<inkml:ink xmlns:inkml="http://www.w3.org/2003/InkML">
+  <inkml:definitions>
+    <inkml:context xml:id="ctx0">
+      <inkml:inkSource xml:id="inkSrc0">
+        <inkml:traceFormat>
+          <inkml:channel name="X" type="integer" max="9600" units="cm"/>
+          <inkml:channel name="Y" type="integer" max="7200" units="cm"/>
+          <inkml:channel name="F" type="integer" max="256" units="dev"/>
+          <inkml:channel name="T" type="integer" max="2.14748E9" units="dev"/>
+        </inkml:traceFormat>
+        <inkml:channelProperties>
+          <inkml:channelProperty channel="X" name="resolution" value="377.95276" units="1/cm"/>
+          <inkml:channelProperty channel="Y" name="resolution" value="425.28058" units="1/cm"/>
+          <inkml:channelProperty channel="F" name="resolution" value="0" units="1/dev"/>
+          <inkml:channelProperty channel="T" name="resolution" value="1" units="1/dev"/>
+        </inkml:channelProperties>
+      </inkml:inkSource>
+      <inkml:timestamp xml:id="ts0" timeString="2016-08-22T11:07:11.509"/>
+    </inkml:context>
+    <inkml:brush xml:id="br0">
+      <inkml:brushProperty name="width" value="0.05" units="cm"/>
+      <inkml:brushProperty name="height" value="0.05" units="cm"/>
+      <inkml:brushProperty name="color" value="#ED1C24"/>
+      <inkml:brushProperty name="fitToCurve" value="1"/>
+    </inkml:brush>
+  </inkml:definitions>
+  <inkml:traceGroup>
+    <inkml:annotationXML>
+      <emma:emma xmlns:emma="http://www.w3.org/2003/04/emma" version="1.0">
+        <emma:interpretation id="{ED41A193-B839-47D5-8362-A836788B0F43}" emma:medium="tactile" emma:mode="ink">
+          <msink:context xmlns:msink="http://schemas.microsoft.com/ink/2010/main" type="writingRegion" rotatedBoundingBox="6334,2896 9991,3014 9930,4902 6273,4784"/>
+        </emma:interpretation>
+      </emma:emma>
+    </inkml:annotationXML>
+    <inkml:traceGroup>
+      <inkml:annotationXML>
+        <emma:emma xmlns:emma="http://www.w3.org/2003/04/emma" version="1.0">
+          <emma:interpretation id="{1CC216B7-3693-4ECF-B2FD-3F77E659CCFF}" emma:medium="tactile" emma:mode="ink">
+            <msink:context xmlns:msink="http://schemas.microsoft.com/ink/2010/main" type="paragraph" rotatedBoundingBox="6334,2896 9991,3014 9930,4902 6273,4784" alignmentLevel="1"/>
+          </emma:interpretation>
+        </emma:emma>
+      </inkml:annotationXML>
+      <inkml:traceGroup>
+        <inkml:annotationXML>
+          <emma:emma xmlns:emma="http://www.w3.org/2003/04/emma" version="1.0">
+            <emma:interpretation id="{0A559909-964A-42DD-B9A5-8CB627860A95}" emma:medium="tactile" emma:mode="ink">
+              <msink:context xmlns:msink="http://schemas.microsoft.com/ink/2010/main" type="line" rotatedBoundingBox="6334,2896 9991,3014 9930,4902 6273,4784"/>
+            </emma:interpretation>
+          </emma:emma>
+        </inkml:annotationXML>
+        <inkml:traceGroup>
+          <inkml:annotationXML>
+            <emma:emma xmlns:emma="http://www.w3.org/2003/04/emma" version="1.0">
+              <emma:interpretation id="{582A4762-DFF4-47D3-9579-07F80216E944}" emma:medium="tactile" emma:mode="ink">
+                <msink:context xmlns:msink="http://schemas.microsoft.com/ink/2010/main" type="inkWord" rotatedBoundingBox="6334,2896 9991,3014 9930,4902 6273,4784"/>
+              </emma:interpretation>
+            </emma:emma>
+          </inkml:annotationXML>
+          <inkml:trace contextRef="#ctx0" brushRef="#br0">-1703-665 34 0,'-18'-63'17'0,"12"1"-4"0,0 46 17 16,1 11-26-16,-7 10 1 15,-6-5 2-15,0 21 1 16,1 5-9-16,-1 16 0 16,0 5 6-16,7 26 0 15,-1-15-2 1,12 5 0-16,6 0 0 15,11-1 1-15,7-14-2 16,5-7 0-16,7-20 0 16,11-15 1-16,12-22-1 15,6-10 1-15,-7-16-2 16,-10-16 0-16,-7-10 0 16,-12 11 0-16,-5-17-1 0,-6-4 1 0,-13 4 0 15,-10 17 0-15,-13 4-1 16,-12 17 1-16,-11 10 0 15,-12 10 0-15,-6 16-1 16,0 16 0-16,-5 10-3 16,5-5 1-16,0 0-5 15,12 0 1-15,11-6-6 0,13 1 0 16,17 0-8-16,18 5 0 16</inkml:trace>
+          <inkml:trace contextRef="#ctx0" brushRef="#br0" timeOffset="-462.833">-2840-565 17 0,'-24'-37'8'0,"-5"6"4"0,23 20 9 15,-6-5-16-15,-6 1 0 16,1 10 3-16,-1-6 0 16,0 1-10-16,1-6 1 15,5 5 8-15,0 1 0 16,6-6-2-16,6-15 1 15,6-1-1-15,6 1 0 0,11 5-1 16,7 0 1-16,11-1-1 16,6 6 0-16,6 6-1 15,0 4 1-15,6 6-1 16,-6 5 1-16,0 0-1 16,0 21 0-16,-11-5-1 15,-1 15 0 1,-18 1 0-16,-5-1 1 0,-12 11-2 15,-12 5 1-15,-18 0 0 16,-11 21 0-16,-6-5-1 16,-6-11 1-16,0 1-1 15,-6-6 1-15,0 0-2 16,5-10 1-16,7-1-1 16,0-4 1-16,12-6-1 0,11-5 0 15,12 0 0-15,12 0 1 16,12 0 0-16,11-6 1 15,18 6 0-15,0-10 1 16,12-11-1-16,12-5 0 16,5-11 0-16,-5-5 0 15,0 0-1-15,-12-5 0 0,0 0-1 16,-6 5 0-16,0 0-6 16,-6 5 1-16,-12 11-12 15,1 15 0-15,-1 11-8 16,0 11 1-16</inkml:trace>
+          <inkml:trace contextRef="#ctx0" brushRef="#br0" timeOffset="868.7639">-1090-749 28 0,'-6'16'14'0,"29"-11"-1"15,-11-5 14-15,6-5-24 16,5 0 1-16,13-6 2 16,5-10 0-16,0-10-8 15,6-11 0-15,-5 6 6 0,-1-6 0 16,-6-6-2-16,-11 7 1 0,-7 4-2 16,-5 5 1-16,-6 6-1 15,-6 5 0-15,-12 16-1 16,0 10 1-16,1 16-1 15,-1 5 0-15,6 22 0 32,6-1 0-32,12 10 0 0,0 1 1 15,5 0-1-15,1 4 1 16,0-4 0-16,-1 0 0 16,-5-16 0-16,-6-1 1 15,-12-9-1-15,-6-6 0 16,-11-5 0-16,-1 5 0 15,-5-10-1-15,-7 5 1 0,-5-5-1 16,0-6 0-16,0 1 0 16,-1-1 0-16,7-5 0 15,11 0 0-15,1 1 1 16,11-12 0-16,6 12 2 16,12-6 1-16,18 5 1 15,5 0 1 1,12 0 0-16,18-15 1 0,12-1-2 15,6-4 0-15,-7-1-2 16,-5 0 1-16,-6 1-4 16,-6-1 0-16,0-5-6 15,0 10 0-15,0 1-10 16,-12 10 0-16,6-5-7 16,-11 10 0-16</inkml:trace>
+          <inkml:trace contextRef="#ctx0" brushRef="#br0" timeOffset="1616.4404">506-1131 28 0,'18'5'14'0,"-6"-10"0"0,-12 5 13 0,0 0-24 16,0 0 1-16,0 0 3 15,0 0 1-15,0 0-8 16,0 0 0-16,0 0 6 15,-6 5 1-15,-12-5-1 0,0 6 0 16,-11-6-2-16,-6 0 1 16,-7 0-1-16,-5-6 0 15,0 6-2-15,6 0 1 16,0 0-2-16,-6 0 1 16,5 0-2-16,1 0 0 15,6 0 0 1,11-5 0-16,6 5-1 15,7-5 0-15,5 0 0 16,6 5 0-16,12 10 0 16,5 11 1-16,1 5-1 15,0 6 0-15,-1 20 0 16,1-5 1-16,0 6 0 16,-7-1 1-16,1-10-1 0,-6-11 0 15,0-5-1-15,0 1 1 0,0-12 0 16,0-9 0-16,5-1-1 15,7-16 1-15,6 6-1 16,5-5 1-16,6 10 0 16,7-11 0-16,5 6 0 15,-6 10 0-15,6 6 0 0,-6 4 0 16,1 6 1-16,-7 0 0 16,-5 11 0-16,-13 10 1 15,-11-11 0-15,-12 11 1 16,-11 0 0-16,-13 0 1 15,-17-6-1-15,-18 1 0 32,-6-11-1-32,1-10 0 0,-1-11-3 15,6-10 0-15,18-6-11 16,24-10 1-16,28-20-11 16,25 4 0-16</inkml:trace>
+          <inkml:trace contextRef="#ctx0" brushRef="#br0" timeOffset="-1661.3039">548 739 19 0,'5'21'9'0,"7"-27"7"0,-12 6 10 15,0 0-20-15,0 0 0 16,0 0 6-16,0 0 0 16,0 0-13-16,-6 0 1 15,0 0 10-15,1-5 1 16,-7-16-3-16,-18-5 1 16,1-21-2-1,-12-21 0-15,-7-5-2 16,-5-11 0-16,0-21-2 15,0 26 0-15,0 11-1 16,6 11 0-16,0 4-10 16,6 22 1-16,11 10-15 0,19 5 0 15</inkml:trace>
+        </inkml:traceGroup>
+      </inkml:traceGroup>
+    </inkml:traceGroup>
+  </inkml:traceGroup>
+</inkml:ink>
+</file>
+
+<file path=ppt/ink/ink14.xml><?xml version="1.0" encoding="utf-8"?>
 <inkml:ink xmlns:inkml="http://www.w3.org/2003/InkML">
   <inkml:definitions>
     <inkml:context xml:id="ctx0">
@@ -435,7 +624,7 @@
 </inkml:ink>
 </file>
 
-<file path=ppt/ink/ink11.xml><?xml version="1.0" encoding="utf-8"?>
+<file path=ppt/ink/ink15.xml><?xml version="1.0" encoding="utf-8"?>
 <inkml:ink xmlns:inkml="http://www.w3.org/2003/InkML">
   <inkml:definitions>
     <inkml:context xml:id="ctx0">
@@ -495,7 +684,7 @@
             </emma:emma>
           </inkml:annotationXML>
           <inkml:trace contextRef="#ctx0" brushRef="#br0">0 69 26 0,'24'-21'13'0,"5"11"-11"16,-23-1 14-16,12 1-17 16,-7 4 1-16,7 1 4 15,-6 5 0-15,12-5-2 16,-13 5 1-16,7 0 4 15,0 5 0-15,-1-5 2 16,-5 0 0-16,0 11-1 16,0-6 0-16,-6 16-1 15,5 0 0-15,1 10-2 16,6 1 0-16,5 9-1 16,13 7 1-16,23 9-2 0,-12-10 1 15,53 16-2-15,-6 0 0 16,-17 5-3-16,-7-10 0 15,-5-16-9-15,-12-6 0 16,-11-10-10-16,-7-20 0 16</inkml:trace>
-          <inkml:trace contextRef="#ctx0" brushRef="#br0" timeOffset="1621.6791">130 1535 44 0,'-24'0'22'0,"18"-36"-6"0,12 20 22 16,-6-5-31-16,6-5 0 15,6-6 3-15,6 6 0 0,-1 0-13 16,1 0 0-16,5 5 9 16,13 5 1-16,-1 0-4 15,0 1 1-15,13 4-2 16,11 6 0-16,11 5-1 16,1-5 1-16,-6 10-1 15,-12 11 1-15,-6 5 0 16,-18 15 0-16,-11 6 0 15,-12-5 0-15,-18 10 0 16,-11 5 0-16,-13 17-1 16,-11-7 1-16,0 1-2 15,-6-5 1-15,-12-11-1 16,-17 0 1-16,11 0-1 16,0-15 1-16,12 4-1 15,6-4 0-15,6-6 0 16,12 5 1-16,5-4 0 0,13-17 0 15,17 6 0-15,11-1 1 16,13-4 0-16,23 5 1 16,18-6 0-16,0-5 1 15,5 1-2-15,13-1 1 16,5 0-1-16,-5-10 1 16,-7 5-3-16,-5-11 0 15,-6-10-5-15,-6-5 1 16,-6 0-8-16,-18 0 0 15,1-11-13-15,-1 21 0 0,-17 1-2 16,5-6 0-16</inkml:trace>
+          <inkml:trace contextRef="#ctx0" brushRef="#br0" timeOffset="1621.679">130 1535 44 0,'-24'0'22'0,"18"-36"-6"0,12 20 22 16,-6-5-31-16,6-5 0 15,6-6 3-15,6 6 0 0,-1 0-13 16,1 0 0-16,5 5 9 16,13 5 1-16,-1 0-4 15,0 1 1-15,13 4-2 16,11 6 0-16,11 5-1 16,1-5 1-16,-6 10-1 15,-12 11 1-15,-6 5 0 16,-18 15 0-16,-11 6 0 15,-12-5 0-15,-18 10 0 16,-11 5 0-16,-13 17-1 16,-11-7 1-16,0 1-2 15,-6-5 1-15,-12-11-1 16,-17 0 1-16,11 0-1 16,0-15 1-16,12 4-1 15,6-4 0-15,6-6 0 16,12 5 1-16,5-4 0 0,13-17 0 15,17 6 0-15,11-1 1 16,13-4 0-16,23 5 1 16,18-6 0-16,0-5 1 15,5 1-2-15,13-1 1 16,5 0-1-16,-5-10 1 16,-7 5-3-16,-5-11 0 15,-6-10-5-15,-6-5 1 16,-6 0-8-16,-18 0 0 15,1-11-13-15,-1 21 0 0,-17 1-2 16,5-6 0-16</inkml:trace>
           <inkml:trace contextRef="#ctx0" brushRef="#br0" timeOffset="2042.2872">1344 1420 53 0,'12'-47'26'0,"-6"16"-26"16,-6 31 47-16,-6 10-45 15,0 11 1-15,-5 10 5 16,-7 17 0-16,-6 20-8 16,13 10 0-16,5-4 7 15,6-1 0-15,6-5-1 16,-1 5 1-16,19-15-2 0,5-16 0 15,19-11-2-15,16-10 0 16,7-26-1-16,0-21 0 16,-1-16-2-16,-5-16 1 15,0-15-1-15,-18 5 0 16,-6-11 0-16,-17 1 1 16,-12-1-1-16,-12 11 0 15,-18 0 0-15,-11 0 0 16,-13 15 0-16,-11 17 0 15,-11 15-1-15,-1 26 1 16,0 11-1-16,12 15 0 0,6 11-5 16,6 5 1-16,11-10-10 15,12 0 1-15,18 10-10 16,18-26 1-16</inkml:trace>
           <inkml:trace contextRef="#ctx0" brushRef="#br0" timeOffset="2732.6771">2104 1672 49 0,'6'15'24'0,"36"1"-12"0,-19-21 33 16,-5-6-44-16,0-10 0 15,5-10 2-15,1 5 1 0,5-16-5 16,1-16 1 0,5-5 2-16,-6 6 0 0,-5-1-1 15,0 0 1-15,-1 6-2 16,-5 10 0-16,-6 11 0 16,-7 20 0-16,-5 27 1 15,6 10 0-15,-6 32 0 16,6 15 0-16,0 27 0 15,6-1 0-15,0 11 0 16,-6-10 0-16,-1-11 0 16,-10-16 0-16,-7-21-1 15,-12-10 1-15,-11-5-2 16,-6 0 1-16,11-27 0 16,-5-5 0-16,-6-5-1 15,5-10 0-15,1-11 0 16,5-5 0-16,7 15 2 15,5 1 1-15,6-1 1 0,12 11 0 16,12 0 3-16,6 0 0 16,11 0 1-16,13 0 0 15,22 0-1-15,13-5 1 16,5-5-2-16,-5 4 0 16,-6 1-5-16,-1 0 0 15,-5 0-8-15,-6-6 0 16,-6 1-16-16,0 4 1 15,-23-9-4-15,5-6 1 16</inkml:trace>
           <inkml:trace contextRef="#ctx0" brushRef="#br0" timeOffset="3182.2569">3200 1808 56 0,'6'-27'28'0,"47"-72"-31"16,-29 68 48-16,11 4-40 15,6 6 0-15,1 11 2 16,5-1 1-16,-6 22-10 15,0 10 0-15,-11 16 6 0,-7 10 1 16,-5 0-3-16,0 0 1 16,-12 5-1-16,-6 1 0 15,-12-1-1-15,-18-15 1 16,7-6 0-16,-19-5 0 16,1-26 1-16,0-15 0 15,0-27 0-15,5-11 0 16,-5-15 0-16,23-5 0 15,7-11 0-15,11-15 1 16,11-1-2-16,19 6 1 16,11-6-2-16,0 1 1 15,7 15-3-15,-7 6 0 0,18-1-13 16,-6 16 0-16,17 16-12 16,1 5 1-16</inkml:trace>
@@ -506,7 +695,7 @@
 </inkml:ink>
 </file>
 
-<file path=ppt/ink/ink12.xml><?xml version="1.0" encoding="utf-8"?>
+<file path=ppt/ink/ink16.xml><?xml version="1.0" encoding="utf-8"?>
 <inkml:ink xmlns:inkml="http://www.w3.org/2003/InkML">
   <inkml:definitions>
     <inkml:context xml:id="ctx0">
@@ -608,8 +797,8 @@
             </emma:emma>
           </inkml:annotationXML>
           <inkml:trace contextRef="#ctx0" brushRef="#br0" timeOffset="2342.3657">7355 3466 67 0,'100'15'33'0,"18"90"-37"0,-89-42 62 15,7 10-58-15,-1 22 0 16,0-1-19-16,-5-16 0 15,-6-10 9-15,5-20 1 16</inkml:trace>
-          <inkml:trace contextRef="#ctx0" brushRef="#br0" timeOffset="2462.1847">7797 3424 27 0,'-6'-74'13'0,"-18"22"-7"15,24 42 4-15,0-1-16 16,12 11 0-16,12 5-8 15,17 16 1-15</inkml:trace>
-          <inkml:trace contextRef="#ctx0" brushRef="#br0" timeOffset="2866.7467">8692 3361 62 0,'-17'-21'31'0,"-66"-26"-50"15,54 47 67-15,-18 10-48 16,-18 6 0-16,-6 31 2 0,6 21 1 16,6 21-1-16,6 16 0 15,30 10 1-15,17 0 1 16,24-31-1-16,35-5 1 16,11-27-9-16,25-15 1 15,17-42-10-15,6-37 0 16,23-42-4-16,1-26 0 15,-12-11 4-15,-18-20 0 16,-18-16 7-16,-35-11 0 16,-18-10 4-16,-29-5 1 15,-29 0 5-15,-19 5 1 0,1 36 2 16,12 48 1-16,5 42 1 16,18 62 0-16,18 42 4 15,23 48 0-15,18 36-1 16,6 42 0-16,18 5-9 15,5-10 0-15,1-26-15 16,-12-6 1-16,-18-31-2 16,-18-26 0-16</inkml:trace>
+          <inkml:trace contextRef="#ctx0" brushRef="#br0" timeOffset="2462.1846">7797 3424 27 0,'-6'-74'13'0,"-18"22"-7"15,24 42 4-15,0-1-16 16,12 11 0-16,12 5-8 15,17 16 1-15</inkml:trace>
+          <inkml:trace contextRef="#ctx0" brushRef="#br0" timeOffset="2866.7466">8692 3361 62 0,'-17'-21'31'0,"-66"-26"-50"15,54 47 67-15,-18 10-48 16,-18 6 0-16,-6 31 2 0,6 21 1 16,6 21-1-16,6 16 0 15,30 10 1-15,17 0 1 16,24-31-1-16,35-5 1 16,11-27-9-16,25-15 1 15,17-42-10-15,6-37 0 16,23-42-4-16,1-26 0 15,-12-11 4-15,-18-20 0 16,-18-16 7-16,-35-11 0 16,-18-10 4-16,-29-5 1 15,-29 0 5-15,-19 5 1 0,1 36 2 16,12 48 1-16,5 42 1 16,18 62 0-16,18 42 4 15,23 48 0-15,18 36-1 16,6 42 0-16,18 5-9 15,5-10 0-15,1-26-15 16,-12-6 1-16,-18-31-2 16,-18-26 0-16</inkml:trace>
           <inkml:trace contextRef="#ctx0" brushRef="#br0" timeOffset="3001.4238">9069 2994 62 0,'0'-110'31'0,"124"11"-34"15,-71 67 65-15,36-20-62 16,17-16 1-16,35-37-16 16,30-5 0-16,29-26 3 0,6-11 1 15</inkml:trace>
           <inkml:trace contextRef="#ctx0" brushRef="#br0" timeOffset="3333.6974">10566 2926 36 0,'41'94'18'0,"30"43"-12"0,-53-95 15 0,17-11-19 15,24-5 1-15,17 0 1 16,7-15 1-16,-6-27-5 16,-1-26 0-16,-17-5 3 15,-18-26 1-15,-23-22-2 16,-12 6 0-16,-18-10-5 16,-11 10 1-16,5 21-8 15,6 15 0-15,12 6-4 16,24 16 0-1</inkml:trace>
           <inkml:trace contextRef="#ctx0" brushRef="#br0" timeOffset="3513.3141">11680 3015 54 0,'-18'5'27'0,"-12"1"-39"0,13-22 55 16,-25-21-43-16,-11-15 0 15,-5-27 0-15,5-4 0 16,11 9 2-16,19-4 0 15,11-6 0-15,12 5 1 16,29 6-4-16,24 5 1 16,0 0-9-16,12 16 1 15,24 10-8-15,-1 21 0 16</inkml:trace>
@@ -622,7 +811,7 @@
 </inkml:ink>
 </file>
 
-<file path=ppt/ink/ink13.xml><?xml version="1.0" encoding="utf-8"?>
+<file path=ppt/ink/ink17.xml><?xml version="1.0" encoding="utf-8"?>
 <inkml:ink xmlns:inkml="http://www.w3.org/2003/InkML">
   <inkml:definitions>
     <inkml:context xml:id="ctx0">
@@ -689,7 +878,7 @@
 </inkml:ink>
 </file>
 
-<file path=ppt/ink/ink14.xml><?xml version="1.0" encoding="utf-8"?>
+<file path=ppt/ink/ink18.xml><?xml version="1.0" encoding="utf-8"?>
 <inkml:ink xmlns:inkml="http://www.w3.org/2003/InkML">
   <inkml:definitions>
     <inkml:context xml:id="ctx0">
@@ -729,7 +918,7 @@
 </inkml:ink>
 </file>
 
-<file path=ppt/ink/ink15.xml><?xml version="1.0" encoding="utf-8"?>
+<file path=ppt/ink/ink19.xml><?xml version="1.0" encoding="utf-8"?>
 <inkml:ink xmlns:inkml="http://www.w3.org/2003/InkML">
   <inkml:definitions>
     <inkml:context xml:id="ctx0">
@@ -769,7 +958,91 @@
 </inkml:ink>
 </file>
 
-<file path=ppt/ink/ink16.xml><?xml version="1.0" encoding="utf-8"?>
+<file path=ppt/ink/ink2.xml><?xml version="1.0" encoding="utf-8"?>
+<inkml:ink xmlns:inkml="http://www.w3.org/2003/InkML">
+  <inkml:definitions>
+    <inkml:context xml:id="ctx0">
+      <inkml:inkSource xml:id="inkSrc0">
+        <inkml:traceFormat>
+          <inkml:channel name="X" type="integer" max="9600" units="cm"/>
+          <inkml:channel name="Y" type="integer" max="7200" units="cm"/>
+          <inkml:channel name="F" type="integer" max="256" units="dev"/>
+          <inkml:channel name="T" type="integer" max="2.14748E9" units="dev"/>
+        </inkml:traceFormat>
+        <inkml:channelProperties>
+          <inkml:channelProperty channel="X" name="resolution" value="377.95276" units="1/cm"/>
+          <inkml:channelProperty channel="Y" name="resolution" value="425.28058" units="1/cm"/>
+          <inkml:channelProperty channel="F" name="resolution" value="0" units="1/dev"/>
+          <inkml:channelProperty channel="T" name="resolution" value="1" units="1/dev"/>
+        </inkml:channelProperties>
+      </inkml:inkSource>
+      <inkml:timestamp xml:id="ts0" timeString="2016-08-24T08:47:22.290"/>
+    </inkml:context>
+    <inkml:brush xml:id="br0">
+      <inkml:brushProperty name="width" value="0.05" units="cm"/>
+      <inkml:brushProperty name="height" value="0.05" units="cm"/>
+      <inkml:brushProperty name="color" value="#ED1C24"/>
+      <inkml:brushProperty name="fitToCurve" value="1"/>
+    </inkml:brush>
+  </inkml:definitions>
+  <inkml:traceGroup>
+    <inkml:annotationXML>
+      <emma:emma xmlns:emma="http://www.w3.org/2003/04/emma" version="1.0">
+        <emma:interpretation id="{449D25C0-C871-4947-B210-55A6975D98B9}" emma:medium="tactile" emma:mode="ink">
+          <msink:context xmlns:msink="http://schemas.microsoft.com/ink/2010/main" type="writingRegion" rotatedBoundingBox="15495,4646 22670,4702 22653,6922 15478,6867"/>
+        </emma:interpretation>
+      </emma:emma>
+    </inkml:annotationXML>
+    <inkml:traceGroup>
+      <inkml:annotationXML>
+        <emma:emma xmlns:emma="http://www.w3.org/2003/04/emma" version="1.0">
+          <emma:interpretation id="{8FE8B054-ED80-4614-8FB5-62621EEE1A4B}" emma:medium="tactile" emma:mode="ink">
+            <msink:context xmlns:msink="http://schemas.microsoft.com/ink/2010/main" type="paragraph" rotatedBoundingBox="15495,4646 22670,4702 22653,6922 15478,6867" alignmentLevel="1"/>
+          </emma:interpretation>
+        </emma:emma>
+      </inkml:annotationXML>
+      <inkml:traceGroup>
+        <inkml:annotationXML>
+          <emma:emma xmlns:emma="http://www.w3.org/2003/04/emma" version="1.0">
+            <emma:interpretation id="{F3C7244B-2782-4977-934D-7D82AFF78014}" emma:medium="tactile" emma:mode="ink">
+              <msink:context xmlns:msink="http://schemas.microsoft.com/ink/2010/main" type="line" rotatedBoundingBox="15495,4646 22670,4702 22653,6922 15478,6867"/>
+            </emma:interpretation>
+          </emma:emma>
+        </inkml:annotationXML>
+        <inkml:traceGroup>
+          <inkml:annotationXML>
+            <emma:emma xmlns:emma="http://www.w3.org/2003/04/emma" version="1.0">
+              <emma:interpretation id="{304A3A0A-4297-468F-A7D4-C1D7F68D65DB}" emma:medium="tactile" emma:mode="ink">
+                <msink:context xmlns:msink="http://schemas.microsoft.com/ink/2010/main" type="inkWord" rotatedBoundingBox="15481,6415 16842,6426 16840,6632 15480,6622"/>
+              </emma:interpretation>
+            </emma:emma>
+          </inkml:annotationXML>
+          <inkml:trace contextRef="#ctx0" brushRef="#br0">-4408 537 20 0,'-43'-14'10'0,"10"-10"-4"0,28 19 10 0,-1-5-16 31,1 0 1-31,-1 1 1 16,1-1 0-16,0 5-1 16,-1-5 0-16,1 6 2 15,5-1 0-15,-6 0 1 0,6-5 1 16,11 1 1 0,11-1 0-16,16 0 0 0,11 1 0 15,5 4-1-15,6 0 0 0,6 5-2 16,10 0 1-16,11 5-3 15,0-5 1-15,0 0-2 16,0 0 1-16,0-5 0 16,6 0 0-16,-17-5-1 15,-5 6 0-15,0-1 0 16,-1 0 0-16,-10 10-9 0,-5 0 1 16,-23 4-7-16,-10-18 0 15</inkml:trace>
+        </inkml:traceGroup>
+        <inkml:traceGroup>
+          <inkml:annotationXML>
+            <emma:emma xmlns:emma="http://www.w3.org/2003/04/emma" version="1.0">
+              <emma:interpretation id="{73BCBEF4-2517-4679-B614-9ECC06667717}" emma:medium="tactile" emma:mode="ink">
+                <msink:context xmlns:msink="http://schemas.microsoft.com/ink/2010/main" type="inkWord" rotatedBoundingBox="17902,4665 22670,4702 22653,6922 17884,6885"/>
+              </emma:interpretation>
+            </emma:emma>
+          </inkml:annotationXML>
+          <inkml:trace contextRef="#ctx0" brushRef="#br0" timeOffset="1316.8717">-1321-63 24 0,'-33'5'12'0,"6"-10"-13"15,21 5 25-15,1 0-21 16,-6 0 1 0,0 0 1-16,-5-5 0 0,-6 1-7 15,-5 4 1-15,-6-5 5 16,-5 5 0-16,-6 0-1 15,-5-5 0-15,6 10-1 16,-1 0 0-16,1 9 0 16,-1-4 0-16,12 4-2 15,4 1 0 1,12-1-1-16,16 11 1 0,16-1-1 16,6 10 1-16,16 0-1 15,6 14 1-15,5-14 0 16,5 4 1-16,6 1-1 15,5-5 0-15,1 5 0 16,-6-5 1-16,-1-5 0 16,-15 0 1-16,-11-5 0 0,-6 0 1 15,-16 0 0-15,-17-4 0 16,-21 4 0-16,-22 0 1 16,-11-5-1-16,0-4 0 15,-5-10-2-15,-6-10 1 16,-5-10-2-16,0 6 0 15,0-1-2 1,5-5 0-16,6 6-6 16,5-6 1-16,5 1-8 0,23 4 0 15,10 10 0-15,11 10 0 16</inkml:trace>
+          <inkml:trace contextRef="#ctx0" brushRef="#br0" timeOffset="1803.5194">-402-1248 35 0,'-32'-73'17'0,"26"20"-22"0,6 48 34 16,-5-4-29-16,-6-1 0 15,0 5-1-15,0 0 1 16,-5 15-1-16,5 9 1 16,0 20 1-16,6 24 1 0,-1 29 0 15,1 9 1-15,-12 16 2 16,1 23 0-16,5 20 1 16,0 9 1-16,-10 20-2 15,10-20 0-15,5-9-2 16,1-6 1-16,-1-23-4 15,1-25 0 1,-1-14-7-16,1-24 1 0,0-19-7 16,-1-25 1-16,17-34-4 15,11-14 1-15</inkml:trace>
+          <inkml:trace contextRef="#ctx0" brushRef="#br0" timeOffset="2372.5543">99 0 26 0,'-5'15'13'0,"-6"-10"-7"0,11 4 20 16,-6 15-24 0,-5 15 1-16,1 5 1 15,4 23 0-15,-5 6-6 16,0 4 1-16,1 6 2 16,-1-16 1-16,5-13-6 15,6-11 1-15,6 1-5 16,-1-25 0-16,6 0-3 15,5-14 1-15</inkml:trace>
+          <inkml:trace contextRef="#ctx0" brushRef="#br0" timeOffset="2635.8368">273-590 40 0,'0'-53'20'0,"-11"43"-17"0,11 10 40 15,-5 5-40-15,-6 5 0 16,0-1 0-16,0 6 1 0,6-6-7 16,-1-4 1-16,6 5-1 15,0 0 0-15,11 4-9 16,6 10 0-16,10 1-3 15,0 4 1-15</inkml:trace>
+          <inkml:trace contextRef="#ctx0" brushRef="#br0" timeOffset="3331.6272">671 407 30 0,'-17'-15'15'0,"-10"-24"-13"0,27 30 26 16,-5-11-27-16,5-4 1 16,11 0 2-16,-1-5 1 15,7 0-5-15,5 0 1 16,-1 5 3-16,12-5 0 16,0 14-1-1,5 6 1-15,0 4-2 16,0 10 1-16,5 9-2 15,6 25 0-15,-10-10-2 16,-1 14 1-16,-6 11 0 16,-10 4 0-16,-11 0 0 0,-11 0 0 15,-11 0 0-15,-11-5 1 16,-10 0 0-16,-12-9 1 0,-10-10 0 16,-23-10 0-16,7 0 0 15,-1-14 1-15,11-10-1 16,6-15 0-16,10-4-2 15,6-10 0-15,22 5-4 16,16-10 1-16,16-10-6 16,17 5 0-1,16 1-5-15,11 4 0 16,10-10-2-16,6 1 1 16</inkml:trace>
+          <inkml:trace contextRef="#ctx0" brushRef="#br0" timeOffset="3716.1072">1329-1156 25 0,'0'-48'12'0,"22"-20"-5"16,-17 58 23-16,1 0-27 15,-6 10 1-15,5 10 4 16,1 14 0-16,-6 25-9 31,-6 28 0-31,-5 15 7 0,-5 29 0 16,-11 29-2-16,-6 24 1 15,-5 15-3-15,0-5 1 16,0-10-2-16,5-10 1 16,12-9-2-16,4-24 1 0,6-20-4 15,6-14 0-15,5-29-10 16,11-25 0-16,11-28-3 16,-1-20 0-16</inkml:trace>
+          <inkml:trace contextRef="#ctx0" brushRef="#br0" timeOffset="4335.937">1465 324 28 0,'-16'0'14'0,"16"0"-9"0,0 0 20 0,0 0-23 15,0 5 0-15,0 5 1 16,5 0 1-16,1-1-4 15,5 1 0-15,11-5 4 0,5 0 1 16,5-5-2-16,6-5 1 16,1-10-2-16,-7 1 1 15,1-6-2-15,5-9 1 16,-11-5-2-16,-5 1 1 31,0-1 0-31,-11 10 0 0,-6-10-1 16,-5 10 1-16,-5 4 0 15,-12 6 0-15,-4 4-1 16,-7 10 1-16,-15 10-1 16,-1 9 1-16,1 15-1 15,-1 5 1-15,6 4-1 0,0 10 1 16,5 10 0-16,6-5 0 0,5 5 0 16,11 5 1-16,11-5 0 15,6-5 1-15,16-15-1 16,10-9 1-16,17-14-1 15,6-11 0-15,5-9-5 16,-1-9 1-16,12-6-8 31,-11-14 0-31,0 0-7 0,-6 15 1 16,-10-11-1-16,-6 1 0 16</inkml:trace>
+          <inkml:trace contextRef="#ctx0" brushRef="#br0" timeOffset="4975.6183">2630 179 27 0,'-27'24'13'0,"-33"-53"-15"0,44 29 26 15,-6 10-21-15,-16 5 0 0,5-1 2 32,-5 5 0-32,0 1-7 15,0-1 1-15,5 10 3 16,1-5 1-16,10 5-2 15,5-4 1-15,7-1-2 0,10 0 0 16,10-5 0-16,12 1 0 16,5-1-1-16,12-4 0 15,4-6 0-15,6 1 1 0,0 0-1 16,-5-6 0-16,-1 16 1 16,-10-1 0-16,-1-4 0 15,-10 14 1-15,-5-5 0 16,-12-5 1-16,-10 1 2 15,-17 4 0-15,-11-10 1 16,-21 6 0-16,-17-1 0 0,22-5 0 16,-27-4-2-16,0 5 1 15,5-1-4-15,11-4 1 16,11 0-7 0,11-6 1-16,16-4-10 15,27-14 0-15</inkml:trace>
+        </inkml:traceGroup>
+      </inkml:traceGroup>
+    </inkml:traceGroup>
+  </inkml:traceGroup>
+</inkml:ink>
+</file>
+
+<file path=ppt/ink/ink20.xml><?xml version="1.0" encoding="utf-8"?>
 <inkml:ink xmlns:inkml="http://www.w3.org/2003/InkML">
   <inkml:definitions>
     <inkml:context xml:id="ctx0">
@@ -804,12 +1077,12 @@
         </emma:interpretation>
       </emma:emma>
     </inkml:annotationXML>
-    <inkml:trace contextRef="#ctx0" brushRef="#br0">2431 169 55 0,'18'-6'27'0,"45"-3"-22"16,-46 3 27-16,-11-3-32 16,0-4 1-16,-12-2 0 0,-6 3 0 15,-5-7 0-15,-12 10 1 16,-11-6 2-16,-5 2 1 16,-19 1 0-16,-10 9 1 15,-13-3 0-15,2 6 1 16,-13 3-2-1,-5 3 0-15,-1-3-2 16,1-3 1-16,-6 3-1 16,-5 0 0-16,-1 3 0 15,5 7 0-15,13-1 0 16,0 0 0-16,4 4-1 16,2-1 1-16,16 7-2 15,0-7 0-15,0 3 0 0,7 7 0 16,-1 0 0-16,-12-1 0 0,13 7 0 15,5 0 0-15,5 2 0 16,7 1 0-16,11-3-1 16,5 12 1-16,6-12-1 15,6-3 1-15,6 3-1 16,6-1 0-16,-1 1 0 0,6 3 0 31,24 18 0-31,4-3 0 16,13-6 0-16,11-11 0 15,6-2 0-15,5-2 0 16,1-7 0-16,10 4 0 16,7-4 0-1,11-6 1-15,-11 4-1 16,0 6 1-16,4-4-1 16,7-9 0-16,7 1 0 15,-2-1 1-15,1-2-1 16,5 2 0-16,6-6 0 15,-4-3 0-15,-13-3 0 16,-1-3 0-16,8 0 0 0,4-3 1 16,1-6-1-16,-1-4 0 0,1 7 0 15,5-6 1-15,-5-1-1 16,-12-2 0-16,0 2 0 16,-6-5 1-16,6-1-1 15,1-9 0-15,-1 4 0 31,-6 2 1-31,-5-3-1 16,-18 1 1-16,-11-4-1 0,-6-3 1 16,-5-3 0-16,-13 0 0 15,-4-6 0-15,-1 3 0 16,-12 3-1-16,1 0 1 16,-6-3-1-16,-11-9 1 15,-12 6-1-15,-17 0 0 0,-18 0 0 16,-17 3 0-16,-16 3-2 15,-24 9 1-15,-6-5-6 16,-10-1 1-16,-8 6-10 16,14 0 1-16,4 7-10 15,0-1 0-15</inkml:trace>
+    <inkml:trace contextRef="#ctx0" brushRef="#br0">2431 169 55 0,'18'-6'27'0,"45"-3"-22"16,-46 3 27-16,-11-3-32 16,0-4 1-16,-12-2 0 0,-6 3 0 15,-5-7 0-15,-12 10 1 16,-11-6 2-16,-5 2 1 16,-19 1 0-16,-10 9 1 15,-13-3 0-15,2 6 1 16,-13 3-2-1,-5 3 0-15,-1-3-2 16,1-3 1-16,-6 3-1 16,-5 0 0-16,-1 3 0 15,5 7 0-15,13-1 0 16,0 0 0-16,4 4-1 16,2-1 1-16,16 7-2 15,0-7 0-15,0 3 0 0,7 7 0 16,-1 0 0-16,-12-1 0 0,13 7 0 15,5 0 0-15,5 2 0 16,7 1 0-16,11-3-1 16,5 12 1-16,6-12-1 15,6-3 1-15,6 3-1 16,6 0 0-16,-1 0 0 0,6 3 0 31,24 18 0-31,4-3 0 16,13-6 0-16,11-11 0 15,6-2 0-15,5-2 0 16,1-7 0-16,10 4 0 16,7-4 0-1,11-6 1-15,-11 4-1 16,0 6 1-16,4-4-1 16,7-9 0-16,7 1 0 15,-2-1 1-15,1-2-1 16,5 2 0-16,6-6 0 15,-4-3 0-15,-13-3 0 16,-1-3 0-16,8 0 0 0,4-3 1 16,1-6-1-16,-1-4 0 0,1 7 0 15,5-6 1-15,-5-1-1 16,-12-2 0-16,0 2 0 16,-6-5 1-16,6-1-1 15,1-9 0-15,-1 4 0 31,-6 2 1-31,-5-3-1 16,-18 1 1-16,-11-4-1 0,-6-3 1 16,-5-3 0-16,-13 0 0 15,-4-6 0-15,-1 3 0 16,-12 2-1-16,1 1 1 16,-6-3-1-16,-11-9 1 15,-12 6-1-15,-17 0 0 0,-18 0 0 16,-17 3 0-16,-16 3-2 15,-24 9 1-15,-6-5-6 16,-10-1 1-16,-8 6-10 16,14 0 1-16,4 7-10 15,0-1 0-15</inkml:trace>
   </inkml:traceGroup>
 </inkml:ink>
 </file>
 
-<file path=ppt/ink/ink17.xml><?xml version="1.0" encoding="utf-8"?>
+<file path=ppt/ink/ink21.xml><?xml version="1.0" encoding="utf-8"?>
 <inkml:ink xmlns:inkml="http://www.w3.org/2003/InkML">
   <inkml:definitions>
     <inkml:context xml:id="ctx0">
@@ -849,7 +1122,7 @@
 </inkml:ink>
 </file>
 
-<file path=ppt/ink/ink18.xml><?xml version="1.0" encoding="utf-8"?>
+<file path=ppt/ink/ink22.xml><?xml version="1.0" encoding="utf-8"?>
 <inkml:ink xmlns:inkml="http://www.w3.org/2003/InkML">
   <inkml:definitions>
     <inkml:context xml:id="ctx0">
@@ -884,12 +1157,12 @@
         </emma:interpretation>
       </emma:emma>
     </inkml:annotationXML>
-    <inkml:trace contextRef="#ctx0" brushRef="#br0">4748 0 36 0,'-6'0'18'0,"18"0"-17"16,-12 3 19-16,-6-1-20 16,0 8 0-16,-5 2 0 15,-1 1 0-15,-5 2 1 0,0 0 0 16,-6 10 2-16,-12-1 0 31,-16 4 1-31,-7 0 1 0,-10 12 0 16,-7 0 1-16,-17 6-2 15,-17 6 1-15,-12 7-2 16,-16 9 0-16,-13 5-1 16,-11-2 0-16,-16 0-1 15,-24 9 0-15,-6 3 0 16,-6 7 1-16,7-5 0 0,-1 2 0 16,6-4-1-16,12-12 1 15,11-4-1-15,6-2 1 16,11 0-2-16,-6-4 1 15,18 4-1-15,18-13 0 0,10-2 0 16,17-1 0-16,13-12 0 16,16 0 0-16,6-13 0 15,17-2 1-15,6-4-1 16,18-2 1-16,5-1-2 16,6 1 1-16,5-8 0 15,6 2 0-15,6-1-1 16,0-3 1-16,0 1 0 0,6-4 1 31,0-3 0-31,5-3 0 0,1-4 0 16,5-5 0-16,5-3 0 15,2 2 0 1,16-20-1 0,6-14 1-16,11 1-1 15,12-6 0-15,6-7 0 16,11 10 1-16,0-6-1 0,6 5 0 15,-6 1-1-15,-11 6 1 16,-7 3 0-16,-4 10 0 16,-13 5-1-16,-11 6 1 0,-11 7 0 15,-12 3 0-15,-17 9 0 16,-5 6 0-16,-24 6 0 31,-23 6 0-31,-22 7 0 16,-7-3 0-16,-10 5 0 15,-12 13 1-15,-1 0-1 16,7 10 0-16,-7 5-1 16,0-3 1-16,1-2 0 0,0-1 0 15,17-3 0-15,0-3 0 16,11-9 0-16,12-3 0 0,11-6-1 16,12-7 0-16,17-3 0 15,17-2 0-15,12-1 0 16,17-3 0-16,11 4 1 15,24-8 0-15,17-1 1 16,5-8 0-16,17-4 0 16,24-8 0-1,6 1 1-15,10-1 0 16,-10 7-1-16,-2-4 0 16,-15 5-4-16,-13 1 1 15,-16 1-13-15,-1 9 1 0,-29-9-5 16,-27-9 1-16</inkml:trace>
+    <inkml:trace contextRef="#ctx0" brushRef="#br0">4747 0 36 0,'-6'0'18'0,"18"0"-17"16,-12 3 19-16,-6-1-20 16,0 8 0-16,-5 2 0 15,-1 1 0-15,-5 2 1 0,0 0 0 16,-6 10 2-16,-12-1 0 31,-16 4 1-31,-7 0 1 0,-10 12 0 16,-7 0 1-16,-17 6-2 15,-17 6 1-15,-12 7-2 16,-16 9 0-16,-13 5-1 16,-11-2 0-16,-16 0-1 15,-24 9 0-15,-6 3 0 16,-6 7 1-16,7-6 0 0,-1 3 0 16,7-4-1-16,11-12 1 15,11-4-1-15,6-2 1 16,11 0-2-16,-6-4 1 15,18 4-1-15,18-13 0 0,10-2 0 16,17-1 0-16,13-12 0 16,16 0 0-16,6-13 0 15,17-2 1-15,6-4-1 16,18-2 1-16,5-1-2 16,6 1 1-16,5-8 0 15,6 2 0-15,6-1-1 16,0-3 1-16,0 1 0 0,6-4 1 31,0-3 0-31,5-3 0 0,1-4 0 16,5-5 0-16,5-3 0 15,2 2 0 1,16-20-1 0,6-14 1-16,11 1-1 15,12-6 0-15,6-7 0 16,11 10 1-16,0-6-1 0,6 5 0 15,-6 1-1-15,-11 6 1 16,-7 3 0-16,-4 10 0 16,-13 5-1-16,-11 6 1 0,-11 7 0 15,-12 3 0-15,-17 9 0 16,-5 6 0-16,-24 6 0 31,-23 6 0-31,-22 7 0 16,-7-3 0-16,-10 5 0 15,-12 13 1-15,-1 0-1 16,7 10 0-16,-7 5-1 16,0-3 1-16,1-2 0 0,0-1 0 15,17-3 0-15,0-3 0 16,11-9 0-16,12-3 0 0,11-6-1 16,12-7 0-16,17-3 0 15,17-2 0-15,12-1 0 16,17-3 0-16,11 4 1 15,24-8 0-15,17-1 1 16,5-8 0-16,17-4 0 16,24-8 0-1,6 1 1-15,10-1 0 16,-10 7-1-16,-2-4 0 16,-15 5-4-16,-13 1 1 15,-16 1-13-15,-1 9 1 0,-29-9-5 16,-27-9 1-16</inkml:trace>
   </inkml:traceGroup>
 </inkml:ink>
 </file>
 
-<file path=ppt/ink/ink19.xml><?xml version="1.0" encoding="utf-8"?>
+<file path=ppt/ink/ink23.xml><?xml version="1.0" encoding="utf-8"?>
 <inkml:ink xmlns:inkml="http://www.w3.org/2003/InkML">
   <inkml:definitions>
     <inkml:context xml:id="ctx0">
@@ -929,89 +1202,7 @@
 </inkml:ink>
 </file>
 
-<file path=ppt/ink/ink2.xml><?xml version="1.0" encoding="utf-8"?>
-<inkml:ink xmlns:inkml="http://www.w3.org/2003/InkML">
-  <inkml:definitions>
-    <inkml:context xml:id="ctx0">
-      <inkml:inkSource xml:id="inkSrc0">
-        <inkml:traceFormat>
-          <inkml:channel name="X" type="integer" max="9600" units="cm"/>
-          <inkml:channel name="Y" type="integer" max="7200" units="cm"/>
-          <inkml:channel name="F" type="integer" max="256" units="dev"/>
-          <inkml:channel name="T" type="integer" max="2.14748E9" units="dev"/>
-        </inkml:traceFormat>
-        <inkml:channelProperties>
-          <inkml:channelProperty channel="X" name="resolution" value="377.95276" units="1/cm"/>
-          <inkml:channelProperty channel="Y" name="resolution" value="425.28058" units="1/cm"/>
-          <inkml:channelProperty channel="F" name="resolution" value="0" units="1/dev"/>
-          <inkml:channelProperty channel="T" name="resolution" value="1" units="1/dev"/>
-        </inkml:channelProperties>
-      </inkml:inkSource>
-      <inkml:timestamp xml:id="ts0" timeString="2016-08-22T10:58:38.551"/>
-    </inkml:context>
-    <inkml:brush xml:id="br0">
-      <inkml:brushProperty name="width" value="0.05" units="cm"/>
-      <inkml:brushProperty name="height" value="0.05" units="cm"/>
-      <inkml:brushProperty name="color" value="#ED1C24"/>
-      <inkml:brushProperty name="fitToCurve" value="1"/>
-    </inkml:brush>
-  </inkml:definitions>
-  <inkml:traceGroup>
-    <inkml:annotationXML>
-      <emma:emma xmlns:emma="http://www.w3.org/2003/04/emma" version="1.0">
-        <emma:interpretation id="{02228860-67EB-4C99-BD70-78154B12D0C8}" emma:medium="tactile" emma:mode="ink">
-          <msink:context xmlns:msink="http://schemas.microsoft.com/ink/2010/main" type="inkDrawing" rotatedBoundingBox="15477,8387 19426,8181 19541,10372 15591,10578" hotPoints="19767,9015 17980,10358 15872,9612 17659,8269" semanticType="enclosure" shapeName="Ellipse">
-            <msink:destinationLink direction="with" ref="{4DC23801-F43F-408E-B5FE-3F2A208AFF71}"/>
-          </msink:context>
-        </emma:interpretation>
-      </emma:emma>
-    </inkml:annotationXML>
-    <inkml:trace contextRef="#ctx0" brushRef="#br0">533 1287 28 0,'-29'-5'14'0,"-24"21"-1"0,41-16 14 16,-6 0-21-16,-5 0 0 15,-7-5 4-15,1-6 0 16,-1-5-11-16,7-5 0 16,-1-5 9-16,7 0 1 15,5-11-3-15,6-5 0 16,12-10-1-16,0 15 1 16,17-20-3-16,13-1 1 0,11-10-2 15,12-10 1-15,6 4-2 16,5 6 1-16,-5 0-1 15,6 0 0-15,17 0-1 16,12 16 1-16,6-1 0 16,24 6 0-16,0 0 0 15,-13 0 1-15,1 5-1 16,6 10 0-16,0 6 0 16,-6 0 0-16,17 5-1 15,1 11 1-15,-13-1 0 16,1 6 1-16,12 10-1 15,-1 6 1-15,12 4 0 16,1 12 0-16,-13-1 0 16,-23 5 0-16,-6 6-1 15,-6 10 0-15,0 16-1 0,1 0 1 16,-13 10-1-16,-11 11 1 16,-13 0-1-16,-5-1 1 15,-12 12-1-15,-11-17 1 16,-19-5-1-16,-11 6 0 15,-17 5 0-15,-19-6 1 16,-11 11-1-16,-18-5 1 16,0 5-1-16,-6-5 1 15,-23-5-1-15,-24-1 1 16,-12 11-1-16,-23-21 0 16,6 6 0-16,-30-1 1 0,-6 0-2 15,-23-5 1-15,11-15 0 16,6-11 0-16,-5-6 0 15,-24-25 0-15,0-27 0 16,5-31 0-16,-16-32 0 16,-1-15 0-16,17-21 0 15,25-16 0-15,35-10-1 16,29-1 0-16,12 1 0 16,29-1 0-16,36-10-5 15,17 11 1-15,36 0-17 16,53 15 0-16,35 0-3 15,30 6 0-15</inkml:trace>
-  </inkml:traceGroup>
-</inkml:ink>
-</file>
-
-<file path=ppt/ink/ink20.xml><?xml version="1.0" encoding="utf-8"?>
-<inkml:ink xmlns:inkml="http://www.w3.org/2003/InkML">
-  <inkml:definitions>
-    <inkml:context xml:id="ctx0">
-      <inkml:inkSource xml:id="inkSrc0">
-        <inkml:traceFormat>
-          <inkml:channel name="X" type="integer" max="9600" units="cm"/>
-          <inkml:channel name="Y" type="integer" max="7200" units="cm"/>
-          <inkml:channel name="F" type="integer" max="256" units="dev"/>
-          <inkml:channel name="T" type="integer" max="2.14748E9" units="dev"/>
-        </inkml:traceFormat>
-        <inkml:channelProperties>
-          <inkml:channelProperty channel="X" name="resolution" value="377.95276" units="1/cm"/>
-          <inkml:channelProperty channel="Y" name="resolution" value="425.28058" units="1/cm"/>
-          <inkml:channelProperty channel="F" name="resolution" value="0" units="1/dev"/>
-          <inkml:channelProperty channel="T" name="resolution" value="1" units="1/dev"/>
-        </inkml:channelProperties>
-      </inkml:inkSource>
-      <inkml:timestamp xml:id="ts0" timeString="2016-08-22T11:37:02.789"/>
-    </inkml:context>
-    <inkml:brush xml:id="br0">
-      <inkml:brushProperty name="width" value="0.05" units="cm"/>
-      <inkml:brushProperty name="height" value="0.05" units="cm"/>
-      <inkml:brushProperty name="color" value="#ED1C24"/>
-      <inkml:brushProperty name="fitToCurve" value="1"/>
-    </inkml:brush>
-  </inkml:definitions>
-  <inkml:traceGroup>
-    <inkml:annotationXML>
-      <emma:emma xmlns:emma="http://www.w3.org/2003/04/emma" version="1.0">
-        <emma:interpretation id="{B63D070D-18C8-4306-BF49-8CC0D9A202E9}" emma:medium="tactile" emma:mode="ink">
-          <msink:context xmlns:msink="http://schemas.microsoft.com/ink/2010/main" type="inkDrawing"/>
-        </emma:interpretation>
-      </emma:emma>
-    </inkml:annotationXML>
-    <inkml:trace contextRef="#ctx0" brushRef="#br0">40 8 11 0,'-41'-5'5'0,"94"0"-14"16,-12 15 5-16</inkml:trace>
-  </inkml:traceGroup>
-</inkml:ink>
-</file>
-
-<file path=ppt/ink/ink21.xml><?xml version="1.0" encoding="utf-8"?>
+<file path=ppt/ink/ink24.xml><?xml version="1.0" encoding="utf-8"?>
 <inkml:ink xmlns:inkml="http://www.w3.org/2003/InkML">
   <inkml:definitions>
     <inkml:context xml:id="ctx0">
@@ -1051,7 +1242,7 @@
 </inkml:ink>
 </file>
 
-<file path=ppt/ink/ink22.xml><?xml version="1.0" encoding="utf-8"?>
+<file path=ppt/ink/ink25.xml><?xml version="1.0" encoding="utf-8"?>
 <inkml:ink xmlns:inkml="http://www.w3.org/2003/InkML">
   <inkml:definitions>
     <inkml:context xml:id="ctx0">
@@ -1092,7 +1283,7 @@
 </inkml:ink>
 </file>
 
-<file path=ppt/ink/ink23.xml><?xml version="1.0" encoding="utf-8"?>
+<file path=ppt/ink/ink26.xml><?xml version="1.0" encoding="utf-8"?>
 <inkml:ink xmlns:inkml="http://www.w3.org/2003/InkML">
   <inkml:definitions>
     <inkml:context xml:id="ctx0">
@@ -1132,7 +1323,7 @@
 </inkml:ink>
 </file>
 
-<file path=ppt/ink/ink24.xml><?xml version="1.0" encoding="utf-8"?>
+<file path=ppt/ink/ink27.xml><?xml version="1.0" encoding="utf-8"?>
 <inkml:ink xmlns:inkml="http://www.w3.org/2003/InkML">
   <inkml:definitions>
     <inkml:context xml:id="ctx0">
@@ -1172,7 +1363,7 @@
 </inkml:ink>
 </file>
 
-<file path=ppt/ink/ink25.xml><?xml version="1.0" encoding="utf-8"?>
+<file path=ppt/ink/ink28.xml><?xml version="1.0" encoding="utf-8"?>
 <inkml:ink xmlns:inkml="http://www.w3.org/2003/InkML">
   <inkml:definitions>
     <inkml:context xml:id="ctx0">
@@ -1212,7 +1403,7 @@
 </inkml:ink>
 </file>
 
-<file path=ppt/ink/ink26.xml><?xml version="1.0" encoding="utf-8"?>
+<file path=ppt/ink/ink29.xml><?xml version="1.0" encoding="utf-8"?>
 <inkml:ink xmlns:inkml="http://www.w3.org/2003/InkML">
   <inkml:definitions>
     <inkml:context xml:id="ctx0">
@@ -1252,7 +1443,49 @@
 </inkml:ink>
 </file>
 
-<file path=ppt/ink/ink27.xml><?xml version="1.0" encoding="utf-8"?>
+<file path=ppt/ink/ink3.xml><?xml version="1.0" encoding="utf-8"?>
+<inkml:ink xmlns:inkml="http://www.w3.org/2003/InkML">
+  <inkml:definitions>
+    <inkml:context xml:id="ctx0">
+      <inkml:inkSource xml:id="inkSrc0">
+        <inkml:traceFormat>
+          <inkml:channel name="X" type="integer" max="9600" units="cm"/>
+          <inkml:channel name="Y" type="integer" max="7200" units="cm"/>
+          <inkml:channel name="F" type="integer" max="256" units="dev"/>
+          <inkml:channel name="T" type="integer" max="2.14748E9" units="dev"/>
+        </inkml:traceFormat>
+        <inkml:channelProperties>
+          <inkml:channelProperty channel="X" name="resolution" value="377.95276" units="1/cm"/>
+          <inkml:channelProperty channel="Y" name="resolution" value="425.28058" units="1/cm"/>
+          <inkml:channelProperty channel="F" name="resolution" value="0" units="1/dev"/>
+          <inkml:channelProperty channel="T" name="resolution" value="1" units="1/dev"/>
+        </inkml:channelProperties>
+      </inkml:inkSource>
+      <inkml:timestamp xml:id="ts0" timeString="2016-08-24T08:47:56.254"/>
+    </inkml:context>
+    <inkml:brush xml:id="br0">
+      <inkml:brushProperty name="width" value="0.05" units="cm"/>
+      <inkml:brushProperty name="height" value="0.05" units="cm"/>
+      <inkml:brushProperty name="color" value="#3165BB"/>
+      <inkml:brushProperty name="fitToCurve" value="1"/>
+    </inkml:brush>
+  </inkml:definitions>
+  <inkml:traceGroup>
+    <inkml:annotationXML>
+      <emma:emma xmlns:emma="http://www.w3.org/2003/04/emma" version="1.0">
+        <emma:interpretation id="{660D6FAD-29F9-4FB0-8B8E-8EAC09E0D2A7}" emma:medium="tactile" emma:mode="ink">
+          <msink:context xmlns:msink="http://schemas.microsoft.com/ink/2010/main" type="inkDrawing" rotatedBoundingBox="14249,10016 14523,14986 10522,15206 10248,10236" semanticType="callout" shapeName="Other">
+            <msink:sourceLink direction="to" ref="{06147022-5AFB-455F-86C5-4A24639F380F}"/>
+          </msink:context>
+        </emma:interpretation>
+      </emma:emma>
+    </inkml:annotationXML>
+    <inkml:trace contextRef="#ctx0" brushRef="#br0">1045 150 36 0,'-16'5'18'0,"27"-10"-15"15,-6 0 18-15,6 5-21 16,0 0 1-16,0 0 0 16,0 0 0-16,-6 0 0 15,1 0 0-15,-6 0 3 0,10 0 0 0,-4 0 1 16,-6 0 0-16,11 0 1 16,0 0 1-16,0 5-1 15,5-10 0-15,6 5-2 16,-1 0 1-16,7 0-2 15,10-5 0-15,5 5-1 32,1-4 0-32,-1-6-1 0,6 0 1 15,-5 1-1-15,5-1 1 16,11 0 0-16,0 1 0 16,-1-6-1-16,-4 1 1 15,-1 4-1-15,-10 0 0 16,21 5 0-16,6 5 0 15,-6 0-1-15,6 0 1 0,-6 5-1 16,1-5 1-16,10-5-1 16,-5-4 0-16,-6 9 0 15,0 0 1-15,-5 5-1 16,-5-5 1-16,10 0-1 16,-5 4 0-16,5-4 0 15,0 0 1 1,1 0-1-16,-1-9 0 0,-5 4 0 15,5 0 0-15,-5 0 0 16,0 5 1-16,-6 0-1 16,1 0 0-16,-6 5 0 15,-6-5 0-15,-10 5 0 16,0 5 0-16,-1-6 0 16,-5 6 0-16,1-5 0 0,-7 0 0 15,1 4 0-15,-5-9 0 16,-7 10 0-16,1-10 1 15,0 0-1-15,-5-5 1 16,-6 5-1-16,0 0 1 16,0 0-1-16,0 0 0 15,0 0-1-15,0 0 1 0,0 10 0 16,0-10 0-16,0 5 0 16,0-5 0-16,0 5 0 15,0-5 0-15,0 9-1 16,0 6 1-16,-6 4 0 15,1 5 0-15,-1 5-1 32,1 10 1-32,-1 14-1 0,-4 20 1 0,-1-10 0 15,5 9 0 1,1 11 0-16,-1 8 0 0,6 21 0 16,-5-6 0-16,5 10 0 15,-6 0 0-15,1 15 0 16,0 0 1-16,-1 4-1 15,1-4 0-15,-6 9 0 0,0-4 1 16,5 9-2-16,1 5 1 16,-6 0-1-16,6 0 1 15,-1 4-1-15,-5-8 1 16,0-6-1-16,6 0 0 16,-6-14 0-16,0-5 1 15,0-5-1 1,0 0 0-16,6-14 0 15,0-1 1-15,5 1-1 16,0 0 1-16,0-11-1 16,0 6 1-16,0-5-1 15,0-5 1-15,-6-9-1 16,6-1 0-16,0-14 0 16,-5 0 0-16,-1-15 0 0,1-4 0 0,-6-5 0 15,5-6 1-15,6-8-1 16,-5-6 0-16,0 0-1 15,-1-4 1-15,6-1-1 16,-5 6 1-16,5-11 0 16,0 1 0-16,0-5 0 15,-6 0 0-15,6-5 0 0,-5 0 1 16,-1 0-1-16,1 0 1 16,0 0-1-16,-1 0 0 15,1 0 1-15,-1 0 0 16,1 0-1-16,-1 5 1 15,1-1-1-15,-6-4 1 32,0 5 0-32,6-5 0 0,-1 0-1 15,-5-5 1-15,0 1 0 16,1-1 0-16,-7 0-1 16,1-5 1-16,-6 10 0 15,-5-5 1-15,-6 5-1 16,-5-5 0-16,-5 5 0 15,-6-4 1-15,0-16-1 0,0 1 1 0,-11 0-1 16,-6-10 1-16,-21-5 0 16,-11 5 1-16,-10 0 0 15,-12-5 1-15,-11 5 0 16,-10 0 0-16,-17 0 0 16,-22 4 1-16,11 11-2 31,-5 9 0-31,-5 15-1 15,-1-5 1-15,11 4-2 0,11 6 0 16,12 4-1-16,4 1 0 16,1 4-5-16,21 0 1 15,22-5-8-15,22 5 0 16,27-9-5-16,11-5 1 16,32-20-2-16,28-14 0 0</inkml:trace>
+  </inkml:traceGroup>
+</inkml:ink>
+</file>
+
+<file path=ppt/ink/ink30.xml><?xml version="1.0" encoding="utf-8"?>
 <inkml:ink xmlns:inkml="http://www.w3.org/2003/InkML">
   <inkml:definitions>
     <inkml:context xml:id="ctx0">
@@ -1319,7 +1552,7 @@
 </inkml:ink>
 </file>
 
-<file path=ppt/ink/ink28.xml><?xml version="1.0" encoding="utf-8"?>
+<file path=ppt/ink/ink31.xml><?xml version="1.0" encoding="utf-8"?>
 <inkml:ink xmlns:inkml="http://www.w3.org/2003/InkML">
   <inkml:definitions>
     <inkml:context xml:id="ctx0">
@@ -1386,7 +1619,7 @@
 </inkml:ink>
 </file>
 
-<file path=ppt/ink/ink29.xml><?xml version="1.0" encoding="utf-8"?>
+<file path=ppt/ink/ink32.xml><?xml version="1.0" encoding="utf-8"?>
 <inkml:ink xmlns:inkml="http://www.w3.org/2003/InkML">
   <inkml:definitions>
     <inkml:context xml:id="ctx0">
@@ -1426,50 +1659,7 @@
 </inkml:ink>
 </file>
 
-<file path=ppt/ink/ink3.xml><?xml version="1.0" encoding="utf-8"?>
-<inkml:ink xmlns:inkml="http://www.w3.org/2003/InkML">
-  <inkml:definitions>
-    <inkml:context xml:id="ctx0">
-      <inkml:inkSource xml:id="inkSrc0">
-        <inkml:traceFormat>
-          <inkml:channel name="X" type="integer" max="9600" units="cm"/>
-          <inkml:channel name="Y" type="integer" max="7200" units="cm"/>
-          <inkml:channel name="F" type="integer" max="256" units="dev"/>
-          <inkml:channel name="T" type="integer" max="2.14748E9" units="dev"/>
-        </inkml:traceFormat>
-        <inkml:channelProperties>
-          <inkml:channelProperty channel="X" name="resolution" value="377.95276" units="1/cm"/>
-          <inkml:channelProperty channel="Y" name="resolution" value="425.28058" units="1/cm"/>
-          <inkml:channelProperty channel="F" name="resolution" value="0" units="1/dev"/>
-          <inkml:channelProperty channel="T" name="resolution" value="1" units="1/dev"/>
-        </inkml:channelProperties>
-      </inkml:inkSource>
-      <inkml:timestamp xml:id="ts0" timeString="2016-08-22T10:58:39.616"/>
-    </inkml:context>
-    <inkml:brush xml:id="br0">
-      <inkml:brushProperty name="width" value="0.05" units="cm"/>
-      <inkml:brushProperty name="height" value="0.05" units="cm"/>
-      <inkml:brushProperty name="color" value="#ED1C24"/>
-      <inkml:brushProperty name="fitToCurve" value="1"/>
-    </inkml:brush>
-  </inkml:definitions>
-  <inkml:traceGroup>
-    <inkml:annotationXML>
-      <emma:emma xmlns:emma="http://www.w3.org/2003/04/emma" version="1.0">
-        <emma:interpretation id="{4DC23801-F43F-408E-B5FE-3F2A208AFF71}" emma:medium="tactile" emma:mode="ink">
-          <msink:context xmlns:msink="http://schemas.microsoft.com/ink/2010/main" type="inkDrawing" rotatedBoundingBox="18389,8440 19231,6992 19300,7032 18458,8480" semanticType="callout" shapeName="Other">
-            <msink:sourceLink direction="with" ref="{02228860-67EB-4C99-BD70-78154B12D0C8}"/>
-            <msink:sourceLink direction="with" ref="{8E233F10-9849-4021-BC1C-4353DBA3B1A6}"/>
-          </msink:context>
-        </emma:interpretation>
-      </emma:emma>
-    </inkml:annotationXML>
-    <inkml:trace contextRef="#ctx0" brushRef="#br0">2920 187 17 0,'-12'11'8'0,"12"-27"4"0,0 16 8 16,0 0-15-16,0 0 1 15,0 0 3-15,0 0 0 16,-6-5-9-16,6-5 0 15,6-6 8-15,6-10 0 16,11-16-1-16,7-16 0 16,11-15-1-16,12-11 1 15,12-10-2-15,5-16 1 16,1 10-2-16,-12 1 1 16,0 4-1-16,-12 12 1 15,-6 4-3-15,-5 11 1 0,-13 10-2 16,-5 6 0-16,5 10 0 15,-11 6 0-15,0 4-5 16,6-5 1-16,-1 11-6 16,7-5 1-16,5 10-10 15,1 0 0-15,5 5-3 16,-11 16 1-16</inkml:trace>
-  </inkml:traceGroup>
-</inkml:ink>
-</file>
-
-<file path=ppt/ink/ink30.xml><?xml version="1.0" encoding="utf-8"?>
+<file path=ppt/ink/ink33.xml><?xml version="1.0" encoding="utf-8"?>
 <inkml:ink xmlns:inkml="http://www.w3.org/2003/InkML">
   <inkml:definitions>
     <inkml:context xml:id="ctx0">
@@ -1509,7 +1699,7 @@
 </inkml:ink>
 </file>
 
-<file path=ppt/ink/ink31.xml><?xml version="1.0" encoding="utf-8"?>
+<file path=ppt/ink/ink34.xml><?xml version="1.0" encoding="utf-8"?>
 <inkml:ink xmlns:inkml="http://www.w3.org/2003/InkML">
   <inkml:definitions>
     <inkml:context xml:id="ctx0">
@@ -1551,7 +1741,7 @@
 </inkml:ink>
 </file>
 
-<file path=ppt/ink/ink32.xml><?xml version="1.0" encoding="utf-8"?>
+<file path=ppt/ink/ink35.xml><?xml version="1.0" encoding="utf-8"?>
 <inkml:ink xmlns:inkml="http://www.w3.org/2003/InkML">
   <inkml:definitions>
     <inkml:context xml:id="ctx0">
@@ -1594,7 +1784,7 @@
 </inkml:ink>
 </file>
 
-<file path=ppt/ink/ink33.xml><?xml version="1.0" encoding="utf-8"?>
+<file path=ppt/ink/ink36.xml><?xml version="1.0" encoding="utf-8"?>
 <inkml:ink xmlns:inkml="http://www.w3.org/2003/InkML">
   <inkml:definitions>
     <inkml:context xml:id="ctx0">
@@ -1636,7 +1826,7 @@
 </inkml:ink>
 </file>
 
-<file path=ppt/ink/ink34.xml><?xml version="1.0" encoding="utf-8"?>
+<file path=ppt/ink/ink37.xml><?xml version="1.0" encoding="utf-8"?>
 <inkml:ink xmlns:inkml="http://www.w3.org/2003/InkML">
   <inkml:definitions>
     <inkml:context xml:id="ctx0">
@@ -1676,7 +1866,7 @@
 </inkml:ink>
 </file>
 
-<file path=ppt/ink/ink35.xml><?xml version="1.0" encoding="utf-8"?>
+<file path=ppt/ink/ink38.xml><?xml version="1.0" encoding="utf-8"?>
 <inkml:ink xmlns:inkml="http://www.w3.org/2003/InkML">
   <inkml:definitions>
     <inkml:context xml:id="ctx0">
@@ -1716,7 +1906,7 @@
 </inkml:ink>
 </file>
 
-<file path=ppt/ink/ink36.xml><?xml version="1.0" encoding="utf-8"?>
+<file path=ppt/ink/ink39.xml><?xml version="1.0" encoding="utf-8"?>
 <inkml:ink xmlns:inkml="http://www.w3.org/2003/InkML">
   <inkml:definitions>
     <inkml:context xml:id="ctx0">
@@ -1754,7 +1944,127 @@
 </inkml:ink>
 </file>
 
-<file path=ppt/ink/ink37.xml><?xml version="1.0" encoding="utf-8"?>
+<file path=ppt/ink/ink4.xml><?xml version="1.0" encoding="utf-8"?>
+<inkml:ink xmlns:inkml="http://www.w3.org/2003/InkML">
+  <inkml:definitions>
+    <inkml:context xml:id="ctx0">
+      <inkml:inkSource xml:id="inkSrc0">
+        <inkml:traceFormat>
+          <inkml:channel name="X" type="integer" max="9600" units="cm"/>
+          <inkml:channel name="Y" type="integer" max="7200" units="cm"/>
+          <inkml:channel name="F" type="integer" max="256" units="dev"/>
+          <inkml:channel name="T" type="integer" max="2.14748E9" units="dev"/>
+        </inkml:traceFormat>
+        <inkml:channelProperties>
+          <inkml:channelProperty channel="X" name="resolution" value="377.95276" units="1/cm"/>
+          <inkml:channelProperty channel="Y" name="resolution" value="425.28058" units="1/cm"/>
+          <inkml:channelProperty channel="F" name="resolution" value="0" units="1/dev"/>
+          <inkml:channelProperty channel="T" name="resolution" value="1" units="1/dev"/>
+        </inkml:channelProperties>
+      </inkml:inkSource>
+      <inkml:timestamp xml:id="ts0" timeString="2016-08-24T08:47:57.296"/>
+    </inkml:context>
+    <inkml:brush xml:id="br0">
+      <inkml:brushProperty name="width" value="0.05" units="cm"/>
+      <inkml:brushProperty name="height" value="0.05" units="cm"/>
+      <inkml:brushProperty name="color" value="#3165BB"/>
+      <inkml:brushProperty name="fitToCurve" value="1"/>
+    </inkml:brush>
+  </inkml:definitions>
+  <inkml:traceGroup>
+    <inkml:annotationXML>
+      <emma:emma xmlns:emma="http://www.w3.org/2003/04/emma" version="1.0">
+        <emma:interpretation id="{B06DD656-4A9B-434D-A0F1-2AE4AC2E58DA}" emma:medium="tactile" emma:mode="ink">
+          <msink:context xmlns:msink="http://schemas.microsoft.com/ink/2010/main" type="writingRegion" rotatedBoundingBox="14175,11009 29342,11260 29309,13306 14141,13056"/>
+        </emma:interpretation>
+      </emma:emma>
+    </inkml:annotationXML>
+    <inkml:traceGroup>
+      <inkml:annotationXML>
+        <emma:emma xmlns:emma="http://www.w3.org/2003/04/emma" version="1.0">
+          <emma:interpretation id="{CCC4A6E3-B2C3-49F5-A3BE-1ED1014D511A}" emma:medium="tactile" emma:mode="ink">
+            <msink:context xmlns:msink="http://schemas.microsoft.com/ink/2010/main" type="paragraph" rotatedBoundingBox="14175,11009 29342,11260 29309,13306 14141,13056" alignmentLevel="1"/>
+          </emma:interpretation>
+        </emma:emma>
+      </inkml:annotationXML>
+      <inkml:traceGroup>
+        <inkml:annotationXML>
+          <emma:emma xmlns:emma="http://www.w3.org/2003/04/emma" version="1.0">
+            <emma:interpretation id="{E431C27F-27F3-46F3-AD4C-20F15C9C1E51}" emma:medium="tactile" emma:mode="ink">
+              <msink:context xmlns:msink="http://schemas.microsoft.com/ink/2010/main" type="line" rotatedBoundingBox="14175,11009 29342,11260 29309,13306 14141,13056"/>
+            </emma:interpretation>
+          </emma:emma>
+        </inkml:annotationXML>
+        <inkml:traceGroup>
+          <inkml:annotationXML>
+            <emma:emma xmlns:emma="http://www.w3.org/2003/04/emma" version="1.0">
+              <emma:interpretation id="{06147022-5AFB-455F-86C5-4A24639F380F}" emma:medium="tactile" emma:mode="ink">
+                <msink:context xmlns:msink="http://schemas.microsoft.com/ink/2010/main" type="inkWord" rotatedBoundingBox="14149,12544 16325,12580 16323,12696 14148,12661">
+                  <msink:destinationLink direction="to" ref="{660D6FAD-29F9-4FB0-8B8E-8EAC09E0D2A7}"/>
+                </msink:context>
+              </emma:interpretation>
+            </emma:emma>
+          </inkml:annotationXML>
+          <inkml:trace contextRef="#ctx0" brushRef="#br0">-2 102 24 0,'-5'0'12'0,"10"-9"-14"0,-5 9 20 15,6-10-19-15,-1-5 1 0,1 6 1 16,-1-1 0-16,0 0 1 16,1 5 0-16,5 1 2 15,0 4 0-15,5-5 1 16,6 0 1-16,5 0 0 16,17 5 0-16,10-5-1 15,6 0 1-15,11 5-2 16,10 5 1-16,12 5-1 0,-1 0 1 31,23-1-2-31,4-4 1 0,6-5-2 16,6-5 1-16,5-4-1 15,-16-1 0 1,43 5 1 0,-27 5 0-16,-21 0-1 15,-23 5 1-15,-16 0 0 16,-16 4 0-16,-11-4-1 0,-11 0 0 15,-11 0-1-15,-5 0 0 0,-5-5-1 16,-1 5 0 0,-16-5 0-16,-11 9 0 0,-5-4 0 15,-1 5 0-15,-4-5-2 16,-1 4 1-16,0-9-5 31,0 5 1-31,-5-5-9 16,0-5 1-16,5-4-6 0,-5-6 0 15</inkml:trace>
+        </inkml:traceGroup>
+        <inkml:traceGroup>
+          <inkml:annotationXML>
+            <emma:emma xmlns:emma="http://www.w3.org/2003/04/emma" version="1.0">
+              <emma:interpretation id="{13F67CB0-8B37-4554-B720-816B73B53572}" emma:medium="tactile" emma:mode="ink">
+                <msink:context xmlns:msink="http://schemas.microsoft.com/ink/2010/main" type="inkWord" rotatedBoundingBox="17274,11061 20323,11111 20289,13158 17240,13107"/>
+              </emma:interpretation>
+            </emma:emma>
+          </inkml:annotationXML>
+          <inkml:trace contextRef="#ctx0" brushRef="#br0" timeOffset="3159.2811">3482-145 27 0,'-6'-4'13'0,"12"-1"-2"15,-6 5 13-15,0 0-21 16,-6-10 0-16,1 0 3 15,-1 1 0-15,-5-1-7 16,1-4 1-16,-7-1 5 16,1 10 0-16,-11 10-1 15,-6 5 0-15,0 9-2 16,-16 20 1-16,6 14-2 0,5 5 1 16,5 15-2-16,6-1 0 15,5 1 0-15,11-5 0 16,6-6 0-16,10 1 0 0,12-5 0 15,15-4 1-15,12-21-1 16,-1-8 0-16,6-11-2 16,6-24 1-16,5-14-2 15,-1-10 0-15,1-9 0 0,-5-10 1 16,-6-1-1-16,-11 11 1 16,-6 9 0-16,-4 5 0 31,-12 19 1-31,-5 15 0 31,0 5 0-31,-6 9 0 0,6 10 1 16,0 0 1-16,5 0-1 15,1 5 1-15,4-5 0 16,7 0 0-16,15-9 0 16,6-6 0-16,11-4 0 15,0-5 0-15,5-5-1 16,1-5 1-16,-7-10 0 0,1-4 0 15,0-15-1-15,-11-19 0 16,-5 0-1-16,-1-5 0 0,-21-5 1 16,-11-10 0-16,-11 15 1 15,-16 10 0-15,-23 4 1 16,-15 10 0-16,-11 10 0 31,-22 5 0-31,0 9-1 16,-6 10 0-16,0 14-2 0,12 11 0 15,16 13-2-15,16-4 1 16,16 0-9-16,22 5 0 16,22 0-3-16,11-1 0 15</inkml:trace>
+          <inkml:trace contextRef="#ctx0" brushRef="#br0" timeOffset="3711.4388">4674 213 26 0,'-11'-4'13'0,"5"-30"-7"0,6 24 19 16,0-9-22-16,6-5 0 0,10-10 3 15,6-5 0-15,0 0-6 16,21 5 0-16,6 1 5 15,6 13 0-15,-6 6-2 16,0 14 1-16,-6 14-2 16,1 20 1-16,-1 0-3 0,-5 14 0 15,-11 15 0-15,-5 5 0 16,-16-10 1-16,-12 0 0 31,-10-10 0-31,-17 1 0 0,-16-6 1 16,-16-18 0-16,-6-16-1 15,0-9 1-15,1-9-2 16,4-16 1-16,7-13-4 16,10-16 0-16,16-8-4 15,11-11 1-15,22 0-6 16,11-9 1-16,22 5-4 0,10 9 1 16</inkml:trace>
+          <inkml:trace contextRef="#ctx0" brushRef="#br0" timeOffset="4120.1748">5403-1301 25 0,'-5'-53'12'0,"-6"-20"-3"0,5 59 19 16,-5 4-24-16,0 0 0 15,-5 15 5-15,0 15 1 31,-1 9-11-31,1 29 0 0,-6 29 8 16,-5 24 0-16,16 39-1 16,0 19 0-16,0 15-2 15,1-10 0-15,4 5-1 16,6-24 0-16,0-19-4 16,0-10 0-16,0-30-6 15,0-13 1-15,0-30-9 0,6-19 1 0,10-20-4 16,6-9 1-16</inkml:trace>
+          <inkml:trace contextRef="#ctx0" brushRef="#br0" timeOffset="5800.391">5730 30 13 0,'-6'-5'6'0,"6"-10"6"0,0 15 4 15,0 0-14-15,0 0 1 16,0 0 3-16,6 0 1 16,-6 5-8-16,0 0 1 15,0 0 4-15,-6 4 1 16,1 1-1-16,-6 0 0 16,-6-1 0-1,-4 1 0-15,-7 0 0 16,-4 0 1-16,-12-1-1 15,-5 6 1-15,-5-15-2 16,-1 0 0-16,6 0-6 16,6-10 1-16,10-4-9 15,11-11 0-15,12-4-4 0,26 0 1 16</inkml:trace>
+          <inkml:trace contextRef="#ctx0" brushRef="#br0" timeOffset="4753.6009">5648 68 29 0,'-16'0'14'0,"16"-5"-8"0,0 5 22 32,0 0-25-32,0 0 0 0,0 5 4 15,0 0 1-15,5 5-8 16,6-5 0-16,0 0 5 16,0-1 1-16,16-4-2 15,-5 0 0-15,10-9-3 16,-4-11 1-16,-1-4-1 15,0-5 0-15,-5 0-1 0,0 0 0 16,-6-5 0-16,-11 15 1 16,-5-5 0-16,-16 9 0 15,-11 10-1-15,-17 5 1 16,-5 5-1-16,-5 10 1 0,-1 4 0 16,-5 10 0-16,1 5-1 31,4-5 1-31,6 5 0 15,11 14 0-15,11 5-1 16,5 1 1-16,11-6-1 16,6 5 1-16,16 0 2 0,10-9 0 15,18-5 0 1,10-10 1-16,16-15-1 0,16-4 0 16,1-15-4-16,0 5 1 0,-6-5-9 15,-5 0 0-15,-1-14-9 16,-4 0 0-16,-12 4-2 15,-10 5 1-15</inkml:trace>
+        </inkml:traceGroup>
+        <inkml:traceGroup>
+          <inkml:annotationXML>
+            <emma:emma xmlns:emma="http://www.w3.org/2003/04/emma" version="1.0">
+              <emma:interpretation id="{6A874249-7674-47DE-9DCF-34289AEB8AB4}" emma:medium="tactile" emma:mode="ink">
+                <msink:context xmlns:msink="http://schemas.microsoft.com/ink/2010/main" type="inkWord" rotatedBoundingBox="21354,12395 21810,12402 21799,13065 21343,13057"/>
+              </emma:interpretation>
+            </emma:emma>
+          </inkml:annotationXML>
+          <inkml:trace contextRef="#ctx0" brushRef="#br0" timeOffset="6923.0086">7199 136 41 0,'-5'5'20'0,"16"14"-19"16,-1-14 35-16,7 5-30 15,-1-1 0-15,11-4 2 16,17-5 0-16,5-5-12 15,5 1 1-15,-5-6 1 16,0 0 0-16,17 1-13 31,-1-1 0-31</inkml:trace>
+          <inkml:trace contextRef="#ctx0" brushRef="#br0" timeOffset="6706.5636">7471-111 27 0,'6'-19'13'0,"15"-10"-4"15,-21 29 20-15,6 5-25 16,-1 4 0-1,-5 11 2-15,0 19 1 16,0 9-9-16,0 15 1 16,0 9 5-16,-5 15 0 15,5-4-6-15,0-11 1 16,0-9-7-16,0-10 1 16,-6-19-7-16,12-19 1 0</inkml:trace>
+        </inkml:traceGroup>
+        <inkml:traceGroup>
+          <inkml:annotationXML>
+            <emma:emma xmlns:emma="http://www.w3.org/2003/04/emma" version="1.0">
+              <emma:interpretation id="{B067B59C-00EE-4619-AD8E-B62FE67396AB}" emma:medium="tactile" emma:mode="ink">
+                <msink:context xmlns:msink="http://schemas.microsoft.com/ink/2010/main" type="inkWord" rotatedBoundingBox="22671,12409 24919,12411 24918,13146 22670,13144"/>
+              </emma:interpretation>
+            </emma:emma>
+          </inkml:annotationXML>
+          <inkml:trace contextRef="#ctx0" brushRef="#br0" timeOffset="7897.3293">8952-72 34 0,'-6'-24'17'0,"-15"0"-14"0,10 14 18 0,0 0-19 15,-11 5 0-15,-5 1 3 16,-6 4 0-16,-5 9-5 16,-6 11 0-16,-5 14 4 15,6 9 1-15,-1 20-3 16,6 5 1-16,11 9-2 15,11 1 1-15,10-6-3 0,6 1 0 16,17-15-1-16,15-10 1 0,17-14 0 16,11-10 1-16,5-14-1 15,1-10 0-15,-1-20-1 16,0 1 1-16,-5-5-2 16,-11-5 1-16,-5 0 0 15,-1 5 0-15,-10 9 0 31,-11 5 0-31,0 1 2 0,-6 18 0 16,-5 6 1-16,0 14 0 16,5 10 1-16,0-1 0 15,6 1-1-15,0-15 1 16,10-14-1-16,17-10 1 16,11-10-2-16,6-14 1 15,-6-10-1-15,-1-4 1 0,-10-11-1 16,-11-9 0-16,-10 0-1 15,-17-14 1-15,-28-11-2 16,-15-9 1-16,-12 15 0 16,-10 24 1-16,-1 19 0 0,-5 24 0 15,0 30 0-15,1 18 1 32,4 6 0-32,6 14 0 0,11 10-3 15,11-10 1-15,16-5-4 16,11-10 0-16,11-9-5 15,16-5 0-15,17-14-1 16,5-6 0-16</inkml:trace>
+          <inkml:trace contextRef="#ctx0" brushRef="#br0" timeOffset="8745.2745">10035-43 24 0,'-6'-5'12'0,"1"10"-11"15,0 0 22-15,5 9-21 16,0 11 1-16,-6 4 1 15,6 14 0-15,0 15-6 0,0 0 1 16,6-4 3-16,-1-1 0 16,6-10-2-16,5-4 1 15,6-15-1-15,0-14 0 0,5-10-1 16,0-15 1-16,-5-14-2 16,0-14 1-16,-1 4-1 15,1-9 1-15,-5-6-1 16,-1-4 1-16,0 5 0 15,1 10 0-15,-7 14 2 16,-4 14 1 0,-6 20-1-16,0 19 1 15,-6 10 0-15,6 19 0 16,0 10 1-16,0 0 0 16,6-5-1-16,-1-5 0 15,12-9 0-15,-1-10 1 16,11-20-3-16,0-19 0 0,6-9-1 15,0-15 0-15,-1-15-1 16,1 6 0-16,-6-1 1 16,0 5 0-16,-5 5 1 15,-5 10 1-15,-1 4 1 0,-5 15 0 16,-6 19 1-16,6 10 1 16,-11 15-2-16,6 0 0 15,-1-1-7-15,6-14 1 0,16 0-8 16,11-24 1-16</inkml:trace>
+        </inkml:traceGroup>
+        <inkml:traceGroup>
+          <inkml:annotationXML>
+            <emma:emma xmlns:emma="http://www.w3.org/2003/04/emma" version="1.0">
+              <emma:interpretation id="{E44BD015-E2F4-4A15-8976-C8A159730D2C}" emma:medium="tactile" emma:mode="ink">
+                <msink:context xmlns:msink="http://schemas.microsoft.com/ink/2010/main" type="inkWord" rotatedBoundingBox="25228,11423 29339,11491 29310,13201 25200,13133"/>
+              </emma:interpretation>
+            </emma:emma>
+          </inkml:annotationXML>
+          <inkml:trace contextRef="#ctx0" brushRef="#br0" timeOffset="9539.8078">11064 131 24 0,'-6'5'12'0,"12"-19"-7"0,-6 14 11 15,0 0-12 1,0 0 0-16,0 0 3 16,-6 0 0-16,1 9-9 15,5 6 1-15,0 9 5 16,0 15 0-16,0 4-3 16,5 1 1-16,1-1-1 15,4 10 0-15,7-9-1 16,5-5 0-16,5-10 0 0,5-15 1 0,7-14-1 15,-1-9 0-15,0-16-1 16,0-13 1-16,0-11-1 16,-5-9 0-16,-6 15 0 15,0 4 1-15,-11 5-1 16,-5 10 1-16,-5 5 0 16,5 4 1-16,-11 15-1 0,0 19 0 15,0 15 1-15,0 10 1 16,5 4 0-16,0 5 1 15,6-14-2-15,6 0 0 16,-1-10-2-16,0-24 1 16,12-10-1-16,-1-5 0 15,0-14-1 1,0-10 0-16,-5 0 1 16,0 5 1-16,-6 5 2 15,0 5 1-15,1 9 0 16,-1 10 0-16,0 10 0 15,-5 9 0-15,0 0-4 0,0 1 0 16,5-1-8-16,1-4 1 16,-1-6-6-16,17 1 1 0</inkml:trace>
+          <inkml:trace contextRef="#ctx0" brushRef="#br0" timeOffset="10071.4944">12174 257 27 0,'11'24'13'0,"27"-19"-11"16,-27-5 18-16,0 5-18 0,0 0 0 16,5 0 0-16,6-10 1 0,-1-5-5 31,1-9 1-31,5-10 2 15,1 0 1-15,-7-5-1 16,-10 5 1-16,-5 0-1 16,-6 0 1-16,-6 14-1 15,-10 5 1-15,-11 10-1 16,-17 5 1-16,-10 10 0 0,-1-5 0 16,1 4 2-16,10 20 1 15,12 0 0-15,10 14 1 16,6 5 0-16,10 10 0 15,12 10-2-15,15-20 0 16,12-5-5-16,16-9 0 0,11-10-7 16,11-29 0-16,16-24-5 15,11-10 1-15,16-9-4 16,6-15 1-16</inkml:trace>
+          <inkml:trace contextRef="#ctx0" brushRef="#br0" timeOffset="10755.9697">12974 213 19 0,'-11'-9'9'0,"0"-35"0"15,11 35 11-15,0-1-14 16,0 5 0-16,-5 5 2 15,-1 5 1-15,1 9-12 16,-1 11 1-16,-4 4 6 16,4 9 1-16,1 1-3 0,5 14 0 15,5 0-1-15,6 1 1 16,11-16-1-16,10-9 1 16,17-9-1-16,0-20 0 15,6-15-2-15,-1-14 0 16,-5-9-1-16,-5-6 0 15,-6-4 0 1,-5-6 0-16,-12 11 0 16,-10 9 0-16,0 5 3 15,0 10 0-15,-11 9 0 16,-5 20 0-16,-1 19 2 16,1 9 0-16,5 11 0 15,5 9 0-15,11-5-5 0,1-5 1 16,5-9-5-16,5-10 0 0,0-19-8 15,6-10 1-15</inkml:trace>
+          <inkml:trace contextRef="#ctx0" brushRef="#br0" timeOffset="11204.5272">13556-203 55 0,'-5'0'27'0,"21"0"-28"15,-10 5 52-15,15 0-50 16,18 0 0-16,26 0-1 31,22 4 1-31,-11 6-3 0,11-1 1 16,0 6-6-16,0-6 1 15,-10 1-9-15,4-5 0 16,12-1-2-16,-6-4 0 16</inkml:trace>
+          <inkml:trace contextRef="#ctx0" brushRef="#br0" timeOffset="11008.8878">13926-1083 46 0,'0'-5'23'0,"-16"53"-25"0,11-28 41 16,-1 28-37-16,-5 30 1 15,6 33 2-15,0 29 1 16,5 34-6-16,0 10 0 0,0-10 1 16,5-9 1-16,6-20-7 15,0-34 1-15,0-29-6 16,-1-19 1-16,1-29-9 15,6-24 1-15</inkml:trace>
+          <inkml:trace contextRef="#ctx0" brushRef="#br0" timeOffset="11609.7818">15167-33 30 0,'-65'-10'15'0,"-33"5"-11"16,76 10 27-16,-10 10-30 16,-6 4 0-16,-6 10 0 15,6-5 1-15,0 0-3 16,11 1 1-16,10 13 1 0,12-4 0 16,10 0-1-16,17 5 1 15,11-1-1-15,5 1 1 16,5 0-1-16,1 9 0 15,-6 1 0-15,0-6 1 16,-11-4 2-16,-10-5 0 16,-12-5 0-16,-16-10 1 0,-5-9 0 15,-17-5 1-15,-10-5-3 16,-12-10 1-16,-5 10-8 16,1 0 1-16,4 0-10 15,17 14 0-15,22-14-1 16,10-14 0-16</inkml:trace>
+        </inkml:traceGroup>
+      </inkml:traceGroup>
+    </inkml:traceGroup>
+  </inkml:traceGroup>
+</inkml:ink>
+</file>
+
+<file path=ppt/ink/ink40.xml><?xml version="1.0" encoding="utf-8"?>
 <inkml:ink xmlns:inkml="http://www.w3.org/2003/InkML">
   <inkml:definitions>
     <inkml:context xml:id="ctx0">
@@ -1796,7 +2106,7 @@
 </inkml:ink>
 </file>
 
-<file path=ppt/ink/ink38.xml><?xml version="1.0" encoding="utf-8"?>
+<file path=ppt/ink/ink41.xml><?xml version="1.0" encoding="utf-8"?>
 <inkml:ink xmlns:inkml="http://www.w3.org/2003/InkML">
   <inkml:definitions>
     <inkml:context xml:id="ctx0">
@@ -1838,7 +2148,7 @@
 </inkml:ink>
 </file>
 
-<file path=ppt/ink/ink39.xml><?xml version="1.0" encoding="utf-8"?>
+<file path=ppt/ink/ink42.xml><?xml version="1.0" encoding="utf-8"?>
 <inkml:ink xmlns:inkml="http://www.w3.org/2003/InkML">
   <inkml:definitions>
     <inkml:context xml:id="ctx0">
@@ -1870,88 +2180,7 @@
 </inkml:ink>
 </file>
 
-<file path=ppt/ink/ink4.xml><?xml version="1.0" encoding="utf-8"?>
-<inkml:ink xmlns:inkml="http://www.w3.org/2003/InkML">
-  <inkml:definitions>
-    <inkml:context xml:id="ctx0">
-      <inkml:inkSource xml:id="inkSrc0">
-        <inkml:traceFormat>
-          <inkml:channel name="X" type="integer" max="9600" units="cm"/>
-          <inkml:channel name="Y" type="integer" max="7200" units="cm"/>
-          <inkml:channel name="F" type="integer" max="256" units="dev"/>
-          <inkml:channel name="T" type="integer" max="2.14748E9" units="dev"/>
-        </inkml:traceFormat>
-        <inkml:channelProperties>
-          <inkml:channelProperty channel="X" name="resolution" value="377.95276" units="1/cm"/>
-          <inkml:channelProperty channel="Y" name="resolution" value="425.28058" units="1/cm"/>
-          <inkml:channelProperty channel="F" name="resolution" value="0" units="1/dev"/>
-          <inkml:channelProperty channel="T" name="resolution" value="1" units="1/dev"/>
-        </inkml:channelProperties>
-      </inkml:inkSource>
-      <inkml:timestamp xml:id="ts0" timeString="2016-08-22T10:59:02.392"/>
-    </inkml:context>
-    <inkml:brush xml:id="br0">
-      <inkml:brushProperty name="width" value="0.05" units="cm"/>
-      <inkml:brushProperty name="height" value="0.05" units="cm"/>
-      <inkml:brushProperty name="color" value="#ED1C24"/>
-      <inkml:brushProperty name="fitToCurve" value="1"/>
-    </inkml:brush>
-  </inkml:definitions>
-  <inkml:traceGroup>
-    <inkml:annotationXML>
-      <emma:emma xmlns:emma="http://www.w3.org/2003/04/emma" version="1.0">
-        <emma:interpretation id="{6982149F-D03E-45A0-8965-431EBADDBA45}" emma:medium="tactile" emma:mode="ink">
-          <msink:context xmlns:msink="http://schemas.microsoft.com/ink/2010/main" type="writingRegion" rotatedBoundingBox="20756,7698 29677,10399 29101,12301 20180,9600"/>
-        </emma:interpretation>
-      </emma:emma>
-    </inkml:annotationXML>
-    <inkml:traceGroup>
-      <inkml:annotationXML>
-        <emma:emma xmlns:emma="http://www.w3.org/2003/04/emma" version="1.0">
-          <emma:interpretation id="{2B73FD0A-751B-4F2D-9003-45355A7323C3}" emma:medium="tactile" emma:mode="ink">
-            <msink:context xmlns:msink="http://schemas.microsoft.com/ink/2010/main" type="paragraph" rotatedBoundingBox="20756,7698 29677,10399 29101,12301 20180,9600" alignmentLevel="1"/>
-          </emma:interpretation>
-        </emma:emma>
-      </inkml:annotationXML>
-      <inkml:traceGroup>
-        <inkml:annotationXML>
-          <emma:emma xmlns:emma="http://www.w3.org/2003/04/emma" version="1.0">
-            <emma:interpretation id="{2A5174FC-D977-4DA4-B19E-1052C490801C}" emma:medium="tactile" emma:mode="ink">
-              <msink:context xmlns:msink="http://schemas.microsoft.com/ink/2010/main" type="line" rotatedBoundingBox="20756,7698 29677,10399 29101,12301 20180,9600"/>
-            </emma:interpretation>
-          </emma:emma>
-        </inkml:annotationXML>
-        <inkml:traceGroup>
-          <inkml:annotationXML>
-            <emma:emma xmlns:emma="http://www.w3.org/2003/04/emma" version="1.0">
-              <emma:interpretation id="{1BBC1048-03AB-45A2-9A92-6C0B02414AF9}" emma:medium="tactile" emma:mode="ink">
-                <msink:context xmlns:msink="http://schemas.microsoft.com/ink/2010/main" type="inkWord" rotatedBoundingBox="20756,7698 26064,9305 25497,11178 20189,9571"/>
-              </emma:interpretation>
-            </emma:emma>
-          </inkml:annotationXML>
-          <inkml:trace contextRef="#ctx0" brushRef="#br0">2296 299 36 0,'6'0'18'0,"6"-5"-15"0,-12 0 19 0,-12-11-22 15,-5-5 0-15,-7-5 3 16,-5 0 1-16,-7 0-1 16,-5-6 0-16,-18 1 3 15,-12 5 0-15,-11-6 0 16,-6 6 1-16,-7 5-2 16,-5 16 1-16,0 5-2 15,-6 16 0-15,-12 4-2 16,-17 12 1-16,11 15-1 15,-6 16 1-15,-5 5 0 16,-1 10 0-16,12 6-1 16,1-5 1-16,11 5-1 15,12 5 1-15,17-11-1 16,18-15 0-16,18 0-2 16,24 5 1-16,23 0-2 15,23 0 1-15,18-15 0 16,18 15 0-16,24 0 0 0,11-5 1 15,12-6-1-15,30-4 1 16,-1-6 0-16,18 0 0 16,6-11 0-16,-5-4 0 15,5-6 0-15,12 5 0 16,-12-15 0-16,6-5 0 16,-12-6 1-16,-6-5 0 15,12-11 0-15,-6 1 0 16,-11-11-1-16,-1 0 1 0,1-5-1 15,-19-11 1-15,1 6-2 16,-12-6 1-16,0-10-1 16,-6-5 0-16,-12-11 0 15,-5 0 1-15,-13 0-1 16,-5-15 1-16,-12 4-1 16,-6 1 1-16,-18 0-1 15,-17-16 1-15,-24 5-1 16,-23-11 1-16,-36 6-1 15,-18 0 1-15,-11 16-2 16,-24 15 1-16,-6-4 0 16,-23 9 0-16,-12 6-4 15,-12 10 0-15,-11 6-7 16,-7 31 0-16,-5 11-13 16,-1 25 1-16,7 27-1 15,29 16 1-15</inkml:trace>
-          <inkml:trace contextRef="#ctx0" brushRef="#br0" timeOffset="870.4927">3428 1373 36 0,'-18'-47'18'0,"6"21"-10"16,6 20 19-16,6 6-26 16,-6 0 1-16,6 6 3 15,0 4 1-15,6 16-6 16,12 6 1-16,23 15 5 16,24 5 1-16,18 11 0 15,23 5 1-15,29 11-1 16,1-16 0-16,29 5-1 15,0 0 1-15,0 5-3 0,-1-5 1 16,-22-10-2-16,-18-11 0 16,-12 5-3-16,-12-15 1 15,-18-11-8-15,-17-5 1 16,-18-16-16-16,-12 0 1 16,-11 11-1-16,-12 5 1 15</inkml:trace>
-        </inkml:traceGroup>
-        <inkml:traceGroup>
-          <inkml:annotationXML>
-            <emma:emma xmlns:emma="http://www.w3.org/2003/04/emma" version="1.0">
-              <emma:interpretation id="{26508B1B-B8C2-4DCE-A5CB-1C1AFBF17174}" emma:medium="tactile" emma:mode="ink">
-                <msink:context xmlns:msink="http://schemas.microsoft.com/ink/2010/main" type="inkWord" rotatedBoundingBox="26328,9789 29564,10769 29101,12301 25864,11321"/>
-              </emma:interpretation>
-            </emma:emma>
-          </inkml:annotationXML>
-          <inkml:trace contextRef="#ctx0" brushRef="#br0" timeOffset="1681.8751">5784 2357 31 0,'6'-26'15'0,"-6"-5"-7"15,0 31 22-15,12-11-27 16,6 1 0-16,5-6 4 15,7 1 1-15,5-1-9 16,12 0 1-16,-6 6 5 16,12 4 0-16,6 12-1 15,0 4 0-15,-6 6-3 16,-6 0 1-16,-11 20-2 16,-13 1 1-16,-5 10-1 15,-18 5 1-15,-18 1-1 16,1 10 0-16,-13 5 0 15,-5 5 1-15,5-10-1 16,-11 0 1-16,-6-1-1 0,6-4 0 16,11-6 0-16,7-10 1 15,11 0 1-15,18-16 1 16,12 1 0-16,-1-12 0 16,7 6 0-16,11-10 1 15,18-11-2-15,12 0 0 16,0-5-6-16,11-1 0 15,-5-9-10-15,-6 4 0 16,6-5-6-16,-1 1 1 0</inkml:trace>
-          <inkml:trace contextRef="#ctx0" brushRef="#br0" timeOffset="2162.0851">6880 2515 36 0,'-12'-21'18'0,"1"15"-18"15,5 12 26-15,-6 4-24 16,0 1 1-16,-5 10 1 15,-1 5 1-15,0 10-5 0,1 22 0 16,-1-6 4-16,6 16 1 16,6 6-1-16,6-6 1 15,6 0-1-15,18-10 0 16,11-11-2-16,18-16 1 16,-6-10-1-16,12-10 0 15,6-22-2-15,6-26 1 16,-7-10 0-16,7-5 0 15,-18-16-1-15,-18 0 1 16,-17-11-1-16,-12-10 0 16,-18 0 0-16,-11 16 1 0,-13 5-1 15,-5 10 1-15,6 16-1 16,-18 11 0-16,-6 15-2 16,0 6 1-16,0 20-6 15,6 11 0-15,6 10-9 16,6 6 1-16,17 15-2 15,24 1 1-15</inkml:trace>
-          <inkml:trace contextRef="#ctx0" brushRef="#br0" timeOffset="2792.4451">7440 2598 35 0,'0'21'17'0,"0"-5"-14"0,6-16 33 16,6 11-32-16,11-1 1 15,1-10 0-15,5-5 1 16,12-11-9-16,7-5 1 16,-1-10 5-16,6-22 0 0,-6 1-3 15,-6-6 1-15,-6 1-1 16,-11-1 0-16,-6 6 0 16,-6 5 1-16,-1 10-1 15,-11 6 1-15,-6 20-1 16,-5 16 0-16,-13 21 0 15,6 6 1-15,1 26-1 16,5 15 1-16,0-5 0 16,6 10 0-16,6 1-1 15,0-6 1-15,0-10-1 16,-12-5 1-16,1-11-1 16,-7-10 1-16,0-6-1 15,1-10 1-15,-7-5-1 16,-5-1 0-16,-1 1 0 15,1-5 1-15,5 4-2 16,1 1 1-16,5-6 0 0,6 1 0 16,12-11-1-16,18-5 1 15,5-1 0-15,13-4 1 16,29 0 2-16,-7-6 0 16,7 5 0-16,6 6 1 15,0 5-5-15,5-5 1 16,-11-6-9-16,-6-4 0 15,0-12-9-15,-6-9 0 16</inkml:trace>
-          <inkml:trace contextRef="#ctx0" brushRef="#br0" timeOffset="3632.7559">8524 2441 19 0,'6'-31'9'0,"6"-27"11"15,-6 43 2-15,-1 4-18 16,-5 1 0-16,6-1 3 15,0 1 0-15,6-1-9 16,6 1 0-16,5 4 5 16,1 1 1-16,5 5-2 15,1 5 0-15,-1 6 0 16,1-1 0-16,-1 6-1 16,-5 5 1-16,-1 5 0 15,7 6 0-15,-7 4-1 16,-5 1 1-16,-12 5-1 15,-6 5 0-15,-6 0 0 16,-12-10 0-16,-11 5 1 16,-12-6 0-16,-7 6-1 0,7-10 1 15,0-11-1-15,0 0 1 16,5-6-1-16,1 1 1 16,6 0-1-16,5-1 0 15,0 1-1-15,7 5 1 16,11 0 0-16,6-5 1 15,6-1 0-15,11 1 1 16,1-5 1-16,17-1 0 16,19-5 0-16,4-5 1 15,-5-5-2-15,6 0 1 16,12-6-5-16,-12 6 0 0,0 0-11 16,-6-6 1-16,0 11-10 15,-6 0 0-15</inkml:trace>
-        </inkml:traceGroup>
-      </inkml:traceGroup>
-    </inkml:traceGroup>
-  </inkml:traceGroup>
-</inkml:ink>
-</file>
-
-<file path=ppt/ink/ink40.xml><?xml version="1.0" encoding="utf-8"?>
+<file path=ppt/ink/ink43.xml><?xml version="1.0" encoding="utf-8"?>
 <inkml:ink xmlns:inkml="http://www.w3.org/2003/InkML">
   <inkml:definitions>
     <inkml:context xml:id="ctx0">
@@ -1988,7 +2217,7 @@
 </inkml:ink>
 </file>
 
-<file path=ppt/ink/ink41.xml><?xml version="1.0" encoding="utf-8"?>
+<file path=ppt/ink/ink44.xml><?xml version="1.0" encoding="utf-8"?>
 <inkml:ink xmlns:inkml="http://www.w3.org/2003/InkML">
   <inkml:definitions>
     <inkml:context xml:id="ctx0">
@@ -2019,7 +2248,7 @@
 </inkml:ink>
 </file>
 
-<file path=ppt/ink/ink42.xml><?xml version="1.0" encoding="utf-8"?>
+<file path=ppt/ink/ink45.xml><?xml version="1.0" encoding="utf-8"?>
 <inkml:ink xmlns:inkml="http://www.w3.org/2003/InkML">
   <inkml:definitions>
     <inkml:context xml:id="ctx0">
@@ -2050,7 +2279,7 @@
 </inkml:ink>
 </file>
 
-<file path=ppt/ink/ink43.xml><?xml version="1.0" encoding="utf-8"?>
+<file path=ppt/ink/ink46.xml><?xml version="1.0" encoding="utf-8"?>
 <inkml:ink xmlns:inkml="http://www.w3.org/2003/InkML">
   <inkml:definitions>
     <inkml:context xml:id="ctx0">
@@ -2079,7 +2308,7 @@
   </inkml:definitions>
   <inkml:trace contextRef="#ctx0" brushRef="#br0">-4041 5733 23 0,'-23'-4'11'0,"5"-8"2"0,13 12 12 16,1 0-20-16,4 0 1 15,0 0 6-15,0 0 0 16,4 0-13-16,10-5 1 15,4 1 10-15,23 0 1 0,10 0-2 16,13-4 1-16,18-4-3 16,28-4 0-16,18-1-1 15,14 1 1-15,18 4-3 16,4 4 1-16,1 0-2 16,-5 0 1-16,-9-1-1 15,0-3 1 1,-10 4-2-16,-13 4 0 0,-4 8 0 15,-24 0 1-15,-8 0-1 16,-19 0 0-16,-5 4 0 16,1 1 0-16,4-5-1 15,5-4 0-15,-5 0 0 16,-4 0 0-16,-10 4-1 16,-9-4 1-16,-4 8-1 0,0 0 0 15,0 0 0-15,-1-4 0 16,-4 0 0-16,1-4 1 15,-1-4-1-15,-5 8 0 16,-4 0 0-16,0-4 0 16,-4 4 0-16,-5-4 0 15,-1 4 0-15,-3 1 0 0,-1-1-1 16,5 0 1-16,0 0 0 16,0 0 1-16,-1 0-1 15,-3-4 0-15,-1 0-1 16,-4 0 1-16,-5 0-1 15,0 0 1-15,-9 0-1 16,0 0 0 0,5-8-1-16,-5 8 0 0,0-8 0 15,0-5 0-15,0 1-1 16,0-4 0-16,-5-8 0 16,-4-5 0-16,-5 1-1 15,-9-13 1-15,-4-8-1 16,-10 0 1-16,5 5 1 15,-4 7 0-15,-1 1 0 0,1-1 1 16,4 5 1-16,0 7 1 16,9 5-1-16,4 4 1 15,6-5-1-15,8 21 1 16,14 0 0-16,14 17 0 16,0-1 0-16,18 8 0 15,14 9 1 1,18 7 0-16,5-3-1 15,0-1 1-15,8 1-1 16,-3-9 1-16,-10 5-2 16,-4-1 0-16,-1 1 0 15,-13 4 0-15,-14-9 0 16,-9 0 0-16,-14-3 0 0,-18-5 0 16,-18 1 0-16,-28 7 1 0,-18 0 0 15,-22 5 0-15,-10 3 0 16,-1-3 1-16,11 4-3 15,3-5 1-15,10-8-9 16,14-3 1-16,18-5-14 16,22-4 1-16,15 0-4 15,22-20 0-15</inkml:trace>
   <inkml:trace contextRef="#ctx0" brushRef="#br0" timeOffset="0.5017">362 5156 40 0,'0'4'20'0,"18"28"-9"0,0-28 33 0,5 9-39 15,5-1 1-15,8 4 5 16,19-4 0-16,23 0-13 16,13 1 0-16,28-5 9 15,-4-8 0-15,8-4-4 16,-4 4 1-16,-14 4-3 16,-18 4 0-16,-19 4-6 0,-13 0 1 15,-14 4-10-15,-13-3 1 16,-10-1-8-16,-13-4 0 31</inkml:trace>
-  <inkml:trace contextRef="#ctx0" brushRef="#br0" timeOffset="1.5013">906 4721 29 0,'-9'-25'14'0,"4"13"0"0,5 12 14 15,-4 0-25-15,-1 4 0 16,5 13 4-16,0 19 1 0,-4 17-8 15,-1 16 1-15,0 8 7 16,-4 29 0-16,0 20-2 0,0-4 1 16,0-4-3-16,4-13 1 15,1-15-5-15,-1-29 1 16,1-12-8-16,-6-17 0 16,1-24-5-1,5-16 0-15,-1-8-7 16,1-9 0-16</inkml:trace>
+  <inkml:trace contextRef="#ctx0" brushRef="#br0" timeOffset="1.5012">906 4721 29 0,'-9'-25'14'0,"4"13"0"0,5 12 14 15,-4 0-25-15,-1 4 0 16,5 13 4-16,0 19 1 0,-4 17-8 15,-1 16 1-15,0 8 7 16,-4 29 0-16,0 20-2 0,0-4 1 16,0-4-3-16,4-13 1 15,1-15-5-15,-1-29 1 16,1-12-8-16,-6-17 0 16,1-24-5-1,5-16 0-15,-1-8-7 16,1-9 0-16</inkml:trace>
   <inkml:trace contextRef="#ctx0" brushRef="#br0" timeOffset="2.5017">1624 5920 24 0,'0'0'12'0,"4"-4"9"16,-4 4 7-16,5-13-23 16,-1 5 1-16,-4-4 3 15,-4-4 0-15,-5-4-11 0,0-9 0 16,-1 1 8-16,-3-1 0 0,-1-3-3 15,5-5 1-15,0 1-2 16,4 3 0-16,1 1 0 16,4 3 0-16,4 5 0 15,10-1 0-15,4 5 1 16,10 8 1-16,-1 0-2 0,10 12 1 16,13-9-1-16,0 9 1 15,-4 5-2-15,-9-1 0 16,-1 4-1-16,1 4 1 15,-5 0-5-15,0-4 1 16,0 0-7-16,-5-8 1 31,1 0-11-31,-6-8 0 0</inkml:trace>
   <inkml:trace contextRef="#ctx0" brushRef="#br0" timeOffset="3.5017">2250 5436 20 0,'0'8'10'0,"0"4"12"16,0-8-2-16,-4 9-17 16,-1 3 1-16,-4 8 4 15,0 9 0-15,0-1-9 31,-1 9 1-31,6 4 6 0,4-1 1 16,4-3-1-16,6-8 0 16,8-5-1-16,5-4 0 15,4-3-1-15,1-13 0 16,4 0-2-16,-5-16 1 16,5-12-1-16,0-5 0 15,5-11-2 1,-10 3 1-16,-9 5-1 15,-4 3 1-15,0-3-2 16,-10-1 0-16,5 1-1 16,1-9 1-16,-1 1 0 15,0-1 1-15,-9 9 0 16,0 3 0 0,0 5 1-16,0 4 0 0,-5 4-1 15,1-1 1-15,-1 5-3 16,1 4 1-16,-1 4-6 15,0 4 0-15,5 4-11 16,5 5 0-16</inkml:trace>
   <inkml:trace contextRef="#ctx0" brushRef="#br0" timeOffset="4.5017">2790 5558 25 0,'-5'-4'12'0,"5"12"2"0,0-8 4 15,0 0-14-15,5 4 1 0,4 4 3 16,4-4 1-16,1 4-10 16,9-3 1-16,4-1 6 15,5 0 1-15,0-8-3 32,5-5 1-32,4-7-3 0,-9-4 1 15,-4-9-2-15,-5 9 0 16,-5-4-1-16,-4-1 1 15,-5 1-1-15,-5-4 1 16,-8-1-1-16,-1 1 0 16,-9 3 0-16,-4 5 0 15,-5 8 0-15,-9 8 1 0,-4 12-1 16,-10 8 0-16,0 8 0 16,5 5 1-16,4 7-1 15,10 5 0-15,4 0 1 16,9-5 0-16,5 5 2 15,9-9 0-15,5 1 1 16,4 4 1 0,5-1 0-16,4 5 0 15,5-5-1-15,4-7 1 0,5-5-2 16,5-8 1-16,9-3-1 16,4-1 0-16,5-8-2 15,4-4 0-15,1-12-3 16,-10 0 1-16,0-1-8 15,-9-3 1-15,-4 0-14 0,-5 0 1 16,0 3-1-16,-9 1 0 16</inkml:trace>
@@ -2087,7 +2316,7 @@
 </inkml:ink>
 </file>
 
-<file path=ppt/ink/ink44.xml><?xml version="1.0" encoding="utf-8"?>
+<file path=ppt/ink/ink47.xml><?xml version="1.0" encoding="utf-8"?>
 <inkml:ink xmlns:inkml="http://www.w3.org/2003/InkML">
   <inkml:definitions>
     <inkml:context xml:id="ctx0">
@@ -2127,7 +2356,7 @@
 </inkml:ink>
 </file>
 
-<file path=ppt/ink/ink45.xml><?xml version="1.0" encoding="utf-8"?>
+<file path=ppt/ink/ink48.xml><?xml version="1.0" encoding="utf-8"?>
 <inkml:ink xmlns:inkml="http://www.w3.org/2003/InkML">
   <inkml:definitions>
     <inkml:context xml:id="ctx0">
@@ -2165,7 +2394,7 @@
 </inkml:ink>
 </file>
 
-<file path=ppt/ink/ink46.xml><?xml version="1.0" encoding="utf-8"?>
+<file path=ppt/ink/ink49.xml><?xml version="1.0" encoding="utf-8"?>
 <inkml:ink xmlns:inkml="http://www.w3.org/2003/InkML">
   <inkml:definitions>
     <inkml:context xml:id="ctx0">
@@ -2232,7 +2461,80 @@
 </inkml:ink>
 </file>
 
-<file path=ppt/ink/ink47.xml><?xml version="1.0" encoding="utf-8"?>
+<file path=ppt/ink/ink5.xml><?xml version="1.0" encoding="utf-8"?>
+<inkml:ink xmlns:inkml="http://www.w3.org/2003/InkML">
+  <inkml:definitions>
+    <inkml:context xml:id="ctx0">
+      <inkml:inkSource xml:id="inkSrc0">
+        <inkml:traceFormat>
+          <inkml:channel name="X" type="integer" max="9600" units="cm"/>
+          <inkml:channel name="Y" type="integer" max="7200" units="cm"/>
+          <inkml:channel name="F" type="integer" max="256" units="dev"/>
+          <inkml:channel name="T" type="integer" max="2.14748E9" units="dev"/>
+        </inkml:traceFormat>
+        <inkml:channelProperties>
+          <inkml:channelProperty channel="X" name="resolution" value="377.95276" units="1/cm"/>
+          <inkml:channelProperty channel="Y" name="resolution" value="425.28058" units="1/cm"/>
+          <inkml:channelProperty channel="F" name="resolution" value="0" units="1/dev"/>
+          <inkml:channelProperty channel="T" name="resolution" value="1" units="1/dev"/>
+        </inkml:channelProperties>
+      </inkml:inkSource>
+      <inkml:timestamp xml:id="ts0" timeString="2016-08-22T10:58:40.367"/>
+    </inkml:context>
+    <inkml:brush xml:id="br0">
+      <inkml:brushProperty name="width" value="0.05" units="cm"/>
+      <inkml:brushProperty name="height" value="0.05" units="cm"/>
+      <inkml:brushProperty name="color" value="#ED1C24"/>
+      <inkml:brushProperty name="fitToCurve" value="1"/>
+    </inkml:brush>
+  </inkml:definitions>
+  <inkml:traceGroup>
+    <inkml:annotationXML>
+      <emma:emma xmlns:emma="http://www.w3.org/2003/04/emma" version="1.0">
+        <emma:interpretation id="{DC6283D3-D4B0-40B7-9932-25EBB23AEE51}" emma:medium="tactile" emma:mode="ink">
+          <msink:context xmlns:msink="http://schemas.microsoft.com/ink/2010/main" type="writingRegion" rotatedBoundingBox="19396,6813 21909,5681 22611,7239 20098,8371"/>
+        </emma:interpretation>
+      </emma:emma>
+    </inkml:annotationXML>
+    <inkml:traceGroup>
+      <inkml:annotationXML>
+        <emma:emma xmlns:emma="http://www.w3.org/2003/04/emma" version="1.0">
+          <emma:interpretation id="{DCFCBEF0-CDD6-486C-B87E-22873E99AB20}" emma:medium="tactile" emma:mode="ink">
+            <msink:context xmlns:msink="http://schemas.microsoft.com/ink/2010/main" type="paragraph" rotatedBoundingBox="19396,6813 21909,5681 22611,7239 20098,8371" alignmentLevel="1"/>
+          </emma:interpretation>
+        </emma:emma>
+      </inkml:annotationXML>
+      <inkml:traceGroup>
+        <inkml:annotationXML>
+          <emma:emma xmlns:emma="http://www.w3.org/2003/04/emma" version="1.0">
+            <emma:interpretation id="{F9D94976-7F2F-4832-8585-B40AD17355F5}" emma:medium="tactile" emma:mode="ink">
+              <msink:context xmlns:msink="http://schemas.microsoft.com/ink/2010/main" type="line" rotatedBoundingBox="19396,6813 21909,5681 22611,7239 20098,8371"/>
+            </emma:interpretation>
+          </emma:emma>
+        </inkml:annotationXML>
+        <inkml:traceGroup>
+          <inkml:annotationXML>
+            <emma:emma xmlns:emma="http://www.w3.org/2003/04/emma" version="1.0">
+              <emma:interpretation id="{8E233F10-9849-4021-BC1C-4353DBA3B1A6}" emma:medium="tactile" emma:mode="ink">
+                <msink:context xmlns:msink="http://schemas.microsoft.com/ink/2010/main" type="inkWord" rotatedBoundingBox="19396,6813 21909,5681 22611,7239 20098,8371">
+                  <msink:destinationLink direction="with" ref="{4DC23801-F43F-408E-B5FE-3F2A208AFF71}"/>
+                </msink:context>
+              </emma:interpretation>
+            </emma:emma>
+          </inkml:annotationXML>
+          <inkml:trace contextRef="#ctx0" brushRef="#br0">4169-1467 18 0,'-30'10'9'0,"12"-20"-1"16,18 4 7-16,-5 1-10 16,-1 0 0-16,0 0 3 15,6-6 0-15,0 1-10 16,0-6 1-16,6 0 7 16,5 1 0-16,13-1-1 15,11 0 0-15,13 0-1 0,-1 1 1 16,-6 4-2-16,-6 1 1 15,1 4-1-15,-1-4 1 16,-11 10-2-16,-7 10 0 16,-11 17-1-16,-6 9 1 15,-18 11 0-15,-11 11 0 16,-18 10 0-16,-6 0 1 16,0 0-1-16,6-5 1 15,5 0-1-15,13-5 1 16,5-16 0-16,13 5 0 15,5-11-2-15,6-4 1 16,17-11-1-16,7-11 0 0,17-5-4 16,12-5 0-16,-6 0-6 15,0-5 0-15,6 0-11 16,24-6 1-16</inkml:trace>
+          <inkml:trace contextRef="#ctx0" brushRef="#br0" timeOffset="330.452">4899-1467 29 0,'-35'15'14'0,"-30"38"0"15,47-27 9-15,-5 21-21 16,-1 16 1-16,1-6 5 16,-1 11 0-16,1 1-8 15,5-17 0-15,24 6 5 0,17-17 0 16,19-9-1-16,11-27 1 15,17-15-5-15,7-17 1 16,-1-14-2-16,-5-22 1 16,0-5-1-16,-18-6 1 15,-12 6-1-15,-11 0 1 16,-19 11 1-16,-22 4 0 16,-31 11-1-16,1 11 1 15,-6 10-1-15,-12 10 0 16,0 17-1-16,6 9 1 0,0 1-5 15,12 0 0-15,5 20-10 16,19 1 0-16</inkml:trace>
+          <inkml:trace contextRef="#ctx0" brushRef="#br0" timeOffset="1111.9309">5583-1368 14 0,'-30'5'7'0,"12"11"14"0,18-16-7 16,0 10-8-16,0-4 0 15,0 9 4-15,0-4 0 16,0-1-12-16,6 6 0 0,6-16 9 16,12-16 0-16,11-10-3 15,6-5 0-15,6-16-2 16,1-6 0-16,-7 6-1 16,-6 5 0-16,-5-5 0 15,-13 21 1-15,-5 5-2 16,0 0 1-16,-12 11 0 15,0 10 0-15,-6 0-1 16,0 20 1-16,0 12-1 16,0 15 1-16,0 16-1 15,1 5 1-15,-1 5 0 16,0-10 0-16,-6 5 0 16,0-15 0-16,-5-6 0 15,-1 0 0-15,-12-10 0 16,-5-6 0-16,0-5-1 0,-1-5 1 15,7-5-1-15,-1-6 1 16,7 1-1-16,-1-6 0 16,7-5 0-16,5 0 0 15,6 0 1-15,6 0 0 16,12 0 1-16,11 5 1 16,7-5 1-16,11 5 0 15,6-10 1-15,6 0 0 16,6-5-1-16,6-1 0 15,0 1-4-15,-1-6 1 16,-5 0-9-16,0 6 1 0,-12-6-12 16,-11 0 1-16,11 11-3 15,-6-5 0-15</inkml:trace>
+          <inkml:trace contextRef="#ctx0" brushRef="#br0" timeOffset="2388.3236">5371-902 25 0,'0'-10'12'0,"11"-22"7"0,1 32 1 0,6-5-16 16,5 0 1-16,13 0 6 15,11-1 0-15,6 1-13 16,0 5 1-16,0 5 8 16,0 1 0-16,0-1-4 15,0 0 0-15,0 0-12 16,0-10 1-16,18-11-8 16,-6-5 1-16</inkml:trace>
+          <inkml:trace contextRef="#ctx0" brushRef="#br0" timeOffset="1817.2217">6307-1326 43 0,'6'-26'21'0,"12"31"-16"0,-6-10 38 16,-1 5-41-16,7-11 0 16,6-4 0-16,5-6 1 15,1-6-4-15,5-4 0 16,0-6 2-16,-5 1 1 16,-1 4-2-16,-5 11 0 15,-1 6 0-15,-5-1 1 16,-6 5-1-16,-6 1 0 15,-6 10 0-15,-6 10 0 16,0 6 0-16,0 5 0 0,0 0 0 16,0 10 0-16,6 1 0 15,0 10 1 1,0 36 0 0,0-10 0-16,0 1-1 15,6-12 1-15,0-10 0 16,0-5 0-16,-6-5-1 15,0-6 0-15,0-10 1 16,-6 0 0-16,-6-10-1 16,-5 4 0-16,-7-4 0 15,0-1 1-15,-5 1-1 16,0 4 1-16,-1-9-1 16,1 4 0-16,5-5 0 15,0 1 0-15,1-12 1 16,5 6 1-16,6-5 0 15,7 0 0-15,-1-6 1 0,6 11 0 16,11-10 0-16,13 5 1 16,5 5-1-16,13-5 1 15,11-1 0-15,6 1 0 16,0 0-1-16,11-6 1 16,1 6-1-16,-6 0 1 15,-6 0-7-15,0-1 1 16,-12 1-10-16,-12-5 0 15,0-1-11-15,-5-5 1 16</inkml:trace>
+        </inkml:traceGroup>
+      </inkml:traceGroup>
+    </inkml:traceGroup>
+  </inkml:traceGroup>
+</inkml:ink>
+</file>
+
+<file path=ppt/ink/ink50.xml><?xml version="1.0" encoding="utf-8"?>
 <inkml:ink xmlns:inkml="http://www.w3.org/2003/InkML">
   <inkml:definitions>
     <inkml:context xml:id="ctx0">
@@ -2263,7 +2565,7 @@
 </inkml:ink>
 </file>
 
-<file path=ppt/ink/ink48.xml><?xml version="1.0" encoding="utf-8"?>
+<file path=ppt/ink/ink51.xml><?xml version="1.0" encoding="utf-8"?>
 <inkml:ink xmlns:inkml="http://www.w3.org/2003/InkML">
   <inkml:definitions>
     <inkml:context xml:id="ctx0">
@@ -2303,7 +2605,7 @@
 </inkml:ink>
 </file>
 
-<file path=ppt/ink/ink49.xml><?xml version="1.0" encoding="utf-8"?>
+<file path=ppt/ink/ink52.xml><?xml version="1.0" encoding="utf-8"?>
 <inkml:ink xmlns:inkml="http://www.w3.org/2003/InkML">
   <inkml:definitions>
     <inkml:context xml:id="ctx0">
@@ -2341,104 +2643,7 @@
 </inkml:ink>
 </file>
 
-<file path=ppt/ink/ink5.xml><?xml version="1.0" encoding="utf-8"?>
-<inkml:ink xmlns:inkml="http://www.w3.org/2003/InkML">
-  <inkml:definitions>
-    <inkml:context xml:id="ctx0">
-      <inkml:inkSource xml:id="inkSrc0">
-        <inkml:traceFormat>
-          <inkml:channel name="X" type="integer" max="9600" units="cm"/>
-          <inkml:channel name="Y" type="integer" max="7200" units="cm"/>
-          <inkml:channel name="T" type="integer" max="2.14748E9" units="dev"/>
-        </inkml:traceFormat>
-        <inkml:channelProperties>
-          <inkml:channelProperty channel="X" name="resolution" value="377.95276" units="1/cm"/>
-          <inkml:channelProperty channel="Y" name="resolution" value="425.28058" units="1/cm"/>
-          <inkml:channelProperty channel="T" name="resolution" value="1" units="1/dev"/>
-        </inkml:channelProperties>
-      </inkml:inkSource>
-      <inkml:timestamp xml:id="ts0" timeString="2016-08-22T10:59:36.851"/>
-    </inkml:context>
-    <inkml:brush xml:id="br0">
-      <inkml:brushProperty name="width" value="0.05" units="cm"/>
-      <inkml:brushProperty name="height" value="0.05" units="cm"/>
-      <inkml:brushProperty name="color" value="#ED1C24"/>
-      <inkml:brushProperty name="fitToCurve" value="1"/>
-    </inkml:brush>
-    <inkml:context xml:id="ctx1">
-      <inkml:inkSource xml:id="inkSrc1">
-        <inkml:traceFormat>
-          <inkml:channel name="X" type="integer" max="9600" units="cm"/>
-          <inkml:channel name="Y" type="integer" max="7200" units="cm"/>
-          <inkml:channel name="F" type="integer" max="256" units="dev"/>
-          <inkml:channel name="T" type="integer" max="2.14748E9" units="dev"/>
-        </inkml:traceFormat>
-        <inkml:channelProperties>
-          <inkml:channelProperty channel="X" name="resolution" value="377.95276" units="1/cm"/>
-          <inkml:channelProperty channel="Y" name="resolution" value="425.28058" units="1/cm"/>
-          <inkml:channelProperty channel="F" name="resolution" value="0" units="1/dev"/>
-          <inkml:channelProperty channel="T" name="resolution" value="1" units="1/dev"/>
-        </inkml:channelProperties>
-      </inkml:inkSource>
-      <inkml:timestamp xml:id="ts1" timeString="2016-08-22T11:01:05.907"/>
-    </inkml:context>
-  </inkml:definitions>
-  <inkml:traceGroup>
-    <inkml:annotationXML>
-      <emma:emma xmlns:emma="http://www.w3.org/2003/04/emma" version="1.0">
-        <emma:interpretation id="{DD159C15-9E67-4877-940A-AA46A17FC66C}" emma:medium="tactile" emma:mode="ink">
-          <msink:context xmlns:msink="http://schemas.microsoft.com/ink/2010/main" type="writingRegion" rotatedBoundingBox="26234,9122 33353,14038 30665,17929 23547,13014"/>
-        </emma:interpretation>
-      </emma:emma>
-    </inkml:annotationXML>
-    <inkml:traceGroup>
-      <inkml:annotationXML>
-        <emma:emma xmlns:emma="http://www.w3.org/2003/04/emma" version="1.0">
-          <emma:interpretation id="{72C5644C-C7A9-496C-9A7D-D8FD6E4B8330}" emma:medium="tactile" emma:mode="ink">
-            <msink:context xmlns:msink="http://schemas.microsoft.com/ink/2010/main" type="paragraph" rotatedBoundingBox="26234,9122 33353,14038 30665,17929 23547,13014" alignmentLevel="1"/>
-          </emma:interpretation>
-        </emma:emma>
-      </inkml:annotationXML>
-      <inkml:traceGroup>
-        <inkml:annotationXML>
-          <emma:emma xmlns:emma="http://www.w3.org/2003/04/emma" version="1.0">
-            <emma:interpretation id="{794807C5-2808-4A65-B154-789199650714}" emma:medium="tactile" emma:mode="ink">
-              <msink:context xmlns:msink="http://schemas.microsoft.com/ink/2010/main" type="line" rotatedBoundingBox="26234,9122 33353,14038 30665,17929 23547,13014"/>
-            </emma:interpretation>
-          </emma:emma>
-        </inkml:annotationXML>
-        <inkml:traceGroup>
-          <inkml:annotationXML>
-            <emma:emma xmlns:emma="http://www.w3.org/2003/04/emma" version="1.0">
-              <emma:interpretation id="{321827DC-9D9C-41BB-9D7B-9278387DE784}" emma:medium="tactile" emma:mode="ink">
-                <msink:context xmlns:msink="http://schemas.microsoft.com/ink/2010/main" type="inkWord" rotatedBoundingBox="26234,9122 30986,12403 28371,16191 23619,12909"/>
-              </emma:interpretation>
-            </emma:emma>
-          </inkml:annotationXML>
-          <inkml:trace contextRef="#ctx0" brushRef="#br0">0 0 0,'0'0'0,"0"0"16,0 0-16,0 0 15,0 0 1,0 0-16</inkml:trace>
-          <inkml:trace contextRef="#ctx1" brushRef="#br0">2056 791 41 0,'30'-32'20'0,"11"-4"-19"15,-35 25 21-15,0-4-22 16,-6 4 1-16,-6 1 2 16,-12-1 0-16,-11 1-2 15,-7-1 1-15,-5 11 3 16,-6 0 0-16,-6-5 1 16,-12 10 0-16,-5-5-1 15,-7 11 1-15,-11-6-2 16,-13 11 0-16,-11 5-1 15,1 10 0-15,4 0-1 0,-10 6 0 16,5 0 0-16,6-6 1 16,5 1-1-16,1-1 1 15,6 6-1-15,0 5 1 16,11-1-1-16,1 7 0 16,11-6-1-16,12-1 0 15,6 7-1-15,0-1 1 0,6-5 0 16,12 5 0-16,-1 0 0 15,7 0 1-15,5 0-1 16,12-5 0-16,7 0 0 16,5 0 0-16,5 0-1 15,13 0 0-15,0-1 0 16,-6-4 1-16,11 0-1 16,1-1 1-16,11 1 0 15,6-5 0-15,12-1 0 16,6 6 1-16,0-11-1 15,6-5 0-15,6-6 0 16,5 1 1-16,1-11-1 16,5 1 0-16,-11-1-1 15,0-5 1-15,-1-5 0 16,13-1 0-16,-1 1-1 16,1 0 0-16,-1-6 0 15,1 6 1-15,-1 0-1 16,7 0 1-16,-1 0-1 0,-17-6 0 15,0 1 0-15,5-6 1 16,7 5-1-16,-1-10 1 16,6 11-1-16,1 0 0 15,-13-1 0-15,-5-5 1 16,12 1-1-16,-13-1 1 16,1 0-1-16,-6-5 1 15,-12 0-1-15,0-10 1 16,0-1-1-16,-6 1 1 0,0 5-1 15,0 5 1-15,-5-5-1 16,-1 0 1-16,-6-11 0 16,-5 0 0-16,-7-10-1 15,-5 0 1-15,-6 5-1 16,-6-10 1-16,-6 5 0 16,-12-1 0-16,-6 1-1 15,-11 5 0-15,-7 0 0 16,7 11 1-16,-12-6 0 15,-7 1 0-15,-5-1-1 16,-6 0 1-16,1 6-1 16,-7 5 1-16,-18 5-1 15,-17 10 0-15,-18 11-2 16,-5 16 1-16,-37 5-6 16,-16 10 1-16,-7 17-10 15,18-1 0-15,24-5-10 16,-1 5 0-16</inkml:trace>
-          <inkml:trace contextRef="#ctx1" brushRef="#br0" timeOffset="885.7889">2263 2053 30 0,'-18'-21'15'0,"6"-47"-15"0,6 58 15 0,0-1-15 16,-11 1 0-16,-1-6 0 16,0 0 1-16,1 0 0 15,-1 1 1-15,0 4 2 16,6 6 0-16,1 5 2 15,5 5 1-15,6 6 0 16,6 4 0-16,5 1-1 16,13 5 0-16,5 5-2 15,13 21 1-15,11 6-1 16,6 10 0-16,17 15-1 16,-5 6 1-16,11 21 0 15,19 10 0-15,11 16-1 16,5 10 0-16,1 11 0 15,0 5 0-15,-6 0-1 0,-12-5 0 16,-6-5 0-16,-5-11 1 16,-1-10-1-16,6-6 1 15,-17-10-1-15,-12-26 0 16,-12-11-3-16,-12-10 1 16,-6-16-6-16,-11-10 1 15,-6-11-15-15,-18 0 1 16,-12-15-3-16,-6-32 0 15</inkml:trace>
-        </inkml:traceGroup>
-        <inkml:traceGroup>
-          <inkml:annotationXML>
-            <emma:emma xmlns:emma="http://www.w3.org/2003/04/emma" version="1.0">
-              <emma:interpretation id="{D44520DF-C685-4175-8946-07608097453C}" emma:medium="tactile" emma:mode="ink">
-                <msink:context xmlns:msink="http://schemas.microsoft.com/ink/2010/main" type="inkWord" rotatedBoundingBox="30002,14580 32017,15972 30665,17929 28650,16538"/>
-              </emma:interpretation>
-            </emma:emma>
-          </inkml:annotationXML>
-          <inkml:trace contextRef="#ctx1" brushRef="#br0" timeOffset="2252.2167">4389 4609 38 0,'-17'0'19'0,"5"-6"-8"15,12 6 20-15,0 0-27 16,0 0 1-16,0 0 3 16,0 0 0-16,6-10-10 15,0 0 1-15,6-6 7 16,5 0 0-16,13-5-2 15,-7-5 1-15,7 5-2 16,11-5 1-16,0 10-1 16,6 0 0-16,6 6-1 0,0 5 0 15,0-1 0-15,-5-4 0 16,-13 10 0-16,0 5 0 16,-11 11 0-16,-12 10 0 15,-12 16 0-15,-12 5 0 16,-12-5-1-16,-17 0 1 15,-6 21-2-15,0 0 1 16,0-6-1-16,-1 6 0 0,1-11-1 16,0 1 1-16,0-1-1 15,0-10 1-15,12-5 0 16,11-6 0-16,0 11-1 16,7-10 1-16,11-1 0 15,6 0 1-15,12 1 1 16,11-6 0-16,7-10 0 15,5-11 1-15,24-5 0 16,18-5 1-16,17-11-2 16,0-5 1-16,6-16-2 15,0 11 0-15,-5-5-5 16,-19-6 1-16,-11 0-10 16,-18 11 0-16,0 0-12 15,-11 10 1-15,-19 1-1 16,-17 15 0-16</inkml:trace>
-          <inkml:trace contextRef="#ctx1" brushRef="#br0" timeOffset="2701.8553">5532 4661 49 0,'-5'-26'24'0,"-13"15"-23"0,6 11 48 0,12 6-47 15,-6 9 0-15,0 6 2 16,0 16 0-16,6 21-5 16,0 10 1-16,-5 0 3 15,5 16 1-15,0-16-1 16,0-11 0-16,11-10-1 15,19-15 1-15,17-22 0 16,18-20 0-16,11-22-2 16,1-20 1-16,-6-21-1 15,-7-6 1-15,-5-10-1 16,-12 0 0-16,-17 11 0 16,-18 4 0-16,-18 1 0 15,-12 21 0-15,-17 4-1 16,-18 22 1-16,-6 10-1 15,-12 16 0-15,6 6-3 16,6 15 1-16,12 10-7 0,0 16 0 16,6-5-11-16,11-5 0 15,13-1-1-15,23 1 0 16</inkml:trace>
-          <inkml:trace contextRef="#ctx1" brushRef="#br0" timeOffset="3003.245">6340 4331 47 0,'-12'-10'23'0,"30"-22"-16"16,-18 43 45-16,0 4-47 15,0 12 0-15,-6 15 5 16,-6 20 0-16,0 17-12 16,0 10 1-16,0 5 7 15,-5-5 1-15,-1-5-5 16,0 0 0-16,7-11-8 16,5-26 1-16,6-10-10 15,12-21 0-15,11-16-8 16,1-21 1-16</inkml:trace>
-          <inkml:trace contextRef="#ctx1" brushRef="#br0" timeOffset="3602.022">6746 4389 47 0,'-12'-32'23'0,"18"-10"-18"0,0 32 37 0,12-6-37 16,0 1 0-16,5-6 4 15,7 0 1-15,5 10-12 16,6 6 0-16,6 10 7 15,-11 11 0-15,11 0-3 16,-12 15 1-16,0-5-2 16,-11 6 0-16,-12 10-1 15,-18 5 0-15,-12 5 0 16,-11-5 1 0,-24-10-2-1,0-6 0-15,11-10 0 16,7-10 0-16,17-6-1 15,18-10 1-15,0-6-1 16,12 1 0-16,6-1 1 16,5 1 1-16,7 10 0 0,5 5 0 15,12 11 0-15,-11-1 1 16,5 6 0-16,-12 11 1 16,-17 4 0-16,0 6 0 15,-12 5 1-15,-24 1 0 16,-17-6 0-16,-12 5 0 15,-23 10 1-15,-7 6 1 16,-5-11-3-16,5-4 0 16,13-17-3-16,5-10 0 15,18-16-7-15,11-10 1 0,19-21-16 16,28-6 0-16,13-20 1 16,11-11 0-16</inkml:trace>
-        </inkml:traceGroup>
-      </inkml:traceGroup>
-    </inkml:traceGroup>
-  </inkml:traceGroup>
-</inkml:ink>
-</file>
-
-<file path=ppt/ink/ink50.xml><?xml version="1.0" encoding="utf-8"?>
+<file path=ppt/ink/ink53.xml><?xml version="1.0" encoding="utf-8"?>
 <inkml:ink xmlns:inkml="http://www.w3.org/2003/InkML">
   <inkml:definitions>
     <inkml:context xml:id="ctx0">
@@ -2476,7 +2681,7 @@
 </inkml:ink>
 </file>
 
-<file path=ppt/ink/ink51.xml><?xml version="1.0" encoding="utf-8"?>
+<file path=ppt/ink/ink54.xml><?xml version="1.0" encoding="utf-8"?>
 <inkml:ink xmlns:inkml="http://www.w3.org/2003/InkML">
   <inkml:definitions>
     <inkml:context xml:id="ctx0">
@@ -2516,7 +2721,7 @@
 </inkml:ink>
 </file>
 
-<file path=ppt/ink/ink52.xml><?xml version="1.0" encoding="utf-8"?>
+<file path=ppt/ink/ink55.xml><?xml version="1.0" encoding="utf-8"?>
 <inkml:ink xmlns:inkml="http://www.w3.org/2003/InkML">
   <inkml:definitions>
     <inkml:context xml:id="ctx0">
@@ -2549,7 +2754,7 @@
 </inkml:ink>
 </file>
 
-<file path=ppt/ink/ink53.xml><?xml version="1.0" encoding="utf-8"?>
+<file path=ppt/ink/ink56.xml><?xml version="1.0" encoding="utf-8"?>
 <inkml:ink xmlns:inkml="http://www.w3.org/2003/InkML">
   <inkml:definitions>
     <inkml:context xml:id="ctx0">
@@ -2582,7 +2787,7 @@
 </inkml:ink>
 </file>
 
-<file path=ppt/ink/ink54.xml><?xml version="1.0" encoding="utf-8"?>
+<file path=ppt/ink/ink57.xml><?xml version="1.0" encoding="utf-8"?>
 <inkml:ink xmlns:inkml="http://www.w3.org/2003/InkML">
   <inkml:definitions>
     <inkml:context xml:id="ctx0">
@@ -2615,7 +2820,7 @@
 </inkml:ink>
 </file>
 
-<file path=ppt/ink/ink55.xml><?xml version="1.0" encoding="utf-8"?>
+<file path=ppt/ink/ink58.xml><?xml version="1.0" encoding="utf-8"?>
 <inkml:ink xmlns:inkml="http://www.w3.org/2003/InkML">
   <inkml:definitions>
     <inkml:context xml:id="ctx0">
@@ -2710,7 +2915,7 @@
           <inkml:trace contextRef="#ctx0" brushRef="#br0" timeOffset="1975.5913">2792 2062 54 0,'-24'-5'27'0,"42"-1"-20"16,-6 28 40 0,0 15-41-16,0 22 1 15,0 21 1-15,0 11 1 16,7 5-14-16,5 1 1 15,6-6-2-15,6-17 0 0,6-20-14 16,-6-33 1-16</inkml:trace>
           <inkml:trace contextRef="#ctx0" brushRef="#br0" timeOffset="2595.9618">3604 3014 26 0,'-6'11'13'0,"-12"-17"11"0,18-4 2 0,0-12-20 16,-6-15 1-16,0-22 3 15,0-27 1-15,-6-15-14 0,6-11 1 16,-6-11 9-16,0 5 0 16,6 0-3-16,6 22 1 15,0 16-2-15,6 21 1 32,6 27-1-32,12 32 0 0,-6 11-2 15,12 42 0-15,13 33 0 16,17 21 0-16,6-6-1 15,6-5 1-15,-6-15-1 16,-6-23 1-16,-11-25 1 16,-7-17 0-16,-12-43 1 15,-6-27 0-15,-6-15-1 0,-6-27 0 16,0 5 0-16,-6-16 0 16,-6 0-4-16,0 27 1 0,0-33-6 15,6 12 0-15,0 20-7 16,6 33 1-16,12 27-9 15,12 37 0-15</inkml:trace>
           <inkml:trace contextRef="#ctx0" brushRef="#br0" timeOffset="2883.6811">4681 2661 55 0,'-18'5'27'0,"12"-74"-35"0,6 26 44 0,0-5-36 15,0-27 1-15,0 0 2 16,0 11 0-16,0-43-2 16,0 6 0-16,6 4 4 0,0 12 0 15,12 10 0-15,-6 16 1 16,6 27-2-16,12 27 1 16,13 10-2-16,5 22 0 15,12 26-2 1,12-5 0-16,12 22-1 15,13-6 1-15,-19-5-3 16,-12-6 1-16,-12-5-4 16,-12-5 1-16,-6-16-9 15,-12-6 0-15,-18-10-7 16,-6-11 1-16</inkml:trace>
-          <inkml:trace contextRef="#ctx0" brushRef="#br0" timeOffset="3079.768">4591 2035 55 0,'-12'11'27'0,"6"-27"-23"16,6 16 47-16,12 5-48 31,12-10 1-31,24-6-1 0,24-5 1 16,7 0-13-16,-1 0 1 15,12 0-8-15,0 5 0 16,13 1-3-16,-7-1 0 15</inkml:trace>
+          <inkml:trace contextRef="#ctx0" brushRef="#br0" timeOffset="3079.7679">4591 2035 55 0,'-12'11'27'0,"6"-27"-23"16,6 16 47-16,12 5-48 31,12-10 1-31,24-6-1 0,24-5 1 16,7 0-13-16,-1 0 1 15,12 0-8-15,0 5 0 16,13 1-3-16,-7-1 0 15</inkml:trace>
           <inkml:trace contextRef="#ctx0" brushRef="#br0" timeOffset="3447.0992">5391 1490 58 0,'-18'-27'29'0,"54"-32"-30"0,-18 43 54 16,0-5-49-16,12-6 1 15,6-5 0-15,25-21 1 16,5 15-10-16,0 6 1 16,0 5 0-16,0 11 1 0,-12 6-10 15,-5 20 0-15,-13 1-8 16,-12 16 0-16</inkml:trace>
           <inkml:trace contextRef="#ctx0" brushRef="#br0" timeOffset="3647.4158">5493 1709 65 0,'18'0'32'0,"49"-27"-34"16,-37 11 60-16,18-5-57 15,12-6 0-15,6-5-3 16,0 5 1-16,-6 6-5 16,-5 5 1-16,-7 5-9 0,0 6 1 15,-12 10-7-15,6 11 1 16</inkml:trace>
           <inkml:trace contextRef="#ctx0" brushRef="#br0" timeOffset="3847.7495">5620 2174 60 0,'-6'27'30'0,"72"-48"-24"16,-36 10 56-16,18-5-56 16,12-16 0-16,6 11 2 15,13-12 1-15,5 1-14 0,0 0 0 16,-18 6 1-16,-6 4 1 0,1 1-19 15,5 5 0-15,6 5-2 16,-12-32 1-16</inkml:trace>
@@ -2740,7 +2945,7 @@
           <inkml:channelProperty channel="T" name="resolution" value="1" units="1/dev"/>
         </inkml:channelProperties>
       </inkml:inkSource>
-      <inkml:timestamp xml:id="ts0" timeString="2016-08-22T11:01:22.346"/>
+      <inkml:timestamp xml:id="ts0" timeString="2016-08-22T10:58:38.551"/>
     </inkml:context>
     <inkml:brush xml:id="br0">
       <inkml:brushProperty name="width" value="0.05" units="cm"/>
@@ -2752,12 +2957,14 @@
   <inkml:traceGroup>
     <inkml:annotationXML>
       <emma:emma xmlns:emma="http://www.w3.org/2003/04/emma" version="1.0">
-        <emma:interpretation id="{7F4D8B83-9E4A-422C-B4D7-83C57EA8F2F9}" emma:medium="tactile" emma:mode="ink">
-          <msink:context xmlns:msink="http://schemas.microsoft.com/ink/2010/main" type="inkDrawing" rotatedBoundingBox="22814,4449 27273,4739 27150,6639 22691,6349" hotPoints="27230,5715 24818,6421 22528,5388 24939,4681" semanticType="enclosure" shapeName="Ellipse"/>
+        <emma:interpretation id="{02228860-67EB-4C99-BD70-78154B12D0C8}" emma:medium="tactile" emma:mode="ink">
+          <msink:context xmlns:msink="http://schemas.microsoft.com/ink/2010/main" type="inkDrawing" rotatedBoundingBox="15477,8387 19426,8181 19541,10372 15591,10578" hotPoints="19767,9015 17980,10358 15872,9612 17659,8269" semanticType="enclosure" shapeName="Ellipse">
+            <msink:destinationLink direction="with" ref="{4DC23801-F43F-408E-B5FE-3F2A208AFF71}"/>
+          </msink:context>
         </emma:interpretation>
       </emma:emma>
     </inkml:annotationXML>
-    <inkml:trace contextRef="#ctx0" brushRef="#br0">1769 399 31 0,'23'-5'15'0,"24"-58"-10"16,-23 37 16-16,5-5-21 16,1 10 0-16,-1-5 0 15,1-1 0-15,-7-4 2 16,-5 10 0-16,-6-5 3 15,-12 5 1-15,-6 5 1 16,-12 0 0-16,-11 1 2 16,-7-1 0-16,-11 0-1 15,-12 6 0-15,-17-1-2 16,-7 11 1-16,-17 6-2 16,-18 9 0-16,0 6-2 0,1 0 1 15,-7 5-2-15,0-5 1 16,6 5-1-16,0 6 0 15,7 5 0-15,4 4 1 16,7 7-1-16,18-12 0 16,5 6 0-16,18-5 1 15,6 20-1-15,12-9 0 16,6-7-1-16,5 1 0 16,7 0-1-16,11 0 1 15,6 0-1-15,-6 0 0 0,12 0 0 16,12 10 1-16,6-5-1 15,11 6 0-15,12 4 1 16,6 6 0-16,7 5 0 16,4-10 1-16,7 5-1 15,0 5 1-15,6-5-1 16,11-1 1-16,-11-4-1 16,0-6 0-16,5-10-1 15,7 0 1-15,11-5-1 16,12 0 1-16,0-1 0 15,12-4 0-15,6-1-1 16,-24 0 1-16,6-10-1 16,6-5 1-16,12 0 0 15,-1-11 0-15,1-10-1 16,11 5 1-16,-11-11-1 16,-6-10 1-16,6 6-1 15,5-6 0-15,-5 0 0 0,-6 0 0 16,17 0 0-16,-17 0 0 31,35-16 0-31,-5 1 1 16,-13-11-1-16,-5-1 0 15,-12 1 0-15,-12 0 0 16,-12 0 0-16,-6-5 1 16,-11-1-1-16,-12 1 1 15,-12 5-1-15,-12 0 1 0,-17-6-1 16,-7 1 0-16,-11-6 0 15,-12-10 1-15,-11 0-1 16,-13-5 0-16,-5 5 0 16,0 5 0-16,-18-5 0 15,-18 0 0-15,-18 5 0 16,-17 0 0-16,0 5 0 16,-23 11 0-16,-13-5 0 15,-11 10 0-15,0 11 0 16,12-1 0-16,-24 6 0 15,-12 10 0-15,-12 21-2 16,-5 6 1-16,-12 26-8 16,-12 15 0-16,-12 0-15 15,12 11 1-15</inkml:trace>
+    <inkml:trace contextRef="#ctx0" brushRef="#br0">533 1287 28 0,'-29'-5'14'0,"-24"21"-1"0,41-16 14 16,-6 0-21-16,-5 0 0 15,-7-5 4-15,1-6 0 16,-1-5-11-16,7-5 0 16,-1-5 9-16,7 0 1 15,5-11-3-15,6-5 0 16,12-10-1-16,0 15 1 16,17-20-3-16,13-1 1 0,11-10-2 15,12-10 1-15,6 4-2 16,5 6 1-16,-5 0-1 15,6 0 0-15,17 0-1 16,12 16 1-16,6-1 0 16,24 6 0-16,0 0 0 15,-13 0 1-15,1 5-1 16,6 10 0-16,0 6 0 16,-6 0 0-16,17 5-1 15,1 11 1-15,-13-1 0 16,1 6 1-16,12 10-1 15,-1 6 1-15,12 4 0 16,1 12 0-16,-13-1 0 16,-23 5 0-16,-6 6-1 15,-6 10 0-15,0 16-1 0,1 0 1 16,-13 10-1-16,-11 11 1 16,-13 0-1-16,-5-1 1 15,-12 12-1-15,-11-17 1 16,-19-5-1-16,-11 6 0 15,-17 5 0-15,-19-6 1 16,-11 11-1-16,-18-5 1 16,0 5-1-16,-6-5 1 15,-23-5-1-15,-24-1 1 16,-12 11-1-16,-23-21 0 16,6 6 0-16,-30-1 1 0,-6 0-2 15,-23-5 1-15,11-15 0 16,6-11 0-16,-5-6 0 15,-24-25 0-15,0-27 0 16,5-31 0-16,-16-32 0 16,-1-15 0-16,17-21 0 15,25-16 0-15,35-10-1 16,29-1 0-16,12 1 0 16,29-1 0-16,36-10-5 15,17 11 1-15,36 0-17 16,53 15 0-16,35 0-3 15,30 6 0-15</inkml:trace>
   </inkml:traceGroup>
 </inkml:ink>
 </file>
@@ -2780,7 +2987,7 @@
           <inkml:channelProperty channel="T" name="resolution" value="1" units="1/dev"/>
         </inkml:channelProperties>
       </inkml:inkSource>
-      <inkml:timestamp xml:id="ts0" timeString="2016-08-22T11:01:23.428"/>
+      <inkml:timestamp xml:id="ts0" timeString="2016-08-22T10:58:39.616"/>
     </inkml:context>
     <inkml:brush xml:id="br0">
       <inkml:brushProperty name="width" value="0.05" units="cm"/>
@@ -2792,43 +2999,15 @@
   <inkml:traceGroup>
     <inkml:annotationXML>
       <emma:emma xmlns:emma="http://www.w3.org/2003/04/emma" version="1.0">
-        <emma:interpretation id="{1DC96DE7-8074-470D-A7DE-C325AAD645BC}" emma:medium="tactile" emma:mode="ink">
-          <msink:context xmlns:msink="http://schemas.microsoft.com/ink/2010/main" type="writingRegion" rotatedBoundingBox="26504,3720 32144,2277 32537,3816 26897,5259"/>
+        <emma:interpretation id="{4DC23801-F43F-408E-B5FE-3F2A208AFF71}" emma:medium="tactile" emma:mode="ink">
+          <msink:context xmlns:msink="http://schemas.microsoft.com/ink/2010/main" type="inkDrawing" rotatedBoundingBox="18389,8440 19231,6992 19300,7032 18458,8480" semanticType="callout" shapeName="Other">
+            <msink:sourceLink direction="with" ref="{02228860-67EB-4C99-BD70-78154B12D0C8}"/>
+            <msink:sourceLink direction="with" ref="{8E233F10-9849-4021-BC1C-4353DBA3B1A6}"/>
+          </msink:context>
         </emma:interpretation>
       </emma:emma>
     </inkml:annotationXML>
-    <inkml:traceGroup>
-      <inkml:annotationXML>
-        <emma:emma xmlns:emma="http://www.w3.org/2003/04/emma" version="1.0">
-          <emma:interpretation id="{72B249E9-C923-4C72-A272-DA368CB116C5}" emma:medium="tactile" emma:mode="ink">
-            <msink:context xmlns:msink="http://schemas.microsoft.com/ink/2010/main" type="paragraph" rotatedBoundingBox="26504,3720 32144,2277 32537,3816 26897,5259" alignmentLevel="1"/>
-          </emma:interpretation>
-        </emma:emma>
-      </inkml:annotationXML>
-      <inkml:traceGroup>
-        <inkml:annotationXML>
-          <emma:emma xmlns:emma="http://www.w3.org/2003/04/emma" version="1.0">
-            <emma:interpretation id="{073B046B-B641-47CA-B14C-A3ED396CD0A8}" emma:medium="tactile" emma:mode="ink">
-              <msink:context xmlns:msink="http://schemas.microsoft.com/ink/2010/main" type="line" rotatedBoundingBox="26504,3720 32144,2277 32537,3816 26897,5259"/>
-            </emma:interpretation>
-          </emma:emma>
-        </inkml:annotationXML>
-        <inkml:traceGroup>
-          <inkml:annotationXML>
-            <emma:emma xmlns:emma="http://www.w3.org/2003/04/emma" version="1.0">
-              <emma:interpretation id="{F4838949-E02D-424A-8A86-58496F75A320}" emma:medium="tactile" emma:mode="ink">
-                <msink:context xmlns:msink="http://schemas.microsoft.com/ink/2010/main" type="inkWord" rotatedBoundingBox="26504,3720 32144,2277 32537,3816 26897,5259"/>
-              </emma:interpretation>
-            </emma:emma>
-          </inkml:annotationXML>
-          <inkml:trace contextRef="#ctx0" brushRef="#br0">436 678 40 0,'-11'0'20'0,"11"0"-20"16,-6 5 21-16,-12 6-24 15,-6 4 0-15,-5 6-4 16,5 0 0-16,-5 0 8 15,5 0 0-15,-5 5-2 0,5-5 1 16,1 5 3-16,-1 6 1 16,1 10 4-16,-1-6 0 15,-5 6 0-15,-1-5 1 16,7 0-3-16,-1-11 1 16,12-5-3-16,6-11 1 15,6-10 0-15,24-21 0 16,17-10 0-16,-11 5 1 0,46-42 0 15,24-1 0-15,30-30-1 16,23-6 1-16,18 0-3 16,-24-5 1-16,-11-5-1 15,-7 26 0-15,-17 11-1 16,-17 15 1-16,-13 10-2 16,-23 12 0-16,-12 9-1 15,-11 11 0-15,-13 5-11 16,-17 6 1-16,-6 5-14 15,-18 10 1-15</inkml:trace>
-          <inkml:trace contextRef="#ctx0" brushRef="#br0" timeOffset="1336.0207">2139-673 30 0,'-18'15'15'0,"-23"-62"-4"0,29 32 15 15,6 9-24-15,1-9 0 16,5-22 3-16,11 6 1 15,7-6-6-15,17 0 1 16,-5 1 3-16,5-1 1 0,6 0-1 16,12 6 1-16,-5 10-3 15,-1 10 1-15,-6 11-2 16,-6 11 1-16,1 5-1 16,-7 4 0-16,-5 1-1 15,-13 11 1-15,-11 15 0 16,-11 11 1-16,-19-1-2 15,-5 1 1-15,-6-6 0 16,-7 16 0-16,-5 0 0 16,-5-10 0-16,-7-6-1 15,12-10 1-15,11 0-1 16,7-5 0-16,12-1 0 16,5 1 0-16,12-5 1 15,18-6 0-15,17 0 0 16,12 0 1-16,1 0 1 15,5-5 0-15,18 0 0 0,-1-5 1 16,7-6-2-16,-6 1 1 16,0-6-2-16,-6-5 1 15,-6-10-6-15,-6-6 1 16,-12-5-10-16,-5-5 0 16,-19 15-8-16,-16 6 1 15</inkml:trace>
-          <inkml:trace contextRef="#ctx0" brushRef="#br0" timeOffset="1786.1284">3170-815 31 0,'0'-68'15'0,"12"47"-4"15,-12 11 15-15,0 10-23 16,0 0 0-16,-6 10 2 16,-6 1 1-16,-11 15-7 15,-1 21 0-15,-5 11 5 16,-7 10 1-16,7 5-2 16,-1 11 1-16,19-11-1 15,5 0 0-15,17-4-1 16,25-12 0-16,-1-20 0 15,12-16 0-15,6-21-1 16,12-11 1-16,18-15-1 0,-7-16 1 16,-11-10 0-16,-6-1 0 31,-24-57 0-31,-23 16 1 16,-24 10-1-16,-11 11 0 15,-19 10 0-15,-11 16 0 16,6 10-2-16,0 17 1 15,-12 9-4-15,-6 11 1 16,12 11-6-16,12 9 1 16,12 22-12-16,11 6 1 15</inkml:trace>
-          <inkml:trace contextRef="#ctx0" brushRef="#br0" timeOffset="2536.8672">3583-574 30 0,'-12'0'15'0,"29"21"-3"0,-5-21 9 15,12-5-19-15,11-6 0 16,18-10 0-16,12-15 1 15,0-17-4-15,-12 6 0 16,0 0 3-16,-18 5 0 16,-5 0-1-16,-7 0 0 15,-5 6 1-15,-6 4 1 0,-6 6-1 16,5 5 0-16,1 11-1 16,-6 20 1-16,-6 6 0 15,0 21 0-15,0 15-1 16,0 16 0-16,-6 5-1 15,6 6 1-15,0 0 0 16,-6-1 0-16,-11-10-1 16,-1-5 1-16,0-5 0 15,-11-6 0-15,-7-10-1 16,1-11 1-16,-6-10-1 16,0-5 1-16,-1-11-1 15,1-5 1-15,6-10-1 16,5-1 0-16,7-4 0 15,5-1 0-15,6 0 0 16,12 16 1-16,6-5 1 16,12 0 0-16,5-1 2 0,19 1 1 15,5 5 1-15,23 0 0 16,-5 0-1-16,-18 0 1 16,24 0-1-16,-12-5 1 15,6 0-4-15,0 5 0 16,-1-6-4-16,-5-4 1 15,0 0-7-15,-6-6 1 16,-11 5-14-16,-13 11 1 16,18-10-1-16,-12-11 0 15</inkml:trace>
-          <inkml:trace contextRef="#ctx0" brushRef="#br0" timeOffset="3418.3803">5503-830 19 0,'-17'-6'9'0,"-1"22"-1"0,0-16 9 16,12 5-15-16,-11 1 0 15,-1-12 5-15,-6-4 0 16,18-6-7-16,-5 6 1 16,-1-1 4-16,0 1 1 15,0-1 0-15,-5 1 0 16,-13 10-1-16,7-6 0 0,-13 1-2 16,-5 0 1-16,12 0-1 15,-7 0 1-15,1-6-2 16,-6 1 1-16,-1-1-2 15,13 1 1-15,-1-1-1 16,7 11 1-16,-1 0-2 16,7 5 1-16,5 6-1 15,6-1 0-15,6 17 0 16,0-7 0-16,0 12 0 16,0 10 0-16,6 0 0 15,-6 5 0-15,0 0-1 16,0 0 1-16,6-5 0 15,0 0 1-15,0-16-1 16,-6-5 0-16,0-11 0 16,5-4 1-16,-5-12 0 15,0 6 0-15,0-10-1 0,6 5 0 16,0-6-1-16,12 11 1 16,11-10-1-16,-5 10 1 15,5 5-1-15,7 0 1 16,5 6-1-16,0 10 1 15,0 5 0-15,1 11 0 16,-7-6 0-16,-11-5 1 16,-18 6 1-16,-6 4 1 15,-12 1 1-15,-18 5 0 16,-11-6 0-16,17-4 0 16,-23-1-1-16,-17-4 1 0,-7-12-2 15,-6-10 0-15,12-10-2 16,-5-10 1-16,-1-1-6 15,12-5 1-15,30 0-15 16,17 5 1-16,0-20-3 16,47-22 1-16</inkml:trace>
-        </inkml:traceGroup>
-      </inkml:traceGroup>
-    </inkml:traceGroup>
+    <inkml:trace contextRef="#ctx0" brushRef="#br0">2920 187 17 0,'-12'11'8'0,"12"-27"4"0,0 16 8 16,0 0-15-16,0 0 1 15,0 0 3-15,0 0 0 16,-6-5-9-16,6-5 0 15,6-6 8-15,6-10 0 16,11-16-1-16,7-16 0 16,11-15-1-16,12-11 1 15,12-10-2-15,5-16 1 16,1 10-2-16,-12 1 1 16,0 4-1-16,-12 12 1 15,-6 4-3-15,-5 11 1 0,-13 10-2 16,-5 6 0-16,5 10 0 15,-11 6 0-15,0 4-5 16,6-5 1-16,-1 11-6 16,7-5 1-16,5 10-10 15,1 0 0-15,5 5-3 16,-11 16 1-16</inkml:trace>
   </inkml:traceGroup>
 </inkml:ink>
 </file>
@@ -2851,7 +3030,7 @@
           <inkml:channelProperty channel="T" name="resolution" value="1" units="1/dev"/>
         </inkml:channelProperties>
       </inkml:inkSource>
-      <inkml:timestamp xml:id="ts0" timeString="2016-08-22T11:07:04.261"/>
+      <inkml:timestamp xml:id="ts0" timeString="2016-08-22T10:59:02.392"/>
     </inkml:context>
     <inkml:brush xml:id="br0">
       <inkml:brushProperty name="width" value="0.05" units="cm"/>
@@ -2863,12 +3042,53 @@
   <inkml:traceGroup>
     <inkml:annotationXML>
       <emma:emma xmlns:emma="http://www.w3.org/2003/04/emma" version="1.0">
-        <emma:interpretation id="{0259520B-C869-46BE-9F18-1E4D99E1433D}" emma:medium="tactile" emma:mode="ink">
-          <msink:context xmlns:msink="http://schemas.microsoft.com/ink/2010/main" type="inkDrawing" rotatedBoundingBox="12910,4142 14498,11404 8939,12619 7352,5357" hotPoints="13353,12402 8763,11111 8106,6388 12696,7680" semanticType="enclosure" shapeName="Ellipse"/>
+        <emma:interpretation id="{6982149F-D03E-45A0-8965-431EBADDBA45}" emma:medium="tactile" emma:mode="ink">
+          <msink:context xmlns:msink="http://schemas.microsoft.com/ink/2010/main" type="writingRegion" rotatedBoundingBox="20756,7698 29677,10399 29101,12301 20180,9600"/>
         </emma:interpretation>
       </emma:emma>
     </inkml:annotationXML>
-    <inkml:trace contextRef="#ctx0" brushRef="#br0">4113 23 44 0,'-29'-11'22'0,"41"-10"-22"0,0 11 23 0,-1 10-23 15,1 0 0-15,6 10 1 16,11 1 0-16,18 10-1 16,12 5 1-16,6 5 1 15,12 6 1-15,-18 10 0 16,0-5 1-16,-1 10 1 15,7 16 1 1,0 6-1-16,6 25 0 16,-6 6-1-16,-1 5 1 0,-5-5-1 15,-6-1 0-15,0 1-2 16,-5 5 1-16,-7 0-1 16,0-5 1-16,6 0-2 15,-12-11 1-15,1-10-1 16,-13 5 0-16,-5-11-1 0,-6 11 1 15,-6-10 0-15,0-6 0 16,0 0-1-16,5 1 1 16,1-6-1-16,6-5 1 15,5 5-1-15,1 0 0 16,-1-11 0-16,-5 11 0 16,0 1 0-1,-6-7 1-15,-1 1-1 16,-5 5 1-16,6 0 0 15,-6-10 0-15,6 0-1 0,0 4 1 16,5 7-1-16,-5-7 1 16,0 6-1-16,0 1 0 15,-1 9 0-15,1 1 1 16,0-6-1-16,0 6 1 0,-1-1 0 16,7-5 0-16,0-10-1 15,-1 5 1-15,1 6-1 16,0 4 1-16,0-4-1 15,-1 4 0-15,7 1 0 16,-7-1 0-16,7-4 0 16,-6-6 0-1,5 15 0-15,1 1 0 0,-7-10 0 16,1 9 0-16,-6 6 0 16,0-10 0-16,0 10 0 15,-1-5 0-15,7-6 0 16,-6-10 0-16,5 0 0 15,1-10 0-15,0 5 0 16,-1 0 0-16,1 10-1 16,-12-10 1-16,0 5 0 15,-6 5 0-15,0-5 0 16,0-5 0-16,0-5-1 16,0 10 1-16,-6-10 0 15,0-1 1-15,-6 6-1 16,-5-5 1-16,-1 4-1 0,-11 7 1 0,-7 4-1 15,1-10 1-15,-6-6-1 16,-1-4 0-16,-5-1-1 16,0 0 1-16,0 1-1 15,0-6 1-15,-6 0 0 16,-12 5 0-16,-6-4 0 31,-5 4 1-31,-1-10-1 0,-5-5 1 0,-13 4-1 16,-5-4 0-16,6 0 0 15,0-6 1-15,-7 1-1 16,-5-11 1-16,0-6-1 16,0-10 0-16,-12 1 0 15,-5-1 1-15,5-5-1 16,0 5 0-16,-6 0 0 0,-5-5 0 16,-1-5 0-16,-11-5 1 31,-48-11-1-31,7 0 0 15,11 0 1-15,6-5 1 16,-6 10-1-16,12-5 1 16,17 0 0-1,7-10 0-15,5-1 0 16,1 1 0-16,-1-6-1 16,6-10 0-16,1-11 0 15,5 6 0-15,18-11-1 16,11-10 1-16,1-6-1 15,5-10 1-15,-5-10-1 16,11-6 0-16,1 0 0 0,11 1 1 0,0-6-1 16,6-6 0-16,0-4 0 15,-5-16 1-15,5 5-1 16,6-11 0-16,0 22 0 16,11-16 1-16,1 5-1 15,0-11 0-15,5 1 0 16,-5 0 0-16,12-11 0 0,-7-16 0 15,1 11 0-15,0-11 0 16,5 11 0-16,1 5 0 16,11 6-1-16,12-1 1 15,6 11 0-15,12 0 0 16,6-16 0-16,-1 11 0 16,13-6-1-1,5 11 1-15,12-11 0 16,6-5 0-16,6 0 0 15,-12 1 0-15,1 4 0 16,-1 16 0-16,-6 16 0 16,6 0 1-16,0 15-1 15,6 16 0-15,12 11-1 16,6 0 1-16,-6 10 0 0,5-11 0 0,13 6-1 16,11-5 1-16,6 10 0 15,-6 0 1-15,7 6-1 16,-1 15 0-16,0 5 0 15,-6 1 0-15,18 20-2 16,24 16 1-16,17 5-3 31,18 0 0-31,-12 1-1 0,12-6 0 16,5-21-1-16,-5-16 1 16,-6-5 1-16,-6-10 0 15,-17-11 2-15,-13 10 1 16,-5-4 0-16,-18 20 1 15,-6 6-3-15,0 5 0 16,6-1-4-16,0 12 1 0,6 4-3 16,0-5 1-16,-6-4 0 15,-5-1 1-15,-1 0 2 16,-6-6 0-16,-12 12-8 16,-29 4 1-16</inkml:trace>
+    <inkml:traceGroup>
+      <inkml:annotationXML>
+        <emma:emma xmlns:emma="http://www.w3.org/2003/04/emma" version="1.0">
+          <emma:interpretation id="{2B73FD0A-751B-4F2D-9003-45355A7323C3}" emma:medium="tactile" emma:mode="ink">
+            <msink:context xmlns:msink="http://schemas.microsoft.com/ink/2010/main" type="paragraph" rotatedBoundingBox="20756,7698 29677,10399 29101,12301 20180,9600" alignmentLevel="1"/>
+          </emma:interpretation>
+        </emma:emma>
+      </inkml:annotationXML>
+      <inkml:traceGroup>
+        <inkml:annotationXML>
+          <emma:emma xmlns:emma="http://www.w3.org/2003/04/emma" version="1.0">
+            <emma:interpretation id="{2A5174FC-D977-4DA4-B19E-1052C490801C}" emma:medium="tactile" emma:mode="ink">
+              <msink:context xmlns:msink="http://schemas.microsoft.com/ink/2010/main" type="line" rotatedBoundingBox="20756,7698 29677,10399 29101,12301 20180,9600"/>
+            </emma:interpretation>
+          </emma:emma>
+        </inkml:annotationXML>
+        <inkml:traceGroup>
+          <inkml:annotationXML>
+            <emma:emma xmlns:emma="http://www.w3.org/2003/04/emma" version="1.0">
+              <emma:interpretation id="{1BBC1048-03AB-45A2-9A92-6C0B02414AF9}" emma:medium="tactile" emma:mode="ink">
+                <msink:context xmlns:msink="http://schemas.microsoft.com/ink/2010/main" type="inkWord" rotatedBoundingBox="20756,7698 26064,9305 25497,11178 20189,9571"/>
+              </emma:interpretation>
+            </emma:emma>
+          </inkml:annotationXML>
+          <inkml:trace contextRef="#ctx0" brushRef="#br0">2296 299 36 0,'6'0'18'0,"6"-5"-15"0,-12 0 19 0,-12-11-22 15,-5-5 0-15,-7-5 3 16,-5 0 1-16,-7 0-1 16,-5-6 0-16,-18 1 3 15,-12 5 0-15,-11-6 0 16,-6 6 1-16,-7 5-2 16,-5 16 1-16,0 5-2 15,-6 16 0-15,-12 4-2 16,-17 12 1-16,11 15-1 15,-6 16 1-15,-5 5 0 16,-1 10 0-16,12 6-1 16,1-5 1-16,11 5-1 15,12 5 1-15,17-11-1 16,18-15 0-16,18 0-2 16,24 5 1-16,23 0-2 15,23 0 1-15,18-15 0 16,18 15 0-16,24 0 0 0,11-5 1 15,12-6-1-15,30-4 1 16,-1-6 0-16,18 0 0 16,6-11 0-16,-5-4 0 15,5-6 0-15,12 5 0 16,-12-15 0-16,6-5 0 16,-12-6 1-16,-6-5 0 15,12-11 0-15,-6 1 0 16,-11-11-1-16,-1 0 1 0,1-5-1 15,-19-11 1-15,1 6-2 16,-12-6 1-16,0-10-1 16,-6-5 0-16,-12-11 0 15,-5 0 1-15,-13 0-1 16,-5-15 1-16,-12 4-1 16,-6 1 1-16,-18 0-1 15,-17-16 1-15,-24 5-1 16,-23-11 1-16,-36 6-1 15,-18 0 1-15,-11 16-2 16,-24 15 1-16,-6-4 0 16,-23 9 0-16,-12 6-4 15,-12 10 0-15,-11 6-7 16,-7 31 0-16,-5 11-13 16,-1 25 1-16,7 27-1 15,29 16 1-15</inkml:trace>
+          <inkml:trace contextRef="#ctx0" brushRef="#br0" timeOffset="870.4927">3428 1373 36 0,'-18'-47'18'0,"6"21"-10"16,6 20 19-16,6 6-26 16,-6 0 1-16,6 6 3 15,0 4 1-15,6 16-6 16,12 6 1-16,23 15 5 16,24 5 1-16,18 11 0 15,23 5 1-15,29 11-1 16,1-16 0-16,29 5-1 15,0 0 1-15,0 5-3 0,-1-5 1 16,-22-10-2-16,-18-11 0 16,-12 5-3-16,-12-15 1 15,-18-11-8-15,-17-5 1 16,-18-16-16-16,-12 0 1 16,-11 11-1-16,-12 5 1 15</inkml:trace>
+        </inkml:traceGroup>
+        <inkml:traceGroup>
+          <inkml:annotationXML>
+            <emma:emma xmlns:emma="http://www.w3.org/2003/04/emma" version="1.0">
+              <emma:interpretation id="{26508B1B-B8C2-4DCE-A5CB-1C1AFBF17174}" emma:medium="tactile" emma:mode="ink">
+                <msink:context xmlns:msink="http://schemas.microsoft.com/ink/2010/main" type="inkWord" rotatedBoundingBox="26328,9789 29564,10769 29101,12301 25864,11321"/>
+              </emma:interpretation>
+            </emma:emma>
+          </inkml:annotationXML>
+          <inkml:trace contextRef="#ctx0" brushRef="#br0" timeOffset="1681.8751">5784 2357 31 0,'6'-26'15'0,"-6"-5"-7"15,0 31 22-15,12-11-27 16,6 1 0-16,5-6 4 15,7 1 1-15,5-1-9 16,12 0 1-16,-6 6 5 16,12 4 0-16,6 12-1 15,0 4 0-15,-6 6-3 16,-6 0 1-16,-11 20-2 16,-13 1 1-16,-5 10-1 15,-18 5 1-15,-18 1-1 16,1 10 0-16,-13 5 0 15,-5 5 1-15,5-10-1 16,-11 0 1-16,-6-1-1 0,6-4 0 16,11-6 0-16,7-10 1 15,11 0 1-15,18-16 1 16,12 1 0-16,-1-12 0 16,7 6 0-16,11-10 1 15,18-11-2-15,12 0 0 16,0-5-6-16,11-1 0 15,-5-9-10-15,-6 4 0 16,6-5-6-16,-1 1 1 0</inkml:trace>
+          <inkml:trace contextRef="#ctx0" brushRef="#br0" timeOffset="2162.0851">6880 2515 36 0,'-12'-21'18'0,"1"15"-18"15,5 12 26-15,-6 4-24 16,0 1 1-16,-5 10 1 15,-1 5 1-15,0 10-5 0,1 22 0 16,-1-6 4-16,6 16 1 16,6 6-1-16,6-6 1 15,6 0-1-15,18-10 0 16,11-11-2-16,18-16 1 16,-6-10-1-16,12-10 0 15,6-22-2-15,6-26 1 16,-7-10 0-16,7-5 0 15,-18-16-1-15,-18 0 1 16,-17-11-1-16,-12-10 0 16,-18 0 0-16,-11 16 1 0,-13 5-1 15,-5 10 1-15,6 16-1 16,-18 11 0-16,-6 15-2 16,0 6 1-16,0 20-6 15,6 11 0-15,6 10-9 16,6 6 1-16,17 15-2 15,24 1 1-15</inkml:trace>
+          <inkml:trace contextRef="#ctx0" brushRef="#br0" timeOffset="2792.4451">7440 2598 35 0,'0'21'17'0,"0"-5"-14"0,6-16 33 16,6 11-32-16,11-1 1 15,1-10 0-15,5-5 1 16,12-11-9-16,7-5 1 16,-1-10 5-16,6-22 0 0,-6 1-3 15,-6-6 1-15,-6 1-1 16,-11-1 0-16,-6 6 0 16,-6 5 1-16,-1 10-1 15,-11 6 1-15,-6 20-1 16,-5 16 0-16,-13 21 0 15,6 6 1-15,1 26-1 16,5 15 1-16,0-5 0 16,6 10 0-16,6 1-1 15,0-6 1-15,0-10-1 16,-12-5 1-16,1-11-1 16,-7-10 1-16,0-6-1 15,1-10 1-15,-7-5-1 16,-5-1 0-16,-1 1 0 15,1-5 1-15,5 4-2 16,1 1 1-16,5-6 0 0,6 1 0 16,12-11-1-16,18-5 1 15,5-1 0-15,13-4 1 16,29 0 2-16,-7-6 0 16,7 5 0-16,6 6 1 15,0 5-5-15,5-5 1 16,-11-6-9-16,-6-4 0 15,0-12-9-15,-6-9 0 16</inkml:trace>
+          <inkml:trace contextRef="#ctx0" brushRef="#br0" timeOffset="3632.7559">8524 2441 19 0,'6'-31'9'0,"6"-27"11"15,-6 43 2-15,-1 4-18 16,-5 1 0-16,6-1 3 15,0 1 0-15,6-1-9 16,6 1 0-16,5 4 5 16,1 1 1-16,5 5-2 15,1 5 0-15,-1 6 0 16,1-1 0-16,-1 6-1 16,-5 5 1-16,-1 5 0 15,7 6 0-15,-7 4-1 16,-5 1 1-16,-12 5-1 15,-6 5 0-15,-6 0 0 16,-12-10 0-16,-11 5 1 16,-12-6 0-16,-7 6-1 0,7-10 1 15,0-11-1-15,0 0 1 16,5-6-1-16,1 1 1 16,6 0-1-16,5-1 0 15,0 1-1-15,7 5 1 16,11 0 0-16,6-5 1 15,6-1 0-15,11 1 1 16,1-5 1-16,17-1 0 16,19-5 0-16,4-5 1 15,-5-5-2-15,6 0 1 16,12-6-5-16,-12 6 0 0,0 0-11 16,-6-6 1-16,0 11-10 15,-6 0 0-15</inkml:trace>
+        </inkml:traceGroup>
+      </inkml:traceGroup>
+    </inkml:traceGroup>
   </inkml:traceGroup>
 </inkml:ink>
 </file>
@@ -2878,6 +3098,27 @@
   <inkml:definitions>
     <inkml:context xml:id="ctx0">
       <inkml:inkSource xml:id="inkSrc0">
+        <inkml:traceFormat>
+          <inkml:channel name="X" type="integer" max="9600" units="cm"/>
+          <inkml:channel name="Y" type="integer" max="7200" units="cm"/>
+          <inkml:channel name="T" type="integer" max="2.14748E9" units="dev"/>
+        </inkml:traceFormat>
+        <inkml:channelProperties>
+          <inkml:channelProperty channel="X" name="resolution" value="377.95276" units="1/cm"/>
+          <inkml:channelProperty channel="Y" name="resolution" value="425.28058" units="1/cm"/>
+          <inkml:channelProperty channel="T" name="resolution" value="1" units="1/dev"/>
+        </inkml:channelProperties>
+      </inkml:inkSource>
+      <inkml:timestamp xml:id="ts0" timeString="2016-08-22T10:59:36.851"/>
+    </inkml:context>
+    <inkml:brush xml:id="br0">
+      <inkml:brushProperty name="width" value="0.05" units="cm"/>
+      <inkml:brushProperty name="height" value="0.05" units="cm"/>
+      <inkml:brushProperty name="color" value="#ED1C24"/>
+      <inkml:brushProperty name="fitToCurve" value="1"/>
+    </inkml:brush>
+    <inkml:context xml:id="ctx1">
+      <inkml:inkSource xml:id="inkSrc1">
         <inkml:traceFormat>
           <inkml:channel name="X" type="integer" max="9600" units="cm"/>
           <inkml:channel name="Y" type="integer" max="7200" units="cm"/>
@@ -2891,52 +3132,57 @@
           <inkml:channelProperty channel="T" name="resolution" value="1" units="1/dev"/>
         </inkml:channelProperties>
       </inkml:inkSource>
-      <inkml:timestamp xml:id="ts0" timeString="2016-08-22T11:07:11.509"/>
+      <inkml:timestamp xml:id="ts1" timeString="2016-08-22T11:01:05.907"/>
     </inkml:context>
-    <inkml:brush xml:id="br0">
-      <inkml:brushProperty name="width" value="0.05" units="cm"/>
-      <inkml:brushProperty name="height" value="0.05" units="cm"/>
-      <inkml:brushProperty name="color" value="#ED1C24"/>
-      <inkml:brushProperty name="fitToCurve" value="1"/>
-    </inkml:brush>
   </inkml:definitions>
   <inkml:traceGroup>
     <inkml:annotationXML>
       <emma:emma xmlns:emma="http://www.w3.org/2003/04/emma" version="1.0">
-        <emma:interpretation id="{ED41A193-B839-47D5-8362-A836788B0F43}" emma:medium="tactile" emma:mode="ink">
-          <msink:context xmlns:msink="http://schemas.microsoft.com/ink/2010/main" type="writingRegion" rotatedBoundingBox="6334,2896 9991,3014 9930,4902 6273,4784"/>
+        <emma:interpretation id="{DD159C15-9E67-4877-940A-AA46A17FC66C}" emma:medium="tactile" emma:mode="ink">
+          <msink:context xmlns:msink="http://schemas.microsoft.com/ink/2010/main" type="writingRegion" rotatedBoundingBox="26234,9122 33353,14038 30665,17929 23547,13014"/>
         </emma:interpretation>
       </emma:emma>
     </inkml:annotationXML>
     <inkml:traceGroup>
       <inkml:annotationXML>
         <emma:emma xmlns:emma="http://www.w3.org/2003/04/emma" version="1.0">
-          <emma:interpretation id="{1CC216B7-3693-4ECF-B2FD-3F77E659CCFF}" emma:medium="tactile" emma:mode="ink">
-            <msink:context xmlns:msink="http://schemas.microsoft.com/ink/2010/main" type="paragraph" rotatedBoundingBox="6334,2896 9991,3014 9930,4902 6273,4784" alignmentLevel="1"/>
+          <emma:interpretation id="{72C5644C-C7A9-496C-9A7D-D8FD6E4B8330}" emma:medium="tactile" emma:mode="ink">
+            <msink:context xmlns:msink="http://schemas.microsoft.com/ink/2010/main" type="paragraph" rotatedBoundingBox="26234,9122 33353,14038 30665,17929 23547,13014" alignmentLevel="1"/>
           </emma:interpretation>
         </emma:emma>
       </inkml:annotationXML>
       <inkml:traceGroup>
         <inkml:annotationXML>
           <emma:emma xmlns:emma="http://www.w3.org/2003/04/emma" version="1.0">
-            <emma:interpretation id="{0A559909-964A-42DD-B9A5-8CB627860A95}" emma:medium="tactile" emma:mode="ink">
-              <msink:context xmlns:msink="http://schemas.microsoft.com/ink/2010/main" type="line" rotatedBoundingBox="6334,2896 9991,3014 9930,4902 6273,4784"/>
+            <emma:interpretation id="{794807C5-2808-4A65-B154-789199650714}" emma:medium="tactile" emma:mode="ink">
+              <msink:context xmlns:msink="http://schemas.microsoft.com/ink/2010/main" type="line" rotatedBoundingBox="26234,9122 33353,14038 30665,17929 23547,13014"/>
             </emma:interpretation>
           </emma:emma>
         </inkml:annotationXML>
         <inkml:traceGroup>
           <inkml:annotationXML>
             <emma:emma xmlns:emma="http://www.w3.org/2003/04/emma" version="1.0">
-              <emma:interpretation id="{582A4762-DFF4-47D3-9579-07F80216E944}" emma:medium="tactile" emma:mode="ink">
-                <msink:context xmlns:msink="http://schemas.microsoft.com/ink/2010/main" type="inkWord" rotatedBoundingBox="6334,2896 9991,3014 9930,4902 6273,4784"/>
+              <emma:interpretation id="{321827DC-9D9C-41BB-9D7B-9278387DE784}" emma:medium="tactile" emma:mode="ink">
+                <msink:context xmlns:msink="http://schemas.microsoft.com/ink/2010/main" type="inkWord" rotatedBoundingBox="26234,9122 30986,12403 28371,16191 23619,12909"/>
               </emma:interpretation>
             </emma:emma>
           </inkml:annotationXML>
-          <inkml:trace contextRef="#ctx0" brushRef="#br0">-1703-665 34 0,'-18'-63'17'0,"12"1"-4"0,0 46 17 16,1 11-26-16,-7 10 1 15,-6-5 2-15,0 21 1 16,1 5-9-16,-1 16 0 16,0 5 6-16,7 26 0 15,-1-15-2 1,12 5 0-16,6 0 0 15,11-1 1-15,7-14-2 16,5-7 0-16,7-20 0 16,11-15 1-16,12-22-1 15,6-10 1-15,-7-16-2 16,-10-16 0-16,-7-10 0 16,-12 11 0-16,-5-17-1 0,-6-4 1 0,-13 4 0 15,-10 17 0-15,-13 4-1 16,-12 17 1-16,-11 10 0 15,-12 10 0-15,-6 16-1 16,0 16 0-16,-5 10-3 16,5-5 1-16,0 0-5 15,12 0 1-15,11-6-6 0,13 1 0 16,17 0-8-16,18 5 0 16</inkml:trace>
-          <inkml:trace contextRef="#ctx0" brushRef="#br0" timeOffset="-462.833">-2840-565 17 0,'-24'-37'8'0,"-5"6"4"0,23 20 9 15,-6-5-16-15,-6 1 0 16,1 10 3-16,-1-6 0 16,0 1-10-16,1-6 1 15,5 5 8-15,0 1 0 16,6-6-2-16,6-15 1 15,6-1-1-15,6 1 0 0,11 5-1 16,7 0 1-16,11-1-1 16,6 6 0-16,6 6-1 15,0 4 1-15,6 6-1 16,-6 5 1-16,0 0-1 16,0 21 0-16,-11-5-1 15,-1 15 0 1,-18 1 0-16,-5-1 1 0,-12 11-2 15,-12 5 1-15,-18 0 0 16,-11 21 0-16,-6-5-1 16,-6-11 1-16,0 1-1 15,-6-6 1-15,0 0-2 16,5-10 1-16,7-1-1 16,0-4 1-16,12-6-1 0,11-5 0 15,12 0 0-15,12 0 1 16,12 0 0-16,11-6 1 15,18 6 0-15,0-10 1 16,12-11-1-16,12-5 0 16,5-11 0-16,-5-5 0 15,0 0-1-15,-12-5 0 0,0 0-1 16,-6 5 0-16,0 0-6 16,-6 5 1-16,-12 11-12 15,1 15 0-15,-1 11-8 16,0 11 1-16</inkml:trace>
-          <inkml:trace contextRef="#ctx0" brushRef="#br0" timeOffset="868.7639">-1090-749 28 0,'-6'16'14'0,"29"-11"-1"15,-11-5 14-15,6-5-24 16,5 0 1-16,13-6 2 16,5-10 0-16,0-10-8 15,6-11 0-15,-5 6 6 0,-1-6 0 16,-6-6-2-16,-11 7 1 0,-7 4-2 16,-5 5 1-16,-6 6-1 15,-6 5 0-15,-12 16-1 16,0 10 1-16,1 16-1 15,-1 5 0-15,6 22 0 32,6-1 0-32,12 10 0 0,0 1 1 15,5 0-1-15,1 4 1 16,0-4 0-16,-1 0 0 16,-5-16 0-16,-6-1 1 15,-12-9-1-15,-6-6 0 16,-11-5 0-16,-1 5 0 15,-5-10-1-15,-7 5 1 0,-5-5-1 16,0-6 0-16,0 1 0 16,-1-1 0-16,7-5 0 15,11 0 0-15,1 1 1 16,11-12 0-16,6 12 2 16,12-6 1-16,18 5 1 15,5 0 1 1,12 0 0-16,18-15 1 0,12-1-2 15,6-4 0-15,-7-1-2 16,-5 0 1-16,-6 1-4 16,-6-1 0-16,0-5-6 15,0 10 0-15,0 1-10 16,-12 10 0-16,6-5-7 16,-11 10 0-16</inkml:trace>
-          <inkml:trace contextRef="#ctx0" brushRef="#br0" timeOffset="1616.4404">506-1131 28 0,'18'5'14'0,"-6"-10"0"0,-12 5 13 0,0 0-24 16,0 0 1-16,0 0 3 15,0 0 1-15,0 0-8 16,0 0 0-16,0 0 6 15,-6 5 1-15,-12-5-1 0,0 6 0 16,-11-6-2-16,-6 0 1 16,-7 0-1-16,-5-6 0 15,0 6-2-15,6 0 1 16,0 0-2-16,-6 0 1 16,5 0-2-16,1 0 0 15,6 0 0 1,11-5 0-16,6 5-1 15,7-5 0-15,5 0 0 16,6 5 0-16,12 10 0 16,5 11 1-16,1 5-1 15,0 6 0-15,-1 20 0 16,1-5 1-16,0 6 0 16,-7-1 1-16,1-10-1 0,-6-11 0 15,0-5-1-15,0 1 1 0,0-12 0 16,0-9 0-16,5-1-1 15,7-16 1-15,6 6-1 16,5-5 1-16,6 10 0 16,7-11 0-16,5 6 0 15,-6 10 0-15,6 6 0 0,-6 4 0 16,1 6 1-16,-7 0 0 16,-5 11 0-16,-13 10 1 15,-11-11 0-15,-12 11 1 16,-11 0 0-16,-13 0 1 15,-17-6-1-15,-18 1 0 32,-6-11-1-32,1-10 0 0,-1-11-3 15,6-10 0-15,18-6-11 16,24-10 1-16,28-20-11 16,25 4 0-16</inkml:trace>
-          <inkml:trace contextRef="#ctx0" brushRef="#br0" timeOffset="-1661.304">548 739 19 0,'5'21'9'0,"7"-27"7"0,-12 6 10 15,0 0-20-15,0 0 0 16,0 0 6-16,0 0 0 16,0 0-13-16,-6 0 1 15,0 0 10-15,1-5 1 16,-7-16-3-16,-18-5 1 16,1-21-2-1,-12-21 0-15,-7-5-2 16,-5-11 0-16,0-21-2 15,0 26 0-15,0 11-1 16,6 11 0-16,0 4-10 16,6 22 1-16,11 10-15 0,19 5 0 15</inkml:trace>
+          <inkml:trace contextRef="#ctx0" brushRef="#br0">0 0 0,'0'0'0,"0"0"16,0 0-16,0 0 15,0 0 1,0 0-16</inkml:trace>
+          <inkml:trace contextRef="#ctx1" brushRef="#br0">2056 791 41 0,'30'-32'20'0,"11"-4"-19"15,-35 25 21-15,0-4-22 16,-6 4 1-16,-6 1 2 16,-12-1 0-16,-11 1-2 15,-7-1 1-15,-5 11 3 16,-6 0 0-16,-6-5 1 16,-12 10 0-16,-5-5-1 15,-7 11 1-15,-11-6-2 16,-13 11 0-16,-11 5-1 15,1 10 0-15,4 0-1 0,-10 6 0 16,5 0 0-16,6-6 1 16,5 1-1-16,1-1 1 15,6 6-1-15,0 5 1 16,11-1-1-16,1 7 0 16,11-6-1-16,12-1 0 15,6 7-1-15,0-1 1 0,6-5 0 16,12 5 0-16,-1 0 0 15,7 0 1-15,5 0-1 16,12-5 0-16,7 0 0 16,5 0 0-16,5 0-1 15,13 0 0-15,0-1 0 16,-6-4 1-16,11 0-1 16,1-1 1-16,11 1 0 15,6-5 0-15,12-1 0 16,6 6 1-16,0-11-1 15,6-5 0-15,6-6 0 16,5 1 1-16,1-11-1 16,5 1 0-16,-11-1-1 15,0-5 1-15,-1-5 0 16,13-1 0-16,-1 1-1 16,1 0 0-16,-1-6 0 15,1 6 1-15,-1 0-1 16,7 0 1-16,-1 0-1 0,-17-6 0 15,0 1 0-15,5-6 1 16,7 5-1-16,-1-10 1 16,6 11-1-16,1 0 0 15,-13-1 0-15,-5-5 1 16,12 1-1-16,-13-1 1 16,1 0-1-16,-6-5 1 15,-12 0-1-15,0-10 1 16,0-1-1-16,-6 1 1 0,0 5-1 15,0 5 1-15,-5-5-1 16,-1 0 1-16,-6-11 0 16,-5 0 0-16,-7-10-1 15,-5 0 1-15,-6 5-1 16,-6-10 1-16,-6 5 0 16,-12-1 0-16,-6 1-1 15,-11 5 0-15,-7 0 0 16,7 11 1-16,-12-6 0 15,-7 1 0-15,-5-1-1 16,-6 0 1-16,1 6-1 16,-7 5 1-16,-18 5-1 15,-17 10 0-15,-18 11-2 16,-5 16 1-16,-37 5-6 16,-16 10 1-16,-7 17-10 15,18-1 0-15,24-5-10 16,-1 5 0-16</inkml:trace>
+          <inkml:trace contextRef="#ctx1" brushRef="#br0" timeOffset="885.7889">2263 2053 30 0,'-18'-21'15'0,"6"-47"-15"0,6 58 15 0,0-1-15 16,-11 1 0-16,-1-6 0 16,0 0 1-16,1 0 0 15,-1 1 1-15,0 4 2 16,6 6 0-16,1 5 2 15,5 5 1-15,6 6 0 16,6 4 0-16,5 1-1 16,13 5 0-16,5 5-2 15,13 21 1-15,11 6-1 16,6 10 0-16,17 15-1 16,-5 6 1-16,11 21 0 15,19 10 0-15,11 16-1 16,5 10 0-16,1 11 0 15,0 5 0-15,-6 0-1 0,-12-5 0 16,-6-5 0-16,-5-11 1 16,-1-10-1-16,6-6 1 15,-17-10-1-15,-12-26 0 16,-12-11-3-16,-12-10 1 16,-6-16-6-16,-11-10 1 15,-6-11-15-15,-18 0 1 16,-12-15-3-16,-6-32 0 15</inkml:trace>
+        </inkml:traceGroup>
+        <inkml:traceGroup>
+          <inkml:annotationXML>
+            <emma:emma xmlns:emma="http://www.w3.org/2003/04/emma" version="1.0">
+              <emma:interpretation id="{D44520DF-C685-4175-8946-07608097453C}" emma:medium="tactile" emma:mode="ink">
+                <msink:context xmlns:msink="http://schemas.microsoft.com/ink/2010/main" type="inkWord" rotatedBoundingBox="30002,14580 32017,15972 30665,17929 28650,16538"/>
+              </emma:interpretation>
+            </emma:emma>
+          </inkml:annotationXML>
+          <inkml:trace contextRef="#ctx1" brushRef="#br0" timeOffset="2252.2167">4389 4609 38 0,'-17'0'19'0,"5"-6"-8"15,12 6 20-15,0 0-27 16,0 0 1-16,0 0 3 16,0 0 0-16,6-10-10 15,0 0 1-15,6-6 7 16,5 0 0-16,13-5-2 15,-7-5 1-15,7 5-2 16,11-5 1-16,0 10-1 16,6 0 0-16,6 6-1 0,0 5 0 15,0-1 0-15,-5-4 0 16,-13 10 0-16,0 5 0 16,-11 11 0-16,-12 10 0 15,-12 16 0-15,-12 5 0 16,-12-5-1-16,-17 0 1 15,-6 21-2-15,0 0 1 16,0-6-1-16,-1 6 0 0,1-11-1 16,0 1 1-16,0-1-1 15,0-10 1-15,12-5 0 16,11-6 0-16,0 11-1 16,7-10 1-16,11-1 0 15,6 0 1-15,12 1 1 16,11-6 0-16,7-10 0 15,5-11 1-15,24-5 0 16,18-5 1-16,17-11-2 16,0-5 1-16,6-16-2 15,0 11 0-15,-5-5-5 16,-19-6 1-16,-11 0-10 16,-18 11 0-16,0 0-12 15,-11 10 1-15,-19 1-1 16,-17 15 0-16</inkml:trace>
+          <inkml:trace contextRef="#ctx1" brushRef="#br0" timeOffset="2701.8553">5532 4661 49 0,'-5'-26'24'0,"-13"15"-23"0,6 11 48 0,12 6-47 15,-6 9 0-15,0 6 2 16,0 16 0-16,6 21-5 16,0 10 1-16,-5 0 3 15,5 16 1-15,0-16-1 16,0-11 0-16,11-10-1 15,19-15 1-15,17-22 0 16,18-20 0-16,11-22-2 16,1-20 1-16,-6-21-1 15,-7-6 1-15,-5-10-1 16,-12 0 0-16,-17 11 0 16,-18 4 0-16,-18 1 0 15,-12 21 0-15,-17 4-1 16,-18 22 1-16,-6 10-1 15,-12 16 0-15,6 6-3 16,6 15 1-16,12 10-7 0,0 16 0 16,6-5-11-16,11-5 0 15,13-1-1-15,23 1 0 16</inkml:trace>
+          <inkml:trace contextRef="#ctx1" brushRef="#br0" timeOffset="3003.245">6340 4331 47 0,'-12'-10'23'0,"30"-22"-16"16,-18 43 45-16,0 4-47 15,0 12 0-15,-6 15 5 16,-6 20 0-16,0 17-12 16,0 10 1-16,0 5 7 15,-5-5 1-15,-1-5-5 16,0 0 0-16,7-11-8 16,5-26 1-16,6-10-10 15,12-21 0-15,11-16-8 16,1-21 1-16</inkml:trace>
+          <inkml:trace contextRef="#ctx1" brushRef="#br0" timeOffset="3602.022">6746 4389 47 0,'-12'-32'23'0,"18"-10"-18"0,0 32 37 0,12-6-37 16,0 1 0-16,5-6 4 15,7 0 1-15,5 10-12 16,6 6 0-16,6 10 7 15,-11 11 0-15,11 0-3 16,-12 15 1-16,0-5-2 16,-11 6 0-16,-12 10-1 15,-18 5 0-15,-12 5 0 16,-11-5 1 0,-24-10-2-1,0-6 0-15,11-10 0 16,7-10 0-16,17-6-1 15,18-10 1-15,0-6-1 16,12 1 0-16,6-1 1 16,5 1 1-16,7 10 0 0,5 5 0 15,12 11 0-15,-11-1 1 16,5 6 0-16,-12 11 1 16,-17 4 0-16,0 6 0 15,-12 5 1-15,-24 1 0 16,-17-6 0-16,-12 5 0 15,-23 10 1-15,-7 6 1 16,-5-11-3-16,5-4 0 16,13-17-3-16,5-10 0 15,18-16-7-15,11-10 1 0,19-21-16 16,28-6 0-16,13-20 1 16,11-11 0-16</inkml:trace>
         </inkml:traceGroup>
       </inkml:traceGroup>
     </inkml:traceGroup>
@@ -11039,7 +11285,7 @@
         </p:blipFill>
         <p:spPr>
           <a:xfrm>
-            <a:off x="4999895" y="613011"/>
+            <a:off x="5165362" y="508505"/>
             <a:ext cx="6328553" cy="5462218"/>
           </a:xfrm>
         </p:spPr>
@@ -11052,7 +11298,7 @@
         </p:nvSpPr>
         <p:spPr>
           <a:xfrm>
-            <a:off x="480767" y="2026760"/>
+            <a:off x="646234" y="1922254"/>
             <a:ext cx="4628560" cy="1569660"/>
           </a:xfrm>
           <a:prstGeom prst="rect">
@@ -11106,7 +11352,7 @@
               <p14:nvPr/>
             </p14:nvContentPartPr>
             <p14:xfrm>
-              <a:off x="6759019" y="1355629"/>
+              <a:off x="6924486" y="1251123"/>
               <a:ext cx="1139888" cy="389598"/>
             </p14:xfrm>
           </p:contentPart>
@@ -11126,8 +11372,8 @@
             </p:blipFill>
             <p:spPr>
               <a:xfrm>
-                <a:off x="6745706" y="1346611"/>
-                <a:ext cx="1167234" cy="412325"/>
+                <a:off x="6911169" y="1242121"/>
+                <a:ext cx="1167242" cy="411922"/>
               </a:xfrm>
               <a:prstGeom prst="rect">
                 <a:avLst/>
@@ -11145,7 +11391,7 @@
               <p14:nvPr/>
             </p14:nvContentPartPr>
             <p14:xfrm>
-              <a:off x="6978815" y="2929398"/>
+              <a:off x="7144282" y="2824892"/>
               <a:ext cx="1107000" cy="604800"/>
             </p14:xfrm>
           </p:contentPart>
@@ -11165,7 +11411,7 @@
             </p:blipFill>
             <p:spPr>
               <a:xfrm>
-                <a:off x="6967295" y="2917158"/>
+                <a:off x="7132762" y="2812652"/>
                 <a:ext cx="1131840" cy="629640"/>
               </a:xfrm>
               <a:prstGeom prst="rect">
@@ -11184,7 +11430,7 @@
               <p14:nvPr/>
             </p14:nvContentPartPr>
             <p14:xfrm>
-              <a:off x="5210053" y="1609301"/>
+              <a:off x="5375520" y="1504795"/>
               <a:ext cx="1710884" cy="728011"/>
             </p14:xfrm>
           </p:contentPart>
@@ -11204,8 +11450,8 @@
             </p:blipFill>
             <p:spPr>
               <a:xfrm>
-                <a:off x="5200334" y="1603908"/>
-                <a:ext cx="1726722" cy="743110"/>
+                <a:off x="5365799" y="1499762"/>
+                <a:ext cx="1726726" cy="742751"/>
               </a:xfrm>
               <a:prstGeom prst="rect">
                 <a:avLst/>
@@ -11223,7 +11469,7 @@
               <p14:nvPr/>
             </p14:nvContentPartPr>
             <p14:xfrm>
-              <a:off x="5126615" y="2997798"/>
+              <a:off x="5292082" y="2893292"/>
               <a:ext cx="1877760" cy="432000"/>
             </p14:xfrm>
           </p:contentPart>
@@ -11243,47 +11489,8 @@
             </p:blipFill>
             <p:spPr>
               <a:xfrm>
-                <a:off x="5117255" y="2988438"/>
+                <a:off x="5282722" y="2883932"/>
                 <a:ext cx="1891440" cy="448200"/>
-              </a:xfrm>
-              <a:prstGeom prst="rect">
-                <a:avLst/>
-              </a:prstGeom>
-            </p:spPr>
-          </p:pic>
-        </mc:Fallback>
-      </mc:AlternateContent>
-      <mc:AlternateContent xmlns:mc="http://schemas.openxmlformats.org/markup-compatibility/2006">
-        <mc:Choice xmlns:p14="http://schemas.microsoft.com/office/powerpoint/2010/main" Requires="p14">
-          <p:contentPart p14:bwMode="auto" r:id="rId12">
-            <p14:nvContentPartPr>
-              <p14:cNvPr id="18" name="Ink 17"/>
-              <p14:cNvContentPartPr/>
-              <p14:nvPr/>
-            </p14:nvContentPartPr>
-            <p14:xfrm>
-              <a:off x="4966055" y="3198318"/>
-              <a:ext cx="33840" cy="3240"/>
-            </p14:xfrm>
-          </p:contentPart>
-        </mc:Choice>
-        <mc:Fallback>
-          <p:pic>
-            <p:nvPicPr>
-              <p:cNvPr id="18" name="Ink 17"/>
-              <p:cNvPicPr/>
-              <p:nvPr/>
-            </p:nvPicPr>
-            <p:blipFill>
-              <a:blip r:embed="rId13"/>
-              <a:stretch>
-                <a:fillRect/>
-              </a:stretch>
-            </p:blipFill>
-            <p:spPr>
-              <a:xfrm>
-                <a:off x="4962815" y="3195798"/>
-                <a:ext cx="39600" cy="8640"/>
               </a:xfrm>
               <a:prstGeom prst="rect">
                 <a:avLst/>
@@ -11444,7 +11651,7 @@
             </a:r>
             <a:r>
               <a:rPr lang="en-US" sz="2400" dirty="0">
-                <a:hlinkClick r:id="rId14"/>
+                <a:hlinkClick r:id="rId12"/>
               </a:rPr>
               <a:t>http://pfultz2.com/blog/2015/01/24/dependent-typing/</a:t>
             </a:r>
@@ -11454,7 +11661,7 @@
             </a:r>
             <a:r>
               <a:rPr lang="en-US" sz="2400" dirty="0">
-                <a:hlinkClick r:id="rId15"/>
+                <a:hlinkClick r:id="rId13"/>
               </a:rPr>
               <a:t>http://boostorg.github.io/hana/index.html#tutorial-type </a:t>
             </a:r>
@@ -12199,8 +12406,8 @@
           </a:xfrm>
         </p:spPr>
       </p:pic>
-      <mc:AlternateContent xmlns:mc="http://schemas.openxmlformats.org/markup-compatibility/2006">
-        <mc:Choice xmlns:p14="http://schemas.microsoft.com/office/powerpoint/2010/main" Requires="p14">
+      <mc:AlternateContent xmlns:mc="http://schemas.openxmlformats.org/markup-compatibility/2006" xmlns:p14="http://schemas.microsoft.com/office/powerpoint/2010/main">
+        <mc:Choice Requires="p14">
           <p:contentPart p14:bwMode="auto" r:id="rId4">
             <p14:nvContentPartPr>
               <p14:cNvPr id="10" name="Ink 9"/>
@@ -12213,7 +12420,7 @@
             </p14:xfrm>
           </p:contentPart>
         </mc:Choice>
-        <mc:Fallback>
+        <mc:Fallback xmlns="">
           <p:pic>
             <p:nvPicPr>
               <p:cNvPr id="10" name="Ink 9"/>
@@ -12238,8 +12445,8 @@
           </p:pic>
         </mc:Fallback>
       </mc:AlternateContent>
-      <mc:AlternateContent xmlns:mc="http://schemas.openxmlformats.org/markup-compatibility/2006">
-        <mc:Choice xmlns:p14="http://schemas.microsoft.com/office/powerpoint/2010/main" Requires="p14">
+      <mc:AlternateContent xmlns:mc="http://schemas.openxmlformats.org/markup-compatibility/2006" xmlns:p14="http://schemas.microsoft.com/office/powerpoint/2010/main">
+        <mc:Choice Requires="p14">
           <p:contentPart p14:bwMode="auto" r:id="rId6">
             <p14:nvContentPartPr>
               <p14:cNvPr id="15" name="Ink 14"/>
@@ -12252,7 +12459,7 @@
             </p14:xfrm>
           </p:contentPart>
         </mc:Choice>
-        <mc:Fallback>
+        <mc:Fallback xmlns="">
           <p:pic>
             <p:nvPicPr>
               <p:cNvPr id="15" name="Ink 14"/>
@@ -12328,8 +12535,8 @@
           </a:p>
         </p:txBody>
       </p:sp>
-      <mc:AlternateContent xmlns:mc="http://schemas.openxmlformats.org/markup-compatibility/2006">
-        <mc:Choice xmlns:p14="http://schemas.microsoft.com/office/powerpoint/2010/main" Requires="p14">
+      <mc:AlternateContent xmlns:mc="http://schemas.openxmlformats.org/markup-compatibility/2006" xmlns:p14="http://schemas.microsoft.com/office/powerpoint/2010/main">
+        <mc:Choice Requires="p14">
           <p:contentPart p14:bwMode="auto" r:id="rId8">
             <p14:nvContentPartPr>
               <p14:cNvPr id="22" name="Ink 21"/>
@@ -12342,7 +12549,7 @@
             </p14:xfrm>
           </p:contentPart>
         </mc:Choice>
-        <mc:Fallback>
+        <mc:Fallback xmlns="">
           <p:pic>
             <p:nvPicPr>
               <p:cNvPr id="22" name="Ink 21"/>
@@ -12367,8 +12574,8 @@
           </p:pic>
         </mc:Fallback>
       </mc:AlternateContent>
-      <mc:AlternateContent xmlns:mc="http://schemas.openxmlformats.org/markup-compatibility/2006">
-        <mc:Choice xmlns:p14="http://schemas.microsoft.com/office/powerpoint/2010/main" Requires="p14">
+      <mc:AlternateContent xmlns:mc="http://schemas.openxmlformats.org/markup-compatibility/2006" xmlns:p14="http://schemas.microsoft.com/office/powerpoint/2010/main">
+        <mc:Choice Requires="p14">
           <p:contentPart p14:bwMode="auto" r:id="rId10">
             <p14:nvContentPartPr>
               <p14:cNvPr id="23" name="Ink 22"/>
@@ -12381,7 +12588,7 @@
             </p14:xfrm>
           </p:contentPart>
         </mc:Choice>
-        <mc:Fallback>
+        <mc:Fallback xmlns="">
           <p:pic>
             <p:nvPicPr>
               <p:cNvPr id="23" name="Ink 22"/>
@@ -12406,8 +12613,8 @@
           </p:pic>
         </mc:Fallback>
       </mc:AlternateContent>
-      <mc:AlternateContent xmlns:mc="http://schemas.openxmlformats.org/markup-compatibility/2006">
-        <mc:Choice xmlns:p14="http://schemas.microsoft.com/office/powerpoint/2010/main" Requires="p14">
+      <mc:AlternateContent xmlns:mc="http://schemas.openxmlformats.org/markup-compatibility/2006" xmlns:p14="http://schemas.microsoft.com/office/powerpoint/2010/main">
+        <mc:Choice Requires="p14">
           <p:contentPart p14:bwMode="auto" r:id="rId12">
             <p14:nvContentPartPr>
               <p14:cNvPr id="27" name="Ink 26"/>
@@ -12420,7 +12627,7 @@
             </p14:xfrm>
           </p:contentPart>
         </mc:Choice>
-        <mc:Fallback>
+        <mc:Fallback xmlns="">
           <p:pic>
             <p:nvPicPr>
               <p:cNvPr id="27" name="Ink 26"/>
@@ -12539,8 +12746,8 @@
         </p:nvSpPr>
         <p:spPr>
           <a:xfrm>
-            <a:off x="6869639" y="2077951"/>
-            <a:ext cx="4953912" cy="609224"/>
+            <a:off x="7059367" y="2077951"/>
+            <a:ext cx="4574964" cy="609224"/>
           </a:xfrm>
           <a:prstGeom prst="rect">
             <a:avLst/>
@@ -12587,8 +12794,8 @@
         </p:nvSpPr>
         <p:spPr>
           <a:xfrm>
-            <a:off x="6869639" y="3700061"/>
-            <a:ext cx="4953912" cy="645760"/>
+            <a:off x="7059367" y="3700061"/>
+            <a:ext cx="4574964" cy="645760"/>
           </a:xfrm>
           <a:prstGeom prst="rect">
             <a:avLst/>
@@ -12635,8 +12842,8 @@
         </p:nvSpPr>
         <p:spPr>
           <a:xfrm>
-            <a:off x="6869639" y="5022915"/>
-            <a:ext cx="4953912" cy="431194"/>
+            <a:off x="7059367" y="5022915"/>
+            <a:ext cx="4574964" cy="431194"/>
           </a:xfrm>
           <a:prstGeom prst="rect">
             <a:avLst/>
@@ -13723,6 +13930,162 @@
           </a:p>
         </p:txBody>
       </p:sp>
+      <mc:AlternateContent xmlns:mc="http://schemas.openxmlformats.org/markup-compatibility/2006" xmlns:p14="http://schemas.microsoft.com/office/powerpoint/2010/main">
+        <mc:Choice Requires="p14">
+          <p:contentPart p14:bwMode="auto" r:id="rId3">
+            <p14:nvContentPartPr>
+              <p14:cNvPr id="6" name="Ink 5"/>
+              <p14:cNvContentPartPr/>
+              <p14:nvPr/>
+            </p14:nvContentPartPr>
+            <p14:xfrm>
+              <a:off x="3789223" y="1375594"/>
+              <a:ext cx="1846800" cy="2231280"/>
+            </p14:xfrm>
+          </p:contentPart>
+        </mc:Choice>
+        <mc:Fallback xmlns="">
+          <p:pic>
+            <p:nvPicPr>
+              <p:cNvPr id="6" name="Ink 5"/>
+              <p:cNvPicPr/>
+              <p:nvPr/>
+            </p:nvPicPr>
+            <p:blipFill>
+              <a:blip r:embed="rId4"/>
+              <a:stretch>
+                <a:fillRect/>
+              </a:stretch>
+            </p:blipFill>
+            <p:spPr>
+              <a:xfrm>
+                <a:off x="3783103" y="1365154"/>
+                <a:ext cx="1863000" cy="2250720"/>
+              </a:xfrm>
+              <a:prstGeom prst="rect">
+                <a:avLst/>
+              </a:prstGeom>
+            </p:spPr>
+          </p:pic>
+        </mc:Fallback>
+      </mc:AlternateContent>
+      <mc:AlternateContent xmlns:mc="http://schemas.openxmlformats.org/markup-compatibility/2006" xmlns:p14="http://schemas.microsoft.com/office/powerpoint/2010/main">
+        <mc:Choice Requires="p14">
+          <p:contentPart p14:bwMode="auto" r:id="rId5">
+            <p14:nvContentPartPr>
+              <p14:cNvPr id="15" name="Ink 14"/>
+              <p14:cNvContentPartPr/>
+              <p14:nvPr/>
+            </p14:nvContentPartPr>
+            <p14:xfrm>
+              <a:off x="5573383" y="1684114"/>
+              <a:ext cx="2582640" cy="805680"/>
+            </p14:xfrm>
+          </p:contentPart>
+        </mc:Choice>
+        <mc:Fallback xmlns="">
+          <p:pic>
+            <p:nvPicPr>
+              <p:cNvPr id="15" name="Ink 14"/>
+              <p:cNvPicPr/>
+              <p:nvPr/>
+            </p:nvPicPr>
+            <p:blipFill>
+              <a:blip r:embed="rId6"/>
+              <a:stretch>
+                <a:fillRect/>
+              </a:stretch>
+            </p:blipFill>
+            <p:spPr>
+              <a:xfrm>
+                <a:off x="5567263" y="1677994"/>
+                <a:ext cx="2595240" cy="819720"/>
+              </a:xfrm>
+              <a:prstGeom prst="rect">
+                <a:avLst/>
+              </a:prstGeom>
+            </p:spPr>
+          </p:pic>
+        </mc:Fallback>
+      </mc:AlternateContent>
+      <mc:AlternateContent xmlns:mc="http://schemas.openxmlformats.org/markup-compatibility/2006" xmlns:p14="http://schemas.microsoft.com/office/powerpoint/2010/main">
+        <mc:Choice Requires="p14">
+          <p:contentPart p14:bwMode="auto" r:id="rId7">
+            <p14:nvContentPartPr>
+              <p14:cNvPr id="25" name="Ink 24"/>
+              <p14:cNvContentPartPr/>
+              <p14:nvPr/>
+            </p14:nvContentPartPr>
+            <p14:xfrm>
+              <a:off x="3780583" y="3633154"/>
+              <a:ext cx="1352520" cy="1773000"/>
+            </p14:xfrm>
+          </p:contentPart>
+        </mc:Choice>
+        <mc:Fallback xmlns="">
+          <p:pic>
+            <p:nvPicPr>
+              <p:cNvPr id="25" name="Ink 24"/>
+              <p:cNvPicPr/>
+              <p:nvPr/>
+            </p:nvPicPr>
+            <p:blipFill>
+              <a:blip r:embed="rId8"/>
+              <a:stretch>
+                <a:fillRect/>
+              </a:stretch>
+            </p:blipFill>
+            <p:spPr>
+              <a:xfrm>
+                <a:off x="3774823" y="3621994"/>
+                <a:ext cx="1369440" cy="1793520"/>
+              </a:xfrm>
+              <a:prstGeom prst="rect">
+                <a:avLst/>
+              </a:prstGeom>
+            </p:spPr>
+          </p:pic>
+        </mc:Fallback>
+      </mc:AlternateContent>
+      <mc:AlternateContent xmlns:mc="http://schemas.openxmlformats.org/markup-compatibility/2006" xmlns:p14="http://schemas.microsoft.com/office/powerpoint/2010/main">
+        <mc:Choice Requires="p14">
+          <p:contentPart p14:bwMode="auto" r:id="rId9">
+            <p14:nvContentPartPr>
+              <p14:cNvPr id="31" name="Ink 30"/>
+              <p14:cNvContentPartPr/>
+              <p14:nvPr/>
+            </p14:nvContentPartPr>
+            <p14:xfrm>
+              <a:off x="5096023" y="3995314"/>
+              <a:ext cx="5460480" cy="755280"/>
+            </p14:xfrm>
+          </p:contentPart>
+        </mc:Choice>
+        <mc:Fallback xmlns="">
+          <p:pic>
+            <p:nvPicPr>
+              <p:cNvPr id="31" name="Ink 30"/>
+              <p:cNvPicPr/>
+              <p:nvPr/>
+            </p:nvPicPr>
+            <p:blipFill>
+              <a:blip r:embed="rId10"/>
+              <a:stretch>
+                <a:fillRect/>
+              </a:stretch>
+            </p:blipFill>
+            <p:spPr>
+              <a:xfrm>
+                <a:off x="5091703" y="3988834"/>
+                <a:ext cx="5468760" cy="768600"/>
+              </a:xfrm>
+              <a:prstGeom prst="rect">
+                <a:avLst/>
+              </a:prstGeom>
+            </p:spPr>
+          </p:pic>
+        </mc:Fallback>
+      </mc:AlternateContent>
     </p:spTree>
     <p:extLst>
       <p:ext uri="{BB962C8B-B14F-4D97-AF65-F5344CB8AC3E}">
@@ -13733,6 +14096,212 @@
   <p:clrMapOvr>
     <a:masterClrMapping/>
   </p:clrMapOvr>
+  <p:timing>
+    <p:tnLst>
+      <p:par>
+        <p:cTn id="1" dur="indefinite" restart="never" nodeType="tmRoot">
+          <p:childTnLst>
+            <p:seq concurrent="1" nextAc="seek">
+              <p:cTn id="2" dur="indefinite" nodeType="mainSeq">
+                <p:childTnLst>
+                  <p:par>
+                    <p:cTn id="3" fill="hold">
+                      <p:stCondLst>
+                        <p:cond delay="indefinite"/>
+                      </p:stCondLst>
+                      <p:childTnLst>
+                        <p:par>
+                          <p:cTn id="4" fill="hold">
+                            <p:stCondLst>
+                              <p:cond delay="0"/>
+                            </p:stCondLst>
+                            <p:childTnLst>
+                              <p:par>
+                                <p:cTn id="5" presetID="10" presetClass="entr" presetSubtype="0" fill="hold" nodeType="clickEffect">
+                                  <p:stCondLst>
+                                    <p:cond delay="0"/>
+                                  </p:stCondLst>
+                                  <p:childTnLst>
+                                    <p:set>
+                                      <p:cBhvr>
+                                        <p:cTn id="6" dur="1" fill="hold">
+                                          <p:stCondLst>
+                                            <p:cond delay="0"/>
+                                          </p:stCondLst>
+                                        </p:cTn>
+                                        <p:tgtEl>
+                                          <p:spTgt spid="6"/>
+                                        </p:tgtEl>
+                                        <p:attrNameLst>
+                                          <p:attrName>style.visibility</p:attrName>
+                                        </p:attrNameLst>
+                                      </p:cBhvr>
+                                      <p:to>
+                                        <p:strVal val="visible"/>
+                                      </p:to>
+                                    </p:set>
+                                    <p:animEffect transition="in" filter="fade">
+                                      <p:cBhvr>
+                                        <p:cTn id="7" dur="500"/>
+                                        <p:tgtEl>
+                                          <p:spTgt spid="6"/>
+                                        </p:tgtEl>
+                                      </p:cBhvr>
+                                    </p:animEffect>
+                                  </p:childTnLst>
+                                </p:cTn>
+                              </p:par>
+                              <p:par>
+                                <p:cTn id="8" presetID="10" presetClass="entr" presetSubtype="0" fill="hold" nodeType="withEffect">
+                                  <p:stCondLst>
+                                    <p:cond delay="0"/>
+                                  </p:stCondLst>
+                                  <p:childTnLst>
+                                    <p:set>
+                                      <p:cBhvr>
+                                        <p:cTn id="9" dur="1" fill="hold">
+                                          <p:stCondLst>
+                                            <p:cond delay="0"/>
+                                          </p:stCondLst>
+                                        </p:cTn>
+                                        <p:tgtEl>
+                                          <p:spTgt spid="15"/>
+                                        </p:tgtEl>
+                                        <p:attrNameLst>
+                                          <p:attrName>style.visibility</p:attrName>
+                                        </p:attrNameLst>
+                                      </p:cBhvr>
+                                      <p:to>
+                                        <p:strVal val="visible"/>
+                                      </p:to>
+                                    </p:set>
+                                    <p:animEffect transition="in" filter="fade">
+                                      <p:cBhvr>
+                                        <p:cTn id="10" dur="500"/>
+                                        <p:tgtEl>
+                                          <p:spTgt spid="15"/>
+                                        </p:tgtEl>
+                                      </p:cBhvr>
+                                    </p:animEffect>
+                                  </p:childTnLst>
+                                </p:cTn>
+                              </p:par>
+                            </p:childTnLst>
+                          </p:cTn>
+                        </p:par>
+                      </p:childTnLst>
+                    </p:cTn>
+                  </p:par>
+                  <p:par>
+                    <p:cTn id="11" fill="hold">
+                      <p:stCondLst>
+                        <p:cond delay="indefinite"/>
+                      </p:stCondLst>
+                      <p:childTnLst>
+                        <p:par>
+                          <p:cTn id="12" fill="hold">
+                            <p:stCondLst>
+                              <p:cond delay="0"/>
+                            </p:stCondLst>
+                            <p:childTnLst>
+                              <p:par>
+                                <p:cTn id="13" presetID="10" presetClass="entr" presetSubtype="0" fill="hold" nodeType="clickEffect">
+                                  <p:stCondLst>
+                                    <p:cond delay="0"/>
+                                  </p:stCondLst>
+                                  <p:childTnLst>
+                                    <p:set>
+                                      <p:cBhvr>
+                                        <p:cTn id="14" dur="1" fill="hold">
+                                          <p:stCondLst>
+                                            <p:cond delay="0"/>
+                                          </p:stCondLst>
+                                        </p:cTn>
+                                        <p:tgtEl>
+                                          <p:spTgt spid="31"/>
+                                        </p:tgtEl>
+                                        <p:attrNameLst>
+                                          <p:attrName>style.visibility</p:attrName>
+                                        </p:attrNameLst>
+                                      </p:cBhvr>
+                                      <p:to>
+                                        <p:strVal val="visible"/>
+                                      </p:to>
+                                    </p:set>
+                                    <p:animEffect transition="in" filter="fade">
+                                      <p:cBhvr>
+                                        <p:cTn id="15" dur="500"/>
+                                        <p:tgtEl>
+                                          <p:spTgt spid="31"/>
+                                        </p:tgtEl>
+                                      </p:cBhvr>
+                                    </p:animEffect>
+                                  </p:childTnLst>
+                                </p:cTn>
+                              </p:par>
+                              <p:par>
+                                <p:cTn id="16" presetID="10" presetClass="entr" presetSubtype="0" fill="hold" nodeType="withEffect">
+                                  <p:stCondLst>
+                                    <p:cond delay="0"/>
+                                  </p:stCondLst>
+                                  <p:childTnLst>
+                                    <p:set>
+                                      <p:cBhvr>
+                                        <p:cTn id="17" dur="1" fill="hold">
+                                          <p:stCondLst>
+                                            <p:cond delay="0"/>
+                                          </p:stCondLst>
+                                        </p:cTn>
+                                        <p:tgtEl>
+                                          <p:spTgt spid="25"/>
+                                        </p:tgtEl>
+                                        <p:attrNameLst>
+                                          <p:attrName>style.visibility</p:attrName>
+                                        </p:attrNameLst>
+                                      </p:cBhvr>
+                                      <p:to>
+                                        <p:strVal val="visible"/>
+                                      </p:to>
+                                    </p:set>
+                                    <p:animEffect transition="in" filter="fade">
+                                      <p:cBhvr>
+                                        <p:cTn id="18" dur="500"/>
+                                        <p:tgtEl>
+                                          <p:spTgt spid="25"/>
+                                        </p:tgtEl>
+                                      </p:cBhvr>
+                                    </p:animEffect>
+                                  </p:childTnLst>
+                                </p:cTn>
+                              </p:par>
+                            </p:childTnLst>
+                          </p:cTn>
+                        </p:par>
+                      </p:childTnLst>
+                    </p:cTn>
+                  </p:par>
+                </p:childTnLst>
+              </p:cTn>
+              <p:prevCondLst>
+                <p:cond evt="onPrev" delay="0">
+                  <p:tgtEl>
+                    <p:sldTgt/>
+                  </p:tgtEl>
+                </p:cond>
+              </p:prevCondLst>
+              <p:nextCondLst>
+                <p:cond evt="onNext" delay="0">
+                  <p:tgtEl>
+                    <p:sldTgt/>
+                  </p:tgtEl>
+                </p:cond>
+              </p:nextCondLst>
+            </p:seq>
+          </p:childTnLst>
+        </p:cTn>
+      </p:par>
+    </p:tnLst>
+  </p:timing>
 </p:sld>
 </file>
 
@@ -13857,8 +14426,8 @@
           </a:prstGeom>
         </p:spPr>
       </p:pic>
-      <mc:AlternateContent xmlns:mc="http://schemas.openxmlformats.org/markup-compatibility/2006">
-        <mc:Choice xmlns:p14="http://schemas.microsoft.com/office/powerpoint/2010/main" Requires="p14">
+      <mc:AlternateContent xmlns:mc="http://schemas.openxmlformats.org/markup-compatibility/2006" xmlns:p14="http://schemas.microsoft.com/office/powerpoint/2010/main">
+        <mc:Choice Requires="p14">
           <p:contentPart p14:bwMode="auto" r:id="rId5">
             <p14:nvContentPartPr>
               <p14:cNvPr id="9" name="Ink 8"/>
@@ -13871,7 +14440,7 @@
             </p14:xfrm>
           </p:contentPart>
         </mc:Choice>
-        <mc:Fallback>
+        <mc:Fallback xmlns="">
           <p:pic>
             <p:nvPicPr>
               <p:cNvPr id="9" name="Ink 8"/>
@@ -13919,8 +14488,8 @@
           </a:p>
         </p:txBody>
       </p:sp>
-      <mc:AlternateContent xmlns:mc="http://schemas.openxmlformats.org/markup-compatibility/2006">
-        <mc:Choice xmlns:p14="http://schemas.microsoft.com/office/powerpoint/2010/main" Requires="p14">
+      <mc:AlternateContent xmlns:mc="http://schemas.openxmlformats.org/markup-compatibility/2006" xmlns:p14="http://schemas.microsoft.com/office/powerpoint/2010/main">
+        <mc:Choice Requires="p14">
           <p:contentPart p14:bwMode="auto" r:id="rId7">
             <p14:nvContentPartPr>
               <p14:cNvPr id="8" name="Ink 7"/>
@@ -13933,7 +14502,7 @@
             </p14:xfrm>
           </p:contentPart>
         </mc:Choice>
-        <mc:Fallback>
+        <mc:Fallback xmlns="">
           <p:pic>
             <p:nvPicPr>
               <p:cNvPr id="8" name="Ink 7"/>
@@ -13958,8 +14527,8 @@
           </p:pic>
         </mc:Fallback>
       </mc:AlternateContent>
-      <mc:AlternateContent xmlns:mc="http://schemas.openxmlformats.org/markup-compatibility/2006">
-        <mc:Choice xmlns:p14="http://schemas.microsoft.com/office/powerpoint/2010/main" Requires="p14">
+      <mc:AlternateContent xmlns:mc="http://schemas.openxmlformats.org/markup-compatibility/2006" xmlns:p14="http://schemas.microsoft.com/office/powerpoint/2010/main">
+        <mc:Choice Requires="p14">
           <p:contentPart p14:bwMode="auto" r:id="rId9">
             <p14:nvContentPartPr>
               <p14:cNvPr id="11" name="Ink 10"/>
@@ -13972,7 +14541,7 @@
             </p14:xfrm>
           </p:contentPart>
         </mc:Choice>
-        <mc:Fallback>
+        <mc:Fallback xmlns="">
           <p:pic>
             <p:nvPicPr>
               <p:cNvPr id="11" name="Ink 10"/>
@@ -14721,8 +15290,8 @@
           </a:prstGeom>
         </p:spPr>
       </p:pic>
-      <mc:AlternateContent xmlns:mc="http://schemas.openxmlformats.org/markup-compatibility/2006">
-        <mc:Choice xmlns:p14="http://schemas.microsoft.com/office/powerpoint/2010/main" Requires="p14">
+      <mc:AlternateContent xmlns:mc="http://schemas.openxmlformats.org/markup-compatibility/2006" xmlns:p14="http://schemas.microsoft.com/office/powerpoint/2010/main">
+        <mc:Choice Requires="p14">
           <p:contentPart p14:bwMode="auto" r:id="rId4">
             <p14:nvContentPartPr>
               <p14:cNvPr id="16" name="Input penna 15"/>
@@ -14735,7 +15304,7 @@
             </p14:xfrm>
           </p:contentPart>
         </mc:Choice>
-        <mc:Fallback>
+        <mc:Fallback xmlns="">
           <p:pic>
             <p:nvPicPr>
               <p:cNvPr id="16" name="Input penna 15"/>
@@ -14760,8 +15329,8 @@
           </p:pic>
         </mc:Fallback>
       </mc:AlternateContent>
-      <mc:AlternateContent xmlns:mc="http://schemas.openxmlformats.org/markup-compatibility/2006">
-        <mc:Choice xmlns:p14="http://schemas.microsoft.com/office/powerpoint/2010/main" Requires="p14">
+      <mc:AlternateContent xmlns:mc="http://schemas.openxmlformats.org/markup-compatibility/2006" xmlns:p14="http://schemas.microsoft.com/office/powerpoint/2010/main">
+        <mc:Choice Requires="p14">
           <p:contentPart p14:bwMode="auto" r:id="rId6">
             <p14:nvContentPartPr>
               <p14:cNvPr id="19" name="Input penna 18"/>
@@ -14774,7 +15343,7 @@
             </p14:xfrm>
           </p:contentPart>
         </mc:Choice>
-        <mc:Fallback>
+        <mc:Fallback xmlns="">
           <p:pic>
             <p:nvPicPr>
               <p:cNvPr id="19" name="Input penna 18"/>
@@ -14799,8 +15368,8 @@
           </p:pic>
         </mc:Fallback>
       </mc:AlternateContent>
-      <mc:AlternateContent xmlns:mc="http://schemas.openxmlformats.org/markup-compatibility/2006">
-        <mc:Choice xmlns:p14="http://schemas.microsoft.com/office/powerpoint/2010/main" Requires="p14">
+      <mc:AlternateContent xmlns:mc="http://schemas.openxmlformats.org/markup-compatibility/2006" xmlns:p14="http://schemas.microsoft.com/office/powerpoint/2010/main">
+        <mc:Choice Requires="p14">
           <p:contentPart p14:bwMode="auto" r:id="rId8">
             <p14:nvContentPartPr>
               <p14:cNvPr id="20" name="Input penna 19"/>
@@ -14813,7 +15382,7 @@
             </p14:xfrm>
           </p:contentPart>
         </mc:Choice>
-        <mc:Fallback>
+        <mc:Fallback xmlns="">
           <p:pic>
             <p:nvPicPr>
               <p:cNvPr id="20" name="Input penna 19"/>
@@ -15135,8 +15704,8 @@
           </a:prstGeom>
         </p:spPr>
       </p:pic>
-      <mc:AlternateContent xmlns:mc="http://schemas.openxmlformats.org/markup-compatibility/2006">
-        <mc:Choice xmlns:p14="http://schemas.microsoft.com/office/powerpoint/2010/main" Requires="p14">
+      <mc:AlternateContent xmlns:mc="http://schemas.openxmlformats.org/markup-compatibility/2006" xmlns:p14="http://schemas.microsoft.com/office/powerpoint/2010/main">
+        <mc:Choice Requires="p14">
           <p:contentPart p14:bwMode="auto" r:id="rId3">
             <p14:nvContentPartPr>
               <p14:cNvPr id="20" name="Input penna 19"/>
@@ -15149,7 +15718,7 @@
             </p14:xfrm>
           </p:contentPart>
         </mc:Choice>
-        <mc:Fallback>
+        <mc:Fallback xmlns="">
           <p:pic>
             <p:nvPicPr>
               <p:cNvPr id="20" name="Input penna 19"/>
@@ -15174,8 +15743,8 @@
           </p:pic>
         </mc:Fallback>
       </mc:AlternateContent>
-      <mc:AlternateContent xmlns:mc="http://schemas.openxmlformats.org/markup-compatibility/2006">
-        <mc:Choice xmlns:p14="http://schemas.microsoft.com/office/powerpoint/2010/main" Requires="p14">
+      <mc:AlternateContent xmlns:mc="http://schemas.openxmlformats.org/markup-compatibility/2006" xmlns:p14="http://schemas.microsoft.com/office/powerpoint/2010/main">
+        <mc:Choice Requires="p14">
           <p:contentPart p14:bwMode="auto" r:id="rId5">
             <p14:nvContentPartPr>
               <p14:cNvPr id="35" name="Input penna 34"/>
@@ -15188,7 +15757,7 @@
             </p14:xfrm>
           </p:contentPart>
         </mc:Choice>
-        <mc:Fallback>
+        <mc:Fallback xmlns="">
           <p:pic>
             <p:nvPicPr>
               <p:cNvPr id="35" name="Input penna 34"/>
@@ -15252,8 +15821,8 @@
           </p:pic>
         </mc:Fallback>
       </mc:AlternateContent>
-      <mc:AlternateContent xmlns:mc="http://schemas.openxmlformats.org/markup-compatibility/2006">
-        <mc:Choice xmlns:p14="http://schemas.microsoft.com/office/powerpoint/2010/main" Requires="p14">
+      <mc:AlternateContent xmlns:mc="http://schemas.openxmlformats.org/markup-compatibility/2006" xmlns:p14="http://schemas.microsoft.com/office/powerpoint/2010/main">
+        <mc:Choice Requires="p14">
           <p:contentPart p14:bwMode="auto" r:id="rId9">
             <p14:nvContentPartPr>
               <p14:cNvPr id="50" name="Input penna 49"/>
@@ -15266,7 +15835,7 @@
             </p14:xfrm>
           </p:contentPart>
         </mc:Choice>
-        <mc:Fallback>
+        <mc:Fallback xmlns="">
           <p:pic>
             <p:nvPicPr>
               <p:cNvPr id="50" name="Input penna 49"/>
@@ -15291,8 +15860,8 @@
           </p:pic>
         </mc:Fallback>
       </mc:AlternateContent>
-      <mc:AlternateContent xmlns:mc="http://schemas.openxmlformats.org/markup-compatibility/2006">
-        <mc:Choice xmlns:p14="http://schemas.microsoft.com/office/powerpoint/2010/main" Requires="p14">
+      <mc:AlternateContent xmlns:mc="http://schemas.openxmlformats.org/markup-compatibility/2006" xmlns:p14="http://schemas.microsoft.com/office/powerpoint/2010/main">
+        <mc:Choice Requires="p14">
           <p:contentPart p14:bwMode="auto" r:id="rId11">
             <p14:nvContentPartPr>
               <p14:cNvPr id="55" name="Input penna 54"/>
@@ -15305,7 +15874,7 @@
             </p14:xfrm>
           </p:contentPart>
         </mc:Choice>
-        <mc:Fallback>
+        <mc:Fallback xmlns="">
           <p:pic>
             <p:nvPicPr>
               <p:cNvPr id="55" name="Input penna 54"/>
@@ -15330,8 +15899,8 @@
           </p:pic>
         </mc:Fallback>
       </mc:AlternateContent>
-      <mc:AlternateContent xmlns:mc="http://schemas.openxmlformats.org/markup-compatibility/2006">
-        <mc:Choice xmlns:p14="http://schemas.microsoft.com/office/powerpoint/2010/main" Requires="p14">
+      <mc:AlternateContent xmlns:mc="http://schemas.openxmlformats.org/markup-compatibility/2006" xmlns:p14="http://schemas.microsoft.com/office/powerpoint/2010/main">
+        <mc:Choice Requires="p14">
           <p:contentPart p14:bwMode="auto" r:id="rId13">
             <p14:nvContentPartPr>
               <p14:cNvPr id="87" name="Input penna 86"/>
@@ -15344,7 +15913,7 @@
             </p14:xfrm>
           </p:contentPart>
         </mc:Choice>
-        <mc:Fallback>
+        <mc:Fallback xmlns="">
           <p:pic>
             <p:nvPicPr>
               <p:cNvPr id="87" name="Input penna 86"/>
@@ -15369,8 +15938,8 @@
           </p:pic>
         </mc:Fallback>
       </mc:AlternateContent>
-      <mc:AlternateContent xmlns:mc="http://schemas.openxmlformats.org/markup-compatibility/2006">
-        <mc:Choice xmlns:p14="http://schemas.microsoft.com/office/powerpoint/2010/main" Requires="p14">
+      <mc:AlternateContent xmlns:mc="http://schemas.openxmlformats.org/markup-compatibility/2006" xmlns:p14="http://schemas.microsoft.com/office/powerpoint/2010/main">
+        <mc:Choice Requires="p14">
           <p:contentPart p14:bwMode="auto" r:id="rId15">
             <p14:nvContentPartPr>
               <p14:cNvPr id="88" name="Input penna 87"/>
@@ -15383,7 +15952,7 @@
             </p14:xfrm>
           </p:contentPart>
         </mc:Choice>
-        <mc:Fallback>
+        <mc:Fallback xmlns="">
           <p:pic>
             <p:nvPicPr>
               <p:cNvPr id="88" name="Input penna 87"/>
@@ -15408,8 +15977,8 @@
           </p:pic>
         </mc:Fallback>
       </mc:AlternateContent>
-      <mc:AlternateContent xmlns:mc="http://schemas.openxmlformats.org/markup-compatibility/2006">
-        <mc:Choice xmlns:p14="http://schemas.microsoft.com/office/powerpoint/2010/main" Requires="p14">
+      <mc:AlternateContent xmlns:mc="http://schemas.openxmlformats.org/markup-compatibility/2006" xmlns:p14="http://schemas.microsoft.com/office/powerpoint/2010/main">
+        <mc:Choice Requires="p14">
           <p:contentPart p14:bwMode="auto" r:id="rId17">
             <p14:nvContentPartPr>
               <p14:cNvPr id="89" name="Input penna 88"/>
@@ -15422,7 +15991,7 @@
             </p14:xfrm>
           </p:contentPart>
         </mc:Choice>
-        <mc:Fallback>
+        <mc:Fallback xmlns="">
           <p:pic>
             <p:nvPicPr>
               <p:cNvPr id="89" name="Input penna 88"/>
@@ -15447,8 +16016,8 @@
           </p:pic>
         </mc:Fallback>
       </mc:AlternateContent>
-      <mc:AlternateContent xmlns:mc="http://schemas.openxmlformats.org/markup-compatibility/2006">
-        <mc:Choice xmlns:p14="http://schemas.microsoft.com/office/powerpoint/2010/main" Requires="p14">
+      <mc:AlternateContent xmlns:mc="http://schemas.openxmlformats.org/markup-compatibility/2006" xmlns:p14="http://schemas.microsoft.com/office/powerpoint/2010/main">
+        <mc:Choice Requires="p14">
           <p:contentPart p14:bwMode="auto" r:id="rId19">
             <p14:nvContentPartPr>
               <p14:cNvPr id="90" name="Input penna 89"/>
@@ -15461,7 +16030,7 @@
             </p14:xfrm>
           </p:contentPart>
         </mc:Choice>
-        <mc:Fallback>
+        <mc:Fallback xmlns="">
           <p:pic>
             <p:nvPicPr>
               <p:cNvPr id="90" name="Input penna 89"/>
@@ -15486,8 +16055,8 @@
           </p:pic>
         </mc:Fallback>
       </mc:AlternateContent>
-      <mc:AlternateContent xmlns:mc="http://schemas.openxmlformats.org/markup-compatibility/2006">
-        <mc:Choice xmlns:p14="http://schemas.microsoft.com/office/powerpoint/2010/main" Requires="p14">
+      <mc:AlternateContent xmlns:mc="http://schemas.openxmlformats.org/markup-compatibility/2006" xmlns:p14="http://schemas.microsoft.com/office/powerpoint/2010/main">
+        <mc:Choice Requires="p14">
           <p:contentPart p14:bwMode="auto" r:id="rId21">
             <p14:nvContentPartPr>
               <p14:cNvPr id="91" name="Input penna 90"/>
@@ -15500,7 +16069,7 @@
             </p14:xfrm>
           </p:contentPart>
         </mc:Choice>
-        <mc:Fallback>
+        <mc:Fallback xmlns="">
           <p:pic>
             <p:nvPicPr>
               <p:cNvPr id="91" name="Input penna 90"/>
@@ -15525,8 +16094,8 @@
           </p:pic>
         </mc:Fallback>
       </mc:AlternateContent>
-      <mc:AlternateContent xmlns:mc="http://schemas.openxmlformats.org/markup-compatibility/2006">
-        <mc:Choice xmlns:p14="http://schemas.microsoft.com/office/powerpoint/2010/main" Requires="p14">
+      <mc:AlternateContent xmlns:mc="http://schemas.openxmlformats.org/markup-compatibility/2006" xmlns:p14="http://schemas.microsoft.com/office/powerpoint/2010/main">
+        <mc:Choice Requires="p14">
           <p:contentPart p14:bwMode="auto" r:id="rId23">
             <p14:nvContentPartPr>
               <p14:cNvPr id="92" name="Input penna 91"/>
@@ -15539,7 +16108,7 @@
             </p14:xfrm>
           </p:contentPart>
         </mc:Choice>
-        <mc:Fallback>
+        <mc:Fallback xmlns="">
           <p:pic>
             <p:nvPicPr>
               <p:cNvPr id="92" name="Input penna 91"/>
@@ -16627,8 +17196,8 @@
           </a:p>
         </p:txBody>
       </p:sp>
-      <mc:AlternateContent xmlns:mc="http://schemas.openxmlformats.org/markup-compatibility/2006">
-        <mc:Choice xmlns:p14="http://schemas.microsoft.com/office/powerpoint/2010/main" Requires="p14">
+      <mc:AlternateContent xmlns:mc="http://schemas.openxmlformats.org/markup-compatibility/2006" xmlns:p14="http://schemas.microsoft.com/office/powerpoint/2010/main">
+        <mc:Choice Requires="p14">
           <p:contentPart p14:bwMode="auto" r:id="rId3">
             <p14:nvContentPartPr>
               <p14:cNvPr id="6" name="Input penna 5"/>
@@ -16641,7 +17210,7 @@
             </p14:xfrm>
           </p:contentPart>
         </mc:Choice>
-        <mc:Fallback>
+        <mc:Fallback xmlns="">
           <p:pic>
             <p:nvPicPr>
               <p:cNvPr id="6" name="Input penna 5"/>
@@ -16666,8 +17235,8 @@
           </p:pic>
         </mc:Fallback>
       </mc:AlternateContent>
-      <mc:AlternateContent xmlns:mc="http://schemas.openxmlformats.org/markup-compatibility/2006">
-        <mc:Choice xmlns:p14="http://schemas.microsoft.com/office/powerpoint/2010/main" Requires="p14">
+      <mc:AlternateContent xmlns:mc="http://schemas.openxmlformats.org/markup-compatibility/2006" xmlns:p14="http://schemas.microsoft.com/office/powerpoint/2010/main">
+        <mc:Choice Requires="p14">
           <p:contentPart p14:bwMode="auto" r:id="rId5">
             <p14:nvContentPartPr>
               <p14:cNvPr id="21" name="Input penna 20"/>
@@ -16680,7 +17249,7 @@
             </p14:xfrm>
           </p:contentPart>
         </mc:Choice>
-        <mc:Fallback>
+        <mc:Fallback xmlns="">
           <p:pic>
             <p:nvPicPr>
               <p:cNvPr id="21" name="Input penna 20"/>
@@ -16705,8 +17274,8 @@
           </p:pic>
         </mc:Fallback>
       </mc:AlternateContent>
-      <mc:AlternateContent xmlns:mc="http://schemas.openxmlformats.org/markup-compatibility/2006">
-        <mc:Choice xmlns:p14="http://schemas.microsoft.com/office/powerpoint/2010/main" Requires="p14">
+      <mc:AlternateContent xmlns:mc="http://schemas.openxmlformats.org/markup-compatibility/2006" xmlns:p14="http://schemas.microsoft.com/office/powerpoint/2010/main">
+        <mc:Choice Requires="p14">
           <p:contentPart p14:bwMode="auto" r:id="rId7">
             <p14:nvContentPartPr>
               <p14:cNvPr id="13" name="Input penna 12"/>
@@ -16719,7 +17288,7 @@
             </p14:xfrm>
           </p:contentPart>
         </mc:Choice>
-        <mc:Fallback>
+        <mc:Fallback xmlns="">
           <p:pic>
             <p:nvPicPr>
               <p:cNvPr id="13" name="Input penna 12"/>
@@ -16744,8 +17313,8 @@
           </p:pic>
         </mc:Fallback>
       </mc:AlternateContent>
-      <mc:AlternateContent xmlns:mc="http://schemas.openxmlformats.org/markup-compatibility/2006">
-        <mc:Choice xmlns:p14="http://schemas.microsoft.com/office/powerpoint/2010/main" Requires="p14">
+      <mc:AlternateContent xmlns:mc="http://schemas.openxmlformats.org/markup-compatibility/2006" xmlns:p14="http://schemas.microsoft.com/office/powerpoint/2010/main">
+        <mc:Choice Requires="p14">
           <p:contentPart p14:bwMode="auto" r:id="rId9">
             <p14:nvContentPartPr>
               <p14:cNvPr id="15" name="Input penna 14"/>
@@ -16758,7 +17327,7 @@
             </p14:xfrm>
           </p:contentPart>
         </mc:Choice>
-        <mc:Fallback>
+        <mc:Fallback xmlns="">
           <p:pic>
             <p:nvPicPr>
               <p:cNvPr id="15" name="Input penna 14"/>
@@ -16783,8 +17352,8 @@
           </p:pic>
         </mc:Fallback>
       </mc:AlternateContent>
-      <mc:AlternateContent xmlns:mc="http://schemas.openxmlformats.org/markup-compatibility/2006">
-        <mc:Choice xmlns:p14="http://schemas.microsoft.com/office/powerpoint/2010/main" Requires="p14">
+      <mc:AlternateContent xmlns:mc="http://schemas.openxmlformats.org/markup-compatibility/2006" xmlns:p14="http://schemas.microsoft.com/office/powerpoint/2010/main">
+        <mc:Choice Requires="p14">
           <p:contentPart p14:bwMode="auto" r:id="rId11">
             <p14:nvContentPartPr>
               <p14:cNvPr id="17" name="Input penna 16"/>
@@ -16797,7 +17366,7 @@
             </p14:xfrm>
           </p:contentPart>
         </mc:Choice>
-        <mc:Fallback>
+        <mc:Fallback xmlns="">
           <p:pic>
             <p:nvPicPr>
               <p:cNvPr id="17" name="Input penna 16"/>
@@ -16822,8 +17391,8 @@
           </p:pic>
         </mc:Fallback>
       </mc:AlternateContent>
-      <mc:AlternateContent xmlns:mc="http://schemas.openxmlformats.org/markup-compatibility/2006">
-        <mc:Choice xmlns:p14="http://schemas.microsoft.com/office/powerpoint/2010/main" Requires="p14">
+      <mc:AlternateContent xmlns:mc="http://schemas.openxmlformats.org/markup-compatibility/2006" xmlns:p14="http://schemas.microsoft.com/office/powerpoint/2010/main">
+        <mc:Choice Requires="p14">
           <p:contentPart p14:bwMode="auto" r:id="rId13">
             <p14:nvContentPartPr>
               <p14:cNvPr id="18" name="Input penna 17"/>
@@ -16836,7 +17405,7 @@
             </p14:xfrm>
           </p:contentPart>
         </mc:Choice>
-        <mc:Fallback>
+        <mc:Fallback xmlns="">
           <p:pic>
             <p:nvPicPr>
               <p:cNvPr id="18" name="Input penna 17"/>

--- a/static_control_flow/slides.pptx
+++ b/static_control_flow/slides.pptx
@@ -5,10 +5,10 @@
     <p:sldMasterId id="2147483648" r:id="rId1"/>
   </p:sldMasterIdLst>
   <p:notesMasterIdLst>
-    <p:notesMasterId r:id="rId28"/>
+    <p:notesMasterId r:id="rId29"/>
   </p:notesMasterIdLst>
   <p:handoutMasterIdLst>
-    <p:handoutMasterId r:id="rId29"/>
+    <p:handoutMasterId r:id="rId30"/>
   </p:handoutMasterIdLst>
   <p:sldIdLst>
     <p:sldId id="259" r:id="rId2"/>
@@ -36,7 +36,8 @@
     <p:sldId id="257" r:id="rId24"/>
     <p:sldId id="258" r:id="rId25"/>
     <p:sldId id="279" r:id="rId26"/>
-    <p:sldId id="282" r:id="rId27"/>
+    <p:sldId id="283" r:id="rId27"/>
+    <p:sldId id="282" r:id="rId28"/>
   </p:sldIdLst>
   <p:sldSz cx="12192000" cy="6858000"/>
   <p:notesSz cx="6858000" cy="9144000"/>
@@ -239,7 +240,7 @@
           <a:p>
             <a:fld id="{B835C864-C2F5-4AEB-9E9D-2ABD48E450D2}" type="datetimeFigureOut">
               <a:rPr lang="it-IT" smtClean="0"/>
-              <a:t>24/08/2016</a:t>
+              <a:t>26/08/2016</a:t>
             </a:fld>
             <a:endParaRPr lang="it-IT"/>
           </a:p>
@@ -576,7 +577,7 @@
           <inkml:trace contextRef="#ctx0" brushRef="#br0" timeOffset="-462.833">-2840-565 17 0,'-24'-37'8'0,"-5"6"4"0,23 20 9 15,-6-5-16-15,-6 1 0 16,1 10 3-16,-1-6 0 16,0 1-10-16,1-6 1 15,5 5 8-15,0 1 0 16,6-6-2-16,6-15 1 15,6-1-1-15,6 1 0 0,11 5-1 16,7 0 1-16,11-1-1 16,6 6 0-16,6 6-1 15,0 4 1-15,6 6-1 16,-6 5 1-16,0 0-1 16,0 21 0-16,-11-5-1 15,-1 15 0 1,-18 1 0-16,-5-1 1 0,-12 11-2 15,-12 5 1-15,-18 0 0 16,-11 21 0-16,-6-5-1 16,-6-11 1-16,0 1-1 15,-6-6 1-15,0 0-2 16,5-10 1-16,7-1-1 16,0-4 1-16,12-6-1 0,11-5 0 15,12 0 0-15,12 0 1 16,12 0 0-16,11-6 1 15,18 6 0-15,0-10 1 16,12-11-1-16,12-5 0 16,5-11 0-16,-5-5 0 15,0 0-1-15,-12-5 0 0,0 0-1 16,-6 5 0-16,0 0-6 16,-6 5 1-16,-12 11-12 15,1 15 0-15,-1 11-8 16,0 11 1-16</inkml:trace>
           <inkml:trace contextRef="#ctx0" brushRef="#br0" timeOffset="868.7639">-1090-749 28 0,'-6'16'14'0,"29"-11"-1"15,-11-5 14-15,6-5-24 16,5 0 1-16,13-6 2 16,5-10 0-16,0-10-8 15,6-11 0-15,-5 6 6 0,-1-6 0 16,-6-6-2-16,-11 7 1 0,-7 4-2 16,-5 5 1-16,-6 6-1 15,-6 5 0-15,-12 16-1 16,0 10 1-16,1 16-1 15,-1 5 0-15,6 22 0 32,6-1 0-32,12 10 0 0,0 1 1 15,5 0-1-15,1 4 1 16,0-4 0-16,-1 0 0 16,-5-16 0-16,-6-1 1 15,-12-9-1-15,-6-6 0 16,-11-5 0-16,-1 5 0 15,-5-10-1-15,-7 5 1 0,-5-5-1 16,0-6 0-16,0 1 0 16,-1-1 0-16,7-5 0 15,11 0 0-15,1 1 1 16,11-12 0-16,6 12 2 16,12-6 1-16,18 5 1 15,5 0 1 1,12 0 0-16,18-15 1 0,12-1-2 15,6-4 0-15,-7-1-2 16,-5 0 1-16,-6 1-4 16,-6-1 0-16,0-5-6 15,0 10 0-15,0 1-10 16,-12 10 0-16,6-5-7 16,-11 10 0-16</inkml:trace>
           <inkml:trace contextRef="#ctx0" brushRef="#br0" timeOffset="1616.4404">506-1131 28 0,'18'5'14'0,"-6"-10"0"0,-12 5 13 0,0 0-24 16,0 0 1-16,0 0 3 15,0 0 1-15,0 0-8 16,0 0 0-16,0 0 6 15,-6 5 1-15,-12-5-1 0,0 6 0 16,-11-6-2-16,-6 0 1 16,-7 0-1-16,-5-6 0 15,0 6-2-15,6 0 1 16,0 0-2-16,-6 0 1 16,5 0-2-16,1 0 0 15,6 0 0 1,11-5 0-16,6 5-1 15,7-5 0-15,5 0 0 16,6 5 0-16,12 10 0 16,5 11 1-16,1 5-1 15,0 6 0-15,-1 20 0 16,1-5 1-16,0 6 0 16,-7-1 1-16,1-10-1 0,-6-11 0 15,0-5-1-15,0 1 1 0,0-12 0 16,0-9 0-16,5-1-1 15,7-16 1-15,6 6-1 16,5-5 1-16,6 10 0 16,7-11 0-16,5 6 0 15,-6 10 0-15,6 6 0 0,-6 4 0 16,1 6 1-16,-7 0 0 16,-5 11 0-16,-13 10 1 15,-11-11 0-15,-12 11 1 16,-11 0 0-16,-13 0 1 15,-17-6-1-15,-18 1 0 32,-6-11-1-32,1-10 0 0,-1-11-3 15,6-10 0-15,18-6-11 16,24-10 1-16,28-20-11 16,25 4 0-16</inkml:trace>
-          <inkml:trace contextRef="#ctx0" brushRef="#br0" timeOffset="-1661.3039">548 739 19 0,'5'21'9'0,"7"-27"7"0,-12 6 10 15,0 0-20-15,0 0 0 16,0 0 6-16,0 0 0 16,0 0-13-16,-6 0 1 15,0 0 10-15,1-5 1 16,-7-16-3-16,-18-5 1 16,1-21-2-1,-12-21 0-15,-7-5-2 16,-5-11 0-16,0-21-2 15,0 26 0-15,0 11-1 16,6 11 0-16,0 4-10 16,6 22 1-16,11 10-15 0,19 5 0 15</inkml:trace>
+          <inkml:trace contextRef="#ctx0" brushRef="#br0" timeOffset="-1661.3038">548 739 19 0,'5'21'9'0,"7"-27"7"0,-12 6 10 15,0 0-20-15,0 0 0 16,0 0 6-16,0 0 0 16,0 0-13-16,-6 0 1 15,0 0 10-15,1-5 1 16,-7-16-3-16,-18-5 1 16,1-21-2-1,-12-21 0-15,-7-5-2 16,-5-11 0-16,0-21-2 15,0 26 0-15,0 11-1 16,6 11 0-16,0 4-10 16,6 22 1-16,11 10-15 0,19 5 0 15</inkml:trace>
         </inkml:traceGroup>
       </inkml:traceGroup>
     </inkml:traceGroup>
@@ -684,7 +685,7 @@
             </emma:emma>
           </inkml:annotationXML>
           <inkml:trace contextRef="#ctx0" brushRef="#br0">0 69 26 0,'24'-21'13'0,"5"11"-11"16,-23-1 14-16,12 1-17 16,-7 4 1-16,7 1 4 15,-6 5 0-15,12-5-2 16,-13 5 1-16,7 0 4 15,0 5 0-15,-1-5 2 16,-5 0 0-16,0 11-1 16,0-6 0-16,-6 16-1 15,5 0 0-15,1 10-2 16,6 1 0-16,5 9-1 16,13 7 1-16,23 9-2 0,-12-10 1 15,53 16-2-15,-6 0 0 16,-17 5-3-16,-7-10 0 15,-5-16-9-15,-12-6 0 16,-11-10-10-16,-7-20 0 16</inkml:trace>
-          <inkml:trace contextRef="#ctx0" brushRef="#br0" timeOffset="1621.679">130 1535 44 0,'-24'0'22'0,"18"-36"-6"0,12 20 22 16,-6-5-31-16,6-5 0 15,6-6 3-15,6 6 0 0,-1 0-13 16,1 0 0-16,5 5 9 16,13 5 1-16,-1 0-4 15,0 1 1-15,13 4-2 16,11 6 0-16,11 5-1 16,1-5 1-16,-6 10-1 15,-12 11 1-15,-6 5 0 16,-18 15 0-16,-11 6 0 15,-12-5 0-15,-18 10 0 16,-11 5 0-16,-13 17-1 16,-11-7 1-16,0 1-2 15,-6-5 1-15,-12-11-1 16,-17 0 1-16,11 0-1 16,0-15 1-16,12 4-1 15,6-4 0-15,6-6 0 16,12 5 1-16,5-4 0 0,13-17 0 15,17 6 0-15,11-1 1 16,13-4 0-16,23 5 1 16,18-6 0-16,0-5 1 15,5 1-2-15,13-1 1 16,5 0-1-16,-5-10 1 16,-7 5-3-16,-5-11 0 15,-6-10-5-15,-6-5 1 16,-6 0-8-16,-18 0 0 15,1-11-13-15,-1 21 0 0,-17 1-2 16,5-6 0-16</inkml:trace>
+          <inkml:trace contextRef="#ctx0" brushRef="#br0" timeOffset="1621.6788">130 1535 44 0,'-24'0'22'0,"18"-36"-6"0,12 20 22 16,-6-5-31-16,6-5 0 15,6-6 3-15,6 6 0 0,-1 0-13 16,1 0 0-16,5 5 9 16,13 5 1-16,-1 0-4 15,0 1 1-15,13 4-2 16,11 6 0-16,11 5-1 16,1-5 1-16,-6 10-1 15,-12 11 1-15,-6 5 0 16,-18 15 0-16,-11 6 0 15,-12-5 0-15,-18 10 0 16,-11 5 0-16,-13 17-1 16,-11-7 1-16,0 1-2 15,-6-5 1-15,-12-11-1 16,-17 0 1-16,11 0-1 16,0-15 1-16,12 4-1 15,6-4 0-15,6-6 0 16,12 5 1-16,5-4 0 0,13-17 0 15,17 6 0-15,11-1 1 16,13-4 0-16,23 5 1 16,18-6 0-16,0-5 1 15,5 1-2-15,13-1 1 16,5 0-1-16,-5-10 1 16,-7 5-3-16,-5-11 0 15,-6-10-5-15,-6-5 1 16,-6 0-8-16,-18 0 0 15,1-11-13-15,-1 21 0 0,-17 1-2 16,5-6 0-16</inkml:trace>
           <inkml:trace contextRef="#ctx0" brushRef="#br0" timeOffset="2042.2872">1344 1420 53 0,'12'-47'26'0,"-6"16"-26"16,-6 31 47-16,-6 10-45 15,0 11 1-15,-5 10 5 16,-7 17 0-16,-6 20-8 16,13 10 0-16,5-4 7 15,6-1 0-15,6-5-1 16,-1 5 1-16,19-15-2 0,5-16 0 15,19-11-2-15,16-10 0 16,7-26-1-16,0-21 0 16,-1-16-2-16,-5-16 1 15,0-15-1-15,-18 5 0 16,-6-11 0-16,-17 1 1 16,-12-1-1-16,-12 11 0 15,-18 0 0-15,-11 0 0 16,-13 15 0-16,-11 17 0 15,-11 15-1-15,-1 26 1 16,0 11-1-16,12 15 0 0,6 11-5 16,6 5 1-16,11-10-10 15,12 0 1-15,18 10-10 16,18-26 1-16</inkml:trace>
           <inkml:trace contextRef="#ctx0" brushRef="#br0" timeOffset="2732.6771">2104 1672 49 0,'6'15'24'0,"36"1"-12"0,-19-21 33 16,-5-6-44-16,0-10 0 15,5-10 2-15,1 5 1 0,5-16-5 16,1-16 1 0,5-5 2-16,-6 6 0 0,-5-1-1 15,0 0 1-15,-1 6-2 16,-5 10 0-16,-6 11 0 16,-7 20 0-16,-5 27 1 15,6 10 0-15,-6 32 0 16,6 15 0-16,0 27 0 15,6-1 0-15,0 11 0 16,-6-10 0-16,-1-11 0 16,-10-16 0-16,-7-21-1 15,-12-10 1-15,-11-5-2 16,-6 0 1-16,11-27 0 16,-5-5 0-16,-6-5-1 15,5-10 0-15,1-11 0 16,5-5 0-16,7 15 2 15,5 1 1-15,6-1 1 0,12 11 0 16,12 0 3-16,6 0 0 16,11 0 1-16,13 0 0 15,22 0-1-15,13-5 1 16,5-5-2-16,-5 4 0 16,-6 1-5-16,-1 0 0 15,-5 0-8-15,-6-6 0 16,-6 1-16-16,0 4 1 15,-23-9-4-15,5-6 1 16</inkml:trace>
           <inkml:trace contextRef="#ctx0" brushRef="#br0" timeOffset="3182.2569">3200 1808 56 0,'6'-27'28'0,"47"-72"-31"16,-29 68 48-16,11 4-40 15,6 6 0-15,1 11 2 16,5-1 1-16,-6 22-10 15,0 10 0-15,-11 16 6 0,-7 10 1 16,-5 0-3-16,0 0 1 16,-12 5-1-16,-6 1 0 15,-12-1-1-15,-18-15 1 16,7-6 0-16,-19-5 0 16,1-26 1-16,0-15 0 15,0-27 0-15,5-11 0 16,-5-15 0-16,23-5 0 15,7-11 0-15,11-15 1 16,11-1-2-16,19 6 1 16,11-6-2-16,0 1 1 15,7 15-3-15,-7 6 0 0,18-1-13 16,-6 16 0-16,17 16-12 16,1 5 1-16</inkml:trace>
@@ -696,122 +697,6 @@
 </file>
 
 <file path=ppt/ink/ink16.xml><?xml version="1.0" encoding="utf-8"?>
-<inkml:ink xmlns:inkml="http://www.w3.org/2003/InkML">
-  <inkml:definitions>
-    <inkml:context xml:id="ctx0">
-      <inkml:inkSource xml:id="inkSrc0">
-        <inkml:traceFormat>
-          <inkml:channel name="X" type="integer" max="9600" units="cm"/>
-          <inkml:channel name="Y" type="integer" max="7200" units="cm"/>
-          <inkml:channel name="F" type="integer" max="256" units="dev"/>
-          <inkml:channel name="T" type="integer" max="2.14748E9" units="dev"/>
-        </inkml:traceFormat>
-        <inkml:channelProperties>
-          <inkml:channelProperty channel="X" name="resolution" value="377.95276" units="1/cm"/>
-          <inkml:channelProperty channel="Y" name="resolution" value="425.28058" units="1/cm"/>
-          <inkml:channelProperty channel="F" name="resolution" value="0" units="1/dev"/>
-          <inkml:channelProperty channel="T" name="resolution" value="1" units="1/dev"/>
-        </inkml:channelProperties>
-      </inkml:inkSource>
-      <inkml:timestamp xml:id="ts0" timeString="2016-08-22T11:10:43.967"/>
-    </inkml:context>
-    <inkml:brush xml:id="br0">
-      <inkml:brushProperty name="width" value="0.05" units="cm"/>
-      <inkml:brushProperty name="height" value="0.05" units="cm"/>
-      <inkml:brushProperty name="color" value="#ED1C24"/>
-      <inkml:brushProperty name="fitToCurve" value="1"/>
-    </inkml:brush>
-  </inkml:definitions>
-  <inkml:traceGroup>
-    <inkml:annotationXML>
-      <emma:emma xmlns:emma="http://www.w3.org/2003/04/emma" version="1.0">
-        <emma:interpretation id="{5600FF79-9BAC-4C33-90A8-20DFC02FDD21}" emma:medium="tactile" emma:mode="ink">
-          <msink:context xmlns:msink="http://schemas.microsoft.com/ink/2010/main" type="writingRegion" rotatedBoundingBox="7902,12013 20297,8693 22446,16719 10051,20038"/>
-        </emma:interpretation>
-      </emma:emma>
-    </inkml:annotationXML>
-    <inkml:traceGroup>
-      <inkml:annotationXML>
-        <emma:emma xmlns:emma="http://www.w3.org/2003/04/emma" version="1.0">
-          <emma:interpretation id="{0D9ED1DC-92E4-4AAE-98DD-C66037FD288B}" emma:medium="tactile" emma:mode="ink">
-            <msink:context xmlns:msink="http://schemas.microsoft.com/ink/2010/main" type="paragraph" rotatedBoundingBox="7902,12013 15971,9852 17323,14902 9255,17063" alignmentLevel="1"/>
-          </emma:interpretation>
-        </emma:emma>
-      </inkml:annotationXML>
-      <inkml:traceGroup>
-        <inkml:annotationXML>
-          <emma:emma xmlns:emma="http://www.w3.org/2003/04/emma" version="1.0">
-            <emma:interpretation id="{28B4585E-4FF4-4378-94DF-474052BB120B}" emma:medium="tactile" emma:mode="ink">
-              <msink:context xmlns:msink="http://schemas.microsoft.com/ink/2010/main" type="line" rotatedBoundingBox="7902,12013 15971,9852 17323,14902 9255,17063"/>
-            </emma:interpretation>
-          </emma:emma>
-        </inkml:annotationXML>
-        <inkml:traceGroup>
-          <inkml:annotationXML>
-            <emma:emma xmlns:emma="http://www.w3.org/2003/04/emma" version="1.0">
-              <emma:interpretation id="{A6C5DAFD-22B7-4878-B9FD-B848E8F63B34}" emma:medium="tactile" emma:mode="ink">
-                <msink:context xmlns:msink="http://schemas.microsoft.com/ink/2010/main" type="inkWord" rotatedBoundingBox="7902,12013 15971,9852 17323,14902 9255,17063"/>
-              </emma:interpretation>
-            </emma:emma>
-          </inkml:annotationXML>
-          <inkml:trace contextRef="#ctx0" brushRef="#br0">-4 522 60 0,'-41'100'30'0,"224"188"-31"0,-101-183 30 16,36 83-30-16,41 79 1 15,53 74-1-15,0 41 0 0,-6-31 1 16,-11-26 1-16,-30-48-1 15,-18-46 1-15,-35-38 0 16,-29-36 1-16,-30-41 0 16,-24-38 1-16,-41-52-1 15,-41-52 0-15,-29-68-1 16,-60-63 0-16,-58-89-1 16,-18-74 1-16,-24-52-1 15,30-26 0-15,41 27 1 16,54 20 1-16,52 16 1 15,53 20 0-15,47 48-1 16,36 21 1-16,53 63-1 16,53 41 1-16,5 59-3 15,13 51 0-15,-19 43 0 16,-28 36 0-16,-36 52 1 16,-59 43 0-16,-59 41 1 0,-41 32 1 15,-59-1 0-15,-24-9 0 16,-11-43-3-16,11-36 1 15,0-43-10-15,18-30 1 16,24-27-11-16,41-21 0 16,47-5-3-16,41 0 1 15</inkml:trace>
-          <inkml:trace contextRef="#ctx0" brushRef="#br0" timeOffset="810.4123">3019 1591 54 0,'-171'-152'27'0,"-53"-157"-37"16,165 225 54-16,-23-31-42 16,5-16 1-16,6 10 1 15,30-4 0-15,35 4-5 16,36 27 1-16,40 16 3 15,30 25 0-15,36 43-1 16,17 25 1-16,-23 33-1 16,-24 20 1-16,-24 42-1 15,-23 21 0 1,-106 115 0 0,-18-42 1-16,-11-31-5 15,-1-53 1-15,-5-47-7 16,5-57 1-16,0-37-3 0,18-31 1 15,12-27-1-15,30-4 1 16,28-6 3-16,37 15 0 16,28 17 5-16,36 15 1 15,12 15 2-15,-6 12 1 16,-1 4 1-16,1 6 1 16,-6 10 0-16,0-5 0 15,0 6 0-15,0-12 1 16,-12-4-2-16,-11-1 0 15,-19-4-1-15,-17-12 1 16,-17-20-1-16,-25 0 0 0,-34-16 0 16,-7-20 0-16,-5 9 0 15,-6 1 0-15,0-6-2 16,5 17 0-16,7 4-1 16,11 0 0-16,12 1-1 15,18 10 0-15,12-6 0 16,29 6 0-16,23 10 0 15,7-5 0-15,11 1-1 16,6 4 1-16,6 11-1 16,-6 5 1-16,-17 10 0 15,-18 11 0-15,-18 16-1 16,-18 26 0-16,-17 21 1 16,-18 21 0-16,0 20 2 15,0 6 0-15,6 16 0 0,6 0 1 16,12-11 0-16,5-10 0 15,25-32-2-15,16-26 0 16,19-26-4-16,-1-42 0 16,19-31-4-16,16-48 0 15,1-10-4-15,0-15 1 16,-24-6 1-16,-23-16 1 16,-30-21-3-16,-29-20 1 15,-41-22 1-15,-36-57 0 16</inkml:trace>
-          <inkml:trace contextRef="#ctx0" brushRef="#br0" timeOffset="1155.648">4939-577 44 0,'-117'-79'22'0,"75"69"-14"15,36 10 46-15,12 5-49 0,6 0 0 16,12-5 2-16,29-5 0 15,29-21-10-15,36-32 1 16,41-31 2-16,47-37 0 16,-5-5-8-16,22 11 0 15,-16 31-4-15,-1 21 0 16,-29 31-7-16,11 37 0 16</inkml:trace>
-          <inkml:trace contextRef="#ctx0" brushRef="#br0" timeOffset="998.6157">4827-2238 40 0,'-64'6'20'0,"52"114"-14"0,18-68 42 0,17 38-42 15,36 61 0-15,35 54 6 16,13 51 0-16,28 27-14 16,6 31 0-16,13-10 3 15,-7-21 0-15,-12-53-7 16,-23-41 0-16,-23-53-7 15,-24-47 0-15,-24-52-6 16,-24-32 1-16,-28-47 2 16,-54-37 1-16</inkml:trace>
-          <inkml:trace contextRef="#ctx0" brushRef="#br0" timeOffset="1606.2576">6589-195 49 0,'-18'31'24'0,"66"32"-27"16,-31-37 44-16,13 16-40 15,23 16 0-15,17 5 1 16,-5 5 0-16,12-21-3 15,-18-10 1-15,59-43 2 16,-7-51 0-16,-4-38-2 16,-13-25 1-16,-24-21 0 15,-22-1 0-15,-25-10-1 16,-23 11 1-16,-23 15-2 16,-7 32 1-16,-5 31-1 15,-1 47 1-15,7 48-1 16,5 25 0-16,36 38 0 15,18 25 0-15,34 32 1 0,43 37 1 16,10 4 0-16,48 17 1 16,18-11-1-16,11-5 1 15,-34-1 0-15,-25-25 1 16,-23-11 1-16,-30-5 0 16,-34-16 0-16,-43-5 0 15,-58-16-3-15,-53 0 0 16,-35-31-6-16,-42-26 0 15,-17-16-9-15,6-6 1 16,23-20-7-16,47-5 1 0</inkml:trace>
-        </inkml:traceGroup>
-      </inkml:traceGroup>
-    </inkml:traceGroup>
-    <inkml:traceGroup>
-      <inkml:annotationXML>
-        <emma:emma xmlns:emma="http://www.w3.org/2003/04/emma" version="1.0">
-          <emma:interpretation id="{668B074D-5F42-4596-AB00-4570BC531250}" emma:medium="tactile" emma:mode="ink">
-            <msink:context xmlns:msink="http://schemas.microsoft.com/ink/2010/main" type="paragraph" rotatedBoundingBox="13739,16497 21491,13652 22357,16011 14605,18857" alignmentLevel="2"/>
-          </emma:interpretation>
-        </emma:emma>
-      </inkml:annotationXML>
-      <inkml:traceGroup>
-        <inkml:annotationXML>
-          <emma:emma xmlns:emma="http://www.w3.org/2003/04/emma" version="1.0">
-            <emma:interpretation id="{A84382EE-575C-427A-967E-6F4E063FD4FF}" emma:medium="tactile" emma:mode="ink">
-              <msink:context xmlns:msink="http://schemas.microsoft.com/ink/2010/main" type="line" rotatedBoundingBox="13739,16497 21491,13652 22357,16011 14605,18857"/>
-            </emma:interpretation>
-          </emma:emma>
-        </inkml:annotationXML>
-        <inkml:traceGroup>
-          <inkml:annotationXML>
-            <emma:emma xmlns:emma="http://www.w3.org/2003/04/emma" version="1.0">
-              <emma:interpretation id="{FA660A77-62F8-4190-8521-04B7AC492D4D}" emma:medium="tactile" emma:mode="ink">
-                <msink:context xmlns:msink="http://schemas.microsoft.com/ink/2010/main" type="inkWord" rotatedBoundingBox="15005,16315 15150,18710 14162,18769 14017,16375"/>
-              </emma:interpretation>
-            </emma:emma>
-          </inkml:annotationXML>
-          <inkml:trace contextRef="#ctx0" brushRef="#br0" timeOffset="2191.8687">5811 4173 27 0,'53'120'13'0,"136"252"-6"0,-124-241 15 16,29 31-22-16,12 32 0 15,-6-16 1-15,-17-21 0 16,-13-21 0-16,-28-31 0 15,-25-26 0-15,1-22 1 16,-53-52 0-16,-36-25 0 16,-12-54 0-16,-23-51 0 15,-29-38-1-15,-12-52 0 0,11-10 2 16,30-10 0-16,35-1 1 16,42 21 1-16,47 16-1 15,40 16 1-15,31 26-1 16,40 26 1-16,19 26-2 15,-1 37 1-15,-17 26 0 16,-30 37 0-16,-18 47 1 16,-40 26 0-16,-37 21-1 15,1-21 1-15,-47 58-2 16,-12 10 0-16,-6 5-8 16,6 11 1-16,12-21-10 15,11-16 1-15,25-15-7 16,16-43 0-16</inkml:trace>
-        </inkml:traceGroup>
-        <inkml:traceGroup>
-          <inkml:annotationXML>
-            <emma:emma xmlns:emma="http://www.w3.org/2003/04/emma" version="1.0">
-              <emma:interpretation id="{6EE86672-DF33-45A0-82DF-F5DD7558B79B}" emma:medium="tactile" emma:mode="ink">
-                <msink:context xmlns:msink="http://schemas.microsoft.com/ink/2010/main" type="inkWord" rotatedBoundingBox="15519,15844 21491,13652 22081,15259 16109,17451"/>
-              </emma:interpretation>
-            </emma:emma>
-          </inkml:annotationXML>
-          <inkml:trace contextRef="#ctx0" brushRef="#br0" timeOffset="2342.3657">7355 3466 67 0,'100'15'33'0,"18"90"-37"0,-89-42 62 15,7 10-58-15,-1 22 0 16,0-1-19-16,-5-16 0 15,-6-10 9-15,5-20 1 16</inkml:trace>
-          <inkml:trace contextRef="#ctx0" brushRef="#br0" timeOffset="2462.1846">7797 3424 27 0,'-6'-74'13'0,"-18"22"-7"15,24 42 4-15,0-1-16 16,12 11 0-16,12 5-8 15,17 16 1-15</inkml:trace>
-          <inkml:trace contextRef="#ctx0" brushRef="#br0" timeOffset="2866.7466">8692 3361 62 0,'-17'-21'31'0,"-66"-26"-50"15,54 47 67-15,-18 10-48 16,-18 6 0-16,-6 31 2 0,6 21 1 16,6 21-1-16,6 16 0 15,30 10 1-15,17 0 1 16,24-31-1-16,35-5 1 16,11-27-9-16,25-15 1 15,17-42-10-15,6-37 0 16,23-42-4-16,1-26 0 15,-12-11 4-15,-18-20 0 16,-18-16 7-16,-35-11 0 16,-18-10 4-16,-29-5 1 15,-29 0 5-15,-19 5 1 0,1 36 2 16,12 48 1-16,5 42 1 16,18 62 0-16,18 42 4 15,23 48 0-15,18 36-1 16,6 42 0-16,18 5-9 15,5-10 0-15,1-26-15 16,-12-6 1-16,-18-31-2 16,-18-26 0-16</inkml:trace>
-          <inkml:trace contextRef="#ctx0" brushRef="#br0" timeOffset="3001.4238">9069 2994 62 0,'0'-110'31'0,"124"11"-34"15,-71 67 65-15,36-20-62 16,17-16 1-16,35-37-16 16,30-5 0-16,29-26 3 0,6-11 1 15</inkml:trace>
-          <inkml:trace contextRef="#ctx0" brushRef="#br0" timeOffset="3333.6974">10566 2926 36 0,'41'94'18'0,"30"43"-12"0,-53-95 15 0,17-11-19 15,24-5 1-15,17 0 1 16,7-15 1-16,-6-27-5 16,-1-26 0-16,-17-5 3 15,-18-26 1-15,-23-22-2 16,-12 6 0-16,-18-10-5 16,-11 10 1-16,5 21-8 15,6 15 0-15,12 6-4 16,24 16 0-1</inkml:trace>
-          <inkml:trace contextRef="#ctx0" brushRef="#br0" timeOffset="3513.3141">11680 3015 54 0,'-18'5'27'0,"-12"1"-39"0,13-22 55 16,-25-21-43-16,-11-15 0 15,-5-27 0-15,5-4 0 16,11 9 2-16,19-4 0 15,11-6 0-15,12 5 1 16,29 6-4-16,24 5 1 16,0 0-9-16,12 16 1 15,24 10-8-15,-1 21 0 16</inkml:trace>
-          <inkml:trace contextRef="#ctx0" brushRef="#br0" timeOffset="3768.2265">12169 2334 38 0,'-6'74'19'0,"17"-11"-13"0,-5-37 28 0,0 0-28 15,12 0 0-15,5-5 0 16,7-16 0-16,5-26-10 16,12-15 0-16,1-27 6 15,5-10 0-15,-6-27-3 16,-6-5 1-16,-17 6 0 16,-24 15 0-16,-18 11 0 15,-23 5 1-15,-18 31 0 16,-6 26 0-16,6 22-1 15,12 31 1-15,11 15-1 16,25 27 1-16,11 5 0 16,17 16 1-16,25-11-5 15,11-10 0-15,11-11-12 16,19-36 0-16</inkml:trace>
-          <inkml:trace contextRef="#ctx0" brushRef="#br0" timeOffset="4053.5662">13194 1460 41 0,'-83'-21'20'0,"-35"37"-16"0,89-6 24 15,-6 21-29-15,5 17 1 16,12 9 3-16,18 1 0 16,18 5-3-16,29 5 1 0,6-16 2 15,24 0 1-15,11-10 1 16,12-15 1-16,1-1 0 15,-1 0 0-15,-18 5 0 16,-17 11 0-16,-30 16-2 16,-35-1 1-16,-29-9-2 15,-18 20 1-15,-24 0-3 16,-6-5 0-16,-5-6-8 16,0 1 1-16,-7-11-14 15,18-16 1-15</inkml:trace>
-        </inkml:traceGroup>
-      </inkml:traceGroup>
-    </inkml:traceGroup>
-  </inkml:traceGroup>
-</inkml:ink>
-</file>
-
-<file path=ppt/ink/ink17.xml><?xml version="1.0" encoding="utf-8"?>
 <inkml:ink xmlns:inkml="http://www.w3.org/2003/InkML">
   <inkml:definitions>
     <inkml:context xml:id="ctx0">
@@ -878,7 +763,7 @@
 </inkml:ink>
 </file>
 
-<file path=ppt/ink/ink18.xml><?xml version="1.0" encoding="utf-8"?>
+<file path=ppt/ink/ink17.xml><?xml version="1.0" encoding="utf-8"?>
 <inkml:ink xmlns:inkml="http://www.w3.org/2003/InkML">
   <inkml:definitions>
     <inkml:context xml:id="ctx0">
@@ -918,7 +803,7 @@
 </inkml:ink>
 </file>
 
-<file path=ppt/ink/ink19.xml><?xml version="1.0" encoding="utf-8"?>
+<file path=ppt/ink/ink18.xml><?xml version="1.0" encoding="utf-8"?>
 <inkml:ink xmlns:inkml="http://www.w3.org/2003/InkML">
   <inkml:definitions>
     <inkml:context xml:id="ctx0">
@@ -955,6 +840,39 @@
     </inkml:annotationXML>
     <inkml:trace contextRef="#ctx0" brushRef="#br0">277 13721 39 0,'-47'26'19'0,"71"-83"-16"0,-12 30 19 0,17-25-16 16,36-21 0-16,41-58 5 15,65-79 0-15,64-72-11 16,90-106 0-16,111-136 10 16,70-99 0-16,77-110-2 15,89-84 0-15,82-94 0 16,65-37 1-16,47-26-3 15,42-11 0-15,11 21-1 16,-18 58 0-16,-35 58-1 16,-29 52 0-16,-83 115-3 15,-106 95 0-15,-94 140-2 16,-94 101 1-16,-125 104-2 16,-93 94 1-16,-130 95-2 15,-112 109 1-15,-124 111-2 16,-170 172 0-16,-184 168 1 15,-193 194 1-15,-142 99-1 16,-107 142 1-16,-63 89 1 0,-19 47 1 16,42-27 0-16,58-36 0 15,71-52-2-15,83-63 1 16,88-110 0-16,89-95 0 16,82-99-1-16,94-126 1 15,106-135 1-15,89-122 0 16,100-125 2-16,94-125 1 15,88-153 0-15,160-172 1 16,123-179 0-16,160-188 1 0,123-136-1 16,118-110 0-16,76-57-2 15,60-33 1-15,29-4-2 16,-18 68 1-16,-35 94-2 16,-71 110 0-16,-112 120 0 15,-118 137 0-15,-141 162-1 16,-141 125 1-16,-124 95-1 15,-130 136 0-15,-117 121-1 16,-178 162 1-16,-211 193-1 16,-201 195 1-16,-177 182 0 15,-135 137 1-15,-23 110-3 16,-54 89 1-16,12 15-1 16,65-15 0-16,95-89-1 15,87-89 1-15,136-126-1 16,112-141 1-16,124-147 1 15,124-162 0-15,93-132 2 16,78-145 1-16,99-116 3 16,95-137 0-16,118-203 1 0,153-194 0 15,188-231 0-15,165-209 1 16,160-157-1-16,146-121 0 16,72-16-4-16,-460 540 1 15,807-796-1-15,-666 718 0 16,613-504-2-16,-277 300 1 15,-212 219-1-15,-206 188 0 16,-177 174-1-16,-177 141 1 16,-141 131-1-16,-153 125 1 0,-142 121-3 15,-188 189 1-15,-236 198 0 16,-218 215 0-16,-159 194-1 16,-118 137 0-16,-47 98-2 15,-41 85 0-15,5 26-1 16,60 36 1-16,82-78-1 15,71-48 1-15,141-130 1 16,124-131 1-16,100-137 3 16,112-135 0-16,100-158 4 15,112-151 1-15,95-142 1 16,87-142 0-16,84-146 2 16,99-183 0-16,130-231 0 15,189-251 1-15,176-225-3 16,148-168 1-16,111-78-2 15,113-48 0-15,35 32-2 16,35 31 1-16,-35 121-3 16,-48 84 1-16,-58 130-1 0,-65 142 0 15,-124 110-1-15,-135 157 1 16,-153 115-1-16,-130 126 1 16,-113 109-1-16,-105 96 1 15,-117 109-1-15,-131 125 1 16,-194 158-1-16,-188 178 1 15,-172 168 0-15,-140 130 0 16,-107 100-1-16,-29 74 1 16,5-1-4-16,36-16 1 15,59-46-7-15,88-64 0 0,60-72-12 16,81-64 0-16,72-125-2 16,64-121 1-16</inkml:trace>
   </inkml:traceGroup>
+</inkml:ink>
+</file>
+
+<file path=ppt/ink/ink19.xml><?xml version="1.0" encoding="utf-8"?>
+<inkml:ink xmlns:inkml="http://www.w3.org/2003/InkML">
+  <inkml:definitions>
+    <inkml:context xml:id="ctx0">
+      <inkml:inkSource xml:id="inkSrc0">
+        <inkml:traceFormat>
+          <inkml:channel name="X" type="integer" max="9600" units="cm"/>
+          <inkml:channel name="Y" type="integer" max="7200" units="cm"/>
+          <inkml:channel name="F" type="integer" max="256" units="dev"/>
+          <inkml:channel name="T" type="integer" max="2.14748E9" units="dev"/>
+        </inkml:traceFormat>
+        <inkml:channelProperties>
+          <inkml:channelProperty channel="X" name="resolution" value="377.95276" units="1/cm"/>
+          <inkml:channelProperty channel="Y" name="resolution" value="425.28058" units="1/cm"/>
+          <inkml:channelProperty channel="F" name="resolution" value="0" units="1/dev"/>
+          <inkml:channelProperty channel="T" name="resolution" value="1" units="1/dev"/>
+        </inkml:channelProperties>
+      </inkml:inkSource>
+      <inkml:timestamp xml:id="ts0" timeString="2016-08-26T11:02:12.643"/>
+    </inkml:context>
+    <inkml:brush xml:id="br0">
+      <inkml:brushProperty name="width" value="0.2" units="cm"/>
+      <inkml:brushProperty name="height" value="0.4" units="cm"/>
+      <inkml:brushProperty name="color" value="#FFFF00"/>
+      <inkml:brushProperty name="tip" value="rectangle"/>
+      <inkml:brushProperty name="rasterOp" value="maskPen"/>
+      <inkml:brushProperty name="fitToCurve" value="1"/>
+    </inkml:brush>
+  </inkml:definitions>
+  <inkml:trace contextRef="#ctx0" brushRef="#br0">63 411 31 0,'-11'25'15'0,"5"-30"-10"15,6 5 16-15,0-15-19 32,0 15 1-32,0 0 3 0,6 0 1 31,5 0-4-31,1 0 0 15,-1 0 6-15,0 0 0 16,7 5 0-16,-1 0 0 16,6 0-2-16,-6 0 1 15,0 0-5-15,0 11 1 0,0-11-2 16,0 0 1-16,6 0-2 16,6 0 1-16,-1 0 0 15,7 0 1-15,10 0-2 16,12 5 1-16,1 1-1 15,5-1 1-15,-1 0-1 16,1-5 0-16,12 0 0 0,-1 0 0 16,-6-5-1-16,-5 0 1 15,6 0-1-15,11-10 1 0,0 5 0 16,6 5 0-16,-6-5 0 16,0 5 0-16,11 0 0 15,0 0 0-15,1-10 0 31,-6 5 0-31,11-6 0 16,-6 6 0-16,1 5-1 16,-1-5 1-16,-5 5-1 0,-6-5 1 15,6 5-1-15,-1-5 1 16,1 0-1-16,-6-5 1 16,6 0-1-16,0 0 1 15,-1 4-1-15,1-4 0 0,-6 0 0 16,0 0 0-16,-11 0 0 15,-1 10 0-15,1 0 0 16,-1-10 0-16,1 10 0 16,-12-5 0-16,-6 5 0 15,-5 0 0-15,6-6 0 16,5 1 0 0,6 0 0-16,5 5 0 15,1 5 0-15,-1 0 1 16,-5 1 0-16,-6-1 0 0,1 10-1 15,4-5 1-15,7-5-1 16,-6 0 1-16,-6 0-1 16,-6-5 1-16,1 0-1 15,-6 5 0-15,-6-5 0 16,0 0 1-16,-6 0-1 16,-6 0 0-16,1 5 0 15,-6-5 0-15,0 0 0 0,0 6 0 16,-1-6 0-16,1 0 0 15,-6-6 0-15,1 1 0 16,-7 5-1-16,0 5 1 0,-11-5 0 16,0 0 0-16,-11 0 0 15,-12-5 0-15,-11 10 0 16,-6-5 0-16,6 6 0 16,-12-12 0-16,-6-4 0 15,-10 0 0-15,-1 5 0 31,0-5 0-31,-17 5 0 0,-12-5 0 16,-16 5 0-16,5-1 0 16,-6-4 0-16,-11-5 0 15,6 0 0-15,-6 5 0 0,0 0 0 16,-6 4 0-16,12-4-1 16,11 10 1-16,-5 5 0 15,-1-10 0-15,6 10 0 16,-11-15 0-16,-12 10 0 15,0 0 0-15,12 5 0 16,0 0 0-16,-6-5 0 16,11 0 0-16,6-10 0 0,0 10 0 15,-11-5 0-15,5 0 0 16,7 5 0-16,10 0 0 0,-5 5-1 31,-6-15 1-31,6 5 0 16,6 5 0-16,-12-5 0 15,0 15 0-15,0 5 0 16,0-5 0-16,12 6 0 16,5-6 0-16,6 0 0 15,0-10 0-15,11 0 0 0,1-5 0 16,11 5 0-16,17-10 0 16,0 5 0-16,11-11 0 15,6 6-1-15,12 0 1 16,-1 0-1-16,12 5 1 0,6 0-1 15,17-5 1-15,5 10-1 16,12-11 1-16,0 1 0 16,6-5 0-16,11-5-1 15,18-1 1-15,10 6 0 16,7-5 0-16,-6 10 0 16,16-1 0-16,1 1 0 0,-6 0 0 15,6 0 0-15,12 0 0 31,-1 0 0-31,0 0 0 0,-5-1 0 16,11 6 0-16,-12-5 0 16,-5 5 0-16,0 0 0 15,11 5 0-15,1 0 0 16,-7 0 0-16,1 5 0 16,5 0 1-16,-5 0-1 15,-6 5 0-15,11 1 0 0,0-1 0 16,1-5 0-16,-7 0 0 15,-5 0 0-15,6 0 0 16,-1-5-1-16,-11 0 1 16,6-5-3-16,-11-5 1 0,-7 0-6 15,-10-1 1-15,-13 1-13 16,-10 10 1-16,-18-15-3 16,-5-21 1-16</inkml:trace>
 </inkml:ink>
 </file>
 
@@ -1033,7 +951,7 @@
           <inkml:trace contextRef="#ctx0" brushRef="#br0" timeOffset="2635.8368">273-590 40 0,'0'-53'20'0,"-11"43"-17"0,11 10 40 15,-5 5-40-15,-6 5 0 16,0-1 0-16,0 6 1 0,6-6-7 16,-1-4 1-16,6 5-1 15,0 0 0-15,11 4-9 16,6 10 0-16,10 1-3 15,0 4 1-15</inkml:trace>
           <inkml:trace contextRef="#ctx0" brushRef="#br0" timeOffset="3331.6272">671 407 30 0,'-17'-15'15'0,"-10"-24"-13"0,27 30 26 16,-5-11-27-16,5-4 1 16,11 0 2-16,-1-5 1 15,7 0-5-15,5 0 1 16,-1 5 3-16,12-5 0 16,0 14-1-1,5 6 1-15,0 4-2 16,0 10 1-16,5 9-2 15,6 25 0-15,-10-10-2 16,-1 14 1-16,-6 11 0 16,-10 4 0-16,-11 0 0 0,-11 0 0 15,-11 0 0-15,-11-5 1 16,-10 0 0-16,-12-9 1 0,-10-10 0 16,-23-10 0-16,7 0 0 15,-1-14 1-15,11-10-1 16,6-15 0-16,10-4-2 15,6-10 0-15,22 5-4 16,16-10 1-16,16-10-6 16,17 5 0-1,16 1-5-15,11 4 0 16,10-10-2-16,6 1 1 16</inkml:trace>
           <inkml:trace contextRef="#ctx0" brushRef="#br0" timeOffset="3716.1072">1329-1156 25 0,'0'-48'12'0,"22"-20"-5"16,-17 58 23-16,1 0-27 15,-6 10 1-15,5 10 4 16,1 14 0-16,-6 25-9 31,-6 28 0-31,-5 15 7 0,-5 29 0 16,-11 29-2-16,-6 24 1 15,-5 15-3-15,0-5 1 16,0-10-2-16,5-10 1 16,12-9-2-16,4-24 1 0,6-20-4 15,6-14 0-15,5-29-10 16,11-25 0-16,11-28-3 16,-1-20 0-16</inkml:trace>
-          <inkml:trace contextRef="#ctx0" brushRef="#br0" timeOffset="4335.937">1465 324 28 0,'-16'0'14'0,"16"0"-9"0,0 0 20 0,0 0-23 15,0 5 0-15,0 5 1 16,5 0 1-16,1-1-4 15,5 1 0-15,11-5 4 0,5 0 1 16,5-5-2-16,6-5 1 16,1-10-2-16,-7 1 1 15,1-6-2-15,5-9 1 16,-11-5-2-16,-5 1 1 31,0-1 0-31,-11 10 0 0,-6-10-1 16,-5 10 1-16,-5 4 0 15,-12 6 0-15,-4 4-1 16,-7 10 1-16,-15 10-1 16,-1 9 1-16,1 15-1 15,-1 5 1-15,6 4-1 0,0 10 1 16,5 10 0-16,6-5 0 0,5 5 0 16,11 5 1-16,11-5 0 15,6-5 1-15,16-15-1 16,10-9 1-16,17-14-1 15,6-11 0-15,5-9-5 16,-1-9 1-16,12-6-8 31,-11-14 0-31,0 0-7 0,-6 15 1 16,-10-11-1-16,-6 1 0 16</inkml:trace>
+          <inkml:trace contextRef="#ctx0" brushRef="#br0" timeOffset="4335.9369">1465 324 28 0,'-16'0'14'0,"16"0"-9"0,0 0 20 0,0 0-23 15,0 5 0-15,0 5 1 16,5 0 1-16,1-1-4 15,5 1 0-15,11-5 4 0,5 0 1 16,5-5-2-16,6-5 1 16,1-10-2-16,-7 1 1 15,1-6-2-15,5-9 1 16,-11-5-2-16,-5 1 1 31,0-1 0-31,-11 10 0 0,-6-10-1 16,-5 10 1-16,-5 4 0 15,-12 6 0-15,-4 4-1 16,-7 10 1-16,-15 10-1 16,-1 9 1-16,1 15-1 15,-1 5 1-15,6 4-1 0,0 10 1 16,5 10 0-16,6-5 0 0,5 5 0 16,11 5 1-16,11-5 0 15,6-5 1-15,16-15-1 16,10-9 1-16,17-14-1 15,6-11 0-15,5-9-5 16,-1-9 1-16,12-6-8 31,-11-14 0-31,0 0-7 0,-6 15 1 16,-10-11-1-16,-6 1 0 16</inkml:trace>
           <inkml:trace contextRef="#ctx0" brushRef="#br0" timeOffset="4975.6183">2630 179 27 0,'-27'24'13'0,"-33"-53"-15"0,44 29 26 15,-6 10-21-15,-16 5 0 0,5-1 2 32,-5 5 0-32,0 1-7 15,0-1 1-15,5 10 3 16,1-5 1-16,10 5-2 15,5-4 1-15,7-1-2 0,10 0 0 16,10-5 0-16,12 1 0 16,5-1-1-16,12-4 0 15,4-6 0-15,6 1 1 0,0 0-1 16,-5-6 0-16,-1 16 1 16,-10-1 0-16,-1-4 0 15,-10 14 1-15,-5-5 0 16,-12-5 1-16,-10 1 2 15,-17 4 0-15,-11-10 1 16,-21 6 0-16,-17-1 0 0,22-5 0 16,-27-4-2-16,0 5 1 15,5-1-4-15,11-4 1 16,11 0-7 0,11-6 1-16,16-4-10 15,27-14 0-15</inkml:trace>
         </inkml:traceGroup>
       </inkml:traceGroup>
@@ -1043,6 +961,105 @@
 </file>
 
 <file path=ppt/ink/ink20.xml><?xml version="1.0" encoding="utf-8"?>
+<inkml:ink xmlns:inkml="http://www.w3.org/2003/InkML">
+  <inkml:definitions>
+    <inkml:context xml:id="ctx0">
+      <inkml:inkSource xml:id="inkSrc0">
+        <inkml:traceFormat>
+          <inkml:channel name="X" type="integer" max="9600" units="cm"/>
+          <inkml:channel name="Y" type="integer" max="7200" units="cm"/>
+          <inkml:channel name="F" type="integer" max="256" units="dev"/>
+          <inkml:channel name="T" type="integer" max="2.14748E9" units="dev"/>
+        </inkml:traceFormat>
+        <inkml:channelProperties>
+          <inkml:channelProperty channel="X" name="resolution" value="377.95276" units="1/cm"/>
+          <inkml:channelProperty channel="Y" name="resolution" value="425.28058" units="1/cm"/>
+          <inkml:channelProperty channel="F" name="resolution" value="0" units="1/dev"/>
+          <inkml:channelProperty channel="T" name="resolution" value="1" units="1/dev"/>
+        </inkml:channelProperties>
+      </inkml:inkSource>
+      <inkml:timestamp xml:id="ts0" timeString="2016-08-26T11:02:14.689"/>
+    </inkml:context>
+    <inkml:brush xml:id="br0">
+      <inkml:brushProperty name="width" value="0.2" units="cm"/>
+      <inkml:brushProperty name="height" value="0.4" units="cm"/>
+      <inkml:brushProperty name="color" value="#FFFF00"/>
+      <inkml:brushProperty name="tip" value="rectangle"/>
+      <inkml:brushProperty name="rasterOp" value="maskPen"/>
+      <inkml:brushProperty name="fitToCurve" value="1"/>
+    </inkml:brush>
+  </inkml:definitions>
+  <inkml:trace contextRef="#ctx0" brushRef="#br0">9 493 31 0,'-40'15'15'0,"57"-25"-12"15,-5 5 16-15,11-5-21 0,11 5 1 16,12-5 2-16,5-1 0 16,18 6 2-16,16 0 0 31,7 5 1-31,16-5 1 0,24 0 1 15,16 0 1-15,7-10-2 16,5 0 1-16,23-1-2 16,5 1 1-16,24 0-2 15,-7 0 0-15,18 4 0 16,-5 1 0-16,-7 5 0 16,-11-10 0-16,0-10-1 0,0 9 1 0,-23 1-1 15,-5-5 0-15,-12 10-1 16,-29-11 1-16,-5 11-2 15,-6 0 1-15,-12 10-1 16,-10-5 1-16,-13 5-1 16,-10 0 0-16,-7 5 0 31,-11 0 0-31,-5 5 0 0,-12 0 1 16,-6-5-1-16,-5 6 1 15,-6-6-1-15,-1 0 1 16,-4 10-1-16,4-10 1 15,-10 0-1-15,-1 5 0 16,-11 6-1-16,-5-6 1 16,-18 5 0-16,-17-5 0 0,-17 5 0 15,-23-5 1-15,-29-4-1 16,-23-1 1-16,-28 0-1 16,-22-5 1-16,-24 5-1 15,0 0 1-15,-17 10-1 16,0-5 1-16,-17 6-1 15,12-1 1 1,-1 0-1-16,1-5 1 0,10 5-1 16,13 1 0-16,-7-1 0 15,6 5 0-15,29-10 0 16,12 1 0-16,16 4-1 16,35-5 1-16,16 0-1 15,30 0 1-15,22 5-1 16,18-4 1-16,33-1-1 0,24-5 1 15,17-5 0-15,39-5 0 16,18-5 1-16,17 5 0 16,23-11 0-16,17 1 1 15,23 0-1-15,23 0 1 16,5-1-1-16,18 6 1 16,5 0-1-16,18-5 1 0,-12 0-1 15,0-1 0-15,-6 6 0 16,-11-5 1-16,-29-10 0 15,-5-1 0 1,34-9-1 0,-46 9 0-16,-34 1 0 31,-29 10 1-31,-28 4-2 0,-18 6 1 0,-22 10 0 16,-23 0 0-16,-6 1-1 15,-34-1 0-15,-23 5 0 16,-29 10 1-16,-11-5-1 15,-28 1 0-15,-18-1-1 16,-17 5 1-16,-11 0 0 16,-6 1 1-16,0-1-2 0,0 0 1 15,-6-4 0-15,-11 4 0 16,-6-5 0-16,-11 0 0 16,-12-4 0-16,-17-1 0 15,-11-5 0-15,5-5 0 16,-11 5-1-16,11-5 1 15,41 0 0 1,11-5 0-16,28 5-2 16,12 0 1-16,28 0 0 15,18 0 1-15,22 0-1 16,24 5 0-16,16-10 0 16,29 0 1-16,29-5-1 15,22-6 1-15,29 1 0 16,46-5 0-16,17 5-1 0,17-1 1 0,17 1 0 15,23 0 0-15,17 10 0 16,0 0 1-16,12-5-1 16,-12 4 1-16,12 1-1 15,-12-5 1-15,6-10-2 16,-1 5 1-16,-4-11-4 16,-24-14 1-16,-11 4-9 0,0 6 0 15,-29-1-8-15,-34-10 1 16,6-25-3-16,-18-10 1 15</inkml:trace>
+</inkml:ink>
+</file>
+
+<file path=ppt/ink/ink21.xml><?xml version="1.0" encoding="utf-8"?>
+<inkml:ink xmlns:inkml="http://www.w3.org/2003/InkML">
+  <inkml:definitions>
+    <inkml:context xml:id="ctx0">
+      <inkml:inkSource xml:id="inkSrc0">
+        <inkml:traceFormat>
+          <inkml:channel name="X" type="integer" max="9600" units="cm"/>
+          <inkml:channel name="Y" type="integer" max="7200" units="cm"/>
+          <inkml:channel name="F" type="integer" max="256" units="dev"/>
+          <inkml:channel name="T" type="integer" max="2.14748E9" units="dev"/>
+        </inkml:traceFormat>
+        <inkml:channelProperties>
+          <inkml:channelProperty channel="X" name="resolution" value="377.95276" units="1/cm"/>
+          <inkml:channelProperty channel="Y" name="resolution" value="425.28058" units="1/cm"/>
+          <inkml:channelProperty channel="F" name="resolution" value="0" units="1/dev"/>
+          <inkml:channelProperty channel="T" name="resolution" value="1" units="1/dev"/>
+        </inkml:channelProperties>
+      </inkml:inkSource>
+      <inkml:timestamp xml:id="ts0" timeString="2016-08-26T11:02:23.428"/>
+    </inkml:context>
+    <inkml:brush xml:id="br0">
+      <inkml:brushProperty name="width" value="0.2" units="cm"/>
+      <inkml:brushProperty name="height" value="0.4" units="cm"/>
+      <inkml:brushProperty name="color" value="#00FF00"/>
+      <inkml:brushProperty name="tip" value="rectangle"/>
+      <inkml:brushProperty name="rasterOp" value="maskPen"/>
+      <inkml:brushProperty name="fitToCurve" value="1"/>
+    </inkml:brush>
+  </inkml:definitions>
+  <inkml:trace contextRef="#ctx0" brushRef="#br0">171 238 14 0,'-40'-5'7'0,"-17"15"-8"0,45-10 8 16,-5 0-8-16,0 0 0 15,5-5 2-15,1 0 1 16,5 0 0-16,12-5 0 0,11 5 2 16,12 5 1-16,16 0 2 15,18-5 0-15,17 0-1 16,12 0 1-16,22 5-2 16,17 0 0-16,24 5-1 15,10 0 0-15,13 0-1 0,16 15 1 16,17 1-1-1,7-1 0-15,4 0 0 16,7 6 0-16,11-1-1 16,-11-15 1-16,5-5-2 15,-5-5 1-15,-12-5-1 16,-17-10 1-16,-12-5-1 0,1 4 1 0,-18 1-1 31,-22 0 1-31,-6-5-1 0,-23-1 0 16,-11 11 0-16,-12-5 0 15,-29 5 0-15,-5 0 0 16,-23-1 0-16,-11 1 0 16,-12 5 0-16,-23 0 1 15,-11 5-1-15,-12 0 0 0,-5 5-1 16,-17-5 1-16,-24 5-1 16,-22 0 1-16,-11 0 0 15,-35 6 1-15,-17-1-1 16,-35 5 1-16,-27 15 0 15,-7-9 0-15,-22 9 0 16,-18-4 1-16,6-6-2 16,-17-5 1-1,11-5-1-15,24 1 0 0,5-1-1 16,17-5 0-16,23 5 0 16,40 0 0-16,28-5 0 15,24 0 1-15,22 0-1 16,23 0 0-16,17 6 0 15,23-1 1-15,18-5 0 16,28 5 1-16,45-5-1 0,35 0 1 16,34 0 0-16,40 0 0 15,29-10 0-15,28 0 0 16,12 0-1-16,11 0 0 16,23 5 0-16,-5 0 0 0,-1 5 0 15,12-5 0-15,-18 0 0 31,7-10 1-31,-18 0-1 16,-23-6 1-16,-22 6-1 16,-18-5 0-16,-23 5 0 15,-28 0 0-15,-28 0-1 16,-24 5 1-16,-28-11-1 16,-23 1 1-16,-40 5-1 0,-34-10 1 15,-35 9-1-15,-34 6 1 0,-23 10-1 16,-34 0 0-16,-17 1 0 15,-17 9 0-15,-23-10 0 16,-12-5 0-16,-17 0 0 16,-5 0 0-16,-6-20 0 15,-29 14 0-15,0-4 0 16,6 5 0-16,-5-5 0 0,33 10 0 16,12 0-1-16,23 0 1 15,40 5 0-15,17-5 0 16,34-5 0-16,23 5 0 15,29-5-1-15,17 0 0 0,17 5-1 16,34-5 1-16,29-5 0 31,51 5 1-31,40 0-1 16,52 5 0-16,46 0 1 16,39 5 1-16,12 0 0 15,17 5 0-15,29-10-1 16,11 10 1-16,0 0 0 15,-12 0 1-15,-5 0-2 0,-17 1 1 16,-18 4-1-16,-27-5 1 0,-19 0-2 16,-16-10 0-16,-34 0-5 15,-35 0 0-15,-34-5-10 16,-41 5 0-16,-56 15-5 16,-57 6 0-16,-52-1-2 15,-63 0 1 16</inkml:trace>
+</inkml:ink>
+</file>
+
+<file path=ppt/ink/ink22.xml><?xml version="1.0" encoding="utf-8"?>
+<inkml:ink xmlns:inkml="http://www.w3.org/2003/InkML">
+  <inkml:definitions>
+    <inkml:context xml:id="ctx0">
+      <inkml:inkSource xml:id="inkSrc0">
+        <inkml:traceFormat>
+          <inkml:channel name="X" type="integer" max="9600" units="cm"/>
+          <inkml:channel name="Y" type="integer" max="7200" units="cm"/>
+          <inkml:channel name="F" type="integer" max="256" units="dev"/>
+          <inkml:channel name="T" type="integer" max="2.14748E9" units="dev"/>
+        </inkml:traceFormat>
+        <inkml:channelProperties>
+          <inkml:channelProperty channel="X" name="resolution" value="377.95276" units="1/cm"/>
+          <inkml:channelProperty channel="Y" name="resolution" value="425.28058" units="1/cm"/>
+          <inkml:channelProperty channel="F" name="resolution" value="0" units="1/dev"/>
+          <inkml:channelProperty channel="T" name="resolution" value="1" units="1/dev"/>
+        </inkml:channelProperties>
+      </inkml:inkSource>
+      <inkml:timestamp xml:id="ts0" timeString="2016-08-26T11:02:24.604"/>
+    </inkml:context>
+    <inkml:brush xml:id="br0">
+      <inkml:brushProperty name="width" value="0.2" units="cm"/>
+      <inkml:brushProperty name="height" value="0.4" units="cm"/>
+      <inkml:brushProperty name="color" value="#00FF00"/>
+      <inkml:brushProperty name="tip" value="rectangle"/>
+      <inkml:brushProperty name="rasterOp" value="maskPen"/>
+      <inkml:brushProperty name="fitToCurve" value="1"/>
+    </inkml:brush>
+  </inkml:definitions>
+  <inkml:trace contextRef="#ctx0" brushRef="#br0">-4 225 42 0,'5'0'21'0,"41"-41"-31"0,-23 26 41 15,23-5-31-15,17 4 1 16,11 6 4-16,34-5 1 15,30-5-4-15,22-1 0 0,23-4 4 16,34 5 1-16,40 4 0 16,17 11 1-16,12 5-3 0,23 16 0 15,11-6-1-15,-12 10 1 16,-11 5-2-16,-79-4 1 16,67 4-1-16,-28 1 0 15,-28-6 0 1,-46-10 0-16,-29 0 0 15,-22-5 0-15,-41-5-2 16,-22 5 1-16,-35-15-2 16,-40-5 1-16,-45-5-2 0,-63-1 1 15,-58-4-1-15,-45 10 1 16,-52-6-1-16,-39 1 1 16,-29 5-2-16,-24 5 1 15,-10 10 0-15,108 0 0 0,-103 10-1 16,23 5 1-16,46 5 0 15,23-4 0-15,51-1 0 16,52 5 1-16,39-10-1 16,41 6 1-16,62-6 0 15,46-5 0-15,80 5-1 16,52 0 1-16,63-5 0 16,62 5 1-16,57-5 0 0,41 6 1 15,28-11-1-15,17 5 0 16,0-10 1-16,-22 5 0 15,-18 0-1-15,-17 0 1 16,-34-6-1 0,-41 6 1-16,-50-5-1 15,-41 0 0-15,-40 0-1 16,-45 0 1-16,-46-10-1 16,-52 10 1-16,-57-5-2 15,-79 10 1-15,-70 0 0 0,-73 5 0 16,-47-5 0-16,-67 10 0 15,-19-10-1-15,-33 0 0 16,17 5 0-16,0 0 0 0,51 0 0 16,46-5 0-16,34 5 0 15,46 5 0-15,52-5 0 16,62 6 0-16,63 4 0 16,63 5 1-16,69 1-1 31,62-1 0-31,69-15-2 15,46-10 1-15,45-15-5 0,29 4 0 16,17-14-8-16,12 9 1 16,-35 11-5-16,-56-15 0 15,-7-11 0-15,-45-4 1 16</inkml:trace>
+</inkml:ink>
+</file>
+
+<file path=ppt/ink/ink23.xml><?xml version="1.0" encoding="utf-8"?>
 <inkml:ink xmlns:inkml="http://www.w3.org/2003/InkML">
   <inkml:definitions>
     <inkml:context xml:id="ctx0">
@@ -1082,7 +1099,7 @@
 </inkml:ink>
 </file>
 
-<file path=ppt/ink/ink21.xml><?xml version="1.0" encoding="utf-8"?>
+<file path=ppt/ink/ink24.xml><?xml version="1.0" encoding="utf-8"?>
 <inkml:ink xmlns:inkml="http://www.w3.org/2003/InkML">
   <inkml:definitions>
     <inkml:context xml:id="ctx0">
@@ -1122,7 +1139,7 @@
 </inkml:ink>
 </file>
 
-<file path=ppt/ink/ink22.xml><?xml version="1.0" encoding="utf-8"?>
+<file path=ppt/ink/ink25.xml><?xml version="1.0" encoding="utf-8"?>
 <inkml:ink xmlns:inkml="http://www.w3.org/2003/InkML">
   <inkml:definitions>
     <inkml:context xml:id="ctx0">
@@ -1162,7 +1179,7 @@
 </inkml:ink>
 </file>
 
-<file path=ppt/ink/ink23.xml><?xml version="1.0" encoding="utf-8"?>
+<file path=ppt/ink/ink26.xml><?xml version="1.0" encoding="utf-8"?>
 <inkml:ink xmlns:inkml="http://www.w3.org/2003/InkML">
   <inkml:definitions>
     <inkml:context xml:id="ctx0">
@@ -1202,7 +1219,7 @@
 </inkml:ink>
 </file>
 
-<file path=ppt/ink/ink24.xml><?xml version="1.0" encoding="utf-8"?>
+<file path=ppt/ink/ink27.xml><?xml version="1.0" encoding="utf-8"?>
 <inkml:ink xmlns:inkml="http://www.w3.org/2003/InkML">
   <inkml:definitions>
     <inkml:context xml:id="ctx0">
@@ -1242,7 +1259,7 @@
 </inkml:ink>
 </file>
 
-<file path=ppt/ink/ink25.xml><?xml version="1.0" encoding="utf-8"?>
+<file path=ppt/ink/ink28.xml><?xml version="1.0" encoding="utf-8"?>
 <inkml:ink xmlns:inkml="http://www.w3.org/2003/InkML">
   <inkml:definitions>
     <inkml:context xml:id="ctx0">
@@ -1283,7 +1300,7 @@
 </inkml:ink>
 </file>
 
-<file path=ppt/ink/ink26.xml><?xml version="1.0" encoding="utf-8"?>
+<file path=ppt/ink/ink29.xml><?xml version="1.0" encoding="utf-8"?>
 <inkml:ink xmlns:inkml="http://www.w3.org/2003/InkML">
   <inkml:definitions>
     <inkml:context xml:id="ctx0">
@@ -1319,126 +1336,6 @@
       </emma:emma>
     </inkml:annotationXML>
     <inkml:trace contextRef="#ctx0" brushRef="#br0">40 8 11 0,'-41'-5'5'0,"94"0"-14"16,-12 15 5-16</inkml:trace>
-  </inkml:traceGroup>
-</inkml:ink>
-</file>
-
-<file path=ppt/ink/ink27.xml><?xml version="1.0" encoding="utf-8"?>
-<inkml:ink xmlns:inkml="http://www.w3.org/2003/InkML">
-  <inkml:definitions>
-    <inkml:context xml:id="ctx0">
-      <inkml:inkSource xml:id="inkSrc0">
-        <inkml:traceFormat>
-          <inkml:channel name="X" type="integer" max="9600" units="cm"/>
-          <inkml:channel name="Y" type="integer" max="7200" units="cm"/>
-          <inkml:channel name="F" type="integer" max="256" units="dev"/>
-          <inkml:channel name="T" type="integer" max="2.14748E9" units="dev"/>
-        </inkml:traceFormat>
-        <inkml:channelProperties>
-          <inkml:channelProperty channel="X" name="resolution" value="377.95276" units="1/cm"/>
-          <inkml:channelProperty channel="Y" name="resolution" value="425.28058" units="1/cm"/>
-          <inkml:channelProperty channel="F" name="resolution" value="0" units="1/dev"/>
-          <inkml:channelProperty channel="T" name="resolution" value="1" units="1/dev"/>
-        </inkml:channelProperties>
-      </inkml:inkSource>
-      <inkml:timestamp xml:id="ts0" timeString="2016-08-22T11:44:21.160"/>
-    </inkml:context>
-    <inkml:brush xml:id="br0">
-      <inkml:brushProperty name="width" value="0.05" units="cm"/>
-      <inkml:brushProperty name="height" value="0.05" units="cm"/>
-      <inkml:brushProperty name="color" value="#ED1C24"/>
-      <inkml:brushProperty name="fitToCurve" value="1"/>
-    </inkml:brush>
-  </inkml:definitions>
-  <inkml:traceGroup>
-    <inkml:annotationXML>
-      <emma:emma xmlns:emma="http://www.w3.org/2003/04/emma" version="1.0">
-        <emma:interpretation id="{B21AFDE7-1481-464E-BCA8-2D809DB12BF7}" emma:medium="tactile" emma:mode="ink">
-          <msink:context xmlns:msink="http://schemas.microsoft.com/ink/2010/main" type="inkDrawing" rotatedBoundingBox="15967,5923 17281,15540 15609,15769 14295,6151" semanticType="callout" shapeName="Other"/>
-        </emma:interpretation>
-      </emma:emma>
-    </inkml:annotationXML>
-    <inkml:trace contextRef="#ctx0" brushRef="#br0">2410 9547 16 0,'-24'6'8'0,"0"-27"-10"0,19 10 8 16,-7 1-6-16,0-1 1 15,-6-5 0-15,-5 6 1 32,-1 0-1-32,-11 4 1 0,-12 6 2 15,0-10 0-15,-6-1 2 16,-12 1 1-16,-12-6 0 16,1-10 0-1,-48-42 1 1,12-11 1-16,0-15-3 15,6-11 1-15,-12-15-3 0,6-6 1 16,6-15-1-16,6-6 0 0,6-31-3 16,-1-5 1-16,7-16-1 15,11 0 1-15,13-11-1 16,-7-10 1-16,12 0-1 16,6-21 1-16,0 1 1 31,6-17 0-31,6 0-1 15,5-10 1-15,7 5-1 0,11-5 0 16,6 16-1-16,6-6 0 16,0 1-1-16,6-6 1 15,0 16-1-15,0 5 0 16,0 5 0-16,6 6 0 16,0 15 0-16,0-5 0 0,0 5 0 15,12 6 0-15,-1 10-1 16,1 15 1-16,0 6 0 15,-1 11 0-15,7 10-1 16,5-6 1-16,1 17-1 16,5-1 0-16,1 16 0 15,5 5 0-15,0 11 0 0,-6 16 1 16,1 10 0-16,-19 10 0 16,1 16-1-16,-6 11 1 0,0 5 0 15,-6 5 0-15,-1 5-1 16,-5-5 1-16,6 6-1 15,-6-1 0-15,0 6 1 32,0-1 0-32,0 6-1 15,0 5 1-15,-6 11-1 16,1-1 0-16,-7 11 0 0,-6 5 0 16,0 21-1-16,-5 11 0 15,-18 5 0-15,-1 5 1 16,-11 11 0-16,0 5 0 15,-6-1 0-15,-5-4 0 0,-1 0 1 16,6-1 0-16,12-10-1 16,17-5 1-16,7-5-1 15,17-11 1-15,6-10 0 16,12-16 0-16,11-16-1 16,7-5 0-16,5-26 0 15,6 0 1 1,12-21-1-16,-11 0 1 15,11 10-1-15,-6-5 0 16,-6 11 0-16,6 10 1 0,-6 16 0 16,-5 15 1-16,11 22-1 15,0 15 1-15,-6 32-1 16,-6 10 1-16,7 26-1 16,-1 16 1-16,0 0-5 15,12 0 1-15,0-5-11 16,-17-11 0-16</inkml:trace>
-  </inkml:traceGroup>
-</inkml:ink>
-</file>
-
-<file path=ppt/ink/ink28.xml><?xml version="1.0" encoding="utf-8"?>
-<inkml:ink xmlns:inkml="http://www.w3.org/2003/InkML">
-  <inkml:definitions>
-    <inkml:context xml:id="ctx0">
-      <inkml:inkSource xml:id="inkSrc0">
-        <inkml:traceFormat>
-          <inkml:channel name="X" type="integer" max="9600" units="cm"/>
-          <inkml:channel name="Y" type="integer" max="7200" units="cm"/>
-          <inkml:channel name="F" type="integer" max="256" units="dev"/>
-          <inkml:channel name="T" type="integer" max="2.14748E9" units="dev"/>
-        </inkml:traceFormat>
-        <inkml:channelProperties>
-          <inkml:channelProperty channel="X" name="resolution" value="377.95276" units="1/cm"/>
-          <inkml:channelProperty channel="Y" name="resolution" value="425.28058" units="1/cm"/>
-          <inkml:channelProperty channel="F" name="resolution" value="0" units="1/dev"/>
-          <inkml:channelProperty channel="T" name="resolution" value="1" units="1/dev"/>
-        </inkml:channelProperties>
-      </inkml:inkSource>
-      <inkml:timestamp xml:id="ts0" timeString="2016-08-22T11:44:22.229"/>
-    </inkml:context>
-    <inkml:brush xml:id="br0">
-      <inkml:brushProperty name="width" value="0.05" units="cm"/>
-      <inkml:brushProperty name="height" value="0.05" units="cm"/>
-      <inkml:brushProperty name="color" value="#ED1C24"/>
-      <inkml:brushProperty name="fitToCurve" value="1"/>
-    </inkml:brush>
-  </inkml:definitions>
-  <inkml:traceGroup>
-    <inkml:annotationXML>
-      <emma:emma xmlns:emma="http://www.w3.org/2003/04/emma" version="1.0">
-        <emma:interpretation id="{CA9BF9ED-BDC3-49E1-A8C0-262A0250CE2C}" emma:medium="tactile" emma:mode="ink">
-          <msink:context xmlns:msink="http://schemas.microsoft.com/ink/2010/main" type="inkDrawing" rotatedBoundingBox="16458,6221 17446,11809 16437,11987 15449,6400" semanticType="callout" shapeName="Other"/>
-        </emma:interpretation>
-      </emma:emma>
-    </inkml:annotationXML>
-    <inkml:trace contextRef="#ctx0" brushRef="#br0">2270 5486 35 0,'-48'42'17'0,"-7"-68"-14"16,39 15 19-16,1-4-21 16,-9-11 0-16,-8-6 1 15,-15-14 1-15,-8-17-3 16,-1-10 1-16,-7-5 3 16,-16-11 0-16,-6-4 0 0,-18-12 0 15,0-4 1-15,9-6 0 16,7 6 0-16,0-6 0 15,0-10-2-15,16-5 1 16,-8-15-2-16,8-7 0 0,1-15-1 16,7-10 0-16,0 5-1 15,8 0 0-15,7 1 0 16,1 4 1-16,15 5 0 16,9 0 0-16,15 11 0 15,8-5 0-15,8-5 0 16,0-7 1-16,0 7-1 0,-1-6 0 15,1 11-1-15,8-5 0 32,0 0 0-32,8 9 0 0,15 17 0 15,8-1 0-15,-15 16 0 16,0 6 0-16,-9 14 0 16,1 23 0-16,-8 3-1 15,-8 22 1-15,-8 6-1 16,0 14 0-16,0 12-1 15,-8 14 0-15,-16 17 0 0,-23 20 1 16,-9 21 0-16,-7-11 0 16,-16 28 0-16,-7 4 0 15,-1 4 0-15,9 7 1 0,7-1-1 16,16-10 1-16,7-10-1 16,9-1 1-16,7-20-1 31,9-5 1-31,7-17-1 15,8-20 1-15,8-15 0 16,8-27 0-16,8-10 0 16,15-16 0-16,9-5-1 0,-9 16 1 15,40-37-1-15,-1 0 0 16,-7 6 0-16,0 4 1 16,8 16-1-16,0 17 1 0,-15 25 0 15,15 5 0-15,0 21 1 16,-8 15 0-16,16 22 0 15,-16 14 0-15,-1 12-1 16,17 21 1-16,0-1-13 16,0 16 1-16,-16-11-5 15,-31-25 1-15</inkml:trace>
-  </inkml:traceGroup>
-</inkml:ink>
-</file>
-
-<file path=ppt/ink/ink29.xml><?xml version="1.0" encoding="utf-8"?>
-<inkml:ink xmlns:inkml="http://www.w3.org/2003/InkML">
-  <inkml:definitions>
-    <inkml:context xml:id="ctx0">
-      <inkml:inkSource xml:id="inkSrc0">
-        <inkml:traceFormat>
-          <inkml:channel name="X" type="integer" max="9600" units="cm"/>
-          <inkml:channel name="Y" type="integer" max="7200" units="cm"/>
-          <inkml:channel name="F" type="integer" max="256" units="dev"/>
-          <inkml:channel name="T" type="integer" max="2.14748E9" units="dev"/>
-        </inkml:traceFormat>
-        <inkml:channelProperties>
-          <inkml:channelProperty channel="X" name="resolution" value="377.95276" units="1/cm"/>
-          <inkml:channelProperty channel="Y" name="resolution" value="425.28058" units="1/cm"/>
-          <inkml:channelProperty channel="F" name="resolution" value="0" units="1/dev"/>
-          <inkml:channelProperty channel="T" name="resolution" value="1" units="1/dev"/>
-        </inkml:channelProperties>
-      </inkml:inkSource>
-      <inkml:timestamp xml:id="ts0" timeString="2016-08-22T11:50:36.543"/>
-    </inkml:context>
-    <inkml:brush xml:id="br0">
-      <inkml:brushProperty name="width" value="0.05" units="cm"/>
-      <inkml:brushProperty name="height" value="0.05" units="cm"/>
-      <inkml:brushProperty name="color" value="#ED1C24"/>
-      <inkml:brushProperty name="fitToCurve" value="1"/>
-    </inkml:brush>
-  </inkml:definitions>
-  <inkml:traceGroup>
-    <inkml:annotationXML>
-      <emma:emma xmlns:emma="http://www.w3.org/2003/04/emma" version="1.0">
-        <emma:interpretation id="{3BC1267E-85A2-4FB0-A6A3-374CC059CDE6}" emma:medium="tactile" emma:mode="ink">
-          <msink:context xmlns:msink="http://schemas.microsoft.com/ink/2010/main" type="inkDrawing" rotatedBoundingBox="6682,9526 17285,12122 16062,17117 5459,14522" semanticType="callout" shapeName="Other"/>
-        </emma:interpretation>
-      </emma:emma>
-    </inkml:annotationXML>
-    <inkml:trace contextRef="#ctx0" brushRef="#br0">1610 29 39 0,'-49'-19'19'0,"25"7"-18"15,15 6 19-15,-7-7-20 16,-8 13 0-16,-9 13 1 16,-14-1 0-16,-18 13-1 0,-16 24 1 15,-8 26 3-15,-7 11 1 16,14 26 0-16,-22 12 0 16,-9 12 0-16,-1 13 0 15,2 12 0-15,-2 25 0 16,10 6-4-16,6 18 1 15,9 13-1 1,17 7 0-16,24-1-1 16,15-6 0-16,17-13 0 15,16 1 0-15,24-13 0 16,17 13 1-16,39-13 2 16,1-12 1-16,24 12-1 15,-8-12 1-15,24-12 0 16,24 5 0-16,17-5-1 0,32-19 1 0,16-13-4 15,-9 1 1-15,18-26-1 16,15-18 0-16,9 1 0 16,23-8 0-16,-16 1 0 15,17-12 1-15,8-13-1 16,23-6 1-16,-31-12 0 16,16-13 0-16,0-6-1 15,7-19 1-15,-16-6-1 0,1-12 0 16,7-12 0-16,-71 5 1 15,95-18-1-15,-39-6 0 16,7-6 0-16,1 12 1 16,0-6-1-16,-1-1 1 15,-24-5-1 1,17-7 1-16,16 1-1 16,-9 12 0-16,-15 0 0 15,-25-7 0-15,8 7 0 16,-15 6 1-16,-1-19-1 15,-16 7 0-15,-17-6 0 16,-14-1 1-16,-2 7-1 16,-16-1 0-16,1 7 0 0,-9 6 0 15,-15-12 0-15,-17 12 0 16,-16-6 0 0,-25 12 1-16,-7 0 0 15,-24 6 0-15,8 7-1 16,-17 0 1-16,0 5 0 31,-16-5 0-31,0 6-1 16,-7 6 0-16,-1-6-1 15,-16 6 1-15,0 0-1 0,0 0 1 16,8-7-2-16,-8 7 0 16,8-12 0-16,-8-7 1 15,0-5-1-15,0-13 0 16,0 12 1-16,-8 0 0 0,0-12 1 15,-8 0 0-15,-9-13-1 16,-15-6 1-16,-24 1-1 16,-41-14 1-16,-1 20-1 15,2-1 0-15,-10 13 0 16,10-6 1-16,7 6-1 16,15-1 0-16,11 14 1 0,14-1 0 15,8 6-1-15,17 7 0 16,15 18-1-16,17 13 0 15,25 5 1-15,32 1 0 0,16 6 0 16,31 0 1-16,34 0 0 16,15 6 1-16,16 0 0 31,18-6 1-31,-26-12-2 16,1 0 1-16,-9-1 0 15,-8 1 0-15,-16-13-1 0,-23 0 1 16,-26 0 0-16,-23 13 1 15,-41 6-1-15,-40 6 0 16,-41 12 1-16,-23 19 0 16,-34 12 0-16,-15 13 0 0,-25 12-1 15,-32 13 0-15,1 12-2 16,-18 0 1-16,17-13-6 16,17-6 0-16,39-18-13 15,50-13 1-15,31-30-3 16,33-44 1-16</inkml:trace>
   </inkml:traceGroup>
 </inkml:ink>
 </file>
@@ -1486,6 +1383,126 @@
 </file>
 
 <file path=ppt/ink/ink30.xml><?xml version="1.0" encoding="utf-8"?>
+<inkml:ink xmlns:inkml="http://www.w3.org/2003/InkML">
+  <inkml:definitions>
+    <inkml:context xml:id="ctx0">
+      <inkml:inkSource xml:id="inkSrc0">
+        <inkml:traceFormat>
+          <inkml:channel name="X" type="integer" max="9600" units="cm"/>
+          <inkml:channel name="Y" type="integer" max="7200" units="cm"/>
+          <inkml:channel name="F" type="integer" max="256" units="dev"/>
+          <inkml:channel name="T" type="integer" max="2.14748E9" units="dev"/>
+        </inkml:traceFormat>
+        <inkml:channelProperties>
+          <inkml:channelProperty channel="X" name="resolution" value="377.95276" units="1/cm"/>
+          <inkml:channelProperty channel="Y" name="resolution" value="425.28058" units="1/cm"/>
+          <inkml:channelProperty channel="F" name="resolution" value="0" units="1/dev"/>
+          <inkml:channelProperty channel="T" name="resolution" value="1" units="1/dev"/>
+        </inkml:channelProperties>
+      </inkml:inkSource>
+      <inkml:timestamp xml:id="ts0" timeString="2016-08-22T11:44:21.160"/>
+    </inkml:context>
+    <inkml:brush xml:id="br0">
+      <inkml:brushProperty name="width" value="0.05" units="cm"/>
+      <inkml:brushProperty name="height" value="0.05" units="cm"/>
+      <inkml:brushProperty name="color" value="#ED1C24"/>
+      <inkml:brushProperty name="fitToCurve" value="1"/>
+    </inkml:brush>
+  </inkml:definitions>
+  <inkml:traceGroup>
+    <inkml:annotationXML>
+      <emma:emma xmlns:emma="http://www.w3.org/2003/04/emma" version="1.0">
+        <emma:interpretation id="{B21AFDE7-1481-464E-BCA8-2D809DB12BF7}" emma:medium="tactile" emma:mode="ink">
+          <msink:context xmlns:msink="http://schemas.microsoft.com/ink/2010/main" type="inkDrawing" rotatedBoundingBox="15967,5923 17281,15540 15609,15769 14295,6151" semanticType="callout" shapeName="Other"/>
+        </emma:interpretation>
+      </emma:emma>
+    </inkml:annotationXML>
+    <inkml:trace contextRef="#ctx0" brushRef="#br0">2410 9547 16 0,'-24'6'8'0,"0"-27"-10"0,19 10 8 16,-7 1-6-16,0-1 1 15,-6-5 0-15,-5 6 1 32,-1 0-1-32,-11 4 1 0,-12 6 2 15,0-10 0-15,-6-1 2 16,-12 1 1-16,-12-6 0 16,1-10 0-1,-48-42 1 1,12-11 1-16,0-15-3 15,6-11 1-15,-12-15-3 0,6-6 1 16,6-15-1-16,6-6 0 0,6-31-3 16,-1-5 1-16,7-16-1 15,11 0 1-15,13-11-1 16,-7-10 1-16,12 0-1 16,6-21 1-16,0 1 1 31,6-17 0-31,6 0-1 15,5-10 1-15,7 5-1 0,11-5 0 16,6 16-1-16,6-6 0 16,0 1-1-16,6-6 1 15,0 16-1-15,0 5 0 16,0 5 0-16,6 6 0 16,0 15 0-16,0-5 0 0,0 5 0 15,12 6 0-15,-1 10-1 16,1 15 1-16,0 6 0 15,-1 11 0-15,7 10-1 16,5-6 1-16,1 17-1 16,5-1 0-16,1 16 0 15,5 5 0-15,0 11 0 0,-6 16 1 16,1 10 0-16,-19 10 0 16,1 16-1-16,-6 11 1 0,0 5 0 15,-6 5 0-15,-1 5-1 16,-5-5 1-16,6 6-1 15,-6-1 0-15,0 6 1 32,0-1 0-32,0 6-1 15,0 5 1-15,-6 11-1 16,1-1 0-16,-7 11 0 0,-6 5 0 16,0 21-1-16,-5 11 0 15,-18 5 0-15,-1 5 1 16,-11 11 0-16,0 5 0 15,-6-1 0-15,-5-4 0 0,-1 0 1 16,6-1 0-16,12-10-1 16,17-5 1-16,7-5-1 15,17-11 1-15,6-10 0 16,12-16 0-16,11-16-1 16,7-5 0-16,5-26 0 15,6 0 1 1,12-21-1-16,-11 0 1 15,11 10-1-15,-6-5 0 16,-6 11 0-16,6 10 1 0,-6 16 0 16,-5 15 1-16,11 22-1 15,0 15 1-15,-6 32-1 16,-6 10 1-16,7 26-1 16,-1 16 1-16,0 0-5 15,12 0 1-15,0-5-11 16,-17-11 0-16</inkml:trace>
+  </inkml:traceGroup>
+</inkml:ink>
+</file>
+
+<file path=ppt/ink/ink31.xml><?xml version="1.0" encoding="utf-8"?>
+<inkml:ink xmlns:inkml="http://www.w3.org/2003/InkML">
+  <inkml:definitions>
+    <inkml:context xml:id="ctx0">
+      <inkml:inkSource xml:id="inkSrc0">
+        <inkml:traceFormat>
+          <inkml:channel name="X" type="integer" max="9600" units="cm"/>
+          <inkml:channel name="Y" type="integer" max="7200" units="cm"/>
+          <inkml:channel name="F" type="integer" max="256" units="dev"/>
+          <inkml:channel name="T" type="integer" max="2.14748E9" units="dev"/>
+        </inkml:traceFormat>
+        <inkml:channelProperties>
+          <inkml:channelProperty channel="X" name="resolution" value="377.95276" units="1/cm"/>
+          <inkml:channelProperty channel="Y" name="resolution" value="425.28058" units="1/cm"/>
+          <inkml:channelProperty channel="F" name="resolution" value="0" units="1/dev"/>
+          <inkml:channelProperty channel="T" name="resolution" value="1" units="1/dev"/>
+        </inkml:channelProperties>
+      </inkml:inkSource>
+      <inkml:timestamp xml:id="ts0" timeString="2016-08-22T11:44:22.229"/>
+    </inkml:context>
+    <inkml:brush xml:id="br0">
+      <inkml:brushProperty name="width" value="0.05" units="cm"/>
+      <inkml:brushProperty name="height" value="0.05" units="cm"/>
+      <inkml:brushProperty name="color" value="#ED1C24"/>
+      <inkml:brushProperty name="fitToCurve" value="1"/>
+    </inkml:brush>
+  </inkml:definitions>
+  <inkml:traceGroup>
+    <inkml:annotationXML>
+      <emma:emma xmlns:emma="http://www.w3.org/2003/04/emma" version="1.0">
+        <emma:interpretation id="{CA9BF9ED-BDC3-49E1-A8C0-262A0250CE2C}" emma:medium="tactile" emma:mode="ink">
+          <msink:context xmlns:msink="http://schemas.microsoft.com/ink/2010/main" type="inkDrawing" rotatedBoundingBox="16458,6221 17446,11809 16437,11987 15449,6400" semanticType="callout" shapeName="Other"/>
+        </emma:interpretation>
+      </emma:emma>
+    </inkml:annotationXML>
+    <inkml:trace contextRef="#ctx0" brushRef="#br0">2270 5486 35 0,'-48'42'17'0,"-7"-68"-14"16,39 15 19-16,1-4-21 16,-9-11 0-16,-8-6 1 15,-15-14 1-15,-8-17-3 16,-1-10 1-16,-7-5 3 16,-16-11 0-16,-6-4 0 0,-18-12 0 15,0-4 1-15,9-6 0 16,7 6 0-16,0-6 0 15,0-10-2-15,16-5 1 16,-8-15-2-16,8-7 0 0,1-15-1 16,7-10 0-16,0 5-1 15,8 0 0-15,7 1 0 16,1 4 1-16,15 5 0 16,9 0 0-16,15 11 0 15,8-5 0-15,8-5 0 16,0-7 1-16,0 7-1 0,-1-6 0 15,1 11-1-15,8-5 0 32,0 0 0-32,8 9 0 0,15 17 0 15,8-1 0-15,-15 16 0 16,0 6 0-16,-9 14 0 16,1 23 0-16,-8 3-1 15,-8 22 1-15,-8 6-1 16,0 14 0-16,0 12-1 15,-8 14 0-15,-16 17 0 0,-23 20 1 16,-9 21 0-16,-7-11 0 16,-16 28 0-16,-7 4 0 15,-1 4 0-15,9 7 1 0,7-1-1 16,16-10 1-16,7-10-1 16,9-1 1-16,7-20-1 31,9-5 1-31,7-17-1 15,8-20 1-15,8-15 0 16,8-27 0-16,8-10 0 16,15-16 0-16,9-5-1 0,-9 16 1 15,40-37-1-15,-1 0 0 16,-7 6 0-16,0 4 1 16,8 16-1-16,0 17 1 0,-15 25 0 15,15 5 0-15,0 21 1 16,-8 15 0-16,16 22 0 15,-16 14 0-15,-1 12-1 16,17 21 1-16,0-1-13 16,0 16 1-16,-16-11-5 15,-31-25 1-15</inkml:trace>
+  </inkml:traceGroup>
+</inkml:ink>
+</file>
+
+<file path=ppt/ink/ink32.xml><?xml version="1.0" encoding="utf-8"?>
+<inkml:ink xmlns:inkml="http://www.w3.org/2003/InkML">
+  <inkml:definitions>
+    <inkml:context xml:id="ctx0">
+      <inkml:inkSource xml:id="inkSrc0">
+        <inkml:traceFormat>
+          <inkml:channel name="X" type="integer" max="9600" units="cm"/>
+          <inkml:channel name="Y" type="integer" max="7200" units="cm"/>
+          <inkml:channel name="F" type="integer" max="256" units="dev"/>
+          <inkml:channel name="T" type="integer" max="2.14748E9" units="dev"/>
+        </inkml:traceFormat>
+        <inkml:channelProperties>
+          <inkml:channelProperty channel="X" name="resolution" value="377.95276" units="1/cm"/>
+          <inkml:channelProperty channel="Y" name="resolution" value="425.28058" units="1/cm"/>
+          <inkml:channelProperty channel="F" name="resolution" value="0" units="1/dev"/>
+          <inkml:channelProperty channel="T" name="resolution" value="1" units="1/dev"/>
+        </inkml:channelProperties>
+      </inkml:inkSource>
+      <inkml:timestamp xml:id="ts0" timeString="2016-08-22T11:50:36.543"/>
+    </inkml:context>
+    <inkml:brush xml:id="br0">
+      <inkml:brushProperty name="width" value="0.05" units="cm"/>
+      <inkml:brushProperty name="height" value="0.05" units="cm"/>
+      <inkml:brushProperty name="color" value="#ED1C24"/>
+      <inkml:brushProperty name="fitToCurve" value="1"/>
+    </inkml:brush>
+  </inkml:definitions>
+  <inkml:traceGroup>
+    <inkml:annotationXML>
+      <emma:emma xmlns:emma="http://www.w3.org/2003/04/emma" version="1.0">
+        <emma:interpretation id="{3BC1267E-85A2-4FB0-A6A3-374CC059CDE6}" emma:medium="tactile" emma:mode="ink">
+          <msink:context xmlns:msink="http://schemas.microsoft.com/ink/2010/main" type="inkDrawing" rotatedBoundingBox="6682,9526 17285,12122 16062,17117 5459,14522" semanticType="callout" shapeName="Other"/>
+        </emma:interpretation>
+      </emma:emma>
+    </inkml:annotationXML>
+    <inkml:trace contextRef="#ctx0" brushRef="#br0">1610 29 39 0,'-49'-19'19'0,"25"7"-18"15,15 6 19-15,-7-7-20 16,-8 13 0-16,-9 13 1 16,-14-1 0-16,-18 13-1 0,-16 24 1 15,-8 26 3-15,-7 11 1 16,14 26 0-16,-22 12 0 16,-9 12 0-16,-1 13 0 15,2 12 0-15,-2 25 0 16,10 6-4-16,6 18 1 15,9 13-1 1,17 7 0-16,24-1-1 16,15-6 0-16,17-13 0 15,16 1 0-15,24-13 0 16,17 13 1-16,39-13 2 16,1-12 1-16,24 12-1 15,-8-12 1-15,24-12 0 16,24 5 0-16,17-5-1 0,32-19 1 0,16-13-4 15,-9 1 1-15,18-26-1 16,15-18 0-16,9 1 0 16,23-8 0-16,-16 1 0 15,17-12 1-15,8-13-1 16,23-6 1-16,-31-12 0 16,16-13 0-16,0-6-1 15,7-19 1-15,-16-6-1 0,1-12 0 16,7-12 0-16,-71 5 1 15,95-18-1-15,-39-6 0 16,7-6 0-16,1 12 1 16,0-6-1-16,-1-1 1 15,-24-5-1 1,17-7 1-16,16 1-1 16,-9 12 0-16,-15 0 0 15,-25-7 0-15,8 7 0 16,-15 6 1-16,-1-19-1 15,-16 7 0-15,-17-6 0 16,-14-1 1-16,-2 7-1 16,-16-1 0-16,1 7 0 0,-9 6 0 15,-15-12 0-15,-17 12 0 16,-16-6 0 0,-25 12 1-16,-7 0 0 15,-24 6 0-15,8 7-1 16,-17 0 1-16,0 5 0 31,-16-5 0-31,0 6-1 16,-7 6 0-16,-1-6-1 15,-16 6 1-15,0 0-1 0,0 0 1 16,8-7-2-16,-8 7 0 16,8-12 0-16,-8-7 1 15,0-5-1-15,0-13 0 16,0 12 1-16,-8 0 0 0,0-12 1 15,-8 0 0-15,-9-13-1 16,-15-6 1-16,-24 1-1 16,-41-14 1-16,-1 20-1 15,2-1 0-15,-10 13 0 16,10-6 1-16,7 6-1 16,15-1 0-16,11 14 1 0,14-1 0 15,8 6-1-15,17 7 0 16,15 18-1-16,17 13 0 15,25 5 1-15,32 1 0 0,16 6 0 16,31 0 1-16,34 0 0 16,15 6 1-16,16 0 0 31,18-6 1-31,-26-12-2 16,1 0 1-16,-9-1 0 15,-8 1 0-15,-16-13-1 0,-23 0 1 16,-26 0 0-16,-23 13 1 15,-41 6-1-15,-40 6 0 16,-41 12 1-16,-23 19 0 16,-34 12 0-16,-15 13 0 0,-25 12-1 15,-32 13 0-15,1 12-2 16,-18 0 1-16,17-13-6 16,17-6 0-16,39-18-13 15,50-13 1-15,31-30-3 16,33-44 1-16</inkml:trace>
+  </inkml:traceGroup>
+</inkml:ink>
+</file>
+
+<file path=ppt/ink/ink33.xml><?xml version="1.0" encoding="utf-8"?>
 <inkml:ink xmlns:inkml="http://www.w3.org/2003/InkML">
   <inkml:definitions>
     <inkml:context xml:id="ctx0">
@@ -1552,7 +1569,7 @@
 </inkml:ink>
 </file>
 
-<file path=ppt/ink/ink31.xml><?xml version="1.0" encoding="utf-8"?>
+<file path=ppt/ink/ink34.xml><?xml version="1.0" encoding="utf-8"?>
 <inkml:ink xmlns:inkml="http://www.w3.org/2003/InkML">
   <inkml:definitions>
     <inkml:context xml:id="ctx0">
@@ -1619,7 +1636,7 @@
 </inkml:ink>
 </file>
 
-<file path=ppt/ink/ink32.xml><?xml version="1.0" encoding="utf-8"?>
+<file path=ppt/ink/ink35.xml><?xml version="1.0" encoding="utf-8"?>
 <inkml:ink xmlns:inkml="http://www.w3.org/2003/InkML">
   <inkml:definitions>
     <inkml:context xml:id="ctx0">
@@ -1659,7 +1676,7 @@
 </inkml:ink>
 </file>
 
-<file path=ppt/ink/ink33.xml><?xml version="1.0" encoding="utf-8"?>
+<file path=ppt/ink/ink36.xml><?xml version="1.0" encoding="utf-8"?>
 <inkml:ink xmlns:inkml="http://www.w3.org/2003/InkML">
   <inkml:definitions>
     <inkml:context xml:id="ctx0">
@@ -1699,7 +1716,7 @@
 </inkml:ink>
 </file>
 
-<file path=ppt/ink/ink34.xml><?xml version="1.0" encoding="utf-8"?>
+<file path=ppt/ink/ink37.xml><?xml version="1.0" encoding="utf-8"?>
 <inkml:ink xmlns:inkml="http://www.w3.org/2003/InkML">
   <inkml:definitions>
     <inkml:context xml:id="ctx0">
@@ -1741,7 +1758,7 @@
 </inkml:ink>
 </file>
 
-<file path=ppt/ink/ink35.xml><?xml version="1.0" encoding="utf-8"?>
+<file path=ppt/ink/ink38.xml><?xml version="1.0" encoding="utf-8"?>
 <inkml:ink xmlns:inkml="http://www.w3.org/2003/InkML">
   <inkml:definitions>
     <inkml:context xml:id="ctx0">
@@ -1784,7 +1801,7 @@
 </inkml:ink>
 </file>
 
-<file path=ppt/ink/ink36.xml><?xml version="1.0" encoding="utf-8"?>
+<file path=ppt/ink/ink39.xml><?xml version="1.0" encoding="utf-8"?>
 <inkml:ink xmlns:inkml="http://www.w3.org/2003/InkML">
   <inkml:definitions>
     <inkml:context xml:id="ctx0">
@@ -1822,124 +1839,6 @@
       </emma:emma>
     </inkml:annotationXML>
     <inkml:trace contextRef="#ctx0" brushRef="#br0">418 934 37 0,'-21'-23'18'0,"0"-43"-22"0,21 47 32 0,-5-4-28 15,-6-10 0-15,0-14 2 16,6 0 0-16,0-14-1 16,5-15 0-16,10 6 3 15,1-10 0-15,15 0 0 0,17 5 0 16,10 9 0-16,21 9 0 15,21 5-2-15,16 20 1 16,6 13-3-16,4 9 1 16,1 20-2-16,10 18 1 15,1 14 0-15,-12 15 0 0,-20 18 0 16,-11 5 1-16,-11 14-1 16,-21 10 1-16,-21 8-1 15,-26-3 1-15,-22-6-1 16,-31 1 0-1,-37-6 0-15,-22-18 0 0,-26-14 1 16,-42-24 0 0,-11-9 0-16,-16-18 1 15,16-30 0-15,6-22 0 0,15-15-1 16,11-28 0-16,31-14 0 16,22 0 1-16,32 5-2 15,25-6 1-15,33 1-1 16,37-9 0-16,26 9-1 15,43 0 1-15,15 9-1 16,27 10 0-16,5 14 0 0,21 23 0 16,-10 15-3-16,-11 27 1 15,-10 34-12-15,-16 42 1 16,-38 0-2-16,-25-24 1 16</inkml:trace>
-  </inkml:traceGroup>
-</inkml:ink>
-</file>
-
-<file path=ppt/ink/ink37.xml><?xml version="1.0" encoding="utf-8"?>
-<inkml:ink xmlns:inkml="http://www.w3.org/2003/InkML">
-  <inkml:definitions>
-    <inkml:context xml:id="ctx0">
-      <inkml:inkSource xml:id="inkSrc0">
-        <inkml:traceFormat>
-          <inkml:channel name="X" type="integer" max="9600" units="cm"/>
-          <inkml:channel name="Y" type="integer" max="7200" units="cm"/>
-          <inkml:channel name="F" type="integer" max="256" units="dev"/>
-          <inkml:channel name="T" type="integer" max="2.14748E9" units="dev"/>
-        </inkml:traceFormat>
-        <inkml:channelProperties>
-          <inkml:channelProperty channel="X" name="resolution" value="377.95276" units="1/cm"/>
-          <inkml:channelProperty channel="Y" name="resolution" value="425.28058" units="1/cm"/>
-          <inkml:channelProperty channel="F" name="resolution" value="0" units="1/dev"/>
-          <inkml:channelProperty channel="T" name="resolution" value="1" units="1/dev"/>
-        </inkml:channelProperties>
-      </inkml:inkSource>
-      <inkml:timestamp xml:id="ts0" timeString="2016-08-21T12:37:00.857"/>
-    </inkml:context>
-    <inkml:brush xml:id="br0">
-      <inkml:brushProperty name="width" value="0.05" units="cm"/>
-      <inkml:brushProperty name="height" value="0.05" units="cm"/>
-      <inkml:brushProperty name="color" value="#ED1C24"/>
-      <inkml:brushProperty name="fitToCurve" value="1"/>
-    </inkml:brush>
-  </inkml:definitions>
-  <inkml:traceGroup>
-    <inkml:annotationXML>
-      <emma:emma xmlns:emma="http://www.w3.org/2003/04/emma" version="1.0">
-        <emma:interpretation id="{D40AE99F-9509-451D-AB86-C998B89273E2}" emma:medium="tactile" emma:mode="ink">
-          <msink:context xmlns:msink="http://schemas.microsoft.com/ink/2010/main" type="inkDrawing" rotatedBoundingBox="6455,5593 14243,5982 14171,7403 6384,7014" hotPoints="14479,6674 10180,7207 5926,6381 10226,5849" semanticType="enclosure" shapeName="Ellipse"/>
-        </emma:interpretation>
-      </emma:emma>
-    </inkml:annotationXML>
-    <inkml:trace contextRef="#ctx0" brushRef="#br0">2419 81 30 0,'54'-4'15'0,"6"4"-11"0,-46 4 15 0,4-4-18 15,0 0 0-15,0-8 2 16,-4 4 1-16,-5 0-3 15,-4-8 1-15,-14 4 3 16,-14-4 0 15,-82-1 2-15,-23 5 1-16,0 4-1 16,-9 0 0-16,4 4-2 0,-9 4 1 15,-18 4-1-15,-4 13 1 16,4 7-2-16,-5 9 0 15,0 3 0-15,10-3 0 16,9 8 0-16,13 3 1 0,19 1-1 16,13 0 1-16,14 0-2 15,14 8 1-15,14-5 0 16,8 1 0-16,15 4-1 16,4 4 0-16,14 4-1 15,13-8 1-15,10-4-1 16,13-4 1-16,14-5-1 0,18 1 0 15,14-4 0-15,9-1 0 0,14 9 0 16,9-12 0-16,0-1-1 16,9-3 1-16,14-1-1 15,5-3 1-15,4-5 0 16,4-4 1-16,15-3-2 31,3-1 1-31,10-4 0 16,0-4 0-16,14-4 0 0,-5 0 0 15,5 4-1-15,-5-8 1 16,10 5-1-16,-6-1 0 16,1 4-1-16,-5 0 1 15,5-4-1-15,0 8 1 16,-1-8-2-16,1 4 0 0,-9-4 1 16,4-4 0-16,-4 0 0 15,4 0 0-15,-18-4 0 16,4 0 1-16,-4 0-1 15,-5 8 0-15,-4-8 0 16,-9 4 0-16,-5-4 0 16,4-4 1-1,1 0-1-15,-5 0 0 16,-5 0 0-16,-9-1 0 0,5-7 0 16,9 4 0-16,-9 0 0 15,-14 4 0-15,5-13 0 16,0-3 0-16,-5 0 0 15,9-5 1-15,-9 1-1 16,-4-1 0-16,-14-3-1 16,-5 3 1-16,-4 5 0 0,-5 0 0 15,-13-13-1-15,-6 9 0 16,-8-5 0-16,-14 0 0 16,-9 1 0-16,-5-1 0 15,-9 5 0-15,-13 0 1 16,-10 3-2-16,-13-7 1 0,-19-5-1 15,-27-8 1-15,-14 1-1 16,-5 3 1-16,-8 0-1 16,-5 1 1-16,-19-1 1 15,-17 5 0-15,-1 3-1 16,-4-4 1-16,-24 13-1 31,-3 8 1-31,-19-9-1 0,13 1 1 16,-4 8 0-16,1-5 0 0,8 5 0 15,5-8 0-15,-5-1 0 16,5 9 0-16,4 0-1 16,-4 4 1-16,-5 0-1 15,-9 3 1-15,10 5-1 16,3 0 1-16,6-4-1 16,13 0 0-16,14 0 0 15,4 4 1-15,1-4-1 0,-1 0 1 16,0 8-1-16,-4 0 1 15,5 4-2-15,4 8 0 16,0-4-7-16,13 16 1 16,10 1-14-1,14 3 1-15,22-7-6 16,37-17 1-16</inkml:trace>
-  </inkml:traceGroup>
-</inkml:ink>
-</file>
-
-<file path=ppt/ink/ink38.xml><?xml version="1.0" encoding="utf-8"?>
-<inkml:ink xmlns:inkml="http://www.w3.org/2003/InkML">
-  <inkml:definitions>
-    <inkml:context xml:id="ctx0">
-      <inkml:inkSource xml:id="inkSrc0">
-        <inkml:traceFormat>
-          <inkml:channel name="X" type="integer" max="9600" units="cm"/>
-          <inkml:channel name="Y" type="integer" max="7200" units="cm"/>
-          <inkml:channel name="F" type="integer" max="256" units="dev"/>
-          <inkml:channel name="T" type="integer" max="2.14748E9" units="dev"/>
-        </inkml:traceFormat>
-        <inkml:channelProperties>
-          <inkml:channelProperty channel="X" name="resolution" value="377.95276" units="1/cm"/>
-          <inkml:channelProperty channel="Y" name="resolution" value="425.28058" units="1/cm"/>
-          <inkml:channelProperty channel="F" name="resolution" value="0" units="1/dev"/>
-          <inkml:channelProperty channel="T" name="resolution" value="1" units="1/dev"/>
-        </inkml:channelProperties>
-      </inkml:inkSource>
-      <inkml:timestamp xml:id="ts0" timeString="2016-08-21T12:37:18.359"/>
-    </inkml:context>
-    <inkml:brush xml:id="br0">
-      <inkml:brushProperty name="width" value="0.05" units="cm"/>
-      <inkml:brushProperty name="height" value="0.05" units="cm"/>
-      <inkml:brushProperty name="color" value="#ED1C24"/>
-      <inkml:brushProperty name="fitToCurve" value="1"/>
-    </inkml:brush>
-  </inkml:definitions>
-  <inkml:traceGroup>
-    <inkml:annotationXML>
-      <emma:emma xmlns:emma="http://www.w3.org/2003/04/emma" version="1.0">
-        <emma:interpretation id="{B788EBA7-D8D4-4916-8BC8-1CAB561D7D91}" emma:medium="tactile" emma:mode="ink">
-          <msink:context xmlns:msink="http://schemas.microsoft.com/ink/2010/main" type="inkDrawing" rotatedBoundingBox="7492,9886 15480,10402 15412,11469 7423,10953" semanticType="enclosure" shapeName="None"/>
-        </emma:interpretation>
-      </emma:emma>
-    </inkml:annotationXML>
-    <inkml:trace contextRef="#ctx0" brushRef="#br0">2316 171 22 0,'18'-12'11'0,"23"3"-10"0,-18 1 11 16,-4 0-11-16,3 0 0 16,-3-4 6-16,-1 4 0 15,-9 4-5-15,-9 4 0 16,-4-4 6-16,-10-1 0 15,-9 1 0-15,-9-4 1 0,-9 0-3 16,-5-4 1-16,-4 4-2 16,-10-4 0-16,-4 4-2 15,-4-1 0-15,-15 5 0 16,-3 0 1-16,-1 0-1 16,-9 4 0-16,-5 0-1 15,5 4 1-15,-4 4-1 0,-6 1 0 0,6-1-1 16,4 4 0-16,-5-4 0 15,5 0 1-15,5 4 0 16,8 5 0-16,1-1 0 16,9 4 0-16,4-4-1 15,-4 1 1-15,9-1-1 32,9 0 1-32,1 0-1 0,3-3 1 15,6-1-1-15,-1 0 1 16,9 8-1-16,1 1 0 15,8 3 0-15,5-4 0 16,5 1 0-16,9 3 0 16,4-4 0-16,5 1 1 15,5-1-1-15,4 0 0 0,0 9 0 16,5-5 1-16,4 5-1 16,1-1 0-16,3-4 0 15,6 5 0-15,4-5-1 16,4 1 1-16,1-9 0 15,4 4 0-15,0-4 0 16,0 1 0 0,1-1 0-16,-1 4 0 0,4-3-1 15,6-5 1-15,4 0-1 16,-1 0 1-16,1 0-1 16,0 1 1-16,5-5-1 15,-6 0 1-15,1-4-1 16,0 0 1-16,0 0-1 15,5 0 1-15,4 0-1 0,4 0 1 16,-4 0-1-16,0 4 1 16,5 0-1-16,-10 1 1 15,5-1-1-15,0 0 0 16,-4-4 0-16,-6 0 0 16,1 0 0-16,0 4 1 15,5-4-1 1,4 0 1-16,-5 0-1 15,5 0 1-15,-9-4-1 16,4 5 0-16,1-1 0 16,4 0 1-16,-5-4-1 15,1 0 0-15,4 0 0 16,4 8 1-16,1-4-1 16,9 0 0-16,-10 4 0 0,-4 0 1 0,0 4-1 15,5 1 0-15,-1-5 0 16,-4 0 0-16,9 0 0 15,5 0 0-15,5 0 0 16,8 0 0-16,-9 0 0 16,1 1 0-16,-1-1 0 15,-9 0 1-15,0 0-1 0,5 0 0 16,4 0 0-16,5 0 0 16,-5 0 0-16,-4-3 0 15,9-1 0-15,0 0 0 16,-5 0 0-16,0 0 0 15,10 0 0-15,-5 0 0 16,0 0 0 0,-5 0 0-16,5 0-1 15,4 0 1-15,-4 0 0 16,0 0 0-16,9 0 0 16,0 0 0-16,-5 5 0 15,5-1 1-15,0-4-1 16,-4-8 1-16,4 4-1 15,14 0 0-15,-5 0 0 0,-5 0 1 0,5 0-1 16,1 4 0-16,-10-8 0 16,0 0 0-16,0 0 0 15,4 4 1-15,-4-9-1 16,-9 5 0-16,0-4 0 16,0 0 1-16,0-4-1 31,-10-4 0-31,1-1 0 0,0-3 0 15,0 0 0-15,-5-1 0 16,-5 1 0-16,-8-4 0 0,-14 7 0 16,-5-3 0-16,-5-4 0 15,-8-9 1-15,-10 5-2 16,-4-5 1-16,-10 1 0 16,-4-1 0-16,-9-3-1 15,-14-5 0-15,-13 0 0 0,-19 1 0 16,0 3 0-16,-9-3 1 15,-14 3-1-15,0 0 1 16,-8 1 0-16,-10-1 0 16,-10 5-1-16,-3-1 1 15,-6 9 0 1,1 4 0-16,-14-1-1 16,-9 1 1-16,-5 4-1 0,-4-5 1 15,0 1 0-15,-19 8 0 16,-4 0 0-16,4-9 0 15,-8 9-1-15,-6 0 1 16,1 4 0-16,0-8 0 16,8 3 0-16,-3 5 0 0,-1-4 0 15,5 8 0-15,0-8 0 16,-1 0 0-16,6-1 0 16,13 5 0-16,0 4 0 15,14-8 0-15,-5 0 0 16,5 0 0-16,14 3 0 15,4 5 0 1,4-4-2-16,-3 4 0 0,3 0-4 16,1 8 0-16,4 4-8 15,14 9 1-15,19 19-11 16,8-7 1-16</inkml:trace>
-  </inkml:traceGroup>
-</inkml:ink>
-</file>
-
-<file path=ppt/ink/ink39.xml><?xml version="1.0" encoding="utf-8"?>
-<inkml:ink xmlns:inkml="http://www.w3.org/2003/InkML">
-  <inkml:definitions>
-    <inkml:context xml:id="ctx0">
-      <inkml:inkSource xml:id="inkSrc0">
-        <inkml:traceFormat>
-          <inkml:channel name="X" type="integer" max="9600" units="cm"/>
-          <inkml:channel name="Y" type="integer" max="7200" units="cm"/>
-          <inkml:channel name="T" type="integer" max="2.14748E9" units="dev"/>
-        </inkml:traceFormat>
-        <inkml:channelProperties>
-          <inkml:channelProperty channel="X" name="resolution" value="377.95276" units="1/cm"/>
-          <inkml:channelProperty channel="Y" name="resolution" value="425.28058" units="1/cm"/>
-          <inkml:channelProperty channel="T" name="resolution" value="1" units="1/dev"/>
-        </inkml:channelProperties>
-      </inkml:inkSource>
-      <inkml:timestamp xml:id="ts0" timeString="2016-08-21T12:37:40.492"/>
-    </inkml:context>
-    <inkml:brush xml:id="br0">
-      <inkml:brushProperty name="width" value="0.05" units="cm"/>
-      <inkml:brushProperty name="height" value="0.05" units="cm"/>
-      <inkml:brushProperty name="color" value="#ED1C24"/>
-      <inkml:brushProperty name="fitToCurve" value="1"/>
-    </inkml:brush>
-  </inkml:definitions>
-  <inkml:traceGroup>
-    <inkml:annotationXML>
-      <emma:emma xmlns:emma="http://www.w3.org/2003/04/emma" version="1.0">
-        <emma:interpretation id="{F21434F4-23F2-4814-A3D9-08EAD4C971F4}" emma:medium="tactile" emma:mode="ink">
-          <msink:context xmlns:msink="http://schemas.microsoft.com/ink/2010/main" type="inkDrawing" rotatedBoundingBox="10226,16580 10231,16596 10217,16601 10212,16585" shapeName="None"/>
-        </emma:interpretation>
-      </emma:emma>
-    </inkml:annotationXML>
-    <inkml:trace contextRef="#ctx0" brushRef="#br0">15 8 0,'0'0'0,"0"0"15,0 0-15,0 0 16,0 0-16,0 0 16,0 0-16,0 0 15,0 0-15,0 0 16,0 0-16,0 0 16,-5-16-16,5 16 0,0 0 15</inkml:trace>
   </inkml:traceGroup>
 </inkml:ink>
 </file>
@@ -2051,11 +1950,11 @@
               </emma:interpretation>
             </emma:emma>
           </inkml:annotationXML>
-          <inkml:trace contextRef="#ctx0" brushRef="#br0" timeOffset="9539.8078">11064 131 24 0,'-6'5'12'0,"12"-19"-7"0,-6 14 11 15,0 0-12 1,0 0 0-16,0 0 3 16,-6 0 0-16,1 9-9 15,5 6 1-15,0 9 5 16,0 15 0-16,0 4-3 16,5 1 1-16,1-1-1 15,4 10 0-15,7-9-1 16,5-5 0-16,5-10 0 0,5-15 1 0,7-14-1 15,-1-9 0-15,0-16-1 16,0-13 1-16,0-11-1 16,-5-9 0-16,-6 15 0 15,0 4 1-15,-11 5-1 16,-5 10 1-16,-5 5 0 16,5 4 1-16,-11 15-1 0,0 19 0 15,0 15 1-15,0 10 1 16,5 4 0-16,0 5 1 15,6-14-2-15,6 0 0 16,-1-10-2-16,0-24 1 16,12-10-1-16,-1-5 0 15,0-14-1 1,0-10 0-16,-5 0 1 16,0 5 1-16,-6 5 2 15,0 5 1-15,1 9 0 16,-1 10 0-16,0 10 0 15,-5 9 0-15,0 0-4 0,0 1 0 16,5-1-8-16,1-4 1 16,-1-6-6-16,17 1 1 0</inkml:trace>
+          <inkml:trace contextRef="#ctx0" brushRef="#br0" timeOffset="9539.8077">11064 131 24 0,'-6'5'12'0,"12"-19"-7"0,-6 14 11 15,0 0-12 1,0 0 0-16,0 0 3 16,-6 0 0-16,1 9-9 15,5 6 1-15,0 9 5 16,0 15 0-16,0 4-3 16,5 1 1-16,1-1-1 15,4 10 0-15,7-9-1 16,5-5 0-16,5-10 0 0,5-15 1 0,7-14-1 15,-1-9 0-15,0-16-1 16,0-13 1-16,0-11-1 16,-5-9 0-16,-6 15 0 15,0 4 1-15,-11 5-1 16,-5 10 1-16,-5 5 0 16,5 4 1-16,-11 15-1 0,0 19 0 15,0 15 1-15,0 10 1 16,5 4 0-16,0 5 1 15,6-14-2-15,6 0 0 16,-1-10-2-16,0-24 1 16,12-10-1-16,-1-5 0 15,0-14-1 1,0-10 0-16,-5 0 1 16,0 5 1-16,-6 5 2 15,0 5 1-15,1 9 0 16,-1 10 0-16,0 10 0 15,-5 9 0-15,0 0-4 0,0 1 0 16,5-1-8-16,1-4 1 16,-1-6-6-16,17 1 1 0</inkml:trace>
           <inkml:trace contextRef="#ctx0" brushRef="#br0" timeOffset="10071.4944">12174 257 27 0,'11'24'13'0,"27"-19"-11"16,-27-5 18-16,0 5-18 0,0 0 0 16,5 0 0-16,6-10 1 0,-1-5-5 31,1-9 1-31,5-10 2 15,1 0 1-15,-7-5-1 16,-10 5 1-16,-5 0-1 16,-6 0 1-16,-6 14-1 15,-10 5 1-15,-11 10-1 16,-17 5 1-16,-10 10 0 0,-1-5 0 16,1 4 2-16,10 20 1 15,12 0 0-15,10 14 1 16,6 5 0-16,10 10 0 15,12 10-2-15,15-20 0 16,12-5-5-16,16-9 0 0,11-10-7 16,11-29 0-16,16-24-5 15,11-10 1-15,16-9-4 16,6-15 1-16</inkml:trace>
           <inkml:trace contextRef="#ctx0" brushRef="#br0" timeOffset="10755.9697">12974 213 19 0,'-11'-9'9'0,"0"-35"0"15,11 35 11-15,0-1-14 16,0 5 0-16,-5 5 2 15,-1 5 1-15,1 9-12 16,-1 11 1-16,-4 4 6 16,4 9 1-16,1 1-3 0,5 14 0 15,5 0-1-15,6 1 1 16,11-16-1-16,10-9 1 16,17-9-1-16,0-20 0 15,6-15-2-15,-1-14 0 16,-5-9-1-16,-5-6 0 15,-6-4 0 1,-5-6 0-16,-12 11 0 16,-10 9 0-16,0 5 3 15,0 10 0-15,-11 9 0 16,-5 20 0-16,-1 19 2 16,1 9 0-16,5 11 0 15,5 9 0-15,11-5-5 0,1-5 1 16,5-9-5-16,5-10 0 0,0-19-8 15,6-10 1-15</inkml:trace>
           <inkml:trace contextRef="#ctx0" brushRef="#br0" timeOffset="11204.5272">13556-203 55 0,'-5'0'27'0,"21"0"-28"15,-10 5 52-15,15 0-50 16,18 0 0-16,26 0-1 31,22 4 1-31,-11 6-3 0,11-1 1 16,0 6-6-16,0-6 1 15,-10 1-9-15,4-5 0 16,12-1-2-16,-6-4 0 16</inkml:trace>
-          <inkml:trace contextRef="#ctx0" brushRef="#br0" timeOffset="11008.8878">13926-1083 46 0,'0'-5'23'0,"-16"53"-25"0,11-28 41 16,-1 28-37-16,-5 30 1 15,6 33 2-15,0 29 1 16,5 34-6-16,0 10 0 0,0-10 1 16,5-9 1-16,6-20-7 15,0-34 1-15,0-29-6 16,-1-19 1-16,1-29-9 15,6-24 1-15</inkml:trace>
+          <inkml:trace contextRef="#ctx0" brushRef="#br0" timeOffset="11008.8877">13926-1083 46 0,'0'-5'23'0,"-16"53"-25"0,11-28 41 16,-1 28-37-16,-5 30 1 15,6 33 2-15,0 29 1 16,5 34-6-16,0 10 0 0,0-10 1 16,5-9 1-16,6-20-7 15,0-34 1-15,0-29-6 16,-1-19 1-16,1-29-9 15,6-24 1-15</inkml:trace>
           <inkml:trace contextRef="#ctx0" brushRef="#br0" timeOffset="11609.7818">15167-33 30 0,'-65'-10'15'0,"-33"5"-11"16,76 10 27-16,-10 10-30 16,-6 4 0-16,-6 10 0 15,6-5 1-15,0 0-3 16,11 1 1-16,10 13 1 0,12-4 0 16,10 0-1-16,17 5 1 15,11-1-1-15,5 1 1 16,5 0-1-16,1 9 0 15,-6 1 0-15,0-6 1 16,-11-4 2-16,-10-5 0 16,-12-5 0-16,-16-10 1 0,-5-9 0 15,-17-5 1-15,-10-5-3 16,-12-10 1-16,-5 10-8 16,1 0 1-16,4 0-10 15,17 14 0-15,22-14-1 16,10-14 0-16</inkml:trace>
         </inkml:traceGroup>
       </inkml:traceGroup>
@@ -2065,6 +1964,124 @@
 </file>
 
 <file path=ppt/ink/ink40.xml><?xml version="1.0" encoding="utf-8"?>
+<inkml:ink xmlns:inkml="http://www.w3.org/2003/InkML">
+  <inkml:definitions>
+    <inkml:context xml:id="ctx0">
+      <inkml:inkSource xml:id="inkSrc0">
+        <inkml:traceFormat>
+          <inkml:channel name="X" type="integer" max="9600" units="cm"/>
+          <inkml:channel name="Y" type="integer" max="7200" units="cm"/>
+          <inkml:channel name="F" type="integer" max="256" units="dev"/>
+          <inkml:channel name="T" type="integer" max="2.14748E9" units="dev"/>
+        </inkml:traceFormat>
+        <inkml:channelProperties>
+          <inkml:channelProperty channel="X" name="resolution" value="377.95276" units="1/cm"/>
+          <inkml:channelProperty channel="Y" name="resolution" value="425.28058" units="1/cm"/>
+          <inkml:channelProperty channel="F" name="resolution" value="0" units="1/dev"/>
+          <inkml:channelProperty channel="T" name="resolution" value="1" units="1/dev"/>
+        </inkml:channelProperties>
+      </inkml:inkSource>
+      <inkml:timestamp xml:id="ts0" timeString="2016-08-21T12:37:00.857"/>
+    </inkml:context>
+    <inkml:brush xml:id="br0">
+      <inkml:brushProperty name="width" value="0.05" units="cm"/>
+      <inkml:brushProperty name="height" value="0.05" units="cm"/>
+      <inkml:brushProperty name="color" value="#ED1C24"/>
+      <inkml:brushProperty name="fitToCurve" value="1"/>
+    </inkml:brush>
+  </inkml:definitions>
+  <inkml:traceGroup>
+    <inkml:annotationXML>
+      <emma:emma xmlns:emma="http://www.w3.org/2003/04/emma" version="1.0">
+        <emma:interpretation id="{D40AE99F-9509-451D-AB86-C998B89273E2}" emma:medium="tactile" emma:mode="ink">
+          <msink:context xmlns:msink="http://schemas.microsoft.com/ink/2010/main" type="inkDrawing" rotatedBoundingBox="6455,5593 14243,5982 14171,7403 6384,7014" hotPoints="14479,6674 10180,7207 5926,6381 10226,5849" semanticType="enclosure" shapeName="Ellipse"/>
+        </emma:interpretation>
+      </emma:emma>
+    </inkml:annotationXML>
+    <inkml:trace contextRef="#ctx0" brushRef="#br0">2419 81 30 0,'54'-4'15'0,"6"4"-11"0,-46 4 15 0,4-4-18 15,0 0 0-15,0-8 2 16,-4 4 1-16,-5 0-3 15,-4-8 1-15,-14 4 3 16,-14-4 0 15,-82-1 2-15,-23 5 1-16,0 4-1 16,-9 0 0-16,4 4-2 0,-9 4 1 15,-18 4-1-15,-4 13 1 16,4 7-2-16,-5 9 0 15,0 3 0-15,10-3 0 16,9 8 0-16,13 3 1 0,19 1-1 16,13 0 1-16,14 0-2 15,14 8 1-15,14-5 0 16,8 1 0-16,15 4-1 16,4 4 0-16,14 4-1 15,13-8 1-15,10-4-1 16,13-4 1-16,14-5-1 0,18 1 0 15,14-4 0-15,9-1 0 0,14 9 0 16,9-12 0-16,0-1-1 16,9-3 1-16,14-1-1 15,5-3 1-15,4-5 0 16,4-4 1-16,15-3-2 31,3-1 1-31,10-4 0 16,0-4 0-16,14-4 0 0,-5 0 0 15,5 4-1-15,-5-8 1 16,10 5-1-16,-6-1 0 16,1 4-1-16,-5 0 1 15,5-4-1-15,0 8 1 16,-1-8-2-16,1 4 0 0,-9-4 1 16,4-4 0-16,-4 0 0 15,4 0 0-15,-18-4 0 16,4 0 1-16,-4 0-1 15,-5 8 0-15,-4-8 0 16,-9 4 0-16,-5-4 0 16,4-4 1-1,1 0-1-15,-5 0 0 16,-5 0 0-16,-9-1 0 0,5-7 0 16,9 4 0-16,-9 0 0 15,-14 4 0-15,5-13 0 16,0-3 0-16,-5 0 0 15,9-5 1-15,-9 1-1 16,-4-1 0-16,-14-3-1 16,-5 3 1-16,-4 5 0 0,-5 0 0 15,-13-13-1-15,-6 9 0 16,-8-5 0-16,-14 0 0 16,-9 1 0-16,-5-1 0 15,-9 5 0-15,-13 0 1 16,-10 3-2-16,-13-7 1 0,-19-5-1 15,-27-8 1-15,-14 1-1 16,-5 3 1-16,-8 0-1 16,-5 1 1-16,-19-1 1 15,-17 5 0-15,-1 3-1 16,-4-4 1-16,-24 13-1 31,-3 8 1-31,-19-9-1 0,13 1 1 16,-4 8 0-16,1-5 0 0,8 5 0 15,5-8 0-15,-5-1 0 16,5 9 0-16,4 0-1 16,-4 4 1-16,-5 0-1 15,-9 3 1-15,10 5-1 16,3 0 1-16,6-4-1 16,13 0 0-16,14 0 0 15,4 4 1-15,1-4-1 0,-1 0 1 16,0 8-1-16,-4 0 1 15,5 4-2-15,4 8 0 16,0-4-7-16,13 16 1 16,10 1-14-1,14 3 1-15,22-7-6 16,37-17 1-16</inkml:trace>
+  </inkml:traceGroup>
+</inkml:ink>
+</file>
+
+<file path=ppt/ink/ink41.xml><?xml version="1.0" encoding="utf-8"?>
+<inkml:ink xmlns:inkml="http://www.w3.org/2003/InkML">
+  <inkml:definitions>
+    <inkml:context xml:id="ctx0">
+      <inkml:inkSource xml:id="inkSrc0">
+        <inkml:traceFormat>
+          <inkml:channel name="X" type="integer" max="9600" units="cm"/>
+          <inkml:channel name="Y" type="integer" max="7200" units="cm"/>
+          <inkml:channel name="F" type="integer" max="256" units="dev"/>
+          <inkml:channel name="T" type="integer" max="2.14748E9" units="dev"/>
+        </inkml:traceFormat>
+        <inkml:channelProperties>
+          <inkml:channelProperty channel="X" name="resolution" value="377.95276" units="1/cm"/>
+          <inkml:channelProperty channel="Y" name="resolution" value="425.28058" units="1/cm"/>
+          <inkml:channelProperty channel="F" name="resolution" value="0" units="1/dev"/>
+          <inkml:channelProperty channel="T" name="resolution" value="1" units="1/dev"/>
+        </inkml:channelProperties>
+      </inkml:inkSource>
+      <inkml:timestamp xml:id="ts0" timeString="2016-08-21T12:37:18.359"/>
+    </inkml:context>
+    <inkml:brush xml:id="br0">
+      <inkml:brushProperty name="width" value="0.05" units="cm"/>
+      <inkml:brushProperty name="height" value="0.05" units="cm"/>
+      <inkml:brushProperty name="color" value="#ED1C24"/>
+      <inkml:brushProperty name="fitToCurve" value="1"/>
+    </inkml:brush>
+  </inkml:definitions>
+  <inkml:traceGroup>
+    <inkml:annotationXML>
+      <emma:emma xmlns:emma="http://www.w3.org/2003/04/emma" version="1.0">
+        <emma:interpretation id="{B788EBA7-D8D4-4916-8BC8-1CAB561D7D91}" emma:medium="tactile" emma:mode="ink">
+          <msink:context xmlns:msink="http://schemas.microsoft.com/ink/2010/main" type="inkDrawing" rotatedBoundingBox="7492,9886 15480,10402 15412,11469 7423,10953" semanticType="enclosure" shapeName="None"/>
+        </emma:interpretation>
+      </emma:emma>
+    </inkml:annotationXML>
+    <inkml:trace contextRef="#ctx0" brushRef="#br0">2316 171 22 0,'18'-12'11'0,"23"3"-10"0,-18 1 11 16,-4 0-11-16,3 0 0 16,-3-4 6-16,-1 4 0 15,-9 4-5-15,-9 4 0 16,-4-4 6-16,-10-1 0 15,-9 1 0-15,-9-4 1 0,-9 0-3 16,-5-4 1-16,-4 4-2 16,-10-4 0-16,-4 4-2 15,-4-1 0-15,-15 5 0 16,-3 0 1-16,-1 0-1 16,-9 4 0-16,-5 0-1 15,5 4 1-15,-4 4-1 0,-6 1 0 0,6-1-1 16,4 4 0-16,-5-4 0 15,5 0 1-15,5 4 0 16,8 5 0-16,1-1 0 16,9 4 0-16,4-4-1 15,-4 1 1-15,9-1-1 32,9 0 1-32,1 0-1 0,3-3 1 15,6-1-1-15,-1 0 1 16,9 8-1-16,1 1 0 15,8 3 0-15,5-4 0 16,5 1 0-16,9 3 0 16,4-4 0-16,5 1 1 15,5-1-1-15,4 0 0 0,0 9 0 16,5-5 1-16,4 5-1 16,1-1 0-16,3-4 0 15,6 5 0-15,4-5-1 16,4 1 1-16,1-9 0 15,4 4 0-15,0-4 0 16,0 1 0 0,1-1 0-16,-1 4 0 0,4-3-1 15,6-5 1-15,4 0-1 16,-1 0 1-16,1 0-1 16,0 1 1-16,5-5-1 15,-6 0 1-15,1-4-1 16,0 0 1-16,0 0-1 15,5 0 1-15,4 0-1 0,4 0 1 16,-4 0-1-16,0 4 1 16,5 0-1-16,-10 1 1 15,5-1-1-15,0 0 0 16,-4-4 0-16,-6 0 0 16,1 0 0-16,0 4 1 15,5-4-1 1,4 0 1-16,-5 0-1 15,5 0 1-15,-9-4-1 16,4 5 0-16,1-1 0 16,4 0 1-16,-5-4-1 15,1 0 0-15,4 0 0 16,4 8 1-16,1-4-1 16,9 0 0-16,-10 4 0 0,-4 0 1 0,0 4-1 15,5 1 0-15,-1-5 0 16,-4 0 0-16,9 0 0 15,5 0 0-15,5 0 0 16,8 0 0-16,-9 0 0 16,1 1 0-16,-1-1 0 15,-9 0 1-15,0 0-1 0,5 0 0 16,4 0 0-16,5 0 0 16,-5 0 0-16,-4-3 0 15,9-1 0-15,0 0 0 16,-5 0 0-16,0 0 0 15,10 0 0-15,-5 0 0 16,0 0 0 0,-5 0 0-16,5 0-1 15,4 0 1-15,-4 0 0 16,0 0 0-16,9 0 0 16,0 0 0-16,-5 5 0 15,5-1 1-15,0-4-1 16,-4-8 1-16,4 4-1 15,14 0 0-15,-5 0 0 0,-5 0 1 0,5 0-1 16,1 4 0-16,-10-8 0 16,0 0 0-16,0 0 0 15,4 4 1-15,-4-9-1 16,-9 5 0-16,0-4 0 16,0 0 1-16,0-4-1 31,-10-4 0-31,1-1 0 0,0-3 0 15,0 0 0-15,-5-1 0 16,-5 1 0-16,-8-4 0 0,-14 7 0 16,-5-3 0-16,-5-4 0 15,-8-9 1-15,-10 5-2 16,-4-5 1-16,-10 1 0 16,-4-1 0-16,-9-3-1 15,-14-5 0-15,-13 0 0 0,-19 1 0 16,0 3 0-16,-9-3 1 15,-14 3-1-15,0 0 1 16,-8 1 0-16,-10-1 0 16,-10 5-1-16,-3-1 1 15,-6 9 0 1,1 4 0-16,-14-1-1 16,-9 1 1-16,-5 4-1 0,-4-5 1 15,0 1 0-15,-19 8 0 16,-4 0 0-16,4-9 0 15,-8 9-1-15,-6 0 1 16,1 4 0-16,0-8 0 16,8 3 0-16,-3 5 0 0,-1-4 0 15,5 8 0-15,0-8 0 16,-1 0 0-16,6-1 0 16,13 5 0-16,0 4 0 15,14-8 0-15,-5 0 0 16,5 0 0-16,14 3 0 15,4 5 0 1,4-4-2-16,-3 4 0 0,3 0-4 16,1 8 0-16,4 4-8 15,14 9 1-15,19 19-11 16,8-7 1-16</inkml:trace>
+  </inkml:traceGroup>
+</inkml:ink>
+</file>
+
+<file path=ppt/ink/ink42.xml><?xml version="1.0" encoding="utf-8"?>
+<inkml:ink xmlns:inkml="http://www.w3.org/2003/InkML">
+  <inkml:definitions>
+    <inkml:context xml:id="ctx0">
+      <inkml:inkSource xml:id="inkSrc0">
+        <inkml:traceFormat>
+          <inkml:channel name="X" type="integer" max="9600" units="cm"/>
+          <inkml:channel name="Y" type="integer" max="7200" units="cm"/>
+          <inkml:channel name="T" type="integer" max="2.14748E9" units="dev"/>
+        </inkml:traceFormat>
+        <inkml:channelProperties>
+          <inkml:channelProperty channel="X" name="resolution" value="377.95276" units="1/cm"/>
+          <inkml:channelProperty channel="Y" name="resolution" value="425.28058" units="1/cm"/>
+          <inkml:channelProperty channel="T" name="resolution" value="1" units="1/dev"/>
+        </inkml:channelProperties>
+      </inkml:inkSource>
+      <inkml:timestamp xml:id="ts0" timeString="2016-08-21T12:37:40.492"/>
+    </inkml:context>
+    <inkml:brush xml:id="br0">
+      <inkml:brushProperty name="width" value="0.05" units="cm"/>
+      <inkml:brushProperty name="height" value="0.05" units="cm"/>
+      <inkml:brushProperty name="color" value="#ED1C24"/>
+      <inkml:brushProperty name="fitToCurve" value="1"/>
+    </inkml:brush>
+  </inkml:definitions>
+  <inkml:traceGroup>
+    <inkml:annotationXML>
+      <emma:emma xmlns:emma="http://www.w3.org/2003/04/emma" version="1.0">
+        <emma:interpretation id="{F21434F4-23F2-4814-A3D9-08EAD4C971F4}" emma:medium="tactile" emma:mode="ink">
+          <msink:context xmlns:msink="http://schemas.microsoft.com/ink/2010/main" type="inkDrawing" rotatedBoundingBox="10226,16580 10231,16596 10217,16601 10212,16585" shapeName="None"/>
+        </emma:interpretation>
+      </emma:emma>
+    </inkml:annotationXML>
+    <inkml:trace contextRef="#ctx0" brushRef="#br0">15 8 0,'0'0'0,"0"0"15,0 0-15,0 0 16,0 0-16,0 0 16,0 0-16,0 0 15,0 0-15,0 0 16,0 0-16,0 0 16,-5-16-16,5 16 0,0 0 15</inkml:trace>
+  </inkml:traceGroup>
+</inkml:ink>
+</file>
+
+<file path=ppt/ink/ink43.xml><?xml version="1.0" encoding="utf-8"?>
 <inkml:ink xmlns:inkml="http://www.w3.org/2003/InkML">
   <inkml:definitions>
     <inkml:context xml:id="ctx0">
@@ -2106,7 +2123,7 @@
 </inkml:ink>
 </file>
 
-<file path=ppt/ink/ink41.xml><?xml version="1.0" encoding="utf-8"?>
+<file path=ppt/ink/ink44.xml><?xml version="1.0" encoding="utf-8"?>
 <inkml:ink xmlns:inkml="http://www.w3.org/2003/InkML">
   <inkml:definitions>
     <inkml:context xml:id="ctx0">
@@ -2148,7 +2165,7 @@
 </inkml:ink>
 </file>
 
-<file path=ppt/ink/ink42.xml><?xml version="1.0" encoding="utf-8"?>
+<file path=ppt/ink/ink45.xml><?xml version="1.0" encoding="utf-8"?>
 <inkml:ink xmlns:inkml="http://www.w3.org/2003/InkML">
   <inkml:definitions>
     <inkml:context xml:id="ctx0">
@@ -2180,7 +2197,7 @@
 </inkml:ink>
 </file>
 
-<file path=ppt/ink/ink43.xml><?xml version="1.0" encoding="utf-8"?>
+<file path=ppt/ink/ink46.xml><?xml version="1.0" encoding="utf-8"?>
 <inkml:ink xmlns:inkml="http://www.w3.org/2003/InkML">
   <inkml:definitions>
     <inkml:context xml:id="ctx0">
@@ -2217,7 +2234,7 @@
 </inkml:ink>
 </file>
 
-<file path=ppt/ink/ink44.xml><?xml version="1.0" encoding="utf-8"?>
+<file path=ppt/ink/ink47.xml><?xml version="1.0" encoding="utf-8"?>
 <inkml:ink xmlns:inkml="http://www.w3.org/2003/InkML">
   <inkml:definitions>
     <inkml:context xml:id="ctx0">
@@ -2248,7 +2265,7 @@
 </inkml:ink>
 </file>
 
-<file path=ppt/ink/ink45.xml><?xml version="1.0" encoding="utf-8"?>
+<file path=ppt/ink/ink48.xml><?xml version="1.0" encoding="utf-8"?>
 <inkml:ink xmlns:inkml="http://www.w3.org/2003/InkML">
   <inkml:definitions>
     <inkml:context xml:id="ctx0">
@@ -2279,7 +2296,7 @@
 </inkml:ink>
 </file>
 
-<file path=ppt/ink/ink46.xml><?xml version="1.0" encoding="utf-8"?>
+<file path=ppt/ink/ink49.xml><?xml version="1.0" encoding="utf-8"?>
 <inkml:ink xmlns:inkml="http://www.w3.org/2003/InkML">
   <inkml:definitions>
     <inkml:context xml:id="ctx0">
@@ -2308,156 +2325,11 @@
   </inkml:definitions>
   <inkml:trace contextRef="#ctx0" brushRef="#br0">-4041 5733 23 0,'-23'-4'11'0,"5"-8"2"0,13 12 12 16,1 0-20-16,4 0 1 15,0 0 6-15,0 0 0 16,4 0-13-16,10-5 1 15,4 1 10-15,23 0 1 0,10 0-2 16,13-4 1-16,18-4-3 16,28-4 0-16,18-1-1 15,14 1 1-15,18 4-3 16,4 4 1-16,1 0-2 16,-5 0 1-16,-9-1-1 15,0-3 1 1,-10 4-2-16,-13 4 0 0,-4 8 0 15,-24 0 1-15,-8 0-1 16,-19 0 0-16,-5 4 0 16,1 1 0-16,4-5-1 15,5-4 0-15,-5 0 0 16,-4 0 0-16,-10 4-1 16,-9-4 1-16,-4 8-1 0,0 0 0 15,0 0 0-15,-1-4 0 16,-4 0 0-16,1-4 1 15,-1-4-1-15,-5 8 0 16,-4 0 0-16,0-4 0 16,-4 4 0-16,-5-4 0 15,-1 4 0-15,-3 1 0 0,-1-1-1 16,5 0 1-16,0 0 0 16,0 0 1-16,-1 0-1 15,-3-4 0-15,-1 0-1 16,-4 0 1-16,-5 0-1 15,0 0 1-15,-9 0-1 16,0 0 0 0,5-8-1-16,-5 8 0 0,0-8 0 15,0-5 0-15,0 1-1 16,0-4 0-16,-5-8 0 16,-4-5 0-16,-5 1-1 15,-9-13 1-15,-4-8-1 16,-10 0 1-16,5 5 1 15,-4 7 0-15,-1 1 0 0,1-1 1 16,4 5 1-16,0 7 1 16,9 5-1-16,4 4 1 15,6-5-1-15,8 21 1 16,14 0 0-16,14 17 0 16,0-1 0-16,18 8 0 15,14 9 1 1,18 7 0-16,5-3-1 15,0-1 1-15,8 1-1 16,-3-9 1-16,-10 5-2 16,-4-1 0-16,-1 1 0 15,-13 4 0-15,-14-9 0 16,-9 0 0-16,-14-3 0 0,-18-5 0 16,-18 1 0-16,-28 7 1 0,-18 0 0 15,-22 5 0-15,-10 3 0 16,-1-3 1-16,11 4-3 15,3-5 1-15,10-8-9 16,14-3 1-16,18-5-14 16,22-4 1-16,15 0-4 15,22-20 0-15</inkml:trace>
   <inkml:trace contextRef="#ctx0" brushRef="#br0" timeOffset="0.5017">362 5156 40 0,'0'4'20'0,"18"28"-9"0,0-28 33 0,5 9-39 15,5-1 1-15,8 4 5 16,19-4 0-16,23 0-13 16,13 1 0-16,28-5 9 15,-4-8 0-15,8-4-4 16,-4 4 1-16,-14 4-3 16,-18 4 0-16,-19 4-6 0,-13 0 1 15,-14 4-10-15,-13-3 1 16,-10-1-8-16,-13-4 0 31</inkml:trace>
-  <inkml:trace contextRef="#ctx0" brushRef="#br0" timeOffset="1.5012">906 4721 29 0,'-9'-25'14'0,"4"13"0"0,5 12 14 15,-4 0-25-15,-1 4 0 16,5 13 4-16,0 19 1 0,-4 17-8 15,-1 16 1-15,0 8 7 16,-4 29 0-16,0 20-2 0,0-4 1 16,0-4-3-16,4-13 1 15,1-15-5-15,-1-29 1 16,1-12-8-16,-6-17 0 16,1-24-5-1,5-16 0-15,-1-8-7 16,1-9 0-16</inkml:trace>
+  <inkml:trace contextRef="#ctx0" brushRef="#br0" timeOffset="1.501">906 4721 29 0,'-9'-25'14'0,"4"13"0"0,5 12 14 15,-4 0-25-15,-1 4 0 16,5 13 4-16,0 19 1 0,-4 17-8 15,-1 16 1-15,0 8 7 16,-4 29 0-16,0 20-2 0,0-4 1 16,0-4-3-16,4-13 1 15,1-15-5-15,-1-29 1 16,1-12-8-16,-6-17 0 16,1-24-5-1,5-16 0-15,-1-8-7 16,1-9 0-16</inkml:trace>
   <inkml:trace contextRef="#ctx0" brushRef="#br0" timeOffset="2.5017">1624 5920 24 0,'0'0'12'0,"4"-4"9"16,-4 4 7-16,5-13-23 16,-1 5 1-16,-4-4 3 15,-4-4 0-15,-5-4-11 0,0-9 0 16,-1 1 8-16,-3-1 0 0,-1-3-3 15,5-5 1-15,0 1-2 16,4 3 0-16,1 1 0 16,4 3 0-16,4 5 0 15,10-1 0-15,4 5 1 16,10 8 1-16,-1 0-2 0,10 12 1 16,13-9-1-16,0 9 1 15,-4 5-2-15,-9-1 0 16,-1 4-1-16,1 4 1 15,-5 0-5-15,0-4 1 16,0 0-7-16,-5-8 1 31,1 0-11-31,-6-8 0 0</inkml:trace>
   <inkml:trace contextRef="#ctx0" brushRef="#br0" timeOffset="3.5017">2250 5436 20 0,'0'8'10'0,"0"4"12"16,0-8-2-16,-4 9-17 16,-1 3 1-16,-4 8 4 15,0 9 0-15,0-1-9 31,-1 9 1-31,6 4 6 0,4-1 1 16,4-3-1-16,6-8 0 16,8-5-1-16,5-4 0 15,4-3-1-15,1-13 0 16,4 0-2-16,-5-16 1 16,5-12-1-16,0-5 0 15,5-11-2 1,-10 3 1-16,-9 5-1 15,-4 3 1-15,0-3-2 16,-10-1 0-16,5 1-1 16,1-9 1-16,-1 1 0 15,0-1 1-15,-9 9 0 16,0 3 0 0,0 5 1-16,0 4 0 0,-5 4-1 15,1-1 1-15,-1 5-3 16,1 4 1-16,-1 4-6 15,0 4 0-15,5 4-11 16,5 5 0-16</inkml:trace>
   <inkml:trace contextRef="#ctx0" brushRef="#br0" timeOffset="4.5017">2790 5558 25 0,'-5'-4'12'0,"5"12"2"0,0-8 4 15,0 0-14-15,5 4 1 0,4 4 3 16,4-4 1-16,1 4-10 16,9-3 1-16,4-1 6 15,5 0 1-15,0-8-3 32,5-5 1-32,4-7-3 0,-9-4 1 15,-4-9-2-15,-5 9 0 16,-5-4-1-16,-4-1 1 15,-5 1-1-15,-5-4 1 16,-8-1-1-16,-1 1 0 16,-9 3 0-16,-4 5 0 15,-5 8 0-15,-9 8 1 0,-4 12-1 16,-10 8 0-16,0 8 0 16,5 5 1-16,4 7-1 15,10 5 0-15,4 0 1 16,9-5 0-16,5 5 2 15,9-9 0-15,5 1 1 16,4 4 1 0,5-1 0-16,4 5 0 15,5-5-1-15,4-7 1 0,5-5-2 16,5-8 1-16,9-3-1 16,4-1 0-16,5-8-2 15,4-4 0-15,1-12-3 16,-10 0 1-16,0-1-8 15,-9-3 1-15,-4 0-14 0,-5 0 1 16,0 3-1-16,-9 1 0 16</inkml:trace>
   <inkml:trace contextRef="#ctx0" brushRef="#br0" timeOffset="5.5017">-607 5623 16 0,'32'-37'8'0,"36"-52"-27"0,-31 57 17 16</inkml:trace>
-</inkml:ink>
-</file>
-
-<file path=ppt/ink/ink47.xml><?xml version="1.0" encoding="utf-8"?>
-<inkml:ink xmlns:inkml="http://www.w3.org/2003/InkML">
-  <inkml:definitions>
-    <inkml:context xml:id="ctx0">
-      <inkml:inkSource xml:id="inkSrc0">
-        <inkml:traceFormat>
-          <inkml:channel name="X" type="integer" max="9600" units="cm"/>
-          <inkml:channel name="Y" type="integer" max="7200" units="cm"/>
-          <inkml:channel name="F" type="integer" max="256" units="dev"/>
-          <inkml:channel name="T" type="integer" max="2.14748E9" units="dev"/>
-        </inkml:traceFormat>
-        <inkml:channelProperties>
-          <inkml:channelProperty channel="X" name="resolution" value="377.95276" units="1/cm"/>
-          <inkml:channelProperty channel="Y" name="resolution" value="425.28058" units="1/cm"/>
-          <inkml:channelProperty channel="F" name="resolution" value="0" units="1/dev"/>
-          <inkml:channelProperty channel="T" name="resolution" value="1" units="1/dev"/>
-        </inkml:channelProperties>
-      </inkml:inkSource>
-      <inkml:timestamp xml:id="ts0" timeString="2016-08-21T12:37:47.003"/>
-    </inkml:context>
-    <inkml:brush xml:id="br0">
-      <inkml:brushProperty name="width" value="0.05" units="cm"/>
-      <inkml:brushProperty name="height" value="0.05" units="cm"/>
-      <inkml:brushProperty name="color" value="#ED1C24"/>
-      <inkml:brushProperty name="fitToCurve" value="1"/>
-    </inkml:brush>
-  </inkml:definitions>
-  <inkml:traceGroup>
-    <inkml:annotationXML>
-      <emma:emma xmlns:emma="http://www.w3.org/2003/04/emma" version="1.0">
-        <emma:interpretation id="{7A323AFE-2FBC-4817-8D81-6CEA053DF70D}" emma:medium="tactile" emma:mode="ink">
-          <msink:context xmlns:msink="http://schemas.microsoft.com/ink/2010/main" type="inkDrawing" rotatedBoundingBox="18760,14778 19441,11130 19656,11171 18975,14818" semanticType="callout" shapeName="Other"/>
-        </emma:interpretation>
-      </emma:emma>
-    </inkml:annotationXML>
-    <inkml:trace contextRef="#ctx0" brushRef="#br0">-629 6073 26 0,'-24'-5'13'0,"4"-5"-12"0,16 5 13 16,4-1-13-16,-4-1 1 15,0-2 3 1,0 2 1-16,0 1-5 16,-4 6 0-16,1 6 4 15,-6 1 0-15,1 4 1 16,0 2 0-16,4-5-1 16,0 8 0-16,5 7-1 15,-1 6 1-15,-4 3 0 0,-4 15 0 16,-4-3-1-16,-4 11 1 0,0 5-1 15,0 13 1-15,-4 3-2 16,-3 3 1-16,-1 7-1 16,-8 4 1-16,4-1-2 15,0 7 0-15,4-2-1 16,9 6 1-16,-1-1-1 31,3-6 1-31,6-5-1 0,-1-1 0 16,0-11 0-16,1-6 0 15,-2-7-1-15,1-11 1 16,0-5-1-16,1-7 0 16,3 2 0-16,-1-1 0 15,1-1 0-15,1 2 0 16,-1 2 0-16,0-5 0 0,0 3 0 16,4 0 0-16,0-5 0 15,0-6 1-15,0-7-2 16,0-6 1-16,0-2-1 15,0-5 1-15,4-4-1 0,0-1 0 16,0-1 0-16,0 0 1 16,4-3 0-1,0 1 1-15,0 0-1 16,-4-3 1-16,0 0 0 16,4-6 1-16,0 1-1 15,-4-2 0-15,4-4-1 16,0-2 0-16,4 0-6 15,0-5 1-15,4-11-15 16,-1-11 1-16,1-9-3 0,16-22 1 16</inkml:trace>
-  </inkml:traceGroup>
-</inkml:ink>
-</file>
-
-<file path=ppt/ink/ink48.xml><?xml version="1.0" encoding="utf-8"?>
-<inkml:ink xmlns:inkml="http://www.w3.org/2003/InkML">
-  <inkml:definitions>
-    <inkml:context xml:id="ctx0">
-      <inkml:inkSource xml:id="inkSrc0">
-        <inkml:traceFormat>
-          <inkml:channel name="X" type="integer" max="9600" units="cm"/>
-          <inkml:channel name="Y" type="integer" max="7200" units="cm"/>
-          <inkml:channel name="T" type="integer" max="2.14748E9" units="dev"/>
-        </inkml:traceFormat>
-        <inkml:channelProperties>
-          <inkml:channelProperty channel="X" name="resolution" value="377.95276" units="1/cm"/>
-          <inkml:channelProperty channel="Y" name="resolution" value="425.28058" units="1/cm"/>
-          <inkml:channelProperty channel="T" name="resolution" value="1" units="1/dev"/>
-        </inkml:channelProperties>
-      </inkml:inkSource>
-      <inkml:timestamp xml:id="ts0" timeString="2016-08-21T12:37:46.050"/>
-    </inkml:context>
-    <inkml:brush xml:id="br0">
-      <inkml:brushProperty name="width" value="0.05" units="cm"/>
-      <inkml:brushProperty name="height" value="0.05" units="cm"/>
-      <inkml:brushProperty name="color" value="#ED1C24"/>
-      <inkml:brushProperty name="fitToCurve" value="1"/>
-    </inkml:brush>
-  </inkml:definitions>
-  <inkml:traceGroup>
-    <inkml:annotationXML>
-      <emma:emma xmlns:emma="http://www.w3.org/2003/04/emma" version="1.0">
-        <emma:interpretation id="{F18F2D80-73FC-4076-BBD4-91117AC261E3}" emma:medium="tactile" emma:mode="ink">
-          <msink:context xmlns:msink="http://schemas.microsoft.com/ink/2010/main" type="inkDrawing" rotatedBoundingBox="24116,16605 24131,16605 24131,16620 24116,16620" shapeName="Other"/>
-        </emma:interpretation>
-      </emma:emma>
-    </inkml:annotationXML>
-    <inkml:trace contextRef="#ctx0" brushRef="#br0">32 12288 0</inkml:trace>
-  </inkml:traceGroup>
-</inkml:ink>
-</file>
-
-<file path=ppt/ink/ink49.xml><?xml version="1.0" encoding="utf-8"?>
-<inkml:ink xmlns:inkml="http://www.w3.org/2003/InkML">
-  <inkml:definitions>
-    <inkml:context xml:id="ctx0">
-      <inkml:inkSource xml:id="inkSrc0">
-        <inkml:traceFormat>
-          <inkml:channel name="X" type="integer" max="9600" units="cm"/>
-          <inkml:channel name="Y" type="integer" max="7200" units="cm"/>
-          <inkml:channel name="F" type="integer" max="256" units="dev"/>
-          <inkml:channel name="T" type="integer" max="2.14748E9" units="dev"/>
-        </inkml:traceFormat>
-        <inkml:channelProperties>
-          <inkml:channelProperty channel="X" name="resolution" value="377.95276" units="1/cm"/>
-          <inkml:channelProperty channel="Y" name="resolution" value="425.28058" units="1/cm"/>
-          <inkml:channelProperty channel="F" name="resolution" value="0" units="1/dev"/>
-          <inkml:channelProperty channel="T" name="resolution" value="1" units="1/dev"/>
-        </inkml:channelProperties>
-      </inkml:inkSource>
-      <inkml:timestamp xml:id="ts0" timeString="2016-08-21T12:42:39.908"/>
-    </inkml:context>
-    <inkml:brush xml:id="br0">
-      <inkml:brushProperty name="width" value="0.05" units="cm"/>
-      <inkml:brushProperty name="height" value="0.05" units="cm"/>
-      <inkml:brushProperty name="color" value="#ED1C24"/>
-      <inkml:brushProperty name="fitToCurve" value="1"/>
-    </inkml:brush>
-  </inkml:definitions>
-  <inkml:traceGroup>
-    <inkml:annotationXML>
-      <emma:emma xmlns:emma="http://www.w3.org/2003/04/emma" version="1.0">
-        <emma:interpretation id="{75066709-7FAF-4CC1-A1B1-E364C0B6E014}" emma:medium="tactile" emma:mode="ink">
-          <msink:context xmlns:msink="http://schemas.microsoft.com/ink/2010/main" type="writingRegion" rotatedBoundingBox="8911,4156 12528,16982 4505,19245 888,6419"/>
-        </emma:interpretation>
-      </emma:emma>
-    </inkml:annotationXML>
-    <inkml:traceGroup>
-      <inkml:annotationXML>
-        <emma:emma xmlns:emma="http://www.w3.org/2003/04/emma" version="1.0">
-          <emma:interpretation id="{61DC8B6F-1E8B-4F41-A31B-B7C91D7B51D4}" emma:medium="tactile" emma:mode="ink">
-            <msink:context xmlns:msink="http://schemas.microsoft.com/ink/2010/main" type="paragraph" rotatedBoundingBox="7750,5236 11171,17364 4505,19245 1084,7116" alignmentLevel="1"/>
-          </emma:interpretation>
-        </emma:emma>
-      </inkml:annotationXML>
-      <inkml:traceGroup>
-        <inkml:annotationXML>
-          <emma:emma xmlns:emma="http://www.w3.org/2003/04/emma" version="1.0">
-            <emma:interpretation id="{8393CCD4-8C71-47F8-A211-AF929BB5E538}" emma:medium="tactile" emma:mode="ink">
-              <msink:context xmlns:msink="http://schemas.microsoft.com/ink/2010/main" type="line" rotatedBoundingBox="7750,5236 11171,17364 4505,19245 1084,7116"/>
-            </emma:interpretation>
-          </emma:emma>
-        </inkml:annotationXML>
-        <inkml:traceGroup>
-          <inkml:annotationXML>
-            <emma:emma xmlns:emma="http://www.w3.org/2003/04/emma" version="1.0">
-              <emma:interpretation id="{42D71910-E537-4DC2-A49B-007BEBC4B5D2}" emma:medium="tactile" emma:mode="ink">
-                <msink:context xmlns:msink="http://schemas.microsoft.com/ink/2010/main" type="inkWord" rotatedBoundingBox="7750,5236 11171,17364 4505,19245 1084,7116"/>
-              </emma:interpretation>
-            </emma:emma>
-          </inkml:annotationXML>
-          <inkml:trace contextRef="#ctx0" brushRef="#br0">206 1047 25 0,'11'9'12'0,"-6"-4"2"0,-5-5 13 0,0 0-24 16,0 0 0-16,0 0 4 15,0 0 0-15,0 0-7 16,0 0 0-16,0 0 7 15,0 0 0-15,0 0 0 16,-5 0 0-16,0 0-1 0,-1-9 1 16,-4 0-2-16,-1 5 1 0,-10 4-1 31,0-5 0-31,-6 1-2 16,-4 4 1-16,-1-4-1 0,-5 4 0 15,0 0 0-15,0 0 1 16,-6 4-2-16,-4 0 1 15,-6 1-1 1,-11 8 0-16,-10-4-1 0,0 0 1 16,-11 8-2-16,-5 5 1 15,6 9-1-15,10-5 0 16,-11 1 0-16,0-1 1 16,-10 1-1-16,-5-6 1 15,-1 10-1-15,-5 5 1 16,6-2-1-16,10 7 1 15,-6-2-1-15,-4 0 1 16,-1-3-1-16,1 3 0 0,10-3 0 0,-5 3 0 16,-6 1 0-16,1 4 1 15,10 9-2 1,-11 8 1-16,-10 1 0 16,10 0 0-16,1 17 0 0,-1-8 0 0,11-6-1 31,6 5 1-31,-1 1 0 15,11 8 0-15,-5-8 0 16,-1 8 0-16,1 0 0 16,-6 14 0-16,6 8 0 15,5-8 0-15,0 3 0 16,0 1 0-16,5-9 0 16,5 9 0-16,6-9 0 15,0 9 0-15,15-1-1 0,6 5 1 16,0-3 0-1,0-2 0-15,6 1 0 0,-1 4 0 0,0-8 0 32,6 8 0-32,-1 0 0 0,6 5 0 0,-5 0 0 15,-6-5 0-15,0 9 0 16,0-9 1-16,6 18-1 16,-1-8 0-16,6-7 0 15,0 20 1-15,0-14-1 16,0 13 1-1,0 5-1-15,5 4 0 16,0-5 0-16,5 5 1 0,1 1-1 16,4-1 1-16,1-9-1 15,5 5 1-15,0-9 0 16,5 4 0-16,1-13 0 16,-1 8 0-16,0-3-1 15,0 0 1-15,1 4-1 16,4-5 1-16,1 0-1 0,0-8 1 15,4 12 0-15,1-7 0 16,11-5-1-16,-1 12 1 16,1 1-1-16,-6-5 0 15,0-3 1-15,5 8 0 16,-4-14 0-16,-1 5 0 16,0 9 0-1,0 0 0-15,-5-5 0 16,5-4 0-16,0 1 0 15,-10 3 0-15,5-5-1 16,5 2 1-16,5-6-1 16,6 5 1-16,0-8-1 0,5-1 1 15,5 5-1-15,6-10 0 16,5 1 0-16,-6 4 0 0,12-4 0 16,-6 0 1-16,5-4-1 15,-5-10 1-15,5 0 0 16,-5 2 0-16,5-2 0 15,0-4 1-15,11 0-1 16,0 5 0-16,5-9 0 16,0 13 0-16,-10-8-1 0,-1-15 1 15,1 5-1-15,-1 1 1 16,1-5-1-16,-1 4 1 16,-10-12-1-16,0-1 1 15,0 5-1-15,5-5 0 16,0-5 0-1,0-3 1-15,6 8-1 16,-6-8 0-16,6-5 0 16,-6 0 0-16,0-10 0 15,0 2 0-15,-5-1 0 16,0-8 0-16,0 8 0 0,-11-9 0 16,1 1 0-16,-6-5 0 15,5 4 0-15,0-4 1 16,11 0-1-16,-5 4 0 0,0-3 0 15,-1-2 0-15,1 6 0 16,-1 0 0-16,-4-14 0 16,-1-5 0-16,6 15 0 15,-1-6 1-15,1 5-1 16,0-9 0-16,-6 10 0 16,6-7 0-1,-11-2 0-15,0 0 1 16,5-1-1-16,0-5 0 15,1 5 0-15,-1-3 1 16,6-2-1-16,-1 0 0 16,1 2 0-16,5 3 0 0,5-5 0 15,-5-3 1-15,5 3-1 16,-5-3 0 0,21-18 0-1,-10 5 0-15,-1-10 0 0,6 5 1 16,-6 3-1-16,-4-3 0 15,-7 9 0-15,1-5 1 16,-5-4-1-16,0 0 0 16,-6-5 0-16,0 5 0 0,1-5 0 15,-1 14 0-15,0-9 0 16,-5 4 0-16,0-4 0 16,0 0 0-16,-5-5 0 15,5 0 0-15,-10-3 0 31,-1-2 1-31,1 1-1 16,-12 0 0-16,1 0 0 0,0 0 0 16,0 0 0-16,0 0 0 15,0 9 0-15,0-9 0 16,5 4 0-16,-5-3 0 16,5 3 0-16,0-4 0 0,0 4 0 15,0-4 0-15,1 0-1 16,4 0 1-16,-5 0 0 15,0 0 1-15,1 1-2 16,-1-2 1-16,-5-3 0 0,5 3 0 16,-5 7 0-16,5-12 0 15,-5 7 0-15,0 8 0 16,-6-5 0-16,1-8 0 31,-1 8 0-31,1-4 0 0,-1 8-1 16,1 6 1-16,-6-1-1 15,1 5 1-15,-6 4-1 16,0 0 1-16,0-9-1 16,0 9 1-16,-6-4-1 15,-4-1 1-15,-1 10 0 16,-5-5 0-16,-5 0 0 0,0 8 0 16,-5 5 0-16,-12 0 0 15,7 5 0-15,-6 0 0 16,5 4 0-16,-5 5 0 0,10-6-1 15,-4 5 1-15,-1 2 0 16,0-12 0-16,0 2 0 31,1 5 0-31,4-6 0 16,6 0 0-16,5 1-1 0,0 4 1 16,6 0 0-16,4 0 0 15,1-4-1-15,0-1 1 16,10-8 0-16,-5 0 0 15,5-9-1-15,11 9 1 16,5-5-2-16,-5-12 1 0,6-6 0 16,-1-3 1-16,5 8 0 15,6-9 0-15,5 1 0 16,0-1 0-16,0 0 1 16,0 0 0-16,0 2-3 15,0 2 1-15,-5 0-1 16,0-7 0-16,-11 8 0 0,0-5 0 15,-5 0-1-15,-6 0 1 16,-4 10 1-16,-6-5 1 0,-6 4 0 16,-4 5 0-16,-6 4 0 15,-5 4 0-15,-6 5 0 16,-4 4 0-16,-6 0 0 31,-6 0 0-31,6-3 0 0,0-2 0 16,0 0 0-1,5 6 0-15,1-5-1 0,4 9 1 16,6-5-1-16,0 5 1 0,5-2-1 16,5-6 1-16,6 3-1 15,5-5 1-15,0-3-1 16,11 0 0-16,5-1 0 16,-1-13 1-16,12 0-1 15,5-8 1-15,5 7 0 16,0-6 0-16,0-2 0 15,0-5 1-15,-5 2-1 16,-1-5 0-16,-4 3 0 16,-1-8 0-1,1 5 0-15,-6-5 1 16,-5 9-1-16,0 9 0 16,-6-1 1-16,-5 6 0 0,-5-1-1 15,0 5 0-15,-10 4 0 16,-1 4 0-16,-10 10 0 15,0-1 0-15,0 0-1 16,0 0 1-16,5 0-1 16,-5 5 0-16,5-10 0 0,5 2 1 15,6-2-2-15,0-3 1 16,-1-1-1-16,6-4 1 16,6 4-1-16,-6 1 1 15,5-5-2-15,0 0 1 16,6-5-2-16,5 1 1 0,-1-5 0 15,7 1 0-15,-1-5 0 16,0-5 0-16,0 0 1 16,0 0 1-16,-5 5 1 15,-5 0 1-15,-1 0 1 16,-4 0 0-16,-6 0 0 31,0 3 1-31,0 2-1 0,0 8 1 16,0 0-1-16,0 0 0 0,5 8-1 15,-5 10 0-15,0 8-1 16,0 10 1-16,0 13-1 16,0-2 0-16,0 2 0 15,5 0 0-15,0-10 0 16,1-4 0-16,-1-4 0 0,0-4 0 16,-5-6 0-16,6-3 0 15,-1-5-1-15,0-8 1 16,-5-1-1-16,6 0 1 15,-6-4 0-15,0-13 0 16,0-5 0-16,-6-8 0 16,1-5 0-1,0-8 0-15,-1 0 0 16,6 8 1-16,-5 0-1 16,5 8 1-16,0 6-1 15,0 13 1-15,0 4 0 16,0 8 0-16,0 10-1 15,5 13 1-15,-5 8-1 16,6 5 0-16,-1 5 0 0,0 3 0 16,-5-3 0-16,0-5 0 0,0-9 0 15,6-13 0-15,-6-13-1 16,0-18 1-16,-6-13 0 16,6-13 0-16,-5-9-1 15,0-9 1-15,-1-4 0 16,6 4 1-1,-5 4 0-15,5 5 0 16,0 23 0-16,0 3 1 16,0 18-1-16,0 13 1 15,5 13-1-15,-5 18 0 16,0-3-1-16,0 3 1 16,-5 0-2-16,5-5 0 15,-5-8-9-15,5-13 1 0,0-27-13 16,-11-31 1-16</inkml:trace>
-        </inkml:traceGroup>
-      </inkml:traceGroup>
-    </inkml:traceGroup>
-  </inkml:traceGroup>
 </inkml:ink>
 </file>
 
@@ -2552,6 +2424,151 @@
           <inkml:channelProperty channel="T" name="resolution" value="1" units="1/dev"/>
         </inkml:channelProperties>
       </inkml:inkSource>
+      <inkml:timestamp xml:id="ts0" timeString="2016-08-21T12:37:47.003"/>
+    </inkml:context>
+    <inkml:brush xml:id="br0">
+      <inkml:brushProperty name="width" value="0.05" units="cm"/>
+      <inkml:brushProperty name="height" value="0.05" units="cm"/>
+      <inkml:brushProperty name="color" value="#ED1C24"/>
+      <inkml:brushProperty name="fitToCurve" value="1"/>
+    </inkml:brush>
+  </inkml:definitions>
+  <inkml:traceGroup>
+    <inkml:annotationXML>
+      <emma:emma xmlns:emma="http://www.w3.org/2003/04/emma" version="1.0">
+        <emma:interpretation id="{7A323AFE-2FBC-4817-8D81-6CEA053DF70D}" emma:medium="tactile" emma:mode="ink">
+          <msink:context xmlns:msink="http://schemas.microsoft.com/ink/2010/main" type="inkDrawing" rotatedBoundingBox="18760,14778 19441,11130 19656,11171 18975,14818" semanticType="callout" shapeName="Other"/>
+        </emma:interpretation>
+      </emma:emma>
+    </inkml:annotationXML>
+    <inkml:trace contextRef="#ctx0" brushRef="#br0">-629 6073 26 0,'-24'-5'13'0,"4"-5"-12"0,16 5 13 16,4-1-13-16,-4-1 1 15,0-2 3 1,0 2 1-16,0 1-5 16,-4 6 0-16,1 6 4 15,-6 1 0-15,1 4 1 16,0 2 0-16,4-5-1 16,0 8 0-16,5 7-1 15,-1 6 1-15,-4 3 0 0,-4 15 0 16,-4-3-1-16,-4 11 1 0,0 5-1 15,0 13 1-15,-4 3-2 16,-3 3 1-16,-1 7-1 16,-8 4 1-16,4-1-2 15,0 7 0-15,4-2-1 16,9 6 1-16,-1-1-1 31,3-6 1-31,6-5-1 0,-1-1 0 16,0-11 0-16,1-6 0 15,-2-7-1-15,1-11 1 16,0-5-1-16,1-7 0 16,3 2 0-16,-1-1 0 15,1-1 0-15,1 2 0 16,-1 2 0-16,0-5 0 0,0 3 0 16,4 0 0-16,0-5 0 15,0-6 1-15,0-7-2 16,0-6 1-16,0-2-1 15,0-5 1-15,4-4-1 0,0-1 0 16,0-1 0-16,0 0 1 16,4-3 0-1,0 1 1-15,0 0-1 16,-4-3 1-16,0 0 0 16,4-6 1-16,0 1-1 15,-4-2 0-15,4-4-1 16,0-2 0-16,4 0-6 15,0-5 1-15,4-11-15 16,-1-11 1-16,1-9-3 0,16-22 1 16</inkml:trace>
+  </inkml:traceGroup>
+</inkml:ink>
+</file>
+
+<file path=ppt/ink/ink51.xml><?xml version="1.0" encoding="utf-8"?>
+<inkml:ink xmlns:inkml="http://www.w3.org/2003/InkML">
+  <inkml:definitions>
+    <inkml:context xml:id="ctx0">
+      <inkml:inkSource xml:id="inkSrc0">
+        <inkml:traceFormat>
+          <inkml:channel name="X" type="integer" max="9600" units="cm"/>
+          <inkml:channel name="Y" type="integer" max="7200" units="cm"/>
+          <inkml:channel name="T" type="integer" max="2.14748E9" units="dev"/>
+        </inkml:traceFormat>
+        <inkml:channelProperties>
+          <inkml:channelProperty channel="X" name="resolution" value="377.95276" units="1/cm"/>
+          <inkml:channelProperty channel="Y" name="resolution" value="425.28058" units="1/cm"/>
+          <inkml:channelProperty channel="T" name="resolution" value="1" units="1/dev"/>
+        </inkml:channelProperties>
+      </inkml:inkSource>
+      <inkml:timestamp xml:id="ts0" timeString="2016-08-21T12:37:46.050"/>
+    </inkml:context>
+    <inkml:brush xml:id="br0">
+      <inkml:brushProperty name="width" value="0.05" units="cm"/>
+      <inkml:brushProperty name="height" value="0.05" units="cm"/>
+      <inkml:brushProperty name="color" value="#ED1C24"/>
+      <inkml:brushProperty name="fitToCurve" value="1"/>
+    </inkml:brush>
+  </inkml:definitions>
+  <inkml:traceGroup>
+    <inkml:annotationXML>
+      <emma:emma xmlns:emma="http://www.w3.org/2003/04/emma" version="1.0">
+        <emma:interpretation id="{F18F2D80-73FC-4076-BBD4-91117AC261E3}" emma:medium="tactile" emma:mode="ink">
+          <msink:context xmlns:msink="http://schemas.microsoft.com/ink/2010/main" type="inkDrawing" rotatedBoundingBox="24116,16605 24131,16605 24131,16620 24116,16620" shapeName="Other"/>
+        </emma:interpretation>
+      </emma:emma>
+    </inkml:annotationXML>
+    <inkml:trace contextRef="#ctx0" brushRef="#br0">32 12288 0</inkml:trace>
+  </inkml:traceGroup>
+</inkml:ink>
+</file>
+
+<file path=ppt/ink/ink52.xml><?xml version="1.0" encoding="utf-8"?>
+<inkml:ink xmlns:inkml="http://www.w3.org/2003/InkML">
+  <inkml:definitions>
+    <inkml:context xml:id="ctx0">
+      <inkml:inkSource xml:id="inkSrc0">
+        <inkml:traceFormat>
+          <inkml:channel name="X" type="integer" max="9600" units="cm"/>
+          <inkml:channel name="Y" type="integer" max="7200" units="cm"/>
+          <inkml:channel name="F" type="integer" max="256" units="dev"/>
+          <inkml:channel name="T" type="integer" max="2.14748E9" units="dev"/>
+        </inkml:traceFormat>
+        <inkml:channelProperties>
+          <inkml:channelProperty channel="X" name="resolution" value="377.95276" units="1/cm"/>
+          <inkml:channelProperty channel="Y" name="resolution" value="425.28058" units="1/cm"/>
+          <inkml:channelProperty channel="F" name="resolution" value="0" units="1/dev"/>
+          <inkml:channelProperty channel="T" name="resolution" value="1" units="1/dev"/>
+        </inkml:channelProperties>
+      </inkml:inkSource>
+      <inkml:timestamp xml:id="ts0" timeString="2016-08-21T12:42:39.908"/>
+    </inkml:context>
+    <inkml:brush xml:id="br0">
+      <inkml:brushProperty name="width" value="0.05" units="cm"/>
+      <inkml:brushProperty name="height" value="0.05" units="cm"/>
+      <inkml:brushProperty name="color" value="#ED1C24"/>
+      <inkml:brushProperty name="fitToCurve" value="1"/>
+    </inkml:brush>
+  </inkml:definitions>
+  <inkml:traceGroup>
+    <inkml:annotationXML>
+      <emma:emma xmlns:emma="http://www.w3.org/2003/04/emma" version="1.0">
+        <emma:interpretation id="{75066709-7FAF-4CC1-A1B1-E364C0B6E014}" emma:medium="tactile" emma:mode="ink">
+          <msink:context xmlns:msink="http://schemas.microsoft.com/ink/2010/main" type="writingRegion" rotatedBoundingBox="8911,4156 12528,16982 4505,19245 888,6419"/>
+        </emma:interpretation>
+      </emma:emma>
+    </inkml:annotationXML>
+    <inkml:traceGroup>
+      <inkml:annotationXML>
+        <emma:emma xmlns:emma="http://www.w3.org/2003/04/emma" version="1.0">
+          <emma:interpretation id="{61DC8B6F-1E8B-4F41-A31B-B7C91D7B51D4}" emma:medium="tactile" emma:mode="ink">
+            <msink:context xmlns:msink="http://schemas.microsoft.com/ink/2010/main" type="paragraph" rotatedBoundingBox="7750,5236 11171,17364 4505,19245 1084,7116" alignmentLevel="1"/>
+          </emma:interpretation>
+        </emma:emma>
+      </inkml:annotationXML>
+      <inkml:traceGroup>
+        <inkml:annotationXML>
+          <emma:emma xmlns:emma="http://www.w3.org/2003/04/emma" version="1.0">
+            <emma:interpretation id="{8393CCD4-8C71-47F8-A211-AF929BB5E538}" emma:medium="tactile" emma:mode="ink">
+              <msink:context xmlns:msink="http://schemas.microsoft.com/ink/2010/main" type="line" rotatedBoundingBox="7750,5236 11171,17364 4505,19245 1084,7116"/>
+            </emma:interpretation>
+          </emma:emma>
+        </inkml:annotationXML>
+        <inkml:traceGroup>
+          <inkml:annotationXML>
+            <emma:emma xmlns:emma="http://www.w3.org/2003/04/emma" version="1.0">
+              <emma:interpretation id="{42D71910-E537-4DC2-A49B-007BEBC4B5D2}" emma:medium="tactile" emma:mode="ink">
+                <msink:context xmlns:msink="http://schemas.microsoft.com/ink/2010/main" type="inkWord" rotatedBoundingBox="7750,5236 11171,17364 4505,19245 1084,7116"/>
+              </emma:interpretation>
+            </emma:emma>
+          </inkml:annotationXML>
+          <inkml:trace contextRef="#ctx0" brushRef="#br0">206 1047 25 0,'11'9'12'0,"-6"-4"2"0,-5-5 13 0,0 0-24 16,0 0 0-16,0 0 4 15,0 0 0-15,0 0-7 16,0 0 0-16,0 0 7 15,0 0 0-15,0 0 0 16,-5 0 0-16,0 0-1 0,-1-9 1 16,-4 0-2-16,-1 5 1 0,-10 4-1 31,0-5 0-31,-6 1-2 16,-4 4 1-16,-1-4-1 0,-5 4 0 15,0 0 0-15,0 0 1 16,-6 4-2-16,-4 0 1 15,-6 1-1 1,-11 8 0-16,-10-4-1 0,0 0 1 16,-11 8-2-16,-5 5 1 15,6 9-1-15,10-5 0 16,-11 1 0-16,0-1 1 16,-10 1-1-16,-5-6 1 15,-1 10-1-15,-5 5 1 16,6-2-1-16,10 7 1 15,-6-2-1-15,-4 0 1 16,-1-3-1-16,1 3 0 0,10-3 0 0,-5 3 0 16,-6 1 0-16,1 4 1 15,10 9-2 1,-11 8 1-16,-10 1 0 16,10 0 0-16,1 17 0 0,-1-8 0 0,11-6-1 31,6 5 1-31,-1 1 0 15,11 8 0-15,-5-8 0 16,-1 8 0-16,1 0 0 16,-6 14 0-16,6 8 0 15,5-8 0-15,0 3 0 16,0 1 0-16,5-9 0 16,5 9 0-16,6-9 0 15,0 9 0-15,15-1-1 0,6 5 1 16,0-3 0-1,0-2 0-15,6 1 0 0,-1 4 0 0,0-8 0 32,6 8 0-32,-1 0 0 0,6 5 0 0,-5 0 0 15,-6-5 0-15,0 9 0 16,0-9 1-16,6 18-1 16,-1-8 0-16,6-7 0 15,0 20 1-15,0-14-1 16,0 13 1-1,0 5-1-15,5 4 0 16,0-5 0-16,5 5 1 0,1 1-1 16,4-1 1-16,1-9-1 15,5 5 1-15,0-9 0 16,5 4 0-16,1-13 0 16,-1 8 0-16,0-3-1 15,0 0 1-15,1 4-1 16,4-5 1-16,1 0-1 0,0-8 1 15,4 12 0-15,1-7 0 16,11-5-1-16,-1 12 1 16,1 1-1-16,-6-5 0 15,0-3 1-15,5 8 0 16,-4-14 0-16,-1 5 0 16,0 9 0-1,0 0 0-15,-5-5 0 16,5-4 0-16,0 1 0 15,-10 3 0-15,5-5-1 16,5 2 1-16,5-6-1 16,6 5 1-16,0-8-1 0,5-1 1 15,5 5-1-15,6-10 0 16,5 1 0-16,-6 4 0 0,12-4 0 16,-6 0 1-16,5-4-1 15,-5-10 1-15,5 0 0 16,-5 2 0-16,5-2 0 15,0-4 1-15,11 0-1 16,0 5 0-16,5-9 0 16,0 13 0-16,-10-8-1 0,-1-15 1 15,1 5-1-15,-1 1 1 16,1-5-1-16,-1 4 1 16,-10-12-1-16,0-1 1 15,0 5-1-15,5-5 0 16,0-5 0-1,0-3 1-15,6 8-1 16,-6-8 0-16,6-5 0 16,-6 0 0-16,0-10 0 15,0 2 0-15,-5-1 0 16,0-8 0-16,0 8 0 0,-11-9 0 16,1 1 0-16,-6-5 0 15,5 4 0-15,0-4 1 16,11 0-1-16,-5 4 0 0,0-3 0 15,-1-2 0-15,1 6 0 16,-1 0 0-16,-4-14 0 16,-1-5 0-16,6 15 0 15,-1-6 1-15,1 5-1 16,0-9 0-16,-6 10 0 16,6-7 0-1,-11-2 0-15,0 0 1 16,5-1-1-16,0-5 0 15,1 5 0-15,-1-3 1 16,6-2-1-16,-1 0 0 16,1 2 0-16,5 3 0 0,5-5 0 15,-5-3 1-15,5 3-1 16,-5-3 0 0,21-18 0-1,-10 5 0-15,-1-10 0 0,6 5 1 16,-6 3-1-16,-4-3 0 15,-7 9 0-15,1-5 1 16,-5-4-1-16,0 0 0 16,-6-5 0-16,0 5 0 0,1-5 0 15,-1 14 0-15,0-9 0 16,-5 4 0-16,0-4 0 16,0 0 0-16,-5-5 0 15,5 0 0-15,-10-3 0 31,-1-2 1-31,1 1-1 16,-12 0 0-16,1 0 0 0,0 0 0 16,0 0 0-16,0 0 0 15,0 9 0-15,0-9 0 16,5 4 0-16,-5-3 0 16,5 3 0-16,0-4 0 0,0 4 0 15,0-4 0-15,1 0-1 16,4 0 1-16,-5 0 0 15,0 0 1-15,1 1-2 16,-1-2 1-16,-5-3 0 0,5 3 0 16,-5 7 0-16,5-12 0 15,-5 7 0-15,0 8 0 16,-6-5 0-16,1-8 0 31,-1 8 0-31,1-4 0 0,-1 8-1 16,1 6 1-16,-6-1-1 15,1 5 1-15,-6 4-1 16,0 0 1-16,0-9-1 16,0 9 1-16,-6-4-1 15,-4-1 1-15,-1 10 0 16,-5-5 0-16,-5 0 0 0,0 8 0 16,-5 5 0-16,-12 0 0 15,7 5 0-15,-6 0 0 16,5 4 0-16,-5 5 0 0,10-6-1 15,-4 5 1-15,-1 2 0 16,0-12 0-16,0 2 0 31,1 5 0-31,4-6 0 16,6 0 0-16,5 1-1 0,0 4 1 16,6 0 0-16,4 0 0 15,1-4-1-15,0-1 1 16,10-8 0-16,-5 0 0 15,5-9-1-15,11 9 1 16,5-5-2-16,-5-12 1 0,6-6 0 16,-1-3 1-16,5 8 0 15,6-9 0-15,5 1 0 16,0-1 0-16,0 0 1 16,0 0 0-16,0 2-3 15,0 2 1-15,-5 0-1 16,0-7 0-16,-11 8 0 0,0-5 0 15,-5 0-1-15,-6 0 1 16,-4 10 1-16,-6-5 1 0,-6 4 0 16,-4 5 0-16,-6 4 0 15,-5 4 0-15,-6 5 0 16,-4 4 0-16,-6 0 0 31,-6 0 0-31,6-3 0 0,0-2 0 16,0 0 0-1,5 6 0-15,1-5-1 0,4 9 1 16,6-5-1-16,0 5 1 0,5-2-1 16,5-6 1-16,6 3-1 15,5-5 1-15,0-3-1 16,11 0 0-16,5-1 0 16,-1-13 1-16,12 0-1 15,5-8 1-15,5 7 0 16,0-6 0-16,0-2 0 15,0-5 1-15,-5 2-1 16,-1-5 0-16,-4 3 0 16,-1-8 0-1,1 5 0-15,-6-5 1 16,-5 9-1-16,0 9 0 16,-6-1 1-16,-5 6 0 0,-5-1-1 15,0 5 0-15,-10 4 0 16,-1 4 0-16,-10 10 0 15,0-1 0-15,0 0-1 16,0 0 1-16,5 0-1 16,-5 5 0-16,5-10 0 0,5 2 1 15,6-2-2-15,0-3 1 16,-1-1-1-16,6-4 1 16,6 4-1-16,-6 1 1 15,5-5-2-15,0 0 1 16,6-5-2-16,5 1 1 0,-1-5 0 15,7 1 0-15,-1-5 0 16,0-5 0-16,0 0 1 16,0 0 1-16,-5 5 1 15,-5 0 1-15,-1 0 1 16,-4 0 0-16,-6 0 0 31,0 3 1-31,0 2-1 0,0 8 1 16,0 0-1-16,0 0 0 0,5 8-1 15,-5 10 0-15,0 8-1 16,0 10 1-16,0 13-1 16,0-2 0-16,0 2 0 15,5 0 0-15,0-10 0 16,1-4 0-16,-1-4 0 0,0-4 0 16,-5-6 0-16,6-3 0 15,-1-5-1-15,0-8 1 16,-5-1-1-16,6 0 1 15,-6-4 0-15,0-13 0 16,0-5 0-16,-6-8 0 16,1-5 0-1,0-8 0-15,-1 0 0 16,6 8 1-16,-5 0-1 16,5 8 1-16,0 6-1 15,0 13 1-15,0 4 0 16,0 8 0-16,0 10-1 15,5 13 1-15,-5 8-1 16,6 5 0-16,-1 5 0 0,0 3 0 16,-5-3 0-16,0-5 0 0,0-9 0 15,6-13 0-15,-6-13-1 16,0-18 1-16,-6-13 0 16,6-13 0-16,-5-9-1 15,0-9 1-15,-1-4 0 16,6 4 1-1,-5 4 0-15,5 5 0 16,0 23 0-16,0 3 1 16,0 18-1-16,0 13 1 15,5 13-1-15,-5 18 0 16,0-3-1-16,0 3 1 16,-5 0-2-16,5-5 0 15,-5-8-9-15,5-13 1 0,0-27-13 16,-11-31 1-16</inkml:trace>
+        </inkml:traceGroup>
+      </inkml:traceGroup>
+    </inkml:traceGroup>
+  </inkml:traceGroup>
+</inkml:ink>
+</file>
+
+<file path=ppt/ink/ink53.xml><?xml version="1.0" encoding="utf-8"?>
+<inkml:ink xmlns:inkml="http://www.w3.org/2003/InkML">
+  <inkml:definitions>
+    <inkml:context xml:id="ctx0">
+      <inkml:inkSource xml:id="inkSrc0">
+        <inkml:traceFormat>
+          <inkml:channel name="X" type="integer" max="9600" units="cm"/>
+          <inkml:channel name="Y" type="integer" max="7200" units="cm"/>
+          <inkml:channel name="F" type="integer" max="256" units="dev"/>
+          <inkml:channel name="T" type="integer" max="2.14748E9" units="dev"/>
+        </inkml:traceFormat>
+        <inkml:channelProperties>
+          <inkml:channelProperty channel="X" name="resolution" value="377.95276" units="1/cm"/>
+          <inkml:channelProperty channel="Y" name="resolution" value="425.28058" units="1/cm"/>
+          <inkml:channelProperty channel="F" name="resolution" value="0" units="1/dev"/>
+          <inkml:channelProperty channel="T" name="resolution" value="1" units="1/dev"/>
+        </inkml:channelProperties>
+      </inkml:inkSource>
       <inkml:timestamp xml:id="ts0" timeString="2016-08-21T12:42:50.925"/>
     </inkml:context>
     <inkml:brush xml:id="br0">
@@ -2565,7 +2582,7 @@
 </inkml:ink>
 </file>
 
-<file path=ppt/ink/ink51.xml><?xml version="1.0" encoding="utf-8"?>
+<file path=ppt/ink/ink54.xml><?xml version="1.0" encoding="utf-8"?>
 <inkml:ink xmlns:inkml="http://www.w3.org/2003/InkML">
   <inkml:definitions>
     <inkml:context xml:id="ctx0">
@@ -2605,7 +2622,7 @@
 </inkml:ink>
 </file>
 
-<file path=ppt/ink/ink52.xml><?xml version="1.0" encoding="utf-8"?>
+<file path=ppt/ink/ink55.xml><?xml version="1.0" encoding="utf-8"?>
 <inkml:ink xmlns:inkml="http://www.w3.org/2003/InkML">
   <inkml:definitions>
     <inkml:context xml:id="ctx0">
@@ -2643,7 +2660,7 @@
 </inkml:ink>
 </file>
 
-<file path=ppt/ink/ink53.xml><?xml version="1.0" encoding="utf-8"?>
+<file path=ppt/ink/ink56.xml><?xml version="1.0" encoding="utf-8"?>
 <inkml:ink xmlns:inkml="http://www.w3.org/2003/InkML">
   <inkml:definitions>
     <inkml:context xml:id="ctx0">
@@ -2681,7 +2698,7 @@
 </inkml:ink>
 </file>
 
-<file path=ppt/ink/ink54.xml><?xml version="1.0" encoding="utf-8"?>
+<file path=ppt/ink/ink57.xml><?xml version="1.0" encoding="utf-8"?>
 <inkml:ink xmlns:inkml="http://www.w3.org/2003/InkML">
   <inkml:definitions>
     <inkml:context xml:id="ctx0">
@@ -2721,7 +2738,7 @@
 </inkml:ink>
 </file>
 
-<file path=ppt/ink/ink55.xml><?xml version="1.0" encoding="utf-8"?>
+<file path=ppt/ink/ink58.xml><?xml version="1.0" encoding="utf-8"?>
 <inkml:ink xmlns:inkml="http://www.w3.org/2003/InkML">
   <inkml:definitions>
     <inkml:context xml:id="ctx0">
@@ -2754,7 +2771,7 @@
 </inkml:ink>
 </file>
 
-<file path=ppt/ink/ink56.xml><?xml version="1.0" encoding="utf-8"?>
+<file path=ppt/ink/ink59.xml><?xml version="1.0" encoding="utf-8"?>
 <inkml:ink xmlns:inkml="http://www.w3.org/2003/InkML">
   <inkml:definitions>
     <inkml:context xml:id="ctx0">
@@ -2787,7 +2804,49 @@
 </inkml:ink>
 </file>
 
-<file path=ppt/ink/ink57.xml><?xml version="1.0" encoding="utf-8"?>
+<file path=ppt/ink/ink6.xml><?xml version="1.0" encoding="utf-8"?>
+<inkml:ink xmlns:inkml="http://www.w3.org/2003/InkML">
+  <inkml:definitions>
+    <inkml:context xml:id="ctx0">
+      <inkml:inkSource xml:id="inkSrc0">
+        <inkml:traceFormat>
+          <inkml:channel name="X" type="integer" max="9600" units="cm"/>
+          <inkml:channel name="Y" type="integer" max="7200" units="cm"/>
+          <inkml:channel name="F" type="integer" max="256" units="dev"/>
+          <inkml:channel name="T" type="integer" max="2.14748E9" units="dev"/>
+        </inkml:traceFormat>
+        <inkml:channelProperties>
+          <inkml:channelProperty channel="X" name="resolution" value="377.95276" units="1/cm"/>
+          <inkml:channelProperty channel="Y" name="resolution" value="425.28058" units="1/cm"/>
+          <inkml:channelProperty channel="F" name="resolution" value="0" units="1/dev"/>
+          <inkml:channelProperty channel="T" name="resolution" value="1" units="1/dev"/>
+        </inkml:channelProperties>
+      </inkml:inkSource>
+      <inkml:timestamp xml:id="ts0" timeString="2016-08-22T10:58:38.551"/>
+    </inkml:context>
+    <inkml:brush xml:id="br0">
+      <inkml:brushProperty name="width" value="0.05" units="cm"/>
+      <inkml:brushProperty name="height" value="0.05" units="cm"/>
+      <inkml:brushProperty name="color" value="#ED1C24"/>
+      <inkml:brushProperty name="fitToCurve" value="1"/>
+    </inkml:brush>
+  </inkml:definitions>
+  <inkml:traceGroup>
+    <inkml:annotationXML>
+      <emma:emma xmlns:emma="http://www.w3.org/2003/04/emma" version="1.0">
+        <emma:interpretation id="{02228860-67EB-4C99-BD70-78154B12D0C8}" emma:medium="tactile" emma:mode="ink">
+          <msink:context xmlns:msink="http://schemas.microsoft.com/ink/2010/main" type="inkDrawing" rotatedBoundingBox="15477,8387 19426,8181 19541,10372 15591,10578" hotPoints="19767,9015 17980,10358 15872,9612 17659,8269" semanticType="enclosure" shapeName="Ellipse">
+            <msink:destinationLink direction="with" ref="{4DC23801-F43F-408E-B5FE-3F2A208AFF71}"/>
+          </msink:context>
+        </emma:interpretation>
+      </emma:emma>
+    </inkml:annotationXML>
+    <inkml:trace contextRef="#ctx0" brushRef="#br0">533 1287 28 0,'-29'-5'14'0,"-24"21"-1"0,41-16 14 16,-6 0-21-16,-5 0 0 15,-7-5 4-15,1-6 0 16,-1-5-11-16,7-5 0 16,-1-5 9-16,7 0 1 15,5-11-3-15,6-5 0 16,12-10-1-16,0 15 1 16,17-20-3-16,13-1 1 0,11-10-2 15,12-10 1-15,6 4-2 16,5 6 1-16,-5 0-1 15,6 0 0-15,17 0-1 16,12 16 1-16,6-1 0 16,24 6 0-16,0 0 0 15,-13 0 1-15,1 5-1 16,6 10 0-16,0 6 0 16,-6 0 0-16,17 5-1 15,1 11 1-15,-13-1 0 16,1 6 1-16,12 10-1 15,-1 6 1-15,12 4 0 16,1 12 0-16,-13-1 0 16,-23 5 0-16,-6 6-1 15,-6 10 0-15,0 16-1 0,1 0 1 16,-13 10-1-16,-11 11 1 16,-13 0-1-16,-5-1 1 15,-12 12-1-15,-11-17 1 16,-19-5-1-16,-11 6 0 15,-17 5 0-15,-19-6 1 16,-11 11-1-16,-18-5 1 16,0 5-1-16,-6-5 1 15,-23-5-1-15,-24-1 1 16,-12 11-1-16,-23-21 0 16,6 6 0-16,-30-1 1 0,-6 0-2 15,-23-5 1-15,11-15 0 16,6-11 0-16,-5-6 0 15,-24-25 0-15,0-27 0 16,5-31 0-16,-16-32 0 16,-1-15 0-16,17-21 0 15,25-16 0-15,35-10-1 16,29-1 0-16,12 1 0 16,29-1 0-16,36-10-5 15,17 11 1-15,36 0-17 16,53 15 0-16,35 0-3 15,30 6 0-15</inkml:trace>
+  </inkml:traceGroup>
+</inkml:ink>
+</file>
+
+<file path=ppt/ink/ink60.xml><?xml version="1.0" encoding="utf-8"?>
 <inkml:ink xmlns:inkml="http://www.w3.org/2003/InkML">
   <inkml:definitions>
     <inkml:context xml:id="ctx0">
@@ -2820,7 +2879,7 @@
 </inkml:ink>
 </file>
 
-<file path=ppt/ink/ink58.xml><?xml version="1.0" encoding="utf-8"?>
+<file path=ppt/ink/ink61.xml><?xml version="1.0" encoding="utf-8"?>
 <inkml:ink xmlns:inkml="http://www.w3.org/2003/InkML">
   <inkml:definitions>
     <inkml:context xml:id="ctx0">
@@ -2923,48 +2982,6 @@
         </inkml:traceGroup>
       </inkml:traceGroup>
     </inkml:traceGroup>
-  </inkml:traceGroup>
-</inkml:ink>
-</file>
-
-<file path=ppt/ink/ink6.xml><?xml version="1.0" encoding="utf-8"?>
-<inkml:ink xmlns:inkml="http://www.w3.org/2003/InkML">
-  <inkml:definitions>
-    <inkml:context xml:id="ctx0">
-      <inkml:inkSource xml:id="inkSrc0">
-        <inkml:traceFormat>
-          <inkml:channel name="X" type="integer" max="9600" units="cm"/>
-          <inkml:channel name="Y" type="integer" max="7200" units="cm"/>
-          <inkml:channel name="F" type="integer" max="256" units="dev"/>
-          <inkml:channel name="T" type="integer" max="2.14748E9" units="dev"/>
-        </inkml:traceFormat>
-        <inkml:channelProperties>
-          <inkml:channelProperty channel="X" name="resolution" value="377.95276" units="1/cm"/>
-          <inkml:channelProperty channel="Y" name="resolution" value="425.28058" units="1/cm"/>
-          <inkml:channelProperty channel="F" name="resolution" value="0" units="1/dev"/>
-          <inkml:channelProperty channel="T" name="resolution" value="1" units="1/dev"/>
-        </inkml:channelProperties>
-      </inkml:inkSource>
-      <inkml:timestamp xml:id="ts0" timeString="2016-08-22T10:58:38.551"/>
-    </inkml:context>
-    <inkml:brush xml:id="br0">
-      <inkml:brushProperty name="width" value="0.05" units="cm"/>
-      <inkml:brushProperty name="height" value="0.05" units="cm"/>
-      <inkml:brushProperty name="color" value="#ED1C24"/>
-      <inkml:brushProperty name="fitToCurve" value="1"/>
-    </inkml:brush>
-  </inkml:definitions>
-  <inkml:traceGroup>
-    <inkml:annotationXML>
-      <emma:emma xmlns:emma="http://www.w3.org/2003/04/emma" version="1.0">
-        <emma:interpretation id="{02228860-67EB-4C99-BD70-78154B12D0C8}" emma:medium="tactile" emma:mode="ink">
-          <msink:context xmlns:msink="http://schemas.microsoft.com/ink/2010/main" type="inkDrawing" rotatedBoundingBox="15477,8387 19426,8181 19541,10372 15591,10578" hotPoints="19767,9015 17980,10358 15872,9612 17659,8269" semanticType="enclosure" shapeName="Ellipse">
-            <msink:destinationLink direction="with" ref="{4DC23801-F43F-408E-B5FE-3F2A208AFF71}"/>
-          </msink:context>
-        </emma:interpretation>
-      </emma:emma>
-    </inkml:annotationXML>
-    <inkml:trace contextRef="#ctx0" brushRef="#br0">533 1287 28 0,'-29'-5'14'0,"-24"21"-1"0,41-16 14 16,-6 0-21-16,-5 0 0 15,-7-5 4-15,1-6 0 16,-1-5-11-16,7-5 0 16,-1-5 9-16,7 0 1 15,5-11-3-15,6-5 0 16,12-10-1-16,0 15 1 16,17-20-3-16,13-1 1 0,11-10-2 15,12-10 1-15,6 4-2 16,5 6 1-16,-5 0-1 15,6 0 0-15,17 0-1 16,12 16 1-16,6-1 0 16,24 6 0-16,0 0 0 15,-13 0 1-15,1 5-1 16,6 10 0-16,0 6 0 16,-6 0 0-16,17 5-1 15,1 11 1-15,-13-1 0 16,1 6 1-16,12 10-1 15,-1 6 1-15,12 4 0 16,1 12 0-16,-13-1 0 16,-23 5 0-16,-6 6-1 15,-6 10 0-15,0 16-1 0,1 0 1 16,-13 10-1-16,-11 11 1 16,-13 0-1-16,-5-1 1 15,-12 12-1-15,-11-17 1 16,-19-5-1-16,-11 6 0 15,-17 5 0-15,-19-6 1 16,-11 11-1-16,-18-5 1 16,0 5-1-16,-6-5 1 15,-23-5-1-15,-24-1 1 16,-12 11-1-16,-23-21 0 16,6 6 0-16,-30-1 1 0,-6 0-2 15,-23-5 1-15,11-15 0 16,6-11 0-16,-5-6 0 15,-24-25 0-15,0-27 0 16,5-31 0-16,-16-32 0 16,-1-15 0-16,17-21 0 15,25-16 0-15,35-10-1 16,29-1 0-16,12 1 0 16,29-1 0-16,36-10-5 15,17 11 1-15,36 0-17 16,53 15 0-16,35 0-3 15,30 6 0-15</inkml:trace>
   </inkml:traceGroup>
 </inkml:ink>
 </file>
@@ -3272,7 +3289,7 @@
           <a:p>
             <a:fld id="{CDBABB74-F18E-4162-82D3-4FF62E96D8D2}" type="datetimeFigureOut">
               <a:rPr lang="it-IT" smtClean="0"/>
-              <a:t>24/08/2016</a:t>
+              <a:t>26/08/2016</a:t>
             </a:fld>
             <a:endParaRPr lang="it-IT"/>
           </a:p>
@@ -4353,6 +4370,24 @@
           <a:bodyPr/>
           <a:lstStyle/>
           <a:p>
+            <a:pPr marL="171450" indent="-171450">
+              <a:buFont typeface="Arial" panose="020B0604020202020204" pitchFamily="34" charset="0"/>
+              <a:buChar char="•"/>
+            </a:pPr>
+            <a:r>
+              <a:rPr lang="en-US" dirty="0"/>
+              <a:t>These</a:t>
+            </a:r>
+            <a:r>
+              <a:rPr lang="en-US" baseline="0" dirty="0"/>
+              <a:t> are specialized C++14 variable templates.</a:t>
+            </a:r>
+          </a:p>
+          <a:p>
+            <a:pPr marL="171450" indent="-171450">
+              <a:buFont typeface="Arial" panose="020B0604020202020204" pitchFamily="34" charset="0"/>
+              <a:buChar char="•"/>
+            </a:pPr>
             <a:endParaRPr lang="it-IT" dirty="0"/>
           </a:p>
         </p:txBody>
@@ -4374,7 +4409,7 @@
           <a:p>
             <a:fld id="{FCA4862E-9507-4BEC-B7E3-B3B5E302CC7C}" type="slidenum">
               <a:rPr lang="it-IT" smtClean="0"/>
-              <a:t>18</a:t>
+              <a:t>17</a:t>
             </a:fld>
             <a:endParaRPr lang="it-IT"/>
           </a:p>
@@ -4383,7 +4418,7 @@
     </p:spTree>
     <p:extLst>
       <p:ext uri="{BB962C8B-B14F-4D97-AF65-F5344CB8AC3E}">
-        <p14:creationId xmlns:p14="http://schemas.microsoft.com/office/powerpoint/2010/main" val="461532786"/>
+        <p14:creationId xmlns:p14="http://schemas.microsoft.com/office/powerpoint/2010/main" val="2374505012"/>
       </p:ext>
     </p:extLst>
   </p:cSld>
@@ -4458,7 +4493,7 @@
           <a:p>
             <a:fld id="{FCA4862E-9507-4BEC-B7E3-B3B5E302CC7C}" type="slidenum">
               <a:rPr lang="it-IT" smtClean="0"/>
-              <a:t>19</a:t>
+              <a:t>18</a:t>
             </a:fld>
             <a:endParaRPr lang="it-IT"/>
           </a:p>
@@ -4467,7 +4502,7 @@
     </p:spTree>
     <p:extLst>
       <p:ext uri="{BB962C8B-B14F-4D97-AF65-F5344CB8AC3E}">
-        <p14:creationId xmlns:p14="http://schemas.microsoft.com/office/powerpoint/2010/main" val="832099940"/>
+        <p14:creationId xmlns:p14="http://schemas.microsoft.com/office/powerpoint/2010/main" val="461532786"/>
       </p:ext>
     </p:extLst>
   </p:cSld>
@@ -4542,7 +4577,7 @@
           <a:p>
             <a:fld id="{FCA4862E-9507-4BEC-B7E3-B3B5E302CC7C}" type="slidenum">
               <a:rPr lang="it-IT" smtClean="0"/>
-              <a:t>20</a:t>
+              <a:t>19</a:t>
             </a:fld>
             <a:endParaRPr lang="it-IT"/>
           </a:p>
@@ -4551,7 +4586,7 @@
     </p:spTree>
     <p:extLst>
       <p:ext uri="{BB962C8B-B14F-4D97-AF65-F5344CB8AC3E}">
-        <p14:creationId xmlns:p14="http://schemas.microsoft.com/office/powerpoint/2010/main" val="1484232983"/>
+        <p14:creationId xmlns:p14="http://schemas.microsoft.com/office/powerpoint/2010/main" val="832099940"/>
       </p:ext>
     </p:extLst>
   </p:cSld>
@@ -4605,14 +4640,7 @@
           <a:bodyPr/>
           <a:lstStyle/>
           <a:p>
-            <a:r>
-              <a:rPr lang="en-US" dirty="0"/>
-              <a:t>Ask</a:t>
-            </a:r>
-            <a:r>
-              <a:rPr lang="en-US" baseline="0" dirty="0"/>
-              <a:t> audience</a:t>
-            </a:r>
+            <a:endParaRPr lang="it-IT" dirty="0"/>
           </a:p>
         </p:txBody>
       </p:sp>
@@ -4633,7 +4661,7 @@
           <a:p>
             <a:fld id="{FCA4862E-9507-4BEC-B7E3-B3B5E302CC7C}" type="slidenum">
               <a:rPr lang="it-IT" smtClean="0"/>
-              <a:t>25</a:t>
+              <a:t>20</a:t>
             </a:fld>
             <a:endParaRPr lang="it-IT"/>
           </a:p>
@@ -4642,7 +4670,7 @@
     </p:spTree>
     <p:extLst>
       <p:ext uri="{BB962C8B-B14F-4D97-AF65-F5344CB8AC3E}">
-        <p14:creationId xmlns:p14="http://schemas.microsoft.com/office/powerpoint/2010/main" val="3729411369"/>
+        <p14:creationId xmlns:p14="http://schemas.microsoft.com/office/powerpoint/2010/main" val="1484232983"/>
       </p:ext>
     </p:extLst>
   </p:cSld>
@@ -4788,7 +4816,14 @@
           <a:bodyPr/>
           <a:lstStyle/>
           <a:p>
-            <a:endParaRPr lang="en-US" dirty="0"/>
+            <a:r>
+              <a:rPr lang="en-US" dirty="0"/>
+              <a:t>Ask</a:t>
+            </a:r>
+            <a:r>
+              <a:rPr lang="en-US" baseline="0" dirty="0"/>
+              <a:t> audience</a:t>
+            </a:r>
           </a:p>
         </p:txBody>
       </p:sp>
@@ -4807,9 +4842,93 @@
           <a:bodyPr/>
           <a:lstStyle/>
           <a:p>
+            <a:fld id="{FCA4862E-9507-4BEC-B7E3-B3B5E302CC7C}" type="slidenum">
+              <a:rPr lang="it-IT" smtClean="0"/>
+              <a:t>25</a:t>
+            </a:fld>
+            <a:endParaRPr lang="it-IT"/>
+          </a:p>
+        </p:txBody>
+      </p:sp>
+    </p:spTree>
+    <p:extLst>
+      <p:ext uri="{BB962C8B-B14F-4D97-AF65-F5344CB8AC3E}">
+        <p14:creationId xmlns:p14="http://schemas.microsoft.com/office/powerpoint/2010/main" val="3729411369"/>
+      </p:ext>
+    </p:extLst>
+  </p:cSld>
+  <p:clrMapOvr>
+    <a:masterClrMapping/>
+  </p:clrMapOvr>
+</p:notes>
+</file>
+
+<file path=ppt/notesSlides/notesSlide21.xml><?xml version="1.0" encoding="utf-8"?>
+<p:notes xmlns:a="http://schemas.openxmlformats.org/drawingml/2006/main" xmlns:r="http://schemas.openxmlformats.org/officeDocument/2006/relationships" xmlns:p="http://schemas.openxmlformats.org/presentationml/2006/main">
+  <p:cSld>
+    <p:spTree>
+      <p:nvGrpSpPr>
+        <p:cNvPr id="1" name=""/>
+        <p:cNvGrpSpPr/>
+        <p:nvPr/>
+      </p:nvGrpSpPr>
+      <p:grpSpPr>
+        <a:xfrm>
+          <a:off x="0" y="0"/>
+          <a:ext cx="0" cy="0"/>
+          <a:chOff x="0" y="0"/>
+          <a:chExt cx="0" cy="0"/>
+        </a:xfrm>
+      </p:grpSpPr>
+      <p:sp>
+        <p:nvSpPr>
+          <p:cNvPr id="2" name="Slide Image Placeholder 1"/>
+          <p:cNvSpPr>
+            <a:spLocks noGrp="1" noRot="1" noChangeAspect="1"/>
+          </p:cNvSpPr>
+          <p:nvPr>
+            <p:ph type="sldImg"/>
+          </p:nvPr>
+        </p:nvSpPr>
+        <p:spPr/>
+      </p:sp>
+      <p:sp>
+        <p:nvSpPr>
+          <p:cNvPr id="3" name="Notes Placeholder 2"/>
+          <p:cNvSpPr>
+            <a:spLocks noGrp="1"/>
+          </p:cNvSpPr>
+          <p:nvPr>
+            <p:ph type="body" idx="1"/>
+          </p:nvPr>
+        </p:nvSpPr>
+        <p:spPr/>
+        <p:txBody>
+          <a:bodyPr/>
+          <a:lstStyle/>
+          <a:p>
+            <a:endParaRPr lang="en-US" dirty="0"/>
+          </a:p>
+        </p:txBody>
+      </p:sp>
+      <p:sp>
+        <p:nvSpPr>
+          <p:cNvPr id="4" name="Slide Number Placeholder 3"/>
+          <p:cNvSpPr>
+            <a:spLocks noGrp="1"/>
+          </p:cNvSpPr>
+          <p:nvPr>
+            <p:ph type="sldNum" sz="quarter" idx="10"/>
+          </p:nvPr>
+        </p:nvSpPr>
+        <p:spPr/>
+        <p:txBody>
+          <a:bodyPr/>
+          <a:lstStyle/>
+          <a:p>
             <a:fld id="{2F06AD33-72D2-4A0B-9DE7-EE3CF26210B9}" type="slidenum">
               <a:rPr lang="en-US" smtClean="0"/>
-              <a:t>26</a:t>
+              <a:t>27</a:t>
             </a:fld>
             <a:endParaRPr lang="en-US"/>
           </a:p>
@@ -5769,7 +5888,7 @@
           <a:p>
             <a:fld id="{D8605B99-D734-49BA-B02C-66CF566A3557}" type="datetime1">
               <a:rPr lang="it-IT" smtClean="0"/>
-              <a:t>24/08/2016</a:t>
+              <a:t>26/08/2016</a:t>
             </a:fld>
             <a:endParaRPr lang="it-IT" dirty="0"/>
           </a:p>
@@ -5937,7 +6056,7 @@
           <a:p>
             <a:fld id="{687AAA2D-9E98-447F-9AC8-8B8BBC8F1471}" type="datetime1">
               <a:rPr lang="it-IT" smtClean="0"/>
-              <a:t>24/08/2016</a:t>
+              <a:t>26/08/2016</a:t>
             </a:fld>
             <a:endParaRPr lang="it-IT"/>
           </a:p>
@@ -6115,7 +6234,7 @@
           <a:p>
             <a:fld id="{B6177EA2-88A4-4DF8-B5A3-5AF75D5F7FEB}" type="datetime1">
               <a:rPr lang="it-IT" smtClean="0"/>
-              <a:t>24/08/2016</a:t>
+              <a:t>26/08/2016</a:t>
             </a:fld>
             <a:endParaRPr lang="it-IT"/>
           </a:p>
@@ -6288,7 +6407,7 @@
           <a:p>
             <a:fld id="{2E8CA9E5-DA13-4383-AF30-B82612DA5B70}" type="datetime1">
               <a:rPr lang="it-IT" smtClean="0"/>
-              <a:t>24/08/2016</a:t>
+              <a:t>26/08/2016</a:t>
             </a:fld>
             <a:endParaRPr lang="it-IT"/>
           </a:p>
@@ -6533,7 +6652,7 @@
           <a:p>
             <a:fld id="{1A8EC6FA-806D-410B-B823-6F306677AAD8}" type="datetime1">
               <a:rPr lang="it-IT" smtClean="0"/>
-              <a:t>24/08/2016</a:t>
+              <a:t>26/08/2016</a:t>
             </a:fld>
             <a:endParaRPr lang="it-IT"/>
           </a:p>
@@ -6762,7 +6881,7 @@
           <a:p>
             <a:fld id="{754B1D85-EC53-4D47-91B3-58DD481942D6}" type="datetime1">
               <a:rPr lang="it-IT" smtClean="0"/>
-              <a:t>24/08/2016</a:t>
+              <a:t>26/08/2016</a:t>
             </a:fld>
             <a:endParaRPr lang="it-IT"/>
           </a:p>
@@ -7126,7 +7245,7 @@
           <a:p>
             <a:fld id="{19EFBE19-7487-4C54-B331-05D26EF11F29}" type="datetime1">
               <a:rPr lang="it-IT" smtClean="0"/>
-              <a:t>24/08/2016</a:t>
+              <a:t>26/08/2016</a:t>
             </a:fld>
             <a:endParaRPr lang="it-IT"/>
           </a:p>
@@ -7243,7 +7362,7 @@
           <a:p>
             <a:fld id="{2C4B2B60-F435-4A1B-8AA9-84B05FDC0247}" type="datetime1">
               <a:rPr lang="it-IT" smtClean="0"/>
-              <a:t>24/08/2016</a:t>
+              <a:t>26/08/2016</a:t>
             </a:fld>
             <a:endParaRPr lang="it-IT"/>
           </a:p>
@@ -7338,7 +7457,7 @@
           <a:p>
             <a:fld id="{9F1410EF-698B-4622-BD04-D6DD23160294}" type="datetime1">
               <a:rPr lang="it-IT" smtClean="0"/>
-              <a:t>24/08/2016</a:t>
+              <a:t>26/08/2016</a:t>
             </a:fld>
             <a:endParaRPr lang="it-IT"/>
           </a:p>
@@ -7613,7 +7732,7 @@
           <a:p>
             <a:fld id="{B1AC9C94-BC10-4F97-B6F8-6C4AC0215A83}" type="datetime1">
               <a:rPr lang="it-IT" smtClean="0"/>
-              <a:t>24/08/2016</a:t>
+              <a:t>26/08/2016</a:t>
             </a:fld>
             <a:endParaRPr lang="it-IT"/>
           </a:p>
@@ -7865,7 +7984,7 @@
           <a:p>
             <a:fld id="{59AAF62E-64E4-4D33-8C7C-D4445113CDDC}" type="datetime1">
               <a:rPr lang="it-IT" smtClean="0"/>
-              <a:t>24/08/2016</a:t>
+              <a:t>26/08/2016</a:t>
             </a:fld>
             <a:endParaRPr lang="it-IT"/>
           </a:p>
@@ -8076,7 +8195,7 @@
           <a:p>
             <a:fld id="{D64066E6-87AD-46A7-9224-66C045FB7427}" type="datetime1">
               <a:rPr lang="it-IT" smtClean="0"/>
-              <a:t>24/08/2016</a:t>
+              <a:t>26/08/2016</a:t>
             </a:fld>
             <a:endParaRPr lang="it-IT"/>
           </a:p>
@@ -9859,45 +9978,6 @@
         <mc:Choice Requires="p14">
           <p:contentPart p14:bwMode="auto" r:id="rId4">
             <p14:nvContentPartPr>
-              <p14:cNvPr id="16" name="Ink 15"/>
-              <p14:cNvContentPartPr/>
-              <p14:nvPr/>
-            </p14:nvContentPartPr>
-            <p14:xfrm>
-              <a:off x="3002159" y="3821478"/>
-              <a:ext cx="4913640" cy="2918880"/>
-            </p14:xfrm>
-          </p:contentPart>
-        </mc:Choice>
-        <mc:Fallback xmlns="">
-          <p:pic>
-            <p:nvPicPr>
-              <p:cNvPr id="16" name="Ink 15"/>
-              <p:cNvPicPr/>
-              <p:nvPr/>
-            </p:nvPicPr>
-            <p:blipFill>
-              <a:blip r:embed="rId5"/>
-              <a:stretch>
-                <a:fillRect/>
-              </a:stretch>
-            </p:blipFill>
-            <p:spPr>
-              <a:xfrm>
-                <a:off x="2995319" y="3817158"/>
-                <a:ext cx="4930920" cy="2929680"/>
-              </a:xfrm>
-              <a:prstGeom prst="rect">
-                <a:avLst/>
-              </a:prstGeom>
-            </p:spPr>
-          </p:pic>
-        </mc:Fallback>
-      </mc:AlternateContent>
-      <mc:AlternateContent xmlns:mc="http://schemas.openxmlformats.org/markup-compatibility/2006" xmlns:p14="http://schemas.microsoft.com/office/powerpoint/2010/main">
-        <mc:Choice Requires="p14">
-          <p:contentPart p14:bwMode="auto" r:id="rId6">
-            <p14:nvContentPartPr>
               <p14:cNvPr id="23" name="Ink 22"/>
               <p14:cNvContentPartPr/>
               <p14:nvPr/>
@@ -11006,6 +11086,162 @@
           </a:p>
         </p:txBody>
       </p:sp>
+      <mc:AlternateContent xmlns:mc="http://schemas.openxmlformats.org/markup-compatibility/2006">
+        <mc:Choice xmlns:p14="http://schemas.microsoft.com/office/powerpoint/2010/main" Requires="p14">
+          <p:contentPart p14:bwMode="auto" r:id="rId3">
+            <p14:nvContentPartPr>
+              <p14:cNvPr id="12" name="Ink 11"/>
+              <p14:cNvContentPartPr/>
+              <p14:nvPr/>
+            </p14:nvContentPartPr>
+            <p14:xfrm>
+              <a:off x="9041256" y="1364472"/>
+              <a:ext cx="1792080" cy="196560"/>
+            </p14:xfrm>
+          </p:contentPart>
+        </mc:Choice>
+        <mc:Fallback>
+          <p:pic>
+            <p:nvPicPr>
+              <p:cNvPr id="12" name="Ink 11"/>
+              <p:cNvPicPr/>
+              <p:nvPr/>
+            </p:nvPicPr>
+            <p:blipFill>
+              <a:blip r:embed="rId4"/>
+              <a:stretch>
+                <a:fillRect/>
+              </a:stretch>
+            </p:blipFill>
+            <p:spPr>
+              <a:xfrm>
+                <a:off x="8990856" y="1276272"/>
+                <a:ext cx="1893960" cy="378000"/>
+              </a:xfrm>
+              <a:prstGeom prst="rect">
+                <a:avLst/>
+              </a:prstGeom>
+            </p:spPr>
+          </p:pic>
+        </mc:Fallback>
+      </mc:AlternateContent>
+      <mc:AlternateContent xmlns:mc="http://schemas.openxmlformats.org/markup-compatibility/2006">
+        <mc:Choice xmlns:p14="http://schemas.microsoft.com/office/powerpoint/2010/main" Requires="p14">
+          <p:contentPart p14:bwMode="auto" r:id="rId5">
+            <p14:nvContentPartPr>
+              <p14:cNvPr id="13" name="Ink 12"/>
+              <p14:cNvContentPartPr/>
+              <p14:nvPr/>
+            </p14:nvContentPartPr>
+            <p14:xfrm>
+              <a:off x="8894016" y="2706552"/>
+              <a:ext cx="1721160" cy="220320"/>
+            </p14:xfrm>
+          </p:contentPart>
+        </mc:Choice>
+        <mc:Fallback>
+          <p:pic>
+            <p:nvPicPr>
+              <p:cNvPr id="13" name="Ink 12"/>
+              <p:cNvPicPr/>
+              <p:nvPr/>
+            </p:nvPicPr>
+            <p:blipFill>
+              <a:blip r:embed="rId6"/>
+              <a:stretch>
+                <a:fillRect/>
+              </a:stretch>
+            </p:blipFill>
+            <p:spPr>
+              <a:xfrm>
+                <a:off x="8875296" y="2661912"/>
+                <a:ext cx="1780920" cy="347400"/>
+              </a:xfrm>
+              <a:prstGeom prst="rect">
+                <a:avLst/>
+              </a:prstGeom>
+            </p:spPr>
+          </p:pic>
+        </mc:Fallback>
+      </mc:AlternateContent>
+      <mc:AlternateContent xmlns:mc="http://schemas.openxmlformats.org/markup-compatibility/2006">
+        <mc:Choice xmlns:p14="http://schemas.microsoft.com/office/powerpoint/2010/main" Requires="p14">
+          <p:contentPart p14:bwMode="auto" r:id="rId7">
+            <p14:nvContentPartPr>
+              <p14:cNvPr id="14" name="Ink 13"/>
+              <p14:cNvContentPartPr/>
+              <p14:nvPr/>
+            </p14:nvContentPartPr>
+            <p14:xfrm>
+              <a:off x="8926416" y="4087512"/>
+              <a:ext cx="1903320" cy="175320"/>
+            </p14:xfrm>
+          </p:contentPart>
+        </mc:Choice>
+        <mc:Fallback>
+          <p:pic>
+            <p:nvPicPr>
+              <p:cNvPr id="14" name="Ink 13"/>
+              <p:cNvPicPr/>
+              <p:nvPr/>
+            </p:nvPicPr>
+            <p:blipFill>
+              <a:blip r:embed="rId8"/>
+              <a:stretch>
+                <a:fillRect/>
+              </a:stretch>
+            </p:blipFill>
+            <p:spPr>
+              <a:xfrm>
+                <a:off x="8911296" y="4012632"/>
+                <a:ext cx="1967760" cy="339480"/>
+              </a:xfrm>
+              <a:prstGeom prst="rect">
+                <a:avLst/>
+              </a:prstGeom>
+            </p:spPr>
+          </p:pic>
+        </mc:Fallback>
+      </mc:AlternateContent>
+      <mc:AlternateContent xmlns:mc="http://schemas.openxmlformats.org/markup-compatibility/2006">
+        <mc:Choice xmlns:p14="http://schemas.microsoft.com/office/powerpoint/2010/main" Requires="p14">
+          <p:contentPart p14:bwMode="auto" r:id="rId9">
+            <p14:nvContentPartPr>
+              <p14:cNvPr id="15" name="Ink 14"/>
+              <p14:cNvContentPartPr/>
+              <p14:nvPr/>
+            </p14:nvContentPartPr>
+            <p14:xfrm>
+              <a:off x="8989416" y="5496912"/>
+              <a:ext cx="2002320" cy="106920"/>
+            </p14:xfrm>
+          </p:contentPart>
+        </mc:Choice>
+        <mc:Fallback>
+          <p:pic>
+            <p:nvPicPr>
+              <p:cNvPr id="15" name="Ink 14"/>
+              <p:cNvPicPr/>
+              <p:nvPr/>
+            </p:nvPicPr>
+            <p:blipFill>
+              <a:blip r:embed="rId10"/>
+              <a:stretch>
+                <a:fillRect/>
+              </a:stretch>
+            </p:blipFill>
+            <p:spPr>
+              <a:xfrm>
+                <a:off x="8968896" y="5414472"/>
+                <a:ext cx="2070000" cy="276120"/>
+              </a:xfrm>
+              <a:prstGeom prst="rect">
+                <a:avLst/>
+              </a:prstGeom>
+            </p:spPr>
+          </p:pic>
+        </mc:Fallback>
+      </mc:AlternateContent>
     </p:spTree>
     <p:extLst>
       <p:ext uri="{BB962C8B-B14F-4D97-AF65-F5344CB8AC3E}">
@@ -11016,6 +11252,212 @@
   <p:clrMapOvr>
     <a:masterClrMapping/>
   </p:clrMapOvr>
+  <p:timing>
+    <p:tnLst>
+      <p:par>
+        <p:cTn id="1" dur="indefinite" restart="never" nodeType="tmRoot">
+          <p:childTnLst>
+            <p:seq concurrent="1" nextAc="seek">
+              <p:cTn id="2" dur="indefinite" nodeType="mainSeq">
+                <p:childTnLst>
+                  <p:par>
+                    <p:cTn id="3" fill="hold">
+                      <p:stCondLst>
+                        <p:cond delay="indefinite"/>
+                      </p:stCondLst>
+                      <p:childTnLst>
+                        <p:par>
+                          <p:cTn id="4" fill="hold">
+                            <p:stCondLst>
+                              <p:cond delay="0"/>
+                            </p:stCondLst>
+                            <p:childTnLst>
+                              <p:par>
+                                <p:cTn id="5" presetID="10" presetClass="entr" presetSubtype="0" fill="hold" nodeType="clickEffect">
+                                  <p:stCondLst>
+                                    <p:cond delay="0"/>
+                                  </p:stCondLst>
+                                  <p:childTnLst>
+                                    <p:set>
+                                      <p:cBhvr>
+                                        <p:cTn id="6" dur="1" fill="hold">
+                                          <p:stCondLst>
+                                            <p:cond delay="0"/>
+                                          </p:stCondLst>
+                                        </p:cTn>
+                                        <p:tgtEl>
+                                          <p:spTgt spid="12"/>
+                                        </p:tgtEl>
+                                        <p:attrNameLst>
+                                          <p:attrName>style.visibility</p:attrName>
+                                        </p:attrNameLst>
+                                      </p:cBhvr>
+                                      <p:to>
+                                        <p:strVal val="visible"/>
+                                      </p:to>
+                                    </p:set>
+                                    <p:animEffect transition="in" filter="fade">
+                                      <p:cBhvr>
+                                        <p:cTn id="7" dur="500"/>
+                                        <p:tgtEl>
+                                          <p:spTgt spid="12"/>
+                                        </p:tgtEl>
+                                      </p:cBhvr>
+                                    </p:animEffect>
+                                  </p:childTnLst>
+                                </p:cTn>
+                              </p:par>
+                              <p:par>
+                                <p:cTn id="8" presetID="10" presetClass="entr" presetSubtype="0" fill="hold" nodeType="withEffect">
+                                  <p:stCondLst>
+                                    <p:cond delay="0"/>
+                                  </p:stCondLst>
+                                  <p:childTnLst>
+                                    <p:set>
+                                      <p:cBhvr>
+                                        <p:cTn id="9" dur="1" fill="hold">
+                                          <p:stCondLst>
+                                            <p:cond delay="0"/>
+                                          </p:stCondLst>
+                                        </p:cTn>
+                                        <p:tgtEl>
+                                          <p:spTgt spid="13"/>
+                                        </p:tgtEl>
+                                        <p:attrNameLst>
+                                          <p:attrName>style.visibility</p:attrName>
+                                        </p:attrNameLst>
+                                      </p:cBhvr>
+                                      <p:to>
+                                        <p:strVal val="visible"/>
+                                      </p:to>
+                                    </p:set>
+                                    <p:animEffect transition="in" filter="fade">
+                                      <p:cBhvr>
+                                        <p:cTn id="10" dur="500"/>
+                                        <p:tgtEl>
+                                          <p:spTgt spid="13"/>
+                                        </p:tgtEl>
+                                      </p:cBhvr>
+                                    </p:animEffect>
+                                  </p:childTnLst>
+                                </p:cTn>
+                              </p:par>
+                            </p:childTnLst>
+                          </p:cTn>
+                        </p:par>
+                      </p:childTnLst>
+                    </p:cTn>
+                  </p:par>
+                  <p:par>
+                    <p:cTn id="11" fill="hold">
+                      <p:stCondLst>
+                        <p:cond delay="indefinite"/>
+                      </p:stCondLst>
+                      <p:childTnLst>
+                        <p:par>
+                          <p:cTn id="12" fill="hold">
+                            <p:stCondLst>
+                              <p:cond delay="0"/>
+                            </p:stCondLst>
+                            <p:childTnLst>
+                              <p:par>
+                                <p:cTn id="13" presetID="10" presetClass="entr" presetSubtype="0" fill="hold" nodeType="clickEffect">
+                                  <p:stCondLst>
+                                    <p:cond delay="0"/>
+                                  </p:stCondLst>
+                                  <p:childTnLst>
+                                    <p:set>
+                                      <p:cBhvr>
+                                        <p:cTn id="14" dur="1" fill="hold">
+                                          <p:stCondLst>
+                                            <p:cond delay="0"/>
+                                          </p:stCondLst>
+                                        </p:cTn>
+                                        <p:tgtEl>
+                                          <p:spTgt spid="14"/>
+                                        </p:tgtEl>
+                                        <p:attrNameLst>
+                                          <p:attrName>style.visibility</p:attrName>
+                                        </p:attrNameLst>
+                                      </p:cBhvr>
+                                      <p:to>
+                                        <p:strVal val="visible"/>
+                                      </p:to>
+                                    </p:set>
+                                    <p:animEffect transition="in" filter="fade">
+                                      <p:cBhvr>
+                                        <p:cTn id="15" dur="500"/>
+                                        <p:tgtEl>
+                                          <p:spTgt spid="14"/>
+                                        </p:tgtEl>
+                                      </p:cBhvr>
+                                    </p:animEffect>
+                                  </p:childTnLst>
+                                </p:cTn>
+                              </p:par>
+                              <p:par>
+                                <p:cTn id="16" presetID="10" presetClass="entr" presetSubtype="0" fill="hold" nodeType="withEffect">
+                                  <p:stCondLst>
+                                    <p:cond delay="0"/>
+                                  </p:stCondLst>
+                                  <p:childTnLst>
+                                    <p:set>
+                                      <p:cBhvr>
+                                        <p:cTn id="17" dur="1" fill="hold">
+                                          <p:stCondLst>
+                                            <p:cond delay="0"/>
+                                          </p:stCondLst>
+                                        </p:cTn>
+                                        <p:tgtEl>
+                                          <p:spTgt spid="15"/>
+                                        </p:tgtEl>
+                                        <p:attrNameLst>
+                                          <p:attrName>style.visibility</p:attrName>
+                                        </p:attrNameLst>
+                                      </p:cBhvr>
+                                      <p:to>
+                                        <p:strVal val="visible"/>
+                                      </p:to>
+                                    </p:set>
+                                    <p:animEffect transition="in" filter="fade">
+                                      <p:cBhvr>
+                                        <p:cTn id="18" dur="500"/>
+                                        <p:tgtEl>
+                                          <p:spTgt spid="15"/>
+                                        </p:tgtEl>
+                                      </p:cBhvr>
+                                    </p:animEffect>
+                                  </p:childTnLst>
+                                </p:cTn>
+                              </p:par>
+                            </p:childTnLst>
+                          </p:cTn>
+                        </p:par>
+                      </p:childTnLst>
+                    </p:cTn>
+                  </p:par>
+                </p:childTnLst>
+              </p:cTn>
+              <p:prevCondLst>
+                <p:cond evt="onPrev" delay="0">
+                  <p:tgtEl>
+                    <p:sldTgt/>
+                  </p:tgtEl>
+                </p:cond>
+              </p:prevCondLst>
+              <p:nextCondLst>
+                <p:cond evt="onNext" delay="0">
+                  <p:tgtEl>
+                    <p:sldTgt/>
+                  </p:tgtEl>
+                </p:cond>
+              </p:nextCondLst>
+            </p:seq>
+          </p:childTnLst>
+        </p:cTn>
+      </p:par>
+    </p:tnLst>
+  </p:timing>
 </p:sld>
 </file>
 
@@ -11158,7 +11600,7 @@
           <p:nvPr/>
         </p:nvPicPr>
         <p:blipFill>
-          <a:blip r:embed="rId2">
+          <a:blip r:embed="rId3">
             <a:extLst>
               <a:ext uri="{28A0092B-C50C-407E-A947-70E740481C1C}">
                 <a14:useLocalDpi xmlns:a14="http://schemas.microsoft.com/office/drawing/2010/main" val="0"/>
@@ -11188,7 +11630,7 @@
           <p:nvPr/>
         </p:nvPicPr>
         <p:blipFill rotWithShape="1">
-          <a:blip r:embed="rId3">
+          <a:blip r:embed="rId4">
             <a:extLst>
               <a:ext uri="{28A0092B-C50C-407E-A947-70E740481C1C}">
                 <a14:useLocalDpi xmlns:a14="http://schemas.microsoft.com/office/drawing/2010/main" val="0"/>
@@ -11343,8 +11785,8 @@
           </a:p>
         </p:txBody>
       </p:sp>
-      <mc:AlternateContent xmlns:mc="http://schemas.openxmlformats.org/markup-compatibility/2006">
-        <mc:Choice xmlns:p14="http://schemas.microsoft.com/office/powerpoint/2010/main" Requires="p14">
+      <mc:AlternateContent xmlns:mc="http://schemas.openxmlformats.org/markup-compatibility/2006" xmlns:p14="http://schemas.microsoft.com/office/powerpoint/2010/main">
+        <mc:Choice Requires="p14">
           <p:contentPart p14:bwMode="auto" r:id="rId4">
             <p14:nvContentPartPr>
               <p14:cNvPr id="7" name="Ink 6"/>
@@ -11357,7 +11799,7 @@
             </p14:xfrm>
           </p:contentPart>
         </mc:Choice>
-        <mc:Fallback>
+        <mc:Fallback xmlns="">
           <p:pic>
             <p:nvPicPr>
               <p:cNvPr id="7" name="Ink 6"/>
@@ -11382,8 +11824,8 @@
           </p:pic>
         </mc:Fallback>
       </mc:AlternateContent>
-      <mc:AlternateContent xmlns:mc="http://schemas.openxmlformats.org/markup-compatibility/2006">
-        <mc:Choice xmlns:p14="http://schemas.microsoft.com/office/powerpoint/2010/main" Requires="p14">
+      <mc:AlternateContent xmlns:mc="http://schemas.openxmlformats.org/markup-compatibility/2006" xmlns:p14="http://schemas.microsoft.com/office/powerpoint/2010/main">
+        <mc:Choice Requires="p14">
           <p:contentPart p14:bwMode="auto" r:id="rId6">
             <p14:nvContentPartPr>
               <p14:cNvPr id="9" name="Ink 8"/>
@@ -11396,7 +11838,7 @@
             </p14:xfrm>
           </p:contentPart>
         </mc:Choice>
-        <mc:Fallback>
+        <mc:Fallback xmlns="">
           <p:pic>
             <p:nvPicPr>
               <p:cNvPr id="9" name="Ink 8"/>
@@ -11421,8 +11863,8 @@
           </p:pic>
         </mc:Fallback>
       </mc:AlternateContent>
-      <mc:AlternateContent xmlns:mc="http://schemas.openxmlformats.org/markup-compatibility/2006">
-        <mc:Choice xmlns:p14="http://schemas.microsoft.com/office/powerpoint/2010/main" Requires="p14">
+      <mc:AlternateContent xmlns:mc="http://schemas.openxmlformats.org/markup-compatibility/2006" xmlns:p14="http://schemas.microsoft.com/office/powerpoint/2010/main">
+        <mc:Choice Requires="p14">
           <p:contentPart p14:bwMode="auto" r:id="rId8">
             <p14:nvContentPartPr>
               <p14:cNvPr id="11" name="Ink 10"/>
@@ -11435,7 +11877,7 @@
             </p14:xfrm>
           </p:contentPart>
         </mc:Choice>
-        <mc:Fallback>
+        <mc:Fallback xmlns="">
           <p:pic>
             <p:nvPicPr>
               <p:cNvPr id="11" name="Ink 10"/>
@@ -11460,8 +11902,8 @@
           </p:pic>
         </mc:Fallback>
       </mc:AlternateContent>
-      <mc:AlternateContent xmlns:mc="http://schemas.openxmlformats.org/markup-compatibility/2006">
-        <mc:Choice xmlns:p14="http://schemas.microsoft.com/office/powerpoint/2010/main" Requires="p14">
+      <mc:AlternateContent xmlns:mc="http://schemas.openxmlformats.org/markup-compatibility/2006" xmlns:p14="http://schemas.microsoft.com/office/powerpoint/2010/main">
+        <mc:Choice Requires="p14">
           <p:contentPart p14:bwMode="auto" r:id="rId10">
             <p14:nvContentPartPr>
               <p14:cNvPr id="13" name="Ink 12"/>
@@ -11474,7 +11916,7 @@
             </p14:xfrm>
           </p:contentPart>
         </mc:Choice>
-        <mc:Fallback>
+        <mc:Fallback xmlns="">
           <p:pic>
             <p:nvPicPr>
               <p:cNvPr id="13" name="Ink 12"/>
@@ -11694,7 +12136,7 @@
       </p:sp>
       <p:sp>
         <p:nvSpPr>
-          <p:cNvPr id="6" name="Title 5"/>
+          <p:cNvPr id="2" name="Title 1"/>
           <p:cNvSpPr>
             <a:spLocks noGrp="1"/>
           </p:cNvSpPr>
@@ -11711,6 +12153,41 @@
           </a:p>
         </p:txBody>
       </p:sp>
+      <p:pic>
+        <p:nvPicPr>
+          <p:cNvPr id="8" name="Picture 7"/>
+          <p:cNvPicPr>
+            <a:picLocks noChangeAspect="1"/>
+          </p:cNvPicPr>
+          <p:nvPr/>
+        </p:nvPicPr>
+        <p:blipFill>
+          <a:blip r:embed="rId14">
+            <a:extLst>
+              <a:ext uri="{28A0092B-C50C-407E-A947-70E740481C1C}">
+                <a14:useLocalDpi xmlns:a14="http://schemas.microsoft.com/office/drawing/2010/main" val="0"/>
+              </a:ext>
+            </a:extLst>
+          </a:blip>
+          <a:stretch>
+            <a:fillRect/>
+          </a:stretch>
+        </p:blipFill>
+        <p:spPr>
+          <a:xfrm>
+            <a:off x="966442" y="2087455"/>
+            <a:ext cx="10259116" cy="2475674"/>
+          </a:xfrm>
+          <a:prstGeom prst="rect">
+            <a:avLst/>
+          </a:prstGeom>
+          <a:ln w="38100">
+            <a:solidFill>
+              <a:schemeClr val="tx1"/>
+            </a:solidFill>
+          </a:ln>
+        </p:spPr>
+      </p:pic>
     </p:spTree>
     <p:extLst>
       <p:ext uri="{BB962C8B-B14F-4D97-AF65-F5344CB8AC3E}">
@@ -11953,14 +12430,67 @@
                             </p:stCondLst>
                             <p:childTnLst>
                               <p:par>
-                                <p:cTn id="24" presetID="10" presetClass="exit" presetSubtype="0" fill="hold" nodeType="clickEffect">
+                                <p:cTn id="24" presetID="10" presetClass="entr" presetSubtype="0" fill="hold" nodeType="clickEffect">
+                                  <p:stCondLst>
+                                    <p:cond delay="0"/>
+                                  </p:stCondLst>
+                                  <p:childTnLst>
+                                    <p:set>
+                                      <p:cBhvr>
+                                        <p:cTn id="25" dur="1" fill="hold">
+                                          <p:stCondLst>
+                                            <p:cond delay="0"/>
+                                          </p:stCondLst>
+                                        </p:cTn>
+                                        <p:tgtEl>
+                                          <p:spTgt spid="8"/>
+                                        </p:tgtEl>
+                                        <p:attrNameLst>
+                                          <p:attrName>style.visibility</p:attrName>
+                                        </p:attrNameLst>
+                                      </p:cBhvr>
+                                      <p:to>
+                                        <p:strVal val="visible"/>
+                                      </p:to>
+                                    </p:set>
+                                    <p:animEffect transition="in" filter="fade">
+                                      <p:cBhvr>
+                                        <p:cTn id="26" dur="500"/>
+                                        <p:tgtEl>
+                                          <p:spTgt spid="8"/>
+                                        </p:tgtEl>
+                                      </p:cBhvr>
+                                    </p:animEffect>
+                                  </p:childTnLst>
+                                </p:cTn>
+                              </p:par>
+                            </p:childTnLst>
+                          </p:cTn>
+                        </p:par>
+                      </p:childTnLst>
+                    </p:cTn>
+                  </p:par>
+                  <p:par>
+                    <p:cTn id="27" fill="hold">
+                      <p:stCondLst>
+                        <p:cond delay="indefinite"/>
+                      </p:stCondLst>
+                      <p:childTnLst>
+                        <p:par>
+                          <p:cTn id="28" fill="hold">
+                            <p:stCondLst>
+                              <p:cond delay="0"/>
+                            </p:stCondLst>
+                            <p:childTnLst>
+                              <p:par>
+                                <p:cTn id="29" presetID="10" presetClass="exit" presetSubtype="0" fill="hold" nodeType="clickEffect">
                                   <p:stCondLst>
                                     <p:cond delay="0"/>
                                   </p:stCondLst>
                                   <p:childTnLst>
                                     <p:animEffect transition="out" filter="fade">
                                       <p:cBhvr>
-                                        <p:cTn id="25" dur="500"/>
+                                        <p:cTn id="30" dur="500"/>
                                         <p:tgtEl>
                                           <p:spTgt spid="7"/>
                                         </p:tgtEl>
@@ -11968,7 +12498,7 @@
                                     </p:animEffect>
                                     <p:set>
                                       <p:cBhvr>
-                                        <p:cTn id="26" dur="1" fill="hold">
+                                        <p:cTn id="31" dur="1" fill="hold">
                                           <p:stCondLst>
                                             <p:cond delay="499"/>
                                           </p:stCondLst>
@@ -11988,14 +12518,14 @@
                                 </p:cTn>
                               </p:par>
                               <p:par>
-                                <p:cTn id="27" presetID="10" presetClass="exit" presetSubtype="0" fill="hold" nodeType="withEffect">
+                                <p:cTn id="32" presetID="10" presetClass="exit" presetSubtype="0" fill="hold" nodeType="withEffect">
                                   <p:stCondLst>
                                     <p:cond delay="0"/>
                                   </p:stCondLst>
                                   <p:childTnLst>
                                     <p:animEffect transition="out" filter="fade">
                                       <p:cBhvr>
-                                        <p:cTn id="28" dur="500"/>
+                                        <p:cTn id="33" dur="500"/>
                                         <p:tgtEl>
                                           <p:spTgt spid="9"/>
                                         </p:tgtEl>
@@ -12003,7 +12533,7 @@
                                     </p:animEffect>
                                     <p:set>
                                       <p:cBhvr>
-                                        <p:cTn id="29" dur="1" fill="hold">
+                                        <p:cTn id="34" dur="1" fill="hold">
                                           <p:stCondLst>
                                             <p:cond delay="499"/>
                                           </p:stCondLst>
@@ -12023,14 +12553,14 @@
                                 </p:cTn>
                               </p:par>
                               <p:par>
-                                <p:cTn id="30" presetID="10" presetClass="exit" presetSubtype="0" fill="hold" nodeType="withEffect">
+                                <p:cTn id="35" presetID="10" presetClass="exit" presetSubtype="0" fill="hold" nodeType="withEffect">
                                   <p:stCondLst>
                                     <p:cond delay="0"/>
                                   </p:stCondLst>
                                   <p:childTnLst>
                                     <p:animEffect transition="out" filter="fade">
                                       <p:cBhvr>
-                                        <p:cTn id="31" dur="500"/>
+                                        <p:cTn id="36" dur="500"/>
                                         <p:tgtEl>
                                           <p:spTgt spid="13"/>
                                         </p:tgtEl>
@@ -12038,7 +12568,7 @@
                                     </p:animEffect>
                                     <p:set>
                                       <p:cBhvr>
-                                        <p:cTn id="32" dur="1" fill="hold">
+                                        <p:cTn id="37" dur="1" fill="hold">
                                           <p:stCondLst>
                                             <p:cond delay="499"/>
                                           </p:stCondLst>
@@ -12058,14 +12588,14 @@
                                 </p:cTn>
                               </p:par>
                               <p:par>
-                                <p:cTn id="33" presetID="10" presetClass="exit" presetSubtype="0" fill="hold" nodeType="withEffect">
+                                <p:cTn id="38" presetID="10" presetClass="exit" presetSubtype="0" fill="hold" nodeType="withEffect">
                                   <p:stCondLst>
                                     <p:cond delay="0"/>
                                   </p:stCondLst>
                                   <p:childTnLst>
                                     <p:animEffect transition="out" filter="fade">
                                       <p:cBhvr>
-                                        <p:cTn id="34" dur="500"/>
+                                        <p:cTn id="39" dur="500"/>
                                         <p:tgtEl>
                                           <p:spTgt spid="11"/>
                                         </p:tgtEl>
@@ -12073,7 +12603,7 @@
                                     </p:animEffect>
                                     <p:set>
                                       <p:cBhvr>
-                                        <p:cTn id="35" dur="1" fill="hold">
+                                        <p:cTn id="40" dur="1" fill="hold">
                                           <p:stCondLst>
                                             <p:cond delay="499"/>
                                           </p:stCondLst>
@@ -12093,14 +12623,14 @@
                                 </p:cTn>
                               </p:par>
                               <p:par>
-                                <p:cTn id="36" presetID="10" presetClass="exit" presetSubtype="0" fill="hold" grpId="1" nodeType="withEffect">
+                                <p:cTn id="41" presetID="10" presetClass="exit" presetSubtype="0" fill="hold" grpId="1" nodeType="withEffect">
                                   <p:stCondLst>
                                     <p:cond delay="0"/>
                                   </p:stCondLst>
                                   <p:childTnLst>
                                     <p:animEffect transition="out" filter="fade">
                                       <p:cBhvr>
-                                        <p:cTn id="37" dur="500"/>
+                                        <p:cTn id="42" dur="500"/>
                                         <p:tgtEl>
                                           <p:spTgt spid="5"/>
                                         </p:tgtEl>
@@ -12108,13 +12638,48 @@
                                     </p:animEffect>
                                     <p:set>
                                       <p:cBhvr>
-                                        <p:cTn id="38" dur="1" fill="hold">
+                                        <p:cTn id="43" dur="1" fill="hold">
                                           <p:stCondLst>
                                             <p:cond delay="499"/>
                                           </p:stCondLst>
                                         </p:cTn>
                                         <p:tgtEl>
                                           <p:spTgt spid="5"/>
+                                        </p:tgtEl>
+                                        <p:attrNameLst>
+                                          <p:attrName>style.visibility</p:attrName>
+                                        </p:attrNameLst>
+                                      </p:cBhvr>
+                                      <p:to>
+                                        <p:strVal val="hidden"/>
+                                      </p:to>
+                                    </p:set>
+                                  </p:childTnLst>
+                                </p:cTn>
+                              </p:par>
+                              <p:par>
+                                <p:cTn id="44" presetID="10" presetClass="exit" presetSubtype="0" fill="hold" nodeType="withEffect">
+                                  <p:stCondLst>
+                                    <p:cond delay="0"/>
+                                  </p:stCondLst>
+                                  <p:childTnLst>
+                                    <p:animEffect transition="out" filter="fade">
+                                      <p:cBhvr>
+                                        <p:cTn id="45" dur="500"/>
+                                        <p:tgtEl>
+                                          <p:spTgt spid="8"/>
+                                        </p:tgtEl>
+                                      </p:cBhvr>
+                                    </p:animEffect>
+                                    <p:set>
+                                      <p:cBhvr>
+                                        <p:cTn id="46" dur="1" fill="hold">
+                                          <p:stCondLst>
+                                            <p:cond delay="499"/>
+                                          </p:stCondLst>
+                                        </p:cTn>
+                                        <p:tgtEl>
+                                          <p:spTgt spid="8"/>
                                         </p:tgtEl>
                                         <p:attrNameLst>
                                           <p:attrName>style.visibility</p:attrName>
@@ -12134,26 +12699,26 @@
                     </p:cTn>
                   </p:par>
                   <p:par>
-                    <p:cTn id="39" fill="hold">
+                    <p:cTn id="47" fill="hold">
                       <p:stCondLst>
                         <p:cond delay="indefinite"/>
                       </p:stCondLst>
                       <p:childTnLst>
                         <p:par>
-                          <p:cTn id="40" fill="hold">
+                          <p:cTn id="48" fill="hold">
                             <p:stCondLst>
                               <p:cond delay="0"/>
                             </p:stCondLst>
                             <p:childTnLst>
                               <p:par>
-                                <p:cTn id="41" presetID="10" presetClass="entr" presetSubtype="0" fill="hold" grpId="0" nodeType="clickEffect">
+                                <p:cTn id="49" presetID="10" presetClass="entr" presetSubtype="0" fill="hold" grpId="0" nodeType="clickEffect">
                                   <p:stCondLst>
                                     <p:cond delay="0"/>
                                   </p:stCondLst>
                                   <p:childTnLst>
                                     <p:set>
                                       <p:cBhvr>
-                                        <p:cTn id="42" dur="1" fill="hold">
+                                        <p:cTn id="50" dur="1" fill="hold">
                                           <p:stCondLst>
                                             <p:cond delay="0"/>
                                           </p:stCondLst>
@@ -12171,7 +12736,7 @@
                                     </p:set>
                                     <p:animEffect transition="in" filter="fade">
                                       <p:cBhvr>
-                                        <p:cTn id="43" dur="500"/>
+                                        <p:cTn id="51" dur="500"/>
                                         <p:tgtEl>
                                           <p:spTgt spid="25"/>
                                         </p:tgtEl>
@@ -12187,26 +12752,26 @@
                     </p:cTn>
                   </p:par>
                   <p:par>
-                    <p:cTn id="44" fill="hold">
+                    <p:cTn id="52" fill="hold">
                       <p:stCondLst>
                         <p:cond delay="indefinite"/>
                       </p:stCondLst>
                       <p:childTnLst>
                         <p:par>
-                          <p:cTn id="45" fill="hold">
+                          <p:cTn id="53" fill="hold">
                             <p:stCondLst>
                               <p:cond delay="0"/>
                             </p:stCondLst>
                             <p:childTnLst>
                               <p:par>
-                                <p:cTn id="46" presetID="10" presetClass="entr" presetSubtype="0" fill="hold" grpId="0" nodeType="clickEffect">
+                                <p:cTn id="54" presetID="10" presetClass="entr" presetSubtype="0" fill="hold" grpId="0" nodeType="clickEffect">
                                   <p:stCondLst>
                                     <p:cond delay="0"/>
                                   </p:stCondLst>
                                   <p:childTnLst>
                                     <p:set>
                                       <p:cBhvr>
-                                        <p:cTn id="47" dur="1" fill="hold">
+                                        <p:cTn id="55" dur="1" fill="hold">
                                           <p:stCondLst>
                                             <p:cond delay="0"/>
                                           </p:stCondLst>
@@ -12224,7 +12789,7 @@
                                     </p:set>
                                     <p:animEffect transition="in" filter="fade">
                                       <p:cBhvr>
-                                        <p:cTn id="48" dur="500"/>
+                                        <p:cTn id="56" dur="500"/>
                                         <p:tgtEl>
                                           <p:spTgt spid="26"/>
                                         </p:tgtEl>
@@ -12240,26 +12805,26 @@
                     </p:cTn>
                   </p:par>
                   <p:par>
-                    <p:cTn id="49" fill="hold">
+                    <p:cTn id="57" fill="hold">
                       <p:stCondLst>
                         <p:cond delay="indefinite"/>
                       </p:stCondLst>
                       <p:childTnLst>
                         <p:par>
-                          <p:cTn id="50" fill="hold">
+                          <p:cTn id="58" fill="hold">
                             <p:stCondLst>
                               <p:cond delay="0"/>
                             </p:stCondLst>
                             <p:childTnLst>
                               <p:par>
-                                <p:cTn id="51" presetID="10" presetClass="exit" presetSubtype="0" fill="hold" grpId="1" nodeType="clickEffect">
+                                <p:cTn id="59" presetID="10" presetClass="exit" presetSubtype="0" fill="hold" grpId="1" nodeType="clickEffect">
                                   <p:stCondLst>
                                     <p:cond delay="0"/>
                                   </p:stCondLst>
                                   <p:childTnLst>
                                     <p:animEffect transition="out" filter="fade">
                                       <p:cBhvr>
-                                        <p:cTn id="52" dur="500"/>
+                                        <p:cTn id="60" dur="500"/>
                                         <p:tgtEl>
                                           <p:spTgt spid="25"/>
                                         </p:tgtEl>
@@ -12267,7 +12832,7 @@
                                     </p:animEffect>
                                     <p:set>
                                       <p:cBhvr>
-                                        <p:cTn id="53" dur="1" fill="hold">
+                                        <p:cTn id="61" dur="1" fill="hold">
                                           <p:stCondLst>
                                             <p:cond delay="499"/>
                                           </p:stCondLst>
@@ -12287,14 +12852,14 @@
                                 </p:cTn>
                               </p:par>
                               <p:par>
-                                <p:cTn id="54" presetID="10" presetClass="exit" presetSubtype="0" fill="hold" grpId="1" nodeType="withEffect">
+                                <p:cTn id="62" presetID="10" presetClass="exit" presetSubtype="0" fill="hold" grpId="1" nodeType="withEffect">
                                   <p:stCondLst>
                                     <p:cond delay="0"/>
                                   </p:stCondLst>
                                   <p:childTnLst>
                                     <p:animEffect transition="out" filter="fade">
                                       <p:cBhvr>
-                                        <p:cTn id="55" dur="500"/>
+                                        <p:cTn id="63" dur="500"/>
                                         <p:tgtEl>
                                           <p:spTgt spid="26"/>
                                         </p:tgtEl>
@@ -12302,7 +12867,7 @@
                                     </p:animEffect>
                                     <p:set>
                                       <p:cBhvr>
-                                        <p:cTn id="56" dur="1" fill="hold">
+                                        <p:cTn id="64" dur="1" fill="hold">
                                           <p:stCondLst>
                                             <p:cond delay="499"/>
                                           </p:stCondLst>
@@ -19341,6 +19906,101 @@
       </p:grpSpPr>
       <p:sp>
         <p:nvSpPr>
+          <p:cNvPr id="5" name="Title 4"/>
+          <p:cNvSpPr>
+            <a:spLocks noGrp="1"/>
+          </p:cNvSpPr>
+          <p:nvPr>
+            <p:ph type="title"/>
+          </p:nvPr>
+        </p:nvSpPr>
+        <p:spPr/>
+        <p:txBody>
+          <a:bodyPr/>
+          <a:lstStyle/>
+          <a:p>
+            <a:r>
+              <a:rPr lang="en-US" dirty="0"/>
+              <a:t>code();</a:t>
+            </a:r>
+            <a:endParaRPr lang="it-IT" dirty="0"/>
+          </a:p>
+        </p:txBody>
+      </p:sp>
+      <p:sp>
+        <p:nvSpPr>
+          <p:cNvPr id="6" name="Text Placeholder 5"/>
+          <p:cNvSpPr>
+            <a:spLocks noGrp="1"/>
+          </p:cNvSpPr>
+          <p:nvPr>
+            <p:ph type="body" idx="1"/>
+          </p:nvPr>
+        </p:nvSpPr>
+        <p:spPr/>
+        <p:txBody>
+          <a:bodyPr/>
+          <a:lstStyle/>
+          <a:p>
+            <a:endParaRPr lang="it-IT"/>
+          </a:p>
+        </p:txBody>
+      </p:sp>
+      <p:sp>
+        <p:nvSpPr>
+          <p:cNvPr id="4" name="Slide Number Placeholder 3"/>
+          <p:cNvSpPr>
+            <a:spLocks noGrp="1"/>
+          </p:cNvSpPr>
+          <p:nvPr>
+            <p:ph type="sldNum" sz="quarter" idx="12"/>
+          </p:nvPr>
+        </p:nvSpPr>
+        <p:spPr/>
+        <p:txBody>
+          <a:bodyPr/>
+          <a:lstStyle/>
+          <a:p>
+            <a:fld id="{DA00CEBC-9AC0-446C-9417-17B7E0F2B36C}" type="slidenum">
+              <a:rPr lang="it-IT" smtClean="0"/>
+              <a:t>26</a:t>
+            </a:fld>
+            <a:endParaRPr lang="it-IT"/>
+          </a:p>
+        </p:txBody>
+      </p:sp>
+    </p:spTree>
+    <p:extLst>
+      <p:ext uri="{BB962C8B-B14F-4D97-AF65-F5344CB8AC3E}">
+        <p14:creationId xmlns:p14="http://schemas.microsoft.com/office/powerpoint/2010/main" val="2464959040"/>
+      </p:ext>
+    </p:extLst>
+  </p:cSld>
+  <p:clrMapOvr>
+    <a:masterClrMapping/>
+  </p:clrMapOvr>
+</p:sld>
+</file>
+
+<file path=ppt/slides/slide27.xml><?xml version="1.0" encoding="utf-8"?>
+<p:sld xmlns:a="http://schemas.openxmlformats.org/drawingml/2006/main" xmlns:r="http://schemas.openxmlformats.org/officeDocument/2006/relationships" xmlns:p="http://schemas.openxmlformats.org/presentationml/2006/main">
+  <p:cSld>
+    <p:spTree>
+      <p:nvGrpSpPr>
+        <p:cNvPr id="1" name=""/>
+        <p:cNvGrpSpPr/>
+        <p:nvPr/>
+      </p:nvGrpSpPr>
+      <p:grpSpPr>
+        <a:xfrm>
+          <a:off x="0" y="0"/>
+          <a:ext cx="0" cy="0"/>
+          <a:chOff x="0" y="0"/>
+          <a:chExt cx="0" cy="0"/>
+        </a:xfrm>
+      </p:grpSpPr>
+      <p:sp>
+        <p:nvSpPr>
           <p:cNvPr id="4" name="Content Placeholder 3"/>
           <p:cNvSpPr>
             <a:spLocks noGrp="1"/>
@@ -19506,7 +20166,7 @@
           <a:p>
             <a:fld id="{DA00CEBC-9AC0-446C-9417-17B7E0F2B36C}" type="slidenum">
               <a:rPr lang="it-IT" smtClean="0"/>
-              <a:t>26</a:t>
+              <a:t>27</a:t>
             </a:fld>
             <a:endParaRPr lang="it-IT"/>
           </a:p>

--- a/static_control_flow/slides.pptx
+++ b/static_control_flow/slides.pptx
@@ -198,7 +198,7 @@
   </inkml:definitions>
   <inkml:trace contextRef="#ctx0" brushRef="#br0">-2124-400 24 0,'-25'4'12'0,"5"-8"-13"15,15 4 25-15,1 0-21 16,-4 0 1 0,0 0 1-16,-4-3 0 0,-5 0-7 15,-3 3 1-15,-5-4 5 16,-3 4 0-16,-5 0-1 15,-4-4 0-15,5 8-1 16,-1 0 0-16,1 6 0 16,-1-2 0-16,9 2-2 15,3 1 0 1,9 0-1-16,12 8 1 0,12-1-1 16,4 7 1-16,13 1-1 15,4 10 1-15,3-11 0 16,5 4 1-16,4 0-1 15,4-4 0-15,0 5 0 16,-4-5 1-16,-1-3 0 16,-11 0 1-16,-8-4 0 0,-5 0 1 15,-11 0 0-15,-14-3 0 16,-15 3 0-16,-17 0 1 16,-8-4-1-16,0-3 0 15,-4-7-2-15,-4-8 1 16,-4-7-2-16,0 4 0 15,0 0-2 1,4-5 0-16,4 6-6 16,4-6 1-16,4 2-8 0,17 2 0 15,8 8 0-15,7 8 0 16</inkml:trace>
   <inkml:trace contextRef="#ctx0" brushRef="#br0" timeOffset="486.6477">-1435-1288 35 0,'-24'-55'17'0,"19"15"-22"0,5 37 34 16,-4-4-29-16,-4-1 0 15,0 5-1-15,0-1 1 16,-4 11-1-16,3 8 1 16,1 14 1-16,4 18 1 0,0 22 0 15,0 7 1-15,-9 12 2 16,1 17 0-16,4 15 1 16,0 6 1-16,-8 16-2 15,8-15 0-15,3-7-2 16,2-5 1-16,-2-17-4 15,1-18 0 1,0-11-7-16,0-18 1 0,0-14-7 16,0-19 1-16,12-26-4 15,9-10 1-15</inkml:trace>
-  <inkml:trace contextRef="#ctx0" brushRef="#br0" timeOffset="1055.6825">-1060-352 26 0,'-4'11'13'0,"-4"-7"-7"0,8 2 20 16,-4 12-24 0,-5 12 1-16,2 3 1 15,2 17 0-15,-3 5-6 16,0 2 1-16,0 6 2 16,0-13 1-16,4-10-6 15,4-7 1-15,4 0-5 16,0-19 0-16,4 0-3 15,4-10 1-15</inkml:trace>
+  <inkml:trace contextRef="#ctx0" brushRef="#br0" timeOffset="1055.6824">-1060-352 26 0,'-4'11'13'0,"-4"-7"-7"0,8 2 20 16,-4 12-24 0,-5 12 1-16,2 3 1 15,2 17 0-15,-3 5-6 16,0 2 1-16,0 6 2 16,0-13 1-16,4-10-6 15,4-7 1-15,4 0-5 16,0-19 0-16,4 0-3 15,4-10 1-15</inkml:trace>
   <inkml:trace contextRef="#ctx0" brushRef="#br0" timeOffset="1318.9651">-929-795 40 0,'0'-39'20'0,"-9"31"-17"0,9 8 40 15,-3 4-40-15,-6 3 0 16,1 0 0-16,0 4 1 0,4-4-7 16,0-3 1-16,4 3-1 15,0 1 0-15,8 2-9 16,5 8 0-16,7 1-3 15,0 3 1-15</inkml:trace>
   <inkml:trace contextRef="#ctx0" brushRef="#br0" timeOffset="2014.7555">-631-47 30 0,'-13'-11'15'0,"-7"-19"-13"0,20 24 26 16,-4-9-27-16,4-3 1 16,9 0 2-16,-2-4 1 15,6 0-5-15,3 0 1 16,0 4 3-16,9-3 0 16,0 9-1-1,3 6 1-15,1 2-2 16,-1 8 1-16,4 6-2 15,5 19 0-15,-8-7-2 16,0 10 1-16,-5 9 0 16,-8 2 0-16,-8 1 0 0,-8-1 0 15,-8 1 0-15,-8-4 1 16,-8-1 0-16,-9-6 1 0,-8-7 0 16,-17-8 0-16,6 0 0 15,-1-11 1-15,8-7-1 16,4-11 0-16,8-3-2 15,5-8 0-15,16 4-4 16,12-7 1-16,12-8-6 16,13 3 0-1,11 2-5-15,9 2 0 16,8-7-2-16,4 1 1 16</inkml:trace>
   <inkml:trace contextRef="#ctx0" brushRef="#br0" timeOffset="2399.2355">-138-1219 25 0,'0'-36'12'0,"17"-15"-5"16,-13 43 23-16,0 1-27 15,-4 7 1-15,4 7 4 16,0 11 0-16,-4 19-9 31,-4 21 0-31,-4 11 7 0,-4 22 0 16,-9 21-2-16,-3 19 1 15,-5 10-3-15,1-3 1 16,-1-7-2-16,4-8 1 16,10-7-2-16,2-18 1 0,5-15-4 15,4-10 0-15,4-22-10 16,8-19 0-16,9-20-3 16,-2-16 0-16</inkml:trace>
@@ -566,7 +566,7 @@
   <inkml:trace contextRef="#ctx0" brushRef="#br0" timeOffset="3763.7275">5399-264 41 0,'-3'4'20'0,"11"10"-19"16,-1-10 35-16,6 4-30 15,-1-2 0-15,8-2 2 16,13-4 0-16,4-4-12 15,3 1 1-15,-3-4 1 16,0-1 0-16,13 2-13 31,-2-2 0-31</inkml:trace>
   <inkml:trace contextRef="#ctx0" brushRef="#br0" timeOffset="3547.2825">5603-449 27 0,'5'-14'13'0,"11"-8"-4"15,-16 22 20-15,4 4-25 16,0 3 0-1,-4 8 2-15,0 14 1 16,0 7-9-16,0 11 1 16,0 7 5-16,-4 11 0 15,4-2-6-15,0-9 1 16,0-7-7-16,0-7 1 16,-4-15-7-16,8-14 1 0</inkml:trace>
   <inkml:trace contextRef="#ctx0" brushRef="#br0" timeOffset="4738.0482">6714-420 34 0,'-4'-18'17'0,"-12"0"-14"0,8 11 18 0,-1-1-19 15,-7 5 0-15,-5 0 3 16,-3 3 0-16,-5 6-5 16,-4 9 0-16,-3 11 4 15,3 6 1-15,0 15-3 16,5 4 1-16,8 7-2 15,8 1 1-15,7-5-3 0,5 0 0 16,13-10-1-16,11-8 1 0,12-11 0 16,10-7 1-16,2-10-1 15,2-8 0-15,-2-15-1 16,1 1 1-16,-4-4-2 16,-8-4 1-16,-4 0 0 15,-1 4 0-15,-7 7 0 31,-8 3 0-31,-1 2 2 0,-4 12 0 16,-4 6 1-16,0 9 0 16,4 9 1-16,0-2 0 15,5 1-1-15,0-11 1 16,7-10-1-16,12-8 1 16,9-8-2-16,5-10 1 15,-5-7-1-15,-1-4 1 0,-7-7-1 16,-9-8 0-16,-7 1-1 15,-13-11 1-15,-20-9-2 16,-12-6 1-16,-9 12 0 16,-8 17 1-16,0 14 0 0,-4 19 0 15,0 22 0-15,1 13 1 32,3 5 0-32,4 11 0 0,8 7-3 15,9-8 1-15,12-3-4 16,8-8 0-16,8-6-5 15,12-4 0-15,13-11-1 16,4-4 0-16</inkml:trace>
-  <inkml:trace contextRef="#ctx0" brushRef="#br0" timeOffset="5585.9933">7526-398 24 0,'-4'-4'12'0,"0"8"-11"15,0 0 22-15,4 6-21 16,0 9 1-16,-4 3 1 15,4 10 0-15,0 12-6 0,0-1 1 16,4-2 3-16,0-2 0 16,4-6-2-16,4-4 1 15,5-11-1-15,-1-11 0 0,5-7-1 16,-1-11 1-16,-4-11-2 16,1-10 1-16,-2 3-1 15,2-7 1-15,-4-5-1 16,-1-2 1-16,0 3 0 15,0 8 0-15,-4 10 2 16,-4 11 1 0,-4 15-1-16,0 14 1 15,-4 7 0-15,4 15 0 16,0 7 1-16,0 0 0 16,4-3-1-16,0-4 0 15,9-7 0-15,-1-8 1 16,8-14-3-16,1-15 0 0,3-7-1 15,1-10 0-15,-1-12-1 16,1 4 0-16,-5 0 1 16,0 3 0-16,-3 5 1 15,-4 6 1-15,-1 4 1 0,-4 11 0 16,-4 14 1-16,4 8 1 16,-8 11-2-16,4 0 0 15,0-1-7-15,4-10 1 0,12 0-8 16,9-18 1-16</inkml:trace>
+  <inkml:trace contextRef="#ctx0" brushRef="#br0" timeOffset="5585.9932">7526-398 24 0,'-4'-4'12'0,"0"8"-11"15,0 0 22-15,4 6-21 16,0 9 1-16,-4 3 1 15,4 10 0-15,0 12-6 0,0-1 1 16,4-2 3-16,0-2 0 16,4-6-2-16,4-4 1 15,5-11-1-15,-1-11 0 0,5-7-1 16,-1-11 1-16,-4-11-2 16,1-10 1-16,-2 3-1 15,2-7 1-15,-4-5-1 16,-1-2 1-16,0 3 0 15,0 8 0-15,-4 10 2 16,-4 11 1 0,-4 15-1-16,0 14 1 15,-4 7 0-15,4 15 0 16,0 7 1-16,0 0 0 16,4-3-1-16,0-4 0 15,9-7 0-15,-1-8 1 16,8-14-3-16,1-15 0 0,3-7-1 15,1-10 0-15,-1-12-1 16,1 4 0-16,-5 0 1 16,0 3 0-16,-3 5 1 15,-4 6 1-15,-1 4 1 0,-4 11 0 16,-4 14 1-16,4 8 1 16,-8 11-2-16,4 0 0 15,0-1-7-15,4-10 1 0,12 0-8 16,9-18 1-16</inkml:trace>
   <inkml:trace contextRef="#ctx0" brushRef="#br0" timeOffset="6380.5266">8298-267 24 0,'-4'3'12'0,"8"-13"-7"0,-4 10 11 15,0 0-12 1,0 0 0-16,0 0 3 16,-4 0 0-16,0 7-9 15,4 4 1-15,0 7 5 16,0 11 0-16,0 3-3 16,4 1 1-16,0 0-1 15,4 6 0-15,4-6-1 16,5-3 0-16,3-9 0 0,4-10 1 0,5-11-1 15,0-7 0-15,-1-12-1 16,1-9 1-16,-1-9-1 16,-3-6 0-16,-5 10 0 15,1 4 1-15,-9 4-1 16,-4 7 1-16,-4 3 0 16,4 4 1-16,-8 11-1 0,0 14 0 15,0 12 1-15,0 7 1 16,4 3 0-16,0 4 1 15,4-11-2-15,5 0 0 16,-1-7-2-16,0-18 1 16,9-8-1-16,-1-4 0 15,0-10-1 1,1-7 0-16,-5-1 1 16,1 5 1-16,-5 3 2 15,0 3 1-15,0 8 0 16,0 7 0-16,0 7 0 15,-3 8 0-15,-1-1-4 0,0 1 0 16,4-1-8-16,1-3 1 16,-1-4-6-16,13 1 1 0</inkml:trace>
   <inkml:trace contextRef="#ctx0" brushRef="#br0" timeOffset="6912.2133">9130-173 27 0,'9'18'13'0,"19"-14"-11"16,-19-4 18-16,-1 4-18 0,0-1 0 16,4 1 0-16,4-8 1 0,0-3-5 31,1-7 1-31,3-8 2 15,1 0 1-15,-5-3-1 16,-8 3 1-16,-4 0-1 16,-4 0 1-16,-4 11-1 15,-8 4 1-15,-8 7-1 16,-13 3 1-16,-8 9 0 0,0-5 0 16,0 4 2-16,9 14 1 15,8 1 0-15,7 10 1 16,5 3 0-16,7 9 0 15,10 6-2-15,11-14 0 16,9-4-5-16,11-7 0 0,9-7-7 16,8-22 0-16,13-18-5 15,7-7 1-15,13-8-4 16,4-10 1-16</inkml:trace>
   <inkml:trace contextRef="#ctx0" brushRef="#br0" timeOffset="7596.6886">9730-206 19 0,'-8'-7'9'0,"0"-26"0"15,8 27 11-15,0-2-14 16,0 4 0-16,-4 4 2 15,0 4 1-15,0 7-12 16,0 7 1-16,-4 4 6 16,4 7 1-16,0 0-3 0,4 11 0 15,4-1-1-15,4 2 1 16,8-13-1-16,8-6 1 16,13-7-1-16,0-15 0 15,4-11-2-15,0-11 0 16,-5-6-1-16,-3-5 0 15,-4-3 0 1,-5-5 0-16,-8 9 0 16,-8 6 0-16,1 5 3 15,-1 6 0-15,-8 8 0 16,-4 14 0-16,0 15 2 16,0 7 0-16,4 7 0 15,4 8 0-15,8-4-5 0,1-4 1 16,3-7-5-16,4-7 0 0,0-15-8 15,5-7 1-15</inkml:trace>
@@ -1809,7 +1809,7 @@
       <inkml:brushProperty name="fitToCurve" value="1"/>
     </inkml:brush>
   </inkml:definitions>
-  <inkml:trace contextRef="#ctx0" brushRef="#br0">3 4907 24 0,'0'18'12'0,"0"-43"-1"0,0 28 13 15,0 8-23-15,0-11 1 16,0 0 1-16,0 0 0 0,0 0-4 0,8 0 1 15,0 0 3-15,3 7 0 16,6-3 1-16,2-1 1 16,5-10 0-16,0 0 0 15,4 0-1-15,4 0 0 16,-5-3 0-16,1-1 1 16,8-3-3-1,8-4 0-15,3 1 0 16,5-5 0-16,3 1 1 15,0 0 0-15,13 3 0 16,-4-3 1-16,-5 4-1 16,1-1 1-16,-1-11-1 15,9 2 0-15,-1-5-2 16,0 0 1-16,5-4-1 0,-1 1 0 0,-4 0 0 16,-3-7 0-16,0 10 1 15,3-4 0-15,4-6-1 16,4-7 0-16,5-1 0 15,3 8 0-15,-7-4-1 16,-5 0 1-16,-4 0-1 16,-3 0 0-1,4 4 0-15,-1 0 1 16,-4-4-1-16,5 0 1 16,-5 3 0-16,5-3 0 15,-1-6 0-15,-3-5 0 16,-1 1-1-16,1 3 1 15,3 0 1-15,4-4 0 0,-7 4 0 16,0 1 1-16,-1-5-1 16,0 4 0-16,-3-3 0 15,-9-4 1-15,1 3-3 16,0-10 1-16,3-10-1 16,8 6 1-16,-7-3-1 15,0 6 0-15,-1-5 0 16,-4-2 1-16,-3 5-1 0,-1 2 1 0,1-9-1 15,-4-1 1-15,-4 7-1 16,-4 1 1-16,-5 3-1 16,1-4 0-16,-5-10 0 15,1 7 1-15,0 0-1 16,0 0 0-16,0 0 0 31,-8 0 0-31,-5-1 1 0,-3 15 0 16,0-3-1-16,-4-8 1 15,-8 4-1-15,0 11 0 16,0-4 0-16,-4 3 1 16,-3-3-1-16,-5 11 1 15,-4-4-1-15,-4 7 0 16,0 0 0-16,-8 0 1 0,1 4-1 16,-6 3 0-16,-6-3 0 15,7 10 0-15,-11-15-1 16,-1 9 1-16,0 3 0 15,-3-4 0-15,-5 0 0 16,0 4 0-16,1 3 0 16,0 1 0-1,-13 2 0-15,-12 8 0 0,-3 3 0 16,4 1 0 0,-28-16-1-1,7 6 1-15,5 5-1 16,0 1 1-16,0 7-1 15,4 3 0-15,0 4 0 16,3 4 1-16,12 6-1 0,9-3 1 16,0 4-1-16,3 3 1 15,1-3-1-15,-5 2 1 16,5 5-1-16,3-4 1 16,-3 4-1-16,-1 3 0 15,1 3 0-15,-1 4 1 16,4 1-1-16,1-1 1 0,8 4-1 15,3 0 1-15,-4-8-1 16,1-6 1-16,3 3 0 16,4 0 0-16,1 0 0 15,-1 0 0-15,1 4-1 16,-1 3 1-16,0 4 0 16,0 3 0-1,-3 0-1-15,3-6 1 0,9 2 0 16,2 0 0-16,1 5 0 15,1 0 0-15,-1-5-1 16,0-3 1-16,1 4 0 16,-5-4 1-16,4 0-1 15,4-3 0-15,5-4 0 16,-5-3 0-16,8-1 0 0,0 1 0 16,0-4-1-16,5-4 1 15,-1 1-1-15,3 3 0 16,2-3-1-16,2-1 1 15,2-3 0-15,-1 3 0 16,-1 1 0-16,2 0 1 16,-1-1-1-1,-1-3 1-15,2 4 0 16,3-1 0-16,0 0 0 16,0 1 0-16,-4-4 0 15,4 0 0-15,0 0-1 16,0 0 1-16,0 0 0 15,0 0 0-15,0 0 0 16,0 0 0-16,0 0 0 0,4-4 0 16,-4 4-1-16,8-6 1 0,-1-1 0 15,10-4 0-15,2 0 0 16,-3-6 0-16,4-4 0 16,0-8 0-16,4 5 0 15,0-1 1-15,-5 8-1 16,5-5 1-16,-8 5 0 0,-4 2 1 15,0-2-1-15,0-1 0 16,-1-3 0-16,-2 0 1 16,-1 3-2-16,-1 1 1 15,2 2-1-15,-6 5 0 16,1 2 0-16,-4 8 1 31,0 0-1-31,-4 4 1 0,4 0-1 16,-3 3 1-16,-9 3-1 15,-4 1 1-15,-4 3-1 16,-4 0 1-16,0 7-1 16,-8 8 0-16,1 2 0 15,-1 5 0-15,4-1 0 16,4-3 0-16,5-8-1 0,7-2 1 0,0-5-1 16,4-3 1-16,0-3 0 15,4-4 0-15,0-4-1 16,4 1 1-16,0 0 0 15,4-4 0-15,4-4 0 16,4-3 0-16,7 0 0 31,5-7 0-31,4-11 0 0,4-10 1 16,0 3-1-16,-4 1 0 16,-5-5-1-16,-3 8 1 15,0 3 0-15,-4 4 0 16,-5 3 0-16,-6 4 1 15,-1 3-1-15,-4 8 1 16,-9 6-1-16,-6 8 0 16,-9 0 0-16,-12 17 1 0,0 7-2 15,1 0 1-15,-1 4 0 16,5-3 0-16,3-5-1 16,4-2 1-16,4-5 0 15,4-3 0-15,4-3-1 0,4-7 1 16,8-4 0-16,8-7 0 0,0-11 0 15,8-6 0-15,8-5 0 16,7-6 0-16,5-11 0 16,0 4 0-16,0 0 0 15,-9 0 1-15,1 3-2 16,-4 0 1-16,-4 4 0 31,-4 6 0-31,-5 5 0 0,-2 10 1 16,-13 10-1-16,-12 11 0 15,-16 4 0-15,-12 14 1 16,-4 7-1-16,1 3 0 16,4 1 0-16,3-8 0 15,8 0-1-15,4-3 1 16,0-7 0-16,9-4 0 0,7-3-1 16,4-1 1-16,0-3 0 15,4-3 0-15,4-5 0 16,4 2 0-16,0-4 0 15,4-1 0-15,-4 0 0 16,-1 4 0-16,2-3-1 16,-1 0 1-1,-1-1 0-15,2 0 0 0,-5 1 0 16,4 0 0-16,-4-4 0 16,0 0 1-16,0 0-1 15,0 0 0-15,0-4 0 16,0 4 1-16,0-7-1 15,0 7 0-15,-4 0 0 16,4 0 0-16,0-3 0 0,0 3 0 16,0 0 0-16,4-4 0 15,3-3 0-15,5 7 0 16,8-7 0-16,0 4 1 16,8-5-1-16,8 8 1 15,3 0-1-15,1 0 1 16,-5-4-1-16,-2 1 1 0,-2-4 0 15,-3 4 0-15,0-5-1 16,-1-2 1-16,-3-1-1 16,-4 5 1-16,-4-2-1 15,-8 1 1-15,-8 7-1 16,-4 0 1-16,-8 3 0 31,-8 1 0-31,-8 0-1 0,-7 0 1 16,-5-1-1-16,-3 0 0 0,-2 1 0 15,6-1 0-15,0 5-1 16,3 2 1-16,4-3 0 16,4 7 0-16,4-3-1 15,4-1 1-15,13-2-1 16,10 2 1-16,13-6-1 0,12-4 1 16,8-4 0-16,12 0 0 15,3-2-1-15,-3 2 1 16,-1 0 0-16,-3 4 0 15,-5-3 0-15,-3-1 1 16,-4 1-1-16,-8 0 0 16,-4 3 0-1,-9 0 1-15,-11 0-1 16,-4 0 1-16,-8-8-1 16,-7 1 1-16,-5 0 0 15,-7-4 0-15,-5 8-1 16,-4 0 0-16,0-1 0 15,5 4 0-15,-1 0-1 0,4 4 1 16,0-4 0-16,4 3 0 16,9-3-1-16,3 0 1 0,4 0-1 15,8 3 1-15,4 1-1 16,8-4 1-16,8-4 0 16,8-2 0-16,7 2-1 15,1 0 1-15,0 1 0 16,-8-1 0-16,-5 1 0 0,-3 3 0 15,-4-3 0-15,-4-1 1 16,-8 4-1-16,-8-8 0 16,-4 2 0-16,-4-1 1 15,-3-1-1-15,-5 5 0 16,0 0 0-16,4 3 0 31,0 0 0-31,1 0 0 0,-2 0-1 16,6 0 1-16,-1 3 0 15,4-3 0-15,4 0-1 16,4-3 1-16,4-5 0 16,4 1 0-16,4-7-1 15,8-11 1-15,4-6 0 16,8 2 0-16,8-9 0 0,-1-8 0 16,5-3 0-16,-9 2 0 15,5-2 0-15,-4 0 0 0,0 3 0 16,-4 7 0-16,-9 8-1 15,-3 6 1-15,-8 11 0 16,-12 17 0-16,-8 18-1 31,-8 7 1-31,-15 18 0 0,-9 0 0 16,0 7-1-16,4 0 1 16,1-3 0-16,7-1 0 15,4-7 0-15,4-3 0 16,5-14 0-16,3-4 0 15,4-7-1-15,4-3 1 16,4-11-3-16,4-11 0 0,8-7-13 16,16-13 1-16,15-15-8 15,-3-21 1-15</inkml:trace>
+  <inkml:trace contextRef="#ctx0" brushRef="#br0">3 4904 24 0,'0'18'12'0,"0"-43"-1"0,0 28 13 15,0 8-23-15,0-11 1 16,0 0 1-16,0 0 0 0,0 0-4 0,8 0 1 15,0 0 3-15,3 7 0 16,6-3 1-16,2-1 1 16,5-10 0-16,0 0 0 15,4 0-1-15,4 0 0 16,-5-3 0-16,1-1 1 16,8-3-3-1,8-4 0-15,3 1 0 16,5-5 0-16,3 1 1 15,0 0 0-15,13 3 0 16,-4-3 1-16,-5 4-1 16,1-1 1-16,-1-11-1 15,9 2 0-15,-1-5-2 16,0 0 1-16,5-4-1 0,-1 1 0 0,-4 0 0 16,-3-7 0-16,0 10 1 15,3-4 0-15,4-6-1 16,4-7 0-16,5-1 0 15,3 8 0-15,-7-4-1 16,-5 1 1-16,-4-1-1 16,-3 0 0-1,4 4 0-15,-1 0 1 16,-4-4-1-16,5 0 1 16,-5 3 0-16,5-3 0 15,-1-6 0-15,-3-5 0 16,-1 1-1-16,1 3 1 15,3 0 1-15,4-4 0 0,-7 4 0 16,0 1 1-16,-1-5-1 16,0 4 0-16,-3-3 0 15,-9-4 1-15,1 3-3 16,0-10 1-16,3-10-1 16,8 6 1-16,-7-3-1 15,0 6 0-15,-1-5 0 16,-4-2 1-16,-3 6-1 0,-1 1 1 0,1-9-1 15,-4-1 1-15,-4 7-1 16,-4 1 1-16,-5 3-1 16,1-4 0-16,-5-10 0 15,1 7 1-15,0 0-1 16,0 0 0-16,0 0 0 31,-8 0 0-31,-5-1 1 0,-3 15 0 16,0-3-1-16,-4-8 1 15,-8 4-1-15,0 11 0 16,0-4 0-16,-4 3 1 16,-3-3-1-16,-5 11 1 15,-4-3-1-15,-4 6 0 16,0 0 0-16,-8 0 1 0,1 4-1 16,-6 3 0-16,-6-3 0 15,7 10 0-15,-11-15-1 16,-1 9 1-16,0 3 0 15,-3-4 0-15,-5 0 0 16,0 4 0-16,1 3 0 16,0 1 0-1,-13 2 0-15,-12 8 0 0,-3 3 0 16,4 1 0 0,-28-16-1-1,7 6 1-15,5 5-1 16,0 1 1-16,0 7-1 15,4 3 0-15,0 4 0 16,3 4 1-16,12 6-1 0,9-3 1 16,0 4-1-16,3 3 1 15,1-3-1-15,-5 2 1 16,5 5-1-16,3-4 1 16,-3 4-1-16,-1 3 0 15,1 3 0-15,-1 4 1 16,4 1-1-16,1-1 1 0,8 4-1 15,3 0 1-15,-4-8-1 16,1-6 1-16,3 3 0 16,4 0 0-16,1 0 0 15,-1 0 0-15,1 4-1 16,-1 3 1-16,0 4 0 16,0 3 0-1,-3 0-1-15,3-6 1 0,9 2 0 16,2 0 0-16,1 5 0 15,1 0 0-15,-1-5-1 16,0-3 1-16,1 4 0 16,-5-4 1-16,4 0-1 15,4-3 0-15,5-4 0 16,-5-3 0-16,8-1 0 0,0 1 0 16,0-4-1-16,5-4 1 15,-1 1-1-15,3 3 0 16,2-3-1-16,2-1 1 15,2-3 0-15,-1 3 0 16,-1 1 0-16,2 0 1 16,-1-1-1-1,-1-3 1-15,2 4 0 16,3-1 0-16,0 0 0 16,0 1 0-16,-4-4 0 15,4 0 0-15,0 0-1 16,0 0 1-16,0 0 0 15,0 0 0-15,0 0 0 16,0 0 0-16,0 0 0 0,4-4 0 16,-4 4-1-16,8-6 1 0,-1-1 0 15,10-4 0-15,2 0 0 16,-3-6 0-16,4-4 0 16,0-8 0-16,4 5 0 15,0-1 1-15,-5 8-1 16,5-5 1-16,-8 5 0 0,-4 2 1 15,0-2-1-15,0-1 0 16,-1-3 0-16,-2 0 1 16,-1 3-2-16,-1 1 1 15,2 2-1-15,-6 5 0 16,1 2 0-16,-4 8 1 31,0 0-1-31,-4 4 1 0,4 0-1 16,-3 3 1-16,-9 3-1 15,-4 1 1-15,-4 3-1 16,-4 0 1-16,0 7-1 16,-8 8 0-16,1 2 0 15,-1 5 0-15,4-1 0 16,4-3 0-16,5-8-1 0,7-2 1 0,0-5-1 16,4-3 1-16,0-3 0 15,4-4 0-15,0-4-1 16,4 1 1-16,0 0 0 15,4-4 0-15,4-4 0 16,4-3 0-16,7 0 0 31,5-7 0-31,4-11 0 0,4-10 1 16,0 3-1-16,-4 1 0 16,-5-5-1-16,-3 8 1 15,0 3 0-15,-4 4 0 16,-5 3 0-16,-6 4 1 15,-1 3-1-15,-4 8 1 16,-9 6-1-16,-6 8 0 16,-9 0 0-16,-12 17 1 0,0 7-2 15,1 0 1-15,-1 4 0 16,5-3 0-16,3-5-1 16,4-2 1-16,4-5 0 15,4-3 0-15,4-3-1 0,4-7 1 16,8-4 0-16,8-7 0 0,0-11 0 15,8-6 0-15,8-5 0 16,7-6 0-16,5-11 0 16,0 4 0-16,0 0 0 15,-9 0 1-15,1 3-2 16,-4 0 1-16,-4 4 0 31,-4 6 0-31,-5 5 0 0,-2 10 1 16,-13 10-1-16,-12 11 0 15,-16 4 0-15,-12 14 1 16,-4 7-1-16,1 3 0 16,4 1 0-16,3-8 0 15,8 0-1-15,4-3 1 16,0-7 0-16,9-4 0 0,7-3-1 16,4-1 1-16,0-3 0 15,4-3 0-15,4-5 0 16,4 1 0-16,0-3 0 15,4-1 0-15,-4 0 0 16,-1 4 0-16,2-3-1 16,-1 0 1-1,-1-1 0-15,2 0 0 0,-5 1 0 16,4 0 0-16,-4-4 0 16,0 0 1-16,0 0-1 15,0 0 0-15,0-4 0 16,0 4 1-16,0-7-1 15,0 7 0-15,-4 0 0 16,4 0 0-16,0-3 0 0,0 3 0 16,0 0 0-16,4-4 0 15,3-3 0-15,5 7 0 16,8-7 0-16,0 4 1 16,8-4-1-16,8 7 1 15,3 0-1-15,1 0 1 16,-5-4-1-16,-2 1 1 0,-2-4 0 15,-3 4 0-15,0-5-1 16,-1-2 1-16,-3-1-1 16,-4 5 1-16,-4-2-1 15,-8 1 1-15,-8 7-1 16,-4 0 1-16,-8 3 0 31,-8 1 0-31,-8 0-1 0,-7 0 1 16,-5-1-1-16,-3 0 0 0,-2 1 0 15,6-1 0-15,0 5-1 16,3 2 1-16,4-3 0 16,4 7 0-16,4-4-1 15,4 0 1-15,13-2-1 16,10 2 1-16,13-6-1 0,12-4 1 16,8-4 0-16,12 0 0 15,3-2-1-15,-3 2 1 16,-1 0 0-16,-3 4 0 15,-5-3 0-15,-3-1 1 16,-4 1-1-16,-8 0 0 16,-4 3 0-1,-9 0 1-15,-11 0-1 16,-4 0 1-16,-8-7-1 16,-7 0 1-16,-5 0 0 15,-7-4 0-15,-5 8-1 16,-4 0 0-16,0-1 0 15,5 4 0-15,-1 0-1 0,4 4 1 16,0-4 0-16,4 3 0 16,9-3-1-16,3 0 1 0,4 0-1 15,8 3 1-15,4 1-1 16,8-4 1-16,8-4 0 16,8-2 0-16,7 2-1 15,1 0 1-15,0 1 0 16,-8-1 0-16,-5 1 0 0,-3 3 0 15,-4-3 0-15,-4-1 1 16,-8 4-1-16,-8-8 0 16,-4 2 0-16,-4-1 1 15,-3-1-1-15,-5 5 0 16,0 0 0-16,4 3 0 31,0 0 0-31,1 0 0 0,-2 0-1 16,6 0 1-16,-1 3 0 15,4-3 0-15,4 0-1 16,4-3 1-16,4-5 0 16,4 1 0-16,4-7-1 15,8-11 1-15,4-6 0 16,8 2 0-16,8-9 0 0,-1-8 0 16,5-3 0-16,-9 2 0 15,5-2 0-15,-4 0 0 0,0 3 0 16,-4 7 0-16,-9 8-1 15,-3 6 1-15,-8 11 0 16,-12 17 0-16,-8 18-1 31,-8 7 1-31,-15 18 0 0,-9 0 0 16,0 7-1-16,4 0 1 16,1-3 0-16,7-1 0 15,4-7 0-15,4-3 0 16,5-14 0-16,3-4 0 15,4-7-1-15,4-3 1 16,4-11-3-16,4-11 0 0,8-7-13 16,16-13 1-16,15-15-8 15,-3-21 1-15</inkml:trace>
 </inkml:ink>
 </file>
 
@@ -2144,7 +2144,7 @@
           <a:p>
             <a:fld id="{9D1F5F2B-0730-4A54-A5DD-3928CCCEE122}" type="datetimeFigureOut">
               <a:rPr lang="en-GB" smtClean="0"/>
-              <a:t>16/09/2016</a:t>
+              <a:t>17/09/2016</a:t>
             </a:fld>
             <a:endParaRPr lang="en-GB"/>
           </a:p>
@@ -2461,14 +2461,6 @@
           <a:bodyPr/>
           <a:lstStyle/>
           <a:p>
-            <a:r>
-              <a:rPr lang="en-US" dirty="0"/>
-              <a:t>TODO:</a:t>
-            </a:r>
-            <a:r>
-              <a:rPr lang="en-US" baseline="0" dirty="0"/>
-              <a:t> picture/drawing</a:t>
-            </a:r>
             <a:endParaRPr lang="it-IT" dirty="0"/>
           </a:p>
         </p:txBody>
@@ -2563,22 +2555,8 @@
               <a:buChar char="•"/>
             </a:pPr>
             <a:r>
-              <a:rPr lang="en-US" dirty="0"/>
-              <a:t>TODO:</a:t>
-            </a:r>
-            <a:r>
-              <a:rPr lang="en-US" baseline="0" dirty="0"/>
-              <a:t> pictures/drawings</a:t>
-            </a:r>
-          </a:p>
-          <a:p>
-            <a:pPr marL="171450" indent="-171450">
-              <a:buFont typeface="Arial" panose="020B0604020202020204" pitchFamily="34" charset="0"/>
-              <a:buChar char="•"/>
-            </a:pPr>
-            <a:r>
-              <a:rPr lang="en-US" baseline="0" dirty="0"/>
-              <a:t>TODO: mention location of standard meeting </a:t>
+              <a:rPr lang="en-US" dirty="0" smtClean="0"/>
+              <a:t>Standard meeting: Oulu</a:t>
             </a:r>
           </a:p>
         </p:txBody>
@@ -4909,7 +4887,7 @@
           <a:p>
             <a:fld id="{0CCCAA47-7A5E-0248-86A4-50D01CC2A0C7}" type="datetimeFigureOut">
               <a:rPr lang="en-US" smtClean="0"/>
-              <a:t>9/16/2016</a:t>
+              <a:t>9/17/2016</a:t>
             </a:fld>
             <a:endParaRPr lang="en-US"/>
           </a:p>
@@ -5142,7 +5120,7 @@
           <a:p>
             <a:fld id="{0CCCAA47-7A5E-0248-86A4-50D01CC2A0C7}" type="datetimeFigureOut">
               <a:rPr lang="en-US" smtClean="0"/>
-              <a:t>9/16/2016</a:t>
+              <a:t>9/17/2016</a:t>
             </a:fld>
             <a:endParaRPr lang="en-US"/>
           </a:p>
@@ -5359,7 +5337,7 @@
           <a:p>
             <a:fld id="{0CCCAA47-7A5E-0248-86A4-50D01CC2A0C7}" type="datetimeFigureOut">
               <a:rPr lang="en-US" smtClean="0"/>
-              <a:t>9/16/2016</a:t>
+              <a:t>9/17/2016</a:t>
             </a:fld>
             <a:endParaRPr lang="en-US"/>
           </a:p>
@@ -5631,7 +5609,7 @@
           <a:p>
             <a:fld id="{026E4F01-8FA7-E241-A48E-5E0147CC8DFB}" type="datetimeFigureOut">
               <a:rPr lang="en-US" smtClean="0"/>
-              <a:t>9/16/2016</a:t>
+              <a:t>9/17/2016</a:t>
             </a:fld>
             <a:endParaRPr lang="en-US"/>
           </a:p>
@@ -6000,7 +5978,7 @@
           <a:p>
             <a:fld id="{026E4F01-8FA7-E241-A48E-5E0147CC8DFB}" type="datetimeFigureOut">
               <a:rPr lang="en-US" smtClean="0"/>
-              <a:t>9/16/2016</a:t>
+              <a:t>9/17/2016</a:t>
             </a:fld>
             <a:endParaRPr lang="en-US"/>
           </a:p>
@@ -6288,7 +6266,7 @@
           <a:p>
             <a:fld id="{026E4F01-8FA7-E241-A48E-5E0147CC8DFB}" type="datetimeFigureOut">
               <a:rPr lang="en-US" smtClean="0"/>
-              <a:t>9/16/2016</a:t>
+              <a:t>9/17/2016</a:t>
             </a:fld>
             <a:endParaRPr lang="en-US"/>
           </a:p>
@@ -6625,7 +6603,7 @@
           <a:p>
             <a:fld id="{026E4F01-8FA7-E241-A48E-5E0147CC8DFB}" type="datetimeFigureOut">
               <a:rPr lang="en-US" smtClean="0"/>
-              <a:t>9/16/2016</a:t>
+              <a:t>9/17/2016</a:t>
             </a:fld>
             <a:endParaRPr lang="en-US"/>
           </a:p>
@@ -7230,7 +7208,7 @@
           <a:p>
             <a:fld id="{026E4F01-8FA7-E241-A48E-5E0147CC8DFB}" type="datetimeFigureOut">
               <a:rPr lang="en-US" smtClean="0"/>
-              <a:t>9/16/2016</a:t>
+              <a:t>9/17/2016</a:t>
             </a:fld>
             <a:endParaRPr lang="en-US"/>
           </a:p>
@@ -7515,7 +7493,7 @@
           <a:p>
             <a:fld id="{026E4F01-8FA7-E241-A48E-5E0147CC8DFB}" type="datetimeFigureOut">
               <a:rPr lang="en-US" smtClean="0"/>
-              <a:t>9/16/2016</a:t>
+              <a:t>9/17/2016</a:t>
             </a:fld>
             <a:endParaRPr lang="en-US"/>
           </a:p>
@@ -7641,7 +7619,7 @@
           <a:p>
             <a:fld id="{026E4F01-8FA7-E241-A48E-5E0147CC8DFB}" type="datetimeFigureOut">
               <a:rPr lang="en-US" smtClean="0"/>
-              <a:t>9/16/2016</a:t>
+              <a:t>9/17/2016</a:t>
             </a:fld>
             <a:endParaRPr lang="en-US"/>
           </a:p>
@@ -7958,7 +7936,7 @@
           <a:p>
             <a:fld id="{026E4F01-8FA7-E241-A48E-5E0147CC8DFB}" type="datetimeFigureOut">
               <a:rPr lang="en-US" smtClean="0"/>
-              <a:t>9/16/2016</a:t>
+              <a:t>9/17/2016</a:t>
             </a:fld>
             <a:endParaRPr lang="en-US"/>
           </a:p>
@@ -8175,7 +8153,7 @@
           <a:p>
             <a:fld id="{0CCCAA47-7A5E-0248-86A4-50D01CC2A0C7}" type="datetimeFigureOut">
               <a:rPr lang="en-US" smtClean="0"/>
-              <a:t>9/16/2016</a:t>
+              <a:t>9/17/2016</a:t>
             </a:fld>
             <a:endParaRPr lang="en-US"/>
           </a:p>
@@ -8468,7 +8446,7 @@
           <a:p>
             <a:fld id="{026E4F01-8FA7-E241-A48E-5E0147CC8DFB}" type="datetimeFigureOut">
               <a:rPr lang="en-US" smtClean="0"/>
-              <a:t>9/16/2016</a:t>
+              <a:t>9/17/2016</a:t>
             </a:fld>
             <a:endParaRPr lang="en-US"/>
           </a:p>
@@ -8685,7 +8663,7 @@
           <a:p>
             <a:fld id="{026E4F01-8FA7-E241-A48E-5E0147CC8DFB}" type="datetimeFigureOut">
               <a:rPr lang="en-US" smtClean="0"/>
-              <a:t>9/16/2016</a:t>
+              <a:t>9/17/2016</a:t>
             </a:fld>
             <a:endParaRPr lang="en-US"/>
           </a:p>
@@ -8902,7 +8880,7 @@
           <a:p>
             <a:fld id="{026E4F01-8FA7-E241-A48E-5E0147CC8DFB}" type="datetimeFigureOut">
               <a:rPr lang="en-US" smtClean="0"/>
-              <a:t>9/16/2016</a:t>
+              <a:t>9/17/2016</a:t>
             </a:fld>
             <a:endParaRPr lang="en-US"/>
           </a:p>
@@ -9185,7 +9163,7 @@
           <a:p>
             <a:fld id="{0CCCAA47-7A5E-0248-86A4-50D01CC2A0C7}" type="datetimeFigureOut">
               <a:rPr lang="en-US" smtClean="0"/>
-              <a:t>9/16/2016</a:t>
+              <a:t>9/17/2016</a:t>
             </a:fld>
             <a:endParaRPr lang="en-US"/>
           </a:p>
@@ -9511,7 +9489,7 @@
           <a:p>
             <a:fld id="{0CCCAA47-7A5E-0248-86A4-50D01CC2A0C7}" type="datetimeFigureOut">
               <a:rPr lang="en-US" smtClean="0"/>
-              <a:t>9/16/2016</a:t>
+              <a:t>9/17/2016</a:t>
             </a:fld>
             <a:endParaRPr lang="en-US"/>
           </a:p>
@@ -9977,7 +9955,7 @@
           <a:p>
             <a:fld id="{0CCCAA47-7A5E-0248-86A4-50D01CC2A0C7}" type="datetimeFigureOut">
               <a:rPr lang="en-US" smtClean="0"/>
-              <a:t>9/16/2016</a:t>
+              <a:t>9/17/2016</a:t>
             </a:fld>
             <a:endParaRPr lang="en-US"/>
           </a:p>
@@ -10127,7 +10105,7 @@
           <a:p>
             <a:fld id="{0CCCAA47-7A5E-0248-86A4-50D01CC2A0C7}" type="datetimeFigureOut">
               <a:rPr lang="en-US" smtClean="0"/>
-              <a:t>9/16/2016</a:t>
+              <a:t>9/17/2016</a:t>
             </a:fld>
             <a:endParaRPr lang="en-US"/>
           </a:p>
@@ -10246,7 +10224,7 @@
           <a:p>
             <a:fld id="{0CCCAA47-7A5E-0248-86A4-50D01CC2A0C7}" type="datetimeFigureOut">
               <a:rPr lang="en-US" smtClean="0"/>
-              <a:t>9/16/2016</a:t>
+              <a:t>9/17/2016</a:t>
             </a:fld>
             <a:endParaRPr lang="en-US"/>
           </a:p>
@@ -10556,7 +10534,7 @@
           <a:p>
             <a:fld id="{0CCCAA47-7A5E-0248-86A4-50D01CC2A0C7}" type="datetimeFigureOut">
               <a:rPr lang="en-US" smtClean="0"/>
-              <a:t>9/16/2016</a:t>
+              <a:t>9/17/2016</a:t>
             </a:fld>
             <a:endParaRPr lang="en-US"/>
           </a:p>
@@ -10849,7 +10827,7 @@
           <a:p>
             <a:fld id="{0CCCAA47-7A5E-0248-86A4-50D01CC2A0C7}" type="datetimeFigureOut">
               <a:rPr lang="en-US" smtClean="0"/>
-              <a:t>9/16/2016</a:t>
+              <a:t>9/17/2016</a:t>
             </a:fld>
             <a:endParaRPr lang="en-US"/>
           </a:p>
@@ -13434,6 +13412,35 @@
           <a:chExt cx="0" cy="0"/>
         </a:xfrm>
       </p:grpSpPr>
+      <p:pic>
+        <p:nvPicPr>
+          <p:cNvPr id="6" name="Content Placeholder 5"/>
+          <p:cNvPicPr>
+            <a:picLocks noGrp="1" noChangeAspect="1"/>
+          </p:cNvPicPr>
+          <p:nvPr>
+            <p:ph sz="half" idx="2"/>
+          </p:nvPr>
+        </p:nvPicPr>
+        <p:blipFill>
+          <a:blip r:embed="rId3" cstate="screen">
+            <a:extLst>
+              <a:ext uri="{28A0092B-C50C-407E-A947-70E740481C1C}">
+                <a14:useLocalDpi xmlns:a14="http://schemas.microsoft.com/office/drawing/2010/main"/>
+              </a:ext>
+            </a:extLst>
+          </a:blip>
+          <a:stretch>
+            <a:fillRect/>
+          </a:stretch>
+        </p:blipFill>
+        <p:spPr>
+          <a:xfrm>
+            <a:off x="-793349" y="0"/>
+            <a:ext cx="10856715" cy="6372665"/>
+          </a:xfrm>
+        </p:spPr>
+      </p:pic>
       <p:sp>
         <p:nvSpPr>
           <p:cNvPr id="2" name="Title 1"/>
@@ -13450,20 +13457,35 @@
           <a:lstStyle/>
           <a:p>
             <a:r>
-              <a:rPr lang="en-US" sz="3200" dirty="0"/>
+              <a:rPr lang="en-US" sz="3200" dirty="0">
+                <a:solidFill>
+                  <a:schemeClr val="bg1"/>
+                </a:solidFill>
+              </a:rPr>
               <a:t>History of </a:t>
             </a:r>
             <a:r>
               <a:rPr lang="en-US" sz="3200" dirty="0">
+                <a:solidFill>
+                  <a:schemeClr val="bg1"/>
+                </a:solidFill>
                 <a:latin typeface="Consolas" panose="020B0609020204030204" pitchFamily="49" charset="0"/>
               </a:rPr>
               <a:t>static if</a:t>
             </a:r>
             <a:r>
-              <a:rPr lang="en-US" sz="3200" dirty="0"/>
+              <a:rPr lang="en-US" sz="3200" dirty="0">
+                <a:solidFill>
+                  <a:schemeClr val="bg1"/>
+                </a:solidFill>
+              </a:rPr>
               <a:t> proposals - 3</a:t>
             </a:r>
-            <a:endParaRPr lang="it-IT" sz="3200" dirty="0"/>
+            <a:endParaRPr lang="it-IT" sz="3200" dirty="0">
+              <a:solidFill>
+                <a:schemeClr val="bg1"/>
+              </a:solidFill>
+            </a:endParaRPr>
           </a:p>
         </p:txBody>
       </p:sp>
@@ -13479,8 +13501,8 @@
         </p:nvSpPr>
         <p:spPr>
           <a:xfrm>
-            <a:off x="628651" y="1029582"/>
-            <a:ext cx="4886030" cy="3263504"/>
+            <a:off x="628650" y="1029582"/>
+            <a:ext cx="7149845" cy="3263504"/>
           </a:xfrm>
         </p:spPr>
         <p:txBody>
@@ -13488,72 +13510,83 @@
           <a:lstStyle/>
           <a:p>
             <a:r>
-              <a:rPr lang="en-US" dirty="0"/>
+              <a:rPr lang="en-US" dirty="0">
+                <a:solidFill>
+                  <a:schemeClr val="bg1"/>
+                </a:solidFill>
+              </a:rPr>
               <a:t>The final revision, </a:t>
             </a:r>
             <a:r>
               <a:rPr lang="en-US" dirty="0">
-                <a:hlinkClick r:id="rId3"/>
+                <a:solidFill>
+                  <a:schemeClr val="bg1"/>
+                </a:solidFill>
+                <a:hlinkClick r:id="rId4"/>
               </a:rPr>
               <a:t>P0292R2</a:t>
             </a:r>
             <a:r>
-              <a:rPr lang="en-US" dirty="0"/>
+              <a:rPr lang="en-US" dirty="0">
+                <a:solidFill>
+                  <a:schemeClr val="bg1"/>
+                </a:solidFill>
+              </a:rPr>
               <a:t>, was accepted for C++17:</a:t>
             </a:r>
           </a:p>
           <a:p>
             <a:pPr lvl="1"/>
             <a:r>
-              <a:rPr lang="en-US" dirty="0"/>
+              <a:rPr lang="en-US" dirty="0">
+                <a:solidFill>
+                  <a:schemeClr val="bg1"/>
+                </a:solidFill>
+              </a:rPr>
               <a:t>“</a:t>
             </a:r>
             <a:r>
-              <a:rPr lang="en-US" dirty="0" err="1"/>
+              <a:rPr lang="en-US" dirty="0" err="1">
+                <a:solidFill>
+                  <a:schemeClr val="bg1"/>
+                </a:solidFill>
+              </a:rPr>
               <a:t>constexpr</a:t>
             </a:r>
             <a:r>
-              <a:rPr lang="en-US" dirty="0"/>
+              <a:rPr lang="en-US" dirty="0">
+                <a:solidFill>
+                  <a:schemeClr val="bg1"/>
+                </a:solidFill>
+              </a:rPr>
               <a:t> if: A slightly different syntax”</a:t>
             </a:r>
             <a:br>
-              <a:rPr lang="en-US" dirty="0"/>
+              <a:rPr lang="en-US" dirty="0">
+                <a:solidFill>
+                  <a:schemeClr val="bg1"/>
+                </a:solidFill>
+              </a:rPr>
             </a:br>
             <a:r>
-              <a:rPr lang="en-US" i="1" dirty="0"/>
+              <a:rPr lang="en-US" i="1" dirty="0">
+                <a:solidFill>
+                  <a:schemeClr val="bg1"/>
+                </a:solidFill>
+              </a:rPr>
               <a:t>- Jens Maurer</a:t>
             </a:r>
-            <a:endParaRPr lang="it-IT" i="1" dirty="0"/>
-          </a:p>
-        </p:txBody>
-      </p:sp>
-      <p:sp>
-        <p:nvSpPr>
-          <p:cNvPr id="5" name="Content Placeholder 4"/>
-          <p:cNvSpPr>
-            <a:spLocks noGrp="1"/>
-          </p:cNvSpPr>
-          <p:nvPr>
-            <p:ph sz="half" idx="2"/>
-          </p:nvPr>
-        </p:nvSpPr>
-        <p:spPr>
-          <a:xfrm>
-            <a:off x="5783344" y="1029582"/>
-            <a:ext cx="2732006" cy="3263504"/>
-          </a:xfrm>
-        </p:spPr>
-        <p:txBody>
-          <a:bodyPr lIns="68580" tIns="34290" rIns="68580" bIns="34290"/>
-          <a:lstStyle/>
-          <a:p>
-            <a:endParaRPr lang="it-IT" dirty="0"/>
+            <a:endParaRPr lang="it-IT" i="1" dirty="0">
+              <a:solidFill>
+                <a:schemeClr val="bg1"/>
+              </a:solidFill>
+            </a:endParaRPr>
           </a:p>
         </p:txBody>
       </p:sp>
       <mc:AlternateContent xmlns:mc="http://schemas.openxmlformats.org/markup-compatibility/2006" xmlns:p14="http://schemas.microsoft.com/office/powerpoint/2010/main">
         <mc:Choice Requires="p14">
-          <p:contentPart p14:bwMode="auto" r:id="rId4">
+          <p:contentPart p14:bwMode="auto" r:id="rId5">
             <p14:nvContentPartPr>
               <p14:cNvPr id="23" name="Ink 22"/>
               <p14:cNvContentPartPr/>
@@ -13600,7 +13633,12 @@
       